--- a/BSD_Figures.pptx
+++ b/BSD_Figures.pptx
@@ -5,7 +5,7 @@
     <p:sldMasterId id="2147483648" r:id="rId1"/>
   </p:sldMasterIdLst>
   <p:notesMasterIdLst>
-    <p:notesMasterId r:id="rId24"/>
+    <p:notesMasterId r:id="rId28"/>
   </p:notesMasterIdLst>
   <p:sldIdLst>
     <p:sldId id="276" r:id="rId2"/>
@@ -22,14 +22,18 @@
     <p:sldId id="279" r:id="rId13"/>
     <p:sldId id="261" r:id="rId14"/>
     <p:sldId id="260" r:id="rId15"/>
-    <p:sldId id="281" r:id="rId16"/>
-    <p:sldId id="262" r:id="rId17"/>
-    <p:sldId id="268" r:id="rId18"/>
-    <p:sldId id="280" r:id="rId19"/>
-    <p:sldId id="259" r:id="rId20"/>
-    <p:sldId id="270" r:id="rId21"/>
-    <p:sldId id="285" r:id="rId22"/>
-    <p:sldId id="286" r:id="rId23"/>
+    <p:sldId id="287" r:id="rId16"/>
+    <p:sldId id="288" r:id="rId17"/>
+    <p:sldId id="289" r:id="rId18"/>
+    <p:sldId id="290" r:id="rId19"/>
+    <p:sldId id="281" r:id="rId20"/>
+    <p:sldId id="262" r:id="rId21"/>
+    <p:sldId id="268" r:id="rId22"/>
+    <p:sldId id="280" r:id="rId23"/>
+    <p:sldId id="259" r:id="rId24"/>
+    <p:sldId id="270" r:id="rId25"/>
+    <p:sldId id="285" r:id="rId26"/>
+    <p:sldId id="286" r:id="rId27"/>
   </p:sldIdLst>
   <p:sldSz cx="12192000" cy="6858000"/>
   <p:notesSz cx="6858000" cy="9144000"/>
@@ -6558,7 +6562,7 @@
           <a:p>
             <a:fld id="{96F659EB-4D8A-254E-A6E4-E7898AF261B2}" type="datetimeFigureOut">
               <a:rPr lang="en-US" smtClean="0"/>
-              <a:t>4/21/20</a:t>
+              <a:t>5/4/20</a:t>
             </a:fld>
             <a:endParaRPr lang="en-US"/>
           </a:p>
@@ -6890,7 +6894,7 @@
           <a:p>
             <a:fld id="{85CAD2CD-9AB5-CD41-BA33-64227A212544}" type="slidenum">
               <a:rPr lang="en-US" smtClean="0"/>
-              <a:t>20</a:t>
+              <a:t>24</a:t>
             </a:fld>
             <a:endParaRPr lang="en-US"/>
           </a:p>
@@ -7056,7 +7060,7 @@
           <a:p>
             <a:fld id="{7170159B-58A5-B047-8735-1AFBA8D9403D}" type="datetimeFigureOut">
               <a:rPr lang="en-US" smtClean="0"/>
-              <a:t>4/21/20</a:t>
+              <a:t>5/4/20</a:t>
             </a:fld>
             <a:endParaRPr lang="en-US"/>
           </a:p>
@@ -7254,7 +7258,7 @@
           <a:p>
             <a:fld id="{7170159B-58A5-B047-8735-1AFBA8D9403D}" type="datetimeFigureOut">
               <a:rPr lang="en-US" smtClean="0"/>
-              <a:t>4/21/20</a:t>
+              <a:t>5/4/20</a:t>
             </a:fld>
             <a:endParaRPr lang="en-US"/>
           </a:p>
@@ -7462,7 +7466,7 @@
           <a:p>
             <a:fld id="{7170159B-58A5-B047-8735-1AFBA8D9403D}" type="datetimeFigureOut">
               <a:rPr lang="en-US" smtClean="0"/>
-              <a:t>4/21/20</a:t>
+              <a:t>5/4/20</a:t>
             </a:fld>
             <a:endParaRPr lang="en-US"/>
           </a:p>
@@ -7660,7 +7664,7 @@
           <a:p>
             <a:fld id="{7170159B-58A5-B047-8735-1AFBA8D9403D}" type="datetimeFigureOut">
               <a:rPr lang="en-US" smtClean="0"/>
-              <a:t>4/21/20</a:t>
+              <a:t>5/4/20</a:t>
             </a:fld>
             <a:endParaRPr lang="en-US"/>
           </a:p>
@@ -7935,7 +7939,7 @@
           <a:p>
             <a:fld id="{7170159B-58A5-B047-8735-1AFBA8D9403D}" type="datetimeFigureOut">
               <a:rPr lang="en-US" smtClean="0"/>
-              <a:t>4/21/20</a:t>
+              <a:t>5/4/20</a:t>
             </a:fld>
             <a:endParaRPr lang="en-US"/>
           </a:p>
@@ -8200,7 +8204,7 @@
           <a:p>
             <a:fld id="{7170159B-58A5-B047-8735-1AFBA8D9403D}" type="datetimeFigureOut">
               <a:rPr lang="en-US" smtClean="0"/>
-              <a:t>4/21/20</a:t>
+              <a:t>5/4/20</a:t>
             </a:fld>
             <a:endParaRPr lang="en-US"/>
           </a:p>
@@ -8612,7 +8616,7 @@
           <a:p>
             <a:fld id="{7170159B-58A5-B047-8735-1AFBA8D9403D}" type="datetimeFigureOut">
               <a:rPr lang="en-US" smtClean="0"/>
-              <a:t>4/21/20</a:t>
+              <a:t>5/4/20</a:t>
             </a:fld>
             <a:endParaRPr lang="en-US"/>
           </a:p>
@@ -8753,7 +8757,7 @@
           <a:p>
             <a:fld id="{7170159B-58A5-B047-8735-1AFBA8D9403D}" type="datetimeFigureOut">
               <a:rPr lang="en-US" smtClean="0"/>
-              <a:t>4/21/20</a:t>
+              <a:t>5/4/20</a:t>
             </a:fld>
             <a:endParaRPr lang="en-US"/>
           </a:p>
@@ -8866,7 +8870,7 @@
           <a:p>
             <a:fld id="{7170159B-58A5-B047-8735-1AFBA8D9403D}" type="datetimeFigureOut">
               <a:rPr lang="en-US" smtClean="0"/>
-              <a:t>4/21/20</a:t>
+              <a:t>5/4/20</a:t>
             </a:fld>
             <a:endParaRPr lang="en-US"/>
           </a:p>
@@ -9177,7 +9181,7 @@
           <a:p>
             <a:fld id="{7170159B-58A5-B047-8735-1AFBA8D9403D}" type="datetimeFigureOut">
               <a:rPr lang="en-US" smtClean="0"/>
-              <a:t>4/21/20</a:t>
+              <a:t>5/4/20</a:t>
             </a:fld>
             <a:endParaRPr lang="en-US"/>
           </a:p>
@@ -9465,7 +9469,7 @@
           <a:p>
             <a:fld id="{7170159B-58A5-B047-8735-1AFBA8D9403D}" type="datetimeFigureOut">
               <a:rPr lang="en-US" smtClean="0"/>
-              <a:t>4/21/20</a:t>
+              <a:t>5/4/20</a:t>
             </a:fld>
             <a:endParaRPr lang="en-US"/>
           </a:p>
@@ -9706,7 +9710,7 @@
           <a:p>
             <a:fld id="{7170159B-58A5-B047-8735-1AFBA8D9403D}" type="datetimeFigureOut">
               <a:rPr lang="en-US" smtClean="0"/>
-              <a:t>4/21/20</a:t>
+              <a:t>5/4/20</a:t>
             </a:fld>
             <a:endParaRPr lang="en-US"/>
           </a:p>
@@ -10325,36 +10329,6 @@
           </a:p>
         </p:txBody>
       </p:sp>
-      <p:pic>
-        <p:nvPicPr>
-          <p:cNvPr id="3" name="Picture 2">
-            <a:extLst>
-              <a:ext uri="{FF2B5EF4-FFF2-40B4-BE49-F238E27FC236}">
-                <a16:creationId xmlns:a16="http://schemas.microsoft.com/office/drawing/2014/main" id="{8409F071-3471-934A-8C18-1C29D8045295}"/>
-              </a:ext>
-            </a:extLst>
-          </p:cNvPr>
-          <p:cNvPicPr>
-            <a:picLocks noChangeAspect="1"/>
-          </p:cNvPicPr>
-          <p:nvPr/>
-        </p:nvPicPr>
-        <p:blipFill>
-          <a:blip r:embed="rId3"/>
-          <a:stretch>
-            <a:fillRect/>
-          </a:stretch>
-        </p:blipFill>
-        <p:spPr>
-          <a:xfrm>
-            <a:off x="5829092" y="2021174"/>
-            <a:ext cx="5683354" cy="4262516"/>
-          </a:xfrm>
-          <a:prstGeom prst="rect">
-            <a:avLst/>
-          </a:prstGeom>
-        </p:spPr>
-      </p:pic>
     </p:spTree>
     <p:extLst>
       <p:ext uri="{BB962C8B-B14F-4D97-AF65-F5344CB8AC3E}">
@@ -10523,36 +10497,6 @@
           </a:p>
         </p:txBody>
       </p:sp>
-      <p:pic>
-        <p:nvPicPr>
-          <p:cNvPr id="3" name="Picture 2">
-            <a:extLst>
-              <a:ext uri="{FF2B5EF4-FFF2-40B4-BE49-F238E27FC236}">
-                <a16:creationId xmlns:a16="http://schemas.microsoft.com/office/drawing/2014/main" id="{6581B9AE-9114-9D41-9FEB-6F7766DA9359}"/>
-              </a:ext>
-            </a:extLst>
-          </p:cNvPr>
-          <p:cNvPicPr>
-            <a:picLocks noChangeAspect="1"/>
-          </p:cNvPicPr>
-          <p:nvPr/>
-        </p:nvPicPr>
-        <p:blipFill>
-          <a:blip r:embed="rId3"/>
-          <a:stretch>
-            <a:fillRect/>
-          </a:stretch>
-        </p:blipFill>
-        <p:spPr>
-          <a:xfrm>
-            <a:off x="5829092" y="2021174"/>
-            <a:ext cx="5679604" cy="4259703"/>
-          </a:xfrm>
-          <a:prstGeom prst="rect">
-            <a:avLst/>
-          </a:prstGeom>
-        </p:spPr>
-      </p:pic>
     </p:spTree>
     <p:extLst>
       <p:ext uri="{BB962C8B-B14F-4D97-AF65-F5344CB8AC3E}">
@@ -11206,7 +11150,7 @@
           <p:nvPr>
             <p:extLst>
               <p:ext uri="{D42A27DB-BD31-4B8C-83A1-F6EECF244321}">
-                <p14:modId xmlns:p14="http://schemas.microsoft.com/office/powerpoint/2010/main" val="3994185694"/>
+                <p14:modId xmlns:p14="http://schemas.microsoft.com/office/powerpoint/2010/main" val="1296305281"/>
               </p:ext>
             </p:extLst>
           </p:nvPr>
@@ -11540,39 +11484,7 @@
                 </a:extLst>
               </a:tr>
               <a:tr h="384494">
-                <a:tc>
-                  <a:txBody>
-                    <a:bodyPr/>
-                    <a:lstStyle/>
-                    <a:p>
-                      <a:pPr algn="ctr"/>
-                      <a:r>
-                        <a:rPr lang="en-US" dirty="0">
-                          <a:latin typeface="Times" pitchFamily="2" charset="0"/>
-                        </a:rPr>
-                        <a:t>62.395%</a:t>
-                      </a:r>
-                    </a:p>
-                  </a:txBody>
-                  <a:tcPr/>
-                </a:tc>
-                <a:tc>
-                  <a:txBody>
-                    <a:bodyPr/>
-                    <a:lstStyle/>
-                    <a:p>
-                      <a:pPr algn="ctr"/>
-                      <a:r>
-                        <a:rPr lang="en-US" dirty="0">
-                          <a:latin typeface="Times" pitchFamily="2" charset="0"/>
-                        </a:rPr>
-                        <a:t>92.619%</a:t>
-                      </a:r>
-                    </a:p>
-                  </a:txBody>
-                  <a:tcPr/>
-                </a:tc>
-                <a:tc>
+                <a:tc gridSpan="2">
                   <a:txBody>
                     <a:bodyPr/>
                     <a:lstStyle/>
@@ -11582,7 +11494,7 @@
                         <a:rPr lang="en-US" altLang="zh-CN" dirty="0">
                           <a:latin typeface="Times" pitchFamily="2" charset="0"/>
                         </a:rPr>
-                        <a:t>79.982%</a:t>
+                        <a:t>10000</a:t>
                       </a:r>
                       <a:endParaRPr lang="en-US" dirty="0">
                         <a:latin typeface="Times" pitchFamily="2" charset="0"/>
@@ -11591,7 +11503,20 @@
                   </a:txBody>
                   <a:tcPr/>
                 </a:tc>
-                <a:tc>
+                <a:tc hMerge="1">
+                  <a:txBody>
+                    <a:bodyPr/>
+                    <a:lstStyle/>
+                    <a:p>
+                      <a:pPr algn="ctr"/>
+                      <a:endParaRPr lang="en-US" dirty="0">
+                        <a:latin typeface="Times" pitchFamily="2" charset="0"/>
+                      </a:endParaRPr>
+                    </a:p>
+                  </a:txBody>
+                  <a:tcPr/>
+                </a:tc>
+                <a:tc gridSpan="2">
                   <a:txBody>
                     <a:bodyPr/>
                     <a:lstStyle/>
@@ -11601,8 +11526,21 @@
                         <a:rPr lang="en-US" altLang="zh-CN" dirty="0">
                           <a:latin typeface="Times" pitchFamily="2" charset="0"/>
                         </a:rPr>
-                        <a:t>87.251%</a:t>
-                      </a:r>
+                        <a:t>10000</a:t>
+                      </a:r>
+                      <a:endParaRPr lang="en-US" dirty="0">
+                        <a:latin typeface="Times" pitchFamily="2" charset="0"/>
+                      </a:endParaRPr>
+                    </a:p>
+                  </a:txBody>
+                  <a:tcPr/>
+                </a:tc>
+                <a:tc hMerge="1">
+                  <a:txBody>
+                    <a:bodyPr/>
+                    <a:lstStyle/>
+                    <a:p>
+                      <a:pPr algn="ctr"/>
                       <a:endParaRPr lang="en-US" dirty="0">
                         <a:latin typeface="Times" pitchFamily="2" charset="0"/>
                       </a:endParaRPr>
@@ -11617,28 +11555,18 @@
                 </a:extLst>
               </a:tr>
               <a:tr h="384494">
-                <a:tc gridSpan="2">
-                  <a:txBody>
-                    <a:bodyPr/>
-                    <a:lstStyle/>
-                    <a:p>
-                      <a:pPr algn="ctr"/>
-                      <a:r>
-                        <a:rPr lang="en-US" dirty="0">
+                <a:tc gridSpan="4">
+                  <a:txBody>
+                    <a:bodyPr/>
+                    <a:lstStyle/>
+                    <a:p>
+                      <a:pPr algn="ctr"/>
+                      <a:r>
+                        <a:rPr lang="en-US" altLang="zh-CN" dirty="0">
                           <a:latin typeface="Times" pitchFamily="2" charset="0"/>
                         </a:rPr>
-                        <a:t>83.27%</a:t>
-                      </a:r>
-                    </a:p>
-                  </a:txBody>
-                  <a:tcPr/>
-                </a:tc>
-                <a:tc hMerge="1">
-                  <a:txBody>
-                    <a:bodyPr/>
-                    <a:lstStyle/>
-                    <a:p>
-                      <a:pPr algn="ctr"/>
+                        <a:t>20000</a:t>
+                      </a:r>
                       <a:endParaRPr lang="en-US" dirty="0">
                         <a:latin typeface="Times" pitchFamily="2" charset="0"/>
                       </a:endParaRPr>
@@ -11646,18 +11574,28 @@
                   </a:txBody>
                   <a:tcPr/>
                 </a:tc>
-                <a:tc gridSpan="2">
-                  <a:txBody>
-                    <a:bodyPr/>
-                    <a:lstStyle/>
-                    <a:p>
-                      <a:pPr algn="ctr"/>
-                      <a:r>
-                        <a:rPr lang="en-US" dirty="0">
-                          <a:latin typeface="Times" pitchFamily="2" charset="0"/>
-                        </a:rPr>
-                        <a:t>84.8%</a:t>
-                      </a:r>
+                <a:tc hMerge="1">
+                  <a:txBody>
+                    <a:bodyPr/>
+                    <a:lstStyle/>
+                    <a:p>
+                      <a:pPr algn="ctr"/>
+                      <a:endParaRPr lang="en-US" dirty="0">
+                        <a:latin typeface="Times" pitchFamily="2" charset="0"/>
+                      </a:endParaRPr>
+                    </a:p>
+                  </a:txBody>
+                  <a:tcPr/>
+                </a:tc>
+                <a:tc hMerge="1">
+                  <a:txBody>
+                    <a:bodyPr/>
+                    <a:lstStyle/>
+                    <a:p>
+                      <a:pPr algn="ctr"/>
+                      <a:endParaRPr lang="en-US" dirty="0">
+                        <a:latin typeface="Times" pitchFamily="2" charset="0"/>
+                      </a:endParaRPr>
                     </a:p>
                   </a:txBody>
                   <a:tcPr/>
@@ -11768,7 +11706,7 @@
           <p:nvPr>
             <p:extLst>
               <p:ext uri="{D42A27DB-BD31-4B8C-83A1-F6EECF244321}">
-                <p14:modId xmlns:p14="http://schemas.microsoft.com/office/powerpoint/2010/main" val="682315040"/>
+                <p14:modId xmlns:p14="http://schemas.microsoft.com/office/powerpoint/2010/main" val="3712179067"/>
               </p:ext>
             </p:extLst>
           </p:nvPr>
@@ -12102,66 +12040,54 @@
                 </a:extLst>
               </a:tr>
               <a:tr h="384494">
-                <a:tc>
-                  <a:txBody>
-                    <a:bodyPr/>
-                    <a:lstStyle/>
-                    <a:p>
-                      <a:pPr algn="ctr"/>
-                      <a:r>
-                        <a:rPr lang="en-US" dirty="0">
-                          <a:latin typeface="Times" pitchFamily="2" charset="0"/>
-                        </a:rPr>
-                        <a:t>48.099%</a:t>
-                      </a:r>
+                <a:tc gridSpan="2">
+                  <a:txBody>
+                    <a:bodyPr/>
+                    <a:lstStyle/>
+                    <a:p>
+                      <a:pPr algn="ctr"/>
+                      <a:endParaRPr lang="en-US" dirty="0">
+                        <a:latin typeface="Times" pitchFamily="2" charset="0"/>
+                      </a:endParaRPr>
                     </a:p>
                   </a:txBody>
                   <a:tcPr/>
                 </a:tc>
-                <a:tc>
-                  <a:txBody>
-                    <a:bodyPr/>
-                    <a:lstStyle/>
-                    <a:p>
-                      <a:pPr algn="ctr"/>
-                      <a:r>
-                        <a:rPr lang="en-US" dirty="0">
-                          <a:latin typeface="Times" pitchFamily="2" charset="0"/>
-                        </a:rPr>
-                        <a:t>91.725%</a:t>
-                      </a:r>
+                <a:tc hMerge="1">
+                  <a:txBody>
+                    <a:bodyPr/>
+                    <a:lstStyle/>
+                    <a:p>
+                      <a:pPr algn="ctr"/>
+                      <a:endParaRPr lang="en-US" dirty="0">
+                        <a:latin typeface="Times" pitchFamily="2" charset="0"/>
+                      </a:endParaRPr>
                     </a:p>
                   </a:txBody>
                   <a:tcPr/>
                 </a:tc>
-                <a:tc>
-                  <a:txBody>
-                    <a:bodyPr/>
-                    <a:lstStyle/>
-                    <a:p>
-                      <a:pPr algn="ctr"/>
-                      <a:r>
-                        <a:rPr lang="en-US" dirty="0">
-                          <a:latin typeface="Times" pitchFamily="2" charset="0"/>
-                        </a:rPr>
-                        <a:t>75.367%</a:t>
-                      </a:r>
+                <a:tc gridSpan="2">
+                  <a:txBody>
+                    <a:bodyPr/>
+                    <a:lstStyle/>
+                    <a:p>
+                      <a:pPr algn="ctr"/>
+                      <a:endParaRPr lang="en-US" dirty="0">
+                        <a:latin typeface="Times" pitchFamily="2" charset="0"/>
+                      </a:endParaRPr>
                     </a:p>
                   </a:txBody>
                   <a:tcPr/>
                 </a:tc>
-                <a:tc>
-                  <a:txBody>
-                    <a:bodyPr/>
-                    <a:lstStyle/>
-                    <a:p>
-                      <a:pPr algn="ctr"/>
-                      <a:r>
-                        <a:rPr lang="en-US" dirty="0">
-                          <a:latin typeface="Times" pitchFamily="2" charset="0"/>
-                        </a:rPr>
-                        <a:t>85.16%</a:t>
-                      </a:r>
+                <a:tc hMerge="1">
+                  <a:txBody>
+                    <a:bodyPr/>
+                    <a:lstStyle/>
+                    <a:p>
+                      <a:pPr algn="ctr"/>
+                      <a:endParaRPr lang="en-US" dirty="0">
+                        <a:latin typeface="Times" pitchFamily="2" charset="0"/>
+                      </a:endParaRPr>
                     </a:p>
                   </a:txBody>
                   <a:tcPr/>
@@ -12173,23 +12099,7 @@
                 </a:extLst>
               </a:tr>
               <a:tr h="384494">
-                <a:tc gridSpan="2">
-                  <a:txBody>
-                    <a:bodyPr/>
-                    <a:lstStyle/>
-                    <a:p>
-                      <a:pPr algn="ctr"/>
-                      <a:r>
-                        <a:rPr lang="en-US" dirty="0">
-                          <a:latin typeface="Times" pitchFamily="2" charset="0"/>
-                        </a:rPr>
-                        <a:t>73.14%</a:t>
-                      </a:r>
-                    </a:p>
-                  </a:txBody>
-                  <a:tcPr/>
-                </a:tc>
-                <a:tc hMerge="1">
+                <a:tc gridSpan="4">
                   <a:txBody>
                     <a:bodyPr/>
                     <a:lstStyle/>
@@ -12202,18 +12112,28 @@
                   </a:txBody>
                   <a:tcPr/>
                 </a:tc>
-                <a:tc gridSpan="2">
-                  <a:txBody>
-                    <a:bodyPr/>
-                    <a:lstStyle/>
-                    <a:p>
-                      <a:pPr algn="ctr"/>
-                      <a:r>
-                        <a:rPr lang="en-US" dirty="0">
-                          <a:latin typeface="Times" pitchFamily="2" charset="0"/>
-                        </a:rPr>
-                        <a:t>81.22%</a:t>
-                      </a:r>
+                <a:tc hMerge="1">
+                  <a:txBody>
+                    <a:bodyPr/>
+                    <a:lstStyle/>
+                    <a:p>
+                      <a:pPr algn="ctr"/>
+                      <a:endParaRPr lang="en-US" dirty="0">
+                        <a:latin typeface="Times" pitchFamily="2" charset="0"/>
+                      </a:endParaRPr>
+                    </a:p>
+                  </a:txBody>
+                  <a:tcPr/>
+                </a:tc>
+                <a:tc hMerge="1">
+                  <a:txBody>
+                    <a:bodyPr/>
+                    <a:lstStyle/>
+                    <a:p>
+                      <a:pPr algn="ctr"/>
+                      <a:endParaRPr lang="en-US" dirty="0">
+                        <a:latin typeface="Times" pitchFamily="2" charset="0"/>
+                      </a:endParaRPr>
                     </a:p>
                   </a:txBody>
                   <a:tcPr/>
@@ -12256,7 +12176,7 @@
           <p:nvPr>
             <p:extLst>
               <p:ext uri="{D42A27DB-BD31-4B8C-83A1-F6EECF244321}">
-                <p14:modId xmlns:p14="http://schemas.microsoft.com/office/powerpoint/2010/main" val="3764277899"/>
+                <p14:modId xmlns:p14="http://schemas.microsoft.com/office/powerpoint/2010/main" val="3130024427"/>
               </p:ext>
             </p:extLst>
           </p:nvPr>
@@ -12590,66 +12510,66 @@
                 </a:extLst>
               </a:tr>
               <a:tr h="384494">
-                <a:tc>
-                  <a:txBody>
-                    <a:bodyPr/>
-                    <a:lstStyle/>
-                    <a:p>
-                      <a:pPr algn="ctr"/>
-                      <a:r>
-                        <a:rPr lang="en-US" dirty="0">
+                <a:tc gridSpan="2">
+                  <a:txBody>
+                    <a:bodyPr/>
+                    <a:lstStyle/>
+                    <a:p>
+                      <a:pPr algn="ctr"/>
+                      <a:r>
+                        <a:rPr lang="en-US" altLang="zh-CN" dirty="0">
                           <a:latin typeface="Times" pitchFamily="2" charset="0"/>
                         </a:rPr>
-                        <a:t>66.635%</a:t>
-                      </a:r>
+                        <a:t>10000</a:t>
+                      </a:r>
+                      <a:endParaRPr lang="en-US" dirty="0">
+                        <a:latin typeface="Times" pitchFamily="2" charset="0"/>
+                      </a:endParaRPr>
                     </a:p>
                   </a:txBody>
                   <a:tcPr/>
                 </a:tc>
-                <a:tc>
-                  <a:txBody>
-                    <a:bodyPr/>
-                    <a:lstStyle/>
-                    <a:p>
-                      <a:pPr algn="ctr"/>
-                      <a:r>
-                        <a:rPr lang="en-US" dirty="0">
+                <a:tc hMerge="1">
+                  <a:txBody>
+                    <a:bodyPr/>
+                    <a:lstStyle/>
+                    <a:p>
+                      <a:pPr algn="ctr"/>
+                      <a:endParaRPr lang="en-US" dirty="0">
+                        <a:latin typeface="Times" pitchFamily="2" charset="0"/>
+                      </a:endParaRPr>
+                    </a:p>
+                  </a:txBody>
+                  <a:tcPr/>
+                </a:tc>
+                <a:tc gridSpan="2">
+                  <a:txBody>
+                    <a:bodyPr/>
+                    <a:lstStyle/>
+                    <a:p>
+                      <a:pPr algn="ctr"/>
+                      <a:r>
+                        <a:rPr lang="en-US" altLang="zh-CN" dirty="0">
                           <a:latin typeface="Times" pitchFamily="2" charset="0"/>
                         </a:rPr>
-                        <a:t>93.834%</a:t>
-                      </a:r>
+                        <a:t>10000</a:t>
+                      </a:r>
+                      <a:endParaRPr lang="en-US" dirty="0">
+                        <a:latin typeface="Times" pitchFamily="2" charset="0"/>
+                      </a:endParaRPr>
                     </a:p>
                   </a:txBody>
                   <a:tcPr/>
                 </a:tc>
-                <a:tc>
-                  <a:txBody>
-                    <a:bodyPr/>
-                    <a:lstStyle/>
-                    <a:p>
-                      <a:pPr algn="ctr"/>
-                      <a:r>
-                        <a:rPr lang="en-US" dirty="0">
-                          <a:latin typeface="Times" pitchFamily="2" charset="0"/>
-                        </a:rPr>
-                        <a:t>85.641%</a:t>
-                      </a:r>
-                    </a:p>
-                  </a:txBody>
-                  <a:tcPr/>
-                </a:tc>
-                <a:tc>
-                  <a:txBody>
-                    <a:bodyPr/>
-                    <a:lstStyle/>
-                    <a:p>
-                      <a:pPr algn="ctr"/>
-                      <a:r>
-                        <a:rPr lang="en-US" dirty="0">
-                          <a:latin typeface="Times" pitchFamily="2" charset="0"/>
-                        </a:rPr>
-                        <a:t>86.358%</a:t>
-                      </a:r>
+                <a:tc hMerge="1">
+                  <a:txBody>
+                    <a:bodyPr/>
+                    <a:lstStyle/>
+                    <a:p>
+                      <a:pPr algn="ctr"/>
+                      <a:endParaRPr lang="en-US" dirty="0">
+                        <a:latin typeface="Times" pitchFamily="2" charset="0"/>
+                      </a:endParaRPr>
                     </a:p>
                   </a:txBody>
                   <a:tcPr/>
@@ -12661,28 +12581,18 @@
                 </a:extLst>
               </a:tr>
               <a:tr h="384494">
-                <a:tc gridSpan="2">
-                  <a:txBody>
-                    <a:bodyPr/>
-                    <a:lstStyle/>
-                    <a:p>
-                      <a:pPr algn="ctr"/>
-                      <a:r>
-                        <a:rPr lang="en-US" dirty="0">
+                <a:tc gridSpan="4">
+                  <a:txBody>
+                    <a:bodyPr/>
+                    <a:lstStyle/>
+                    <a:p>
+                      <a:pPr algn="ctr"/>
+                      <a:r>
+                        <a:rPr lang="en-US" altLang="zh-CN" dirty="0">
                           <a:latin typeface="Times" pitchFamily="2" charset="0"/>
                         </a:rPr>
-                        <a:t>85.25%</a:t>
-                      </a:r>
-                    </a:p>
-                  </a:txBody>
-                  <a:tcPr/>
-                </a:tc>
-                <a:tc hMerge="1">
-                  <a:txBody>
-                    <a:bodyPr/>
-                    <a:lstStyle/>
-                    <a:p>
-                      <a:pPr algn="ctr"/>
+                        <a:t>20000</a:t>
+                      </a:r>
                       <a:endParaRPr lang="en-US" dirty="0">
                         <a:latin typeface="Times" pitchFamily="2" charset="0"/>
                       </a:endParaRPr>
@@ -12690,18 +12600,28 @@
                   </a:txBody>
                   <a:tcPr/>
                 </a:tc>
-                <a:tc gridSpan="2">
-                  <a:txBody>
-                    <a:bodyPr/>
-                    <a:lstStyle/>
-                    <a:p>
-                      <a:pPr algn="ctr"/>
-                      <a:r>
-                        <a:rPr lang="en-US" dirty="0">
-                          <a:latin typeface="Times" pitchFamily="2" charset="0"/>
-                        </a:rPr>
-                        <a:t>86.05%</a:t>
-                      </a:r>
+                <a:tc hMerge="1">
+                  <a:txBody>
+                    <a:bodyPr/>
+                    <a:lstStyle/>
+                    <a:p>
+                      <a:pPr algn="ctr"/>
+                      <a:endParaRPr lang="en-US" dirty="0">
+                        <a:latin typeface="Times" pitchFamily="2" charset="0"/>
+                      </a:endParaRPr>
+                    </a:p>
+                  </a:txBody>
+                  <a:tcPr/>
+                </a:tc>
+                <a:tc hMerge="1">
+                  <a:txBody>
+                    <a:bodyPr/>
+                    <a:lstStyle/>
+                    <a:p>
+                      <a:pPr algn="ctr"/>
+                      <a:endParaRPr lang="en-US" dirty="0">
+                        <a:latin typeface="Times" pitchFamily="2" charset="0"/>
+                      </a:endParaRPr>
                     </a:p>
                   </a:txBody>
                   <a:tcPr/>
@@ -12835,6 +12755,2694 @@
           <a:chExt cx="0" cy="0"/>
         </a:xfrm>
       </p:grpSpPr>
+      <p:graphicFrame>
+        <p:nvGraphicFramePr>
+          <p:cNvPr id="4" name="Table 3">
+            <a:extLst>
+              <a:ext uri="{FF2B5EF4-FFF2-40B4-BE49-F238E27FC236}">
+                <a16:creationId xmlns:a16="http://schemas.microsoft.com/office/drawing/2014/main" id="{F3634E9B-F616-E548-A703-16000F2DD0FF}"/>
+              </a:ext>
+            </a:extLst>
+          </p:cNvPr>
+          <p:cNvGraphicFramePr>
+            <a:graphicFrameLocks noGrp="1"/>
+          </p:cNvGraphicFramePr>
+          <p:nvPr>
+            <p:extLst>
+              <p:ext uri="{D42A27DB-BD31-4B8C-83A1-F6EECF244321}">
+                <p14:modId xmlns:p14="http://schemas.microsoft.com/office/powerpoint/2010/main" val="3851935065"/>
+              </p:ext>
+            </p:extLst>
+          </p:nvPr>
+        </p:nvGraphicFramePr>
+        <p:xfrm>
+          <a:off x="674557" y="929527"/>
+          <a:ext cx="10942820" cy="4976599"/>
+        </p:xfrm>
+        <a:graphic>
+          <a:graphicData uri="http://schemas.openxmlformats.org/drawingml/2006/table">
+            <a:tbl>
+              <a:tblPr firstRow="1" bandRow="1">
+                <a:tableStyleId>{5C22544A-7EE6-4342-B048-85BDC9FD1C3A}</a:tableStyleId>
+              </a:tblPr>
+              <a:tblGrid>
+                <a:gridCol w="1563260">
+                  <a:extLst>
+                    <a:ext uri="{9D8B030D-6E8A-4147-A177-3AD203B41FA5}">
+                      <a16:colId xmlns:a16="http://schemas.microsoft.com/office/drawing/2014/main" val="2272368709"/>
+                    </a:ext>
+                  </a:extLst>
+                </a:gridCol>
+                <a:gridCol w="1563260">
+                  <a:extLst>
+                    <a:ext uri="{9D8B030D-6E8A-4147-A177-3AD203B41FA5}">
+                      <a16:colId xmlns:a16="http://schemas.microsoft.com/office/drawing/2014/main" val="2235686462"/>
+                    </a:ext>
+                  </a:extLst>
+                </a:gridCol>
+                <a:gridCol w="1563260">
+                  <a:extLst>
+                    <a:ext uri="{9D8B030D-6E8A-4147-A177-3AD203B41FA5}">
+                      <a16:colId xmlns:a16="http://schemas.microsoft.com/office/drawing/2014/main" val="1061232007"/>
+                    </a:ext>
+                  </a:extLst>
+                </a:gridCol>
+                <a:gridCol w="1563260">
+                  <a:extLst>
+                    <a:ext uri="{9D8B030D-6E8A-4147-A177-3AD203B41FA5}">
+                      <a16:colId xmlns:a16="http://schemas.microsoft.com/office/drawing/2014/main" val="464967916"/>
+                    </a:ext>
+                  </a:extLst>
+                </a:gridCol>
+                <a:gridCol w="1563260">
+                  <a:extLst>
+                    <a:ext uri="{9D8B030D-6E8A-4147-A177-3AD203B41FA5}">
+                      <a16:colId xmlns:a16="http://schemas.microsoft.com/office/drawing/2014/main" val="3929012556"/>
+                    </a:ext>
+                  </a:extLst>
+                </a:gridCol>
+                <a:gridCol w="1563260">
+                  <a:extLst>
+                    <a:ext uri="{9D8B030D-6E8A-4147-A177-3AD203B41FA5}">
+                      <a16:colId xmlns:a16="http://schemas.microsoft.com/office/drawing/2014/main" val="3303028153"/>
+                    </a:ext>
+                  </a:extLst>
+                </a:gridCol>
+                <a:gridCol w="1563260">
+                  <a:extLst>
+                    <a:ext uri="{9D8B030D-6E8A-4147-A177-3AD203B41FA5}">
+                      <a16:colId xmlns:a16="http://schemas.microsoft.com/office/drawing/2014/main" val="4108006114"/>
+                    </a:ext>
+                  </a:extLst>
+                </a:gridCol>
+              </a:tblGrid>
+              <a:tr h="523804">
+                <a:tc>
+                  <a:txBody>
+                    <a:bodyPr/>
+                    <a:lstStyle/>
+                    <a:p>
+                      <a:pPr algn="ctr"/>
+                      <a:endParaRPr lang="en-US" dirty="0"/>
+                    </a:p>
+                  </a:txBody>
+                  <a:tcPr anchor="ctr"/>
+                </a:tc>
+                <a:tc>
+                  <a:txBody>
+                    <a:bodyPr/>
+                    <a:lstStyle/>
+                    <a:p>
+                      <a:pPr algn="ctr"/>
+                      <a:r>
+                        <a:rPr lang="en-US" dirty="0"/>
+                        <a:t>Accuracy</a:t>
+                      </a:r>
+                    </a:p>
+                  </a:txBody>
+                  <a:tcPr anchor="ctr"/>
+                </a:tc>
+                <a:tc>
+                  <a:txBody>
+                    <a:bodyPr/>
+                    <a:lstStyle/>
+                    <a:p>
+                      <a:pPr algn="ctr"/>
+                      <a:r>
+                        <a:rPr lang="en-US" dirty="0"/>
+                        <a:t>precision</a:t>
+                      </a:r>
+                    </a:p>
+                  </a:txBody>
+                  <a:tcPr anchor="ctr"/>
+                </a:tc>
+                <a:tc>
+                  <a:txBody>
+                    <a:bodyPr/>
+                    <a:lstStyle/>
+                    <a:p>
+                      <a:pPr algn="ctr"/>
+                      <a:r>
+                        <a:rPr lang="en-US" dirty="0"/>
+                        <a:t>recall</a:t>
+                      </a:r>
+                    </a:p>
+                  </a:txBody>
+                  <a:tcPr anchor="ctr"/>
+                </a:tc>
+                <a:tc>
+                  <a:txBody>
+                    <a:bodyPr/>
+                    <a:lstStyle/>
+                    <a:p>
+                      <a:pPr algn="ctr"/>
+                      <a:r>
+                        <a:rPr lang="en-US" dirty="0"/>
+                        <a:t>specificity</a:t>
+                      </a:r>
+                    </a:p>
+                  </a:txBody>
+                  <a:tcPr anchor="ctr"/>
+                </a:tc>
+                <a:tc>
+                  <a:txBody>
+                    <a:bodyPr/>
+                    <a:lstStyle/>
+                    <a:p>
+                      <a:pPr algn="ctr"/>
+                      <a:r>
+                        <a:rPr lang="en-US" dirty="0"/>
+                        <a:t>F1</a:t>
+                      </a:r>
+                    </a:p>
+                  </a:txBody>
+                  <a:tcPr anchor="ctr"/>
+                </a:tc>
+                <a:tc>
+                  <a:txBody>
+                    <a:bodyPr/>
+                    <a:lstStyle/>
+                    <a:p>
+                      <a:pPr algn="ctr"/>
+                      <a:r>
+                        <a:rPr lang="en-US" dirty="0"/>
+                        <a:t>loss</a:t>
+                      </a:r>
+                    </a:p>
+                  </a:txBody>
+                  <a:tcPr anchor="ctr"/>
+                </a:tc>
+                <a:extLst>
+                  <a:ext uri="{0D108BD9-81ED-4DB2-BD59-A6C34878D82A}">
+                    <a16:rowId xmlns:a16="http://schemas.microsoft.com/office/drawing/2014/main" val="2384826745"/>
+                  </a:ext>
+                </a:extLst>
+              </a:tr>
+              <a:tr h="904099">
+                <a:tc>
+                  <a:txBody>
+                    <a:bodyPr/>
+                    <a:lstStyle/>
+                    <a:p>
+                      <a:pPr algn="ctr"/>
+                      <a:r>
+                        <a:rPr lang="en-US" dirty="0"/>
+                        <a:t>Resnet18_accuracy</a:t>
+                      </a:r>
+                    </a:p>
+                  </a:txBody>
+                  <a:tcPr anchor="ctr"/>
+                </a:tc>
+                <a:tc>
+                  <a:txBody>
+                    <a:bodyPr/>
+                    <a:lstStyle/>
+                    <a:p>
+                      <a:pPr algn="ctr"/>
+                      <a:endParaRPr lang="en-US"/>
+                    </a:p>
+                  </a:txBody>
+                  <a:tcPr anchor="ctr"/>
+                </a:tc>
+                <a:tc>
+                  <a:txBody>
+                    <a:bodyPr/>
+                    <a:lstStyle/>
+                    <a:p>
+                      <a:pPr algn="ctr"/>
+                      <a:endParaRPr lang="en-US" dirty="0"/>
+                    </a:p>
+                  </a:txBody>
+                  <a:tcPr anchor="ctr"/>
+                </a:tc>
+                <a:tc>
+                  <a:txBody>
+                    <a:bodyPr/>
+                    <a:lstStyle/>
+                    <a:p>
+                      <a:pPr algn="ctr"/>
+                      <a:endParaRPr lang="en-US"/>
+                    </a:p>
+                  </a:txBody>
+                  <a:tcPr anchor="ctr"/>
+                </a:tc>
+                <a:tc>
+                  <a:txBody>
+                    <a:bodyPr/>
+                    <a:lstStyle/>
+                    <a:p>
+                      <a:pPr algn="ctr"/>
+                      <a:endParaRPr lang="en-US"/>
+                    </a:p>
+                  </a:txBody>
+                  <a:tcPr anchor="ctr"/>
+                </a:tc>
+                <a:tc>
+                  <a:txBody>
+                    <a:bodyPr/>
+                    <a:lstStyle/>
+                    <a:p>
+                      <a:pPr algn="ctr"/>
+                      <a:endParaRPr lang="en-US"/>
+                    </a:p>
+                  </a:txBody>
+                  <a:tcPr anchor="ctr"/>
+                </a:tc>
+                <a:tc>
+                  <a:txBody>
+                    <a:bodyPr/>
+                    <a:lstStyle/>
+                    <a:p>
+                      <a:pPr algn="ctr"/>
+                      <a:endParaRPr lang="en-US"/>
+                    </a:p>
+                  </a:txBody>
+                  <a:tcPr anchor="ctr"/>
+                </a:tc>
+                <a:extLst>
+                  <a:ext uri="{0D108BD9-81ED-4DB2-BD59-A6C34878D82A}">
+                    <a16:rowId xmlns:a16="http://schemas.microsoft.com/office/drawing/2014/main" val="1449166203"/>
+                  </a:ext>
+                </a:extLst>
+              </a:tr>
+              <a:tr h="887174">
+                <a:tc>
+                  <a:txBody>
+                    <a:bodyPr/>
+                    <a:lstStyle/>
+                    <a:p>
+                      <a:pPr algn="ctr"/>
+                      <a:r>
+                        <a:rPr lang="en-US" dirty="0"/>
+                        <a:t>Resnet18_precision</a:t>
+                      </a:r>
+                    </a:p>
+                  </a:txBody>
+                  <a:tcPr anchor="ctr"/>
+                </a:tc>
+                <a:tc>
+                  <a:txBody>
+                    <a:bodyPr/>
+                    <a:lstStyle/>
+                    <a:p>
+                      <a:pPr algn="ctr"/>
+                      <a:endParaRPr lang="en-US"/>
+                    </a:p>
+                  </a:txBody>
+                  <a:tcPr anchor="ctr"/>
+                </a:tc>
+                <a:tc>
+                  <a:txBody>
+                    <a:bodyPr/>
+                    <a:lstStyle/>
+                    <a:p>
+                      <a:pPr algn="ctr"/>
+                      <a:endParaRPr lang="en-US"/>
+                    </a:p>
+                  </a:txBody>
+                  <a:tcPr anchor="ctr"/>
+                </a:tc>
+                <a:tc>
+                  <a:txBody>
+                    <a:bodyPr/>
+                    <a:lstStyle/>
+                    <a:p>
+                      <a:pPr algn="ctr"/>
+                      <a:endParaRPr lang="en-US" dirty="0"/>
+                    </a:p>
+                  </a:txBody>
+                  <a:tcPr anchor="ctr"/>
+                </a:tc>
+                <a:tc>
+                  <a:txBody>
+                    <a:bodyPr/>
+                    <a:lstStyle/>
+                    <a:p>
+                      <a:pPr algn="ctr"/>
+                      <a:endParaRPr lang="en-US" dirty="0"/>
+                    </a:p>
+                  </a:txBody>
+                  <a:tcPr anchor="ctr"/>
+                </a:tc>
+                <a:tc>
+                  <a:txBody>
+                    <a:bodyPr/>
+                    <a:lstStyle/>
+                    <a:p>
+                      <a:pPr algn="ctr"/>
+                      <a:endParaRPr lang="en-US"/>
+                    </a:p>
+                  </a:txBody>
+                  <a:tcPr anchor="ctr"/>
+                </a:tc>
+                <a:tc>
+                  <a:txBody>
+                    <a:bodyPr/>
+                    <a:lstStyle/>
+                    <a:p>
+                      <a:pPr algn="ctr"/>
+                      <a:endParaRPr lang="en-US"/>
+                    </a:p>
+                  </a:txBody>
+                  <a:tcPr anchor="ctr"/>
+                </a:tc>
+                <a:extLst>
+                  <a:ext uri="{0D108BD9-81ED-4DB2-BD59-A6C34878D82A}">
+                    <a16:rowId xmlns:a16="http://schemas.microsoft.com/office/drawing/2014/main" val="4164655960"/>
+                  </a:ext>
+                </a:extLst>
+              </a:tr>
+              <a:tr h="887174">
+                <a:tc>
+                  <a:txBody>
+                    <a:bodyPr/>
+                    <a:lstStyle/>
+                    <a:p>
+                      <a:pPr algn="ctr"/>
+                      <a:r>
+                        <a:rPr lang="en-US" dirty="0"/>
+                        <a:t>Resnet18_recall</a:t>
+                      </a:r>
+                    </a:p>
+                  </a:txBody>
+                  <a:tcPr anchor="ctr"/>
+                </a:tc>
+                <a:tc>
+                  <a:txBody>
+                    <a:bodyPr/>
+                    <a:lstStyle/>
+                    <a:p>
+                      <a:pPr algn="ctr"/>
+                      <a:endParaRPr lang="en-US"/>
+                    </a:p>
+                  </a:txBody>
+                  <a:tcPr anchor="ctr"/>
+                </a:tc>
+                <a:tc>
+                  <a:txBody>
+                    <a:bodyPr/>
+                    <a:lstStyle/>
+                    <a:p>
+                      <a:pPr algn="ctr"/>
+                      <a:endParaRPr lang="en-US"/>
+                    </a:p>
+                  </a:txBody>
+                  <a:tcPr anchor="ctr"/>
+                </a:tc>
+                <a:tc>
+                  <a:txBody>
+                    <a:bodyPr/>
+                    <a:lstStyle/>
+                    <a:p>
+                      <a:pPr algn="ctr"/>
+                      <a:endParaRPr lang="en-US"/>
+                    </a:p>
+                  </a:txBody>
+                  <a:tcPr anchor="ctr"/>
+                </a:tc>
+                <a:tc>
+                  <a:txBody>
+                    <a:bodyPr/>
+                    <a:lstStyle/>
+                    <a:p>
+                      <a:pPr algn="ctr"/>
+                      <a:endParaRPr lang="en-US"/>
+                    </a:p>
+                  </a:txBody>
+                  <a:tcPr anchor="ctr"/>
+                </a:tc>
+                <a:tc>
+                  <a:txBody>
+                    <a:bodyPr/>
+                    <a:lstStyle/>
+                    <a:p>
+                      <a:pPr algn="ctr"/>
+                      <a:endParaRPr lang="en-US" dirty="0"/>
+                    </a:p>
+                  </a:txBody>
+                  <a:tcPr anchor="ctr"/>
+                </a:tc>
+                <a:tc>
+                  <a:txBody>
+                    <a:bodyPr/>
+                    <a:lstStyle/>
+                    <a:p>
+                      <a:pPr algn="ctr"/>
+                      <a:endParaRPr lang="en-US"/>
+                    </a:p>
+                  </a:txBody>
+                  <a:tcPr anchor="ctr"/>
+                </a:tc>
+                <a:extLst>
+                  <a:ext uri="{0D108BD9-81ED-4DB2-BD59-A6C34878D82A}">
+                    <a16:rowId xmlns:a16="http://schemas.microsoft.com/office/drawing/2014/main" val="2775775737"/>
+                  </a:ext>
+                </a:extLst>
+              </a:tr>
+              <a:tr h="887174">
+                <a:tc>
+                  <a:txBody>
+                    <a:bodyPr/>
+                    <a:lstStyle/>
+                    <a:p>
+                      <a:pPr algn="ctr"/>
+                      <a:r>
+                        <a:rPr lang="en-US" dirty="0"/>
+                        <a:t>Resnet18_F1</a:t>
+                      </a:r>
+                    </a:p>
+                  </a:txBody>
+                  <a:tcPr anchor="ctr"/>
+                </a:tc>
+                <a:tc>
+                  <a:txBody>
+                    <a:bodyPr/>
+                    <a:lstStyle/>
+                    <a:p>
+                      <a:pPr algn="ctr"/>
+                      <a:endParaRPr lang="en-US"/>
+                    </a:p>
+                  </a:txBody>
+                  <a:tcPr anchor="ctr"/>
+                </a:tc>
+                <a:tc>
+                  <a:txBody>
+                    <a:bodyPr/>
+                    <a:lstStyle/>
+                    <a:p>
+                      <a:pPr algn="ctr"/>
+                      <a:endParaRPr lang="en-US"/>
+                    </a:p>
+                  </a:txBody>
+                  <a:tcPr anchor="ctr"/>
+                </a:tc>
+                <a:tc>
+                  <a:txBody>
+                    <a:bodyPr/>
+                    <a:lstStyle/>
+                    <a:p>
+                      <a:pPr algn="ctr"/>
+                      <a:endParaRPr lang="en-US"/>
+                    </a:p>
+                  </a:txBody>
+                  <a:tcPr anchor="ctr"/>
+                </a:tc>
+                <a:tc>
+                  <a:txBody>
+                    <a:bodyPr/>
+                    <a:lstStyle/>
+                    <a:p>
+                      <a:pPr algn="ctr"/>
+                      <a:endParaRPr lang="en-US"/>
+                    </a:p>
+                  </a:txBody>
+                  <a:tcPr anchor="ctr"/>
+                </a:tc>
+                <a:tc>
+                  <a:txBody>
+                    <a:bodyPr/>
+                    <a:lstStyle/>
+                    <a:p>
+                      <a:pPr algn="ctr"/>
+                      <a:endParaRPr lang="en-US" dirty="0"/>
+                    </a:p>
+                  </a:txBody>
+                  <a:tcPr anchor="ctr"/>
+                </a:tc>
+                <a:tc>
+                  <a:txBody>
+                    <a:bodyPr/>
+                    <a:lstStyle/>
+                    <a:p>
+                      <a:pPr algn="ctr"/>
+                      <a:endParaRPr lang="en-US" dirty="0"/>
+                    </a:p>
+                  </a:txBody>
+                  <a:tcPr anchor="ctr"/>
+                </a:tc>
+                <a:extLst>
+                  <a:ext uri="{0D108BD9-81ED-4DB2-BD59-A6C34878D82A}">
+                    <a16:rowId xmlns:a16="http://schemas.microsoft.com/office/drawing/2014/main" val="618446083"/>
+                  </a:ext>
+                </a:extLst>
+              </a:tr>
+              <a:tr h="887174">
+                <a:tc>
+                  <a:txBody>
+                    <a:bodyPr/>
+                    <a:lstStyle/>
+                    <a:p>
+                      <a:pPr marL="0" marR="0" lvl="0" indent="0" algn="ctr" defTabSz="914400" rtl="0" eaLnBrk="1" fontAlgn="auto" latinLnBrk="0" hangingPunct="1">
+                        <a:lnSpc>
+                          <a:spcPct val="100000"/>
+                        </a:lnSpc>
+                        <a:spcBef>
+                          <a:spcPts val="0"/>
+                        </a:spcBef>
+                        <a:spcAft>
+                          <a:spcPts val="0"/>
+                        </a:spcAft>
+                        <a:buClrTx/>
+                        <a:buSzTx/>
+                        <a:buFontTx/>
+                        <a:buNone/>
+                        <a:tabLst/>
+                        <a:defRPr/>
+                      </a:pPr>
+                      <a:r>
+                        <a:rPr lang="en-US" dirty="0"/>
+                        <a:t>Resnet18_loss</a:t>
+                      </a:r>
+                    </a:p>
+                    <a:p>
+                      <a:pPr algn="ctr"/>
+                      <a:endParaRPr lang="en-US" dirty="0"/>
+                    </a:p>
+                  </a:txBody>
+                  <a:tcPr anchor="ctr"/>
+                </a:tc>
+                <a:tc>
+                  <a:txBody>
+                    <a:bodyPr/>
+                    <a:lstStyle/>
+                    <a:p>
+                      <a:pPr algn="ctr"/>
+                      <a:endParaRPr lang="en-US"/>
+                    </a:p>
+                  </a:txBody>
+                  <a:tcPr anchor="ctr"/>
+                </a:tc>
+                <a:tc>
+                  <a:txBody>
+                    <a:bodyPr/>
+                    <a:lstStyle/>
+                    <a:p>
+                      <a:pPr algn="ctr"/>
+                      <a:endParaRPr lang="en-US"/>
+                    </a:p>
+                  </a:txBody>
+                  <a:tcPr anchor="ctr"/>
+                </a:tc>
+                <a:tc>
+                  <a:txBody>
+                    <a:bodyPr/>
+                    <a:lstStyle/>
+                    <a:p>
+                      <a:pPr algn="ctr"/>
+                      <a:endParaRPr lang="en-US" dirty="0"/>
+                    </a:p>
+                  </a:txBody>
+                  <a:tcPr anchor="ctr"/>
+                </a:tc>
+                <a:tc>
+                  <a:txBody>
+                    <a:bodyPr/>
+                    <a:lstStyle/>
+                    <a:p>
+                      <a:pPr algn="ctr"/>
+                      <a:endParaRPr lang="en-US"/>
+                    </a:p>
+                  </a:txBody>
+                  <a:tcPr anchor="ctr"/>
+                </a:tc>
+                <a:tc>
+                  <a:txBody>
+                    <a:bodyPr/>
+                    <a:lstStyle/>
+                    <a:p>
+                      <a:pPr algn="ctr"/>
+                      <a:endParaRPr lang="en-US" dirty="0"/>
+                    </a:p>
+                  </a:txBody>
+                  <a:tcPr anchor="ctr"/>
+                </a:tc>
+                <a:tc>
+                  <a:txBody>
+                    <a:bodyPr/>
+                    <a:lstStyle/>
+                    <a:p>
+                      <a:pPr algn="ctr"/>
+                      <a:endParaRPr lang="en-US" dirty="0"/>
+                    </a:p>
+                  </a:txBody>
+                  <a:tcPr anchor="ctr"/>
+                </a:tc>
+                <a:extLst>
+                  <a:ext uri="{0D108BD9-81ED-4DB2-BD59-A6C34878D82A}">
+                    <a16:rowId xmlns:a16="http://schemas.microsoft.com/office/drawing/2014/main" val="872347479"/>
+                  </a:ext>
+                </a:extLst>
+              </a:tr>
+            </a:tbl>
+          </a:graphicData>
+        </a:graphic>
+      </p:graphicFrame>
+    </p:spTree>
+    <p:extLst>
+      <p:ext uri="{BB962C8B-B14F-4D97-AF65-F5344CB8AC3E}">
+        <p14:creationId xmlns:p14="http://schemas.microsoft.com/office/powerpoint/2010/main" val="3138524829"/>
+      </p:ext>
+    </p:extLst>
+  </p:cSld>
+  <p:clrMapOvr>
+    <a:masterClrMapping/>
+  </p:clrMapOvr>
+</p:sld>
+</file>
+
+<file path=ppt/slides/slide16.xml><?xml version="1.0" encoding="utf-8"?>
+<p:sld xmlns:a="http://schemas.openxmlformats.org/drawingml/2006/main" xmlns:r="http://schemas.openxmlformats.org/officeDocument/2006/relationships" xmlns:p="http://schemas.openxmlformats.org/presentationml/2006/main">
+  <p:cSld>
+    <p:spTree>
+      <p:nvGrpSpPr>
+        <p:cNvPr id="1" name=""/>
+        <p:cNvGrpSpPr/>
+        <p:nvPr/>
+      </p:nvGrpSpPr>
+      <p:grpSpPr>
+        <a:xfrm>
+          <a:off x="0" y="0"/>
+          <a:ext cx="0" cy="0"/>
+          <a:chOff x="0" y="0"/>
+          <a:chExt cx="0" cy="0"/>
+        </a:xfrm>
+      </p:grpSpPr>
+      <p:graphicFrame>
+        <p:nvGraphicFramePr>
+          <p:cNvPr id="4" name="Table 3">
+            <a:extLst>
+              <a:ext uri="{FF2B5EF4-FFF2-40B4-BE49-F238E27FC236}">
+                <a16:creationId xmlns:a16="http://schemas.microsoft.com/office/drawing/2014/main" id="{4C98E295-6090-3649-B770-A3986BB1759F}"/>
+              </a:ext>
+            </a:extLst>
+          </p:cNvPr>
+          <p:cNvGraphicFramePr>
+            <a:graphicFrameLocks noGrp="1"/>
+          </p:cNvGraphicFramePr>
+          <p:nvPr>
+            <p:extLst>
+              <p:ext uri="{D42A27DB-BD31-4B8C-83A1-F6EECF244321}">
+                <p14:modId xmlns:p14="http://schemas.microsoft.com/office/powerpoint/2010/main" val="3079855015"/>
+              </p:ext>
+            </p:extLst>
+          </p:nvPr>
+        </p:nvGraphicFramePr>
+        <p:xfrm>
+          <a:off x="674557" y="929527"/>
+          <a:ext cx="10942820" cy="4976599"/>
+        </p:xfrm>
+        <a:graphic>
+          <a:graphicData uri="http://schemas.openxmlformats.org/drawingml/2006/table">
+            <a:tbl>
+              <a:tblPr firstRow="1" bandRow="1">
+                <a:tableStyleId>{00A15C55-8517-42AA-B614-E9B94910E393}</a:tableStyleId>
+              </a:tblPr>
+              <a:tblGrid>
+                <a:gridCol w="1563260">
+                  <a:extLst>
+                    <a:ext uri="{9D8B030D-6E8A-4147-A177-3AD203B41FA5}">
+                      <a16:colId xmlns:a16="http://schemas.microsoft.com/office/drawing/2014/main" val="2272368709"/>
+                    </a:ext>
+                  </a:extLst>
+                </a:gridCol>
+                <a:gridCol w="1563260">
+                  <a:extLst>
+                    <a:ext uri="{9D8B030D-6E8A-4147-A177-3AD203B41FA5}">
+                      <a16:colId xmlns:a16="http://schemas.microsoft.com/office/drawing/2014/main" val="2235686462"/>
+                    </a:ext>
+                  </a:extLst>
+                </a:gridCol>
+                <a:gridCol w="1563260">
+                  <a:extLst>
+                    <a:ext uri="{9D8B030D-6E8A-4147-A177-3AD203B41FA5}">
+                      <a16:colId xmlns:a16="http://schemas.microsoft.com/office/drawing/2014/main" val="1061232007"/>
+                    </a:ext>
+                  </a:extLst>
+                </a:gridCol>
+                <a:gridCol w="1563260">
+                  <a:extLst>
+                    <a:ext uri="{9D8B030D-6E8A-4147-A177-3AD203B41FA5}">
+                      <a16:colId xmlns:a16="http://schemas.microsoft.com/office/drawing/2014/main" val="464967916"/>
+                    </a:ext>
+                  </a:extLst>
+                </a:gridCol>
+                <a:gridCol w="1563260">
+                  <a:extLst>
+                    <a:ext uri="{9D8B030D-6E8A-4147-A177-3AD203B41FA5}">
+                      <a16:colId xmlns:a16="http://schemas.microsoft.com/office/drawing/2014/main" val="3929012556"/>
+                    </a:ext>
+                  </a:extLst>
+                </a:gridCol>
+                <a:gridCol w="1563260">
+                  <a:extLst>
+                    <a:ext uri="{9D8B030D-6E8A-4147-A177-3AD203B41FA5}">
+                      <a16:colId xmlns:a16="http://schemas.microsoft.com/office/drawing/2014/main" val="3303028153"/>
+                    </a:ext>
+                  </a:extLst>
+                </a:gridCol>
+                <a:gridCol w="1563260">
+                  <a:extLst>
+                    <a:ext uri="{9D8B030D-6E8A-4147-A177-3AD203B41FA5}">
+                      <a16:colId xmlns:a16="http://schemas.microsoft.com/office/drawing/2014/main" val="4108006114"/>
+                    </a:ext>
+                  </a:extLst>
+                </a:gridCol>
+              </a:tblGrid>
+              <a:tr h="523804">
+                <a:tc>
+                  <a:txBody>
+                    <a:bodyPr/>
+                    <a:lstStyle/>
+                    <a:p>
+                      <a:pPr algn="ctr"/>
+                      <a:endParaRPr lang="en-US" dirty="0"/>
+                    </a:p>
+                  </a:txBody>
+                  <a:tcPr anchor="ctr"/>
+                </a:tc>
+                <a:tc>
+                  <a:txBody>
+                    <a:bodyPr/>
+                    <a:lstStyle/>
+                    <a:p>
+                      <a:pPr algn="ctr"/>
+                      <a:r>
+                        <a:rPr lang="en-US" dirty="0"/>
+                        <a:t>Accuracy</a:t>
+                      </a:r>
+                    </a:p>
+                  </a:txBody>
+                  <a:tcPr anchor="ctr"/>
+                </a:tc>
+                <a:tc>
+                  <a:txBody>
+                    <a:bodyPr/>
+                    <a:lstStyle/>
+                    <a:p>
+                      <a:pPr algn="ctr"/>
+                      <a:r>
+                        <a:rPr lang="en-US" dirty="0"/>
+                        <a:t>precision</a:t>
+                      </a:r>
+                    </a:p>
+                  </a:txBody>
+                  <a:tcPr anchor="ctr"/>
+                </a:tc>
+                <a:tc>
+                  <a:txBody>
+                    <a:bodyPr/>
+                    <a:lstStyle/>
+                    <a:p>
+                      <a:pPr algn="ctr"/>
+                      <a:r>
+                        <a:rPr lang="en-US" dirty="0"/>
+                        <a:t>recall</a:t>
+                      </a:r>
+                    </a:p>
+                  </a:txBody>
+                  <a:tcPr anchor="ctr"/>
+                </a:tc>
+                <a:tc>
+                  <a:txBody>
+                    <a:bodyPr/>
+                    <a:lstStyle/>
+                    <a:p>
+                      <a:pPr algn="ctr"/>
+                      <a:r>
+                        <a:rPr lang="en-US" dirty="0"/>
+                        <a:t>specificity</a:t>
+                      </a:r>
+                    </a:p>
+                  </a:txBody>
+                  <a:tcPr anchor="ctr"/>
+                </a:tc>
+                <a:tc>
+                  <a:txBody>
+                    <a:bodyPr/>
+                    <a:lstStyle/>
+                    <a:p>
+                      <a:pPr algn="ctr"/>
+                      <a:r>
+                        <a:rPr lang="en-US" dirty="0"/>
+                        <a:t>F1</a:t>
+                      </a:r>
+                    </a:p>
+                  </a:txBody>
+                  <a:tcPr anchor="ctr"/>
+                </a:tc>
+                <a:tc>
+                  <a:txBody>
+                    <a:bodyPr/>
+                    <a:lstStyle/>
+                    <a:p>
+                      <a:pPr algn="ctr"/>
+                      <a:r>
+                        <a:rPr lang="en-US" dirty="0"/>
+                        <a:t>loss</a:t>
+                      </a:r>
+                    </a:p>
+                  </a:txBody>
+                  <a:tcPr anchor="ctr"/>
+                </a:tc>
+                <a:extLst>
+                  <a:ext uri="{0D108BD9-81ED-4DB2-BD59-A6C34878D82A}">
+                    <a16:rowId xmlns:a16="http://schemas.microsoft.com/office/drawing/2014/main" val="2384826745"/>
+                  </a:ext>
+                </a:extLst>
+              </a:tr>
+              <a:tr h="904099">
+                <a:tc>
+                  <a:txBody>
+                    <a:bodyPr/>
+                    <a:lstStyle/>
+                    <a:p>
+                      <a:pPr algn="ctr"/>
+                      <a:r>
+                        <a:rPr lang="en-US" dirty="0"/>
+                        <a:t>Resnet18_accuracy</a:t>
+                      </a:r>
+                    </a:p>
+                  </a:txBody>
+                  <a:tcPr anchor="ctr"/>
+                </a:tc>
+                <a:tc>
+                  <a:txBody>
+                    <a:bodyPr/>
+                    <a:lstStyle/>
+                    <a:p>
+                      <a:pPr algn="ctr"/>
+                      <a:endParaRPr lang="en-US"/>
+                    </a:p>
+                  </a:txBody>
+                  <a:tcPr anchor="ctr"/>
+                </a:tc>
+                <a:tc>
+                  <a:txBody>
+                    <a:bodyPr/>
+                    <a:lstStyle/>
+                    <a:p>
+                      <a:pPr algn="ctr"/>
+                      <a:endParaRPr lang="en-US" dirty="0"/>
+                    </a:p>
+                  </a:txBody>
+                  <a:tcPr anchor="ctr"/>
+                </a:tc>
+                <a:tc>
+                  <a:txBody>
+                    <a:bodyPr/>
+                    <a:lstStyle/>
+                    <a:p>
+                      <a:pPr algn="ctr"/>
+                      <a:endParaRPr lang="en-US"/>
+                    </a:p>
+                  </a:txBody>
+                  <a:tcPr anchor="ctr"/>
+                </a:tc>
+                <a:tc>
+                  <a:txBody>
+                    <a:bodyPr/>
+                    <a:lstStyle/>
+                    <a:p>
+                      <a:pPr algn="ctr"/>
+                      <a:endParaRPr lang="en-US"/>
+                    </a:p>
+                  </a:txBody>
+                  <a:tcPr anchor="ctr"/>
+                </a:tc>
+                <a:tc>
+                  <a:txBody>
+                    <a:bodyPr/>
+                    <a:lstStyle/>
+                    <a:p>
+                      <a:pPr algn="ctr"/>
+                      <a:endParaRPr lang="en-US"/>
+                    </a:p>
+                  </a:txBody>
+                  <a:tcPr anchor="ctr"/>
+                </a:tc>
+                <a:tc>
+                  <a:txBody>
+                    <a:bodyPr/>
+                    <a:lstStyle/>
+                    <a:p>
+                      <a:pPr algn="ctr"/>
+                      <a:endParaRPr lang="en-US"/>
+                    </a:p>
+                  </a:txBody>
+                  <a:tcPr anchor="ctr"/>
+                </a:tc>
+                <a:extLst>
+                  <a:ext uri="{0D108BD9-81ED-4DB2-BD59-A6C34878D82A}">
+                    <a16:rowId xmlns:a16="http://schemas.microsoft.com/office/drawing/2014/main" val="1449166203"/>
+                  </a:ext>
+                </a:extLst>
+              </a:tr>
+              <a:tr h="887174">
+                <a:tc>
+                  <a:txBody>
+                    <a:bodyPr/>
+                    <a:lstStyle/>
+                    <a:p>
+                      <a:pPr algn="ctr"/>
+                      <a:r>
+                        <a:rPr lang="en-US" dirty="0"/>
+                        <a:t>Resnet18_precision</a:t>
+                      </a:r>
+                    </a:p>
+                  </a:txBody>
+                  <a:tcPr anchor="ctr"/>
+                </a:tc>
+                <a:tc>
+                  <a:txBody>
+                    <a:bodyPr/>
+                    <a:lstStyle/>
+                    <a:p>
+                      <a:pPr algn="ctr"/>
+                      <a:endParaRPr lang="en-US"/>
+                    </a:p>
+                  </a:txBody>
+                  <a:tcPr anchor="ctr"/>
+                </a:tc>
+                <a:tc>
+                  <a:txBody>
+                    <a:bodyPr/>
+                    <a:lstStyle/>
+                    <a:p>
+                      <a:pPr algn="ctr"/>
+                      <a:endParaRPr lang="en-US"/>
+                    </a:p>
+                  </a:txBody>
+                  <a:tcPr anchor="ctr"/>
+                </a:tc>
+                <a:tc>
+                  <a:txBody>
+                    <a:bodyPr/>
+                    <a:lstStyle/>
+                    <a:p>
+                      <a:pPr algn="ctr"/>
+                      <a:endParaRPr lang="en-US" dirty="0"/>
+                    </a:p>
+                  </a:txBody>
+                  <a:tcPr anchor="ctr"/>
+                </a:tc>
+                <a:tc>
+                  <a:txBody>
+                    <a:bodyPr/>
+                    <a:lstStyle/>
+                    <a:p>
+                      <a:pPr algn="ctr"/>
+                      <a:endParaRPr lang="en-US" dirty="0"/>
+                    </a:p>
+                  </a:txBody>
+                  <a:tcPr anchor="ctr"/>
+                </a:tc>
+                <a:tc>
+                  <a:txBody>
+                    <a:bodyPr/>
+                    <a:lstStyle/>
+                    <a:p>
+                      <a:pPr algn="ctr"/>
+                      <a:endParaRPr lang="en-US"/>
+                    </a:p>
+                  </a:txBody>
+                  <a:tcPr anchor="ctr"/>
+                </a:tc>
+                <a:tc>
+                  <a:txBody>
+                    <a:bodyPr/>
+                    <a:lstStyle/>
+                    <a:p>
+                      <a:pPr algn="ctr"/>
+                      <a:endParaRPr lang="en-US"/>
+                    </a:p>
+                  </a:txBody>
+                  <a:tcPr anchor="ctr"/>
+                </a:tc>
+                <a:extLst>
+                  <a:ext uri="{0D108BD9-81ED-4DB2-BD59-A6C34878D82A}">
+                    <a16:rowId xmlns:a16="http://schemas.microsoft.com/office/drawing/2014/main" val="4164655960"/>
+                  </a:ext>
+                </a:extLst>
+              </a:tr>
+              <a:tr h="887174">
+                <a:tc>
+                  <a:txBody>
+                    <a:bodyPr/>
+                    <a:lstStyle/>
+                    <a:p>
+                      <a:pPr algn="ctr"/>
+                      <a:r>
+                        <a:rPr lang="en-US" dirty="0"/>
+                        <a:t>Resnet18_recall</a:t>
+                      </a:r>
+                    </a:p>
+                  </a:txBody>
+                  <a:tcPr anchor="ctr"/>
+                </a:tc>
+                <a:tc>
+                  <a:txBody>
+                    <a:bodyPr/>
+                    <a:lstStyle/>
+                    <a:p>
+                      <a:pPr algn="ctr"/>
+                      <a:endParaRPr lang="en-US"/>
+                    </a:p>
+                  </a:txBody>
+                  <a:tcPr anchor="ctr"/>
+                </a:tc>
+                <a:tc>
+                  <a:txBody>
+                    <a:bodyPr/>
+                    <a:lstStyle/>
+                    <a:p>
+                      <a:pPr algn="ctr"/>
+                      <a:endParaRPr lang="en-US"/>
+                    </a:p>
+                  </a:txBody>
+                  <a:tcPr anchor="ctr"/>
+                </a:tc>
+                <a:tc>
+                  <a:txBody>
+                    <a:bodyPr/>
+                    <a:lstStyle/>
+                    <a:p>
+                      <a:pPr algn="ctr"/>
+                      <a:endParaRPr lang="en-US"/>
+                    </a:p>
+                  </a:txBody>
+                  <a:tcPr anchor="ctr"/>
+                </a:tc>
+                <a:tc>
+                  <a:txBody>
+                    <a:bodyPr/>
+                    <a:lstStyle/>
+                    <a:p>
+                      <a:pPr algn="ctr"/>
+                      <a:endParaRPr lang="en-US"/>
+                    </a:p>
+                  </a:txBody>
+                  <a:tcPr anchor="ctr"/>
+                </a:tc>
+                <a:tc>
+                  <a:txBody>
+                    <a:bodyPr/>
+                    <a:lstStyle/>
+                    <a:p>
+                      <a:pPr algn="ctr"/>
+                      <a:endParaRPr lang="en-US" dirty="0"/>
+                    </a:p>
+                  </a:txBody>
+                  <a:tcPr anchor="ctr"/>
+                </a:tc>
+                <a:tc>
+                  <a:txBody>
+                    <a:bodyPr/>
+                    <a:lstStyle/>
+                    <a:p>
+                      <a:pPr algn="ctr"/>
+                      <a:endParaRPr lang="en-US"/>
+                    </a:p>
+                  </a:txBody>
+                  <a:tcPr anchor="ctr"/>
+                </a:tc>
+                <a:extLst>
+                  <a:ext uri="{0D108BD9-81ED-4DB2-BD59-A6C34878D82A}">
+                    <a16:rowId xmlns:a16="http://schemas.microsoft.com/office/drawing/2014/main" val="2775775737"/>
+                  </a:ext>
+                </a:extLst>
+              </a:tr>
+              <a:tr h="887174">
+                <a:tc>
+                  <a:txBody>
+                    <a:bodyPr/>
+                    <a:lstStyle/>
+                    <a:p>
+                      <a:pPr algn="ctr"/>
+                      <a:r>
+                        <a:rPr lang="en-US" dirty="0"/>
+                        <a:t>Resnet18_F1</a:t>
+                      </a:r>
+                    </a:p>
+                  </a:txBody>
+                  <a:tcPr anchor="ctr"/>
+                </a:tc>
+                <a:tc>
+                  <a:txBody>
+                    <a:bodyPr/>
+                    <a:lstStyle/>
+                    <a:p>
+                      <a:pPr algn="ctr"/>
+                      <a:endParaRPr lang="en-US"/>
+                    </a:p>
+                  </a:txBody>
+                  <a:tcPr anchor="ctr"/>
+                </a:tc>
+                <a:tc>
+                  <a:txBody>
+                    <a:bodyPr/>
+                    <a:lstStyle/>
+                    <a:p>
+                      <a:pPr algn="ctr"/>
+                      <a:endParaRPr lang="en-US"/>
+                    </a:p>
+                  </a:txBody>
+                  <a:tcPr anchor="ctr"/>
+                </a:tc>
+                <a:tc>
+                  <a:txBody>
+                    <a:bodyPr/>
+                    <a:lstStyle/>
+                    <a:p>
+                      <a:pPr algn="ctr"/>
+                      <a:endParaRPr lang="en-US"/>
+                    </a:p>
+                  </a:txBody>
+                  <a:tcPr anchor="ctr"/>
+                </a:tc>
+                <a:tc>
+                  <a:txBody>
+                    <a:bodyPr/>
+                    <a:lstStyle/>
+                    <a:p>
+                      <a:pPr algn="ctr"/>
+                      <a:endParaRPr lang="en-US"/>
+                    </a:p>
+                  </a:txBody>
+                  <a:tcPr anchor="ctr"/>
+                </a:tc>
+                <a:tc>
+                  <a:txBody>
+                    <a:bodyPr/>
+                    <a:lstStyle/>
+                    <a:p>
+                      <a:pPr algn="ctr"/>
+                      <a:endParaRPr lang="en-US" dirty="0"/>
+                    </a:p>
+                  </a:txBody>
+                  <a:tcPr anchor="ctr"/>
+                </a:tc>
+                <a:tc>
+                  <a:txBody>
+                    <a:bodyPr/>
+                    <a:lstStyle/>
+                    <a:p>
+                      <a:pPr algn="ctr"/>
+                      <a:endParaRPr lang="en-US" dirty="0"/>
+                    </a:p>
+                  </a:txBody>
+                  <a:tcPr anchor="ctr"/>
+                </a:tc>
+                <a:extLst>
+                  <a:ext uri="{0D108BD9-81ED-4DB2-BD59-A6C34878D82A}">
+                    <a16:rowId xmlns:a16="http://schemas.microsoft.com/office/drawing/2014/main" val="618446083"/>
+                  </a:ext>
+                </a:extLst>
+              </a:tr>
+              <a:tr h="887174">
+                <a:tc>
+                  <a:txBody>
+                    <a:bodyPr/>
+                    <a:lstStyle/>
+                    <a:p>
+                      <a:pPr marL="0" marR="0" lvl="0" indent="0" algn="ctr" defTabSz="914400" rtl="0" eaLnBrk="1" fontAlgn="auto" latinLnBrk="0" hangingPunct="1">
+                        <a:lnSpc>
+                          <a:spcPct val="100000"/>
+                        </a:lnSpc>
+                        <a:spcBef>
+                          <a:spcPts val="0"/>
+                        </a:spcBef>
+                        <a:spcAft>
+                          <a:spcPts val="0"/>
+                        </a:spcAft>
+                        <a:buClrTx/>
+                        <a:buSzTx/>
+                        <a:buFontTx/>
+                        <a:buNone/>
+                        <a:tabLst/>
+                        <a:defRPr/>
+                      </a:pPr>
+                      <a:r>
+                        <a:rPr lang="en-US" dirty="0"/>
+                        <a:t>Resnet18_loss</a:t>
+                      </a:r>
+                    </a:p>
+                    <a:p>
+                      <a:pPr algn="ctr"/>
+                      <a:endParaRPr lang="en-US" dirty="0"/>
+                    </a:p>
+                  </a:txBody>
+                  <a:tcPr anchor="ctr"/>
+                </a:tc>
+                <a:tc>
+                  <a:txBody>
+                    <a:bodyPr/>
+                    <a:lstStyle/>
+                    <a:p>
+                      <a:pPr algn="ctr"/>
+                      <a:endParaRPr lang="en-US"/>
+                    </a:p>
+                  </a:txBody>
+                  <a:tcPr anchor="ctr"/>
+                </a:tc>
+                <a:tc>
+                  <a:txBody>
+                    <a:bodyPr/>
+                    <a:lstStyle/>
+                    <a:p>
+                      <a:pPr algn="ctr"/>
+                      <a:endParaRPr lang="en-US"/>
+                    </a:p>
+                  </a:txBody>
+                  <a:tcPr anchor="ctr"/>
+                </a:tc>
+                <a:tc>
+                  <a:txBody>
+                    <a:bodyPr/>
+                    <a:lstStyle/>
+                    <a:p>
+                      <a:pPr algn="ctr"/>
+                      <a:endParaRPr lang="en-US" dirty="0"/>
+                    </a:p>
+                  </a:txBody>
+                  <a:tcPr anchor="ctr"/>
+                </a:tc>
+                <a:tc>
+                  <a:txBody>
+                    <a:bodyPr/>
+                    <a:lstStyle/>
+                    <a:p>
+                      <a:pPr algn="ctr"/>
+                      <a:endParaRPr lang="en-US"/>
+                    </a:p>
+                  </a:txBody>
+                  <a:tcPr anchor="ctr"/>
+                </a:tc>
+                <a:tc>
+                  <a:txBody>
+                    <a:bodyPr/>
+                    <a:lstStyle/>
+                    <a:p>
+                      <a:pPr algn="ctr"/>
+                      <a:endParaRPr lang="en-US" dirty="0"/>
+                    </a:p>
+                  </a:txBody>
+                  <a:tcPr anchor="ctr"/>
+                </a:tc>
+                <a:tc>
+                  <a:txBody>
+                    <a:bodyPr/>
+                    <a:lstStyle/>
+                    <a:p>
+                      <a:pPr algn="ctr"/>
+                      <a:endParaRPr lang="en-US" dirty="0"/>
+                    </a:p>
+                  </a:txBody>
+                  <a:tcPr anchor="ctr"/>
+                </a:tc>
+                <a:extLst>
+                  <a:ext uri="{0D108BD9-81ED-4DB2-BD59-A6C34878D82A}">
+                    <a16:rowId xmlns:a16="http://schemas.microsoft.com/office/drawing/2014/main" val="872347479"/>
+                  </a:ext>
+                </a:extLst>
+              </a:tr>
+            </a:tbl>
+          </a:graphicData>
+        </a:graphic>
+      </p:graphicFrame>
+    </p:spTree>
+    <p:extLst>
+      <p:ext uri="{BB962C8B-B14F-4D97-AF65-F5344CB8AC3E}">
+        <p14:creationId xmlns:p14="http://schemas.microsoft.com/office/powerpoint/2010/main" val="3230343056"/>
+      </p:ext>
+    </p:extLst>
+  </p:cSld>
+  <p:clrMapOvr>
+    <a:masterClrMapping/>
+  </p:clrMapOvr>
+</p:sld>
+</file>
+
+<file path=ppt/slides/slide17.xml><?xml version="1.0" encoding="utf-8"?>
+<p:sld xmlns:a="http://schemas.openxmlformats.org/drawingml/2006/main" xmlns:r="http://schemas.openxmlformats.org/officeDocument/2006/relationships" xmlns:p="http://schemas.openxmlformats.org/presentationml/2006/main">
+  <p:cSld>
+    <p:spTree>
+      <p:nvGrpSpPr>
+        <p:cNvPr id="1" name=""/>
+        <p:cNvGrpSpPr/>
+        <p:nvPr/>
+      </p:nvGrpSpPr>
+      <p:grpSpPr>
+        <a:xfrm>
+          <a:off x="0" y="0"/>
+          <a:ext cx="0" cy="0"/>
+          <a:chOff x="0" y="0"/>
+          <a:chExt cx="0" cy="0"/>
+        </a:xfrm>
+      </p:grpSpPr>
+      <p:graphicFrame>
+        <p:nvGraphicFramePr>
+          <p:cNvPr id="4" name="Table 3">
+            <a:extLst>
+              <a:ext uri="{FF2B5EF4-FFF2-40B4-BE49-F238E27FC236}">
+                <a16:creationId xmlns:a16="http://schemas.microsoft.com/office/drawing/2014/main" id="{4C98E295-6090-3649-B770-A3986BB1759F}"/>
+              </a:ext>
+            </a:extLst>
+          </p:cNvPr>
+          <p:cNvGraphicFramePr>
+            <a:graphicFrameLocks noGrp="1"/>
+          </p:cNvGraphicFramePr>
+          <p:nvPr>
+            <p:extLst>
+              <p:ext uri="{D42A27DB-BD31-4B8C-83A1-F6EECF244321}">
+                <p14:modId xmlns:p14="http://schemas.microsoft.com/office/powerpoint/2010/main" val="3073329341"/>
+              </p:ext>
+            </p:extLst>
+          </p:nvPr>
+        </p:nvGraphicFramePr>
+        <p:xfrm>
+          <a:off x="674557" y="929527"/>
+          <a:ext cx="10942820" cy="4976599"/>
+        </p:xfrm>
+        <a:graphic>
+          <a:graphicData uri="http://schemas.openxmlformats.org/drawingml/2006/table">
+            <a:tbl>
+              <a:tblPr firstRow="1" bandRow="1">
+                <a:tableStyleId>{93296810-A885-4BE3-A3E7-6D5BEEA58F35}</a:tableStyleId>
+              </a:tblPr>
+              <a:tblGrid>
+                <a:gridCol w="1563260">
+                  <a:extLst>
+                    <a:ext uri="{9D8B030D-6E8A-4147-A177-3AD203B41FA5}">
+                      <a16:colId xmlns:a16="http://schemas.microsoft.com/office/drawing/2014/main" val="2272368709"/>
+                    </a:ext>
+                  </a:extLst>
+                </a:gridCol>
+                <a:gridCol w="1563260">
+                  <a:extLst>
+                    <a:ext uri="{9D8B030D-6E8A-4147-A177-3AD203B41FA5}">
+                      <a16:colId xmlns:a16="http://schemas.microsoft.com/office/drawing/2014/main" val="2235686462"/>
+                    </a:ext>
+                  </a:extLst>
+                </a:gridCol>
+                <a:gridCol w="1563260">
+                  <a:extLst>
+                    <a:ext uri="{9D8B030D-6E8A-4147-A177-3AD203B41FA5}">
+                      <a16:colId xmlns:a16="http://schemas.microsoft.com/office/drawing/2014/main" val="1061232007"/>
+                    </a:ext>
+                  </a:extLst>
+                </a:gridCol>
+                <a:gridCol w="1563260">
+                  <a:extLst>
+                    <a:ext uri="{9D8B030D-6E8A-4147-A177-3AD203B41FA5}">
+                      <a16:colId xmlns:a16="http://schemas.microsoft.com/office/drawing/2014/main" val="464967916"/>
+                    </a:ext>
+                  </a:extLst>
+                </a:gridCol>
+                <a:gridCol w="1563260">
+                  <a:extLst>
+                    <a:ext uri="{9D8B030D-6E8A-4147-A177-3AD203B41FA5}">
+                      <a16:colId xmlns:a16="http://schemas.microsoft.com/office/drawing/2014/main" val="3929012556"/>
+                    </a:ext>
+                  </a:extLst>
+                </a:gridCol>
+                <a:gridCol w="1563260">
+                  <a:extLst>
+                    <a:ext uri="{9D8B030D-6E8A-4147-A177-3AD203B41FA5}">
+                      <a16:colId xmlns:a16="http://schemas.microsoft.com/office/drawing/2014/main" val="3303028153"/>
+                    </a:ext>
+                  </a:extLst>
+                </a:gridCol>
+                <a:gridCol w="1563260">
+                  <a:extLst>
+                    <a:ext uri="{9D8B030D-6E8A-4147-A177-3AD203B41FA5}">
+                      <a16:colId xmlns:a16="http://schemas.microsoft.com/office/drawing/2014/main" val="4108006114"/>
+                    </a:ext>
+                  </a:extLst>
+                </a:gridCol>
+              </a:tblGrid>
+              <a:tr h="523804">
+                <a:tc>
+                  <a:txBody>
+                    <a:bodyPr/>
+                    <a:lstStyle/>
+                    <a:p>
+                      <a:pPr algn="ctr"/>
+                      <a:endParaRPr lang="en-US" dirty="0"/>
+                    </a:p>
+                  </a:txBody>
+                  <a:tcPr anchor="ctr"/>
+                </a:tc>
+                <a:tc>
+                  <a:txBody>
+                    <a:bodyPr/>
+                    <a:lstStyle/>
+                    <a:p>
+                      <a:pPr algn="ctr"/>
+                      <a:r>
+                        <a:rPr lang="en-US" dirty="0"/>
+                        <a:t>Accuracy</a:t>
+                      </a:r>
+                    </a:p>
+                  </a:txBody>
+                  <a:tcPr anchor="ctr"/>
+                </a:tc>
+                <a:tc>
+                  <a:txBody>
+                    <a:bodyPr/>
+                    <a:lstStyle/>
+                    <a:p>
+                      <a:pPr algn="ctr"/>
+                      <a:r>
+                        <a:rPr lang="en-US" dirty="0"/>
+                        <a:t>precision</a:t>
+                      </a:r>
+                    </a:p>
+                  </a:txBody>
+                  <a:tcPr anchor="ctr"/>
+                </a:tc>
+                <a:tc>
+                  <a:txBody>
+                    <a:bodyPr/>
+                    <a:lstStyle/>
+                    <a:p>
+                      <a:pPr algn="ctr"/>
+                      <a:r>
+                        <a:rPr lang="en-US" dirty="0"/>
+                        <a:t>recall</a:t>
+                      </a:r>
+                    </a:p>
+                  </a:txBody>
+                  <a:tcPr anchor="ctr"/>
+                </a:tc>
+                <a:tc>
+                  <a:txBody>
+                    <a:bodyPr/>
+                    <a:lstStyle/>
+                    <a:p>
+                      <a:pPr algn="ctr"/>
+                      <a:r>
+                        <a:rPr lang="en-US" dirty="0"/>
+                        <a:t>specificity</a:t>
+                      </a:r>
+                    </a:p>
+                  </a:txBody>
+                  <a:tcPr anchor="ctr"/>
+                </a:tc>
+                <a:tc>
+                  <a:txBody>
+                    <a:bodyPr/>
+                    <a:lstStyle/>
+                    <a:p>
+                      <a:pPr algn="ctr"/>
+                      <a:r>
+                        <a:rPr lang="en-US" dirty="0"/>
+                        <a:t>F1</a:t>
+                      </a:r>
+                    </a:p>
+                  </a:txBody>
+                  <a:tcPr anchor="ctr"/>
+                </a:tc>
+                <a:tc>
+                  <a:txBody>
+                    <a:bodyPr/>
+                    <a:lstStyle/>
+                    <a:p>
+                      <a:pPr algn="ctr"/>
+                      <a:r>
+                        <a:rPr lang="en-US" dirty="0"/>
+                        <a:t>loss</a:t>
+                      </a:r>
+                    </a:p>
+                  </a:txBody>
+                  <a:tcPr anchor="ctr"/>
+                </a:tc>
+                <a:extLst>
+                  <a:ext uri="{0D108BD9-81ED-4DB2-BD59-A6C34878D82A}">
+                    <a16:rowId xmlns:a16="http://schemas.microsoft.com/office/drawing/2014/main" val="2384826745"/>
+                  </a:ext>
+                </a:extLst>
+              </a:tr>
+              <a:tr h="904099">
+                <a:tc>
+                  <a:txBody>
+                    <a:bodyPr/>
+                    <a:lstStyle/>
+                    <a:p>
+                      <a:pPr algn="ctr"/>
+                      <a:r>
+                        <a:rPr lang="en-US" dirty="0"/>
+                        <a:t>Resnet18_accuracy</a:t>
+                      </a:r>
+                    </a:p>
+                  </a:txBody>
+                  <a:tcPr anchor="ctr"/>
+                </a:tc>
+                <a:tc>
+                  <a:txBody>
+                    <a:bodyPr/>
+                    <a:lstStyle/>
+                    <a:p>
+                      <a:pPr algn="ctr"/>
+                      <a:endParaRPr lang="en-US"/>
+                    </a:p>
+                  </a:txBody>
+                  <a:tcPr anchor="ctr"/>
+                </a:tc>
+                <a:tc>
+                  <a:txBody>
+                    <a:bodyPr/>
+                    <a:lstStyle/>
+                    <a:p>
+                      <a:pPr algn="ctr"/>
+                      <a:endParaRPr lang="en-US" dirty="0"/>
+                    </a:p>
+                  </a:txBody>
+                  <a:tcPr anchor="ctr"/>
+                </a:tc>
+                <a:tc>
+                  <a:txBody>
+                    <a:bodyPr/>
+                    <a:lstStyle/>
+                    <a:p>
+                      <a:pPr algn="ctr"/>
+                      <a:endParaRPr lang="en-US"/>
+                    </a:p>
+                  </a:txBody>
+                  <a:tcPr anchor="ctr"/>
+                </a:tc>
+                <a:tc>
+                  <a:txBody>
+                    <a:bodyPr/>
+                    <a:lstStyle/>
+                    <a:p>
+                      <a:pPr algn="ctr"/>
+                      <a:endParaRPr lang="en-US"/>
+                    </a:p>
+                  </a:txBody>
+                  <a:tcPr anchor="ctr"/>
+                </a:tc>
+                <a:tc>
+                  <a:txBody>
+                    <a:bodyPr/>
+                    <a:lstStyle/>
+                    <a:p>
+                      <a:pPr algn="ctr"/>
+                      <a:endParaRPr lang="en-US"/>
+                    </a:p>
+                  </a:txBody>
+                  <a:tcPr anchor="ctr"/>
+                </a:tc>
+                <a:tc>
+                  <a:txBody>
+                    <a:bodyPr/>
+                    <a:lstStyle/>
+                    <a:p>
+                      <a:pPr algn="ctr"/>
+                      <a:endParaRPr lang="en-US"/>
+                    </a:p>
+                  </a:txBody>
+                  <a:tcPr anchor="ctr"/>
+                </a:tc>
+                <a:extLst>
+                  <a:ext uri="{0D108BD9-81ED-4DB2-BD59-A6C34878D82A}">
+                    <a16:rowId xmlns:a16="http://schemas.microsoft.com/office/drawing/2014/main" val="1449166203"/>
+                  </a:ext>
+                </a:extLst>
+              </a:tr>
+              <a:tr h="887174">
+                <a:tc>
+                  <a:txBody>
+                    <a:bodyPr/>
+                    <a:lstStyle/>
+                    <a:p>
+                      <a:pPr algn="ctr"/>
+                      <a:r>
+                        <a:rPr lang="en-US" dirty="0"/>
+                        <a:t>Resnet18_precision</a:t>
+                      </a:r>
+                    </a:p>
+                  </a:txBody>
+                  <a:tcPr anchor="ctr"/>
+                </a:tc>
+                <a:tc>
+                  <a:txBody>
+                    <a:bodyPr/>
+                    <a:lstStyle/>
+                    <a:p>
+                      <a:pPr algn="ctr"/>
+                      <a:endParaRPr lang="en-US"/>
+                    </a:p>
+                  </a:txBody>
+                  <a:tcPr anchor="ctr"/>
+                </a:tc>
+                <a:tc>
+                  <a:txBody>
+                    <a:bodyPr/>
+                    <a:lstStyle/>
+                    <a:p>
+                      <a:pPr algn="ctr"/>
+                      <a:endParaRPr lang="en-US"/>
+                    </a:p>
+                  </a:txBody>
+                  <a:tcPr anchor="ctr"/>
+                </a:tc>
+                <a:tc>
+                  <a:txBody>
+                    <a:bodyPr/>
+                    <a:lstStyle/>
+                    <a:p>
+                      <a:pPr algn="ctr"/>
+                      <a:endParaRPr lang="en-US" dirty="0"/>
+                    </a:p>
+                  </a:txBody>
+                  <a:tcPr anchor="ctr"/>
+                </a:tc>
+                <a:tc>
+                  <a:txBody>
+                    <a:bodyPr/>
+                    <a:lstStyle/>
+                    <a:p>
+                      <a:pPr algn="ctr"/>
+                      <a:endParaRPr lang="en-US" dirty="0"/>
+                    </a:p>
+                  </a:txBody>
+                  <a:tcPr anchor="ctr"/>
+                </a:tc>
+                <a:tc>
+                  <a:txBody>
+                    <a:bodyPr/>
+                    <a:lstStyle/>
+                    <a:p>
+                      <a:pPr algn="ctr"/>
+                      <a:endParaRPr lang="en-US"/>
+                    </a:p>
+                  </a:txBody>
+                  <a:tcPr anchor="ctr"/>
+                </a:tc>
+                <a:tc>
+                  <a:txBody>
+                    <a:bodyPr/>
+                    <a:lstStyle/>
+                    <a:p>
+                      <a:pPr algn="ctr"/>
+                      <a:endParaRPr lang="en-US"/>
+                    </a:p>
+                  </a:txBody>
+                  <a:tcPr anchor="ctr"/>
+                </a:tc>
+                <a:extLst>
+                  <a:ext uri="{0D108BD9-81ED-4DB2-BD59-A6C34878D82A}">
+                    <a16:rowId xmlns:a16="http://schemas.microsoft.com/office/drawing/2014/main" val="4164655960"/>
+                  </a:ext>
+                </a:extLst>
+              </a:tr>
+              <a:tr h="887174">
+                <a:tc>
+                  <a:txBody>
+                    <a:bodyPr/>
+                    <a:lstStyle/>
+                    <a:p>
+                      <a:pPr algn="ctr"/>
+                      <a:r>
+                        <a:rPr lang="en-US" dirty="0"/>
+                        <a:t>Resnet18_recall</a:t>
+                      </a:r>
+                    </a:p>
+                  </a:txBody>
+                  <a:tcPr anchor="ctr"/>
+                </a:tc>
+                <a:tc>
+                  <a:txBody>
+                    <a:bodyPr/>
+                    <a:lstStyle/>
+                    <a:p>
+                      <a:pPr algn="ctr"/>
+                      <a:endParaRPr lang="en-US"/>
+                    </a:p>
+                  </a:txBody>
+                  <a:tcPr anchor="ctr"/>
+                </a:tc>
+                <a:tc>
+                  <a:txBody>
+                    <a:bodyPr/>
+                    <a:lstStyle/>
+                    <a:p>
+                      <a:pPr algn="ctr"/>
+                      <a:endParaRPr lang="en-US"/>
+                    </a:p>
+                  </a:txBody>
+                  <a:tcPr anchor="ctr"/>
+                </a:tc>
+                <a:tc>
+                  <a:txBody>
+                    <a:bodyPr/>
+                    <a:lstStyle/>
+                    <a:p>
+                      <a:pPr algn="ctr"/>
+                      <a:endParaRPr lang="en-US"/>
+                    </a:p>
+                  </a:txBody>
+                  <a:tcPr anchor="ctr"/>
+                </a:tc>
+                <a:tc>
+                  <a:txBody>
+                    <a:bodyPr/>
+                    <a:lstStyle/>
+                    <a:p>
+                      <a:pPr algn="ctr"/>
+                      <a:endParaRPr lang="en-US"/>
+                    </a:p>
+                  </a:txBody>
+                  <a:tcPr anchor="ctr"/>
+                </a:tc>
+                <a:tc>
+                  <a:txBody>
+                    <a:bodyPr/>
+                    <a:lstStyle/>
+                    <a:p>
+                      <a:pPr algn="ctr"/>
+                      <a:endParaRPr lang="en-US" dirty="0"/>
+                    </a:p>
+                  </a:txBody>
+                  <a:tcPr anchor="ctr"/>
+                </a:tc>
+                <a:tc>
+                  <a:txBody>
+                    <a:bodyPr/>
+                    <a:lstStyle/>
+                    <a:p>
+                      <a:pPr algn="ctr"/>
+                      <a:endParaRPr lang="en-US"/>
+                    </a:p>
+                  </a:txBody>
+                  <a:tcPr anchor="ctr"/>
+                </a:tc>
+                <a:extLst>
+                  <a:ext uri="{0D108BD9-81ED-4DB2-BD59-A6C34878D82A}">
+                    <a16:rowId xmlns:a16="http://schemas.microsoft.com/office/drawing/2014/main" val="2775775737"/>
+                  </a:ext>
+                </a:extLst>
+              </a:tr>
+              <a:tr h="887174">
+                <a:tc>
+                  <a:txBody>
+                    <a:bodyPr/>
+                    <a:lstStyle/>
+                    <a:p>
+                      <a:pPr algn="ctr"/>
+                      <a:r>
+                        <a:rPr lang="en-US" dirty="0"/>
+                        <a:t>Resnet18_F1</a:t>
+                      </a:r>
+                    </a:p>
+                  </a:txBody>
+                  <a:tcPr anchor="ctr"/>
+                </a:tc>
+                <a:tc>
+                  <a:txBody>
+                    <a:bodyPr/>
+                    <a:lstStyle/>
+                    <a:p>
+                      <a:pPr algn="ctr"/>
+                      <a:endParaRPr lang="en-US"/>
+                    </a:p>
+                  </a:txBody>
+                  <a:tcPr anchor="ctr"/>
+                </a:tc>
+                <a:tc>
+                  <a:txBody>
+                    <a:bodyPr/>
+                    <a:lstStyle/>
+                    <a:p>
+                      <a:pPr algn="ctr"/>
+                      <a:endParaRPr lang="en-US"/>
+                    </a:p>
+                  </a:txBody>
+                  <a:tcPr anchor="ctr"/>
+                </a:tc>
+                <a:tc>
+                  <a:txBody>
+                    <a:bodyPr/>
+                    <a:lstStyle/>
+                    <a:p>
+                      <a:pPr algn="ctr"/>
+                      <a:endParaRPr lang="en-US"/>
+                    </a:p>
+                  </a:txBody>
+                  <a:tcPr anchor="ctr"/>
+                </a:tc>
+                <a:tc>
+                  <a:txBody>
+                    <a:bodyPr/>
+                    <a:lstStyle/>
+                    <a:p>
+                      <a:pPr algn="ctr"/>
+                      <a:endParaRPr lang="en-US"/>
+                    </a:p>
+                  </a:txBody>
+                  <a:tcPr anchor="ctr"/>
+                </a:tc>
+                <a:tc>
+                  <a:txBody>
+                    <a:bodyPr/>
+                    <a:lstStyle/>
+                    <a:p>
+                      <a:pPr algn="ctr"/>
+                      <a:endParaRPr lang="en-US" dirty="0"/>
+                    </a:p>
+                  </a:txBody>
+                  <a:tcPr anchor="ctr"/>
+                </a:tc>
+                <a:tc>
+                  <a:txBody>
+                    <a:bodyPr/>
+                    <a:lstStyle/>
+                    <a:p>
+                      <a:pPr algn="ctr"/>
+                      <a:endParaRPr lang="en-US" dirty="0"/>
+                    </a:p>
+                  </a:txBody>
+                  <a:tcPr anchor="ctr"/>
+                </a:tc>
+                <a:extLst>
+                  <a:ext uri="{0D108BD9-81ED-4DB2-BD59-A6C34878D82A}">
+                    <a16:rowId xmlns:a16="http://schemas.microsoft.com/office/drawing/2014/main" val="618446083"/>
+                  </a:ext>
+                </a:extLst>
+              </a:tr>
+              <a:tr h="887174">
+                <a:tc>
+                  <a:txBody>
+                    <a:bodyPr/>
+                    <a:lstStyle/>
+                    <a:p>
+                      <a:pPr marL="0" marR="0" lvl="0" indent="0" algn="ctr" defTabSz="914400" rtl="0" eaLnBrk="1" fontAlgn="auto" latinLnBrk="0" hangingPunct="1">
+                        <a:lnSpc>
+                          <a:spcPct val="100000"/>
+                        </a:lnSpc>
+                        <a:spcBef>
+                          <a:spcPts val="0"/>
+                        </a:spcBef>
+                        <a:spcAft>
+                          <a:spcPts val="0"/>
+                        </a:spcAft>
+                        <a:buClrTx/>
+                        <a:buSzTx/>
+                        <a:buFontTx/>
+                        <a:buNone/>
+                        <a:tabLst/>
+                        <a:defRPr/>
+                      </a:pPr>
+                      <a:r>
+                        <a:rPr lang="en-US" dirty="0"/>
+                        <a:t>Resnet18_loss</a:t>
+                      </a:r>
+                    </a:p>
+                    <a:p>
+                      <a:pPr algn="ctr"/>
+                      <a:endParaRPr lang="en-US" dirty="0"/>
+                    </a:p>
+                  </a:txBody>
+                  <a:tcPr anchor="ctr"/>
+                </a:tc>
+                <a:tc>
+                  <a:txBody>
+                    <a:bodyPr/>
+                    <a:lstStyle/>
+                    <a:p>
+                      <a:pPr algn="ctr"/>
+                      <a:endParaRPr lang="en-US"/>
+                    </a:p>
+                  </a:txBody>
+                  <a:tcPr anchor="ctr"/>
+                </a:tc>
+                <a:tc>
+                  <a:txBody>
+                    <a:bodyPr/>
+                    <a:lstStyle/>
+                    <a:p>
+                      <a:pPr algn="ctr"/>
+                      <a:endParaRPr lang="en-US"/>
+                    </a:p>
+                  </a:txBody>
+                  <a:tcPr anchor="ctr"/>
+                </a:tc>
+                <a:tc>
+                  <a:txBody>
+                    <a:bodyPr/>
+                    <a:lstStyle/>
+                    <a:p>
+                      <a:pPr algn="ctr"/>
+                      <a:endParaRPr lang="en-US" dirty="0"/>
+                    </a:p>
+                  </a:txBody>
+                  <a:tcPr anchor="ctr"/>
+                </a:tc>
+                <a:tc>
+                  <a:txBody>
+                    <a:bodyPr/>
+                    <a:lstStyle/>
+                    <a:p>
+                      <a:pPr algn="ctr"/>
+                      <a:endParaRPr lang="en-US"/>
+                    </a:p>
+                  </a:txBody>
+                  <a:tcPr anchor="ctr"/>
+                </a:tc>
+                <a:tc>
+                  <a:txBody>
+                    <a:bodyPr/>
+                    <a:lstStyle/>
+                    <a:p>
+                      <a:pPr algn="ctr"/>
+                      <a:endParaRPr lang="en-US" dirty="0"/>
+                    </a:p>
+                  </a:txBody>
+                  <a:tcPr anchor="ctr"/>
+                </a:tc>
+                <a:tc>
+                  <a:txBody>
+                    <a:bodyPr/>
+                    <a:lstStyle/>
+                    <a:p>
+                      <a:pPr algn="ctr"/>
+                      <a:endParaRPr lang="en-US" dirty="0"/>
+                    </a:p>
+                  </a:txBody>
+                  <a:tcPr anchor="ctr"/>
+                </a:tc>
+                <a:extLst>
+                  <a:ext uri="{0D108BD9-81ED-4DB2-BD59-A6C34878D82A}">
+                    <a16:rowId xmlns:a16="http://schemas.microsoft.com/office/drawing/2014/main" val="872347479"/>
+                  </a:ext>
+                </a:extLst>
+              </a:tr>
+            </a:tbl>
+          </a:graphicData>
+        </a:graphic>
+      </p:graphicFrame>
+    </p:spTree>
+    <p:extLst>
+      <p:ext uri="{BB962C8B-B14F-4D97-AF65-F5344CB8AC3E}">
+        <p14:creationId xmlns:p14="http://schemas.microsoft.com/office/powerpoint/2010/main" val="534851030"/>
+      </p:ext>
+    </p:extLst>
+  </p:cSld>
+  <p:clrMapOvr>
+    <a:masterClrMapping/>
+  </p:clrMapOvr>
+</p:sld>
+</file>
+
+<file path=ppt/slides/slide18.xml><?xml version="1.0" encoding="utf-8"?>
+<p:sld xmlns:a="http://schemas.openxmlformats.org/drawingml/2006/main" xmlns:r="http://schemas.openxmlformats.org/officeDocument/2006/relationships" xmlns:p="http://schemas.openxmlformats.org/presentationml/2006/main">
+  <p:cSld>
+    <p:spTree>
+      <p:nvGrpSpPr>
+        <p:cNvPr id="1" name=""/>
+        <p:cNvGrpSpPr/>
+        <p:nvPr/>
+      </p:nvGrpSpPr>
+      <p:grpSpPr>
+        <a:xfrm>
+          <a:off x="0" y="0"/>
+          <a:ext cx="0" cy="0"/>
+          <a:chOff x="0" y="0"/>
+          <a:chExt cx="0" cy="0"/>
+        </a:xfrm>
+      </p:grpSpPr>
+      <p:graphicFrame>
+        <p:nvGraphicFramePr>
+          <p:cNvPr id="4" name="Table 3">
+            <a:extLst>
+              <a:ext uri="{FF2B5EF4-FFF2-40B4-BE49-F238E27FC236}">
+                <a16:creationId xmlns:a16="http://schemas.microsoft.com/office/drawing/2014/main" id="{4C98E295-6090-3649-B770-A3986BB1759F}"/>
+              </a:ext>
+            </a:extLst>
+          </p:cNvPr>
+          <p:cNvGraphicFramePr>
+            <a:graphicFrameLocks noGrp="1"/>
+          </p:cNvGraphicFramePr>
+          <p:nvPr>
+            <p:extLst>
+              <p:ext uri="{D42A27DB-BD31-4B8C-83A1-F6EECF244321}">
+                <p14:modId xmlns:p14="http://schemas.microsoft.com/office/powerpoint/2010/main" val="645491053"/>
+              </p:ext>
+            </p:extLst>
+          </p:nvPr>
+        </p:nvGraphicFramePr>
+        <p:xfrm>
+          <a:off x="674557" y="929527"/>
+          <a:ext cx="10942820" cy="4976599"/>
+        </p:xfrm>
+        <a:graphic>
+          <a:graphicData uri="http://schemas.openxmlformats.org/drawingml/2006/table">
+            <a:tbl>
+              <a:tblPr firstRow="1" bandRow="1">
+                <a:tableStyleId>{21E4AEA4-8DFA-4A89-87EB-49C32662AFE0}</a:tableStyleId>
+              </a:tblPr>
+              <a:tblGrid>
+                <a:gridCol w="1563260">
+                  <a:extLst>
+                    <a:ext uri="{9D8B030D-6E8A-4147-A177-3AD203B41FA5}">
+                      <a16:colId xmlns:a16="http://schemas.microsoft.com/office/drawing/2014/main" val="2272368709"/>
+                    </a:ext>
+                  </a:extLst>
+                </a:gridCol>
+                <a:gridCol w="1563260">
+                  <a:extLst>
+                    <a:ext uri="{9D8B030D-6E8A-4147-A177-3AD203B41FA5}">
+                      <a16:colId xmlns:a16="http://schemas.microsoft.com/office/drawing/2014/main" val="2235686462"/>
+                    </a:ext>
+                  </a:extLst>
+                </a:gridCol>
+                <a:gridCol w="1563260">
+                  <a:extLst>
+                    <a:ext uri="{9D8B030D-6E8A-4147-A177-3AD203B41FA5}">
+                      <a16:colId xmlns:a16="http://schemas.microsoft.com/office/drawing/2014/main" val="1061232007"/>
+                    </a:ext>
+                  </a:extLst>
+                </a:gridCol>
+                <a:gridCol w="1563260">
+                  <a:extLst>
+                    <a:ext uri="{9D8B030D-6E8A-4147-A177-3AD203B41FA5}">
+                      <a16:colId xmlns:a16="http://schemas.microsoft.com/office/drawing/2014/main" val="464967916"/>
+                    </a:ext>
+                  </a:extLst>
+                </a:gridCol>
+                <a:gridCol w="1563260">
+                  <a:extLst>
+                    <a:ext uri="{9D8B030D-6E8A-4147-A177-3AD203B41FA5}">
+                      <a16:colId xmlns:a16="http://schemas.microsoft.com/office/drawing/2014/main" val="3929012556"/>
+                    </a:ext>
+                  </a:extLst>
+                </a:gridCol>
+                <a:gridCol w="1563260">
+                  <a:extLst>
+                    <a:ext uri="{9D8B030D-6E8A-4147-A177-3AD203B41FA5}">
+                      <a16:colId xmlns:a16="http://schemas.microsoft.com/office/drawing/2014/main" val="3303028153"/>
+                    </a:ext>
+                  </a:extLst>
+                </a:gridCol>
+                <a:gridCol w="1563260">
+                  <a:extLst>
+                    <a:ext uri="{9D8B030D-6E8A-4147-A177-3AD203B41FA5}">
+                      <a16:colId xmlns:a16="http://schemas.microsoft.com/office/drawing/2014/main" val="4108006114"/>
+                    </a:ext>
+                  </a:extLst>
+                </a:gridCol>
+              </a:tblGrid>
+              <a:tr h="523804">
+                <a:tc>
+                  <a:txBody>
+                    <a:bodyPr/>
+                    <a:lstStyle/>
+                    <a:p>
+                      <a:pPr algn="ctr"/>
+                      <a:endParaRPr lang="en-US" dirty="0"/>
+                    </a:p>
+                  </a:txBody>
+                  <a:tcPr anchor="ctr"/>
+                </a:tc>
+                <a:tc>
+                  <a:txBody>
+                    <a:bodyPr/>
+                    <a:lstStyle/>
+                    <a:p>
+                      <a:pPr algn="ctr"/>
+                      <a:r>
+                        <a:rPr lang="en-US" dirty="0"/>
+                        <a:t>Accuracy</a:t>
+                      </a:r>
+                    </a:p>
+                  </a:txBody>
+                  <a:tcPr anchor="ctr"/>
+                </a:tc>
+                <a:tc>
+                  <a:txBody>
+                    <a:bodyPr/>
+                    <a:lstStyle/>
+                    <a:p>
+                      <a:pPr algn="ctr"/>
+                      <a:r>
+                        <a:rPr lang="en-US" dirty="0"/>
+                        <a:t>precision</a:t>
+                      </a:r>
+                    </a:p>
+                  </a:txBody>
+                  <a:tcPr anchor="ctr"/>
+                </a:tc>
+                <a:tc>
+                  <a:txBody>
+                    <a:bodyPr/>
+                    <a:lstStyle/>
+                    <a:p>
+                      <a:pPr algn="ctr"/>
+                      <a:r>
+                        <a:rPr lang="en-US" dirty="0"/>
+                        <a:t>recall</a:t>
+                      </a:r>
+                    </a:p>
+                  </a:txBody>
+                  <a:tcPr anchor="ctr"/>
+                </a:tc>
+                <a:tc>
+                  <a:txBody>
+                    <a:bodyPr/>
+                    <a:lstStyle/>
+                    <a:p>
+                      <a:pPr algn="ctr"/>
+                      <a:r>
+                        <a:rPr lang="en-US" dirty="0"/>
+                        <a:t>specificity</a:t>
+                      </a:r>
+                    </a:p>
+                  </a:txBody>
+                  <a:tcPr anchor="ctr"/>
+                </a:tc>
+                <a:tc>
+                  <a:txBody>
+                    <a:bodyPr/>
+                    <a:lstStyle/>
+                    <a:p>
+                      <a:pPr algn="ctr"/>
+                      <a:r>
+                        <a:rPr lang="en-US" dirty="0"/>
+                        <a:t>F1</a:t>
+                      </a:r>
+                    </a:p>
+                  </a:txBody>
+                  <a:tcPr anchor="ctr"/>
+                </a:tc>
+                <a:tc>
+                  <a:txBody>
+                    <a:bodyPr/>
+                    <a:lstStyle/>
+                    <a:p>
+                      <a:pPr algn="ctr"/>
+                      <a:r>
+                        <a:rPr lang="en-US" dirty="0"/>
+                        <a:t>loss</a:t>
+                      </a:r>
+                    </a:p>
+                  </a:txBody>
+                  <a:tcPr anchor="ctr"/>
+                </a:tc>
+                <a:extLst>
+                  <a:ext uri="{0D108BD9-81ED-4DB2-BD59-A6C34878D82A}">
+                    <a16:rowId xmlns:a16="http://schemas.microsoft.com/office/drawing/2014/main" val="2384826745"/>
+                  </a:ext>
+                </a:extLst>
+              </a:tr>
+              <a:tr h="904099">
+                <a:tc>
+                  <a:txBody>
+                    <a:bodyPr/>
+                    <a:lstStyle/>
+                    <a:p>
+                      <a:pPr algn="ctr"/>
+                      <a:r>
+                        <a:rPr lang="en-US" dirty="0"/>
+                        <a:t>Resnet18_accuracy</a:t>
+                      </a:r>
+                    </a:p>
+                  </a:txBody>
+                  <a:tcPr anchor="ctr"/>
+                </a:tc>
+                <a:tc>
+                  <a:txBody>
+                    <a:bodyPr/>
+                    <a:lstStyle/>
+                    <a:p>
+                      <a:pPr algn="ctr"/>
+                      <a:endParaRPr lang="en-US"/>
+                    </a:p>
+                  </a:txBody>
+                  <a:tcPr anchor="ctr"/>
+                </a:tc>
+                <a:tc>
+                  <a:txBody>
+                    <a:bodyPr/>
+                    <a:lstStyle/>
+                    <a:p>
+                      <a:pPr algn="ctr"/>
+                      <a:endParaRPr lang="en-US" dirty="0"/>
+                    </a:p>
+                  </a:txBody>
+                  <a:tcPr anchor="ctr"/>
+                </a:tc>
+                <a:tc>
+                  <a:txBody>
+                    <a:bodyPr/>
+                    <a:lstStyle/>
+                    <a:p>
+                      <a:pPr algn="ctr"/>
+                      <a:endParaRPr lang="en-US"/>
+                    </a:p>
+                  </a:txBody>
+                  <a:tcPr anchor="ctr"/>
+                </a:tc>
+                <a:tc>
+                  <a:txBody>
+                    <a:bodyPr/>
+                    <a:lstStyle/>
+                    <a:p>
+                      <a:pPr algn="ctr"/>
+                      <a:endParaRPr lang="en-US"/>
+                    </a:p>
+                  </a:txBody>
+                  <a:tcPr anchor="ctr"/>
+                </a:tc>
+                <a:tc>
+                  <a:txBody>
+                    <a:bodyPr/>
+                    <a:lstStyle/>
+                    <a:p>
+                      <a:pPr algn="ctr"/>
+                      <a:endParaRPr lang="en-US"/>
+                    </a:p>
+                  </a:txBody>
+                  <a:tcPr anchor="ctr"/>
+                </a:tc>
+                <a:tc>
+                  <a:txBody>
+                    <a:bodyPr/>
+                    <a:lstStyle/>
+                    <a:p>
+                      <a:pPr algn="ctr"/>
+                      <a:endParaRPr lang="en-US"/>
+                    </a:p>
+                  </a:txBody>
+                  <a:tcPr anchor="ctr"/>
+                </a:tc>
+                <a:extLst>
+                  <a:ext uri="{0D108BD9-81ED-4DB2-BD59-A6C34878D82A}">
+                    <a16:rowId xmlns:a16="http://schemas.microsoft.com/office/drawing/2014/main" val="1449166203"/>
+                  </a:ext>
+                </a:extLst>
+              </a:tr>
+              <a:tr h="887174">
+                <a:tc>
+                  <a:txBody>
+                    <a:bodyPr/>
+                    <a:lstStyle/>
+                    <a:p>
+                      <a:pPr algn="ctr"/>
+                      <a:r>
+                        <a:rPr lang="en-US" dirty="0"/>
+                        <a:t>Resnet18_precision</a:t>
+                      </a:r>
+                    </a:p>
+                  </a:txBody>
+                  <a:tcPr anchor="ctr"/>
+                </a:tc>
+                <a:tc>
+                  <a:txBody>
+                    <a:bodyPr/>
+                    <a:lstStyle/>
+                    <a:p>
+                      <a:pPr algn="ctr"/>
+                      <a:endParaRPr lang="en-US"/>
+                    </a:p>
+                  </a:txBody>
+                  <a:tcPr anchor="ctr"/>
+                </a:tc>
+                <a:tc>
+                  <a:txBody>
+                    <a:bodyPr/>
+                    <a:lstStyle/>
+                    <a:p>
+                      <a:pPr algn="ctr"/>
+                      <a:endParaRPr lang="en-US"/>
+                    </a:p>
+                  </a:txBody>
+                  <a:tcPr anchor="ctr"/>
+                </a:tc>
+                <a:tc>
+                  <a:txBody>
+                    <a:bodyPr/>
+                    <a:lstStyle/>
+                    <a:p>
+                      <a:pPr algn="ctr"/>
+                      <a:endParaRPr lang="en-US" dirty="0"/>
+                    </a:p>
+                  </a:txBody>
+                  <a:tcPr anchor="ctr"/>
+                </a:tc>
+                <a:tc>
+                  <a:txBody>
+                    <a:bodyPr/>
+                    <a:lstStyle/>
+                    <a:p>
+                      <a:pPr algn="ctr"/>
+                      <a:endParaRPr lang="en-US" dirty="0"/>
+                    </a:p>
+                  </a:txBody>
+                  <a:tcPr anchor="ctr"/>
+                </a:tc>
+                <a:tc>
+                  <a:txBody>
+                    <a:bodyPr/>
+                    <a:lstStyle/>
+                    <a:p>
+                      <a:pPr algn="ctr"/>
+                      <a:endParaRPr lang="en-US"/>
+                    </a:p>
+                  </a:txBody>
+                  <a:tcPr anchor="ctr"/>
+                </a:tc>
+                <a:tc>
+                  <a:txBody>
+                    <a:bodyPr/>
+                    <a:lstStyle/>
+                    <a:p>
+                      <a:pPr algn="ctr"/>
+                      <a:endParaRPr lang="en-US"/>
+                    </a:p>
+                  </a:txBody>
+                  <a:tcPr anchor="ctr"/>
+                </a:tc>
+                <a:extLst>
+                  <a:ext uri="{0D108BD9-81ED-4DB2-BD59-A6C34878D82A}">
+                    <a16:rowId xmlns:a16="http://schemas.microsoft.com/office/drawing/2014/main" val="4164655960"/>
+                  </a:ext>
+                </a:extLst>
+              </a:tr>
+              <a:tr h="887174">
+                <a:tc>
+                  <a:txBody>
+                    <a:bodyPr/>
+                    <a:lstStyle/>
+                    <a:p>
+                      <a:pPr algn="ctr"/>
+                      <a:r>
+                        <a:rPr lang="en-US" dirty="0"/>
+                        <a:t>Resnet18_recall</a:t>
+                      </a:r>
+                    </a:p>
+                  </a:txBody>
+                  <a:tcPr anchor="ctr"/>
+                </a:tc>
+                <a:tc>
+                  <a:txBody>
+                    <a:bodyPr/>
+                    <a:lstStyle/>
+                    <a:p>
+                      <a:pPr algn="ctr"/>
+                      <a:endParaRPr lang="en-US"/>
+                    </a:p>
+                  </a:txBody>
+                  <a:tcPr anchor="ctr"/>
+                </a:tc>
+                <a:tc>
+                  <a:txBody>
+                    <a:bodyPr/>
+                    <a:lstStyle/>
+                    <a:p>
+                      <a:pPr algn="ctr"/>
+                      <a:endParaRPr lang="en-US"/>
+                    </a:p>
+                  </a:txBody>
+                  <a:tcPr anchor="ctr"/>
+                </a:tc>
+                <a:tc>
+                  <a:txBody>
+                    <a:bodyPr/>
+                    <a:lstStyle/>
+                    <a:p>
+                      <a:pPr algn="ctr"/>
+                      <a:endParaRPr lang="en-US"/>
+                    </a:p>
+                  </a:txBody>
+                  <a:tcPr anchor="ctr"/>
+                </a:tc>
+                <a:tc>
+                  <a:txBody>
+                    <a:bodyPr/>
+                    <a:lstStyle/>
+                    <a:p>
+                      <a:pPr algn="ctr"/>
+                      <a:endParaRPr lang="en-US"/>
+                    </a:p>
+                  </a:txBody>
+                  <a:tcPr anchor="ctr"/>
+                </a:tc>
+                <a:tc>
+                  <a:txBody>
+                    <a:bodyPr/>
+                    <a:lstStyle/>
+                    <a:p>
+                      <a:pPr algn="ctr"/>
+                      <a:endParaRPr lang="en-US" dirty="0"/>
+                    </a:p>
+                  </a:txBody>
+                  <a:tcPr anchor="ctr"/>
+                </a:tc>
+                <a:tc>
+                  <a:txBody>
+                    <a:bodyPr/>
+                    <a:lstStyle/>
+                    <a:p>
+                      <a:pPr algn="ctr"/>
+                      <a:endParaRPr lang="en-US"/>
+                    </a:p>
+                  </a:txBody>
+                  <a:tcPr anchor="ctr"/>
+                </a:tc>
+                <a:extLst>
+                  <a:ext uri="{0D108BD9-81ED-4DB2-BD59-A6C34878D82A}">
+                    <a16:rowId xmlns:a16="http://schemas.microsoft.com/office/drawing/2014/main" val="2775775737"/>
+                  </a:ext>
+                </a:extLst>
+              </a:tr>
+              <a:tr h="887174">
+                <a:tc>
+                  <a:txBody>
+                    <a:bodyPr/>
+                    <a:lstStyle/>
+                    <a:p>
+                      <a:pPr algn="ctr"/>
+                      <a:r>
+                        <a:rPr lang="en-US" dirty="0"/>
+                        <a:t>Resnet18_F1</a:t>
+                      </a:r>
+                    </a:p>
+                  </a:txBody>
+                  <a:tcPr anchor="ctr"/>
+                </a:tc>
+                <a:tc>
+                  <a:txBody>
+                    <a:bodyPr/>
+                    <a:lstStyle/>
+                    <a:p>
+                      <a:pPr algn="ctr"/>
+                      <a:endParaRPr lang="en-US"/>
+                    </a:p>
+                  </a:txBody>
+                  <a:tcPr anchor="ctr"/>
+                </a:tc>
+                <a:tc>
+                  <a:txBody>
+                    <a:bodyPr/>
+                    <a:lstStyle/>
+                    <a:p>
+                      <a:pPr algn="ctr"/>
+                      <a:endParaRPr lang="en-US"/>
+                    </a:p>
+                  </a:txBody>
+                  <a:tcPr anchor="ctr"/>
+                </a:tc>
+                <a:tc>
+                  <a:txBody>
+                    <a:bodyPr/>
+                    <a:lstStyle/>
+                    <a:p>
+                      <a:pPr algn="ctr"/>
+                      <a:endParaRPr lang="en-US"/>
+                    </a:p>
+                  </a:txBody>
+                  <a:tcPr anchor="ctr"/>
+                </a:tc>
+                <a:tc>
+                  <a:txBody>
+                    <a:bodyPr/>
+                    <a:lstStyle/>
+                    <a:p>
+                      <a:pPr algn="ctr"/>
+                      <a:endParaRPr lang="en-US"/>
+                    </a:p>
+                  </a:txBody>
+                  <a:tcPr anchor="ctr"/>
+                </a:tc>
+                <a:tc>
+                  <a:txBody>
+                    <a:bodyPr/>
+                    <a:lstStyle/>
+                    <a:p>
+                      <a:pPr algn="ctr"/>
+                      <a:endParaRPr lang="en-US" dirty="0"/>
+                    </a:p>
+                  </a:txBody>
+                  <a:tcPr anchor="ctr"/>
+                </a:tc>
+                <a:tc>
+                  <a:txBody>
+                    <a:bodyPr/>
+                    <a:lstStyle/>
+                    <a:p>
+                      <a:pPr algn="ctr"/>
+                      <a:endParaRPr lang="en-US" dirty="0"/>
+                    </a:p>
+                  </a:txBody>
+                  <a:tcPr anchor="ctr"/>
+                </a:tc>
+                <a:extLst>
+                  <a:ext uri="{0D108BD9-81ED-4DB2-BD59-A6C34878D82A}">
+                    <a16:rowId xmlns:a16="http://schemas.microsoft.com/office/drawing/2014/main" val="618446083"/>
+                  </a:ext>
+                </a:extLst>
+              </a:tr>
+              <a:tr h="887174">
+                <a:tc>
+                  <a:txBody>
+                    <a:bodyPr/>
+                    <a:lstStyle/>
+                    <a:p>
+                      <a:pPr marL="0" marR="0" lvl="0" indent="0" algn="ctr" defTabSz="914400" rtl="0" eaLnBrk="1" fontAlgn="auto" latinLnBrk="0" hangingPunct="1">
+                        <a:lnSpc>
+                          <a:spcPct val="100000"/>
+                        </a:lnSpc>
+                        <a:spcBef>
+                          <a:spcPts val="0"/>
+                        </a:spcBef>
+                        <a:spcAft>
+                          <a:spcPts val="0"/>
+                        </a:spcAft>
+                        <a:buClrTx/>
+                        <a:buSzTx/>
+                        <a:buFontTx/>
+                        <a:buNone/>
+                        <a:tabLst/>
+                        <a:defRPr/>
+                      </a:pPr>
+                      <a:r>
+                        <a:rPr lang="en-US" dirty="0"/>
+                        <a:t>Resnet18_loss</a:t>
+                      </a:r>
+                    </a:p>
+                    <a:p>
+                      <a:pPr algn="ctr"/>
+                      <a:endParaRPr lang="en-US" dirty="0"/>
+                    </a:p>
+                  </a:txBody>
+                  <a:tcPr anchor="ctr"/>
+                </a:tc>
+                <a:tc>
+                  <a:txBody>
+                    <a:bodyPr/>
+                    <a:lstStyle/>
+                    <a:p>
+                      <a:pPr algn="ctr"/>
+                      <a:endParaRPr lang="en-US"/>
+                    </a:p>
+                  </a:txBody>
+                  <a:tcPr anchor="ctr"/>
+                </a:tc>
+                <a:tc>
+                  <a:txBody>
+                    <a:bodyPr/>
+                    <a:lstStyle/>
+                    <a:p>
+                      <a:pPr algn="ctr"/>
+                      <a:endParaRPr lang="en-US"/>
+                    </a:p>
+                  </a:txBody>
+                  <a:tcPr anchor="ctr"/>
+                </a:tc>
+                <a:tc>
+                  <a:txBody>
+                    <a:bodyPr/>
+                    <a:lstStyle/>
+                    <a:p>
+                      <a:pPr algn="ctr"/>
+                      <a:endParaRPr lang="en-US" dirty="0"/>
+                    </a:p>
+                  </a:txBody>
+                  <a:tcPr anchor="ctr"/>
+                </a:tc>
+                <a:tc>
+                  <a:txBody>
+                    <a:bodyPr/>
+                    <a:lstStyle/>
+                    <a:p>
+                      <a:pPr algn="ctr"/>
+                      <a:endParaRPr lang="en-US"/>
+                    </a:p>
+                  </a:txBody>
+                  <a:tcPr anchor="ctr"/>
+                </a:tc>
+                <a:tc>
+                  <a:txBody>
+                    <a:bodyPr/>
+                    <a:lstStyle/>
+                    <a:p>
+                      <a:pPr algn="ctr"/>
+                      <a:endParaRPr lang="en-US" dirty="0"/>
+                    </a:p>
+                  </a:txBody>
+                  <a:tcPr anchor="ctr"/>
+                </a:tc>
+                <a:tc>
+                  <a:txBody>
+                    <a:bodyPr/>
+                    <a:lstStyle/>
+                    <a:p>
+                      <a:pPr algn="ctr"/>
+                      <a:endParaRPr lang="en-US" dirty="0"/>
+                    </a:p>
+                  </a:txBody>
+                  <a:tcPr anchor="ctr"/>
+                </a:tc>
+                <a:extLst>
+                  <a:ext uri="{0D108BD9-81ED-4DB2-BD59-A6C34878D82A}">
+                    <a16:rowId xmlns:a16="http://schemas.microsoft.com/office/drawing/2014/main" val="872347479"/>
+                  </a:ext>
+                </a:extLst>
+              </a:tr>
+            </a:tbl>
+          </a:graphicData>
+        </a:graphic>
+      </p:graphicFrame>
+    </p:spTree>
+    <p:extLst>
+      <p:ext uri="{BB962C8B-B14F-4D97-AF65-F5344CB8AC3E}">
+        <p14:creationId xmlns:p14="http://schemas.microsoft.com/office/powerpoint/2010/main" val="2517309691"/>
+      </p:ext>
+    </p:extLst>
+  </p:cSld>
+  <p:clrMapOvr>
+    <a:masterClrMapping/>
+  </p:clrMapOvr>
+</p:sld>
+</file>
+
+<file path=ppt/slides/slide19.xml><?xml version="1.0" encoding="utf-8"?>
+<p:sld xmlns:a="http://schemas.openxmlformats.org/drawingml/2006/main" xmlns:r="http://schemas.openxmlformats.org/officeDocument/2006/relationships" xmlns:p="http://schemas.openxmlformats.org/presentationml/2006/main">
+  <p:cSld>
+    <p:spTree>
+      <p:nvGrpSpPr>
+        <p:cNvPr id="1" name=""/>
+        <p:cNvGrpSpPr/>
+        <p:nvPr/>
+      </p:nvGrpSpPr>
+      <p:grpSpPr>
+        <a:xfrm>
+          <a:off x="0" y="0"/>
+          <a:ext cx="0" cy="0"/>
+          <a:chOff x="0" y="0"/>
+          <a:chExt cx="0" cy="0"/>
+        </a:xfrm>
+      </p:grpSpPr>
       <p:sp>
         <p:nvSpPr>
           <p:cNvPr id="2" name="Title 1">
@@ -12873,3102 +15481,6 @@
     <p:extLst>
       <p:ext uri="{BB962C8B-B14F-4D97-AF65-F5344CB8AC3E}">
         <p14:creationId xmlns:p14="http://schemas.microsoft.com/office/powerpoint/2010/main" val="362517366"/>
-      </p:ext>
-    </p:extLst>
-  </p:cSld>
-  <p:clrMapOvr>
-    <a:masterClrMapping/>
-  </p:clrMapOvr>
-</p:sld>
-</file>
-
-<file path=ppt/slides/slide16.xml><?xml version="1.0" encoding="utf-8"?>
-<p:sld xmlns:a="http://schemas.openxmlformats.org/drawingml/2006/main" xmlns:r="http://schemas.openxmlformats.org/officeDocument/2006/relationships" xmlns:p="http://schemas.openxmlformats.org/presentationml/2006/main">
-  <p:cSld>
-    <p:spTree>
-      <p:nvGrpSpPr>
-        <p:cNvPr id="1" name=""/>
-        <p:cNvGrpSpPr/>
-        <p:nvPr/>
-      </p:nvGrpSpPr>
-      <p:grpSpPr>
-        <a:xfrm>
-          <a:off x="0" y="0"/>
-          <a:ext cx="0" cy="0"/>
-          <a:chOff x="0" y="0"/>
-          <a:chExt cx="0" cy="0"/>
-        </a:xfrm>
-      </p:grpSpPr>
-      <p:graphicFrame>
-        <p:nvGraphicFramePr>
-          <p:cNvPr id="4" name="Table 3">
-            <a:extLst>
-              <a:ext uri="{FF2B5EF4-FFF2-40B4-BE49-F238E27FC236}">
-                <a16:creationId xmlns:a16="http://schemas.microsoft.com/office/drawing/2014/main" id="{FBAA35C3-A355-1E45-A6CC-19311FAD9C7F}"/>
-              </a:ext>
-            </a:extLst>
-          </p:cNvPr>
-          <p:cNvGraphicFramePr>
-            <a:graphicFrameLocks noGrp="1"/>
-          </p:cNvGraphicFramePr>
-          <p:nvPr>
-            <p:extLst>
-              <p:ext uri="{D42A27DB-BD31-4B8C-83A1-F6EECF244321}">
-                <p14:modId xmlns:p14="http://schemas.microsoft.com/office/powerpoint/2010/main" val="1504713459"/>
-              </p:ext>
-            </p:extLst>
-          </p:nvPr>
-        </p:nvGraphicFramePr>
-        <p:xfrm>
-          <a:off x="1170038" y="1873907"/>
-          <a:ext cx="9792930" cy="2452376"/>
-        </p:xfrm>
-        <a:graphic>
-          <a:graphicData uri="http://schemas.openxmlformats.org/drawingml/2006/table">
-            <a:tbl>
-              <a:tblPr firstRow="1" bandRow="1">
-                <a:tableStyleId>{616DA210-FB5B-4158-B5E0-FEB733F419BA}</a:tableStyleId>
-              </a:tblPr>
-              <a:tblGrid>
-                <a:gridCol w="1632155">
-                  <a:extLst>
-                    <a:ext uri="{9D8B030D-6E8A-4147-A177-3AD203B41FA5}">
-                      <a16:colId xmlns:a16="http://schemas.microsoft.com/office/drawing/2014/main" val="2097733843"/>
-                    </a:ext>
-                  </a:extLst>
-                </a:gridCol>
-                <a:gridCol w="1632155">
-                  <a:extLst>
-                    <a:ext uri="{9D8B030D-6E8A-4147-A177-3AD203B41FA5}">
-                      <a16:colId xmlns:a16="http://schemas.microsoft.com/office/drawing/2014/main" val="577254002"/>
-                    </a:ext>
-                  </a:extLst>
-                </a:gridCol>
-                <a:gridCol w="1632155">
-                  <a:extLst>
-                    <a:ext uri="{9D8B030D-6E8A-4147-A177-3AD203B41FA5}">
-                      <a16:colId xmlns:a16="http://schemas.microsoft.com/office/drawing/2014/main" val="4105159091"/>
-                    </a:ext>
-                  </a:extLst>
-                </a:gridCol>
-                <a:gridCol w="1632155">
-                  <a:extLst>
-                    <a:ext uri="{9D8B030D-6E8A-4147-A177-3AD203B41FA5}">
-                      <a16:colId xmlns:a16="http://schemas.microsoft.com/office/drawing/2014/main" val="1904174288"/>
-                    </a:ext>
-                  </a:extLst>
-                </a:gridCol>
-                <a:gridCol w="1632155">
-                  <a:extLst>
-                    <a:ext uri="{9D8B030D-6E8A-4147-A177-3AD203B41FA5}">
-                      <a16:colId xmlns:a16="http://schemas.microsoft.com/office/drawing/2014/main" val="3930154999"/>
-                    </a:ext>
-                  </a:extLst>
-                </a:gridCol>
-                <a:gridCol w="1632155">
-                  <a:extLst>
-                    <a:ext uri="{9D8B030D-6E8A-4147-A177-3AD203B41FA5}">
-                      <a16:colId xmlns:a16="http://schemas.microsoft.com/office/drawing/2014/main" val="373465387"/>
-                    </a:ext>
-                  </a:extLst>
-                </a:gridCol>
-              </a:tblGrid>
-              <a:tr h="900584">
-                <a:tc>
-                  <a:txBody>
-                    <a:bodyPr/>
-                    <a:lstStyle/>
-                    <a:p>
-                      <a:pPr algn="ctr"/>
-                      <a:endParaRPr lang="en-US" dirty="0">
-                        <a:latin typeface="Times" pitchFamily="2" charset="0"/>
-                      </a:endParaRPr>
-                    </a:p>
-                  </a:txBody>
-                  <a:tcPr anchor="ctr"/>
-                </a:tc>
-                <a:tc>
-                  <a:txBody>
-                    <a:bodyPr/>
-                    <a:lstStyle/>
-                    <a:p>
-                      <a:pPr algn="ctr"/>
-                      <a:endParaRPr lang="en-US" dirty="0">
-                        <a:latin typeface="Times" pitchFamily="2" charset="0"/>
-                      </a:endParaRPr>
-                    </a:p>
-                  </a:txBody>
-                  <a:tcPr anchor="ctr"/>
-                </a:tc>
-                <a:tc>
-                  <a:txBody>
-                    <a:bodyPr/>
-                    <a:lstStyle/>
-                    <a:p>
-                      <a:pPr algn="ctr"/>
-                      <a:r>
-                        <a:rPr lang="en-US" dirty="0"/>
-                        <a:t>Bit 1</a:t>
-                      </a:r>
-                      <a:endParaRPr lang="en-US" dirty="0">
-                        <a:latin typeface="Times" pitchFamily="2" charset="0"/>
-                      </a:endParaRPr>
-                    </a:p>
-                  </a:txBody>
-                  <a:tcPr anchor="ctr"/>
-                </a:tc>
-                <a:tc>
-                  <a:txBody>
-                    <a:bodyPr/>
-                    <a:lstStyle/>
-                    <a:p>
-                      <a:pPr marL="0" marR="0" lvl="0" indent="0" algn="ctr" defTabSz="914400" rtl="0" eaLnBrk="1" fontAlgn="auto" latinLnBrk="0" hangingPunct="1">
-                        <a:lnSpc>
-                          <a:spcPct val="100000"/>
-                        </a:lnSpc>
-                        <a:spcBef>
-                          <a:spcPts val="0"/>
-                        </a:spcBef>
-                        <a:spcAft>
-                          <a:spcPts val="0"/>
-                        </a:spcAft>
-                        <a:buClrTx/>
-                        <a:buSzTx/>
-                        <a:buFontTx/>
-                        <a:buNone/>
-                        <a:tabLst/>
-                        <a:defRPr/>
-                      </a:pPr>
-                      <a:endParaRPr lang="en-US" dirty="0"/>
-                    </a:p>
-                    <a:p>
-                      <a:pPr algn="ctr"/>
-                      <a:r>
-                        <a:rPr lang="en-US" dirty="0"/>
-                        <a:t>Bit 2</a:t>
-                      </a:r>
-                    </a:p>
-                    <a:p>
-                      <a:pPr algn="ctr"/>
-                      <a:endParaRPr lang="en-US" dirty="0">
-                        <a:latin typeface="Times" pitchFamily="2" charset="0"/>
-                      </a:endParaRPr>
-                    </a:p>
-                  </a:txBody>
-                  <a:tcPr anchor="ctr"/>
-                </a:tc>
-                <a:tc>
-                  <a:txBody>
-                    <a:bodyPr/>
-                    <a:lstStyle/>
-                    <a:p>
-                      <a:pPr marL="0" marR="0" lvl="0" indent="0" algn="ctr" defTabSz="914400" rtl="0" eaLnBrk="1" fontAlgn="auto" latinLnBrk="0" hangingPunct="1">
-                        <a:lnSpc>
-                          <a:spcPct val="100000"/>
-                        </a:lnSpc>
-                        <a:spcBef>
-                          <a:spcPts val="0"/>
-                        </a:spcBef>
-                        <a:spcAft>
-                          <a:spcPts val="0"/>
-                        </a:spcAft>
-                        <a:buClrTx/>
-                        <a:buSzTx/>
-                        <a:buFontTx/>
-                        <a:buNone/>
-                        <a:tabLst/>
-                        <a:defRPr/>
-                      </a:pPr>
-                      <a:r>
-                        <a:rPr lang="en-US" dirty="0"/>
-                        <a:t>Bit 3</a:t>
-                      </a:r>
-                      <a:endParaRPr lang="en-US" dirty="0">
-                        <a:latin typeface="Times" pitchFamily="2" charset="0"/>
-                      </a:endParaRPr>
-                    </a:p>
-                  </a:txBody>
-                  <a:tcPr anchor="ctr"/>
-                </a:tc>
-                <a:tc>
-                  <a:txBody>
-                    <a:bodyPr/>
-                    <a:lstStyle/>
-                    <a:p>
-                      <a:pPr marL="0" marR="0" lvl="0" indent="0" algn="ctr" defTabSz="914400" rtl="0" eaLnBrk="1" fontAlgn="auto" latinLnBrk="0" hangingPunct="1">
-                        <a:lnSpc>
-                          <a:spcPct val="100000"/>
-                        </a:lnSpc>
-                        <a:spcBef>
-                          <a:spcPts val="0"/>
-                        </a:spcBef>
-                        <a:spcAft>
-                          <a:spcPts val="0"/>
-                        </a:spcAft>
-                        <a:buClrTx/>
-                        <a:buSzTx/>
-                        <a:buFontTx/>
-                        <a:buNone/>
-                        <a:tabLst/>
-                        <a:defRPr/>
-                      </a:pPr>
-                      <a:endParaRPr lang="en-US" dirty="0"/>
-                    </a:p>
-                    <a:p>
-                      <a:pPr algn="ctr"/>
-                      <a:r>
-                        <a:rPr lang="en-US" dirty="0"/>
-                        <a:t>Bit 4</a:t>
-                      </a:r>
-                    </a:p>
-                    <a:p>
-                      <a:pPr algn="ctr"/>
-                      <a:endParaRPr lang="en-US" dirty="0">
-                        <a:latin typeface="Times" pitchFamily="2" charset="0"/>
-                      </a:endParaRPr>
-                    </a:p>
-                  </a:txBody>
-                  <a:tcPr anchor="ctr"/>
-                </a:tc>
-                <a:extLst>
-                  <a:ext uri="{0D108BD9-81ED-4DB2-BD59-A6C34878D82A}">
-                    <a16:rowId xmlns:a16="http://schemas.microsoft.com/office/drawing/2014/main" val="2145746761"/>
-                  </a:ext>
-                </a:extLst>
-              </a:tr>
-              <a:tr h="384494">
-                <a:tc rowSpan="2">
-                  <a:txBody>
-                    <a:bodyPr/>
-                    <a:lstStyle/>
-                    <a:p>
-                      <a:pPr algn="ctr"/>
-                      <a:r>
-                        <a:rPr lang="en-US" altLang="zh-CN" dirty="0">
-                          <a:latin typeface="Times" pitchFamily="2" charset="0"/>
-                        </a:rPr>
-                        <a:t>Wall Street</a:t>
-                      </a:r>
-                      <a:endParaRPr lang="en-US" dirty="0">
-                        <a:latin typeface="Times" pitchFamily="2" charset="0"/>
-                      </a:endParaRPr>
-                    </a:p>
-                  </a:txBody>
-                  <a:tcPr anchor="ctr"/>
-                </a:tc>
-                <a:tc>
-                  <a:txBody>
-                    <a:bodyPr/>
-                    <a:lstStyle/>
-                    <a:p>
-                      <a:pPr algn="ctr"/>
-                      <a:r>
-                        <a:rPr lang="en-US" altLang="zh-CN" sz="1800" b="1" kern="1200" dirty="0">
-                          <a:solidFill>
-                            <a:schemeClr val="tx1"/>
-                          </a:solidFill>
-                          <a:latin typeface="+mn-lt"/>
-                          <a:ea typeface="+mn-ea"/>
-                          <a:cs typeface="+mn-cs"/>
-                        </a:rPr>
-                        <a:t>Whole</a:t>
-                      </a:r>
-                      <a:r>
-                        <a:rPr lang="zh-CN" altLang="en-US" sz="1800" b="1" kern="1200" dirty="0">
-                          <a:solidFill>
-                            <a:schemeClr val="tx1"/>
-                          </a:solidFill>
-                          <a:latin typeface="+mn-lt"/>
-                          <a:ea typeface="+mn-ea"/>
-                          <a:cs typeface="+mn-cs"/>
-                        </a:rPr>
-                        <a:t> </a:t>
-                      </a:r>
-                      <a:r>
-                        <a:rPr lang="en-US" altLang="zh-CN" sz="1800" b="1" kern="1200" dirty="0">
-                          <a:solidFill>
-                            <a:schemeClr val="tx1"/>
-                          </a:solidFill>
-                          <a:latin typeface="+mn-lt"/>
-                          <a:ea typeface="+mn-ea"/>
-                          <a:cs typeface="+mn-cs"/>
-                        </a:rPr>
-                        <a:t>area</a:t>
-                      </a:r>
-                      <a:endParaRPr lang="en-US" dirty="0">
-                        <a:latin typeface="Times" pitchFamily="2" charset="0"/>
-                      </a:endParaRPr>
-                    </a:p>
-                  </a:txBody>
-                  <a:tcPr/>
-                </a:tc>
-                <a:tc>
-                  <a:txBody>
-                    <a:bodyPr/>
-                    <a:lstStyle/>
-                    <a:p>
-                      <a:pPr algn="ctr"/>
-                      <a:r>
-                        <a:rPr lang="en-US" dirty="0">
-                          <a:latin typeface="Times" pitchFamily="2" charset="0"/>
-                        </a:rPr>
-                        <a:t>73.64%</a:t>
-                      </a:r>
-                    </a:p>
-                  </a:txBody>
-                  <a:tcPr/>
-                </a:tc>
-                <a:tc>
-                  <a:txBody>
-                    <a:bodyPr/>
-                    <a:lstStyle/>
-                    <a:p>
-                      <a:pPr algn="ctr"/>
-                      <a:r>
-                        <a:rPr lang="en-US" dirty="0">
-                          <a:latin typeface="Times" pitchFamily="2" charset="0"/>
-                        </a:rPr>
-                        <a:t>81.7%</a:t>
-                      </a:r>
-                    </a:p>
-                  </a:txBody>
-                  <a:tcPr/>
-                </a:tc>
-                <a:tc>
-                  <a:txBody>
-                    <a:bodyPr/>
-                    <a:lstStyle/>
-                    <a:p>
-                      <a:pPr algn="ctr"/>
-                      <a:r>
-                        <a:rPr lang="en-US" dirty="0">
-                          <a:latin typeface="Times" pitchFamily="2" charset="0"/>
-                        </a:rPr>
-                        <a:t>72.64%</a:t>
-                      </a:r>
-                    </a:p>
-                  </a:txBody>
-                  <a:tcPr/>
-                </a:tc>
-                <a:tc>
-                  <a:txBody>
-                    <a:bodyPr/>
-                    <a:lstStyle/>
-                    <a:p>
-                      <a:pPr algn="ctr"/>
-                      <a:r>
-                        <a:rPr lang="en-US" dirty="0">
-                          <a:latin typeface="Times" pitchFamily="2" charset="0"/>
-                        </a:rPr>
-                        <a:t>80.74%</a:t>
-                      </a:r>
-                    </a:p>
-                  </a:txBody>
-                  <a:tcPr/>
-                </a:tc>
-                <a:extLst>
-                  <a:ext uri="{0D108BD9-81ED-4DB2-BD59-A6C34878D82A}">
-                    <a16:rowId xmlns:a16="http://schemas.microsoft.com/office/drawing/2014/main" val="267636452"/>
-                  </a:ext>
-                </a:extLst>
-              </a:tr>
-              <a:tr h="384494">
-                <a:tc vMerge="1">
-                  <a:txBody>
-                    <a:bodyPr/>
-                    <a:lstStyle/>
-                    <a:p>
-                      <a:pPr marL="0" marR="0" lvl="0" indent="0" algn="ctr" defTabSz="914400" rtl="0" eaLnBrk="1" fontAlgn="auto" latinLnBrk="0" hangingPunct="1">
-                        <a:lnSpc>
-                          <a:spcPct val="100000"/>
-                        </a:lnSpc>
-                        <a:spcBef>
-                          <a:spcPts val="0"/>
-                        </a:spcBef>
-                        <a:spcAft>
-                          <a:spcPts val="0"/>
-                        </a:spcAft>
-                        <a:buClrTx/>
-                        <a:buSzTx/>
-                        <a:buFontTx/>
-                        <a:buNone/>
-                        <a:tabLst/>
-                        <a:defRPr/>
-                      </a:pPr>
-                      <a:endParaRPr lang="en-US" sz="1800" b="1" kern="1200" dirty="0">
-                        <a:solidFill>
-                          <a:schemeClr val="tx1"/>
-                        </a:solidFill>
-                        <a:latin typeface="+mn-lt"/>
-                        <a:ea typeface="+mn-ea"/>
-                        <a:cs typeface="+mn-cs"/>
-                      </a:endParaRPr>
-                    </a:p>
-                  </a:txBody>
-                  <a:tcPr/>
-                </a:tc>
-                <a:tc>
-                  <a:txBody>
-                    <a:bodyPr/>
-                    <a:lstStyle/>
-                    <a:p>
-                      <a:pPr marL="0" marR="0" lvl="0" indent="0" algn="ctr" defTabSz="914400" rtl="0" eaLnBrk="1" fontAlgn="auto" latinLnBrk="0" hangingPunct="1">
-                        <a:lnSpc>
-                          <a:spcPct val="100000"/>
-                        </a:lnSpc>
-                        <a:spcBef>
-                          <a:spcPts val="0"/>
-                        </a:spcBef>
-                        <a:spcAft>
-                          <a:spcPts val="0"/>
-                        </a:spcAft>
-                        <a:buClrTx/>
-                        <a:buSzTx/>
-                        <a:buFontTx/>
-                        <a:buNone/>
-                        <a:tabLst/>
-                        <a:defRPr/>
-                      </a:pPr>
-                      <a:r>
-                        <a:rPr lang="zh-CN" altLang="en-US" sz="1800" b="1" kern="1200" dirty="0">
-                          <a:solidFill>
-                            <a:schemeClr val="tx1"/>
-                          </a:solidFill>
-                          <a:latin typeface="+mn-lt"/>
-                          <a:ea typeface="+mn-ea"/>
-                          <a:cs typeface="+mn-cs"/>
-                        </a:rPr>
-                        <a:t> </a:t>
-                      </a:r>
-                      <a:r>
-                        <a:rPr lang="en-US" altLang="zh-CN" sz="1800" b="1" kern="1200" dirty="0">
-                          <a:solidFill>
-                            <a:schemeClr val="tx1"/>
-                          </a:solidFill>
-                          <a:latin typeface="+mn-lt"/>
-                          <a:ea typeface="+mn-ea"/>
-                          <a:cs typeface="+mn-cs"/>
-                        </a:rPr>
-                        <a:t>test routes</a:t>
-                      </a:r>
-                      <a:endParaRPr lang="en-US" sz="1800" b="1" kern="1200" dirty="0">
-                        <a:solidFill>
-                          <a:schemeClr val="tx1"/>
-                        </a:solidFill>
-                        <a:latin typeface="+mn-lt"/>
-                        <a:ea typeface="+mn-ea"/>
-                        <a:cs typeface="+mn-cs"/>
-                      </a:endParaRPr>
-                    </a:p>
-                  </a:txBody>
-                  <a:tcPr/>
-                </a:tc>
-                <a:tc>
-                  <a:txBody>
-                    <a:bodyPr/>
-                    <a:lstStyle/>
-                    <a:p>
-                      <a:pPr algn="ctr"/>
-                      <a:r>
-                        <a:rPr lang="en-US" sz="1800" kern="1200" dirty="0">
-                          <a:solidFill>
-                            <a:schemeClr val="tx1"/>
-                          </a:solidFill>
-                          <a:latin typeface="Times" pitchFamily="2" charset="0"/>
-                          <a:ea typeface="+mn-ea"/>
-                          <a:cs typeface="+mn-cs"/>
-                        </a:rPr>
-                        <a:t>78.89%</a:t>
-                      </a:r>
-                    </a:p>
-                  </a:txBody>
-                  <a:tcPr/>
-                </a:tc>
-                <a:tc>
-                  <a:txBody>
-                    <a:bodyPr/>
-                    <a:lstStyle/>
-                    <a:p>
-                      <a:pPr algn="ctr"/>
-                      <a:r>
-                        <a:rPr lang="en-US" sz="1800" kern="1200" dirty="0">
-                          <a:solidFill>
-                            <a:schemeClr val="tx1"/>
-                          </a:solidFill>
-                          <a:latin typeface="Times" pitchFamily="2" charset="0"/>
-                          <a:ea typeface="+mn-ea"/>
-                          <a:cs typeface="+mn-cs"/>
-                        </a:rPr>
-                        <a:t>83.05%</a:t>
-                      </a:r>
-                    </a:p>
-                  </a:txBody>
-                  <a:tcPr/>
-                </a:tc>
-                <a:tc>
-                  <a:txBody>
-                    <a:bodyPr/>
-                    <a:lstStyle/>
-                    <a:p>
-                      <a:pPr algn="ctr"/>
-                      <a:r>
-                        <a:rPr lang="en-US" sz="1800" kern="1200" dirty="0">
-                          <a:solidFill>
-                            <a:schemeClr val="tx1"/>
-                          </a:solidFill>
-                          <a:latin typeface="Times" pitchFamily="2" charset="0"/>
-                          <a:ea typeface="+mn-ea"/>
-                          <a:cs typeface="+mn-cs"/>
-                        </a:rPr>
-                        <a:t>77.32%</a:t>
-                      </a:r>
-                    </a:p>
-                  </a:txBody>
-                  <a:tcPr/>
-                </a:tc>
-                <a:tc>
-                  <a:txBody>
-                    <a:bodyPr/>
-                    <a:lstStyle/>
-                    <a:p>
-                      <a:pPr algn="ctr"/>
-                      <a:r>
-                        <a:rPr lang="en-US" sz="1800" kern="1200" dirty="0">
-                          <a:solidFill>
-                            <a:schemeClr val="tx1"/>
-                          </a:solidFill>
-                          <a:latin typeface="Times" pitchFamily="2" charset="0"/>
-                          <a:ea typeface="+mn-ea"/>
-                          <a:cs typeface="+mn-cs"/>
-                        </a:rPr>
-                        <a:t>84.49%</a:t>
-                      </a:r>
-                    </a:p>
-                  </a:txBody>
-                  <a:tcPr/>
-                </a:tc>
-                <a:extLst>
-                  <a:ext uri="{0D108BD9-81ED-4DB2-BD59-A6C34878D82A}">
-                    <a16:rowId xmlns:a16="http://schemas.microsoft.com/office/drawing/2014/main" val="3934113938"/>
-                  </a:ext>
-                </a:extLst>
-              </a:tr>
-              <a:tr h="384494">
-                <a:tc rowSpan="2">
-                  <a:txBody>
-                    <a:bodyPr/>
-                    <a:lstStyle/>
-                    <a:p>
-                      <a:pPr algn="ctr"/>
-                      <a:r>
-                        <a:rPr lang="en-US" altLang="zh-CN" dirty="0">
-                          <a:latin typeface="Times" pitchFamily="2" charset="0"/>
-                        </a:rPr>
-                        <a:t>Union Square</a:t>
-                      </a:r>
-                      <a:endParaRPr lang="en-US" dirty="0">
-                        <a:latin typeface="Times" pitchFamily="2" charset="0"/>
-                      </a:endParaRPr>
-                    </a:p>
-                  </a:txBody>
-                  <a:tcPr anchor="ctr"/>
-                </a:tc>
-                <a:tc>
-                  <a:txBody>
-                    <a:bodyPr/>
-                    <a:lstStyle/>
-                    <a:p>
-                      <a:pPr algn="ctr"/>
-                      <a:r>
-                        <a:rPr lang="en-US" altLang="zh-CN" sz="1800" b="1" kern="1200" dirty="0">
-                          <a:solidFill>
-                            <a:schemeClr val="tx1"/>
-                          </a:solidFill>
-                          <a:latin typeface="+mn-lt"/>
-                          <a:ea typeface="+mn-ea"/>
-                          <a:cs typeface="+mn-cs"/>
-                        </a:rPr>
-                        <a:t>Whole</a:t>
-                      </a:r>
-                      <a:r>
-                        <a:rPr lang="zh-CN" altLang="en-US" sz="1800" b="1" kern="1200" dirty="0">
-                          <a:solidFill>
-                            <a:schemeClr val="tx1"/>
-                          </a:solidFill>
-                          <a:latin typeface="+mn-lt"/>
-                          <a:ea typeface="+mn-ea"/>
-                          <a:cs typeface="+mn-cs"/>
-                        </a:rPr>
-                        <a:t> </a:t>
-                      </a:r>
-                      <a:r>
-                        <a:rPr lang="en-US" altLang="zh-CN" sz="1800" b="1" kern="1200" dirty="0">
-                          <a:solidFill>
-                            <a:schemeClr val="tx1"/>
-                          </a:solidFill>
-                          <a:latin typeface="+mn-lt"/>
-                          <a:ea typeface="+mn-ea"/>
-                          <a:cs typeface="+mn-cs"/>
-                        </a:rPr>
-                        <a:t>area</a:t>
-                      </a:r>
-                      <a:endParaRPr lang="en-US" dirty="0">
-                        <a:latin typeface="Times" pitchFamily="2" charset="0"/>
-                      </a:endParaRPr>
-                    </a:p>
-                  </a:txBody>
-                  <a:tcPr/>
-                </a:tc>
-                <a:tc>
-                  <a:txBody>
-                    <a:bodyPr/>
-                    <a:lstStyle/>
-                    <a:p>
-                      <a:pPr algn="ctr"/>
-                      <a:r>
-                        <a:rPr lang="en-US" dirty="0">
-                          <a:latin typeface="Times" pitchFamily="2" charset="0"/>
-                        </a:rPr>
-                        <a:t>84.92%</a:t>
-                      </a:r>
-                    </a:p>
-                  </a:txBody>
-                  <a:tcPr/>
-                </a:tc>
-                <a:tc>
-                  <a:txBody>
-                    <a:bodyPr/>
-                    <a:lstStyle/>
-                    <a:p>
-                      <a:pPr algn="ctr"/>
-                      <a:r>
-                        <a:rPr lang="en-US" dirty="0">
-                          <a:latin typeface="Times" pitchFamily="2" charset="0"/>
-                        </a:rPr>
-                        <a:t>86.32%</a:t>
-                      </a:r>
-                    </a:p>
-                  </a:txBody>
-                  <a:tcPr/>
-                </a:tc>
-                <a:tc>
-                  <a:txBody>
-                    <a:bodyPr/>
-                    <a:lstStyle/>
-                    <a:p>
-                      <a:pPr algn="ctr"/>
-                      <a:r>
-                        <a:rPr lang="en-US" dirty="0">
-                          <a:latin typeface="Times" pitchFamily="2" charset="0"/>
-                        </a:rPr>
-                        <a:t>85.58%</a:t>
-                      </a:r>
-                    </a:p>
-                  </a:txBody>
-                  <a:tcPr/>
-                </a:tc>
-                <a:tc>
-                  <a:txBody>
-                    <a:bodyPr/>
-                    <a:lstStyle/>
-                    <a:p>
-                      <a:pPr algn="ctr"/>
-                      <a:r>
-                        <a:rPr lang="en-US" dirty="0">
-                          <a:latin typeface="Times" pitchFamily="2" charset="0"/>
-                        </a:rPr>
-                        <a:t>85.78%</a:t>
-                      </a:r>
-                    </a:p>
-                  </a:txBody>
-                  <a:tcPr/>
-                </a:tc>
-                <a:extLst>
-                  <a:ext uri="{0D108BD9-81ED-4DB2-BD59-A6C34878D82A}">
-                    <a16:rowId xmlns:a16="http://schemas.microsoft.com/office/drawing/2014/main" val="827348748"/>
-                  </a:ext>
-                </a:extLst>
-              </a:tr>
-              <a:tr h="384494">
-                <a:tc vMerge="1">
-                  <a:txBody>
-                    <a:bodyPr/>
-                    <a:lstStyle/>
-                    <a:p>
-                      <a:pPr marL="0" marR="0" lvl="0" indent="0" algn="ctr" defTabSz="914400" rtl="0" eaLnBrk="1" fontAlgn="auto" latinLnBrk="0" hangingPunct="1">
-                        <a:lnSpc>
-                          <a:spcPct val="100000"/>
-                        </a:lnSpc>
-                        <a:spcBef>
-                          <a:spcPts val="0"/>
-                        </a:spcBef>
-                        <a:spcAft>
-                          <a:spcPts val="0"/>
-                        </a:spcAft>
-                        <a:buClrTx/>
-                        <a:buSzTx/>
-                        <a:buFontTx/>
-                        <a:buNone/>
-                        <a:tabLst/>
-                        <a:defRPr/>
-                      </a:pPr>
-                      <a:endParaRPr lang="en-US" sz="1800" b="1" kern="1200" dirty="0">
-                        <a:solidFill>
-                          <a:schemeClr val="tx1"/>
-                        </a:solidFill>
-                        <a:latin typeface="+mn-lt"/>
-                        <a:ea typeface="+mn-ea"/>
-                        <a:cs typeface="+mn-cs"/>
-                      </a:endParaRPr>
-                    </a:p>
-                  </a:txBody>
-                  <a:tcPr/>
-                </a:tc>
-                <a:tc>
-                  <a:txBody>
-                    <a:bodyPr/>
-                    <a:lstStyle/>
-                    <a:p>
-                      <a:pPr marL="0" marR="0" lvl="0" indent="0" algn="ctr" defTabSz="914400" rtl="0" eaLnBrk="1" fontAlgn="auto" latinLnBrk="0" hangingPunct="1">
-                        <a:lnSpc>
-                          <a:spcPct val="100000"/>
-                        </a:lnSpc>
-                        <a:spcBef>
-                          <a:spcPts val="0"/>
-                        </a:spcBef>
-                        <a:spcAft>
-                          <a:spcPts val="0"/>
-                        </a:spcAft>
-                        <a:buClrTx/>
-                        <a:buSzTx/>
-                        <a:buFontTx/>
-                        <a:buNone/>
-                        <a:tabLst/>
-                        <a:defRPr/>
-                      </a:pPr>
-                      <a:r>
-                        <a:rPr lang="zh-CN" altLang="en-US" sz="1800" b="1" kern="1200" dirty="0">
-                          <a:solidFill>
-                            <a:schemeClr val="tx1"/>
-                          </a:solidFill>
-                          <a:latin typeface="+mn-lt"/>
-                          <a:ea typeface="+mn-ea"/>
-                          <a:cs typeface="+mn-cs"/>
-                        </a:rPr>
-                        <a:t> </a:t>
-                      </a:r>
-                      <a:r>
-                        <a:rPr lang="en-US" altLang="zh-CN" sz="1800" b="1" kern="1200" dirty="0">
-                          <a:solidFill>
-                            <a:schemeClr val="tx1"/>
-                          </a:solidFill>
-                          <a:latin typeface="+mn-lt"/>
-                          <a:ea typeface="+mn-ea"/>
-                          <a:cs typeface="+mn-cs"/>
-                        </a:rPr>
-                        <a:t>test routes</a:t>
-                      </a:r>
-                      <a:endParaRPr lang="en-US" sz="1800" b="1" kern="1200" dirty="0">
-                        <a:solidFill>
-                          <a:schemeClr val="tx1"/>
-                        </a:solidFill>
-                        <a:latin typeface="+mn-lt"/>
-                        <a:ea typeface="+mn-ea"/>
-                        <a:cs typeface="+mn-cs"/>
-                      </a:endParaRPr>
-                    </a:p>
-                  </a:txBody>
-                  <a:tcPr/>
-                </a:tc>
-                <a:tc>
-                  <a:txBody>
-                    <a:bodyPr/>
-                    <a:lstStyle/>
-                    <a:p>
-                      <a:pPr algn="ctr"/>
-                      <a:r>
-                        <a:rPr lang="en-US" dirty="0">
-                          <a:latin typeface="Times" pitchFamily="2" charset="0"/>
-                        </a:rPr>
-                        <a:t>84.87%</a:t>
-                      </a:r>
-                    </a:p>
-                  </a:txBody>
-                  <a:tcPr/>
-                </a:tc>
-                <a:tc>
-                  <a:txBody>
-                    <a:bodyPr/>
-                    <a:lstStyle/>
-                    <a:p>
-                      <a:pPr algn="ctr"/>
-                      <a:r>
-                        <a:rPr lang="en-US" dirty="0">
-                          <a:latin typeface="Times" pitchFamily="2" charset="0"/>
-                        </a:rPr>
-                        <a:t>87.36%</a:t>
-                      </a:r>
-                    </a:p>
-                  </a:txBody>
-                  <a:tcPr/>
-                </a:tc>
-                <a:tc>
-                  <a:txBody>
-                    <a:bodyPr/>
-                    <a:lstStyle/>
-                    <a:p>
-                      <a:pPr algn="ctr"/>
-                      <a:r>
-                        <a:rPr lang="en-US" dirty="0">
-                          <a:latin typeface="Times" pitchFamily="2" charset="0"/>
-                        </a:rPr>
-                        <a:t>85.51%</a:t>
-                      </a:r>
-                    </a:p>
-                  </a:txBody>
-                  <a:tcPr/>
-                </a:tc>
-                <a:tc>
-                  <a:txBody>
-                    <a:bodyPr/>
-                    <a:lstStyle/>
-                    <a:p>
-                      <a:pPr algn="ctr"/>
-                      <a:r>
-                        <a:rPr lang="en-US" dirty="0">
-                          <a:latin typeface="Times" pitchFamily="2" charset="0"/>
-                        </a:rPr>
-                        <a:t>86.31%</a:t>
-                      </a:r>
-                    </a:p>
-                  </a:txBody>
-                  <a:tcPr/>
-                </a:tc>
-                <a:extLst>
-                  <a:ext uri="{0D108BD9-81ED-4DB2-BD59-A6C34878D82A}">
-                    <a16:rowId xmlns:a16="http://schemas.microsoft.com/office/drawing/2014/main" val="1207095232"/>
-                  </a:ext>
-                </a:extLst>
-              </a:tr>
-            </a:tbl>
-          </a:graphicData>
-        </a:graphic>
-      </p:graphicFrame>
-      <p:sp>
-        <p:nvSpPr>
-          <p:cNvPr id="7" name="TextBox 6">
-            <a:extLst>
-              <a:ext uri="{FF2B5EF4-FFF2-40B4-BE49-F238E27FC236}">
-                <a16:creationId xmlns:a16="http://schemas.microsoft.com/office/drawing/2014/main" id="{ACA35AA7-8132-EC4C-8F68-871D62F3483C}"/>
-              </a:ext>
-            </a:extLst>
-          </p:cNvPr>
-          <p:cNvSpPr txBox="1"/>
-          <p:nvPr/>
-        </p:nvSpPr>
-        <p:spPr>
-          <a:xfrm>
-            <a:off x="4038600" y="909550"/>
-            <a:ext cx="4055806" cy="400110"/>
-          </a:xfrm>
-          <a:prstGeom prst="rect">
-            <a:avLst/>
-          </a:prstGeom>
-          <a:noFill/>
-        </p:spPr>
-        <p:txBody>
-          <a:bodyPr wrap="square" rtlCol="0">
-            <a:spAutoFit/>
-          </a:bodyPr>
-          <a:lstStyle/>
-          <a:p>
-            <a:pPr algn="ctr"/>
-            <a:r>
-              <a:rPr lang="en-US" sz="2000" b="1" dirty="0">
-                <a:latin typeface="Times" pitchFamily="2" charset="0"/>
-              </a:rPr>
-              <a:t>Statistic accuracy for each bit</a:t>
-            </a:r>
-          </a:p>
-        </p:txBody>
-      </p:sp>
-    </p:spTree>
-    <p:extLst>
-      <p:ext uri="{BB962C8B-B14F-4D97-AF65-F5344CB8AC3E}">
-        <p14:creationId xmlns:p14="http://schemas.microsoft.com/office/powerpoint/2010/main" val="998669581"/>
-      </p:ext>
-    </p:extLst>
-  </p:cSld>
-  <p:clrMapOvr>
-    <a:masterClrMapping/>
-  </p:clrMapOvr>
-</p:sld>
-</file>
-
-<file path=ppt/slides/slide17.xml><?xml version="1.0" encoding="utf-8"?>
-<p:sld xmlns:a="http://schemas.openxmlformats.org/drawingml/2006/main" xmlns:r="http://schemas.openxmlformats.org/officeDocument/2006/relationships" xmlns:p="http://schemas.openxmlformats.org/presentationml/2006/main">
-  <p:cSld>
-    <p:spTree>
-      <p:nvGrpSpPr>
-        <p:cNvPr id="1" name=""/>
-        <p:cNvGrpSpPr/>
-        <p:nvPr/>
-      </p:nvGrpSpPr>
-      <p:grpSpPr>
-        <a:xfrm>
-          <a:off x="0" y="0"/>
-          <a:ext cx="0" cy="0"/>
-          <a:chOff x="0" y="0"/>
-          <a:chExt cx="0" cy="0"/>
-        </a:xfrm>
-      </p:grpSpPr>
-      <p:graphicFrame>
-        <p:nvGraphicFramePr>
-          <p:cNvPr id="6" name="Table 5">
-            <a:extLst>
-              <a:ext uri="{FF2B5EF4-FFF2-40B4-BE49-F238E27FC236}">
-                <a16:creationId xmlns:a16="http://schemas.microsoft.com/office/drawing/2014/main" id="{82B10131-45F2-944F-AFCB-541B11C81E95}"/>
-              </a:ext>
-            </a:extLst>
-          </p:cNvPr>
-          <p:cNvGraphicFramePr>
-            <a:graphicFrameLocks noGrp="1"/>
-          </p:cNvGraphicFramePr>
-          <p:nvPr>
-            <p:extLst>
-              <p:ext uri="{D42A27DB-BD31-4B8C-83A1-F6EECF244321}">
-                <p14:modId xmlns:p14="http://schemas.microsoft.com/office/powerpoint/2010/main" val="2988765163"/>
-              </p:ext>
-            </p:extLst>
-          </p:nvPr>
-        </p:nvGraphicFramePr>
-        <p:xfrm>
-          <a:off x="1472421" y="2024130"/>
-          <a:ext cx="9368046" cy="2484060"/>
-        </p:xfrm>
-        <a:graphic>
-          <a:graphicData uri="http://schemas.openxmlformats.org/drawingml/2006/table">
-            <a:tbl>
-              <a:tblPr firstRow="1" bandRow="1">
-                <a:tableStyleId>{BC89EF96-8CEA-46FF-86C4-4CE0E7609802}</a:tableStyleId>
-              </a:tblPr>
-              <a:tblGrid>
-                <a:gridCol w="1561341">
-                  <a:extLst>
-                    <a:ext uri="{9D8B030D-6E8A-4147-A177-3AD203B41FA5}">
-                      <a16:colId xmlns:a16="http://schemas.microsoft.com/office/drawing/2014/main" val="3085117936"/>
-                    </a:ext>
-                  </a:extLst>
-                </a:gridCol>
-                <a:gridCol w="1561341">
-                  <a:extLst>
-                    <a:ext uri="{9D8B030D-6E8A-4147-A177-3AD203B41FA5}">
-                      <a16:colId xmlns:a16="http://schemas.microsoft.com/office/drawing/2014/main" val="2717273049"/>
-                    </a:ext>
-                  </a:extLst>
-                </a:gridCol>
-                <a:gridCol w="1561341">
-                  <a:extLst>
-                    <a:ext uri="{9D8B030D-6E8A-4147-A177-3AD203B41FA5}">
-                      <a16:colId xmlns:a16="http://schemas.microsoft.com/office/drawing/2014/main" val="4105159091"/>
-                    </a:ext>
-                  </a:extLst>
-                </a:gridCol>
-                <a:gridCol w="1561341">
-                  <a:extLst>
-                    <a:ext uri="{9D8B030D-6E8A-4147-A177-3AD203B41FA5}">
-                      <a16:colId xmlns:a16="http://schemas.microsoft.com/office/drawing/2014/main" val="1904174288"/>
-                    </a:ext>
-                  </a:extLst>
-                </a:gridCol>
-                <a:gridCol w="1561341">
-                  <a:extLst>
-                    <a:ext uri="{9D8B030D-6E8A-4147-A177-3AD203B41FA5}">
-                      <a16:colId xmlns:a16="http://schemas.microsoft.com/office/drawing/2014/main" val="3930154999"/>
-                    </a:ext>
-                  </a:extLst>
-                </a:gridCol>
-                <a:gridCol w="1561341">
-                  <a:extLst>
-                    <a:ext uri="{9D8B030D-6E8A-4147-A177-3AD203B41FA5}">
-                      <a16:colId xmlns:a16="http://schemas.microsoft.com/office/drawing/2014/main" val="373465387"/>
-                    </a:ext>
-                  </a:extLst>
-                </a:gridCol>
-              </a:tblGrid>
-              <a:tr h="917388">
-                <a:tc>
-                  <a:txBody>
-                    <a:bodyPr/>
-                    <a:lstStyle/>
-                    <a:p>
-                      <a:pPr algn="ctr"/>
-                      <a:endParaRPr lang="en-US" dirty="0">
-                        <a:latin typeface="Times" pitchFamily="2" charset="0"/>
-                      </a:endParaRPr>
-                    </a:p>
-                  </a:txBody>
-                  <a:tcPr anchor="ctr"/>
-                </a:tc>
-                <a:tc>
-                  <a:txBody>
-                    <a:bodyPr/>
-                    <a:lstStyle/>
-                    <a:p>
-                      <a:pPr algn="ctr"/>
-                      <a:endParaRPr lang="en-US" dirty="0">
-                        <a:latin typeface="Times" pitchFamily="2" charset="0"/>
-                      </a:endParaRPr>
-                    </a:p>
-                  </a:txBody>
-                  <a:tcPr anchor="ctr"/>
-                </a:tc>
-                <a:tc>
-                  <a:txBody>
-                    <a:bodyPr/>
-                    <a:lstStyle/>
-                    <a:p>
-                      <a:pPr algn="ctr"/>
-                      <a:r>
-                        <a:rPr lang="en-US" dirty="0">
-                          <a:latin typeface="Times" pitchFamily="2" charset="0"/>
-                        </a:rPr>
-                        <a:t>junction</a:t>
-                      </a:r>
-                    </a:p>
-                  </a:txBody>
-                  <a:tcPr anchor="ctr"/>
-                </a:tc>
-                <a:tc>
-                  <a:txBody>
-                    <a:bodyPr/>
-                    <a:lstStyle/>
-                    <a:p>
-                      <a:pPr algn="ctr"/>
-                      <a:r>
-                        <a:rPr lang="en-US" dirty="0" err="1">
-                          <a:latin typeface="Times" pitchFamily="2" charset="0"/>
-                        </a:rPr>
-                        <a:t>Non_junction</a:t>
-                      </a:r>
-                      <a:endParaRPr lang="en-US" dirty="0">
-                        <a:latin typeface="Times" pitchFamily="2" charset="0"/>
-                      </a:endParaRPr>
-                    </a:p>
-                  </a:txBody>
-                  <a:tcPr anchor="ctr"/>
-                </a:tc>
-                <a:tc>
-                  <a:txBody>
-                    <a:bodyPr/>
-                    <a:lstStyle/>
-                    <a:p>
-                      <a:pPr marL="0" marR="0" lvl="0" indent="0" algn="ctr" defTabSz="914400" rtl="0" eaLnBrk="1" fontAlgn="auto" latinLnBrk="0" hangingPunct="1">
-                        <a:lnSpc>
-                          <a:spcPct val="100000"/>
-                        </a:lnSpc>
-                        <a:spcBef>
-                          <a:spcPts val="0"/>
-                        </a:spcBef>
-                        <a:spcAft>
-                          <a:spcPts val="0"/>
-                        </a:spcAft>
-                        <a:buClrTx/>
-                        <a:buSzTx/>
-                        <a:buFontTx/>
-                        <a:buNone/>
-                        <a:tabLst/>
-                        <a:defRPr/>
-                      </a:pPr>
-                      <a:r>
-                        <a:rPr lang="en-US" dirty="0">
-                          <a:latin typeface="Times" pitchFamily="2" charset="0"/>
-                        </a:rPr>
-                        <a:t>gap</a:t>
-                      </a:r>
-                    </a:p>
-                  </a:txBody>
-                  <a:tcPr anchor="ctr"/>
-                </a:tc>
-                <a:tc>
-                  <a:txBody>
-                    <a:bodyPr/>
-                    <a:lstStyle/>
-                    <a:p>
-                      <a:pPr algn="ctr"/>
-                      <a:r>
-                        <a:rPr lang="en-US" dirty="0" err="1">
-                          <a:latin typeface="Times" pitchFamily="2" charset="0"/>
-                        </a:rPr>
-                        <a:t>Non_gap</a:t>
-                      </a:r>
-                      <a:endParaRPr lang="en-US" dirty="0">
-                        <a:latin typeface="Times" pitchFamily="2" charset="0"/>
-                      </a:endParaRPr>
-                    </a:p>
-                  </a:txBody>
-                  <a:tcPr anchor="ctr"/>
-                </a:tc>
-                <a:extLst>
-                  <a:ext uri="{0D108BD9-81ED-4DB2-BD59-A6C34878D82A}">
-                    <a16:rowId xmlns:a16="http://schemas.microsoft.com/office/drawing/2014/main" val="2145746761"/>
-                  </a:ext>
-                </a:extLst>
-              </a:tr>
-              <a:tr h="391668">
-                <a:tc rowSpan="2">
-                  <a:txBody>
-                    <a:bodyPr/>
-                    <a:lstStyle/>
-                    <a:p>
-                      <a:pPr algn="ctr"/>
-                      <a:r>
-                        <a:rPr lang="en-US" altLang="zh-CN" dirty="0">
-                          <a:latin typeface="Times" pitchFamily="2" charset="0"/>
-                        </a:rPr>
-                        <a:t>Wall Street</a:t>
-                      </a:r>
-                      <a:endParaRPr lang="en-US" dirty="0">
-                        <a:latin typeface="Times" pitchFamily="2" charset="0"/>
-                      </a:endParaRPr>
-                    </a:p>
-                  </a:txBody>
-                  <a:tcPr anchor="ctr"/>
-                </a:tc>
-                <a:tc>
-                  <a:txBody>
-                    <a:bodyPr/>
-                    <a:lstStyle/>
-                    <a:p>
-                      <a:pPr algn="ctr"/>
-                      <a:r>
-                        <a:rPr lang="en-US" altLang="zh-CN" sz="1800" b="1" kern="1200" dirty="0">
-                          <a:solidFill>
-                            <a:schemeClr val="tx1"/>
-                          </a:solidFill>
-                          <a:latin typeface="+mn-lt"/>
-                          <a:ea typeface="+mn-ea"/>
-                          <a:cs typeface="+mn-cs"/>
-                        </a:rPr>
-                        <a:t>Whole</a:t>
-                      </a:r>
-                      <a:r>
-                        <a:rPr lang="zh-CN" altLang="en-US" sz="1800" b="1" kern="1200" dirty="0">
-                          <a:solidFill>
-                            <a:schemeClr val="tx1"/>
-                          </a:solidFill>
-                          <a:latin typeface="+mn-lt"/>
-                          <a:ea typeface="+mn-ea"/>
-                          <a:cs typeface="+mn-cs"/>
-                        </a:rPr>
-                        <a:t> </a:t>
-                      </a:r>
-                      <a:r>
-                        <a:rPr lang="en-US" altLang="zh-CN" sz="1800" b="1" kern="1200" dirty="0">
-                          <a:solidFill>
-                            <a:schemeClr val="tx1"/>
-                          </a:solidFill>
-                          <a:latin typeface="+mn-lt"/>
-                          <a:ea typeface="+mn-ea"/>
-                          <a:cs typeface="+mn-cs"/>
-                        </a:rPr>
-                        <a:t>area</a:t>
-                      </a:r>
-                      <a:endParaRPr lang="en-US" dirty="0">
-                        <a:latin typeface="Times" pitchFamily="2" charset="0"/>
-                      </a:endParaRPr>
-                    </a:p>
-                  </a:txBody>
-                  <a:tcPr/>
-                </a:tc>
-                <a:tc>
-                  <a:txBody>
-                    <a:bodyPr/>
-                    <a:lstStyle/>
-                    <a:p>
-                      <a:pPr algn="ctr"/>
-                      <a:r>
-                        <a:rPr lang="en-US" dirty="0">
-                          <a:solidFill>
-                            <a:srgbClr val="FF0000"/>
-                          </a:solidFill>
-                          <a:latin typeface="Times" pitchFamily="2" charset="0"/>
-                        </a:rPr>
-                        <a:t>48.1%</a:t>
-                      </a:r>
-                    </a:p>
-                  </a:txBody>
-                  <a:tcPr/>
-                </a:tc>
-                <a:tc>
-                  <a:txBody>
-                    <a:bodyPr/>
-                    <a:lstStyle/>
-                    <a:p>
-                      <a:pPr algn="ctr"/>
-                      <a:r>
-                        <a:rPr lang="en-US" dirty="0">
-                          <a:solidFill>
-                            <a:srgbClr val="FF0000"/>
-                          </a:solidFill>
-                          <a:latin typeface="Times" pitchFamily="2" charset="0"/>
-                        </a:rPr>
-                        <a:t>91.72%</a:t>
-                      </a:r>
-                    </a:p>
-                  </a:txBody>
-                  <a:tcPr/>
-                </a:tc>
-                <a:tc>
-                  <a:txBody>
-                    <a:bodyPr/>
-                    <a:lstStyle/>
-                    <a:p>
-                      <a:pPr algn="ctr"/>
-                      <a:r>
-                        <a:rPr lang="en-US" dirty="0">
-                          <a:solidFill>
-                            <a:srgbClr val="FF0000"/>
-                          </a:solidFill>
-                          <a:latin typeface="Times" pitchFamily="2" charset="0"/>
-                        </a:rPr>
-                        <a:t>75.37%</a:t>
-                      </a:r>
-                    </a:p>
-                  </a:txBody>
-                  <a:tcPr/>
-                </a:tc>
-                <a:tc>
-                  <a:txBody>
-                    <a:bodyPr/>
-                    <a:lstStyle/>
-                    <a:p>
-                      <a:pPr algn="ctr"/>
-                      <a:r>
-                        <a:rPr lang="en-US" dirty="0">
-                          <a:solidFill>
-                            <a:srgbClr val="FF0000"/>
-                          </a:solidFill>
-                          <a:latin typeface="Times" pitchFamily="2" charset="0"/>
-                        </a:rPr>
-                        <a:t>85.16%</a:t>
-                      </a:r>
-                    </a:p>
-                  </a:txBody>
-                  <a:tcPr/>
-                </a:tc>
-                <a:extLst>
-                  <a:ext uri="{0D108BD9-81ED-4DB2-BD59-A6C34878D82A}">
-                    <a16:rowId xmlns:a16="http://schemas.microsoft.com/office/drawing/2014/main" val="267636452"/>
-                  </a:ext>
-                </a:extLst>
-              </a:tr>
-              <a:tr h="391668">
-                <a:tc vMerge="1">
-                  <a:txBody>
-                    <a:bodyPr/>
-                    <a:lstStyle/>
-                    <a:p>
-                      <a:pPr marL="0" marR="0" lvl="0" indent="0" algn="ctr" defTabSz="914400" rtl="0" eaLnBrk="1" fontAlgn="auto" latinLnBrk="0" hangingPunct="1">
-                        <a:lnSpc>
-                          <a:spcPct val="100000"/>
-                        </a:lnSpc>
-                        <a:spcBef>
-                          <a:spcPts val="0"/>
-                        </a:spcBef>
-                        <a:spcAft>
-                          <a:spcPts val="0"/>
-                        </a:spcAft>
-                        <a:buClrTx/>
-                        <a:buSzTx/>
-                        <a:buFontTx/>
-                        <a:buNone/>
-                        <a:tabLst/>
-                        <a:defRPr/>
-                      </a:pPr>
-                      <a:endParaRPr lang="en-US" sz="1800" b="1" kern="1200" dirty="0">
-                        <a:solidFill>
-                          <a:schemeClr val="tx1"/>
-                        </a:solidFill>
-                        <a:latin typeface="+mn-lt"/>
-                        <a:ea typeface="+mn-ea"/>
-                        <a:cs typeface="+mn-cs"/>
-                      </a:endParaRPr>
-                    </a:p>
-                  </a:txBody>
-                  <a:tcPr/>
-                </a:tc>
-                <a:tc>
-                  <a:txBody>
-                    <a:bodyPr/>
-                    <a:lstStyle/>
-                    <a:p>
-                      <a:pPr marL="0" marR="0" lvl="0" indent="0" algn="ctr" defTabSz="914400" rtl="0" eaLnBrk="1" fontAlgn="auto" latinLnBrk="0" hangingPunct="1">
-                        <a:lnSpc>
-                          <a:spcPct val="100000"/>
-                        </a:lnSpc>
-                        <a:spcBef>
-                          <a:spcPts val="0"/>
-                        </a:spcBef>
-                        <a:spcAft>
-                          <a:spcPts val="0"/>
-                        </a:spcAft>
-                        <a:buClrTx/>
-                        <a:buSzTx/>
-                        <a:buFontTx/>
-                        <a:buNone/>
-                        <a:tabLst/>
-                        <a:defRPr/>
-                      </a:pPr>
-                      <a:r>
-                        <a:rPr lang="zh-CN" altLang="en-US" sz="1800" b="1" kern="1200" dirty="0">
-                          <a:solidFill>
-                            <a:schemeClr val="tx1"/>
-                          </a:solidFill>
-                          <a:latin typeface="+mn-lt"/>
-                          <a:ea typeface="+mn-ea"/>
-                          <a:cs typeface="+mn-cs"/>
-                        </a:rPr>
-                        <a:t> </a:t>
-                      </a:r>
-                      <a:r>
-                        <a:rPr lang="en-US" altLang="zh-CN" sz="1800" b="1" kern="1200" dirty="0">
-                          <a:solidFill>
-                            <a:schemeClr val="tx1"/>
-                          </a:solidFill>
-                          <a:latin typeface="+mn-lt"/>
-                          <a:ea typeface="+mn-ea"/>
-                          <a:cs typeface="+mn-cs"/>
-                        </a:rPr>
-                        <a:t>test routes</a:t>
-                      </a:r>
-                      <a:endParaRPr lang="en-US" sz="1800" b="1" kern="1200" dirty="0">
-                        <a:solidFill>
-                          <a:schemeClr val="tx1"/>
-                        </a:solidFill>
-                        <a:latin typeface="+mn-lt"/>
-                        <a:ea typeface="+mn-ea"/>
-                        <a:cs typeface="+mn-cs"/>
-                      </a:endParaRPr>
-                    </a:p>
-                  </a:txBody>
-                  <a:tcPr/>
-                </a:tc>
-                <a:tc>
-                  <a:txBody>
-                    <a:bodyPr/>
-                    <a:lstStyle/>
-                    <a:p>
-                      <a:pPr algn="ctr"/>
-                      <a:r>
-                        <a:rPr lang="en-US" dirty="0">
-                          <a:latin typeface="Times" pitchFamily="2" charset="0"/>
-                        </a:rPr>
-                        <a:t>56.3%</a:t>
-                      </a:r>
-                    </a:p>
-                  </a:txBody>
-                  <a:tcPr/>
-                </a:tc>
-                <a:tc>
-                  <a:txBody>
-                    <a:bodyPr/>
-                    <a:lstStyle/>
-                    <a:p>
-                      <a:pPr algn="ctr"/>
-                      <a:r>
-                        <a:rPr lang="en-US" dirty="0">
-                          <a:latin typeface="Times" pitchFamily="2" charset="0"/>
-                        </a:rPr>
-                        <a:t>92.06%</a:t>
-                      </a:r>
-                    </a:p>
-                  </a:txBody>
-                  <a:tcPr/>
-                </a:tc>
-                <a:tc>
-                  <a:txBody>
-                    <a:bodyPr/>
-                    <a:lstStyle/>
-                    <a:p>
-                      <a:pPr algn="ctr"/>
-                      <a:r>
-                        <a:rPr lang="en-US" dirty="0">
-                          <a:latin typeface="Times" pitchFamily="2" charset="0"/>
-                        </a:rPr>
-                        <a:t>81.89%</a:t>
-                      </a:r>
-                    </a:p>
-                  </a:txBody>
-                  <a:tcPr/>
-                </a:tc>
-                <a:tc>
-                  <a:txBody>
-                    <a:bodyPr/>
-                    <a:lstStyle/>
-                    <a:p>
-                      <a:pPr algn="ctr"/>
-                      <a:r>
-                        <a:rPr lang="en-US" dirty="0">
-                          <a:latin typeface="Times" pitchFamily="2" charset="0"/>
-                        </a:rPr>
-                        <a:t>85.5%</a:t>
-                      </a:r>
-                    </a:p>
-                  </a:txBody>
-                  <a:tcPr/>
-                </a:tc>
-                <a:extLst>
-                  <a:ext uri="{0D108BD9-81ED-4DB2-BD59-A6C34878D82A}">
-                    <a16:rowId xmlns:a16="http://schemas.microsoft.com/office/drawing/2014/main" val="3934113938"/>
-                  </a:ext>
-                </a:extLst>
-              </a:tr>
-              <a:tr h="391668">
-                <a:tc rowSpan="2">
-                  <a:txBody>
-                    <a:bodyPr/>
-                    <a:lstStyle/>
-                    <a:p>
-                      <a:pPr algn="ctr"/>
-                      <a:r>
-                        <a:rPr lang="en-US" altLang="zh-CN" dirty="0">
-                          <a:latin typeface="Times" pitchFamily="2" charset="0"/>
-                        </a:rPr>
-                        <a:t>Union Square</a:t>
-                      </a:r>
-                      <a:endParaRPr lang="en-US" dirty="0">
-                        <a:latin typeface="Times" pitchFamily="2" charset="0"/>
-                      </a:endParaRPr>
-                    </a:p>
-                  </a:txBody>
-                  <a:tcPr anchor="ctr"/>
-                </a:tc>
-                <a:tc>
-                  <a:txBody>
-                    <a:bodyPr/>
-                    <a:lstStyle/>
-                    <a:p>
-                      <a:pPr algn="ctr"/>
-                      <a:r>
-                        <a:rPr lang="en-US" altLang="zh-CN" sz="1800" b="1" kern="1200" dirty="0">
-                          <a:solidFill>
-                            <a:schemeClr val="tx1"/>
-                          </a:solidFill>
-                          <a:latin typeface="+mn-lt"/>
-                          <a:ea typeface="+mn-ea"/>
-                          <a:cs typeface="+mn-cs"/>
-                        </a:rPr>
-                        <a:t>Whole</a:t>
-                      </a:r>
-                      <a:r>
-                        <a:rPr lang="zh-CN" altLang="en-US" sz="1800" b="1" kern="1200" dirty="0">
-                          <a:solidFill>
-                            <a:schemeClr val="tx1"/>
-                          </a:solidFill>
-                          <a:latin typeface="+mn-lt"/>
-                          <a:ea typeface="+mn-ea"/>
-                          <a:cs typeface="+mn-cs"/>
-                        </a:rPr>
-                        <a:t> </a:t>
-                      </a:r>
-                      <a:r>
-                        <a:rPr lang="en-US" altLang="zh-CN" sz="1800" b="1" kern="1200" dirty="0">
-                          <a:solidFill>
-                            <a:schemeClr val="tx1"/>
-                          </a:solidFill>
-                          <a:latin typeface="+mn-lt"/>
-                          <a:ea typeface="+mn-ea"/>
-                          <a:cs typeface="+mn-cs"/>
-                        </a:rPr>
-                        <a:t>area</a:t>
-                      </a:r>
-                      <a:endParaRPr lang="en-US" dirty="0">
-                        <a:latin typeface="Times" pitchFamily="2" charset="0"/>
-                      </a:endParaRPr>
-                    </a:p>
-                  </a:txBody>
-                  <a:tcPr/>
-                </a:tc>
-                <a:tc>
-                  <a:txBody>
-                    <a:bodyPr/>
-                    <a:lstStyle/>
-                    <a:p>
-                      <a:pPr algn="ctr"/>
-                      <a:r>
-                        <a:rPr lang="en-US" dirty="0">
-                          <a:solidFill>
-                            <a:srgbClr val="FF0000"/>
-                          </a:solidFill>
-                          <a:latin typeface="Times" pitchFamily="2" charset="0"/>
-                        </a:rPr>
-                        <a:t>66.64%</a:t>
-                      </a:r>
-                    </a:p>
-                  </a:txBody>
-                  <a:tcPr/>
-                </a:tc>
-                <a:tc>
-                  <a:txBody>
-                    <a:bodyPr/>
-                    <a:lstStyle/>
-                    <a:p>
-                      <a:pPr algn="ctr"/>
-                      <a:r>
-                        <a:rPr lang="en-US" dirty="0">
-                          <a:solidFill>
-                            <a:srgbClr val="FF0000"/>
-                          </a:solidFill>
-                          <a:latin typeface="Times" pitchFamily="2" charset="0"/>
-                        </a:rPr>
-                        <a:t>93.83%</a:t>
-                      </a:r>
-                    </a:p>
-                  </a:txBody>
-                  <a:tcPr/>
-                </a:tc>
-                <a:tc>
-                  <a:txBody>
-                    <a:bodyPr/>
-                    <a:lstStyle/>
-                    <a:p>
-                      <a:pPr algn="ctr"/>
-                      <a:r>
-                        <a:rPr lang="en-US" dirty="0">
-                          <a:solidFill>
-                            <a:srgbClr val="FF0000"/>
-                          </a:solidFill>
-                          <a:latin typeface="Times" pitchFamily="2" charset="0"/>
-                        </a:rPr>
-                        <a:t>85.64%</a:t>
-                      </a:r>
-                    </a:p>
-                  </a:txBody>
-                  <a:tcPr/>
-                </a:tc>
-                <a:tc>
-                  <a:txBody>
-                    <a:bodyPr/>
-                    <a:lstStyle/>
-                    <a:p>
-                      <a:pPr algn="ctr"/>
-                      <a:r>
-                        <a:rPr lang="en-US" dirty="0">
-                          <a:solidFill>
-                            <a:srgbClr val="FF0000"/>
-                          </a:solidFill>
-                          <a:latin typeface="Times" pitchFamily="2" charset="0"/>
-                        </a:rPr>
-                        <a:t>86.36%</a:t>
-                      </a:r>
-                    </a:p>
-                  </a:txBody>
-                  <a:tcPr/>
-                </a:tc>
-                <a:extLst>
-                  <a:ext uri="{0D108BD9-81ED-4DB2-BD59-A6C34878D82A}">
-                    <a16:rowId xmlns:a16="http://schemas.microsoft.com/office/drawing/2014/main" val="827348748"/>
-                  </a:ext>
-                </a:extLst>
-              </a:tr>
-              <a:tr h="391668">
-                <a:tc vMerge="1">
-                  <a:txBody>
-                    <a:bodyPr/>
-                    <a:lstStyle/>
-                    <a:p>
-                      <a:pPr marL="0" marR="0" lvl="0" indent="0" algn="ctr" defTabSz="914400" rtl="0" eaLnBrk="1" fontAlgn="auto" latinLnBrk="0" hangingPunct="1">
-                        <a:lnSpc>
-                          <a:spcPct val="100000"/>
-                        </a:lnSpc>
-                        <a:spcBef>
-                          <a:spcPts val="0"/>
-                        </a:spcBef>
-                        <a:spcAft>
-                          <a:spcPts val="0"/>
-                        </a:spcAft>
-                        <a:buClrTx/>
-                        <a:buSzTx/>
-                        <a:buFontTx/>
-                        <a:buNone/>
-                        <a:tabLst/>
-                        <a:defRPr/>
-                      </a:pPr>
-                      <a:endParaRPr lang="en-US" sz="1800" b="1" kern="1200" dirty="0">
-                        <a:solidFill>
-                          <a:schemeClr val="tx1"/>
-                        </a:solidFill>
-                        <a:latin typeface="+mn-lt"/>
-                        <a:ea typeface="+mn-ea"/>
-                        <a:cs typeface="+mn-cs"/>
-                      </a:endParaRPr>
-                    </a:p>
-                  </a:txBody>
-                  <a:tcPr/>
-                </a:tc>
-                <a:tc>
-                  <a:txBody>
-                    <a:bodyPr/>
-                    <a:lstStyle/>
-                    <a:p>
-                      <a:pPr marL="0" marR="0" lvl="0" indent="0" algn="ctr" defTabSz="914400" rtl="0" eaLnBrk="1" fontAlgn="auto" latinLnBrk="0" hangingPunct="1">
-                        <a:lnSpc>
-                          <a:spcPct val="100000"/>
-                        </a:lnSpc>
-                        <a:spcBef>
-                          <a:spcPts val="0"/>
-                        </a:spcBef>
-                        <a:spcAft>
-                          <a:spcPts val="0"/>
-                        </a:spcAft>
-                        <a:buClrTx/>
-                        <a:buSzTx/>
-                        <a:buFontTx/>
-                        <a:buNone/>
-                        <a:tabLst/>
-                        <a:defRPr/>
-                      </a:pPr>
-                      <a:r>
-                        <a:rPr lang="zh-CN" altLang="en-US" sz="1800" b="1" kern="1200" dirty="0">
-                          <a:solidFill>
-                            <a:schemeClr val="tx1"/>
-                          </a:solidFill>
-                          <a:latin typeface="+mn-lt"/>
-                          <a:ea typeface="+mn-ea"/>
-                          <a:cs typeface="+mn-cs"/>
-                        </a:rPr>
-                        <a:t> </a:t>
-                      </a:r>
-                      <a:r>
-                        <a:rPr lang="en-US" altLang="zh-CN" sz="1800" b="1" kern="1200" dirty="0">
-                          <a:solidFill>
-                            <a:schemeClr val="tx1"/>
-                          </a:solidFill>
-                          <a:latin typeface="+mn-lt"/>
-                          <a:ea typeface="+mn-ea"/>
-                          <a:cs typeface="+mn-cs"/>
-                        </a:rPr>
-                        <a:t>test routes</a:t>
-                      </a:r>
-                      <a:endParaRPr lang="en-US" sz="1800" b="1" kern="1200" dirty="0">
-                        <a:solidFill>
-                          <a:schemeClr val="tx1"/>
-                        </a:solidFill>
-                        <a:latin typeface="+mn-lt"/>
-                        <a:ea typeface="+mn-ea"/>
-                        <a:cs typeface="+mn-cs"/>
-                      </a:endParaRPr>
-                    </a:p>
-                  </a:txBody>
-                  <a:tcPr/>
-                </a:tc>
-                <a:tc>
-                  <a:txBody>
-                    <a:bodyPr/>
-                    <a:lstStyle/>
-                    <a:p>
-                      <a:pPr algn="ctr"/>
-                      <a:r>
-                        <a:rPr lang="en-US" dirty="0">
-                          <a:latin typeface="Times" pitchFamily="2" charset="0"/>
-                        </a:rPr>
-                        <a:t>65.03%</a:t>
-                      </a:r>
-                    </a:p>
-                  </a:txBody>
-                  <a:tcPr/>
-                </a:tc>
-                <a:tc>
-                  <a:txBody>
-                    <a:bodyPr/>
-                    <a:lstStyle/>
-                    <a:p>
-                      <a:pPr algn="ctr"/>
-                      <a:r>
-                        <a:rPr lang="en-US" dirty="0">
-                          <a:latin typeface="Times" pitchFamily="2" charset="0"/>
-                        </a:rPr>
-                        <a:t>93.89%</a:t>
-                      </a:r>
-                    </a:p>
-                  </a:txBody>
-                  <a:tcPr/>
-                </a:tc>
-                <a:tc>
-                  <a:txBody>
-                    <a:bodyPr/>
-                    <a:lstStyle/>
-                    <a:p>
-                      <a:pPr algn="ctr"/>
-                      <a:r>
-                        <a:rPr lang="en-US" dirty="0">
-                          <a:latin typeface="Times" pitchFamily="2" charset="0"/>
-                        </a:rPr>
-                        <a:t>87.09%</a:t>
-                      </a:r>
-                    </a:p>
-                  </a:txBody>
-                  <a:tcPr/>
-                </a:tc>
-                <a:tc>
-                  <a:txBody>
-                    <a:bodyPr/>
-                    <a:lstStyle/>
-                    <a:p>
-                      <a:pPr algn="ctr"/>
-                      <a:r>
-                        <a:rPr lang="en-US" dirty="0">
-                          <a:latin typeface="Times" pitchFamily="2" charset="0"/>
-                        </a:rPr>
-                        <a:t>86.65%</a:t>
-                      </a:r>
-                    </a:p>
-                  </a:txBody>
-                  <a:tcPr/>
-                </a:tc>
-                <a:extLst>
-                  <a:ext uri="{0D108BD9-81ED-4DB2-BD59-A6C34878D82A}">
-                    <a16:rowId xmlns:a16="http://schemas.microsoft.com/office/drawing/2014/main" val="2521364167"/>
-                  </a:ext>
-                </a:extLst>
-              </a:tr>
-            </a:tbl>
-          </a:graphicData>
-        </a:graphic>
-      </p:graphicFrame>
-      <p:sp>
-        <p:nvSpPr>
-          <p:cNvPr id="8" name="TextBox 7">
-            <a:extLst>
-              <a:ext uri="{FF2B5EF4-FFF2-40B4-BE49-F238E27FC236}">
-                <a16:creationId xmlns:a16="http://schemas.microsoft.com/office/drawing/2014/main" id="{35553A17-7980-2F4E-893A-6DCC91A0A5A5}"/>
-              </a:ext>
-            </a:extLst>
-          </p:cNvPr>
-          <p:cNvSpPr txBox="1"/>
-          <p:nvPr/>
-        </p:nvSpPr>
-        <p:spPr>
-          <a:xfrm>
-            <a:off x="4128541" y="959155"/>
-            <a:ext cx="4055806" cy="369332"/>
-          </a:xfrm>
-          <a:prstGeom prst="rect">
-            <a:avLst/>
-          </a:prstGeom>
-          <a:noFill/>
-        </p:spPr>
-        <p:txBody>
-          <a:bodyPr wrap="square" rtlCol="0">
-            <a:spAutoFit/>
-          </a:bodyPr>
-          <a:lstStyle/>
-          <a:p>
-            <a:pPr algn="ctr"/>
-            <a:r>
-              <a:rPr lang="en-US" b="1" dirty="0">
-                <a:latin typeface="Times" pitchFamily="2" charset="0"/>
-              </a:rPr>
-              <a:t>Statistic accuracy for each category</a:t>
-            </a:r>
-          </a:p>
-        </p:txBody>
-      </p:sp>
-    </p:spTree>
-    <p:extLst>
-      <p:ext uri="{BB962C8B-B14F-4D97-AF65-F5344CB8AC3E}">
-        <p14:creationId xmlns:p14="http://schemas.microsoft.com/office/powerpoint/2010/main" val="2251733694"/>
-      </p:ext>
-    </p:extLst>
-  </p:cSld>
-  <p:clrMapOvr>
-    <a:masterClrMapping/>
-  </p:clrMapOvr>
-</p:sld>
-</file>
-
-<file path=ppt/slides/slide18.xml><?xml version="1.0" encoding="utf-8"?>
-<p:sld xmlns:a="http://schemas.openxmlformats.org/drawingml/2006/main" xmlns:r="http://schemas.openxmlformats.org/officeDocument/2006/relationships" xmlns:p="http://schemas.openxmlformats.org/presentationml/2006/main">
-  <p:cSld>
-    <p:spTree>
-      <p:nvGrpSpPr>
-        <p:cNvPr id="1" name=""/>
-        <p:cNvGrpSpPr/>
-        <p:nvPr/>
-      </p:nvGrpSpPr>
-      <p:grpSpPr>
-        <a:xfrm>
-          <a:off x="0" y="0"/>
-          <a:ext cx="0" cy="0"/>
-          <a:chOff x="0" y="0"/>
-          <a:chExt cx="0" cy="0"/>
-        </a:xfrm>
-      </p:grpSpPr>
-      <p:sp>
-        <p:nvSpPr>
-          <p:cNvPr id="2" name="Title 1">
-            <a:extLst>
-              <a:ext uri="{FF2B5EF4-FFF2-40B4-BE49-F238E27FC236}">
-                <a16:creationId xmlns:a16="http://schemas.microsoft.com/office/drawing/2014/main" id="{0189EDDC-0CE7-9149-8BD3-C79CEE1A5D0A}"/>
-              </a:ext>
-            </a:extLst>
-          </p:cNvPr>
-          <p:cNvSpPr>
-            <a:spLocks noGrp="1"/>
-          </p:cNvSpPr>
-          <p:nvPr>
-            <p:ph type="title"/>
-          </p:nvPr>
-        </p:nvSpPr>
-        <p:spPr>
-          <a:xfrm>
-            <a:off x="1003092" y="2643630"/>
-            <a:ext cx="10515600" cy="1325563"/>
-          </a:xfrm>
-        </p:spPr>
-        <p:txBody>
-          <a:bodyPr/>
-          <a:lstStyle/>
-          <a:p>
-            <a:pPr algn="ctr"/>
-            <a:r>
-              <a:rPr lang="en-US" dirty="0"/>
-              <a:t> Localisation Accuracy with different classifiers</a:t>
-            </a:r>
-          </a:p>
-        </p:txBody>
-      </p:sp>
-    </p:spTree>
-    <p:extLst>
-      <p:ext uri="{BB962C8B-B14F-4D97-AF65-F5344CB8AC3E}">
-        <p14:creationId xmlns:p14="http://schemas.microsoft.com/office/powerpoint/2010/main" val="442050230"/>
-      </p:ext>
-    </p:extLst>
-  </p:cSld>
-  <p:clrMapOvr>
-    <a:masterClrMapping/>
-  </p:clrMapOvr>
-</p:sld>
-</file>
-
-<file path=ppt/slides/slide19.xml><?xml version="1.0" encoding="utf-8"?>
-<p:sld xmlns:a="http://schemas.openxmlformats.org/drawingml/2006/main" xmlns:r="http://schemas.openxmlformats.org/officeDocument/2006/relationships" xmlns:p="http://schemas.openxmlformats.org/presentationml/2006/main">
-  <p:cSld>
-    <p:spTree>
-      <p:nvGrpSpPr>
-        <p:cNvPr id="1" name=""/>
-        <p:cNvGrpSpPr/>
-        <p:nvPr/>
-      </p:nvGrpSpPr>
-      <p:grpSpPr>
-        <a:xfrm>
-          <a:off x="0" y="0"/>
-          <a:ext cx="0" cy="0"/>
-          <a:chOff x="0" y="0"/>
-          <a:chExt cx="0" cy="0"/>
-        </a:xfrm>
-      </p:grpSpPr>
-      <p:graphicFrame>
-        <p:nvGraphicFramePr>
-          <p:cNvPr id="4" name="Content Placeholder 3">
-            <a:extLst>
-              <a:ext uri="{FF2B5EF4-FFF2-40B4-BE49-F238E27FC236}">
-                <a16:creationId xmlns:a16="http://schemas.microsoft.com/office/drawing/2014/main" id="{2D0F05D2-8DEB-6944-9D78-A41E61F5BA73}"/>
-              </a:ext>
-            </a:extLst>
-          </p:cNvPr>
-          <p:cNvGraphicFramePr>
-            <a:graphicFrameLocks noGrp="1"/>
-          </p:cNvGraphicFramePr>
-          <p:nvPr>
-            <p:ph idx="1"/>
-            <p:extLst>
-              <p:ext uri="{D42A27DB-BD31-4B8C-83A1-F6EECF244321}">
-                <p14:modId xmlns:p14="http://schemas.microsoft.com/office/powerpoint/2010/main" val="2752516076"/>
-              </p:ext>
-            </p:extLst>
-          </p:nvPr>
-        </p:nvGraphicFramePr>
-        <p:xfrm>
-          <a:off x="719528" y="881244"/>
-          <a:ext cx="10649265" cy="2595880"/>
-        </p:xfrm>
-        <a:graphic>
-          <a:graphicData uri="http://schemas.openxmlformats.org/drawingml/2006/table">
-            <a:tbl>
-              <a:tblPr firstRow="1" bandRow="1">
-                <a:tableStyleId>{E929F9F4-4A8F-4326-A1B4-22849713DDAB}</a:tableStyleId>
-              </a:tblPr>
-              <a:tblGrid>
-                <a:gridCol w="1466957">
-                  <a:extLst>
-                    <a:ext uri="{9D8B030D-6E8A-4147-A177-3AD203B41FA5}">
-                      <a16:colId xmlns:a16="http://schemas.microsoft.com/office/drawing/2014/main" val="3451332052"/>
-                    </a:ext>
-                  </a:extLst>
-                </a:gridCol>
-                <a:gridCol w="972333">
-                  <a:extLst>
-                    <a:ext uri="{9D8B030D-6E8A-4147-A177-3AD203B41FA5}">
-                      <a16:colId xmlns:a16="http://schemas.microsoft.com/office/drawing/2014/main" val="1708646475"/>
-                    </a:ext>
-                  </a:extLst>
-                </a:gridCol>
-                <a:gridCol w="1099483">
-                  <a:extLst>
-                    <a:ext uri="{9D8B030D-6E8A-4147-A177-3AD203B41FA5}">
-                      <a16:colId xmlns:a16="http://schemas.microsoft.com/office/drawing/2014/main" val="3932284448"/>
-                    </a:ext>
-                  </a:extLst>
-                </a:gridCol>
-                <a:gridCol w="1185082">
-                  <a:extLst>
-                    <a:ext uri="{9D8B030D-6E8A-4147-A177-3AD203B41FA5}">
-                      <a16:colId xmlns:a16="http://schemas.microsoft.com/office/drawing/2014/main" val="2120782996"/>
-                    </a:ext>
-                  </a:extLst>
-                </a:gridCol>
-                <a:gridCol w="1185082">
-                  <a:extLst>
-                    <a:ext uri="{9D8B030D-6E8A-4147-A177-3AD203B41FA5}">
-                      <a16:colId xmlns:a16="http://schemas.microsoft.com/office/drawing/2014/main" val="1235742552"/>
-                    </a:ext>
-                  </a:extLst>
-                </a:gridCol>
-                <a:gridCol w="1185082">
-                  <a:extLst>
-                    <a:ext uri="{9D8B030D-6E8A-4147-A177-3AD203B41FA5}">
-                      <a16:colId xmlns:a16="http://schemas.microsoft.com/office/drawing/2014/main" val="1644310330"/>
-                    </a:ext>
-                  </a:extLst>
-                </a:gridCol>
-                <a:gridCol w="1185082">
-                  <a:extLst>
-                    <a:ext uri="{9D8B030D-6E8A-4147-A177-3AD203B41FA5}">
-                      <a16:colId xmlns:a16="http://schemas.microsoft.com/office/drawing/2014/main" val="617467416"/>
-                    </a:ext>
-                  </a:extLst>
-                </a:gridCol>
-                <a:gridCol w="1185082">
-                  <a:extLst>
-                    <a:ext uri="{9D8B030D-6E8A-4147-A177-3AD203B41FA5}">
-                      <a16:colId xmlns:a16="http://schemas.microsoft.com/office/drawing/2014/main" val="1848367363"/>
-                    </a:ext>
-                  </a:extLst>
-                </a:gridCol>
-                <a:gridCol w="1185082">
-                  <a:extLst>
-                    <a:ext uri="{9D8B030D-6E8A-4147-A177-3AD203B41FA5}">
-                      <a16:colId xmlns:a16="http://schemas.microsoft.com/office/drawing/2014/main" val="525747893"/>
-                    </a:ext>
-                  </a:extLst>
-                </a:gridCol>
-              </a:tblGrid>
-              <a:tr h="370840">
-                <a:tc>
-                  <a:txBody>
-                    <a:bodyPr/>
-                    <a:lstStyle/>
-                    <a:p>
-                      <a:pPr algn="ctr"/>
-                      <a:endParaRPr lang="en-US" dirty="0"/>
-                    </a:p>
-                  </a:txBody>
-                  <a:tcPr/>
-                </a:tc>
-                <a:tc>
-                  <a:txBody>
-                    <a:bodyPr/>
-                    <a:lstStyle/>
-                    <a:p>
-                      <a:pPr algn="ctr"/>
-                      <a:r>
-                        <a:rPr lang="en-US" dirty="0"/>
-                        <a:t>5</a:t>
-                      </a:r>
-                    </a:p>
-                  </a:txBody>
-                  <a:tcPr/>
-                </a:tc>
-                <a:tc>
-                  <a:txBody>
-                    <a:bodyPr/>
-                    <a:lstStyle/>
-                    <a:p>
-                      <a:pPr algn="ctr"/>
-                      <a:r>
-                        <a:rPr lang="en-US" dirty="0"/>
-                        <a:t>10</a:t>
-                      </a:r>
-                    </a:p>
-                  </a:txBody>
-                  <a:tcPr/>
-                </a:tc>
-                <a:tc>
-                  <a:txBody>
-                    <a:bodyPr/>
-                    <a:lstStyle/>
-                    <a:p>
-                      <a:pPr algn="ctr"/>
-                      <a:r>
-                        <a:rPr lang="en-US" dirty="0"/>
-                        <a:t>15</a:t>
-                      </a:r>
-                    </a:p>
-                  </a:txBody>
-                  <a:tcPr/>
-                </a:tc>
-                <a:tc>
-                  <a:txBody>
-                    <a:bodyPr/>
-                    <a:lstStyle/>
-                    <a:p>
-                      <a:pPr algn="ctr"/>
-                      <a:r>
-                        <a:rPr lang="en-US" dirty="0"/>
-                        <a:t>20</a:t>
-                      </a:r>
-                    </a:p>
-                  </a:txBody>
-                  <a:tcPr/>
-                </a:tc>
-                <a:tc>
-                  <a:txBody>
-                    <a:bodyPr/>
-                    <a:lstStyle/>
-                    <a:p>
-                      <a:pPr algn="ctr"/>
-                      <a:r>
-                        <a:rPr lang="en-US" dirty="0"/>
-                        <a:t>25</a:t>
-                      </a:r>
-                    </a:p>
-                  </a:txBody>
-                  <a:tcPr/>
-                </a:tc>
-                <a:tc>
-                  <a:txBody>
-                    <a:bodyPr/>
-                    <a:lstStyle/>
-                    <a:p>
-                      <a:pPr algn="ctr"/>
-                      <a:r>
-                        <a:rPr lang="en-US" dirty="0"/>
-                        <a:t>30</a:t>
-                      </a:r>
-                    </a:p>
-                  </a:txBody>
-                  <a:tcPr/>
-                </a:tc>
-                <a:tc>
-                  <a:txBody>
-                    <a:bodyPr/>
-                    <a:lstStyle/>
-                    <a:p>
-                      <a:pPr algn="ctr"/>
-                      <a:r>
-                        <a:rPr lang="en-US" dirty="0"/>
-                        <a:t>35</a:t>
-                      </a:r>
-                    </a:p>
-                  </a:txBody>
-                  <a:tcPr/>
-                </a:tc>
-                <a:tc>
-                  <a:txBody>
-                    <a:bodyPr/>
-                    <a:lstStyle/>
-                    <a:p>
-                      <a:pPr algn="ctr"/>
-                      <a:r>
-                        <a:rPr lang="en-US" dirty="0"/>
-                        <a:t>40</a:t>
-                      </a:r>
-                    </a:p>
-                  </a:txBody>
-                  <a:tcPr/>
-                </a:tc>
-                <a:extLst>
-                  <a:ext uri="{0D108BD9-81ED-4DB2-BD59-A6C34878D82A}">
-                    <a16:rowId xmlns:a16="http://schemas.microsoft.com/office/drawing/2014/main" val="3084433744"/>
-                  </a:ext>
-                </a:extLst>
-              </a:tr>
-              <a:tr h="370840">
-                <a:tc>
-                  <a:txBody>
-                    <a:bodyPr/>
-                    <a:lstStyle/>
-                    <a:p>
-                      <a:pPr algn="ctr"/>
-                      <a:r>
-                        <a:rPr lang="en-US" dirty="0"/>
-                        <a:t>Wall street</a:t>
-                      </a:r>
-                    </a:p>
-                  </a:txBody>
-                  <a:tcPr/>
-                </a:tc>
-                <a:tc>
-                  <a:txBody>
-                    <a:bodyPr/>
-                    <a:lstStyle/>
-                    <a:p>
-                      <a:pPr algn="ctr"/>
-                      <a:r>
-                        <a:rPr lang="en-US" dirty="0"/>
-                        <a:t>0.042</a:t>
-                      </a:r>
-                    </a:p>
-                  </a:txBody>
-                  <a:tcPr/>
-                </a:tc>
-                <a:tc>
-                  <a:txBody>
-                    <a:bodyPr/>
-                    <a:lstStyle/>
-                    <a:p>
-                      <a:pPr algn="ctr"/>
-                      <a:r>
-                        <a:rPr lang="en-US" dirty="0"/>
-                        <a:t>0.31</a:t>
-                      </a:r>
-                    </a:p>
-                  </a:txBody>
-                  <a:tcPr/>
-                </a:tc>
-                <a:tc>
-                  <a:txBody>
-                    <a:bodyPr/>
-                    <a:lstStyle/>
-                    <a:p>
-                      <a:pPr algn="ctr"/>
-                      <a:r>
-                        <a:rPr lang="en-US" dirty="0"/>
-                        <a:t>0.58</a:t>
-                      </a:r>
-                    </a:p>
-                  </a:txBody>
-                  <a:tcPr/>
-                </a:tc>
-                <a:tc>
-                  <a:txBody>
-                    <a:bodyPr/>
-                    <a:lstStyle/>
-                    <a:p>
-                      <a:pPr algn="ctr"/>
-                      <a:r>
-                        <a:rPr lang="en-US" dirty="0"/>
-                        <a:t>0.778</a:t>
-                      </a:r>
-                    </a:p>
-                  </a:txBody>
-                  <a:tcPr/>
-                </a:tc>
-                <a:tc>
-                  <a:txBody>
-                    <a:bodyPr/>
-                    <a:lstStyle/>
-                    <a:p>
-                      <a:pPr algn="ctr"/>
-                      <a:r>
-                        <a:rPr lang="en-US" dirty="0"/>
-                        <a:t>0.864</a:t>
-                      </a:r>
-                    </a:p>
-                  </a:txBody>
-                  <a:tcPr/>
-                </a:tc>
-                <a:tc>
-                  <a:txBody>
-                    <a:bodyPr/>
-                    <a:lstStyle/>
-                    <a:p>
-                      <a:pPr algn="ctr"/>
-                      <a:r>
-                        <a:rPr lang="en-US" dirty="0"/>
-                        <a:t>0.932</a:t>
-                      </a:r>
-                    </a:p>
-                  </a:txBody>
-                  <a:tcPr/>
-                </a:tc>
-                <a:tc>
-                  <a:txBody>
-                    <a:bodyPr/>
-                    <a:lstStyle/>
-                    <a:p>
-                      <a:pPr algn="ctr"/>
-                      <a:r>
-                        <a:rPr lang="en-US" dirty="0"/>
-                        <a:t>0.958</a:t>
-                      </a:r>
-                    </a:p>
-                  </a:txBody>
-                  <a:tcPr/>
-                </a:tc>
-                <a:tc>
-                  <a:txBody>
-                    <a:bodyPr/>
-                    <a:lstStyle/>
-                    <a:p>
-                      <a:pPr algn="ctr"/>
-                      <a:r>
-                        <a:rPr lang="en-US" dirty="0"/>
-                        <a:t>0.96</a:t>
-                      </a:r>
-                    </a:p>
-                  </a:txBody>
-                  <a:tcPr/>
-                </a:tc>
-                <a:extLst>
-                  <a:ext uri="{0D108BD9-81ED-4DB2-BD59-A6C34878D82A}">
-                    <a16:rowId xmlns:a16="http://schemas.microsoft.com/office/drawing/2014/main" val="3371609480"/>
-                  </a:ext>
-                </a:extLst>
-              </a:tr>
-              <a:tr h="370840">
-                <a:tc>
-                  <a:txBody>
-                    <a:bodyPr/>
-                    <a:lstStyle/>
-                    <a:p>
-                      <a:pPr algn="ctr"/>
-                      <a:r>
-                        <a:rPr lang="en-US" altLang="zh-CN" dirty="0"/>
-                        <a:t>v2</a:t>
-                      </a:r>
-                      <a:endParaRPr lang="en-US" dirty="0"/>
-                    </a:p>
-                  </a:txBody>
-                  <a:tcPr/>
-                </a:tc>
-                <a:tc>
-                  <a:txBody>
-                    <a:bodyPr/>
-                    <a:lstStyle/>
-                    <a:p>
-                      <a:pPr algn="ctr"/>
-                      <a:r>
-                        <a:rPr lang="en-US" dirty="0"/>
-                        <a:t>0.114</a:t>
-                      </a:r>
-                    </a:p>
-                  </a:txBody>
-                  <a:tcPr/>
-                </a:tc>
-                <a:tc>
-                  <a:txBody>
-                    <a:bodyPr/>
-                    <a:lstStyle/>
-                    <a:p>
-                      <a:pPr algn="ctr"/>
-                      <a:r>
-                        <a:rPr lang="en-US" dirty="0"/>
-                        <a:t>0.522</a:t>
-                      </a:r>
-                    </a:p>
-                  </a:txBody>
-                  <a:tcPr/>
-                </a:tc>
-                <a:tc>
-                  <a:txBody>
-                    <a:bodyPr/>
-                    <a:lstStyle/>
-                    <a:p>
-                      <a:pPr algn="ctr"/>
-                      <a:r>
-                        <a:rPr lang="en-US" dirty="0"/>
-                        <a:t>0.846</a:t>
-                      </a:r>
-                    </a:p>
-                  </a:txBody>
-                  <a:tcPr/>
-                </a:tc>
-                <a:tc>
-                  <a:txBody>
-                    <a:bodyPr/>
-                    <a:lstStyle/>
-                    <a:p>
-                      <a:pPr algn="ctr"/>
-                      <a:r>
-                        <a:rPr lang="en-US" dirty="0"/>
-                        <a:t>0.95</a:t>
-                      </a:r>
-                    </a:p>
-                  </a:txBody>
-                  <a:tcPr/>
-                </a:tc>
-                <a:tc>
-                  <a:txBody>
-                    <a:bodyPr/>
-                    <a:lstStyle/>
-                    <a:p>
-                      <a:pPr algn="ctr"/>
-                      <a:r>
-                        <a:rPr lang="en-US" dirty="0"/>
-                        <a:t>0.974</a:t>
-                      </a:r>
-                    </a:p>
-                  </a:txBody>
-                  <a:tcPr/>
-                </a:tc>
-                <a:tc>
-                  <a:txBody>
-                    <a:bodyPr/>
-                    <a:lstStyle/>
-                    <a:p>
-                      <a:pPr algn="ctr"/>
-                      <a:r>
-                        <a:rPr lang="en-US" dirty="0"/>
-                        <a:t>0.982</a:t>
-                      </a:r>
-                    </a:p>
-                  </a:txBody>
-                  <a:tcPr/>
-                </a:tc>
-                <a:tc>
-                  <a:txBody>
-                    <a:bodyPr/>
-                    <a:lstStyle/>
-                    <a:p>
-                      <a:pPr algn="ctr"/>
-                      <a:r>
-                        <a:rPr lang="en-US" dirty="0"/>
-                        <a:t>0.986</a:t>
-                      </a:r>
-                    </a:p>
-                  </a:txBody>
-                  <a:tcPr/>
-                </a:tc>
-                <a:tc>
-                  <a:txBody>
-                    <a:bodyPr/>
-                    <a:lstStyle/>
-                    <a:p>
-                      <a:pPr algn="ctr"/>
-                      <a:r>
-                        <a:rPr lang="en-US" dirty="0"/>
-                        <a:t>0.978</a:t>
-                      </a:r>
-                    </a:p>
-                  </a:txBody>
-                  <a:tcPr/>
-                </a:tc>
-                <a:extLst>
-                  <a:ext uri="{0D108BD9-81ED-4DB2-BD59-A6C34878D82A}">
-                    <a16:rowId xmlns:a16="http://schemas.microsoft.com/office/drawing/2014/main" val="3280624136"/>
-                  </a:ext>
-                </a:extLst>
-              </a:tr>
-              <a:tr h="370840">
-                <a:tc>
-                  <a:txBody>
-                    <a:bodyPr/>
-                    <a:lstStyle/>
-                    <a:p>
-                      <a:pPr algn="ctr"/>
-                      <a:r>
-                        <a:rPr lang="en-US" altLang="zh-CN" dirty="0"/>
-                        <a:t>v3</a:t>
-                      </a:r>
-                      <a:endParaRPr lang="en-US" dirty="0"/>
-                    </a:p>
-                  </a:txBody>
-                  <a:tcPr/>
-                </a:tc>
-                <a:tc>
-                  <a:txBody>
-                    <a:bodyPr/>
-                    <a:lstStyle/>
-                    <a:p>
-                      <a:pPr algn="ctr"/>
-                      <a:r>
-                        <a:rPr lang="en-US" dirty="0"/>
-                        <a:t>0.09</a:t>
-                      </a:r>
-                    </a:p>
-                  </a:txBody>
-                  <a:tcPr/>
-                </a:tc>
-                <a:tc>
-                  <a:txBody>
-                    <a:bodyPr/>
-                    <a:lstStyle/>
-                    <a:p>
-                      <a:pPr algn="ctr"/>
-                      <a:r>
-                        <a:rPr lang="en-US" dirty="0"/>
-                        <a:t>0.442</a:t>
-                      </a:r>
-                    </a:p>
-                  </a:txBody>
-                  <a:tcPr/>
-                </a:tc>
-                <a:tc>
-                  <a:txBody>
-                    <a:bodyPr/>
-                    <a:lstStyle/>
-                    <a:p>
-                      <a:pPr algn="ctr"/>
-                      <a:r>
-                        <a:rPr lang="en-US" dirty="0"/>
-                        <a:t>0.776</a:t>
-                      </a:r>
-                    </a:p>
-                  </a:txBody>
-                  <a:tcPr/>
-                </a:tc>
-                <a:tc>
-                  <a:txBody>
-                    <a:bodyPr/>
-                    <a:lstStyle/>
-                    <a:p>
-                      <a:pPr algn="ctr"/>
-                      <a:r>
-                        <a:rPr lang="en-US" dirty="0"/>
-                        <a:t>0.91</a:t>
-                      </a:r>
-                    </a:p>
-                  </a:txBody>
-                  <a:tcPr/>
-                </a:tc>
-                <a:tc>
-                  <a:txBody>
-                    <a:bodyPr/>
-                    <a:lstStyle/>
-                    <a:p>
-                      <a:pPr algn="ctr"/>
-                      <a:r>
-                        <a:rPr lang="en-US" dirty="0"/>
-                        <a:t>0.96</a:t>
-                      </a:r>
-                    </a:p>
-                  </a:txBody>
-                  <a:tcPr/>
-                </a:tc>
-                <a:tc>
-                  <a:txBody>
-                    <a:bodyPr/>
-                    <a:lstStyle/>
-                    <a:p>
-                      <a:pPr algn="ctr"/>
-                      <a:r>
-                        <a:rPr lang="en-US" dirty="0"/>
-                        <a:t>0.98</a:t>
-                      </a:r>
-                    </a:p>
-                  </a:txBody>
-                  <a:tcPr/>
-                </a:tc>
-                <a:tc>
-                  <a:txBody>
-                    <a:bodyPr/>
-                    <a:lstStyle/>
-                    <a:p>
-                      <a:pPr algn="ctr"/>
-                      <a:r>
-                        <a:rPr lang="en-US" dirty="0"/>
-                        <a:t>0.982</a:t>
-                      </a:r>
-                    </a:p>
-                  </a:txBody>
-                  <a:tcPr/>
-                </a:tc>
-                <a:tc>
-                  <a:txBody>
-                    <a:bodyPr/>
-                    <a:lstStyle/>
-                    <a:p>
-                      <a:pPr algn="ctr"/>
-                      <a:r>
-                        <a:rPr lang="en-US" dirty="0"/>
-                        <a:t>0.968</a:t>
-                      </a:r>
-                    </a:p>
-                  </a:txBody>
-                  <a:tcPr/>
-                </a:tc>
-                <a:extLst>
-                  <a:ext uri="{0D108BD9-81ED-4DB2-BD59-A6C34878D82A}">
-                    <a16:rowId xmlns:a16="http://schemas.microsoft.com/office/drawing/2014/main" val="3068055538"/>
-                  </a:ext>
-                </a:extLst>
-              </a:tr>
-              <a:tr h="370840">
-                <a:tc>
-                  <a:txBody>
-                    <a:bodyPr/>
-                    <a:lstStyle/>
-                    <a:p>
-                      <a:pPr algn="ctr"/>
-                      <a:r>
-                        <a:rPr lang="en-US" dirty="0">
-                          <a:solidFill>
-                            <a:srgbClr val="FF0000"/>
-                          </a:solidFill>
-                        </a:rPr>
-                        <a:t>Union square</a:t>
-                      </a:r>
-                    </a:p>
-                  </a:txBody>
-                  <a:tcPr/>
-                </a:tc>
-                <a:tc>
-                  <a:txBody>
-                    <a:bodyPr/>
-                    <a:lstStyle/>
-                    <a:p>
-                      <a:pPr algn="ctr"/>
-                      <a:r>
-                        <a:rPr lang="en-US" dirty="0">
-                          <a:solidFill>
-                            <a:srgbClr val="FF0000"/>
-                          </a:solidFill>
-                        </a:rPr>
-                        <a:t>0.046</a:t>
-                      </a:r>
-                    </a:p>
-                  </a:txBody>
-                  <a:tcPr/>
-                </a:tc>
-                <a:tc>
-                  <a:txBody>
-                    <a:bodyPr/>
-                    <a:lstStyle/>
-                    <a:p>
-                      <a:pPr algn="ctr"/>
-                      <a:r>
-                        <a:rPr lang="en-US" dirty="0">
-                          <a:solidFill>
-                            <a:srgbClr val="FF0000"/>
-                          </a:solidFill>
-                        </a:rPr>
-                        <a:t>0.164</a:t>
-                      </a:r>
-                    </a:p>
-                  </a:txBody>
-                  <a:tcPr/>
-                </a:tc>
-                <a:tc>
-                  <a:txBody>
-                    <a:bodyPr/>
-                    <a:lstStyle/>
-                    <a:p>
-                      <a:pPr algn="ctr"/>
-                      <a:r>
-                        <a:rPr lang="en-US" dirty="0">
-                          <a:solidFill>
-                            <a:srgbClr val="FF0000"/>
-                          </a:solidFill>
-                        </a:rPr>
-                        <a:t>0.31</a:t>
-                      </a:r>
-                    </a:p>
-                  </a:txBody>
-                  <a:tcPr/>
-                </a:tc>
-                <a:tc>
-                  <a:txBody>
-                    <a:bodyPr/>
-                    <a:lstStyle/>
-                    <a:p>
-                      <a:pPr algn="ctr"/>
-                      <a:r>
-                        <a:rPr lang="en-US" dirty="0">
-                          <a:solidFill>
-                            <a:srgbClr val="FF0000"/>
-                          </a:solidFill>
-                        </a:rPr>
-                        <a:t>0.478</a:t>
-                      </a:r>
-                    </a:p>
-                  </a:txBody>
-                  <a:tcPr/>
-                </a:tc>
-                <a:tc>
-                  <a:txBody>
-                    <a:bodyPr/>
-                    <a:lstStyle/>
-                    <a:p>
-                      <a:pPr algn="ctr"/>
-                      <a:r>
-                        <a:rPr lang="en-US" dirty="0">
-                          <a:solidFill>
-                            <a:srgbClr val="FF0000"/>
-                          </a:solidFill>
-                        </a:rPr>
-                        <a:t>0.662</a:t>
-                      </a:r>
-                    </a:p>
-                  </a:txBody>
-                  <a:tcPr/>
-                </a:tc>
-                <a:tc>
-                  <a:txBody>
-                    <a:bodyPr/>
-                    <a:lstStyle/>
-                    <a:p>
-                      <a:pPr algn="ctr"/>
-                      <a:r>
-                        <a:rPr lang="en-US" dirty="0">
-                          <a:solidFill>
-                            <a:srgbClr val="FF0000"/>
-                          </a:solidFill>
-                        </a:rPr>
-                        <a:t>0.824</a:t>
-                      </a:r>
-                    </a:p>
-                  </a:txBody>
-                  <a:tcPr/>
-                </a:tc>
-                <a:tc>
-                  <a:txBody>
-                    <a:bodyPr/>
-                    <a:lstStyle/>
-                    <a:p>
-                      <a:pPr algn="ctr"/>
-                      <a:r>
-                        <a:rPr lang="en-US" dirty="0">
-                          <a:solidFill>
-                            <a:srgbClr val="FF0000"/>
-                          </a:solidFill>
-                        </a:rPr>
-                        <a:t>0.898</a:t>
-                      </a:r>
-                    </a:p>
-                  </a:txBody>
-                  <a:tcPr/>
-                </a:tc>
-                <a:tc>
-                  <a:txBody>
-                    <a:bodyPr/>
-                    <a:lstStyle/>
-                    <a:p>
-                      <a:pPr algn="ctr"/>
-                      <a:r>
-                        <a:rPr lang="en-US" dirty="0">
-                          <a:solidFill>
-                            <a:srgbClr val="FF0000"/>
-                          </a:solidFill>
-                        </a:rPr>
-                        <a:t>0.942</a:t>
-                      </a:r>
-                    </a:p>
-                  </a:txBody>
-                  <a:tcPr/>
-                </a:tc>
-                <a:extLst>
-                  <a:ext uri="{0D108BD9-81ED-4DB2-BD59-A6C34878D82A}">
-                    <a16:rowId xmlns:a16="http://schemas.microsoft.com/office/drawing/2014/main" val="981880572"/>
-                  </a:ext>
-                </a:extLst>
-              </a:tr>
-              <a:tr h="370840">
-                <a:tc>
-                  <a:txBody>
-                    <a:bodyPr/>
-                    <a:lstStyle/>
-                    <a:p>
-                      <a:pPr marL="0" marR="0" lvl="0" indent="0" algn="ctr" defTabSz="914400" rtl="0" eaLnBrk="1" fontAlgn="auto" latinLnBrk="0" hangingPunct="1">
-                        <a:lnSpc>
-                          <a:spcPct val="100000"/>
-                        </a:lnSpc>
-                        <a:spcBef>
-                          <a:spcPts val="0"/>
-                        </a:spcBef>
-                        <a:spcAft>
-                          <a:spcPts val="0"/>
-                        </a:spcAft>
-                        <a:buClrTx/>
-                        <a:buSzTx/>
-                        <a:buFontTx/>
-                        <a:buNone/>
-                        <a:tabLst/>
-                        <a:defRPr/>
-                      </a:pPr>
-                      <a:r>
-                        <a:rPr lang="en-US" altLang="zh-CN" dirty="0"/>
-                        <a:t>v2</a:t>
-                      </a:r>
-                      <a:endParaRPr lang="en-US" dirty="0"/>
-                    </a:p>
-                  </a:txBody>
-                  <a:tcPr/>
-                </a:tc>
-                <a:tc>
-                  <a:txBody>
-                    <a:bodyPr/>
-                    <a:lstStyle/>
-                    <a:p>
-                      <a:pPr algn="ctr"/>
-                      <a:r>
-                        <a:rPr lang="en-US" dirty="0"/>
-                        <a:t>0.18</a:t>
-                      </a:r>
-                    </a:p>
-                  </a:txBody>
-                  <a:tcPr/>
-                </a:tc>
-                <a:tc>
-                  <a:txBody>
-                    <a:bodyPr/>
-                    <a:lstStyle/>
-                    <a:p>
-                      <a:pPr algn="ctr"/>
-                      <a:r>
-                        <a:rPr lang="en-US" dirty="0"/>
-                        <a:t>0.592</a:t>
-                      </a:r>
-                    </a:p>
-                  </a:txBody>
-                  <a:tcPr/>
-                </a:tc>
-                <a:tc>
-                  <a:txBody>
-                    <a:bodyPr/>
-                    <a:lstStyle/>
-                    <a:p>
-                      <a:pPr algn="ctr"/>
-                      <a:r>
-                        <a:rPr lang="en-US" dirty="0"/>
-                        <a:t>0.834</a:t>
-                      </a:r>
-                    </a:p>
-                  </a:txBody>
-                  <a:tcPr/>
-                </a:tc>
-                <a:tc>
-                  <a:txBody>
-                    <a:bodyPr/>
-                    <a:lstStyle/>
-                    <a:p>
-                      <a:pPr algn="ctr"/>
-                      <a:r>
-                        <a:rPr lang="en-US" dirty="0"/>
-                        <a:t>0.926</a:t>
-                      </a:r>
-                    </a:p>
-                  </a:txBody>
-                  <a:tcPr/>
-                </a:tc>
-                <a:tc>
-                  <a:txBody>
-                    <a:bodyPr/>
-                    <a:lstStyle/>
-                    <a:p>
-                      <a:pPr algn="ctr"/>
-                      <a:r>
-                        <a:rPr lang="en-US" dirty="0"/>
-                        <a:t>0.974</a:t>
-                      </a:r>
-                    </a:p>
-                  </a:txBody>
-                  <a:tcPr/>
-                </a:tc>
-                <a:tc>
-                  <a:txBody>
-                    <a:bodyPr/>
-                    <a:lstStyle/>
-                    <a:p>
-                      <a:pPr algn="ctr"/>
-                      <a:r>
-                        <a:rPr lang="en-US" dirty="0"/>
-                        <a:t>0.992</a:t>
-                      </a:r>
-                    </a:p>
-                  </a:txBody>
-                  <a:tcPr/>
-                </a:tc>
-                <a:tc>
-                  <a:txBody>
-                    <a:bodyPr/>
-                    <a:lstStyle/>
-                    <a:p>
-                      <a:pPr algn="ctr"/>
-                      <a:r>
-                        <a:rPr lang="en-US" dirty="0"/>
-                        <a:t>0.992</a:t>
-                      </a:r>
-                    </a:p>
-                  </a:txBody>
-                  <a:tcPr/>
-                </a:tc>
-                <a:tc>
-                  <a:txBody>
-                    <a:bodyPr/>
-                    <a:lstStyle/>
-                    <a:p>
-                      <a:pPr algn="ctr"/>
-                      <a:r>
-                        <a:rPr lang="en-US" dirty="0"/>
-                        <a:t>0.982</a:t>
-                      </a:r>
-                    </a:p>
-                  </a:txBody>
-                  <a:tcPr/>
-                </a:tc>
-                <a:extLst>
-                  <a:ext uri="{0D108BD9-81ED-4DB2-BD59-A6C34878D82A}">
-                    <a16:rowId xmlns:a16="http://schemas.microsoft.com/office/drawing/2014/main" val="4132011858"/>
-                  </a:ext>
-                </a:extLst>
-              </a:tr>
-              <a:tr h="370840">
-                <a:tc>
-                  <a:txBody>
-                    <a:bodyPr/>
-                    <a:lstStyle/>
-                    <a:p>
-                      <a:pPr marL="0" marR="0" lvl="0" indent="0" algn="ctr" defTabSz="914400" rtl="0" eaLnBrk="1" fontAlgn="auto" latinLnBrk="0" hangingPunct="1">
-                        <a:lnSpc>
-                          <a:spcPct val="100000"/>
-                        </a:lnSpc>
-                        <a:spcBef>
-                          <a:spcPts val="0"/>
-                        </a:spcBef>
-                        <a:spcAft>
-                          <a:spcPts val="0"/>
-                        </a:spcAft>
-                        <a:buClrTx/>
-                        <a:buSzTx/>
-                        <a:buFontTx/>
-                        <a:buNone/>
-                        <a:tabLst/>
-                        <a:defRPr/>
-                      </a:pPr>
-                      <a:r>
-                        <a:rPr lang="en-US" altLang="zh-CN" dirty="0"/>
-                        <a:t>v3</a:t>
-                      </a:r>
-                      <a:endParaRPr lang="en-US" dirty="0"/>
-                    </a:p>
-                  </a:txBody>
-                  <a:tcPr/>
-                </a:tc>
-                <a:tc>
-                  <a:txBody>
-                    <a:bodyPr/>
-                    <a:lstStyle/>
-                    <a:p>
-                      <a:pPr algn="ctr"/>
-                      <a:r>
-                        <a:rPr lang="en-US" dirty="0"/>
-                        <a:t>0.144</a:t>
-                      </a:r>
-                    </a:p>
-                  </a:txBody>
-                  <a:tcPr/>
-                </a:tc>
-                <a:tc>
-                  <a:txBody>
-                    <a:bodyPr/>
-                    <a:lstStyle/>
-                    <a:p>
-                      <a:pPr algn="ctr"/>
-                      <a:r>
-                        <a:rPr lang="en-US" dirty="0"/>
-                        <a:t>0.5</a:t>
-                      </a:r>
-                    </a:p>
-                  </a:txBody>
-                  <a:tcPr/>
-                </a:tc>
-                <a:tc>
-                  <a:txBody>
-                    <a:bodyPr/>
-                    <a:lstStyle/>
-                    <a:p>
-                      <a:pPr algn="ctr"/>
-                      <a:r>
-                        <a:rPr lang="en-US" dirty="0"/>
-                        <a:t>0.756</a:t>
-                      </a:r>
-                    </a:p>
-                  </a:txBody>
-                  <a:tcPr/>
-                </a:tc>
-                <a:tc>
-                  <a:txBody>
-                    <a:bodyPr/>
-                    <a:lstStyle/>
-                    <a:p>
-                      <a:pPr algn="ctr"/>
-                      <a:r>
-                        <a:rPr lang="en-US" dirty="0"/>
-                        <a:t>0.906</a:t>
-                      </a:r>
-                    </a:p>
-                  </a:txBody>
-                  <a:tcPr/>
-                </a:tc>
-                <a:tc>
-                  <a:txBody>
-                    <a:bodyPr/>
-                    <a:lstStyle/>
-                    <a:p>
-                      <a:pPr algn="ctr"/>
-                      <a:r>
-                        <a:rPr lang="en-US" dirty="0"/>
-                        <a:t>0.972</a:t>
-                      </a:r>
-                    </a:p>
-                  </a:txBody>
-                  <a:tcPr/>
-                </a:tc>
-                <a:tc>
-                  <a:txBody>
-                    <a:bodyPr/>
-                    <a:lstStyle/>
-                    <a:p>
-                      <a:pPr algn="ctr"/>
-                      <a:r>
-                        <a:rPr lang="en-US" dirty="0"/>
-                        <a:t>0.988</a:t>
-                      </a:r>
-                    </a:p>
-                  </a:txBody>
-                  <a:tcPr/>
-                </a:tc>
-                <a:tc>
-                  <a:txBody>
-                    <a:bodyPr/>
-                    <a:lstStyle/>
-                    <a:p>
-                      <a:pPr algn="ctr"/>
-                      <a:r>
-                        <a:rPr lang="en-US" dirty="0"/>
-                        <a:t>0.99</a:t>
-                      </a:r>
-                    </a:p>
-                  </a:txBody>
-                  <a:tcPr/>
-                </a:tc>
-                <a:tc>
-                  <a:txBody>
-                    <a:bodyPr/>
-                    <a:lstStyle/>
-                    <a:p>
-                      <a:pPr algn="ctr"/>
-                      <a:r>
-                        <a:rPr lang="en-US" dirty="0"/>
-                        <a:t>0.986</a:t>
-                      </a:r>
-                    </a:p>
-                  </a:txBody>
-                  <a:tcPr/>
-                </a:tc>
-                <a:extLst>
-                  <a:ext uri="{0D108BD9-81ED-4DB2-BD59-A6C34878D82A}">
-                    <a16:rowId xmlns:a16="http://schemas.microsoft.com/office/drawing/2014/main" val="2134668824"/>
-                  </a:ext>
-                </a:extLst>
-              </a:tr>
-            </a:tbl>
-          </a:graphicData>
-        </a:graphic>
-      </p:graphicFrame>
-      <p:sp>
-        <p:nvSpPr>
-          <p:cNvPr id="2" name="TextBox 1">
-            <a:extLst>
-              <a:ext uri="{FF2B5EF4-FFF2-40B4-BE49-F238E27FC236}">
-                <a16:creationId xmlns:a16="http://schemas.microsoft.com/office/drawing/2014/main" id="{938CE2BB-66FD-A741-82EB-757C9E6CD1C3}"/>
-              </a:ext>
-            </a:extLst>
-          </p:cNvPr>
-          <p:cNvSpPr txBox="1"/>
-          <p:nvPr/>
-        </p:nvSpPr>
-        <p:spPr>
-          <a:xfrm>
-            <a:off x="3008026" y="359764"/>
-            <a:ext cx="6205928" cy="369332"/>
-          </a:xfrm>
-          <a:prstGeom prst="rect">
-            <a:avLst/>
-          </a:prstGeom>
-          <a:noFill/>
-        </p:spPr>
-        <p:txBody>
-          <a:bodyPr wrap="square" rtlCol="0">
-            <a:spAutoFit/>
-          </a:bodyPr>
-          <a:lstStyle/>
-          <a:p>
-            <a:pPr algn="ctr"/>
-            <a:r>
-              <a:rPr lang="en-US" dirty="0"/>
-              <a:t>Localisation Accuracy With Real Classifier (with Turns)</a:t>
-            </a:r>
-          </a:p>
-        </p:txBody>
-      </p:sp>
-      <p:graphicFrame>
-        <p:nvGraphicFramePr>
-          <p:cNvPr id="5" name="Chart 4">
-            <a:extLst>
-              <a:ext uri="{FF2B5EF4-FFF2-40B4-BE49-F238E27FC236}">
-                <a16:creationId xmlns:a16="http://schemas.microsoft.com/office/drawing/2014/main" id="{51E28301-E0BB-3446-869A-2F463D327382}"/>
-              </a:ext>
-            </a:extLst>
-          </p:cNvPr>
-          <p:cNvGraphicFramePr>
-            <a:graphicFrameLocks/>
-          </p:cNvGraphicFramePr>
-          <p:nvPr>
-            <p:extLst>
-              <p:ext uri="{D42A27DB-BD31-4B8C-83A1-F6EECF244321}">
-                <p14:modId xmlns:p14="http://schemas.microsoft.com/office/powerpoint/2010/main" val="2907737479"/>
-              </p:ext>
-            </p:extLst>
-          </p:nvPr>
-        </p:nvGraphicFramePr>
-        <p:xfrm>
-          <a:off x="1274162" y="3917332"/>
-          <a:ext cx="4676931" cy="2708319"/>
-        </p:xfrm>
-        <a:graphic>
-          <a:graphicData uri="http://schemas.openxmlformats.org/drawingml/2006/chart">
-            <c:chart xmlns:c="http://schemas.openxmlformats.org/drawingml/2006/chart" xmlns:r="http://schemas.openxmlformats.org/officeDocument/2006/relationships" r:id="rId2"/>
-          </a:graphicData>
-        </a:graphic>
-      </p:graphicFrame>
-      <p:graphicFrame>
-        <p:nvGraphicFramePr>
-          <p:cNvPr id="6" name="Chart 5">
-            <a:extLst>
-              <a:ext uri="{FF2B5EF4-FFF2-40B4-BE49-F238E27FC236}">
-                <a16:creationId xmlns:a16="http://schemas.microsoft.com/office/drawing/2014/main" id="{2F65A784-48B0-9742-B492-CA4EBE4E9C39}"/>
-              </a:ext>
-            </a:extLst>
-          </p:cNvPr>
-          <p:cNvGraphicFramePr>
-            <a:graphicFrameLocks/>
-          </p:cNvGraphicFramePr>
-          <p:nvPr>
-            <p:extLst>
-              <p:ext uri="{D42A27DB-BD31-4B8C-83A1-F6EECF244321}">
-                <p14:modId xmlns:p14="http://schemas.microsoft.com/office/powerpoint/2010/main" val="3845853533"/>
-              </p:ext>
-            </p:extLst>
-          </p:nvPr>
-        </p:nvGraphicFramePr>
-        <p:xfrm>
-          <a:off x="6145965" y="3917331"/>
-          <a:ext cx="4751882" cy="2708319"/>
-        </p:xfrm>
-        <a:graphic>
-          <a:graphicData uri="http://schemas.openxmlformats.org/drawingml/2006/chart">
-            <c:chart xmlns:c="http://schemas.openxmlformats.org/drawingml/2006/chart" xmlns:r="http://schemas.openxmlformats.org/officeDocument/2006/relationships" r:id="rId3"/>
-          </a:graphicData>
-        </a:graphic>
-      </p:graphicFrame>
-    </p:spTree>
-    <p:extLst>
-      <p:ext uri="{BB962C8B-B14F-4D97-AF65-F5344CB8AC3E}">
-        <p14:creationId xmlns:p14="http://schemas.microsoft.com/office/powerpoint/2010/main" val="1537084195"/>
       </p:ext>
     </p:extLst>
   </p:cSld>
@@ -16196,6 +15708,3006 @@
       </p:grpSpPr>
       <p:graphicFrame>
         <p:nvGraphicFramePr>
+          <p:cNvPr id="4" name="Table 3">
+            <a:extLst>
+              <a:ext uri="{FF2B5EF4-FFF2-40B4-BE49-F238E27FC236}">
+                <a16:creationId xmlns:a16="http://schemas.microsoft.com/office/drawing/2014/main" id="{FBAA35C3-A355-1E45-A6CC-19311FAD9C7F}"/>
+              </a:ext>
+            </a:extLst>
+          </p:cNvPr>
+          <p:cNvGraphicFramePr>
+            <a:graphicFrameLocks noGrp="1"/>
+          </p:cNvGraphicFramePr>
+          <p:nvPr>
+            <p:extLst>
+              <p:ext uri="{D42A27DB-BD31-4B8C-83A1-F6EECF244321}">
+                <p14:modId xmlns:p14="http://schemas.microsoft.com/office/powerpoint/2010/main" val="4239827708"/>
+              </p:ext>
+            </p:extLst>
+          </p:nvPr>
+        </p:nvGraphicFramePr>
+        <p:xfrm>
+          <a:off x="1170038" y="1873907"/>
+          <a:ext cx="9792930" cy="2452376"/>
+        </p:xfrm>
+        <a:graphic>
+          <a:graphicData uri="http://schemas.openxmlformats.org/drawingml/2006/table">
+            <a:tbl>
+              <a:tblPr firstRow="1" bandRow="1">
+                <a:tableStyleId>{616DA210-FB5B-4158-B5E0-FEB733F419BA}</a:tableStyleId>
+              </a:tblPr>
+              <a:tblGrid>
+                <a:gridCol w="1632155">
+                  <a:extLst>
+                    <a:ext uri="{9D8B030D-6E8A-4147-A177-3AD203B41FA5}">
+                      <a16:colId xmlns:a16="http://schemas.microsoft.com/office/drawing/2014/main" val="2097733843"/>
+                    </a:ext>
+                  </a:extLst>
+                </a:gridCol>
+                <a:gridCol w="1632155">
+                  <a:extLst>
+                    <a:ext uri="{9D8B030D-6E8A-4147-A177-3AD203B41FA5}">
+                      <a16:colId xmlns:a16="http://schemas.microsoft.com/office/drawing/2014/main" val="577254002"/>
+                    </a:ext>
+                  </a:extLst>
+                </a:gridCol>
+                <a:gridCol w="1632155">
+                  <a:extLst>
+                    <a:ext uri="{9D8B030D-6E8A-4147-A177-3AD203B41FA5}">
+                      <a16:colId xmlns:a16="http://schemas.microsoft.com/office/drawing/2014/main" val="4105159091"/>
+                    </a:ext>
+                  </a:extLst>
+                </a:gridCol>
+                <a:gridCol w="1632155">
+                  <a:extLst>
+                    <a:ext uri="{9D8B030D-6E8A-4147-A177-3AD203B41FA5}">
+                      <a16:colId xmlns:a16="http://schemas.microsoft.com/office/drawing/2014/main" val="1904174288"/>
+                    </a:ext>
+                  </a:extLst>
+                </a:gridCol>
+                <a:gridCol w="1632155">
+                  <a:extLst>
+                    <a:ext uri="{9D8B030D-6E8A-4147-A177-3AD203B41FA5}">
+                      <a16:colId xmlns:a16="http://schemas.microsoft.com/office/drawing/2014/main" val="3930154999"/>
+                    </a:ext>
+                  </a:extLst>
+                </a:gridCol>
+                <a:gridCol w="1632155">
+                  <a:extLst>
+                    <a:ext uri="{9D8B030D-6E8A-4147-A177-3AD203B41FA5}">
+                      <a16:colId xmlns:a16="http://schemas.microsoft.com/office/drawing/2014/main" val="373465387"/>
+                    </a:ext>
+                  </a:extLst>
+                </a:gridCol>
+              </a:tblGrid>
+              <a:tr h="900584">
+                <a:tc>
+                  <a:txBody>
+                    <a:bodyPr/>
+                    <a:lstStyle/>
+                    <a:p>
+                      <a:pPr algn="ctr"/>
+                      <a:endParaRPr lang="en-US" dirty="0">
+                        <a:latin typeface="Times" pitchFamily="2" charset="0"/>
+                      </a:endParaRPr>
+                    </a:p>
+                  </a:txBody>
+                  <a:tcPr anchor="ctr"/>
+                </a:tc>
+                <a:tc>
+                  <a:txBody>
+                    <a:bodyPr/>
+                    <a:lstStyle/>
+                    <a:p>
+                      <a:pPr algn="ctr"/>
+                      <a:endParaRPr lang="en-US" dirty="0">
+                        <a:latin typeface="Times" pitchFamily="2" charset="0"/>
+                      </a:endParaRPr>
+                    </a:p>
+                  </a:txBody>
+                  <a:tcPr anchor="ctr"/>
+                </a:tc>
+                <a:tc>
+                  <a:txBody>
+                    <a:bodyPr/>
+                    <a:lstStyle/>
+                    <a:p>
+                      <a:pPr algn="ctr"/>
+                      <a:r>
+                        <a:rPr lang="en-US" dirty="0"/>
+                        <a:t>Bit 1</a:t>
+                      </a:r>
+                      <a:endParaRPr lang="en-US" dirty="0">
+                        <a:latin typeface="Times" pitchFamily="2" charset="0"/>
+                      </a:endParaRPr>
+                    </a:p>
+                  </a:txBody>
+                  <a:tcPr anchor="ctr"/>
+                </a:tc>
+                <a:tc>
+                  <a:txBody>
+                    <a:bodyPr/>
+                    <a:lstStyle/>
+                    <a:p>
+                      <a:pPr marL="0" marR="0" lvl="0" indent="0" algn="ctr" defTabSz="914400" rtl="0" eaLnBrk="1" fontAlgn="auto" latinLnBrk="0" hangingPunct="1">
+                        <a:lnSpc>
+                          <a:spcPct val="100000"/>
+                        </a:lnSpc>
+                        <a:spcBef>
+                          <a:spcPts val="0"/>
+                        </a:spcBef>
+                        <a:spcAft>
+                          <a:spcPts val="0"/>
+                        </a:spcAft>
+                        <a:buClrTx/>
+                        <a:buSzTx/>
+                        <a:buFontTx/>
+                        <a:buNone/>
+                        <a:tabLst/>
+                        <a:defRPr/>
+                      </a:pPr>
+                      <a:endParaRPr lang="en-US" dirty="0"/>
+                    </a:p>
+                    <a:p>
+                      <a:pPr algn="ctr"/>
+                      <a:r>
+                        <a:rPr lang="en-US" dirty="0"/>
+                        <a:t>Bit 2</a:t>
+                      </a:r>
+                    </a:p>
+                    <a:p>
+                      <a:pPr algn="ctr"/>
+                      <a:endParaRPr lang="en-US" dirty="0">
+                        <a:latin typeface="Times" pitchFamily="2" charset="0"/>
+                      </a:endParaRPr>
+                    </a:p>
+                  </a:txBody>
+                  <a:tcPr anchor="ctr"/>
+                </a:tc>
+                <a:tc>
+                  <a:txBody>
+                    <a:bodyPr/>
+                    <a:lstStyle/>
+                    <a:p>
+                      <a:pPr marL="0" marR="0" lvl="0" indent="0" algn="ctr" defTabSz="914400" rtl="0" eaLnBrk="1" fontAlgn="auto" latinLnBrk="0" hangingPunct="1">
+                        <a:lnSpc>
+                          <a:spcPct val="100000"/>
+                        </a:lnSpc>
+                        <a:spcBef>
+                          <a:spcPts val="0"/>
+                        </a:spcBef>
+                        <a:spcAft>
+                          <a:spcPts val="0"/>
+                        </a:spcAft>
+                        <a:buClrTx/>
+                        <a:buSzTx/>
+                        <a:buFontTx/>
+                        <a:buNone/>
+                        <a:tabLst/>
+                        <a:defRPr/>
+                      </a:pPr>
+                      <a:r>
+                        <a:rPr lang="en-US" dirty="0"/>
+                        <a:t>Bit 3</a:t>
+                      </a:r>
+                      <a:endParaRPr lang="en-US" dirty="0">
+                        <a:latin typeface="Times" pitchFamily="2" charset="0"/>
+                      </a:endParaRPr>
+                    </a:p>
+                  </a:txBody>
+                  <a:tcPr anchor="ctr"/>
+                </a:tc>
+                <a:tc>
+                  <a:txBody>
+                    <a:bodyPr/>
+                    <a:lstStyle/>
+                    <a:p>
+                      <a:pPr marL="0" marR="0" lvl="0" indent="0" algn="ctr" defTabSz="914400" rtl="0" eaLnBrk="1" fontAlgn="auto" latinLnBrk="0" hangingPunct="1">
+                        <a:lnSpc>
+                          <a:spcPct val="100000"/>
+                        </a:lnSpc>
+                        <a:spcBef>
+                          <a:spcPts val="0"/>
+                        </a:spcBef>
+                        <a:spcAft>
+                          <a:spcPts val="0"/>
+                        </a:spcAft>
+                        <a:buClrTx/>
+                        <a:buSzTx/>
+                        <a:buFontTx/>
+                        <a:buNone/>
+                        <a:tabLst/>
+                        <a:defRPr/>
+                      </a:pPr>
+                      <a:endParaRPr lang="en-US" dirty="0"/>
+                    </a:p>
+                    <a:p>
+                      <a:pPr algn="ctr"/>
+                      <a:r>
+                        <a:rPr lang="en-US" dirty="0"/>
+                        <a:t>Bit 4</a:t>
+                      </a:r>
+                    </a:p>
+                    <a:p>
+                      <a:pPr algn="ctr"/>
+                      <a:endParaRPr lang="en-US" dirty="0">
+                        <a:latin typeface="Times" pitchFamily="2" charset="0"/>
+                      </a:endParaRPr>
+                    </a:p>
+                  </a:txBody>
+                  <a:tcPr anchor="ctr"/>
+                </a:tc>
+                <a:extLst>
+                  <a:ext uri="{0D108BD9-81ED-4DB2-BD59-A6C34878D82A}">
+                    <a16:rowId xmlns:a16="http://schemas.microsoft.com/office/drawing/2014/main" val="2145746761"/>
+                  </a:ext>
+                </a:extLst>
+              </a:tr>
+              <a:tr h="384494">
+                <a:tc rowSpan="2">
+                  <a:txBody>
+                    <a:bodyPr/>
+                    <a:lstStyle/>
+                    <a:p>
+                      <a:pPr algn="ctr"/>
+                      <a:r>
+                        <a:rPr lang="en-US" altLang="zh-CN" dirty="0">
+                          <a:latin typeface="Times" pitchFamily="2" charset="0"/>
+                        </a:rPr>
+                        <a:t>Wall Street</a:t>
+                      </a:r>
+                      <a:endParaRPr lang="en-US" dirty="0">
+                        <a:latin typeface="Times" pitchFamily="2" charset="0"/>
+                      </a:endParaRPr>
+                    </a:p>
+                  </a:txBody>
+                  <a:tcPr anchor="ctr"/>
+                </a:tc>
+                <a:tc>
+                  <a:txBody>
+                    <a:bodyPr/>
+                    <a:lstStyle/>
+                    <a:p>
+                      <a:pPr algn="ctr"/>
+                      <a:r>
+                        <a:rPr lang="en-US" altLang="zh-CN" sz="1800" b="1" kern="1200" dirty="0">
+                          <a:solidFill>
+                            <a:schemeClr val="tx1"/>
+                          </a:solidFill>
+                          <a:latin typeface="+mn-lt"/>
+                          <a:ea typeface="+mn-ea"/>
+                          <a:cs typeface="+mn-cs"/>
+                        </a:rPr>
+                        <a:t>Whole</a:t>
+                      </a:r>
+                      <a:r>
+                        <a:rPr lang="zh-CN" altLang="en-US" sz="1800" b="1" kern="1200" dirty="0">
+                          <a:solidFill>
+                            <a:schemeClr val="tx1"/>
+                          </a:solidFill>
+                          <a:latin typeface="+mn-lt"/>
+                          <a:ea typeface="+mn-ea"/>
+                          <a:cs typeface="+mn-cs"/>
+                        </a:rPr>
+                        <a:t> </a:t>
+                      </a:r>
+                      <a:r>
+                        <a:rPr lang="en-US" altLang="zh-CN" sz="1800" b="1" kern="1200" dirty="0">
+                          <a:solidFill>
+                            <a:schemeClr val="tx1"/>
+                          </a:solidFill>
+                          <a:latin typeface="+mn-lt"/>
+                          <a:ea typeface="+mn-ea"/>
+                          <a:cs typeface="+mn-cs"/>
+                        </a:rPr>
+                        <a:t>area</a:t>
+                      </a:r>
+                      <a:endParaRPr lang="en-US" dirty="0">
+                        <a:latin typeface="Times" pitchFamily="2" charset="0"/>
+                      </a:endParaRPr>
+                    </a:p>
+                  </a:txBody>
+                  <a:tcPr/>
+                </a:tc>
+                <a:tc>
+                  <a:txBody>
+                    <a:bodyPr/>
+                    <a:lstStyle/>
+                    <a:p>
+                      <a:pPr algn="ctr"/>
+                      <a:endParaRPr lang="en-US" dirty="0">
+                        <a:latin typeface="Times" pitchFamily="2" charset="0"/>
+                      </a:endParaRPr>
+                    </a:p>
+                  </a:txBody>
+                  <a:tcPr/>
+                </a:tc>
+                <a:tc>
+                  <a:txBody>
+                    <a:bodyPr/>
+                    <a:lstStyle/>
+                    <a:p>
+                      <a:pPr algn="ctr"/>
+                      <a:endParaRPr lang="en-US" dirty="0">
+                        <a:latin typeface="Times" pitchFamily="2" charset="0"/>
+                      </a:endParaRPr>
+                    </a:p>
+                  </a:txBody>
+                  <a:tcPr/>
+                </a:tc>
+                <a:tc>
+                  <a:txBody>
+                    <a:bodyPr/>
+                    <a:lstStyle/>
+                    <a:p>
+                      <a:pPr algn="ctr"/>
+                      <a:endParaRPr lang="en-US" dirty="0">
+                        <a:latin typeface="Times" pitchFamily="2" charset="0"/>
+                      </a:endParaRPr>
+                    </a:p>
+                  </a:txBody>
+                  <a:tcPr/>
+                </a:tc>
+                <a:tc>
+                  <a:txBody>
+                    <a:bodyPr/>
+                    <a:lstStyle/>
+                    <a:p>
+                      <a:pPr algn="ctr"/>
+                      <a:endParaRPr lang="en-US" dirty="0">
+                        <a:latin typeface="Times" pitchFamily="2" charset="0"/>
+                      </a:endParaRPr>
+                    </a:p>
+                  </a:txBody>
+                  <a:tcPr/>
+                </a:tc>
+                <a:extLst>
+                  <a:ext uri="{0D108BD9-81ED-4DB2-BD59-A6C34878D82A}">
+                    <a16:rowId xmlns:a16="http://schemas.microsoft.com/office/drawing/2014/main" val="267636452"/>
+                  </a:ext>
+                </a:extLst>
+              </a:tr>
+              <a:tr h="384494">
+                <a:tc vMerge="1">
+                  <a:txBody>
+                    <a:bodyPr/>
+                    <a:lstStyle/>
+                    <a:p>
+                      <a:pPr marL="0" marR="0" lvl="0" indent="0" algn="ctr" defTabSz="914400" rtl="0" eaLnBrk="1" fontAlgn="auto" latinLnBrk="0" hangingPunct="1">
+                        <a:lnSpc>
+                          <a:spcPct val="100000"/>
+                        </a:lnSpc>
+                        <a:spcBef>
+                          <a:spcPts val="0"/>
+                        </a:spcBef>
+                        <a:spcAft>
+                          <a:spcPts val="0"/>
+                        </a:spcAft>
+                        <a:buClrTx/>
+                        <a:buSzTx/>
+                        <a:buFontTx/>
+                        <a:buNone/>
+                        <a:tabLst/>
+                        <a:defRPr/>
+                      </a:pPr>
+                      <a:endParaRPr lang="en-US" sz="1800" b="1" kern="1200" dirty="0">
+                        <a:solidFill>
+                          <a:schemeClr val="tx1"/>
+                        </a:solidFill>
+                        <a:latin typeface="+mn-lt"/>
+                        <a:ea typeface="+mn-ea"/>
+                        <a:cs typeface="+mn-cs"/>
+                      </a:endParaRPr>
+                    </a:p>
+                  </a:txBody>
+                  <a:tcPr/>
+                </a:tc>
+                <a:tc>
+                  <a:txBody>
+                    <a:bodyPr/>
+                    <a:lstStyle/>
+                    <a:p>
+                      <a:pPr marL="0" marR="0" lvl="0" indent="0" algn="ctr" defTabSz="914400" rtl="0" eaLnBrk="1" fontAlgn="auto" latinLnBrk="0" hangingPunct="1">
+                        <a:lnSpc>
+                          <a:spcPct val="100000"/>
+                        </a:lnSpc>
+                        <a:spcBef>
+                          <a:spcPts val="0"/>
+                        </a:spcBef>
+                        <a:spcAft>
+                          <a:spcPts val="0"/>
+                        </a:spcAft>
+                        <a:buClrTx/>
+                        <a:buSzTx/>
+                        <a:buFontTx/>
+                        <a:buNone/>
+                        <a:tabLst/>
+                        <a:defRPr/>
+                      </a:pPr>
+                      <a:r>
+                        <a:rPr lang="zh-CN" altLang="en-US" sz="1800" b="1" kern="1200" dirty="0">
+                          <a:solidFill>
+                            <a:schemeClr val="tx1"/>
+                          </a:solidFill>
+                          <a:latin typeface="+mn-lt"/>
+                          <a:ea typeface="+mn-ea"/>
+                          <a:cs typeface="+mn-cs"/>
+                        </a:rPr>
+                        <a:t> </a:t>
+                      </a:r>
+                      <a:r>
+                        <a:rPr lang="en-US" altLang="zh-CN" sz="1800" b="1" kern="1200" dirty="0">
+                          <a:solidFill>
+                            <a:schemeClr val="tx1"/>
+                          </a:solidFill>
+                          <a:latin typeface="+mn-lt"/>
+                          <a:ea typeface="+mn-ea"/>
+                          <a:cs typeface="+mn-cs"/>
+                        </a:rPr>
+                        <a:t>test routes</a:t>
+                      </a:r>
+                      <a:endParaRPr lang="en-US" sz="1800" b="1" kern="1200" dirty="0">
+                        <a:solidFill>
+                          <a:schemeClr val="tx1"/>
+                        </a:solidFill>
+                        <a:latin typeface="+mn-lt"/>
+                        <a:ea typeface="+mn-ea"/>
+                        <a:cs typeface="+mn-cs"/>
+                      </a:endParaRPr>
+                    </a:p>
+                  </a:txBody>
+                  <a:tcPr/>
+                </a:tc>
+                <a:tc>
+                  <a:txBody>
+                    <a:bodyPr/>
+                    <a:lstStyle/>
+                    <a:p>
+                      <a:pPr algn="ctr"/>
+                      <a:endParaRPr lang="en-US" sz="1800" kern="1200" dirty="0">
+                        <a:solidFill>
+                          <a:schemeClr val="tx1"/>
+                        </a:solidFill>
+                        <a:latin typeface="Times" pitchFamily="2" charset="0"/>
+                        <a:ea typeface="+mn-ea"/>
+                        <a:cs typeface="+mn-cs"/>
+                      </a:endParaRPr>
+                    </a:p>
+                  </a:txBody>
+                  <a:tcPr/>
+                </a:tc>
+                <a:tc>
+                  <a:txBody>
+                    <a:bodyPr/>
+                    <a:lstStyle/>
+                    <a:p>
+                      <a:pPr algn="ctr"/>
+                      <a:endParaRPr lang="en-US" sz="1800" kern="1200" dirty="0">
+                        <a:solidFill>
+                          <a:schemeClr val="tx1"/>
+                        </a:solidFill>
+                        <a:latin typeface="Times" pitchFamily="2" charset="0"/>
+                        <a:ea typeface="+mn-ea"/>
+                        <a:cs typeface="+mn-cs"/>
+                      </a:endParaRPr>
+                    </a:p>
+                  </a:txBody>
+                  <a:tcPr/>
+                </a:tc>
+                <a:tc>
+                  <a:txBody>
+                    <a:bodyPr/>
+                    <a:lstStyle/>
+                    <a:p>
+                      <a:pPr algn="ctr"/>
+                      <a:endParaRPr lang="en-US" sz="1800" kern="1200" dirty="0">
+                        <a:solidFill>
+                          <a:schemeClr val="tx1"/>
+                        </a:solidFill>
+                        <a:latin typeface="Times" pitchFamily="2" charset="0"/>
+                        <a:ea typeface="+mn-ea"/>
+                        <a:cs typeface="+mn-cs"/>
+                      </a:endParaRPr>
+                    </a:p>
+                  </a:txBody>
+                  <a:tcPr/>
+                </a:tc>
+                <a:tc>
+                  <a:txBody>
+                    <a:bodyPr/>
+                    <a:lstStyle/>
+                    <a:p>
+                      <a:pPr algn="ctr"/>
+                      <a:endParaRPr lang="en-US" sz="1800" kern="1200" dirty="0">
+                        <a:solidFill>
+                          <a:schemeClr val="tx1"/>
+                        </a:solidFill>
+                        <a:latin typeface="Times" pitchFamily="2" charset="0"/>
+                        <a:ea typeface="+mn-ea"/>
+                        <a:cs typeface="+mn-cs"/>
+                      </a:endParaRPr>
+                    </a:p>
+                  </a:txBody>
+                  <a:tcPr/>
+                </a:tc>
+                <a:extLst>
+                  <a:ext uri="{0D108BD9-81ED-4DB2-BD59-A6C34878D82A}">
+                    <a16:rowId xmlns:a16="http://schemas.microsoft.com/office/drawing/2014/main" val="3934113938"/>
+                  </a:ext>
+                </a:extLst>
+              </a:tr>
+              <a:tr h="384494">
+                <a:tc rowSpan="2">
+                  <a:txBody>
+                    <a:bodyPr/>
+                    <a:lstStyle/>
+                    <a:p>
+                      <a:pPr algn="ctr"/>
+                      <a:r>
+                        <a:rPr lang="en-US" altLang="zh-CN" dirty="0">
+                          <a:latin typeface="Times" pitchFamily="2" charset="0"/>
+                        </a:rPr>
+                        <a:t>Union Square</a:t>
+                      </a:r>
+                      <a:endParaRPr lang="en-US" dirty="0">
+                        <a:latin typeface="Times" pitchFamily="2" charset="0"/>
+                      </a:endParaRPr>
+                    </a:p>
+                  </a:txBody>
+                  <a:tcPr anchor="ctr"/>
+                </a:tc>
+                <a:tc>
+                  <a:txBody>
+                    <a:bodyPr/>
+                    <a:lstStyle/>
+                    <a:p>
+                      <a:pPr algn="ctr"/>
+                      <a:r>
+                        <a:rPr lang="en-US" altLang="zh-CN" sz="1800" b="1" kern="1200" dirty="0">
+                          <a:solidFill>
+                            <a:schemeClr val="tx1"/>
+                          </a:solidFill>
+                          <a:latin typeface="+mn-lt"/>
+                          <a:ea typeface="+mn-ea"/>
+                          <a:cs typeface="+mn-cs"/>
+                        </a:rPr>
+                        <a:t>Whole</a:t>
+                      </a:r>
+                      <a:r>
+                        <a:rPr lang="zh-CN" altLang="en-US" sz="1800" b="1" kern="1200" dirty="0">
+                          <a:solidFill>
+                            <a:schemeClr val="tx1"/>
+                          </a:solidFill>
+                          <a:latin typeface="+mn-lt"/>
+                          <a:ea typeface="+mn-ea"/>
+                          <a:cs typeface="+mn-cs"/>
+                        </a:rPr>
+                        <a:t> </a:t>
+                      </a:r>
+                      <a:r>
+                        <a:rPr lang="en-US" altLang="zh-CN" sz="1800" b="1" kern="1200" dirty="0">
+                          <a:solidFill>
+                            <a:schemeClr val="tx1"/>
+                          </a:solidFill>
+                          <a:latin typeface="+mn-lt"/>
+                          <a:ea typeface="+mn-ea"/>
+                          <a:cs typeface="+mn-cs"/>
+                        </a:rPr>
+                        <a:t>area</a:t>
+                      </a:r>
+                      <a:endParaRPr lang="en-US" dirty="0">
+                        <a:latin typeface="Times" pitchFamily="2" charset="0"/>
+                      </a:endParaRPr>
+                    </a:p>
+                  </a:txBody>
+                  <a:tcPr/>
+                </a:tc>
+                <a:tc>
+                  <a:txBody>
+                    <a:bodyPr/>
+                    <a:lstStyle/>
+                    <a:p>
+                      <a:pPr algn="ctr"/>
+                      <a:endParaRPr lang="en-US" dirty="0">
+                        <a:latin typeface="Times" pitchFamily="2" charset="0"/>
+                      </a:endParaRPr>
+                    </a:p>
+                  </a:txBody>
+                  <a:tcPr/>
+                </a:tc>
+                <a:tc>
+                  <a:txBody>
+                    <a:bodyPr/>
+                    <a:lstStyle/>
+                    <a:p>
+                      <a:pPr algn="ctr"/>
+                      <a:endParaRPr lang="en-US" dirty="0">
+                        <a:latin typeface="Times" pitchFamily="2" charset="0"/>
+                      </a:endParaRPr>
+                    </a:p>
+                  </a:txBody>
+                  <a:tcPr/>
+                </a:tc>
+                <a:tc>
+                  <a:txBody>
+                    <a:bodyPr/>
+                    <a:lstStyle/>
+                    <a:p>
+                      <a:pPr algn="ctr"/>
+                      <a:endParaRPr lang="en-US" dirty="0">
+                        <a:latin typeface="Times" pitchFamily="2" charset="0"/>
+                      </a:endParaRPr>
+                    </a:p>
+                  </a:txBody>
+                  <a:tcPr/>
+                </a:tc>
+                <a:tc>
+                  <a:txBody>
+                    <a:bodyPr/>
+                    <a:lstStyle/>
+                    <a:p>
+                      <a:pPr algn="ctr"/>
+                      <a:endParaRPr lang="en-US" dirty="0">
+                        <a:latin typeface="Times" pitchFamily="2" charset="0"/>
+                      </a:endParaRPr>
+                    </a:p>
+                  </a:txBody>
+                  <a:tcPr/>
+                </a:tc>
+                <a:extLst>
+                  <a:ext uri="{0D108BD9-81ED-4DB2-BD59-A6C34878D82A}">
+                    <a16:rowId xmlns:a16="http://schemas.microsoft.com/office/drawing/2014/main" val="827348748"/>
+                  </a:ext>
+                </a:extLst>
+              </a:tr>
+              <a:tr h="384494">
+                <a:tc vMerge="1">
+                  <a:txBody>
+                    <a:bodyPr/>
+                    <a:lstStyle/>
+                    <a:p>
+                      <a:pPr marL="0" marR="0" lvl="0" indent="0" algn="ctr" defTabSz="914400" rtl="0" eaLnBrk="1" fontAlgn="auto" latinLnBrk="0" hangingPunct="1">
+                        <a:lnSpc>
+                          <a:spcPct val="100000"/>
+                        </a:lnSpc>
+                        <a:spcBef>
+                          <a:spcPts val="0"/>
+                        </a:spcBef>
+                        <a:spcAft>
+                          <a:spcPts val="0"/>
+                        </a:spcAft>
+                        <a:buClrTx/>
+                        <a:buSzTx/>
+                        <a:buFontTx/>
+                        <a:buNone/>
+                        <a:tabLst/>
+                        <a:defRPr/>
+                      </a:pPr>
+                      <a:endParaRPr lang="en-US" sz="1800" b="1" kern="1200" dirty="0">
+                        <a:solidFill>
+                          <a:schemeClr val="tx1"/>
+                        </a:solidFill>
+                        <a:latin typeface="+mn-lt"/>
+                        <a:ea typeface="+mn-ea"/>
+                        <a:cs typeface="+mn-cs"/>
+                      </a:endParaRPr>
+                    </a:p>
+                  </a:txBody>
+                  <a:tcPr/>
+                </a:tc>
+                <a:tc>
+                  <a:txBody>
+                    <a:bodyPr/>
+                    <a:lstStyle/>
+                    <a:p>
+                      <a:pPr marL="0" marR="0" lvl="0" indent="0" algn="ctr" defTabSz="914400" rtl="0" eaLnBrk="1" fontAlgn="auto" latinLnBrk="0" hangingPunct="1">
+                        <a:lnSpc>
+                          <a:spcPct val="100000"/>
+                        </a:lnSpc>
+                        <a:spcBef>
+                          <a:spcPts val="0"/>
+                        </a:spcBef>
+                        <a:spcAft>
+                          <a:spcPts val="0"/>
+                        </a:spcAft>
+                        <a:buClrTx/>
+                        <a:buSzTx/>
+                        <a:buFontTx/>
+                        <a:buNone/>
+                        <a:tabLst/>
+                        <a:defRPr/>
+                      </a:pPr>
+                      <a:r>
+                        <a:rPr lang="zh-CN" altLang="en-US" sz="1800" b="1" kern="1200" dirty="0">
+                          <a:solidFill>
+                            <a:schemeClr val="tx1"/>
+                          </a:solidFill>
+                          <a:latin typeface="+mn-lt"/>
+                          <a:ea typeface="+mn-ea"/>
+                          <a:cs typeface="+mn-cs"/>
+                        </a:rPr>
+                        <a:t> </a:t>
+                      </a:r>
+                      <a:r>
+                        <a:rPr lang="en-US" altLang="zh-CN" sz="1800" b="1" kern="1200" dirty="0">
+                          <a:solidFill>
+                            <a:schemeClr val="tx1"/>
+                          </a:solidFill>
+                          <a:latin typeface="+mn-lt"/>
+                          <a:ea typeface="+mn-ea"/>
+                          <a:cs typeface="+mn-cs"/>
+                        </a:rPr>
+                        <a:t>test routes</a:t>
+                      </a:r>
+                      <a:endParaRPr lang="en-US" sz="1800" b="1" kern="1200" dirty="0">
+                        <a:solidFill>
+                          <a:schemeClr val="tx1"/>
+                        </a:solidFill>
+                        <a:latin typeface="+mn-lt"/>
+                        <a:ea typeface="+mn-ea"/>
+                        <a:cs typeface="+mn-cs"/>
+                      </a:endParaRPr>
+                    </a:p>
+                  </a:txBody>
+                  <a:tcPr/>
+                </a:tc>
+                <a:tc>
+                  <a:txBody>
+                    <a:bodyPr/>
+                    <a:lstStyle/>
+                    <a:p>
+                      <a:pPr algn="ctr"/>
+                      <a:endParaRPr lang="en-US" dirty="0">
+                        <a:latin typeface="Times" pitchFamily="2" charset="0"/>
+                      </a:endParaRPr>
+                    </a:p>
+                  </a:txBody>
+                  <a:tcPr/>
+                </a:tc>
+                <a:tc>
+                  <a:txBody>
+                    <a:bodyPr/>
+                    <a:lstStyle/>
+                    <a:p>
+                      <a:pPr algn="ctr"/>
+                      <a:endParaRPr lang="en-US" dirty="0">
+                        <a:latin typeface="Times" pitchFamily="2" charset="0"/>
+                      </a:endParaRPr>
+                    </a:p>
+                  </a:txBody>
+                  <a:tcPr/>
+                </a:tc>
+                <a:tc>
+                  <a:txBody>
+                    <a:bodyPr/>
+                    <a:lstStyle/>
+                    <a:p>
+                      <a:pPr algn="ctr"/>
+                      <a:endParaRPr lang="en-US" dirty="0">
+                        <a:latin typeface="Times" pitchFamily="2" charset="0"/>
+                      </a:endParaRPr>
+                    </a:p>
+                  </a:txBody>
+                  <a:tcPr/>
+                </a:tc>
+                <a:tc>
+                  <a:txBody>
+                    <a:bodyPr/>
+                    <a:lstStyle/>
+                    <a:p>
+                      <a:pPr algn="ctr"/>
+                      <a:endParaRPr lang="en-US" dirty="0">
+                        <a:latin typeface="Times" pitchFamily="2" charset="0"/>
+                      </a:endParaRPr>
+                    </a:p>
+                  </a:txBody>
+                  <a:tcPr/>
+                </a:tc>
+                <a:extLst>
+                  <a:ext uri="{0D108BD9-81ED-4DB2-BD59-A6C34878D82A}">
+                    <a16:rowId xmlns:a16="http://schemas.microsoft.com/office/drawing/2014/main" val="1207095232"/>
+                  </a:ext>
+                </a:extLst>
+              </a:tr>
+            </a:tbl>
+          </a:graphicData>
+        </a:graphic>
+      </p:graphicFrame>
+      <p:sp>
+        <p:nvSpPr>
+          <p:cNvPr id="7" name="TextBox 6">
+            <a:extLst>
+              <a:ext uri="{FF2B5EF4-FFF2-40B4-BE49-F238E27FC236}">
+                <a16:creationId xmlns:a16="http://schemas.microsoft.com/office/drawing/2014/main" id="{ACA35AA7-8132-EC4C-8F68-871D62F3483C}"/>
+              </a:ext>
+            </a:extLst>
+          </p:cNvPr>
+          <p:cNvSpPr txBox="1"/>
+          <p:nvPr/>
+        </p:nvSpPr>
+        <p:spPr>
+          <a:xfrm>
+            <a:off x="4038600" y="909550"/>
+            <a:ext cx="4055806" cy="400110"/>
+          </a:xfrm>
+          <a:prstGeom prst="rect">
+            <a:avLst/>
+          </a:prstGeom>
+          <a:noFill/>
+        </p:spPr>
+        <p:txBody>
+          <a:bodyPr wrap="square" rtlCol="0">
+            <a:spAutoFit/>
+          </a:bodyPr>
+          <a:lstStyle/>
+          <a:p>
+            <a:pPr algn="ctr"/>
+            <a:r>
+              <a:rPr lang="en-US" sz="2000" b="1" dirty="0">
+                <a:latin typeface="Times" pitchFamily="2" charset="0"/>
+              </a:rPr>
+              <a:t>Statistic accuracy for each bit</a:t>
+            </a:r>
+          </a:p>
+        </p:txBody>
+      </p:sp>
+    </p:spTree>
+    <p:extLst>
+      <p:ext uri="{BB962C8B-B14F-4D97-AF65-F5344CB8AC3E}">
+        <p14:creationId xmlns:p14="http://schemas.microsoft.com/office/powerpoint/2010/main" val="998669581"/>
+      </p:ext>
+    </p:extLst>
+  </p:cSld>
+  <p:clrMapOvr>
+    <a:masterClrMapping/>
+  </p:clrMapOvr>
+</p:sld>
+</file>
+
+<file path=ppt/slides/slide21.xml><?xml version="1.0" encoding="utf-8"?>
+<p:sld xmlns:a="http://schemas.openxmlformats.org/drawingml/2006/main" xmlns:r="http://schemas.openxmlformats.org/officeDocument/2006/relationships" xmlns:p="http://schemas.openxmlformats.org/presentationml/2006/main">
+  <p:cSld>
+    <p:spTree>
+      <p:nvGrpSpPr>
+        <p:cNvPr id="1" name=""/>
+        <p:cNvGrpSpPr/>
+        <p:nvPr/>
+      </p:nvGrpSpPr>
+      <p:grpSpPr>
+        <a:xfrm>
+          <a:off x="0" y="0"/>
+          <a:ext cx="0" cy="0"/>
+          <a:chOff x="0" y="0"/>
+          <a:chExt cx="0" cy="0"/>
+        </a:xfrm>
+      </p:grpSpPr>
+      <p:graphicFrame>
+        <p:nvGraphicFramePr>
+          <p:cNvPr id="6" name="Table 5">
+            <a:extLst>
+              <a:ext uri="{FF2B5EF4-FFF2-40B4-BE49-F238E27FC236}">
+                <a16:creationId xmlns:a16="http://schemas.microsoft.com/office/drawing/2014/main" id="{82B10131-45F2-944F-AFCB-541B11C81E95}"/>
+              </a:ext>
+            </a:extLst>
+          </p:cNvPr>
+          <p:cNvGraphicFramePr>
+            <a:graphicFrameLocks noGrp="1"/>
+          </p:cNvGraphicFramePr>
+          <p:nvPr>
+            <p:extLst>
+              <p:ext uri="{D42A27DB-BD31-4B8C-83A1-F6EECF244321}">
+                <p14:modId xmlns:p14="http://schemas.microsoft.com/office/powerpoint/2010/main" val="3334887759"/>
+              </p:ext>
+            </p:extLst>
+          </p:nvPr>
+        </p:nvGraphicFramePr>
+        <p:xfrm>
+          <a:off x="1472421" y="2024130"/>
+          <a:ext cx="9368046" cy="2484060"/>
+        </p:xfrm>
+        <a:graphic>
+          <a:graphicData uri="http://schemas.openxmlformats.org/drawingml/2006/table">
+            <a:tbl>
+              <a:tblPr firstRow="1" bandRow="1">
+                <a:tableStyleId>{BC89EF96-8CEA-46FF-86C4-4CE0E7609802}</a:tableStyleId>
+              </a:tblPr>
+              <a:tblGrid>
+                <a:gridCol w="1561341">
+                  <a:extLst>
+                    <a:ext uri="{9D8B030D-6E8A-4147-A177-3AD203B41FA5}">
+                      <a16:colId xmlns:a16="http://schemas.microsoft.com/office/drawing/2014/main" val="3085117936"/>
+                    </a:ext>
+                  </a:extLst>
+                </a:gridCol>
+                <a:gridCol w="1561341">
+                  <a:extLst>
+                    <a:ext uri="{9D8B030D-6E8A-4147-A177-3AD203B41FA5}">
+                      <a16:colId xmlns:a16="http://schemas.microsoft.com/office/drawing/2014/main" val="2717273049"/>
+                    </a:ext>
+                  </a:extLst>
+                </a:gridCol>
+                <a:gridCol w="1561341">
+                  <a:extLst>
+                    <a:ext uri="{9D8B030D-6E8A-4147-A177-3AD203B41FA5}">
+                      <a16:colId xmlns:a16="http://schemas.microsoft.com/office/drawing/2014/main" val="4105159091"/>
+                    </a:ext>
+                  </a:extLst>
+                </a:gridCol>
+                <a:gridCol w="1561341">
+                  <a:extLst>
+                    <a:ext uri="{9D8B030D-6E8A-4147-A177-3AD203B41FA5}">
+                      <a16:colId xmlns:a16="http://schemas.microsoft.com/office/drawing/2014/main" val="1904174288"/>
+                    </a:ext>
+                  </a:extLst>
+                </a:gridCol>
+                <a:gridCol w="1561341">
+                  <a:extLst>
+                    <a:ext uri="{9D8B030D-6E8A-4147-A177-3AD203B41FA5}">
+                      <a16:colId xmlns:a16="http://schemas.microsoft.com/office/drawing/2014/main" val="3930154999"/>
+                    </a:ext>
+                  </a:extLst>
+                </a:gridCol>
+                <a:gridCol w="1561341">
+                  <a:extLst>
+                    <a:ext uri="{9D8B030D-6E8A-4147-A177-3AD203B41FA5}">
+                      <a16:colId xmlns:a16="http://schemas.microsoft.com/office/drawing/2014/main" val="373465387"/>
+                    </a:ext>
+                  </a:extLst>
+                </a:gridCol>
+              </a:tblGrid>
+              <a:tr h="917388">
+                <a:tc>
+                  <a:txBody>
+                    <a:bodyPr/>
+                    <a:lstStyle/>
+                    <a:p>
+                      <a:pPr algn="ctr"/>
+                      <a:endParaRPr lang="en-US" dirty="0">
+                        <a:latin typeface="Times" pitchFamily="2" charset="0"/>
+                      </a:endParaRPr>
+                    </a:p>
+                  </a:txBody>
+                  <a:tcPr anchor="ctr"/>
+                </a:tc>
+                <a:tc>
+                  <a:txBody>
+                    <a:bodyPr/>
+                    <a:lstStyle/>
+                    <a:p>
+                      <a:pPr algn="ctr"/>
+                      <a:endParaRPr lang="en-US" dirty="0">
+                        <a:latin typeface="Times" pitchFamily="2" charset="0"/>
+                      </a:endParaRPr>
+                    </a:p>
+                  </a:txBody>
+                  <a:tcPr anchor="ctr"/>
+                </a:tc>
+                <a:tc>
+                  <a:txBody>
+                    <a:bodyPr/>
+                    <a:lstStyle/>
+                    <a:p>
+                      <a:pPr algn="ctr"/>
+                      <a:r>
+                        <a:rPr lang="en-US" dirty="0">
+                          <a:latin typeface="Times" pitchFamily="2" charset="0"/>
+                        </a:rPr>
+                        <a:t>junction</a:t>
+                      </a:r>
+                    </a:p>
+                  </a:txBody>
+                  <a:tcPr anchor="ctr"/>
+                </a:tc>
+                <a:tc>
+                  <a:txBody>
+                    <a:bodyPr/>
+                    <a:lstStyle/>
+                    <a:p>
+                      <a:pPr algn="ctr"/>
+                      <a:r>
+                        <a:rPr lang="en-US" dirty="0" err="1">
+                          <a:latin typeface="Times" pitchFamily="2" charset="0"/>
+                        </a:rPr>
+                        <a:t>Non_junction</a:t>
+                      </a:r>
+                      <a:endParaRPr lang="en-US" dirty="0">
+                        <a:latin typeface="Times" pitchFamily="2" charset="0"/>
+                      </a:endParaRPr>
+                    </a:p>
+                  </a:txBody>
+                  <a:tcPr anchor="ctr"/>
+                </a:tc>
+                <a:tc>
+                  <a:txBody>
+                    <a:bodyPr/>
+                    <a:lstStyle/>
+                    <a:p>
+                      <a:pPr marL="0" marR="0" lvl="0" indent="0" algn="ctr" defTabSz="914400" rtl="0" eaLnBrk="1" fontAlgn="auto" latinLnBrk="0" hangingPunct="1">
+                        <a:lnSpc>
+                          <a:spcPct val="100000"/>
+                        </a:lnSpc>
+                        <a:spcBef>
+                          <a:spcPts val="0"/>
+                        </a:spcBef>
+                        <a:spcAft>
+                          <a:spcPts val="0"/>
+                        </a:spcAft>
+                        <a:buClrTx/>
+                        <a:buSzTx/>
+                        <a:buFontTx/>
+                        <a:buNone/>
+                        <a:tabLst/>
+                        <a:defRPr/>
+                      </a:pPr>
+                      <a:r>
+                        <a:rPr lang="en-US" dirty="0">
+                          <a:latin typeface="Times" pitchFamily="2" charset="0"/>
+                        </a:rPr>
+                        <a:t>gap</a:t>
+                      </a:r>
+                    </a:p>
+                  </a:txBody>
+                  <a:tcPr anchor="ctr"/>
+                </a:tc>
+                <a:tc>
+                  <a:txBody>
+                    <a:bodyPr/>
+                    <a:lstStyle/>
+                    <a:p>
+                      <a:pPr algn="ctr"/>
+                      <a:r>
+                        <a:rPr lang="en-US" dirty="0" err="1">
+                          <a:latin typeface="Times" pitchFamily="2" charset="0"/>
+                        </a:rPr>
+                        <a:t>Non_gap</a:t>
+                      </a:r>
+                      <a:endParaRPr lang="en-US" dirty="0">
+                        <a:latin typeface="Times" pitchFamily="2" charset="0"/>
+                      </a:endParaRPr>
+                    </a:p>
+                  </a:txBody>
+                  <a:tcPr anchor="ctr"/>
+                </a:tc>
+                <a:extLst>
+                  <a:ext uri="{0D108BD9-81ED-4DB2-BD59-A6C34878D82A}">
+                    <a16:rowId xmlns:a16="http://schemas.microsoft.com/office/drawing/2014/main" val="2145746761"/>
+                  </a:ext>
+                </a:extLst>
+              </a:tr>
+              <a:tr h="391668">
+                <a:tc rowSpan="2">
+                  <a:txBody>
+                    <a:bodyPr/>
+                    <a:lstStyle/>
+                    <a:p>
+                      <a:pPr algn="ctr"/>
+                      <a:r>
+                        <a:rPr lang="en-US" altLang="zh-CN" dirty="0">
+                          <a:latin typeface="Times" pitchFamily="2" charset="0"/>
+                        </a:rPr>
+                        <a:t>Wall Street</a:t>
+                      </a:r>
+                      <a:endParaRPr lang="en-US" dirty="0">
+                        <a:latin typeface="Times" pitchFamily="2" charset="0"/>
+                      </a:endParaRPr>
+                    </a:p>
+                  </a:txBody>
+                  <a:tcPr anchor="ctr"/>
+                </a:tc>
+                <a:tc>
+                  <a:txBody>
+                    <a:bodyPr/>
+                    <a:lstStyle/>
+                    <a:p>
+                      <a:pPr algn="ctr"/>
+                      <a:r>
+                        <a:rPr lang="en-US" altLang="zh-CN" sz="1800" b="1" kern="1200" dirty="0">
+                          <a:solidFill>
+                            <a:schemeClr val="tx1"/>
+                          </a:solidFill>
+                          <a:latin typeface="+mn-lt"/>
+                          <a:ea typeface="+mn-ea"/>
+                          <a:cs typeface="+mn-cs"/>
+                        </a:rPr>
+                        <a:t>Whole</a:t>
+                      </a:r>
+                      <a:r>
+                        <a:rPr lang="zh-CN" altLang="en-US" sz="1800" b="1" kern="1200" dirty="0">
+                          <a:solidFill>
+                            <a:schemeClr val="tx1"/>
+                          </a:solidFill>
+                          <a:latin typeface="+mn-lt"/>
+                          <a:ea typeface="+mn-ea"/>
+                          <a:cs typeface="+mn-cs"/>
+                        </a:rPr>
+                        <a:t> </a:t>
+                      </a:r>
+                      <a:r>
+                        <a:rPr lang="en-US" altLang="zh-CN" sz="1800" b="1" kern="1200" dirty="0">
+                          <a:solidFill>
+                            <a:schemeClr val="tx1"/>
+                          </a:solidFill>
+                          <a:latin typeface="+mn-lt"/>
+                          <a:ea typeface="+mn-ea"/>
+                          <a:cs typeface="+mn-cs"/>
+                        </a:rPr>
+                        <a:t>area</a:t>
+                      </a:r>
+                      <a:endParaRPr lang="en-US" dirty="0">
+                        <a:latin typeface="Times" pitchFamily="2" charset="0"/>
+                      </a:endParaRPr>
+                    </a:p>
+                  </a:txBody>
+                  <a:tcPr/>
+                </a:tc>
+                <a:tc>
+                  <a:txBody>
+                    <a:bodyPr/>
+                    <a:lstStyle/>
+                    <a:p>
+                      <a:pPr algn="ctr"/>
+                      <a:endParaRPr lang="en-US" dirty="0">
+                        <a:solidFill>
+                          <a:srgbClr val="FF0000"/>
+                        </a:solidFill>
+                        <a:latin typeface="Times" pitchFamily="2" charset="0"/>
+                      </a:endParaRPr>
+                    </a:p>
+                  </a:txBody>
+                  <a:tcPr/>
+                </a:tc>
+                <a:tc>
+                  <a:txBody>
+                    <a:bodyPr/>
+                    <a:lstStyle/>
+                    <a:p>
+                      <a:pPr algn="ctr"/>
+                      <a:endParaRPr lang="en-US" dirty="0">
+                        <a:solidFill>
+                          <a:srgbClr val="FF0000"/>
+                        </a:solidFill>
+                        <a:latin typeface="Times" pitchFamily="2" charset="0"/>
+                      </a:endParaRPr>
+                    </a:p>
+                  </a:txBody>
+                  <a:tcPr/>
+                </a:tc>
+                <a:tc>
+                  <a:txBody>
+                    <a:bodyPr/>
+                    <a:lstStyle/>
+                    <a:p>
+                      <a:pPr algn="ctr"/>
+                      <a:endParaRPr lang="en-US" dirty="0">
+                        <a:solidFill>
+                          <a:srgbClr val="FF0000"/>
+                        </a:solidFill>
+                        <a:latin typeface="Times" pitchFamily="2" charset="0"/>
+                      </a:endParaRPr>
+                    </a:p>
+                  </a:txBody>
+                  <a:tcPr/>
+                </a:tc>
+                <a:tc>
+                  <a:txBody>
+                    <a:bodyPr/>
+                    <a:lstStyle/>
+                    <a:p>
+                      <a:pPr algn="ctr"/>
+                      <a:endParaRPr lang="en-US" dirty="0">
+                        <a:solidFill>
+                          <a:srgbClr val="FF0000"/>
+                        </a:solidFill>
+                        <a:latin typeface="Times" pitchFamily="2" charset="0"/>
+                      </a:endParaRPr>
+                    </a:p>
+                  </a:txBody>
+                  <a:tcPr/>
+                </a:tc>
+                <a:extLst>
+                  <a:ext uri="{0D108BD9-81ED-4DB2-BD59-A6C34878D82A}">
+                    <a16:rowId xmlns:a16="http://schemas.microsoft.com/office/drawing/2014/main" val="267636452"/>
+                  </a:ext>
+                </a:extLst>
+              </a:tr>
+              <a:tr h="391668">
+                <a:tc vMerge="1">
+                  <a:txBody>
+                    <a:bodyPr/>
+                    <a:lstStyle/>
+                    <a:p>
+                      <a:pPr marL="0" marR="0" lvl="0" indent="0" algn="ctr" defTabSz="914400" rtl="0" eaLnBrk="1" fontAlgn="auto" latinLnBrk="0" hangingPunct="1">
+                        <a:lnSpc>
+                          <a:spcPct val="100000"/>
+                        </a:lnSpc>
+                        <a:spcBef>
+                          <a:spcPts val="0"/>
+                        </a:spcBef>
+                        <a:spcAft>
+                          <a:spcPts val="0"/>
+                        </a:spcAft>
+                        <a:buClrTx/>
+                        <a:buSzTx/>
+                        <a:buFontTx/>
+                        <a:buNone/>
+                        <a:tabLst/>
+                        <a:defRPr/>
+                      </a:pPr>
+                      <a:endParaRPr lang="en-US" sz="1800" b="1" kern="1200" dirty="0">
+                        <a:solidFill>
+                          <a:schemeClr val="tx1"/>
+                        </a:solidFill>
+                        <a:latin typeface="+mn-lt"/>
+                        <a:ea typeface="+mn-ea"/>
+                        <a:cs typeface="+mn-cs"/>
+                      </a:endParaRPr>
+                    </a:p>
+                  </a:txBody>
+                  <a:tcPr/>
+                </a:tc>
+                <a:tc>
+                  <a:txBody>
+                    <a:bodyPr/>
+                    <a:lstStyle/>
+                    <a:p>
+                      <a:pPr marL="0" marR="0" lvl="0" indent="0" algn="ctr" defTabSz="914400" rtl="0" eaLnBrk="1" fontAlgn="auto" latinLnBrk="0" hangingPunct="1">
+                        <a:lnSpc>
+                          <a:spcPct val="100000"/>
+                        </a:lnSpc>
+                        <a:spcBef>
+                          <a:spcPts val="0"/>
+                        </a:spcBef>
+                        <a:spcAft>
+                          <a:spcPts val="0"/>
+                        </a:spcAft>
+                        <a:buClrTx/>
+                        <a:buSzTx/>
+                        <a:buFontTx/>
+                        <a:buNone/>
+                        <a:tabLst/>
+                        <a:defRPr/>
+                      </a:pPr>
+                      <a:r>
+                        <a:rPr lang="zh-CN" altLang="en-US" sz="1800" b="1" kern="1200" dirty="0">
+                          <a:solidFill>
+                            <a:schemeClr val="tx1"/>
+                          </a:solidFill>
+                          <a:latin typeface="+mn-lt"/>
+                          <a:ea typeface="+mn-ea"/>
+                          <a:cs typeface="+mn-cs"/>
+                        </a:rPr>
+                        <a:t> </a:t>
+                      </a:r>
+                      <a:r>
+                        <a:rPr lang="en-US" altLang="zh-CN" sz="1800" b="1" kern="1200" dirty="0">
+                          <a:solidFill>
+                            <a:schemeClr val="tx1"/>
+                          </a:solidFill>
+                          <a:latin typeface="+mn-lt"/>
+                          <a:ea typeface="+mn-ea"/>
+                          <a:cs typeface="+mn-cs"/>
+                        </a:rPr>
+                        <a:t>test routes</a:t>
+                      </a:r>
+                      <a:endParaRPr lang="en-US" sz="1800" b="1" kern="1200" dirty="0">
+                        <a:solidFill>
+                          <a:schemeClr val="tx1"/>
+                        </a:solidFill>
+                        <a:latin typeface="+mn-lt"/>
+                        <a:ea typeface="+mn-ea"/>
+                        <a:cs typeface="+mn-cs"/>
+                      </a:endParaRPr>
+                    </a:p>
+                  </a:txBody>
+                  <a:tcPr/>
+                </a:tc>
+                <a:tc>
+                  <a:txBody>
+                    <a:bodyPr/>
+                    <a:lstStyle/>
+                    <a:p>
+                      <a:pPr algn="ctr"/>
+                      <a:endParaRPr lang="en-US" dirty="0">
+                        <a:latin typeface="Times" pitchFamily="2" charset="0"/>
+                      </a:endParaRPr>
+                    </a:p>
+                  </a:txBody>
+                  <a:tcPr/>
+                </a:tc>
+                <a:tc>
+                  <a:txBody>
+                    <a:bodyPr/>
+                    <a:lstStyle/>
+                    <a:p>
+                      <a:pPr algn="ctr"/>
+                      <a:endParaRPr lang="en-US" dirty="0">
+                        <a:latin typeface="Times" pitchFamily="2" charset="0"/>
+                      </a:endParaRPr>
+                    </a:p>
+                  </a:txBody>
+                  <a:tcPr/>
+                </a:tc>
+                <a:tc>
+                  <a:txBody>
+                    <a:bodyPr/>
+                    <a:lstStyle/>
+                    <a:p>
+                      <a:pPr algn="ctr"/>
+                      <a:endParaRPr lang="en-US" dirty="0">
+                        <a:latin typeface="Times" pitchFamily="2" charset="0"/>
+                      </a:endParaRPr>
+                    </a:p>
+                  </a:txBody>
+                  <a:tcPr/>
+                </a:tc>
+                <a:tc>
+                  <a:txBody>
+                    <a:bodyPr/>
+                    <a:lstStyle/>
+                    <a:p>
+                      <a:pPr algn="ctr"/>
+                      <a:endParaRPr lang="en-US" dirty="0">
+                        <a:latin typeface="Times" pitchFamily="2" charset="0"/>
+                      </a:endParaRPr>
+                    </a:p>
+                  </a:txBody>
+                  <a:tcPr/>
+                </a:tc>
+                <a:extLst>
+                  <a:ext uri="{0D108BD9-81ED-4DB2-BD59-A6C34878D82A}">
+                    <a16:rowId xmlns:a16="http://schemas.microsoft.com/office/drawing/2014/main" val="3934113938"/>
+                  </a:ext>
+                </a:extLst>
+              </a:tr>
+              <a:tr h="391668">
+                <a:tc rowSpan="2">
+                  <a:txBody>
+                    <a:bodyPr/>
+                    <a:lstStyle/>
+                    <a:p>
+                      <a:pPr algn="ctr"/>
+                      <a:r>
+                        <a:rPr lang="en-US" altLang="zh-CN" dirty="0">
+                          <a:latin typeface="Times" pitchFamily="2" charset="0"/>
+                        </a:rPr>
+                        <a:t>Union Square</a:t>
+                      </a:r>
+                      <a:endParaRPr lang="en-US" dirty="0">
+                        <a:latin typeface="Times" pitchFamily="2" charset="0"/>
+                      </a:endParaRPr>
+                    </a:p>
+                  </a:txBody>
+                  <a:tcPr anchor="ctr"/>
+                </a:tc>
+                <a:tc>
+                  <a:txBody>
+                    <a:bodyPr/>
+                    <a:lstStyle/>
+                    <a:p>
+                      <a:pPr algn="ctr"/>
+                      <a:r>
+                        <a:rPr lang="en-US" altLang="zh-CN" sz="1800" b="1" kern="1200" dirty="0">
+                          <a:solidFill>
+                            <a:schemeClr val="tx1"/>
+                          </a:solidFill>
+                          <a:latin typeface="+mn-lt"/>
+                          <a:ea typeface="+mn-ea"/>
+                          <a:cs typeface="+mn-cs"/>
+                        </a:rPr>
+                        <a:t>Whole</a:t>
+                      </a:r>
+                      <a:r>
+                        <a:rPr lang="zh-CN" altLang="en-US" sz="1800" b="1" kern="1200" dirty="0">
+                          <a:solidFill>
+                            <a:schemeClr val="tx1"/>
+                          </a:solidFill>
+                          <a:latin typeface="+mn-lt"/>
+                          <a:ea typeface="+mn-ea"/>
+                          <a:cs typeface="+mn-cs"/>
+                        </a:rPr>
+                        <a:t> </a:t>
+                      </a:r>
+                      <a:r>
+                        <a:rPr lang="en-US" altLang="zh-CN" sz="1800" b="1" kern="1200" dirty="0">
+                          <a:solidFill>
+                            <a:schemeClr val="tx1"/>
+                          </a:solidFill>
+                          <a:latin typeface="+mn-lt"/>
+                          <a:ea typeface="+mn-ea"/>
+                          <a:cs typeface="+mn-cs"/>
+                        </a:rPr>
+                        <a:t>area</a:t>
+                      </a:r>
+                      <a:endParaRPr lang="en-US" dirty="0">
+                        <a:latin typeface="Times" pitchFamily="2" charset="0"/>
+                      </a:endParaRPr>
+                    </a:p>
+                  </a:txBody>
+                  <a:tcPr/>
+                </a:tc>
+                <a:tc>
+                  <a:txBody>
+                    <a:bodyPr/>
+                    <a:lstStyle/>
+                    <a:p>
+                      <a:pPr algn="ctr"/>
+                      <a:endParaRPr lang="en-US" dirty="0">
+                        <a:solidFill>
+                          <a:srgbClr val="FF0000"/>
+                        </a:solidFill>
+                        <a:latin typeface="Times" pitchFamily="2" charset="0"/>
+                      </a:endParaRPr>
+                    </a:p>
+                  </a:txBody>
+                  <a:tcPr/>
+                </a:tc>
+                <a:tc>
+                  <a:txBody>
+                    <a:bodyPr/>
+                    <a:lstStyle/>
+                    <a:p>
+                      <a:pPr algn="ctr"/>
+                      <a:endParaRPr lang="en-US" dirty="0">
+                        <a:solidFill>
+                          <a:srgbClr val="FF0000"/>
+                        </a:solidFill>
+                        <a:latin typeface="Times" pitchFamily="2" charset="0"/>
+                      </a:endParaRPr>
+                    </a:p>
+                  </a:txBody>
+                  <a:tcPr/>
+                </a:tc>
+                <a:tc>
+                  <a:txBody>
+                    <a:bodyPr/>
+                    <a:lstStyle/>
+                    <a:p>
+                      <a:pPr algn="ctr"/>
+                      <a:endParaRPr lang="en-US" dirty="0">
+                        <a:solidFill>
+                          <a:srgbClr val="FF0000"/>
+                        </a:solidFill>
+                        <a:latin typeface="Times" pitchFamily="2" charset="0"/>
+                      </a:endParaRPr>
+                    </a:p>
+                  </a:txBody>
+                  <a:tcPr/>
+                </a:tc>
+                <a:tc>
+                  <a:txBody>
+                    <a:bodyPr/>
+                    <a:lstStyle/>
+                    <a:p>
+                      <a:pPr algn="ctr"/>
+                      <a:endParaRPr lang="en-US" dirty="0">
+                        <a:solidFill>
+                          <a:srgbClr val="FF0000"/>
+                        </a:solidFill>
+                        <a:latin typeface="Times" pitchFamily="2" charset="0"/>
+                      </a:endParaRPr>
+                    </a:p>
+                  </a:txBody>
+                  <a:tcPr/>
+                </a:tc>
+                <a:extLst>
+                  <a:ext uri="{0D108BD9-81ED-4DB2-BD59-A6C34878D82A}">
+                    <a16:rowId xmlns:a16="http://schemas.microsoft.com/office/drawing/2014/main" val="827348748"/>
+                  </a:ext>
+                </a:extLst>
+              </a:tr>
+              <a:tr h="391668">
+                <a:tc vMerge="1">
+                  <a:txBody>
+                    <a:bodyPr/>
+                    <a:lstStyle/>
+                    <a:p>
+                      <a:pPr marL="0" marR="0" lvl="0" indent="0" algn="ctr" defTabSz="914400" rtl="0" eaLnBrk="1" fontAlgn="auto" latinLnBrk="0" hangingPunct="1">
+                        <a:lnSpc>
+                          <a:spcPct val="100000"/>
+                        </a:lnSpc>
+                        <a:spcBef>
+                          <a:spcPts val="0"/>
+                        </a:spcBef>
+                        <a:spcAft>
+                          <a:spcPts val="0"/>
+                        </a:spcAft>
+                        <a:buClrTx/>
+                        <a:buSzTx/>
+                        <a:buFontTx/>
+                        <a:buNone/>
+                        <a:tabLst/>
+                        <a:defRPr/>
+                      </a:pPr>
+                      <a:endParaRPr lang="en-US" sz="1800" b="1" kern="1200" dirty="0">
+                        <a:solidFill>
+                          <a:schemeClr val="tx1"/>
+                        </a:solidFill>
+                        <a:latin typeface="+mn-lt"/>
+                        <a:ea typeface="+mn-ea"/>
+                        <a:cs typeface="+mn-cs"/>
+                      </a:endParaRPr>
+                    </a:p>
+                  </a:txBody>
+                  <a:tcPr/>
+                </a:tc>
+                <a:tc>
+                  <a:txBody>
+                    <a:bodyPr/>
+                    <a:lstStyle/>
+                    <a:p>
+                      <a:pPr marL="0" marR="0" lvl="0" indent="0" algn="ctr" defTabSz="914400" rtl="0" eaLnBrk="1" fontAlgn="auto" latinLnBrk="0" hangingPunct="1">
+                        <a:lnSpc>
+                          <a:spcPct val="100000"/>
+                        </a:lnSpc>
+                        <a:spcBef>
+                          <a:spcPts val="0"/>
+                        </a:spcBef>
+                        <a:spcAft>
+                          <a:spcPts val="0"/>
+                        </a:spcAft>
+                        <a:buClrTx/>
+                        <a:buSzTx/>
+                        <a:buFontTx/>
+                        <a:buNone/>
+                        <a:tabLst/>
+                        <a:defRPr/>
+                      </a:pPr>
+                      <a:r>
+                        <a:rPr lang="zh-CN" altLang="en-US" sz="1800" b="1" kern="1200" dirty="0">
+                          <a:solidFill>
+                            <a:schemeClr val="tx1"/>
+                          </a:solidFill>
+                          <a:latin typeface="+mn-lt"/>
+                          <a:ea typeface="+mn-ea"/>
+                          <a:cs typeface="+mn-cs"/>
+                        </a:rPr>
+                        <a:t> </a:t>
+                      </a:r>
+                      <a:r>
+                        <a:rPr lang="en-US" altLang="zh-CN" sz="1800" b="1" kern="1200" dirty="0">
+                          <a:solidFill>
+                            <a:schemeClr val="tx1"/>
+                          </a:solidFill>
+                          <a:latin typeface="+mn-lt"/>
+                          <a:ea typeface="+mn-ea"/>
+                          <a:cs typeface="+mn-cs"/>
+                        </a:rPr>
+                        <a:t>test routes</a:t>
+                      </a:r>
+                      <a:endParaRPr lang="en-US" sz="1800" b="1" kern="1200" dirty="0">
+                        <a:solidFill>
+                          <a:schemeClr val="tx1"/>
+                        </a:solidFill>
+                        <a:latin typeface="+mn-lt"/>
+                        <a:ea typeface="+mn-ea"/>
+                        <a:cs typeface="+mn-cs"/>
+                      </a:endParaRPr>
+                    </a:p>
+                  </a:txBody>
+                  <a:tcPr/>
+                </a:tc>
+                <a:tc>
+                  <a:txBody>
+                    <a:bodyPr/>
+                    <a:lstStyle/>
+                    <a:p>
+                      <a:pPr algn="ctr"/>
+                      <a:endParaRPr lang="en-US" dirty="0">
+                        <a:latin typeface="Times" pitchFamily="2" charset="0"/>
+                      </a:endParaRPr>
+                    </a:p>
+                  </a:txBody>
+                  <a:tcPr/>
+                </a:tc>
+                <a:tc>
+                  <a:txBody>
+                    <a:bodyPr/>
+                    <a:lstStyle/>
+                    <a:p>
+                      <a:pPr algn="ctr"/>
+                      <a:endParaRPr lang="en-US" dirty="0">
+                        <a:latin typeface="Times" pitchFamily="2" charset="0"/>
+                      </a:endParaRPr>
+                    </a:p>
+                  </a:txBody>
+                  <a:tcPr/>
+                </a:tc>
+                <a:tc>
+                  <a:txBody>
+                    <a:bodyPr/>
+                    <a:lstStyle/>
+                    <a:p>
+                      <a:pPr algn="ctr"/>
+                      <a:endParaRPr lang="en-US" dirty="0">
+                        <a:latin typeface="Times" pitchFamily="2" charset="0"/>
+                      </a:endParaRPr>
+                    </a:p>
+                  </a:txBody>
+                  <a:tcPr/>
+                </a:tc>
+                <a:tc>
+                  <a:txBody>
+                    <a:bodyPr/>
+                    <a:lstStyle/>
+                    <a:p>
+                      <a:pPr algn="ctr"/>
+                      <a:endParaRPr lang="en-US" dirty="0">
+                        <a:latin typeface="Times" pitchFamily="2" charset="0"/>
+                      </a:endParaRPr>
+                    </a:p>
+                  </a:txBody>
+                  <a:tcPr/>
+                </a:tc>
+                <a:extLst>
+                  <a:ext uri="{0D108BD9-81ED-4DB2-BD59-A6C34878D82A}">
+                    <a16:rowId xmlns:a16="http://schemas.microsoft.com/office/drawing/2014/main" val="2521364167"/>
+                  </a:ext>
+                </a:extLst>
+              </a:tr>
+            </a:tbl>
+          </a:graphicData>
+        </a:graphic>
+      </p:graphicFrame>
+      <p:sp>
+        <p:nvSpPr>
+          <p:cNvPr id="8" name="TextBox 7">
+            <a:extLst>
+              <a:ext uri="{FF2B5EF4-FFF2-40B4-BE49-F238E27FC236}">
+                <a16:creationId xmlns:a16="http://schemas.microsoft.com/office/drawing/2014/main" id="{35553A17-7980-2F4E-893A-6DCC91A0A5A5}"/>
+              </a:ext>
+            </a:extLst>
+          </p:cNvPr>
+          <p:cNvSpPr txBox="1"/>
+          <p:nvPr/>
+        </p:nvSpPr>
+        <p:spPr>
+          <a:xfrm>
+            <a:off x="4128541" y="959155"/>
+            <a:ext cx="4055806" cy="369332"/>
+          </a:xfrm>
+          <a:prstGeom prst="rect">
+            <a:avLst/>
+          </a:prstGeom>
+          <a:noFill/>
+        </p:spPr>
+        <p:txBody>
+          <a:bodyPr wrap="square" rtlCol="0">
+            <a:spAutoFit/>
+          </a:bodyPr>
+          <a:lstStyle/>
+          <a:p>
+            <a:pPr algn="ctr"/>
+            <a:r>
+              <a:rPr lang="en-US" b="1" dirty="0">
+                <a:latin typeface="Times" pitchFamily="2" charset="0"/>
+              </a:rPr>
+              <a:t>Statistic accuracy for each category</a:t>
+            </a:r>
+          </a:p>
+        </p:txBody>
+      </p:sp>
+    </p:spTree>
+    <p:extLst>
+      <p:ext uri="{BB962C8B-B14F-4D97-AF65-F5344CB8AC3E}">
+        <p14:creationId xmlns:p14="http://schemas.microsoft.com/office/powerpoint/2010/main" val="2251733694"/>
+      </p:ext>
+    </p:extLst>
+  </p:cSld>
+  <p:clrMapOvr>
+    <a:masterClrMapping/>
+  </p:clrMapOvr>
+</p:sld>
+</file>
+
+<file path=ppt/slides/slide22.xml><?xml version="1.0" encoding="utf-8"?>
+<p:sld xmlns:a="http://schemas.openxmlformats.org/drawingml/2006/main" xmlns:r="http://schemas.openxmlformats.org/officeDocument/2006/relationships" xmlns:p="http://schemas.openxmlformats.org/presentationml/2006/main">
+  <p:cSld>
+    <p:spTree>
+      <p:nvGrpSpPr>
+        <p:cNvPr id="1" name=""/>
+        <p:cNvGrpSpPr/>
+        <p:nvPr/>
+      </p:nvGrpSpPr>
+      <p:grpSpPr>
+        <a:xfrm>
+          <a:off x="0" y="0"/>
+          <a:ext cx="0" cy="0"/>
+          <a:chOff x="0" y="0"/>
+          <a:chExt cx="0" cy="0"/>
+        </a:xfrm>
+      </p:grpSpPr>
+      <p:sp>
+        <p:nvSpPr>
+          <p:cNvPr id="2" name="Title 1">
+            <a:extLst>
+              <a:ext uri="{FF2B5EF4-FFF2-40B4-BE49-F238E27FC236}">
+                <a16:creationId xmlns:a16="http://schemas.microsoft.com/office/drawing/2014/main" id="{0189EDDC-0CE7-9149-8BD3-C79CEE1A5D0A}"/>
+              </a:ext>
+            </a:extLst>
+          </p:cNvPr>
+          <p:cNvSpPr>
+            <a:spLocks noGrp="1"/>
+          </p:cNvSpPr>
+          <p:nvPr>
+            <p:ph type="title"/>
+          </p:nvPr>
+        </p:nvSpPr>
+        <p:spPr>
+          <a:xfrm>
+            <a:off x="1003092" y="2643630"/>
+            <a:ext cx="10515600" cy="1325563"/>
+          </a:xfrm>
+        </p:spPr>
+        <p:txBody>
+          <a:bodyPr/>
+          <a:lstStyle/>
+          <a:p>
+            <a:pPr algn="ctr"/>
+            <a:r>
+              <a:rPr lang="en-US" dirty="0"/>
+              <a:t> Localisation Accuracy with different classifiers</a:t>
+            </a:r>
+          </a:p>
+        </p:txBody>
+      </p:sp>
+    </p:spTree>
+    <p:extLst>
+      <p:ext uri="{BB962C8B-B14F-4D97-AF65-F5344CB8AC3E}">
+        <p14:creationId xmlns:p14="http://schemas.microsoft.com/office/powerpoint/2010/main" val="442050230"/>
+      </p:ext>
+    </p:extLst>
+  </p:cSld>
+  <p:clrMapOvr>
+    <a:masterClrMapping/>
+  </p:clrMapOvr>
+</p:sld>
+</file>
+
+<file path=ppt/slides/slide23.xml><?xml version="1.0" encoding="utf-8"?>
+<p:sld xmlns:a="http://schemas.openxmlformats.org/drawingml/2006/main" xmlns:r="http://schemas.openxmlformats.org/officeDocument/2006/relationships" xmlns:p="http://schemas.openxmlformats.org/presentationml/2006/main">
+  <p:cSld>
+    <p:spTree>
+      <p:nvGrpSpPr>
+        <p:cNvPr id="1" name=""/>
+        <p:cNvGrpSpPr/>
+        <p:nvPr/>
+      </p:nvGrpSpPr>
+      <p:grpSpPr>
+        <a:xfrm>
+          <a:off x="0" y="0"/>
+          <a:ext cx="0" cy="0"/>
+          <a:chOff x="0" y="0"/>
+          <a:chExt cx="0" cy="0"/>
+        </a:xfrm>
+      </p:grpSpPr>
+      <p:graphicFrame>
+        <p:nvGraphicFramePr>
+          <p:cNvPr id="4" name="Content Placeholder 3">
+            <a:extLst>
+              <a:ext uri="{FF2B5EF4-FFF2-40B4-BE49-F238E27FC236}">
+                <a16:creationId xmlns:a16="http://schemas.microsoft.com/office/drawing/2014/main" id="{2D0F05D2-8DEB-6944-9D78-A41E61F5BA73}"/>
+              </a:ext>
+            </a:extLst>
+          </p:cNvPr>
+          <p:cNvGraphicFramePr>
+            <a:graphicFrameLocks noGrp="1"/>
+          </p:cNvGraphicFramePr>
+          <p:nvPr>
+            <p:ph idx="1"/>
+            <p:extLst>
+              <p:ext uri="{D42A27DB-BD31-4B8C-83A1-F6EECF244321}">
+                <p14:modId xmlns:p14="http://schemas.microsoft.com/office/powerpoint/2010/main" val="2752516076"/>
+              </p:ext>
+            </p:extLst>
+          </p:nvPr>
+        </p:nvGraphicFramePr>
+        <p:xfrm>
+          <a:off x="719528" y="881244"/>
+          <a:ext cx="10649265" cy="2595880"/>
+        </p:xfrm>
+        <a:graphic>
+          <a:graphicData uri="http://schemas.openxmlformats.org/drawingml/2006/table">
+            <a:tbl>
+              <a:tblPr firstRow="1" bandRow="1">
+                <a:tableStyleId>{E929F9F4-4A8F-4326-A1B4-22849713DDAB}</a:tableStyleId>
+              </a:tblPr>
+              <a:tblGrid>
+                <a:gridCol w="1466957">
+                  <a:extLst>
+                    <a:ext uri="{9D8B030D-6E8A-4147-A177-3AD203B41FA5}">
+                      <a16:colId xmlns:a16="http://schemas.microsoft.com/office/drawing/2014/main" val="3451332052"/>
+                    </a:ext>
+                  </a:extLst>
+                </a:gridCol>
+                <a:gridCol w="972333">
+                  <a:extLst>
+                    <a:ext uri="{9D8B030D-6E8A-4147-A177-3AD203B41FA5}">
+                      <a16:colId xmlns:a16="http://schemas.microsoft.com/office/drawing/2014/main" val="1708646475"/>
+                    </a:ext>
+                  </a:extLst>
+                </a:gridCol>
+                <a:gridCol w="1099483">
+                  <a:extLst>
+                    <a:ext uri="{9D8B030D-6E8A-4147-A177-3AD203B41FA5}">
+                      <a16:colId xmlns:a16="http://schemas.microsoft.com/office/drawing/2014/main" val="3932284448"/>
+                    </a:ext>
+                  </a:extLst>
+                </a:gridCol>
+                <a:gridCol w="1185082">
+                  <a:extLst>
+                    <a:ext uri="{9D8B030D-6E8A-4147-A177-3AD203B41FA5}">
+                      <a16:colId xmlns:a16="http://schemas.microsoft.com/office/drawing/2014/main" val="2120782996"/>
+                    </a:ext>
+                  </a:extLst>
+                </a:gridCol>
+                <a:gridCol w="1185082">
+                  <a:extLst>
+                    <a:ext uri="{9D8B030D-6E8A-4147-A177-3AD203B41FA5}">
+                      <a16:colId xmlns:a16="http://schemas.microsoft.com/office/drawing/2014/main" val="1235742552"/>
+                    </a:ext>
+                  </a:extLst>
+                </a:gridCol>
+                <a:gridCol w="1185082">
+                  <a:extLst>
+                    <a:ext uri="{9D8B030D-6E8A-4147-A177-3AD203B41FA5}">
+                      <a16:colId xmlns:a16="http://schemas.microsoft.com/office/drawing/2014/main" val="1644310330"/>
+                    </a:ext>
+                  </a:extLst>
+                </a:gridCol>
+                <a:gridCol w="1185082">
+                  <a:extLst>
+                    <a:ext uri="{9D8B030D-6E8A-4147-A177-3AD203B41FA5}">
+                      <a16:colId xmlns:a16="http://schemas.microsoft.com/office/drawing/2014/main" val="617467416"/>
+                    </a:ext>
+                  </a:extLst>
+                </a:gridCol>
+                <a:gridCol w="1185082">
+                  <a:extLst>
+                    <a:ext uri="{9D8B030D-6E8A-4147-A177-3AD203B41FA5}">
+                      <a16:colId xmlns:a16="http://schemas.microsoft.com/office/drawing/2014/main" val="1848367363"/>
+                    </a:ext>
+                  </a:extLst>
+                </a:gridCol>
+                <a:gridCol w="1185082">
+                  <a:extLst>
+                    <a:ext uri="{9D8B030D-6E8A-4147-A177-3AD203B41FA5}">
+                      <a16:colId xmlns:a16="http://schemas.microsoft.com/office/drawing/2014/main" val="525747893"/>
+                    </a:ext>
+                  </a:extLst>
+                </a:gridCol>
+              </a:tblGrid>
+              <a:tr h="370840">
+                <a:tc>
+                  <a:txBody>
+                    <a:bodyPr/>
+                    <a:lstStyle/>
+                    <a:p>
+                      <a:pPr algn="ctr"/>
+                      <a:endParaRPr lang="en-US" dirty="0"/>
+                    </a:p>
+                  </a:txBody>
+                  <a:tcPr/>
+                </a:tc>
+                <a:tc>
+                  <a:txBody>
+                    <a:bodyPr/>
+                    <a:lstStyle/>
+                    <a:p>
+                      <a:pPr algn="ctr"/>
+                      <a:r>
+                        <a:rPr lang="en-US" dirty="0"/>
+                        <a:t>5</a:t>
+                      </a:r>
+                    </a:p>
+                  </a:txBody>
+                  <a:tcPr/>
+                </a:tc>
+                <a:tc>
+                  <a:txBody>
+                    <a:bodyPr/>
+                    <a:lstStyle/>
+                    <a:p>
+                      <a:pPr algn="ctr"/>
+                      <a:r>
+                        <a:rPr lang="en-US" dirty="0"/>
+                        <a:t>10</a:t>
+                      </a:r>
+                    </a:p>
+                  </a:txBody>
+                  <a:tcPr/>
+                </a:tc>
+                <a:tc>
+                  <a:txBody>
+                    <a:bodyPr/>
+                    <a:lstStyle/>
+                    <a:p>
+                      <a:pPr algn="ctr"/>
+                      <a:r>
+                        <a:rPr lang="en-US" dirty="0"/>
+                        <a:t>15</a:t>
+                      </a:r>
+                    </a:p>
+                  </a:txBody>
+                  <a:tcPr/>
+                </a:tc>
+                <a:tc>
+                  <a:txBody>
+                    <a:bodyPr/>
+                    <a:lstStyle/>
+                    <a:p>
+                      <a:pPr algn="ctr"/>
+                      <a:r>
+                        <a:rPr lang="en-US" dirty="0"/>
+                        <a:t>20</a:t>
+                      </a:r>
+                    </a:p>
+                  </a:txBody>
+                  <a:tcPr/>
+                </a:tc>
+                <a:tc>
+                  <a:txBody>
+                    <a:bodyPr/>
+                    <a:lstStyle/>
+                    <a:p>
+                      <a:pPr algn="ctr"/>
+                      <a:r>
+                        <a:rPr lang="en-US" dirty="0"/>
+                        <a:t>25</a:t>
+                      </a:r>
+                    </a:p>
+                  </a:txBody>
+                  <a:tcPr/>
+                </a:tc>
+                <a:tc>
+                  <a:txBody>
+                    <a:bodyPr/>
+                    <a:lstStyle/>
+                    <a:p>
+                      <a:pPr algn="ctr"/>
+                      <a:r>
+                        <a:rPr lang="en-US" dirty="0"/>
+                        <a:t>30</a:t>
+                      </a:r>
+                    </a:p>
+                  </a:txBody>
+                  <a:tcPr/>
+                </a:tc>
+                <a:tc>
+                  <a:txBody>
+                    <a:bodyPr/>
+                    <a:lstStyle/>
+                    <a:p>
+                      <a:pPr algn="ctr"/>
+                      <a:r>
+                        <a:rPr lang="en-US" dirty="0"/>
+                        <a:t>35</a:t>
+                      </a:r>
+                    </a:p>
+                  </a:txBody>
+                  <a:tcPr/>
+                </a:tc>
+                <a:tc>
+                  <a:txBody>
+                    <a:bodyPr/>
+                    <a:lstStyle/>
+                    <a:p>
+                      <a:pPr algn="ctr"/>
+                      <a:r>
+                        <a:rPr lang="en-US" dirty="0"/>
+                        <a:t>40</a:t>
+                      </a:r>
+                    </a:p>
+                  </a:txBody>
+                  <a:tcPr/>
+                </a:tc>
+                <a:extLst>
+                  <a:ext uri="{0D108BD9-81ED-4DB2-BD59-A6C34878D82A}">
+                    <a16:rowId xmlns:a16="http://schemas.microsoft.com/office/drawing/2014/main" val="3084433744"/>
+                  </a:ext>
+                </a:extLst>
+              </a:tr>
+              <a:tr h="370840">
+                <a:tc>
+                  <a:txBody>
+                    <a:bodyPr/>
+                    <a:lstStyle/>
+                    <a:p>
+                      <a:pPr algn="ctr"/>
+                      <a:r>
+                        <a:rPr lang="en-US" dirty="0"/>
+                        <a:t>Wall street</a:t>
+                      </a:r>
+                    </a:p>
+                  </a:txBody>
+                  <a:tcPr/>
+                </a:tc>
+                <a:tc>
+                  <a:txBody>
+                    <a:bodyPr/>
+                    <a:lstStyle/>
+                    <a:p>
+                      <a:pPr algn="ctr"/>
+                      <a:r>
+                        <a:rPr lang="en-US" dirty="0"/>
+                        <a:t>0.042</a:t>
+                      </a:r>
+                    </a:p>
+                  </a:txBody>
+                  <a:tcPr/>
+                </a:tc>
+                <a:tc>
+                  <a:txBody>
+                    <a:bodyPr/>
+                    <a:lstStyle/>
+                    <a:p>
+                      <a:pPr algn="ctr"/>
+                      <a:r>
+                        <a:rPr lang="en-US" dirty="0"/>
+                        <a:t>0.31</a:t>
+                      </a:r>
+                    </a:p>
+                  </a:txBody>
+                  <a:tcPr/>
+                </a:tc>
+                <a:tc>
+                  <a:txBody>
+                    <a:bodyPr/>
+                    <a:lstStyle/>
+                    <a:p>
+                      <a:pPr algn="ctr"/>
+                      <a:r>
+                        <a:rPr lang="en-US" dirty="0"/>
+                        <a:t>0.58</a:t>
+                      </a:r>
+                    </a:p>
+                  </a:txBody>
+                  <a:tcPr/>
+                </a:tc>
+                <a:tc>
+                  <a:txBody>
+                    <a:bodyPr/>
+                    <a:lstStyle/>
+                    <a:p>
+                      <a:pPr algn="ctr"/>
+                      <a:r>
+                        <a:rPr lang="en-US" dirty="0"/>
+                        <a:t>0.778</a:t>
+                      </a:r>
+                    </a:p>
+                  </a:txBody>
+                  <a:tcPr/>
+                </a:tc>
+                <a:tc>
+                  <a:txBody>
+                    <a:bodyPr/>
+                    <a:lstStyle/>
+                    <a:p>
+                      <a:pPr algn="ctr"/>
+                      <a:r>
+                        <a:rPr lang="en-US" dirty="0"/>
+                        <a:t>0.864</a:t>
+                      </a:r>
+                    </a:p>
+                  </a:txBody>
+                  <a:tcPr/>
+                </a:tc>
+                <a:tc>
+                  <a:txBody>
+                    <a:bodyPr/>
+                    <a:lstStyle/>
+                    <a:p>
+                      <a:pPr algn="ctr"/>
+                      <a:r>
+                        <a:rPr lang="en-US" dirty="0"/>
+                        <a:t>0.932</a:t>
+                      </a:r>
+                    </a:p>
+                  </a:txBody>
+                  <a:tcPr/>
+                </a:tc>
+                <a:tc>
+                  <a:txBody>
+                    <a:bodyPr/>
+                    <a:lstStyle/>
+                    <a:p>
+                      <a:pPr algn="ctr"/>
+                      <a:r>
+                        <a:rPr lang="en-US" dirty="0"/>
+                        <a:t>0.958</a:t>
+                      </a:r>
+                    </a:p>
+                  </a:txBody>
+                  <a:tcPr/>
+                </a:tc>
+                <a:tc>
+                  <a:txBody>
+                    <a:bodyPr/>
+                    <a:lstStyle/>
+                    <a:p>
+                      <a:pPr algn="ctr"/>
+                      <a:r>
+                        <a:rPr lang="en-US" dirty="0"/>
+                        <a:t>0.96</a:t>
+                      </a:r>
+                    </a:p>
+                  </a:txBody>
+                  <a:tcPr/>
+                </a:tc>
+                <a:extLst>
+                  <a:ext uri="{0D108BD9-81ED-4DB2-BD59-A6C34878D82A}">
+                    <a16:rowId xmlns:a16="http://schemas.microsoft.com/office/drawing/2014/main" val="3371609480"/>
+                  </a:ext>
+                </a:extLst>
+              </a:tr>
+              <a:tr h="370840">
+                <a:tc>
+                  <a:txBody>
+                    <a:bodyPr/>
+                    <a:lstStyle/>
+                    <a:p>
+                      <a:pPr algn="ctr"/>
+                      <a:r>
+                        <a:rPr lang="en-US" altLang="zh-CN" dirty="0"/>
+                        <a:t>v2</a:t>
+                      </a:r>
+                      <a:endParaRPr lang="en-US" dirty="0"/>
+                    </a:p>
+                  </a:txBody>
+                  <a:tcPr/>
+                </a:tc>
+                <a:tc>
+                  <a:txBody>
+                    <a:bodyPr/>
+                    <a:lstStyle/>
+                    <a:p>
+                      <a:pPr algn="ctr"/>
+                      <a:r>
+                        <a:rPr lang="en-US" dirty="0"/>
+                        <a:t>0.114</a:t>
+                      </a:r>
+                    </a:p>
+                  </a:txBody>
+                  <a:tcPr/>
+                </a:tc>
+                <a:tc>
+                  <a:txBody>
+                    <a:bodyPr/>
+                    <a:lstStyle/>
+                    <a:p>
+                      <a:pPr algn="ctr"/>
+                      <a:r>
+                        <a:rPr lang="en-US" dirty="0"/>
+                        <a:t>0.522</a:t>
+                      </a:r>
+                    </a:p>
+                  </a:txBody>
+                  <a:tcPr/>
+                </a:tc>
+                <a:tc>
+                  <a:txBody>
+                    <a:bodyPr/>
+                    <a:lstStyle/>
+                    <a:p>
+                      <a:pPr algn="ctr"/>
+                      <a:r>
+                        <a:rPr lang="en-US" dirty="0"/>
+                        <a:t>0.846</a:t>
+                      </a:r>
+                    </a:p>
+                  </a:txBody>
+                  <a:tcPr/>
+                </a:tc>
+                <a:tc>
+                  <a:txBody>
+                    <a:bodyPr/>
+                    <a:lstStyle/>
+                    <a:p>
+                      <a:pPr algn="ctr"/>
+                      <a:r>
+                        <a:rPr lang="en-US" dirty="0"/>
+                        <a:t>0.95</a:t>
+                      </a:r>
+                    </a:p>
+                  </a:txBody>
+                  <a:tcPr/>
+                </a:tc>
+                <a:tc>
+                  <a:txBody>
+                    <a:bodyPr/>
+                    <a:lstStyle/>
+                    <a:p>
+                      <a:pPr algn="ctr"/>
+                      <a:r>
+                        <a:rPr lang="en-US" dirty="0"/>
+                        <a:t>0.974</a:t>
+                      </a:r>
+                    </a:p>
+                  </a:txBody>
+                  <a:tcPr/>
+                </a:tc>
+                <a:tc>
+                  <a:txBody>
+                    <a:bodyPr/>
+                    <a:lstStyle/>
+                    <a:p>
+                      <a:pPr algn="ctr"/>
+                      <a:r>
+                        <a:rPr lang="en-US" dirty="0"/>
+                        <a:t>0.982</a:t>
+                      </a:r>
+                    </a:p>
+                  </a:txBody>
+                  <a:tcPr/>
+                </a:tc>
+                <a:tc>
+                  <a:txBody>
+                    <a:bodyPr/>
+                    <a:lstStyle/>
+                    <a:p>
+                      <a:pPr algn="ctr"/>
+                      <a:r>
+                        <a:rPr lang="en-US" dirty="0"/>
+                        <a:t>0.986</a:t>
+                      </a:r>
+                    </a:p>
+                  </a:txBody>
+                  <a:tcPr/>
+                </a:tc>
+                <a:tc>
+                  <a:txBody>
+                    <a:bodyPr/>
+                    <a:lstStyle/>
+                    <a:p>
+                      <a:pPr algn="ctr"/>
+                      <a:r>
+                        <a:rPr lang="en-US" dirty="0"/>
+                        <a:t>0.978</a:t>
+                      </a:r>
+                    </a:p>
+                  </a:txBody>
+                  <a:tcPr/>
+                </a:tc>
+                <a:extLst>
+                  <a:ext uri="{0D108BD9-81ED-4DB2-BD59-A6C34878D82A}">
+                    <a16:rowId xmlns:a16="http://schemas.microsoft.com/office/drawing/2014/main" val="3280624136"/>
+                  </a:ext>
+                </a:extLst>
+              </a:tr>
+              <a:tr h="370840">
+                <a:tc>
+                  <a:txBody>
+                    <a:bodyPr/>
+                    <a:lstStyle/>
+                    <a:p>
+                      <a:pPr algn="ctr"/>
+                      <a:r>
+                        <a:rPr lang="en-US" altLang="zh-CN" dirty="0"/>
+                        <a:t>v3</a:t>
+                      </a:r>
+                      <a:endParaRPr lang="en-US" dirty="0"/>
+                    </a:p>
+                  </a:txBody>
+                  <a:tcPr/>
+                </a:tc>
+                <a:tc>
+                  <a:txBody>
+                    <a:bodyPr/>
+                    <a:lstStyle/>
+                    <a:p>
+                      <a:pPr algn="ctr"/>
+                      <a:r>
+                        <a:rPr lang="en-US" dirty="0"/>
+                        <a:t>0.09</a:t>
+                      </a:r>
+                    </a:p>
+                  </a:txBody>
+                  <a:tcPr/>
+                </a:tc>
+                <a:tc>
+                  <a:txBody>
+                    <a:bodyPr/>
+                    <a:lstStyle/>
+                    <a:p>
+                      <a:pPr algn="ctr"/>
+                      <a:r>
+                        <a:rPr lang="en-US" dirty="0"/>
+                        <a:t>0.442</a:t>
+                      </a:r>
+                    </a:p>
+                  </a:txBody>
+                  <a:tcPr/>
+                </a:tc>
+                <a:tc>
+                  <a:txBody>
+                    <a:bodyPr/>
+                    <a:lstStyle/>
+                    <a:p>
+                      <a:pPr algn="ctr"/>
+                      <a:r>
+                        <a:rPr lang="en-US" dirty="0"/>
+                        <a:t>0.776</a:t>
+                      </a:r>
+                    </a:p>
+                  </a:txBody>
+                  <a:tcPr/>
+                </a:tc>
+                <a:tc>
+                  <a:txBody>
+                    <a:bodyPr/>
+                    <a:lstStyle/>
+                    <a:p>
+                      <a:pPr algn="ctr"/>
+                      <a:r>
+                        <a:rPr lang="en-US" dirty="0"/>
+                        <a:t>0.91</a:t>
+                      </a:r>
+                    </a:p>
+                  </a:txBody>
+                  <a:tcPr/>
+                </a:tc>
+                <a:tc>
+                  <a:txBody>
+                    <a:bodyPr/>
+                    <a:lstStyle/>
+                    <a:p>
+                      <a:pPr algn="ctr"/>
+                      <a:r>
+                        <a:rPr lang="en-US" dirty="0"/>
+                        <a:t>0.96</a:t>
+                      </a:r>
+                    </a:p>
+                  </a:txBody>
+                  <a:tcPr/>
+                </a:tc>
+                <a:tc>
+                  <a:txBody>
+                    <a:bodyPr/>
+                    <a:lstStyle/>
+                    <a:p>
+                      <a:pPr algn="ctr"/>
+                      <a:r>
+                        <a:rPr lang="en-US" dirty="0"/>
+                        <a:t>0.98</a:t>
+                      </a:r>
+                    </a:p>
+                  </a:txBody>
+                  <a:tcPr/>
+                </a:tc>
+                <a:tc>
+                  <a:txBody>
+                    <a:bodyPr/>
+                    <a:lstStyle/>
+                    <a:p>
+                      <a:pPr algn="ctr"/>
+                      <a:r>
+                        <a:rPr lang="en-US" dirty="0"/>
+                        <a:t>0.982</a:t>
+                      </a:r>
+                    </a:p>
+                  </a:txBody>
+                  <a:tcPr/>
+                </a:tc>
+                <a:tc>
+                  <a:txBody>
+                    <a:bodyPr/>
+                    <a:lstStyle/>
+                    <a:p>
+                      <a:pPr algn="ctr"/>
+                      <a:r>
+                        <a:rPr lang="en-US" dirty="0"/>
+                        <a:t>0.968</a:t>
+                      </a:r>
+                    </a:p>
+                  </a:txBody>
+                  <a:tcPr/>
+                </a:tc>
+                <a:extLst>
+                  <a:ext uri="{0D108BD9-81ED-4DB2-BD59-A6C34878D82A}">
+                    <a16:rowId xmlns:a16="http://schemas.microsoft.com/office/drawing/2014/main" val="3068055538"/>
+                  </a:ext>
+                </a:extLst>
+              </a:tr>
+              <a:tr h="370840">
+                <a:tc>
+                  <a:txBody>
+                    <a:bodyPr/>
+                    <a:lstStyle/>
+                    <a:p>
+                      <a:pPr algn="ctr"/>
+                      <a:r>
+                        <a:rPr lang="en-US" dirty="0">
+                          <a:solidFill>
+                            <a:srgbClr val="FF0000"/>
+                          </a:solidFill>
+                        </a:rPr>
+                        <a:t>Union square</a:t>
+                      </a:r>
+                    </a:p>
+                  </a:txBody>
+                  <a:tcPr/>
+                </a:tc>
+                <a:tc>
+                  <a:txBody>
+                    <a:bodyPr/>
+                    <a:lstStyle/>
+                    <a:p>
+                      <a:pPr algn="ctr"/>
+                      <a:r>
+                        <a:rPr lang="en-US" dirty="0">
+                          <a:solidFill>
+                            <a:srgbClr val="FF0000"/>
+                          </a:solidFill>
+                        </a:rPr>
+                        <a:t>0.046</a:t>
+                      </a:r>
+                    </a:p>
+                  </a:txBody>
+                  <a:tcPr/>
+                </a:tc>
+                <a:tc>
+                  <a:txBody>
+                    <a:bodyPr/>
+                    <a:lstStyle/>
+                    <a:p>
+                      <a:pPr algn="ctr"/>
+                      <a:r>
+                        <a:rPr lang="en-US" dirty="0">
+                          <a:solidFill>
+                            <a:srgbClr val="FF0000"/>
+                          </a:solidFill>
+                        </a:rPr>
+                        <a:t>0.164</a:t>
+                      </a:r>
+                    </a:p>
+                  </a:txBody>
+                  <a:tcPr/>
+                </a:tc>
+                <a:tc>
+                  <a:txBody>
+                    <a:bodyPr/>
+                    <a:lstStyle/>
+                    <a:p>
+                      <a:pPr algn="ctr"/>
+                      <a:r>
+                        <a:rPr lang="en-US" dirty="0">
+                          <a:solidFill>
+                            <a:srgbClr val="FF0000"/>
+                          </a:solidFill>
+                        </a:rPr>
+                        <a:t>0.31</a:t>
+                      </a:r>
+                    </a:p>
+                  </a:txBody>
+                  <a:tcPr/>
+                </a:tc>
+                <a:tc>
+                  <a:txBody>
+                    <a:bodyPr/>
+                    <a:lstStyle/>
+                    <a:p>
+                      <a:pPr algn="ctr"/>
+                      <a:r>
+                        <a:rPr lang="en-US" dirty="0">
+                          <a:solidFill>
+                            <a:srgbClr val="FF0000"/>
+                          </a:solidFill>
+                        </a:rPr>
+                        <a:t>0.478</a:t>
+                      </a:r>
+                    </a:p>
+                  </a:txBody>
+                  <a:tcPr/>
+                </a:tc>
+                <a:tc>
+                  <a:txBody>
+                    <a:bodyPr/>
+                    <a:lstStyle/>
+                    <a:p>
+                      <a:pPr algn="ctr"/>
+                      <a:r>
+                        <a:rPr lang="en-US" dirty="0">
+                          <a:solidFill>
+                            <a:srgbClr val="FF0000"/>
+                          </a:solidFill>
+                        </a:rPr>
+                        <a:t>0.662</a:t>
+                      </a:r>
+                    </a:p>
+                  </a:txBody>
+                  <a:tcPr/>
+                </a:tc>
+                <a:tc>
+                  <a:txBody>
+                    <a:bodyPr/>
+                    <a:lstStyle/>
+                    <a:p>
+                      <a:pPr algn="ctr"/>
+                      <a:r>
+                        <a:rPr lang="en-US" dirty="0">
+                          <a:solidFill>
+                            <a:srgbClr val="FF0000"/>
+                          </a:solidFill>
+                        </a:rPr>
+                        <a:t>0.824</a:t>
+                      </a:r>
+                    </a:p>
+                  </a:txBody>
+                  <a:tcPr/>
+                </a:tc>
+                <a:tc>
+                  <a:txBody>
+                    <a:bodyPr/>
+                    <a:lstStyle/>
+                    <a:p>
+                      <a:pPr algn="ctr"/>
+                      <a:r>
+                        <a:rPr lang="en-US" dirty="0">
+                          <a:solidFill>
+                            <a:srgbClr val="FF0000"/>
+                          </a:solidFill>
+                        </a:rPr>
+                        <a:t>0.898</a:t>
+                      </a:r>
+                    </a:p>
+                  </a:txBody>
+                  <a:tcPr/>
+                </a:tc>
+                <a:tc>
+                  <a:txBody>
+                    <a:bodyPr/>
+                    <a:lstStyle/>
+                    <a:p>
+                      <a:pPr algn="ctr"/>
+                      <a:r>
+                        <a:rPr lang="en-US" dirty="0">
+                          <a:solidFill>
+                            <a:srgbClr val="FF0000"/>
+                          </a:solidFill>
+                        </a:rPr>
+                        <a:t>0.942</a:t>
+                      </a:r>
+                    </a:p>
+                  </a:txBody>
+                  <a:tcPr/>
+                </a:tc>
+                <a:extLst>
+                  <a:ext uri="{0D108BD9-81ED-4DB2-BD59-A6C34878D82A}">
+                    <a16:rowId xmlns:a16="http://schemas.microsoft.com/office/drawing/2014/main" val="981880572"/>
+                  </a:ext>
+                </a:extLst>
+              </a:tr>
+              <a:tr h="370840">
+                <a:tc>
+                  <a:txBody>
+                    <a:bodyPr/>
+                    <a:lstStyle/>
+                    <a:p>
+                      <a:pPr marL="0" marR="0" lvl="0" indent="0" algn="ctr" defTabSz="914400" rtl="0" eaLnBrk="1" fontAlgn="auto" latinLnBrk="0" hangingPunct="1">
+                        <a:lnSpc>
+                          <a:spcPct val="100000"/>
+                        </a:lnSpc>
+                        <a:spcBef>
+                          <a:spcPts val="0"/>
+                        </a:spcBef>
+                        <a:spcAft>
+                          <a:spcPts val="0"/>
+                        </a:spcAft>
+                        <a:buClrTx/>
+                        <a:buSzTx/>
+                        <a:buFontTx/>
+                        <a:buNone/>
+                        <a:tabLst/>
+                        <a:defRPr/>
+                      </a:pPr>
+                      <a:r>
+                        <a:rPr lang="en-US" altLang="zh-CN" dirty="0"/>
+                        <a:t>v2</a:t>
+                      </a:r>
+                      <a:endParaRPr lang="en-US" dirty="0"/>
+                    </a:p>
+                  </a:txBody>
+                  <a:tcPr/>
+                </a:tc>
+                <a:tc>
+                  <a:txBody>
+                    <a:bodyPr/>
+                    <a:lstStyle/>
+                    <a:p>
+                      <a:pPr algn="ctr"/>
+                      <a:r>
+                        <a:rPr lang="en-US" dirty="0"/>
+                        <a:t>0.18</a:t>
+                      </a:r>
+                    </a:p>
+                  </a:txBody>
+                  <a:tcPr/>
+                </a:tc>
+                <a:tc>
+                  <a:txBody>
+                    <a:bodyPr/>
+                    <a:lstStyle/>
+                    <a:p>
+                      <a:pPr algn="ctr"/>
+                      <a:r>
+                        <a:rPr lang="en-US" dirty="0"/>
+                        <a:t>0.592</a:t>
+                      </a:r>
+                    </a:p>
+                  </a:txBody>
+                  <a:tcPr/>
+                </a:tc>
+                <a:tc>
+                  <a:txBody>
+                    <a:bodyPr/>
+                    <a:lstStyle/>
+                    <a:p>
+                      <a:pPr algn="ctr"/>
+                      <a:r>
+                        <a:rPr lang="en-US" dirty="0"/>
+                        <a:t>0.834</a:t>
+                      </a:r>
+                    </a:p>
+                  </a:txBody>
+                  <a:tcPr/>
+                </a:tc>
+                <a:tc>
+                  <a:txBody>
+                    <a:bodyPr/>
+                    <a:lstStyle/>
+                    <a:p>
+                      <a:pPr algn="ctr"/>
+                      <a:r>
+                        <a:rPr lang="en-US" dirty="0"/>
+                        <a:t>0.926</a:t>
+                      </a:r>
+                    </a:p>
+                  </a:txBody>
+                  <a:tcPr/>
+                </a:tc>
+                <a:tc>
+                  <a:txBody>
+                    <a:bodyPr/>
+                    <a:lstStyle/>
+                    <a:p>
+                      <a:pPr algn="ctr"/>
+                      <a:r>
+                        <a:rPr lang="en-US" dirty="0"/>
+                        <a:t>0.974</a:t>
+                      </a:r>
+                    </a:p>
+                  </a:txBody>
+                  <a:tcPr/>
+                </a:tc>
+                <a:tc>
+                  <a:txBody>
+                    <a:bodyPr/>
+                    <a:lstStyle/>
+                    <a:p>
+                      <a:pPr algn="ctr"/>
+                      <a:r>
+                        <a:rPr lang="en-US" dirty="0"/>
+                        <a:t>0.992</a:t>
+                      </a:r>
+                    </a:p>
+                  </a:txBody>
+                  <a:tcPr/>
+                </a:tc>
+                <a:tc>
+                  <a:txBody>
+                    <a:bodyPr/>
+                    <a:lstStyle/>
+                    <a:p>
+                      <a:pPr algn="ctr"/>
+                      <a:r>
+                        <a:rPr lang="en-US" dirty="0"/>
+                        <a:t>0.992</a:t>
+                      </a:r>
+                    </a:p>
+                  </a:txBody>
+                  <a:tcPr/>
+                </a:tc>
+                <a:tc>
+                  <a:txBody>
+                    <a:bodyPr/>
+                    <a:lstStyle/>
+                    <a:p>
+                      <a:pPr algn="ctr"/>
+                      <a:r>
+                        <a:rPr lang="en-US" dirty="0"/>
+                        <a:t>0.982</a:t>
+                      </a:r>
+                    </a:p>
+                  </a:txBody>
+                  <a:tcPr/>
+                </a:tc>
+                <a:extLst>
+                  <a:ext uri="{0D108BD9-81ED-4DB2-BD59-A6C34878D82A}">
+                    <a16:rowId xmlns:a16="http://schemas.microsoft.com/office/drawing/2014/main" val="4132011858"/>
+                  </a:ext>
+                </a:extLst>
+              </a:tr>
+              <a:tr h="370840">
+                <a:tc>
+                  <a:txBody>
+                    <a:bodyPr/>
+                    <a:lstStyle/>
+                    <a:p>
+                      <a:pPr marL="0" marR="0" lvl="0" indent="0" algn="ctr" defTabSz="914400" rtl="0" eaLnBrk="1" fontAlgn="auto" latinLnBrk="0" hangingPunct="1">
+                        <a:lnSpc>
+                          <a:spcPct val="100000"/>
+                        </a:lnSpc>
+                        <a:spcBef>
+                          <a:spcPts val="0"/>
+                        </a:spcBef>
+                        <a:spcAft>
+                          <a:spcPts val="0"/>
+                        </a:spcAft>
+                        <a:buClrTx/>
+                        <a:buSzTx/>
+                        <a:buFontTx/>
+                        <a:buNone/>
+                        <a:tabLst/>
+                        <a:defRPr/>
+                      </a:pPr>
+                      <a:r>
+                        <a:rPr lang="en-US" altLang="zh-CN" dirty="0"/>
+                        <a:t>v3</a:t>
+                      </a:r>
+                      <a:endParaRPr lang="en-US" dirty="0"/>
+                    </a:p>
+                  </a:txBody>
+                  <a:tcPr/>
+                </a:tc>
+                <a:tc>
+                  <a:txBody>
+                    <a:bodyPr/>
+                    <a:lstStyle/>
+                    <a:p>
+                      <a:pPr algn="ctr"/>
+                      <a:r>
+                        <a:rPr lang="en-US" dirty="0"/>
+                        <a:t>0.144</a:t>
+                      </a:r>
+                    </a:p>
+                  </a:txBody>
+                  <a:tcPr/>
+                </a:tc>
+                <a:tc>
+                  <a:txBody>
+                    <a:bodyPr/>
+                    <a:lstStyle/>
+                    <a:p>
+                      <a:pPr algn="ctr"/>
+                      <a:r>
+                        <a:rPr lang="en-US" dirty="0"/>
+                        <a:t>0.5</a:t>
+                      </a:r>
+                    </a:p>
+                  </a:txBody>
+                  <a:tcPr/>
+                </a:tc>
+                <a:tc>
+                  <a:txBody>
+                    <a:bodyPr/>
+                    <a:lstStyle/>
+                    <a:p>
+                      <a:pPr algn="ctr"/>
+                      <a:r>
+                        <a:rPr lang="en-US" dirty="0"/>
+                        <a:t>0.756</a:t>
+                      </a:r>
+                    </a:p>
+                  </a:txBody>
+                  <a:tcPr/>
+                </a:tc>
+                <a:tc>
+                  <a:txBody>
+                    <a:bodyPr/>
+                    <a:lstStyle/>
+                    <a:p>
+                      <a:pPr algn="ctr"/>
+                      <a:r>
+                        <a:rPr lang="en-US" dirty="0"/>
+                        <a:t>0.906</a:t>
+                      </a:r>
+                    </a:p>
+                  </a:txBody>
+                  <a:tcPr/>
+                </a:tc>
+                <a:tc>
+                  <a:txBody>
+                    <a:bodyPr/>
+                    <a:lstStyle/>
+                    <a:p>
+                      <a:pPr algn="ctr"/>
+                      <a:r>
+                        <a:rPr lang="en-US" dirty="0"/>
+                        <a:t>0.972</a:t>
+                      </a:r>
+                    </a:p>
+                  </a:txBody>
+                  <a:tcPr/>
+                </a:tc>
+                <a:tc>
+                  <a:txBody>
+                    <a:bodyPr/>
+                    <a:lstStyle/>
+                    <a:p>
+                      <a:pPr algn="ctr"/>
+                      <a:r>
+                        <a:rPr lang="en-US" dirty="0"/>
+                        <a:t>0.988</a:t>
+                      </a:r>
+                    </a:p>
+                  </a:txBody>
+                  <a:tcPr/>
+                </a:tc>
+                <a:tc>
+                  <a:txBody>
+                    <a:bodyPr/>
+                    <a:lstStyle/>
+                    <a:p>
+                      <a:pPr algn="ctr"/>
+                      <a:r>
+                        <a:rPr lang="en-US" dirty="0"/>
+                        <a:t>0.99</a:t>
+                      </a:r>
+                    </a:p>
+                  </a:txBody>
+                  <a:tcPr/>
+                </a:tc>
+                <a:tc>
+                  <a:txBody>
+                    <a:bodyPr/>
+                    <a:lstStyle/>
+                    <a:p>
+                      <a:pPr algn="ctr"/>
+                      <a:r>
+                        <a:rPr lang="en-US" dirty="0"/>
+                        <a:t>0.986</a:t>
+                      </a:r>
+                    </a:p>
+                  </a:txBody>
+                  <a:tcPr/>
+                </a:tc>
+                <a:extLst>
+                  <a:ext uri="{0D108BD9-81ED-4DB2-BD59-A6C34878D82A}">
+                    <a16:rowId xmlns:a16="http://schemas.microsoft.com/office/drawing/2014/main" val="2134668824"/>
+                  </a:ext>
+                </a:extLst>
+              </a:tr>
+            </a:tbl>
+          </a:graphicData>
+        </a:graphic>
+      </p:graphicFrame>
+      <p:sp>
+        <p:nvSpPr>
+          <p:cNvPr id="2" name="TextBox 1">
+            <a:extLst>
+              <a:ext uri="{FF2B5EF4-FFF2-40B4-BE49-F238E27FC236}">
+                <a16:creationId xmlns:a16="http://schemas.microsoft.com/office/drawing/2014/main" id="{938CE2BB-66FD-A741-82EB-757C9E6CD1C3}"/>
+              </a:ext>
+            </a:extLst>
+          </p:cNvPr>
+          <p:cNvSpPr txBox="1"/>
+          <p:nvPr/>
+        </p:nvSpPr>
+        <p:spPr>
+          <a:xfrm>
+            <a:off x="3008026" y="359764"/>
+            <a:ext cx="6205928" cy="369332"/>
+          </a:xfrm>
+          <a:prstGeom prst="rect">
+            <a:avLst/>
+          </a:prstGeom>
+          <a:noFill/>
+        </p:spPr>
+        <p:txBody>
+          <a:bodyPr wrap="square" rtlCol="0">
+            <a:spAutoFit/>
+          </a:bodyPr>
+          <a:lstStyle/>
+          <a:p>
+            <a:pPr algn="ctr"/>
+            <a:r>
+              <a:rPr lang="en-US" dirty="0"/>
+              <a:t>Localisation Accuracy With Real Classifier (with Turns)</a:t>
+            </a:r>
+          </a:p>
+        </p:txBody>
+      </p:sp>
+      <p:graphicFrame>
+        <p:nvGraphicFramePr>
+          <p:cNvPr id="5" name="Chart 4">
+            <a:extLst>
+              <a:ext uri="{FF2B5EF4-FFF2-40B4-BE49-F238E27FC236}">
+                <a16:creationId xmlns:a16="http://schemas.microsoft.com/office/drawing/2014/main" id="{51E28301-E0BB-3446-869A-2F463D327382}"/>
+              </a:ext>
+            </a:extLst>
+          </p:cNvPr>
+          <p:cNvGraphicFramePr>
+            <a:graphicFrameLocks/>
+          </p:cNvGraphicFramePr>
+          <p:nvPr>
+            <p:extLst>
+              <p:ext uri="{D42A27DB-BD31-4B8C-83A1-F6EECF244321}">
+                <p14:modId xmlns:p14="http://schemas.microsoft.com/office/powerpoint/2010/main" val="2907737479"/>
+              </p:ext>
+            </p:extLst>
+          </p:nvPr>
+        </p:nvGraphicFramePr>
+        <p:xfrm>
+          <a:off x="1274162" y="3917332"/>
+          <a:ext cx="4676931" cy="2708319"/>
+        </p:xfrm>
+        <a:graphic>
+          <a:graphicData uri="http://schemas.openxmlformats.org/drawingml/2006/chart">
+            <c:chart xmlns:c="http://schemas.openxmlformats.org/drawingml/2006/chart" xmlns:r="http://schemas.openxmlformats.org/officeDocument/2006/relationships" r:id="rId2"/>
+          </a:graphicData>
+        </a:graphic>
+      </p:graphicFrame>
+      <p:graphicFrame>
+        <p:nvGraphicFramePr>
+          <p:cNvPr id="6" name="Chart 5">
+            <a:extLst>
+              <a:ext uri="{FF2B5EF4-FFF2-40B4-BE49-F238E27FC236}">
+                <a16:creationId xmlns:a16="http://schemas.microsoft.com/office/drawing/2014/main" id="{2F65A784-48B0-9742-B492-CA4EBE4E9C39}"/>
+              </a:ext>
+            </a:extLst>
+          </p:cNvPr>
+          <p:cNvGraphicFramePr>
+            <a:graphicFrameLocks/>
+          </p:cNvGraphicFramePr>
+          <p:nvPr>
+            <p:extLst>
+              <p:ext uri="{D42A27DB-BD31-4B8C-83A1-F6EECF244321}">
+                <p14:modId xmlns:p14="http://schemas.microsoft.com/office/powerpoint/2010/main" val="3845853533"/>
+              </p:ext>
+            </p:extLst>
+          </p:nvPr>
+        </p:nvGraphicFramePr>
+        <p:xfrm>
+          <a:off x="6145965" y="3917331"/>
+          <a:ext cx="4751882" cy="2708319"/>
+        </p:xfrm>
+        <a:graphic>
+          <a:graphicData uri="http://schemas.openxmlformats.org/drawingml/2006/chart">
+            <c:chart xmlns:c="http://schemas.openxmlformats.org/drawingml/2006/chart" xmlns:r="http://schemas.openxmlformats.org/officeDocument/2006/relationships" r:id="rId3"/>
+          </a:graphicData>
+        </a:graphic>
+      </p:graphicFrame>
+    </p:spTree>
+    <p:extLst>
+      <p:ext uri="{BB962C8B-B14F-4D97-AF65-F5344CB8AC3E}">
+        <p14:creationId xmlns:p14="http://schemas.microsoft.com/office/powerpoint/2010/main" val="1537084195"/>
+      </p:ext>
+    </p:extLst>
+  </p:cSld>
+  <p:clrMapOvr>
+    <a:masterClrMapping/>
+  </p:clrMapOvr>
+</p:sld>
+</file>
+
+<file path=ppt/slides/slide24.xml><?xml version="1.0" encoding="utf-8"?>
+<p:sld xmlns:a="http://schemas.openxmlformats.org/drawingml/2006/main" xmlns:r="http://schemas.openxmlformats.org/officeDocument/2006/relationships" xmlns:p="http://schemas.openxmlformats.org/presentationml/2006/main">
+  <p:cSld>
+    <p:spTree>
+      <p:nvGrpSpPr>
+        <p:cNvPr id="1" name=""/>
+        <p:cNvGrpSpPr/>
+        <p:nvPr/>
+      </p:nvGrpSpPr>
+      <p:grpSpPr>
+        <a:xfrm>
+          <a:off x="0" y="0"/>
+          <a:ext cx="0" cy="0"/>
+          <a:chOff x="0" y="0"/>
+          <a:chExt cx="0" cy="0"/>
+        </a:xfrm>
+      </p:grpSpPr>
+      <p:graphicFrame>
+        <p:nvGraphicFramePr>
           <p:cNvPr id="4" name="Content Placeholder 3">
             <a:extLst>
               <a:ext uri="{FF2B5EF4-FFF2-40B4-BE49-F238E27FC236}">
@@ -17403,7 +19915,7 @@
 </p:sld>
 </file>
 
-<file path=ppt/slides/slide21.xml><?xml version="1.0" encoding="utf-8"?>
+<file path=ppt/slides/slide25.xml><?xml version="1.0" encoding="utf-8"?>
 <p:sld xmlns:a="http://schemas.openxmlformats.org/drawingml/2006/main" xmlns:r="http://schemas.openxmlformats.org/officeDocument/2006/relationships" xmlns:p="http://schemas.openxmlformats.org/presentationml/2006/main">
   <p:cSld>
     <p:spTree>
@@ -17787,7 +20299,7 @@
 </p:sld>
 </file>
 
-<file path=ppt/slides/slide22.xml><?xml version="1.0" encoding="utf-8"?>
+<file path=ppt/slides/slide26.xml><?xml version="1.0" encoding="utf-8"?>
 <p:sld xmlns:a="http://schemas.openxmlformats.org/drawingml/2006/main" xmlns:r="http://schemas.openxmlformats.org/officeDocument/2006/relationships" xmlns:p="http://schemas.openxmlformats.org/presentationml/2006/main">
   <p:cSld>
     <p:spTree>
@@ -18667,36 +21179,6 @@
           </a:p>
         </p:txBody>
       </p:sp>
-      <p:pic>
-        <p:nvPicPr>
-          <p:cNvPr id="9" name="Picture 8">
-            <a:extLst>
-              <a:ext uri="{FF2B5EF4-FFF2-40B4-BE49-F238E27FC236}">
-                <a16:creationId xmlns:a16="http://schemas.microsoft.com/office/drawing/2014/main" id="{B6F0E4A6-7FF8-384E-9433-91A85923F316}"/>
-              </a:ext>
-            </a:extLst>
-          </p:cNvPr>
-          <p:cNvPicPr>
-            <a:picLocks noChangeAspect="1"/>
-          </p:cNvPicPr>
-          <p:nvPr/>
-        </p:nvPicPr>
-        <p:blipFill>
-          <a:blip r:embed="rId2"/>
-          <a:stretch>
-            <a:fillRect/>
-          </a:stretch>
-        </p:blipFill>
-        <p:spPr>
-          <a:xfrm>
-            <a:off x="1186835" y="1281836"/>
-            <a:ext cx="9992441" cy="4966830"/>
-          </a:xfrm>
-          <a:prstGeom prst="rect">
-            <a:avLst/>
-          </a:prstGeom>
-        </p:spPr>
-      </p:pic>
       <p:sp>
         <p:nvSpPr>
           <p:cNvPr id="5" name="TextBox 4">
@@ -18853,36 +21335,6 @@
           </a:p>
         </p:txBody>
       </p:sp>
-      <p:pic>
-        <p:nvPicPr>
-          <p:cNvPr id="9" name="Picture 8">
-            <a:extLst>
-              <a:ext uri="{FF2B5EF4-FFF2-40B4-BE49-F238E27FC236}">
-                <a16:creationId xmlns:a16="http://schemas.microsoft.com/office/drawing/2014/main" id="{B6F0E4A6-7FF8-384E-9433-91A85923F316}"/>
-              </a:ext>
-            </a:extLst>
-          </p:cNvPr>
-          <p:cNvPicPr>
-            <a:picLocks noChangeAspect="1"/>
-          </p:cNvPicPr>
-          <p:nvPr/>
-        </p:nvPicPr>
-        <p:blipFill>
-          <a:blip r:embed="rId2"/>
-          <a:stretch>
-            <a:fillRect/>
-          </a:stretch>
-        </p:blipFill>
-        <p:spPr>
-          <a:xfrm>
-            <a:off x="1186836" y="1281836"/>
-            <a:ext cx="9992439" cy="4966830"/>
-          </a:xfrm>
-          <a:prstGeom prst="rect">
-            <a:avLst/>
-          </a:prstGeom>
-        </p:spPr>
-      </p:pic>
       <p:sp>
         <p:nvSpPr>
           <p:cNvPr id="5" name="TextBox 4">

--- a/BSD_Figures.pptx
+++ b/BSD_Figures.pptx
@@ -5,7 +5,7 @@
     <p:sldMasterId id="2147483648" r:id="rId1"/>
   </p:sldMasterIdLst>
   <p:notesMasterIdLst>
-    <p:notesMasterId r:id="rId28"/>
+    <p:notesMasterId r:id="rId29"/>
   </p:notesMasterIdLst>
   <p:sldIdLst>
     <p:sldId id="276" r:id="rId2"/>
@@ -22,18 +22,19 @@
     <p:sldId id="279" r:id="rId13"/>
     <p:sldId id="261" r:id="rId14"/>
     <p:sldId id="260" r:id="rId15"/>
-    <p:sldId id="287" r:id="rId16"/>
-    <p:sldId id="288" r:id="rId17"/>
-    <p:sldId id="289" r:id="rId18"/>
-    <p:sldId id="290" r:id="rId19"/>
-    <p:sldId id="281" r:id="rId20"/>
-    <p:sldId id="262" r:id="rId21"/>
-    <p:sldId id="268" r:id="rId22"/>
-    <p:sldId id="280" r:id="rId23"/>
-    <p:sldId id="259" r:id="rId24"/>
-    <p:sldId id="270" r:id="rId25"/>
-    <p:sldId id="285" r:id="rId26"/>
-    <p:sldId id="286" r:id="rId27"/>
+    <p:sldId id="291" r:id="rId16"/>
+    <p:sldId id="287" r:id="rId17"/>
+    <p:sldId id="288" r:id="rId18"/>
+    <p:sldId id="289" r:id="rId19"/>
+    <p:sldId id="290" r:id="rId20"/>
+    <p:sldId id="281" r:id="rId21"/>
+    <p:sldId id="262" r:id="rId22"/>
+    <p:sldId id="268" r:id="rId23"/>
+    <p:sldId id="280" r:id="rId24"/>
+    <p:sldId id="259" r:id="rId25"/>
+    <p:sldId id="270" r:id="rId26"/>
+    <p:sldId id="285" r:id="rId27"/>
+    <p:sldId id="286" r:id="rId28"/>
   </p:sldIdLst>
   <p:sldSz cx="12192000" cy="6858000"/>
   <p:notesSz cx="6858000" cy="9144000"/>
@@ -6894,7 +6895,7 @@
           <a:p>
             <a:fld id="{85CAD2CD-9AB5-CD41-BA33-64227A212544}" type="slidenum">
               <a:rPr lang="en-US" smtClean="0"/>
-              <a:t>24</a:t>
+              <a:t>25</a:t>
             </a:fld>
             <a:endParaRPr lang="en-US"/>
           </a:p>
@@ -11706,7 +11707,7 @@
           <p:nvPr>
             <p:extLst>
               <p:ext uri="{D42A27DB-BD31-4B8C-83A1-F6EECF244321}">
-                <p14:modId xmlns:p14="http://schemas.microsoft.com/office/powerpoint/2010/main" val="3712179067"/>
+                <p14:modId xmlns:p14="http://schemas.microsoft.com/office/powerpoint/2010/main" val="219123966"/>
               </p:ext>
             </p:extLst>
           </p:nvPr>
@@ -12046,6 +12047,22 @@
                     <a:lstStyle/>
                     <a:p>
                       <a:pPr algn="ctr"/>
+                      <a:r>
+                        <a:rPr lang="en-US" dirty="0">
+                          <a:latin typeface="Times" pitchFamily="2" charset="0"/>
+                        </a:rPr>
+                        <a:t>10000</a:t>
+                      </a:r>
+                    </a:p>
+                  </a:txBody>
+                  <a:tcPr/>
+                </a:tc>
+                <a:tc hMerge="1">
+                  <a:txBody>
+                    <a:bodyPr/>
+                    <a:lstStyle/>
+                    <a:p>
+                      <a:pPr algn="ctr"/>
                       <a:endParaRPr lang="en-US" dirty="0">
                         <a:latin typeface="Times" pitchFamily="2" charset="0"/>
                       </a:endParaRPr>
@@ -12053,28 +12070,18 @@
                   </a:txBody>
                   <a:tcPr/>
                 </a:tc>
-                <a:tc hMerge="1">
-                  <a:txBody>
-                    <a:bodyPr/>
-                    <a:lstStyle/>
-                    <a:p>
-                      <a:pPr algn="ctr"/>
-                      <a:endParaRPr lang="en-US" dirty="0">
-                        <a:latin typeface="Times" pitchFamily="2" charset="0"/>
-                      </a:endParaRPr>
-                    </a:p>
-                  </a:txBody>
-                  <a:tcPr/>
-                </a:tc>
                 <a:tc gridSpan="2">
                   <a:txBody>
                     <a:bodyPr/>
                     <a:lstStyle/>
                     <a:p>
                       <a:pPr algn="ctr"/>
-                      <a:endParaRPr lang="en-US" dirty="0">
-                        <a:latin typeface="Times" pitchFamily="2" charset="0"/>
-                      </a:endParaRPr>
+                      <a:r>
+                        <a:rPr lang="en-US" dirty="0">
+                          <a:latin typeface="Times" pitchFamily="2" charset="0"/>
+                        </a:rPr>
+                        <a:t>10000</a:t>
+                      </a:r>
                     </a:p>
                   </a:txBody>
                   <a:tcPr/>
@@ -12105,9 +12112,12 @@
                     <a:lstStyle/>
                     <a:p>
                       <a:pPr algn="ctr"/>
-                      <a:endParaRPr lang="en-US" dirty="0">
-                        <a:latin typeface="Times" pitchFamily="2" charset="0"/>
-                      </a:endParaRPr>
+                      <a:r>
+                        <a:rPr lang="en-US" dirty="0">
+                          <a:latin typeface="Times" pitchFamily="2" charset="0"/>
+                        </a:rPr>
+                        <a:t>20000</a:t>
+                      </a:r>
                     </a:p>
                   </a:txBody>
                   <a:tcPr/>
@@ -12755,6 +12765,70 @@
           <a:chExt cx="0" cy="0"/>
         </a:xfrm>
       </p:grpSpPr>
+      <p:sp>
+        <p:nvSpPr>
+          <p:cNvPr id="2" name="Title 1">
+            <a:extLst>
+              <a:ext uri="{FF2B5EF4-FFF2-40B4-BE49-F238E27FC236}">
+                <a16:creationId xmlns:a16="http://schemas.microsoft.com/office/drawing/2014/main" id="{0F623538-EB60-F047-A241-4909D64BEBFE}"/>
+              </a:ext>
+            </a:extLst>
+          </p:cNvPr>
+          <p:cNvSpPr>
+            <a:spLocks noGrp="1"/>
+          </p:cNvSpPr>
+          <p:nvPr>
+            <p:ph type="title"/>
+          </p:nvPr>
+        </p:nvSpPr>
+        <p:spPr>
+          <a:xfrm>
+            <a:off x="733269" y="2598660"/>
+            <a:ext cx="10515600" cy="1325563"/>
+          </a:xfrm>
+        </p:spPr>
+        <p:txBody>
+          <a:bodyPr/>
+          <a:lstStyle/>
+          <a:p>
+            <a:pPr algn="ctr"/>
+            <a:r>
+              <a:rPr lang="en-US" dirty="0"/>
+              <a:t>Hudson River</a:t>
+            </a:r>
+          </a:p>
+        </p:txBody>
+      </p:sp>
+    </p:spTree>
+    <p:extLst>
+      <p:ext uri="{BB962C8B-B14F-4D97-AF65-F5344CB8AC3E}">
+        <p14:creationId xmlns:p14="http://schemas.microsoft.com/office/powerpoint/2010/main" val="1531531997"/>
+      </p:ext>
+    </p:extLst>
+  </p:cSld>
+  <p:clrMapOvr>
+    <a:masterClrMapping/>
+  </p:clrMapOvr>
+</p:sld>
+</file>
+
+<file path=ppt/slides/slide16.xml><?xml version="1.0" encoding="utf-8"?>
+<p:sld xmlns:a="http://schemas.openxmlformats.org/drawingml/2006/main" xmlns:r="http://schemas.openxmlformats.org/officeDocument/2006/relationships" xmlns:p="http://schemas.openxmlformats.org/presentationml/2006/main">
+  <p:cSld>
+    <p:spTree>
+      <p:nvGrpSpPr>
+        <p:cNvPr id="1" name=""/>
+        <p:cNvGrpSpPr/>
+        <p:nvPr/>
+      </p:nvGrpSpPr>
+      <p:grpSpPr>
+        <a:xfrm>
+          <a:off x="0" y="0"/>
+          <a:ext cx="0" cy="0"/>
+          <a:chOff x="0" y="0"/>
+          <a:chExt cx="0" cy="0"/>
+        </a:xfrm>
+      </p:grpSpPr>
       <p:graphicFrame>
         <p:nvGraphicFramePr>
           <p:cNvPr id="4" name="Table 3">
@@ -12770,7 +12844,7 @@
           <p:nvPr>
             <p:extLst>
               <p:ext uri="{D42A27DB-BD31-4B8C-83A1-F6EECF244321}">
-                <p14:modId xmlns:p14="http://schemas.microsoft.com/office/powerpoint/2010/main" val="3851935065"/>
+                <p14:modId xmlns:p14="http://schemas.microsoft.com/office/powerpoint/2010/main" val="1895050531"/>
               </p:ext>
             </p:extLst>
           </p:nvPr>
@@ -12843,7 +12917,10 @@
                     <a:lstStyle/>
                     <a:p>
                       <a:pPr algn="ctr"/>
-                      <a:endParaRPr lang="en-US" dirty="0"/>
+                      <a:r>
+                        <a:rPr lang="en-US" dirty="0"/>
+                        <a:t>Junction</a:t>
+                      </a:r>
                     </a:p>
                   </a:txBody>
                   <a:tcPr anchor="ctr"/>
@@ -12959,6 +13036,59 @@
                     <a:lstStyle/>
                     <a:p>
                       <a:pPr algn="ctr"/>
+                      <a:r>
+                        <a:rPr lang="en-US" dirty="0"/>
+                        <a:t>83.77%</a:t>
+                      </a:r>
+                    </a:p>
+                  </a:txBody>
+                  <a:tcPr anchor="ctr"/>
+                </a:tc>
+                <a:tc>
+                  <a:txBody>
+                    <a:bodyPr/>
+                    <a:lstStyle/>
+                    <a:p>
+                      <a:pPr algn="ctr"/>
+                      <a:endParaRPr lang="en-US" dirty="0"/>
+                    </a:p>
+                  </a:txBody>
+                  <a:tcPr anchor="ctr"/>
+                </a:tc>
+                <a:tc>
+                  <a:txBody>
+                    <a:bodyPr/>
+                    <a:lstStyle/>
+                    <a:p>
+                      <a:pPr algn="ctr"/>
+                      <a:r>
+                        <a:rPr lang="en-US" dirty="0"/>
+                        <a:t>61.659%</a:t>
+                      </a:r>
+                    </a:p>
+                  </a:txBody>
+                  <a:tcPr anchor="ctr"/>
+                </a:tc>
+                <a:tc>
+                  <a:txBody>
+                    <a:bodyPr/>
+                    <a:lstStyle/>
+                    <a:p>
+                      <a:pPr algn="ctr"/>
+                      <a:r>
+                        <a:rPr lang="en-US" dirty="0"/>
+                        <a:t>93.196%</a:t>
+                      </a:r>
+                    </a:p>
+                  </a:txBody>
+                  <a:tcPr anchor="ctr"/>
+                </a:tc>
+                <a:tc>
+                  <a:txBody>
+                    <a:bodyPr/>
+                    <a:lstStyle/>
+                    <a:p>
+                      <a:pPr algn="ctr"/>
                       <a:endParaRPr lang="en-US"/>
                     </a:p>
                   </a:txBody>
@@ -12970,51 +13100,10 @@
                     <a:lstStyle/>
                     <a:p>
                       <a:pPr algn="ctr"/>
-                      <a:endParaRPr lang="en-US" dirty="0"/>
-                    </a:p>
-                  </a:txBody>
-                  <a:tcPr anchor="ctr"/>
-                </a:tc>
-                <a:tc>
-                  <a:txBody>
-                    <a:bodyPr/>
-                    <a:lstStyle/>
-                    <a:p>
-                      <a:pPr algn="ctr"/>
-                      <a:endParaRPr lang="en-US"/>
-                    </a:p>
-                  </a:txBody>
-                  <a:tcPr anchor="ctr"/>
-                </a:tc>
-                <a:tc>
-                  <a:txBody>
-                    <a:bodyPr/>
-                    <a:lstStyle/>
-                    <a:p>
-                      <a:pPr algn="ctr"/>
-                      <a:endParaRPr lang="en-US"/>
-                    </a:p>
-                  </a:txBody>
-                  <a:tcPr anchor="ctr"/>
-                </a:tc>
-                <a:tc>
-                  <a:txBody>
-                    <a:bodyPr/>
-                    <a:lstStyle/>
-                    <a:p>
-                      <a:pPr algn="ctr"/>
-                      <a:endParaRPr lang="en-US"/>
-                    </a:p>
-                  </a:txBody>
-                  <a:tcPr anchor="ctr"/>
-                </a:tc>
-                <a:tc>
-                  <a:txBody>
-                    <a:bodyPr/>
-                    <a:lstStyle/>
-                    <a:p>
-                      <a:pPr algn="ctr"/>
-                      <a:endParaRPr lang="en-US"/>
+                      <a:r>
+                        <a:rPr lang="en-US" dirty="0"/>
+                        <a:t>0.3911</a:t>
+                      </a:r>
                     </a:p>
                   </a:txBody>
                   <a:tcPr anchor="ctr"/>
@@ -13410,7 +13499,7 @@
 </p:sld>
 </file>
 
-<file path=ppt/slides/slide16.xml><?xml version="1.0" encoding="utf-8"?>
+<file path=ppt/slides/slide17.xml><?xml version="1.0" encoding="utf-8"?>
 <p:sld xmlns:a="http://schemas.openxmlformats.org/drawingml/2006/main" xmlns:r="http://schemas.openxmlformats.org/officeDocument/2006/relationships" xmlns:p="http://schemas.openxmlformats.org/presentationml/2006/main">
   <p:cSld>
     <p:spTree>
@@ -13442,7 +13531,7 @@
           <p:nvPr>
             <p:extLst>
               <p:ext uri="{D42A27DB-BD31-4B8C-83A1-F6EECF244321}">
-                <p14:modId xmlns:p14="http://schemas.microsoft.com/office/powerpoint/2010/main" val="3079855015"/>
+                <p14:modId xmlns:p14="http://schemas.microsoft.com/office/powerpoint/2010/main" val="3990607597"/>
               </p:ext>
             </p:extLst>
           </p:nvPr>
@@ -13515,7 +13604,10 @@
                     <a:lstStyle/>
                     <a:p>
                       <a:pPr algn="ctr"/>
-                      <a:endParaRPr lang="en-US" dirty="0"/>
+                      <a:r>
+                        <a:rPr lang="en-US" dirty="0"/>
+                        <a:t>Gap</a:t>
+                      </a:r>
                     </a:p>
                   </a:txBody>
                   <a:tcPr anchor="ctr"/>
@@ -14082,7 +14174,7 @@
 </p:sld>
 </file>
 
-<file path=ppt/slides/slide17.xml><?xml version="1.0" encoding="utf-8"?>
+<file path=ppt/slides/slide18.xml><?xml version="1.0" encoding="utf-8"?>
 <p:sld xmlns:a="http://schemas.openxmlformats.org/drawingml/2006/main" xmlns:r="http://schemas.openxmlformats.org/officeDocument/2006/relationships" xmlns:p="http://schemas.openxmlformats.org/presentationml/2006/main">
   <p:cSld>
     <p:spTree>
@@ -14754,7 +14846,7 @@
 </p:sld>
 </file>
 
-<file path=ppt/slides/slide18.xml><?xml version="1.0" encoding="utf-8"?>
+<file path=ppt/slides/slide19.xml><?xml version="1.0" encoding="utf-8"?>
 <p:sld xmlns:a="http://schemas.openxmlformats.org/drawingml/2006/main" xmlns:r="http://schemas.openxmlformats.org/officeDocument/2006/relationships" xmlns:p="http://schemas.openxmlformats.org/presentationml/2006/main">
   <p:cSld>
     <p:spTree>
@@ -15417,70 +15509,6 @@
     <p:extLst>
       <p:ext uri="{BB962C8B-B14F-4D97-AF65-F5344CB8AC3E}">
         <p14:creationId xmlns:p14="http://schemas.microsoft.com/office/powerpoint/2010/main" val="2517309691"/>
-      </p:ext>
-    </p:extLst>
-  </p:cSld>
-  <p:clrMapOvr>
-    <a:masterClrMapping/>
-  </p:clrMapOvr>
-</p:sld>
-</file>
-
-<file path=ppt/slides/slide19.xml><?xml version="1.0" encoding="utf-8"?>
-<p:sld xmlns:a="http://schemas.openxmlformats.org/drawingml/2006/main" xmlns:r="http://schemas.openxmlformats.org/officeDocument/2006/relationships" xmlns:p="http://schemas.openxmlformats.org/presentationml/2006/main">
-  <p:cSld>
-    <p:spTree>
-      <p:nvGrpSpPr>
-        <p:cNvPr id="1" name=""/>
-        <p:cNvGrpSpPr/>
-        <p:nvPr/>
-      </p:nvGrpSpPr>
-      <p:grpSpPr>
-        <a:xfrm>
-          <a:off x="0" y="0"/>
-          <a:ext cx="0" cy="0"/>
-          <a:chOff x="0" y="0"/>
-          <a:chExt cx="0" cy="0"/>
-        </a:xfrm>
-      </p:grpSpPr>
-      <p:sp>
-        <p:nvSpPr>
-          <p:cNvPr id="2" name="Title 1">
-            <a:extLst>
-              <a:ext uri="{FF2B5EF4-FFF2-40B4-BE49-F238E27FC236}">
-                <a16:creationId xmlns:a16="http://schemas.microsoft.com/office/drawing/2014/main" id="{23A06C94-E642-B746-AA3A-3BABFB9B1A76}"/>
-              </a:ext>
-            </a:extLst>
-          </p:cNvPr>
-          <p:cNvSpPr>
-            <a:spLocks noGrp="1"/>
-          </p:cNvSpPr>
-          <p:nvPr>
-            <p:ph type="title"/>
-          </p:nvPr>
-        </p:nvSpPr>
-        <p:spPr>
-          <a:xfrm>
-            <a:off x="853190" y="2523710"/>
-            <a:ext cx="10515600" cy="1325563"/>
-          </a:xfrm>
-        </p:spPr>
-        <p:txBody>
-          <a:bodyPr/>
-          <a:lstStyle/>
-          <a:p>
-            <a:pPr algn="ctr"/>
-            <a:r>
-              <a:rPr lang="en-US" dirty="0"/>
-              <a:t>Classification Accuracy for Each Bit</a:t>
-            </a:r>
-          </a:p>
-        </p:txBody>
-      </p:sp>
-    </p:spTree>
-    <p:extLst>
-      <p:ext uri="{BB962C8B-B14F-4D97-AF65-F5344CB8AC3E}">
-        <p14:creationId xmlns:p14="http://schemas.microsoft.com/office/powerpoint/2010/main" val="362517366"/>
       </p:ext>
     </p:extLst>
   </p:cSld>
@@ -15706,6 +15734,70 @@
           <a:chExt cx="0" cy="0"/>
         </a:xfrm>
       </p:grpSpPr>
+      <p:sp>
+        <p:nvSpPr>
+          <p:cNvPr id="2" name="Title 1">
+            <a:extLst>
+              <a:ext uri="{FF2B5EF4-FFF2-40B4-BE49-F238E27FC236}">
+                <a16:creationId xmlns:a16="http://schemas.microsoft.com/office/drawing/2014/main" id="{23A06C94-E642-B746-AA3A-3BABFB9B1A76}"/>
+              </a:ext>
+            </a:extLst>
+          </p:cNvPr>
+          <p:cNvSpPr>
+            <a:spLocks noGrp="1"/>
+          </p:cNvSpPr>
+          <p:nvPr>
+            <p:ph type="title"/>
+          </p:nvPr>
+        </p:nvSpPr>
+        <p:spPr>
+          <a:xfrm>
+            <a:off x="853190" y="2523710"/>
+            <a:ext cx="10515600" cy="1325563"/>
+          </a:xfrm>
+        </p:spPr>
+        <p:txBody>
+          <a:bodyPr/>
+          <a:lstStyle/>
+          <a:p>
+            <a:pPr algn="ctr"/>
+            <a:r>
+              <a:rPr lang="en-US" dirty="0"/>
+              <a:t>Classification Accuracy for Each Bit</a:t>
+            </a:r>
+          </a:p>
+        </p:txBody>
+      </p:sp>
+    </p:spTree>
+    <p:extLst>
+      <p:ext uri="{BB962C8B-B14F-4D97-AF65-F5344CB8AC3E}">
+        <p14:creationId xmlns:p14="http://schemas.microsoft.com/office/powerpoint/2010/main" val="362517366"/>
+      </p:ext>
+    </p:extLst>
+  </p:cSld>
+  <p:clrMapOvr>
+    <a:masterClrMapping/>
+  </p:clrMapOvr>
+</p:sld>
+</file>
+
+<file path=ppt/slides/slide21.xml><?xml version="1.0" encoding="utf-8"?>
+<p:sld xmlns:a="http://schemas.openxmlformats.org/drawingml/2006/main" xmlns:r="http://schemas.openxmlformats.org/officeDocument/2006/relationships" xmlns:p="http://schemas.openxmlformats.org/presentationml/2006/main">
+  <p:cSld>
+    <p:spTree>
+      <p:nvGrpSpPr>
+        <p:cNvPr id="1" name=""/>
+        <p:cNvGrpSpPr/>
+        <p:nvPr/>
+      </p:nvGrpSpPr>
+      <p:grpSpPr>
+        <a:xfrm>
+          <a:off x="0" y="0"/>
+          <a:ext cx="0" cy="0"/>
+          <a:chOff x="0" y="0"/>
+          <a:chExt cx="0" cy="0"/>
+        </a:xfrm>
+      </p:grpSpPr>
       <p:graphicFrame>
         <p:nvGraphicFramePr>
           <p:cNvPr id="4" name="Table 3">
@@ -16564,7 +16656,7 @@
 </p:sld>
 </file>
 
-<file path=ppt/slides/slide21.xml><?xml version="1.0" encoding="utf-8"?>
+<file path=ppt/slides/slide22.xml><?xml version="1.0" encoding="utf-8"?>
 <p:sld xmlns:a="http://schemas.openxmlformats.org/drawingml/2006/main" xmlns:r="http://schemas.openxmlformats.org/officeDocument/2006/relationships" xmlns:p="http://schemas.openxmlformats.org/presentationml/2006/main">
   <p:cSld>
     <p:spTree>
@@ -17399,7 +17491,7 @@
 </p:sld>
 </file>
 
-<file path=ppt/slides/slide22.xml><?xml version="1.0" encoding="utf-8"?>
+<file path=ppt/slides/slide23.xml><?xml version="1.0" encoding="utf-8"?>
 <p:sld xmlns:a="http://schemas.openxmlformats.org/drawingml/2006/main" xmlns:r="http://schemas.openxmlformats.org/officeDocument/2006/relationships" xmlns:p="http://schemas.openxmlformats.org/presentationml/2006/main">
   <p:cSld>
     <p:spTree>
@@ -17463,7 +17555,7 @@
 </p:sld>
 </file>
 
-<file path=ppt/slides/slide23.xml><?xml version="1.0" encoding="utf-8"?>
+<file path=ppt/slides/slide24.xml><?xml version="1.0" encoding="utf-8"?>
 <p:sld xmlns:a="http://schemas.openxmlformats.org/drawingml/2006/main" xmlns:r="http://schemas.openxmlformats.org/officeDocument/2006/relationships" xmlns:p="http://schemas.openxmlformats.org/presentationml/2006/main">
   <p:cSld>
     <p:spTree>
@@ -18689,7 +18781,7 @@
 </p:sld>
 </file>
 
-<file path=ppt/slides/slide24.xml><?xml version="1.0" encoding="utf-8"?>
+<file path=ppt/slides/slide25.xml><?xml version="1.0" encoding="utf-8"?>
 <p:sld xmlns:a="http://schemas.openxmlformats.org/drawingml/2006/main" xmlns:r="http://schemas.openxmlformats.org/officeDocument/2006/relationships" xmlns:p="http://schemas.openxmlformats.org/presentationml/2006/main">
   <p:cSld>
     <p:spTree>
@@ -19915,7 +20007,7 @@
 </p:sld>
 </file>
 
-<file path=ppt/slides/slide25.xml><?xml version="1.0" encoding="utf-8"?>
+<file path=ppt/slides/slide26.xml><?xml version="1.0" encoding="utf-8"?>
 <p:sld xmlns:a="http://schemas.openxmlformats.org/drawingml/2006/main" xmlns:r="http://schemas.openxmlformats.org/officeDocument/2006/relationships" xmlns:p="http://schemas.openxmlformats.org/presentationml/2006/main">
   <p:cSld>
     <p:spTree>
@@ -20299,7 +20391,7 @@
 </p:sld>
 </file>
 
-<file path=ppt/slides/slide26.xml><?xml version="1.0" encoding="utf-8"?>
+<file path=ppt/slides/slide27.xml><?xml version="1.0" encoding="utf-8"?>
 <p:sld xmlns:a="http://schemas.openxmlformats.org/drawingml/2006/main" xmlns:r="http://schemas.openxmlformats.org/officeDocument/2006/relationships" xmlns:p="http://schemas.openxmlformats.org/presentationml/2006/main">
   <p:cSld>
     <p:spTree>

--- a/BSD_Figures.pptx
+++ b/BSD_Figures.pptx
@@ -5,7 +5,7 @@
     <p:sldMasterId id="2147483648" r:id="rId1"/>
   </p:sldMasterIdLst>
   <p:notesMasterIdLst>
-    <p:notesMasterId r:id="rId61"/>
+    <p:notesMasterId r:id="rId67"/>
   </p:notesMasterIdLst>
   <p:sldIdLst>
     <p:sldId id="276" r:id="rId2"/>
@@ -64,9 +64,15 @@
     <p:sldId id="281" r:id="rId55"/>
     <p:sldId id="262" r:id="rId56"/>
     <p:sldId id="268" r:id="rId57"/>
-    <p:sldId id="280" r:id="rId58"/>
-    <p:sldId id="259" r:id="rId59"/>
-    <p:sldId id="270" r:id="rId60"/>
+    <p:sldId id="327" r:id="rId58"/>
+    <p:sldId id="328" r:id="rId59"/>
+    <p:sldId id="329" r:id="rId60"/>
+    <p:sldId id="330" r:id="rId61"/>
+    <p:sldId id="331" r:id="rId62"/>
+    <p:sldId id="332" r:id="rId63"/>
+    <p:sldId id="280" r:id="rId64"/>
+    <p:sldId id="259" r:id="rId65"/>
+    <p:sldId id="270" r:id="rId66"/>
   </p:sldIdLst>
   <p:sldSz cx="12192000" cy="6858000"/>
   <p:notesSz cx="6858000" cy="9144000"/>
@@ -6595,7 +6601,7 @@
           <a:p>
             <a:fld id="{96F659EB-4D8A-254E-A6E4-E7898AF261B2}" type="datetimeFigureOut">
               <a:rPr lang="en-US" smtClean="0"/>
-              <a:t>5/5/20</a:t>
+              <a:t>5/7/20</a:t>
             </a:fld>
             <a:endParaRPr lang="en-US"/>
           </a:p>
@@ -6927,7 +6933,7 @@
           <a:p>
             <a:fld id="{85CAD2CD-9AB5-CD41-BA33-64227A212544}" type="slidenum">
               <a:rPr lang="en-US" smtClean="0"/>
-              <a:t>59</a:t>
+              <a:t>65</a:t>
             </a:fld>
             <a:endParaRPr lang="en-US"/>
           </a:p>
@@ -7093,7 +7099,7 @@
           <a:p>
             <a:fld id="{7170159B-58A5-B047-8735-1AFBA8D9403D}" type="datetimeFigureOut">
               <a:rPr lang="en-US" smtClean="0"/>
-              <a:t>5/5/20</a:t>
+              <a:t>5/7/20</a:t>
             </a:fld>
             <a:endParaRPr lang="en-US"/>
           </a:p>
@@ -7291,7 +7297,7 @@
           <a:p>
             <a:fld id="{7170159B-58A5-B047-8735-1AFBA8D9403D}" type="datetimeFigureOut">
               <a:rPr lang="en-US" smtClean="0"/>
-              <a:t>5/5/20</a:t>
+              <a:t>5/7/20</a:t>
             </a:fld>
             <a:endParaRPr lang="en-US"/>
           </a:p>
@@ -7499,7 +7505,7 @@
           <a:p>
             <a:fld id="{7170159B-58A5-B047-8735-1AFBA8D9403D}" type="datetimeFigureOut">
               <a:rPr lang="en-US" smtClean="0"/>
-              <a:t>5/5/20</a:t>
+              <a:t>5/7/20</a:t>
             </a:fld>
             <a:endParaRPr lang="en-US"/>
           </a:p>
@@ -7697,7 +7703,7 @@
           <a:p>
             <a:fld id="{7170159B-58A5-B047-8735-1AFBA8D9403D}" type="datetimeFigureOut">
               <a:rPr lang="en-US" smtClean="0"/>
-              <a:t>5/5/20</a:t>
+              <a:t>5/7/20</a:t>
             </a:fld>
             <a:endParaRPr lang="en-US"/>
           </a:p>
@@ -7972,7 +7978,7 @@
           <a:p>
             <a:fld id="{7170159B-58A5-B047-8735-1AFBA8D9403D}" type="datetimeFigureOut">
               <a:rPr lang="en-US" smtClean="0"/>
-              <a:t>5/5/20</a:t>
+              <a:t>5/7/20</a:t>
             </a:fld>
             <a:endParaRPr lang="en-US"/>
           </a:p>
@@ -8237,7 +8243,7 @@
           <a:p>
             <a:fld id="{7170159B-58A5-B047-8735-1AFBA8D9403D}" type="datetimeFigureOut">
               <a:rPr lang="en-US" smtClean="0"/>
-              <a:t>5/5/20</a:t>
+              <a:t>5/7/20</a:t>
             </a:fld>
             <a:endParaRPr lang="en-US"/>
           </a:p>
@@ -8649,7 +8655,7 @@
           <a:p>
             <a:fld id="{7170159B-58A5-B047-8735-1AFBA8D9403D}" type="datetimeFigureOut">
               <a:rPr lang="en-US" smtClean="0"/>
-              <a:t>5/5/20</a:t>
+              <a:t>5/7/20</a:t>
             </a:fld>
             <a:endParaRPr lang="en-US"/>
           </a:p>
@@ -8790,7 +8796,7 @@
           <a:p>
             <a:fld id="{7170159B-58A5-B047-8735-1AFBA8D9403D}" type="datetimeFigureOut">
               <a:rPr lang="en-US" smtClean="0"/>
-              <a:t>5/5/20</a:t>
+              <a:t>5/7/20</a:t>
             </a:fld>
             <a:endParaRPr lang="en-US"/>
           </a:p>
@@ -8903,7 +8909,7 @@
           <a:p>
             <a:fld id="{7170159B-58A5-B047-8735-1AFBA8D9403D}" type="datetimeFigureOut">
               <a:rPr lang="en-US" smtClean="0"/>
-              <a:t>5/5/20</a:t>
+              <a:t>5/7/20</a:t>
             </a:fld>
             <a:endParaRPr lang="en-US"/>
           </a:p>
@@ -9214,7 +9220,7 @@
           <a:p>
             <a:fld id="{7170159B-58A5-B047-8735-1AFBA8D9403D}" type="datetimeFigureOut">
               <a:rPr lang="en-US" smtClean="0"/>
-              <a:t>5/5/20</a:t>
+              <a:t>5/7/20</a:t>
             </a:fld>
             <a:endParaRPr lang="en-US"/>
           </a:p>
@@ -9502,7 +9508,7 @@
           <a:p>
             <a:fld id="{7170159B-58A5-B047-8735-1AFBA8D9403D}" type="datetimeFigureOut">
               <a:rPr lang="en-US" smtClean="0"/>
-              <a:t>5/5/20</a:t>
+              <a:t>5/7/20</a:t>
             </a:fld>
             <a:endParaRPr lang="en-US"/>
           </a:p>
@@ -9743,7 +9749,7 @@
           <a:p>
             <a:fld id="{7170159B-58A5-B047-8735-1AFBA8D9403D}" type="datetimeFigureOut">
               <a:rPr lang="en-US" smtClean="0"/>
-              <a:t>5/5/20</a:t>
+              <a:t>5/7/20</a:t>
             </a:fld>
             <a:endParaRPr lang="en-US"/>
           </a:p>
@@ -27336,6 +27342,4944 @@
           <p:cNvPr id="2" name="Title 1">
             <a:extLst>
               <a:ext uri="{FF2B5EF4-FFF2-40B4-BE49-F238E27FC236}">
+                <a16:creationId xmlns:a16="http://schemas.microsoft.com/office/drawing/2014/main" id="{63165E14-17D6-624B-8061-850821D3AEA4}"/>
+              </a:ext>
+            </a:extLst>
+          </p:cNvPr>
+          <p:cNvSpPr>
+            <a:spLocks noGrp="1"/>
+          </p:cNvSpPr>
+          <p:nvPr>
+            <p:ph type="title"/>
+          </p:nvPr>
+        </p:nvSpPr>
+        <p:spPr>
+          <a:xfrm>
+            <a:off x="868180" y="2583669"/>
+            <a:ext cx="10515600" cy="1325563"/>
+          </a:xfrm>
+        </p:spPr>
+        <p:txBody>
+          <a:bodyPr/>
+          <a:lstStyle/>
+          <a:p>
+            <a:pPr algn="ctr"/>
+            <a:r>
+              <a:rPr lang="zh-CN" altLang="en-US" dirty="0"/>
+              <a:t> </a:t>
+            </a:r>
+            <a:r>
+              <a:rPr lang="en-US" altLang="zh-CN" dirty="0"/>
+              <a:t>Bit Flipping v2</a:t>
+            </a:r>
+            <a:endParaRPr lang="en-US" dirty="0"/>
+          </a:p>
+        </p:txBody>
+      </p:sp>
+    </p:spTree>
+    <p:extLst>
+      <p:ext uri="{BB962C8B-B14F-4D97-AF65-F5344CB8AC3E}">
+        <p14:creationId xmlns:p14="http://schemas.microsoft.com/office/powerpoint/2010/main" val="2516668019"/>
+      </p:ext>
+    </p:extLst>
+  </p:cSld>
+  <p:clrMapOvr>
+    <a:masterClrMapping/>
+  </p:clrMapOvr>
+</p:sld>
+</file>
+
+<file path=ppt/slides/slide58.xml><?xml version="1.0" encoding="utf-8"?>
+<p:sld xmlns:a="http://schemas.openxmlformats.org/drawingml/2006/main" xmlns:r="http://schemas.openxmlformats.org/officeDocument/2006/relationships" xmlns:p="http://schemas.openxmlformats.org/presentationml/2006/main">
+  <p:cSld>
+    <p:spTree>
+      <p:nvGrpSpPr>
+        <p:cNvPr id="1" name=""/>
+        <p:cNvGrpSpPr/>
+        <p:nvPr/>
+      </p:nvGrpSpPr>
+      <p:grpSpPr>
+        <a:xfrm>
+          <a:off x="0" y="0"/>
+          <a:ext cx="0" cy="0"/>
+          <a:chOff x="0" y="0"/>
+          <a:chExt cx="0" cy="0"/>
+        </a:xfrm>
+      </p:grpSpPr>
+      <p:graphicFrame>
+        <p:nvGraphicFramePr>
+          <p:cNvPr id="4" name="Table 3">
+            <a:extLst>
+              <a:ext uri="{FF2B5EF4-FFF2-40B4-BE49-F238E27FC236}">
+                <a16:creationId xmlns:a16="http://schemas.microsoft.com/office/drawing/2014/main" id="{FBAA35C3-A355-1E45-A6CC-19311FAD9C7F}"/>
+              </a:ext>
+            </a:extLst>
+          </p:cNvPr>
+          <p:cNvGraphicFramePr>
+            <a:graphicFrameLocks noGrp="1"/>
+          </p:cNvGraphicFramePr>
+          <p:nvPr>
+            <p:extLst>
+              <p:ext uri="{D42A27DB-BD31-4B8C-83A1-F6EECF244321}">
+                <p14:modId xmlns:p14="http://schemas.microsoft.com/office/powerpoint/2010/main" val="1981794565"/>
+              </p:ext>
+            </p:extLst>
+          </p:nvPr>
+        </p:nvGraphicFramePr>
+        <p:xfrm>
+          <a:off x="1170038" y="1873907"/>
+          <a:ext cx="9792930" cy="3221364"/>
+        </p:xfrm>
+        <a:graphic>
+          <a:graphicData uri="http://schemas.openxmlformats.org/drawingml/2006/table">
+            <a:tbl>
+              <a:tblPr firstRow="1" bandRow="1">
+                <a:tableStyleId>{616DA210-FB5B-4158-B5E0-FEB733F419BA}</a:tableStyleId>
+              </a:tblPr>
+              <a:tblGrid>
+                <a:gridCol w="1632155">
+                  <a:extLst>
+                    <a:ext uri="{9D8B030D-6E8A-4147-A177-3AD203B41FA5}">
+                      <a16:colId xmlns:a16="http://schemas.microsoft.com/office/drawing/2014/main" val="2097733843"/>
+                    </a:ext>
+                  </a:extLst>
+                </a:gridCol>
+                <a:gridCol w="1632155">
+                  <a:extLst>
+                    <a:ext uri="{9D8B030D-6E8A-4147-A177-3AD203B41FA5}">
+                      <a16:colId xmlns:a16="http://schemas.microsoft.com/office/drawing/2014/main" val="577254002"/>
+                    </a:ext>
+                  </a:extLst>
+                </a:gridCol>
+                <a:gridCol w="1632155">
+                  <a:extLst>
+                    <a:ext uri="{9D8B030D-6E8A-4147-A177-3AD203B41FA5}">
+                      <a16:colId xmlns:a16="http://schemas.microsoft.com/office/drawing/2014/main" val="4105159091"/>
+                    </a:ext>
+                  </a:extLst>
+                </a:gridCol>
+                <a:gridCol w="1632155">
+                  <a:extLst>
+                    <a:ext uri="{9D8B030D-6E8A-4147-A177-3AD203B41FA5}">
+                      <a16:colId xmlns:a16="http://schemas.microsoft.com/office/drawing/2014/main" val="1904174288"/>
+                    </a:ext>
+                  </a:extLst>
+                </a:gridCol>
+                <a:gridCol w="1632155">
+                  <a:extLst>
+                    <a:ext uri="{9D8B030D-6E8A-4147-A177-3AD203B41FA5}">
+                      <a16:colId xmlns:a16="http://schemas.microsoft.com/office/drawing/2014/main" val="3930154999"/>
+                    </a:ext>
+                  </a:extLst>
+                </a:gridCol>
+                <a:gridCol w="1632155">
+                  <a:extLst>
+                    <a:ext uri="{9D8B030D-6E8A-4147-A177-3AD203B41FA5}">
+                      <a16:colId xmlns:a16="http://schemas.microsoft.com/office/drawing/2014/main" val="373465387"/>
+                    </a:ext>
+                  </a:extLst>
+                </a:gridCol>
+              </a:tblGrid>
+              <a:tr h="900584">
+                <a:tc>
+                  <a:txBody>
+                    <a:bodyPr/>
+                    <a:lstStyle/>
+                    <a:p>
+                      <a:pPr algn="ctr"/>
+                      <a:endParaRPr lang="en-US" dirty="0">
+                        <a:latin typeface="Times" pitchFamily="2" charset="0"/>
+                      </a:endParaRPr>
+                    </a:p>
+                  </a:txBody>
+                  <a:tcPr anchor="ctr"/>
+                </a:tc>
+                <a:tc>
+                  <a:txBody>
+                    <a:bodyPr/>
+                    <a:lstStyle/>
+                    <a:p>
+                      <a:pPr algn="ctr"/>
+                      <a:endParaRPr lang="en-US" dirty="0">
+                        <a:latin typeface="Times" pitchFamily="2" charset="0"/>
+                      </a:endParaRPr>
+                    </a:p>
+                  </a:txBody>
+                  <a:tcPr anchor="ctr"/>
+                </a:tc>
+                <a:tc>
+                  <a:txBody>
+                    <a:bodyPr/>
+                    <a:lstStyle/>
+                    <a:p>
+                      <a:pPr algn="ctr"/>
+                      <a:r>
+                        <a:rPr lang="en-US" dirty="0"/>
+                        <a:t>Bit 1</a:t>
+                      </a:r>
+                      <a:endParaRPr lang="en-US" dirty="0">
+                        <a:latin typeface="Times" pitchFamily="2" charset="0"/>
+                      </a:endParaRPr>
+                    </a:p>
+                  </a:txBody>
+                  <a:tcPr anchor="ctr"/>
+                </a:tc>
+                <a:tc>
+                  <a:txBody>
+                    <a:bodyPr/>
+                    <a:lstStyle/>
+                    <a:p>
+                      <a:pPr marL="0" marR="0" lvl="0" indent="0" algn="ctr" defTabSz="914400" rtl="0" eaLnBrk="1" fontAlgn="auto" latinLnBrk="0" hangingPunct="1">
+                        <a:lnSpc>
+                          <a:spcPct val="100000"/>
+                        </a:lnSpc>
+                        <a:spcBef>
+                          <a:spcPts val="0"/>
+                        </a:spcBef>
+                        <a:spcAft>
+                          <a:spcPts val="0"/>
+                        </a:spcAft>
+                        <a:buClrTx/>
+                        <a:buSzTx/>
+                        <a:buFontTx/>
+                        <a:buNone/>
+                        <a:tabLst/>
+                        <a:defRPr/>
+                      </a:pPr>
+                      <a:endParaRPr lang="en-US" dirty="0"/>
+                    </a:p>
+                    <a:p>
+                      <a:pPr algn="ctr"/>
+                      <a:r>
+                        <a:rPr lang="en-US" dirty="0"/>
+                        <a:t>Bit 2</a:t>
+                      </a:r>
+                    </a:p>
+                    <a:p>
+                      <a:pPr algn="ctr"/>
+                      <a:endParaRPr lang="en-US" dirty="0">
+                        <a:latin typeface="Times" pitchFamily="2" charset="0"/>
+                      </a:endParaRPr>
+                    </a:p>
+                  </a:txBody>
+                  <a:tcPr anchor="ctr"/>
+                </a:tc>
+                <a:tc>
+                  <a:txBody>
+                    <a:bodyPr/>
+                    <a:lstStyle/>
+                    <a:p>
+                      <a:pPr marL="0" marR="0" lvl="0" indent="0" algn="ctr" defTabSz="914400" rtl="0" eaLnBrk="1" fontAlgn="auto" latinLnBrk="0" hangingPunct="1">
+                        <a:lnSpc>
+                          <a:spcPct val="100000"/>
+                        </a:lnSpc>
+                        <a:spcBef>
+                          <a:spcPts val="0"/>
+                        </a:spcBef>
+                        <a:spcAft>
+                          <a:spcPts val="0"/>
+                        </a:spcAft>
+                        <a:buClrTx/>
+                        <a:buSzTx/>
+                        <a:buFontTx/>
+                        <a:buNone/>
+                        <a:tabLst/>
+                        <a:defRPr/>
+                      </a:pPr>
+                      <a:r>
+                        <a:rPr lang="en-US" dirty="0"/>
+                        <a:t>Bit 3</a:t>
+                      </a:r>
+                      <a:endParaRPr lang="en-US" dirty="0">
+                        <a:latin typeface="Times" pitchFamily="2" charset="0"/>
+                      </a:endParaRPr>
+                    </a:p>
+                  </a:txBody>
+                  <a:tcPr anchor="ctr"/>
+                </a:tc>
+                <a:tc>
+                  <a:txBody>
+                    <a:bodyPr/>
+                    <a:lstStyle/>
+                    <a:p>
+                      <a:pPr marL="0" marR="0" lvl="0" indent="0" algn="ctr" defTabSz="914400" rtl="0" eaLnBrk="1" fontAlgn="auto" latinLnBrk="0" hangingPunct="1">
+                        <a:lnSpc>
+                          <a:spcPct val="100000"/>
+                        </a:lnSpc>
+                        <a:spcBef>
+                          <a:spcPts val="0"/>
+                        </a:spcBef>
+                        <a:spcAft>
+                          <a:spcPts val="0"/>
+                        </a:spcAft>
+                        <a:buClrTx/>
+                        <a:buSzTx/>
+                        <a:buFontTx/>
+                        <a:buNone/>
+                        <a:tabLst/>
+                        <a:defRPr/>
+                      </a:pPr>
+                      <a:endParaRPr lang="en-US" dirty="0"/>
+                    </a:p>
+                    <a:p>
+                      <a:pPr algn="ctr"/>
+                      <a:r>
+                        <a:rPr lang="en-US" dirty="0"/>
+                        <a:t>Bit 4</a:t>
+                      </a:r>
+                    </a:p>
+                    <a:p>
+                      <a:pPr algn="ctr"/>
+                      <a:endParaRPr lang="en-US" dirty="0">
+                        <a:latin typeface="Times" pitchFamily="2" charset="0"/>
+                      </a:endParaRPr>
+                    </a:p>
+                  </a:txBody>
+                  <a:tcPr anchor="ctr"/>
+                </a:tc>
+                <a:extLst>
+                  <a:ext uri="{0D108BD9-81ED-4DB2-BD59-A6C34878D82A}">
+                    <a16:rowId xmlns:a16="http://schemas.microsoft.com/office/drawing/2014/main" val="2145746761"/>
+                  </a:ext>
+                </a:extLst>
+              </a:tr>
+              <a:tr h="384494">
+                <a:tc rowSpan="2">
+                  <a:txBody>
+                    <a:bodyPr/>
+                    <a:lstStyle/>
+                    <a:p>
+                      <a:pPr algn="ctr"/>
+                      <a:r>
+                        <a:rPr lang="en-US" altLang="zh-CN" dirty="0">
+                          <a:latin typeface="Times" pitchFamily="2" charset="0"/>
+                        </a:rPr>
+                        <a:t>Wall Street</a:t>
+                      </a:r>
+                      <a:endParaRPr lang="en-US" dirty="0">
+                        <a:latin typeface="Times" pitchFamily="2" charset="0"/>
+                      </a:endParaRPr>
+                    </a:p>
+                  </a:txBody>
+                  <a:tcPr anchor="ctr"/>
+                </a:tc>
+                <a:tc>
+                  <a:txBody>
+                    <a:bodyPr/>
+                    <a:lstStyle/>
+                    <a:p>
+                      <a:pPr algn="ctr"/>
+                      <a:r>
+                        <a:rPr lang="en-US" altLang="zh-CN" sz="1800" b="1" kern="1200" dirty="0">
+                          <a:solidFill>
+                            <a:schemeClr val="tx1"/>
+                          </a:solidFill>
+                          <a:latin typeface="+mn-lt"/>
+                          <a:ea typeface="+mn-ea"/>
+                          <a:cs typeface="+mn-cs"/>
+                        </a:rPr>
+                        <a:t>Whole</a:t>
+                      </a:r>
+                      <a:r>
+                        <a:rPr lang="zh-CN" altLang="en-US" sz="1800" b="1" kern="1200" dirty="0">
+                          <a:solidFill>
+                            <a:schemeClr val="tx1"/>
+                          </a:solidFill>
+                          <a:latin typeface="+mn-lt"/>
+                          <a:ea typeface="+mn-ea"/>
+                          <a:cs typeface="+mn-cs"/>
+                        </a:rPr>
+                        <a:t> </a:t>
+                      </a:r>
+                      <a:r>
+                        <a:rPr lang="en-US" altLang="zh-CN" sz="1800" b="1" kern="1200" dirty="0">
+                          <a:solidFill>
+                            <a:schemeClr val="tx1"/>
+                          </a:solidFill>
+                          <a:latin typeface="+mn-lt"/>
+                          <a:ea typeface="+mn-ea"/>
+                          <a:cs typeface="+mn-cs"/>
+                        </a:rPr>
+                        <a:t>area</a:t>
+                      </a:r>
+                      <a:endParaRPr lang="en-US" dirty="0">
+                        <a:latin typeface="Times" pitchFamily="2" charset="0"/>
+                      </a:endParaRPr>
+                    </a:p>
+                  </a:txBody>
+                  <a:tcPr/>
+                </a:tc>
+                <a:tc>
+                  <a:txBody>
+                    <a:bodyPr/>
+                    <a:lstStyle/>
+                    <a:p>
+                      <a:pPr algn="ctr"/>
+                      <a:r>
+                        <a:rPr lang="en-US" altLang="zh-CN" sz="1800" kern="1200" dirty="0">
+                          <a:solidFill>
+                            <a:schemeClr val="tx1"/>
+                          </a:solidFill>
+                          <a:latin typeface="Times" pitchFamily="2" charset="0"/>
+                          <a:ea typeface="+mn-ea"/>
+                          <a:cs typeface="+mn-cs"/>
+                        </a:rPr>
+                        <a:t>72.06%</a:t>
+                      </a:r>
+                      <a:endParaRPr lang="en-US" sz="1800" kern="1200" dirty="0">
+                        <a:solidFill>
+                          <a:schemeClr val="tx1"/>
+                        </a:solidFill>
+                        <a:latin typeface="Times" pitchFamily="2" charset="0"/>
+                        <a:ea typeface="+mn-ea"/>
+                        <a:cs typeface="+mn-cs"/>
+                      </a:endParaRPr>
+                    </a:p>
+                  </a:txBody>
+                  <a:tcPr/>
+                </a:tc>
+                <a:tc>
+                  <a:txBody>
+                    <a:bodyPr/>
+                    <a:lstStyle/>
+                    <a:p>
+                      <a:pPr algn="ctr"/>
+                      <a:r>
+                        <a:rPr lang="en-US" altLang="zh-CN" sz="1800" kern="1200" dirty="0">
+                          <a:solidFill>
+                            <a:schemeClr val="tx1"/>
+                          </a:solidFill>
+                          <a:latin typeface="Times" pitchFamily="2" charset="0"/>
+                          <a:ea typeface="+mn-ea"/>
+                          <a:cs typeface="+mn-cs"/>
+                        </a:rPr>
+                        <a:t>80.56%</a:t>
+                      </a:r>
+                      <a:endParaRPr lang="en-US" sz="1800" kern="1200" dirty="0">
+                        <a:solidFill>
+                          <a:schemeClr val="tx1"/>
+                        </a:solidFill>
+                        <a:latin typeface="Times" pitchFamily="2" charset="0"/>
+                        <a:ea typeface="+mn-ea"/>
+                        <a:cs typeface="+mn-cs"/>
+                      </a:endParaRPr>
+                    </a:p>
+                  </a:txBody>
+                  <a:tcPr/>
+                </a:tc>
+                <a:tc>
+                  <a:txBody>
+                    <a:bodyPr/>
+                    <a:lstStyle/>
+                    <a:p>
+                      <a:pPr algn="ctr"/>
+                      <a:r>
+                        <a:rPr lang="en-US" altLang="zh-CN" sz="1800" kern="1200" dirty="0">
+                          <a:solidFill>
+                            <a:schemeClr val="tx1"/>
+                          </a:solidFill>
+                          <a:latin typeface="Times" pitchFamily="2" charset="0"/>
+                          <a:ea typeface="+mn-ea"/>
+                          <a:cs typeface="+mn-cs"/>
+                        </a:rPr>
+                        <a:t>70.54%</a:t>
+                      </a:r>
+                      <a:endParaRPr lang="en-US" sz="1800" kern="1200" dirty="0">
+                        <a:solidFill>
+                          <a:schemeClr val="tx1"/>
+                        </a:solidFill>
+                        <a:latin typeface="Times" pitchFamily="2" charset="0"/>
+                        <a:ea typeface="+mn-ea"/>
+                        <a:cs typeface="+mn-cs"/>
+                      </a:endParaRPr>
+                    </a:p>
+                  </a:txBody>
+                  <a:tcPr/>
+                </a:tc>
+                <a:tc>
+                  <a:txBody>
+                    <a:bodyPr/>
+                    <a:lstStyle/>
+                    <a:p>
+                      <a:pPr algn="ctr"/>
+                      <a:r>
+                        <a:rPr lang="en-US" altLang="zh-CN" sz="1800" kern="1200" dirty="0">
+                          <a:solidFill>
+                            <a:schemeClr val="tx1"/>
+                          </a:solidFill>
+                          <a:latin typeface="Times" pitchFamily="2" charset="0"/>
+                          <a:ea typeface="+mn-ea"/>
+                          <a:cs typeface="+mn-cs"/>
+                        </a:rPr>
+                        <a:t>81.82%</a:t>
+                      </a:r>
+                      <a:endParaRPr lang="en-US" sz="1800" kern="1200" dirty="0">
+                        <a:solidFill>
+                          <a:schemeClr val="tx1"/>
+                        </a:solidFill>
+                        <a:latin typeface="Times" pitchFamily="2" charset="0"/>
+                        <a:ea typeface="+mn-ea"/>
+                        <a:cs typeface="+mn-cs"/>
+                      </a:endParaRPr>
+                    </a:p>
+                  </a:txBody>
+                  <a:tcPr/>
+                </a:tc>
+                <a:extLst>
+                  <a:ext uri="{0D108BD9-81ED-4DB2-BD59-A6C34878D82A}">
+                    <a16:rowId xmlns:a16="http://schemas.microsoft.com/office/drawing/2014/main" val="267636452"/>
+                  </a:ext>
+                </a:extLst>
+              </a:tr>
+              <a:tr h="384494">
+                <a:tc vMerge="1">
+                  <a:txBody>
+                    <a:bodyPr/>
+                    <a:lstStyle/>
+                    <a:p>
+                      <a:pPr marL="0" marR="0" lvl="0" indent="0" algn="ctr" defTabSz="914400" rtl="0" eaLnBrk="1" fontAlgn="auto" latinLnBrk="0" hangingPunct="1">
+                        <a:lnSpc>
+                          <a:spcPct val="100000"/>
+                        </a:lnSpc>
+                        <a:spcBef>
+                          <a:spcPts val="0"/>
+                        </a:spcBef>
+                        <a:spcAft>
+                          <a:spcPts val="0"/>
+                        </a:spcAft>
+                        <a:buClrTx/>
+                        <a:buSzTx/>
+                        <a:buFontTx/>
+                        <a:buNone/>
+                        <a:tabLst/>
+                        <a:defRPr/>
+                      </a:pPr>
+                      <a:endParaRPr lang="en-US" sz="1800" b="1" kern="1200" dirty="0">
+                        <a:solidFill>
+                          <a:schemeClr val="tx1"/>
+                        </a:solidFill>
+                        <a:latin typeface="+mn-lt"/>
+                        <a:ea typeface="+mn-ea"/>
+                        <a:cs typeface="+mn-cs"/>
+                      </a:endParaRPr>
+                    </a:p>
+                  </a:txBody>
+                  <a:tcPr/>
+                </a:tc>
+                <a:tc>
+                  <a:txBody>
+                    <a:bodyPr/>
+                    <a:lstStyle/>
+                    <a:p>
+                      <a:pPr marL="0" marR="0" lvl="0" indent="0" algn="ctr" defTabSz="914400" rtl="0" eaLnBrk="1" fontAlgn="auto" latinLnBrk="0" hangingPunct="1">
+                        <a:lnSpc>
+                          <a:spcPct val="100000"/>
+                        </a:lnSpc>
+                        <a:spcBef>
+                          <a:spcPts val="0"/>
+                        </a:spcBef>
+                        <a:spcAft>
+                          <a:spcPts val="0"/>
+                        </a:spcAft>
+                        <a:buClrTx/>
+                        <a:buSzTx/>
+                        <a:buFontTx/>
+                        <a:buNone/>
+                        <a:tabLst/>
+                        <a:defRPr/>
+                      </a:pPr>
+                      <a:r>
+                        <a:rPr lang="zh-CN" altLang="en-US" sz="1800" b="1" kern="1200" dirty="0">
+                          <a:solidFill>
+                            <a:schemeClr val="tx1"/>
+                          </a:solidFill>
+                          <a:latin typeface="+mn-lt"/>
+                          <a:ea typeface="+mn-ea"/>
+                          <a:cs typeface="+mn-cs"/>
+                        </a:rPr>
+                        <a:t> </a:t>
+                      </a:r>
+                      <a:r>
+                        <a:rPr lang="en-US" altLang="zh-CN" sz="1800" b="1" kern="1200" dirty="0">
+                          <a:solidFill>
+                            <a:schemeClr val="tx1"/>
+                          </a:solidFill>
+                          <a:latin typeface="+mn-lt"/>
+                          <a:ea typeface="+mn-ea"/>
+                          <a:cs typeface="+mn-cs"/>
+                        </a:rPr>
+                        <a:t>test routes</a:t>
+                      </a:r>
+                      <a:endParaRPr lang="en-US" sz="1800" b="1" kern="1200" dirty="0">
+                        <a:solidFill>
+                          <a:schemeClr val="tx1"/>
+                        </a:solidFill>
+                        <a:latin typeface="+mn-lt"/>
+                        <a:ea typeface="+mn-ea"/>
+                        <a:cs typeface="+mn-cs"/>
+                      </a:endParaRPr>
+                    </a:p>
+                  </a:txBody>
+                  <a:tcPr/>
+                </a:tc>
+                <a:tc>
+                  <a:txBody>
+                    <a:bodyPr/>
+                    <a:lstStyle/>
+                    <a:p>
+                      <a:pPr algn="ctr"/>
+                      <a:endParaRPr lang="en-US" sz="1800" kern="1200" dirty="0">
+                        <a:solidFill>
+                          <a:schemeClr val="tx1"/>
+                        </a:solidFill>
+                        <a:latin typeface="Times" pitchFamily="2" charset="0"/>
+                        <a:ea typeface="+mn-ea"/>
+                        <a:cs typeface="+mn-cs"/>
+                      </a:endParaRPr>
+                    </a:p>
+                  </a:txBody>
+                  <a:tcPr/>
+                </a:tc>
+                <a:tc>
+                  <a:txBody>
+                    <a:bodyPr/>
+                    <a:lstStyle/>
+                    <a:p>
+                      <a:pPr algn="ctr"/>
+                      <a:endParaRPr lang="en-US" sz="1800" kern="1200" dirty="0">
+                        <a:solidFill>
+                          <a:schemeClr val="tx1"/>
+                        </a:solidFill>
+                        <a:latin typeface="Times" pitchFamily="2" charset="0"/>
+                        <a:ea typeface="+mn-ea"/>
+                        <a:cs typeface="+mn-cs"/>
+                      </a:endParaRPr>
+                    </a:p>
+                  </a:txBody>
+                  <a:tcPr/>
+                </a:tc>
+                <a:tc>
+                  <a:txBody>
+                    <a:bodyPr/>
+                    <a:lstStyle/>
+                    <a:p>
+                      <a:pPr algn="ctr"/>
+                      <a:endParaRPr lang="en-US" sz="1800" kern="1200" dirty="0">
+                        <a:solidFill>
+                          <a:schemeClr val="tx1"/>
+                        </a:solidFill>
+                        <a:latin typeface="Times" pitchFamily="2" charset="0"/>
+                        <a:ea typeface="+mn-ea"/>
+                        <a:cs typeface="+mn-cs"/>
+                      </a:endParaRPr>
+                    </a:p>
+                  </a:txBody>
+                  <a:tcPr/>
+                </a:tc>
+                <a:tc>
+                  <a:txBody>
+                    <a:bodyPr/>
+                    <a:lstStyle/>
+                    <a:p>
+                      <a:pPr algn="ctr"/>
+                      <a:endParaRPr lang="en-US" sz="1800" kern="1200" dirty="0">
+                        <a:solidFill>
+                          <a:schemeClr val="tx1"/>
+                        </a:solidFill>
+                        <a:latin typeface="Times" pitchFamily="2" charset="0"/>
+                        <a:ea typeface="+mn-ea"/>
+                        <a:cs typeface="+mn-cs"/>
+                      </a:endParaRPr>
+                    </a:p>
+                  </a:txBody>
+                  <a:tcPr/>
+                </a:tc>
+                <a:extLst>
+                  <a:ext uri="{0D108BD9-81ED-4DB2-BD59-A6C34878D82A}">
+                    <a16:rowId xmlns:a16="http://schemas.microsoft.com/office/drawing/2014/main" val="3934113938"/>
+                  </a:ext>
+                </a:extLst>
+              </a:tr>
+              <a:tr h="384494">
+                <a:tc rowSpan="2">
+                  <a:txBody>
+                    <a:bodyPr/>
+                    <a:lstStyle/>
+                    <a:p>
+                      <a:pPr algn="ctr"/>
+                      <a:r>
+                        <a:rPr lang="en-US" altLang="zh-CN" dirty="0">
+                          <a:latin typeface="Times" pitchFamily="2" charset="0"/>
+                        </a:rPr>
+                        <a:t>Union Square</a:t>
+                      </a:r>
+                      <a:endParaRPr lang="en-US" dirty="0">
+                        <a:latin typeface="Times" pitchFamily="2" charset="0"/>
+                      </a:endParaRPr>
+                    </a:p>
+                  </a:txBody>
+                  <a:tcPr anchor="ctr"/>
+                </a:tc>
+                <a:tc>
+                  <a:txBody>
+                    <a:bodyPr/>
+                    <a:lstStyle/>
+                    <a:p>
+                      <a:pPr algn="ctr"/>
+                      <a:r>
+                        <a:rPr lang="en-US" altLang="zh-CN" sz="1800" b="1" kern="1200" dirty="0">
+                          <a:solidFill>
+                            <a:schemeClr val="tx1"/>
+                          </a:solidFill>
+                          <a:latin typeface="+mn-lt"/>
+                          <a:ea typeface="+mn-ea"/>
+                          <a:cs typeface="+mn-cs"/>
+                        </a:rPr>
+                        <a:t>Whole</a:t>
+                      </a:r>
+                      <a:r>
+                        <a:rPr lang="zh-CN" altLang="en-US" sz="1800" b="1" kern="1200" dirty="0">
+                          <a:solidFill>
+                            <a:schemeClr val="tx1"/>
+                          </a:solidFill>
+                          <a:latin typeface="+mn-lt"/>
+                          <a:ea typeface="+mn-ea"/>
+                          <a:cs typeface="+mn-cs"/>
+                        </a:rPr>
+                        <a:t> </a:t>
+                      </a:r>
+                      <a:r>
+                        <a:rPr lang="en-US" altLang="zh-CN" sz="1800" b="1" kern="1200" dirty="0">
+                          <a:solidFill>
+                            <a:schemeClr val="tx1"/>
+                          </a:solidFill>
+                          <a:latin typeface="+mn-lt"/>
+                          <a:ea typeface="+mn-ea"/>
+                          <a:cs typeface="+mn-cs"/>
+                        </a:rPr>
+                        <a:t>area</a:t>
+                      </a:r>
+                      <a:endParaRPr lang="en-US" dirty="0">
+                        <a:latin typeface="Times" pitchFamily="2" charset="0"/>
+                      </a:endParaRPr>
+                    </a:p>
+                  </a:txBody>
+                  <a:tcPr/>
+                </a:tc>
+                <a:tc>
+                  <a:txBody>
+                    <a:bodyPr/>
+                    <a:lstStyle/>
+                    <a:p>
+                      <a:pPr algn="ctr"/>
+                      <a:r>
+                        <a:rPr lang="en-US" altLang="zh-CN" dirty="0">
+                          <a:latin typeface="Times" pitchFamily="2" charset="0"/>
+                        </a:rPr>
+                        <a:t>81.5%</a:t>
+                      </a:r>
+                      <a:endParaRPr lang="en-US" dirty="0">
+                        <a:latin typeface="Times" pitchFamily="2" charset="0"/>
+                      </a:endParaRPr>
+                    </a:p>
+                  </a:txBody>
+                  <a:tcPr/>
+                </a:tc>
+                <a:tc>
+                  <a:txBody>
+                    <a:bodyPr/>
+                    <a:lstStyle/>
+                    <a:p>
+                      <a:pPr algn="ctr"/>
+                      <a:r>
+                        <a:rPr lang="en-US" altLang="zh-CN" dirty="0">
+                          <a:latin typeface="Times" pitchFamily="2" charset="0"/>
+                        </a:rPr>
+                        <a:t>86.2%</a:t>
+                      </a:r>
+                      <a:endParaRPr lang="en-US" dirty="0">
+                        <a:latin typeface="Times" pitchFamily="2" charset="0"/>
+                      </a:endParaRPr>
+                    </a:p>
+                  </a:txBody>
+                  <a:tcPr/>
+                </a:tc>
+                <a:tc>
+                  <a:txBody>
+                    <a:bodyPr/>
+                    <a:lstStyle/>
+                    <a:p>
+                      <a:pPr algn="ctr"/>
+                      <a:r>
+                        <a:rPr lang="en-US" altLang="zh-CN" dirty="0">
+                          <a:latin typeface="Times" pitchFamily="2" charset="0"/>
+                        </a:rPr>
+                        <a:t>82.2%</a:t>
+                      </a:r>
+                      <a:endParaRPr lang="en-US" dirty="0">
+                        <a:latin typeface="Times" pitchFamily="2" charset="0"/>
+                      </a:endParaRPr>
+                    </a:p>
+                  </a:txBody>
+                  <a:tcPr/>
+                </a:tc>
+                <a:tc>
+                  <a:txBody>
+                    <a:bodyPr/>
+                    <a:lstStyle/>
+                    <a:p>
+                      <a:pPr algn="ctr"/>
+                      <a:r>
+                        <a:rPr lang="en-US" altLang="zh-CN" dirty="0">
+                          <a:latin typeface="Times" pitchFamily="2" charset="0"/>
+                        </a:rPr>
+                        <a:t>86.58%</a:t>
+                      </a:r>
+                      <a:endParaRPr lang="en-US" dirty="0">
+                        <a:latin typeface="Times" pitchFamily="2" charset="0"/>
+                      </a:endParaRPr>
+                    </a:p>
+                  </a:txBody>
+                  <a:tcPr/>
+                </a:tc>
+                <a:extLst>
+                  <a:ext uri="{0D108BD9-81ED-4DB2-BD59-A6C34878D82A}">
+                    <a16:rowId xmlns:a16="http://schemas.microsoft.com/office/drawing/2014/main" val="827348748"/>
+                  </a:ext>
+                </a:extLst>
+              </a:tr>
+              <a:tr h="384494">
+                <a:tc vMerge="1">
+                  <a:txBody>
+                    <a:bodyPr/>
+                    <a:lstStyle/>
+                    <a:p>
+                      <a:pPr marL="0" marR="0" lvl="0" indent="0" algn="ctr" defTabSz="914400" rtl="0" eaLnBrk="1" fontAlgn="auto" latinLnBrk="0" hangingPunct="1">
+                        <a:lnSpc>
+                          <a:spcPct val="100000"/>
+                        </a:lnSpc>
+                        <a:spcBef>
+                          <a:spcPts val="0"/>
+                        </a:spcBef>
+                        <a:spcAft>
+                          <a:spcPts val="0"/>
+                        </a:spcAft>
+                        <a:buClrTx/>
+                        <a:buSzTx/>
+                        <a:buFontTx/>
+                        <a:buNone/>
+                        <a:tabLst/>
+                        <a:defRPr/>
+                      </a:pPr>
+                      <a:endParaRPr lang="en-US" sz="1800" b="1" kern="1200" dirty="0">
+                        <a:solidFill>
+                          <a:schemeClr val="tx1"/>
+                        </a:solidFill>
+                        <a:latin typeface="+mn-lt"/>
+                        <a:ea typeface="+mn-ea"/>
+                        <a:cs typeface="+mn-cs"/>
+                      </a:endParaRPr>
+                    </a:p>
+                  </a:txBody>
+                  <a:tcPr/>
+                </a:tc>
+                <a:tc>
+                  <a:txBody>
+                    <a:bodyPr/>
+                    <a:lstStyle/>
+                    <a:p>
+                      <a:pPr marL="0" marR="0" lvl="0" indent="0" algn="ctr" defTabSz="914400" rtl="0" eaLnBrk="1" fontAlgn="auto" latinLnBrk="0" hangingPunct="1">
+                        <a:lnSpc>
+                          <a:spcPct val="100000"/>
+                        </a:lnSpc>
+                        <a:spcBef>
+                          <a:spcPts val="0"/>
+                        </a:spcBef>
+                        <a:spcAft>
+                          <a:spcPts val="0"/>
+                        </a:spcAft>
+                        <a:buClrTx/>
+                        <a:buSzTx/>
+                        <a:buFontTx/>
+                        <a:buNone/>
+                        <a:tabLst/>
+                        <a:defRPr/>
+                      </a:pPr>
+                      <a:r>
+                        <a:rPr lang="zh-CN" altLang="en-US" sz="1800" b="1" kern="1200" dirty="0">
+                          <a:solidFill>
+                            <a:schemeClr val="tx1"/>
+                          </a:solidFill>
+                          <a:latin typeface="+mn-lt"/>
+                          <a:ea typeface="+mn-ea"/>
+                          <a:cs typeface="+mn-cs"/>
+                        </a:rPr>
+                        <a:t> </a:t>
+                      </a:r>
+                      <a:r>
+                        <a:rPr lang="en-US" altLang="zh-CN" sz="1800" b="1" kern="1200" dirty="0">
+                          <a:solidFill>
+                            <a:schemeClr val="tx1"/>
+                          </a:solidFill>
+                          <a:latin typeface="+mn-lt"/>
+                          <a:ea typeface="+mn-ea"/>
+                          <a:cs typeface="+mn-cs"/>
+                        </a:rPr>
+                        <a:t>test routes</a:t>
+                      </a:r>
+                      <a:endParaRPr lang="en-US" sz="1800" b="1" kern="1200" dirty="0">
+                        <a:solidFill>
+                          <a:schemeClr val="tx1"/>
+                        </a:solidFill>
+                        <a:latin typeface="+mn-lt"/>
+                        <a:ea typeface="+mn-ea"/>
+                        <a:cs typeface="+mn-cs"/>
+                      </a:endParaRPr>
+                    </a:p>
+                  </a:txBody>
+                  <a:tcPr/>
+                </a:tc>
+                <a:tc>
+                  <a:txBody>
+                    <a:bodyPr/>
+                    <a:lstStyle/>
+                    <a:p>
+                      <a:pPr algn="ctr"/>
+                      <a:endParaRPr lang="en-US" dirty="0">
+                        <a:latin typeface="Times" pitchFamily="2" charset="0"/>
+                      </a:endParaRPr>
+                    </a:p>
+                  </a:txBody>
+                  <a:tcPr/>
+                </a:tc>
+                <a:tc>
+                  <a:txBody>
+                    <a:bodyPr/>
+                    <a:lstStyle/>
+                    <a:p>
+                      <a:pPr algn="ctr"/>
+                      <a:endParaRPr lang="en-US" dirty="0">
+                        <a:latin typeface="Times" pitchFamily="2" charset="0"/>
+                      </a:endParaRPr>
+                    </a:p>
+                  </a:txBody>
+                  <a:tcPr/>
+                </a:tc>
+                <a:tc>
+                  <a:txBody>
+                    <a:bodyPr/>
+                    <a:lstStyle/>
+                    <a:p>
+                      <a:pPr algn="ctr"/>
+                      <a:endParaRPr lang="en-US" dirty="0">
+                        <a:latin typeface="Times" pitchFamily="2" charset="0"/>
+                      </a:endParaRPr>
+                    </a:p>
+                  </a:txBody>
+                  <a:tcPr/>
+                </a:tc>
+                <a:tc>
+                  <a:txBody>
+                    <a:bodyPr/>
+                    <a:lstStyle/>
+                    <a:p>
+                      <a:pPr algn="ctr"/>
+                      <a:endParaRPr lang="en-US" dirty="0">
+                        <a:latin typeface="Times" pitchFamily="2" charset="0"/>
+                      </a:endParaRPr>
+                    </a:p>
+                  </a:txBody>
+                  <a:tcPr/>
+                </a:tc>
+                <a:extLst>
+                  <a:ext uri="{0D108BD9-81ED-4DB2-BD59-A6C34878D82A}">
+                    <a16:rowId xmlns:a16="http://schemas.microsoft.com/office/drawing/2014/main" val="1207095232"/>
+                  </a:ext>
+                </a:extLst>
+              </a:tr>
+              <a:tr h="384494">
+                <a:tc rowSpan="2">
+                  <a:txBody>
+                    <a:bodyPr/>
+                    <a:lstStyle/>
+                    <a:p>
+                      <a:pPr algn="ctr"/>
+                      <a:r>
+                        <a:rPr lang="en-US" dirty="0">
+                          <a:latin typeface="Times" pitchFamily="2" charset="0"/>
+                        </a:rPr>
+                        <a:t>Hudson River</a:t>
+                      </a:r>
+                    </a:p>
+                  </a:txBody>
+                  <a:tcPr anchor="ctr"/>
+                </a:tc>
+                <a:tc>
+                  <a:txBody>
+                    <a:bodyPr/>
+                    <a:lstStyle/>
+                    <a:p>
+                      <a:pPr algn="ctr"/>
+                      <a:r>
+                        <a:rPr lang="en-US" altLang="zh-CN" sz="1800" b="1" kern="1200" dirty="0">
+                          <a:solidFill>
+                            <a:schemeClr val="tx1"/>
+                          </a:solidFill>
+                          <a:latin typeface="+mn-lt"/>
+                          <a:ea typeface="+mn-ea"/>
+                          <a:cs typeface="+mn-cs"/>
+                        </a:rPr>
+                        <a:t>Whole</a:t>
+                      </a:r>
+                      <a:r>
+                        <a:rPr lang="zh-CN" altLang="en-US" sz="1800" b="1" kern="1200" dirty="0">
+                          <a:solidFill>
+                            <a:schemeClr val="tx1"/>
+                          </a:solidFill>
+                          <a:latin typeface="+mn-lt"/>
+                          <a:ea typeface="+mn-ea"/>
+                          <a:cs typeface="+mn-cs"/>
+                        </a:rPr>
+                        <a:t> </a:t>
+                      </a:r>
+                      <a:r>
+                        <a:rPr lang="en-US" altLang="zh-CN" sz="1800" b="1" kern="1200" dirty="0">
+                          <a:solidFill>
+                            <a:schemeClr val="tx1"/>
+                          </a:solidFill>
+                          <a:latin typeface="+mn-lt"/>
+                          <a:ea typeface="+mn-ea"/>
+                          <a:cs typeface="+mn-cs"/>
+                        </a:rPr>
+                        <a:t>area</a:t>
+                      </a:r>
+                      <a:endParaRPr lang="en-US" dirty="0">
+                        <a:latin typeface="Times" pitchFamily="2" charset="0"/>
+                      </a:endParaRPr>
+                    </a:p>
+                  </a:txBody>
+                  <a:tcPr/>
+                </a:tc>
+                <a:tc>
+                  <a:txBody>
+                    <a:bodyPr/>
+                    <a:lstStyle/>
+                    <a:p>
+                      <a:pPr algn="ctr"/>
+                      <a:endParaRPr lang="en-US" dirty="0">
+                        <a:latin typeface="Times" pitchFamily="2" charset="0"/>
+                      </a:endParaRPr>
+                    </a:p>
+                  </a:txBody>
+                  <a:tcPr/>
+                </a:tc>
+                <a:tc>
+                  <a:txBody>
+                    <a:bodyPr/>
+                    <a:lstStyle/>
+                    <a:p>
+                      <a:pPr algn="ctr"/>
+                      <a:endParaRPr lang="en-US" dirty="0">
+                        <a:latin typeface="Times" pitchFamily="2" charset="0"/>
+                      </a:endParaRPr>
+                    </a:p>
+                  </a:txBody>
+                  <a:tcPr/>
+                </a:tc>
+                <a:tc>
+                  <a:txBody>
+                    <a:bodyPr/>
+                    <a:lstStyle/>
+                    <a:p>
+                      <a:pPr algn="ctr"/>
+                      <a:endParaRPr lang="en-US" dirty="0">
+                        <a:latin typeface="Times" pitchFamily="2" charset="0"/>
+                      </a:endParaRPr>
+                    </a:p>
+                  </a:txBody>
+                  <a:tcPr/>
+                </a:tc>
+                <a:tc>
+                  <a:txBody>
+                    <a:bodyPr/>
+                    <a:lstStyle/>
+                    <a:p>
+                      <a:pPr algn="ctr"/>
+                      <a:endParaRPr lang="en-US" dirty="0">
+                        <a:latin typeface="Times" pitchFamily="2" charset="0"/>
+                      </a:endParaRPr>
+                    </a:p>
+                  </a:txBody>
+                  <a:tcPr/>
+                </a:tc>
+                <a:extLst>
+                  <a:ext uri="{0D108BD9-81ED-4DB2-BD59-A6C34878D82A}">
+                    <a16:rowId xmlns:a16="http://schemas.microsoft.com/office/drawing/2014/main" val="4103627438"/>
+                  </a:ext>
+                </a:extLst>
+              </a:tr>
+              <a:tr h="384494">
+                <a:tc vMerge="1">
+                  <a:txBody>
+                    <a:bodyPr/>
+                    <a:lstStyle/>
+                    <a:p>
+                      <a:pPr algn="ctr"/>
+                      <a:endParaRPr lang="en-US" dirty="0">
+                        <a:latin typeface="Times" pitchFamily="2" charset="0"/>
+                      </a:endParaRPr>
+                    </a:p>
+                  </a:txBody>
+                  <a:tcPr anchor="ctr"/>
+                </a:tc>
+                <a:tc>
+                  <a:txBody>
+                    <a:bodyPr/>
+                    <a:lstStyle/>
+                    <a:p>
+                      <a:pPr marL="0" marR="0" lvl="0" indent="0" algn="ctr" defTabSz="914400" rtl="0" eaLnBrk="1" fontAlgn="auto" latinLnBrk="0" hangingPunct="1">
+                        <a:lnSpc>
+                          <a:spcPct val="100000"/>
+                        </a:lnSpc>
+                        <a:spcBef>
+                          <a:spcPts val="0"/>
+                        </a:spcBef>
+                        <a:spcAft>
+                          <a:spcPts val="0"/>
+                        </a:spcAft>
+                        <a:buClrTx/>
+                        <a:buSzTx/>
+                        <a:buFontTx/>
+                        <a:buNone/>
+                        <a:tabLst/>
+                        <a:defRPr/>
+                      </a:pPr>
+                      <a:r>
+                        <a:rPr lang="zh-CN" altLang="en-US" sz="1800" b="1" kern="1200" dirty="0">
+                          <a:solidFill>
+                            <a:schemeClr val="tx1"/>
+                          </a:solidFill>
+                          <a:latin typeface="+mn-lt"/>
+                          <a:ea typeface="+mn-ea"/>
+                          <a:cs typeface="+mn-cs"/>
+                        </a:rPr>
+                        <a:t> </a:t>
+                      </a:r>
+                      <a:r>
+                        <a:rPr lang="en-US" altLang="zh-CN" sz="1800" b="1" kern="1200" dirty="0">
+                          <a:solidFill>
+                            <a:schemeClr val="tx1"/>
+                          </a:solidFill>
+                          <a:latin typeface="+mn-lt"/>
+                          <a:ea typeface="+mn-ea"/>
+                          <a:cs typeface="+mn-cs"/>
+                        </a:rPr>
+                        <a:t>test routes</a:t>
+                      </a:r>
+                      <a:endParaRPr lang="en-US" sz="1800" b="1" kern="1200" dirty="0">
+                        <a:solidFill>
+                          <a:schemeClr val="tx1"/>
+                        </a:solidFill>
+                        <a:latin typeface="+mn-lt"/>
+                        <a:ea typeface="+mn-ea"/>
+                        <a:cs typeface="+mn-cs"/>
+                      </a:endParaRPr>
+                    </a:p>
+                  </a:txBody>
+                  <a:tcPr/>
+                </a:tc>
+                <a:tc>
+                  <a:txBody>
+                    <a:bodyPr/>
+                    <a:lstStyle/>
+                    <a:p>
+                      <a:pPr algn="ctr"/>
+                      <a:endParaRPr lang="en-US" dirty="0">
+                        <a:latin typeface="Times" pitchFamily="2" charset="0"/>
+                      </a:endParaRPr>
+                    </a:p>
+                  </a:txBody>
+                  <a:tcPr/>
+                </a:tc>
+                <a:tc>
+                  <a:txBody>
+                    <a:bodyPr/>
+                    <a:lstStyle/>
+                    <a:p>
+                      <a:pPr algn="ctr"/>
+                      <a:endParaRPr lang="en-US" dirty="0">
+                        <a:latin typeface="Times" pitchFamily="2" charset="0"/>
+                      </a:endParaRPr>
+                    </a:p>
+                  </a:txBody>
+                  <a:tcPr/>
+                </a:tc>
+                <a:tc>
+                  <a:txBody>
+                    <a:bodyPr/>
+                    <a:lstStyle/>
+                    <a:p>
+                      <a:pPr algn="ctr"/>
+                      <a:endParaRPr lang="en-US" dirty="0">
+                        <a:latin typeface="Times" pitchFamily="2" charset="0"/>
+                      </a:endParaRPr>
+                    </a:p>
+                  </a:txBody>
+                  <a:tcPr/>
+                </a:tc>
+                <a:tc>
+                  <a:txBody>
+                    <a:bodyPr/>
+                    <a:lstStyle/>
+                    <a:p>
+                      <a:pPr algn="ctr"/>
+                      <a:endParaRPr lang="en-US" dirty="0">
+                        <a:latin typeface="Times" pitchFamily="2" charset="0"/>
+                      </a:endParaRPr>
+                    </a:p>
+                  </a:txBody>
+                  <a:tcPr/>
+                </a:tc>
+                <a:extLst>
+                  <a:ext uri="{0D108BD9-81ED-4DB2-BD59-A6C34878D82A}">
+                    <a16:rowId xmlns:a16="http://schemas.microsoft.com/office/drawing/2014/main" val="720484347"/>
+                  </a:ext>
+                </a:extLst>
+              </a:tr>
+            </a:tbl>
+          </a:graphicData>
+        </a:graphic>
+      </p:graphicFrame>
+      <p:sp>
+        <p:nvSpPr>
+          <p:cNvPr id="7" name="TextBox 6">
+            <a:extLst>
+              <a:ext uri="{FF2B5EF4-FFF2-40B4-BE49-F238E27FC236}">
+                <a16:creationId xmlns:a16="http://schemas.microsoft.com/office/drawing/2014/main" id="{ACA35AA7-8132-EC4C-8F68-871D62F3483C}"/>
+              </a:ext>
+            </a:extLst>
+          </p:cNvPr>
+          <p:cNvSpPr txBox="1"/>
+          <p:nvPr/>
+        </p:nvSpPr>
+        <p:spPr>
+          <a:xfrm>
+            <a:off x="4038600" y="909550"/>
+            <a:ext cx="4055806" cy="400110"/>
+          </a:xfrm>
+          <a:prstGeom prst="rect">
+            <a:avLst/>
+          </a:prstGeom>
+          <a:noFill/>
+        </p:spPr>
+        <p:txBody>
+          <a:bodyPr wrap="square" rtlCol="0">
+            <a:spAutoFit/>
+          </a:bodyPr>
+          <a:lstStyle/>
+          <a:p>
+            <a:pPr algn="ctr"/>
+            <a:r>
+              <a:rPr lang="en-US" sz="2000" b="1" dirty="0">
+                <a:latin typeface="Times" pitchFamily="2" charset="0"/>
+              </a:rPr>
+              <a:t>Statistic accuracy for each bit</a:t>
+            </a:r>
+          </a:p>
+        </p:txBody>
+      </p:sp>
+    </p:spTree>
+    <p:extLst>
+      <p:ext uri="{BB962C8B-B14F-4D97-AF65-F5344CB8AC3E}">
+        <p14:creationId xmlns:p14="http://schemas.microsoft.com/office/powerpoint/2010/main" val="2508920749"/>
+      </p:ext>
+    </p:extLst>
+  </p:cSld>
+  <p:clrMapOvr>
+    <a:masterClrMapping/>
+  </p:clrMapOvr>
+</p:sld>
+</file>
+
+<file path=ppt/slides/slide59.xml><?xml version="1.0" encoding="utf-8"?>
+<p:sld xmlns:a="http://schemas.openxmlformats.org/drawingml/2006/main" xmlns:r="http://schemas.openxmlformats.org/officeDocument/2006/relationships" xmlns:p="http://schemas.openxmlformats.org/presentationml/2006/main">
+  <p:cSld>
+    <p:spTree>
+      <p:nvGrpSpPr>
+        <p:cNvPr id="1" name=""/>
+        <p:cNvGrpSpPr/>
+        <p:nvPr/>
+      </p:nvGrpSpPr>
+      <p:grpSpPr>
+        <a:xfrm>
+          <a:off x="0" y="0"/>
+          <a:ext cx="0" cy="0"/>
+          <a:chOff x="0" y="0"/>
+          <a:chExt cx="0" cy="0"/>
+        </a:xfrm>
+      </p:grpSpPr>
+      <p:graphicFrame>
+        <p:nvGraphicFramePr>
+          <p:cNvPr id="6" name="Table 5">
+            <a:extLst>
+              <a:ext uri="{FF2B5EF4-FFF2-40B4-BE49-F238E27FC236}">
+                <a16:creationId xmlns:a16="http://schemas.microsoft.com/office/drawing/2014/main" id="{82B10131-45F2-944F-AFCB-541B11C81E95}"/>
+              </a:ext>
+            </a:extLst>
+          </p:cNvPr>
+          <p:cNvGraphicFramePr>
+            <a:graphicFrameLocks noGrp="1"/>
+          </p:cNvGraphicFramePr>
+          <p:nvPr>
+            <p:extLst>
+              <p:ext uri="{D42A27DB-BD31-4B8C-83A1-F6EECF244321}">
+                <p14:modId xmlns:p14="http://schemas.microsoft.com/office/powerpoint/2010/main" val="1773838444"/>
+              </p:ext>
+            </p:extLst>
+          </p:nvPr>
+        </p:nvGraphicFramePr>
+        <p:xfrm>
+          <a:off x="1472421" y="2024130"/>
+          <a:ext cx="9368046" cy="3267396"/>
+        </p:xfrm>
+        <a:graphic>
+          <a:graphicData uri="http://schemas.openxmlformats.org/drawingml/2006/table">
+            <a:tbl>
+              <a:tblPr firstRow="1" bandRow="1">
+                <a:tableStyleId>{BC89EF96-8CEA-46FF-86C4-4CE0E7609802}</a:tableStyleId>
+              </a:tblPr>
+              <a:tblGrid>
+                <a:gridCol w="1561341">
+                  <a:extLst>
+                    <a:ext uri="{9D8B030D-6E8A-4147-A177-3AD203B41FA5}">
+                      <a16:colId xmlns:a16="http://schemas.microsoft.com/office/drawing/2014/main" val="3085117936"/>
+                    </a:ext>
+                  </a:extLst>
+                </a:gridCol>
+                <a:gridCol w="1561341">
+                  <a:extLst>
+                    <a:ext uri="{9D8B030D-6E8A-4147-A177-3AD203B41FA5}">
+                      <a16:colId xmlns:a16="http://schemas.microsoft.com/office/drawing/2014/main" val="2717273049"/>
+                    </a:ext>
+                  </a:extLst>
+                </a:gridCol>
+                <a:gridCol w="1561341">
+                  <a:extLst>
+                    <a:ext uri="{9D8B030D-6E8A-4147-A177-3AD203B41FA5}">
+                      <a16:colId xmlns:a16="http://schemas.microsoft.com/office/drawing/2014/main" val="4105159091"/>
+                    </a:ext>
+                  </a:extLst>
+                </a:gridCol>
+                <a:gridCol w="1561341">
+                  <a:extLst>
+                    <a:ext uri="{9D8B030D-6E8A-4147-A177-3AD203B41FA5}">
+                      <a16:colId xmlns:a16="http://schemas.microsoft.com/office/drawing/2014/main" val="1904174288"/>
+                    </a:ext>
+                  </a:extLst>
+                </a:gridCol>
+                <a:gridCol w="1561341">
+                  <a:extLst>
+                    <a:ext uri="{9D8B030D-6E8A-4147-A177-3AD203B41FA5}">
+                      <a16:colId xmlns:a16="http://schemas.microsoft.com/office/drawing/2014/main" val="3930154999"/>
+                    </a:ext>
+                  </a:extLst>
+                </a:gridCol>
+                <a:gridCol w="1561341">
+                  <a:extLst>
+                    <a:ext uri="{9D8B030D-6E8A-4147-A177-3AD203B41FA5}">
+                      <a16:colId xmlns:a16="http://schemas.microsoft.com/office/drawing/2014/main" val="373465387"/>
+                    </a:ext>
+                  </a:extLst>
+                </a:gridCol>
+              </a:tblGrid>
+              <a:tr h="917388">
+                <a:tc>
+                  <a:txBody>
+                    <a:bodyPr/>
+                    <a:lstStyle/>
+                    <a:p>
+                      <a:pPr algn="ctr"/>
+                      <a:endParaRPr lang="en-US" dirty="0">
+                        <a:latin typeface="Times" pitchFamily="2" charset="0"/>
+                      </a:endParaRPr>
+                    </a:p>
+                  </a:txBody>
+                  <a:tcPr anchor="ctr"/>
+                </a:tc>
+                <a:tc>
+                  <a:txBody>
+                    <a:bodyPr/>
+                    <a:lstStyle/>
+                    <a:p>
+                      <a:pPr algn="ctr"/>
+                      <a:endParaRPr lang="en-US" dirty="0">
+                        <a:latin typeface="Times" pitchFamily="2" charset="0"/>
+                      </a:endParaRPr>
+                    </a:p>
+                  </a:txBody>
+                  <a:tcPr anchor="ctr"/>
+                </a:tc>
+                <a:tc>
+                  <a:txBody>
+                    <a:bodyPr/>
+                    <a:lstStyle/>
+                    <a:p>
+                      <a:pPr algn="ctr"/>
+                      <a:r>
+                        <a:rPr lang="en-US" dirty="0">
+                          <a:latin typeface="Times" pitchFamily="2" charset="0"/>
+                        </a:rPr>
+                        <a:t>junction</a:t>
+                      </a:r>
+                    </a:p>
+                  </a:txBody>
+                  <a:tcPr anchor="ctr"/>
+                </a:tc>
+                <a:tc>
+                  <a:txBody>
+                    <a:bodyPr/>
+                    <a:lstStyle/>
+                    <a:p>
+                      <a:pPr algn="ctr"/>
+                      <a:r>
+                        <a:rPr lang="en-US" dirty="0" err="1">
+                          <a:latin typeface="Times" pitchFamily="2" charset="0"/>
+                        </a:rPr>
+                        <a:t>Non_junction</a:t>
+                      </a:r>
+                      <a:endParaRPr lang="en-US" dirty="0">
+                        <a:latin typeface="Times" pitchFamily="2" charset="0"/>
+                      </a:endParaRPr>
+                    </a:p>
+                  </a:txBody>
+                  <a:tcPr anchor="ctr"/>
+                </a:tc>
+                <a:tc>
+                  <a:txBody>
+                    <a:bodyPr/>
+                    <a:lstStyle/>
+                    <a:p>
+                      <a:pPr marL="0" marR="0" lvl="0" indent="0" algn="ctr" defTabSz="914400" rtl="0" eaLnBrk="1" fontAlgn="auto" latinLnBrk="0" hangingPunct="1">
+                        <a:lnSpc>
+                          <a:spcPct val="100000"/>
+                        </a:lnSpc>
+                        <a:spcBef>
+                          <a:spcPts val="0"/>
+                        </a:spcBef>
+                        <a:spcAft>
+                          <a:spcPts val="0"/>
+                        </a:spcAft>
+                        <a:buClrTx/>
+                        <a:buSzTx/>
+                        <a:buFontTx/>
+                        <a:buNone/>
+                        <a:tabLst/>
+                        <a:defRPr/>
+                      </a:pPr>
+                      <a:r>
+                        <a:rPr lang="en-US" dirty="0">
+                          <a:latin typeface="Times" pitchFamily="2" charset="0"/>
+                        </a:rPr>
+                        <a:t>gap</a:t>
+                      </a:r>
+                    </a:p>
+                  </a:txBody>
+                  <a:tcPr anchor="ctr"/>
+                </a:tc>
+                <a:tc>
+                  <a:txBody>
+                    <a:bodyPr/>
+                    <a:lstStyle/>
+                    <a:p>
+                      <a:pPr algn="ctr"/>
+                      <a:r>
+                        <a:rPr lang="en-US" dirty="0" err="1">
+                          <a:latin typeface="Times" pitchFamily="2" charset="0"/>
+                        </a:rPr>
+                        <a:t>Non_gap</a:t>
+                      </a:r>
+                      <a:endParaRPr lang="en-US" dirty="0">
+                        <a:latin typeface="Times" pitchFamily="2" charset="0"/>
+                      </a:endParaRPr>
+                    </a:p>
+                  </a:txBody>
+                  <a:tcPr anchor="ctr"/>
+                </a:tc>
+                <a:extLst>
+                  <a:ext uri="{0D108BD9-81ED-4DB2-BD59-A6C34878D82A}">
+                    <a16:rowId xmlns:a16="http://schemas.microsoft.com/office/drawing/2014/main" val="2145746761"/>
+                  </a:ext>
+                </a:extLst>
+              </a:tr>
+              <a:tr h="391668">
+                <a:tc rowSpan="2">
+                  <a:txBody>
+                    <a:bodyPr/>
+                    <a:lstStyle/>
+                    <a:p>
+                      <a:pPr algn="ctr"/>
+                      <a:r>
+                        <a:rPr lang="en-US" altLang="zh-CN" dirty="0">
+                          <a:latin typeface="Times" pitchFamily="2" charset="0"/>
+                        </a:rPr>
+                        <a:t>Wall Street</a:t>
+                      </a:r>
+                      <a:endParaRPr lang="en-US" dirty="0">
+                        <a:latin typeface="Times" pitchFamily="2" charset="0"/>
+                      </a:endParaRPr>
+                    </a:p>
+                  </a:txBody>
+                  <a:tcPr anchor="ctr"/>
+                </a:tc>
+                <a:tc>
+                  <a:txBody>
+                    <a:bodyPr/>
+                    <a:lstStyle/>
+                    <a:p>
+                      <a:pPr algn="ctr"/>
+                      <a:r>
+                        <a:rPr lang="en-US" altLang="zh-CN" sz="1800" b="1" kern="1200" dirty="0">
+                          <a:solidFill>
+                            <a:schemeClr val="tx1"/>
+                          </a:solidFill>
+                          <a:latin typeface="+mn-lt"/>
+                          <a:ea typeface="+mn-ea"/>
+                          <a:cs typeface="+mn-cs"/>
+                        </a:rPr>
+                        <a:t>Whole</a:t>
+                      </a:r>
+                      <a:r>
+                        <a:rPr lang="zh-CN" altLang="en-US" sz="1800" b="1" kern="1200" dirty="0">
+                          <a:solidFill>
+                            <a:schemeClr val="tx1"/>
+                          </a:solidFill>
+                          <a:latin typeface="+mn-lt"/>
+                          <a:ea typeface="+mn-ea"/>
+                          <a:cs typeface="+mn-cs"/>
+                        </a:rPr>
+                        <a:t> </a:t>
+                      </a:r>
+                      <a:r>
+                        <a:rPr lang="en-US" altLang="zh-CN" sz="1800" b="1" kern="1200" dirty="0">
+                          <a:solidFill>
+                            <a:schemeClr val="tx1"/>
+                          </a:solidFill>
+                          <a:latin typeface="+mn-lt"/>
+                          <a:ea typeface="+mn-ea"/>
+                          <a:cs typeface="+mn-cs"/>
+                        </a:rPr>
+                        <a:t>area</a:t>
+                      </a:r>
+                      <a:endParaRPr lang="en-US" dirty="0">
+                        <a:latin typeface="Times" pitchFamily="2" charset="0"/>
+                      </a:endParaRPr>
+                    </a:p>
+                  </a:txBody>
+                  <a:tcPr/>
+                </a:tc>
+                <a:tc>
+                  <a:txBody>
+                    <a:bodyPr/>
+                    <a:lstStyle/>
+                    <a:p>
+                      <a:pPr algn="ctr"/>
+                      <a:r>
+                        <a:rPr lang="en-US" altLang="zh-CN" dirty="0">
+                          <a:solidFill>
+                            <a:srgbClr val="FF0000"/>
+                          </a:solidFill>
+                          <a:latin typeface="Times" pitchFamily="2" charset="0"/>
+                        </a:rPr>
+                        <a:t>71.50%</a:t>
+                      </a:r>
+                      <a:endParaRPr lang="en-US" dirty="0">
+                        <a:solidFill>
+                          <a:srgbClr val="FF0000"/>
+                        </a:solidFill>
+                        <a:latin typeface="Times" pitchFamily="2" charset="0"/>
+                      </a:endParaRPr>
+                    </a:p>
+                  </a:txBody>
+                  <a:tcPr/>
+                </a:tc>
+                <a:tc>
+                  <a:txBody>
+                    <a:bodyPr/>
+                    <a:lstStyle/>
+                    <a:p>
+                      <a:pPr algn="ctr"/>
+                      <a:r>
+                        <a:rPr lang="en-US" altLang="zh-CN" dirty="0">
+                          <a:solidFill>
+                            <a:srgbClr val="FF0000"/>
+                          </a:solidFill>
+                          <a:latin typeface="Times" pitchFamily="2" charset="0"/>
+                        </a:rPr>
+                        <a:t>71.15%</a:t>
+                      </a:r>
+                      <a:endParaRPr lang="en-US" dirty="0">
+                        <a:solidFill>
+                          <a:srgbClr val="FF0000"/>
+                        </a:solidFill>
+                        <a:latin typeface="Times" pitchFamily="2" charset="0"/>
+                      </a:endParaRPr>
+                    </a:p>
+                  </a:txBody>
+                  <a:tcPr/>
+                </a:tc>
+                <a:tc>
+                  <a:txBody>
+                    <a:bodyPr/>
+                    <a:lstStyle/>
+                    <a:p>
+                      <a:pPr algn="ctr"/>
+                      <a:r>
+                        <a:rPr lang="en-US" altLang="zh-CN" dirty="0">
+                          <a:solidFill>
+                            <a:srgbClr val="FF0000"/>
+                          </a:solidFill>
+                          <a:latin typeface="Times" pitchFamily="2" charset="0"/>
+                        </a:rPr>
+                        <a:t>81.56%</a:t>
+                      </a:r>
+                      <a:endParaRPr lang="en-US" dirty="0">
+                        <a:solidFill>
+                          <a:srgbClr val="FF0000"/>
+                        </a:solidFill>
+                        <a:latin typeface="Times" pitchFamily="2" charset="0"/>
+                      </a:endParaRPr>
+                    </a:p>
+                  </a:txBody>
+                  <a:tcPr/>
+                </a:tc>
+                <a:tc>
+                  <a:txBody>
+                    <a:bodyPr/>
+                    <a:lstStyle/>
+                    <a:p>
+                      <a:pPr algn="ctr"/>
+                      <a:r>
+                        <a:rPr lang="en-US" altLang="zh-CN" dirty="0">
+                          <a:solidFill>
+                            <a:srgbClr val="FF0000"/>
+                          </a:solidFill>
+                          <a:latin typeface="Times" pitchFamily="2" charset="0"/>
+                        </a:rPr>
+                        <a:t>80.93%</a:t>
+                      </a:r>
+                      <a:endParaRPr lang="en-US" dirty="0">
+                        <a:solidFill>
+                          <a:srgbClr val="FF0000"/>
+                        </a:solidFill>
+                        <a:latin typeface="Times" pitchFamily="2" charset="0"/>
+                      </a:endParaRPr>
+                    </a:p>
+                  </a:txBody>
+                  <a:tcPr/>
+                </a:tc>
+                <a:extLst>
+                  <a:ext uri="{0D108BD9-81ED-4DB2-BD59-A6C34878D82A}">
+                    <a16:rowId xmlns:a16="http://schemas.microsoft.com/office/drawing/2014/main" val="267636452"/>
+                  </a:ext>
+                </a:extLst>
+              </a:tr>
+              <a:tr h="391668">
+                <a:tc vMerge="1">
+                  <a:txBody>
+                    <a:bodyPr/>
+                    <a:lstStyle/>
+                    <a:p>
+                      <a:pPr marL="0" marR="0" lvl="0" indent="0" algn="ctr" defTabSz="914400" rtl="0" eaLnBrk="1" fontAlgn="auto" latinLnBrk="0" hangingPunct="1">
+                        <a:lnSpc>
+                          <a:spcPct val="100000"/>
+                        </a:lnSpc>
+                        <a:spcBef>
+                          <a:spcPts val="0"/>
+                        </a:spcBef>
+                        <a:spcAft>
+                          <a:spcPts val="0"/>
+                        </a:spcAft>
+                        <a:buClrTx/>
+                        <a:buSzTx/>
+                        <a:buFontTx/>
+                        <a:buNone/>
+                        <a:tabLst/>
+                        <a:defRPr/>
+                      </a:pPr>
+                      <a:endParaRPr lang="en-US" sz="1800" b="1" kern="1200" dirty="0">
+                        <a:solidFill>
+                          <a:schemeClr val="tx1"/>
+                        </a:solidFill>
+                        <a:latin typeface="+mn-lt"/>
+                        <a:ea typeface="+mn-ea"/>
+                        <a:cs typeface="+mn-cs"/>
+                      </a:endParaRPr>
+                    </a:p>
+                  </a:txBody>
+                  <a:tcPr/>
+                </a:tc>
+                <a:tc>
+                  <a:txBody>
+                    <a:bodyPr/>
+                    <a:lstStyle/>
+                    <a:p>
+                      <a:pPr marL="0" marR="0" lvl="0" indent="0" algn="ctr" defTabSz="914400" rtl="0" eaLnBrk="1" fontAlgn="auto" latinLnBrk="0" hangingPunct="1">
+                        <a:lnSpc>
+                          <a:spcPct val="100000"/>
+                        </a:lnSpc>
+                        <a:spcBef>
+                          <a:spcPts val="0"/>
+                        </a:spcBef>
+                        <a:spcAft>
+                          <a:spcPts val="0"/>
+                        </a:spcAft>
+                        <a:buClrTx/>
+                        <a:buSzTx/>
+                        <a:buFontTx/>
+                        <a:buNone/>
+                        <a:tabLst/>
+                        <a:defRPr/>
+                      </a:pPr>
+                      <a:r>
+                        <a:rPr lang="zh-CN" altLang="en-US" sz="1800" b="1" kern="1200" dirty="0">
+                          <a:solidFill>
+                            <a:schemeClr val="tx1"/>
+                          </a:solidFill>
+                          <a:latin typeface="+mn-lt"/>
+                          <a:ea typeface="+mn-ea"/>
+                          <a:cs typeface="+mn-cs"/>
+                        </a:rPr>
+                        <a:t> </a:t>
+                      </a:r>
+                      <a:r>
+                        <a:rPr lang="en-US" altLang="zh-CN" sz="1800" b="1" kern="1200" dirty="0">
+                          <a:solidFill>
+                            <a:schemeClr val="tx1"/>
+                          </a:solidFill>
+                          <a:latin typeface="+mn-lt"/>
+                          <a:ea typeface="+mn-ea"/>
+                          <a:cs typeface="+mn-cs"/>
+                        </a:rPr>
+                        <a:t>test routes</a:t>
+                      </a:r>
+                      <a:endParaRPr lang="en-US" sz="1800" b="1" kern="1200" dirty="0">
+                        <a:solidFill>
+                          <a:schemeClr val="tx1"/>
+                        </a:solidFill>
+                        <a:latin typeface="+mn-lt"/>
+                        <a:ea typeface="+mn-ea"/>
+                        <a:cs typeface="+mn-cs"/>
+                      </a:endParaRPr>
+                    </a:p>
+                  </a:txBody>
+                  <a:tcPr/>
+                </a:tc>
+                <a:tc>
+                  <a:txBody>
+                    <a:bodyPr/>
+                    <a:lstStyle/>
+                    <a:p>
+                      <a:pPr algn="ctr"/>
+                      <a:endParaRPr lang="en-US" dirty="0">
+                        <a:latin typeface="Times" pitchFamily="2" charset="0"/>
+                      </a:endParaRPr>
+                    </a:p>
+                  </a:txBody>
+                  <a:tcPr/>
+                </a:tc>
+                <a:tc>
+                  <a:txBody>
+                    <a:bodyPr/>
+                    <a:lstStyle/>
+                    <a:p>
+                      <a:pPr algn="ctr"/>
+                      <a:endParaRPr lang="en-US" dirty="0">
+                        <a:latin typeface="Times" pitchFamily="2" charset="0"/>
+                      </a:endParaRPr>
+                    </a:p>
+                  </a:txBody>
+                  <a:tcPr/>
+                </a:tc>
+                <a:tc>
+                  <a:txBody>
+                    <a:bodyPr/>
+                    <a:lstStyle/>
+                    <a:p>
+                      <a:pPr algn="ctr"/>
+                      <a:endParaRPr lang="en-US" dirty="0">
+                        <a:latin typeface="Times" pitchFamily="2" charset="0"/>
+                      </a:endParaRPr>
+                    </a:p>
+                  </a:txBody>
+                  <a:tcPr/>
+                </a:tc>
+                <a:tc>
+                  <a:txBody>
+                    <a:bodyPr/>
+                    <a:lstStyle/>
+                    <a:p>
+                      <a:pPr algn="ctr"/>
+                      <a:endParaRPr lang="en-US" dirty="0">
+                        <a:latin typeface="Times" pitchFamily="2" charset="0"/>
+                      </a:endParaRPr>
+                    </a:p>
+                  </a:txBody>
+                  <a:tcPr/>
+                </a:tc>
+                <a:extLst>
+                  <a:ext uri="{0D108BD9-81ED-4DB2-BD59-A6C34878D82A}">
+                    <a16:rowId xmlns:a16="http://schemas.microsoft.com/office/drawing/2014/main" val="3934113938"/>
+                  </a:ext>
+                </a:extLst>
+              </a:tr>
+              <a:tr h="391668">
+                <a:tc rowSpan="2">
+                  <a:txBody>
+                    <a:bodyPr/>
+                    <a:lstStyle/>
+                    <a:p>
+                      <a:pPr algn="ctr"/>
+                      <a:r>
+                        <a:rPr lang="en-US" altLang="zh-CN" dirty="0">
+                          <a:latin typeface="Times" pitchFamily="2" charset="0"/>
+                        </a:rPr>
+                        <a:t>Union Square</a:t>
+                      </a:r>
+                      <a:endParaRPr lang="en-US" dirty="0">
+                        <a:latin typeface="Times" pitchFamily="2" charset="0"/>
+                      </a:endParaRPr>
+                    </a:p>
+                  </a:txBody>
+                  <a:tcPr anchor="ctr"/>
+                </a:tc>
+                <a:tc>
+                  <a:txBody>
+                    <a:bodyPr/>
+                    <a:lstStyle/>
+                    <a:p>
+                      <a:pPr algn="ctr"/>
+                      <a:r>
+                        <a:rPr lang="en-US" altLang="zh-CN" sz="1800" b="1" kern="1200" dirty="0">
+                          <a:solidFill>
+                            <a:schemeClr val="tx1"/>
+                          </a:solidFill>
+                          <a:latin typeface="+mn-lt"/>
+                          <a:ea typeface="+mn-ea"/>
+                          <a:cs typeface="+mn-cs"/>
+                        </a:rPr>
+                        <a:t>Whole</a:t>
+                      </a:r>
+                      <a:r>
+                        <a:rPr lang="zh-CN" altLang="en-US" sz="1800" b="1" kern="1200" dirty="0">
+                          <a:solidFill>
+                            <a:schemeClr val="tx1"/>
+                          </a:solidFill>
+                          <a:latin typeface="+mn-lt"/>
+                          <a:ea typeface="+mn-ea"/>
+                          <a:cs typeface="+mn-cs"/>
+                        </a:rPr>
+                        <a:t> </a:t>
+                      </a:r>
+                      <a:r>
+                        <a:rPr lang="en-US" altLang="zh-CN" sz="1800" b="1" kern="1200" dirty="0">
+                          <a:solidFill>
+                            <a:schemeClr val="tx1"/>
+                          </a:solidFill>
+                          <a:latin typeface="+mn-lt"/>
+                          <a:ea typeface="+mn-ea"/>
+                          <a:cs typeface="+mn-cs"/>
+                        </a:rPr>
+                        <a:t>area</a:t>
+                      </a:r>
+                      <a:endParaRPr lang="en-US" dirty="0">
+                        <a:latin typeface="Times" pitchFamily="2" charset="0"/>
+                      </a:endParaRPr>
+                    </a:p>
+                  </a:txBody>
+                  <a:tcPr/>
+                </a:tc>
+                <a:tc>
+                  <a:txBody>
+                    <a:bodyPr/>
+                    <a:lstStyle/>
+                    <a:p>
+                      <a:pPr algn="ctr"/>
+                      <a:r>
+                        <a:rPr lang="en-US" altLang="zh-CN" dirty="0">
+                          <a:solidFill>
+                            <a:srgbClr val="FF0000"/>
+                          </a:solidFill>
+                          <a:latin typeface="Times" pitchFamily="2" charset="0"/>
+                        </a:rPr>
+                        <a:t>82.45%</a:t>
+                      </a:r>
+                      <a:endParaRPr lang="en-US" dirty="0">
+                        <a:solidFill>
+                          <a:srgbClr val="FF0000"/>
+                        </a:solidFill>
+                        <a:latin typeface="Times" pitchFamily="2" charset="0"/>
+                      </a:endParaRPr>
+                    </a:p>
+                  </a:txBody>
+                  <a:tcPr/>
+                </a:tc>
+                <a:tc>
+                  <a:txBody>
+                    <a:bodyPr/>
+                    <a:lstStyle/>
+                    <a:p>
+                      <a:pPr algn="ctr"/>
+                      <a:r>
+                        <a:rPr lang="en-US" altLang="zh-CN" dirty="0">
+                          <a:solidFill>
+                            <a:srgbClr val="FF0000"/>
+                          </a:solidFill>
+                          <a:latin typeface="Times" pitchFamily="2" charset="0"/>
+                        </a:rPr>
+                        <a:t>81.58%</a:t>
+                      </a:r>
+                      <a:endParaRPr lang="en-US" dirty="0">
+                        <a:solidFill>
+                          <a:srgbClr val="FF0000"/>
+                        </a:solidFill>
+                        <a:latin typeface="Times" pitchFamily="2" charset="0"/>
+                      </a:endParaRPr>
+                    </a:p>
+                  </a:txBody>
+                  <a:tcPr/>
+                </a:tc>
+                <a:tc>
+                  <a:txBody>
+                    <a:bodyPr/>
+                    <a:lstStyle/>
+                    <a:p>
+                      <a:pPr algn="ctr"/>
+                      <a:r>
+                        <a:rPr lang="en-US" altLang="zh-CN" dirty="0">
+                          <a:solidFill>
+                            <a:srgbClr val="FF0000"/>
+                          </a:solidFill>
+                          <a:latin typeface="Times" pitchFamily="2" charset="0"/>
+                        </a:rPr>
+                        <a:t>86.92%</a:t>
+                      </a:r>
+                      <a:endParaRPr lang="en-US" dirty="0">
+                        <a:solidFill>
+                          <a:srgbClr val="FF0000"/>
+                        </a:solidFill>
+                        <a:latin typeface="Times" pitchFamily="2" charset="0"/>
+                      </a:endParaRPr>
+                    </a:p>
+                  </a:txBody>
+                  <a:tcPr/>
+                </a:tc>
+                <a:tc>
+                  <a:txBody>
+                    <a:bodyPr/>
+                    <a:lstStyle/>
+                    <a:p>
+                      <a:pPr algn="ctr"/>
+                      <a:r>
+                        <a:rPr lang="en-US" altLang="zh-CN" dirty="0">
+                          <a:solidFill>
+                            <a:srgbClr val="FF0000"/>
+                          </a:solidFill>
+                          <a:latin typeface="Times" pitchFamily="2" charset="0"/>
+                        </a:rPr>
+                        <a:t>85.99%</a:t>
+                      </a:r>
+                      <a:endParaRPr lang="en-US" dirty="0">
+                        <a:solidFill>
+                          <a:srgbClr val="FF0000"/>
+                        </a:solidFill>
+                        <a:latin typeface="Times" pitchFamily="2" charset="0"/>
+                      </a:endParaRPr>
+                    </a:p>
+                  </a:txBody>
+                  <a:tcPr/>
+                </a:tc>
+                <a:extLst>
+                  <a:ext uri="{0D108BD9-81ED-4DB2-BD59-A6C34878D82A}">
+                    <a16:rowId xmlns:a16="http://schemas.microsoft.com/office/drawing/2014/main" val="827348748"/>
+                  </a:ext>
+                </a:extLst>
+              </a:tr>
+              <a:tr h="391668">
+                <a:tc vMerge="1">
+                  <a:txBody>
+                    <a:bodyPr/>
+                    <a:lstStyle/>
+                    <a:p>
+                      <a:pPr marL="0" marR="0" lvl="0" indent="0" algn="ctr" defTabSz="914400" rtl="0" eaLnBrk="1" fontAlgn="auto" latinLnBrk="0" hangingPunct="1">
+                        <a:lnSpc>
+                          <a:spcPct val="100000"/>
+                        </a:lnSpc>
+                        <a:spcBef>
+                          <a:spcPts val="0"/>
+                        </a:spcBef>
+                        <a:spcAft>
+                          <a:spcPts val="0"/>
+                        </a:spcAft>
+                        <a:buClrTx/>
+                        <a:buSzTx/>
+                        <a:buFontTx/>
+                        <a:buNone/>
+                        <a:tabLst/>
+                        <a:defRPr/>
+                      </a:pPr>
+                      <a:endParaRPr lang="en-US" sz="1800" b="1" kern="1200" dirty="0">
+                        <a:solidFill>
+                          <a:schemeClr val="tx1"/>
+                        </a:solidFill>
+                        <a:latin typeface="+mn-lt"/>
+                        <a:ea typeface="+mn-ea"/>
+                        <a:cs typeface="+mn-cs"/>
+                      </a:endParaRPr>
+                    </a:p>
+                  </a:txBody>
+                  <a:tcPr/>
+                </a:tc>
+                <a:tc>
+                  <a:txBody>
+                    <a:bodyPr/>
+                    <a:lstStyle/>
+                    <a:p>
+                      <a:pPr marL="0" marR="0" lvl="0" indent="0" algn="ctr" defTabSz="914400" rtl="0" eaLnBrk="1" fontAlgn="auto" latinLnBrk="0" hangingPunct="1">
+                        <a:lnSpc>
+                          <a:spcPct val="100000"/>
+                        </a:lnSpc>
+                        <a:spcBef>
+                          <a:spcPts val="0"/>
+                        </a:spcBef>
+                        <a:spcAft>
+                          <a:spcPts val="0"/>
+                        </a:spcAft>
+                        <a:buClrTx/>
+                        <a:buSzTx/>
+                        <a:buFontTx/>
+                        <a:buNone/>
+                        <a:tabLst/>
+                        <a:defRPr/>
+                      </a:pPr>
+                      <a:r>
+                        <a:rPr lang="zh-CN" altLang="en-US" sz="1800" b="1" kern="1200" dirty="0">
+                          <a:solidFill>
+                            <a:schemeClr val="tx1"/>
+                          </a:solidFill>
+                          <a:latin typeface="+mn-lt"/>
+                          <a:ea typeface="+mn-ea"/>
+                          <a:cs typeface="+mn-cs"/>
+                        </a:rPr>
+                        <a:t> </a:t>
+                      </a:r>
+                      <a:r>
+                        <a:rPr lang="en-US" altLang="zh-CN" sz="1800" b="1" kern="1200" dirty="0">
+                          <a:solidFill>
+                            <a:schemeClr val="tx1"/>
+                          </a:solidFill>
+                          <a:latin typeface="+mn-lt"/>
+                          <a:ea typeface="+mn-ea"/>
+                          <a:cs typeface="+mn-cs"/>
+                        </a:rPr>
+                        <a:t>test routes</a:t>
+                      </a:r>
+                      <a:endParaRPr lang="en-US" sz="1800" b="1" kern="1200" dirty="0">
+                        <a:solidFill>
+                          <a:schemeClr val="tx1"/>
+                        </a:solidFill>
+                        <a:latin typeface="+mn-lt"/>
+                        <a:ea typeface="+mn-ea"/>
+                        <a:cs typeface="+mn-cs"/>
+                      </a:endParaRPr>
+                    </a:p>
+                  </a:txBody>
+                  <a:tcPr/>
+                </a:tc>
+                <a:tc>
+                  <a:txBody>
+                    <a:bodyPr/>
+                    <a:lstStyle/>
+                    <a:p>
+                      <a:pPr algn="ctr"/>
+                      <a:endParaRPr lang="en-US" dirty="0">
+                        <a:latin typeface="Times" pitchFamily="2" charset="0"/>
+                      </a:endParaRPr>
+                    </a:p>
+                  </a:txBody>
+                  <a:tcPr/>
+                </a:tc>
+                <a:tc>
+                  <a:txBody>
+                    <a:bodyPr/>
+                    <a:lstStyle/>
+                    <a:p>
+                      <a:pPr algn="ctr"/>
+                      <a:endParaRPr lang="en-US" dirty="0">
+                        <a:latin typeface="Times" pitchFamily="2" charset="0"/>
+                      </a:endParaRPr>
+                    </a:p>
+                  </a:txBody>
+                  <a:tcPr/>
+                </a:tc>
+                <a:tc>
+                  <a:txBody>
+                    <a:bodyPr/>
+                    <a:lstStyle/>
+                    <a:p>
+                      <a:pPr algn="ctr"/>
+                      <a:endParaRPr lang="en-US" dirty="0">
+                        <a:latin typeface="Times" pitchFamily="2" charset="0"/>
+                      </a:endParaRPr>
+                    </a:p>
+                  </a:txBody>
+                  <a:tcPr/>
+                </a:tc>
+                <a:tc>
+                  <a:txBody>
+                    <a:bodyPr/>
+                    <a:lstStyle/>
+                    <a:p>
+                      <a:pPr algn="ctr"/>
+                      <a:endParaRPr lang="en-US" dirty="0">
+                        <a:latin typeface="Times" pitchFamily="2" charset="0"/>
+                      </a:endParaRPr>
+                    </a:p>
+                  </a:txBody>
+                  <a:tcPr/>
+                </a:tc>
+                <a:extLst>
+                  <a:ext uri="{0D108BD9-81ED-4DB2-BD59-A6C34878D82A}">
+                    <a16:rowId xmlns:a16="http://schemas.microsoft.com/office/drawing/2014/main" val="2521364167"/>
+                  </a:ext>
+                </a:extLst>
+              </a:tr>
+              <a:tr h="391668">
+                <a:tc rowSpan="2">
+                  <a:txBody>
+                    <a:bodyPr/>
+                    <a:lstStyle/>
+                    <a:p>
+                      <a:pPr algn="ctr"/>
+                      <a:r>
+                        <a:rPr lang="en-US" dirty="0">
+                          <a:latin typeface="Times" pitchFamily="2" charset="0"/>
+                        </a:rPr>
+                        <a:t>Hudson River</a:t>
+                      </a:r>
+                    </a:p>
+                  </a:txBody>
+                  <a:tcPr anchor="ctr"/>
+                </a:tc>
+                <a:tc>
+                  <a:txBody>
+                    <a:bodyPr/>
+                    <a:lstStyle/>
+                    <a:p>
+                      <a:pPr algn="ctr"/>
+                      <a:r>
+                        <a:rPr lang="en-US" altLang="zh-CN" sz="1800" b="1" kern="1200" dirty="0">
+                          <a:solidFill>
+                            <a:schemeClr val="tx1"/>
+                          </a:solidFill>
+                          <a:latin typeface="+mn-lt"/>
+                          <a:ea typeface="+mn-ea"/>
+                          <a:cs typeface="+mn-cs"/>
+                        </a:rPr>
+                        <a:t>Whole</a:t>
+                      </a:r>
+                      <a:r>
+                        <a:rPr lang="zh-CN" altLang="en-US" sz="1800" b="1" kern="1200" dirty="0">
+                          <a:solidFill>
+                            <a:schemeClr val="tx1"/>
+                          </a:solidFill>
+                          <a:latin typeface="+mn-lt"/>
+                          <a:ea typeface="+mn-ea"/>
+                          <a:cs typeface="+mn-cs"/>
+                        </a:rPr>
+                        <a:t> </a:t>
+                      </a:r>
+                      <a:r>
+                        <a:rPr lang="en-US" altLang="zh-CN" sz="1800" b="1" kern="1200" dirty="0">
+                          <a:solidFill>
+                            <a:schemeClr val="tx1"/>
+                          </a:solidFill>
+                          <a:latin typeface="+mn-lt"/>
+                          <a:ea typeface="+mn-ea"/>
+                          <a:cs typeface="+mn-cs"/>
+                        </a:rPr>
+                        <a:t>area</a:t>
+                      </a:r>
+                      <a:endParaRPr lang="en-US" dirty="0">
+                        <a:latin typeface="Times" pitchFamily="2" charset="0"/>
+                      </a:endParaRPr>
+                    </a:p>
+                  </a:txBody>
+                  <a:tcPr/>
+                </a:tc>
+                <a:tc>
+                  <a:txBody>
+                    <a:bodyPr/>
+                    <a:lstStyle/>
+                    <a:p>
+                      <a:pPr algn="ctr"/>
+                      <a:endParaRPr lang="en-US" dirty="0">
+                        <a:latin typeface="Times" pitchFamily="2" charset="0"/>
+                      </a:endParaRPr>
+                    </a:p>
+                  </a:txBody>
+                  <a:tcPr/>
+                </a:tc>
+                <a:tc>
+                  <a:txBody>
+                    <a:bodyPr/>
+                    <a:lstStyle/>
+                    <a:p>
+                      <a:pPr algn="ctr"/>
+                      <a:endParaRPr lang="en-US" dirty="0">
+                        <a:latin typeface="Times" pitchFamily="2" charset="0"/>
+                      </a:endParaRPr>
+                    </a:p>
+                  </a:txBody>
+                  <a:tcPr/>
+                </a:tc>
+                <a:tc>
+                  <a:txBody>
+                    <a:bodyPr/>
+                    <a:lstStyle/>
+                    <a:p>
+                      <a:pPr algn="ctr"/>
+                      <a:endParaRPr lang="en-US" dirty="0">
+                        <a:latin typeface="Times" pitchFamily="2" charset="0"/>
+                      </a:endParaRPr>
+                    </a:p>
+                  </a:txBody>
+                  <a:tcPr/>
+                </a:tc>
+                <a:tc>
+                  <a:txBody>
+                    <a:bodyPr/>
+                    <a:lstStyle/>
+                    <a:p>
+                      <a:pPr algn="ctr"/>
+                      <a:endParaRPr lang="en-US" dirty="0">
+                        <a:latin typeface="Times" pitchFamily="2" charset="0"/>
+                      </a:endParaRPr>
+                    </a:p>
+                  </a:txBody>
+                  <a:tcPr/>
+                </a:tc>
+                <a:extLst>
+                  <a:ext uri="{0D108BD9-81ED-4DB2-BD59-A6C34878D82A}">
+                    <a16:rowId xmlns:a16="http://schemas.microsoft.com/office/drawing/2014/main" val="3296006206"/>
+                  </a:ext>
+                </a:extLst>
+              </a:tr>
+              <a:tr h="391668">
+                <a:tc vMerge="1">
+                  <a:txBody>
+                    <a:bodyPr/>
+                    <a:lstStyle/>
+                    <a:p>
+                      <a:pPr algn="ctr"/>
+                      <a:endParaRPr lang="en-US" dirty="0">
+                        <a:latin typeface="Times" pitchFamily="2" charset="0"/>
+                      </a:endParaRPr>
+                    </a:p>
+                  </a:txBody>
+                  <a:tcPr anchor="ctr"/>
+                </a:tc>
+                <a:tc>
+                  <a:txBody>
+                    <a:bodyPr/>
+                    <a:lstStyle/>
+                    <a:p>
+                      <a:pPr marL="0" marR="0" lvl="0" indent="0" algn="ctr" defTabSz="914400" rtl="0" eaLnBrk="1" fontAlgn="auto" latinLnBrk="0" hangingPunct="1">
+                        <a:lnSpc>
+                          <a:spcPct val="100000"/>
+                        </a:lnSpc>
+                        <a:spcBef>
+                          <a:spcPts val="0"/>
+                        </a:spcBef>
+                        <a:spcAft>
+                          <a:spcPts val="0"/>
+                        </a:spcAft>
+                        <a:buClrTx/>
+                        <a:buSzTx/>
+                        <a:buFontTx/>
+                        <a:buNone/>
+                        <a:tabLst/>
+                        <a:defRPr/>
+                      </a:pPr>
+                      <a:r>
+                        <a:rPr lang="zh-CN" altLang="en-US" sz="1800" b="1" kern="1200" dirty="0">
+                          <a:solidFill>
+                            <a:schemeClr val="tx1"/>
+                          </a:solidFill>
+                          <a:latin typeface="+mn-lt"/>
+                          <a:ea typeface="+mn-ea"/>
+                          <a:cs typeface="+mn-cs"/>
+                        </a:rPr>
+                        <a:t> </a:t>
+                      </a:r>
+                      <a:r>
+                        <a:rPr lang="en-US" altLang="zh-CN" sz="1800" b="1" kern="1200" dirty="0">
+                          <a:solidFill>
+                            <a:schemeClr val="tx1"/>
+                          </a:solidFill>
+                          <a:latin typeface="+mn-lt"/>
+                          <a:ea typeface="+mn-ea"/>
+                          <a:cs typeface="+mn-cs"/>
+                        </a:rPr>
+                        <a:t>test routes</a:t>
+                      </a:r>
+                      <a:endParaRPr lang="en-US" sz="1800" b="1" kern="1200" dirty="0">
+                        <a:solidFill>
+                          <a:schemeClr val="tx1"/>
+                        </a:solidFill>
+                        <a:latin typeface="+mn-lt"/>
+                        <a:ea typeface="+mn-ea"/>
+                        <a:cs typeface="+mn-cs"/>
+                      </a:endParaRPr>
+                    </a:p>
+                  </a:txBody>
+                  <a:tcPr/>
+                </a:tc>
+                <a:tc>
+                  <a:txBody>
+                    <a:bodyPr/>
+                    <a:lstStyle/>
+                    <a:p>
+                      <a:pPr algn="ctr"/>
+                      <a:endParaRPr lang="en-US" dirty="0">
+                        <a:latin typeface="Times" pitchFamily="2" charset="0"/>
+                      </a:endParaRPr>
+                    </a:p>
+                  </a:txBody>
+                  <a:tcPr/>
+                </a:tc>
+                <a:tc>
+                  <a:txBody>
+                    <a:bodyPr/>
+                    <a:lstStyle/>
+                    <a:p>
+                      <a:pPr algn="ctr"/>
+                      <a:endParaRPr lang="en-US" dirty="0">
+                        <a:latin typeface="Times" pitchFamily="2" charset="0"/>
+                      </a:endParaRPr>
+                    </a:p>
+                  </a:txBody>
+                  <a:tcPr/>
+                </a:tc>
+                <a:tc>
+                  <a:txBody>
+                    <a:bodyPr/>
+                    <a:lstStyle/>
+                    <a:p>
+                      <a:pPr algn="ctr"/>
+                      <a:endParaRPr lang="en-US" dirty="0">
+                        <a:latin typeface="Times" pitchFamily="2" charset="0"/>
+                      </a:endParaRPr>
+                    </a:p>
+                  </a:txBody>
+                  <a:tcPr/>
+                </a:tc>
+                <a:tc>
+                  <a:txBody>
+                    <a:bodyPr/>
+                    <a:lstStyle/>
+                    <a:p>
+                      <a:pPr algn="ctr"/>
+                      <a:endParaRPr lang="en-US" dirty="0">
+                        <a:latin typeface="Times" pitchFamily="2" charset="0"/>
+                      </a:endParaRPr>
+                    </a:p>
+                  </a:txBody>
+                  <a:tcPr/>
+                </a:tc>
+                <a:extLst>
+                  <a:ext uri="{0D108BD9-81ED-4DB2-BD59-A6C34878D82A}">
+                    <a16:rowId xmlns:a16="http://schemas.microsoft.com/office/drawing/2014/main" val="188873265"/>
+                  </a:ext>
+                </a:extLst>
+              </a:tr>
+            </a:tbl>
+          </a:graphicData>
+        </a:graphic>
+      </p:graphicFrame>
+      <p:sp>
+        <p:nvSpPr>
+          <p:cNvPr id="8" name="TextBox 7">
+            <a:extLst>
+              <a:ext uri="{FF2B5EF4-FFF2-40B4-BE49-F238E27FC236}">
+                <a16:creationId xmlns:a16="http://schemas.microsoft.com/office/drawing/2014/main" id="{35553A17-7980-2F4E-893A-6DCC91A0A5A5}"/>
+              </a:ext>
+            </a:extLst>
+          </p:cNvPr>
+          <p:cNvSpPr txBox="1"/>
+          <p:nvPr/>
+        </p:nvSpPr>
+        <p:spPr>
+          <a:xfrm>
+            <a:off x="4128541" y="959155"/>
+            <a:ext cx="4055806" cy="369332"/>
+          </a:xfrm>
+          <a:prstGeom prst="rect">
+            <a:avLst/>
+          </a:prstGeom>
+          <a:noFill/>
+        </p:spPr>
+        <p:txBody>
+          <a:bodyPr wrap="square" rtlCol="0">
+            <a:spAutoFit/>
+          </a:bodyPr>
+          <a:lstStyle/>
+          <a:p>
+            <a:pPr algn="ctr"/>
+            <a:r>
+              <a:rPr lang="en-US" b="1" dirty="0">
+                <a:latin typeface="Times" pitchFamily="2" charset="0"/>
+              </a:rPr>
+              <a:t>Statistic accuracy for each category</a:t>
+            </a:r>
+          </a:p>
+        </p:txBody>
+      </p:sp>
+    </p:spTree>
+    <p:extLst>
+      <p:ext uri="{BB962C8B-B14F-4D97-AF65-F5344CB8AC3E}">
+        <p14:creationId xmlns:p14="http://schemas.microsoft.com/office/powerpoint/2010/main" val="900167554"/>
+      </p:ext>
+    </p:extLst>
+  </p:cSld>
+  <p:clrMapOvr>
+    <a:masterClrMapping/>
+  </p:clrMapOvr>
+</p:sld>
+</file>
+
+<file path=ppt/slides/slide6.xml><?xml version="1.0" encoding="utf-8"?>
+<p:sld xmlns:a="http://schemas.openxmlformats.org/drawingml/2006/main" xmlns:r="http://schemas.openxmlformats.org/officeDocument/2006/relationships" xmlns:p="http://schemas.openxmlformats.org/presentationml/2006/main">
+  <p:cSld>
+    <p:spTree>
+      <p:nvGrpSpPr>
+        <p:cNvPr id="1" name=""/>
+        <p:cNvGrpSpPr/>
+        <p:nvPr/>
+      </p:nvGrpSpPr>
+      <p:grpSpPr>
+        <a:xfrm>
+          <a:off x="0" y="0"/>
+          <a:ext cx="0" cy="0"/>
+          <a:chOff x="0" y="0"/>
+          <a:chExt cx="0" cy="0"/>
+        </a:xfrm>
+      </p:grpSpPr>
+      <p:sp>
+        <p:nvSpPr>
+          <p:cNvPr id="2" name="Title 1">
+            <a:extLst>
+              <a:ext uri="{FF2B5EF4-FFF2-40B4-BE49-F238E27FC236}">
+                <a16:creationId xmlns:a16="http://schemas.microsoft.com/office/drawing/2014/main" id="{EDA685FC-1C8C-9241-85EA-CD172542926A}"/>
+              </a:ext>
+            </a:extLst>
+          </p:cNvPr>
+          <p:cNvSpPr>
+            <a:spLocks noGrp="1"/>
+          </p:cNvSpPr>
+          <p:nvPr>
+            <p:ph type="title"/>
+          </p:nvPr>
+        </p:nvSpPr>
+        <p:spPr>
+          <a:xfrm>
+            <a:off x="958120" y="2718582"/>
+            <a:ext cx="10515600" cy="1325563"/>
+          </a:xfrm>
+        </p:spPr>
+        <p:txBody>
+          <a:bodyPr/>
+          <a:lstStyle/>
+          <a:p>
+            <a:pPr algn="ctr"/>
+            <a:r>
+              <a:rPr lang="en-US" dirty="0"/>
+              <a:t>Distance Distribution with Real BSD</a:t>
+            </a:r>
+          </a:p>
+        </p:txBody>
+      </p:sp>
+    </p:spTree>
+    <p:extLst>
+      <p:ext uri="{BB962C8B-B14F-4D97-AF65-F5344CB8AC3E}">
+        <p14:creationId xmlns:p14="http://schemas.microsoft.com/office/powerpoint/2010/main" val="3970704757"/>
+      </p:ext>
+    </p:extLst>
+  </p:cSld>
+  <p:clrMapOvr>
+    <a:masterClrMapping/>
+  </p:clrMapOvr>
+</p:sld>
+</file>
+
+<file path=ppt/slides/slide60.xml><?xml version="1.0" encoding="utf-8"?>
+<p:sld xmlns:a="http://schemas.openxmlformats.org/drawingml/2006/main" xmlns:r="http://schemas.openxmlformats.org/officeDocument/2006/relationships" xmlns:p="http://schemas.openxmlformats.org/presentationml/2006/main">
+  <p:cSld>
+    <p:spTree>
+      <p:nvGrpSpPr>
+        <p:cNvPr id="1" name=""/>
+        <p:cNvGrpSpPr/>
+        <p:nvPr/>
+      </p:nvGrpSpPr>
+      <p:grpSpPr>
+        <a:xfrm>
+          <a:off x="0" y="0"/>
+          <a:ext cx="0" cy="0"/>
+          <a:chOff x="0" y="0"/>
+          <a:chExt cx="0" cy="0"/>
+        </a:xfrm>
+      </p:grpSpPr>
+      <p:sp>
+        <p:nvSpPr>
+          <p:cNvPr id="2" name="Title 1">
+            <a:extLst>
+              <a:ext uri="{FF2B5EF4-FFF2-40B4-BE49-F238E27FC236}">
+                <a16:creationId xmlns:a16="http://schemas.microsoft.com/office/drawing/2014/main" id="{63165E14-17D6-624B-8061-850821D3AEA4}"/>
+              </a:ext>
+            </a:extLst>
+          </p:cNvPr>
+          <p:cNvSpPr>
+            <a:spLocks noGrp="1"/>
+          </p:cNvSpPr>
+          <p:nvPr>
+            <p:ph type="title"/>
+          </p:nvPr>
+        </p:nvSpPr>
+        <p:spPr>
+          <a:xfrm>
+            <a:off x="868180" y="2583669"/>
+            <a:ext cx="10515600" cy="1325563"/>
+          </a:xfrm>
+        </p:spPr>
+        <p:txBody>
+          <a:bodyPr/>
+          <a:lstStyle/>
+          <a:p>
+            <a:pPr algn="ctr"/>
+            <a:r>
+              <a:rPr lang="zh-CN" altLang="en-US" dirty="0"/>
+              <a:t> </a:t>
+            </a:r>
+            <a:r>
+              <a:rPr lang="en-US" altLang="zh-CN" dirty="0"/>
+              <a:t>Bit Flipping v3</a:t>
+            </a:r>
+            <a:endParaRPr lang="en-US" dirty="0"/>
+          </a:p>
+        </p:txBody>
+      </p:sp>
+    </p:spTree>
+    <p:extLst>
+      <p:ext uri="{BB962C8B-B14F-4D97-AF65-F5344CB8AC3E}">
+        <p14:creationId xmlns:p14="http://schemas.microsoft.com/office/powerpoint/2010/main" val="1282216410"/>
+      </p:ext>
+    </p:extLst>
+  </p:cSld>
+  <p:clrMapOvr>
+    <a:masterClrMapping/>
+  </p:clrMapOvr>
+</p:sld>
+</file>
+
+<file path=ppt/slides/slide61.xml><?xml version="1.0" encoding="utf-8"?>
+<p:sld xmlns:a="http://schemas.openxmlformats.org/drawingml/2006/main" xmlns:r="http://schemas.openxmlformats.org/officeDocument/2006/relationships" xmlns:p="http://schemas.openxmlformats.org/presentationml/2006/main">
+  <p:cSld>
+    <p:spTree>
+      <p:nvGrpSpPr>
+        <p:cNvPr id="1" name=""/>
+        <p:cNvGrpSpPr/>
+        <p:nvPr/>
+      </p:nvGrpSpPr>
+      <p:grpSpPr>
+        <a:xfrm>
+          <a:off x="0" y="0"/>
+          <a:ext cx="0" cy="0"/>
+          <a:chOff x="0" y="0"/>
+          <a:chExt cx="0" cy="0"/>
+        </a:xfrm>
+      </p:grpSpPr>
+      <p:graphicFrame>
+        <p:nvGraphicFramePr>
+          <p:cNvPr id="4" name="Table 3">
+            <a:extLst>
+              <a:ext uri="{FF2B5EF4-FFF2-40B4-BE49-F238E27FC236}">
+                <a16:creationId xmlns:a16="http://schemas.microsoft.com/office/drawing/2014/main" id="{FBAA35C3-A355-1E45-A6CC-19311FAD9C7F}"/>
+              </a:ext>
+            </a:extLst>
+          </p:cNvPr>
+          <p:cNvGraphicFramePr>
+            <a:graphicFrameLocks noGrp="1"/>
+          </p:cNvGraphicFramePr>
+          <p:nvPr>
+            <p:extLst>
+              <p:ext uri="{D42A27DB-BD31-4B8C-83A1-F6EECF244321}">
+                <p14:modId xmlns:p14="http://schemas.microsoft.com/office/powerpoint/2010/main" val="3940891101"/>
+              </p:ext>
+            </p:extLst>
+          </p:nvPr>
+        </p:nvGraphicFramePr>
+        <p:xfrm>
+          <a:off x="1170038" y="1873907"/>
+          <a:ext cx="9792930" cy="3221364"/>
+        </p:xfrm>
+        <a:graphic>
+          <a:graphicData uri="http://schemas.openxmlformats.org/drawingml/2006/table">
+            <a:tbl>
+              <a:tblPr firstRow="1" bandRow="1">
+                <a:tableStyleId>{616DA210-FB5B-4158-B5E0-FEB733F419BA}</a:tableStyleId>
+              </a:tblPr>
+              <a:tblGrid>
+                <a:gridCol w="1632155">
+                  <a:extLst>
+                    <a:ext uri="{9D8B030D-6E8A-4147-A177-3AD203B41FA5}">
+                      <a16:colId xmlns:a16="http://schemas.microsoft.com/office/drawing/2014/main" val="2097733843"/>
+                    </a:ext>
+                  </a:extLst>
+                </a:gridCol>
+                <a:gridCol w="1632155">
+                  <a:extLst>
+                    <a:ext uri="{9D8B030D-6E8A-4147-A177-3AD203B41FA5}">
+                      <a16:colId xmlns:a16="http://schemas.microsoft.com/office/drawing/2014/main" val="577254002"/>
+                    </a:ext>
+                  </a:extLst>
+                </a:gridCol>
+                <a:gridCol w="1632155">
+                  <a:extLst>
+                    <a:ext uri="{9D8B030D-6E8A-4147-A177-3AD203B41FA5}">
+                      <a16:colId xmlns:a16="http://schemas.microsoft.com/office/drawing/2014/main" val="4105159091"/>
+                    </a:ext>
+                  </a:extLst>
+                </a:gridCol>
+                <a:gridCol w="1632155">
+                  <a:extLst>
+                    <a:ext uri="{9D8B030D-6E8A-4147-A177-3AD203B41FA5}">
+                      <a16:colId xmlns:a16="http://schemas.microsoft.com/office/drawing/2014/main" val="1904174288"/>
+                    </a:ext>
+                  </a:extLst>
+                </a:gridCol>
+                <a:gridCol w="1632155">
+                  <a:extLst>
+                    <a:ext uri="{9D8B030D-6E8A-4147-A177-3AD203B41FA5}">
+                      <a16:colId xmlns:a16="http://schemas.microsoft.com/office/drawing/2014/main" val="3930154999"/>
+                    </a:ext>
+                  </a:extLst>
+                </a:gridCol>
+                <a:gridCol w="1632155">
+                  <a:extLst>
+                    <a:ext uri="{9D8B030D-6E8A-4147-A177-3AD203B41FA5}">
+                      <a16:colId xmlns:a16="http://schemas.microsoft.com/office/drawing/2014/main" val="373465387"/>
+                    </a:ext>
+                  </a:extLst>
+                </a:gridCol>
+              </a:tblGrid>
+              <a:tr h="900584">
+                <a:tc>
+                  <a:txBody>
+                    <a:bodyPr/>
+                    <a:lstStyle/>
+                    <a:p>
+                      <a:pPr algn="ctr"/>
+                      <a:endParaRPr lang="en-US" dirty="0">
+                        <a:latin typeface="Times" pitchFamily="2" charset="0"/>
+                      </a:endParaRPr>
+                    </a:p>
+                  </a:txBody>
+                  <a:tcPr anchor="ctr"/>
+                </a:tc>
+                <a:tc>
+                  <a:txBody>
+                    <a:bodyPr/>
+                    <a:lstStyle/>
+                    <a:p>
+                      <a:pPr algn="ctr"/>
+                      <a:endParaRPr lang="en-US" dirty="0">
+                        <a:latin typeface="Times" pitchFamily="2" charset="0"/>
+                      </a:endParaRPr>
+                    </a:p>
+                  </a:txBody>
+                  <a:tcPr anchor="ctr"/>
+                </a:tc>
+                <a:tc>
+                  <a:txBody>
+                    <a:bodyPr/>
+                    <a:lstStyle/>
+                    <a:p>
+                      <a:pPr algn="ctr"/>
+                      <a:r>
+                        <a:rPr lang="en-US" dirty="0"/>
+                        <a:t>Bit 1</a:t>
+                      </a:r>
+                      <a:endParaRPr lang="en-US" dirty="0">
+                        <a:latin typeface="Times" pitchFamily="2" charset="0"/>
+                      </a:endParaRPr>
+                    </a:p>
+                  </a:txBody>
+                  <a:tcPr anchor="ctr"/>
+                </a:tc>
+                <a:tc>
+                  <a:txBody>
+                    <a:bodyPr/>
+                    <a:lstStyle/>
+                    <a:p>
+                      <a:pPr marL="0" marR="0" lvl="0" indent="0" algn="ctr" defTabSz="914400" rtl="0" eaLnBrk="1" fontAlgn="auto" latinLnBrk="0" hangingPunct="1">
+                        <a:lnSpc>
+                          <a:spcPct val="100000"/>
+                        </a:lnSpc>
+                        <a:spcBef>
+                          <a:spcPts val="0"/>
+                        </a:spcBef>
+                        <a:spcAft>
+                          <a:spcPts val="0"/>
+                        </a:spcAft>
+                        <a:buClrTx/>
+                        <a:buSzTx/>
+                        <a:buFontTx/>
+                        <a:buNone/>
+                        <a:tabLst/>
+                        <a:defRPr/>
+                      </a:pPr>
+                      <a:endParaRPr lang="en-US" dirty="0"/>
+                    </a:p>
+                    <a:p>
+                      <a:pPr algn="ctr"/>
+                      <a:r>
+                        <a:rPr lang="en-US" dirty="0"/>
+                        <a:t>Bit 2</a:t>
+                      </a:r>
+                    </a:p>
+                    <a:p>
+                      <a:pPr algn="ctr"/>
+                      <a:endParaRPr lang="en-US" dirty="0">
+                        <a:latin typeface="Times" pitchFamily="2" charset="0"/>
+                      </a:endParaRPr>
+                    </a:p>
+                  </a:txBody>
+                  <a:tcPr anchor="ctr"/>
+                </a:tc>
+                <a:tc>
+                  <a:txBody>
+                    <a:bodyPr/>
+                    <a:lstStyle/>
+                    <a:p>
+                      <a:pPr marL="0" marR="0" lvl="0" indent="0" algn="ctr" defTabSz="914400" rtl="0" eaLnBrk="1" fontAlgn="auto" latinLnBrk="0" hangingPunct="1">
+                        <a:lnSpc>
+                          <a:spcPct val="100000"/>
+                        </a:lnSpc>
+                        <a:spcBef>
+                          <a:spcPts val="0"/>
+                        </a:spcBef>
+                        <a:spcAft>
+                          <a:spcPts val="0"/>
+                        </a:spcAft>
+                        <a:buClrTx/>
+                        <a:buSzTx/>
+                        <a:buFontTx/>
+                        <a:buNone/>
+                        <a:tabLst/>
+                        <a:defRPr/>
+                      </a:pPr>
+                      <a:r>
+                        <a:rPr lang="en-US" dirty="0"/>
+                        <a:t>Bit 3</a:t>
+                      </a:r>
+                      <a:endParaRPr lang="en-US" dirty="0">
+                        <a:latin typeface="Times" pitchFamily="2" charset="0"/>
+                      </a:endParaRPr>
+                    </a:p>
+                  </a:txBody>
+                  <a:tcPr anchor="ctr"/>
+                </a:tc>
+                <a:tc>
+                  <a:txBody>
+                    <a:bodyPr/>
+                    <a:lstStyle/>
+                    <a:p>
+                      <a:pPr marL="0" marR="0" lvl="0" indent="0" algn="ctr" defTabSz="914400" rtl="0" eaLnBrk="1" fontAlgn="auto" latinLnBrk="0" hangingPunct="1">
+                        <a:lnSpc>
+                          <a:spcPct val="100000"/>
+                        </a:lnSpc>
+                        <a:spcBef>
+                          <a:spcPts val="0"/>
+                        </a:spcBef>
+                        <a:spcAft>
+                          <a:spcPts val="0"/>
+                        </a:spcAft>
+                        <a:buClrTx/>
+                        <a:buSzTx/>
+                        <a:buFontTx/>
+                        <a:buNone/>
+                        <a:tabLst/>
+                        <a:defRPr/>
+                      </a:pPr>
+                      <a:endParaRPr lang="en-US" dirty="0"/>
+                    </a:p>
+                    <a:p>
+                      <a:pPr algn="ctr"/>
+                      <a:r>
+                        <a:rPr lang="en-US" dirty="0"/>
+                        <a:t>Bit 4</a:t>
+                      </a:r>
+                    </a:p>
+                    <a:p>
+                      <a:pPr algn="ctr"/>
+                      <a:endParaRPr lang="en-US" dirty="0">
+                        <a:latin typeface="Times" pitchFamily="2" charset="0"/>
+                      </a:endParaRPr>
+                    </a:p>
+                  </a:txBody>
+                  <a:tcPr anchor="ctr"/>
+                </a:tc>
+                <a:extLst>
+                  <a:ext uri="{0D108BD9-81ED-4DB2-BD59-A6C34878D82A}">
+                    <a16:rowId xmlns:a16="http://schemas.microsoft.com/office/drawing/2014/main" val="2145746761"/>
+                  </a:ext>
+                </a:extLst>
+              </a:tr>
+              <a:tr h="384494">
+                <a:tc rowSpan="2">
+                  <a:txBody>
+                    <a:bodyPr/>
+                    <a:lstStyle/>
+                    <a:p>
+                      <a:pPr algn="ctr"/>
+                      <a:r>
+                        <a:rPr lang="en-US" altLang="zh-CN" dirty="0">
+                          <a:latin typeface="Times" pitchFamily="2" charset="0"/>
+                        </a:rPr>
+                        <a:t>Wall Street</a:t>
+                      </a:r>
+                      <a:endParaRPr lang="en-US" dirty="0">
+                        <a:latin typeface="Times" pitchFamily="2" charset="0"/>
+                      </a:endParaRPr>
+                    </a:p>
+                  </a:txBody>
+                  <a:tcPr anchor="ctr"/>
+                </a:tc>
+                <a:tc>
+                  <a:txBody>
+                    <a:bodyPr/>
+                    <a:lstStyle/>
+                    <a:p>
+                      <a:pPr algn="ctr"/>
+                      <a:r>
+                        <a:rPr lang="en-US" altLang="zh-CN" sz="1800" b="1" kern="1200" dirty="0">
+                          <a:solidFill>
+                            <a:schemeClr val="tx1"/>
+                          </a:solidFill>
+                          <a:latin typeface="+mn-lt"/>
+                          <a:ea typeface="+mn-ea"/>
+                          <a:cs typeface="+mn-cs"/>
+                        </a:rPr>
+                        <a:t>Whole</a:t>
+                      </a:r>
+                      <a:r>
+                        <a:rPr lang="zh-CN" altLang="en-US" sz="1800" b="1" kern="1200" dirty="0">
+                          <a:solidFill>
+                            <a:schemeClr val="tx1"/>
+                          </a:solidFill>
+                          <a:latin typeface="+mn-lt"/>
+                          <a:ea typeface="+mn-ea"/>
+                          <a:cs typeface="+mn-cs"/>
+                        </a:rPr>
+                        <a:t> </a:t>
+                      </a:r>
+                      <a:r>
+                        <a:rPr lang="en-US" altLang="zh-CN" sz="1800" b="1" kern="1200" dirty="0">
+                          <a:solidFill>
+                            <a:schemeClr val="tx1"/>
+                          </a:solidFill>
+                          <a:latin typeface="+mn-lt"/>
+                          <a:ea typeface="+mn-ea"/>
+                          <a:cs typeface="+mn-cs"/>
+                        </a:rPr>
+                        <a:t>area</a:t>
+                      </a:r>
+                      <a:endParaRPr lang="en-US" dirty="0">
+                        <a:latin typeface="Times" pitchFamily="2" charset="0"/>
+                      </a:endParaRPr>
+                    </a:p>
+                  </a:txBody>
+                  <a:tcPr/>
+                </a:tc>
+                <a:tc>
+                  <a:txBody>
+                    <a:bodyPr/>
+                    <a:lstStyle/>
+                    <a:p>
+                      <a:pPr algn="ctr"/>
+                      <a:r>
+                        <a:rPr lang="en-US" altLang="zh-CN" sz="1800" kern="1200" dirty="0">
+                          <a:solidFill>
+                            <a:schemeClr val="tx1"/>
+                          </a:solidFill>
+                          <a:latin typeface="Times" pitchFamily="2" charset="0"/>
+                          <a:ea typeface="+mn-ea"/>
+                          <a:cs typeface="+mn-cs"/>
+                        </a:rPr>
+                        <a:t>71%</a:t>
+                      </a:r>
+                      <a:endParaRPr lang="en-US" sz="1800" kern="1200" dirty="0">
+                        <a:solidFill>
+                          <a:schemeClr val="tx1"/>
+                        </a:solidFill>
+                        <a:latin typeface="Times" pitchFamily="2" charset="0"/>
+                        <a:ea typeface="+mn-ea"/>
+                        <a:cs typeface="+mn-cs"/>
+                      </a:endParaRPr>
+                    </a:p>
+                  </a:txBody>
+                  <a:tcPr/>
+                </a:tc>
+                <a:tc>
+                  <a:txBody>
+                    <a:bodyPr/>
+                    <a:lstStyle/>
+                    <a:p>
+                      <a:pPr algn="ctr"/>
+                      <a:r>
+                        <a:rPr lang="en-US" altLang="zh-CN" sz="1800" kern="1200" dirty="0">
+                          <a:solidFill>
+                            <a:schemeClr val="tx1"/>
+                          </a:solidFill>
+                          <a:latin typeface="Times" pitchFamily="2" charset="0"/>
+                          <a:ea typeface="+mn-ea"/>
+                          <a:cs typeface="+mn-cs"/>
+                        </a:rPr>
+                        <a:t>81.64%</a:t>
+                      </a:r>
+                      <a:endParaRPr lang="en-US" sz="1800" kern="1200" dirty="0">
+                        <a:solidFill>
+                          <a:schemeClr val="tx1"/>
+                        </a:solidFill>
+                        <a:latin typeface="Times" pitchFamily="2" charset="0"/>
+                        <a:ea typeface="+mn-ea"/>
+                        <a:cs typeface="+mn-cs"/>
+                      </a:endParaRPr>
+                    </a:p>
+                  </a:txBody>
+                  <a:tcPr/>
+                </a:tc>
+                <a:tc>
+                  <a:txBody>
+                    <a:bodyPr/>
+                    <a:lstStyle/>
+                    <a:p>
+                      <a:pPr algn="ctr"/>
+                      <a:r>
+                        <a:rPr lang="en-US" altLang="zh-CN" sz="1800" kern="1200" dirty="0">
+                          <a:solidFill>
+                            <a:schemeClr val="tx1"/>
+                          </a:solidFill>
+                          <a:latin typeface="Times" pitchFamily="2" charset="0"/>
+                          <a:ea typeface="+mn-ea"/>
+                          <a:cs typeface="+mn-cs"/>
+                        </a:rPr>
+                        <a:t>71.68%</a:t>
+                      </a:r>
+                      <a:endParaRPr lang="en-US" sz="1800" kern="1200" dirty="0">
+                        <a:solidFill>
+                          <a:schemeClr val="tx1"/>
+                        </a:solidFill>
+                        <a:latin typeface="Times" pitchFamily="2" charset="0"/>
+                        <a:ea typeface="+mn-ea"/>
+                        <a:cs typeface="+mn-cs"/>
+                      </a:endParaRPr>
+                    </a:p>
+                  </a:txBody>
+                  <a:tcPr/>
+                </a:tc>
+                <a:tc>
+                  <a:txBody>
+                    <a:bodyPr/>
+                    <a:lstStyle/>
+                    <a:p>
+                      <a:pPr algn="ctr"/>
+                      <a:r>
+                        <a:rPr lang="en-US" altLang="zh-CN" sz="1800" kern="1200" dirty="0">
+                          <a:solidFill>
+                            <a:schemeClr val="tx1"/>
+                          </a:solidFill>
+                          <a:latin typeface="Times" pitchFamily="2" charset="0"/>
+                          <a:ea typeface="+mn-ea"/>
+                          <a:cs typeface="+mn-cs"/>
+                        </a:rPr>
+                        <a:t>81.46%</a:t>
+                      </a:r>
+                      <a:endParaRPr lang="en-US" sz="1800" kern="1200" dirty="0">
+                        <a:solidFill>
+                          <a:schemeClr val="tx1"/>
+                        </a:solidFill>
+                        <a:latin typeface="Times" pitchFamily="2" charset="0"/>
+                        <a:ea typeface="+mn-ea"/>
+                        <a:cs typeface="+mn-cs"/>
+                      </a:endParaRPr>
+                    </a:p>
+                  </a:txBody>
+                  <a:tcPr/>
+                </a:tc>
+                <a:extLst>
+                  <a:ext uri="{0D108BD9-81ED-4DB2-BD59-A6C34878D82A}">
+                    <a16:rowId xmlns:a16="http://schemas.microsoft.com/office/drawing/2014/main" val="267636452"/>
+                  </a:ext>
+                </a:extLst>
+              </a:tr>
+              <a:tr h="384494">
+                <a:tc vMerge="1">
+                  <a:txBody>
+                    <a:bodyPr/>
+                    <a:lstStyle/>
+                    <a:p>
+                      <a:pPr marL="0" marR="0" lvl="0" indent="0" algn="ctr" defTabSz="914400" rtl="0" eaLnBrk="1" fontAlgn="auto" latinLnBrk="0" hangingPunct="1">
+                        <a:lnSpc>
+                          <a:spcPct val="100000"/>
+                        </a:lnSpc>
+                        <a:spcBef>
+                          <a:spcPts val="0"/>
+                        </a:spcBef>
+                        <a:spcAft>
+                          <a:spcPts val="0"/>
+                        </a:spcAft>
+                        <a:buClrTx/>
+                        <a:buSzTx/>
+                        <a:buFontTx/>
+                        <a:buNone/>
+                        <a:tabLst/>
+                        <a:defRPr/>
+                      </a:pPr>
+                      <a:endParaRPr lang="en-US" sz="1800" b="1" kern="1200" dirty="0">
+                        <a:solidFill>
+                          <a:schemeClr val="tx1"/>
+                        </a:solidFill>
+                        <a:latin typeface="+mn-lt"/>
+                        <a:ea typeface="+mn-ea"/>
+                        <a:cs typeface="+mn-cs"/>
+                      </a:endParaRPr>
+                    </a:p>
+                  </a:txBody>
+                  <a:tcPr/>
+                </a:tc>
+                <a:tc>
+                  <a:txBody>
+                    <a:bodyPr/>
+                    <a:lstStyle/>
+                    <a:p>
+                      <a:pPr marL="0" marR="0" lvl="0" indent="0" algn="ctr" defTabSz="914400" rtl="0" eaLnBrk="1" fontAlgn="auto" latinLnBrk="0" hangingPunct="1">
+                        <a:lnSpc>
+                          <a:spcPct val="100000"/>
+                        </a:lnSpc>
+                        <a:spcBef>
+                          <a:spcPts val="0"/>
+                        </a:spcBef>
+                        <a:spcAft>
+                          <a:spcPts val="0"/>
+                        </a:spcAft>
+                        <a:buClrTx/>
+                        <a:buSzTx/>
+                        <a:buFontTx/>
+                        <a:buNone/>
+                        <a:tabLst/>
+                        <a:defRPr/>
+                      </a:pPr>
+                      <a:r>
+                        <a:rPr lang="zh-CN" altLang="en-US" sz="1800" b="1" kern="1200" dirty="0">
+                          <a:solidFill>
+                            <a:schemeClr val="tx1"/>
+                          </a:solidFill>
+                          <a:latin typeface="+mn-lt"/>
+                          <a:ea typeface="+mn-ea"/>
+                          <a:cs typeface="+mn-cs"/>
+                        </a:rPr>
+                        <a:t> </a:t>
+                      </a:r>
+                      <a:r>
+                        <a:rPr lang="en-US" altLang="zh-CN" sz="1800" b="1" kern="1200" dirty="0">
+                          <a:solidFill>
+                            <a:schemeClr val="tx1"/>
+                          </a:solidFill>
+                          <a:latin typeface="+mn-lt"/>
+                          <a:ea typeface="+mn-ea"/>
+                          <a:cs typeface="+mn-cs"/>
+                        </a:rPr>
+                        <a:t>test routes</a:t>
+                      </a:r>
+                      <a:endParaRPr lang="en-US" sz="1800" b="1" kern="1200" dirty="0">
+                        <a:solidFill>
+                          <a:schemeClr val="tx1"/>
+                        </a:solidFill>
+                        <a:latin typeface="+mn-lt"/>
+                        <a:ea typeface="+mn-ea"/>
+                        <a:cs typeface="+mn-cs"/>
+                      </a:endParaRPr>
+                    </a:p>
+                  </a:txBody>
+                  <a:tcPr/>
+                </a:tc>
+                <a:tc>
+                  <a:txBody>
+                    <a:bodyPr/>
+                    <a:lstStyle/>
+                    <a:p>
+                      <a:pPr algn="ctr"/>
+                      <a:endParaRPr lang="en-US" sz="1800" kern="1200" dirty="0">
+                        <a:solidFill>
+                          <a:schemeClr val="tx1"/>
+                        </a:solidFill>
+                        <a:latin typeface="Times" pitchFamily="2" charset="0"/>
+                        <a:ea typeface="+mn-ea"/>
+                        <a:cs typeface="+mn-cs"/>
+                      </a:endParaRPr>
+                    </a:p>
+                  </a:txBody>
+                  <a:tcPr/>
+                </a:tc>
+                <a:tc>
+                  <a:txBody>
+                    <a:bodyPr/>
+                    <a:lstStyle/>
+                    <a:p>
+                      <a:pPr algn="ctr"/>
+                      <a:endParaRPr lang="en-US" sz="1800" kern="1200" dirty="0">
+                        <a:solidFill>
+                          <a:schemeClr val="tx1"/>
+                        </a:solidFill>
+                        <a:latin typeface="Times" pitchFamily="2" charset="0"/>
+                        <a:ea typeface="+mn-ea"/>
+                        <a:cs typeface="+mn-cs"/>
+                      </a:endParaRPr>
+                    </a:p>
+                  </a:txBody>
+                  <a:tcPr/>
+                </a:tc>
+                <a:tc>
+                  <a:txBody>
+                    <a:bodyPr/>
+                    <a:lstStyle/>
+                    <a:p>
+                      <a:pPr algn="ctr"/>
+                      <a:endParaRPr lang="en-US" sz="1800" kern="1200" dirty="0">
+                        <a:solidFill>
+                          <a:schemeClr val="tx1"/>
+                        </a:solidFill>
+                        <a:latin typeface="Times" pitchFamily="2" charset="0"/>
+                        <a:ea typeface="+mn-ea"/>
+                        <a:cs typeface="+mn-cs"/>
+                      </a:endParaRPr>
+                    </a:p>
+                  </a:txBody>
+                  <a:tcPr/>
+                </a:tc>
+                <a:tc>
+                  <a:txBody>
+                    <a:bodyPr/>
+                    <a:lstStyle/>
+                    <a:p>
+                      <a:pPr algn="ctr"/>
+                      <a:endParaRPr lang="en-US" sz="1800" kern="1200" dirty="0">
+                        <a:solidFill>
+                          <a:schemeClr val="tx1"/>
+                        </a:solidFill>
+                        <a:latin typeface="Times" pitchFamily="2" charset="0"/>
+                        <a:ea typeface="+mn-ea"/>
+                        <a:cs typeface="+mn-cs"/>
+                      </a:endParaRPr>
+                    </a:p>
+                  </a:txBody>
+                  <a:tcPr/>
+                </a:tc>
+                <a:extLst>
+                  <a:ext uri="{0D108BD9-81ED-4DB2-BD59-A6C34878D82A}">
+                    <a16:rowId xmlns:a16="http://schemas.microsoft.com/office/drawing/2014/main" val="3934113938"/>
+                  </a:ext>
+                </a:extLst>
+              </a:tr>
+              <a:tr h="384494">
+                <a:tc rowSpan="2">
+                  <a:txBody>
+                    <a:bodyPr/>
+                    <a:lstStyle/>
+                    <a:p>
+                      <a:pPr algn="ctr"/>
+                      <a:r>
+                        <a:rPr lang="en-US" altLang="zh-CN" dirty="0">
+                          <a:latin typeface="Times" pitchFamily="2" charset="0"/>
+                        </a:rPr>
+                        <a:t>Union Square</a:t>
+                      </a:r>
+                      <a:endParaRPr lang="en-US" dirty="0">
+                        <a:latin typeface="Times" pitchFamily="2" charset="0"/>
+                      </a:endParaRPr>
+                    </a:p>
+                  </a:txBody>
+                  <a:tcPr anchor="ctr"/>
+                </a:tc>
+                <a:tc>
+                  <a:txBody>
+                    <a:bodyPr/>
+                    <a:lstStyle/>
+                    <a:p>
+                      <a:pPr algn="ctr"/>
+                      <a:r>
+                        <a:rPr lang="en-US" altLang="zh-CN" sz="1800" b="1" kern="1200" dirty="0">
+                          <a:solidFill>
+                            <a:schemeClr val="tx1"/>
+                          </a:solidFill>
+                          <a:latin typeface="+mn-lt"/>
+                          <a:ea typeface="+mn-ea"/>
+                          <a:cs typeface="+mn-cs"/>
+                        </a:rPr>
+                        <a:t>Whole</a:t>
+                      </a:r>
+                      <a:r>
+                        <a:rPr lang="zh-CN" altLang="en-US" sz="1800" b="1" kern="1200" dirty="0">
+                          <a:solidFill>
+                            <a:schemeClr val="tx1"/>
+                          </a:solidFill>
+                          <a:latin typeface="+mn-lt"/>
+                          <a:ea typeface="+mn-ea"/>
+                          <a:cs typeface="+mn-cs"/>
+                        </a:rPr>
+                        <a:t> </a:t>
+                      </a:r>
+                      <a:r>
+                        <a:rPr lang="en-US" altLang="zh-CN" sz="1800" b="1" kern="1200" dirty="0">
+                          <a:solidFill>
+                            <a:schemeClr val="tx1"/>
+                          </a:solidFill>
+                          <a:latin typeface="+mn-lt"/>
+                          <a:ea typeface="+mn-ea"/>
+                          <a:cs typeface="+mn-cs"/>
+                        </a:rPr>
+                        <a:t>area</a:t>
+                      </a:r>
+                      <a:endParaRPr lang="en-US" dirty="0">
+                        <a:latin typeface="Times" pitchFamily="2" charset="0"/>
+                      </a:endParaRPr>
+                    </a:p>
+                  </a:txBody>
+                  <a:tcPr/>
+                </a:tc>
+                <a:tc>
+                  <a:txBody>
+                    <a:bodyPr/>
+                    <a:lstStyle/>
+                    <a:p>
+                      <a:pPr algn="ctr"/>
+                      <a:r>
+                        <a:rPr lang="en-US" altLang="zh-CN" dirty="0">
+                          <a:latin typeface="Times" pitchFamily="2" charset="0"/>
+                        </a:rPr>
+                        <a:t>81.96%</a:t>
+                      </a:r>
+                      <a:endParaRPr lang="en-US" dirty="0">
+                        <a:latin typeface="Times" pitchFamily="2" charset="0"/>
+                      </a:endParaRPr>
+                    </a:p>
+                  </a:txBody>
+                  <a:tcPr/>
+                </a:tc>
+                <a:tc>
+                  <a:txBody>
+                    <a:bodyPr/>
+                    <a:lstStyle/>
+                    <a:p>
+                      <a:pPr algn="ctr"/>
+                      <a:r>
+                        <a:rPr lang="en-US" altLang="zh-CN" dirty="0">
+                          <a:latin typeface="Times" pitchFamily="2" charset="0"/>
+                        </a:rPr>
+                        <a:t>85.82%</a:t>
+                      </a:r>
+                      <a:endParaRPr lang="en-US" dirty="0">
+                        <a:latin typeface="Times" pitchFamily="2" charset="0"/>
+                      </a:endParaRPr>
+                    </a:p>
+                  </a:txBody>
+                  <a:tcPr/>
+                </a:tc>
+                <a:tc>
+                  <a:txBody>
+                    <a:bodyPr/>
+                    <a:lstStyle/>
+                    <a:p>
+                      <a:pPr algn="ctr"/>
+                      <a:r>
+                        <a:rPr lang="en-US" altLang="zh-CN" dirty="0">
+                          <a:latin typeface="Times" pitchFamily="2" charset="0"/>
+                        </a:rPr>
+                        <a:t>82.54%</a:t>
+                      </a:r>
+                      <a:endParaRPr lang="en-US" dirty="0">
+                        <a:latin typeface="Times" pitchFamily="2" charset="0"/>
+                      </a:endParaRPr>
+                    </a:p>
+                  </a:txBody>
+                  <a:tcPr/>
+                </a:tc>
+                <a:tc>
+                  <a:txBody>
+                    <a:bodyPr/>
+                    <a:lstStyle/>
+                    <a:p>
+                      <a:pPr algn="ctr"/>
+                      <a:r>
+                        <a:rPr lang="en-US" altLang="zh-CN" dirty="0">
+                          <a:latin typeface="Times" pitchFamily="2" charset="0"/>
+                        </a:rPr>
+                        <a:t>85.62%</a:t>
+                      </a:r>
+                      <a:endParaRPr lang="en-US" dirty="0">
+                        <a:latin typeface="Times" pitchFamily="2" charset="0"/>
+                      </a:endParaRPr>
+                    </a:p>
+                  </a:txBody>
+                  <a:tcPr/>
+                </a:tc>
+                <a:extLst>
+                  <a:ext uri="{0D108BD9-81ED-4DB2-BD59-A6C34878D82A}">
+                    <a16:rowId xmlns:a16="http://schemas.microsoft.com/office/drawing/2014/main" val="827348748"/>
+                  </a:ext>
+                </a:extLst>
+              </a:tr>
+              <a:tr h="384494">
+                <a:tc vMerge="1">
+                  <a:txBody>
+                    <a:bodyPr/>
+                    <a:lstStyle/>
+                    <a:p>
+                      <a:pPr marL="0" marR="0" lvl="0" indent="0" algn="ctr" defTabSz="914400" rtl="0" eaLnBrk="1" fontAlgn="auto" latinLnBrk="0" hangingPunct="1">
+                        <a:lnSpc>
+                          <a:spcPct val="100000"/>
+                        </a:lnSpc>
+                        <a:spcBef>
+                          <a:spcPts val="0"/>
+                        </a:spcBef>
+                        <a:spcAft>
+                          <a:spcPts val="0"/>
+                        </a:spcAft>
+                        <a:buClrTx/>
+                        <a:buSzTx/>
+                        <a:buFontTx/>
+                        <a:buNone/>
+                        <a:tabLst/>
+                        <a:defRPr/>
+                      </a:pPr>
+                      <a:endParaRPr lang="en-US" sz="1800" b="1" kern="1200" dirty="0">
+                        <a:solidFill>
+                          <a:schemeClr val="tx1"/>
+                        </a:solidFill>
+                        <a:latin typeface="+mn-lt"/>
+                        <a:ea typeface="+mn-ea"/>
+                        <a:cs typeface="+mn-cs"/>
+                      </a:endParaRPr>
+                    </a:p>
+                  </a:txBody>
+                  <a:tcPr/>
+                </a:tc>
+                <a:tc>
+                  <a:txBody>
+                    <a:bodyPr/>
+                    <a:lstStyle/>
+                    <a:p>
+                      <a:pPr marL="0" marR="0" lvl="0" indent="0" algn="ctr" defTabSz="914400" rtl="0" eaLnBrk="1" fontAlgn="auto" latinLnBrk="0" hangingPunct="1">
+                        <a:lnSpc>
+                          <a:spcPct val="100000"/>
+                        </a:lnSpc>
+                        <a:spcBef>
+                          <a:spcPts val="0"/>
+                        </a:spcBef>
+                        <a:spcAft>
+                          <a:spcPts val="0"/>
+                        </a:spcAft>
+                        <a:buClrTx/>
+                        <a:buSzTx/>
+                        <a:buFontTx/>
+                        <a:buNone/>
+                        <a:tabLst/>
+                        <a:defRPr/>
+                      </a:pPr>
+                      <a:r>
+                        <a:rPr lang="zh-CN" altLang="en-US" sz="1800" b="1" kern="1200" dirty="0">
+                          <a:solidFill>
+                            <a:schemeClr val="tx1"/>
+                          </a:solidFill>
+                          <a:latin typeface="+mn-lt"/>
+                          <a:ea typeface="+mn-ea"/>
+                          <a:cs typeface="+mn-cs"/>
+                        </a:rPr>
+                        <a:t> </a:t>
+                      </a:r>
+                      <a:r>
+                        <a:rPr lang="en-US" altLang="zh-CN" sz="1800" b="1" kern="1200" dirty="0">
+                          <a:solidFill>
+                            <a:schemeClr val="tx1"/>
+                          </a:solidFill>
+                          <a:latin typeface="+mn-lt"/>
+                          <a:ea typeface="+mn-ea"/>
+                          <a:cs typeface="+mn-cs"/>
+                        </a:rPr>
+                        <a:t>test routes</a:t>
+                      </a:r>
+                      <a:endParaRPr lang="en-US" sz="1800" b="1" kern="1200" dirty="0">
+                        <a:solidFill>
+                          <a:schemeClr val="tx1"/>
+                        </a:solidFill>
+                        <a:latin typeface="+mn-lt"/>
+                        <a:ea typeface="+mn-ea"/>
+                        <a:cs typeface="+mn-cs"/>
+                      </a:endParaRPr>
+                    </a:p>
+                  </a:txBody>
+                  <a:tcPr/>
+                </a:tc>
+                <a:tc>
+                  <a:txBody>
+                    <a:bodyPr/>
+                    <a:lstStyle/>
+                    <a:p>
+                      <a:pPr algn="ctr"/>
+                      <a:endParaRPr lang="en-US" dirty="0">
+                        <a:latin typeface="Times" pitchFamily="2" charset="0"/>
+                      </a:endParaRPr>
+                    </a:p>
+                  </a:txBody>
+                  <a:tcPr/>
+                </a:tc>
+                <a:tc>
+                  <a:txBody>
+                    <a:bodyPr/>
+                    <a:lstStyle/>
+                    <a:p>
+                      <a:pPr algn="ctr"/>
+                      <a:endParaRPr lang="en-US" dirty="0">
+                        <a:latin typeface="Times" pitchFamily="2" charset="0"/>
+                      </a:endParaRPr>
+                    </a:p>
+                  </a:txBody>
+                  <a:tcPr/>
+                </a:tc>
+                <a:tc>
+                  <a:txBody>
+                    <a:bodyPr/>
+                    <a:lstStyle/>
+                    <a:p>
+                      <a:pPr algn="ctr"/>
+                      <a:endParaRPr lang="en-US" dirty="0">
+                        <a:latin typeface="Times" pitchFamily="2" charset="0"/>
+                      </a:endParaRPr>
+                    </a:p>
+                  </a:txBody>
+                  <a:tcPr/>
+                </a:tc>
+                <a:tc>
+                  <a:txBody>
+                    <a:bodyPr/>
+                    <a:lstStyle/>
+                    <a:p>
+                      <a:pPr algn="ctr"/>
+                      <a:endParaRPr lang="en-US" dirty="0">
+                        <a:latin typeface="Times" pitchFamily="2" charset="0"/>
+                      </a:endParaRPr>
+                    </a:p>
+                  </a:txBody>
+                  <a:tcPr/>
+                </a:tc>
+                <a:extLst>
+                  <a:ext uri="{0D108BD9-81ED-4DB2-BD59-A6C34878D82A}">
+                    <a16:rowId xmlns:a16="http://schemas.microsoft.com/office/drawing/2014/main" val="1207095232"/>
+                  </a:ext>
+                </a:extLst>
+              </a:tr>
+              <a:tr h="384494">
+                <a:tc rowSpan="2">
+                  <a:txBody>
+                    <a:bodyPr/>
+                    <a:lstStyle/>
+                    <a:p>
+                      <a:pPr algn="ctr"/>
+                      <a:r>
+                        <a:rPr lang="en-US" dirty="0">
+                          <a:latin typeface="Times" pitchFamily="2" charset="0"/>
+                        </a:rPr>
+                        <a:t>Hudson River</a:t>
+                      </a:r>
+                    </a:p>
+                  </a:txBody>
+                  <a:tcPr anchor="ctr"/>
+                </a:tc>
+                <a:tc>
+                  <a:txBody>
+                    <a:bodyPr/>
+                    <a:lstStyle/>
+                    <a:p>
+                      <a:pPr algn="ctr"/>
+                      <a:r>
+                        <a:rPr lang="en-US" altLang="zh-CN" sz="1800" b="1" kern="1200" dirty="0">
+                          <a:solidFill>
+                            <a:schemeClr val="tx1"/>
+                          </a:solidFill>
+                          <a:latin typeface="+mn-lt"/>
+                          <a:ea typeface="+mn-ea"/>
+                          <a:cs typeface="+mn-cs"/>
+                        </a:rPr>
+                        <a:t>Whole</a:t>
+                      </a:r>
+                      <a:r>
+                        <a:rPr lang="zh-CN" altLang="en-US" sz="1800" b="1" kern="1200" dirty="0">
+                          <a:solidFill>
+                            <a:schemeClr val="tx1"/>
+                          </a:solidFill>
+                          <a:latin typeface="+mn-lt"/>
+                          <a:ea typeface="+mn-ea"/>
+                          <a:cs typeface="+mn-cs"/>
+                        </a:rPr>
+                        <a:t> </a:t>
+                      </a:r>
+                      <a:r>
+                        <a:rPr lang="en-US" altLang="zh-CN" sz="1800" b="1" kern="1200" dirty="0">
+                          <a:solidFill>
+                            <a:schemeClr val="tx1"/>
+                          </a:solidFill>
+                          <a:latin typeface="+mn-lt"/>
+                          <a:ea typeface="+mn-ea"/>
+                          <a:cs typeface="+mn-cs"/>
+                        </a:rPr>
+                        <a:t>area</a:t>
+                      </a:r>
+                      <a:endParaRPr lang="en-US" dirty="0">
+                        <a:latin typeface="Times" pitchFamily="2" charset="0"/>
+                      </a:endParaRPr>
+                    </a:p>
+                  </a:txBody>
+                  <a:tcPr/>
+                </a:tc>
+                <a:tc>
+                  <a:txBody>
+                    <a:bodyPr/>
+                    <a:lstStyle/>
+                    <a:p>
+                      <a:pPr algn="ctr"/>
+                      <a:endParaRPr lang="en-US" dirty="0">
+                        <a:latin typeface="Times" pitchFamily="2" charset="0"/>
+                      </a:endParaRPr>
+                    </a:p>
+                  </a:txBody>
+                  <a:tcPr/>
+                </a:tc>
+                <a:tc>
+                  <a:txBody>
+                    <a:bodyPr/>
+                    <a:lstStyle/>
+                    <a:p>
+                      <a:pPr algn="ctr"/>
+                      <a:endParaRPr lang="en-US" dirty="0">
+                        <a:latin typeface="Times" pitchFamily="2" charset="0"/>
+                      </a:endParaRPr>
+                    </a:p>
+                  </a:txBody>
+                  <a:tcPr/>
+                </a:tc>
+                <a:tc>
+                  <a:txBody>
+                    <a:bodyPr/>
+                    <a:lstStyle/>
+                    <a:p>
+                      <a:pPr algn="ctr"/>
+                      <a:endParaRPr lang="en-US" dirty="0">
+                        <a:latin typeface="Times" pitchFamily="2" charset="0"/>
+                      </a:endParaRPr>
+                    </a:p>
+                  </a:txBody>
+                  <a:tcPr/>
+                </a:tc>
+                <a:tc>
+                  <a:txBody>
+                    <a:bodyPr/>
+                    <a:lstStyle/>
+                    <a:p>
+                      <a:pPr algn="ctr"/>
+                      <a:endParaRPr lang="en-US" dirty="0">
+                        <a:latin typeface="Times" pitchFamily="2" charset="0"/>
+                      </a:endParaRPr>
+                    </a:p>
+                  </a:txBody>
+                  <a:tcPr/>
+                </a:tc>
+                <a:extLst>
+                  <a:ext uri="{0D108BD9-81ED-4DB2-BD59-A6C34878D82A}">
+                    <a16:rowId xmlns:a16="http://schemas.microsoft.com/office/drawing/2014/main" val="4103627438"/>
+                  </a:ext>
+                </a:extLst>
+              </a:tr>
+              <a:tr h="384494">
+                <a:tc vMerge="1">
+                  <a:txBody>
+                    <a:bodyPr/>
+                    <a:lstStyle/>
+                    <a:p>
+                      <a:pPr algn="ctr"/>
+                      <a:endParaRPr lang="en-US" dirty="0">
+                        <a:latin typeface="Times" pitchFamily="2" charset="0"/>
+                      </a:endParaRPr>
+                    </a:p>
+                  </a:txBody>
+                  <a:tcPr anchor="ctr"/>
+                </a:tc>
+                <a:tc>
+                  <a:txBody>
+                    <a:bodyPr/>
+                    <a:lstStyle/>
+                    <a:p>
+                      <a:pPr marL="0" marR="0" lvl="0" indent="0" algn="ctr" defTabSz="914400" rtl="0" eaLnBrk="1" fontAlgn="auto" latinLnBrk="0" hangingPunct="1">
+                        <a:lnSpc>
+                          <a:spcPct val="100000"/>
+                        </a:lnSpc>
+                        <a:spcBef>
+                          <a:spcPts val="0"/>
+                        </a:spcBef>
+                        <a:spcAft>
+                          <a:spcPts val="0"/>
+                        </a:spcAft>
+                        <a:buClrTx/>
+                        <a:buSzTx/>
+                        <a:buFontTx/>
+                        <a:buNone/>
+                        <a:tabLst/>
+                        <a:defRPr/>
+                      </a:pPr>
+                      <a:r>
+                        <a:rPr lang="zh-CN" altLang="en-US" sz="1800" b="1" kern="1200" dirty="0">
+                          <a:solidFill>
+                            <a:schemeClr val="tx1"/>
+                          </a:solidFill>
+                          <a:latin typeface="+mn-lt"/>
+                          <a:ea typeface="+mn-ea"/>
+                          <a:cs typeface="+mn-cs"/>
+                        </a:rPr>
+                        <a:t> </a:t>
+                      </a:r>
+                      <a:r>
+                        <a:rPr lang="en-US" altLang="zh-CN" sz="1800" b="1" kern="1200" dirty="0">
+                          <a:solidFill>
+                            <a:schemeClr val="tx1"/>
+                          </a:solidFill>
+                          <a:latin typeface="+mn-lt"/>
+                          <a:ea typeface="+mn-ea"/>
+                          <a:cs typeface="+mn-cs"/>
+                        </a:rPr>
+                        <a:t>test routes</a:t>
+                      </a:r>
+                      <a:endParaRPr lang="en-US" sz="1800" b="1" kern="1200" dirty="0">
+                        <a:solidFill>
+                          <a:schemeClr val="tx1"/>
+                        </a:solidFill>
+                        <a:latin typeface="+mn-lt"/>
+                        <a:ea typeface="+mn-ea"/>
+                        <a:cs typeface="+mn-cs"/>
+                      </a:endParaRPr>
+                    </a:p>
+                  </a:txBody>
+                  <a:tcPr/>
+                </a:tc>
+                <a:tc>
+                  <a:txBody>
+                    <a:bodyPr/>
+                    <a:lstStyle/>
+                    <a:p>
+                      <a:pPr algn="ctr"/>
+                      <a:endParaRPr lang="en-US" dirty="0">
+                        <a:latin typeface="Times" pitchFamily="2" charset="0"/>
+                      </a:endParaRPr>
+                    </a:p>
+                  </a:txBody>
+                  <a:tcPr/>
+                </a:tc>
+                <a:tc>
+                  <a:txBody>
+                    <a:bodyPr/>
+                    <a:lstStyle/>
+                    <a:p>
+                      <a:pPr algn="ctr"/>
+                      <a:endParaRPr lang="en-US" dirty="0">
+                        <a:latin typeface="Times" pitchFamily="2" charset="0"/>
+                      </a:endParaRPr>
+                    </a:p>
+                  </a:txBody>
+                  <a:tcPr/>
+                </a:tc>
+                <a:tc>
+                  <a:txBody>
+                    <a:bodyPr/>
+                    <a:lstStyle/>
+                    <a:p>
+                      <a:pPr algn="ctr"/>
+                      <a:endParaRPr lang="en-US" dirty="0">
+                        <a:latin typeface="Times" pitchFamily="2" charset="0"/>
+                      </a:endParaRPr>
+                    </a:p>
+                  </a:txBody>
+                  <a:tcPr/>
+                </a:tc>
+                <a:tc>
+                  <a:txBody>
+                    <a:bodyPr/>
+                    <a:lstStyle/>
+                    <a:p>
+                      <a:pPr algn="ctr"/>
+                      <a:endParaRPr lang="en-US" dirty="0">
+                        <a:latin typeface="Times" pitchFamily="2" charset="0"/>
+                      </a:endParaRPr>
+                    </a:p>
+                  </a:txBody>
+                  <a:tcPr/>
+                </a:tc>
+                <a:extLst>
+                  <a:ext uri="{0D108BD9-81ED-4DB2-BD59-A6C34878D82A}">
+                    <a16:rowId xmlns:a16="http://schemas.microsoft.com/office/drawing/2014/main" val="720484347"/>
+                  </a:ext>
+                </a:extLst>
+              </a:tr>
+            </a:tbl>
+          </a:graphicData>
+        </a:graphic>
+      </p:graphicFrame>
+      <p:sp>
+        <p:nvSpPr>
+          <p:cNvPr id="7" name="TextBox 6">
+            <a:extLst>
+              <a:ext uri="{FF2B5EF4-FFF2-40B4-BE49-F238E27FC236}">
+                <a16:creationId xmlns:a16="http://schemas.microsoft.com/office/drawing/2014/main" id="{ACA35AA7-8132-EC4C-8F68-871D62F3483C}"/>
+              </a:ext>
+            </a:extLst>
+          </p:cNvPr>
+          <p:cNvSpPr txBox="1"/>
+          <p:nvPr/>
+        </p:nvSpPr>
+        <p:spPr>
+          <a:xfrm>
+            <a:off x="4038600" y="909550"/>
+            <a:ext cx="4055806" cy="400110"/>
+          </a:xfrm>
+          <a:prstGeom prst="rect">
+            <a:avLst/>
+          </a:prstGeom>
+          <a:noFill/>
+        </p:spPr>
+        <p:txBody>
+          <a:bodyPr wrap="square" rtlCol="0">
+            <a:spAutoFit/>
+          </a:bodyPr>
+          <a:lstStyle/>
+          <a:p>
+            <a:pPr algn="ctr"/>
+            <a:r>
+              <a:rPr lang="en-US" sz="2000" b="1" dirty="0">
+                <a:latin typeface="Times" pitchFamily="2" charset="0"/>
+              </a:rPr>
+              <a:t>Statistic accuracy for each bit</a:t>
+            </a:r>
+          </a:p>
+        </p:txBody>
+      </p:sp>
+    </p:spTree>
+    <p:extLst>
+      <p:ext uri="{BB962C8B-B14F-4D97-AF65-F5344CB8AC3E}">
+        <p14:creationId xmlns:p14="http://schemas.microsoft.com/office/powerpoint/2010/main" val="3128825579"/>
+      </p:ext>
+    </p:extLst>
+  </p:cSld>
+  <p:clrMapOvr>
+    <a:masterClrMapping/>
+  </p:clrMapOvr>
+</p:sld>
+</file>
+
+<file path=ppt/slides/slide62.xml><?xml version="1.0" encoding="utf-8"?>
+<p:sld xmlns:a="http://schemas.openxmlformats.org/drawingml/2006/main" xmlns:r="http://schemas.openxmlformats.org/officeDocument/2006/relationships" xmlns:p="http://schemas.openxmlformats.org/presentationml/2006/main">
+  <p:cSld>
+    <p:spTree>
+      <p:nvGrpSpPr>
+        <p:cNvPr id="1" name=""/>
+        <p:cNvGrpSpPr/>
+        <p:nvPr/>
+      </p:nvGrpSpPr>
+      <p:grpSpPr>
+        <a:xfrm>
+          <a:off x="0" y="0"/>
+          <a:ext cx="0" cy="0"/>
+          <a:chOff x="0" y="0"/>
+          <a:chExt cx="0" cy="0"/>
+        </a:xfrm>
+      </p:grpSpPr>
+      <p:graphicFrame>
+        <p:nvGraphicFramePr>
+          <p:cNvPr id="6" name="Table 5">
+            <a:extLst>
+              <a:ext uri="{FF2B5EF4-FFF2-40B4-BE49-F238E27FC236}">
+                <a16:creationId xmlns:a16="http://schemas.microsoft.com/office/drawing/2014/main" id="{82B10131-45F2-944F-AFCB-541B11C81E95}"/>
+              </a:ext>
+            </a:extLst>
+          </p:cNvPr>
+          <p:cNvGraphicFramePr>
+            <a:graphicFrameLocks noGrp="1"/>
+          </p:cNvGraphicFramePr>
+          <p:nvPr>
+            <p:extLst>
+              <p:ext uri="{D42A27DB-BD31-4B8C-83A1-F6EECF244321}">
+                <p14:modId xmlns:p14="http://schemas.microsoft.com/office/powerpoint/2010/main" val="4188983545"/>
+              </p:ext>
+            </p:extLst>
+          </p:nvPr>
+        </p:nvGraphicFramePr>
+        <p:xfrm>
+          <a:off x="1472421" y="2024130"/>
+          <a:ext cx="9368046" cy="3267396"/>
+        </p:xfrm>
+        <a:graphic>
+          <a:graphicData uri="http://schemas.openxmlformats.org/drawingml/2006/table">
+            <a:tbl>
+              <a:tblPr firstRow="1" bandRow="1">
+                <a:tableStyleId>{BC89EF96-8CEA-46FF-86C4-4CE0E7609802}</a:tableStyleId>
+              </a:tblPr>
+              <a:tblGrid>
+                <a:gridCol w="1561341">
+                  <a:extLst>
+                    <a:ext uri="{9D8B030D-6E8A-4147-A177-3AD203B41FA5}">
+                      <a16:colId xmlns:a16="http://schemas.microsoft.com/office/drawing/2014/main" val="3085117936"/>
+                    </a:ext>
+                  </a:extLst>
+                </a:gridCol>
+                <a:gridCol w="1561341">
+                  <a:extLst>
+                    <a:ext uri="{9D8B030D-6E8A-4147-A177-3AD203B41FA5}">
+                      <a16:colId xmlns:a16="http://schemas.microsoft.com/office/drawing/2014/main" val="2717273049"/>
+                    </a:ext>
+                  </a:extLst>
+                </a:gridCol>
+                <a:gridCol w="1561341">
+                  <a:extLst>
+                    <a:ext uri="{9D8B030D-6E8A-4147-A177-3AD203B41FA5}">
+                      <a16:colId xmlns:a16="http://schemas.microsoft.com/office/drawing/2014/main" val="4105159091"/>
+                    </a:ext>
+                  </a:extLst>
+                </a:gridCol>
+                <a:gridCol w="1561341">
+                  <a:extLst>
+                    <a:ext uri="{9D8B030D-6E8A-4147-A177-3AD203B41FA5}">
+                      <a16:colId xmlns:a16="http://schemas.microsoft.com/office/drawing/2014/main" val="1904174288"/>
+                    </a:ext>
+                  </a:extLst>
+                </a:gridCol>
+                <a:gridCol w="1561341">
+                  <a:extLst>
+                    <a:ext uri="{9D8B030D-6E8A-4147-A177-3AD203B41FA5}">
+                      <a16:colId xmlns:a16="http://schemas.microsoft.com/office/drawing/2014/main" val="3930154999"/>
+                    </a:ext>
+                  </a:extLst>
+                </a:gridCol>
+                <a:gridCol w="1561341">
+                  <a:extLst>
+                    <a:ext uri="{9D8B030D-6E8A-4147-A177-3AD203B41FA5}">
+                      <a16:colId xmlns:a16="http://schemas.microsoft.com/office/drawing/2014/main" val="373465387"/>
+                    </a:ext>
+                  </a:extLst>
+                </a:gridCol>
+              </a:tblGrid>
+              <a:tr h="917388">
+                <a:tc>
+                  <a:txBody>
+                    <a:bodyPr/>
+                    <a:lstStyle/>
+                    <a:p>
+                      <a:pPr algn="ctr"/>
+                      <a:endParaRPr lang="en-US" dirty="0">
+                        <a:latin typeface="Times" pitchFamily="2" charset="0"/>
+                      </a:endParaRPr>
+                    </a:p>
+                  </a:txBody>
+                  <a:tcPr anchor="ctr"/>
+                </a:tc>
+                <a:tc>
+                  <a:txBody>
+                    <a:bodyPr/>
+                    <a:lstStyle/>
+                    <a:p>
+                      <a:pPr algn="ctr"/>
+                      <a:endParaRPr lang="en-US" dirty="0">
+                        <a:latin typeface="Times" pitchFamily="2" charset="0"/>
+                      </a:endParaRPr>
+                    </a:p>
+                  </a:txBody>
+                  <a:tcPr anchor="ctr"/>
+                </a:tc>
+                <a:tc>
+                  <a:txBody>
+                    <a:bodyPr/>
+                    <a:lstStyle/>
+                    <a:p>
+                      <a:pPr algn="ctr"/>
+                      <a:r>
+                        <a:rPr lang="en-US" dirty="0">
+                          <a:latin typeface="Times" pitchFamily="2" charset="0"/>
+                        </a:rPr>
+                        <a:t>junction</a:t>
+                      </a:r>
+                    </a:p>
+                  </a:txBody>
+                  <a:tcPr anchor="ctr"/>
+                </a:tc>
+                <a:tc>
+                  <a:txBody>
+                    <a:bodyPr/>
+                    <a:lstStyle/>
+                    <a:p>
+                      <a:pPr algn="ctr"/>
+                      <a:r>
+                        <a:rPr lang="en-US" dirty="0" err="1">
+                          <a:latin typeface="Times" pitchFamily="2" charset="0"/>
+                        </a:rPr>
+                        <a:t>Non_junction</a:t>
+                      </a:r>
+                      <a:endParaRPr lang="en-US" dirty="0">
+                        <a:latin typeface="Times" pitchFamily="2" charset="0"/>
+                      </a:endParaRPr>
+                    </a:p>
+                  </a:txBody>
+                  <a:tcPr anchor="ctr"/>
+                </a:tc>
+                <a:tc>
+                  <a:txBody>
+                    <a:bodyPr/>
+                    <a:lstStyle/>
+                    <a:p>
+                      <a:pPr marL="0" marR="0" lvl="0" indent="0" algn="ctr" defTabSz="914400" rtl="0" eaLnBrk="1" fontAlgn="auto" latinLnBrk="0" hangingPunct="1">
+                        <a:lnSpc>
+                          <a:spcPct val="100000"/>
+                        </a:lnSpc>
+                        <a:spcBef>
+                          <a:spcPts val="0"/>
+                        </a:spcBef>
+                        <a:spcAft>
+                          <a:spcPts val="0"/>
+                        </a:spcAft>
+                        <a:buClrTx/>
+                        <a:buSzTx/>
+                        <a:buFontTx/>
+                        <a:buNone/>
+                        <a:tabLst/>
+                        <a:defRPr/>
+                      </a:pPr>
+                      <a:r>
+                        <a:rPr lang="en-US" dirty="0">
+                          <a:latin typeface="Times" pitchFamily="2" charset="0"/>
+                        </a:rPr>
+                        <a:t>gap</a:t>
+                      </a:r>
+                    </a:p>
+                  </a:txBody>
+                  <a:tcPr anchor="ctr"/>
+                </a:tc>
+                <a:tc>
+                  <a:txBody>
+                    <a:bodyPr/>
+                    <a:lstStyle/>
+                    <a:p>
+                      <a:pPr algn="ctr"/>
+                      <a:r>
+                        <a:rPr lang="en-US" dirty="0" err="1">
+                          <a:latin typeface="Times" pitchFamily="2" charset="0"/>
+                        </a:rPr>
+                        <a:t>Non_gap</a:t>
+                      </a:r>
+                      <a:endParaRPr lang="en-US" dirty="0">
+                        <a:latin typeface="Times" pitchFamily="2" charset="0"/>
+                      </a:endParaRPr>
+                    </a:p>
+                  </a:txBody>
+                  <a:tcPr anchor="ctr"/>
+                </a:tc>
+                <a:extLst>
+                  <a:ext uri="{0D108BD9-81ED-4DB2-BD59-A6C34878D82A}">
+                    <a16:rowId xmlns:a16="http://schemas.microsoft.com/office/drawing/2014/main" val="2145746761"/>
+                  </a:ext>
+                </a:extLst>
+              </a:tr>
+              <a:tr h="391668">
+                <a:tc rowSpan="2">
+                  <a:txBody>
+                    <a:bodyPr/>
+                    <a:lstStyle/>
+                    <a:p>
+                      <a:pPr algn="ctr"/>
+                      <a:r>
+                        <a:rPr lang="en-US" altLang="zh-CN" dirty="0">
+                          <a:latin typeface="Times" pitchFamily="2" charset="0"/>
+                        </a:rPr>
+                        <a:t>Wall Street</a:t>
+                      </a:r>
+                      <a:endParaRPr lang="en-US" dirty="0">
+                        <a:latin typeface="Times" pitchFamily="2" charset="0"/>
+                      </a:endParaRPr>
+                    </a:p>
+                  </a:txBody>
+                  <a:tcPr anchor="ctr"/>
+                </a:tc>
+                <a:tc>
+                  <a:txBody>
+                    <a:bodyPr/>
+                    <a:lstStyle/>
+                    <a:p>
+                      <a:pPr algn="ctr"/>
+                      <a:r>
+                        <a:rPr lang="en-US" altLang="zh-CN" sz="1800" b="1" kern="1200" dirty="0">
+                          <a:solidFill>
+                            <a:schemeClr val="tx1"/>
+                          </a:solidFill>
+                          <a:latin typeface="+mn-lt"/>
+                          <a:ea typeface="+mn-ea"/>
+                          <a:cs typeface="+mn-cs"/>
+                        </a:rPr>
+                        <a:t>Whole</a:t>
+                      </a:r>
+                      <a:r>
+                        <a:rPr lang="zh-CN" altLang="en-US" sz="1800" b="1" kern="1200" dirty="0">
+                          <a:solidFill>
+                            <a:schemeClr val="tx1"/>
+                          </a:solidFill>
+                          <a:latin typeface="+mn-lt"/>
+                          <a:ea typeface="+mn-ea"/>
+                          <a:cs typeface="+mn-cs"/>
+                        </a:rPr>
+                        <a:t> </a:t>
+                      </a:r>
+                      <a:r>
+                        <a:rPr lang="en-US" altLang="zh-CN" sz="1800" b="1" kern="1200" dirty="0">
+                          <a:solidFill>
+                            <a:schemeClr val="tx1"/>
+                          </a:solidFill>
+                          <a:latin typeface="+mn-lt"/>
+                          <a:ea typeface="+mn-ea"/>
+                          <a:cs typeface="+mn-cs"/>
+                        </a:rPr>
+                        <a:t>area</a:t>
+                      </a:r>
+                      <a:endParaRPr lang="en-US" dirty="0">
+                        <a:latin typeface="Times" pitchFamily="2" charset="0"/>
+                      </a:endParaRPr>
+                    </a:p>
+                  </a:txBody>
+                  <a:tcPr/>
+                </a:tc>
+                <a:tc>
+                  <a:txBody>
+                    <a:bodyPr/>
+                    <a:lstStyle/>
+                    <a:p>
+                      <a:pPr algn="ctr"/>
+                      <a:r>
+                        <a:rPr lang="en-US" altLang="zh-CN" dirty="0">
+                          <a:solidFill>
+                            <a:srgbClr val="FF0000"/>
+                          </a:solidFill>
+                          <a:latin typeface="Times" pitchFamily="2" charset="0"/>
+                        </a:rPr>
+                        <a:t>65.52%</a:t>
+                      </a:r>
+                      <a:endParaRPr lang="en-US" dirty="0">
+                        <a:solidFill>
+                          <a:srgbClr val="FF0000"/>
+                        </a:solidFill>
+                        <a:latin typeface="Times" pitchFamily="2" charset="0"/>
+                      </a:endParaRPr>
+                    </a:p>
+                  </a:txBody>
+                  <a:tcPr/>
+                </a:tc>
+                <a:tc>
+                  <a:txBody>
+                    <a:bodyPr/>
+                    <a:lstStyle/>
+                    <a:p>
+                      <a:pPr algn="ctr"/>
+                      <a:r>
+                        <a:rPr lang="en-US" altLang="zh-CN" dirty="0">
+                          <a:solidFill>
+                            <a:srgbClr val="FF0000"/>
+                          </a:solidFill>
+                          <a:latin typeface="Times" pitchFamily="2" charset="0"/>
+                        </a:rPr>
+                        <a:t>75.66%</a:t>
+                      </a:r>
+                      <a:endParaRPr lang="en-US" dirty="0">
+                        <a:solidFill>
+                          <a:srgbClr val="FF0000"/>
+                        </a:solidFill>
+                        <a:latin typeface="Times" pitchFamily="2" charset="0"/>
+                      </a:endParaRPr>
+                    </a:p>
+                  </a:txBody>
+                  <a:tcPr/>
+                </a:tc>
+                <a:tc>
+                  <a:txBody>
+                    <a:bodyPr/>
+                    <a:lstStyle/>
+                    <a:p>
+                      <a:pPr algn="ctr"/>
+                      <a:r>
+                        <a:rPr lang="en-US" altLang="zh-CN" dirty="0">
+                          <a:solidFill>
+                            <a:srgbClr val="FF0000"/>
+                          </a:solidFill>
+                          <a:latin typeface="Times" pitchFamily="2" charset="0"/>
+                        </a:rPr>
+                        <a:t>80.19%</a:t>
+                      </a:r>
+                      <a:endParaRPr lang="en-US" dirty="0">
+                        <a:solidFill>
+                          <a:srgbClr val="FF0000"/>
+                        </a:solidFill>
+                        <a:latin typeface="Times" pitchFamily="2" charset="0"/>
+                      </a:endParaRPr>
+                    </a:p>
+                  </a:txBody>
+                  <a:tcPr/>
+                </a:tc>
+                <a:tc>
+                  <a:txBody>
+                    <a:bodyPr/>
+                    <a:lstStyle/>
+                    <a:p>
+                      <a:pPr algn="ctr"/>
+                      <a:r>
+                        <a:rPr lang="en-US" altLang="zh-CN" dirty="0">
+                          <a:solidFill>
+                            <a:srgbClr val="FF0000"/>
+                          </a:solidFill>
+                          <a:latin typeface="Times" pitchFamily="2" charset="0"/>
+                        </a:rPr>
+                        <a:t>82.46%</a:t>
+                      </a:r>
+                      <a:endParaRPr lang="en-US" dirty="0">
+                        <a:solidFill>
+                          <a:srgbClr val="FF0000"/>
+                        </a:solidFill>
+                        <a:latin typeface="Times" pitchFamily="2" charset="0"/>
+                      </a:endParaRPr>
+                    </a:p>
+                  </a:txBody>
+                  <a:tcPr/>
+                </a:tc>
+                <a:extLst>
+                  <a:ext uri="{0D108BD9-81ED-4DB2-BD59-A6C34878D82A}">
+                    <a16:rowId xmlns:a16="http://schemas.microsoft.com/office/drawing/2014/main" val="267636452"/>
+                  </a:ext>
+                </a:extLst>
+              </a:tr>
+              <a:tr h="391668">
+                <a:tc vMerge="1">
+                  <a:txBody>
+                    <a:bodyPr/>
+                    <a:lstStyle/>
+                    <a:p>
+                      <a:pPr marL="0" marR="0" lvl="0" indent="0" algn="ctr" defTabSz="914400" rtl="0" eaLnBrk="1" fontAlgn="auto" latinLnBrk="0" hangingPunct="1">
+                        <a:lnSpc>
+                          <a:spcPct val="100000"/>
+                        </a:lnSpc>
+                        <a:spcBef>
+                          <a:spcPts val="0"/>
+                        </a:spcBef>
+                        <a:spcAft>
+                          <a:spcPts val="0"/>
+                        </a:spcAft>
+                        <a:buClrTx/>
+                        <a:buSzTx/>
+                        <a:buFontTx/>
+                        <a:buNone/>
+                        <a:tabLst/>
+                        <a:defRPr/>
+                      </a:pPr>
+                      <a:endParaRPr lang="en-US" sz="1800" b="1" kern="1200" dirty="0">
+                        <a:solidFill>
+                          <a:schemeClr val="tx1"/>
+                        </a:solidFill>
+                        <a:latin typeface="+mn-lt"/>
+                        <a:ea typeface="+mn-ea"/>
+                        <a:cs typeface="+mn-cs"/>
+                      </a:endParaRPr>
+                    </a:p>
+                  </a:txBody>
+                  <a:tcPr/>
+                </a:tc>
+                <a:tc>
+                  <a:txBody>
+                    <a:bodyPr/>
+                    <a:lstStyle/>
+                    <a:p>
+                      <a:pPr marL="0" marR="0" lvl="0" indent="0" algn="ctr" defTabSz="914400" rtl="0" eaLnBrk="1" fontAlgn="auto" latinLnBrk="0" hangingPunct="1">
+                        <a:lnSpc>
+                          <a:spcPct val="100000"/>
+                        </a:lnSpc>
+                        <a:spcBef>
+                          <a:spcPts val="0"/>
+                        </a:spcBef>
+                        <a:spcAft>
+                          <a:spcPts val="0"/>
+                        </a:spcAft>
+                        <a:buClrTx/>
+                        <a:buSzTx/>
+                        <a:buFontTx/>
+                        <a:buNone/>
+                        <a:tabLst/>
+                        <a:defRPr/>
+                      </a:pPr>
+                      <a:r>
+                        <a:rPr lang="zh-CN" altLang="en-US" sz="1800" b="1" kern="1200" dirty="0">
+                          <a:solidFill>
+                            <a:schemeClr val="tx1"/>
+                          </a:solidFill>
+                          <a:latin typeface="+mn-lt"/>
+                          <a:ea typeface="+mn-ea"/>
+                          <a:cs typeface="+mn-cs"/>
+                        </a:rPr>
+                        <a:t> </a:t>
+                      </a:r>
+                      <a:r>
+                        <a:rPr lang="en-US" altLang="zh-CN" sz="1800" b="1" kern="1200" dirty="0">
+                          <a:solidFill>
+                            <a:schemeClr val="tx1"/>
+                          </a:solidFill>
+                          <a:latin typeface="+mn-lt"/>
+                          <a:ea typeface="+mn-ea"/>
+                          <a:cs typeface="+mn-cs"/>
+                        </a:rPr>
+                        <a:t>test routes</a:t>
+                      </a:r>
+                      <a:endParaRPr lang="en-US" sz="1800" b="1" kern="1200" dirty="0">
+                        <a:solidFill>
+                          <a:schemeClr val="tx1"/>
+                        </a:solidFill>
+                        <a:latin typeface="+mn-lt"/>
+                        <a:ea typeface="+mn-ea"/>
+                        <a:cs typeface="+mn-cs"/>
+                      </a:endParaRPr>
+                    </a:p>
+                  </a:txBody>
+                  <a:tcPr/>
+                </a:tc>
+                <a:tc>
+                  <a:txBody>
+                    <a:bodyPr/>
+                    <a:lstStyle/>
+                    <a:p>
+                      <a:pPr algn="ctr"/>
+                      <a:endParaRPr lang="en-US" dirty="0">
+                        <a:latin typeface="Times" pitchFamily="2" charset="0"/>
+                      </a:endParaRPr>
+                    </a:p>
+                  </a:txBody>
+                  <a:tcPr/>
+                </a:tc>
+                <a:tc>
+                  <a:txBody>
+                    <a:bodyPr/>
+                    <a:lstStyle/>
+                    <a:p>
+                      <a:pPr algn="ctr"/>
+                      <a:endParaRPr lang="en-US" dirty="0">
+                        <a:latin typeface="Times" pitchFamily="2" charset="0"/>
+                      </a:endParaRPr>
+                    </a:p>
+                  </a:txBody>
+                  <a:tcPr/>
+                </a:tc>
+                <a:tc>
+                  <a:txBody>
+                    <a:bodyPr/>
+                    <a:lstStyle/>
+                    <a:p>
+                      <a:pPr algn="ctr"/>
+                      <a:endParaRPr lang="en-US" dirty="0">
+                        <a:latin typeface="Times" pitchFamily="2" charset="0"/>
+                      </a:endParaRPr>
+                    </a:p>
+                  </a:txBody>
+                  <a:tcPr/>
+                </a:tc>
+                <a:tc>
+                  <a:txBody>
+                    <a:bodyPr/>
+                    <a:lstStyle/>
+                    <a:p>
+                      <a:pPr algn="ctr"/>
+                      <a:endParaRPr lang="en-US" dirty="0">
+                        <a:latin typeface="Times" pitchFamily="2" charset="0"/>
+                      </a:endParaRPr>
+                    </a:p>
+                  </a:txBody>
+                  <a:tcPr/>
+                </a:tc>
+                <a:extLst>
+                  <a:ext uri="{0D108BD9-81ED-4DB2-BD59-A6C34878D82A}">
+                    <a16:rowId xmlns:a16="http://schemas.microsoft.com/office/drawing/2014/main" val="3934113938"/>
+                  </a:ext>
+                </a:extLst>
+              </a:tr>
+              <a:tr h="391668">
+                <a:tc rowSpan="2">
+                  <a:txBody>
+                    <a:bodyPr/>
+                    <a:lstStyle/>
+                    <a:p>
+                      <a:pPr algn="ctr"/>
+                      <a:r>
+                        <a:rPr lang="en-US" altLang="zh-CN" dirty="0">
+                          <a:latin typeface="Times" pitchFamily="2" charset="0"/>
+                        </a:rPr>
+                        <a:t>Union Square</a:t>
+                      </a:r>
+                      <a:endParaRPr lang="en-US" dirty="0">
+                        <a:latin typeface="Times" pitchFamily="2" charset="0"/>
+                      </a:endParaRPr>
+                    </a:p>
+                  </a:txBody>
+                  <a:tcPr anchor="ctr"/>
+                </a:tc>
+                <a:tc>
+                  <a:txBody>
+                    <a:bodyPr/>
+                    <a:lstStyle/>
+                    <a:p>
+                      <a:pPr algn="ctr"/>
+                      <a:r>
+                        <a:rPr lang="en-US" altLang="zh-CN" sz="1800" b="1" kern="1200" dirty="0">
+                          <a:solidFill>
+                            <a:schemeClr val="tx1"/>
+                          </a:solidFill>
+                          <a:latin typeface="+mn-lt"/>
+                          <a:ea typeface="+mn-ea"/>
+                          <a:cs typeface="+mn-cs"/>
+                        </a:rPr>
+                        <a:t>Whole</a:t>
+                      </a:r>
+                      <a:r>
+                        <a:rPr lang="zh-CN" altLang="en-US" sz="1800" b="1" kern="1200" dirty="0">
+                          <a:solidFill>
+                            <a:schemeClr val="tx1"/>
+                          </a:solidFill>
+                          <a:latin typeface="+mn-lt"/>
+                          <a:ea typeface="+mn-ea"/>
+                          <a:cs typeface="+mn-cs"/>
+                        </a:rPr>
+                        <a:t> </a:t>
+                      </a:r>
+                      <a:r>
+                        <a:rPr lang="en-US" altLang="zh-CN" sz="1800" b="1" kern="1200" dirty="0">
+                          <a:solidFill>
+                            <a:schemeClr val="tx1"/>
+                          </a:solidFill>
+                          <a:latin typeface="+mn-lt"/>
+                          <a:ea typeface="+mn-ea"/>
+                          <a:cs typeface="+mn-cs"/>
+                        </a:rPr>
+                        <a:t>area</a:t>
+                      </a:r>
+                      <a:endParaRPr lang="en-US" dirty="0">
+                        <a:latin typeface="Times" pitchFamily="2" charset="0"/>
+                      </a:endParaRPr>
+                    </a:p>
+                  </a:txBody>
+                  <a:tcPr/>
+                </a:tc>
+                <a:tc>
+                  <a:txBody>
+                    <a:bodyPr/>
+                    <a:lstStyle/>
+                    <a:p>
+                      <a:pPr algn="ctr"/>
+                      <a:r>
+                        <a:rPr lang="en-US" altLang="zh-CN" dirty="0">
+                          <a:solidFill>
+                            <a:srgbClr val="FF0000"/>
+                          </a:solidFill>
+                          <a:latin typeface="Times" pitchFamily="2" charset="0"/>
+                        </a:rPr>
+                        <a:t>80.51%</a:t>
+                      </a:r>
+                      <a:endParaRPr lang="en-US" dirty="0">
+                        <a:solidFill>
+                          <a:srgbClr val="FF0000"/>
+                        </a:solidFill>
+                        <a:latin typeface="Times" pitchFamily="2" charset="0"/>
+                      </a:endParaRPr>
+                    </a:p>
+                  </a:txBody>
+                  <a:tcPr/>
+                </a:tc>
+                <a:tc>
+                  <a:txBody>
+                    <a:bodyPr/>
+                    <a:lstStyle/>
+                    <a:p>
+                      <a:pPr algn="ctr"/>
+                      <a:r>
+                        <a:rPr lang="en-US" altLang="zh-CN" dirty="0">
+                          <a:solidFill>
+                            <a:srgbClr val="FF0000"/>
+                          </a:solidFill>
+                          <a:latin typeface="Times" pitchFamily="2" charset="0"/>
+                        </a:rPr>
+                        <a:t>83.05%</a:t>
+                      </a:r>
+                      <a:endParaRPr lang="en-US" dirty="0">
+                        <a:solidFill>
+                          <a:srgbClr val="FF0000"/>
+                        </a:solidFill>
+                        <a:latin typeface="Times" pitchFamily="2" charset="0"/>
+                      </a:endParaRPr>
+                    </a:p>
+                  </a:txBody>
+                  <a:tcPr/>
+                </a:tc>
+                <a:tc>
+                  <a:txBody>
+                    <a:bodyPr/>
+                    <a:lstStyle/>
+                    <a:p>
+                      <a:pPr algn="ctr"/>
+                      <a:r>
+                        <a:rPr lang="en-US" altLang="zh-CN" dirty="0">
+                          <a:solidFill>
+                            <a:srgbClr val="FF0000"/>
+                          </a:solidFill>
+                          <a:latin typeface="Times" pitchFamily="2" charset="0"/>
+                        </a:rPr>
+                        <a:t>87.36%</a:t>
+                      </a:r>
+                      <a:endParaRPr lang="en-US" dirty="0">
+                        <a:solidFill>
+                          <a:srgbClr val="FF0000"/>
+                        </a:solidFill>
+                        <a:latin typeface="Times" pitchFamily="2" charset="0"/>
+                      </a:endParaRPr>
+                    </a:p>
+                  </a:txBody>
+                  <a:tcPr/>
+                </a:tc>
+                <a:tc>
+                  <a:txBody>
+                    <a:bodyPr/>
+                    <a:lstStyle/>
+                    <a:p>
+                      <a:pPr algn="ctr"/>
+                      <a:r>
+                        <a:rPr lang="en-US" altLang="zh-CN" dirty="0">
+                          <a:solidFill>
+                            <a:srgbClr val="FF0000"/>
+                          </a:solidFill>
+                          <a:latin typeface="Times" pitchFamily="2" charset="0"/>
+                        </a:rPr>
+                        <a:t>84.48%</a:t>
+                      </a:r>
+                      <a:endParaRPr lang="en-US" dirty="0">
+                        <a:solidFill>
+                          <a:srgbClr val="FF0000"/>
+                        </a:solidFill>
+                        <a:latin typeface="Times" pitchFamily="2" charset="0"/>
+                      </a:endParaRPr>
+                    </a:p>
+                  </a:txBody>
+                  <a:tcPr/>
+                </a:tc>
+                <a:extLst>
+                  <a:ext uri="{0D108BD9-81ED-4DB2-BD59-A6C34878D82A}">
+                    <a16:rowId xmlns:a16="http://schemas.microsoft.com/office/drawing/2014/main" val="827348748"/>
+                  </a:ext>
+                </a:extLst>
+              </a:tr>
+              <a:tr h="391668">
+                <a:tc vMerge="1">
+                  <a:txBody>
+                    <a:bodyPr/>
+                    <a:lstStyle/>
+                    <a:p>
+                      <a:pPr marL="0" marR="0" lvl="0" indent="0" algn="ctr" defTabSz="914400" rtl="0" eaLnBrk="1" fontAlgn="auto" latinLnBrk="0" hangingPunct="1">
+                        <a:lnSpc>
+                          <a:spcPct val="100000"/>
+                        </a:lnSpc>
+                        <a:spcBef>
+                          <a:spcPts val="0"/>
+                        </a:spcBef>
+                        <a:spcAft>
+                          <a:spcPts val="0"/>
+                        </a:spcAft>
+                        <a:buClrTx/>
+                        <a:buSzTx/>
+                        <a:buFontTx/>
+                        <a:buNone/>
+                        <a:tabLst/>
+                        <a:defRPr/>
+                      </a:pPr>
+                      <a:endParaRPr lang="en-US" sz="1800" b="1" kern="1200" dirty="0">
+                        <a:solidFill>
+                          <a:schemeClr val="tx1"/>
+                        </a:solidFill>
+                        <a:latin typeface="+mn-lt"/>
+                        <a:ea typeface="+mn-ea"/>
+                        <a:cs typeface="+mn-cs"/>
+                      </a:endParaRPr>
+                    </a:p>
+                  </a:txBody>
+                  <a:tcPr/>
+                </a:tc>
+                <a:tc>
+                  <a:txBody>
+                    <a:bodyPr/>
+                    <a:lstStyle/>
+                    <a:p>
+                      <a:pPr marL="0" marR="0" lvl="0" indent="0" algn="ctr" defTabSz="914400" rtl="0" eaLnBrk="1" fontAlgn="auto" latinLnBrk="0" hangingPunct="1">
+                        <a:lnSpc>
+                          <a:spcPct val="100000"/>
+                        </a:lnSpc>
+                        <a:spcBef>
+                          <a:spcPts val="0"/>
+                        </a:spcBef>
+                        <a:spcAft>
+                          <a:spcPts val="0"/>
+                        </a:spcAft>
+                        <a:buClrTx/>
+                        <a:buSzTx/>
+                        <a:buFontTx/>
+                        <a:buNone/>
+                        <a:tabLst/>
+                        <a:defRPr/>
+                      </a:pPr>
+                      <a:r>
+                        <a:rPr lang="zh-CN" altLang="en-US" sz="1800" b="1" kern="1200" dirty="0">
+                          <a:solidFill>
+                            <a:schemeClr val="tx1"/>
+                          </a:solidFill>
+                          <a:latin typeface="+mn-lt"/>
+                          <a:ea typeface="+mn-ea"/>
+                          <a:cs typeface="+mn-cs"/>
+                        </a:rPr>
+                        <a:t> </a:t>
+                      </a:r>
+                      <a:r>
+                        <a:rPr lang="en-US" altLang="zh-CN" sz="1800" b="1" kern="1200" dirty="0">
+                          <a:solidFill>
+                            <a:schemeClr val="tx1"/>
+                          </a:solidFill>
+                          <a:latin typeface="+mn-lt"/>
+                          <a:ea typeface="+mn-ea"/>
+                          <a:cs typeface="+mn-cs"/>
+                        </a:rPr>
+                        <a:t>test routes</a:t>
+                      </a:r>
+                      <a:endParaRPr lang="en-US" sz="1800" b="1" kern="1200" dirty="0">
+                        <a:solidFill>
+                          <a:schemeClr val="tx1"/>
+                        </a:solidFill>
+                        <a:latin typeface="+mn-lt"/>
+                        <a:ea typeface="+mn-ea"/>
+                        <a:cs typeface="+mn-cs"/>
+                      </a:endParaRPr>
+                    </a:p>
+                  </a:txBody>
+                  <a:tcPr/>
+                </a:tc>
+                <a:tc>
+                  <a:txBody>
+                    <a:bodyPr/>
+                    <a:lstStyle/>
+                    <a:p>
+                      <a:pPr algn="ctr"/>
+                      <a:endParaRPr lang="en-US" dirty="0">
+                        <a:latin typeface="Times" pitchFamily="2" charset="0"/>
+                      </a:endParaRPr>
+                    </a:p>
+                  </a:txBody>
+                  <a:tcPr/>
+                </a:tc>
+                <a:tc>
+                  <a:txBody>
+                    <a:bodyPr/>
+                    <a:lstStyle/>
+                    <a:p>
+                      <a:pPr algn="ctr"/>
+                      <a:endParaRPr lang="en-US" dirty="0">
+                        <a:latin typeface="Times" pitchFamily="2" charset="0"/>
+                      </a:endParaRPr>
+                    </a:p>
+                  </a:txBody>
+                  <a:tcPr/>
+                </a:tc>
+                <a:tc>
+                  <a:txBody>
+                    <a:bodyPr/>
+                    <a:lstStyle/>
+                    <a:p>
+                      <a:pPr algn="ctr"/>
+                      <a:endParaRPr lang="en-US" dirty="0">
+                        <a:latin typeface="Times" pitchFamily="2" charset="0"/>
+                      </a:endParaRPr>
+                    </a:p>
+                  </a:txBody>
+                  <a:tcPr/>
+                </a:tc>
+                <a:tc>
+                  <a:txBody>
+                    <a:bodyPr/>
+                    <a:lstStyle/>
+                    <a:p>
+                      <a:pPr algn="ctr"/>
+                      <a:endParaRPr lang="en-US" dirty="0">
+                        <a:latin typeface="Times" pitchFamily="2" charset="0"/>
+                      </a:endParaRPr>
+                    </a:p>
+                  </a:txBody>
+                  <a:tcPr/>
+                </a:tc>
+                <a:extLst>
+                  <a:ext uri="{0D108BD9-81ED-4DB2-BD59-A6C34878D82A}">
+                    <a16:rowId xmlns:a16="http://schemas.microsoft.com/office/drawing/2014/main" val="2521364167"/>
+                  </a:ext>
+                </a:extLst>
+              </a:tr>
+              <a:tr h="391668">
+                <a:tc rowSpan="2">
+                  <a:txBody>
+                    <a:bodyPr/>
+                    <a:lstStyle/>
+                    <a:p>
+                      <a:pPr algn="ctr"/>
+                      <a:r>
+                        <a:rPr lang="en-US" dirty="0">
+                          <a:latin typeface="Times" pitchFamily="2" charset="0"/>
+                        </a:rPr>
+                        <a:t>Hudson River</a:t>
+                      </a:r>
+                    </a:p>
+                  </a:txBody>
+                  <a:tcPr anchor="ctr"/>
+                </a:tc>
+                <a:tc>
+                  <a:txBody>
+                    <a:bodyPr/>
+                    <a:lstStyle/>
+                    <a:p>
+                      <a:pPr algn="ctr"/>
+                      <a:r>
+                        <a:rPr lang="en-US" altLang="zh-CN" sz="1800" b="1" kern="1200" dirty="0">
+                          <a:solidFill>
+                            <a:schemeClr val="tx1"/>
+                          </a:solidFill>
+                          <a:latin typeface="+mn-lt"/>
+                          <a:ea typeface="+mn-ea"/>
+                          <a:cs typeface="+mn-cs"/>
+                        </a:rPr>
+                        <a:t>Whole</a:t>
+                      </a:r>
+                      <a:r>
+                        <a:rPr lang="zh-CN" altLang="en-US" sz="1800" b="1" kern="1200" dirty="0">
+                          <a:solidFill>
+                            <a:schemeClr val="tx1"/>
+                          </a:solidFill>
+                          <a:latin typeface="+mn-lt"/>
+                          <a:ea typeface="+mn-ea"/>
+                          <a:cs typeface="+mn-cs"/>
+                        </a:rPr>
+                        <a:t> </a:t>
+                      </a:r>
+                      <a:r>
+                        <a:rPr lang="en-US" altLang="zh-CN" sz="1800" b="1" kern="1200" dirty="0">
+                          <a:solidFill>
+                            <a:schemeClr val="tx1"/>
+                          </a:solidFill>
+                          <a:latin typeface="+mn-lt"/>
+                          <a:ea typeface="+mn-ea"/>
+                          <a:cs typeface="+mn-cs"/>
+                        </a:rPr>
+                        <a:t>area</a:t>
+                      </a:r>
+                      <a:endParaRPr lang="en-US" dirty="0">
+                        <a:latin typeface="Times" pitchFamily="2" charset="0"/>
+                      </a:endParaRPr>
+                    </a:p>
+                  </a:txBody>
+                  <a:tcPr/>
+                </a:tc>
+                <a:tc>
+                  <a:txBody>
+                    <a:bodyPr/>
+                    <a:lstStyle/>
+                    <a:p>
+                      <a:pPr algn="ctr"/>
+                      <a:endParaRPr lang="en-US" dirty="0">
+                        <a:latin typeface="Times" pitchFamily="2" charset="0"/>
+                      </a:endParaRPr>
+                    </a:p>
+                  </a:txBody>
+                  <a:tcPr/>
+                </a:tc>
+                <a:tc>
+                  <a:txBody>
+                    <a:bodyPr/>
+                    <a:lstStyle/>
+                    <a:p>
+                      <a:pPr algn="ctr"/>
+                      <a:endParaRPr lang="en-US" dirty="0">
+                        <a:latin typeface="Times" pitchFamily="2" charset="0"/>
+                      </a:endParaRPr>
+                    </a:p>
+                  </a:txBody>
+                  <a:tcPr/>
+                </a:tc>
+                <a:tc>
+                  <a:txBody>
+                    <a:bodyPr/>
+                    <a:lstStyle/>
+                    <a:p>
+                      <a:pPr algn="ctr"/>
+                      <a:endParaRPr lang="en-US" dirty="0">
+                        <a:latin typeface="Times" pitchFamily="2" charset="0"/>
+                      </a:endParaRPr>
+                    </a:p>
+                  </a:txBody>
+                  <a:tcPr/>
+                </a:tc>
+                <a:tc>
+                  <a:txBody>
+                    <a:bodyPr/>
+                    <a:lstStyle/>
+                    <a:p>
+                      <a:pPr algn="ctr"/>
+                      <a:endParaRPr lang="en-US" dirty="0">
+                        <a:latin typeface="Times" pitchFamily="2" charset="0"/>
+                      </a:endParaRPr>
+                    </a:p>
+                  </a:txBody>
+                  <a:tcPr/>
+                </a:tc>
+                <a:extLst>
+                  <a:ext uri="{0D108BD9-81ED-4DB2-BD59-A6C34878D82A}">
+                    <a16:rowId xmlns:a16="http://schemas.microsoft.com/office/drawing/2014/main" val="3296006206"/>
+                  </a:ext>
+                </a:extLst>
+              </a:tr>
+              <a:tr h="391668">
+                <a:tc vMerge="1">
+                  <a:txBody>
+                    <a:bodyPr/>
+                    <a:lstStyle/>
+                    <a:p>
+                      <a:pPr algn="ctr"/>
+                      <a:endParaRPr lang="en-US" dirty="0">
+                        <a:latin typeface="Times" pitchFamily="2" charset="0"/>
+                      </a:endParaRPr>
+                    </a:p>
+                  </a:txBody>
+                  <a:tcPr anchor="ctr"/>
+                </a:tc>
+                <a:tc>
+                  <a:txBody>
+                    <a:bodyPr/>
+                    <a:lstStyle/>
+                    <a:p>
+                      <a:pPr marL="0" marR="0" lvl="0" indent="0" algn="ctr" defTabSz="914400" rtl="0" eaLnBrk="1" fontAlgn="auto" latinLnBrk="0" hangingPunct="1">
+                        <a:lnSpc>
+                          <a:spcPct val="100000"/>
+                        </a:lnSpc>
+                        <a:spcBef>
+                          <a:spcPts val="0"/>
+                        </a:spcBef>
+                        <a:spcAft>
+                          <a:spcPts val="0"/>
+                        </a:spcAft>
+                        <a:buClrTx/>
+                        <a:buSzTx/>
+                        <a:buFontTx/>
+                        <a:buNone/>
+                        <a:tabLst/>
+                        <a:defRPr/>
+                      </a:pPr>
+                      <a:r>
+                        <a:rPr lang="zh-CN" altLang="en-US" sz="1800" b="1" kern="1200" dirty="0">
+                          <a:solidFill>
+                            <a:schemeClr val="tx1"/>
+                          </a:solidFill>
+                          <a:latin typeface="+mn-lt"/>
+                          <a:ea typeface="+mn-ea"/>
+                          <a:cs typeface="+mn-cs"/>
+                        </a:rPr>
+                        <a:t> </a:t>
+                      </a:r>
+                      <a:r>
+                        <a:rPr lang="en-US" altLang="zh-CN" sz="1800" b="1" kern="1200" dirty="0">
+                          <a:solidFill>
+                            <a:schemeClr val="tx1"/>
+                          </a:solidFill>
+                          <a:latin typeface="+mn-lt"/>
+                          <a:ea typeface="+mn-ea"/>
+                          <a:cs typeface="+mn-cs"/>
+                        </a:rPr>
+                        <a:t>test routes</a:t>
+                      </a:r>
+                      <a:endParaRPr lang="en-US" sz="1800" b="1" kern="1200" dirty="0">
+                        <a:solidFill>
+                          <a:schemeClr val="tx1"/>
+                        </a:solidFill>
+                        <a:latin typeface="+mn-lt"/>
+                        <a:ea typeface="+mn-ea"/>
+                        <a:cs typeface="+mn-cs"/>
+                      </a:endParaRPr>
+                    </a:p>
+                  </a:txBody>
+                  <a:tcPr/>
+                </a:tc>
+                <a:tc>
+                  <a:txBody>
+                    <a:bodyPr/>
+                    <a:lstStyle/>
+                    <a:p>
+                      <a:pPr algn="ctr"/>
+                      <a:endParaRPr lang="en-US" dirty="0">
+                        <a:latin typeface="Times" pitchFamily="2" charset="0"/>
+                      </a:endParaRPr>
+                    </a:p>
+                  </a:txBody>
+                  <a:tcPr/>
+                </a:tc>
+                <a:tc>
+                  <a:txBody>
+                    <a:bodyPr/>
+                    <a:lstStyle/>
+                    <a:p>
+                      <a:pPr algn="ctr"/>
+                      <a:endParaRPr lang="en-US" dirty="0">
+                        <a:latin typeface="Times" pitchFamily="2" charset="0"/>
+                      </a:endParaRPr>
+                    </a:p>
+                  </a:txBody>
+                  <a:tcPr/>
+                </a:tc>
+                <a:tc>
+                  <a:txBody>
+                    <a:bodyPr/>
+                    <a:lstStyle/>
+                    <a:p>
+                      <a:pPr algn="ctr"/>
+                      <a:endParaRPr lang="en-US" dirty="0">
+                        <a:latin typeface="Times" pitchFamily="2" charset="0"/>
+                      </a:endParaRPr>
+                    </a:p>
+                  </a:txBody>
+                  <a:tcPr/>
+                </a:tc>
+                <a:tc>
+                  <a:txBody>
+                    <a:bodyPr/>
+                    <a:lstStyle/>
+                    <a:p>
+                      <a:pPr algn="ctr"/>
+                      <a:endParaRPr lang="en-US" dirty="0">
+                        <a:latin typeface="Times" pitchFamily="2" charset="0"/>
+                      </a:endParaRPr>
+                    </a:p>
+                  </a:txBody>
+                  <a:tcPr/>
+                </a:tc>
+                <a:extLst>
+                  <a:ext uri="{0D108BD9-81ED-4DB2-BD59-A6C34878D82A}">
+                    <a16:rowId xmlns:a16="http://schemas.microsoft.com/office/drawing/2014/main" val="188873265"/>
+                  </a:ext>
+                </a:extLst>
+              </a:tr>
+            </a:tbl>
+          </a:graphicData>
+        </a:graphic>
+      </p:graphicFrame>
+      <p:sp>
+        <p:nvSpPr>
+          <p:cNvPr id="8" name="TextBox 7">
+            <a:extLst>
+              <a:ext uri="{FF2B5EF4-FFF2-40B4-BE49-F238E27FC236}">
+                <a16:creationId xmlns:a16="http://schemas.microsoft.com/office/drawing/2014/main" id="{35553A17-7980-2F4E-893A-6DCC91A0A5A5}"/>
+              </a:ext>
+            </a:extLst>
+          </p:cNvPr>
+          <p:cNvSpPr txBox="1"/>
+          <p:nvPr/>
+        </p:nvSpPr>
+        <p:spPr>
+          <a:xfrm>
+            <a:off x="4128541" y="959155"/>
+            <a:ext cx="4055806" cy="369332"/>
+          </a:xfrm>
+          <a:prstGeom prst="rect">
+            <a:avLst/>
+          </a:prstGeom>
+          <a:noFill/>
+        </p:spPr>
+        <p:txBody>
+          <a:bodyPr wrap="square" rtlCol="0">
+            <a:spAutoFit/>
+          </a:bodyPr>
+          <a:lstStyle/>
+          <a:p>
+            <a:pPr algn="ctr"/>
+            <a:r>
+              <a:rPr lang="en-US" b="1" dirty="0">
+                <a:latin typeface="Times" pitchFamily="2" charset="0"/>
+              </a:rPr>
+              <a:t>Statistic accuracy for each category</a:t>
+            </a:r>
+          </a:p>
+        </p:txBody>
+      </p:sp>
+    </p:spTree>
+    <p:extLst>
+      <p:ext uri="{BB962C8B-B14F-4D97-AF65-F5344CB8AC3E}">
+        <p14:creationId xmlns:p14="http://schemas.microsoft.com/office/powerpoint/2010/main" val="3765196901"/>
+      </p:ext>
+    </p:extLst>
+  </p:cSld>
+  <p:clrMapOvr>
+    <a:masterClrMapping/>
+  </p:clrMapOvr>
+</p:sld>
+</file>
+
+<file path=ppt/slides/slide63.xml><?xml version="1.0" encoding="utf-8"?>
+<p:sld xmlns:a="http://schemas.openxmlformats.org/drawingml/2006/main" xmlns:r="http://schemas.openxmlformats.org/officeDocument/2006/relationships" xmlns:p="http://schemas.openxmlformats.org/presentationml/2006/main">
+  <p:cSld>
+    <p:spTree>
+      <p:nvGrpSpPr>
+        <p:cNvPr id="1" name=""/>
+        <p:cNvGrpSpPr/>
+        <p:nvPr/>
+      </p:nvGrpSpPr>
+      <p:grpSpPr>
+        <a:xfrm>
+          <a:off x="0" y="0"/>
+          <a:ext cx="0" cy="0"/>
+          <a:chOff x="0" y="0"/>
+          <a:chExt cx="0" cy="0"/>
+        </a:xfrm>
+      </p:grpSpPr>
+      <p:sp>
+        <p:nvSpPr>
+          <p:cNvPr id="2" name="Title 1">
+            <a:extLst>
+              <a:ext uri="{FF2B5EF4-FFF2-40B4-BE49-F238E27FC236}">
                 <a16:creationId xmlns:a16="http://schemas.microsoft.com/office/drawing/2014/main" id="{0189EDDC-0CE7-9149-8BD3-C79CEE1A5D0A}"/>
               </a:ext>
             </a:extLst>
@@ -27378,7 +32322,7 @@
 </p:sld>
 </file>
 
-<file path=ppt/slides/slide58.xml><?xml version="1.0" encoding="utf-8"?>
+<file path=ppt/slides/slide64.xml><?xml version="1.0" encoding="utf-8"?>
 <p:sld xmlns:a="http://schemas.openxmlformats.org/drawingml/2006/main" xmlns:r="http://schemas.openxmlformats.org/officeDocument/2006/relationships" xmlns:p="http://schemas.openxmlformats.org/presentationml/2006/main">
   <p:cSld>
     <p:spTree>
@@ -27411,7 +32355,7 @@
             <p:ph idx="1"/>
             <p:extLst>
               <p:ext uri="{D42A27DB-BD31-4B8C-83A1-F6EECF244321}">
-                <p14:modId xmlns:p14="http://schemas.microsoft.com/office/powerpoint/2010/main" val="2393316237"/>
+                <p14:modId xmlns:p14="http://schemas.microsoft.com/office/powerpoint/2010/main" val="1369581554"/>
               </p:ext>
             </p:extLst>
           </p:nvPr>
@@ -27784,6 +32728,10 @@
                     <a:lstStyle/>
                     <a:p>
                       <a:pPr algn="ctr"/>
+                      <a:r>
+                        <a:rPr lang="en-US" altLang="zh-CN" dirty="0"/>
+                        <a:t>0.118</a:t>
+                      </a:r>
                       <a:endParaRPr lang="en-US" dirty="0"/>
                     </a:p>
                   </a:txBody>
@@ -27795,6 +32743,10 @@
                     <a:lstStyle/>
                     <a:p>
                       <a:pPr algn="ctr"/>
+                      <a:r>
+                        <a:rPr lang="en-US" altLang="zh-CN" dirty="0"/>
+                        <a:t>0.522</a:t>
+                      </a:r>
                       <a:endParaRPr lang="en-US" dirty="0"/>
                     </a:p>
                   </a:txBody>
@@ -27806,6 +32758,10 @@
                     <a:lstStyle/>
                     <a:p>
                       <a:pPr algn="ctr"/>
+                      <a:r>
+                        <a:rPr lang="en-US" altLang="zh-CN" dirty="0"/>
+                        <a:t>0.85</a:t>
+                      </a:r>
                       <a:endParaRPr lang="en-US" dirty="0"/>
                     </a:p>
                   </a:txBody>
@@ -27817,6 +32773,10 @@
                     <a:lstStyle/>
                     <a:p>
                       <a:pPr algn="ctr"/>
+                      <a:r>
+                        <a:rPr lang="en-US" altLang="zh-CN" dirty="0"/>
+                        <a:t>0.946</a:t>
+                      </a:r>
                       <a:endParaRPr lang="en-US" dirty="0"/>
                     </a:p>
                   </a:txBody>
@@ -27828,6 +32788,10 @@
                     <a:lstStyle/>
                     <a:p>
                       <a:pPr algn="ctr"/>
+                      <a:r>
+                        <a:rPr lang="en-US" altLang="zh-CN" dirty="0"/>
+                        <a:t>0.978</a:t>
+                      </a:r>
                       <a:endParaRPr lang="en-US" dirty="0"/>
                     </a:p>
                   </a:txBody>
@@ -27839,6 +32803,10 @@
                     <a:lstStyle/>
                     <a:p>
                       <a:pPr algn="ctr"/>
+                      <a:r>
+                        <a:rPr lang="en-US" altLang="zh-CN" dirty="0"/>
+                        <a:t>0.978</a:t>
+                      </a:r>
                       <a:endParaRPr lang="en-US" dirty="0"/>
                     </a:p>
                   </a:txBody>
@@ -27850,6 +32818,10 @@
                     <a:lstStyle/>
                     <a:p>
                       <a:pPr algn="ctr"/>
+                      <a:r>
+                        <a:rPr lang="en-US" altLang="zh-CN" dirty="0"/>
+                        <a:t>0.988</a:t>
+                      </a:r>
                       <a:endParaRPr lang="en-US" dirty="0"/>
                     </a:p>
                   </a:txBody>
@@ -27861,6 +32833,10 @@
                     <a:lstStyle/>
                     <a:p>
                       <a:pPr algn="ctr"/>
+                      <a:r>
+                        <a:rPr lang="en-US" altLang="zh-CN" dirty="0"/>
+                        <a:t>0.972</a:t>
+                      </a:r>
                       <a:endParaRPr lang="en-US" dirty="0"/>
                     </a:p>
                   </a:txBody>
@@ -27894,6 +32870,10 @@
                     <a:lstStyle/>
                     <a:p>
                       <a:pPr algn="ctr"/>
+                      <a:r>
+                        <a:rPr lang="en-US" altLang="zh-CN" dirty="0"/>
+                        <a:t>0.072</a:t>
+                      </a:r>
                       <a:endParaRPr lang="en-US" dirty="0"/>
                     </a:p>
                   </a:txBody>
@@ -27905,6 +32885,10 @@
                     <a:lstStyle/>
                     <a:p>
                       <a:pPr algn="ctr"/>
+                      <a:r>
+                        <a:rPr lang="en-US" altLang="zh-CN" dirty="0"/>
+                        <a:t>0.488</a:t>
+                      </a:r>
                       <a:endParaRPr lang="en-US" dirty="0"/>
                     </a:p>
                   </a:txBody>
@@ -27916,6 +32900,10 @@
                     <a:lstStyle/>
                     <a:p>
                       <a:pPr algn="ctr"/>
+                      <a:r>
+                        <a:rPr lang="en-US" altLang="zh-CN" dirty="0"/>
+                        <a:t>0.834</a:t>
+                      </a:r>
                       <a:endParaRPr lang="en-US" dirty="0"/>
                     </a:p>
                   </a:txBody>
@@ -27927,6 +32915,10 @@
                     <a:lstStyle/>
                     <a:p>
                       <a:pPr algn="ctr"/>
+                      <a:r>
+                        <a:rPr lang="en-US" altLang="zh-CN" dirty="0"/>
+                        <a:t>0.948</a:t>
+                      </a:r>
                       <a:endParaRPr lang="en-US" dirty="0"/>
                     </a:p>
                   </a:txBody>
@@ -27938,6 +32930,10 @@
                     <a:lstStyle/>
                     <a:p>
                       <a:pPr algn="ctr"/>
+                      <a:r>
+                        <a:rPr lang="en-US" altLang="zh-CN" dirty="0"/>
+                        <a:t>0.974</a:t>
+                      </a:r>
                       <a:endParaRPr lang="en-US" dirty="0"/>
                     </a:p>
                   </a:txBody>
@@ -27949,6 +32945,10 @@
                     <a:lstStyle/>
                     <a:p>
                       <a:pPr algn="ctr"/>
+                      <a:r>
+                        <a:rPr lang="en-US" altLang="zh-CN" dirty="0"/>
+                        <a:t>0.98</a:t>
+                      </a:r>
                       <a:endParaRPr lang="en-US" dirty="0"/>
                     </a:p>
                   </a:txBody>
@@ -27960,6 +32960,10 @@
                     <a:lstStyle/>
                     <a:p>
                       <a:pPr algn="ctr"/>
+                      <a:r>
+                        <a:rPr lang="en-US" altLang="zh-CN" dirty="0"/>
+                        <a:t>0.992</a:t>
+                      </a:r>
                       <a:endParaRPr lang="en-US" dirty="0"/>
                     </a:p>
                   </a:txBody>
@@ -27971,6 +32975,10 @@
                     <a:lstStyle/>
                     <a:p>
                       <a:pPr algn="ctr"/>
+                      <a:r>
+                        <a:rPr lang="en-US" altLang="zh-CN" dirty="0"/>
+                        <a:t>0.968</a:t>
+                      </a:r>
                       <a:endParaRPr lang="en-US" dirty="0"/>
                     </a:p>
                   </a:txBody>
@@ -28213,6 +33221,10 @@
                     <a:lstStyle/>
                     <a:p>
                       <a:pPr algn="ctr"/>
+                      <a:r>
+                        <a:rPr lang="en-US" altLang="zh-CN" dirty="0"/>
+                        <a:t>0.136</a:t>
+                      </a:r>
                       <a:endParaRPr lang="en-US" dirty="0"/>
                     </a:p>
                   </a:txBody>
@@ -28224,6 +33236,10 @@
                     <a:lstStyle/>
                     <a:p>
                       <a:pPr algn="ctr"/>
+                      <a:r>
+                        <a:rPr lang="en-US" altLang="zh-CN" dirty="0"/>
+                        <a:t>0.496</a:t>
+                      </a:r>
                       <a:endParaRPr lang="en-US" dirty="0"/>
                     </a:p>
                   </a:txBody>
@@ -28235,6 +33251,10 @@
                     <a:lstStyle/>
                     <a:p>
                       <a:pPr algn="ctr"/>
+                      <a:r>
+                        <a:rPr lang="en-US" altLang="zh-CN" dirty="0"/>
+                        <a:t>0.794</a:t>
+                      </a:r>
                       <a:endParaRPr lang="en-US" dirty="0"/>
                     </a:p>
                   </a:txBody>
@@ -28246,6 +33266,10 @@
                     <a:lstStyle/>
                     <a:p>
                       <a:pPr algn="ctr"/>
+                      <a:r>
+                        <a:rPr lang="en-US" altLang="zh-CN" dirty="0"/>
+                        <a:t>0.916</a:t>
+                      </a:r>
                       <a:endParaRPr lang="en-US" dirty="0"/>
                     </a:p>
                   </a:txBody>
@@ -28257,6 +33281,10 @@
                     <a:lstStyle/>
                     <a:p>
                       <a:pPr algn="ctr"/>
+                      <a:r>
+                        <a:rPr lang="en-US" altLang="zh-CN" dirty="0"/>
+                        <a:t>0.982</a:t>
+                      </a:r>
                       <a:endParaRPr lang="en-US" dirty="0"/>
                     </a:p>
                   </a:txBody>
@@ -28268,6 +33296,10 @@
                     <a:lstStyle/>
                     <a:p>
                       <a:pPr algn="ctr"/>
+                      <a:r>
+                        <a:rPr lang="en-US" altLang="zh-CN" dirty="0"/>
+                        <a:t>0.992</a:t>
+                      </a:r>
                       <a:endParaRPr lang="en-US" dirty="0"/>
                     </a:p>
                   </a:txBody>
@@ -28279,6 +33311,10 @@
                     <a:lstStyle/>
                     <a:p>
                       <a:pPr algn="ctr"/>
+                      <a:r>
+                        <a:rPr lang="en-US" altLang="zh-CN" dirty="0"/>
+                        <a:t>0.994</a:t>
+                      </a:r>
                       <a:endParaRPr lang="en-US" dirty="0"/>
                     </a:p>
                   </a:txBody>
@@ -28290,6 +33326,10 @@
                     <a:lstStyle/>
                     <a:p>
                       <a:pPr algn="ctr"/>
+                      <a:r>
+                        <a:rPr lang="en-US" altLang="zh-CN" dirty="0"/>
+                        <a:t>0.986</a:t>
+                      </a:r>
                       <a:endParaRPr lang="en-US" dirty="0"/>
                     </a:p>
                   </a:txBody>
@@ -28339,6 +33379,10 @@
                     <a:lstStyle/>
                     <a:p>
                       <a:pPr algn="ctr"/>
+                      <a:r>
+                        <a:rPr lang="en-US" altLang="zh-CN" dirty="0"/>
+                        <a:t>0.136</a:t>
+                      </a:r>
                       <a:endParaRPr lang="en-US" dirty="0"/>
                     </a:p>
                   </a:txBody>
@@ -28350,6 +33394,10 @@
                     <a:lstStyle/>
                     <a:p>
                       <a:pPr algn="ctr"/>
+                      <a:r>
+                        <a:rPr lang="en-US" altLang="zh-CN" dirty="0"/>
+                        <a:t>0.532</a:t>
+                      </a:r>
                       <a:endParaRPr lang="en-US" dirty="0"/>
                     </a:p>
                   </a:txBody>
@@ -28361,6 +33409,10 @@
                     <a:lstStyle/>
                     <a:p>
                       <a:pPr algn="ctr"/>
+                      <a:r>
+                        <a:rPr lang="en-US" altLang="zh-CN" dirty="0"/>
+                        <a:t>0.806</a:t>
+                      </a:r>
                       <a:endParaRPr lang="en-US" dirty="0"/>
                     </a:p>
                   </a:txBody>
@@ -28372,6 +33424,10 @@
                     <a:lstStyle/>
                     <a:p>
                       <a:pPr algn="ctr"/>
+                      <a:r>
+                        <a:rPr lang="en-US" altLang="zh-CN" dirty="0"/>
+                        <a:t>0.92</a:t>
+                      </a:r>
                       <a:endParaRPr lang="en-US" dirty="0"/>
                     </a:p>
                   </a:txBody>
@@ -28383,6 +33439,10 @@
                     <a:lstStyle/>
                     <a:p>
                       <a:pPr algn="ctr"/>
+                      <a:r>
+                        <a:rPr lang="en-US" altLang="zh-CN" dirty="0"/>
+                        <a:t>0.978</a:t>
+                      </a:r>
                       <a:endParaRPr lang="en-US" dirty="0"/>
                     </a:p>
                   </a:txBody>
@@ -28394,6 +33454,10 @@
                     <a:lstStyle/>
                     <a:p>
                       <a:pPr algn="ctr"/>
+                      <a:r>
+                        <a:rPr lang="en-US" altLang="zh-CN" dirty="0"/>
+                        <a:t>0.988</a:t>
+                      </a:r>
                       <a:endParaRPr lang="en-US" dirty="0"/>
                     </a:p>
                   </a:txBody>
@@ -28405,6 +33469,10 @@
                     <a:lstStyle/>
                     <a:p>
                       <a:pPr algn="ctr"/>
+                      <a:r>
+                        <a:rPr lang="en-US" altLang="zh-CN" dirty="0"/>
+                        <a:t>0.992</a:t>
+                      </a:r>
                       <a:endParaRPr lang="en-US" dirty="0"/>
                     </a:p>
                   </a:txBody>
@@ -28416,6 +33484,10 @@
                     <a:lstStyle/>
                     <a:p>
                       <a:pPr algn="ctr"/>
+                      <a:r>
+                        <a:rPr lang="en-US" altLang="zh-CN" dirty="0"/>
+                        <a:t>0.982</a:t>
+                      </a:r>
                       <a:endParaRPr lang="en-US" dirty="0"/>
                     </a:p>
                   </a:txBody>
@@ -28540,7 +33612,7 @@
 </p:sld>
 </file>
 
-<file path=ppt/slides/slide59.xml><?xml version="1.0" encoding="utf-8"?>
+<file path=ppt/slides/slide65.xml><?xml version="1.0" encoding="utf-8"?>
 <p:sld xmlns:a="http://schemas.openxmlformats.org/drawingml/2006/main" xmlns:r="http://schemas.openxmlformats.org/officeDocument/2006/relationships" xmlns:p="http://schemas.openxmlformats.org/presentationml/2006/main">
   <p:cSld>
     <p:spTree>
@@ -28573,7 +33645,7 @@
             <p:ph idx="1"/>
             <p:extLst>
               <p:ext uri="{D42A27DB-BD31-4B8C-83A1-F6EECF244321}">
-                <p14:modId xmlns:p14="http://schemas.microsoft.com/office/powerpoint/2010/main" val="1264971065"/>
+                <p14:modId xmlns:p14="http://schemas.microsoft.com/office/powerpoint/2010/main" val="3069231971"/>
               </p:ext>
             </p:extLst>
           </p:nvPr>
@@ -28796,7 +33868,7 @@
                       </a:r>
                     </a:p>
                   </a:txBody>
-                  <a:tcPr/>
+                  <a:tcPr anchor="ctr"/>
                 </a:tc>
                 <a:tc>
                   <a:txBody>
@@ -28817,7 +33889,7 @@
                       </a:r>
                     </a:p>
                   </a:txBody>
-                  <a:tcPr marL="9525" marR="9525" marT="9525" marB="0" anchor="b"/>
+                  <a:tcPr marL="9525" marR="9525" marT="9525" marB="0" anchor="ctr"/>
                 </a:tc>
                 <a:tc>
                   <a:txBody>
@@ -28838,7 +33910,7 @@
                       </a:r>
                     </a:p>
                   </a:txBody>
-                  <a:tcPr marL="9525" marR="9525" marT="9525" marB="0" anchor="b"/>
+                  <a:tcPr marL="9525" marR="9525" marT="9525" marB="0" anchor="ctr"/>
                 </a:tc>
                 <a:tc>
                   <a:txBody>
@@ -28859,7 +33931,7 @@
                       </a:r>
                     </a:p>
                   </a:txBody>
-                  <a:tcPr marL="9525" marR="9525" marT="9525" marB="0" anchor="b"/>
+                  <a:tcPr marL="9525" marR="9525" marT="9525" marB="0" anchor="ctr"/>
                 </a:tc>
                 <a:tc>
                   <a:txBody>
@@ -28880,7 +33952,7 @@
                       </a:r>
                     </a:p>
                   </a:txBody>
-                  <a:tcPr marL="9525" marR="9525" marT="9525" marB="0" anchor="b"/>
+                  <a:tcPr marL="9525" marR="9525" marT="9525" marB="0" anchor="ctr"/>
                 </a:tc>
                 <a:tc>
                   <a:txBody>
@@ -28901,7 +33973,7 @@
                       </a:r>
                     </a:p>
                   </a:txBody>
-                  <a:tcPr marL="9525" marR="9525" marT="9525" marB="0" anchor="b"/>
+                  <a:tcPr marL="9525" marR="9525" marT="9525" marB="0" anchor="ctr"/>
                 </a:tc>
                 <a:tc>
                   <a:txBody>
@@ -28922,7 +33994,7 @@
                       </a:r>
                     </a:p>
                   </a:txBody>
-                  <a:tcPr marL="9525" marR="9525" marT="9525" marB="0" anchor="b"/>
+                  <a:tcPr marL="9525" marR="9525" marT="9525" marB="0" anchor="ctr"/>
                 </a:tc>
                 <a:tc>
                   <a:txBody>
@@ -28943,7 +34015,7 @@
                       </a:r>
                     </a:p>
                   </a:txBody>
-                  <a:tcPr marL="9525" marR="9525" marT="9525" marB="0" anchor="b"/>
+                  <a:tcPr marL="9525" marR="9525" marT="9525" marB="0" anchor="ctr"/>
                 </a:tc>
                 <a:tc>
                   <a:txBody>
@@ -28964,7 +34036,7 @@
                       </a:r>
                     </a:p>
                   </a:txBody>
-                  <a:tcPr marL="9525" marR="9525" marT="9525" marB="0" anchor="b"/>
+                  <a:tcPr marL="9525" marR="9525" marT="9525" marB="0" anchor="ctr"/>
                 </a:tc>
                 <a:extLst>
                   <a:ext uri="{0D108BD9-81ED-4DB2-BD59-A6C34878D82A}">
@@ -28986,14 +34058,25 @@
                       <a:endParaRPr lang="en-US" dirty="0"/>
                     </a:p>
                   </a:txBody>
-                  <a:tcPr/>
-                </a:tc>
-                <a:tc>
-                  <a:txBody>
-                    <a:bodyPr/>
-                    <a:lstStyle/>
-                    <a:p>
-                      <a:pPr algn="ctr"/>
+                  <a:tcPr anchor="ctr"/>
+                </a:tc>
+                <a:tc>
+                  <a:txBody>
+                    <a:bodyPr/>
+                    <a:lstStyle/>
+                    <a:p>
+                      <a:pPr algn="ctr"/>
+                      <a:r>
+                        <a:rPr lang="en-US" altLang="zh-CN" sz="1800" kern="1200" dirty="0">
+                          <a:solidFill>
+                            <a:schemeClr val="lt1"/>
+                          </a:solidFill>
+                          <a:latin typeface="+mn-lt"/>
+                          <a:ea typeface="+mn-ea"/>
+                          <a:cs typeface="+mn-cs"/>
+                        </a:rPr>
+                        <a:t>0.052</a:t>
+                      </a:r>
                       <a:endParaRPr lang="en-US" sz="1800" kern="1200" dirty="0">
                         <a:solidFill>
                           <a:schemeClr val="lt1"/>
@@ -29004,14 +34087,25 @@
                       </a:endParaRPr>
                     </a:p>
                   </a:txBody>
-                  <a:tcPr/>
-                </a:tc>
-                <a:tc>
-                  <a:txBody>
-                    <a:bodyPr/>
-                    <a:lstStyle/>
-                    <a:p>
-                      <a:pPr algn="ctr"/>
+                  <a:tcPr anchor="ctr"/>
+                </a:tc>
+                <a:tc>
+                  <a:txBody>
+                    <a:bodyPr/>
+                    <a:lstStyle/>
+                    <a:p>
+                      <a:pPr algn="ctr"/>
+                      <a:r>
+                        <a:rPr lang="en-US" altLang="zh-CN" sz="1800" kern="1200" dirty="0">
+                          <a:solidFill>
+                            <a:schemeClr val="lt1"/>
+                          </a:solidFill>
+                          <a:latin typeface="+mn-lt"/>
+                          <a:ea typeface="+mn-ea"/>
+                          <a:cs typeface="+mn-cs"/>
+                        </a:rPr>
+                        <a:t>0.218</a:t>
+                      </a:r>
                       <a:endParaRPr lang="en-US" sz="1800" kern="1200" dirty="0">
                         <a:solidFill>
                           <a:schemeClr val="lt1"/>
@@ -29022,14 +34116,25 @@
                       </a:endParaRPr>
                     </a:p>
                   </a:txBody>
-                  <a:tcPr/>
-                </a:tc>
-                <a:tc>
-                  <a:txBody>
-                    <a:bodyPr/>
-                    <a:lstStyle/>
-                    <a:p>
-                      <a:pPr algn="ctr"/>
+                  <a:tcPr anchor="ctr"/>
+                </a:tc>
+                <a:tc>
+                  <a:txBody>
+                    <a:bodyPr/>
+                    <a:lstStyle/>
+                    <a:p>
+                      <a:pPr algn="ctr"/>
+                      <a:r>
+                        <a:rPr lang="en-US" altLang="zh-CN" sz="1800" kern="1200" dirty="0">
+                          <a:solidFill>
+                            <a:schemeClr val="lt1"/>
+                          </a:solidFill>
+                          <a:latin typeface="+mn-lt"/>
+                          <a:ea typeface="+mn-ea"/>
+                          <a:cs typeface="+mn-cs"/>
+                        </a:rPr>
+                        <a:t>0.458</a:t>
+                      </a:r>
                       <a:endParaRPr lang="en-US" sz="1800" kern="1200" dirty="0">
                         <a:solidFill>
                           <a:schemeClr val="lt1"/>
@@ -29040,14 +34145,25 @@
                       </a:endParaRPr>
                     </a:p>
                   </a:txBody>
-                  <a:tcPr/>
-                </a:tc>
-                <a:tc>
-                  <a:txBody>
-                    <a:bodyPr/>
-                    <a:lstStyle/>
-                    <a:p>
-                      <a:pPr algn="ctr"/>
+                  <a:tcPr anchor="ctr"/>
+                </a:tc>
+                <a:tc>
+                  <a:txBody>
+                    <a:bodyPr/>
+                    <a:lstStyle/>
+                    <a:p>
+                      <a:pPr algn="ctr"/>
+                      <a:r>
+                        <a:rPr lang="en-US" altLang="zh-CN" sz="1800" kern="1200" dirty="0">
+                          <a:solidFill>
+                            <a:schemeClr val="lt1"/>
+                          </a:solidFill>
+                          <a:latin typeface="+mn-lt"/>
+                          <a:ea typeface="+mn-ea"/>
+                          <a:cs typeface="+mn-cs"/>
+                        </a:rPr>
+                        <a:t>0.652</a:t>
+                      </a:r>
                       <a:endParaRPr lang="en-US" sz="1800" kern="1200" dirty="0">
                         <a:solidFill>
                           <a:schemeClr val="lt1"/>
@@ -29058,14 +34174,25 @@
                       </a:endParaRPr>
                     </a:p>
                   </a:txBody>
-                  <a:tcPr/>
-                </a:tc>
-                <a:tc>
-                  <a:txBody>
-                    <a:bodyPr/>
-                    <a:lstStyle/>
-                    <a:p>
-                      <a:pPr algn="ctr"/>
+                  <a:tcPr anchor="ctr"/>
+                </a:tc>
+                <a:tc>
+                  <a:txBody>
+                    <a:bodyPr/>
+                    <a:lstStyle/>
+                    <a:p>
+                      <a:pPr algn="ctr"/>
+                      <a:r>
+                        <a:rPr lang="en-US" altLang="zh-CN" sz="1800" kern="1200" dirty="0">
+                          <a:solidFill>
+                            <a:schemeClr val="lt1"/>
+                          </a:solidFill>
+                          <a:latin typeface="+mn-lt"/>
+                          <a:ea typeface="+mn-ea"/>
+                          <a:cs typeface="+mn-cs"/>
+                        </a:rPr>
+                        <a:t>0.85</a:t>
+                      </a:r>
                       <a:endParaRPr lang="en-US" sz="1800" kern="1200" dirty="0">
                         <a:solidFill>
                           <a:schemeClr val="lt1"/>
@@ -29076,14 +34203,25 @@
                       </a:endParaRPr>
                     </a:p>
                   </a:txBody>
-                  <a:tcPr/>
-                </a:tc>
-                <a:tc>
-                  <a:txBody>
-                    <a:bodyPr/>
-                    <a:lstStyle/>
-                    <a:p>
-                      <a:pPr algn="ctr"/>
+                  <a:tcPr anchor="ctr"/>
+                </a:tc>
+                <a:tc>
+                  <a:txBody>
+                    <a:bodyPr/>
+                    <a:lstStyle/>
+                    <a:p>
+                      <a:pPr algn="ctr"/>
+                      <a:r>
+                        <a:rPr lang="en-US" altLang="zh-CN" sz="1800" kern="1200" dirty="0">
+                          <a:solidFill>
+                            <a:schemeClr val="lt1"/>
+                          </a:solidFill>
+                          <a:latin typeface="+mn-lt"/>
+                          <a:ea typeface="+mn-ea"/>
+                          <a:cs typeface="+mn-cs"/>
+                        </a:rPr>
+                        <a:t>0.86</a:t>
+                      </a:r>
                       <a:endParaRPr lang="en-US" sz="1800" kern="1200" dirty="0">
                         <a:solidFill>
                           <a:schemeClr val="lt1"/>
@@ -29094,14 +34232,25 @@
                       </a:endParaRPr>
                     </a:p>
                   </a:txBody>
-                  <a:tcPr/>
-                </a:tc>
-                <a:tc>
-                  <a:txBody>
-                    <a:bodyPr/>
-                    <a:lstStyle/>
-                    <a:p>
-                      <a:pPr algn="ctr"/>
+                  <a:tcPr anchor="ctr"/>
+                </a:tc>
+                <a:tc>
+                  <a:txBody>
+                    <a:bodyPr/>
+                    <a:lstStyle/>
+                    <a:p>
+                      <a:pPr algn="ctr"/>
+                      <a:r>
+                        <a:rPr lang="en-US" altLang="zh-CN" sz="1800" kern="1200" dirty="0">
+                          <a:solidFill>
+                            <a:schemeClr val="lt1"/>
+                          </a:solidFill>
+                          <a:latin typeface="+mn-lt"/>
+                          <a:ea typeface="+mn-ea"/>
+                          <a:cs typeface="+mn-cs"/>
+                        </a:rPr>
+                        <a:t>0.876</a:t>
+                      </a:r>
                       <a:endParaRPr lang="en-US" sz="1800" kern="1200" dirty="0">
                         <a:solidFill>
                           <a:schemeClr val="lt1"/>
@@ -29112,14 +34261,25 @@
                       </a:endParaRPr>
                     </a:p>
                   </a:txBody>
-                  <a:tcPr/>
-                </a:tc>
-                <a:tc>
-                  <a:txBody>
-                    <a:bodyPr/>
-                    <a:lstStyle/>
-                    <a:p>
-                      <a:pPr algn="ctr"/>
+                  <a:tcPr anchor="ctr"/>
+                </a:tc>
+                <a:tc>
+                  <a:txBody>
+                    <a:bodyPr/>
+                    <a:lstStyle/>
+                    <a:p>
+                      <a:pPr algn="ctr"/>
+                      <a:r>
+                        <a:rPr lang="en-US" altLang="zh-CN" sz="1800" kern="1200" dirty="0">
+                          <a:solidFill>
+                            <a:schemeClr val="lt1"/>
+                          </a:solidFill>
+                          <a:latin typeface="+mn-lt"/>
+                          <a:ea typeface="+mn-ea"/>
+                          <a:cs typeface="+mn-cs"/>
+                        </a:rPr>
+                        <a:t>0.886</a:t>
+                      </a:r>
                       <a:endParaRPr lang="en-US" sz="1800" kern="1200" dirty="0">
                         <a:solidFill>
                           <a:schemeClr val="lt1"/>
@@ -29130,7 +34290,7 @@
                       </a:endParaRPr>
                     </a:p>
                   </a:txBody>
-                  <a:tcPr/>
+                  <a:tcPr anchor="ctr"/>
                 </a:tc>
                 <a:extLst>
                   <a:ext uri="{0D108BD9-81ED-4DB2-BD59-A6C34878D82A}">
@@ -29152,14 +34312,25 @@
                       <a:endParaRPr lang="en-US" dirty="0"/>
                     </a:p>
                   </a:txBody>
-                  <a:tcPr/>
-                </a:tc>
-                <a:tc>
-                  <a:txBody>
-                    <a:bodyPr/>
-                    <a:lstStyle/>
-                    <a:p>
-                      <a:pPr algn="ctr"/>
+                  <a:tcPr anchor="ctr"/>
+                </a:tc>
+                <a:tc>
+                  <a:txBody>
+                    <a:bodyPr/>
+                    <a:lstStyle/>
+                    <a:p>
+                      <a:pPr algn="ctr"/>
+                      <a:r>
+                        <a:rPr lang="en-US" altLang="zh-CN" sz="1800" kern="1200" dirty="0">
+                          <a:solidFill>
+                            <a:schemeClr val="lt1"/>
+                          </a:solidFill>
+                          <a:latin typeface="+mn-lt"/>
+                          <a:ea typeface="+mn-ea"/>
+                          <a:cs typeface="+mn-cs"/>
+                        </a:rPr>
+                        <a:t>0.018</a:t>
+                      </a:r>
                       <a:endParaRPr lang="en-US" sz="1800" kern="1200" dirty="0">
                         <a:solidFill>
                           <a:schemeClr val="lt1"/>
@@ -29170,14 +34341,25 @@
                       </a:endParaRPr>
                     </a:p>
                   </a:txBody>
-                  <a:tcPr/>
-                </a:tc>
-                <a:tc>
-                  <a:txBody>
-                    <a:bodyPr/>
-                    <a:lstStyle/>
-                    <a:p>
-                      <a:pPr algn="ctr"/>
+                  <a:tcPr anchor="ctr"/>
+                </a:tc>
+                <a:tc>
+                  <a:txBody>
+                    <a:bodyPr/>
+                    <a:lstStyle/>
+                    <a:p>
+                      <a:pPr algn="ctr"/>
+                      <a:r>
+                        <a:rPr lang="en-US" altLang="zh-CN" sz="1800" kern="1200" dirty="0">
+                          <a:solidFill>
+                            <a:schemeClr val="lt1"/>
+                          </a:solidFill>
+                          <a:latin typeface="+mn-lt"/>
+                          <a:ea typeface="+mn-ea"/>
+                          <a:cs typeface="+mn-cs"/>
+                        </a:rPr>
+                        <a:t>0.182</a:t>
+                      </a:r>
                       <a:endParaRPr lang="en-US" sz="1800" kern="1200" dirty="0">
                         <a:solidFill>
                           <a:schemeClr val="lt1"/>
@@ -29188,14 +34370,25 @@
                       </a:endParaRPr>
                     </a:p>
                   </a:txBody>
-                  <a:tcPr/>
-                </a:tc>
-                <a:tc>
-                  <a:txBody>
-                    <a:bodyPr/>
-                    <a:lstStyle/>
-                    <a:p>
-                      <a:pPr algn="ctr"/>
+                  <a:tcPr anchor="ctr"/>
+                </a:tc>
+                <a:tc>
+                  <a:txBody>
+                    <a:bodyPr/>
+                    <a:lstStyle/>
+                    <a:p>
+                      <a:pPr algn="ctr"/>
+                      <a:r>
+                        <a:rPr lang="en-US" altLang="zh-CN" sz="1800" kern="1200" dirty="0">
+                          <a:solidFill>
+                            <a:schemeClr val="lt1"/>
+                          </a:solidFill>
+                          <a:latin typeface="+mn-lt"/>
+                          <a:ea typeface="+mn-ea"/>
+                          <a:cs typeface="+mn-cs"/>
+                        </a:rPr>
+                        <a:t>0.444</a:t>
+                      </a:r>
                       <a:endParaRPr lang="en-US" sz="1800" kern="1200" dirty="0">
                         <a:solidFill>
                           <a:schemeClr val="lt1"/>
@@ -29206,14 +34399,25 @@
                       </a:endParaRPr>
                     </a:p>
                   </a:txBody>
-                  <a:tcPr/>
-                </a:tc>
-                <a:tc>
-                  <a:txBody>
-                    <a:bodyPr/>
-                    <a:lstStyle/>
-                    <a:p>
-                      <a:pPr algn="ctr"/>
+                  <a:tcPr anchor="ctr"/>
+                </a:tc>
+                <a:tc>
+                  <a:txBody>
+                    <a:bodyPr/>
+                    <a:lstStyle/>
+                    <a:p>
+                      <a:pPr algn="ctr"/>
+                      <a:r>
+                        <a:rPr lang="en-US" altLang="zh-CN" sz="1800" kern="1200" dirty="0">
+                          <a:solidFill>
+                            <a:schemeClr val="lt1"/>
+                          </a:solidFill>
+                          <a:latin typeface="+mn-lt"/>
+                          <a:ea typeface="+mn-ea"/>
+                          <a:cs typeface="+mn-cs"/>
+                        </a:rPr>
+                        <a:t>0.614</a:t>
+                      </a:r>
                       <a:endParaRPr lang="en-US" sz="1800" kern="1200" dirty="0">
                         <a:solidFill>
                           <a:schemeClr val="lt1"/>
@@ -29224,14 +34428,25 @@
                       </a:endParaRPr>
                     </a:p>
                   </a:txBody>
-                  <a:tcPr/>
-                </a:tc>
-                <a:tc>
-                  <a:txBody>
-                    <a:bodyPr/>
-                    <a:lstStyle/>
-                    <a:p>
-                      <a:pPr algn="ctr"/>
+                  <a:tcPr anchor="ctr"/>
+                </a:tc>
+                <a:tc>
+                  <a:txBody>
+                    <a:bodyPr/>
+                    <a:lstStyle/>
+                    <a:p>
+                      <a:pPr algn="ctr"/>
+                      <a:r>
+                        <a:rPr lang="en-US" altLang="zh-CN" sz="1800" kern="1200" dirty="0">
+                          <a:solidFill>
+                            <a:schemeClr val="lt1"/>
+                          </a:solidFill>
+                          <a:latin typeface="+mn-lt"/>
+                          <a:ea typeface="+mn-ea"/>
+                          <a:cs typeface="+mn-cs"/>
+                        </a:rPr>
+                        <a:t>0.794</a:t>
+                      </a:r>
                       <a:endParaRPr lang="en-US" sz="1800" kern="1200" dirty="0">
                         <a:solidFill>
                           <a:schemeClr val="lt1"/>
@@ -29242,14 +34457,25 @@
                       </a:endParaRPr>
                     </a:p>
                   </a:txBody>
-                  <a:tcPr/>
-                </a:tc>
-                <a:tc>
-                  <a:txBody>
-                    <a:bodyPr/>
-                    <a:lstStyle/>
-                    <a:p>
-                      <a:pPr algn="ctr"/>
+                  <a:tcPr anchor="ctr"/>
+                </a:tc>
+                <a:tc>
+                  <a:txBody>
+                    <a:bodyPr/>
+                    <a:lstStyle/>
+                    <a:p>
+                      <a:pPr algn="ctr"/>
+                      <a:r>
+                        <a:rPr lang="en-US" altLang="zh-CN" sz="1800" kern="1200" dirty="0">
+                          <a:solidFill>
+                            <a:schemeClr val="lt1"/>
+                          </a:solidFill>
+                          <a:latin typeface="+mn-lt"/>
+                          <a:ea typeface="+mn-ea"/>
+                          <a:cs typeface="+mn-cs"/>
+                        </a:rPr>
+                        <a:t>0.846</a:t>
+                      </a:r>
                       <a:endParaRPr lang="en-US" sz="1800" kern="1200" dirty="0">
                         <a:solidFill>
                           <a:schemeClr val="lt1"/>
@@ -29260,14 +34486,25 @@
                       </a:endParaRPr>
                     </a:p>
                   </a:txBody>
-                  <a:tcPr/>
-                </a:tc>
-                <a:tc>
-                  <a:txBody>
-                    <a:bodyPr/>
-                    <a:lstStyle/>
-                    <a:p>
-                      <a:pPr algn="ctr"/>
+                  <a:tcPr anchor="ctr"/>
+                </a:tc>
+                <a:tc>
+                  <a:txBody>
+                    <a:bodyPr/>
+                    <a:lstStyle/>
+                    <a:p>
+                      <a:pPr algn="ctr"/>
+                      <a:r>
+                        <a:rPr lang="en-US" altLang="zh-CN" sz="1800" kern="1200" dirty="0">
+                          <a:solidFill>
+                            <a:schemeClr val="lt1"/>
+                          </a:solidFill>
+                          <a:latin typeface="+mn-lt"/>
+                          <a:ea typeface="+mn-ea"/>
+                          <a:cs typeface="+mn-cs"/>
+                        </a:rPr>
+                        <a:t>0.87</a:t>
+                      </a:r>
                       <a:endParaRPr lang="en-US" sz="1800" kern="1200" dirty="0">
                         <a:solidFill>
                           <a:schemeClr val="lt1"/>
@@ -29278,14 +34515,25 @@
                       </a:endParaRPr>
                     </a:p>
                   </a:txBody>
-                  <a:tcPr/>
-                </a:tc>
-                <a:tc>
-                  <a:txBody>
-                    <a:bodyPr/>
-                    <a:lstStyle/>
-                    <a:p>
-                      <a:pPr algn="ctr"/>
+                  <a:tcPr anchor="ctr"/>
+                </a:tc>
+                <a:tc>
+                  <a:txBody>
+                    <a:bodyPr/>
+                    <a:lstStyle/>
+                    <a:p>
+                      <a:pPr algn="ctr"/>
+                      <a:r>
+                        <a:rPr lang="en-US" altLang="zh-CN" sz="1800" kern="1200" dirty="0">
+                          <a:solidFill>
+                            <a:schemeClr val="lt1"/>
+                          </a:solidFill>
+                          <a:latin typeface="+mn-lt"/>
+                          <a:ea typeface="+mn-ea"/>
+                          <a:cs typeface="+mn-cs"/>
+                        </a:rPr>
+                        <a:t>0.882</a:t>
+                      </a:r>
                       <a:endParaRPr lang="en-US" sz="1800" kern="1200" dirty="0">
                         <a:solidFill>
                           <a:schemeClr val="lt1"/>
@@ -29296,7 +34544,7 @@
                       </a:endParaRPr>
                     </a:p>
                   </a:txBody>
-                  <a:tcPr/>
+                  <a:tcPr anchor="ctr"/>
                 </a:tc>
                 <a:extLst>
                   <a:ext uri="{0D108BD9-81ED-4DB2-BD59-A6C34878D82A}">
@@ -29321,7 +34569,7 @@
                       </a:r>
                     </a:p>
                   </a:txBody>
-                  <a:tcPr/>
+                  <a:tcPr anchor="ctr"/>
                 </a:tc>
                 <a:tc>
                   <a:txBody>
@@ -29342,7 +34590,7 @@
                       </a:r>
                     </a:p>
                   </a:txBody>
-                  <a:tcPr marL="9525" marR="9525" marT="9525" marB="0" anchor="b"/>
+                  <a:tcPr marL="9525" marR="9525" marT="9525" marB="0" anchor="ctr"/>
                 </a:tc>
                 <a:tc>
                   <a:txBody>
@@ -29363,7 +34611,7 @@
                       </a:r>
                     </a:p>
                   </a:txBody>
-                  <a:tcPr marL="9525" marR="9525" marT="9525" marB="0" anchor="b"/>
+                  <a:tcPr marL="9525" marR="9525" marT="9525" marB="0" anchor="ctr"/>
                 </a:tc>
                 <a:tc>
                   <a:txBody>
@@ -29384,7 +34632,7 @@
                       </a:r>
                     </a:p>
                   </a:txBody>
-                  <a:tcPr marL="9525" marR="9525" marT="9525" marB="0" anchor="b"/>
+                  <a:tcPr marL="9525" marR="9525" marT="9525" marB="0" anchor="ctr"/>
                 </a:tc>
                 <a:tc>
                   <a:txBody>
@@ -29405,7 +34653,7 @@
                       </a:r>
                     </a:p>
                   </a:txBody>
-                  <a:tcPr marL="9525" marR="9525" marT="9525" marB="0" anchor="b"/>
+                  <a:tcPr marL="9525" marR="9525" marT="9525" marB="0" anchor="ctr"/>
                 </a:tc>
                 <a:tc>
                   <a:txBody>
@@ -29426,7 +34674,7 @@
                       </a:r>
                     </a:p>
                   </a:txBody>
-                  <a:tcPr marL="9525" marR="9525" marT="9525" marB="0" anchor="b"/>
+                  <a:tcPr marL="9525" marR="9525" marT="9525" marB="0" anchor="ctr"/>
                 </a:tc>
                 <a:tc>
                   <a:txBody>
@@ -29447,7 +34695,7 @@
                       </a:r>
                     </a:p>
                   </a:txBody>
-                  <a:tcPr marL="9525" marR="9525" marT="9525" marB="0" anchor="b"/>
+                  <a:tcPr marL="9525" marR="9525" marT="9525" marB="0" anchor="ctr"/>
                 </a:tc>
                 <a:tc>
                   <a:txBody>
@@ -29468,7 +34716,7 @@
                       </a:r>
                     </a:p>
                   </a:txBody>
-                  <a:tcPr marL="9525" marR="9525" marT="9525" marB="0" anchor="b"/>
+                  <a:tcPr marL="9525" marR="9525" marT="9525" marB="0" anchor="ctr"/>
                 </a:tc>
                 <a:tc>
                   <a:txBody>
@@ -29489,7 +34737,7 @@
                       </a:r>
                     </a:p>
                   </a:txBody>
-                  <a:tcPr marL="9525" marR="9525" marT="9525" marB="0" anchor="b"/>
+                  <a:tcPr marL="9525" marR="9525" marT="9525" marB="0" anchor="ctr"/>
                 </a:tc>
                 <a:extLst>
                   <a:ext uri="{0D108BD9-81ED-4DB2-BD59-A6C34878D82A}">
@@ -29527,95 +34775,127 @@
                       <a:endParaRPr lang="en-US" dirty="0"/>
                     </a:p>
                   </a:txBody>
-                  <a:tcPr/>
-                </a:tc>
-                <a:tc>
-                  <a:txBody>
-                    <a:bodyPr/>
-                    <a:lstStyle/>
-                    <a:p>
-                      <a:pPr algn="ctr"/>
+                  <a:tcPr anchor="ctr"/>
+                </a:tc>
+                <a:tc>
+                  <a:txBody>
+                    <a:bodyPr/>
+                    <a:lstStyle/>
+                    <a:p>
+                      <a:pPr algn="ctr"/>
+                      <a:r>
+                        <a:rPr lang="en-US" altLang="zh-CN" dirty="0"/>
+                        <a:t>0.082</a:t>
+                      </a:r>
                       <a:endParaRPr lang="en-US" dirty="0"/>
                     </a:p>
                   </a:txBody>
-                  <a:tcPr/>
-                </a:tc>
-                <a:tc>
-                  <a:txBody>
-                    <a:bodyPr/>
-                    <a:lstStyle/>
-                    <a:p>
-                      <a:pPr algn="ctr"/>
+                  <a:tcPr anchor="ctr"/>
+                </a:tc>
+                <a:tc>
+                  <a:txBody>
+                    <a:bodyPr/>
+                    <a:lstStyle/>
+                    <a:p>
+                      <a:pPr algn="ctr"/>
+                      <a:r>
+                        <a:rPr lang="en-US" altLang="zh-CN" dirty="0"/>
+                        <a:t>0.34</a:t>
+                      </a:r>
                       <a:endParaRPr lang="en-US" dirty="0"/>
                     </a:p>
                   </a:txBody>
-                  <a:tcPr/>
-                </a:tc>
-                <a:tc>
-                  <a:txBody>
-                    <a:bodyPr/>
-                    <a:lstStyle/>
-                    <a:p>
-                      <a:pPr algn="ctr"/>
+                  <a:tcPr anchor="ctr"/>
+                </a:tc>
+                <a:tc>
+                  <a:txBody>
+                    <a:bodyPr/>
+                    <a:lstStyle/>
+                    <a:p>
+                      <a:pPr algn="ctr"/>
+                      <a:r>
+                        <a:rPr lang="en-US" altLang="zh-CN" dirty="0"/>
+                        <a:t>0.6</a:t>
+                      </a:r>
                       <a:endParaRPr lang="en-US" dirty="0"/>
                     </a:p>
                   </a:txBody>
-                  <a:tcPr/>
-                </a:tc>
-                <a:tc>
-                  <a:txBody>
-                    <a:bodyPr/>
-                    <a:lstStyle/>
-                    <a:p>
-                      <a:pPr algn="ctr"/>
+                  <a:tcPr anchor="ctr"/>
+                </a:tc>
+                <a:tc>
+                  <a:txBody>
+                    <a:bodyPr/>
+                    <a:lstStyle/>
+                    <a:p>
+                      <a:pPr algn="ctr"/>
+                      <a:r>
+                        <a:rPr lang="en-US" altLang="zh-CN" dirty="0"/>
+                        <a:t>0.804</a:t>
+                      </a:r>
                       <a:endParaRPr lang="en-US" dirty="0"/>
                     </a:p>
                   </a:txBody>
-                  <a:tcPr/>
-                </a:tc>
-                <a:tc>
-                  <a:txBody>
-                    <a:bodyPr/>
-                    <a:lstStyle/>
-                    <a:p>
-                      <a:pPr algn="ctr"/>
+                  <a:tcPr anchor="ctr"/>
+                </a:tc>
+                <a:tc>
+                  <a:txBody>
+                    <a:bodyPr/>
+                    <a:lstStyle/>
+                    <a:p>
+                      <a:pPr algn="ctr"/>
+                      <a:r>
+                        <a:rPr lang="en-US" altLang="zh-CN" dirty="0"/>
+                        <a:t>0.896</a:t>
+                      </a:r>
                       <a:endParaRPr lang="en-US" dirty="0"/>
                     </a:p>
                   </a:txBody>
-                  <a:tcPr/>
-                </a:tc>
-                <a:tc>
-                  <a:txBody>
-                    <a:bodyPr/>
-                    <a:lstStyle/>
-                    <a:p>
-                      <a:pPr algn="ctr"/>
+                  <a:tcPr anchor="ctr"/>
+                </a:tc>
+                <a:tc>
+                  <a:txBody>
+                    <a:bodyPr/>
+                    <a:lstStyle/>
+                    <a:p>
+                      <a:pPr algn="ctr"/>
+                      <a:r>
+                        <a:rPr lang="en-US" altLang="zh-CN" dirty="0"/>
+                        <a:t>0.924</a:t>
+                      </a:r>
                       <a:endParaRPr lang="en-US" dirty="0"/>
                     </a:p>
                   </a:txBody>
-                  <a:tcPr/>
-                </a:tc>
-                <a:tc>
-                  <a:txBody>
-                    <a:bodyPr/>
-                    <a:lstStyle/>
-                    <a:p>
-                      <a:pPr algn="ctr"/>
+                  <a:tcPr anchor="ctr"/>
+                </a:tc>
+                <a:tc>
+                  <a:txBody>
+                    <a:bodyPr/>
+                    <a:lstStyle/>
+                    <a:p>
+                      <a:pPr algn="ctr"/>
+                      <a:r>
+                        <a:rPr lang="en-US" altLang="zh-CN" dirty="0"/>
+                        <a:t>0.95</a:t>
+                      </a:r>
                       <a:endParaRPr lang="en-US" dirty="0"/>
                     </a:p>
                   </a:txBody>
-                  <a:tcPr/>
-                </a:tc>
-                <a:tc>
-                  <a:txBody>
-                    <a:bodyPr/>
-                    <a:lstStyle/>
-                    <a:p>
-                      <a:pPr algn="ctr"/>
+                  <a:tcPr anchor="ctr"/>
+                </a:tc>
+                <a:tc>
+                  <a:txBody>
+                    <a:bodyPr/>
+                    <a:lstStyle/>
+                    <a:p>
+                      <a:pPr algn="ctr"/>
+                      <a:r>
+                        <a:rPr lang="en-US" altLang="zh-CN" dirty="0"/>
+                        <a:t>0.922</a:t>
+                      </a:r>
                       <a:endParaRPr lang="en-US" dirty="0"/>
                     </a:p>
                   </a:txBody>
-                  <a:tcPr/>
+                  <a:tcPr anchor="ctr"/>
                 </a:tc>
                 <a:extLst>
                   <a:ext uri="{0D108BD9-81ED-4DB2-BD59-A6C34878D82A}">
@@ -29653,95 +34933,127 @@
                       <a:endParaRPr lang="en-US" dirty="0"/>
                     </a:p>
                   </a:txBody>
-                  <a:tcPr/>
-                </a:tc>
-                <a:tc>
-                  <a:txBody>
-                    <a:bodyPr/>
-                    <a:lstStyle/>
-                    <a:p>
-                      <a:pPr algn="ctr"/>
+                  <a:tcPr anchor="ctr"/>
+                </a:tc>
+                <a:tc>
+                  <a:txBody>
+                    <a:bodyPr/>
+                    <a:lstStyle/>
+                    <a:p>
+                      <a:pPr algn="ctr"/>
+                      <a:r>
+                        <a:rPr lang="en-US" altLang="zh-CN" dirty="0"/>
+                        <a:t>0.08</a:t>
+                      </a:r>
                       <a:endParaRPr lang="en-US" dirty="0"/>
                     </a:p>
                   </a:txBody>
-                  <a:tcPr/>
-                </a:tc>
-                <a:tc>
-                  <a:txBody>
-                    <a:bodyPr/>
-                    <a:lstStyle/>
-                    <a:p>
-                      <a:pPr algn="ctr"/>
+                  <a:tcPr anchor="ctr"/>
+                </a:tc>
+                <a:tc>
+                  <a:txBody>
+                    <a:bodyPr/>
+                    <a:lstStyle/>
+                    <a:p>
+                      <a:pPr algn="ctr"/>
+                      <a:r>
+                        <a:rPr lang="en-US" altLang="zh-CN" dirty="0"/>
+                        <a:t>0.368</a:t>
+                      </a:r>
                       <a:endParaRPr lang="en-US" dirty="0"/>
                     </a:p>
                   </a:txBody>
-                  <a:tcPr/>
-                </a:tc>
-                <a:tc>
-                  <a:txBody>
-                    <a:bodyPr/>
-                    <a:lstStyle/>
-                    <a:p>
-                      <a:pPr algn="ctr"/>
+                  <a:tcPr anchor="ctr"/>
+                </a:tc>
+                <a:tc>
+                  <a:txBody>
+                    <a:bodyPr/>
+                    <a:lstStyle/>
+                    <a:p>
+                      <a:pPr algn="ctr"/>
+                      <a:r>
+                        <a:rPr lang="en-US" altLang="zh-CN" dirty="0"/>
+                        <a:t>0.656</a:t>
+                      </a:r>
                       <a:endParaRPr lang="en-US" dirty="0"/>
                     </a:p>
                   </a:txBody>
-                  <a:tcPr/>
-                </a:tc>
-                <a:tc>
-                  <a:txBody>
-                    <a:bodyPr/>
-                    <a:lstStyle/>
-                    <a:p>
-                      <a:pPr algn="ctr"/>
+                  <a:tcPr anchor="ctr"/>
+                </a:tc>
+                <a:tc>
+                  <a:txBody>
+                    <a:bodyPr/>
+                    <a:lstStyle/>
+                    <a:p>
+                      <a:pPr algn="ctr"/>
+                      <a:r>
+                        <a:rPr lang="en-US" altLang="zh-CN" dirty="0"/>
+                        <a:t>0.79</a:t>
+                      </a:r>
                       <a:endParaRPr lang="en-US" dirty="0"/>
                     </a:p>
                   </a:txBody>
-                  <a:tcPr/>
-                </a:tc>
-                <a:tc>
-                  <a:txBody>
-                    <a:bodyPr/>
-                    <a:lstStyle/>
-                    <a:p>
-                      <a:pPr algn="ctr"/>
+                  <a:tcPr anchor="ctr"/>
+                </a:tc>
+                <a:tc>
+                  <a:txBody>
+                    <a:bodyPr/>
+                    <a:lstStyle/>
+                    <a:p>
+                      <a:pPr algn="ctr"/>
+                      <a:r>
+                        <a:rPr lang="en-US" altLang="zh-CN" dirty="0"/>
+                        <a:t>0.898</a:t>
+                      </a:r>
                       <a:endParaRPr lang="en-US" dirty="0"/>
                     </a:p>
                   </a:txBody>
-                  <a:tcPr/>
-                </a:tc>
-                <a:tc>
-                  <a:txBody>
-                    <a:bodyPr/>
-                    <a:lstStyle/>
-                    <a:p>
-                      <a:pPr algn="ctr"/>
+                  <a:tcPr anchor="ctr"/>
+                </a:tc>
+                <a:tc>
+                  <a:txBody>
+                    <a:bodyPr/>
+                    <a:lstStyle/>
+                    <a:p>
+                      <a:pPr algn="ctr"/>
+                      <a:r>
+                        <a:rPr lang="en-US" altLang="zh-CN" dirty="0"/>
+                        <a:t>0.92</a:t>
+                      </a:r>
                       <a:endParaRPr lang="en-US" dirty="0"/>
                     </a:p>
                   </a:txBody>
-                  <a:tcPr/>
-                </a:tc>
-                <a:tc>
-                  <a:txBody>
-                    <a:bodyPr/>
-                    <a:lstStyle/>
-                    <a:p>
-                      <a:pPr algn="ctr"/>
+                  <a:tcPr anchor="ctr"/>
+                </a:tc>
+                <a:tc>
+                  <a:txBody>
+                    <a:bodyPr/>
+                    <a:lstStyle/>
+                    <a:p>
+                      <a:pPr algn="ctr"/>
+                      <a:r>
+                        <a:rPr lang="en-US" altLang="zh-CN" dirty="0"/>
+                        <a:t>0.936</a:t>
+                      </a:r>
                       <a:endParaRPr lang="en-US" dirty="0"/>
                     </a:p>
                   </a:txBody>
-                  <a:tcPr/>
-                </a:tc>
-                <a:tc>
-                  <a:txBody>
-                    <a:bodyPr/>
-                    <a:lstStyle/>
-                    <a:p>
-                      <a:pPr algn="ctr"/>
+                  <a:tcPr anchor="ctr"/>
+                </a:tc>
+                <a:tc>
+                  <a:txBody>
+                    <a:bodyPr/>
+                    <a:lstStyle/>
+                    <a:p>
+                      <a:pPr algn="ctr"/>
+                      <a:r>
+                        <a:rPr lang="en-US" altLang="zh-CN" dirty="0"/>
+                        <a:t>0.91</a:t>
+                      </a:r>
                       <a:endParaRPr lang="en-US" dirty="0"/>
                     </a:p>
                   </a:txBody>
-                  <a:tcPr/>
+                  <a:tcPr anchor="ctr"/>
                 </a:tc>
                 <a:extLst>
                   <a:ext uri="{0D108BD9-81ED-4DB2-BD59-A6C34878D82A}">
@@ -29853,70 +35165,6 @@
     <p:extLst>
       <p:ext uri="{BB962C8B-B14F-4D97-AF65-F5344CB8AC3E}">
         <p14:creationId xmlns:p14="http://schemas.microsoft.com/office/powerpoint/2010/main" val="3247770692"/>
-      </p:ext>
-    </p:extLst>
-  </p:cSld>
-  <p:clrMapOvr>
-    <a:masterClrMapping/>
-  </p:clrMapOvr>
-</p:sld>
-</file>
-
-<file path=ppt/slides/slide6.xml><?xml version="1.0" encoding="utf-8"?>
-<p:sld xmlns:a="http://schemas.openxmlformats.org/drawingml/2006/main" xmlns:r="http://schemas.openxmlformats.org/officeDocument/2006/relationships" xmlns:p="http://schemas.openxmlformats.org/presentationml/2006/main">
-  <p:cSld>
-    <p:spTree>
-      <p:nvGrpSpPr>
-        <p:cNvPr id="1" name=""/>
-        <p:cNvGrpSpPr/>
-        <p:nvPr/>
-      </p:nvGrpSpPr>
-      <p:grpSpPr>
-        <a:xfrm>
-          <a:off x="0" y="0"/>
-          <a:ext cx="0" cy="0"/>
-          <a:chOff x="0" y="0"/>
-          <a:chExt cx="0" cy="0"/>
-        </a:xfrm>
-      </p:grpSpPr>
-      <p:sp>
-        <p:nvSpPr>
-          <p:cNvPr id="2" name="Title 1">
-            <a:extLst>
-              <a:ext uri="{FF2B5EF4-FFF2-40B4-BE49-F238E27FC236}">
-                <a16:creationId xmlns:a16="http://schemas.microsoft.com/office/drawing/2014/main" id="{EDA685FC-1C8C-9241-85EA-CD172542926A}"/>
-              </a:ext>
-            </a:extLst>
-          </p:cNvPr>
-          <p:cNvSpPr>
-            <a:spLocks noGrp="1"/>
-          </p:cNvSpPr>
-          <p:nvPr>
-            <p:ph type="title"/>
-          </p:nvPr>
-        </p:nvSpPr>
-        <p:spPr>
-          <a:xfrm>
-            <a:off x="958120" y="2718582"/>
-            <a:ext cx="10515600" cy="1325563"/>
-          </a:xfrm>
-        </p:spPr>
-        <p:txBody>
-          <a:bodyPr/>
-          <a:lstStyle/>
-          <a:p>
-            <a:pPr algn="ctr"/>
-            <a:r>
-              <a:rPr lang="en-US" dirty="0"/>
-              <a:t>Distance Distribution with Real BSD</a:t>
-            </a:r>
-          </a:p>
-        </p:txBody>
-      </p:sp>
-    </p:spTree>
-    <p:extLst>
-      <p:ext uri="{BB962C8B-B14F-4D97-AF65-F5344CB8AC3E}">
-        <p14:creationId xmlns:p14="http://schemas.microsoft.com/office/powerpoint/2010/main" val="3970704757"/>
       </p:ext>
     </p:extLst>
   </p:cSld>

--- a/BSD_Figures.pptx
+++ b/BSD_Figures.pptx
@@ -5,7 +5,7 @@
     <p:sldMasterId id="2147483648" r:id="rId1"/>
   </p:sldMasterIdLst>
   <p:notesMasterIdLst>
-    <p:notesMasterId r:id="rId67"/>
+    <p:notesMasterId r:id="rId75"/>
   </p:notesMasterIdLst>
   <p:sldIdLst>
     <p:sldId id="276" r:id="rId2"/>
@@ -73,6 +73,14 @@
     <p:sldId id="280" r:id="rId64"/>
     <p:sldId id="259" r:id="rId65"/>
     <p:sldId id="270" r:id="rId66"/>
+    <p:sldId id="333" r:id="rId67"/>
+    <p:sldId id="334" r:id="rId68"/>
+    <p:sldId id="335" r:id="rId69"/>
+    <p:sldId id="336" r:id="rId70"/>
+    <p:sldId id="337" r:id="rId71"/>
+    <p:sldId id="338" r:id="rId72"/>
+    <p:sldId id="339" r:id="rId73"/>
+    <p:sldId id="340" r:id="rId74"/>
   </p:sldIdLst>
   <p:sldSz cx="12192000" cy="6858000"/>
   <p:notesSz cx="6858000" cy="9144000"/>
@@ -27421,14 +27429,14 @@
           <p:nvPr>
             <p:extLst>
               <p:ext uri="{D42A27DB-BD31-4B8C-83A1-F6EECF244321}">
-                <p14:modId xmlns:p14="http://schemas.microsoft.com/office/powerpoint/2010/main" val="1981794565"/>
+                <p14:modId xmlns:p14="http://schemas.microsoft.com/office/powerpoint/2010/main" val="3289834981"/>
               </p:ext>
             </p:extLst>
           </p:nvPr>
         </p:nvGraphicFramePr>
         <p:xfrm>
           <a:off x="1170038" y="1873907"/>
-          <a:ext cx="9792930" cy="3221364"/>
+          <a:ext cx="9792930" cy="2452376"/>
         </p:xfrm>
         <a:graphic>
           <a:graphicData uri="http://schemas.openxmlformats.org/drawingml/2006/table">
@@ -27928,14 +27936,17 @@
                     <a:lstStyle/>
                     <a:p>
                       <a:pPr algn="ctr"/>
-                      <a:endParaRPr lang="en-US" sz="1800" kern="1200" dirty="0">
-                        <a:solidFill>
-                          <a:schemeClr val="tx1"/>
-                        </a:solidFill>
-                        <a:latin typeface="Times" pitchFamily="2" charset="0"/>
-                        <a:ea typeface="+mn-ea"/>
-                        <a:cs typeface="+mn-cs"/>
-                      </a:endParaRPr>
+                      <a:r>
+                        <a:rPr lang="en-US" sz="1800" kern="1200" dirty="0">
+                          <a:solidFill>
+                            <a:schemeClr val="tx1"/>
+                          </a:solidFill>
+                          <a:latin typeface="Times" pitchFamily="2" charset="0"/>
+                          <a:ea typeface="+mn-ea"/>
+                          <a:cs typeface="+mn-cs"/>
+                        </a:rPr>
+                        <a:t>72.42%</a:t>
+                      </a:r>
                     </a:p>
                   </a:txBody>
                   <a:tcPr/>
@@ -27946,14 +27957,17 @@
                     <a:lstStyle/>
                     <a:p>
                       <a:pPr algn="ctr"/>
-                      <a:endParaRPr lang="en-US" sz="1800" kern="1200" dirty="0">
-                        <a:solidFill>
-                          <a:schemeClr val="tx1"/>
-                        </a:solidFill>
-                        <a:latin typeface="Times" pitchFamily="2" charset="0"/>
-                        <a:ea typeface="+mn-ea"/>
-                        <a:cs typeface="+mn-cs"/>
-                      </a:endParaRPr>
+                      <a:r>
+                        <a:rPr lang="en-US" sz="1800" kern="1200" dirty="0">
+                          <a:solidFill>
+                            <a:schemeClr val="tx1"/>
+                          </a:solidFill>
+                          <a:latin typeface="Times" pitchFamily="2" charset="0"/>
+                          <a:ea typeface="+mn-ea"/>
+                          <a:cs typeface="+mn-cs"/>
+                        </a:rPr>
+                        <a:t>81.65%</a:t>
+                      </a:r>
                     </a:p>
                   </a:txBody>
                   <a:tcPr/>
@@ -27964,14 +27978,17 @@
                     <a:lstStyle/>
                     <a:p>
                       <a:pPr algn="ctr"/>
-                      <a:endParaRPr lang="en-US" sz="1800" kern="1200" dirty="0">
-                        <a:solidFill>
-                          <a:schemeClr val="tx1"/>
-                        </a:solidFill>
-                        <a:latin typeface="Times" pitchFamily="2" charset="0"/>
-                        <a:ea typeface="+mn-ea"/>
-                        <a:cs typeface="+mn-cs"/>
-                      </a:endParaRPr>
+                      <a:r>
+                        <a:rPr lang="en-US" sz="1800" kern="1200" dirty="0">
+                          <a:solidFill>
+                            <a:schemeClr val="tx1"/>
+                          </a:solidFill>
+                          <a:latin typeface="Times" pitchFamily="2" charset="0"/>
+                          <a:ea typeface="+mn-ea"/>
+                          <a:cs typeface="+mn-cs"/>
+                        </a:rPr>
+                        <a:t>71.4%</a:t>
+                      </a:r>
                     </a:p>
                   </a:txBody>
                   <a:tcPr/>
@@ -27982,14 +27999,17 @@
                     <a:lstStyle/>
                     <a:p>
                       <a:pPr algn="ctr"/>
-                      <a:endParaRPr lang="en-US" sz="1800" kern="1200" dirty="0">
-                        <a:solidFill>
-                          <a:schemeClr val="tx1"/>
-                        </a:solidFill>
-                        <a:latin typeface="Times" pitchFamily="2" charset="0"/>
-                        <a:ea typeface="+mn-ea"/>
-                        <a:cs typeface="+mn-cs"/>
-                      </a:endParaRPr>
+                      <a:r>
+                        <a:rPr lang="en-US" sz="1800" kern="1200" dirty="0">
+                          <a:solidFill>
+                            <a:schemeClr val="tx1"/>
+                          </a:solidFill>
+                          <a:latin typeface="Times" pitchFamily="2" charset="0"/>
+                          <a:ea typeface="+mn-ea"/>
+                          <a:cs typeface="+mn-cs"/>
+                        </a:rPr>
+                        <a:t>81.34%</a:t>
+                      </a:r>
                     </a:p>
                   </a:txBody>
                   <a:tcPr/>
@@ -28245,9 +28265,12 @@
                     <a:lstStyle/>
                     <a:p>
                       <a:pPr algn="ctr"/>
-                      <a:endParaRPr lang="en-US" dirty="0">
-                        <a:latin typeface="Times" pitchFamily="2" charset="0"/>
-                      </a:endParaRPr>
+                      <a:r>
+                        <a:rPr lang="en-US" dirty="0">
+                          <a:latin typeface="Times" pitchFamily="2" charset="0"/>
+                        </a:rPr>
+                        <a:t>80.84%</a:t>
+                      </a:r>
                     </a:p>
                   </a:txBody>
                   <a:tcPr/>
@@ -28258,9 +28281,12 @@
                     <a:lstStyle/>
                     <a:p>
                       <a:pPr algn="ctr"/>
-                      <a:endParaRPr lang="en-US" dirty="0">
-                        <a:latin typeface="Times" pitchFamily="2" charset="0"/>
-                      </a:endParaRPr>
+                      <a:r>
+                        <a:rPr lang="en-US" dirty="0">
+                          <a:latin typeface="Times" pitchFamily="2" charset="0"/>
+                        </a:rPr>
+                        <a:t>86.19%</a:t>
+                      </a:r>
                     </a:p>
                   </a:txBody>
                   <a:tcPr/>
@@ -28271,9 +28297,12 @@
                     <a:lstStyle/>
                     <a:p>
                       <a:pPr algn="ctr"/>
-                      <a:endParaRPr lang="en-US" dirty="0">
-                        <a:latin typeface="Times" pitchFamily="2" charset="0"/>
-                      </a:endParaRPr>
+                      <a:r>
+                        <a:rPr lang="en-US" dirty="0">
+                          <a:latin typeface="Times" pitchFamily="2" charset="0"/>
+                        </a:rPr>
+                        <a:t>82.04%</a:t>
+                      </a:r>
                     </a:p>
                   </a:txBody>
                   <a:tcPr/>
@@ -28284,9 +28313,12 @@
                     <a:lstStyle/>
                     <a:p>
                       <a:pPr algn="ctr"/>
-                      <a:endParaRPr lang="en-US" dirty="0">
-                        <a:latin typeface="Times" pitchFamily="2" charset="0"/>
-                      </a:endParaRPr>
+                      <a:r>
+                        <a:rPr lang="en-US" dirty="0">
+                          <a:latin typeface="Times" pitchFamily="2" charset="0"/>
+                        </a:rPr>
+                        <a:t>86.67%</a:t>
+                      </a:r>
                     </a:p>
                   </a:txBody>
                   <a:tcPr/>
@@ -28294,255 +28326,6 @@
                 <a:extLst>
                   <a:ext uri="{0D108BD9-81ED-4DB2-BD59-A6C34878D82A}">
                     <a16:rowId xmlns:a16="http://schemas.microsoft.com/office/drawing/2014/main" val="1207095232"/>
-                  </a:ext>
-                </a:extLst>
-              </a:tr>
-              <a:tr h="384494">
-                <a:tc rowSpan="2">
-                  <a:txBody>
-                    <a:bodyPr/>
-                    <a:lstStyle/>
-                    <a:p>
-                      <a:pPr algn="ctr"/>
-                      <a:r>
-                        <a:rPr lang="en-US" dirty="0">
-                          <a:latin typeface="Times" pitchFamily="2" charset="0"/>
-                        </a:rPr>
-                        <a:t>Hudson River</a:t>
-                      </a:r>
-                    </a:p>
-                  </a:txBody>
-                  <a:tcPr anchor="ctr"/>
-                </a:tc>
-                <a:tc>
-                  <a:txBody>
-                    <a:bodyPr/>
-                    <a:lstStyle/>
-                    <a:p>
-                      <a:pPr algn="ctr"/>
-                      <a:r>
-                        <a:rPr lang="en-US" altLang="zh-CN" sz="1800" b="1" kern="1200" dirty="0">
-                          <a:solidFill>
-                            <a:schemeClr val="tx1"/>
-                          </a:solidFill>
-                          <a:latin typeface="+mn-lt"/>
-                          <a:ea typeface="+mn-ea"/>
-                          <a:cs typeface="+mn-cs"/>
-                        </a:rPr>
-                        <a:t>Whole</a:t>
-                      </a:r>
-                      <a:r>
-                        <a:rPr lang="zh-CN" altLang="en-US" sz="1800" b="1" kern="1200" dirty="0">
-                          <a:solidFill>
-                            <a:schemeClr val="tx1"/>
-                          </a:solidFill>
-                          <a:latin typeface="+mn-lt"/>
-                          <a:ea typeface="+mn-ea"/>
-                          <a:cs typeface="+mn-cs"/>
-                        </a:rPr>
-                        <a:t> </a:t>
-                      </a:r>
-                      <a:r>
-                        <a:rPr lang="en-US" altLang="zh-CN" sz="1800" b="1" kern="1200" dirty="0">
-                          <a:solidFill>
-                            <a:schemeClr val="tx1"/>
-                          </a:solidFill>
-                          <a:latin typeface="+mn-lt"/>
-                          <a:ea typeface="+mn-ea"/>
-                          <a:cs typeface="+mn-cs"/>
-                        </a:rPr>
-                        <a:t>area</a:t>
-                      </a:r>
-                      <a:endParaRPr lang="en-US" dirty="0">
-                        <a:latin typeface="Times" pitchFamily="2" charset="0"/>
-                      </a:endParaRPr>
-                    </a:p>
-                  </a:txBody>
-                  <a:tcPr/>
-                </a:tc>
-                <a:tc>
-                  <a:txBody>
-                    <a:bodyPr/>
-                    <a:lstStyle/>
-                    <a:p>
-                      <a:pPr algn="ctr"/>
-                      <a:endParaRPr lang="en-US" dirty="0">
-                        <a:latin typeface="Times" pitchFamily="2" charset="0"/>
-                      </a:endParaRPr>
-                    </a:p>
-                  </a:txBody>
-                  <a:tcPr/>
-                </a:tc>
-                <a:tc>
-                  <a:txBody>
-                    <a:bodyPr/>
-                    <a:lstStyle/>
-                    <a:p>
-                      <a:pPr algn="ctr"/>
-                      <a:endParaRPr lang="en-US" dirty="0">
-                        <a:latin typeface="Times" pitchFamily="2" charset="0"/>
-                      </a:endParaRPr>
-                    </a:p>
-                  </a:txBody>
-                  <a:tcPr/>
-                </a:tc>
-                <a:tc>
-                  <a:txBody>
-                    <a:bodyPr/>
-                    <a:lstStyle/>
-                    <a:p>
-                      <a:pPr algn="ctr"/>
-                      <a:endParaRPr lang="en-US" dirty="0">
-                        <a:latin typeface="Times" pitchFamily="2" charset="0"/>
-                      </a:endParaRPr>
-                    </a:p>
-                  </a:txBody>
-                  <a:tcPr/>
-                </a:tc>
-                <a:tc>
-                  <a:txBody>
-                    <a:bodyPr/>
-                    <a:lstStyle/>
-                    <a:p>
-                      <a:pPr algn="ctr"/>
-                      <a:endParaRPr lang="en-US" dirty="0">
-                        <a:latin typeface="Times" pitchFamily="2" charset="0"/>
-                      </a:endParaRPr>
-                    </a:p>
-                  </a:txBody>
-                  <a:tcPr/>
-                </a:tc>
-                <a:extLst>
-                  <a:ext uri="{0D108BD9-81ED-4DB2-BD59-A6C34878D82A}">
-                    <a16:rowId xmlns:a16="http://schemas.microsoft.com/office/drawing/2014/main" val="4103627438"/>
-                  </a:ext>
-                </a:extLst>
-              </a:tr>
-              <a:tr h="384494">
-                <a:tc vMerge="1">
-                  <a:txBody>
-                    <a:bodyPr/>
-                    <a:lstStyle/>
-                    <a:p>
-                      <a:pPr algn="ctr"/>
-                      <a:endParaRPr lang="en-US" dirty="0">
-                        <a:latin typeface="Times" pitchFamily="2" charset="0"/>
-                      </a:endParaRPr>
-                    </a:p>
-                  </a:txBody>
-                  <a:tcPr anchor="ctr"/>
-                </a:tc>
-                <a:tc>
-                  <a:txBody>
-                    <a:bodyPr/>
-                    <a:lstStyle/>
-                    <a:p>
-                      <a:pPr marL="0" marR="0" lvl="0" indent="0" algn="ctr" defTabSz="914400" rtl="0" eaLnBrk="1" fontAlgn="auto" latinLnBrk="0" hangingPunct="1">
-                        <a:lnSpc>
-                          <a:spcPct val="100000"/>
-                        </a:lnSpc>
-                        <a:spcBef>
-                          <a:spcPts val="0"/>
-                        </a:spcBef>
-                        <a:spcAft>
-                          <a:spcPts val="0"/>
-                        </a:spcAft>
-                        <a:buClrTx/>
-                        <a:buSzTx/>
-                        <a:buFontTx/>
-                        <a:buNone/>
-                        <a:tabLst/>
-                        <a:defRPr/>
-                      </a:pPr>
-                      <a:r>
-                        <a:rPr lang="zh-CN" altLang="en-US" sz="1800" b="1" kern="1200" dirty="0">
-                          <a:solidFill>
-                            <a:schemeClr val="tx1"/>
-                          </a:solidFill>
-                          <a:latin typeface="+mn-lt"/>
-                          <a:ea typeface="+mn-ea"/>
-                          <a:cs typeface="+mn-cs"/>
-                        </a:rPr>
-                        <a:t> </a:t>
-                      </a:r>
-                      <a:r>
-                        <a:rPr lang="en-US" altLang="zh-CN" sz="1800" b="1" kern="1200" dirty="0">
-                          <a:solidFill>
-                            <a:schemeClr val="tx1"/>
-                          </a:solidFill>
-                          <a:latin typeface="+mn-lt"/>
-                          <a:ea typeface="+mn-ea"/>
-                          <a:cs typeface="+mn-cs"/>
-                        </a:rPr>
-                        <a:t>test routes</a:t>
-                      </a:r>
-                      <a:endParaRPr lang="en-US" sz="1800" b="1" kern="1200" dirty="0">
-                        <a:solidFill>
-                          <a:schemeClr val="tx1"/>
-                        </a:solidFill>
-                        <a:latin typeface="+mn-lt"/>
-                        <a:ea typeface="+mn-ea"/>
-                        <a:cs typeface="+mn-cs"/>
-                      </a:endParaRPr>
-                    </a:p>
-                  </a:txBody>
-                  <a:tcPr/>
-                </a:tc>
-                <a:tc>
-                  <a:txBody>
-                    <a:bodyPr/>
-                    <a:lstStyle/>
-                    <a:p>
-                      <a:pPr algn="ctr"/>
-                      <a:endParaRPr lang="en-US" dirty="0">
-                        <a:latin typeface="Times" pitchFamily="2" charset="0"/>
-                      </a:endParaRPr>
-                    </a:p>
-                  </a:txBody>
-                  <a:tcPr/>
-                </a:tc>
-                <a:tc>
-                  <a:txBody>
-                    <a:bodyPr/>
-                    <a:lstStyle/>
-                    <a:p>
-                      <a:pPr algn="ctr"/>
-                      <a:endParaRPr lang="en-US" dirty="0">
-                        <a:latin typeface="Times" pitchFamily="2" charset="0"/>
-                      </a:endParaRPr>
-                    </a:p>
-                  </a:txBody>
-                  <a:tcPr/>
-                </a:tc>
-                <a:tc>
-                  <a:txBody>
-                    <a:bodyPr/>
-                    <a:lstStyle/>
-                    <a:p>
-                      <a:pPr algn="ctr"/>
-                      <a:endParaRPr lang="en-US" dirty="0">
-                        <a:latin typeface="Times" pitchFamily="2" charset="0"/>
-                      </a:endParaRPr>
-                    </a:p>
-                  </a:txBody>
-                  <a:tcPr/>
-                </a:tc>
-                <a:tc>
-                  <a:txBody>
-                    <a:bodyPr/>
-                    <a:lstStyle/>
-                    <a:p>
-                      <a:pPr algn="ctr"/>
-                      <a:endParaRPr lang="en-US" dirty="0">
-                        <a:latin typeface="Times" pitchFamily="2" charset="0"/>
-                      </a:endParaRPr>
-                    </a:p>
-                  </a:txBody>
-                  <a:tcPr/>
-                </a:tc>
-                <a:extLst>
-                  <a:ext uri="{0D108BD9-81ED-4DB2-BD59-A6C34878D82A}">
-                    <a16:rowId xmlns:a16="http://schemas.microsoft.com/office/drawing/2014/main" val="720484347"/>
                   </a:ext>
                 </a:extLst>
               </a:tr>
@@ -28633,14 +28416,14 @@
           <p:nvPr>
             <p:extLst>
               <p:ext uri="{D42A27DB-BD31-4B8C-83A1-F6EECF244321}">
-                <p14:modId xmlns:p14="http://schemas.microsoft.com/office/powerpoint/2010/main" val="1773838444"/>
+                <p14:modId xmlns:p14="http://schemas.microsoft.com/office/powerpoint/2010/main" val="3874114412"/>
               </p:ext>
             </p:extLst>
           </p:nvPr>
         </p:nvGraphicFramePr>
         <p:xfrm>
           <a:off x="1472421" y="2024130"/>
-          <a:ext cx="9368046" cy="3267396"/>
+          <a:ext cx="9368046" cy="2484060"/>
         </p:xfrm>
         <a:graphic>
           <a:graphicData uri="http://schemas.openxmlformats.org/drawingml/2006/table">
@@ -29080,9 +28863,12 @@
                     <a:lstStyle/>
                     <a:p>
                       <a:pPr algn="ctr"/>
-                      <a:endParaRPr lang="en-US" dirty="0">
-                        <a:latin typeface="Times" pitchFamily="2" charset="0"/>
-                      </a:endParaRPr>
+                      <a:r>
+                        <a:rPr lang="en-US" dirty="0">
+                          <a:latin typeface="Times" pitchFamily="2" charset="0"/>
+                        </a:rPr>
+                        <a:t>72.48%</a:t>
+                      </a:r>
                     </a:p>
                   </a:txBody>
                   <a:tcPr/>
@@ -29093,9 +28879,12 @@
                     <a:lstStyle/>
                     <a:p>
                       <a:pPr algn="ctr"/>
-                      <a:endParaRPr lang="en-US" dirty="0">
-                        <a:latin typeface="Times" pitchFamily="2" charset="0"/>
-                      </a:endParaRPr>
+                      <a:r>
+                        <a:rPr lang="en-US" dirty="0">
+                          <a:latin typeface="Times" pitchFamily="2" charset="0"/>
+                        </a:rPr>
+                        <a:t>71.54%</a:t>
+                      </a:r>
                     </a:p>
                   </a:txBody>
                   <a:tcPr/>
@@ -29106,9 +28895,12 @@
                     <a:lstStyle/>
                     <a:p>
                       <a:pPr algn="ctr"/>
-                      <a:endParaRPr lang="en-US" dirty="0">
-                        <a:latin typeface="Times" pitchFamily="2" charset="0"/>
-                      </a:endParaRPr>
+                      <a:r>
+                        <a:rPr lang="en-US" dirty="0">
+                          <a:latin typeface="Times" pitchFamily="2" charset="0"/>
+                        </a:rPr>
+                        <a:t>81.92%</a:t>
+                      </a:r>
                     </a:p>
                   </a:txBody>
                   <a:tcPr/>
@@ -29119,9 +28911,12 @@
                     <a:lstStyle/>
                     <a:p>
                       <a:pPr algn="ctr"/>
-                      <a:endParaRPr lang="en-US" dirty="0">
-                        <a:latin typeface="Times" pitchFamily="2" charset="0"/>
-                      </a:endParaRPr>
+                      <a:r>
+                        <a:rPr lang="en-US" dirty="0">
+                          <a:latin typeface="Times" pitchFamily="2" charset="0"/>
+                        </a:rPr>
+                        <a:t>81.11%</a:t>
+                      </a:r>
                     </a:p>
                   </a:txBody>
                   <a:tcPr/>
@@ -29401,9 +29196,12 @@
                     <a:lstStyle/>
                     <a:p>
                       <a:pPr algn="ctr"/>
-                      <a:endParaRPr lang="en-US" dirty="0">
-                        <a:latin typeface="Times" pitchFamily="2" charset="0"/>
-                      </a:endParaRPr>
+                      <a:r>
+                        <a:rPr lang="en-US" dirty="0">
+                          <a:latin typeface="Times" pitchFamily="2" charset="0"/>
+                        </a:rPr>
+                        <a:t>82.3%</a:t>
+                      </a:r>
                     </a:p>
                   </a:txBody>
                   <a:tcPr/>
@@ -29414,9 +29212,12 @@
                     <a:lstStyle/>
                     <a:p>
                       <a:pPr algn="ctr"/>
-                      <a:endParaRPr lang="en-US" dirty="0">
-                        <a:latin typeface="Times" pitchFamily="2" charset="0"/>
-                      </a:endParaRPr>
+                      <a:r>
+                        <a:rPr lang="en-US" dirty="0">
+                          <a:latin typeface="Times" pitchFamily="2" charset="0"/>
+                        </a:rPr>
+                        <a:t>81.06%</a:t>
+                      </a:r>
                     </a:p>
                   </a:txBody>
                   <a:tcPr/>
@@ -29427,9 +29228,12 @@
                     <a:lstStyle/>
                     <a:p>
                       <a:pPr algn="ctr"/>
-                      <a:endParaRPr lang="en-US" dirty="0">
-                        <a:latin typeface="Times" pitchFamily="2" charset="0"/>
-                      </a:endParaRPr>
+                      <a:r>
+                        <a:rPr lang="en-US" dirty="0">
+                          <a:latin typeface="Times" pitchFamily="2" charset="0"/>
+                        </a:rPr>
+                        <a:t>87.08%</a:t>
+                      </a:r>
                     </a:p>
                   </a:txBody>
                   <a:tcPr/>
@@ -29440,9 +29244,12 @@
                     <a:lstStyle/>
                     <a:p>
                       <a:pPr algn="ctr"/>
-                      <a:endParaRPr lang="en-US" dirty="0">
-                        <a:latin typeface="Times" pitchFamily="2" charset="0"/>
-                      </a:endParaRPr>
+                      <a:r>
+                        <a:rPr lang="en-US" dirty="0">
+                          <a:latin typeface="Times" pitchFamily="2" charset="0"/>
+                        </a:rPr>
+                        <a:t>85.94%</a:t>
+                      </a:r>
                     </a:p>
                   </a:txBody>
                   <a:tcPr/>
@@ -29450,255 +29257,6 @@
                 <a:extLst>
                   <a:ext uri="{0D108BD9-81ED-4DB2-BD59-A6C34878D82A}">
                     <a16:rowId xmlns:a16="http://schemas.microsoft.com/office/drawing/2014/main" val="2521364167"/>
-                  </a:ext>
-                </a:extLst>
-              </a:tr>
-              <a:tr h="391668">
-                <a:tc rowSpan="2">
-                  <a:txBody>
-                    <a:bodyPr/>
-                    <a:lstStyle/>
-                    <a:p>
-                      <a:pPr algn="ctr"/>
-                      <a:r>
-                        <a:rPr lang="en-US" dirty="0">
-                          <a:latin typeface="Times" pitchFamily="2" charset="0"/>
-                        </a:rPr>
-                        <a:t>Hudson River</a:t>
-                      </a:r>
-                    </a:p>
-                  </a:txBody>
-                  <a:tcPr anchor="ctr"/>
-                </a:tc>
-                <a:tc>
-                  <a:txBody>
-                    <a:bodyPr/>
-                    <a:lstStyle/>
-                    <a:p>
-                      <a:pPr algn="ctr"/>
-                      <a:r>
-                        <a:rPr lang="en-US" altLang="zh-CN" sz="1800" b="1" kern="1200" dirty="0">
-                          <a:solidFill>
-                            <a:schemeClr val="tx1"/>
-                          </a:solidFill>
-                          <a:latin typeface="+mn-lt"/>
-                          <a:ea typeface="+mn-ea"/>
-                          <a:cs typeface="+mn-cs"/>
-                        </a:rPr>
-                        <a:t>Whole</a:t>
-                      </a:r>
-                      <a:r>
-                        <a:rPr lang="zh-CN" altLang="en-US" sz="1800" b="1" kern="1200" dirty="0">
-                          <a:solidFill>
-                            <a:schemeClr val="tx1"/>
-                          </a:solidFill>
-                          <a:latin typeface="+mn-lt"/>
-                          <a:ea typeface="+mn-ea"/>
-                          <a:cs typeface="+mn-cs"/>
-                        </a:rPr>
-                        <a:t> </a:t>
-                      </a:r>
-                      <a:r>
-                        <a:rPr lang="en-US" altLang="zh-CN" sz="1800" b="1" kern="1200" dirty="0">
-                          <a:solidFill>
-                            <a:schemeClr val="tx1"/>
-                          </a:solidFill>
-                          <a:latin typeface="+mn-lt"/>
-                          <a:ea typeface="+mn-ea"/>
-                          <a:cs typeface="+mn-cs"/>
-                        </a:rPr>
-                        <a:t>area</a:t>
-                      </a:r>
-                      <a:endParaRPr lang="en-US" dirty="0">
-                        <a:latin typeface="Times" pitchFamily="2" charset="0"/>
-                      </a:endParaRPr>
-                    </a:p>
-                  </a:txBody>
-                  <a:tcPr/>
-                </a:tc>
-                <a:tc>
-                  <a:txBody>
-                    <a:bodyPr/>
-                    <a:lstStyle/>
-                    <a:p>
-                      <a:pPr algn="ctr"/>
-                      <a:endParaRPr lang="en-US" dirty="0">
-                        <a:latin typeface="Times" pitchFamily="2" charset="0"/>
-                      </a:endParaRPr>
-                    </a:p>
-                  </a:txBody>
-                  <a:tcPr/>
-                </a:tc>
-                <a:tc>
-                  <a:txBody>
-                    <a:bodyPr/>
-                    <a:lstStyle/>
-                    <a:p>
-                      <a:pPr algn="ctr"/>
-                      <a:endParaRPr lang="en-US" dirty="0">
-                        <a:latin typeface="Times" pitchFamily="2" charset="0"/>
-                      </a:endParaRPr>
-                    </a:p>
-                  </a:txBody>
-                  <a:tcPr/>
-                </a:tc>
-                <a:tc>
-                  <a:txBody>
-                    <a:bodyPr/>
-                    <a:lstStyle/>
-                    <a:p>
-                      <a:pPr algn="ctr"/>
-                      <a:endParaRPr lang="en-US" dirty="0">
-                        <a:latin typeface="Times" pitchFamily="2" charset="0"/>
-                      </a:endParaRPr>
-                    </a:p>
-                  </a:txBody>
-                  <a:tcPr/>
-                </a:tc>
-                <a:tc>
-                  <a:txBody>
-                    <a:bodyPr/>
-                    <a:lstStyle/>
-                    <a:p>
-                      <a:pPr algn="ctr"/>
-                      <a:endParaRPr lang="en-US" dirty="0">
-                        <a:latin typeface="Times" pitchFamily="2" charset="0"/>
-                      </a:endParaRPr>
-                    </a:p>
-                  </a:txBody>
-                  <a:tcPr/>
-                </a:tc>
-                <a:extLst>
-                  <a:ext uri="{0D108BD9-81ED-4DB2-BD59-A6C34878D82A}">
-                    <a16:rowId xmlns:a16="http://schemas.microsoft.com/office/drawing/2014/main" val="3296006206"/>
-                  </a:ext>
-                </a:extLst>
-              </a:tr>
-              <a:tr h="391668">
-                <a:tc vMerge="1">
-                  <a:txBody>
-                    <a:bodyPr/>
-                    <a:lstStyle/>
-                    <a:p>
-                      <a:pPr algn="ctr"/>
-                      <a:endParaRPr lang="en-US" dirty="0">
-                        <a:latin typeface="Times" pitchFamily="2" charset="0"/>
-                      </a:endParaRPr>
-                    </a:p>
-                  </a:txBody>
-                  <a:tcPr anchor="ctr"/>
-                </a:tc>
-                <a:tc>
-                  <a:txBody>
-                    <a:bodyPr/>
-                    <a:lstStyle/>
-                    <a:p>
-                      <a:pPr marL="0" marR="0" lvl="0" indent="0" algn="ctr" defTabSz="914400" rtl="0" eaLnBrk="1" fontAlgn="auto" latinLnBrk="0" hangingPunct="1">
-                        <a:lnSpc>
-                          <a:spcPct val="100000"/>
-                        </a:lnSpc>
-                        <a:spcBef>
-                          <a:spcPts val="0"/>
-                        </a:spcBef>
-                        <a:spcAft>
-                          <a:spcPts val="0"/>
-                        </a:spcAft>
-                        <a:buClrTx/>
-                        <a:buSzTx/>
-                        <a:buFontTx/>
-                        <a:buNone/>
-                        <a:tabLst/>
-                        <a:defRPr/>
-                      </a:pPr>
-                      <a:r>
-                        <a:rPr lang="zh-CN" altLang="en-US" sz="1800" b="1" kern="1200" dirty="0">
-                          <a:solidFill>
-                            <a:schemeClr val="tx1"/>
-                          </a:solidFill>
-                          <a:latin typeface="+mn-lt"/>
-                          <a:ea typeface="+mn-ea"/>
-                          <a:cs typeface="+mn-cs"/>
-                        </a:rPr>
-                        <a:t> </a:t>
-                      </a:r>
-                      <a:r>
-                        <a:rPr lang="en-US" altLang="zh-CN" sz="1800" b="1" kern="1200" dirty="0">
-                          <a:solidFill>
-                            <a:schemeClr val="tx1"/>
-                          </a:solidFill>
-                          <a:latin typeface="+mn-lt"/>
-                          <a:ea typeface="+mn-ea"/>
-                          <a:cs typeface="+mn-cs"/>
-                        </a:rPr>
-                        <a:t>test routes</a:t>
-                      </a:r>
-                      <a:endParaRPr lang="en-US" sz="1800" b="1" kern="1200" dirty="0">
-                        <a:solidFill>
-                          <a:schemeClr val="tx1"/>
-                        </a:solidFill>
-                        <a:latin typeface="+mn-lt"/>
-                        <a:ea typeface="+mn-ea"/>
-                        <a:cs typeface="+mn-cs"/>
-                      </a:endParaRPr>
-                    </a:p>
-                  </a:txBody>
-                  <a:tcPr/>
-                </a:tc>
-                <a:tc>
-                  <a:txBody>
-                    <a:bodyPr/>
-                    <a:lstStyle/>
-                    <a:p>
-                      <a:pPr algn="ctr"/>
-                      <a:endParaRPr lang="en-US" dirty="0">
-                        <a:latin typeface="Times" pitchFamily="2" charset="0"/>
-                      </a:endParaRPr>
-                    </a:p>
-                  </a:txBody>
-                  <a:tcPr/>
-                </a:tc>
-                <a:tc>
-                  <a:txBody>
-                    <a:bodyPr/>
-                    <a:lstStyle/>
-                    <a:p>
-                      <a:pPr algn="ctr"/>
-                      <a:endParaRPr lang="en-US" dirty="0">
-                        <a:latin typeface="Times" pitchFamily="2" charset="0"/>
-                      </a:endParaRPr>
-                    </a:p>
-                  </a:txBody>
-                  <a:tcPr/>
-                </a:tc>
-                <a:tc>
-                  <a:txBody>
-                    <a:bodyPr/>
-                    <a:lstStyle/>
-                    <a:p>
-                      <a:pPr algn="ctr"/>
-                      <a:endParaRPr lang="en-US" dirty="0">
-                        <a:latin typeface="Times" pitchFamily="2" charset="0"/>
-                      </a:endParaRPr>
-                    </a:p>
-                  </a:txBody>
-                  <a:tcPr/>
-                </a:tc>
-                <a:tc>
-                  <a:txBody>
-                    <a:bodyPr/>
-                    <a:lstStyle/>
-                    <a:p>
-                      <a:pPr algn="ctr"/>
-                      <a:endParaRPr lang="en-US" dirty="0">
-                        <a:latin typeface="Times" pitchFamily="2" charset="0"/>
-                      </a:endParaRPr>
-                    </a:p>
-                  </a:txBody>
-                  <a:tcPr/>
-                </a:tc>
-                <a:extLst>
-                  <a:ext uri="{0D108BD9-81ED-4DB2-BD59-A6C34878D82A}">
-                    <a16:rowId xmlns:a16="http://schemas.microsoft.com/office/drawing/2014/main" val="188873265"/>
                   </a:ext>
                 </a:extLst>
               </a:tr>
@@ -29922,14 +29480,14 @@
           <p:nvPr>
             <p:extLst>
               <p:ext uri="{D42A27DB-BD31-4B8C-83A1-F6EECF244321}">
-                <p14:modId xmlns:p14="http://schemas.microsoft.com/office/powerpoint/2010/main" val="3940891101"/>
+                <p14:modId xmlns:p14="http://schemas.microsoft.com/office/powerpoint/2010/main" val="4143741699"/>
               </p:ext>
             </p:extLst>
           </p:nvPr>
         </p:nvGraphicFramePr>
         <p:xfrm>
           <a:off x="1170038" y="1873907"/>
-          <a:ext cx="9792930" cy="3221364"/>
+          <a:ext cx="9792930" cy="2452376"/>
         </p:xfrm>
         <a:graphic>
           <a:graphicData uri="http://schemas.openxmlformats.org/drawingml/2006/table">
@@ -30429,14 +29987,17 @@
                     <a:lstStyle/>
                     <a:p>
                       <a:pPr algn="ctr"/>
-                      <a:endParaRPr lang="en-US" sz="1800" kern="1200" dirty="0">
-                        <a:solidFill>
-                          <a:schemeClr val="tx1"/>
-                        </a:solidFill>
-                        <a:latin typeface="Times" pitchFamily="2" charset="0"/>
-                        <a:ea typeface="+mn-ea"/>
-                        <a:cs typeface="+mn-cs"/>
-                      </a:endParaRPr>
+                      <a:r>
+                        <a:rPr lang="en-US" sz="1800" kern="1200" dirty="0">
+                          <a:solidFill>
+                            <a:schemeClr val="tx1"/>
+                          </a:solidFill>
+                          <a:latin typeface="Times" pitchFamily="2" charset="0"/>
+                          <a:ea typeface="+mn-ea"/>
+                          <a:cs typeface="+mn-cs"/>
+                        </a:rPr>
+                        <a:t>70.32%</a:t>
+                      </a:r>
                     </a:p>
                   </a:txBody>
                   <a:tcPr/>
@@ -30447,14 +30008,17 @@
                     <a:lstStyle/>
                     <a:p>
                       <a:pPr algn="ctr"/>
-                      <a:endParaRPr lang="en-US" sz="1800" kern="1200" dirty="0">
-                        <a:solidFill>
-                          <a:schemeClr val="tx1"/>
-                        </a:solidFill>
-                        <a:latin typeface="Times" pitchFamily="2" charset="0"/>
-                        <a:ea typeface="+mn-ea"/>
-                        <a:cs typeface="+mn-cs"/>
-                      </a:endParaRPr>
+                      <a:r>
+                        <a:rPr lang="en-US" sz="1800" kern="1200" dirty="0">
+                          <a:solidFill>
+                            <a:schemeClr val="tx1"/>
+                          </a:solidFill>
+                          <a:latin typeface="Times" pitchFamily="2" charset="0"/>
+                          <a:ea typeface="+mn-ea"/>
+                          <a:cs typeface="+mn-cs"/>
+                        </a:rPr>
+                        <a:t>81.81%</a:t>
+                      </a:r>
                     </a:p>
                   </a:txBody>
                   <a:tcPr/>
@@ -30465,14 +30029,17 @@
                     <a:lstStyle/>
                     <a:p>
                       <a:pPr algn="ctr"/>
-                      <a:endParaRPr lang="en-US" sz="1800" kern="1200" dirty="0">
-                        <a:solidFill>
-                          <a:schemeClr val="tx1"/>
-                        </a:solidFill>
-                        <a:latin typeface="Times" pitchFamily="2" charset="0"/>
-                        <a:ea typeface="+mn-ea"/>
-                        <a:cs typeface="+mn-cs"/>
-                      </a:endParaRPr>
+                      <a:r>
+                        <a:rPr lang="en-US" sz="1800" kern="1200" dirty="0">
+                          <a:solidFill>
+                            <a:schemeClr val="tx1"/>
+                          </a:solidFill>
+                          <a:latin typeface="Times" pitchFamily="2" charset="0"/>
+                          <a:ea typeface="+mn-ea"/>
+                          <a:cs typeface="+mn-cs"/>
+                        </a:rPr>
+                        <a:t>72.96%</a:t>
+                      </a:r>
                     </a:p>
                   </a:txBody>
                   <a:tcPr/>
@@ -30483,14 +30050,17 @@
                     <a:lstStyle/>
                     <a:p>
                       <a:pPr algn="ctr"/>
-                      <a:endParaRPr lang="en-US" sz="1800" kern="1200" dirty="0">
-                        <a:solidFill>
-                          <a:schemeClr val="tx1"/>
-                        </a:solidFill>
-                        <a:latin typeface="Times" pitchFamily="2" charset="0"/>
-                        <a:ea typeface="+mn-ea"/>
-                        <a:cs typeface="+mn-cs"/>
-                      </a:endParaRPr>
+                      <a:r>
+                        <a:rPr lang="en-US" sz="1800" kern="1200" dirty="0">
+                          <a:solidFill>
+                            <a:schemeClr val="tx1"/>
+                          </a:solidFill>
+                          <a:latin typeface="Times" pitchFamily="2" charset="0"/>
+                          <a:ea typeface="+mn-ea"/>
+                          <a:cs typeface="+mn-cs"/>
+                        </a:rPr>
+                        <a:t>80.75%</a:t>
+                      </a:r>
                     </a:p>
                   </a:txBody>
                   <a:tcPr/>
@@ -30746,9 +30316,12 @@
                     <a:lstStyle/>
                     <a:p>
                       <a:pPr algn="ctr"/>
-                      <a:endParaRPr lang="en-US" dirty="0">
-                        <a:latin typeface="Times" pitchFamily="2" charset="0"/>
-                      </a:endParaRPr>
+                      <a:r>
+                        <a:rPr lang="en-US" dirty="0">
+                          <a:latin typeface="Times" pitchFamily="2" charset="0"/>
+                        </a:rPr>
+                        <a:t>82.24%</a:t>
+                      </a:r>
                     </a:p>
                   </a:txBody>
                   <a:tcPr/>
@@ -30759,9 +30332,12 @@
                     <a:lstStyle/>
                     <a:p>
                       <a:pPr algn="ctr"/>
-                      <a:endParaRPr lang="en-US" dirty="0">
-                        <a:latin typeface="Times" pitchFamily="2" charset="0"/>
-                      </a:endParaRPr>
+                      <a:r>
+                        <a:rPr lang="en-US" dirty="0">
+                          <a:latin typeface="Times" pitchFamily="2" charset="0"/>
+                        </a:rPr>
+                        <a:t>85.62%</a:t>
+                      </a:r>
                     </a:p>
                   </a:txBody>
                   <a:tcPr/>
@@ -30772,9 +30348,12 @@
                     <a:lstStyle/>
                     <a:p>
                       <a:pPr algn="ctr"/>
-                      <a:endParaRPr lang="en-US" dirty="0">
-                        <a:latin typeface="Times" pitchFamily="2" charset="0"/>
-                      </a:endParaRPr>
+                      <a:r>
+                        <a:rPr lang="en-US" dirty="0">
+                          <a:latin typeface="Times" pitchFamily="2" charset="0"/>
+                        </a:rPr>
+                        <a:t>82.4%</a:t>
+                      </a:r>
                     </a:p>
                   </a:txBody>
                   <a:tcPr/>
@@ -30785,9 +30364,12 @@
                     <a:lstStyle/>
                     <a:p>
                       <a:pPr algn="ctr"/>
-                      <a:endParaRPr lang="en-US" dirty="0">
-                        <a:latin typeface="Times" pitchFamily="2" charset="0"/>
-                      </a:endParaRPr>
+                      <a:r>
+                        <a:rPr lang="en-US" dirty="0">
+                          <a:latin typeface="Times" pitchFamily="2" charset="0"/>
+                        </a:rPr>
+                        <a:t>85.69%</a:t>
+                      </a:r>
                     </a:p>
                   </a:txBody>
                   <a:tcPr/>
@@ -30795,255 +30377,6 @@
                 <a:extLst>
                   <a:ext uri="{0D108BD9-81ED-4DB2-BD59-A6C34878D82A}">
                     <a16:rowId xmlns:a16="http://schemas.microsoft.com/office/drawing/2014/main" val="1207095232"/>
-                  </a:ext>
-                </a:extLst>
-              </a:tr>
-              <a:tr h="384494">
-                <a:tc rowSpan="2">
-                  <a:txBody>
-                    <a:bodyPr/>
-                    <a:lstStyle/>
-                    <a:p>
-                      <a:pPr algn="ctr"/>
-                      <a:r>
-                        <a:rPr lang="en-US" dirty="0">
-                          <a:latin typeface="Times" pitchFamily="2" charset="0"/>
-                        </a:rPr>
-                        <a:t>Hudson River</a:t>
-                      </a:r>
-                    </a:p>
-                  </a:txBody>
-                  <a:tcPr anchor="ctr"/>
-                </a:tc>
-                <a:tc>
-                  <a:txBody>
-                    <a:bodyPr/>
-                    <a:lstStyle/>
-                    <a:p>
-                      <a:pPr algn="ctr"/>
-                      <a:r>
-                        <a:rPr lang="en-US" altLang="zh-CN" sz="1800" b="1" kern="1200" dirty="0">
-                          <a:solidFill>
-                            <a:schemeClr val="tx1"/>
-                          </a:solidFill>
-                          <a:latin typeface="+mn-lt"/>
-                          <a:ea typeface="+mn-ea"/>
-                          <a:cs typeface="+mn-cs"/>
-                        </a:rPr>
-                        <a:t>Whole</a:t>
-                      </a:r>
-                      <a:r>
-                        <a:rPr lang="zh-CN" altLang="en-US" sz="1800" b="1" kern="1200" dirty="0">
-                          <a:solidFill>
-                            <a:schemeClr val="tx1"/>
-                          </a:solidFill>
-                          <a:latin typeface="+mn-lt"/>
-                          <a:ea typeface="+mn-ea"/>
-                          <a:cs typeface="+mn-cs"/>
-                        </a:rPr>
-                        <a:t> </a:t>
-                      </a:r>
-                      <a:r>
-                        <a:rPr lang="en-US" altLang="zh-CN" sz="1800" b="1" kern="1200" dirty="0">
-                          <a:solidFill>
-                            <a:schemeClr val="tx1"/>
-                          </a:solidFill>
-                          <a:latin typeface="+mn-lt"/>
-                          <a:ea typeface="+mn-ea"/>
-                          <a:cs typeface="+mn-cs"/>
-                        </a:rPr>
-                        <a:t>area</a:t>
-                      </a:r>
-                      <a:endParaRPr lang="en-US" dirty="0">
-                        <a:latin typeface="Times" pitchFamily="2" charset="0"/>
-                      </a:endParaRPr>
-                    </a:p>
-                  </a:txBody>
-                  <a:tcPr/>
-                </a:tc>
-                <a:tc>
-                  <a:txBody>
-                    <a:bodyPr/>
-                    <a:lstStyle/>
-                    <a:p>
-                      <a:pPr algn="ctr"/>
-                      <a:endParaRPr lang="en-US" dirty="0">
-                        <a:latin typeface="Times" pitchFamily="2" charset="0"/>
-                      </a:endParaRPr>
-                    </a:p>
-                  </a:txBody>
-                  <a:tcPr/>
-                </a:tc>
-                <a:tc>
-                  <a:txBody>
-                    <a:bodyPr/>
-                    <a:lstStyle/>
-                    <a:p>
-                      <a:pPr algn="ctr"/>
-                      <a:endParaRPr lang="en-US" dirty="0">
-                        <a:latin typeface="Times" pitchFamily="2" charset="0"/>
-                      </a:endParaRPr>
-                    </a:p>
-                  </a:txBody>
-                  <a:tcPr/>
-                </a:tc>
-                <a:tc>
-                  <a:txBody>
-                    <a:bodyPr/>
-                    <a:lstStyle/>
-                    <a:p>
-                      <a:pPr algn="ctr"/>
-                      <a:endParaRPr lang="en-US" dirty="0">
-                        <a:latin typeface="Times" pitchFamily="2" charset="0"/>
-                      </a:endParaRPr>
-                    </a:p>
-                  </a:txBody>
-                  <a:tcPr/>
-                </a:tc>
-                <a:tc>
-                  <a:txBody>
-                    <a:bodyPr/>
-                    <a:lstStyle/>
-                    <a:p>
-                      <a:pPr algn="ctr"/>
-                      <a:endParaRPr lang="en-US" dirty="0">
-                        <a:latin typeface="Times" pitchFamily="2" charset="0"/>
-                      </a:endParaRPr>
-                    </a:p>
-                  </a:txBody>
-                  <a:tcPr/>
-                </a:tc>
-                <a:extLst>
-                  <a:ext uri="{0D108BD9-81ED-4DB2-BD59-A6C34878D82A}">
-                    <a16:rowId xmlns:a16="http://schemas.microsoft.com/office/drawing/2014/main" val="4103627438"/>
-                  </a:ext>
-                </a:extLst>
-              </a:tr>
-              <a:tr h="384494">
-                <a:tc vMerge="1">
-                  <a:txBody>
-                    <a:bodyPr/>
-                    <a:lstStyle/>
-                    <a:p>
-                      <a:pPr algn="ctr"/>
-                      <a:endParaRPr lang="en-US" dirty="0">
-                        <a:latin typeface="Times" pitchFamily="2" charset="0"/>
-                      </a:endParaRPr>
-                    </a:p>
-                  </a:txBody>
-                  <a:tcPr anchor="ctr"/>
-                </a:tc>
-                <a:tc>
-                  <a:txBody>
-                    <a:bodyPr/>
-                    <a:lstStyle/>
-                    <a:p>
-                      <a:pPr marL="0" marR="0" lvl="0" indent="0" algn="ctr" defTabSz="914400" rtl="0" eaLnBrk="1" fontAlgn="auto" latinLnBrk="0" hangingPunct="1">
-                        <a:lnSpc>
-                          <a:spcPct val="100000"/>
-                        </a:lnSpc>
-                        <a:spcBef>
-                          <a:spcPts val="0"/>
-                        </a:spcBef>
-                        <a:spcAft>
-                          <a:spcPts val="0"/>
-                        </a:spcAft>
-                        <a:buClrTx/>
-                        <a:buSzTx/>
-                        <a:buFontTx/>
-                        <a:buNone/>
-                        <a:tabLst/>
-                        <a:defRPr/>
-                      </a:pPr>
-                      <a:r>
-                        <a:rPr lang="zh-CN" altLang="en-US" sz="1800" b="1" kern="1200" dirty="0">
-                          <a:solidFill>
-                            <a:schemeClr val="tx1"/>
-                          </a:solidFill>
-                          <a:latin typeface="+mn-lt"/>
-                          <a:ea typeface="+mn-ea"/>
-                          <a:cs typeface="+mn-cs"/>
-                        </a:rPr>
-                        <a:t> </a:t>
-                      </a:r>
-                      <a:r>
-                        <a:rPr lang="en-US" altLang="zh-CN" sz="1800" b="1" kern="1200" dirty="0">
-                          <a:solidFill>
-                            <a:schemeClr val="tx1"/>
-                          </a:solidFill>
-                          <a:latin typeface="+mn-lt"/>
-                          <a:ea typeface="+mn-ea"/>
-                          <a:cs typeface="+mn-cs"/>
-                        </a:rPr>
-                        <a:t>test routes</a:t>
-                      </a:r>
-                      <a:endParaRPr lang="en-US" sz="1800" b="1" kern="1200" dirty="0">
-                        <a:solidFill>
-                          <a:schemeClr val="tx1"/>
-                        </a:solidFill>
-                        <a:latin typeface="+mn-lt"/>
-                        <a:ea typeface="+mn-ea"/>
-                        <a:cs typeface="+mn-cs"/>
-                      </a:endParaRPr>
-                    </a:p>
-                  </a:txBody>
-                  <a:tcPr/>
-                </a:tc>
-                <a:tc>
-                  <a:txBody>
-                    <a:bodyPr/>
-                    <a:lstStyle/>
-                    <a:p>
-                      <a:pPr algn="ctr"/>
-                      <a:endParaRPr lang="en-US" dirty="0">
-                        <a:latin typeface="Times" pitchFamily="2" charset="0"/>
-                      </a:endParaRPr>
-                    </a:p>
-                  </a:txBody>
-                  <a:tcPr/>
-                </a:tc>
-                <a:tc>
-                  <a:txBody>
-                    <a:bodyPr/>
-                    <a:lstStyle/>
-                    <a:p>
-                      <a:pPr algn="ctr"/>
-                      <a:endParaRPr lang="en-US" dirty="0">
-                        <a:latin typeface="Times" pitchFamily="2" charset="0"/>
-                      </a:endParaRPr>
-                    </a:p>
-                  </a:txBody>
-                  <a:tcPr/>
-                </a:tc>
-                <a:tc>
-                  <a:txBody>
-                    <a:bodyPr/>
-                    <a:lstStyle/>
-                    <a:p>
-                      <a:pPr algn="ctr"/>
-                      <a:endParaRPr lang="en-US" dirty="0">
-                        <a:latin typeface="Times" pitchFamily="2" charset="0"/>
-                      </a:endParaRPr>
-                    </a:p>
-                  </a:txBody>
-                  <a:tcPr/>
-                </a:tc>
-                <a:tc>
-                  <a:txBody>
-                    <a:bodyPr/>
-                    <a:lstStyle/>
-                    <a:p>
-                      <a:pPr algn="ctr"/>
-                      <a:endParaRPr lang="en-US" dirty="0">
-                        <a:latin typeface="Times" pitchFamily="2" charset="0"/>
-                      </a:endParaRPr>
-                    </a:p>
-                  </a:txBody>
-                  <a:tcPr/>
-                </a:tc>
-                <a:extLst>
-                  <a:ext uri="{0D108BD9-81ED-4DB2-BD59-A6C34878D82A}">
-                    <a16:rowId xmlns:a16="http://schemas.microsoft.com/office/drawing/2014/main" val="720484347"/>
                   </a:ext>
                 </a:extLst>
               </a:tr>
@@ -31134,14 +30467,14 @@
           <p:nvPr>
             <p:extLst>
               <p:ext uri="{D42A27DB-BD31-4B8C-83A1-F6EECF244321}">
-                <p14:modId xmlns:p14="http://schemas.microsoft.com/office/powerpoint/2010/main" val="4188983545"/>
+                <p14:modId xmlns:p14="http://schemas.microsoft.com/office/powerpoint/2010/main" val="1548847292"/>
               </p:ext>
             </p:extLst>
           </p:nvPr>
         </p:nvGraphicFramePr>
         <p:xfrm>
           <a:off x="1472421" y="2024130"/>
-          <a:ext cx="9368046" cy="3267396"/>
+          <a:ext cx="9368046" cy="2484060"/>
         </p:xfrm>
         <a:graphic>
           <a:graphicData uri="http://schemas.openxmlformats.org/drawingml/2006/table">
@@ -31581,9 +30914,12 @@
                     <a:lstStyle/>
                     <a:p>
                       <a:pPr algn="ctr"/>
-                      <a:endParaRPr lang="en-US" dirty="0">
-                        <a:latin typeface="Times" pitchFamily="2" charset="0"/>
-                      </a:endParaRPr>
+                      <a:r>
+                        <a:rPr lang="en-US" dirty="0">
+                          <a:latin typeface="Times" pitchFamily="2" charset="0"/>
+                        </a:rPr>
+                        <a:t>65.41%</a:t>
+                      </a:r>
                     </a:p>
                   </a:txBody>
                   <a:tcPr/>
@@ -31594,9 +30930,12 @@
                     <a:lstStyle/>
                     <a:p>
                       <a:pPr algn="ctr"/>
-                      <a:endParaRPr lang="en-US" dirty="0">
-                        <a:latin typeface="Times" pitchFamily="2" charset="0"/>
-                      </a:endParaRPr>
+                      <a:r>
+                        <a:rPr lang="en-US" dirty="0">
+                          <a:latin typeface="Times" pitchFamily="2" charset="0"/>
+                        </a:rPr>
+                        <a:t>75.63%</a:t>
+                      </a:r>
                     </a:p>
                   </a:txBody>
                   <a:tcPr/>
@@ -31607,9 +30946,12 @@
                     <a:lstStyle/>
                     <a:p>
                       <a:pPr algn="ctr"/>
-                      <a:endParaRPr lang="en-US" dirty="0">
-                        <a:latin typeface="Times" pitchFamily="2" charset="0"/>
-                      </a:endParaRPr>
+                      <a:r>
+                        <a:rPr lang="en-US" dirty="0">
+                          <a:latin typeface="Times" pitchFamily="2" charset="0"/>
+                        </a:rPr>
+                        <a:t>79.95%</a:t>
+                      </a:r>
                     </a:p>
                   </a:txBody>
                   <a:tcPr/>
@@ -31620,9 +30962,12 @@
                     <a:lstStyle/>
                     <a:p>
                       <a:pPr algn="ctr"/>
-                      <a:endParaRPr lang="en-US" dirty="0">
-                        <a:latin typeface="Times" pitchFamily="2" charset="0"/>
-                      </a:endParaRPr>
+                      <a:r>
+                        <a:rPr lang="en-US" dirty="0">
+                          <a:latin typeface="Times" pitchFamily="2" charset="0"/>
+                        </a:rPr>
+                        <a:t>82.5%</a:t>
+                      </a:r>
                     </a:p>
                   </a:txBody>
                   <a:tcPr/>
@@ -31902,9 +31247,12 @@
                     <a:lstStyle/>
                     <a:p>
                       <a:pPr algn="ctr"/>
-                      <a:endParaRPr lang="en-US" dirty="0">
-                        <a:latin typeface="Times" pitchFamily="2" charset="0"/>
-                      </a:endParaRPr>
+                      <a:r>
+                        <a:rPr lang="en-US" dirty="0">
+                          <a:latin typeface="Times" pitchFamily="2" charset="0"/>
+                        </a:rPr>
+                        <a:t>81.18%</a:t>
+                      </a:r>
                     </a:p>
                   </a:txBody>
                   <a:tcPr/>
@@ -31915,9 +31263,12 @@
                     <a:lstStyle/>
                     <a:p>
                       <a:pPr algn="ctr"/>
-                      <a:endParaRPr lang="en-US" dirty="0">
-                        <a:latin typeface="Times" pitchFamily="2" charset="0"/>
-                      </a:endParaRPr>
+                      <a:r>
+                        <a:rPr lang="en-US" dirty="0">
+                          <a:latin typeface="Times" pitchFamily="2" charset="0"/>
+                        </a:rPr>
+                        <a:t>82.81%</a:t>
+                      </a:r>
                     </a:p>
                   </a:txBody>
                   <a:tcPr/>
@@ -31928,9 +31279,12 @@
                     <a:lstStyle/>
                     <a:p>
                       <a:pPr algn="ctr"/>
-                      <a:endParaRPr lang="en-US" dirty="0">
-                        <a:latin typeface="Times" pitchFamily="2" charset="0"/>
-                      </a:endParaRPr>
+                      <a:r>
+                        <a:rPr lang="en-US" dirty="0">
+                          <a:latin typeface="Times" pitchFamily="2" charset="0"/>
+                        </a:rPr>
+                        <a:t>87.11%</a:t>
+                      </a:r>
                     </a:p>
                   </a:txBody>
                   <a:tcPr/>
@@ -31941,9 +31295,12 @@
                     <a:lstStyle/>
                     <a:p>
                       <a:pPr algn="ctr"/>
-                      <a:endParaRPr lang="en-US" dirty="0">
-                        <a:latin typeface="Times" pitchFamily="2" charset="0"/>
-                      </a:endParaRPr>
+                      <a:r>
+                        <a:rPr lang="en-US" dirty="0">
+                          <a:latin typeface="Times" pitchFamily="2" charset="0"/>
+                        </a:rPr>
+                        <a:t>84.57%</a:t>
+                      </a:r>
                     </a:p>
                   </a:txBody>
                   <a:tcPr/>
@@ -31951,255 +31308,6 @@
                 <a:extLst>
                   <a:ext uri="{0D108BD9-81ED-4DB2-BD59-A6C34878D82A}">
                     <a16:rowId xmlns:a16="http://schemas.microsoft.com/office/drawing/2014/main" val="2521364167"/>
-                  </a:ext>
-                </a:extLst>
-              </a:tr>
-              <a:tr h="391668">
-                <a:tc rowSpan="2">
-                  <a:txBody>
-                    <a:bodyPr/>
-                    <a:lstStyle/>
-                    <a:p>
-                      <a:pPr algn="ctr"/>
-                      <a:r>
-                        <a:rPr lang="en-US" dirty="0">
-                          <a:latin typeface="Times" pitchFamily="2" charset="0"/>
-                        </a:rPr>
-                        <a:t>Hudson River</a:t>
-                      </a:r>
-                    </a:p>
-                  </a:txBody>
-                  <a:tcPr anchor="ctr"/>
-                </a:tc>
-                <a:tc>
-                  <a:txBody>
-                    <a:bodyPr/>
-                    <a:lstStyle/>
-                    <a:p>
-                      <a:pPr algn="ctr"/>
-                      <a:r>
-                        <a:rPr lang="en-US" altLang="zh-CN" sz="1800" b="1" kern="1200" dirty="0">
-                          <a:solidFill>
-                            <a:schemeClr val="tx1"/>
-                          </a:solidFill>
-                          <a:latin typeface="+mn-lt"/>
-                          <a:ea typeface="+mn-ea"/>
-                          <a:cs typeface="+mn-cs"/>
-                        </a:rPr>
-                        <a:t>Whole</a:t>
-                      </a:r>
-                      <a:r>
-                        <a:rPr lang="zh-CN" altLang="en-US" sz="1800" b="1" kern="1200" dirty="0">
-                          <a:solidFill>
-                            <a:schemeClr val="tx1"/>
-                          </a:solidFill>
-                          <a:latin typeface="+mn-lt"/>
-                          <a:ea typeface="+mn-ea"/>
-                          <a:cs typeface="+mn-cs"/>
-                        </a:rPr>
-                        <a:t> </a:t>
-                      </a:r>
-                      <a:r>
-                        <a:rPr lang="en-US" altLang="zh-CN" sz="1800" b="1" kern="1200" dirty="0">
-                          <a:solidFill>
-                            <a:schemeClr val="tx1"/>
-                          </a:solidFill>
-                          <a:latin typeface="+mn-lt"/>
-                          <a:ea typeface="+mn-ea"/>
-                          <a:cs typeface="+mn-cs"/>
-                        </a:rPr>
-                        <a:t>area</a:t>
-                      </a:r>
-                      <a:endParaRPr lang="en-US" dirty="0">
-                        <a:latin typeface="Times" pitchFamily="2" charset="0"/>
-                      </a:endParaRPr>
-                    </a:p>
-                  </a:txBody>
-                  <a:tcPr/>
-                </a:tc>
-                <a:tc>
-                  <a:txBody>
-                    <a:bodyPr/>
-                    <a:lstStyle/>
-                    <a:p>
-                      <a:pPr algn="ctr"/>
-                      <a:endParaRPr lang="en-US" dirty="0">
-                        <a:latin typeface="Times" pitchFamily="2" charset="0"/>
-                      </a:endParaRPr>
-                    </a:p>
-                  </a:txBody>
-                  <a:tcPr/>
-                </a:tc>
-                <a:tc>
-                  <a:txBody>
-                    <a:bodyPr/>
-                    <a:lstStyle/>
-                    <a:p>
-                      <a:pPr algn="ctr"/>
-                      <a:endParaRPr lang="en-US" dirty="0">
-                        <a:latin typeface="Times" pitchFamily="2" charset="0"/>
-                      </a:endParaRPr>
-                    </a:p>
-                  </a:txBody>
-                  <a:tcPr/>
-                </a:tc>
-                <a:tc>
-                  <a:txBody>
-                    <a:bodyPr/>
-                    <a:lstStyle/>
-                    <a:p>
-                      <a:pPr algn="ctr"/>
-                      <a:endParaRPr lang="en-US" dirty="0">
-                        <a:latin typeface="Times" pitchFamily="2" charset="0"/>
-                      </a:endParaRPr>
-                    </a:p>
-                  </a:txBody>
-                  <a:tcPr/>
-                </a:tc>
-                <a:tc>
-                  <a:txBody>
-                    <a:bodyPr/>
-                    <a:lstStyle/>
-                    <a:p>
-                      <a:pPr algn="ctr"/>
-                      <a:endParaRPr lang="en-US" dirty="0">
-                        <a:latin typeface="Times" pitchFamily="2" charset="0"/>
-                      </a:endParaRPr>
-                    </a:p>
-                  </a:txBody>
-                  <a:tcPr/>
-                </a:tc>
-                <a:extLst>
-                  <a:ext uri="{0D108BD9-81ED-4DB2-BD59-A6C34878D82A}">
-                    <a16:rowId xmlns:a16="http://schemas.microsoft.com/office/drawing/2014/main" val="3296006206"/>
-                  </a:ext>
-                </a:extLst>
-              </a:tr>
-              <a:tr h="391668">
-                <a:tc vMerge="1">
-                  <a:txBody>
-                    <a:bodyPr/>
-                    <a:lstStyle/>
-                    <a:p>
-                      <a:pPr algn="ctr"/>
-                      <a:endParaRPr lang="en-US" dirty="0">
-                        <a:latin typeface="Times" pitchFamily="2" charset="0"/>
-                      </a:endParaRPr>
-                    </a:p>
-                  </a:txBody>
-                  <a:tcPr anchor="ctr"/>
-                </a:tc>
-                <a:tc>
-                  <a:txBody>
-                    <a:bodyPr/>
-                    <a:lstStyle/>
-                    <a:p>
-                      <a:pPr marL="0" marR="0" lvl="0" indent="0" algn="ctr" defTabSz="914400" rtl="0" eaLnBrk="1" fontAlgn="auto" latinLnBrk="0" hangingPunct="1">
-                        <a:lnSpc>
-                          <a:spcPct val="100000"/>
-                        </a:lnSpc>
-                        <a:spcBef>
-                          <a:spcPts val="0"/>
-                        </a:spcBef>
-                        <a:spcAft>
-                          <a:spcPts val="0"/>
-                        </a:spcAft>
-                        <a:buClrTx/>
-                        <a:buSzTx/>
-                        <a:buFontTx/>
-                        <a:buNone/>
-                        <a:tabLst/>
-                        <a:defRPr/>
-                      </a:pPr>
-                      <a:r>
-                        <a:rPr lang="zh-CN" altLang="en-US" sz="1800" b="1" kern="1200" dirty="0">
-                          <a:solidFill>
-                            <a:schemeClr val="tx1"/>
-                          </a:solidFill>
-                          <a:latin typeface="+mn-lt"/>
-                          <a:ea typeface="+mn-ea"/>
-                          <a:cs typeface="+mn-cs"/>
-                        </a:rPr>
-                        <a:t> </a:t>
-                      </a:r>
-                      <a:r>
-                        <a:rPr lang="en-US" altLang="zh-CN" sz="1800" b="1" kern="1200" dirty="0">
-                          <a:solidFill>
-                            <a:schemeClr val="tx1"/>
-                          </a:solidFill>
-                          <a:latin typeface="+mn-lt"/>
-                          <a:ea typeface="+mn-ea"/>
-                          <a:cs typeface="+mn-cs"/>
-                        </a:rPr>
-                        <a:t>test routes</a:t>
-                      </a:r>
-                      <a:endParaRPr lang="en-US" sz="1800" b="1" kern="1200" dirty="0">
-                        <a:solidFill>
-                          <a:schemeClr val="tx1"/>
-                        </a:solidFill>
-                        <a:latin typeface="+mn-lt"/>
-                        <a:ea typeface="+mn-ea"/>
-                        <a:cs typeface="+mn-cs"/>
-                      </a:endParaRPr>
-                    </a:p>
-                  </a:txBody>
-                  <a:tcPr/>
-                </a:tc>
-                <a:tc>
-                  <a:txBody>
-                    <a:bodyPr/>
-                    <a:lstStyle/>
-                    <a:p>
-                      <a:pPr algn="ctr"/>
-                      <a:endParaRPr lang="en-US" dirty="0">
-                        <a:latin typeface="Times" pitchFamily="2" charset="0"/>
-                      </a:endParaRPr>
-                    </a:p>
-                  </a:txBody>
-                  <a:tcPr/>
-                </a:tc>
-                <a:tc>
-                  <a:txBody>
-                    <a:bodyPr/>
-                    <a:lstStyle/>
-                    <a:p>
-                      <a:pPr algn="ctr"/>
-                      <a:endParaRPr lang="en-US" dirty="0">
-                        <a:latin typeface="Times" pitchFamily="2" charset="0"/>
-                      </a:endParaRPr>
-                    </a:p>
-                  </a:txBody>
-                  <a:tcPr/>
-                </a:tc>
-                <a:tc>
-                  <a:txBody>
-                    <a:bodyPr/>
-                    <a:lstStyle/>
-                    <a:p>
-                      <a:pPr algn="ctr"/>
-                      <a:endParaRPr lang="en-US" dirty="0">
-                        <a:latin typeface="Times" pitchFamily="2" charset="0"/>
-                      </a:endParaRPr>
-                    </a:p>
-                  </a:txBody>
-                  <a:tcPr/>
-                </a:tc>
-                <a:tc>
-                  <a:txBody>
-                    <a:bodyPr/>
-                    <a:lstStyle/>
-                    <a:p>
-                      <a:pPr algn="ctr"/>
-                      <a:endParaRPr lang="en-US" dirty="0">
-                        <a:latin typeface="Times" pitchFamily="2" charset="0"/>
-                      </a:endParaRPr>
-                    </a:p>
-                  </a:txBody>
-                  <a:tcPr/>
-                </a:tc>
-                <a:extLst>
-                  <a:ext uri="{0D108BD9-81ED-4DB2-BD59-A6C34878D82A}">
-                    <a16:rowId xmlns:a16="http://schemas.microsoft.com/office/drawing/2014/main" val="188873265"/>
                   </a:ext>
                 </a:extLst>
               </a:tr>
@@ -35174,6 +34282,766 @@
 </p:sld>
 </file>
 
+<file path=ppt/slides/slide66.xml><?xml version="1.0" encoding="utf-8"?>
+<p:sld xmlns:a="http://schemas.openxmlformats.org/drawingml/2006/main" xmlns:r="http://schemas.openxmlformats.org/officeDocument/2006/relationships" xmlns:p="http://schemas.openxmlformats.org/presentationml/2006/main">
+  <p:cSld>
+    <p:spTree>
+      <p:nvGrpSpPr>
+        <p:cNvPr id="1" name=""/>
+        <p:cNvGrpSpPr/>
+        <p:nvPr/>
+      </p:nvGrpSpPr>
+      <p:grpSpPr>
+        <a:xfrm>
+          <a:off x="0" y="0"/>
+          <a:ext cx="0" cy="0"/>
+          <a:chOff x="0" y="0"/>
+          <a:chExt cx="0" cy="0"/>
+        </a:xfrm>
+      </p:grpSpPr>
+      <p:sp>
+        <p:nvSpPr>
+          <p:cNvPr id="2" name="Title 1">
+            <a:extLst>
+              <a:ext uri="{FF2B5EF4-FFF2-40B4-BE49-F238E27FC236}">
+                <a16:creationId xmlns:a16="http://schemas.microsoft.com/office/drawing/2014/main" id="{56532D06-E3DD-8743-A24B-5D0E4F6AA76A}"/>
+              </a:ext>
+            </a:extLst>
+          </p:cNvPr>
+          <p:cNvSpPr>
+            <a:spLocks noGrp="1"/>
+          </p:cNvSpPr>
+          <p:nvPr>
+            <p:ph type="title"/>
+          </p:nvPr>
+        </p:nvSpPr>
+        <p:spPr>
+          <a:xfrm>
+            <a:off x="943131" y="2718581"/>
+            <a:ext cx="10515600" cy="1325563"/>
+          </a:xfrm>
+        </p:spPr>
+        <p:txBody>
+          <a:bodyPr/>
+          <a:lstStyle/>
+          <a:p>
+            <a:pPr algn="ctr"/>
+            <a:r>
+              <a:rPr lang="en-US" dirty="0"/>
+              <a:t>BSD Distribution for Different Versions</a:t>
+            </a:r>
+          </a:p>
+        </p:txBody>
+      </p:sp>
+    </p:spTree>
+    <p:extLst>
+      <p:ext uri="{BB962C8B-B14F-4D97-AF65-F5344CB8AC3E}">
+        <p14:creationId xmlns:p14="http://schemas.microsoft.com/office/powerpoint/2010/main" val="2746652001"/>
+      </p:ext>
+    </p:extLst>
+  </p:cSld>
+  <p:clrMapOvr>
+    <a:masterClrMapping/>
+  </p:clrMapOvr>
+</p:sld>
+</file>
+
+<file path=ppt/slides/slide67.xml><?xml version="1.0" encoding="utf-8"?>
+<p:sld xmlns:a="http://schemas.openxmlformats.org/drawingml/2006/main" xmlns:r="http://schemas.openxmlformats.org/officeDocument/2006/relationships" xmlns:p="http://schemas.openxmlformats.org/presentationml/2006/main">
+  <p:cSld>
+    <p:spTree>
+      <p:nvGrpSpPr>
+        <p:cNvPr id="1" name=""/>
+        <p:cNvGrpSpPr/>
+        <p:nvPr/>
+      </p:nvGrpSpPr>
+      <p:grpSpPr>
+        <a:xfrm>
+          <a:off x="0" y="0"/>
+          <a:ext cx="0" cy="0"/>
+          <a:chOff x="0" y="0"/>
+          <a:chExt cx="0" cy="0"/>
+        </a:xfrm>
+      </p:grpSpPr>
+      <p:sp>
+        <p:nvSpPr>
+          <p:cNvPr id="2" name="Title 1">
+            <a:extLst>
+              <a:ext uri="{FF2B5EF4-FFF2-40B4-BE49-F238E27FC236}">
+                <a16:creationId xmlns:a16="http://schemas.microsoft.com/office/drawing/2014/main" id="{46361B42-B30E-5547-87CF-A131C3AE3000}"/>
+              </a:ext>
+            </a:extLst>
+          </p:cNvPr>
+          <p:cNvSpPr>
+            <a:spLocks noGrp="1"/>
+          </p:cNvSpPr>
+          <p:nvPr>
+            <p:ph type="title"/>
+          </p:nvPr>
+        </p:nvSpPr>
+        <p:spPr/>
+        <p:txBody>
+          <a:bodyPr/>
+          <a:lstStyle/>
+          <a:p>
+            <a:pPr algn="ctr"/>
+            <a:r>
+              <a:rPr lang="en-US" dirty="0"/>
+              <a:t>Wall Street</a:t>
+            </a:r>
+          </a:p>
+        </p:txBody>
+      </p:sp>
+      <p:pic>
+        <p:nvPicPr>
+          <p:cNvPr id="5" name="Content Placeholder 4">
+            <a:extLst>
+              <a:ext uri="{FF2B5EF4-FFF2-40B4-BE49-F238E27FC236}">
+                <a16:creationId xmlns:a16="http://schemas.microsoft.com/office/drawing/2014/main" id="{2C4DECBD-2DB9-9C4E-B589-8151EB61B19B}"/>
+              </a:ext>
+            </a:extLst>
+          </p:cNvPr>
+          <p:cNvPicPr>
+            <a:picLocks noGrp="1" noChangeAspect="1"/>
+          </p:cNvPicPr>
+          <p:nvPr>
+            <p:ph idx="1"/>
+          </p:nvPr>
+        </p:nvPicPr>
+        <p:blipFill>
+          <a:blip r:embed="rId2"/>
+          <a:stretch>
+            <a:fillRect/>
+          </a:stretch>
+        </p:blipFill>
+        <p:spPr>
+          <a:xfrm>
+            <a:off x="-47712" y="1785439"/>
+            <a:ext cx="4441321" cy="3330991"/>
+          </a:xfrm>
+        </p:spPr>
+      </p:pic>
+      <p:sp>
+        <p:nvSpPr>
+          <p:cNvPr id="6" name="TextBox 5">
+            <a:extLst>
+              <a:ext uri="{FF2B5EF4-FFF2-40B4-BE49-F238E27FC236}">
+                <a16:creationId xmlns:a16="http://schemas.microsoft.com/office/drawing/2014/main" id="{86DE449D-430A-BE49-A2D6-A529F4DACE20}"/>
+              </a:ext>
+            </a:extLst>
+          </p:cNvPr>
+          <p:cNvSpPr txBox="1"/>
+          <p:nvPr/>
+        </p:nvSpPr>
+        <p:spPr>
+          <a:xfrm>
+            <a:off x="838200" y="4931764"/>
+            <a:ext cx="2669498" cy="369332"/>
+          </a:xfrm>
+          <a:prstGeom prst="rect">
+            <a:avLst/>
+          </a:prstGeom>
+          <a:noFill/>
+        </p:spPr>
+        <p:txBody>
+          <a:bodyPr wrap="square" rtlCol="0">
+            <a:spAutoFit/>
+          </a:bodyPr>
+          <a:lstStyle/>
+          <a:p>
+            <a:pPr algn="ctr"/>
+            <a:r>
+              <a:rPr lang="en-US" dirty="0"/>
+              <a:t>real</a:t>
+            </a:r>
+          </a:p>
+        </p:txBody>
+      </p:sp>
+      <p:pic>
+        <p:nvPicPr>
+          <p:cNvPr id="7" name="Content Placeholder 4">
+            <a:extLst>
+              <a:ext uri="{FF2B5EF4-FFF2-40B4-BE49-F238E27FC236}">
+                <a16:creationId xmlns:a16="http://schemas.microsoft.com/office/drawing/2014/main" id="{1154419F-3A40-6043-BF88-C0BE16F62E8A}"/>
+              </a:ext>
+            </a:extLst>
+          </p:cNvPr>
+          <p:cNvPicPr>
+            <a:picLocks noChangeAspect="1"/>
+          </p:cNvPicPr>
+          <p:nvPr/>
+        </p:nvPicPr>
+        <p:blipFill>
+          <a:blip r:embed="rId3"/>
+          <a:stretch>
+            <a:fillRect/>
+          </a:stretch>
+        </p:blipFill>
+        <p:spPr>
+          <a:xfrm>
+            <a:off x="3982908" y="1785439"/>
+            <a:ext cx="4441321" cy="3330990"/>
+          </a:xfrm>
+          <a:prstGeom prst="rect">
+            <a:avLst/>
+          </a:prstGeom>
+        </p:spPr>
+      </p:pic>
+      <p:pic>
+        <p:nvPicPr>
+          <p:cNvPr id="8" name="Content Placeholder 4">
+            <a:extLst>
+              <a:ext uri="{FF2B5EF4-FFF2-40B4-BE49-F238E27FC236}">
+                <a16:creationId xmlns:a16="http://schemas.microsoft.com/office/drawing/2014/main" id="{6ECE6086-B60B-3B40-9A32-F6023F97ACF6}"/>
+              </a:ext>
+            </a:extLst>
+          </p:cNvPr>
+          <p:cNvPicPr>
+            <a:picLocks noChangeAspect="1"/>
+          </p:cNvPicPr>
+          <p:nvPr/>
+        </p:nvPicPr>
+        <p:blipFill>
+          <a:blip r:embed="rId4"/>
+          <a:stretch>
+            <a:fillRect/>
+          </a:stretch>
+        </p:blipFill>
+        <p:spPr>
+          <a:xfrm>
+            <a:off x="8013528" y="1785439"/>
+            <a:ext cx="4441321" cy="3330990"/>
+          </a:xfrm>
+          <a:prstGeom prst="rect">
+            <a:avLst/>
+          </a:prstGeom>
+        </p:spPr>
+      </p:pic>
+      <p:sp>
+        <p:nvSpPr>
+          <p:cNvPr id="9" name="TextBox 8">
+            <a:extLst>
+              <a:ext uri="{FF2B5EF4-FFF2-40B4-BE49-F238E27FC236}">
+                <a16:creationId xmlns:a16="http://schemas.microsoft.com/office/drawing/2014/main" id="{980FAE4A-0ACB-BD49-820D-6CCA6583E1E8}"/>
+              </a:ext>
+            </a:extLst>
+          </p:cNvPr>
+          <p:cNvSpPr txBox="1"/>
+          <p:nvPr/>
+        </p:nvSpPr>
+        <p:spPr>
+          <a:xfrm>
+            <a:off x="5074170" y="5026515"/>
+            <a:ext cx="2669498" cy="369332"/>
+          </a:xfrm>
+          <a:prstGeom prst="rect">
+            <a:avLst/>
+          </a:prstGeom>
+          <a:noFill/>
+        </p:spPr>
+        <p:txBody>
+          <a:bodyPr wrap="square" rtlCol="0">
+            <a:spAutoFit/>
+          </a:bodyPr>
+          <a:lstStyle/>
+          <a:p>
+            <a:pPr algn="ctr"/>
+            <a:r>
+              <a:rPr lang="en-US" dirty="0"/>
+              <a:t>v2</a:t>
+            </a:r>
+          </a:p>
+        </p:txBody>
+      </p:sp>
+      <p:sp>
+        <p:nvSpPr>
+          <p:cNvPr id="10" name="TextBox 9">
+            <a:extLst>
+              <a:ext uri="{FF2B5EF4-FFF2-40B4-BE49-F238E27FC236}">
+                <a16:creationId xmlns:a16="http://schemas.microsoft.com/office/drawing/2014/main" id="{1FDE36BB-8719-3B4E-9FA3-F4B4468B3EE0}"/>
+              </a:ext>
+            </a:extLst>
+          </p:cNvPr>
+          <p:cNvSpPr txBox="1"/>
+          <p:nvPr/>
+        </p:nvSpPr>
+        <p:spPr>
+          <a:xfrm>
+            <a:off x="9104790" y="4931764"/>
+            <a:ext cx="2669498" cy="369332"/>
+          </a:xfrm>
+          <a:prstGeom prst="rect">
+            <a:avLst/>
+          </a:prstGeom>
+          <a:noFill/>
+        </p:spPr>
+        <p:txBody>
+          <a:bodyPr wrap="square" rtlCol="0">
+            <a:spAutoFit/>
+          </a:bodyPr>
+          <a:lstStyle/>
+          <a:p>
+            <a:pPr algn="ctr"/>
+            <a:r>
+              <a:rPr lang="en-US" dirty="0"/>
+              <a:t>v3</a:t>
+            </a:r>
+          </a:p>
+        </p:txBody>
+      </p:sp>
+    </p:spTree>
+    <p:extLst>
+      <p:ext uri="{BB962C8B-B14F-4D97-AF65-F5344CB8AC3E}">
+        <p14:creationId xmlns:p14="http://schemas.microsoft.com/office/powerpoint/2010/main" val="2117324583"/>
+      </p:ext>
+    </p:extLst>
+  </p:cSld>
+  <p:clrMapOvr>
+    <a:masterClrMapping/>
+  </p:clrMapOvr>
+</p:sld>
+</file>
+
+<file path=ppt/slides/slide68.xml><?xml version="1.0" encoding="utf-8"?>
+<p:sld xmlns:a="http://schemas.openxmlformats.org/drawingml/2006/main" xmlns:r="http://schemas.openxmlformats.org/officeDocument/2006/relationships" xmlns:p="http://schemas.openxmlformats.org/presentationml/2006/main">
+  <p:cSld>
+    <p:spTree>
+      <p:nvGrpSpPr>
+        <p:cNvPr id="1" name=""/>
+        <p:cNvGrpSpPr/>
+        <p:nvPr/>
+      </p:nvGrpSpPr>
+      <p:grpSpPr>
+        <a:xfrm>
+          <a:off x="0" y="0"/>
+          <a:ext cx="0" cy="0"/>
+          <a:chOff x="0" y="0"/>
+          <a:chExt cx="0" cy="0"/>
+        </a:xfrm>
+      </p:grpSpPr>
+      <p:sp>
+        <p:nvSpPr>
+          <p:cNvPr id="2" name="Title 1">
+            <a:extLst>
+              <a:ext uri="{FF2B5EF4-FFF2-40B4-BE49-F238E27FC236}">
+                <a16:creationId xmlns:a16="http://schemas.microsoft.com/office/drawing/2014/main" id="{46361B42-B30E-5547-87CF-A131C3AE3000}"/>
+              </a:ext>
+            </a:extLst>
+          </p:cNvPr>
+          <p:cNvSpPr>
+            <a:spLocks noGrp="1"/>
+          </p:cNvSpPr>
+          <p:nvPr>
+            <p:ph type="title"/>
+          </p:nvPr>
+        </p:nvSpPr>
+        <p:spPr/>
+        <p:txBody>
+          <a:bodyPr/>
+          <a:lstStyle/>
+          <a:p>
+            <a:pPr algn="ctr"/>
+            <a:r>
+              <a:rPr lang="en-US" dirty="0"/>
+              <a:t>Union Square</a:t>
+            </a:r>
+          </a:p>
+        </p:txBody>
+      </p:sp>
+      <p:pic>
+        <p:nvPicPr>
+          <p:cNvPr id="5" name="Content Placeholder 4">
+            <a:extLst>
+              <a:ext uri="{FF2B5EF4-FFF2-40B4-BE49-F238E27FC236}">
+                <a16:creationId xmlns:a16="http://schemas.microsoft.com/office/drawing/2014/main" id="{2C4DECBD-2DB9-9C4E-B589-8151EB61B19B}"/>
+              </a:ext>
+            </a:extLst>
+          </p:cNvPr>
+          <p:cNvPicPr>
+            <a:picLocks noGrp="1" noChangeAspect="1"/>
+          </p:cNvPicPr>
+          <p:nvPr>
+            <p:ph idx="1"/>
+          </p:nvPr>
+        </p:nvPicPr>
+        <p:blipFill>
+          <a:blip r:embed="rId2"/>
+          <a:stretch>
+            <a:fillRect/>
+          </a:stretch>
+        </p:blipFill>
+        <p:spPr>
+          <a:xfrm>
+            <a:off x="-47712" y="1785439"/>
+            <a:ext cx="4441321" cy="3330990"/>
+          </a:xfrm>
+        </p:spPr>
+      </p:pic>
+      <p:sp>
+        <p:nvSpPr>
+          <p:cNvPr id="6" name="TextBox 5">
+            <a:extLst>
+              <a:ext uri="{FF2B5EF4-FFF2-40B4-BE49-F238E27FC236}">
+                <a16:creationId xmlns:a16="http://schemas.microsoft.com/office/drawing/2014/main" id="{86DE449D-430A-BE49-A2D6-A529F4DACE20}"/>
+              </a:ext>
+            </a:extLst>
+          </p:cNvPr>
+          <p:cNvSpPr txBox="1"/>
+          <p:nvPr/>
+        </p:nvSpPr>
+        <p:spPr>
+          <a:xfrm>
+            <a:off x="838200" y="4931764"/>
+            <a:ext cx="2669498" cy="369332"/>
+          </a:xfrm>
+          <a:prstGeom prst="rect">
+            <a:avLst/>
+          </a:prstGeom>
+          <a:noFill/>
+        </p:spPr>
+        <p:txBody>
+          <a:bodyPr wrap="square" rtlCol="0">
+            <a:spAutoFit/>
+          </a:bodyPr>
+          <a:lstStyle/>
+          <a:p>
+            <a:pPr algn="ctr"/>
+            <a:r>
+              <a:rPr lang="en-US" dirty="0"/>
+              <a:t>real</a:t>
+            </a:r>
+          </a:p>
+        </p:txBody>
+      </p:sp>
+      <p:pic>
+        <p:nvPicPr>
+          <p:cNvPr id="7" name="Content Placeholder 4">
+            <a:extLst>
+              <a:ext uri="{FF2B5EF4-FFF2-40B4-BE49-F238E27FC236}">
+                <a16:creationId xmlns:a16="http://schemas.microsoft.com/office/drawing/2014/main" id="{1154419F-3A40-6043-BF88-C0BE16F62E8A}"/>
+              </a:ext>
+            </a:extLst>
+          </p:cNvPr>
+          <p:cNvPicPr>
+            <a:picLocks noChangeAspect="1"/>
+          </p:cNvPicPr>
+          <p:nvPr/>
+        </p:nvPicPr>
+        <p:blipFill>
+          <a:blip r:embed="rId3"/>
+          <a:stretch>
+            <a:fillRect/>
+          </a:stretch>
+        </p:blipFill>
+        <p:spPr>
+          <a:xfrm>
+            <a:off x="3982908" y="1785439"/>
+            <a:ext cx="4441320" cy="3330990"/>
+          </a:xfrm>
+          <a:prstGeom prst="rect">
+            <a:avLst/>
+          </a:prstGeom>
+        </p:spPr>
+      </p:pic>
+      <p:pic>
+        <p:nvPicPr>
+          <p:cNvPr id="8" name="Content Placeholder 4">
+            <a:extLst>
+              <a:ext uri="{FF2B5EF4-FFF2-40B4-BE49-F238E27FC236}">
+                <a16:creationId xmlns:a16="http://schemas.microsoft.com/office/drawing/2014/main" id="{6ECE6086-B60B-3B40-9A32-F6023F97ACF6}"/>
+              </a:ext>
+            </a:extLst>
+          </p:cNvPr>
+          <p:cNvPicPr>
+            <a:picLocks noChangeAspect="1"/>
+          </p:cNvPicPr>
+          <p:nvPr/>
+        </p:nvPicPr>
+        <p:blipFill>
+          <a:blip r:embed="rId4"/>
+          <a:stretch>
+            <a:fillRect/>
+          </a:stretch>
+        </p:blipFill>
+        <p:spPr>
+          <a:xfrm>
+            <a:off x="8013528" y="1785439"/>
+            <a:ext cx="4441320" cy="3330990"/>
+          </a:xfrm>
+          <a:prstGeom prst="rect">
+            <a:avLst/>
+          </a:prstGeom>
+        </p:spPr>
+      </p:pic>
+      <p:sp>
+        <p:nvSpPr>
+          <p:cNvPr id="9" name="TextBox 8">
+            <a:extLst>
+              <a:ext uri="{FF2B5EF4-FFF2-40B4-BE49-F238E27FC236}">
+                <a16:creationId xmlns:a16="http://schemas.microsoft.com/office/drawing/2014/main" id="{980FAE4A-0ACB-BD49-820D-6CCA6583E1E8}"/>
+              </a:ext>
+            </a:extLst>
+          </p:cNvPr>
+          <p:cNvSpPr txBox="1"/>
+          <p:nvPr/>
+        </p:nvSpPr>
+        <p:spPr>
+          <a:xfrm>
+            <a:off x="5074170" y="5026515"/>
+            <a:ext cx="2669498" cy="369332"/>
+          </a:xfrm>
+          <a:prstGeom prst="rect">
+            <a:avLst/>
+          </a:prstGeom>
+          <a:noFill/>
+        </p:spPr>
+        <p:txBody>
+          <a:bodyPr wrap="square" rtlCol="0">
+            <a:spAutoFit/>
+          </a:bodyPr>
+          <a:lstStyle/>
+          <a:p>
+            <a:pPr algn="ctr"/>
+            <a:r>
+              <a:rPr lang="en-US" dirty="0"/>
+              <a:t>v2</a:t>
+            </a:r>
+          </a:p>
+        </p:txBody>
+      </p:sp>
+      <p:sp>
+        <p:nvSpPr>
+          <p:cNvPr id="10" name="TextBox 9">
+            <a:extLst>
+              <a:ext uri="{FF2B5EF4-FFF2-40B4-BE49-F238E27FC236}">
+                <a16:creationId xmlns:a16="http://schemas.microsoft.com/office/drawing/2014/main" id="{1FDE36BB-8719-3B4E-9FA3-F4B4468B3EE0}"/>
+              </a:ext>
+            </a:extLst>
+          </p:cNvPr>
+          <p:cNvSpPr txBox="1"/>
+          <p:nvPr/>
+        </p:nvSpPr>
+        <p:spPr>
+          <a:xfrm>
+            <a:off x="9104790" y="4931764"/>
+            <a:ext cx="2669498" cy="369332"/>
+          </a:xfrm>
+          <a:prstGeom prst="rect">
+            <a:avLst/>
+          </a:prstGeom>
+          <a:noFill/>
+        </p:spPr>
+        <p:txBody>
+          <a:bodyPr wrap="square" rtlCol="0">
+            <a:spAutoFit/>
+          </a:bodyPr>
+          <a:lstStyle/>
+          <a:p>
+            <a:pPr algn="ctr"/>
+            <a:r>
+              <a:rPr lang="en-US" dirty="0"/>
+              <a:t>v3</a:t>
+            </a:r>
+          </a:p>
+        </p:txBody>
+      </p:sp>
+    </p:spTree>
+    <p:extLst>
+      <p:ext uri="{BB962C8B-B14F-4D97-AF65-F5344CB8AC3E}">
+        <p14:creationId xmlns:p14="http://schemas.microsoft.com/office/powerpoint/2010/main" val="3006717380"/>
+      </p:ext>
+    </p:extLst>
+  </p:cSld>
+  <p:clrMapOvr>
+    <a:masterClrMapping/>
+  </p:clrMapOvr>
+</p:sld>
+</file>
+
+<file path=ppt/slides/slide69.xml><?xml version="1.0" encoding="utf-8"?>
+<p:sld xmlns:a="http://schemas.openxmlformats.org/drawingml/2006/main" xmlns:r="http://schemas.openxmlformats.org/officeDocument/2006/relationships" xmlns:p="http://schemas.openxmlformats.org/presentationml/2006/main">
+  <p:cSld>
+    <p:spTree>
+      <p:nvGrpSpPr>
+        <p:cNvPr id="1" name=""/>
+        <p:cNvGrpSpPr/>
+        <p:nvPr/>
+      </p:nvGrpSpPr>
+      <p:grpSpPr>
+        <a:xfrm>
+          <a:off x="0" y="0"/>
+          <a:ext cx="0" cy="0"/>
+          <a:chOff x="0" y="0"/>
+          <a:chExt cx="0" cy="0"/>
+        </a:xfrm>
+      </p:grpSpPr>
+      <p:sp>
+        <p:nvSpPr>
+          <p:cNvPr id="2" name="Title 1">
+            <a:extLst>
+              <a:ext uri="{FF2B5EF4-FFF2-40B4-BE49-F238E27FC236}">
+                <a16:creationId xmlns:a16="http://schemas.microsoft.com/office/drawing/2014/main" id="{217D2C37-9B7A-014A-B3E8-F216E2C37357}"/>
+              </a:ext>
+            </a:extLst>
+          </p:cNvPr>
+          <p:cNvSpPr>
+            <a:spLocks noGrp="1"/>
+          </p:cNvSpPr>
+          <p:nvPr>
+            <p:ph type="title"/>
+          </p:nvPr>
+        </p:nvSpPr>
+        <p:spPr>
+          <a:xfrm>
+            <a:off x="1063052" y="200233"/>
+            <a:ext cx="10515600" cy="1325563"/>
+          </a:xfrm>
+        </p:spPr>
+        <p:txBody>
+          <a:bodyPr/>
+          <a:lstStyle/>
+          <a:p>
+            <a:pPr algn="ctr"/>
+            <a:r>
+              <a:rPr lang="en-US" dirty="0"/>
+              <a:t>Some Errors</a:t>
+            </a:r>
+          </a:p>
+        </p:txBody>
+      </p:sp>
+      <p:pic>
+        <p:nvPicPr>
+          <p:cNvPr id="5" name="Picture 4">
+            <a:extLst>
+              <a:ext uri="{FF2B5EF4-FFF2-40B4-BE49-F238E27FC236}">
+                <a16:creationId xmlns:a16="http://schemas.microsoft.com/office/drawing/2014/main" id="{84C0D742-BE19-3448-AD55-2C60DEA0527B}"/>
+              </a:ext>
+            </a:extLst>
+          </p:cNvPr>
+          <p:cNvPicPr>
+            <a:picLocks noChangeAspect="1"/>
+          </p:cNvPicPr>
+          <p:nvPr/>
+        </p:nvPicPr>
+        <p:blipFill>
+          <a:blip r:embed="rId2"/>
+          <a:stretch>
+            <a:fillRect/>
+          </a:stretch>
+        </p:blipFill>
+        <p:spPr>
+          <a:xfrm>
+            <a:off x="3055078" y="1178290"/>
+            <a:ext cx="3540593" cy="2655445"/>
+          </a:xfrm>
+          <a:prstGeom prst="rect">
+            <a:avLst/>
+          </a:prstGeom>
+        </p:spPr>
+      </p:pic>
+      <p:pic>
+        <p:nvPicPr>
+          <p:cNvPr id="7" name="Picture 6">
+            <a:extLst>
+              <a:ext uri="{FF2B5EF4-FFF2-40B4-BE49-F238E27FC236}">
+                <a16:creationId xmlns:a16="http://schemas.microsoft.com/office/drawing/2014/main" id="{D2406A33-826E-264B-9CF5-C5A41F026988}"/>
+              </a:ext>
+            </a:extLst>
+          </p:cNvPr>
+          <p:cNvPicPr>
+            <a:picLocks noChangeAspect="1"/>
+          </p:cNvPicPr>
+          <p:nvPr/>
+        </p:nvPicPr>
+        <p:blipFill>
+          <a:blip r:embed="rId3"/>
+          <a:stretch>
+            <a:fillRect/>
+          </a:stretch>
+        </p:blipFill>
+        <p:spPr>
+          <a:xfrm>
+            <a:off x="5952759" y="1181724"/>
+            <a:ext cx="3536014" cy="2652011"/>
+          </a:xfrm>
+          <a:prstGeom prst="rect">
+            <a:avLst/>
+          </a:prstGeom>
+        </p:spPr>
+      </p:pic>
+      <p:pic>
+        <p:nvPicPr>
+          <p:cNvPr id="9" name="Picture 8">
+            <a:extLst>
+              <a:ext uri="{FF2B5EF4-FFF2-40B4-BE49-F238E27FC236}">
+                <a16:creationId xmlns:a16="http://schemas.microsoft.com/office/drawing/2014/main" id="{81D0947A-7D8E-1B47-90D9-F18E29EB1283}"/>
+              </a:ext>
+            </a:extLst>
+          </p:cNvPr>
+          <p:cNvPicPr>
+            <a:picLocks noChangeAspect="1"/>
+          </p:cNvPicPr>
+          <p:nvPr/>
+        </p:nvPicPr>
+        <p:blipFill>
+          <a:blip r:embed="rId4"/>
+          <a:stretch>
+            <a:fillRect/>
+          </a:stretch>
+        </p:blipFill>
+        <p:spPr>
+          <a:xfrm>
+            <a:off x="2998445" y="3833735"/>
+            <a:ext cx="3658433" cy="2743825"/>
+          </a:xfrm>
+          <a:prstGeom prst="rect">
+            <a:avLst/>
+          </a:prstGeom>
+        </p:spPr>
+      </p:pic>
+      <p:pic>
+        <p:nvPicPr>
+          <p:cNvPr id="11" name="Picture 10">
+            <a:extLst>
+              <a:ext uri="{FF2B5EF4-FFF2-40B4-BE49-F238E27FC236}">
+                <a16:creationId xmlns:a16="http://schemas.microsoft.com/office/drawing/2014/main" id="{5F33D98D-1900-514D-82D2-46678968F8C6}"/>
+              </a:ext>
+            </a:extLst>
+          </p:cNvPr>
+          <p:cNvPicPr>
+            <a:picLocks noChangeAspect="1"/>
+          </p:cNvPicPr>
+          <p:nvPr/>
+        </p:nvPicPr>
+        <p:blipFill>
+          <a:blip r:embed="rId5"/>
+          <a:stretch>
+            <a:fillRect/>
+          </a:stretch>
+        </p:blipFill>
+        <p:spPr>
+          <a:xfrm>
+            <a:off x="5937769" y="3833734"/>
+            <a:ext cx="3658434" cy="2743826"/>
+          </a:xfrm>
+          <a:prstGeom prst="rect">
+            <a:avLst/>
+          </a:prstGeom>
+        </p:spPr>
+      </p:pic>
+    </p:spTree>
+    <p:extLst>
+      <p:ext uri="{BB962C8B-B14F-4D97-AF65-F5344CB8AC3E}">
+        <p14:creationId xmlns:p14="http://schemas.microsoft.com/office/powerpoint/2010/main" val="233685936"/>
+      </p:ext>
+    </p:extLst>
+  </p:cSld>
+  <p:clrMapOvr>
+    <a:masterClrMapping/>
+  </p:clrMapOvr>
+</p:sld>
+</file>
+
 <file path=ppt/slides/slide7.xml><?xml version="1.0" encoding="utf-8"?>
 <p:sld xmlns:a="http://schemas.openxmlformats.org/drawingml/2006/main" xmlns:r="http://schemas.openxmlformats.org/officeDocument/2006/relationships" xmlns:p="http://schemas.openxmlformats.org/presentationml/2006/main">
   <p:cSld>
@@ -35363,6 +35231,355 @@
     <p:extLst>
       <p:ext uri="{BB962C8B-B14F-4D97-AF65-F5344CB8AC3E}">
         <p14:creationId xmlns:p14="http://schemas.microsoft.com/office/powerpoint/2010/main" val="271980339"/>
+      </p:ext>
+    </p:extLst>
+  </p:cSld>
+  <p:clrMapOvr>
+    <a:masterClrMapping/>
+  </p:clrMapOvr>
+</p:sld>
+</file>
+
+<file path=ppt/slides/slide70.xml><?xml version="1.0" encoding="utf-8"?>
+<p:sld xmlns:a="http://schemas.openxmlformats.org/drawingml/2006/main" xmlns:r="http://schemas.openxmlformats.org/officeDocument/2006/relationships" xmlns:p="http://schemas.openxmlformats.org/presentationml/2006/main">
+  <p:cSld>
+    <p:spTree>
+      <p:nvGrpSpPr>
+        <p:cNvPr id="1" name=""/>
+        <p:cNvGrpSpPr/>
+        <p:nvPr/>
+      </p:nvGrpSpPr>
+      <p:grpSpPr>
+        <a:xfrm>
+          <a:off x="0" y="0"/>
+          <a:ext cx="0" cy="0"/>
+          <a:chOff x="0" y="0"/>
+          <a:chExt cx="0" cy="0"/>
+        </a:xfrm>
+      </p:grpSpPr>
+      <p:sp>
+        <p:nvSpPr>
+          <p:cNvPr id="2" name="Title 1">
+            <a:extLst>
+              <a:ext uri="{FF2B5EF4-FFF2-40B4-BE49-F238E27FC236}">
+                <a16:creationId xmlns:a16="http://schemas.microsoft.com/office/drawing/2014/main" id="{56532D06-E3DD-8743-A24B-5D0E4F6AA76A}"/>
+              </a:ext>
+            </a:extLst>
+          </p:cNvPr>
+          <p:cNvSpPr>
+            <a:spLocks noGrp="1"/>
+          </p:cNvSpPr>
+          <p:nvPr>
+            <p:ph type="title"/>
+          </p:nvPr>
+        </p:nvSpPr>
+        <p:spPr>
+          <a:xfrm>
+            <a:off x="943131" y="2718581"/>
+            <a:ext cx="10515600" cy="1325563"/>
+          </a:xfrm>
+        </p:spPr>
+        <p:txBody>
+          <a:bodyPr/>
+          <a:lstStyle/>
+          <a:p>
+            <a:pPr algn="ctr"/>
+            <a:r>
+              <a:rPr lang="en-US" dirty="0"/>
+              <a:t>Route Distribution for Different Versions</a:t>
+            </a:r>
+          </a:p>
+        </p:txBody>
+      </p:sp>
+    </p:spTree>
+    <p:extLst>
+      <p:ext uri="{BB962C8B-B14F-4D97-AF65-F5344CB8AC3E}">
+        <p14:creationId xmlns:p14="http://schemas.microsoft.com/office/powerpoint/2010/main" val="2345452140"/>
+      </p:ext>
+    </p:extLst>
+  </p:cSld>
+  <p:clrMapOvr>
+    <a:masterClrMapping/>
+  </p:clrMapOvr>
+</p:sld>
+</file>
+
+<file path=ppt/slides/slide71.xml><?xml version="1.0" encoding="utf-8"?>
+<p:sld xmlns:a="http://schemas.openxmlformats.org/drawingml/2006/main" xmlns:r="http://schemas.openxmlformats.org/officeDocument/2006/relationships" xmlns:p="http://schemas.openxmlformats.org/presentationml/2006/main">
+  <p:cSld>
+    <p:spTree>
+      <p:nvGrpSpPr>
+        <p:cNvPr id="1" name=""/>
+        <p:cNvGrpSpPr/>
+        <p:nvPr/>
+      </p:nvGrpSpPr>
+      <p:grpSpPr>
+        <a:xfrm>
+          <a:off x="0" y="0"/>
+          <a:ext cx="0" cy="0"/>
+          <a:chOff x="0" y="0"/>
+          <a:chExt cx="0" cy="0"/>
+        </a:xfrm>
+      </p:grpSpPr>
+      <p:pic>
+        <p:nvPicPr>
+          <p:cNvPr id="5" name="Picture 4">
+            <a:extLst>
+              <a:ext uri="{FF2B5EF4-FFF2-40B4-BE49-F238E27FC236}">
+                <a16:creationId xmlns:a16="http://schemas.microsoft.com/office/drawing/2014/main" id="{57878F7A-3CDE-364C-B3EC-4524D65D09E4}"/>
+              </a:ext>
+            </a:extLst>
+          </p:cNvPr>
+          <p:cNvPicPr>
+            <a:picLocks noChangeAspect="1"/>
+          </p:cNvPicPr>
+          <p:nvPr/>
+        </p:nvPicPr>
+        <p:blipFill>
+          <a:blip r:embed="rId2"/>
+          <a:stretch>
+            <a:fillRect/>
+          </a:stretch>
+        </p:blipFill>
+        <p:spPr>
+          <a:xfrm>
+            <a:off x="236026" y="0"/>
+            <a:ext cx="11719947" cy="6858000"/>
+          </a:xfrm>
+          <a:prstGeom prst="rect">
+            <a:avLst/>
+          </a:prstGeom>
+        </p:spPr>
+      </p:pic>
+      <p:sp>
+        <p:nvSpPr>
+          <p:cNvPr id="6" name="TextBox 5">
+            <a:extLst>
+              <a:ext uri="{FF2B5EF4-FFF2-40B4-BE49-F238E27FC236}">
+                <a16:creationId xmlns:a16="http://schemas.microsoft.com/office/drawing/2014/main" id="{75812CBF-BE55-D445-940B-418365DCE916}"/>
+              </a:ext>
+            </a:extLst>
+          </p:cNvPr>
+          <p:cNvSpPr txBox="1"/>
+          <p:nvPr/>
+        </p:nvSpPr>
+        <p:spPr>
+          <a:xfrm>
+            <a:off x="236026" y="3244334"/>
+            <a:ext cx="1798819" cy="369332"/>
+          </a:xfrm>
+          <a:prstGeom prst="rect">
+            <a:avLst/>
+          </a:prstGeom>
+          <a:noFill/>
+        </p:spPr>
+        <p:txBody>
+          <a:bodyPr wrap="square" rtlCol="0">
+            <a:spAutoFit/>
+          </a:bodyPr>
+          <a:lstStyle/>
+          <a:p>
+            <a:r>
+              <a:rPr lang="en-US" dirty="0"/>
+              <a:t>Route 1</a:t>
+            </a:r>
+          </a:p>
+        </p:txBody>
+      </p:sp>
+    </p:spTree>
+    <p:extLst>
+      <p:ext uri="{BB962C8B-B14F-4D97-AF65-F5344CB8AC3E}">
+        <p14:creationId xmlns:p14="http://schemas.microsoft.com/office/powerpoint/2010/main" val="1197922693"/>
+      </p:ext>
+    </p:extLst>
+  </p:cSld>
+  <p:clrMapOvr>
+    <a:masterClrMapping/>
+  </p:clrMapOvr>
+</p:sld>
+</file>
+
+<file path=ppt/slides/slide72.xml><?xml version="1.0" encoding="utf-8"?>
+<p:sld xmlns:a="http://schemas.openxmlformats.org/drawingml/2006/main" xmlns:r="http://schemas.openxmlformats.org/officeDocument/2006/relationships" xmlns:p="http://schemas.openxmlformats.org/presentationml/2006/main">
+  <p:cSld>
+    <p:spTree>
+      <p:nvGrpSpPr>
+        <p:cNvPr id="1" name=""/>
+        <p:cNvGrpSpPr/>
+        <p:nvPr/>
+      </p:nvGrpSpPr>
+      <p:grpSpPr>
+        <a:xfrm>
+          <a:off x="0" y="0"/>
+          <a:ext cx="0" cy="0"/>
+          <a:chOff x="0" y="0"/>
+          <a:chExt cx="0" cy="0"/>
+        </a:xfrm>
+      </p:grpSpPr>
+      <p:pic>
+        <p:nvPicPr>
+          <p:cNvPr id="5" name="Picture 4">
+            <a:extLst>
+              <a:ext uri="{FF2B5EF4-FFF2-40B4-BE49-F238E27FC236}">
+                <a16:creationId xmlns:a16="http://schemas.microsoft.com/office/drawing/2014/main" id="{57878F7A-3CDE-364C-B3EC-4524D65D09E4}"/>
+              </a:ext>
+            </a:extLst>
+          </p:cNvPr>
+          <p:cNvPicPr>
+            <a:picLocks noChangeAspect="1"/>
+          </p:cNvPicPr>
+          <p:nvPr/>
+        </p:nvPicPr>
+        <p:blipFill>
+          <a:blip r:embed="rId2"/>
+          <a:stretch>
+            <a:fillRect/>
+          </a:stretch>
+        </p:blipFill>
+        <p:spPr>
+          <a:xfrm>
+            <a:off x="236026" y="0"/>
+            <a:ext cx="11719946" cy="6858000"/>
+          </a:xfrm>
+          <a:prstGeom prst="rect">
+            <a:avLst/>
+          </a:prstGeom>
+        </p:spPr>
+      </p:pic>
+      <p:sp>
+        <p:nvSpPr>
+          <p:cNvPr id="6" name="TextBox 5">
+            <a:extLst>
+              <a:ext uri="{FF2B5EF4-FFF2-40B4-BE49-F238E27FC236}">
+                <a16:creationId xmlns:a16="http://schemas.microsoft.com/office/drawing/2014/main" id="{75812CBF-BE55-D445-940B-418365DCE916}"/>
+              </a:ext>
+            </a:extLst>
+          </p:cNvPr>
+          <p:cNvSpPr txBox="1"/>
+          <p:nvPr/>
+        </p:nvSpPr>
+        <p:spPr>
+          <a:xfrm>
+            <a:off x="236026" y="3244334"/>
+            <a:ext cx="1798819" cy="369332"/>
+          </a:xfrm>
+          <a:prstGeom prst="rect">
+            <a:avLst/>
+          </a:prstGeom>
+          <a:noFill/>
+        </p:spPr>
+        <p:txBody>
+          <a:bodyPr wrap="square" rtlCol="0">
+            <a:spAutoFit/>
+          </a:bodyPr>
+          <a:lstStyle/>
+          <a:p>
+            <a:r>
+              <a:rPr lang="en-US" dirty="0"/>
+              <a:t>Route 60</a:t>
+            </a:r>
+          </a:p>
+        </p:txBody>
+      </p:sp>
+    </p:spTree>
+    <p:extLst>
+      <p:ext uri="{BB962C8B-B14F-4D97-AF65-F5344CB8AC3E}">
+        <p14:creationId xmlns:p14="http://schemas.microsoft.com/office/powerpoint/2010/main" val="454734510"/>
+      </p:ext>
+    </p:extLst>
+  </p:cSld>
+  <p:clrMapOvr>
+    <a:masterClrMapping/>
+  </p:clrMapOvr>
+</p:sld>
+</file>
+
+<file path=ppt/slides/slide73.xml><?xml version="1.0" encoding="utf-8"?>
+<p:sld xmlns:a="http://schemas.openxmlformats.org/drawingml/2006/main" xmlns:r="http://schemas.openxmlformats.org/officeDocument/2006/relationships" xmlns:p="http://schemas.openxmlformats.org/presentationml/2006/main">
+  <p:cSld>
+    <p:spTree>
+      <p:nvGrpSpPr>
+        <p:cNvPr id="1" name=""/>
+        <p:cNvGrpSpPr/>
+        <p:nvPr/>
+      </p:nvGrpSpPr>
+      <p:grpSpPr>
+        <a:xfrm>
+          <a:off x="0" y="0"/>
+          <a:ext cx="0" cy="0"/>
+          <a:chOff x="0" y="0"/>
+          <a:chExt cx="0" cy="0"/>
+        </a:xfrm>
+      </p:grpSpPr>
+      <p:pic>
+        <p:nvPicPr>
+          <p:cNvPr id="5" name="Picture 4">
+            <a:extLst>
+              <a:ext uri="{FF2B5EF4-FFF2-40B4-BE49-F238E27FC236}">
+                <a16:creationId xmlns:a16="http://schemas.microsoft.com/office/drawing/2014/main" id="{57878F7A-3CDE-364C-B3EC-4524D65D09E4}"/>
+              </a:ext>
+            </a:extLst>
+          </p:cNvPr>
+          <p:cNvPicPr>
+            <a:picLocks noChangeAspect="1"/>
+          </p:cNvPicPr>
+          <p:nvPr/>
+        </p:nvPicPr>
+        <p:blipFill>
+          <a:blip r:embed="rId2"/>
+          <a:stretch>
+            <a:fillRect/>
+          </a:stretch>
+        </p:blipFill>
+        <p:spPr>
+          <a:xfrm>
+            <a:off x="236026" y="0"/>
+            <a:ext cx="11719946" cy="6858000"/>
+          </a:xfrm>
+          <a:prstGeom prst="rect">
+            <a:avLst/>
+          </a:prstGeom>
+        </p:spPr>
+      </p:pic>
+      <p:sp>
+        <p:nvSpPr>
+          <p:cNvPr id="6" name="TextBox 5">
+            <a:extLst>
+              <a:ext uri="{FF2B5EF4-FFF2-40B4-BE49-F238E27FC236}">
+                <a16:creationId xmlns:a16="http://schemas.microsoft.com/office/drawing/2014/main" id="{75812CBF-BE55-D445-940B-418365DCE916}"/>
+              </a:ext>
+            </a:extLst>
+          </p:cNvPr>
+          <p:cNvSpPr txBox="1"/>
+          <p:nvPr/>
+        </p:nvSpPr>
+        <p:spPr>
+          <a:xfrm>
+            <a:off x="236026" y="3244334"/>
+            <a:ext cx="1798819" cy="369332"/>
+          </a:xfrm>
+          <a:prstGeom prst="rect">
+            <a:avLst/>
+          </a:prstGeom>
+          <a:noFill/>
+        </p:spPr>
+        <p:txBody>
+          <a:bodyPr wrap="square" rtlCol="0">
+            <a:spAutoFit/>
+          </a:bodyPr>
+          <a:lstStyle/>
+          <a:p>
+            <a:r>
+              <a:rPr lang="en-US" dirty="0"/>
+              <a:t>Route 120</a:t>
+            </a:r>
+          </a:p>
+        </p:txBody>
+      </p:sp>
+    </p:spTree>
+    <p:extLst>
+      <p:ext uri="{BB962C8B-B14F-4D97-AF65-F5344CB8AC3E}">
+        <p14:creationId xmlns:p14="http://schemas.microsoft.com/office/powerpoint/2010/main" val="3852429371"/>
       </p:ext>
     </p:extLst>
   </p:cSld>

--- a/BSD_Figures.pptx
+++ b/BSD_Figures.pptx
@@ -6609,7 +6609,7 @@
           <a:p>
             <a:fld id="{96F659EB-4D8A-254E-A6E4-E7898AF261B2}" type="datetimeFigureOut">
               <a:rPr lang="en-US" smtClean="0"/>
-              <a:t>5/7/20</a:t>
+              <a:t>5/9/20</a:t>
             </a:fld>
             <a:endParaRPr lang="en-US"/>
           </a:p>
@@ -7107,7 +7107,7 @@
           <a:p>
             <a:fld id="{7170159B-58A5-B047-8735-1AFBA8D9403D}" type="datetimeFigureOut">
               <a:rPr lang="en-US" smtClean="0"/>
-              <a:t>5/7/20</a:t>
+              <a:t>5/9/20</a:t>
             </a:fld>
             <a:endParaRPr lang="en-US"/>
           </a:p>
@@ -7305,7 +7305,7 @@
           <a:p>
             <a:fld id="{7170159B-58A5-B047-8735-1AFBA8D9403D}" type="datetimeFigureOut">
               <a:rPr lang="en-US" smtClean="0"/>
-              <a:t>5/7/20</a:t>
+              <a:t>5/9/20</a:t>
             </a:fld>
             <a:endParaRPr lang="en-US"/>
           </a:p>
@@ -7513,7 +7513,7 @@
           <a:p>
             <a:fld id="{7170159B-58A5-B047-8735-1AFBA8D9403D}" type="datetimeFigureOut">
               <a:rPr lang="en-US" smtClean="0"/>
-              <a:t>5/7/20</a:t>
+              <a:t>5/9/20</a:t>
             </a:fld>
             <a:endParaRPr lang="en-US"/>
           </a:p>
@@ -7711,7 +7711,7 @@
           <a:p>
             <a:fld id="{7170159B-58A5-B047-8735-1AFBA8D9403D}" type="datetimeFigureOut">
               <a:rPr lang="en-US" smtClean="0"/>
-              <a:t>5/7/20</a:t>
+              <a:t>5/9/20</a:t>
             </a:fld>
             <a:endParaRPr lang="en-US"/>
           </a:p>
@@ -7986,7 +7986,7 @@
           <a:p>
             <a:fld id="{7170159B-58A5-B047-8735-1AFBA8D9403D}" type="datetimeFigureOut">
               <a:rPr lang="en-US" smtClean="0"/>
-              <a:t>5/7/20</a:t>
+              <a:t>5/9/20</a:t>
             </a:fld>
             <a:endParaRPr lang="en-US"/>
           </a:p>
@@ -8251,7 +8251,7 @@
           <a:p>
             <a:fld id="{7170159B-58A5-B047-8735-1AFBA8D9403D}" type="datetimeFigureOut">
               <a:rPr lang="en-US" smtClean="0"/>
-              <a:t>5/7/20</a:t>
+              <a:t>5/9/20</a:t>
             </a:fld>
             <a:endParaRPr lang="en-US"/>
           </a:p>
@@ -8663,7 +8663,7 @@
           <a:p>
             <a:fld id="{7170159B-58A5-B047-8735-1AFBA8D9403D}" type="datetimeFigureOut">
               <a:rPr lang="en-US" smtClean="0"/>
-              <a:t>5/7/20</a:t>
+              <a:t>5/9/20</a:t>
             </a:fld>
             <a:endParaRPr lang="en-US"/>
           </a:p>
@@ -8804,7 +8804,7 @@
           <a:p>
             <a:fld id="{7170159B-58A5-B047-8735-1AFBA8D9403D}" type="datetimeFigureOut">
               <a:rPr lang="en-US" smtClean="0"/>
-              <a:t>5/7/20</a:t>
+              <a:t>5/9/20</a:t>
             </a:fld>
             <a:endParaRPr lang="en-US"/>
           </a:p>
@@ -8917,7 +8917,7 @@
           <a:p>
             <a:fld id="{7170159B-58A5-B047-8735-1AFBA8D9403D}" type="datetimeFigureOut">
               <a:rPr lang="en-US" smtClean="0"/>
-              <a:t>5/7/20</a:t>
+              <a:t>5/9/20</a:t>
             </a:fld>
             <a:endParaRPr lang="en-US"/>
           </a:p>
@@ -9228,7 +9228,7 @@
           <a:p>
             <a:fld id="{7170159B-58A5-B047-8735-1AFBA8D9403D}" type="datetimeFigureOut">
               <a:rPr lang="en-US" smtClean="0"/>
-              <a:t>5/7/20</a:t>
+              <a:t>5/9/20</a:t>
             </a:fld>
             <a:endParaRPr lang="en-US"/>
           </a:p>
@@ -9516,7 +9516,7 @@
           <a:p>
             <a:fld id="{7170159B-58A5-B047-8735-1AFBA8D9403D}" type="datetimeFigureOut">
               <a:rPr lang="en-US" smtClean="0"/>
-              <a:t>5/7/20</a:t>
+              <a:t>5/9/20</a:t>
             </a:fld>
             <a:endParaRPr lang="en-US"/>
           </a:p>
@@ -9757,7 +9757,7 @@
           <a:p>
             <a:fld id="{7170159B-58A5-B047-8735-1AFBA8D9403D}" type="datetimeFigureOut">
               <a:rPr lang="en-US" smtClean="0"/>
-              <a:t>5/7/20</a:t>
+              <a:t>5/9/20</a:t>
             </a:fld>
             <a:endParaRPr lang="en-US"/>
           </a:p>
@@ -12950,7 +12950,7 @@
           <p:nvPr>
             <p:extLst>
               <p:ext uri="{D42A27DB-BD31-4B8C-83A1-F6EECF244321}">
-                <p14:modId xmlns:p14="http://schemas.microsoft.com/office/powerpoint/2010/main" val="804854721"/>
+                <p14:modId xmlns:p14="http://schemas.microsoft.com/office/powerpoint/2010/main" val="3474821670"/>
               </p:ext>
             </p:extLst>
           </p:nvPr>
@@ -13434,7 +13434,7 @@
                             <a:srgbClr val="FF0000"/>
                           </a:solidFill>
                         </a:rPr>
-                        <a:t>79.1</a:t>
+                        <a:t>67.5</a:t>
                       </a:r>
                     </a:p>
                   </a:txBody>

--- a/BSD_Figures.pptx
+++ b/BSD_Figures.pptx
@@ -5,7 +5,7 @@
     <p:sldMasterId id="2147483648" r:id="rId1"/>
   </p:sldMasterIdLst>
   <p:notesMasterIdLst>
-    <p:notesMasterId r:id="rId75"/>
+    <p:notesMasterId r:id="rId80"/>
   </p:notesMasterIdLst>
   <p:sldIdLst>
     <p:sldId id="276" r:id="rId2"/>
@@ -81,6 +81,11 @@
     <p:sldId id="338" r:id="rId72"/>
     <p:sldId id="339" r:id="rId73"/>
     <p:sldId id="340" r:id="rId74"/>
+    <p:sldId id="341" r:id="rId75"/>
+    <p:sldId id="342" r:id="rId76"/>
+    <p:sldId id="343" r:id="rId77"/>
+    <p:sldId id="344" r:id="rId78"/>
+    <p:sldId id="345" r:id="rId79"/>
   </p:sldIdLst>
   <p:sldSz cx="12192000" cy="6858000"/>
   <p:notesSz cx="6858000" cy="9144000"/>
@@ -35589,6 +35594,2903 @@
 </p:sld>
 </file>
 
+<file path=ppt/slides/slide74.xml><?xml version="1.0" encoding="utf-8"?>
+<p:sld xmlns:a="http://schemas.openxmlformats.org/drawingml/2006/main" xmlns:r="http://schemas.openxmlformats.org/officeDocument/2006/relationships" xmlns:p="http://schemas.openxmlformats.org/presentationml/2006/main">
+  <p:cSld>
+    <p:spTree>
+      <p:nvGrpSpPr>
+        <p:cNvPr id="1" name=""/>
+        <p:cNvGrpSpPr/>
+        <p:nvPr/>
+      </p:nvGrpSpPr>
+      <p:grpSpPr>
+        <a:xfrm>
+          <a:off x="0" y="0"/>
+          <a:ext cx="0" cy="0"/>
+          <a:chOff x="0" y="0"/>
+          <a:chExt cx="0" cy="0"/>
+        </a:xfrm>
+      </p:grpSpPr>
+      <p:sp>
+        <p:nvSpPr>
+          <p:cNvPr id="2" name="Title 1">
+            <a:extLst>
+              <a:ext uri="{FF2B5EF4-FFF2-40B4-BE49-F238E27FC236}">
+                <a16:creationId xmlns:a16="http://schemas.microsoft.com/office/drawing/2014/main" id="{13FD0FA2-43F7-394D-9E38-B0677D7A1CCD}"/>
+              </a:ext>
+            </a:extLst>
+          </p:cNvPr>
+          <p:cNvSpPr>
+            <a:spLocks noGrp="1"/>
+          </p:cNvSpPr>
+          <p:nvPr>
+            <p:ph type="title"/>
+          </p:nvPr>
+        </p:nvSpPr>
+        <p:spPr>
+          <a:xfrm>
+            <a:off x="868181" y="2388797"/>
+            <a:ext cx="10515600" cy="1325563"/>
+          </a:xfrm>
+        </p:spPr>
+        <p:txBody>
+          <a:bodyPr/>
+          <a:lstStyle/>
+          <a:p>
+            <a:pPr algn="ctr"/>
+            <a:r>
+              <a:rPr lang="en-US" dirty="0"/>
+              <a:t>Different Models</a:t>
+            </a:r>
+          </a:p>
+        </p:txBody>
+      </p:sp>
+    </p:spTree>
+    <p:extLst>
+      <p:ext uri="{BB962C8B-B14F-4D97-AF65-F5344CB8AC3E}">
+        <p14:creationId xmlns:p14="http://schemas.microsoft.com/office/powerpoint/2010/main" val="2014450682"/>
+      </p:ext>
+    </p:extLst>
+  </p:cSld>
+  <p:clrMapOvr>
+    <a:masterClrMapping/>
+  </p:clrMapOvr>
+</p:sld>
+</file>
+
+<file path=ppt/slides/slide75.xml><?xml version="1.0" encoding="utf-8"?>
+<p:sld xmlns:a="http://schemas.openxmlformats.org/drawingml/2006/main" xmlns:r="http://schemas.openxmlformats.org/officeDocument/2006/relationships" xmlns:p="http://schemas.openxmlformats.org/presentationml/2006/main">
+  <p:cSld>
+    <p:spTree>
+      <p:nvGrpSpPr>
+        <p:cNvPr id="1" name=""/>
+        <p:cNvGrpSpPr/>
+        <p:nvPr/>
+      </p:nvGrpSpPr>
+      <p:grpSpPr>
+        <a:xfrm>
+          <a:off x="0" y="0"/>
+          <a:ext cx="0" cy="0"/>
+          <a:chOff x="0" y="0"/>
+          <a:chExt cx="0" cy="0"/>
+        </a:xfrm>
+      </p:grpSpPr>
+      <p:graphicFrame>
+        <p:nvGraphicFramePr>
+          <p:cNvPr id="4" name="Table 3">
+            <a:extLst>
+              <a:ext uri="{FF2B5EF4-FFF2-40B4-BE49-F238E27FC236}">
+                <a16:creationId xmlns:a16="http://schemas.microsoft.com/office/drawing/2014/main" id="{F3634E9B-F616-E548-A703-16000F2DD0FF}"/>
+              </a:ext>
+            </a:extLst>
+          </p:cNvPr>
+          <p:cNvGraphicFramePr>
+            <a:graphicFrameLocks noGrp="1"/>
+          </p:cNvGraphicFramePr>
+          <p:nvPr>
+            <p:extLst>
+              <p:ext uri="{D42A27DB-BD31-4B8C-83A1-F6EECF244321}">
+                <p14:modId xmlns:p14="http://schemas.microsoft.com/office/powerpoint/2010/main" val="1672329159"/>
+              </p:ext>
+            </p:extLst>
+          </p:nvPr>
+        </p:nvGraphicFramePr>
+        <p:xfrm>
+          <a:off x="674557" y="929527"/>
+          <a:ext cx="10942820" cy="4976599"/>
+        </p:xfrm>
+        <a:graphic>
+          <a:graphicData uri="http://schemas.openxmlformats.org/drawingml/2006/table">
+            <a:tbl>
+              <a:tblPr firstRow="1" bandRow="1">
+                <a:tableStyleId>{5C22544A-7EE6-4342-B048-85BDC9FD1C3A}</a:tableStyleId>
+              </a:tblPr>
+              <a:tblGrid>
+                <a:gridCol w="1563260">
+                  <a:extLst>
+                    <a:ext uri="{9D8B030D-6E8A-4147-A177-3AD203B41FA5}">
+                      <a16:colId xmlns:a16="http://schemas.microsoft.com/office/drawing/2014/main" val="2272368709"/>
+                    </a:ext>
+                  </a:extLst>
+                </a:gridCol>
+                <a:gridCol w="1563260">
+                  <a:extLst>
+                    <a:ext uri="{9D8B030D-6E8A-4147-A177-3AD203B41FA5}">
+                      <a16:colId xmlns:a16="http://schemas.microsoft.com/office/drawing/2014/main" val="2235686462"/>
+                    </a:ext>
+                  </a:extLst>
+                </a:gridCol>
+                <a:gridCol w="1563260">
+                  <a:extLst>
+                    <a:ext uri="{9D8B030D-6E8A-4147-A177-3AD203B41FA5}">
+                      <a16:colId xmlns:a16="http://schemas.microsoft.com/office/drawing/2014/main" val="1061232007"/>
+                    </a:ext>
+                  </a:extLst>
+                </a:gridCol>
+                <a:gridCol w="1563260">
+                  <a:extLst>
+                    <a:ext uri="{9D8B030D-6E8A-4147-A177-3AD203B41FA5}">
+                      <a16:colId xmlns:a16="http://schemas.microsoft.com/office/drawing/2014/main" val="464967916"/>
+                    </a:ext>
+                  </a:extLst>
+                </a:gridCol>
+                <a:gridCol w="1563260">
+                  <a:extLst>
+                    <a:ext uri="{9D8B030D-6E8A-4147-A177-3AD203B41FA5}">
+                      <a16:colId xmlns:a16="http://schemas.microsoft.com/office/drawing/2014/main" val="3929012556"/>
+                    </a:ext>
+                  </a:extLst>
+                </a:gridCol>
+                <a:gridCol w="1563260">
+                  <a:extLst>
+                    <a:ext uri="{9D8B030D-6E8A-4147-A177-3AD203B41FA5}">
+                      <a16:colId xmlns:a16="http://schemas.microsoft.com/office/drawing/2014/main" val="3303028153"/>
+                    </a:ext>
+                  </a:extLst>
+                </a:gridCol>
+                <a:gridCol w="1563260">
+                  <a:extLst>
+                    <a:ext uri="{9D8B030D-6E8A-4147-A177-3AD203B41FA5}">
+                      <a16:colId xmlns:a16="http://schemas.microsoft.com/office/drawing/2014/main" val="4108006114"/>
+                    </a:ext>
+                  </a:extLst>
+                </a:gridCol>
+              </a:tblGrid>
+              <a:tr h="523804">
+                <a:tc>
+                  <a:txBody>
+                    <a:bodyPr/>
+                    <a:lstStyle/>
+                    <a:p>
+                      <a:pPr algn="ctr"/>
+                      <a:r>
+                        <a:rPr lang="en-US" dirty="0"/>
+                        <a:t>Junction</a:t>
+                      </a:r>
+                    </a:p>
+                  </a:txBody>
+                  <a:tcPr anchor="ctr"/>
+                </a:tc>
+                <a:tc>
+                  <a:txBody>
+                    <a:bodyPr/>
+                    <a:lstStyle/>
+                    <a:p>
+                      <a:pPr algn="ctr"/>
+                      <a:r>
+                        <a:rPr lang="en-US" dirty="0"/>
+                        <a:t>Accuracy</a:t>
+                      </a:r>
+                    </a:p>
+                  </a:txBody>
+                  <a:tcPr anchor="ctr"/>
+                </a:tc>
+                <a:tc>
+                  <a:txBody>
+                    <a:bodyPr/>
+                    <a:lstStyle/>
+                    <a:p>
+                      <a:pPr algn="ctr"/>
+                      <a:r>
+                        <a:rPr lang="en-US" dirty="0"/>
+                        <a:t>precision</a:t>
+                      </a:r>
+                    </a:p>
+                  </a:txBody>
+                  <a:tcPr anchor="ctr"/>
+                </a:tc>
+                <a:tc>
+                  <a:txBody>
+                    <a:bodyPr/>
+                    <a:lstStyle/>
+                    <a:p>
+                      <a:pPr algn="ctr"/>
+                      <a:r>
+                        <a:rPr lang="en-US" dirty="0"/>
+                        <a:t>recall</a:t>
+                      </a:r>
+                    </a:p>
+                  </a:txBody>
+                  <a:tcPr anchor="ctr"/>
+                </a:tc>
+                <a:tc>
+                  <a:txBody>
+                    <a:bodyPr/>
+                    <a:lstStyle/>
+                    <a:p>
+                      <a:pPr algn="ctr"/>
+                      <a:r>
+                        <a:rPr lang="en-US" dirty="0"/>
+                        <a:t>specificity</a:t>
+                      </a:r>
+                    </a:p>
+                  </a:txBody>
+                  <a:tcPr anchor="ctr"/>
+                </a:tc>
+                <a:tc>
+                  <a:txBody>
+                    <a:bodyPr/>
+                    <a:lstStyle/>
+                    <a:p>
+                      <a:pPr algn="ctr"/>
+                      <a:r>
+                        <a:rPr lang="en-US" dirty="0"/>
+                        <a:t>F1</a:t>
+                      </a:r>
+                    </a:p>
+                  </a:txBody>
+                  <a:tcPr anchor="ctr"/>
+                </a:tc>
+                <a:tc>
+                  <a:txBody>
+                    <a:bodyPr/>
+                    <a:lstStyle/>
+                    <a:p>
+                      <a:pPr algn="ctr"/>
+                      <a:r>
+                        <a:rPr lang="en-US" dirty="0"/>
+                        <a:t>loss</a:t>
+                      </a:r>
+                    </a:p>
+                  </a:txBody>
+                  <a:tcPr anchor="ctr"/>
+                </a:tc>
+                <a:extLst>
+                  <a:ext uri="{0D108BD9-81ED-4DB2-BD59-A6C34878D82A}">
+                    <a16:rowId xmlns:a16="http://schemas.microsoft.com/office/drawing/2014/main" val="2384826745"/>
+                  </a:ext>
+                </a:extLst>
+              </a:tr>
+              <a:tr h="904099">
+                <a:tc>
+                  <a:txBody>
+                    <a:bodyPr/>
+                    <a:lstStyle/>
+                    <a:p>
+                      <a:pPr algn="ctr"/>
+                      <a:r>
+                        <a:rPr lang="en-US" dirty="0" err="1"/>
+                        <a:t>Alexnet_accuracy</a:t>
+                      </a:r>
+                      <a:endParaRPr lang="en-US" dirty="0"/>
+                    </a:p>
+                  </a:txBody>
+                  <a:tcPr anchor="ctr"/>
+                </a:tc>
+                <a:tc>
+                  <a:txBody>
+                    <a:bodyPr/>
+                    <a:lstStyle/>
+                    <a:p>
+                      <a:pPr algn="ctr"/>
+                      <a:endParaRPr lang="en-US" dirty="0"/>
+                    </a:p>
+                  </a:txBody>
+                  <a:tcPr anchor="ctr"/>
+                </a:tc>
+                <a:tc>
+                  <a:txBody>
+                    <a:bodyPr/>
+                    <a:lstStyle/>
+                    <a:p>
+                      <a:pPr algn="ctr"/>
+                      <a:endParaRPr lang="en-US" dirty="0"/>
+                    </a:p>
+                  </a:txBody>
+                  <a:tcPr anchor="ctr"/>
+                </a:tc>
+                <a:tc>
+                  <a:txBody>
+                    <a:bodyPr/>
+                    <a:lstStyle/>
+                    <a:p>
+                      <a:pPr algn="ctr"/>
+                      <a:endParaRPr lang="en-US" dirty="0"/>
+                    </a:p>
+                  </a:txBody>
+                  <a:tcPr anchor="ctr"/>
+                </a:tc>
+                <a:tc>
+                  <a:txBody>
+                    <a:bodyPr/>
+                    <a:lstStyle/>
+                    <a:p>
+                      <a:pPr algn="ctr"/>
+                      <a:endParaRPr lang="en-US" dirty="0"/>
+                    </a:p>
+                  </a:txBody>
+                  <a:tcPr anchor="ctr"/>
+                </a:tc>
+                <a:tc>
+                  <a:txBody>
+                    <a:bodyPr/>
+                    <a:lstStyle/>
+                    <a:p>
+                      <a:pPr algn="ctr"/>
+                      <a:endParaRPr lang="en-US" dirty="0"/>
+                    </a:p>
+                  </a:txBody>
+                  <a:tcPr anchor="ctr"/>
+                </a:tc>
+                <a:tc>
+                  <a:txBody>
+                    <a:bodyPr/>
+                    <a:lstStyle/>
+                    <a:p>
+                      <a:pPr algn="ctr"/>
+                      <a:endParaRPr lang="en-US" dirty="0"/>
+                    </a:p>
+                  </a:txBody>
+                  <a:tcPr anchor="ctr"/>
+                </a:tc>
+                <a:extLst>
+                  <a:ext uri="{0D108BD9-81ED-4DB2-BD59-A6C34878D82A}">
+                    <a16:rowId xmlns:a16="http://schemas.microsoft.com/office/drawing/2014/main" val="1449166203"/>
+                  </a:ext>
+                </a:extLst>
+              </a:tr>
+              <a:tr h="887174">
+                <a:tc>
+                  <a:txBody>
+                    <a:bodyPr/>
+                    <a:lstStyle/>
+                    <a:p>
+                      <a:pPr algn="ctr"/>
+                      <a:r>
+                        <a:rPr lang="en-US" dirty="0" err="1"/>
+                        <a:t>Alexnet_precision</a:t>
+                      </a:r>
+                      <a:endParaRPr lang="en-US" dirty="0"/>
+                    </a:p>
+                  </a:txBody>
+                  <a:tcPr anchor="ctr"/>
+                </a:tc>
+                <a:tc>
+                  <a:txBody>
+                    <a:bodyPr/>
+                    <a:lstStyle/>
+                    <a:p>
+                      <a:pPr algn="ctr"/>
+                      <a:endParaRPr lang="en-US" dirty="0"/>
+                    </a:p>
+                  </a:txBody>
+                  <a:tcPr anchor="ctr"/>
+                </a:tc>
+                <a:tc>
+                  <a:txBody>
+                    <a:bodyPr/>
+                    <a:lstStyle/>
+                    <a:p>
+                      <a:pPr algn="ctr"/>
+                      <a:endParaRPr lang="en-US" dirty="0"/>
+                    </a:p>
+                  </a:txBody>
+                  <a:tcPr anchor="ctr"/>
+                </a:tc>
+                <a:tc>
+                  <a:txBody>
+                    <a:bodyPr/>
+                    <a:lstStyle/>
+                    <a:p>
+                      <a:pPr algn="ctr"/>
+                      <a:endParaRPr lang="en-US" dirty="0"/>
+                    </a:p>
+                  </a:txBody>
+                  <a:tcPr anchor="ctr"/>
+                </a:tc>
+                <a:tc>
+                  <a:txBody>
+                    <a:bodyPr/>
+                    <a:lstStyle/>
+                    <a:p>
+                      <a:pPr algn="ctr"/>
+                      <a:endParaRPr lang="en-US" dirty="0"/>
+                    </a:p>
+                  </a:txBody>
+                  <a:tcPr anchor="ctr"/>
+                </a:tc>
+                <a:tc>
+                  <a:txBody>
+                    <a:bodyPr/>
+                    <a:lstStyle/>
+                    <a:p>
+                      <a:pPr algn="ctr"/>
+                      <a:endParaRPr lang="en-US" dirty="0"/>
+                    </a:p>
+                  </a:txBody>
+                  <a:tcPr anchor="ctr"/>
+                </a:tc>
+                <a:tc>
+                  <a:txBody>
+                    <a:bodyPr/>
+                    <a:lstStyle/>
+                    <a:p>
+                      <a:pPr algn="ctr"/>
+                      <a:endParaRPr lang="en-US" dirty="0"/>
+                    </a:p>
+                  </a:txBody>
+                  <a:tcPr anchor="ctr"/>
+                </a:tc>
+                <a:extLst>
+                  <a:ext uri="{0D108BD9-81ED-4DB2-BD59-A6C34878D82A}">
+                    <a16:rowId xmlns:a16="http://schemas.microsoft.com/office/drawing/2014/main" val="4164655960"/>
+                  </a:ext>
+                </a:extLst>
+              </a:tr>
+              <a:tr h="887174">
+                <a:tc>
+                  <a:txBody>
+                    <a:bodyPr/>
+                    <a:lstStyle/>
+                    <a:p>
+                      <a:pPr algn="ctr"/>
+                      <a:r>
+                        <a:rPr lang="en-US" dirty="0" err="1"/>
+                        <a:t>Alexnet</a:t>
+                      </a:r>
+                      <a:r>
+                        <a:rPr lang="en-US" dirty="0" err="1">
+                          <a:solidFill>
+                            <a:srgbClr val="FF0000"/>
+                          </a:solidFill>
+                        </a:rPr>
+                        <a:t>_recall</a:t>
+                      </a:r>
+                      <a:endParaRPr lang="en-US" dirty="0">
+                        <a:solidFill>
+                          <a:srgbClr val="FF0000"/>
+                        </a:solidFill>
+                      </a:endParaRPr>
+                    </a:p>
+                  </a:txBody>
+                  <a:tcPr anchor="ctr"/>
+                </a:tc>
+                <a:tc>
+                  <a:txBody>
+                    <a:bodyPr/>
+                    <a:lstStyle/>
+                    <a:p>
+                      <a:pPr algn="ctr"/>
+                      <a:endParaRPr lang="en-US" dirty="0">
+                        <a:solidFill>
+                          <a:srgbClr val="FF0000"/>
+                        </a:solidFill>
+                      </a:endParaRPr>
+                    </a:p>
+                  </a:txBody>
+                  <a:tcPr anchor="ctr"/>
+                </a:tc>
+                <a:tc>
+                  <a:txBody>
+                    <a:bodyPr/>
+                    <a:lstStyle/>
+                    <a:p>
+                      <a:pPr algn="ctr"/>
+                      <a:endParaRPr lang="en-US" dirty="0">
+                        <a:solidFill>
+                          <a:srgbClr val="FF0000"/>
+                        </a:solidFill>
+                      </a:endParaRPr>
+                    </a:p>
+                  </a:txBody>
+                  <a:tcPr anchor="ctr"/>
+                </a:tc>
+                <a:tc>
+                  <a:txBody>
+                    <a:bodyPr/>
+                    <a:lstStyle/>
+                    <a:p>
+                      <a:pPr algn="ctr"/>
+                      <a:endParaRPr lang="en-US" dirty="0">
+                        <a:solidFill>
+                          <a:srgbClr val="FF0000"/>
+                        </a:solidFill>
+                      </a:endParaRPr>
+                    </a:p>
+                  </a:txBody>
+                  <a:tcPr anchor="ctr"/>
+                </a:tc>
+                <a:tc>
+                  <a:txBody>
+                    <a:bodyPr/>
+                    <a:lstStyle/>
+                    <a:p>
+                      <a:pPr algn="ctr"/>
+                      <a:endParaRPr lang="en-US" dirty="0">
+                        <a:solidFill>
+                          <a:srgbClr val="FF0000"/>
+                        </a:solidFill>
+                      </a:endParaRPr>
+                    </a:p>
+                  </a:txBody>
+                  <a:tcPr anchor="ctr"/>
+                </a:tc>
+                <a:tc>
+                  <a:txBody>
+                    <a:bodyPr/>
+                    <a:lstStyle/>
+                    <a:p>
+                      <a:pPr algn="ctr"/>
+                      <a:endParaRPr lang="en-US" dirty="0">
+                        <a:solidFill>
+                          <a:srgbClr val="FF0000"/>
+                        </a:solidFill>
+                      </a:endParaRPr>
+                    </a:p>
+                  </a:txBody>
+                  <a:tcPr anchor="ctr"/>
+                </a:tc>
+                <a:tc>
+                  <a:txBody>
+                    <a:bodyPr/>
+                    <a:lstStyle/>
+                    <a:p>
+                      <a:pPr algn="ctr"/>
+                      <a:endParaRPr lang="en-US" dirty="0">
+                        <a:solidFill>
+                          <a:srgbClr val="FF0000"/>
+                        </a:solidFill>
+                      </a:endParaRPr>
+                    </a:p>
+                  </a:txBody>
+                  <a:tcPr anchor="ctr"/>
+                </a:tc>
+                <a:extLst>
+                  <a:ext uri="{0D108BD9-81ED-4DB2-BD59-A6C34878D82A}">
+                    <a16:rowId xmlns:a16="http://schemas.microsoft.com/office/drawing/2014/main" val="2775775737"/>
+                  </a:ext>
+                </a:extLst>
+              </a:tr>
+              <a:tr h="887174">
+                <a:tc>
+                  <a:txBody>
+                    <a:bodyPr/>
+                    <a:lstStyle/>
+                    <a:p>
+                      <a:pPr algn="ctr"/>
+                      <a:r>
+                        <a:rPr lang="en-US" dirty="0"/>
+                        <a:t>Alexnet_F1</a:t>
+                      </a:r>
+                    </a:p>
+                  </a:txBody>
+                  <a:tcPr anchor="ctr"/>
+                </a:tc>
+                <a:tc>
+                  <a:txBody>
+                    <a:bodyPr/>
+                    <a:lstStyle/>
+                    <a:p>
+                      <a:pPr algn="ctr"/>
+                      <a:endParaRPr lang="en-US" dirty="0"/>
+                    </a:p>
+                  </a:txBody>
+                  <a:tcPr anchor="ctr"/>
+                </a:tc>
+                <a:tc>
+                  <a:txBody>
+                    <a:bodyPr/>
+                    <a:lstStyle/>
+                    <a:p>
+                      <a:pPr algn="ctr"/>
+                      <a:endParaRPr lang="en-US" dirty="0"/>
+                    </a:p>
+                  </a:txBody>
+                  <a:tcPr anchor="ctr"/>
+                </a:tc>
+                <a:tc>
+                  <a:txBody>
+                    <a:bodyPr/>
+                    <a:lstStyle/>
+                    <a:p>
+                      <a:pPr algn="ctr"/>
+                      <a:endParaRPr lang="en-US" dirty="0"/>
+                    </a:p>
+                  </a:txBody>
+                  <a:tcPr anchor="ctr"/>
+                </a:tc>
+                <a:tc>
+                  <a:txBody>
+                    <a:bodyPr/>
+                    <a:lstStyle/>
+                    <a:p>
+                      <a:pPr algn="ctr"/>
+                      <a:endParaRPr lang="en-US" dirty="0"/>
+                    </a:p>
+                  </a:txBody>
+                  <a:tcPr anchor="ctr"/>
+                </a:tc>
+                <a:tc>
+                  <a:txBody>
+                    <a:bodyPr/>
+                    <a:lstStyle/>
+                    <a:p>
+                      <a:pPr algn="ctr"/>
+                      <a:endParaRPr lang="en-US" dirty="0"/>
+                    </a:p>
+                  </a:txBody>
+                  <a:tcPr anchor="ctr"/>
+                </a:tc>
+                <a:tc>
+                  <a:txBody>
+                    <a:bodyPr/>
+                    <a:lstStyle/>
+                    <a:p>
+                      <a:pPr algn="ctr"/>
+                      <a:endParaRPr lang="en-US" dirty="0"/>
+                    </a:p>
+                  </a:txBody>
+                  <a:tcPr anchor="ctr"/>
+                </a:tc>
+                <a:extLst>
+                  <a:ext uri="{0D108BD9-81ED-4DB2-BD59-A6C34878D82A}">
+                    <a16:rowId xmlns:a16="http://schemas.microsoft.com/office/drawing/2014/main" val="618446083"/>
+                  </a:ext>
+                </a:extLst>
+              </a:tr>
+              <a:tr h="887174">
+                <a:tc>
+                  <a:txBody>
+                    <a:bodyPr/>
+                    <a:lstStyle/>
+                    <a:p>
+                      <a:pPr marL="0" marR="0" lvl="0" indent="0" algn="ctr" defTabSz="914400" rtl="0" eaLnBrk="1" fontAlgn="auto" latinLnBrk="0" hangingPunct="1">
+                        <a:lnSpc>
+                          <a:spcPct val="100000"/>
+                        </a:lnSpc>
+                        <a:spcBef>
+                          <a:spcPts val="0"/>
+                        </a:spcBef>
+                        <a:spcAft>
+                          <a:spcPts val="0"/>
+                        </a:spcAft>
+                        <a:buClrTx/>
+                        <a:buSzTx/>
+                        <a:buFontTx/>
+                        <a:buNone/>
+                        <a:tabLst/>
+                        <a:defRPr/>
+                      </a:pPr>
+                      <a:r>
+                        <a:rPr lang="en-US" dirty="0" err="1"/>
+                        <a:t>Alexnet_loss</a:t>
+                      </a:r>
+                      <a:endParaRPr lang="en-US" dirty="0"/>
+                    </a:p>
+                    <a:p>
+                      <a:pPr algn="ctr"/>
+                      <a:endParaRPr lang="en-US" dirty="0"/>
+                    </a:p>
+                  </a:txBody>
+                  <a:tcPr anchor="ctr"/>
+                </a:tc>
+                <a:tc>
+                  <a:txBody>
+                    <a:bodyPr/>
+                    <a:lstStyle/>
+                    <a:p>
+                      <a:pPr algn="ctr"/>
+                      <a:endParaRPr lang="en-US" dirty="0"/>
+                    </a:p>
+                  </a:txBody>
+                  <a:tcPr anchor="ctr"/>
+                </a:tc>
+                <a:tc>
+                  <a:txBody>
+                    <a:bodyPr/>
+                    <a:lstStyle/>
+                    <a:p>
+                      <a:pPr algn="ctr"/>
+                      <a:endParaRPr lang="en-US" dirty="0"/>
+                    </a:p>
+                  </a:txBody>
+                  <a:tcPr anchor="ctr"/>
+                </a:tc>
+                <a:tc>
+                  <a:txBody>
+                    <a:bodyPr/>
+                    <a:lstStyle/>
+                    <a:p>
+                      <a:pPr algn="ctr"/>
+                      <a:endParaRPr lang="en-US" dirty="0"/>
+                    </a:p>
+                  </a:txBody>
+                  <a:tcPr anchor="ctr"/>
+                </a:tc>
+                <a:tc>
+                  <a:txBody>
+                    <a:bodyPr/>
+                    <a:lstStyle/>
+                    <a:p>
+                      <a:pPr algn="ctr"/>
+                      <a:endParaRPr lang="en-US" dirty="0"/>
+                    </a:p>
+                  </a:txBody>
+                  <a:tcPr anchor="ctr"/>
+                </a:tc>
+                <a:tc>
+                  <a:txBody>
+                    <a:bodyPr/>
+                    <a:lstStyle/>
+                    <a:p>
+                      <a:pPr algn="ctr"/>
+                      <a:endParaRPr lang="en-US" dirty="0"/>
+                    </a:p>
+                  </a:txBody>
+                  <a:tcPr anchor="ctr"/>
+                </a:tc>
+                <a:tc>
+                  <a:txBody>
+                    <a:bodyPr/>
+                    <a:lstStyle/>
+                    <a:p>
+                      <a:pPr algn="ctr"/>
+                      <a:endParaRPr lang="en-US" dirty="0"/>
+                    </a:p>
+                  </a:txBody>
+                  <a:tcPr anchor="ctr"/>
+                </a:tc>
+                <a:extLst>
+                  <a:ext uri="{0D108BD9-81ED-4DB2-BD59-A6C34878D82A}">
+                    <a16:rowId xmlns:a16="http://schemas.microsoft.com/office/drawing/2014/main" val="872347479"/>
+                  </a:ext>
+                </a:extLst>
+              </a:tr>
+            </a:tbl>
+          </a:graphicData>
+        </a:graphic>
+      </p:graphicFrame>
+    </p:spTree>
+    <p:extLst>
+      <p:ext uri="{BB962C8B-B14F-4D97-AF65-F5344CB8AC3E}">
+        <p14:creationId xmlns:p14="http://schemas.microsoft.com/office/powerpoint/2010/main" val="1695040457"/>
+      </p:ext>
+    </p:extLst>
+  </p:cSld>
+  <p:clrMapOvr>
+    <a:masterClrMapping/>
+  </p:clrMapOvr>
+</p:sld>
+</file>
+
+<file path=ppt/slides/slide76.xml><?xml version="1.0" encoding="utf-8"?>
+<p:sld xmlns:a="http://schemas.openxmlformats.org/drawingml/2006/main" xmlns:r="http://schemas.openxmlformats.org/officeDocument/2006/relationships" xmlns:p="http://schemas.openxmlformats.org/presentationml/2006/main">
+  <p:cSld>
+    <p:spTree>
+      <p:nvGrpSpPr>
+        <p:cNvPr id="1" name=""/>
+        <p:cNvGrpSpPr/>
+        <p:nvPr/>
+      </p:nvGrpSpPr>
+      <p:grpSpPr>
+        <a:xfrm>
+          <a:off x="0" y="0"/>
+          <a:ext cx="0" cy="0"/>
+          <a:chOff x="0" y="0"/>
+          <a:chExt cx="0" cy="0"/>
+        </a:xfrm>
+      </p:grpSpPr>
+      <p:graphicFrame>
+        <p:nvGraphicFramePr>
+          <p:cNvPr id="4" name="Table 3">
+            <a:extLst>
+              <a:ext uri="{FF2B5EF4-FFF2-40B4-BE49-F238E27FC236}">
+                <a16:creationId xmlns:a16="http://schemas.microsoft.com/office/drawing/2014/main" id="{F3634E9B-F616-E548-A703-16000F2DD0FF}"/>
+              </a:ext>
+            </a:extLst>
+          </p:cNvPr>
+          <p:cNvGraphicFramePr>
+            <a:graphicFrameLocks noGrp="1"/>
+          </p:cNvGraphicFramePr>
+          <p:nvPr>
+            <p:extLst>
+              <p:ext uri="{D42A27DB-BD31-4B8C-83A1-F6EECF244321}">
+                <p14:modId xmlns:p14="http://schemas.microsoft.com/office/powerpoint/2010/main" val="2297835321"/>
+              </p:ext>
+            </p:extLst>
+          </p:nvPr>
+        </p:nvGraphicFramePr>
+        <p:xfrm>
+          <a:off x="674557" y="929527"/>
+          <a:ext cx="10942820" cy="4976599"/>
+        </p:xfrm>
+        <a:graphic>
+          <a:graphicData uri="http://schemas.openxmlformats.org/drawingml/2006/table">
+            <a:tbl>
+              <a:tblPr firstRow="1" bandRow="1">
+                <a:tableStyleId>{00A15C55-8517-42AA-B614-E9B94910E393}</a:tableStyleId>
+              </a:tblPr>
+              <a:tblGrid>
+                <a:gridCol w="1563260">
+                  <a:extLst>
+                    <a:ext uri="{9D8B030D-6E8A-4147-A177-3AD203B41FA5}">
+                      <a16:colId xmlns:a16="http://schemas.microsoft.com/office/drawing/2014/main" val="2272368709"/>
+                    </a:ext>
+                  </a:extLst>
+                </a:gridCol>
+                <a:gridCol w="1563260">
+                  <a:extLst>
+                    <a:ext uri="{9D8B030D-6E8A-4147-A177-3AD203B41FA5}">
+                      <a16:colId xmlns:a16="http://schemas.microsoft.com/office/drawing/2014/main" val="2235686462"/>
+                    </a:ext>
+                  </a:extLst>
+                </a:gridCol>
+                <a:gridCol w="1563260">
+                  <a:extLst>
+                    <a:ext uri="{9D8B030D-6E8A-4147-A177-3AD203B41FA5}">
+                      <a16:colId xmlns:a16="http://schemas.microsoft.com/office/drawing/2014/main" val="1061232007"/>
+                    </a:ext>
+                  </a:extLst>
+                </a:gridCol>
+                <a:gridCol w="1563260">
+                  <a:extLst>
+                    <a:ext uri="{9D8B030D-6E8A-4147-A177-3AD203B41FA5}">
+                      <a16:colId xmlns:a16="http://schemas.microsoft.com/office/drawing/2014/main" val="464967916"/>
+                    </a:ext>
+                  </a:extLst>
+                </a:gridCol>
+                <a:gridCol w="1563260">
+                  <a:extLst>
+                    <a:ext uri="{9D8B030D-6E8A-4147-A177-3AD203B41FA5}">
+                      <a16:colId xmlns:a16="http://schemas.microsoft.com/office/drawing/2014/main" val="3929012556"/>
+                    </a:ext>
+                  </a:extLst>
+                </a:gridCol>
+                <a:gridCol w="1563260">
+                  <a:extLst>
+                    <a:ext uri="{9D8B030D-6E8A-4147-A177-3AD203B41FA5}">
+                      <a16:colId xmlns:a16="http://schemas.microsoft.com/office/drawing/2014/main" val="3303028153"/>
+                    </a:ext>
+                  </a:extLst>
+                </a:gridCol>
+                <a:gridCol w="1563260">
+                  <a:extLst>
+                    <a:ext uri="{9D8B030D-6E8A-4147-A177-3AD203B41FA5}">
+                      <a16:colId xmlns:a16="http://schemas.microsoft.com/office/drawing/2014/main" val="4108006114"/>
+                    </a:ext>
+                  </a:extLst>
+                </a:gridCol>
+              </a:tblGrid>
+              <a:tr h="523804">
+                <a:tc>
+                  <a:txBody>
+                    <a:bodyPr/>
+                    <a:lstStyle/>
+                    <a:p>
+                      <a:pPr algn="ctr"/>
+                      <a:r>
+                        <a:rPr lang="en-US" dirty="0"/>
+                        <a:t>Junction</a:t>
+                      </a:r>
+                    </a:p>
+                  </a:txBody>
+                  <a:tcPr anchor="ctr"/>
+                </a:tc>
+                <a:tc>
+                  <a:txBody>
+                    <a:bodyPr/>
+                    <a:lstStyle/>
+                    <a:p>
+                      <a:pPr algn="ctr"/>
+                      <a:r>
+                        <a:rPr lang="en-US" dirty="0"/>
+                        <a:t>Accuracy</a:t>
+                      </a:r>
+                    </a:p>
+                  </a:txBody>
+                  <a:tcPr anchor="ctr"/>
+                </a:tc>
+                <a:tc>
+                  <a:txBody>
+                    <a:bodyPr/>
+                    <a:lstStyle/>
+                    <a:p>
+                      <a:pPr algn="ctr"/>
+                      <a:r>
+                        <a:rPr lang="en-US" dirty="0"/>
+                        <a:t>precision</a:t>
+                      </a:r>
+                    </a:p>
+                  </a:txBody>
+                  <a:tcPr anchor="ctr"/>
+                </a:tc>
+                <a:tc>
+                  <a:txBody>
+                    <a:bodyPr/>
+                    <a:lstStyle/>
+                    <a:p>
+                      <a:pPr algn="ctr"/>
+                      <a:r>
+                        <a:rPr lang="en-US" dirty="0"/>
+                        <a:t>recall</a:t>
+                      </a:r>
+                    </a:p>
+                  </a:txBody>
+                  <a:tcPr anchor="ctr"/>
+                </a:tc>
+                <a:tc>
+                  <a:txBody>
+                    <a:bodyPr/>
+                    <a:lstStyle/>
+                    <a:p>
+                      <a:pPr algn="ctr"/>
+                      <a:r>
+                        <a:rPr lang="en-US" dirty="0"/>
+                        <a:t>specificity</a:t>
+                      </a:r>
+                    </a:p>
+                  </a:txBody>
+                  <a:tcPr anchor="ctr"/>
+                </a:tc>
+                <a:tc>
+                  <a:txBody>
+                    <a:bodyPr/>
+                    <a:lstStyle/>
+                    <a:p>
+                      <a:pPr algn="ctr"/>
+                      <a:r>
+                        <a:rPr lang="en-US" dirty="0"/>
+                        <a:t>F1</a:t>
+                      </a:r>
+                    </a:p>
+                  </a:txBody>
+                  <a:tcPr anchor="ctr"/>
+                </a:tc>
+                <a:tc>
+                  <a:txBody>
+                    <a:bodyPr/>
+                    <a:lstStyle/>
+                    <a:p>
+                      <a:pPr algn="ctr"/>
+                      <a:r>
+                        <a:rPr lang="en-US" dirty="0"/>
+                        <a:t>loss</a:t>
+                      </a:r>
+                    </a:p>
+                  </a:txBody>
+                  <a:tcPr anchor="ctr"/>
+                </a:tc>
+                <a:extLst>
+                  <a:ext uri="{0D108BD9-81ED-4DB2-BD59-A6C34878D82A}">
+                    <a16:rowId xmlns:a16="http://schemas.microsoft.com/office/drawing/2014/main" val="2384826745"/>
+                  </a:ext>
+                </a:extLst>
+              </a:tr>
+              <a:tr h="904099">
+                <a:tc>
+                  <a:txBody>
+                    <a:bodyPr/>
+                    <a:lstStyle/>
+                    <a:p>
+                      <a:pPr algn="ctr"/>
+                      <a:r>
+                        <a:rPr lang="en-US" dirty="0"/>
+                        <a:t>resnet50_accuracy</a:t>
+                      </a:r>
+                    </a:p>
+                  </a:txBody>
+                  <a:tcPr anchor="ctr"/>
+                </a:tc>
+                <a:tc>
+                  <a:txBody>
+                    <a:bodyPr/>
+                    <a:lstStyle/>
+                    <a:p>
+                      <a:pPr algn="ctr"/>
+                      <a:endParaRPr lang="en-US" dirty="0"/>
+                    </a:p>
+                  </a:txBody>
+                  <a:tcPr anchor="ctr"/>
+                </a:tc>
+                <a:tc>
+                  <a:txBody>
+                    <a:bodyPr/>
+                    <a:lstStyle/>
+                    <a:p>
+                      <a:pPr algn="ctr"/>
+                      <a:endParaRPr lang="en-US" dirty="0"/>
+                    </a:p>
+                  </a:txBody>
+                  <a:tcPr anchor="ctr"/>
+                </a:tc>
+                <a:tc>
+                  <a:txBody>
+                    <a:bodyPr/>
+                    <a:lstStyle/>
+                    <a:p>
+                      <a:pPr algn="ctr"/>
+                      <a:endParaRPr lang="en-US" dirty="0"/>
+                    </a:p>
+                  </a:txBody>
+                  <a:tcPr anchor="ctr"/>
+                </a:tc>
+                <a:tc>
+                  <a:txBody>
+                    <a:bodyPr/>
+                    <a:lstStyle/>
+                    <a:p>
+                      <a:pPr algn="ctr"/>
+                      <a:endParaRPr lang="en-US" dirty="0"/>
+                    </a:p>
+                  </a:txBody>
+                  <a:tcPr anchor="ctr"/>
+                </a:tc>
+                <a:tc>
+                  <a:txBody>
+                    <a:bodyPr/>
+                    <a:lstStyle/>
+                    <a:p>
+                      <a:pPr algn="ctr"/>
+                      <a:endParaRPr lang="en-US" dirty="0"/>
+                    </a:p>
+                  </a:txBody>
+                  <a:tcPr anchor="ctr"/>
+                </a:tc>
+                <a:tc>
+                  <a:txBody>
+                    <a:bodyPr/>
+                    <a:lstStyle/>
+                    <a:p>
+                      <a:pPr algn="ctr"/>
+                      <a:endParaRPr lang="en-US" dirty="0"/>
+                    </a:p>
+                  </a:txBody>
+                  <a:tcPr anchor="ctr"/>
+                </a:tc>
+                <a:extLst>
+                  <a:ext uri="{0D108BD9-81ED-4DB2-BD59-A6C34878D82A}">
+                    <a16:rowId xmlns:a16="http://schemas.microsoft.com/office/drawing/2014/main" val="1449166203"/>
+                  </a:ext>
+                </a:extLst>
+              </a:tr>
+              <a:tr h="887174">
+                <a:tc>
+                  <a:txBody>
+                    <a:bodyPr/>
+                    <a:lstStyle/>
+                    <a:p>
+                      <a:pPr algn="ctr"/>
+                      <a:r>
+                        <a:rPr lang="en-US" dirty="0"/>
+                        <a:t>resnet50_precision</a:t>
+                      </a:r>
+                    </a:p>
+                  </a:txBody>
+                  <a:tcPr anchor="ctr"/>
+                </a:tc>
+                <a:tc>
+                  <a:txBody>
+                    <a:bodyPr/>
+                    <a:lstStyle/>
+                    <a:p>
+                      <a:pPr algn="ctr"/>
+                      <a:endParaRPr lang="en-US" dirty="0"/>
+                    </a:p>
+                  </a:txBody>
+                  <a:tcPr anchor="ctr"/>
+                </a:tc>
+                <a:tc>
+                  <a:txBody>
+                    <a:bodyPr/>
+                    <a:lstStyle/>
+                    <a:p>
+                      <a:pPr algn="ctr"/>
+                      <a:endParaRPr lang="en-US" dirty="0"/>
+                    </a:p>
+                  </a:txBody>
+                  <a:tcPr anchor="ctr"/>
+                </a:tc>
+                <a:tc>
+                  <a:txBody>
+                    <a:bodyPr/>
+                    <a:lstStyle/>
+                    <a:p>
+                      <a:pPr algn="ctr"/>
+                      <a:endParaRPr lang="en-US" dirty="0"/>
+                    </a:p>
+                  </a:txBody>
+                  <a:tcPr anchor="ctr"/>
+                </a:tc>
+                <a:tc>
+                  <a:txBody>
+                    <a:bodyPr/>
+                    <a:lstStyle/>
+                    <a:p>
+                      <a:pPr algn="ctr"/>
+                      <a:endParaRPr lang="en-US" dirty="0"/>
+                    </a:p>
+                  </a:txBody>
+                  <a:tcPr anchor="ctr"/>
+                </a:tc>
+                <a:tc>
+                  <a:txBody>
+                    <a:bodyPr/>
+                    <a:lstStyle/>
+                    <a:p>
+                      <a:pPr algn="ctr"/>
+                      <a:endParaRPr lang="en-US" dirty="0"/>
+                    </a:p>
+                  </a:txBody>
+                  <a:tcPr anchor="ctr"/>
+                </a:tc>
+                <a:tc>
+                  <a:txBody>
+                    <a:bodyPr/>
+                    <a:lstStyle/>
+                    <a:p>
+                      <a:pPr algn="ctr"/>
+                      <a:endParaRPr lang="en-US" dirty="0"/>
+                    </a:p>
+                  </a:txBody>
+                  <a:tcPr anchor="ctr"/>
+                </a:tc>
+                <a:extLst>
+                  <a:ext uri="{0D108BD9-81ED-4DB2-BD59-A6C34878D82A}">
+                    <a16:rowId xmlns:a16="http://schemas.microsoft.com/office/drawing/2014/main" val="4164655960"/>
+                  </a:ext>
+                </a:extLst>
+              </a:tr>
+              <a:tr h="887174">
+                <a:tc>
+                  <a:txBody>
+                    <a:bodyPr/>
+                    <a:lstStyle/>
+                    <a:p>
+                      <a:pPr algn="ctr"/>
+                      <a:r>
+                        <a:rPr lang="en-US" dirty="0"/>
+                        <a:t>resnet50_recall</a:t>
+                      </a:r>
+                      <a:endParaRPr lang="en-US" dirty="0">
+                        <a:solidFill>
+                          <a:srgbClr val="FF0000"/>
+                        </a:solidFill>
+                      </a:endParaRPr>
+                    </a:p>
+                  </a:txBody>
+                  <a:tcPr anchor="ctr"/>
+                </a:tc>
+                <a:tc>
+                  <a:txBody>
+                    <a:bodyPr/>
+                    <a:lstStyle/>
+                    <a:p>
+                      <a:pPr algn="ctr"/>
+                      <a:endParaRPr lang="en-US" dirty="0">
+                        <a:solidFill>
+                          <a:srgbClr val="FF0000"/>
+                        </a:solidFill>
+                      </a:endParaRPr>
+                    </a:p>
+                  </a:txBody>
+                  <a:tcPr anchor="ctr"/>
+                </a:tc>
+                <a:tc>
+                  <a:txBody>
+                    <a:bodyPr/>
+                    <a:lstStyle/>
+                    <a:p>
+                      <a:pPr algn="ctr"/>
+                      <a:endParaRPr lang="en-US" dirty="0">
+                        <a:solidFill>
+                          <a:srgbClr val="FF0000"/>
+                        </a:solidFill>
+                      </a:endParaRPr>
+                    </a:p>
+                  </a:txBody>
+                  <a:tcPr anchor="ctr"/>
+                </a:tc>
+                <a:tc>
+                  <a:txBody>
+                    <a:bodyPr/>
+                    <a:lstStyle/>
+                    <a:p>
+                      <a:pPr algn="ctr"/>
+                      <a:endParaRPr lang="en-US" dirty="0">
+                        <a:solidFill>
+                          <a:srgbClr val="FF0000"/>
+                        </a:solidFill>
+                      </a:endParaRPr>
+                    </a:p>
+                  </a:txBody>
+                  <a:tcPr anchor="ctr"/>
+                </a:tc>
+                <a:tc>
+                  <a:txBody>
+                    <a:bodyPr/>
+                    <a:lstStyle/>
+                    <a:p>
+                      <a:pPr algn="ctr"/>
+                      <a:endParaRPr lang="en-US" dirty="0">
+                        <a:solidFill>
+                          <a:srgbClr val="FF0000"/>
+                        </a:solidFill>
+                      </a:endParaRPr>
+                    </a:p>
+                  </a:txBody>
+                  <a:tcPr anchor="ctr"/>
+                </a:tc>
+                <a:tc>
+                  <a:txBody>
+                    <a:bodyPr/>
+                    <a:lstStyle/>
+                    <a:p>
+                      <a:pPr algn="ctr"/>
+                      <a:endParaRPr lang="en-US" dirty="0">
+                        <a:solidFill>
+                          <a:srgbClr val="FF0000"/>
+                        </a:solidFill>
+                      </a:endParaRPr>
+                    </a:p>
+                  </a:txBody>
+                  <a:tcPr anchor="ctr"/>
+                </a:tc>
+                <a:tc>
+                  <a:txBody>
+                    <a:bodyPr/>
+                    <a:lstStyle/>
+                    <a:p>
+                      <a:pPr algn="ctr"/>
+                      <a:endParaRPr lang="en-US" dirty="0">
+                        <a:solidFill>
+                          <a:srgbClr val="FF0000"/>
+                        </a:solidFill>
+                      </a:endParaRPr>
+                    </a:p>
+                  </a:txBody>
+                  <a:tcPr anchor="ctr"/>
+                </a:tc>
+                <a:extLst>
+                  <a:ext uri="{0D108BD9-81ED-4DB2-BD59-A6C34878D82A}">
+                    <a16:rowId xmlns:a16="http://schemas.microsoft.com/office/drawing/2014/main" val="2775775737"/>
+                  </a:ext>
+                </a:extLst>
+              </a:tr>
+              <a:tr h="887174">
+                <a:tc>
+                  <a:txBody>
+                    <a:bodyPr/>
+                    <a:lstStyle/>
+                    <a:p>
+                      <a:pPr algn="ctr"/>
+                      <a:r>
+                        <a:rPr lang="en-US" dirty="0"/>
+                        <a:t>resnet50_F1</a:t>
+                      </a:r>
+                    </a:p>
+                  </a:txBody>
+                  <a:tcPr anchor="ctr"/>
+                </a:tc>
+                <a:tc>
+                  <a:txBody>
+                    <a:bodyPr/>
+                    <a:lstStyle/>
+                    <a:p>
+                      <a:pPr algn="ctr"/>
+                      <a:endParaRPr lang="en-US" dirty="0"/>
+                    </a:p>
+                  </a:txBody>
+                  <a:tcPr anchor="ctr"/>
+                </a:tc>
+                <a:tc>
+                  <a:txBody>
+                    <a:bodyPr/>
+                    <a:lstStyle/>
+                    <a:p>
+                      <a:pPr algn="ctr"/>
+                      <a:endParaRPr lang="en-US" dirty="0"/>
+                    </a:p>
+                  </a:txBody>
+                  <a:tcPr anchor="ctr"/>
+                </a:tc>
+                <a:tc>
+                  <a:txBody>
+                    <a:bodyPr/>
+                    <a:lstStyle/>
+                    <a:p>
+                      <a:pPr algn="ctr"/>
+                      <a:endParaRPr lang="en-US" dirty="0"/>
+                    </a:p>
+                  </a:txBody>
+                  <a:tcPr anchor="ctr"/>
+                </a:tc>
+                <a:tc>
+                  <a:txBody>
+                    <a:bodyPr/>
+                    <a:lstStyle/>
+                    <a:p>
+                      <a:pPr algn="ctr"/>
+                      <a:endParaRPr lang="en-US" dirty="0"/>
+                    </a:p>
+                  </a:txBody>
+                  <a:tcPr anchor="ctr"/>
+                </a:tc>
+                <a:tc>
+                  <a:txBody>
+                    <a:bodyPr/>
+                    <a:lstStyle/>
+                    <a:p>
+                      <a:pPr algn="ctr"/>
+                      <a:endParaRPr lang="en-US" dirty="0"/>
+                    </a:p>
+                  </a:txBody>
+                  <a:tcPr anchor="ctr"/>
+                </a:tc>
+                <a:tc>
+                  <a:txBody>
+                    <a:bodyPr/>
+                    <a:lstStyle/>
+                    <a:p>
+                      <a:pPr algn="ctr"/>
+                      <a:endParaRPr lang="en-US" dirty="0"/>
+                    </a:p>
+                  </a:txBody>
+                  <a:tcPr anchor="ctr"/>
+                </a:tc>
+                <a:extLst>
+                  <a:ext uri="{0D108BD9-81ED-4DB2-BD59-A6C34878D82A}">
+                    <a16:rowId xmlns:a16="http://schemas.microsoft.com/office/drawing/2014/main" val="618446083"/>
+                  </a:ext>
+                </a:extLst>
+              </a:tr>
+              <a:tr h="887174">
+                <a:tc>
+                  <a:txBody>
+                    <a:bodyPr/>
+                    <a:lstStyle/>
+                    <a:p>
+                      <a:pPr marL="0" marR="0" lvl="0" indent="0" algn="ctr" defTabSz="914400" rtl="0" eaLnBrk="1" fontAlgn="auto" latinLnBrk="0" hangingPunct="1">
+                        <a:lnSpc>
+                          <a:spcPct val="100000"/>
+                        </a:lnSpc>
+                        <a:spcBef>
+                          <a:spcPts val="0"/>
+                        </a:spcBef>
+                        <a:spcAft>
+                          <a:spcPts val="0"/>
+                        </a:spcAft>
+                        <a:buClrTx/>
+                        <a:buSzTx/>
+                        <a:buFontTx/>
+                        <a:buNone/>
+                        <a:tabLst/>
+                        <a:defRPr/>
+                      </a:pPr>
+                      <a:r>
+                        <a:rPr lang="en-US" dirty="0"/>
+                        <a:t>resnet50_loss</a:t>
+                      </a:r>
+                    </a:p>
+                    <a:p>
+                      <a:pPr algn="ctr"/>
+                      <a:endParaRPr lang="en-US" dirty="0"/>
+                    </a:p>
+                  </a:txBody>
+                  <a:tcPr anchor="ctr"/>
+                </a:tc>
+                <a:tc>
+                  <a:txBody>
+                    <a:bodyPr/>
+                    <a:lstStyle/>
+                    <a:p>
+                      <a:pPr algn="ctr"/>
+                      <a:endParaRPr lang="en-US" dirty="0"/>
+                    </a:p>
+                  </a:txBody>
+                  <a:tcPr anchor="ctr"/>
+                </a:tc>
+                <a:tc>
+                  <a:txBody>
+                    <a:bodyPr/>
+                    <a:lstStyle/>
+                    <a:p>
+                      <a:pPr algn="ctr"/>
+                      <a:endParaRPr lang="en-US" dirty="0"/>
+                    </a:p>
+                  </a:txBody>
+                  <a:tcPr anchor="ctr"/>
+                </a:tc>
+                <a:tc>
+                  <a:txBody>
+                    <a:bodyPr/>
+                    <a:lstStyle/>
+                    <a:p>
+                      <a:pPr algn="ctr"/>
+                      <a:endParaRPr lang="en-US" dirty="0"/>
+                    </a:p>
+                  </a:txBody>
+                  <a:tcPr anchor="ctr"/>
+                </a:tc>
+                <a:tc>
+                  <a:txBody>
+                    <a:bodyPr/>
+                    <a:lstStyle/>
+                    <a:p>
+                      <a:pPr algn="ctr"/>
+                      <a:endParaRPr lang="en-US" dirty="0"/>
+                    </a:p>
+                  </a:txBody>
+                  <a:tcPr anchor="ctr"/>
+                </a:tc>
+                <a:tc>
+                  <a:txBody>
+                    <a:bodyPr/>
+                    <a:lstStyle/>
+                    <a:p>
+                      <a:pPr algn="ctr"/>
+                      <a:endParaRPr lang="en-US" dirty="0"/>
+                    </a:p>
+                  </a:txBody>
+                  <a:tcPr anchor="ctr"/>
+                </a:tc>
+                <a:tc>
+                  <a:txBody>
+                    <a:bodyPr/>
+                    <a:lstStyle/>
+                    <a:p>
+                      <a:pPr algn="ctr"/>
+                      <a:endParaRPr lang="en-US" dirty="0"/>
+                    </a:p>
+                  </a:txBody>
+                  <a:tcPr anchor="ctr"/>
+                </a:tc>
+                <a:extLst>
+                  <a:ext uri="{0D108BD9-81ED-4DB2-BD59-A6C34878D82A}">
+                    <a16:rowId xmlns:a16="http://schemas.microsoft.com/office/drawing/2014/main" val="872347479"/>
+                  </a:ext>
+                </a:extLst>
+              </a:tr>
+            </a:tbl>
+          </a:graphicData>
+        </a:graphic>
+      </p:graphicFrame>
+    </p:spTree>
+    <p:extLst>
+      <p:ext uri="{BB962C8B-B14F-4D97-AF65-F5344CB8AC3E}">
+        <p14:creationId xmlns:p14="http://schemas.microsoft.com/office/powerpoint/2010/main" val="4103545853"/>
+      </p:ext>
+    </p:extLst>
+  </p:cSld>
+  <p:clrMapOvr>
+    <a:masterClrMapping/>
+  </p:clrMapOvr>
+</p:sld>
+</file>
+
+<file path=ppt/slides/slide77.xml><?xml version="1.0" encoding="utf-8"?>
+<p:sld xmlns:a="http://schemas.openxmlformats.org/drawingml/2006/main" xmlns:r="http://schemas.openxmlformats.org/officeDocument/2006/relationships" xmlns:p="http://schemas.openxmlformats.org/presentationml/2006/main">
+  <p:cSld>
+    <p:spTree>
+      <p:nvGrpSpPr>
+        <p:cNvPr id="1" name=""/>
+        <p:cNvGrpSpPr/>
+        <p:nvPr/>
+      </p:nvGrpSpPr>
+      <p:grpSpPr>
+        <a:xfrm>
+          <a:off x="0" y="0"/>
+          <a:ext cx="0" cy="0"/>
+          <a:chOff x="0" y="0"/>
+          <a:chExt cx="0" cy="0"/>
+        </a:xfrm>
+      </p:grpSpPr>
+      <p:graphicFrame>
+        <p:nvGraphicFramePr>
+          <p:cNvPr id="4" name="Table 3">
+            <a:extLst>
+              <a:ext uri="{FF2B5EF4-FFF2-40B4-BE49-F238E27FC236}">
+                <a16:creationId xmlns:a16="http://schemas.microsoft.com/office/drawing/2014/main" id="{F3634E9B-F616-E548-A703-16000F2DD0FF}"/>
+              </a:ext>
+            </a:extLst>
+          </p:cNvPr>
+          <p:cNvGraphicFramePr>
+            <a:graphicFrameLocks noGrp="1"/>
+          </p:cNvGraphicFramePr>
+          <p:nvPr>
+            <p:extLst>
+              <p:ext uri="{D42A27DB-BD31-4B8C-83A1-F6EECF244321}">
+                <p14:modId xmlns:p14="http://schemas.microsoft.com/office/powerpoint/2010/main" val="3280370847"/>
+              </p:ext>
+            </p:extLst>
+          </p:nvPr>
+        </p:nvGraphicFramePr>
+        <p:xfrm>
+          <a:off x="674557" y="929527"/>
+          <a:ext cx="10942820" cy="4976599"/>
+        </p:xfrm>
+        <a:graphic>
+          <a:graphicData uri="http://schemas.openxmlformats.org/drawingml/2006/table">
+            <a:tbl>
+              <a:tblPr firstRow="1" bandRow="1">
+                <a:tableStyleId>{93296810-A885-4BE3-A3E7-6D5BEEA58F35}</a:tableStyleId>
+              </a:tblPr>
+              <a:tblGrid>
+                <a:gridCol w="1563260">
+                  <a:extLst>
+                    <a:ext uri="{9D8B030D-6E8A-4147-A177-3AD203B41FA5}">
+                      <a16:colId xmlns:a16="http://schemas.microsoft.com/office/drawing/2014/main" val="2272368709"/>
+                    </a:ext>
+                  </a:extLst>
+                </a:gridCol>
+                <a:gridCol w="1563260">
+                  <a:extLst>
+                    <a:ext uri="{9D8B030D-6E8A-4147-A177-3AD203B41FA5}">
+                      <a16:colId xmlns:a16="http://schemas.microsoft.com/office/drawing/2014/main" val="2235686462"/>
+                    </a:ext>
+                  </a:extLst>
+                </a:gridCol>
+                <a:gridCol w="1563260">
+                  <a:extLst>
+                    <a:ext uri="{9D8B030D-6E8A-4147-A177-3AD203B41FA5}">
+                      <a16:colId xmlns:a16="http://schemas.microsoft.com/office/drawing/2014/main" val="1061232007"/>
+                    </a:ext>
+                  </a:extLst>
+                </a:gridCol>
+                <a:gridCol w="1563260">
+                  <a:extLst>
+                    <a:ext uri="{9D8B030D-6E8A-4147-A177-3AD203B41FA5}">
+                      <a16:colId xmlns:a16="http://schemas.microsoft.com/office/drawing/2014/main" val="464967916"/>
+                    </a:ext>
+                  </a:extLst>
+                </a:gridCol>
+                <a:gridCol w="1563260">
+                  <a:extLst>
+                    <a:ext uri="{9D8B030D-6E8A-4147-A177-3AD203B41FA5}">
+                      <a16:colId xmlns:a16="http://schemas.microsoft.com/office/drawing/2014/main" val="3929012556"/>
+                    </a:ext>
+                  </a:extLst>
+                </a:gridCol>
+                <a:gridCol w="1563260">
+                  <a:extLst>
+                    <a:ext uri="{9D8B030D-6E8A-4147-A177-3AD203B41FA5}">
+                      <a16:colId xmlns:a16="http://schemas.microsoft.com/office/drawing/2014/main" val="3303028153"/>
+                    </a:ext>
+                  </a:extLst>
+                </a:gridCol>
+                <a:gridCol w="1563260">
+                  <a:extLst>
+                    <a:ext uri="{9D8B030D-6E8A-4147-A177-3AD203B41FA5}">
+                      <a16:colId xmlns:a16="http://schemas.microsoft.com/office/drawing/2014/main" val="4108006114"/>
+                    </a:ext>
+                  </a:extLst>
+                </a:gridCol>
+              </a:tblGrid>
+              <a:tr h="523804">
+                <a:tc>
+                  <a:txBody>
+                    <a:bodyPr/>
+                    <a:lstStyle/>
+                    <a:p>
+                      <a:pPr algn="ctr"/>
+                      <a:r>
+                        <a:rPr lang="en-US" dirty="0"/>
+                        <a:t>Junction</a:t>
+                      </a:r>
+                    </a:p>
+                  </a:txBody>
+                  <a:tcPr anchor="ctr"/>
+                </a:tc>
+                <a:tc>
+                  <a:txBody>
+                    <a:bodyPr/>
+                    <a:lstStyle/>
+                    <a:p>
+                      <a:pPr algn="ctr"/>
+                      <a:r>
+                        <a:rPr lang="en-US" dirty="0"/>
+                        <a:t>Accuracy</a:t>
+                      </a:r>
+                    </a:p>
+                  </a:txBody>
+                  <a:tcPr anchor="ctr"/>
+                </a:tc>
+                <a:tc>
+                  <a:txBody>
+                    <a:bodyPr/>
+                    <a:lstStyle/>
+                    <a:p>
+                      <a:pPr algn="ctr"/>
+                      <a:r>
+                        <a:rPr lang="en-US" dirty="0"/>
+                        <a:t>precision</a:t>
+                      </a:r>
+                    </a:p>
+                  </a:txBody>
+                  <a:tcPr anchor="ctr"/>
+                </a:tc>
+                <a:tc>
+                  <a:txBody>
+                    <a:bodyPr/>
+                    <a:lstStyle/>
+                    <a:p>
+                      <a:pPr algn="ctr"/>
+                      <a:r>
+                        <a:rPr lang="en-US" dirty="0"/>
+                        <a:t>recall</a:t>
+                      </a:r>
+                    </a:p>
+                  </a:txBody>
+                  <a:tcPr anchor="ctr"/>
+                </a:tc>
+                <a:tc>
+                  <a:txBody>
+                    <a:bodyPr/>
+                    <a:lstStyle/>
+                    <a:p>
+                      <a:pPr algn="ctr"/>
+                      <a:r>
+                        <a:rPr lang="en-US" dirty="0"/>
+                        <a:t>specificity</a:t>
+                      </a:r>
+                    </a:p>
+                  </a:txBody>
+                  <a:tcPr anchor="ctr"/>
+                </a:tc>
+                <a:tc>
+                  <a:txBody>
+                    <a:bodyPr/>
+                    <a:lstStyle/>
+                    <a:p>
+                      <a:pPr algn="ctr"/>
+                      <a:r>
+                        <a:rPr lang="en-US" dirty="0"/>
+                        <a:t>F1</a:t>
+                      </a:r>
+                    </a:p>
+                  </a:txBody>
+                  <a:tcPr anchor="ctr"/>
+                </a:tc>
+                <a:tc>
+                  <a:txBody>
+                    <a:bodyPr/>
+                    <a:lstStyle/>
+                    <a:p>
+                      <a:pPr algn="ctr"/>
+                      <a:r>
+                        <a:rPr lang="en-US" dirty="0"/>
+                        <a:t>loss</a:t>
+                      </a:r>
+                    </a:p>
+                  </a:txBody>
+                  <a:tcPr anchor="ctr"/>
+                </a:tc>
+                <a:extLst>
+                  <a:ext uri="{0D108BD9-81ED-4DB2-BD59-A6C34878D82A}">
+                    <a16:rowId xmlns:a16="http://schemas.microsoft.com/office/drawing/2014/main" val="2384826745"/>
+                  </a:ext>
+                </a:extLst>
+              </a:tr>
+              <a:tr h="904099">
+                <a:tc>
+                  <a:txBody>
+                    <a:bodyPr/>
+                    <a:lstStyle/>
+                    <a:p>
+                      <a:pPr algn="ctr"/>
+                      <a:r>
+                        <a:rPr lang="en-US" dirty="0" err="1"/>
+                        <a:t>vgg_accuracy</a:t>
+                      </a:r>
+                      <a:endParaRPr lang="en-US" dirty="0"/>
+                    </a:p>
+                  </a:txBody>
+                  <a:tcPr anchor="ctr"/>
+                </a:tc>
+                <a:tc>
+                  <a:txBody>
+                    <a:bodyPr/>
+                    <a:lstStyle/>
+                    <a:p>
+                      <a:pPr algn="ctr"/>
+                      <a:endParaRPr lang="en-US" dirty="0"/>
+                    </a:p>
+                  </a:txBody>
+                  <a:tcPr anchor="ctr"/>
+                </a:tc>
+                <a:tc>
+                  <a:txBody>
+                    <a:bodyPr/>
+                    <a:lstStyle/>
+                    <a:p>
+                      <a:pPr algn="ctr"/>
+                      <a:endParaRPr lang="en-US" dirty="0"/>
+                    </a:p>
+                  </a:txBody>
+                  <a:tcPr anchor="ctr"/>
+                </a:tc>
+                <a:tc>
+                  <a:txBody>
+                    <a:bodyPr/>
+                    <a:lstStyle/>
+                    <a:p>
+                      <a:pPr algn="ctr"/>
+                      <a:endParaRPr lang="en-US" dirty="0"/>
+                    </a:p>
+                  </a:txBody>
+                  <a:tcPr anchor="ctr"/>
+                </a:tc>
+                <a:tc>
+                  <a:txBody>
+                    <a:bodyPr/>
+                    <a:lstStyle/>
+                    <a:p>
+                      <a:pPr algn="ctr"/>
+                      <a:endParaRPr lang="en-US" dirty="0"/>
+                    </a:p>
+                  </a:txBody>
+                  <a:tcPr anchor="ctr"/>
+                </a:tc>
+                <a:tc>
+                  <a:txBody>
+                    <a:bodyPr/>
+                    <a:lstStyle/>
+                    <a:p>
+                      <a:pPr algn="ctr"/>
+                      <a:endParaRPr lang="en-US" dirty="0"/>
+                    </a:p>
+                  </a:txBody>
+                  <a:tcPr anchor="ctr"/>
+                </a:tc>
+                <a:tc>
+                  <a:txBody>
+                    <a:bodyPr/>
+                    <a:lstStyle/>
+                    <a:p>
+                      <a:pPr algn="ctr"/>
+                      <a:endParaRPr lang="en-US" dirty="0"/>
+                    </a:p>
+                  </a:txBody>
+                  <a:tcPr anchor="ctr"/>
+                </a:tc>
+                <a:extLst>
+                  <a:ext uri="{0D108BD9-81ED-4DB2-BD59-A6C34878D82A}">
+                    <a16:rowId xmlns:a16="http://schemas.microsoft.com/office/drawing/2014/main" val="1449166203"/>
+                  </a:ext>
+                </a:extLst>
+              </a:tr>
+              <a:tr h="887174">
+                <a:tc>
+                  <a:txBody>
+                    <a:bodyPr/>
+                    <a:lstStyle/>
+                    <a:p>
+                      <a:pPr algn="ctr"/>
+                      <a:r>
+                        <a:rPr lang="en-US" dirty="0" err="1"/>
+                        <a:t>vgg_precision</a:t>
+                      </a:r>
+                      <a:endParaRPr lang="en-US" dirty="0"/>
+                    </a:p>
+                  </a:txBody>
+                  <a:tcPr anchor="ctr"/>
+                </a:tc>
+                <a:tc>
+                  <a:txBody>
+                    <a:bodyPr/>
+                    <a:lstStyle/>
+                    <a:p>
+                      <a:pPr algn="ctr"/>
+                      <a:endParaRPr lang="en-US" dirty="0"/>
+                    </a:p>
+                  </a:txBody>
+                  <a:tcPr anchor="ctr"/>
+                </a:tc>
+                <a:tc>
+                  <a:txBody>
+                    <a:bodyPr/>
+                    <a:lstStyle/>
+                    <a:p>
+                      <a:pPr algn="ctr"/>
+                      <a:endParaRPr lang="en-US" dirty="0"/>
+                    </a:p>
+                  </a:txBody>
+                  <a:tcPr anchor="ctr"/>
+                </a:tc>
+                <a:tc>
+                  <a:txBody>
+                    <a:bodyPr/>
+                    <a:lstStyle/>
+                    <a:p>
+                      <a:pPr algn="ctr"/>
+                      <a:endParaRPr lang="en-US" dirty="0"/>
+                    </a:p>
+                  </a:txBody>
+                  <a:tcPr anchor="ctr"/>
+                </a:tc>
+                <a:tc>
+                  <a:txBody>
+                    <a:bodyPr/>
+                    <a:lstStyle/>
+                    <a:p>
+                      <a:pPr algn="ctr"/>
+                      <a:endParaRPr lang="en-US" dirty="0"/>
+                    </a:p>
+                  </a:txBody>
+                  <a:tcPr anchor="ctr"/>
+                </a:tc>
+                <a:tc>
+                  <a:txBody>
+                    <a:bodyPr/>
+                    <a:lstStyle/>
+                    <a:p>
+                      <a:pPr algn="ctr"/>
+                      <a:endParaRPr lang="en-US" dirty="0"/>
+                    </a:p>
+                  </a:txBody>
+                  <a:tcPr anchor="ctr"/>
+                </a:tc>
+                <a:tc>
+                  <a:txBody>
+                    <a:bodyPr/>
+                    <a:lstStyle/>
+                    <a:p>
+                      <a:pPr algn="ctr"/>
+                      <a:endParaRPr lang="en-US" dirty="0"/>
+                    </a:p>
+                  </a:txBody>
+                  <a:tcPr anchor="ctr"/>
+                </a:tc>
+                <a:extLst>
+                  <a:ext uri="{0D108BD9-81ED-4DB2-BD59-A6C34878D82A}">
+                    <a16:rowId xmlns:a16="http://schemas.microsoft.com/office/drawing/2014/main" val="4164655960"/>
+                  </a:ext>
+                </a:extLst>
+              </a:tr>
+              <a:tr h="887174">
+                <a:tc>
+                  <a:txBody>
+                    <a:bodyPr/>
+                    <a:lstStyle/>
+                    <a:p>
+                      <a:pPr algn="ctr"/>
+                      <a:r>
+                        <a:rPr lang="en-US" dirty="0" err="1"/>
+                        <a:t>vgg_recall</a:t>
+                      </a:r>
+                      <a:endParaRPr lang="en-US" dirty="0">
+                        <a:solidFill>
+                          <a:srgbClr val="FF0000"/>
+                        </a:solidFill>
+                      </a:endParaRPr>
+                    </a:p>
+                  </a:txBody>
+                  <a:tcPr anchor="ctr"/>
+                </a:tc>
+                <a:tc>
+                  <a:txBody>
+                    <a:bodyPr/>
+                    <a:lstStyle/>
+                    <a:p>
+                      <a:pPr algn="ctr"/>
+                      <a:endParaRPr lang="en-US" dirty="0">
+                        <a:solidFill>
+                          <a:srgbClr val="FF0000"/>
+                        </a:solidFill>
+                      </a:endParaRPr>
+                    </a:p>
+                  </a:txBody>
+                  <a:tcPr anchor="ctr"/>
+                </a:tc>
+                <a:tc>
+                  <a:txBody>
+                    <a:bodyPr/>
+                    <a:lstStyle/>
+                    <a:p>
+                      <a:pPr algn="ctr"/>
+                      <a:endParaRPr lang="en-US" dirty="0">
+                        <a:solidFill>
+                          <a:srgbClr val="FF0000"/>
+                        </a:solidFill>
+                      </a:endParaRPr>
+                    </a:p>
+                  </a:txBody>
+                  <a:tcPr anchor="ctr"/>
+                </a:tc>
+                <a:tc>
+                  <a:txBody>
+                    <a:bodyPr/>
+                    <a:lstStyle/>
+                    <a:p>
+                      <a:pPr algn="ctr"/>
+                      <a:endParaRPr lang="en-US" dirty="0">
+                        <a:solidFill>
+                          <a:srgbClr val="FF0000"/>
+                        </a:solidFill>
+                      </a:endParaRPr>
+                    </a:p>
+                  </a:txBody>
+                  <a:tcPr anchor="ctr"/>
+                </a:tc>
+                <a:tc>
+                  <a:txBody>
+                    <a:bodyPr/>
+                    <a:lstStyle/>
+                    <a:p>
+                      <a:pPr algn="ctr"/>
+                      <a:endParaRPr lang="en-US" dirty="0">
+                        <a:solidFill>
+                          <a:srgbClr val="FF0000"/>
+                        </a:solidFill>
+                      </a:endParaRPr>
+                    </a:p>
+                  </a:txBody>
+                  <a:tcPr anchor="ctr"/>
+                </a:tc>
+                <a:tc>
+                  <a:txBody>
+                    <a:bodyPr/>
+                    <a:lstStyle/>
+                    <a:p>
+                      <a:pPr algn="ctr"/>
+                      <a:endParaRPr lang="en-US" dirty="0">
+                        <a:solidFill>
+                          <a:srgbClr val="FF0000"/>
+                        </a:solidFill>
+                      </a:endParaRPr>
+                    </a:p>
+                  </a:txBody>
+                  <a:tcPr anchor="ctr"/>
+                </a:tc>
+                <a:tc>
+                  <a:txBody>
+                    <a:bodyPr/>
+                    <a:lstStyle/>
+                    <a:p>
+                      <a:pPr algn="ctr"/>
+                      <a:endParaRPr lang="en-US" dirty="0">
+                        <a:solidFill>
+                          <a:srgbClr val="FF0000"/>
+                        </a:solidFill>
+                      </a:endParaRPr>
+                    </a:p>
+                  </a:txBody>
+                  <a:tcPr anchor="ctr"/>
+                </a:tc>
+                <a:extLst>
+                  <a:ext uri="{0D108BD9-81ED-4DB2-BD59-A6C34878D82A}">
+                    <a16:rowId xmlns:a16="http://schemas.microsoft.com/office/drawing/2014/main" val="2775775737"/>
+                  </a:ext>
+                </a:extLst>
+              </a:tr>
+              <a:tr h="887174">
+                <a:tc>
+                  <a:txBody>
+                    <a:bodyPr/>
+                    <a:lstStyle/>
+                    <a:p>
+                      <a:pPr algn="ctr"/>
+                      <a:r>
+                        <a:rPr lang="en-US" dirty="0"/>
+                        <a:t>vgg_F1</a:t>
+                      </a:r>
+                    </a:p>
+                  </a:txBody>
+                  <a:tcPr anchor="ctr"/>
+                </a:tc>
+                <a:tc>
+                  <a:txBody>
+                    <a:bodyPr/>
+                    <a:lstStyle/>
+                    <a:p>
+                      <a:pPr algn="ctr"/>
+                      <a:endParaRPr lang="en-US" dirty="0"/>
+                    </a:p>
+                  </a:txBody>
+                  <a:tcPr anchor="ctr"/>
+                </a:tc>
+                <a:tc>
+                  <a:txBody>
+                    <a:bodyPr/>
+                    <a:lstStyle/>
+                    <a:p>
+                      <a:pPr algn="ctr"/>
+                      <a:endParaRPr lang="en-US" dirty="0"/>
+                    </a:p>
+                  </a:txBody>
+                  <a:tcPr anchor="ctr"/>
+                </a:tc>
+                <a:tc>
+                  <a:txBody>
+                    <a:bodyPr/>
+                    <a:lstStyle/>
+                    <a:p>
+                      <a:pPr algn="ctr"/>
+                      <a:endParaRPr lang="en-US" dirty="0"/>
+                    </a:p>
+                  </a:txBody>
+                  <a:tcPr anchor="ctr"/>
+                </a:tc>
+                <a:tc>
+                  <a:txBody>
+                    <a:bodyPr/>
+                    <a:lstStyle/>
+                    <a:p>
+                      <a:pPr algn="ctr"/>
+                      <a:endParaRPr lang="en-US" dirty="0"/>
+                    </a:p>
+                  </a:txBody>
+                  <a:tcPr anchor="ctr"/>
+                </a:tc>
+                <a:tc>
+                  <a:txBody>
+                    <a:bodyPr/>
+                    <a:lstStyle/>
+                    <a:p>
+                      <a:pPr algn="ctr"/>
+                      <a:endParaRPr lang="en-US" dirty="0"/>
+                    </a:p>
+                  </a:txBody>
+                  <a:tcPr anchor="ctr"/>
+                </a:tc>
+                <a:tc>
+                  <a:txBody>
+                    <a:bodyPr/>
+                    <a:lstStyle/>
+                    <a:p>
+                      <a:pPr algn="ctr"/>
+                      <a:endParaRPr lang="en-US" dirty="0"/>
+                    </a:p>
+                  </a:txBody>
+                  <a:tcPr anchor="ctr"/>
+                </a:tc>
+                <a:extLst>
+                  <a:ext uri="{0D108BD9-81ED-4DB2-BD59-A6C34878D82A}">
+                    <a16:rowId xmlns:a16="http://schemas.microsoft.com/office/drawing/2014/main" val="618446083"/>
+                  </a:ext>
+                </a:extLst>
+              </a:tr>
+              <a:tr h="887174">
+                <a:tc>
+                  <a:txBody>
+                    <a:bodyPr/>
+                    <a:lstStyle/>
+                    <a:p>
+                      <a:pPr marL="0" marR="0" lvl="0" indent="0" algn="ctr" defTabSz="914400" rtl="0" eaLnBrk="1" fontAlgn="auto" latinLnBrk="0" hangingPunct="1">
+                        <a:lnSpc>
+                          <a:spcPct val="100000"/>
+                        </a:lnSpc>
+                        <a:spcBef>
+                          <a:spcPts val="0"/>
+                        </a:spcBef>
+                        <a:spcAft>
+                          <a:spcPts val="0"/>
+                        </a:spcAft>
+                        <a:buClrTx/>
+                        <a:buSzTx/>
+                        <a:buFontTx/>
+                        <a:buNone/>
+                        <a:tabLst/>
+                        <a:defRPr/>
+                      </a:pPr>
+                      <a:r>
+                        <a:rPr lang="en-US" dirty="0" err="1"/>
+                        <a:t>vgg_loss</a:t>
+                      </a:r>
+                      <a:endParaRPr lang="en-US" dirty="0"/>
+                    </a:p>
+                    <a:p>
+                      <a:pPr algn="ctr"/>
+                      <a:endParaRPr lang="en-US" dirty="0"/>
+                    </a:p>
+                  </a:txBody>
+                  <a:tcPr anchor="ctr"/>
+                </a:tc>
+                <a:tc>
+                  <a:txBody>
+                    <a:bodyPr/>
+                    <a:lstStyle/>
+                    <a:p>
+                      <a:pPr algn="ctr"/>
+                      <a:endParaRPr lang="en-US" dirty="0"/>
+                    </a:p>
+                  </a:txBody>
+                  <a:tcPr anchor="ctr"/>
+                </a:tc>
+                <a:tc>
+                  <a:txBody>
+                    <a:bodyPr/>
+                    <a:lstStyle/>
+                    <a:p>
+                      <a:pPr algn="ctr"/>
+                      <a:endParaRPr lang="en-US" dirty="0"/>
+                    </a:p>
+                  </a:txBody>
+                  <a:tcPr anchor="ctr"/>
+                </a:tc>
+                <a:tc>
+                  <a:txBody>
+                    <a:bodyPr/>
+                    <a:lstStyle/>
+                    <a:p>
+                      <a:pPr algn="ctr"/>
+                      <a:endParaRPr lang="en-US" dirty="0"/>
+                    </a:p>
+                  </a:txBody>
+                  <a:tcPr anchor="ctr"/>
+                </a:tc>
+                <a:tc>
+                  <a:txBody>
+                    <a:bodyPr/>
+                    <a:lstStyle/>
+                    <a:p>
+                      <a:pPr algn="ctr"/>
+                      <a:endParaRPr lang="en-US" dirty="0"/>
+                    </a:p>
+                  </a:txBody>
+                  <a:tcPr anchor="ctr"/>
+                </a:tc>
+                <a:tc>
+                  <a:txBody>
+                    <a:bodyPr/>
+                    <a:lstStyle/>
+                    <a:p>
+                      <a:pPr algn="ctr"/>
+                      <a:endParaRPr lang="en-US" dirty="0"/>
+                    </a:p>
+                  </a:txBody>
+                  <a:tcPr anchor="ctr"/>
+                </a:tc>
+                <a:tc>
+                  <a:txBody>
+                    <a:bodyPr/>
+                    <a:lstStyle/>
+                    <a:p>
+                      <a:pPr algn="ctr"/>
+                      <a:endParaRPr lang="en-US" dirty="0"/>
+                    </a:p>
+                  </a:txBody>
+                  <a:tcPr anchor="ctr"/>
+                </a:tc>
+                <a:extLst>
+                  <a:ext uri="{0D108BD9-81ED-4DB2-BD59-A6C34878D82A}">
+                    <a16:rowId xmlns:a16="http://schemas.microsoft.com/office/drawing/2014/main" val="872347479"/>
+                  </a:ext>
+                </a:extLst>
+              </a:tr>
+            </a:tbl>
+          </a:graphicData>
+        </a:graphic>
+      </p:graphicFrame>
+    </p:spTree>
+    <p:extLst>
+      <p:ext uri="{BB962C8B-B14F-4D97-AF65-F5344CB8AC3E}">
+        <p14:creationId xmlns:p14="http://schemas.microsoft.com/office/powerpoint/2010/main" val="1793990162"/>
+      </p:ext>
+    </p:extLst>
+  </p:cSld>
+  <p:clrMapOvr>
+    <a:masterClrMapping/>
+  </p:clrMapOvr>
+</p:sld>
+</file>
+
+<file path=ppt/slides/slide78.xml><?xml version="1.0" encoding="utf-8"?>
+<p:sld xmlns:a="http://schemas.openxmlformats.org/drawingml/2006/main" xmlns:r="http://schemas.openxmlformats.org/officeDocument/2006/relationships" xmlns:p="http://schemas.openxmlformats.org/presentationml/2006/main">
+  <p:cSld>
+    <p:spTree>
+      <p:nvGrpSpPr>
+        <p:cNvPr id="1" name=""/>
+        <p:cNvGrpSpPr/>
+        <p:nvPr/>
+      </p:nvGrpSpPr>
+      <p:grpSpPr>
+        <a:xfrm>
+          <a:off x="0" y="0"/>
+          <a:ext cx="0" cy="0"/>
+          <a:chOff x="0" y="0"/>
+          <a:chExt cx="0" cy="0"/>
+        </a:xfrm>
+      </p:grpSpPr>
+      <p:graphicFrame>
+        <p:nvGraphicFramePr>
+          <p:cNvPr id="4" name="Table 3">
+            <a:extLst>
+              <a:ext uri="{FF2B5EF4-FFF2-40B4-BE49-F238E27FC236}">
+                <a16:creationId xmlns:a16="http://schemas.microsoft.com/office/drawing/2014/main" id="{F3634E9B-F616-E548-A703-16000F2DD0FF}"/>
+              </a:ext>
+            </a:extLst>
+          </p:cNvPr>
+          <p:cNvGraphicFramePr>
+            <a:graphicFrameLocks noGrp="1"/>
+          </p:cNvGraphicFramePr>
+          <p:nvPr>
+            <p:extLst>
+              <p:ext uri="{D42A27DB-BD31-4B8C-83A1-F6EECF244321}">
+                <p14:modId xmlns:p14="http://schemas.microsoft.com/office/powerpoint/2010/main" val="402224737"/>
+              </p:ext>
+            </p:extLst>
+          </p:nvPr>
+        </p:nvGraphicFramePr>
+        <p:xfrm>
+          <a:off x="674557" y="929527"/>
+          <a:ext cx="10942820" cy="5003825"/>
+        </p:xfrm>
+        <a:graphic>
+          <a:graphicData uri="http://schemas.openxmlformats.org/drawingml/2006/table">
+            <a:tbl>
+              <a:tblPr firstRow="1" bandRow="1">
+                <a:tableStyleId>{073A0DAA-6AF3-43AB-8588-CEC1D06C72B9}</a:tableStyleId>
+              </a:tblPr>
+              <a:tblGrid>
+                <a:gridCol w="1563260">
+                  <a:extLst>
+                    <a:ext uri="{9D8B030D-6E8A-4147-A177-3AD203B41FA5}">
+                      <a16:colId xmlns:a16="http://schemas.microsoft.com/office/drawing/2014/main" val="2272368709"/>
+                    </a:ext>
+                  </a:extLst>
+                </a:gridCol>
+                <a:gridCol w="1563260">
+                  <a:extLst>
+                    <a:ext uri="{9D8B030D-6E8A-4147-A177-3AD203B41FA5}">
+                      <a16:colId xmlns:a16="http://schemas.microsoft.com/office/drawing/2014/main" val="2235686462"/>
+                    </a:ext>
+                  </a:extLst>
+                </a:gridCol>
+                <a:gridCol w="1563260">
+                  <a:extLst>
+                    <a:ext uri="{9D8B030D-6E8A-4147-A177-3AD203B41FA5}">
+                      <a16:colId xmlns:a16="http://schemas.microsoft.com/office/drawing/2014/main" val="1061232007"/>
+                    </a:ext>
+                  </a:extLst>
+                </a:gridCol>
+                <a:gridCol w="1563260">
+                  <a:extLst>
+                    <a:ext uri="{9D8B030D-6E8A-4147-A177-3AD203B41FA5}">
+                      <a16:colId xmlns:a16="http://schemas.microsoft.com/office/drawing/2014/main" val="464967916"/>
+                    </a:ext>
+                  </a:extLst>
+                </a:gridCol>
+                <a:gridCol w="1563260">
+                  <a:extLst>
+                    <a:ext uri="{9D8B030D-6E8A-4147-A177-3AD203B41FA5}">
+                      <a16:colId xmlns:a16="http://schemas.microsoft.com/office/drawing/2014/main" val="3929012556"/>
+                    </a:ext>
+                  </a:extLst>
+                </a:gridCol>
+                <a:gridCol w="1563260">
+                  <a:extLst>
+                    <a:ext uri="{9D8B030D-6E8A-4147-A177-3AD203B41FA5}">
+                      <a16:colId xmlns:a16="http://schemas.microsoft.com/office/drawing/2014/main" val="3303028153"/>
+                    </a:ext>
+                  </a:extLst>
+                </a:gridCol>
+                <a:gridCol w="1563260">
+                  <a:extLst>
+                    <a:ext uri="{9D8B030D-6E8A-4147-A177-3AD203B41FA5}">
+                      <a16:colId xmlns:a16="http://schemas.microsoft.com/office/drawing/2014/main" val="4108006114"/>
+                    </a:ext>
+                  </a:extLst>
+                </a:gridCol>
+              </a:tblGrid>
+              <a:tr h="523804">
+                <a:tc>
+                  <a:txBody>
+                    <a:bodyPr/>
+                    <a:lstStyle/>
+                    <a:p>
+                      <a:pPr algn="ctr"/>
+                      <a:r>
+                        <a:rPr lang="en-US" dirty="0"/>
+                        <a:t>Junction</a:t>
+                      </a:r>
+                    </a:p>
+                  </a:txBody>
+                  <a:tcPr anchor="ctr"/>
+                </a:tc>
+                <a:tc>
+                  <a:txBody>
+                    <a:bodyPr/>
+                    <a:lstStyle/>
+                    <a:p>
+                      <a:pPr algn="ctr"/>
+                      <a:r>
+                        <a:rPr lang="en-US" dirty="0"/>
+                        <a:t>Accuracy</a:t>
+                      </a:r>
+                    </a:p>
+                  </a:txBody>
+                  <a:tcPr anchor="ctr"/>
+                </a:tc>
+                <a:tc>
+                  <a:txBody>
+                    <a:bodyPr/>
+                    <a:lstStyle/>
+                    <a:p>
+                      <a:pPr algn="ctr"/>
+                      <a:r>
+                        <a:rPr lang="en-US" dirty="0"/>
+                        <a:t>precision</a:t>
+                      </a:r>
+                    </a:p>
+                  </a:txBody>
+                  <a:tcPr anchor="ctr"/>
+                </a:tc>
+                <a:tc>
+                  <a:txBody>
+                    <a:bodyPr/>
+                    <a:lstStyle/>
+                    <a:p>
+                      <a:pPr algn="ctr"/>
+                      <a:r>
+                        <a:rPr lang="en-US" dirty="0"/>
+                        <a:t>recall</a:t>
+                      </a:r>
+                    </a:p>
+                  </a:txBody>
+                  <a:tcPr anchor="ctr"/>
+                </a:tc>
+                <a:tc>
+                  <a:txBody>
+                    <a:bodyPr/>
+                    <a:lstStyle/>
+                    <a:p>
+                      <a:pPr algn="ctr"/>
+                      <a:r>
+                        <a:rPr lang="en-US" dirty="0"/>
+                        <a:t>specificity</a:t>
+                      </a:r>
+                    </a:p>
+                  </a:txBody>
+                  <a:tcPr anchor="ctr"/>
+                </a:tc>
+                <a:tc>
+                  <a:txBody>
+                    <a:bodyPr/>
+                    <a:lstStyle/>
+                    <a:p>
+                      <a:pPr algn="ctr"/>
+                      <a:r>
+                        <a:rPr lang="en-US" dirty="0"/>
+                        <a:t>F1</a:t>
+                      </a:r>
+                    </a:p>
+                  </a:txBody>
+                  <a:tcPr anchor="ctr"/>
+                </a:tc>
+                <a:tc>
+                  <a:txBody>
+                    <a:bodyPr/>
+                    <a:lstStyle/>
+                    <a:p>
+                      <a:pPr algn="ctr"/>
+                      <a:r>
+                        <a:rPr lang="en-US" dirty="0"/>
+                        <a:t>loss</a:t>
+                      </a:r>
+                    </a:p>
+                  </a:txBody>
+                  <a:tcPr anchor="ctr"/>
+                </a:tc>
+                <a:extLst>
+                  <a:ext uri="{0D108BD9-81ED-4DB2-BD59-A6C34878D82A}">
+                    <a16:rowId xmlns:a16="http://schemas.microsoft.com/office/drawing/2014/main" val="2384826745"/>
+                  </a:ext>
+                </a:extLst>
+              </a:tr>
+              <a:tr h="904099">
+                <a:tc>
+                  <a:txBody>
+                    <a:bodyPr/>
+                    <a:lstStyle/>
+                    <a:p>
+                      <a:pPr algn="ctr"/>
+                      <a:r>
+                        <a:rPr lang="en-US" dirty="0" err="1"/>
+                        <a:t>googlenet_accuracy</a:t>
+                      </a:r>
+                      <a:endParaRPr lang="en-US" dirty="0"/>
+                    </a:p>
+                  </a:txBody>
+                  <a:tcPr anchor="ctr"/>
+                </a:tc>
+                <a:tc>
+                  <a:txBody>
+                    <a:bodyPr/>
+                    <a:lstStyle/>
+                    <a:p>
+                      <a:pPr algn="ctr"/>
+                      <a:endParaRPr lang="en-US" dirty="0"/>
+                    </a:p>
+                  </a:txBody>
+                  <a:tcPr anchor="ctr"/>
+                </a:tc>
+                <a:tc>
+                  <a:txBody>
+                    <a:bodyPr/>
+                    <a:lstStyle/>
+                    <a:p>
+                      <a:pPr algn="ctr"/>
+                      <a:endParaRPr lang="en-US" dirty="0"/>
+                    </a:p>
+                  </a:txBody>
+                  <a:tcPr anchor="ctr"/>
+                </a:tc>
+                <a:tc>
+                  <a:txBody>
+                    <a:bodyPr/>
+                    <a:lstStyle/>
+                    <a:p>
+                      <a:pPr algn="ctr"/>
+                      <a:endParaRPr lang="en-US" dirty="0"/>
+                    </a:p>
+                  </a:txBody>
+                  <a:tcPr anchor="ctr"/>
+                </a:tc>
+                <a:tc>
+                  <a:txBody>
+                    <a:bodyPr/>
+                    <a:lstStyle/>
+                    <a:p>
+                      <a:pPr algn="ctr"/>
+                      <a:endParaRPr lang="en-US" dirty="0"/>
+                    </a:p>
+                  </a:txBody>
+                  <a:tcPr anchor="ctr"/>
+                </a:tc>
+                <a:tc>
+                  <a:txBody>
+                    <a:bodyPr/>
+                    <a:lstStyle/>
+                    <a:p>
+                      <a:pPr algn="ctr"/>
+                      <a:endParaRPr lang="en-US" dirty="0"/>
+                    </a:p>
+                  </a:txBody>
+                  <a:tcPr anchor="ctr"/>
+                </a:tc>
+                <a:tc>
+                  <a:txBody>
+                    <a:bodyPr/>
+                    <a:lstStyle/>
+                    <a:p>
+                      <a:pPr algn="ctr"/>
+                      <a:endParaRPr lang="en-US" dirty="0"/>
+                    </a:p>
+                  </a:txBody>
+                  <a:tcPr anchor="ctr"/>
+                </a:tc>
+                <a:extLst>
+                  <a:ext uri="{0D108BD9-81ED-4DB2-BD59-A6C34878D82A}">
+                    <a16:rowId xmlns:a16="http://schemas.microsoft.com/office/drawing/2014/main" val="1449166203"/>
+                  </a:ext>
+                </a:extLst>
+              </a:tr>
+              <a:tr h="887174">
+                <a:tc>
+                  <a:txBody>
+                    <a:bodyPr/>
+                    <a:lstStyle/>
+                    <a:p>
+                      <a:pPr algn="ctr"/>
+                      <a:r>
+                        <a:rPr lang="en-US" dirty="0" err="1"/>
+                        <a:t>googlenet_precision</a:t>
+                      </a:r>
+                      <a:endParaRPr lang="en-US" dirty="0"/>
+                    </a:p>
+                  </a:txBody>
+                  <a:tcPr anchor="ctr"/>
+                </a:tc>
+                <a:tc>
+                  <a:txBody>
+                    <a:bodyPr/>
+                    <a:lstStyle/>
+                    <a:p>
+                      <a:pPr algn="ctr"/>
+                      <a:endParaRPr lang="en-US" dirty="0"/>
+                    </a:p>
+                  </a:txBody>
+                  <a:tcPr anchor="ctr"/>
+                </a:tc>
+                <a:tc>
+                  <a:txBody>
+                    <a:bodyPr/>
+                    <a:lstStyle/>
+                    <a:p>
+                      <a:pPr algn="ctr"/>
+                      <a:endParaRPr lang="en-US" dirty="0"/>
+                    </a:p>
+                  </a:txBody>
+                  <a:tcPr anchor="ctr"/>
+                </a:tc>
+                <a:tc>
+                  <a:txBody>
+                    <a:bodyPr/>
+                    <a:lstStyle/>
+                    <a:p>
+                      <a:pPr algn="ctr"/>
+                      <a:endParaRPr lang="en-US" dirty="0"/>
+                    </a:p>
+                  </a:txBody>
+                  <a:tcPr anchor="ctr"/>
+                </a:tc>
+                <a:tc>
+                  <a:txBody>
+                    <a:bodyPr/>
+                    <a:lstStyle/>
+                    <a:p>
+                      <a:pPr algn="ctr"/>
+                      <a:endParaRPr lang="en-US" dirty="0"/>
+                    </a:p>
+                  </a:txBody>
+                  <a:tcPr anchor="ctr"/>
+                </a:tc>
+                <a:tc>
+                  <a:txBody>
+                    <a:bodyPr/>
+                    <a:lstStyle/>
+                    <a:p>
+                      <a:pPr algn="ctr"/>
+                      <a:endParaRPr lang="en-US" dirty="0"/>
+                    </a:p>
+                  </a:txBody>
+                  <a:tcPr anchor="ctr"/>
+                </a:tc>
+                <a:tc>
+                  <a:txBody>
+                    <a:bodyPr/>
+                    <a:lstStyle/>
+                    <a:p>
+                      <a:pPr algn="ctr"/>
+                      <a:endParaRPr lang="en-US" dirty="0"/>
+                    </a:p>
+                  </a:txBody>
+                  <a:tcPr anchor="ctr"/>
+                </a:tc>
+                <a:extLst>
+                  <a:ext uri="{0D108BD9-81ED-4DB2-BD59-A6C34878D82A}">
+                    <a16:rowId xmlns:a16="http://schemas.microsoft.com/office/drawing/2014/main" val="4164655960"/>
+                  </a:ext>
+                </a:extLst>
+              </a:tr>
+              <a:tr h="887174">
+                <a:tc>
+                  <a:txBody>
+                    <a:bodyPr/>
+                    <a:lstStyle/>
+                    <a:p>
+                      <a:pPr algn="ctr"/>
+                      <a:r>
+                        <a:rPr lang="en-US" dirty="0" err="1"/>
+                        <a:t>googlenet_recall</a:t>
+                      </a:r>
+                      <a:endParaRPr lang="en-US" dirty="0">
+                        <a:solidFill>
+                          <a:srgbClr val="FF0000"/>
+                        </a:solidFill>
+                      </a:endParaRPr>
+                    </a:p>
+                  </a:txBody>
+                  <a:tcPr anchor="ctr"/>
+                </a:tc>
+                <a:tc>
+                  <a:txBody>
+                    <a:bodyPr/>
+                    <a:lstStyle/>
+                    <a:p>
+                      <a:pPr algn="ctr"/>
+                      <a:endParaRPr lang="en-US" dirty="0">
+                        <a:solidFill>
+                          <a:srgbClr val="FF0000"/>
+                        </a:solidFill>
+                      </a:endParaRPr>
+                    </a:p>
+                  </a:txBody>
+                  <a:tcPr anchor="ctr"/>
+                </a:tc>
+                <a:tc>
+                  <a:txBody>
+                    <a:bodyPr/>
+                    <a:lstStyle/>
+                    <a:p>
+                      <a:pPr algn="ctr"/>
+                      <a:endParaRPr lang="en-US" dirty="0">
+                        <a:solidFill>
+                          <a:srgbClr val="FF0000"/>
+                        </a:solidFill>
+                      </a:endParaRPr>
+                    </a:p>
+                  </a:txBody>
+                  <a:tcPr anchor="ctr"/>
+                </a:tc>
+                <a:tc>
+                  <a:txBody>
+                    <a:bodyPr/>
+                    <a:lstStyle/>
+                    <a:p>
+                      <a:pPr algn="ctr"/>
+                      <a:endParaRPr lang="en-US" dirty="0">
+                        <a:solidFill>
+                          <a:srgbClr val="FF0000"/>
+                        </a:solidFill>
+                      </a:endParaRPr>
+                    </a:p>
+                  </a:txBody>
+                  <a:tcPr anchor="ctr"/>
+                </a:tc>
+                <a:tc>
+                  <a:txBody>
+                    <a:bodyPr/>
+                    <a:lstStyle/>
+                    <a:p>
+                      <a:pPr algn="ctr"/>
+                      <a:endParaRPr lang="en-US" dirty="0">
+                        <a:solidFill>
+                          <a:srgbClr val="FF0000"/>
+                        </a:solidFill>
+                      </a:endParaRPr>
+                    </a:p>
+                  </a:txBody>
+                  <a:tcPr anchor="ctr"/>
+                </a:tc>
+                <a:tc>
+                  <a:txBody>
+                    <a:bodyPr/>
+                    <a:lstStyle/>
+                    <a:p>
+                      <a:pPr algn="ctr"/>
+                      <a:endParaRPr lang="en-US" dirty="0">
+                        <a:solidFill>
+                          <a:srgbClr val="FF0000"/>
+                        </a:solidFill>
+                      </a:endParaRPr>
+                    </a:p>
+                  </a:txBody>
+                  <a:tcPr anchor="ctr"/>
+                </a:tc>
+                <a:tc>
+                  <a:txBody>
+                    <a:bodyPr/>
+                    <a:lstStyle/>
+                    <a:p>
+                      <a:pPr algn="ctr"/>
+                      <a:endParaRPr lang="en-US" dirty="0">
+                        <a:solidFill>
+                          <a:srgbClr val="FF0000"/>
+                        </a:solidFill>
+                      </a:endParaRPr>
+                    </a:p>
+                  </a:txBody>
+                  <a:tcPr anchor="ctr"/>
+                </a:tc>
+                <a:extLst>
+                  <a:ext uri="{0D108BD9-81ED-4DB2-BD59-A6C34878D82A}">
+                    <a16:rowId xmlns:a16="http://schemas.microsoft.com/office/drawing/2014/main" val="2775775737"/>
+                  </a:ext>
+                </a:extLst>
+              </a:tr>
+              <a:tr h="887174">
+                <a:tc>
+                  <a:txBody>
+                    <a:bodyPr/>
+                    <a:lstStyle/>
+                    <a:p>
+                      <a:pPr algn="ctr"/>
+                      <a:r>
+                        <a:rPr lang="en-US" dirty="0"/>
+                        <a:t>googlenet_F1</a:t>
+                      </a:r>
+                    </a:p>
+                  </a:txBody>
+                  <a:tcPr anchor="ctr"/>
+                </a:tc>
+                <a:tc>
+                  <a:txBody>
+                    <a:bodyPr/>
+                    <a:lstStyle/>
+                    <a:p>
+                      <a:pPr algn="ctr"/>
+                      <a:endParaRPr lang="en-US" dirty="0"/>
+                    </a:p>
+                  </a:txBody>
+                  <a:tcPr anchor="ctr"/>
+                </a:tc>
+                <a:tc>
+                  <a:txBody>
+                    <a:bodyPr/>
+                    <a:lstStyle/>
+                    <a:p>
+                      <a:pPr algn="ctr"/>
+                      <a:endParaRPr lang="en-US" dirty="0"/>
+                    </a:p>
+                  </a:txBody>
+                  <a:tcPr anchor="ctr"/>
+                </a:tc>
+                <a:tc>
+                  <a:txBody>
+                    <a:bodyPr/>
+                    <a:lstStyle/>
+                    <a:p>
+                      <a:pPr algn="ctr"/>
+                      <a:endParaRPr lang="en-US" dirty="0"/>
+                    </a:p>
+                  </a:txBody>
+                  <a:tcPr anchor="ctr"/>
+                </a:tc>
+                <a:tc>
+                  <a:txBody>
+                    <a:bodyPr/>
+                    <a:lstStyle/>
+                    <a:p>
+                      <a:pPr algn="ctr"/>
+                      <a:endParaRPr lang="en-US" dirty="0"/>
+                    </a:p>
+                  </a:txBody>
+                  <a:tcPr anchor="ctr"/>
+                </a:tc>
+                <a:tc>
+                  <a:txBody>
+                    <a:bodyPr/>
+                    <a:lstStyle/>
+                    <a:p>
+                      <a:pPr algn="ctr"/>
+                      <a:endParaRPr lang="en-US" dirty="0"/>
+                    </a:p>
+                  </a:txBody>
+                  <a:tcPr anchor="ctr"/>
+                </a:tc>
+                <a:tc>
+                  <a:txBody>
+                    <a:bodyPr/>
+                    <a:lstStyle/>
+                    <a:p>
+                      <a:pPr algn="ctr"/>
+                      <a:endParaRPr lang="en-US" dirty="0"/>
+                    </a:p>
+                  </a:txBody>
+                  <a:tcPr anchor="ctr"/>
+                </a:tc>
+                <a:extLst>
+                  <a:ext uri="{0D108BD9-81ED-4DB2-BD59-A6C34878D82A}">
+                    <a16:rowId xmlns:a16="http://schemas.microsoft.com/office/drawing/2014/main" val="618446083"/>
+                  </a:ext>
+                </a:extLst>
+              </a:tr>
+              <a:tr h="887174">
+                <a:tc>
+                  <a:txBody>
+                    <a:bodyPr/>
+                    <a:lstStyle/>
+                    <a:p>
+                      <a:pPr marL="0" marR="0" lvl="0" indent="0" algn="ctr" defTabSz="914400" rtl="0" eaLnBrk="1" fontAlgn="auto" latinLnBrk="0" hangingPunct="1">
+                        <a:lnSpc>
+                          <a:spcPct val="100000"/>
+                        </a:lnSpc>
+                        <a:spcBef>
+                          <a:spcPts val="0"/>
+                        </a:spcBef>
+                        <a:spcAft>
+                          <a:spcPts val="0"/>
+                        </a:spcAft>
+                        <a:buClrTx/>
+                        <a:buSzTx/>
+                        <a:buFontTx/>
+                        <a:buNone/>
+                        <a:tabLst/>
+                        <a:defRPr/>
+                      </a:pPr>
+                      <a:r>
+                        <a:rPr lang="en-US" dirty="0" err="1"/>
+                        <a:t>googlenet_loss</a:t>
+                      </a:r>
+                      <a:endParaRPr lang="en-US" dirty="0"/>
+                    </a:p>
+                    <a:p>
+                      <a:pPr algn="ctr"/>
+                      <a:endParaRPr lang="en-US" dirty="0"/>
+                    </a:p>
+                  </a:txBody>
+                  <a:tcPr anchor="ctr"/>
+                </a:tc>
+                <a:tc>
+                  <a:txBody>
+                    <a:bodyPr/>
+                    <a:lstStyle/>
+                    <a:p>
+                      <a:pPr algn="ctr"/>
+                      <a:endParaRPr lang="en-US" dirty="0"/>
+                    </a:p>
+                  </a:txBody>
+                  <a:tcPr anchor="ctr"/>
+                </a:tc>
+                <a:tc>
+                  <a:txBody>
+                    <a:bodyPr/>
+                    <a:lstStyle/>
+                    <a:p>
+                      <a:pPr algn="ctr"/>
+                      <a:endParaRPr lang="en-US" dirty="0"/>
+                    </a:p>
+                  </a:txBody>
+                  <a:tcPr anchor="ctr"/>
+                </a:tc>
+                <a:tc>
+                  <a:txBody>
+                    <a:bodyPr/>
+                    <a:lstStyle/>
+                    <a:p>
+                      <a:pPr algn="ctr"/>
+                      <a:endParaRPr lang="en-US" dirty="0"/>
+                    </a:p>
+                  </a:txBody>
+                  <a:tcPr anchor="ctr"/>
+                </a:tc>
+                <a:tc>
+                  <a:txBody>
+                    <a:bodyPr/>
+                    <a:lstStyle/>
+                    <a:p>
+                      <a:pPr algn="ctr"/>
+                      <a:endParaRPr lang="en-US" dirty="0"/>
+                    </a:p>
+                  </a:txBody>
+                  <a:tcPr anchor="ctr"/>
+                </a:tc>
+                <a:tc>
+                  <a:txBody>
+                    <a:bodyPr/>
+                    <a:lstStyle/>
+                    <a:p>
+                      <a:pPr algn="ctr"/>
+                      <a:endParaRPr lang="en-US" dirty="0"/>
+                    </a:p>
+                  </a:txBody>
+                  <a:tcPr anchor="ctr"/>
+                </a:tc>
+                <a:tc>
+                  <a:txBody>
+                    <a:bodyPr/>
+                    <a:lstStyle/>
+                    <a:p>
+                      <a:pPr algn="ctr"/>
+                      <a:endParaRPr lang="en-US" dirty="0"/>
+                    </a:p>
+                  </a:txBody>
+                  <a:tcPr anchor="ctr"/>
+                </a:tc>
+                <a:extLst>
+                  <a:ext uri="{0D108BD9-81ED-4DB2-BD59-A6C34878D82A}">
+                    <a16:rowId xmlns:a16="http://schemas.microsoft.com/office/drawing/2014/main" val="872347479"/>
+                  </a:ext>
+                </a:extLst>
+              </a:tr>
+            </a:tbl>
+          </a:graphicData>
+        </a:graphic>
+      </p:graphicFrame>
+    </p:spTree>
+    <p:extLst>
+      <p:ext uri="{BB962C8B-B14F-4D97-AF65-F5344CB8AC3E}">
+        <p14:creationId xmlns:p14="http://schemas.microsoft.com/office/powerpoint/2010/main" val="2189913631"/>
+      </p:ext>
+    </p:extLst>
+  </p:cSld>
+  <p:clrMapOvr>
+    <a:masterClrMapping/>
+  </p:clrMapOvr>
+</p:sld>
+</file>
+
 <file path=ppt/slides/slide8.xml><?xml version="1.0" encoding="utf-8"?>
 <p:sld xmlns:a="http://schemas.openxmlformats.org/drawingml/2006/main" xmlns:r="http://schemas.openxmlformats.org/officeDocument/2006/relationships" xmlns:p="http://schemas.openxmlformats.org/presentationml/2006/main">
   <p:cSld>

--- a/BSD_Figures.pptx
+++ b/BSD_Figures.pptx
@@ -5,7 +5,7 @@
     <p:sldMasterId id="2147483648" r:id="rId1"/>
   </p:sldMasterIdLst>
   <p:notesMasterIdLst>
-    <p:notesMasterId r:id="rId80"/>
+    <p:notesMasterId r:id="rId88"/>
   </p:notesMasterIdLst>
   <p:sldIdLst>
     <p:sldId id="276" r:id="rId2"/>
@@ -82,10 +82,18 @@
     <p:sldId id="339" r:id="rId73"/>
     <p:sldId id="340" r:id="rId74"/>
     <p:sldId id="341" r:id="rId75"/>
-    <p:sldId id="342" r:id="rId76"/>
-    <p:sldId id="343" r:id="rId77"/>
-    <p:sldId id="344" r:id="rId78"/>
-    <p:sldId id="345" r:id="rId79"/>
+    <p:sldId id="349" r:id="rId76"/>
+    <p:sldId id="342" r:id="rId77"/>
+    <p:sldId id="346" r:id="rId78"/>
+    <p:sldId id="343" r:id="rId79"/>
+    <p:sldId id="344" r:id="rId80"/>
+    <p:sldId id="345" r:id="rId81"/>
+    <p:sldId id="350" r:id="rId82"/>
+    <p:sldId id="351" r:id="rId83"/>
+    <p:sldId id="352" r:id="rId84"/>
+    <p:sldId id="353" r:id="rId85"/>
+    <p:sldId id="354" r:id="rId86"/>
+    <p:sldId id="355" r:id="rId87"/>
   </p:sldIdLst>
   <p:sldSz cx="12192000" cy="6858000"/>
   <p:notesSz cx="6858000" cy="9144000"/>
@@ -6614,7 +6622,7 @@
           <a:p>
             <a:fld id="{96F659EB-4D8A-254E-A6E4-E7898AF261B2}" type="datetimeFigureOut">
               <a:rPr lang="en-US" smtClean="0"/>
-              <a:t>5/9/20</a:t>
+              <a:t>5/10/20</a:t>
             </a:fld>
             <a:endParaRPr lang="en-US"/>
           </a:p>
@@ -7112,7 +7120,7 @@
           <a:p>
             <a:fld id="{7170159B-58A5-B047-8735-1AFBA8D9403D}" type="datetimeFigureOut">
               <a:rPr lang="en-US" smtClean="0"/>
-              <a:t>5/9/20</a:t>
+              <a:t>5/10/20</a:t>
             </a:fld>
             <a:endParaRPr lang="en-US"/>
           </a:p>
@@ -7310,7 +7318,7 @@
           <a:p>
             <a:fld id="{7170159B-58A5-B047-8735-1AFBA8D9403D}" type="datetimeFigureOut">
               <a:rPr lang="en-US" smtClean="0"/>
-              <a:t>5/9/20</a:t>
+              <a:t>5/10/20</a:t>
             </a:fld>
             <a:endParaRPr lang="en-US"/>
           </a:p>
@@ -7518,7 +7526,7 @@
           <a:p>
             <a:fld id="{7170159B-58A5-B047-8735-1AFBA8D9403D}" type="datetimeFigureOut">
               <a:rPr lang="en-US" smtClean="0"/>
-              <a:t>5/9/20</a:t>
+              <a:t>5/10/20</a:t>
             </a:fld>
             <a:endParaRPr lang="en-US"/>
           </a:p>
@@ -7716,7 +7724,7 @@
           <a:p>
             <a:fld id="{7170159B-58A5-B047-8735-1AFBA8D9403D}" type="datetimeFigureOut">
               <a:rPr lang="en-US" smtClean="0"/>
-              <a:t>5/9/20</a:t>
+              <a:t>5/10/20</a:t>
             </a:fld>
             <a:endParaRPr lang="en-US"/>
           </a:p>
@@ -7991,7 +7999,7 @@
           <a:p>
             <a:fld id="{7170159B-58A5-B047-8735-1AFBA8D9403D}" type="datetimeFigureOut">
               <a:rPr lang="en-US" smtClean="0"/>
-              <a:t>5/9/20</a:t>
+              <a:t>5/10/20</a:t>
             </a:fld>
             <a:endParaRPr lang="en-US"/>
           </a:p>
@@ -8256,7 +8264,7 @@
           <a:p>
             <a:fld id="{7170159B-58A5-B047-8735-1AFBA8D9403D}" type="datetimeFigureOut">
               <a:rPr lang="en-US" smtClean="0"/>
-              <a:t>5/9/20</a:t>
+              <a:t>5/10/20</a:t>
             </a:fld>
             <a:endParaRPr lang="en-US"/>
           </a:p>
@@ -8668,7 +8676,7 @@
           <a:p>
             <a:fld id="{7170159B-58A5-B047-8735-1AFBA8D9403D}" type="datetimeFigureOut">
               <a:rPr lang="en-US" smtClean="0"/>
-              <a:t>5/9/20</a:t>
+              <a:t>5/10/20</a:t>
             </a:fld>
             <a:endParaRPr lang="en-US"/>
           </a:p>
@@ -8809,7 +8817,7 @@
           <a:p>
             <a:fld id="{7170159B-58A5-B047-8735-1AFBA8D9403D}" type="datetimeFigureOut">
               <a:rPr lang="en-US" smtClean="0"/>
-              <a:t>5/9/20</a:t>
+              <a:t>5/10/20</a:t>
             </a:fld>
             <a:endParaRPr lang="en-US"/>
           </a:p>
@@ -8922,7 +8930,7 @@
           <a:p>
             <a:fld id="{7170159B-58A5-B047-8735-1AFBA8D9403D}" type="datetimeFigureOut">
               <a:rPr lang="en-US" smtClean="0"/>
-              <a:t>5/9/20</a:t>
+              <a:t>5/10/20</a:t>
             </a:fld>
             <a:endParaRPr lang="en-US"/>
           </a:p>
@@ -9233,7 +9241,7 @@
           <a:p>
             <a:fld id="{7170159B-58A5-B047-8735-1AFBA8D9403D}" type="datetimeFigureOut">
               <a:rPr lang="en-US" smtClean="0"/>
-              <a:t>5/9/20</a:t>
+              <a:t>5/10/20</a:t>
             </a:fld>
             <a:endParaRPr lang="en-US"/>
           </a:p>
@@ -9521,7 +9529,7 @@
           <a:p>
             <a:fld id="{7170159B-58A5-B047-8735-1AFBA8D9403D}" type="datetimeFigureOut">
               <a:rPr lang="en-US" smtClean="0"/>
-              <a:t>5/9/20</a:t>
+              <a:t>5/10/20</a:t>
             </a:fld>
             <a:endParaRPr lang="en-US"/>
           </a:p>
@@ -9762,7 +9770,7 @@
           <a:p>
             <a:fld id="{7170159B-58A5-B047-8735-1AFBA8D9403D}" type="datetimeFigureOut">
               <a:rPr lang="en-US" smtClean="0"/>
-              <a:t>5/9/20</a:t>
+              <a:t>5/10/20</a:t>
             </a:fld>
             <a:endParaRPr lang="en-US"/>
           </a:p>
@@ -35675,6 +35683,70 @@
           <a:chExt cx="0" cy="0"/>
         </a:xfrm>
       </p:grpSpPr>
+      <p:sp>
+        <p:nvSpPr>
+          <p:cNvPr id="2" name="Title 1">
+            <a:extLst>
+              <a:ext uri="{FF2B5EF4-FFF2-40B4-BE49-F238E27FC236}">
+                <a16:creationId xmlns:a16="http://schemas.microsoft.com/office/drawing/2014/main" id="{39EEA76C-C53B-7D42-884D-2D09F3B53BAC}"/>
+              </a:ext>
+            </a:extLst>
+          </p:cNvPr>
+          <p:cNvSpPr>
+            <a:spLocks noGrp="1"/>
+          </p:cNvSpPr>
+          <p:nvPr>
+            <p:ph type="title"/>
+          </p:nvPr>
+        </p:nvSpPr>
+        <p:spPr>
+          <a:xfrm>
+            <a:off x="1079740" y="2625246"/>
+            <a:ext cx="10515600" cy="1325563"/>
+          </a:xfrm>
+        </p:spPr>
+        <p:txBody>
+          <a:bodyPr/>
+          <a:lstStyle/>
+          <a:p>
+            <a:pPr algn="ctr"/>
+            <a:r>
+              <a:rPr lang="en-US" dirty="0"/>
+              <a:t>Hudson River</a:t>
+            </a:r>
+          </a:p>
+        </p:txBody>
+      </p:sp>
+    </p:spTree>
+    <p:extLst>
+      <p:ext uri="{BB962C8B-B14F-4D97-AF65-F5344CB8AC3E}">
+        <p14:creationId xmlns:p14="http://schemas.microsoft.com/office/powerpoint/2010/main" val="1961311814"/>
+      </p:ext>
+    </p:extLst>
+  </p:cSld>
+  <p:clrMapOvr>
+    <a:masterClrMapping/>
+  </p:clrMapOvr>
+</p:sld>
+</file>
+
+<file path=ppt/slides/slide76.xml><?xml version="1.0" encoding="utf-8"?>
+<p:sld xmlns:a="http://schemas.openxmlformats.org/drawingml/2006/main" xmlns:r="http://schemas.openxmlformats.org/officeDocument/2006/relationships" xmlns:p="http://schemas.openxmlformats.org/presentationml/2006/main">
+  <p:cSld>
+    <p:spTree>
+      <p:nvGrpSpPr>
+        <p:cNvPr id="1" name=""/>
+        <p:cNvGrpSpPr/>
+        <p:nvPr/>
+      </p:nvGrpSpPr>
+      <p:grpSpPr>
+        <a:xfrm>
+          <a:off x="0" y="0"/>
+          <a:ext cx="0" cy="0"/>
+          <a:chOff x="0" y="0"/>
+          <a:chExt cx="0" cy="0"/>
+        </a:xfrm>
+      </p:grpSpPr>
       <p:graphicFrame>
         <p:nvGraphicFramePr>
           <p:cNvPr id="4" name="Table 3">
@@ -35690,7 +35762,7 @@
           <p:nvPr>
             <p:extLst>
               <p:ext uri="{D42A27DB-BD31-4B8C-83A1-F6EECF244321}">
-                <p14:modId xmlns:p14="http://schemas.microsoft.com/office/powerpoint/2010/main" val="1672329159"/>
+                <p14:modId xmlns:p14="http://schemas.microsoft.com/office/powerpoint/2010/main" val="2602395208"/>
               </p:ext>
             </p:extLst>
           </p:nvPr>
@@ -35883,62 +35955,80 @@
                     <a:lstStyle/>
                     <a:p>
                       <a:pPr algn="ctr"/>
-                      <a:endParaRPr lang="en-US" dirty="0"/>
-                    </a:p>
-                  </a:txBody>
-                  <a:tcPr anchor="ctr"/>
-                </a:tc>
-                <a:tc>
-                  <a:txBody>
-                    <a:bodyPr/>
-                    <a:lstStyle/>
-                    <a:p>
-                      <a:pPr algn="ctr"/>
-                      <a:endParaRPr lang="en-US" dirty="0"/>
-                    </a:p>
-                  </a:txBody>
-                  <a:tcPr anchor="ctr"/>
-                </a:tc>
-                <a:tc>
-                  <a:txBody>
-                    <a:bodyPr/>
-                    <a:lstStyle/>
-                    <a:p>
-                      <a:pPr algn="ctr"/>
-                      <a:endParaRPr lang="en-US" dirty="0"/>
-                    </a:p>
-                  </a:txBody>
-                  <a:tcPr anchor="ctr"/>
-                </a:tc>
-                <a:tc>
-                  <a:txBody>
-                    <a:bodyPr/>
-                    <a:lstStyle/>
-                    <a:p>
-                      <a:pPr algn="ctr"/>
-                      <a:endParaRPr lang="en-US" dirty="0"/>
-                    </a:p>
-                  </a:txBody>
-                  <a:tcPr anchor="ctr"/>
-                </a:tc>
-                <a:tc>
-                  <a:txBody>
-                    <a:bodyPr/>
-                    <a:lstStyle/>
-                    <a:p>
-                      <a:pPr algn="ctr"/>
-                      <a:endParaRPr lang="en-US" dirty="0"/>
-                    </a:p>
-                  </a:txBody>
-                  <a:tcPr anchor="ctr"/>
-                </a:tc>
-                <a:tc>
-                  <a:txBody>
-                    <a:bodyPr/>
-                    <a:lstStyle/>
-                    <a:p>
-                      <a:pPr algn="ctr"/>
-                      <a:endParaRPr lang="en-US" dirty="0"/>
+                      <a:r>
+                        <a:rPr lang="en-US" dirty="0"/>
+                        <a:t>0.804</a:t>
+                      </a:r>
+                    </a:p>
+                  </a:txBody>
+                  <a:tcPr anchor="ctr"/>
+                </a:tc>
+                <a:tc>
+                  <a:txBody>
+                    <a:bodyPr/>
+                    <a:lstStyle/>
+                    <a:p>
+                      <a:pPr algn="ctr"/>
+                      <a:r>
+                        <a:rPr lang="en-US" dirty="0"/>
+                        <a:t>0.699</a:t>
+                      </a:r>
+                    </a:p>
+                  </a:txBody>
+                  <a:tcPr anchor="ctr"/>
+                </a:tc>
+                <a:tc>
+                  <a:txBody>
+                    <a:bodyPr/>
+                    <a:lstStyle/>
+                    <a:p>
+                      <a:pPr algn="ctr"/>
+                      <a:r>
+                        <a:rPr lang="en-US" dirty="0"/>
+                        <a:t>0.607</a:t>
+                      </a:r>
+                    </a:p>
+                  </a:txBody>
+                  <a:tcPr anchor="ctr"/>
+                </a:tc>
+                <a:tc>
+                  <a:txBody>
+                    <a:bodyPr/>
+                    <a:lstStyle/>
+                    <a:p>
+                      <a:pPr algn="ctr"/>
+                      <a:r>
+                        <a:rPr lang="en-US" dirty="0"/>
+                        <a:t>0.888</a:t>
+                      </a:r>
+                    </a:p>
+                  </a:txBody>
+                  <a:tcPr anchor="ctr"/>
+                </a:tc>
+                <a:tc>
+                  <a:txBody>
+                    <a:bodyPr/>
+                    <a:lstStyle/>
+                    <a:p>
+                      <a:pPr algn="ctr"/>
+                      <a:r>
+                        <a:rPr lang="en-US" dirty="0"/>
+                        <a:t>0.650</a:t>
+                      </a:r>
+                    </a:p>
+                  </a:txBody>
+                  <a:tcPr anchor="ctr"/>
+                </a:tc>
+                <a:tc>
+                  <a:txBody>
+                    <a:bodyPr/>
+                    <a:lstStyle/>
+                    <a:p>
+                      <a:pPr algn="ctr"/>
+                      <a:r>
+                        <a:rPr lang="en-US" dirty="0"/>
+                        <a:t>0.4562</a:t>
+                      </a:r>
                     </a:p>
                   </a:txBody>
                   <a:tcPr anchor="ctr"/>
@@ -35971,62 +36061,80 @@
                     <a:lstStyle/>
                     <a:p>
                       <a:pPr algn="ctr"/>
-                      <a:endParaRPr lang="en-US" dirty="0"/>
-                    </a:p>
-                  </a:txBody>
-                  <a:tcPr anchor="ctr"/>
-                </a:tc>
-                <a:tc>
-                  <a:txBody>
-                    <a:bodyPr/>
-                    <a:lstStyle/>
-                    <a:p>
-                      <a:pPr algn="ctr"/>
-                      <a:endParaRPr lang="en-US" dirty="0"/>
-                    </a:p>
-                  </a:txBody>
-                  <a:tcPr anchor="ctr"/>
-                </a:tc>
-                <a:tc>
-                  <a:txBody>
-                    <a:bodyPr/>
-                    <a:lstStyle/>
-                    <a:p>
-                      <a:pPr algn="ctr"/>
-                      <a:endParaRPr lang="en-US" dirty="0"/>
-                    </a:p>
-                  </a:txBody>
-                  <a:tcPr anchor="ctr"/>
-                </a:tc>
-                <a:tc>
-                  <a:txBody>
-                    <a:bodyPr/>
-                    <a:lstStyle/>
-                    <a:p>
-                      <a:pPr algn="ctr"/>
-                      <a:endParaRPr lang="en-US" dirty="0"/>
-                    </a:p>
-                  </a:txBody>
-                  <a:tcPr anchor="ctr"/>
-                </a:tc>
-                <a:tc>
-                  <a:txBody>
-                    <a:bodyPr/>
-                    <a:lstStyle/>
-                    <a:p>
-                      <a:pPr algn="ctr"/>
-                      <a:endParaRPr lang="en-US" dirty="0"/>
-                    </a:p>
-                  </a:txBody>
-                  <a:tcPr anchor="ctr"/>
-                </a:tc>
-                <a:tc>
-                  <a:txBody>
-                    <a:bodyPr/>
-                    <a:lstStyle/>
-                    <a:p>
-                      <a:pPr algn="ctr"/>
-                      <a:endParaRPr lang="en-US" dirty="0"/>
+                      <a:r>
+                        <a:rPr lang="en-US" dirty="0"/>
+                        <a:t>0.779</a:t>
+                      </a:r>
+                    </a:p>
+                  </a:txBody>
+                  <a:tcPr anchor="ctr"/>
+                </a:tc>
+                <a:tc>
+                  <a:txBody>
+                    <a:bodyPr/>
+                    <a:lstStyle/>
+                    <a:p>
+                      <a:pPr algn="ctr"/>
+                      <a:r>
+                        <a:rPr lang="en-US" dirty="0"/>
+                        <a:t>0.734</a:t>
+                      </a:r>
+                    </a:p>
+                  </a:txBody>
+                  <a:tcPr anchor="ctr"/>
+                </a:tc>
+                <a:tc>
+                  <a:txBody>
+                    <a:bodyPr/>
+                    <a:lstStyle/>
+                    <a:p>
+                      <a:pPr algn="ctr"/>
+                      <a:r>
+                        <a:rPr lang="en-US" dirty="0"/>
+                        <a:t>0.410</a:t>
+                      </a:r>
+                    </a:p>
+                  </a:txBody>
+                  <a:tcPr anchor="ctr"/>
+                </a:tc>
+                <a:tc>
+                  <a:txBody>
+                    <a:bodyPr/>
+                    <a:lstStyle/>
+                    <a:p>
+                      <a:pPr algn="ctr"/>
+                      <a:r>
+                        <a:rPr lang="en-US" dirty="0"/>
+                        <a:t>0.937</a:t>
+                      </a:r>
+                    </a:p>
+                  </a:txBody>
+                  <a:tcPr anchor="ctr"/>
+                </a:tc>
+                <a:tc>
+                  <a:txBody>
+                    <a:bodyPr/>
+                    <a:lstStyle/>
+                    <a:p>
+                      <a:pPr algn="ctr"/>
+                      <a:r>
+                        <a:rPr lang="en-US" dirty="0"/>
+                        <a:t>0.526</a:t>
+                      </a:r>
+                    </a:p>
+                  </a:txBody>
+                  <a:tcPr anchor="ctr"/>
+                </a:tc>
+                <a:tc>
+                  <a:txBody>
+                    <a:bodyPr/>
+                    <a:lstStyle/>
+                    <a:p>
+                      <a:pPr algn="ctr"/>
+                      <a:r>
+                        <a:rPr lang="en-US" dirty="0"/>
+                        <a:t>0.5238</a:t>
+                      </a:r>
                     </a:p>
                   </a:txBody>
                   <a:tcPr anchor="ctr"/>
@@ -36071,86 +36179,104 @@
                     <a:lstStyle/>
                     <a:p>
                       <a:pPr algn="ctr"/>
-                      <a:endParaRPr lang="en-US" dirty="0">
-                        <a:solidFill>
-                          <a:srgbClr val="FF0000"/>
-                        </a:solidFill>
-                      </a:endParaRPr>
-                    </a:p>
-                  </a:txBody>
-                  <a:tcPr anchor="ctr"/>
-                </a:tc>
-                <a:tc>
-                  <a:txBody>
-                    <a:bodyPr/>
-                    <a:lstStyle/>
-                    <a:p>
-                      <a:pPr algn="ctr"/>
-                      <a:endParaRPr lang="en-US" dirty="0">
-                        <a:solidFill>
-                          <a:srgbClr val="FF0000"/>
-                        </a:solidFill>
-                      </a:endParaRPr>
-                    </a:p>
-                  </a:txBody>
-                  <a:tcPr anchor="ctr"/>
-                </a:tc>
-                <a:tc>
-                  <a:txBody>
-                    <a:bodyPr/>
-                    <a:lstStyle/>
-                    <a:p>
-                      <a:pPr algn="ctr"/>
-                      <a:endParaRPr lang="en-US" dirty="0">
-                        <a:solidFill>
-                          <a:srgbClr val="FF0000"/>
-                        </a:solidFill>
-                      </a:endParaRPr>
-                    </a:p>
-                  </a:txBody>
-                  <a:tcPr anchor="ctr"/>
-                </a:tc>
-                <a:tc>
-                  <a:txBody>
-                    <a:bodyPr/>
-                    <a:lstStyle/>
-                    <a:p>
-                      <a:pPr algn="ctr"/>
-                      <a:endParaRPr lang="en-US" dirty="0">
-                        <a:solidFill>
-                          <a:srgbClr val="FF0000"/>
-                        </a:solidFill>
-                      </a:endParaRPr>
-                    </a:p>
-                  </a:txBody>
-                  <a:tcPr anchor="ctr"/>
-                </a:tc>
-                <a:tc>
-                  <a:txBody>
-                    <a:bodyPr/>
-                    <a:lstStyle/>
-                    <a:p>
-                      <a:pPr algn="ctr"/>
-                      <a:endParaRPr lang="en-US" dirty="0">
-                        <a:solidFill>
-                          <a:srgbClr val="FF0000"/>
-                        </a:solidFill>
-                      </a:endParaRPr>
-                    </a:p>
-                  </a:txBody>
-                  <a:tcPr anchor="ctr"/>
-                </a:tc>
-                <a:tc>
-                  <a:txBody>
-                    <a:bodyPr/>
-                    <a:lstStyle/>
-                    <a:p>
-                      <a:pPr algn="ctr"/>
-                      <a:endParaRPr lang="en-US" dirty="0">
-                        <a:solidFill>
-                          <a:srgbClr val="FF0000"/>
-                        </a:solidFill>
-                      </a:endParaRPr>
+                      <a:r>
+                        <a:rPr lang="en-US" dirty="0">
+                          <a:solidFill>
+                            <a:srgbClr val="FF0000"/>
+                          </a:solidFill>
+                        </a:rPr>
+                        <a:t>0.722</a:t>
+                      </a:r>
+                    </a:p>
+                  </a:txBody>
+                  <a:tcPr anchor="ctr"/>
+                </a:tc>
+                <a:tc>
+                  <a:txBody>
+                    <a:bodyPr/>
+                    <a:lstStyle/>
+                    <a:p>
+                      <a:pPr algn="ctr"/>
+                      <a:r>
+                        <a:rPr lang="en-US" dirty="0">
+                          <a:solidFill>
+                            <a:srgbClr val="FF0000"/>
+                          </a:solidFill>
+                        </a:rPr>
+                        <a:t>0.524</a:t>
+                      </a:r>
+                    </a:p>
+                  </a:txBody>
+                  <a:tcPr anchor="ctr"/>
+                </a:tc>
+                <a:tc>
+                  <a:txBody>
+                    <a:bodyPr/>
+                    <a:lstStyle/>
+                    <a:p>
+                      <a:pPr algn="ctr"/>
+                      <a:r>
+                        <a:rPr lang="en-US" dirty="0">
+                          <a:solidFill>
+                            <a:srgbClr val="FF0000"/>
+                          </a:solidFill>
+                        </a:rPr>
+                        <a:t>0.756</a:t>
+                      </a:r>
+                    </a:p>
+                  </a:txBody>
+                  <a:tcPr anchor="ctr"/>
+                </a:tc>
+                <a:tc>
+                  <a:txBody>
+                    <a:bodyPr/>
+                    <a:lstStyle/>
+                    <a:p>
+                      <a:pPr algn="ctr"/>
+                      <a:r>
+                        <a:rPr lang="en-US" dirty="0">
+                          <a:solidFill>
+                            <a:srgbClr val="FF0000"/>
+                          </a:solidFill>
+                        </a:rPr>
+                        <a:t>0.707</a:t>
+                      </a:r>
+                    </a:p>
+                  </a:txBody>
+                  <a:tcPr anchor="ctr"/>
+                </a:tc>
+                <a:tc>
+                  <a:txBody>
+                    <a:bodyPr/>
+                    <a:lstStyle/>
+                    <a:p>
+                      <a:pPr algn="ctr"/>
+                      <a:r>
+                        <a:rPr lang="en-US" dirty="0">
+                          <a:solidFill>
+                            <a:srgbClr val="FF0000"/>
+                          </a:solidFill>
+                        </a:rPr>
+                        <a:t>0.619</a:t>
+                      </a:r>
+                    </a:p>
+                  </a:txBody>
+                  <a:tcPr anchor="ctr"/>
+                </a:tc>
+                <a:tc>
+                  <a:txBody>
+                    <a:bodyPr/>
+                    <a:lstStyle/>
+                    <a:p>
+                      <a:pPr algn="ctr"/>
+                      <a:r>
+                        <a:rPr lang="en-US" dirty="0">
+                          <a:solidFill>
+                            <a:srgbClr val="FF0000"/>
+                          </a:solidFill>
+                        </a:rPr>
+                        <a:t>0.5376</a:t>
+                      </a:r>
                     </a:p>
                   </a:txBody>
                   <a:tcPr anchor="ctr"/>
@@ -36182,62 +36308,80 @@
                     <a:lstStyle/>
                     <a:p>
                       <a:pPr algn="ctr"/>
-                      <a:endParaRPr lang="en-US" dirty="0"/>
-                    </a:p>
-                  </a:txBody>
-                  <a:tcPr anchor="ctr"/>
-                </a:tc>
-                <a:tc>
-                  <a:txBody>
-                    <a:bodyPr/>
-                    <a:lstStyle/>
-                    <a:p>
-                      <a:pPr algn="ctr"/>
-                      <a:endParaRPr lang="en-US" dirty="0"/>
-                    </a:p>
-                  </a:txBody>
-                  <a:tcPr anchor="ctr"/>
-                </a:tc>
-                <a:tc>
-                  <a:txBody>
-                    <a:bodyPr/>
-                    <a:lstStyle/>
-                    <a:p>
-                      <a:pPr algn="ctr"/>
-                      <a:endParaRPr lang="en-US" dirty="0"/>
-                    </a:p>
-                  </a:txBody>
-                  <a:tcPr anchor="ctr"/>
-                </a:tc>
-                <a:tc>
-                  <a:txBody>
-                    <a:bodyPr/>
-                    <a:lstStyle/>
-                    <a:p>
-                      <a:pPr algn="ctr"/>
-                      <a:endParaRPr lang="en-US" dirty="0"/>
-                    </a:p>
-                  </a:txBody>
-                  <a:tcPr anchor="ctr"/>
-                </a:tc>
-                <a:tc>
-                  <a:txBody>
-                    <a:bodyPr/>
-                    <a:lstStyle/>
-                    <a:p>
-                      <a:pPr algn="ctr"/>
-                      <a:endParaRPr lang="en-US" dirty="0"/>
-                    </a:p>
-                  </a:txBody>
-                  <a:tcPr anchor="ctr"/>
-                </a:tc>
-                <a:tc>
-                  <a:txBody>
-                    <a:bodyPr/>
-                    <a:lstStyle/>
-                    <a:p>
-                      <a:pPr algn="ctr"/>
-                      <a:endParaRPr lang="en-US" dirty="0"/>
+                      <a:r>
+                        <a:rPr lang="en-US" dirty="0"/>
+                        <a:t>0.795</a:t>
+                      </a:r>
+                    </a:p>
+                  </a:txBody>
+                  <a:tcPr anchor="ctr"/>
+                </a:tc>
+                <a:tc>
+                  <a:txBody>
+                    <a:bodyPr/>
+                    <a:lstStyle/>
+                    <a:p>
+                      <a:pPr algn="ctr"/>
+                      <a:r>
+                        <a:rPr lang="en-US" dirty="0"/>
+                        <a:t>0.662</a:t>
+                      </a:r>
+                    </a:p>
+                  </a:txBody>
+                  <a:tcPr anchor="ctr"/>
+                </a:tc>
+                <a:tc>
+                  <a:txBody>
+                    <a:bodyPr/>
+                    <a:lstStyle/>
+                    <a:p>
+                      <a:pPr algn="ctr"/>
+                      <a:r>
+                        <a:rPr lang="en-US" dirty="0"/>
+                        <a:t>0.646</a:t>
+                      </a:r>
+                    </a:p>
+                  </a:txBody>
+                  <a:tcPr anchor="ctr"/>
+                </a:tc>
+                <a:tc>
+                  <a:txBody>
+                    <a:bodyPr/>
+                    <a:lstStyle/>
+                    <a:p>
+                      <a:pPr algn="ctr"/>
+                      <a:r>
+                        <a:rPr lang="en-US" dirty="0"/>
+                        <a:t>0.859</a:t>
+                      </a:r>
+                    </a:p>
+                  </a:txBody>
+                  <a:tcPr anchor="ctr"/>
+                </a:tc>
+                <a:tc>
+                  <a:txBody>
+                    <a:bodyPr/>
+                    <a:lstStyle/>
+                    <a:p>
+                      <a:pPr algn="ctr"/>
+                      <a:r>
+                        <a:rPr lang="en-US" dirty="0"/>
+                        <a:t>0.654</a:t>
+                      </a:r>
+                    </a:p>
+                  </a:txBody>
+                  <a:tcPr anchor="ctr"/>
+                </a:tc>
+                <a:tc>
+                  <a:txBody>
+                    <a:bodyPr/>
+                    <a:lstStyle/>
+                    <a:p>
+                      <a:pPr algn="ctr"/>
+                      <a:r>
+                        <a:rPr lang="en-US" dirty="0"/>
+                        <a:t>0.4848</a:t>
+                      </a:r>
                     </a:p>
                   </a:txBody>
                   <a:tcPr anchor="ctr"/>
@@ -36290,62 +36434,80 @@
                     <a:lstStyle/>
                     <a:p>
                       <a:pPr algn="ctr"/>
-                      <a:endParaRPr lang="en-US" dirty="0"/>
-                    </a:p>
-                  </a:txBody>
-                  <a:tcPr anchor="ctr"/>
-                </a:tc>
-                <a:tc>
-                  <a:txBody>
-                    <a:bodyPr/>
-                    <a:lstStyle/>
-                    <a:p>
-                      <a:pPr algn="ctr"/>
-                      <a:endParaRPr lang="en-US" dirty="0"/>
-                    </a:p>
-                  </a:txBody>
-                  <a:tcPr anchor="ctr"/>
-                </a:tc>
-                <a:tc>
-                  <a:txBody>
-                    <a:bodyPr/>
-                    <a:lstStyle/>
-                    <a:p>
-                      <a:pPr algn="ctr"/>
-                      <a:endParaRPr lang="en-US" dirty="0"/>
-                    </a:p>
-                  </a:txBody>
-                  <a:tcPr anchor="ctr"/>
-                </a:tc>
-                <a:tc>
-                  <a:txBody>
-                    <a:bodyPr/>
-                    <a:lstStyle/>
-                    <a:p>
-                      <a:pPr algn="ctr"/>
-                      <a:endParaRPr lang="en-US" dirty="0"/>
-                    </a:p>
-                  </a:txBody>
-                  <a:tcPr anchor="ctr"/>
-                </a:tc>
-                <a:tc>
-                  <a:txBody>
-                    <a:bodyPr/>
-                    <a:lstStyle/>
-                    <a:p>
-                      <a:pPr algn="ctr"/>
-                      <a:endParaRPr lang="en-US" dirty="0"/>
-                    </a:p>
-                  </a:txBody>
-                  <a:tcPr anchor="ctr"/>
-                </a:tc>
-                <a:tc>
-                  <a:txBody>
-                    <a:bodyPr/>
-                    <a:lstStyle/>
-                    <a:p>
-                      <a:pPr algn="ctr"/>
-                      <a:endParaRPr lang="en-US" dirty="0"/>
+                      <a:r>
+                        <a:rPr lang="en-US" dirty="0"/>
+                        <a:t>0.80</a:t>
+                      </a:r>
+                    </a:p>
+                  </a:txBody>
+                  <a:tcPr anchor="ctr"/>
+                </a:tc>
+                <a:tc>
+                  <a:txBody>
+                    <a:bodyPr/>
+                    <a:lstStyle/>
+                    <a:p>
+                      <a:pPr algn="ctr"/>
+                      <a:r>
+                        <a:rPr lang="en-US" dirty="0"/>
+                        <a:t>0.700</a:t>
+                      </a:r>
+                    </a:p>
+                  </a:txBody>
+                  <a:tcPr anchor="ctr"/>
+                </a:tc>
+                <a:tc>
+                  <a:txBody>
+                    <a:bodyPr/>
+                    <a:lstStyle/>
+                    <a:p>
+                      <a:pPr algn="ctr"/>
+                      <a:r>
+                        <a:rPr lang="en-US" dirty="0"/>
+                        <a:t>0.578</a:t>
+                      </a:r>
+                    </a:p>
+                  </a:txBody>
+                  <a:tcPr anchor="ctr"/>
+                </a:tc>
+                <a:tc>
+                  <a:txBody>
+                    <a:bodyPr/>
+                    <a:lstStyle/>
+                    <a:p>
+                      <a:pPr algn="ctr"/>
+                      <a:r>
+                        <a:rPr lang="en-US" dirty="0"/>
+                        <a:t>0.895</a:t>
+                      </a:r>
+                    </a:p>
+                  </a:txBody>
+                  <a:tcPr anchor="ctr"/>
+                </a:tc>
+                <a:tc>
+                  <a:txBody>
+                    <a:bodyPr/>
+                    <a:lstStyle/>
+                    <a:p>
+                      <a:pPr algn="ctr"/>
+                      <a:r>
+                        <a:rPr lang="en-US" dirty="0"/>
+                        <a:t>0.633</a:t>
+                      </a:r>
+                    </a:p>
+                  </a:txBody>
+                  <a:tcPr anchor="ctr"/>
+                </a:tc>
+                <a:tc>
+                  <a:txBody>
+                    <a:bodyPr/>
+                    <a:lstStyle/>
+                    <a:p>
+                      <a:pPr algn="ctr"/>
+                      <a:r>
+                        <a:rPr lang="en-US" dirty="0"/>
+                        <a:t>0.4555</a:t>
+                      </a:r>
                     </a:p>
                   </a:txBody>
                   <a:tcPr anchor="ctr"/>
@@ -36373,7 +36535,722 @@
 </p:sld>
 </file>
 
-<file path=ppt/slides/slide76.xml><?xml version="1.0" encoding="utf-8"?>
+<file path=ppt/slides/slide77.xml><?xml version="1.0" encoding="utf-8"?>
+<p:sld xmlns:a="http://schemas.openxmlformats.org/drawingml/2006/main" xmlns:r="http://schemas.openxmlformats.org/officeDocument/2006/relationships" xmlns:p="http://schemas.openxmlformats.org/presentationml/2006/main">
+  <p:cSld>
+    <p:spTree>
+      <p:nvGrpSpPr>
+        <p:cNvPr id="1" name=""/>
+        <p:cNvGrpSpPr/>
+        <p:nvPr/>
+      </p:nvGrpSpPr>
+      <p:grpSpPr>
+        <a:xfrm>
+          <a:off x="0" y="0"/>
+          <a:ext cx="0" cy="0"/>
+          <a:chOff x="0" y="0"/>
+          <a:chExt cx="0" cy="0"/>
+        </a:xfrm>
+      </p:grpSpPr>
+      <p:graphicFrame>
+        <p:nvGraphicFramePr>
+          <p:cNvPr id="4" name="Table 3">
+            <a:extLst>
+              <a:ext uri="{FF2B5EF4-FFF2-40B4-BE49-F238E27FC236}">
+                <a16:creationId xmlns:a16="http://schemas.microsoft.com/office/drawing/2014/main" id="{F3634E9B-F616-E548-A703-16000F2DD0FF}"/>
+              </a:ext>
+            </a:extLst>
+          </p:cNvPr>
+          <p:cNvGraphicFramePr>
+            <a:graphicFrameLocks noGrp="1"/>
+          </p:cNvGraphicFramePr>
+          <p:nvPr>
+            <p:extLst>
+              <p:ext uri="{D42A27DB-BD31-4B8C-83A1-F6EECF244321}">
+                <p14:modId xmlns:p14="http://schemas.microsoft.com/office/powerpoint/2010/main" val="3534844657"/>
+              </p:ext>
+            </p:extLst>
+          </p:nvPr>
+        </p:nvGraphicFramePr>
+        <p:xfrm>
+          <a:off x="674557" y="929527"/>
+          <a:ext cx="10942820" cy="4976599"/>
+        </p:xfrm>
+        <a:graphic>
+          <a:graphicData uri="http://schemas.openxmlformats.org/drawingml/2006/table">
+            <a:tbl>
+              <a:tblPr firstRow="1" bandRow="1">
+                <a:tableStyleId>{5C22544A-7EE6-4342-B048-85BDC9FD1C3A}</a:tableStyleId>
+              </a:tblPr>
+              <a:tblGrid>
+                <a:gridCol w="1563260">
+                  <a:extLst>
+                    <a:ext uri="{9D8B030D-6E8A-4147-A177-3AD203B41FA5}">
+                      <a16:colId xmlns:a16="http://schemas.microsoft.com/office/drawing/2014/main" val="2272368709"/>
+                    </a:ext>
+                  </a:extLst>
+                </a:gridCol>
+                <a:gridCol w="1563260">
+                  <a:extLst>
+                    <a:ext uri="{9D8B030D-6E8A-4147-A177-3AD203B41FA5}">
+                      <a16:colId xmlns:a16="http://schemas.microsoft.com/office/drawing/2014/main" val="2235686462"/>
+                    </a:ext>
+                  </a:extLst>
+                </a:gridCol>
+                <a:gridCol w="1563260">
+                  <a:extLst>
+                    <a:ext uri="{9D8B030D-6E8A-4147-A177-3AD203B41FA5}">
+                      <a16:colId xmlns:a16="http://schemas.microsoft.com/office/drawing/2014/main" val="1061232007"/>
+                    </a:ext>
+                  </a:extLst>
+                </a:gridCol>
+                <a:gridCol w="1563260">
+                  <a:extLst>
+                    <a:ext uri="{9D8B030D-6E8A-4147-A177-3AD203B41FA5}">
+                      <a16:colId xmlns:a16="http://schemas.microsoft.com/office/drawing/2014/main" val="464967916"/>
+                    </a:ext>
+                  </a:extLst>
+                </a:gridCol>
+                <a:gridCol w="1563260">
+                  <a:extLst>
+                    <a:ext uri="{9D8B030D-6E8A-4147-A177-3AD203B41FA5}">
+                      <a16:colId xmlns:a16="http://schemas.microsoft.com/office/drawing/2014/main" val="3929012556"/>
+                    </a:ext>
+                  </a:extLst>
+                </a:gridCol>
+                <a:gridCol w="1563260">
+                  <a:extLst>
+                    <a:ext uri="{9D8B030D-6E8A-4147-A177-3AD203B41FA5}">
+                      <a16:colId xmlns:a16="http://schemas.microsoft.com/office/drawing/2014/main" val="3303028153"/>
+                    </a:ext>
+                  </a:extLst>
+                </a:gridCol>
+                <a:gridCol w="1563260">
+                  <a:extLst>
+                    <a:ext uri="{9D8B030D-6E8A-4147-A177-3AD203B41FA5}">
+                      <a16:colId xmlns:a16="http://schemas.microsoft.com/office/drawing/2014/main" val="4108006114"/>
+                    </a:ext>
+                  </a:extLst>
+                </a:gridCol>
+              </a:tblGrid>
+              <a:tr h="523804">
+                <a:tc>
+                  <a:txBody>
+                    <a:bodyPr/>
+                    <a:lstStyle/>
+                    <a:p>
+                      <a:pPr algn="ctr"/>
+                      <a:r>
+                        <a:rPr lang="en-US" dirty="0"/>
+                        <a:t>Gap</a:t>
+                      </a:r>
+                    </a:p>
+                  </a:txBody>
+                  <a:tcPr anchor="ctr"/>
+                </a:tc>
+                <a:tc>
+                  <a:txBody>
+                    <a:bodyPr/>
+                    <a:lstStyle/>
+                    <a:p>
+                      <a:pPr algn="ctr"/>
+                      <a:r>
+                        <a:rPr lang="en-US" dirty="0"/>
+                        <a:t>Accuracy</a:t>
+                      </a:r>
+                    </a:p>
+                  </a:txBody>
+                  <a:tcPr anchor="ctr"/>
+                </a:tc>
+                <a:tc>
+                  <a:txBody>
+                    <a:bodyPr/>
+                    <a:lstStyle/>
+                    <a:p>
+                      <a:pPr algn="ctr"/>
+                      <a:r>
+                        <a:rPr lang="en-US" dirty="0"/>
+                        <a:t>precision</a:t>
+                      </a:r>
+                    </a:p>
+                  </a:txBody>
+                  <a:tcPr anchor="ctr"/>
+                </a:tc>
+                <a:tc>
+                  <a:txBody>
+                    <a:bodyPr/>
+                    <a:lstStyle/>
+                    <a:p>
+                      <a:pPr algn="ctr"/>
+                      <a:r>
+                        <a:rPr lang="en-US" dirty="0"/>
+                        <a:t>recall</a:t>
+                      </a:r>
+                    </a:p>
+                  </a:txBody>
+                  <a:tcPr anchor="ctr"/>
+                </a:tc>
+                <a:tc>
+                  <a:txBody>
+                    <a:bodyPr/>
+                    <a:lstStyle/>
+                    <a:p>
+                      <a:pPr algn="ctr"/>
+                      <a:r>
+                        <a:rPr lang="en-US" dirty="0"/>
+                        <a:t>specificity</a:t>
+                      </a:r>
+                    </a:p>
+                  </a:txBody>
+                  <a:tcPr anchor="ctr"/>
+                </a:tc>
+                <a:tc>
+                  <a:txBody>
+                    <a:bodyPr/>
+                    <a:lstStyle/>
+                    <a:p>
+                      <a:pPr algn="ctr"/>
+                      <a:r>
+                        <a:rPr lang="en-US" dirty="0"/>
+                        <a:t>F1</a:t>
+                      </a:r>
+                    </a:p>
+                  </a:txBody>
+                  <a:tcPr anchor="ctr"/>
+                </a:tc>
+                <a:tc>
+                  <a:txBody>
+                    <a:bodyPr/>
+                    <a:lstStyle/>
+                    <a:p>
+                      <a:pPr algn="ctr"/>
+                      <a:r>
+                        <a:rPr lang="en-US" dirty="0"/>
+                        <a:t>loss</a:t>
+                      </a:r>
+                    </a:p>
+                  </a:txBody>
+                  <a:tcPr anchor="ctr"/>
+                </a:tc>
+                <a:extLst>
+                  <a:ext uri="{0D108BD9-81ED-4DB2-BD59-A6C34878D82A}">
+                    <a16:rowId xmlns:a16="http://schemas.microsoft.com/office/drawing/2014/main" val="2384826745"/>
+                  </a:ext>
+                </a:extLst>
+              </a:tr>
+              <a:tr h="904099">
+                <a:tc>
+                  <a:txBody>
+                    <a:bodyPr/>
+                    <a:lstStyle/>
+                    <a:p>
+                      <a:pPr algn="ctr"/>
+                      <a:r>
+                        <a:rPr lang="en-US" dirty="0" err="1"/>
+                        <a:t>Alexnet_accuracy</a:t>
+                      </a:r>
+                      <a:endParaRPr lang="en-US" dirty="0"/>
+                    </a:p>
+                  </a:txBody>
+                  <a:tcPr anchor="ctr"/>
+                </a:tc>
+                <a:tc>
+                  <a:txBody>
+                    <a:bodyPr/>
+                    <a:lstStyle/>
+                    <a:p>
+                      <a:pPr algn="ctr"/>
+                      <a:endParaRPr lang="en-US" dirty="0"/>
+                    </a:p>
+                  </a:txBody>
+                  <a:tcPr anchor="ctr"/>
+                </a:tc>
+                <a:tc>
+                  <a:txBody>
+                    <a:bodyPr/>
+                    <a:lstStyle/>
+                    <a:p>
+                      <a:pPr algn="ctr"/>
+                      <a:endParaRPr lang="en-US" dirty="0"/>
+                    </a:p>
+                  </a:txBody>
+                  <a:tcPr anchor="ctr"/>
+                </a:tc>
+                <a:tc>
+                  <a:txBody>
+                    <a:bodyPr/>
+                    <a:lstStyle/>
+                    <a:p>
+                      <a:pPr algn="ctr"/>
+                      <a:endParaRPr lang="en-US" dirty="0"/>
+                    </a:p>
+                  </a:txBody>
+                  <a:tcPr anchor="ctr"/>
+                </a:tc>
+                <a:tc>
+                  <a:txBody>
+                    <a:bodyPr/>
+                    <a:lstStyle/>
+                    <a:p>
+                      <a:pPr algn="ctr"/>
+                      <a:endParaRPr lang="en-US" dirty="0"/>
+                    </a:p>
+                  </a:txBody>
+                  <a:tcPr anchor="ctr"/>
+                </a:tc>
+                <a:tc>
+                  <a:txBody>
+                    <a:bodyPr/>
+                    <a:lstStyle/>
+                    <a:p>
+                      <a:pPr algn="ctr"/>
+                      <a:endParaRPr lang="en-US" dirty="0"/>
+                    </a:p>
+                  </a:txBody>
+                  <a:tcPr anchor="ctr"/>
+                </a:tc>
+                <a:tc>
+                  <a:txBody>
+                    <a:bodyPr/>
+                    <a:lstStyle/>
+                    <a:p>
+                      <a:pPr algn="ctr"/>
+                      <a:endParaRPr lang="en-US" dirty="0"/>
+                    </a:p>
+                  </a:txBody>
+                  <a:tcPr anchor="ctr"/>
+                </a:tc>
+                <a:extLst>
+                  <a:ext uri="{0D108BD9-81ED-4DB2-BD59-A6C34878D82A}">
+                    <a16:rowId xmlns:a16="http://schemas.microsoft.com/office/drawing/2014/main" val="1449166203"/>
+                  </a:ext>
+                </a:extLst>
+              </a:tr>
+              <a:tr h="887174">
+                <a:tc>
+                  <a:txBody>
+                    <a:bodyPr/>
+                    <a:lstStyle/>
+                    <a:p>
+                      <a:pPr algn="ctr"/>
+                      <a:r>
+                        <a:rPr lang="en-US" dirty="0" err="1"/>
+                        <a:t>Alexnet_precision</a:t>
+                      </a:r>
+                      <a:endParaRPr lang="en-US" dirty="0"/>
+                    </a:p>
+                  </a:txBody>
+                  <a:tcPr anchor="ctr"/>
+                </a:tc>
+                <a:tc>
+                  <a:txBody>
+                    <a:bodyPr/>
+                    <a:lstStyle/>
+                    <a:p>
+                      <a:pPr algn="ctr"/>
+                      <a:endParaRPr lang="en-US" dirty="0"/>
+                    </a:p>
+                  </a:txBody>
+                  <a:tcPr anchor="ctr"/>
+                </a:tc>
+                <a:tc>
+                  <a:txBody>
+                    <a:bodyPr/>
+                    <a:lstStyle/>
+                    <a:p>
+                      <a:pPr algn="ctr"/>
+                      <a:endParaRPr lang="en-US" dirty="0"/>
+                    </a:p>
+                  </a:txBody>
+                  <a:tcPr anchor="ctr"/>
+                </a:tc>
+                <a:tc>
+                  <a:txBody>
+                    <a:bodyPr/>
+                    <a:lstStyle/>
+                    <a:p>
+                      <a:pPr algn="ctr"/>
+                      <a:endParaRPr lang="en-US" dirty="0"/>
+                    </a:p>
+                  </a:txBody>
+                  <a:tcPr anchor="ctr"/>
+                </a:tc>
+                <a:tc>
+                  <a:txBody>
+                    <a:bodyPr/>
+                    <a:lstStyle/>
+                    <a:p>
+                      <a:pPr algn="ctr"/>
+                      <a:endParaRPr lang="en-US" dirty="0"/>
+                    </a:p>
+                  </a:txBody>
+                  <a:tcPr anchor="ctr"/>
+                </a:tc>
+                <a:tc>
+                  <a:txBody>
+                    <a:bodyPr/>
+                    <a:lstStyle/>
+                    <a:p>
+                      <a:pPr algn="ctr"/>
+                      <a:endParaRPr lang="en-US" dirty="0"/>
+                    </a:p>
+                  </a:txBody>
+                  <a:tcPr anchor="ctr"/>
+                </a:tc>
+                <a:tc>
+                  <a:txBody>
+                    <a:bodyPr/>
+                    <a:lstStyle/>
+                    <a:p>
+                      <a:pPr algn="ctr"/>
+                      <a:endParaRPr lang="en-US" dirty="0"/>
+                    </a:p>
+                  </a:txBody>
+                  <a:tcPr anchor="ctr"/>
+                </a:tc>
+                <a:extLst>
+                  <a:ext uri="{0D108BD9-81ED-4DB2-BD59-A6C34878D82A}">
+                    <a16:rowId xmlns:a16="http://schemas.microsoft.com/office/drawing/2014/main" val="4164655960"/>
+                  </a:ext>
+                </a:extLst>
+              </a:tr>
+              <a:tr h="887174">
+                <a:tc>
+                  <a:txBody>
+                    <a:bodyPr/>
+                    <a:lstStyle/>
+                    <a:p>
+                      <a:pPr algn="ctr"/>
+                      <a:r>
+                        <a:rPr lang="en-US" dirty="0" err="1"/>
+                        <a:t>Alexnet</a:t>
+                      </a:r>
+                      <a:r>
+                        <a:rPr lang="en-US" dirty="0" err="1">
+                          <a:solidFill>
+                            <a:srgbClr val="FF0000"/>
+                          </a:solidFill>
+                        </a:rPr>
+                        <a:t>_recall</a:t>
+                      </a:r>
+                      <a:endParaRPr lang="en-US" dirty="0">
+                        <a:solidFill>
+                          <a:srgbClr val="FF0000"/>
+                        </a:solidFill>
+                      </a:endParaRPr>
+                    </a:p>
+                  </a:txBody>
+                  <a:tcPr anchor="ctr"/>
+                </a:tc>
+                <a:tc>
+                  <a:txBody>
+                    <a:bodyPr/>
+                    <a:lstStyle/>
+                    <a:p>
+                      <a:pPr algn="ctr"/>
+                      <a:endParaRPr lang="en-US" dirty="0">
+                        <a:solidFill>
+                          <a:srgbClr val="FF0000"/>
+                        </a:solidFill>
+                      </a:endParaRPr>
+                    </a:p>
+                  </a:txBody>
+                  <a:tcPr anchor="ctr"/>
+                </a:tc>
+                <a:tc>
+                  <a:txBody>
+                    <a:bodyPr/>
+                    <a:lstStyle/>
+                    <a:p>
+                      <a:pPr algn="ctr"/>
+                      <a:endParaRPr lang="en-US" dirty="0">
+                        <a:solidFill>
+                          <a:srgbClr val="FF0000"/>
+                        </a:solidFill>
+                      </a:endParaRPr>
+                    </a:p>
+                  </a:txBody>
+                  <a:tcPr anchor="ctr"/>
+                </a:tc>
+                <a:tc>
+                  <a:txBody>
+                    <a:bodyPr/>
+                    <a:lstStyle/>
+                    <a:p>
+                      <a:pPr algn="ctr"/>
+                      <a:endParaRPr lang="en-US" dirty="0">
+                        <a:solidFill>
+                          <a:srgbClr val="FF0000"/>
+                        </a:solidFill>
+                      </a:endParaRPr>
+                    </a:p>
+                  </a:txBody>
+                  <a:tcPr anchor="ctr"/>
+                </a:tc>
+                <a:tc>
+                  <a:txBody>
+                    <a:bodyPr/>
+                    <a:lstStyle/>
+                    <a:p>
+                      <a:pPr algn="ctr"/>
+                      <a:endParaRPr lang="en-US" dirty="0">
+                        <a:solidFill>
+                          <a:srgbClr val="FF0000"/>
+                        </a:solidFill>
+                      </a:endParaRPr>
+                    </a:p>
+                  </a:txBody>
+                  <a:tcPr anchor="ctr"/>
+                </a:tc>
+                <a:tc>
+                  <a:txBody>
+                    <a:bodyPr/>
+                    <a:lstStyle/>
+                    <a:p>
+                      <a:pPr algn="ctr"/>
+                      <a:endParaRPr lang="en-US" dirty="0">
+                        <a:solidFill>
+                          <a:srgbClr val="FF0000"/>
+                        </a:solidFill>
+                      </a:endParaRPr>
+                    </a:p>
+                  </a:txBody>
+                  <a:tcPr anchor="ctr"/>
+                </a:tc>
+                <a:tc>
+                  <a:txBody>
+                    <a:bodyPr/>
+                    <a:lstStyle/>
+                    <a:p>
+                      <a:pPr algn="ctr"/>
+                      <a:endParaRPr lang="en-US" dirty="0">
+                        <a:solidFill>
+                          <a:srgbClr val="FF0000"/>
+                        </a:solidFill>
+                      </a:endParaRPr>
+                    </a:p>
+                  </a:txBody>
+                  <a:tcPr anchor="ctr"/>
+                </a:tc>
+                <a:extLst>
+                  <a:ext uri="{0D108BD9-81ED-4DB2-BD59-A6C34878D82A}">
+                    <a16:rowId xmlns:a16="http://schemas.microsoft.com/office/drawing/2014/main" val="2775775737"/>
+                  </a:ext>
+                </a:extLst>
+              </a:tr>
+              <a:tr h="887174">
+                <a:tc>
+                  <a:txBody>
+                    <a:bodyPr/>
+                    <a:lstStyle/>
+                    <a:p>
+                      <a:pPr algn="ctr"/>
+                      <a:r>
+                        <a:rPr lang="en-US" dirty="0"/>
+                        <a:t>Alexnet_F1</a:t>
+                      </a:r>
+                    </a:p>
+                  </a:txBody>
+                  <a:tcPr anchor="ctr"/>
+                </a:tc>
+                <a:tc>
+                  <a:txBody>
+                    <a:bodyPr/>
+                    <a:lstStyle/>
+                    <a:p>
+                      <a:pPr algn="ctr"/>
+                      <a:endParaRPr lang="en-US" dirty="0"/>
+                    </a:p>
+                  </a:txBody>
+                  <a:tcPr anchor="ctr"/>
+                </a:tc>
+                <a:tc>
+                  <a:txBody>
+                    <a:bodyPr/>
+                    <a:lstStyle/>
+                    <a:p>
+                      <a:pPr algn="ctr"/>
+                      <a:endParaRPr lang="en-US" dirty="0"/>
+                    </a:p>
+                  </a:txBody>
+                  <a:tcPr anchor="ctr"/>
+                </a:tc>
+                <a:tc>
+                  <a:txBody>
+                    <a:bodyPr/>
+                    <a:lstStyle/>
+                    <a:p>
+                      <a:pPr algn="ctr"/>
+                      <a:endParaRPr lang="en-US" dirty="0"/>
+                    </a:p>
+                  </a:txBody>
+                  <a:tcPr anchor="ctr"/>
+                </a:tc>
+                <a:tc>
+                  <a:txBody>
+                    <a:bodyPr/>
+                    <a:lstStyle/>
+                    <a:p>
+                      <a:pPr algn="ctr"/>
+                      <a:endParaRPr lang="en-US" dirty="0"/>
+                    </a:p>
+                  </a:txBody>
+                  <a:tcPr anchor="ctr"/>
+                </a:tc>
+                <a:tc>
+                  <a:txBody>
+                    <a:bodyPr/>
+                    <a:lstStyle/>
+                    <a:p>
+                      <a:pPr algn="ctr"/>
+                      <a:endParaRPr lang="en-US" dirty="0"/>
+                    </a:p>
+                  </a:txBody>
+                  <a:tcPr anchor="ctr"/>
+                </a:tc>
+                <a:tc>
+                  <a:txBody>
+                    <a:bodyPr/>
+                    <a:lstStyle/>
+                    <a:p>
+                      <a:pPr algn="ctr"/>
+                      <a:endParaRPr lang="en-US" dirty="0"/>
+                    </a:p>
+                  </a:txBody>
+                  <a:tcPr anchor="ctr"/>
+                </a:tc>
+                <a:extLst>
+                  <a:ext uri="{0D108BD9-81ED-4DB2-BD59-A6C34878D82A}">
+                    <a16:rowId xmlns:a16="http://schemas.microsoft.com/office/drawing/2014/main" val="618446083"/>
+                  </a:ext>
+                </a:extLst>
+              </a:tr>
+              <a:tr h="887174">
+                <a:tc>
+                  <a:txBody>
+                    <a:bodyPr/>
+                    <a:lstStyle/>
+                    <a:p>
+                      <a:pPr marL="0" marR="0" lvl="0" indent="0" algn="ctr" defTabSz="914400" rtl="0" eaLnBrk="1" fontAlgn="auto" latinLnBrk="0" hangingPunct="1">
+                        <a:lnSpc>
+                          <a:spcPct val="100000"/>
+                        </a:lnSpc>
+                        <a:spcBef>
+                          <a:spcPts val="0"/>
+                        </a:spcBef>
+                        <a:spcAft>
+                          <a:spcPts val="0"/>
+                        </a:spcAft>
+                        <a:buClrTx/>
+                        <a:buSzTx/>
+                        <a:buFontTx/>
+                        <a:buNone/>
+                        <a:tabLst/>
+                        <a:defRPr/>
+                      </a:pPr>
+                      <a:r>
+                        <a:rPr lang="en-US" dirty="0" err="1"/>
+                        <a:t>Alexnet_loss</a:t>
+                      </a:r>
+                      <a:endParaRPr lang="en-US" dirty="0"/>
+                    </a:p>
+                    <a:p>
+                      <a:pPr algn="ctr"/>
+                      <a:endParaRPr lang="en-US" dirty="0"/>
+                    </a:p>
+                  </a:txBody>
+                  <a:tcPr anchor="ctr"/>
+                </a:tc>
+                <a:tc>
+                  <a:txBody>
+                    <a:bodyPr/>
+                    <a:lstStyle/>
+                    <a:p>
+                      <a:pPr algn="ctr"/>
+                      <a:endParaRPr lang="en-US" dirty="0"/>
+                    </a:p>
+                  </a:txBody>
+                  <a:tcPr anchor="ctr"/>
+                </a:tc>
+                <a:tc>
+                  <a:txBody>
+                    <a:bodyPr/>
+                    <a:lstStyle/>
+                    <a:p>
+                      <a:pPr algn="ctr"/>
+                      <a:endParaRPr lang="en-US" dirty="0"/>
+                    </a:p>
+                  </a:txBody>
+                  <a:tcPr anchor="ctr"/>
+                </a:tc>
+                <a:tc>
+                  <a:txBody>
+                    <a:bodyPr/>
+                    <a:lstStyle/>
+                    <a:p>
+                      <a:pPr algn="ctr"/>
+                      <a:endParaRPr lang="en-US" dirty="0"/>
+                    </a:p>
+                  </a:txBody>
+                  <a:tcPr anchor="ctr"/>
+                </a:tc>
+                <a:tc>
+                  <a:txBody>
+                    <a:bodyPr/>
+                    <a:lstStyle/>
+                    <a:p>
+                      <a:pPr algn="ctr"/>
+                      <a:endParaRPr lang="en-US" dirty="0"/>
+                    </a:p>
+                  </a:txBody>
+                  <a:tcPr anchor="ctr"/>
+                </a:tc>
+                <a:tc>
+                  <a:txBody>
+                    <a:bodyPr/>
+                    <a:lstStyle/>
+                    <a:p>
+                      <a:pPr algn="ctr"/>
+                      <a:endParaRPr lang="en-US" dirty="0"/>
+                    </a:p>
+                  </a:txBody>
+                  <a:tcPr anchor="ctr"/>
+                </a:tc>
+                <a:tc>
+                  <a:txBody>
+                    <a:bodyPr/>
+                    <a:lstStyle/>
+                    <a:p>
+                      <a:pPr algn="ctr"/>
+                      <a:endParaRPr lang="en-US" dirty="0"/>
+                    </a:p>
+                  </a:txBody>
+                  <a:tcPr anchor="ctr"/>
+                </a:tc>
+                <a:extLst>
+                  <a:ext uri="{0D108BD9-81ED-4DB2-BD59-A6C34878D82A}">
+                    <a16:rowId xmlns:a16="http://schemas.microsoft.com/office/drawing/2014/main" val="872347479"/>
+                  </a:ext>
+                </a:extLst>
+              </a:tr>
+            </a:tbl>
+          </a:graphicData>
+        </a:graphic>
+      </p:graphicFrame>
+    </p:spTree>
+    <p:extLst>
+      <p:ext uri="{BB962C8B-B14F-4D97-AF65-F5344CB8AC3E}">
+        <p14:creationId xmlns:p14="http://schemas.microsoft.com/office/powerpoint/2010/main" val="21344811"/>
+      </p:ext>
+    </p:extLst>
+  </p:cSld>
+  <p:clrMapOvr>
+    <a:masterClrMapping/>
+  </p:clrMapOvr>
+</p:sld>
+</file>
+
+<file path=ppt/slides/slide78.xml><?xml version="1.0" encoding="utf-8"?>
 <p:sld xmlns:a="http://schemas.openxmlformats.org/drawingml/2006/main" xmlns:r="http://schemas.openxmlformats.org/officeDocument/2006/relationships" xmlns:p="http://schemas.openxmlformats.org/presentationml/2006/main">
   <p:cSld>
     <p:spTree>
@@ -37077,7 +37954,7 @@
 </p:sld>
 </file>
 
-<file path=ppt/slides/slide77.xml><?xml version="1.0" encoding="utf-8"?>
+<file path=ppt/slides/slide79.xml><?xml version="1.0" encoding="utf-8"?>
 <p:sld xmlns:a="http://schemas.openxmlformats.org/drawingml/2006/main" xmlns:r="http://schemas.openxmlformats.org/officeDocument/2006/relationships" xmlns:p="http://schemas.openxmlformats.org/presentationml/2006/main">
   <p:cSld>
     <p:spTree>
@@ -37775,713 +38652,6 @@
     <p:extLst>
       <p:ext uri="{BB962C8B-B14F-4D97-AF65-F5344CB8AC3E}">
         <p14:creationId xmlns:p14="http://schemas.microsoft.com/office/powerpoint/2010/main" val="1793990162"/>
-      </p:ext>
-    </p:extLst>
-  </p:cSld>
-  <p:clrMapOvr>
-    <a:masterClrMapping/>
-  </p:clrMapOvr>
-</p:sld>
-</file>
-
-<file path=ppt/slides/slide78.xml><?xml version="1.0" encoding="utf-8"?>
-<p:sld xmlns:a="http://schemas.openxmlformats.org/drawingml/2006/main" xmlns:r="http://schemas.openxmlformats.org/officeDocument/2006/relationships" xmlns:p="http://schemas.openxmlformats.org/presentationml/2006/main">
-  <p:cSld>
-    <p:spTree>
-      <p:nvGrpSpPr>
-        <p:cNvPr id="1" name=""/>
-        <p:cNvGrpSpPr/>
-        <p:nvPr/>
-      </p:nvGrpSpPr>
-      <p:grpSpPr>
-        <a:xfrm>
-          <a:off x="0" y="0"/>
-          <a:ext cx="0" cy="0"/>
-          <a:chOff x="0" y="0"/>
-          <a:chExt cx="0" cy="0"/>
-        </a:xfrm>
-      </p:grpSpPr>
-      <p:graphicFrame>
-        <p:nvGraphicFramePr>
-          <p:cNvPr id="4" name="Table 3">
-            <a:extLst>
-              <a:ext uri="{FF2B5EF4-FFF2-40B4-BE49-F238E27FC236}">
-                <a16:creationId xmlns:a16="http://schemas.microsoft.com/office/drawing/2014/main" id="{F3634E9B-F616-E548-A703-16000F2DD0FF}"/>
-              </a:ext>
-            </a:extLst>
-          </p:cNvPr>
-          <p:cNvGraphicFramePr>
-            <a:graphicFrameLocks noGrp="1"/>
-          </p:cNvGraphicFramePr>
-          <p:nvPr>
-            <p:extLst>
-              <p:ext uri="{D42A27DB-BD31-4B8C-83A1-F6EECF244321}">
-                <p14:modId xmlns:p14="http://schemas.microsoft.com/office/powerpoint/2010/main" val="402224737"/>
-              </p:ext>
-            </p:extLst>
-          </p:nvPr>
-        </p:nvGraphicFramePr>
-        <p:xfrm>
-          <a:off x="674557" y="929527"/>
-          <a:ext cx="10942820" cy="5003825"/>
-        </p:xfrm>
-        <a:graphic>
-          <a:graphicData uri="http://schemas.openxmlformats.org/drawingml/2006/table">
-            <a:tbl>
-              <a:tblPr firstRow="1" bandRow="1">
-                <a:tableStyleId>{073A0DAA-6AF3-43AB-8588-CEC1D06C72B9}</a:tableStyleId>
-              </a:tblPr>
-              <a:tblGrid>
-                <a:gridCol w="1563260">
-                  <a:extLst>
-                    <a:ext uri="{9D8B030D-6E8A-4147-A177-3AD203B41FA5}">
-                      <a16:colId xmlns:a16="http://schemas.microsoft.com/office/drawing/2014/main" val="2272368709"/>
-                    </a:ext>
-                  </a:extLst>
-                </a:gridCol>
-                <a:gridCol w="1563260">
-                  <a:extLst>
-                    <a:ext uri="{9D8B030D-6E8A-4147-A177-3AD203B41FA5}">
-                      <a16:colId xmlns:a16="http://schemas.microsoft.com/office/drawing/2014/main" val="2235686462"/>
-                    </a:ext>
-                  </a:extLst>
-                </a:gridCol>
-                <a:gridCol w="1563260">
-                  <a:extLst>
-                    <a:ext uri="{9D8B030D-6E8A-4147-A177-3AD203B41FA5}">
-                      <a16:colId xmlns:a16="http://schemas.microsoft.com/office/drawing/2014/main" val="1061232007"/>
-                    </a:ext>
-                  </a:extLst>
-                </a:gridCol>
-                <a:gridCol w="1563260">
-                  <a:extLst>
-                    <a:ext uri="{9D8B030D-6E8A-4147-A177-3AD203B41FA5}">
-                      <a16:colId xmlns:a16="http://schemas.microsoft.com/office/drawing/2014/main" val="464967916"/>
-                    </a:ext>
-                  </a:extLst>
-                </a:gridCol>
-                <a:gridCol w="1563260">
-                  <a:extLst>
-                    <a:ext uri="{9D8B030D-6E8A-4147-A177-3AD203B41FA5}">
-                      <a16:colId xmlns:a16="http://schemas.microsoft.com/office/drawing/2014/main" val="3929012556"/>
-                    </a:ext>
-                  </a:extLst>
-                </a:gridCol>
-                <a:gridCol w="1563260">
-                  <a:extLst>
-                    <a:ext uri="{9D8B030D-6E8A-4147-A177-3AD203B41FA5}">
-                      <a16:colId xmlns:a16="http://schemas.microsoft.com/office/drawing/2014/main" val="3303028153"/>
-                    </a:ext>
-                  </a:extLst>
-                </a:gridCol>
-                <a:gridCol w="1563260">
-                  <a:extLst>
-                    <a:ext uri="{9D8B030D-6E8A-4147-A177-3AD203B41FA5}">
-                      <a16:colId xmlns:a16="http://schemas.microsoft.com/office/drawing/2014/main" val="4108006114"/>
-                    </a:ext>
-                  </a:extLst>
-                </a:gridCol>
-              </a:tblGrid>
-              <a:tr h="523804">
-                <a:tc>
-                  <a:txBody>
-                    <a:bodyPr/>
-                    <a:lstStyle/>
-                    <a:p>
-                      <a:pPr algn="ctr"/>
-                      <a:r>
-                        <a:rPr lang="en-US" dirty="0"/>
-                        <a:t>Junction</a:t>
-                      </a:r>
-                    </a:p>
-                  </a:txBody>
-                  <a:tcPr anchor="ctr"/>
-                </a:tc>
-                <a:tc>
-                  <a:txBody>
-                    <a:bodyPr/>
-                    <a:lstStyle/>
-                    <a:p>
-                      <a:pPr algn="ctr"/>
-                      <a:r>
-                        <a:rPr lang="en-US" dirty="0"/>
-                        <a:t>Accuracy</a:t>
-                      </a:r>
-                    </a:p>
-                  </a:txBody>
-                  <a:tcPr anchor="ctr"/>
-                </a:tc>
-                <a:tc>
-                  <a:txBody>
-                    <a:bodyPr/>
-                    <a:lstStyle/>
-                    <a:p>
-                      <a:pPr algn="ctr"/>
-                      <a:r>
-                        <a:rPr lang="en-US" dirty="0"/>
-                        <a:t>precision</a:t>
-                      </a:r>
-                    </a:p>
-                  </a:txBody>
-                  <a:tcPr anchor="ctr"/>
-                </a:tc>
-                <a:tc>
-                  <a:txBody>
-                    <a:bodyPr/>
-                    <a:lstStyle/>
-                    <a:p>
-                      <a:pPr algn="ctr"/>
-                      <a:r>
-                        <a:rPr lang="en-US" dirty="0"/>
-                        <a:t>recall</a:t>
-                      </a:r>
-                    </a:p>
-                  </a:txBody>
-                  <a:tcPr anchor="ctr"/>
-                </a:tc>
-                <a:tc>
-                  <a:txBody>
-                    <a:bodyPr/>
-                    <a:lstStyle/>
-                    <a:p>
-                      <a:pPr algn="ctr"/>
-                      <a:r>
-                        <a:rPr lang="en-US" dirty="0"/>
-                        <a:t>specificity</a:t>
-                      </a:r>
-                    </a:p>
-                  </a:txBody>
-                  <a:tcPr anchor="ctr"/>
-                </a:tc>
-                <a:tc>
-                  <a:txBody>
-                    <a:bodyPr/>
-                    <a:lstStyle/>
-                    <a:p>
-                      <a:pPr algn="ctr"/>
-                      <a:r>
-                        <a:rPr lang="en-US" dirty="0"/>
-                        <a:t>F1</a:t>
-                      </a:r>
-                    </a:p>
-                  </a:txBody>
-                  <a:tcPr anchor="ctr"/>
-                </a:tc>
-                <a:tc>
-                  <a:txBody>
-                    <a:bodyPr/>
-                    <a:lstStyle/>
-                    <a:p>
-                      <a:pPr algn="ctr"/>
-                      <a:r>
-                        <a:rPr lang="en-US" dirty="0"/>
-                        <a:t>loss</a:t>
-                      </a:r>
-                    </a:p>
-                  </a:txBody>
-                  <a:tcPr anchor="ctr"/>
-                </a:tc>
-                <a:extLst>
-                  <a:ext uri="{0D108BD9-81ED-4DB2-BD59-A6C34878D82A}">
-                    <a16:rowId xmlns:a16="http://schemas.microsoft.com/office/drawing/2014/main" val="2384826745"/>
-                  </a:ext>
-                </a:extLst>
-              </a:tr>
-              <a:tr h="904099">
-                <a:tc>
-                  <a:txBody>
-                    <a:bodyPr/>
-                    <a:lstStyle/>
-                    <a:p>
-                      <a:pPr algn="ctr"/>
-                      <a:r>
-                        <a:rPr lang="en-US" dirty="0" err="1"/>
-                        <a:t>googlenet_accuracy</a:t>
-                      </a:r>
-                      <a:endParaRPr lang="en-US" dirty="0"/>
-                    </a:p>
-                  </a:txBody>
-                  <a:tcPr anchor="ctr"/>
-                </a:tc>
-                <a:tc>
-                  <a:txBody>
-                    <a:bodyPr/>
-                    <a:lstStyle/>
-                    <a:p>
-                      <a:pPr algn="ctr"/>
-                      <a:endParaRPr lang="en-US" dirty="0"/>
-                    </a:p>
-                  </a:txBody>
-                  <a:tcPr anchor="ctr"/>
-                </a:tc>
-                <a:tc>
-                  <a:txBody>
-                    <a:bodyPr/>
-                    <a:lstStyle/>
-                    <a:p>
-                      <a:pPr algn="ctr"/>
-                      <a:endParaRPr lang="en-US" dirty="0"/>
-                    </a:p>
-                  </a:txBody>
-                  <a:tcPr anchor="ctr"/>
-                </a:tc>
-                <a:tc>
-                  <a:txBody>
-                    <a:bodyPr/>
-                    <a:lstStyle/>
-                    <a:p>
-                      <a:pPr algn="ctr"/>
-                      <a:endParaRPr lang="en-US" dirty="0"/>
-                    </a:p>
-                  </a:txBody>
-                  <a:tcPr anchor="ctr"/>
-                </a:tc>
-                <a:tc>
-                  <a:txBody>
-                    <a:bodyPr/>
-                    <a:lstStyle/>
-                    <a:p>
-                      <a:pPr algn="ctr"/>
-                      <a:endParaRPr lang="en-US" dirty="0"/>
-                    </a:p>
-                  </a:txBody>
-                  <a:tcPr anchor="ctr"/>
-                </a:tc>
-                <a:tc>
-                  <a:txBody>
-                    <a:bodyPr/>
-                    <a:lstStyle/>
-                    <a:p>
-                      <a:pPr algn="ctr"/>
-                      <a:endParaRPr lang="en-US" dirty="0"/>
-                    </a:p>
-                  </a:txBody>
-                  <a:tcPr anchor="ctr"/>
-                </a:tc>
-                <a:tc>
-                  <a:txBody>
-                    <a:bodyPr/>
-                    <a:lstStyle/>
-                    <a:p>
-                      <a:pPr algn="ctr"/>
-                      <a:endParaRPr lang="en-US" dirty="0"/>
-                    </a:p>
-                  </a:txBody>
-                  <a:tcPr anchor="ctr"/>
-                </a:tc>
-                <a:extLst>
-                  <a:ext uri="{0D108BD9-81ED-4DB2-BD59-A6C34878D82A}">
-                    <a16:rowId xmlns:a16="http://schemas.microsoft.com/office/drawing/2014/main" val="1449166203"/>
-                  </a:ext>
-                </a:extLst>
-              </a:tr>
-              <a:tr h="887174">
-                <a:tc>
-                  <a:txBody>
-                    <a:bodyPr/>
-                    <a:lstStyle/>
-                    <a:p>
-                      <a:pPr algn="ctr"/>
-                      <a:r>
-                        <a:rPr lang="en-US" dirty="0" err="1"/>
-                        <a:t>googlenet_precision</a:t>
-                      </a:r>
-                      <a:endParaRPr lang="en-US" dirty="0"/>
-                    </a:p>
-                  </a:txBody>
-                  <a:tcPr anchor="ctr"/>
-                </a:tc>
-                <a:tc>
-                  <a:txBody>
-                    <a:bodyPr/>
-                    <a:lstStyle/>
-                    <a:p>
-                      <a:pPr algn="ctr"/>
-                      <a:endParaRPr lang="en-US" dirty="0"/>
-                    </a:p>
-                  </a:txBody>
-                  <a:tcPr anchor="ctr"/>
-                </a:tc>
-                <a:tc>
-                  <a:txBody>
-                    <a:bodyPr/>
-                    <a:lstStyle/>
-                    <a:p>
-                      <a:pPr algn="ctr"/>
-                      <a:endParaRPr lang="en-US" dirty="0"/>
-                    </a:p>
-                  </a:txBody>
-                  <a:tcPr anchor="ctr"/>
-                </a:tc>
-                <a:tc>
-                  <a:txBody>
-                    <a:bodyPr/>
-                    <a:lstStyle/>
-                    <a:p>
-                      <a:pPr algn="ctr"/>
-                      <a:endParaRPr lang="en-US" dirty="0"/>
-                    </a:p>
-                  </a:txBody>
-                  <a:tcPr anchor="ctr"/>
-                </a:tc>
-                <a:tc>
-                  <a:txBody>
-                    <a:bodyPr/>
-                    <a:lstStyle/>
-                    <a:p>
-                      <a:pPr algn="ctr"/>
-                      <a:endParaRPr lang="en-US" dirty="0"/>
-                    </a:p>
-                  </a:txBody>
-                  <a:tcPr anchor="ctr"/>
-                </a:tc>
-                <a:tc>
-                  <a:txBody>
-                    <a:bodyPr/>
-                    <a:lstStyle/>
-                    <a:p>
-                      <a:pPr algn="ctr"/>
-                      <a:endParaRPr lang="en-US" dirty="0"/>
-                    </a:p>
-                  </a:txBody>
-                  <a:tcPr anchor="ctr"/>
-                </a:tc>
-                <a:tc>
-                  <a:txBody>
-                    <a:bodyPr/>
-                    <a:lstStyle/>
-                    <a:p>
-                      <a:pPr algn="ctr"/>
-                      <a:endParaRPr lang="en-US" dirty="0"/>
-                    </a:p>
-                  </a:txBody>
-                  <a:tcPr anchor="ctr"/>
-                </a:tc>
-                <a:extLst>
-                  <a:ext uri="{0D108BD9-81ED-4DB2-BD59-A6C34878D82A}">
-                    <a16:rowId xmlns:a16="http://schemas.microsoft.com/office/drawing/2014/main" val="4164655960"/>
-                  </a:ext>
-                </a:extLst>
-              </a:tr>
-              <a:tr h="887174">
-                <a:tc>
-                  <a:txBody>
-                    <a:bodyPr/>
-                    <a:lstStyle/>
-                    <a:p>
-                      <a:pPr algn="ctr"/>
-                      <a:r>
-                        <a:rPr lang="en-US" dirty="0" err="1"/>
-                        <a:t>googlenet_recall</a:t>
-                      </a:r>
-                      <a:endParaRPr lang="en-US" dirty="0">
-                        <a:solidFill>
-                          <a:srgbClr val="FF0000"/>
-                        </a:solidFill>
-                      </a:endParaRPr>
-                    </a:p>
-                  </a:txBody>
-                  <a:tcPr anchor="ctr"/>
-                </a:tc>
-                <a:tc>
-                  <a:txBody>
-                    <a:bodyPr/>
-                    <a:lstStyle/>
-                    <a:p>
-                      <a:pPr algn="ctr"/>
-                      <a:endParaRPr lang="en-US" dirty="0">
-                        <a:solidFill>
-                          <a:srgbClr val="FF0000"/>
-                        </a:solidFill>
-                      </a:endParaRPr>
-                    </a:p>
-                  </a:txBody>
-                  <a:tcPr anchor="ctr"/>
-                </a:tc>
-                <a:tc>
-                  <a:txBody>
-                    <a:bodyPr/>
-                    <a:lstStyle/>
-                    <a:p>
-                      <a:pPr algn="ctr"/>
-                      <a:endParaRPr lang="en-US" dirty="0">
-                        <a:solidFill>
-                          <a:srgbClr val="FF0000"/>
-                        </a:solidFill>
-                      </a:endParaRPr>
-                    </a:p>
-                  </a:txBody>
-                  <a:tcPr anchor="ctr"/>
-                </a:tc>
-                <a:tc>
-                  <a:txBody>
-                    <a:bodyPr/>
-                    <a:lstStyle/>
-                    <a:p>
-                      <a:pPr algn="ctr"/>
-                      <a:endParaRPr lang="en-US" dirty="0">
-                        <a:solidFill>
-                          <a:srgbClr val="FF0000"/>
-                        </a:solidFill>
-                      </a:endParaRPr>
-                    </a:p>
-                  </a:txBody>
-                  <a:tcPr anchor="ctr"/>
-                </a:tc>
-                <a:tc>
-                  <a:txBody>
-                    <a:bodyPr/>
-                    <a:lstStyle/>
-                    <a:p>
-                      <a:pPr algn="ctr"/>
-                      <a:endParaRPr lang="en-US" dirty="0">
-                        <a:solidFill>
-                          <a:srgbClr val="FF0000"/>
-                        </a:solidFill>
-                      </a:endParaRPr>
-                    </a:p>
-                  </a:txBody>
-                  <a:tcPr anchor="ctr"/>
-                </a:tc>
-                <a:tc>
-                  <a:txBody>
-                    <a:bodyPr/>
-                    <a:lstStyle/>
-                    <a:p>
-                      <a:pPr algn="ctr"/>
-                      <a:endParaRPr lang="en-US" dirty="0">
-                        <a:solidFill>
-                          <a:srgbClr val="FF0000"/>
-                        </a:solidFill>
-                      </a:endParaRPr>
-                    </a:p>
-                  </a:txBody>
-                  <a:tcPr anchor="ctr"/>
-                </a:tc>
-                <a:tc>
-                  <a:txBody>
-                    <a:bodyPr/>
-                    <a:lstStyle/>
-                    <a:p>
-                      <a:pPr algn="ctr"/>
-                      <a:endParaRPr lang="en-US" dirty="0">
-                        <a:solidFill>
-                          <a:srgbClr val="FF0000"/>
-                        </a:solidFill>
-                      </a:endParaRPr>
-                    </a:p>
-                  </a:txBody>
-                  <a:tcPr anchor="ctr"/>
-                </a:tc>
-                <a:extLst>
-                  <a:ext uri="{0D108BD9-81ED-4DB2-BD59-A6C34878D82A}">
-                    <a16:rowId xmlns:a16="http://schemas.microsoft.com/office/drawing/2014/main" val="2775775737"/>
-                  </a:ext>
-                </a:extLst>
-              </a:tr>
-              <a:tr h="887174">
-                <a:tc>
-                  <a:txBody>
-                    <a:bodyPr/>
-                    <a:lstStyle/>
-                    <a:p>
-                      <a:pPr algn="ctr"/>
-                      <a:r>
-                        <a:rPr lang="en-US" dirty="0"/>
-                        <a:t>googlenet_F1</a:t>
-                      </a:r>
-                    </a:p>
-                  </a:txBody>
-                  <a:tcPr anchor="ctr"/>
-                </a:tc>
-                <a:tc>
-                  <a:txBody>
-                    <a:bodyPr/>
-                    <a:lstStyle/>
-                    <a:p>
-                      <a:pPr algn="ctr"/>
-                      <a:endParaRPr lang="en-US" dirty="0"/>
-                    </a:p>
-                  </a:txBody>
-                  <a:tcPr anchor="ctr"/>
-                </a:tc>
-                <a:tc>
-                  <a:txBody>
-                    <a:bodyPr/>
-                    <a:lstStyle/>
-                    <a:p>
-                      <a:pPr algn="ctr"/>
-                      <a:endParaRPr lang="en-US" dirty="0"/>
-                    </a:p>
-                  </a:txBody>
-                  <a:tcPr anchor="ctr"/>
-                </a:tc>
-                <a:tc>
-                  <a:txBody>
-                    <a:bodyPr/>
-                    <a:lstStyle/>
-                    <a:p>
-                      <a:pPr algn="ctr"/>
-                      <a:endParaRPr lang="en-US" dirty="0"/>
-                    </a:p>
-                  </a:txBody>
-                  <a:tcPr anchor="ctr"/>
-                </a:tc>
-                <a:tc>
-                  <a:txBody>
-                    <a:bodyPr/>
-                    <a:lstStyle/>
-                    <a:p>
-                      <a:pPr algn="ctr"/>
-                      <a:endParaRPr lang="en-US" dirty="0"/>
-                    </a:p>
-                  </a:txBody>
-                  <a:tcPr anchor="ctr"/>
-                </a:tc>
-                <a:tc>
-                  <a:txBody>
-                    <a:bodyPr/>
-                    <a:lstStyle/>
-                    <a:p>
-                      <a:pPr algn="ctr"/>
-                      <a:endParaRPr lang="en-US" dirty="0"/>
-                    </a:p>
-                  </a:txBody>
-                  <a:tcPr anchor="ctr"/>
-                </a:tc>
-                <a:tc>
-                  <a:txBody>
-                    <a:bodyPr/>
-                    <a:lstStyle/>
-                    <a:p>
-                      <a:pPr algn="ctr"/>
-                      <a:endParaRPr lang="en-US" dirty="0"/>
-                    </a:p>
-                  </a:txBody>
-                  <a:tcPr anchor="ctr"/>
-                </a:tc>
-                <a:extLst>
-                  <a:ext uri="{0D108BD9-81ED-4DB2-BD59-A6C34878D82A}">
-                    <a16:rowId xmlns:a16="http://schemas.microsoft.com/office/drawing/2014/main" val="618446083"/>
-                  </a:ext>
-                </a:extLst>
-              </a:tr>
-              <a:tr h="887174">
-                <a:tc>
-                  <a:txBody>
-                    <a:bodyPr/>
-                    <a:lstStyle/>
-                    <a:p>
-                      <a:pPr marL="0" marR="0" lvl="0" indent="0" algn="ctr" defTabSz="914400" rtl="0" eaLnBrk="1" fontAlgn="auto" latinLnBrk="0" hangingPunct="1">
-                        <a:lnSpc>
-                          <a:spcPct val="100000"/>
-                        </a:lnSpc>
-                        <a:spcBef>
-                          <a:spcPts val="0"/>
-                        </a:spcBef>
-                        <a:spcAft>
-                          <a:spcPts val="0"/>
-                        </a:spcAft>
-                        <a:buClrTx/>
-                        <a:buSzTx/>
-                        <a:buFontTx/>
-                        <a:buNone/>
-                        <a:tabLst/>
-                        <a:defRPr/>
-                      </a:pPr>
-                      <a:r>
-                        <a:rPr lang="en-US" dirty="0" err="1"/>
-                        <a:t>googlenet_loss</a:t>
-                      </a:r>
-                      <a:endParaRPr lang="en-US" dirty="0"/>
-                    </a:p>
-                    <a:p>
-                      <a:pPr algn="ctr"/>
-                      <a:endParaRPr lang="en-US" dirty="0"/>
-                    </a:p>
-                  </a:txBody>
-                  <a:tcPr anchor="ctr"/>
-                </a:tc>
-                <a:tc>
-                  <a:txBody>
-                    <a:bodyPr/>
-                    <a:lstStyle/>
-                    <a:p>
-                      <a:pPr algn="ctr"/>
-                      <a:endParaRPr lang="en-US" dirty="0"/>
-                    </a:p>
-                  </a:txBody>
-                  <a:tcPr anchor="ctr"/>
-                </a:tc>
-                <a:tc>
-                  <a:txBody>
-                    <a:bodyPr/>
-                    <a:lstStyle/>
-                    <a:p>
-                      <a:pPr algn="ctr"/>
-                      <a:endParaRPr lang="en-US" dirty="0"/>
-                    </a:p>
-                  </a:txBody>
-                  <a:tcPr anchor="ctr"/>
-                </a:tc>
-                <a:tc>
-                  <a:txBody>
-                    <a:bodyPr/>
-                    <a:lstStyle/>
-                    <a:p>
-                      <a:pPr algn="ctr"/>
-                      <a:endParaRPr lang="en-US" dirty="0"/>
-                    </a:p>
-                  </a:txBody>
-                  <a:tcPr anchor="ctr"/>
-                </a:tc>
-                <a:tc>
-                  <a:txBody>
-                    <a:bodyPr/>
-                    <a:lstStyle/>
-                    <a:p>
-                      <a:pPr algn="ctr"/>
-                      <a:endParaRPr lang="en-US" dirty="0"/>
-                    </a:p>
-                  </a:txBody>
-                  <a:tcPr anchor="ctr"/>
-                </a:tc>
-                <a:tc>
-                  <a:txBody>
-                    <a:bodyPr/>
-                    <a:lstStyle/>
-                    <a:p>
-                      <a:pPr algn="ctr"/>
-                      <a:endParaRPr lang="en-US" dirty="0"/>
-                    </a:p>
-                  </a:txBody>
-                  <a:tcPr anchor="ctr"/>
-                </a:tc>
-                <a:tc>
-                  <a:txBody>
-                    <a:bodyPr/>
-                    <a:lstStyle/>
-                    <a:p>
-                      <a:pPr algn="ctr"/>
-                      <a:endParaRPr lang="en-US" dirty="0"/>
-                    </a:p>
-                  </a:txBody>
-                  <a:tcPr anchor="ctr"/>
-                </a:tc>
-                <a:extLst>
-                  <a:ext uri="{0D108BD9-81ED-4DB2-BD59-A6C34878D82A}">
-                    <a16:rowId xmlns:a16="http://schemas.microsoft.com/office/drawing/2014/main" val="872347479"/>
-                  </a:ext>
-                </a:extLst>
-              </a:tr>
-            </a:tbl>
-          </a:graphicData>
-        </a:graphic>
-      </p:graphicFrame>
-    </p:spTree>
-    <p:extLst>
-      <p:ext uri="{BB962C8B-B14F-4D97-AF65-F5344CB8AC3E}">
-        <p14:creationId xmlns:p14="http://schemas.microsoft.com/office/powerpoint/2010/main" val="2189913631"/>
       </p:ext>
     </p:extLst>
   </p:cSld>
@@ -38692,6 +38862,3942 @@
     <p:extLst>
       <p:ext uri="{BB962C8B-B14F-4D97-AF65-F5344CB8AC3E}">
         <p14:creationId xmlns:p14="http://schemas.microsoft.com/office/powerpoint/2010/main" val="2788905799"/>
+      </p:ext>
+    </p:extLst>
+  </p:cSld>
+  <p:clrMapOvr>
+    <a:masterClrMapping/>
+  </p:clrMapOvr>
+</p:sld>
+</file>
+
+<file path=ppt/slides/slide80.xml><?xml version="1.0" encoding="utf-8"?>
+<p:sld xmlns:a="http://schemas.openxmlformats.org/drawingml/2006/main" xmlns:r="http://schemas.openxmlformats.org/officeDocument/2006/relationships" xmlns:p="http://schemas.openxmlformats.org/presentationml/2006/main">
+  <p:cSld>
+    <p:spTree>
+      <p:nvGrpSpPr>
+        <p:cNvPr id="1" name=""/>
+        <p:cNvGrpSpPr/>
+        <p:nvPr/>
+      </p:nvGrpSpPr>
+      <p:grpSpPr>
+        <a:xfrm>
+          <a:off x="0" y="0"/>
+          <a:ext cx="0" cy="0"/>
+          <a:chOff x="0" y="0"/>
+          <a:chExt cx="0" cy="0"/>
+        </a:xfrm>
+      </p:grpSpPr>
+      <p:graphicFrame>
+        <p:nvGraphicFramePr>
+          <p:cNvPr id="4" name="Table 3">
+            <a:extLst>
+              <a:ext uri="{FF2B5EF4-FFF2-40B4-BE49-F238E27FC236}">
+                <a16:creationId xmlns:a16="http://schemas.microsoft.com/office/drawing/2014/main" id="{F3634E9B-F616-E548-A703-16000F2DD0FF}"/>
+              </a:ext>
+            </a:extLst>
+          </p:cNvPr>
+          <p:cNvGraphicFramePr>
+            <a:graphicFrameLocks noGrp="1"/>
+          </p:cNvGraphicFramePr>
+          <p:nvPr>
+            <p:extLst>
+              <p:ext uri="{D42A27DB-BD31-4B8C-83A1-F6EECF244321}">
+                <p14:modId xmlns:p14="http://schemas.microsoft.com/office/powerpoint/2010/main" val="402224737"/>
+              </p:ext>
+            </p:extLst>
+          </p:nvPr>
+        </p:nvGraphicFramePr>
+        <p:xfrm>
+          <a:off x="674557" y="929527"/>
+          <a:ext cx="10942820" cy="5003825"/>
+        </p:xfrm>
+        <a:graphic>
+          <a:graphicData uri="http://schemas.openxmlformats.org/drawingml/2006/table">
+            <a:tbl>
+              <a:tblPr firstRow="1" bandRow="1">
+                <a:tableStyleId>{073A0DAA-6AF3-43AB-8588-CEC1D06C72B9}</a:tableStyleId>
+              </a:tblPr>
+              <a:tblGrid>
+                <a:gridCol w="1563260">
+                  <a:extLst>
+                    <a:ext uri="{9D8B030D-6E8A-4147-A177-3AD203B41FA5}">
+                      <a16:colId xmlns:a16="http://schemas.microsoft.com/office/drawing/2014/main" val="2272368709"/>
+                    </a:ext>
+                  </a:extLst>
+                </a:gridCol>
+                <a:gridCol w="1563260">
+                  <a:extLst>
+                    <a:ext uri="{9D8B030D-6E8A-4147-A177-3AD203B41FA5}">
+                      <a16:colId xmlns:a16="http://schemas.microsoft.com/office/drawing/2014/main" val="2235686462"/>
+                    </a:ext>
+                  </a:extLst>
+                </a:gridCol>
+                <a:gridCol w="1563260">
+                  <a:extLst>
+                    <a:ext uri="{9D8B030D-6E8A-4147-A177-3AD203B41FA5}">
+                      <a16:colId xmlns:a16="http://schemas.microsoft.com/office/drawing/2014/main" val="1061232007"/>
+                    </a:ext>
+                  </a:extLst>
+                </a:gridCol>
+                <a:gridCol w="1563260">
+                  <a:extLst>
+                    <a:ext uri="{9D8B030D-6E8A-4147-A177-3AD203B41FA5}">
+                      <a16:colId xmlns:a16="http://schemas.microsoft.com/office/drawing/2014/main" val="464967916"/>
+                    </a:ext>
+                  </a:extLst>
+                </a:gridCol>
+                <a:gridCol w="1563260">
+                  <a:extLst>
+                    <a:ext uri="{9D8B030D-6E8A-4147-A177-3AD203B41FA5}">
+                      <a16:colId xmlns:a16="http://schemas.microsoft.com/office/drawing/2014/main" val="3929012556"/>
+                    </a:ext>
+                  </a:extLst>
+                </a:gridCol>
+                <a:gridCol w="1563260">
+                  <a:extLst>
+                    <a:ext uri="{9D8B030D-6E8A-4147-A177-3AD203B41FA5}">
+                      <a16:colId xmlns:a16="http://schemas.microsoft.com/office/drawing/2014/main" val="3303028153"/>
+                    </a:ext>
+                  </a:extLst>
+                </a:gridCol>
+                <a:gridCol w="1563260">
+                  <a:extLst>
+                    <a:ext uri="{9D8B030D-6E8A-4147-A177-3AD203B41FA5}">
+                      <a16:colId xmlns:a16="http://schemas.microsoft.com/office/drawing/2014/main" val="4108006114"/>
+                    </a:ext>
+                  </a:extLst>
+                </a:gridCol>
+              </a:tblGrid>
+              <a:tr h="523804">
+                <a:tc>
+                  <a:txBody>
+                    <a:bodyPr/>
+                    <a:lstStyle/>
+                    <a:p>
+                      <a:pPr algn="ctr"/>
+                      <a:r>
+                        <a:rPr lang="en-US" dirty="0"/>
+                        <a:t>Junction</a:t>
+                      </a:r>
+                    </a:p>
+                  </a:txBody>
+                  <a:tcPr anchor="ctr"/>
+                </a:tc>
+                <a:tc>
+                  <a:txBody>
+                    <a:bodyPr/>
+                    <a:lstStyle/>
+                    <a:p>
+                      <a:pPr algn="ctr"/>
+                      <a:r>
+                        <a:rPr lang="en-US" dirty="0"/>
+                        <a:t>Accuracy</a:t>
+                      </a:r>
+                    </a:p>
+                  </a:txBody>
+                  <a:tcPr anchor="ctr"/>
+                </a:tc>
+                <a:tc>
+                  <a:txBody>
+                    <a:bodyPr/>
+                    <a:lstStyle/>
+                    <a:p>
+                      <a:pPr algn="ctr"/>
+                      <a:r>
+                        <a:rPr lang="en-US" dirty="0"/>
+                        <a:t>precision</a:t>
+                      </a:r>
+                    </a:p>
+                  </a:txBody>
+                  <a:tcPr anchor="ctr"/>
+                </a:tc>
+                <a:tc>
+                  <a:txBody>
+                    <a:bodyPr/>
+                    <a:lstStyle/>
+                    <a:p>
+                      <a:pPr algn="ctr"/>
+                      <a:r>
+                        <a:rPr lang="en-US" dirty="0"/>
+                        <a:t>recall</a:t>
+                      </a:r>
+                    </a:p>
+                  </a:txBody>
+                  <a:tcPr anchor="ctr"/>
+                </a:tc>
+                <a:tc>
+                  <a:txBody>
+                    <a:bodyPr/>
+                    <a:lstStyle/>
+                    <a:p>
+                      <a:pPr algn="ctr"/>
+                      <a:r>
+                        <a:rPr lang="en-US" dirty="0"/>
+                        <a:t>specificity</a:t>
+                      </a:r>
+                    </a:p>
+                  </a:txBody>
+                  <a:tcPr anchor="ctr"/>
+                </a:tc>
+                <a:tc>
+                  <a:txBody>
+                    <a:bodyPr/>
+                    <a:lstStyle/>
+                    <a:p>
+                      <a:pPr algn="ctr"/>
+                      <a:r>
+                        <a:rPr lang="en-US" dirty="0"/>
+                        <a:t>F1</a:t>
+                      </a:r>
+                    </a:p>
+                  </a:txBody>
+                  <a:tcPr anchor="ctr"/>
+                </a:tc>
+                <a:tc>
+                  <a:txBody>
+                    <a:bodyPr/>
+                    <a:lstStyle/>
+                    <a:p>
+                      <a:pPr algn="ctr"/>
+                      <a:r>
+                        <a:rPr lang="en-US" dirty="0"/>
+                        <a:t>loss</a:t>
+                      </a:r>
+                    </a:p>
+                  </a:txBody>
+                  <a:tcPr anchor="ctr"/>
+                </a:tc>
+                <a:extLst>
+                  <a:ext uri="{0D108BD9-81ED-4DB2-BD59-A6C34878D82A}">
+                    <a16:rowId xmlns:a16="http://schemas.microsoft.com/office/drawing/2014/main" val="2384826745"/>
+                  </a:ext>
+                </a:extLst>
+              </a:tr>
+              <a:tr h="904099">
+                <a:tc>
+                  <a:txBody>
+                    <a:bodyPr/>
+                    <a:lstStyle/>
+                    <a:p>
+                      <a:pPr algn="ctr"/>
+                      <a:r>
+                        <a:rPr lang="en-US" dirty="0" err="1"/>
+                        <a:t>googlenet_accuracy</a:t>
+                      </a:r>
+                      <a:endParaRPr lang="en-US" dirty="0"/>
+                    </a:p>
+                  </a:txBody>
+                  <a:tcPr anchor="ctr"/>
+                </a:tc>
+                <a:tc>
+                  <a:txBody>
+                    <a:bodyPr/>
+                    <a:lstStyle/>
+                    <a:p>
+                      <a:pPr algn="ctr"/>
+                      <a:endParaRPr lang="en-US" dirty="0"/>
+                    </a:p>
+                  </a:txBody>
+                  <a:tcPr anchor="ctr"/>
+                </a:tc>
+                <a:tc>
+                  <a:txBody>
+                    <a:bodyPr/>
+                    <a:lstStyle/>
+                    <a:p>
+                      <a:pPr algn="ctr"/>
+                      <a:endParaRPr lang="en-US" dirty="0"/>
+                    </a:p>
+                  </a:txBody>
+                  <a:tcPr anchor="ctr"/>
+                </a:tc>
+                <a:tc>
+                  <a:txBody>
+                    <a:bodyPr/>
+                    <a:lstStyle/>
+                    <a:p>
+                      <a:pPr algn="ctr"/>
+                      <a:endParaRPr lang="en-US" dirty="0"/>
+                    </a:p>
+                  </a:txBody>
+                  <a:tcPr anchor="ctr"/>
+                </a:tc>
+                <a:tc>
+                  <a:txBody>
+                    <a:bodyPr/>
+                    <a:lstStyle/>
+                    <a:p>
+                      <a:pPr algn="ctr"/>
+                      <a:endParaRPr lang="en-US" dirty="0"/>
+                    </a:p>
+                  </a:txBody>
+                  <a:tcPr anchor="ctr"/>
+                </a:tc>
+                <a:tc>
+                  <a:txBody>
+                    <a:bodyPr/>
+                    <a:lstStyle/>
+                    <a:p>
+                      <a:pPr algn="ctr"/>
+                      <a:endParaRPr lang="en-US" dirty="0"/>
+                    </a:p>
+                  </a:txBody>
+                  <a:tcPr anchor="ctr"/>
+                </a:tc>
+                <a:tc>
+                  <a:txBody>
+                    <a:bodyPr/>
+                    <a:lstStyle/>
+                    <a:p>
+                      <a:pPr algn="ctr"/>
+                      <a:endParaRPr lang="en-US" dirty="0"/>
+                    </a:p>
+                  </a:txBody>
+                  <a:tcPr anchor="ctr"/>
+                </a:tc>
+                <a:extLst>
+                  <a:ext uri="{0D108BD9-81ED-4DB2-BD59-A6C34878D82A}">
+                    <a16:rowId xmlns:a16="http://schemas.microsoft.com/office/drawing/2014/main" val="1449166203"/>
+                  </a:ext>
+                </a:extLst>
+              </a:tr>
+              <a:tr h="887174">
+                <a:tc>
+                  <a:txBody>
+                    <a:bodyPr/>
+                    <a:lstStyle/>
+                    <a:p>
+                      <a:pPr algn="ctr"/>
+                      <a:r>
+                        <a:rPr lang="en-US" dirty="0" err="1"/>
+                        <a:t>googlenet_precision</a:t>
+                      </a:r>
+                      <a:endParaRPr lang="en-US" dirty="0"/>
+                    </a:p>
+                  </a:txBody>
+                  <a:tcPr anchor="ctr"/>
+                </a:tc>
+                <a:tc>
+                  <a:txBody>
+                    <a:bodyPr/>
+                    <a:lstStyle/>
+                    <a:p>
+                      <a:pPr algn="ctr"/>
+                      <a:endParaRPr lang="en-US" dirty="0"/>
+                    </a:p>
+                  </a:txBody>
+                  <a:tcPr anchor="ctr"/>
+                </a:tc>
+                <a:tc>
+                  <a:txBody>
+                    <a:bodyPr/>
+                    <a:lstStyle/>
+                    <a:p>
+                      <a:pPr algn="ctr"/>
+                      <a:endParaRPr lang="en-US" dirty="0"/>
+                    </a:p>
+                  </a:txBody>
+                  <a:tcPr anchor="ctr"/>
+                </a:tc>
+                <a:tc>
+                  <a:txBody>
+                    <a:bodyPr/>
+                    <a:lstStyle/>
+                    <a:p>
+                      <a:pPr algn="ctr"/>
+                      <a:endParaRPr lang="en-US" dirty="0"/>
+                    </a:p>
+                  </a:txBody>
+                  <a:tcPr anchor="ctr"/>
+                </a:tc>
+                <a:tc>
+                  <a:txBody>
+                    <a:bodyPr/>
+                    <a:lstStyle/>
+                    <a:p>
+                      <a:pPr algn="ctr"/>
+                      <a:endParaRPr lang="en-US" dirty="0"/>
+                    </a:p>
+                  </a:txBody>
+                  <a:tcPr anchor="ctr"/>
+                </a:tc>
+                <a:tc>
+                  <a:txBody>
+                    <a:bodyPr/>
+                    <a:lstStyle/>
+                    <a:p>
+                      <a:pPr algn="ctr"/>
+                      <a:endParaRPr lang="en-US" dirty="0"/>
+                    </a:p>
+                  </a:txBody>
+                  <a:tcPr anchor="ctr"/>
+                </a:tc>
+                <a:tc>
+                  <a:txBody>
+                    <a:bodyPr/>
+                    <a:lstStyle/>
+                    <a:p>
+                      <a:pPr algn="ctr"/>
+                      <a:endParaRPr lang="en-US" dirty="0"/>
+                    </a:p>
+                  </a:txBody>
+                  <a:tcPr anchor="ctr"/>
+                </a:tc>
+                <a:extLst>
+                  <a:ext uri="{0D108BD9-81ED-4DB2-BD59-A6C34878D82A}">
+                    <a16:rowId xmlns:a16="http://schemas.microsoft.com/office/drawing/2014/main" val="4164655960"/>
+                  </a:ext>
+                </a:extLst>
+              </a:tr>
+              <a:tr h="887174">
+                <a:tc>
+                  <a:txBody>
+                    <a:bodyPr/>
+                    <a:lstStyle/>
+                    <a:p>
+                      <a:pPr algn="ctr"/>
+                      <a:r>
+                        <a:rPr lang="en-US" dirty="0" err="1"/>
+                        <a:t>googlenet_recall</a:t>
+                      </a:r>
+                      <a:endParaRPr lang="en-US" dirty="0">
+                        <a:solidFill>
+                          <a:srgbClr val="FF0000"/>
+                        </a:solidFill>
+                      </a:endParaRPr>
+                    </a:p>
+                  </a:txBody>
+                  <a:tcPr anchor="ctr"/>
+                </a:tc>
+                <a:tc>
+                  <a:txBody>
+                    <a:bodyPr/>
+                    <a:lstStyle/>
+                    <a:p>
+                      <a:pPr algn="ctr"/>
+                      <a:endParaRPr lang="en-US" dirty="0">
+                        <a:solidFill>
+                          <a:srgbClr val="FF0000"/>
+                        </a:solidFill>
+                      </a:endParaRPr>
+                    </a:p>
+                  </a:txBody>
+                  <a:tcPr anchor="ctr"/>
+                </a:tc>
+                <a:tc>
+                  <a:txBody>
+                    <a:bodyPr/>
+                    <a:lstStyle/>
+                    <a:p>
+                      <a:pPr algn="ctr"/>
+                      <a:endParaRPr lang="en-US" dirty="0">
+                        <a:solidFill>
+                          <a:srgbClr val="FF0000"/>
+                        </a:solidFill>
+                      </a:endParaRPr>
+                    </a:p>
+                  </a:txBody>
+                  <a:tcPr anchor="ctr"/>
+                </a:tc>
+                <a:tc>
+                  <a:txBody>
+                    <a:bodyPr/>
+                    <a:lstStyle/>
+                    <a:p>
+                      <a:pPr algn="ctr"/>
+                      <a:endParaRPr lang="en-US" dirty="0">
+                        <a:solidFill>
+                          <a:srgbClr val="FF0000"/>
+                        </a:solidFill>
+                      </a:endParaRPr>
+                    </a:p>
+                  </a:txBody>
+                  <a:tcPr anchor="ctr"/>
+                </a:tc>
+                <a:tc>
+                  <a:txBody>
+                    <a:bodyPr/>
+                    <a:lstStyle/>
+                    <a:p>
+                      <a:pPr algn="ctr"/>
+                      <a:endParaRPr lang="en-US" dirty="0">
+                        <a:solidFill>
+                          <a:srgbClr val="FF0000"/>
+                        </a:solidFill>
+                      </a:endParaRPr>
+                    </a:p>
+                  </a:txBody>
+                  <a:tcPr anchor="ctr"/>
+                </a:tc>
+                <a:tc>
+                  <a:txBody>
+                    <a:bodyPr/>
+                    <a:lstStyle/>
+                    <a:p>
+                      <a:pPr algn="ctr"/>
+                      <a:endParaRPr lang="en-US" dirty="0">
+                        <a:solidFill>
+                          <a:srgbClr val="FF0000"/>
+                        </a:solidFill>
+                      </a:endParaRPr>
+                    </a:p>
+                  </a:txBody>
+                  <a:tcPr anchor="ctr"/>
+                </a:tc>
+                <a:tc>
+                  <a:txBody>
+                    <a:bodyPr/>
+                    <a:lstStyle/>
+                    <a:p>
+                      <a:pPr algn="ctr"/>
+                      <a:endParaRPr lang="en-US" dirty="0">
+                        <a:solidFill>
+                          <a:srgbClr val="FF0000"/>
+                        </a:solidFill>
+                      </a:endParaRPr>
+                    </a:p>
+                  </a:txBody>
+                  <a:tcPr anchor="ctr"/>
+                </a:tc>
+                <a:extLst>
+                  <a:ext uri="{0D108BD9-81ED-4DB2-BD59-A6C34878D82A}">
+                    <a16:rowId xmlns:a16="http://schemas.microsoft.com/office/drawing/2014/main" val="2775775737"/>
+                  </a:ext>
+                </a:extLst>
+              </a:tr>
+              <a:tr h="887174">
+                <a:tc>
+                  <a:txBody>
+                    <a:bodyPr/>
+                    <a:lstStyle/>
+                    <a:p>
+                      <a:pPr algn="ctr"/>
+                      <a:r>
+                        <a:rPr lang="en-US" dirty="0"/>
+                        <a:t>googlenet_F1</a:t>
+                      </a:r>
+                    </a:p>
+                  </a:txBody>
+                  <a:tcPr anchor="ctr"/>
+                </a:tc>
+                <a:tc>
+                  <a:txBody>
+                    <a:bodyPr/>
+                    <a:lstStyle/>
+                    <a:p>
+                      <a:pPr algn="ctr"/>
+                      <a:endParaRPr lang="en-US" dirty="0"/>
+                    </a:p>
+                  </a:txBody>
+                  <a:tcPr anchor="ctr"/>
+                </a:tc>
+                <a:tc>
+                  <a:txBody>
+                    <a:bodyPr/>
+                    <a:lstStyle/>
+                    <a:p>
+                      <a:pPr algn="ctr"/>
+                      <a:endParaRPr lang="en-US" dirty="0"/>
+                    </a:p>
+                  </a:txBody>
+                  <a:tcPr anchor="ctr"/>
+                </a:tc>
+                <a:tc>
+                  <a:txBody>
+                    <a:bodyPr/>
+                    <a:lstStyle/>
+                    <a:p>
+                      <a:pPr algn="ctr"/>
+                      <a:endParaRPr lang="en-US" dirty="0"/>
+                    </a:p>
+                  </a:txBody>
+                  <a:tcPr anchor="ctr"/>
+                </a:tc>
+                <a:tc>
+                  <a:txBody>
+                    <a:bodyPr/>
+                    <a:lstStyle/>
+                    <a:p>
+                      <a:pPr algn="ctr"/>
+                      <a:endParaRPr lang="en-US" dirty="0"/>
+                    </a:p>
+                  </a:txBody>
+                  <a:tcPr anchor="ctr"/>
+                </a:tc>
+                <a:tc>
+                  <a:txBody>
+                    <a:bodyPr/>
+                    <a:lstStyle/>
+                    <a:p>
+                      <a:pPr algn="ctr"/>
+                      <a:endParaRPr lang="en-US" dirty="0"/>
+                    </a:p>
+                  </a:txBody>
+                  <a:tcPr anchor="ctr"/>
+                </a:tc>
+                <a:tc>
+                  <a:txBody>
+                    <a:bodyPr/>
+                    <a:lstStyle/>
+                    <a:p>
+                      <a:pPr algn="ctr"/>
+                      <a:endParaRPr lang="en-US" dirty="0"/>
+                    </a:p>
+                  </a:txBody>
+                  <a:tcPr anchor="ctr"/>
+                </a:tc>
+                <a:extLst>
+                  <a:ext uri="{0D108BD9-81ED-4DB2-BD59-A6C34878D82A}">
+                    <a16:rowId xmlns:a16="http://schemas.microsoft.com/office/drawing/2014/main" val="618446083"/>
+                  </a:ext>
+                </a:extLst>
+              </a:tr>
+              <a:tr h="887174">
+                <a:tc>
+                  <a:txBody>
+                    <a:bodyPr/>
+                    <a:lstStyle/>
+                    <a:p>
+                      <a:pPr marL="0" marR="0" lvl="0" indent="0" algn="ctr" defTabSz="914400" rtl="0" eaLnBrk="1" fontAlgn="auto" latinLnBrk="0" hangingPunct="1">
+                        <a:lnSpc>
+                          <a:spcPct val="100000"/>
+                        </a:lnSpc>
+                        <a:spcBef>
+                          <a:spcPts val="0"/>
+                        </a:spcBef>
+                        <a:spcAft>
+                          <a:spcPts val="0"/>
+                        </a:spcAft>
+                        <a:buClrTx/>
+                        <a:buSzTx/>
+                        <a:buFontTx/>
+                        <a:buNone/>
+                        <a:tabLst/>
+                        <a:defRPr/>
+                      </a:pPr>
+                      <a:r>
+                        <a:rPr lang="en-US" dirty="0" err="1"/>
+                        <a:t>googlenet_loss</a:t>
+                      </a:r>
+                      <a:endParaRPr lang="en-US" dirty="0"/>
+                    </a:p>
+                    <a:p>
+                      <a:pPr algn="ctr"/>
+                      <a:endParaRPr lang="en-US" dirty="0"/>
+                    </a:p>
+                  </a:txBody>
+                  <a:tcPr anchor="ctr"/>
+                </a:tc>
+                <a:tc>
+                  <a:txBody>
+                    <a:bodyPr/>
+                    <a:lstStyle/>
+                    <a:p>
+                      <a:pPr algn="ctr"/>
+                      <a:endParaRPr lang="en-US" dirty="0"/>
+                    </a:p>
+                  </a:txBody>
+                  <a:tcPr anchor="ctr"/>
+                </a:tc>
+                <a:tc>
+                  <a:txBody>
+                    <a:bodyPr/>
+                    <a:lstStyle/>
+                    <a:p>
+                      <a:pPr algn="ctr"/>
+                      <a:endParaRPr lang="en-US" dirty="0"/>
+                    </a:p>
+                  </a:txBody>
+                  <a:tcPr anchor="ctr"/>
+                </a:tc>
+                <a:tc>
+                  <a:txBody>
+                    <a:bodyPr/>
+                    <a:lstStyle/>
+                    <a:p>
+                      <a:pPr algn="ctr"/>
+                      <a:endParaRPr lang="en-US" dirty="0"/>
+                    </a:p>
+                  </a:txBody>
+                  <a:tcPr anchor="ctr"/>
+                </a:tc>
+                <a:tc>
+                  <a:txBody>
+                    <a:bodyPr/>
+                    <a:lstStyle/>
+                    <a:p>
+                      <a:pPr algn="ctr"/>
+                      <a:endParaRPr lang="en-US" dirty="0"/>
+                    </a:p>
+                  </a:txBody>
+                  <a:tcPr anchor="ctr"/>
+                </a:tc>
+                <a:tc>
+                  <a:txBody>
+                    <a:bodyPr/>
+                    <a:lstStyle/>
+                    <a:p>
+                      <a:pPr algn="ctr"/>
+                      <a:endParaRPr lang="en-US" dirty="0"/>
+                    </a:p>
+                  </a:txBody>
+                  <a:tcPr anchor="ctr"/>
+                </a:tc>
+                <a:tc>
+                  <a:txBody>
+                    <a:bodyPr/>
+                    <a:lstStyle/>
+                    <a:p>
+                      <a:pPr algn="ctr"/>
+                      <a:endParaRPr lang="en-US" dirty="0"/>
+                    </a:p>
+                  </a:txBody>
+                  <a:tcPr anchor="ctr"/>
+                </a:tc>
+                <a:extLst>
+                  <a:ext uri="{0D108BD9-81ED-4DB2-BD59-A6C34878D82A}">
+                    <a16:rowId xmlns:a16="http://schemas.microsoft.com/office/drawing/2014/main" val="872347479"/>
+                  </a:ext>
+                </a:extLst>
+              </a:tr>
+            </a:tbl>
+          </a:graphicData>
+        </a:graphic>
+      </p:graphicFrame>
+    </p:spTree>
+    <p:extLst>
+      <p:ext uri="{BB962C8B-B14F-4D97-AF65-F5344CB8AC3E}">
+        <p14:creationId xmlns:p14="http://schemas.microsoft.com/office/powerpoint/2010/main" val="2189913631"/>
+      </p:ext>
+    </p:extLst>
+  </p:cSld>
+  <p:clrMapOvr>
+    <a:masterClrMapping/>
+  </p:clrMapOvr>
+</p:sld>
+</file>
+
+<file path=ppt/slides/slide81.xml><?xml version="1.0" encoding="utf-8"?>
+<p:sld xmlns:a="http://schemas.openxmlformats.org/drawingml/2006/main" xmlns:r="http://schemas.openxmlformats.org/officeDocument/2006/relationships" xmlns:p="http://schemas.openxmlformats.org/presentationml/2006/main">
+  <p:cSld>
+    <p:spTree>
+      <p:nvGrpSpPr>
+        <p:cNvPr id="1" name=""/>
+        <p:cNvGrpSpPr/>
+        <p:nvPr/>
+      </p:nvGrpSpPr>
+      <p:grpSpPr>
+        <a:xfrm>
+          <a:off x="0" y="0"/>
+          <a:ext cx="0" cy="0"/>
+          <a:chOff x="0" y="0"/>
+          <a:chExt cx="0" cy="0"/>
+        </a:xfrm>
+      </p:grpSpPr>
+      <p:sp>
+        <p:nvSpPr>
+          <p:cNvPr id="2" name="Title 1">
+            <a:extLst>
+              <a:ext uri="{FF2B5EF4-FFF2-40B4-BE49-F238E27FC236}">
+                <a16:creationId xmlns:a16="http://schemas.microsoft.com/office/drawing/2014/main" id="{39EEA76C-C53B-7D42-884D-2D09F3B53BAC}"/>
+              </a:ext>
+            </a:extLst>
+          </p:cNvPr>
+          <p:cNvSpPr>
+            <a:spLocks noGrp="1"/>
+          </p:cNvSpPr>
+          <p:nvPr>
+            <p:ph type="title"/>
+          </p:nvPr>
+        </p:nvSpPr>
+        <p:spPr>
+          <a:xfrm>
+            <a:off x="1079740" y="2625246"/>
+            <a:ext cx="10515600" cy="1325563"/>
+          </a:xfrm>
+        </p:spPr>
+        <p:txBody>
+          <a:bodyPr/>
+          <a:lstStyle/>
+          <a:p>
+            <a:pPr algn="ctr"/>
+            <a:r>
+              <a:rPr lang="en-US" dirty="0"/>
+              <a:t>Wall Street</a:t>
+            </a:r>
+          </a:p>
+        </p:txBody>
+      </p:sp>
+    </p:spTree>
+    <p:extLst>
+      <p:ext uri="{BB962C8B-B14F-4D97-AF65-F5344CB8AC3E}">
+        <p14:creationId xmlns:p14="http://schemas.microsoft.com/office/powerpoint/2010/main" val="3956589593"/>
+      </p:ext>
+    </p:extLst>
+  </p:cSld>
+  <p:clrMapOvr>
+    <a:masterClrMapping/>
+  </p:clrMapOvr>
+</p:sld>
+</file>
+
+<file path=ppt/slides/slide82.xml><?xml version="1.0" encoding="utf-8"?>
+<p:sld xmlns:a="http://schemas.openxmlformats.org/drawingml/2006/main" xmlns:r="http://schemas.openxmlformats.org/officeDocument/2006/relationships" xmlns:p="http://schemas.openxmlformats.org/presentationml/2006/main">
+  <p:cSld>
+    <p:spTree>
+      <p:nvGrpSpPr>
+        <p:cNvPr id="1" name=""/>
+        <p:cNvGrpSpPr/>
+        <p:nvPr/>
+      </p:nvGrpSpPr>
+      <p:grpSpPr>
+        <a:xfrm>
+          <a:off x="0" y="0"/>
+          <a:ext cx="0" cy="0"/>
+          <a:chOff x="0" y="0"/>
+          <a:chExt cx="0" cy="0"/>
+        </a:xfrm>
+      </p:grpSpPr>
+      <p:graphicFrame>
+        <p:nvGraphicFramePr>
+          <p:cNvPr id="4" name="Table 3">
+            <a:extLst>
+              <a:ext uri="{FF2B5EF4-FFF2-40B4-BE49-F238E27FC236}">
+                <a16:creationId xmlns:a16="http://schemas.microsoft.com/office/drawing/2014/main" id="{F3634E9B-F616-E548-A703-16000F2DD0FF}"/>
+              </a:ext>
+            </a:extLst>
+          </p:cNvPr>
+          <p:cNvGraphicFramePr>
+            <a:graphicFrameLocks noGrp="1"/>
+          </p:cNvGraphicFramePr>
+          <p:nvPr>
+            <p:extLst>
+              <p:ext uri="{D42A27DB-BD31-4B8C-83A1-F6EECF244321}">
+                <p14:modId xmlns:p14="http://schemas.microsoft.com/office/powerpoint/2010/main" val="2248198816"/>
+              </p:ext>
+            </p:extLst>
+          </p:nvPr>
+        </p:nvGraphicFramePr>
+        <p:xfrm>
+          <a:off x="674557" y="929527"/>
+          <a:ext cx="10942820" cy="4976599"/>
+        </p:xfrm>
+        <a:graphic>
+          <a:graphicData uri="http://schemas.openxmlformats.org/drawingml/2006/table">
+            <a:tbl>
+              <a:tblPr firstRow="1" bandRow="1">
+                <a:tableStyleId>{5C22544A-7EE6-4342-B048-85BDC9FD1C3A}</a:tableStyleId>
+              </a:tblPr>
+              <a:tblGrid>
+                <a:gridCol w="1563260">
+                  <a:extLst>
+                    <a:ext uri="{9D8B030D-6E8A-4147-A177-3AD203B41FA5}">
+                      <a16:colId xmlns:a16="http://schemas.microsoft.com/office/drawing/2014/main" val="2272368709"/>
+                    </a:ext>
+                  </a:extLst>
+                </a:gridCol>
+                <a:gridCol w="1563260">
+                  <a:extLst>
+                    <a:ext uri="{9D8B030D-6E8A-4147-A177-3AD203B41FA5}">
+                      <a16:colId xmlns:a16="http://schemas.microsoft.com/office/drawing/2014/main" val="2235686462"/>
+                    </a:ext>
+                  </a:extLst>
+                </a:gridCol>
+                <a:gridCol w="1563260">
+                  <a:extLst>
+                    <a:ext uri="{9D8B030D-6E8A-4147-A177-3AD203B41FA5}">
+                      <a16:colId xmlns:a16="http://schemas.microsoft.com/office/drawing/2014/main" val="1061232007"/>
+                    </a:ext>
+                  </a:extLst>
+                </a:gridCol>
+                <a:gridCol w="1563260">
+                  <a:extLst>
+                    <a:ext uri="{9D8B030D-6E8A-4147-A177-3AD203B41FA5}">
+                      <a16:colId xmlns:a16="http://schemas.microsoft.com/office/drawing/2014/main" val="464967916"/>
+                    </a:ext>
+                  </a:extLst>
+                </a:gridCol>
+                <a:gridCol w="1563260">
+                  <a:extLst>
+                    <a:ext uri="{9D8B030D-6E8A-4147-A177-3AD203B41FA5}">
+                      <a16:colId xmlns:a16="http://schemas.microsoft.com/office/drawing/2014/main" val="3929012556"/>
+                    </a:ext>
+                  </a:extLst>
+                </a:gridCol>
+                <a:gridCol w="1563260">
+                  <a:extLst>
+                    <a:ext uri="{9D8B030D-6E8A-4147-A177-3AD203B41FA5}">
+                      <a16:colId xmlns:a16="http://schemas.microsoft.com/office/drawing/2014/main" val="3303028153"/>
+                    </a:ext>
+                  </a:extLst>
+                </a:gridCol>
+                <a:gridCol w="1563260">
+                  <a:extLst>
+                    <a:ext uri="{9D8B030D-6E8A-4147-A177-3AD203B41FA5}">
+                      <a16:colId xmlns:a16="http://schemas.microsoft.com/office/drawing/2014/main" val="4108006114"/>
+                    </a:ext>
+                  </a:extLst>
+                </a:gridCol>
+              </a:tblGrid>
+              <a:tr h="523804">
+                <a:tc>
+                  <a:txBody>
+                    <a:bodyPr/>
+                    <a:lstStyle/>
+                    <a:p>
+                      <a:pPr algn="ctr"/>
+                      <a:r>
+                        <a:rPr lang="en-US" dirty="0"/>
+                        <a:t>Junction</a:t>
+                      </a:r>
+                    </a:p>
+                  </a:txBody>
+                  <a:tcPr anchor="ctr"/>
+                </a:tc>
+                <a:tc>
+                  <a:txBody>
+                    <a:bodyPr/>
+                    <a:lstStyle/>
+                    <a:p>
+                      <a:pPr algn="ctr"/>
+                      <a:r>
+                        <a:rPr lang="en-US" dirty="0"/>
+                        <a:t>Accuracy</a:t>
+                      </a:r>
+                    </a:p>
+                  </a:txBody>
+                  <a:tcPr anchor="ctr"/>
+                </a:tc>
+                <a:tc>
+                  <a:txBody>
+                    <a:bodyPr/>
+                    <a:lstStyle/>
+                    <a:p>
+                      <a:pPr algn="ctr"/>
+                      <a:r>
+                        <a:rPr lang="en-US" dirty="0"/>
+                        <a:t>precision</a:t>
+                      </a:r>
+                    </a:p>
+                  </a:txBody>
+                  <a:tcPr anchor="ctr"/>
+                </a:tc>
+                <a:tc>
+                  <a:txBody>
+                    <a:bodyPr/>
+                    <a:lstStyle/>
+                    <a:p>
+                      <a:pPr algn="ctr"/>
+                      <a:r>
+                        <a:rPr lang="en-US" dirty="0"/>
+                        <a:t>recall</a:t>
+                      </a:r>
+                    </a:p>
+                  </a:txBody>
+                  <a:tcPr anchor="ctr"/>
+                </a:tc>
+                <a:tc>
+                  <a:txBody>
+                    <a:bodyPr/>
+                    <a:lstStyle/>
+                    <a:p>
+                      <a:pPr algn="ctr"/>
+                      <a:r>
+                        <a:rPr lang="en-US" dirty="0"/>
+                        <a:t>specificity</a:t>
+                      </a:r>
+                    </a:p>
+                  </a:txBody>
+                  <a:tcPr anchor="ctr"/>
+                </a:tc>
+                <a:tc>
+                  <a:txBody>
+                    <a:bodyPr/>
+                    <a:lstStyle/>
+                    <a:p>
+                      <a:pPr algn="ctr"/>
+                      <a:r>
+                        <a:rPr lang="en-US" dirty="0"/>
+                        <a:t>F1</a:t>
+                      </a:r>
+                    </a:p>
+                  </a:txBody>
+                  <a:tcPr anchor="ctr"/>
+                </a:tc>
+                <a:tc>
+                  <a:txBody>
+                    <a:bodyPr/>
+                    <a:lstStyle/>
+                    <a:p>
+                      <a:pPr algn="ctr"/>
+                      <a:r>
+                        <a:rPr lang="en-US" dirty="0"/>
+                        <a:t>loss</a:t>
+                      </a:r>
+                    </a:p>
+                  </a:txBody>
+                  <a:tcPr anchor="ctr"/>
+                </a:tc>
+                <a:extLst>
+                  <a:ext uri="{0D108BD9-81ED-4DB2-BD59-A6C34878D82A}">
+                    <a16:rowId xmlns:a16="http://schemas.microsoft.com/office/drawing/2014/main" val="2384826745"/>
+                  </a:ext>
+                </a:extLst>
+              </a:tr>
+              <a:tr h="904099">
+                <a:tc>
+                  <a:txBody>
+                    <a:bodyPr/>
+                    <a:lstStyle/>
+                    <a:p>
+                      <a:pPr algn="ctr"/>
+                      <a:r>
+                        <a:rPr lang="en-US" dirty="0" err="1"/>
+                        <a:t>Alexnet_accuracy</a:t>
+                      </a:r>
+                      <a:endParaRPr lang="en-US" dirty="0"/>
+                    </a:p>
+                  </a:txBody>
+                  <a:tcPr anchor="ctr"/>
+                </a:tc>
+                <a:tc>
+                  <a:txBody>
+                    <a:bodyPr/>
+                    <a:lstStyle/>
+                    <a:p>
+                      <a:pPr algn="ctr"/>
+                      <a:r>
+                        <a:rPr lang="en-US" dirty="0"/>
+                        <a:t>0.716</a:t>
+                      </a:r>
+                    </a:p>
+                  </a:txBody>
+                  <a:tcPr anchor="ctr"/>
+                </a:tc>
+                <a:tc>
+                  <a:txBody>
+                    <a:bodyPr/>
+                    <a:lstStyle/>
+                    <a:p>
+                      <a:pPr algn="ctr"/>
+                      <a:r>
+                        <a:rPr lang="en-US" dirty="0"/>
+                        <a:t>0.781</a:t>
+                      </a:r>
+                    </a:p>
+                  </a:txBody>
+                  <a:tcPr anchor="ctr"/>
+                </a:tc>
+                <a:tc>
+                  <a:txBody>
+                    <a:bodyPr/>
+                    <a:lstStyle/>
+                    <a:p>
+                      <a:pPr algn="ctr"/>
+                      <a:r>
+                        <a:rPr lang="en-US" dirty="0"/>
+                        <a:t>0.465</a:t>
+                      </a:r>
+                    </a:p>
+                  </a:txBody>
+                  <a:tcPr anchor="ctr"/>
+                </a:tc>
+                <a:tc>
+                  <a:txBody>
+                    <a:bodyPr/>
+                    <a:lstStyle/>
+                    <a:p>
+                      <a:pPr algn="ctr"/>
+                      <a:r>
+                        <a:rPr lang="en-US" dirty="0"/>
+                        <a:t>0.903</a:t>
+                      </a:r>
+                    </a:p>
+                  </a:txBody>
+                  <a:tcPr anchor="ctr"/>
+                </a:tc>
+                <a:tc>
+                  <a:txBody>
+                    <a:bodyPr/>
+                    <a:lstStyle/>
+                    <a:p>
+                      <a:pPr algn="ctr"/>
+                      <a:r>
+                        <a:rPr lang="en-US" dirty="0"/>
+                        <a:t>0.583</a:t>
+                      </a:r>
+                    </a:p>
+                  </a:txBody>
+                  <a:tcPr anchor="ctr"/>
+                </a:tc>
+                <a:tc>
+                  <a:txBody>
+                    <a:bodyPr/>
+                    <a:lstStyle/>
+                    <a:p>
+                      <a:pPr algn="ctr"/>
+                      <a:r>
+                        <a:rPr lang="en-US" dirty="0"/>
+                        <a:t>0.5634</a:t>
+                      </a:r>
+                    </a:p>
+                  </a:txBody>
+                  <a:tcPr anchor="ctr"/>
+                </a:tc>
+                <a:extLst>
+                  <a:ext uri="{0D108BD9-81ED-4DB2-BD59-A6C34878D82A}">
+                    <a16:rowId xmlns:a16="http://schemas.microsoft.com/office/drawing/2014/main" val="1449166203"/>
+                  </a:ext>
+                </a:extLst>
+              </a:tr>
+              <a:tr h="887174">
+                <a:tc>
+                  <a:txBody>
+                    <a:bodyPr/>
+                    <a:lstStyle/>
+                    <a:p>
+                      <a:pPr algn="ctr"/>
+                      <a:r>
+                        <a:rPr lang="en-US" dirty="0" err="1"/>
+                        <a:t>Alexnet_precision</a:t>
+                      </a:r>
+                      <a:endParaRPr lang="en-US" dirty="0"/>
+                    </a:p>
+                  </a:txBody>
+                  <a:tcPr anchor="ctr"/>
+                </a:tc>
+                <a:tc>
+                  <a:txBody>
+                    <a:bodyPr/>
+                    <a:lstStyle/>
+                    <a:p>
+                      <a:pPr algn="ctr"/>
+                      <a:r>
+                        <a:rPr lang="en-US" dirty="0"/>
+                        <a:t>0.670</a:t>
+                      </a:r>
+                    </a:p>
+                  </a:txBody>
+                  <a:tcPr anchor="ctr"/>
+                </a:tc>
+                <a:tc>
+                  <a:txBody>
+                    <a:bodyPr/>
+                    <a:lstStyle/>
+                    <a:p>
+                      <a:pPr algn="ctr"/>
+                      <a:r>
+                        <a:rPr lang="en-US" dirty="0"/>
+                        <a:t>0.809</a:t>
+                      </a:r>
+                    </a:p>
+                  </a:txBody>
+                  <a:tcPr anchor="ctr"/>
+                </a:tc>
+                <a:tc>
+                  <a:txBody>
+                    <a:bodyPr/>
+                    <a:lstStyle/>
+                    <a:p>
+                      <a:pPr algn="ctr"/>
+                      <a:r>
+                        <a:rPr lang="en-US" dirty="0"/>
+                        <a:t>0.294</a:t>
+                      </a:r>
+                    </a:p>
+                  </a:txBody>
+                  <a:tcPr anchor="ctr"/>
+                </a:tc>
+                <a:tc>
+                  <a:txBody>
+                    <a:bodyPr/>
+                    <a:lstStyle/>
+                    <a:p>
+                      <a:pPr algn="ctr"/>
+                      <a:r>
+                        <a:rPr lang="en-US" dirty="0"/>
+                        <a:t>0.948</a:t>
+                      </a:r>
+                    </a:p>
+                  </a:txBody>
+                  <a:tcPr anchor="ctr"/>
+                </a:tc>
+                <a:tc>
+                  <a:txBody>
+                    <a:bodyPr/>
+                    <a:lstStyle/>
+                    <a:p>
+                      <a:pPr algn="ctr"/>
+                      <a:r>
+                        <a:rPr lang="en-US" dirty="0"/>
+                        <a:t>0.432</a:t>
+                      </a:r>
+                    </a:p>
+                  </a:txBody>
+                  <a:tcPr anchor="ctr"/>
+                </a:tc>
+                <a:tc>
+                  <a:txBody>
+                    <a:bodyPr/>
+                    <a:lstStyle/>
+                    <a:p>
+                      <a:pPr algn="ctr"/>
+                      <a:r>
+                        <a:rPr lang="en-US" dirty="0"/>
+                        <a:t>0.6087</a:t>
+                      </a:r>
+                    </a:p>
+                  </a:txBody>
+                  <a:tcPr anchor="ctr"/>
+                </a:tc>
+                <a:extLst>
+                  <a:ext uri="{0D108BD9-81ED-4DB2-BD59-A6C34878D82A}">
+                    <a16:rowId xmlns:a16="http://schemas.microsoft.com/office/drawing/2014/main" val="4164655960"/>
+                  </a:ext>
+                </a:extLst>
+              </a:tr>
+              <a:tr h="887174">
+                <a:tc>
+                  <a:txBody>
+                    <a:bodyPr/>
+                    <a:lstStyle/>
+                    <a:p>
+                      <a:pPr algn="ctr"/>
+                      <a:r>
+                        <a:rPr lang="en-US" dirty="0" err="1"/>
+                        <a:t>Alexnet</a:t>
+                      </a:r>
+                      <a:r>
+                        <a:rPr lang="en-US" dirty="0" err="1">
+                          <a:solidFill>
+                            <a:srgbClr val="FF0000"/>
+                          </a:solidFill>
+                        </a:rPr>
+                        <a:t>_recall</a:t>
+                      </a:r>
+                      <a:endParaRPr lang="en-US" dirty="0">
+                        <a:solidFill>
+                          <a:srgbClr val="FF0000"/>
+                        </a:solidFill>
+                      </a:endParaRPr>
+                    </a:p>
+                  </a:txBody>
+                  <a:tcPr anchor="ctr"/>
+                </a:tc>
+                <a:tc>
+                  <a:txBody>
+                    <a:bodyPr/>
+                    <a:lstStyle/>
+                    <a:p>
+                      <a:pPr algn="ctr"/>
+                      <a:r>
+                        <a:rPr lang="en-US" dirty="0">
+                          <a:solidFill>
+                            <a:srgbClr val="FF0000"/>
+                          </a:solidFill>
+                        </a:rPr>
+                        <a:t>0.687</a:t>
+                      </a:r>
+                    </a:p>
+                  </a:txBody>
+                  <a:tcPr anchor="ctr"/>
+                </a:tc>
+                <a:tc>
+                  <a:txBody>
+                    <a:bodyPr/>
+                    <a:lstStyle/>
+                    <a:p>
+                      <a:pPr algn="ctr"/>
+                      <a:r>
+                        <a:rPr lang="en-US" dirty="0">
+                          <a:solidFill>
+                            <a:srgbClr val="FF0000"/>
+                          </a:solidFill>
+                        </a:rPr>
+                        <a:t>0.633</a:t>
+                      </a:r>
+                    </a:p>
+                  </a:txBody>
+                  <a:tcPr anchor="ctr"/>
+                </a:tc>
+                <a:tc>
+                  <a:txBody>
+                    <a:bodyPr/>
+                    <a:lstStyle/>
+                    <a:p>
+                      <a:pPr algn="ctr"/>
+                      <a:r>
+                        <a:rPr lang="en-US" dirty="0">
+                          <a:solidFill>
+                            <a:srgbClr val="FF0000"/>
+                          </a:solidFill>
+                        </a:rPr>
+                        <a:t>0.628</a:t>
+                      </a:r>
+                    </a:p>
+                  </a:txBody>
+                  <a:tcPr anchor="ctr"/>
+                </a:tc>
+                <a:tc>
+                  <a:txBody>
+                    <a:bodyPr/>
+                    <a:lstStyle/>
+                    <a:p>
+                      <a:pPr algn="ctr"/>
+                      <a:r>
+                        <a:rPr lang="en-US" dirty="0">
+                          <a:solidFill>
+                            <a:srgbClr val="FF0000"/>
+                          </a:solidFill>
+                        </a:rPr>
+                        <a:t>0.730</a:t>
+                      </a:r>
+                    </a:p>
+                  </a:txBody>
+                  <a:tcPr anchor="ctr"/>
+                </a:tc>
+                <a:tc>
+                  <a:txBody>
+                    <a:bodyPr/>
+                    <a:lstStyle/>
+                    <a:p>
+                      <a:pPr algn="ctr"/>
+                      <a:r>
+                        <a:rPr lang="en-US" dirty="0">
+                          <a:solidFill>
+                            <a:srgbClr val="FF0000"/>
+                          </a:solidFill>
+                        </a:rPr>
+                        <a:t>0.631</a:t>
+                      </a:r>
+                    </a:p>
+                  </a:txBody>
+                  <a:tcPr anchor="ctr"/>
+                </a:tc>
+                <a:tc>
+                  <a:txBody>
+                    <a:bodyPr/>
+                    <a:lstStyle/>
+                    <a:p>
+                      <a:pPr algn="ctr"/>
+                      <a:r>
+                        <a:rPr lang="en-US" dirty="0">
+                          <a:solidFill>
+                            <a:srgbClr val="FF0000"/>
+                          </a:solidFill>
+                        </a:rPr>
+                        <a:t>0.5961</a:t>
+                      </a:r>
+                    </a:p>
+                  </a:txBody>
+                  <a:tcPr anchor="ctr"/>
+                </a:tc>
+                <a:extLst>
+                  <a:ext uri="{0D108BD9-81ED-4DB2-BD59-A6C34878D82A}">
+                    <a16:rowId xmlns:a16="http://schemas.microsoft.com/office/drawing/2014/main" val="2775775737"/>
+                  </a:ext>
+                </a:extLst>
+              </a:tr>
+              <a:tr h="887174">
+                <a:tc>
+                  <a:txBody>
+                    <a:bodyPr/>
+                    <a:lstStyle/>
+                    <a:p>
+                      <a:pPr algn="ctr"/>
+                      <a:r>
+                        <a:rPr lang="en-US" dirty="0"/>
+                        <a:t>Alexnet_F1</a:t>
+                      </a:r>
+                    </a:p>
+                  </a:txBody>
+                  <a:tcPr anchor="ctr"/>
+                </a:tc>
+                <a:tc>
+                  <a:txBody>
+                    <a:bodyPr/>
+                    <a:lstStyle/>
+                    <a:p>
+                      <a:pPr algn="ctr"/>
+                      <a:r>
+                        <a:rPr lang="en-US" dirty="0"/>
+                        <a:t>0.710</a:t>
+                      </a:r>
+                    </a:p>
+                  </a:txBody>
+                  <a:tcPr anchor="ctr"/>
+                </a:tc>
+                <a:tc>
+                  <a:txBody>
+                    <a:bodyPr/>
+                    <a:lstStyle/>
+                    <a:p>
+                      <a:pPr algn="ctr"/>
+                      <a:r>
+                        <a:rPr lang="en-US" dirty="0"/>
+                        <a:t>0.759</a:t>
+                      </a:r>
+                    </a:p>
+                  </a:txBody>
+                  <a:tcPr anchor="ctr"/>
+                </a:tc>
+                <a:tc>
+                  <a:txBody>
+                    <a:bodyPr/>
+                    <a:lstStyle/>
+                    <a:p>
+                      <a:pPr algn="ctr"/>
+                      <a:r>
+                        <a:rPr lang="en-US" dirty="0"/>
+                        <a:t>0.469</a:t>
+                      </a:r>
+                    </a:p>
+                  </a:txBody>
+                  <a:tcPr anchor="ctr"/>
+                </a:tc>
+                <a:tc>
+                  <a:txBody>
+                    <a:bodyPr/>
+                    <a:lstStyle/>
+                    <a:p>
+                      <a:pPr algn="ctr"/>
+                      <a:r>
+                        <a:rPr lang="en-US" dirty="0"/>
+                        <a:t>0.890</a:t>
+                      </a:r>
+                    </a:p>
+                  </a:txBody>
+                  <a:tcPr anchor="ctr"/>
+                </a:tc>
+                <a:tc>
+                  <a:txBody>
+                    <a:bodyPr/>
+                    <a:lstStyle/>
+                    <a:p>
+                      <a:pPr algn="ctr"/>
+                      <a:r>
+                        <a:rPr lang="en-US" dirty="0"/>
+                        <a:t>0.580</a:t>
+                      </a:r>
+                    </a:p>
+                  </a:txBody>
+                  <a:tcPr anchor="ctr"/>
+                </a:tc>
+                <a:tc>
+                  <a:txBody>
+                    <a:bodyPr/>
+                    <a:lstStyle/>
+                    <a:p>
+                      <a:pPr algn="ctr"/>
+                      <a:r>
+                        <a:rPr lang="en-US" dirty="0"/>
+                        <a:t>0.5622</a:t>
+                      </a:r>
+                    </a:p>
+                  </a:txBody>
+                  <a:tcPr anchor="ctr"/>
+                </a:tc>
+                <a:extLst>
+                  <a:ext uri="{0D108BD9-81ED-4DB2-BD59-A6C34878D82A}">
+                    <a16:rowId xmlns:a16="http://schemas.microsoft.com/office/drawing/2014/main" val="618446083"/>
+                  </a:ext>
+                </a:extLst>
+              </a:tr>
+              <a:tr h="887174">
+                <a:tc>
+                  <a:txBody>
+                    <a:bodyPr/>
+                    <a:lstStyle/>
+                    <a:p>
+                      <a:pPr marL="0" marR="0" lvl="0" indent="0" algn="ctr" defTabSz="914400" rtl="0" eaLnBrk="1" fontAlgn="auto" latinLnBrk="0" hangingPunct="1">
+                        <a:lnSpc>
+                          <a:spcPct val="100000"/>
+                        </a:lnSpc>
+                        <a:spcBef>
+                          <a:spcPts val="0"/>
+                        </a:spcBef>
+                        <a:spcAft>
+                          <a:spcPts val="0"/>
+                        </a:spcAft>
+                        <a:buClrTx/>
+                        <a:buSzTx/>
+                        <a:buFontTx/>
+                        <a:buNone/>
+                        <a:tabLst/>
+                        <a:defRPr/>
+                      </a:pPr>
+                      <a:r>
+                        <a:rPr lang="en-US" dirty="0" err="1"/>
+                        <a:t>Alexnet_loss</a:t>
+                      </a:r>
+                      <a:endParaRPr lang="en-US" dirty="0"/>
+                    </a:p>
+                    <a:p>
+                      <a:pPr algn="ctr"/>
+                      <a:endParaRPr lang="en-US" dirty="0"/>
+                    </a:p>
+                  </a:txBody>
+                  <a:tcPr anchor="ctr"/>
+                </a:tc>
+                <a:tc>
+                  <a:txBody>
+                    <a:bodyPr/>
+                    <a:lstStyle/>
+                    <a:p>
+                      <a:pPr algn="ctr"/>
+                      <a:r>
+                        <a:rPr lang="en-US" dirty="0"/>
+                        <a:t>0.698</a:t>
+                      </a:r>
+                    </a:p>
+                  </a:txBody>
+                  <a:tcPr anchor="ctr"/>
+                </a:tc>
+                <a:tc>
+                  <a:txBody>
+                    <a:bodyPr/>
+                    <a:lstStyle/>
+                    <a:p>
+                      <a:pPr algn="ctr"/>
+                      <a:r>
+                        <a:rPr lang="en-US" dirty="0"/>
+                        <a:t>0.779</a:t>
+                      </a:r>
+                    </a:p>
+                  </a:txBody>
+                  <a:tcPr anchor="ctr"/>
+                </a:tc>
+                <a:tc>
+                  <a:txBody>
+                    <a:bodyPr/>
+                    <a:lstStyle/>
+                    <a:p>
+                      <a:pPr algn="ctr"/>
+                      <a:r>
+                        <a:rPr lang="en-US" dirty="0"/>
+                        <a:t>0.405</a:t>
+                      </a:r>
+                    </a:p>
+                  </a:txBody>
+                  <a:tcPr anchor="ctr"/>
+                </a:tc>
+                <a:tc>
+                  <a:txBody>
+                    <a:bodyPr/>
+                    <a:lstStyle/>
+                    <a:p>
+                      <a:pPr algn="ctr"/>
+                      <a:r>
+                        <a:rPr lang="en-US" dirty="0"/>
+                        <a:t>0.915</a:t>
+                      </a:r>
+                    </a:p>
+                  </a:txBody>
+                  <a:tcPr anchor="ctr"/>
+                </a:tc>
+                <a:tc>
+                  <a:txBody>
+                    <a:bodyPr/>
+                    <a:lstStyle/>
+                    <a:p>
+                      <a:pPr algn="ctr"/>
+                      <a:r>
+                        <a:rPr lang="en-US" dirty="0"/>
+                        <a:t>0.533</a:t>
+                      </a:r>
+                    </a:p>
+                  </a:txBody>
+                  <a:tcPr anchor="ctr"/>
+                </a:tc>
+                <a:tc>
+                  <a:txBody>
+                    <a:bodyPr/>
+                    <a:lstStyle/>
+                    <a:p>
+                      <a:pPr algn="ctr"/>
+                      <a:r>
+                        <a:rPr lang="en-US" dirty="0"/>
+                        <a:t>0.5894</a:t>
+                      </a:r>
+                    </a:p>
+                  </a:txBody>
+                  <a:tcPr anchor="ctr"/>
+                </a:tc>
+                <a:extLst>
+                  <a:ext uri="{0D108BD9-81ED-4DB2-BD59-A6C34878D82A}">
+                    <a16:rowId xmlns:a16="http://schemas.microsoft.com/office/drawing/2014/main" val="872347479"/>
+                  </a:ext>
+                </a:extLst>
+              </a:tr>
+            </a:tbl>
+          </a:graphicData>
+        </a:graphic>
+      </p:graphicFrame>
+    </p:spTree>
+    <p:extLst>
+      <p:ext uri="{BB962C8B-B14F-4D97-AF65-F5344CB8AC3E}">
+        <p14:creationId xmlns:p14="http://schemas.microsoft.com/office/powerpoint/2010/main" val="3656450929"/>
+      </p:ext>
+    </p:extLst>
+  </p:cSld>
+  <p:clrMapOvr>
+    <a:masterClrMapping/>
+  </p:clrMapOvr>
+</p:sld>
+</file>
+
+<file path=ppt/slides/slide83.xml><?xml version="1.0" encoding="utf-8"?>
+<p:sld xmlns:a="http://schemas.openxmlformats.org/drawingml/2006/main" xmlns:r="http://schemas.openxmlformats.org/officeDocument/2006/relationships" xmlns:p="http://schemas.openxmlformats.org/presentationml/2006/main">
+  <p:cSld>
+    <p:spTree>
+      <p:nvGrpSpPr>
+        <p:cNvPr id="1" name=""/>
+        <p:cNvGrpSpPr/>
+        <p:nvPr/>
+      </p:nvGrpSpPr>
+      <p:grpSpPr>
+        <a:xfrm>
+          <a:off x="0" y="0"/>
+          <a:ext cx="0" cy="0"/>
+          <a:chOff x="0" y="0"/>
+          <a:chExt cx="0" cy="0"/>
+        </a:xfrm>
+      </p:grpSpPr>
+      <p:graphicFrame>
+        <p:nvGraphicFramePr>
+          <p:cNvPr id="4" name="Table 3">
+            <a:extLst>
+              <a:ext uri="{FF2B5EF4-FFF2-40B4-BE49-F238E27FC236}">
+                <a16:creationId xmlns:a16="http://schemas.microsoft.com/office/drawing/2014/main" id="{F3634E9B-F616-E548-A703-16000F2DD0FF}"/>
+              </a:ext>
+            </a:extLst>
+          </p:cNvPr>
+          <p:cNvGraphicFramePr>
+            <a:graphicFrameLocks noGrp="1"/>
+          </p:cNvGraphicFramePr>
+          <p:nvPr>
+            <p:extLst/>
+          </p:nvPr>
+        </p:nvGraphicFramePr>
+        <p:xfrm>
+          <a:off x="674557" y="929527"/>
+          <a:ext cx="10942820" cy="4976599"/>
+        </p:xfrm>
+        <a:graphic>
+          <a:graphicData uri="http://schemas.openxmlformats.org/drawingml/2006/table">
+            <a:tbl>
+              <a:tblPr firstRow="1" bandRow="1">
+                <a:tableStyleId>{5C22544A-7EE6-4342-B048-85BDC9FD1C3A}</a:tableStyleId>
+              </a:tblPr>
+              <a:tblGrid>
+                <a:gridCol w="1563260">
+                  <a:extLst>
+                    <a:ext uri="{9D8B030D-6E8A-4147-A177-3AD203B41FA5}">
+                      <a16:colId xmlns:a16="http://schemas.microsoft.com/office/drawing/2014/main" val="2272368709"/>
+                    </a:ext>
+                  </a:extLst>
+                </a:gridCol>
+                <a:gridCol w="1563260">
+                  <a:extLst>
+                    <a:ext uri="{9D8B030D-6E8A-4147-A177-3AD203B41FA5}">
+                      <a16:colId xmlns:a16="http://schemas.microsoft.com/office/drawing/2014/main" val="2235686462"/>
+                    </a:ext>
+                  </a:extLst>
+                </a:gridCol>
+                <a:gridCol w="1563260">
+                  <a:extLst>
+                    <a:ext uri="{9D8B030D-6E8A-4147-A177-3AD203B41FA5}">
+                      <a16:colId xmlns:a16="http://schemas.microsoft.com/office/drawing/2014/main" val="1061232007"/>
+                    </a:ext>
+                  </a:extLst>
+                </a:gridCol>
+                <a:gridCol w="1563260">
+                  <a:extLst>
+                    <a:ext uri="{9D8B030D-6E8A-4147-A177-3AD203B41FA5}">
+                      <a16:colId xmlns:a16="http://schemas.microsoft.com/office/drawing/2014/main" val="464967916"/>
+                    </a:ext>
+                  </a:extLst>
+                </a:gridCol>
+                <a:gridCol w="1563260">
+                  <a:extLst>
+                    <a:ext uri="{9D8B030D-6E8A-4147-A177-3AD203B41FA5}">
+                      <a16:colId xmlns:a16="http://schemas.microsoft.com/office/drawing/2014/main" val="3929012556"/>
+                    </a:ext>
+                  </a:extLst>
+                </a:gridCol>
+                <a:gridCol w="1563260">
+                  <a:extLst>
+                    <a:ext uri="{9D8B030D-6E8A-4147-A177-3AD203B41FA5}">
+                      <a16:colId xmlns:a16="http://schemas.microsoft.com/office/drawing/2014/main" val="3303028153"/>
+                    </a:ext>
+                  </a:extLst>
+                </a:gridCol>
+                <a:gridCol w="1563260">
+                  <a:extLst>
+                    <a:ext uri="{9D8B030D-6E8A-4147-A177-3AD203B41FA5}">
+                      <a16:colId xmlns:a16="http://schemas.microsoft.com/office/drawing/2014/main" val="4108006114"/>
+                    </a:ext>
+                  </a:extLst>
+                </a:gridCol>
+              </a:tblGrid>
+              <a:tr h="523804">
+                <a:tc>
+                  <a:txBody>
+                    <a:bodyPr/>
+                    <a:lstStyle/>
+                    <a:p>
+                      <a:pPr algn="ctr"/>
+                      <a:r>
+                        <a:rPr lang="en-US" dirty="0"/>
+                        <a:t>Gap</a:t>
+                      </a:r>
+                    </a:p>
+                  </a:txBody>
+                  <a:tcPr anchor="ctr"/>
+                </a:tc>
+                <a:tc>
+                  <a:txBody>
+                    <a:bodyPr/>
+                    <a:lstStyle/>
+                    <a:p>
+                      <a:pPr algn="ctr"/>
+                      <a:r>
+                        <a:rPr lang="en-US" dirty="0"/>
+                        <a:t>Accuracy</a:t>
+                      </a:r>
+                    </a:p>
+                  </a:txBody>
+                  <a:tcPr anchor="ctr"/>
+                </a:tc>
+                <a:tc>
+                  <a:txBody>
+                    <a:bodyPr/>
+                    <a:lstStyle/>
+                    <a:p>
+                      <a:pPr algn="ctr"/>
+                      <a:r>
+                        <a:rPr lang="en-US" dirty="0"/>
+                        <a:t>precision</a:t>
+                      </a:r>
+                    </a:p>
+                  </a:txBody>
+                  <a:tcPr anchor="ctr"/>
+                </a:tc>
+                <a:tc>
+                  <a:txBody>
+                    <a:bodyPr/>
+                    <a:lstStyle/>
+                    <a:p>
+                      <a:pPr algn="ctr"/>
+                      <a:r>
+                        <a:rPr lang="en-US" dirty="0"/>
+                        <a:t>recall</a:t>
+                      </a:r>
+                    </a:p>
+                  </a:txBody>
+                  <a:tcPr anchor="ctr"/>
+                </a:tc>
+                <a:tc>
+                  <a:txBody>
+                    <a:bodyPr/>
+                    <a:lstStyle/>
+                    <a:p>
+                      <a:pPr algn="ctr"/>
+                      <a:r>
+                        <a:rPr lang="en-US" dirty="0"/>
+                        <a:t>specificity</a:t>
+                      </a:r>
+                    </a:p>
+                  </a:txBody>
+                  <a:tcPr anchor="ctr"/>
+                </a:tc>
+                <a:tc>
+                  <a:txBody>
+                    <a:bodyPr/>
+                    <a:lstStyle/>
+                    <a:p>
+                      <a:pPr algn="ctr"/>
+                      <a:r>
+                        <a:rPr lang="en-US" dirty="0"/>
+                        <a:t>F1</a:t>
+                      </a:r>
+                    </a:p>
+                  </a:txBody>
+                  <a:tcPr anchor="ctr"/>
+                </a:tc>
+                <a:tc>
+                  <a:txBody>
+                    <a:bodyPr/>
+                    <a:lstStyle/>
+                    <a:p>
+                      <a:pPr algn="ctr"/>
+                      <a:r>
+                        <a:rPr lang="en-US" dirty="0"/>
+                        <a:t>loss</a:t>
+                      </a:r>
+                    </a:p>
+                  </a:txBody>
+                  <a:tcPr anchor="ctr"/>
+                </a:tc>
+                <a:extLst>
+                  <a:ext uri="{0D108BD9-81ED-4DB2-BD59-A6C34878D82A}">
+                    <a16:rowId xmlns:a16="http://schemas.microsoft.com/office/drawing/2014/main" val="2384826745"/>
+                  </a:ext>
+                </a:extLst>
+              </a:tr>
+              <a:tr h="904099">
+                <a:tc>
+                  <a:txBody>
+                    <a:bodyPr/>
+                    <a:lstStyle/>
+                    <a:p>
+                      <a:pPr algn="ctr"/>
+                      <a:r>
+                        <a:rPr lang="en-US" dirty="0" err="1"/>
+                        <a:t>Alexnet_accuracy</a:t>
+                      </a:r>
+                      <a:endParaRPr lang="en-US" dirty="0"/>
+                    </a:p>
+                  </a:txBody>
+                  <a:tcPr anchor="ctr"/>
+                </a:tc>
+                <a:tc>
+                  <a:txBody>
+                    <a:bodyPr/>
+                    <a:lstStyle/>
+                    <a:p>
+                      <a:pPr algn="ctr"/>
+                      <a:endParaRPr lang="en-US" dirty="0"/>
+                    </a:p>
+                  </a:txBody>
+                  <a:tcPr anchor="ctr"/>
+                </a:tc>
+                <a:tc>
+                  <a:txBody>
+                    <a:bodyPr/>
+                    <a:lstStyle/>
+                    <a:p>
+                      <a:pPr algn="ctr"/>
+                      <a:endParaRPr lang="en-US" dirty="0"/>
+                    </a:p>
+                  </a:txBody>
+                  <a:tcPr anchor="ctr"/>
+                </a:tc>
+                <a:tc>
+                  <a:txBody>
+                    <a:bodyPr/>
+                    <a:lstStyle/>
+                    <a:p>
+                      <a:pPr algn="ctr"/>
+                      <a:endParaRPr lang="en-US" dirty="0"/>
+                    </a:p>
+                  </a:txBody>
+                  <a:tcPr anchor="ctr"/>
+                </a:tc>
+                <a:tc>
+                  <a:txBody>
+                    <a:bodyPr/>
+                    <a:lstStyle/>
+                    <a:p>
+                      <a:pPr algn="ctr"/>
+                      <a:endParaRPr lang="en-US" dirty="0"/>
+                    </a:p>
+                  </a:txBody>
+                  <a:tcPr anchor="ctr"/>
+                </a:tc>
+                <a:tc>
+                  <a:txBody>
+                    <a:bodyPr/>
+                    <a:lstStyle/>
+                    <a:p>
+                      <a:pPr algn="ctr"/>
+                      <a:endParaRPr lang="en-US" dirty="0"/>
+                    </a:p>
+                  </a:txBody>
+                  <a:tcPr anchor="ctr"/>
+                </a:tc>
+                <a:tc>
+                  <a:txBody>
+                    <a:bodyPr/>
+                    <a:lstStyle/>
+                    <a:p>
+                      <a:pPr algn="ctr"/>
+                      <a:endParaRPr lang="en-US" dirty="0"/>
+                    </a:p>
+                  </a:txBody>
+                  <a:tcPr anchor="ctr"/>
+                </a:tc>
+                <a:extLst>
+                  <a:ext uri="{0D108BD9-81ED-4DB2-BD59-A6C34878D82A}">
+                    <a16:rowId xmlns:a16="http://schemas.microsoft.com/office/drawing/2014/main" val="1449166203"/>
+                  </a:ext>
+                </a:extLst>
+              </a:tr>
+              <a:tr h="887174">
+                <a:tc>
+                  <a:txBody>
+                    <a:bodyPr/>
+                    <a:lstStyle/>
+                    <a:p>
+                      <a:pPr algn="ctr"/>
+                      <a:r>
+                        <a:rPr lang="en-US" dirty="0" err="1"/>
+                        <a:t>Alexnet_precision</a:t>
+                      </a:r>
+                      <a:endParaRPr lang="en-US" dirty="0"/>
+                    </a:p>
+                  </a:txBody>
+                  <a:tcPr anchor="ctr"/>
+                </a:tc>
+                <a:tc>
+                  <a:txBody>
+                    <a:bodyPr/>
+                    <a:lstStyle/>
+                    <a:p>
+                      <a:pPr algn="ctr"/>
+                      <a:endParaRPr lang="en-US" dirty="0"/>
+                    </a:p>
+                  </a:txBody>
+                  <a:tcPr anchor="ctr"/>
+                </a:tc>
+                <a:tc>
+                  <a:txBody>
+                    <a:bodyPr/>
+                    <a:lstStyle/>
+                    <a:p>
+                      <a:pPr algn="ctr"/>
+                      <a:endParaRPr lang="en-US" dirty="0"/>
+                    </a:p>
+                  </a:txBody>
+                  <a:tcPr anchor="ctr"/>
+                </a:tc>
+                <a:tc>
+                  <a:txBody>
+                    <a:bodyPr/>
+                    <a:lstStyle/>
+                    <a:p>
+                      <a:pPr algn="ctr"/>
+                      <a:endParaRPr lang="en-US" dirty="0"/>
+                    </a:p>
+                  </a:txBody>
+                  <a:tcPr anchor="ctr"/>
+                </a:tc>
+                <a:tc>
+                  <a:txBody>
+                    <a:bodyPr/>
+                    <a:lstStyle/>
+                    <a:p>
+                      <a:pPr algn="ctr"/>
+                      <a:endParaRPr lang="en-US" dirty="0"/>
+                    </a:p>
+                  </a:txBody>
+                  <a:tcPr anchor="ctr"/>
+                </a:tc>
+                <a:tc>
+                  <a:txBody>
+                    <a:bodyPr/>
+                    <a:lstStyle/>
+                    <a:p>
+                      <a:pPr algn="ctr"/>
+                      <a:endParaRPr lang="en-US" dirty="0"/>
+                    </a:p>
+                  </a:txBody>
+                  <a:tcPr anchor="ctr"/>
+                </a:tc>
+                <a:tc>
+                  <a:txBody>
+                    <a:bodyPr/>
+                    <a:lstStyle/>
+                    <a:p>
+                      <a:pPr algn="ctr"/>
+                      <a:endParaRPr lang="en-US" dirty="0"/>
+                    </a:p>
+                  </a:txBody>
+                  <a:tcPr anchor="ctr"/>
+                </a:tc>
+                <a:extLst>
+                  <a:ext uri="{0D108BD9-81ED-4DB2-BD59-A6C34878D82A}">
+                    <a16:rowId xmlns:a16="http://schemas.microsoft.com/office/drawing/2014/main" val="4164655960"/>
+                  </a:ext>
+                </a:extLst>
+              </a:tr>
+              <a:tr h="887174">
+                <a:tc>
+                  <a:txBody>
+                    <a:bodyPr/>
+                    <a:lstStyle/>
+                    <a:p>
+                      <a:pPr algn="ctr"/>
+                      <a:r>
+                        <a:rPr lang="en-US" dirty="0" err="1"/>
+                        <a:t>Alexnet</a:t>
+                      </a:r>
+                      <a:r>
+                        <a:rPr lang="en-US" dirty="0" err="1">
+                          <a:solidFill>
+                            <a:srgbClr val="FF0000"/>
+                          </a:solidFill>
+                        </a:rPr>
+                        <a:t>_recall</a:t>
+                      </a:r>
+                      <a:endParaRPr lang="en-US" dirty="0">
+                        <a:solidFill>
+                          <a:srgbClr val="FF0000"/>
+                        </a:solidFill>
+                      </a:endParaRPr>
+                    </a:p>
+                  </a:txBody>
+                  <a:tcPr anchor="ctr"/>
+                </a:tc>
+                <a:tc>
+                  <a:txBody>
+                    <a:bodyPr/>
+                    <a:lstStyle/>
+                    <a:p>
+                      <a:pPr algn="ctr"/>
+                      <a:endParaRPr lang="en-US" dirty="0">
+                        <a:solidFill>
+                          <a:srgbClr val="FF0000"/>
+                        </a:solidFill>
+                      </a:endParaRPr>
+                    </a:p>
+                  </a:txBody>
+                  <a:tcPr anchor="ctr"/>
+                </a:tc>
+                <a:tc>
+                  <a:txBody>
+                    <a:bodyPr/>
+                    <a:lstStyle/>
+                    <a:p>
+                      <a:pPr algn="ctr"/>
+                      <a:endParaRPr lang="en-US" dirty="0">
+                        <a:solidFill>
+                          <a:srgbClr val="FF0000"/>
+                        </a:solidFill>
+                      </a:endParaRPr>
+                    </a:p>
+                  </a:txBody>
+                  <a:tcPr anchor="ctr"/>
+                </a:tc>
+                <a:tc>
+                  <a:txBody>
+                    <a:bodyPr/>
+                    <a:lstStyle/>
+                    <a:p>
+                      <a:pPr algn="ctr"/>
+                      <a:endParaRPr lang="en-US" dirty="0">
+                        <a:solidFill>
+                          <a:srgbClr val="FF0000"/>
+                        </a:solidFill>
+                      </a:endParaRPr>
+                    </a:p>
+                  </a:txBody>
+                  <a:tcPr anchor="ctr"/>
+                </a:tc>
+                <a:tc>
+                  <a:txBody>
+                    <a:bodyPr/>
+                    <a:lstStyle/>
+                    <a:p>
+                      <a:pPr algn="ctr"/>
+                      <a:endParaRPr lang="en-US" dirty="0">
+                        <a:solidFill>
+                          <a:srgbClr val="FF0000"/>
+                        </a:solidFill>
+                      </a:endParaRPr>
+                    </a:p>
+                  </a:txBody>
+                  <a:tcPr anchor="ctr"/>
+                </a:tc>
+                <a:tc>
+                  <a:txBody>
+                    <a:bodyPr/>
+                    <a:lstStyle/>
+                    <a:p>
+                      <a:pPr algn="ctr"/>
+                      <a:endParaRPr lang="en-US" dirty="0">
+                        <a:solidFill>
+                          <a:srgbClr val="FF0000"/>
+                        </a:solidFill>
+                      </a:endParaRPr>
+                    </a:p>
+                  </a:txBody>
+                  <a:tcPr anchor="ctr"/>
+                </a:tc>
+                <a:tc>
+                  <a:txBody>
+                    <a:bodyPr/>
+                    <a:lstStyle/>
+                    <a:p>
+                      <a:pPr algn="ctr"/>
+                      <a:endParaRPr lang="en-US" dirty="0">
+                        <a:solidFill>
+                          <a:srgbClr val="FF0000"/>
+                        </a:solidFill>
+                      </a:endParaRPr>
+                    </a:p>
+                  </a:txBody>
+                  <a:tcPr anchor="ctr"/>
+                </a:tc>
+                <a:extLst>
+                  <a:ext uri="{0D108BD9-81ED-4DB2-BD59-A6C34878D82A}">
+                    <a16:rowId xmlns:a16="http://schemas.microsoft.com/office/drawing/2014/main" val="2775775737"/>
+                  </a:ext>
+                </a:extLst>
+              </a:tr>
+              <a:tr h="887174">
+                <a:tc>
+                  <a:txBody>
+                    <a:bodyPr/>
+                    <a:lstStyle/>
+                    <a:p>
+                      <a:pPr algn="ctr"/>
+                      <a:r>
+                        <a:rPr lang="en-US" dirty="0"/>
+                        <a:t>Alexnet_F1</a:t>
+                      </a:r>
+                    </a:p>
+                  </a:txBody>
+                  <a:tcPr anchor="ctr"/>
+                </a:tc>
+                <a:tc>
+                  <a:txBody>
+                    <a:bodyPr/>
+                    <a:lstStyle/>
+                    <a:p>
+                      <a:pPr algn="ctr"/>
+                      <a:endParaRPr lang="en-US" dirty="0"/>
+                    </a:p>
+                  </a:txBody>
+                  <a:tcPr anchor="ctr"/>
+                </a:tc>
+                <a:tc>
+                  <a:txBody>
+                    <a:bodyPr/>
+                    <a:lstStyle/>
+                    <a:p>
+                      <a:pPr algn="ctr"/>
+                      <a:endParaRPr lang="en-US" dirty="0"/>
+                    </a:p>
+                  </a:txBody>
+                  <a:tcPr anchor="ctr"/>
+                </a:tc>
+                <a:tc>
+                  <a:txBody>
+                    <a:bodyPr/>
+                    <a:lstStyle/>
+                    <a:p>
+                      <a:pPr algn="ctr"/>
+                      <a:endParaRPr lang="en-US" dirty="0"/>
+                    </a:p>
+                  </a:txBody>
+                  <a:tcPr anchor="ctr"/>
+                </a:tc>
+                <a:tc>
+                  <a:txBody>
+                    <a:bodyPr/>
+                    <a:lstStyle/>
+                    <a:p>
+                      <a:pPr algn="ctr"/>
+                      <a:endParaRPr lang="en-US" dirty="0"/>
+                    </a:p>
+                  </a:txBody>
+                  <a:tcPr anchor="ctr"/>
+                </a:tc>
+                <a:tc>
+                  <a:txBody>
+                    <a:bodyPr/>
+                    <a:lstStyle/>
+                    <a:p>
+                      <a:pPr algn="ctr"/>
+                      <a:endParaRPr lang="en-US" dirty="0"/>
+                    </a:p>
+                  </a:txBody>
+                  <a:tcPr anchor="ctr"/>
+                </a:tc>
+                <a:tc>
+                  <a:txBody>
+                    <a:bodyPr/>
+                    <a:lstStyle/>
+                    <a:p>
+                      <a:pPr algn="ctr"/>
+                      <a:endParaRPr lang="en-US" dirty="0"/>
+                    </a:p>
+                  </a:txBody>
+                  <a:tcPr anchor="ctr"/>
+                </a:tc>
+                <a:extLst>
+                  <a:ext uri="{0D108BD9-81ED-4DB2-BD59-A6C34878D82A}">
+                    <a16:rowId xmlns:a16="http://schemas.microsoft.com/office/drawing/2014/main" val="618446083"/>
+                  </a:ext>
+                </a:extLst>
+              </a:tr>
+              <a:tr h="887174">
+                <a:tc>
+                  <a:txBody>
+                    <a:bodyPr/>
+                    <a:lstStyle/>
+                    <a:p>
+                      <a:pPr marL="0" marR="0" lvl="0" indent="0" algn="ctr" defTabSz="914400" rtl="0" eaLnBrk="1" fontAlgn="auto" latinLnBrk="0" hangingPunct="1">
+                        <a:lnSpc>
+                          <a:spcPct val="100000"/>
+                        </a:lnSpc>
+                        <a:spcBef>
+                          <a:spcPts val="0"/>
+                        </a:spcBef>
+                        <a:spcAft>
+                          <a:spcPts val="0"/>
+                        </a:spcAft>
+                        <a:buClrTx/>
+                        <a:buSzTx/>
+                        <a:buFontTx/>
+                        <a:buNone/>
+                        <a:tabLst/>
+                        <a:defRPr/>
+                      </a:pPr>
+                      <a:r>
+                        <a:rPr lang="en-US" dirty="0" err="1"/>
+                        <a:t>Alexnet_loss</a:t>
+                      </a:r>
+                      <a:endParaRPr lang="en-US" dirty="0"/>
+                    </a:p>
+                    <a:p>
+                      <a:pPr algn="ctr"/>
+                      <a:endParaRPr lang="en-US" dirty="0"/>
+                    </a:p>
+                  </a:txBody>
+                  <a:tcPr anchor="ctr"/>
+                </a:tc>
+                <a:tc>
+                  <a:txBody>
+                    <a:bodyPr/>
+                    <a:lstStyle/>
+                    <a:p>
+                      <a:pPr algn="ctr"/>
+                      <a:endParaRPr lang="en-US" dirty="0"/>
+                    </a:p>
+                  </a:txBody>
+                  <a:tcPr anchor="ctr"/>
+                </a:tc>
+                <a:tc>
+                  <a:txBody>
+                    <a:bodyPr/>
+                    <a:lstStyle/>
+                    <a:p>
+                      <a:pPr algn="ctr"/>
+                      <a:endParaRPr lang="en-US" dirty="0"/>
+                    </a:p>
+                  </a:txBody>
+                  <a:tcPr anchor="ctr"/>
+                </a:tc>
+                <a:tc>
+                  <a:txBody>
+                    <a:bodyPr/>
+                    <a:lstStyle/>
+                    <a:p>
+                      <a:pPr algn="ctr"/>
+                      <a:endParaRPr lang="en-US" dirty="0"/>
+                    </a:p>
+                  </a:txBody>
+                  <a:tcPr anchor="ctr"/>
+                </a:tc>
+                <a:tc>
+                  <a:txBody>
+                    <a:bodyPr/>
+                    <a:lstStyle/>
+                    <a:p>
+                      <a:pPr algn="ctr"/>
+                      <a:endParaRPr lang="en-US" dirty="0"/>
+                    </a:p>
+                  </a:txBody>
+                  <a:tcPr anchor="ctr"/>
+                </a:tc>
+                <a:tc>
+                  <a:txBody>
+                    <a:bodyPr/>
+                    <a:lstStyle/>
+                    <a:p>
+                      <a:pPr algn="ctr"/>
+                      <a:endParaRPr lang="en-US" dirty="0"/>
+                    </a:p>
+                  </a:txBody>
+                  <a:tcPr anchor="ctr"/>
+                </a:tc>
+                <a:tc>
+                  <a:txBody>
+                    <a:bodyPr/>
+                    <a:lstStyle/>
+                    <a:p>
+                      <a:pPr algn="ctr"/>
+                      <a:endParaRPr lang="en-US" dirty="0"/>
+                    </a:p>
+                  </a:txBody>
+                  <a:tcPr anchor="ctr"/>
+                </a:tc>
+                <a:extLst>
+                  <a:ext uri="{0D108BD9-81ED-4DB2-BD59-A6C34878D82A}">
+                    <a16:rowId xmlns:a16="http://schemas.microsoft.com/office/drawing/2014/main" val="872347479"/>
+                  </a:ext>
+                </a:extLst>
+              </a:tr>
+            </a:tbl>
+          </a:graphicData>
+        </a:graphic>
+      </p:graphicFrame>
+      <p:sp>
+        <p:nvSpPr>
+          <p:cNvPr id="2" name="TextBox 1">
+            <a:extLst>
+              <a:ext uri="{FF2B5EF4-FFF2-40B4-BE49-F238E27FC236}">
+                <a16:creationId xmlns:a16="http://schemas.microsoft.com/office/drawing/2014/main" id="{C7726F56-D796-0843-81DD-C863AE83205C}"/>
+              </a:ext>
+            </a:extLst>
+          </p:cNvPr>
+          <p:cNvSpPr txBox="1"/>
+          <p:nvPr/>
+        </p:nvSpPr>
+        <p:spPr>
+          <a:xfrm>
+            <a:off x="4137285" y="209862"/>
+            <a:ext cx="4482059" cy="369332"/>
+          </a:xfrm>
+          <a:prstGeom prst="rect">
+            <a:avLst/>
+          </a:prstGeom>
+          <a:noFill/>
+        </p:spPr>
+        <p:txBody>
+          <a:bodyPr wrap="square" rtlCol="0">
+            <a:spAutoFit/>
+          </a:bodyPr>
+          <a:lstStyle/>
+          <a:p>
+            <a:pPr algn="ctr"/>
+            <a:r>
+              <a:rPr lang="en-US" dirty="0"/>
+              <a:t>Hudson River</a:t>
+            </a:r>
+          </a:p>
+        </p:txBody>
+      </p:sp>
+    </p:spTree>
+    <p:extLst>
+      <p:ext uri="{BB962C8B-B14F-4D97-AF65-F5344CB8AC3E}">
+        <p14:creationId xmlns:p14="http://schemas.microsoft.com/office/powerpoint/2010/main" val="422609130"/>
+      </p:ext>
+    </p:extLst>
+  </p:cSld>
+  <p:clrMapOvr>
+    <a:masterClrMapping/>
+  </p:clrMapOvr>
+</p:sld>
+</file>
+
+<file path=ppt/slides/slide84.xml><?xml version="1.0" encoding="utf-8"?>
+<p:sld xmlns:a="http://schemas.openxmlformats.org/drawingml/2006/main" xmlns:r="http://schemas.openxmlformats.org/officeDocument/2006/relationships" xmlns:p="http://schemas.openxmlformats.org/presentationml/2006/main">
+  <p:cSld>
+    <p:spTree>
+      <p:nvGrpSpPr>
+        <p:cNvPr id="1" name=""/>
+        <p:cNvGrpSpPr/>
+        <p:nvPr/>
+      </p:nvGrpSpPr>
+      <p:grpSpPr>
+        <a:xfrm>
+          <a:off x="0" y="0"/>
+          <a:ext cx="0" cy="0"/>
+          <a:chOff x="0" y="0"/>
+          <a:chExt cx="0" cy="0"/>
+        </a:xfrm>
+      </p:grpSpPr>
+      <p:sp>
+        <p:nvSpPr>
+          <p:cNvPr id="2" name="Title 1">
+            <a:extLst>
+              <a:ext uri="{FF2B5EF4-FFF2-40B4-BE49-F238E27FC236}">
+                <a16:creationId xmlns:a16="http://schemas.microsoft.com/office/drawing/2014/main" id="{39EEA76C-C53B-7D42-884D-2D09F3B53BAC}"/>
+              </a:ext>
+            </a:extLst>
+          </p:cNvPr>
+          <p:cNvSpPr>
+            <a:spLocks noGrp="1"/>
+          </p:cNvSpPr>
+          <p:nvPr>
+            <p:ph type="title"/>
+          </p:nvPr>
+        </p:nvSpPr>
+        <p:spPr>
+          <a:xfrm>
+            <a:off x="1079740" y="2625246"/>
+            <a:ext cx="10515600" cy="1325563"/>
+          </a:xfrm>
+        </p:spPr>
+        <p:txBody>
+          <a:bodyPr/>
+          <a:lstStyle/>
+          <a:p>
+            <a:pPr algn="ctr"/>
+            <a:r>
+              <a:rPr lang="en-US"/>
+              <a:t>Union Square</a:t>
+            </a:r>
+            <a:endParaRPr lang="en-US" dirty="0"/>
+          </a:p>
+        </p:txBody>
+      </p:sp>
+    </p:spTree>
+    <p:extLst>
+      <p:ext uri="{BB962C8B-B14F-4D97-AF65-F5344CB8AC3E}">
+        <p14:creationId xmlns:p14="http://schemas.microsoft.com/office/powerpoint/2010/main" val="1353322144"/>
+      </p:ext>
+    </p:extLst>
+  </p:cSld>
+  <p:clrMapOvr>
+    <a:masterClrMapping/>
+  </p:clrMapOvr>
+</p:sld>
+</file>
+
+<file path=ppt/slides/slide85.xml><?xml version="1.0" encoding="utf-8"?>
+<p:sld xmlns:a="http://schemas.openxmlformats.org/drawingml/2006/main" xmlns:r="http://schemas.openxmlformats.org/officeDocument/2006/relationships" xmlns:p="http://schemas.openxmlformats.org/presentationml/2006/main">
+  <p:cSld>
+    <p:spTree>
+      <p:nvGrpSpPr>
+        <p:cNvPr id="1" name=""/>
+        <p:cNvGrpSpPr/>
+        <p:nvPr/>
+      </p:nvGrpSpPr>
+      <p:grpSpPr>
+        <a:xfrm>
+          <a:off x="0" y="0"/>
+          <a:ext cx="0" cy="0"/>
+          <a:chOff x="0" y="0"/>
+          <a:chExt cx="0" cy="0"/>
+        </a:xfrm>
+      </p:grpSpPr>
+      <p:graphicFrame>
+        <p:nvGraphicFramePr>
+          <p:cNvPr id="4" name="Table 3">
+            <a:extLst>
+              <a:ext uri="{FF2B5EF4-FFF2-40B4-BE49-F238E27FC236}">
+                <a16:creationId xmlns:a16="http://schemas.microsoft.com/office/drawing/2014/main" id="{F3634E9B-F616-E548-A703-16000F2DD0FF}"/>
+              </a:ext>
+            </a:extLst>
+          </p:cNvPr>
+          <p:cNvGraphicFramePr>
+            <a:graphicFrameLocks noGrp="1"/>
+          </p:cNvGraphicFramePr>
+          <p:nvPr>
+            <p:extLst/>
+          </p:nvPr>
+        </p:nvGraphicFramePr>
+        <p:xfrm>
+          <a:off x="674557" y="929527"/>
+          <a:ext cx="10942820" cy="4976599"/>
+        </p:xfrm>
+        <a:graphic>
+          <a:graphicData uri="http://schemas.openxmlformats.org/drawingml/2006/table">
+            <a:tbl>
+              <a:tblPr firstRow="1" bandRow="1">
+                <a:tableStyleId>{5C22544A-7EE6-4342-B048-85BDC9FD1C3A}</a:tableStyleId>
+              </a:tblPr>
+              <a:tblGrid>
+                <a:gridCol w="1563260">
+                  <a:extLst>
+                    <a:ext uri="{9D8B030D-6E8A-4147-A177-3AD203B41FA5}">
+                      <a16:colId xmlns:a16="http://schemas.microsoft.com/office/drawing/2014/main" val="2272368709"/>
+                    </a:ext>
+                  </a:extLst>
+                </a:gridCol>
+                <a:gridCol w="1563260">
+                  <a:extLst>
+                    <a:ext uri="{9D8B030D-6E8A-4147-A177-3AD203B41FA5}">
+                      <a16:colId xmlns:a16="http://schemas.microsoft.com/office/drawing/2014/main" val="2235686462"/>
+                    </a:ext>
+                  </a:extLst>
+                </a:gridCol>
+                <a:gridCol w="1563260">
+                  <a:extLst>
+                    <a:ext uri="{9D8B030D-6E8A-4147-A177-3AD203B41FA5}">
+                      <a16:colId xmlns:a16="http://schemas.microsoft.com/office/drawing/2014/main" val="1061232007"/>
+                    </a:ext>
+                  </a:extLst>
+                </a:gridCol>
+                <a:gridCol w="1563260">
+                  <a:extLst>
+                    <a:ext uri="{9D8B030D-6E8A-4147-A177-3AD203B41FA5}">
+                      <a16:colId xmlns:a16="http://schemas.microsoft.com/office/drawing/2014/main" val="464967916"/>
+                    </a:ext>
+                  </a:extLst>
+                </a:gridCol>
+                <a:gridCol w="1563260">
+                  <a:extLst>
+                    <a:ext uri="{9D8B030D-6E8A-4147-A177-3AD203B41FA5}">
+                      <a16:colId xmlns:a16="http://schemas.microsoft.com/office/drawing/2014/main" val="3929012556"/>
+                    </a:ext>
+                  </a:extLst>
+                </a:gridCol>
+                <a:gridCol w="1563260">
+                  <a:extLst>
+                    <a:ext uri="{9D8B030D-6E8A-4147-A177-3AD203B41FA5}">
+                      <a16:colId xmlns:a16="http://schemas.microsoft.com/office/drawing/2014/main" val="3303028153"/>
+                    </a:ext>
+                  </a:extLst>
+                </a:gridCol>
+                <a:gridCol w="1563260">
+                  <a:extLst>
+                    <a:ext uri="{9D8B030D-6E8A-4147-A177-3AD203B41FA5}">
+                      <a16:colId xmlns:a16="http://schemas.microsoft.com/office/drawing/2014/main" val="4108006114"/>
+                    </a:ext>
+                  </a:extLst>
+                </a:gridCol>
+              </a:tblGrid>
+              <a:tr h="523804">
+                <a:tc>
+                  <a:txBody>
+                    <a:bodyPr/>
+                    <a:lstStyle/>
+                    <a:p>
+                      <a:pPr algn="ctr"/>
+                      <a:r>
+                        <a:rPr lang="en-US" dirty="0"/>
+                        <a:t>Junction</a:t>
+                      </a:r>
+                    </a:p>
+                  </a:txBody>
+                  <a:tcPr anchor="ctr"/>
+                </a:tc>
+                <a:tc>
+                  <a:txBody>
+                    <a:bodyPr/>
+                    <a:lstStyle/>
+                    <a:p>
+                      <a:pPr algn="ctr"/>
+                      <a:r>
+                        <a:rPr lang="en-US" dirty="0"/>
+                        <a:t>Accuracy</a:t>
+                      </a:r>
+                    </a:p>
+                  </a:txBody>
+                  <a:tcPr anchor="ctr"/>
+                </a:tc>
+                <a:tc>
+                  <a:txBody>
+                    <a:bodyPr/>
+                    <a:lstStyle/>
+                    <a:p>
+                      <a:pPr algn="ctr"/>
+                      <a:r>
+                        <a:rPr lang="en-US" dirty="0"/>
+                        <a:t>precision</a:t>
+                      </a:r>
+                    </a:p>
+                  </a:txBody>
+                  <a:tcPr anchor="ctr"/>
+                </a:tc>
+                <a:tc>
+                  <a:txBody>
+                    <a:bodyPr/>
+                    <a:lstStyle/>
+                    <a:p>
+                      <a:pPr algn="ctr"/>
+                      <a:r>
+                        <a:rPr lang="en-US" dirty="0"/>
+                        <a:t>recall</a:t>
+                      </a:r>
+                    </a:p>
+                  </a:txBody>
+                  <a:tcPr anchor="ctr"/>
+                </a:tc>
+                <a:tc>
+                  <a:txBody>
+                    <a:bodyPr/>
+                    <a:lstStyle/>
+                    <a:p>
+                      <a:pPr algn="ctr"/>
+                      <a:r>
+                        <a:rPr lang="en-US" dirty="0"/>
+                        <a:t>specificity</a:t>
+                      </a:r>
+                    </a:p>
+                  </a:txBody>
+                  <a:tcPr anchor="ctr"/>
+                </a:tc>
+                <a:tc>
+                  <a:txBody>
+                    <a:bodyPr/>
+                    <a:lstStyle/>
+                    <a:p>
+                      <a:pPr algn="ctr"/>
+                      <a:r>
+                        <a:rPr lang="en-US" dirty="0"/>
+                        <a:t>F1</a:t>
+                      </a:r>
+                    </a:p>
+                  </a:txBody>
+                  <a:tcPr anchor="ctr"/>
+                </a:tc>
+                <a:tc>
+                  <a:txBody>
+                    <a:bodyPr/>
+                    <a:lstStyle/>
+                    <a:p>
+                      <a:pPr algn="ctr"/>
+                      <a:r>
+                        <a:rPr lang="en-US" dirty="0"/>
+                        <a:t>loss</a:t>
+                      </a:r>
+                    </a:p>
+                  </a:txBody>
+                  <a:tcPr anchor="ctr"/>
+                </a:tc>
+                <a:extLst>
+                  <a:ext uri="{0D108BD9-81ED-4DB2-BD59-A6C34878D82A}">
+                    <a16:rowId xmlns:a16="http://schemas.microsoft.com/office/drawing/2014/main" val="2384826745"/>
+                  </a:ext>
+                </a:extLst>
+              </a:tr>
+              <a:tr h="904099">
+                <a:tc>
+                  <a:txBody>
+                    <a:bodyPr/>
+                    <a:lstStyle/>
+                    <a:p>
+                      <a:pPr algn="ctr"/>
+                      <a:r>
+                        <a:rPr lang="en-US" dirty="0" err="1"/>
+                        <a:t>Alexnet_accuracy</a:t>
+                      </a:r>
+                      <a:endParaRPr lang="en-US" dirty="0"/>
+                    </a:p>
+                  </a:txBody>
+                  <a:tcPr anchor="ctr"/>
+                </a:tc>
+                <a:tc>
+                  <a:txBody>
+                    <a:bodyPr/>
+                    <a:lstStyle/>
+                    <a:p>
+                      <a:pPr algn="ctr"/>
+                      <a:r>
+                        <a:rPr lang="en-US" dirty="0"/>
+                        <a:t>0.716</a:t>
+                      </a:r>
+                    </a:p>
+                  </a:txBody>
+                  <a:tcPr anchor="ctr"/>
+                </a:tc>
+                <a:tc>
+                  <a:txBody>
+                    <a:bodyPr/>
+                    <a:lstStyle/>
+                    <a:p>
+                      <a:pPr algn="ctr"/>
+                      <a:r>
+                        <a:rPr lang="en-US" dirty="0"/>
+                        <a:t>0.781</a:t>
+                      </a:r>
+                    </a:p>
+                  </a:txBody>
+                  <a:tcPr anchor="ctr"/>
+                </a:tc>
+                <a:tc>
+                  <a:txBody>
+                    <a:bodyPr/>
+                    <a:lstStyle/>
+                    <a:p>
+                      <a:pPr algn="ctr"/>
+                      <a:r>
+                        <a:rPr lang="en-US" dirty="0"/>
+                        <a:t>0.465</a:t>
+                      </a:r>
+                    </a:p>
+                  </a:txBody>
+                  <a:tcPr anchor="ctr"/>
+                </a:tc>
+                <a:tc>
+                  <a:txBody>
+                    <a:bodyPr/>
+                    <a:lstStyle/>
+                    <a:p>
+                      <a:pPr algn="ctr"/>
+                      <a:r>
+                        <a:rPr lang="en-US" dirty="0"/>
+                        <a:t>0.903</a:t>
+                      </a:r>
+                    </a:p>
+                  </a:txBody>
+                  <a:tcPr anchor="ctr"/>
+                </a:tc>
+                <a:tc>
+                  <a:txBody>
+                    <a:bodyPr/>
+                    <a:lstStyle/>
+                    <a:p>
+                      <a:pPr algn="ctr"/>
+                      <a:r>
+                        <a:rPr lang="en-US" dirty="0"/>
+                        <a:t>0.583</a:t>
+                      </a:r>
+                    </a:p>
+                  </a:txBody>
+                  <a:tcPr anchor="ctr"/>
+                </a:tc>
+                <a:tc>
+                  <a:txBody>
+                    <a:bodyPr/>
+                    <a:lstStyle/>
+                    <a:p>
+                      <a:pPr algn="ctr"/>
+                      <a:r>
+                        <a:rPr lang="en-US" dirty="0"/>
+                        <a:t>0.5634</a:t>
+                      </a:r>
+                    </a:p>
+                  </a:txBody>
+                  <a:tcPr anchor="ctr"/>
+                </a:tc>
+                <a:extLst>
+                  <a:ext uri="{0D108BD9-81ED-4DB2-BD59-A6C34878D82A}">
+                    <a16:rowId xmlns:a16="http://schemas.microsoft.com/office/drawing/2014/main" val="1449166203"/>
+                  </a:ext>
+                </a:extLst>
+              </a:tr>
+              <a:tr h="887174">
+                <a:tc>
+                  <a:txBody>
+                    <a:bodyPr/>
+                    <a:lstStyle/>
+                    <a:p>
+                      <a:pPr algn="ctr"/>
+                      <a:r>
+                        <a:rPr lang="en-US" dirty="0" err="1"/>
+                        <a:t>Alexnet_precision</a:t>
+                      </a:r>
+                      <a:endParaRPr lang="en-US" dirty="0"/>
+                    </a:p>
+                  </a:txBody>
+                  <a:tcPr anchor="ctr"/>
+                </a:tc>
+                <a:tc>
+                  <a:txBody>
+                    <a:bodyPr/>
+                    <a:lstStyle/>
+                    <a:p>
+                      <a:pPr algn="ctr"/>
+                      <a:r>
+                        <a:rPr lang="en-US" dirty="0"/>
+                        <a:t>0.670</a:t>
+                      </a:r>
+                    </a:p>
+                  </a:txBody>
+                  <a:tcPr anchor="ctr"/>
+                </a:tc>
+                <a:tc>
+                  <a:txBody>
+                    <a:bodyPr/>
+                    <a:lstStyle/>
+                    <a:p>
+                      <a:pPr algn="ctr"/>
+                      <a:r>
+                        <a:rPr lang="en-US" dirty="0"/>
+                        <a:t>0.809</a:t>
+                      </a:r>
+                    </a:p>
+                  </a:txBody>
+                  <a:tcPr anchor="ctr"/>
+                </a:tc>
+                <a:tc>
+                  <a:txBody>
+                    <a:bodyPr/>
+                    <a:lstStyle/>
+                    <a:p>
+                      <a:pPr algn="ctr"/>
+                      <a:r>
+                        <a:rPr lang="en-US" dirty="0"/>
+                        <a:t>0.294</a:t>
+                      </a:r>
+                    </a:p>
+                  </a:txBody>
+                  <a:tcPr anchor="ctr"/>
+                </a:tc>
+                <a:tc>
+                  <a:txBody>
+                    <a:bodyPr/>
+                    <a:lstStyle/>
+                    <a:p>
+                      <a:pPr algn="ctr"/>
+                      <a:r>
+                        <a:rPr lang="en-US" dirty="0"/>
+                        <a:t>0.948</a:t>
+                      </a:r>
+                    </a:p>
+                  </a:txBody>
+                  <a:tcPr anchor="ctr"/>
+                </a:tc>
+                <a:tc>
+                  <a:txBody>
+                    <a:bodyPr/>
+                    <a:lstStyle/>
+                    <a:p>
+                      <a:pPr algn="ctr"/>
+                      <a:r>
+                        <a:rPr lang="en-US" dirty="0"/>
+                        <a:t>0.432</a:t>
+                      </a:r>
+                    </a:p>
+                  </a:txBody>
+                  <a:tcPr anchor="ctr"/>
+                </a:tc>
+                <a:tc>
+                  <a:txBody>
+                    <a:bodyPr/>
+                    <a:lstStyle/>
+                    <a:p>
+                      <a:pPr algn="ctr"/>
+                      <a:r>
+                        <a:rPr lang="en-US" dirty="0"/>
+                        <a:t>0.6087</a:t>
+                      </a:r>
+                    </a:p>
+                  </a:txBody>
+                  <a:tcPr anchor="ctr"/>
+                </a:tc>
+                <a:extLst>
+                  <a:ext uri="{0D108BD9-81ED-4DB2-BD59-A6C34878D82A}">
+                    <a16:rowId xmlns:a16="http://schemas.microsoft.com/office/drawing/2014/main" val="4164655960"/>
+                  </a:ext>
+                </a:extLst>
+              </a:tr>
+              <a:tr h="887174">
+                <a:tc>
+                  <a:txBody>
+                    <a:bodyPr/>
+                    <a:lstStyle/>
+                    <a:p>
+                      <a:pPr algn="ctr"/>
+                      <a:r>
+                        <a:rPr lang="en-US" dirty="0" err="1"/>
+                        <a:t>Alexnet</a:t>
+                      </a:r>
+                      <a:r>
+                        <a:rPr lang="en-US" dirty="0" err="1">
+                          <a:solidFill>
+                            <a:srgbClr val="FF0000"/>
+                          </a:solidFill>
+                        </a:rPr>
+                        <a:t>_recall</a:t>
+                      </a:r>
+                      <a:endParaRPr lang="en-US" dirty="0">
+                        <a:solidFill>
+                          <a:srgbClr val="FF0000"/>
+                        </a:solidFill>
+                      </a:endParaRPr>
+                    </a:p>
+                  </a:txBody>
+                  <a:tcPr anchor="ctr"/>
+                </a:tc>
+                <a:tc>
+                  <a:txBody>
+                    <a:bodyPr/>
+                    <a:lstStyle/>
+                    <a:p>
+                      <a:pPr algn="ctr"/>
+                      <a:r>
+                        <a:rPr lang="en-US" dirty="0">
+                          <a:solidFill>
+                            <a:srgbClr val="FF0000"/>
+                          </a:solidFill>
+                        </a:rPr>
+                        <a:t>0.687</a:t>
+                      </a:r>
+                    </a:p>
+                  </a:txBody>
+                  <a:tcPr anchor="ctr"/>
+                </a:tc>
+                <a:tc>
+                  <a:txBody>
+                    <a:bodyPr/>
+                    <a:lstStyle/>
+                    <a:p>
+                      <a:pPr algn="ctr"/>
+                      <a:r>
+                        <a:rPr lang="en-US" dirty="0">
+                          <a:solidFill>
+                            <a:srgbClr val="FF0000"/>
+                          </a:solidFill>
+                        </a:rPr>
+                        <a:t>0.633</a:t>
+                      </a:r>
+                    </a:p>
+                  </a:txBody>
+                  <a:tcPr anchor="ctr"/>
+                </a:tc>
+                <a:tc>
+                  <a:txBody>
+                    <a:bodyPr/>
+                    <a:lstStyle/>
+                    <a:p>
+                      <a:pPr algn="ctr"/>
+                      <a:r>
+                        <a:rPr lang="en-US" dirty="0">
+                          <a:solidFill>
+                            <a:srgbClr val="FF0000"/>
+                          </a:solidFill>
+                        </a:rPr>
+                        <a:t>0.628</a:t>
+                      </a:r>
+                    </a:p>
+                  </a:txBody>
+                  <a:tcPr anchor="ctr"/>
+                </a:tc>
+                <a:tc>
+                  <a:txBody>
+                    <a:bodyPr/>
+                    <a:lstStyle/>
+                    <a:p>
+                      <a:pPr algn="ctr"/>
+                      <a:r>
+                        <a:rPr lang="en-US" dirty="0">
+                          <a:solidFill>
+                            <a:srgbClr val="FF0000"/>
+                          </a:solidFill>
+                        </a:rPr>
+                        <a:t>0.730</a:t>
+                      </a:r>
+                    </a:p>
+                  </a:txBody>
+                  <a:tcPr anchor="ctr"/>
+                </a:tc>
+                <a:tc>
+                  <a:txBody>
+                    <a:bodyPr/>
+                    <a:lstStyle/>
+                    <a:p>
+                      <a:pPr algn="ctr"/>
+                      <a:r>
+                        <a:rPr lang="en-US" dirty="0">
+                          <a:solidFill>
+                            <a:srgbClr val="FF0000"/>
+                          </a:solidFill>
+                        </a:rPr>
+                        <a:t>0.631</a:t>
+                      </a:r>
+                    </a:p>
+                  </a:txBody>
+                  <a:tcPr anchor="ctr"/>
+                </a:tc>
+                <a:tc>
+                  <a:txBody>
+                    <a:bodyPr/>
+                    <a:lstStyle/>
+                    <a:p>
+                      <a:pPr algn="ctr"/>
+                      <a:r>
+                        <a:rPr lang="en-US" dirty="0">
+                          <a:solidFill>
+                            <a:srgbClr val="FF0000"/>
+                          </a:solidFill>
+                        </a:rPr>
+                        <a:t>0.5961</a:t>
+                      </a:r>
+                    </a:p>
+                  </a:txBody>
+                  <a:tcPr anchor="ctr"/>
+                </a:tc>
+                <a:extLst>
+                  <a:ext uri="{0D108BD9-81ED-4DB2-BD59-A6C34878D82A}">
+                    <a16:rowId xmlns:a16="http://schemas.microsoft.com/office/drawing/2014/main" val="2775775737"/>
+                  </a:ext>
+                </a:extLst>
+              </a:tr>
+              <a:tr h="887174">
+                <a:tc>
+                  <a:txBody>
+                    <a:bodyPr/>
+                    <a:lstStyle/>
+                    <a:p>
+                      <a:pPr algn="ctr"/>
+                      <a:r>
+                        <a:rPr lang="en-US" dirty="0"/>
+                        <a:t>Alexnet_F1</a:t>
+                      </a:r>
+                    </a:p>
+                  </a:txBody>
+                  <a:tcPr anchor="ctr"/>
+                </a:tc>
+                <a:tc>
+                  <a:txBody>
+                    <a:bodyPr/>
+                    <a:lstStyle/>
+                    <a:p>
+                      <a:pPr algn="ctr"/>
+                      <a:r>
+                        <a:rPr lang="en-US" dirty="0"/>
+                        <a:t>0.710</a:t>
+                      </a:r>
+                    </a:p>
+                  </a:txBody>
+                  <a:tcPr anchor="ctr"/>
+                </a:tc>
+                <a:tc>
+                  <a:txBody>
+                    <a:bodyPr/>
+                    <a:lstStyle/>
+                    <a:p>
+                      <a:pPr algn="ctr"/>
+                      <a:r>
+                        <a:rPr lang="en-US" dirty="0"/>
+                        <a:t>0.759</a:t>
+                      </a:r>
+                    </a:p>
+                  </a:txBody>
+                  <a:tcPr anchor="ctr"/>
+                </a:tc>
+                <a:tc>
+                  <a:txBody>
+                    <a:bodyPr/>
+                    <a:lstStyle/>
+                    <a:p>
+                      <a:pPr algn="ctr"/>
+                      <a:r>
+                        <a:rPr lang="en-US" dirty="0"/>
+                        <a:t>0.469</a:t>
+                      </a:r>
+                    </a:p>
+                  </a:txBody>
+                  <a:tcPr anchor="ctr"/>
+                </a:tc>
+                <a:tc>
+                  <a:txBody>
+                    <a:bodyPr/>
+                    <a:lstStyle/>
+                    <a:p>
+                      <a:pPr algn="ctr"/>
+                      <a:r>
+                        <a:rPr lang="en-US" dirty="0"/>
+                        <a:t>0.890</a:t>
+                      </a:r>
+                    </a:p>
+                  </a:txBody>
+                  <a:tcPr anchor="ctr"/>
+                </a:tc>
+                <a:tc>
+                  <a:txBody>
+                    <a:bodyPr/>
+                    <a:lstStyle/>
+                    <a:p>
+                      <a:pPr algn="ctr"/>
+                      <a:r>
+                        <a:rPr lang="en-US" dirty="0"/>
+                        <a:t>0.580</a:t>
+                      </a:r>
+                    </a:p>
+                  </a:txBody>
+                  <a:tcPr anchor="ctr"/>
+                </a:tc>
+                <a:tc>
+                  <a:txBody>
+                    <a:bodyPr/>
+                    <a:lstStyle/>
+                    <a:p>
+                      <a:pPr algn="ctr"/>
+                      <a:r>
+                        <a:rPr lang="en-US" dirty="0"/>
+                        <a:t>0.5622</a:t>
+                      </a:r>
+                    </a:p>
+                  </a:txBody>
+                  <a:tcPr anchor="ctr"/>
+                </a:tc>
+                <a:extLst>
+                  <a:ext uri="{0D108BD9-81ED-4DB2-BD59-A6C34878D82A}">
+                    <a16:rowId xmlns:a16="http://schemas.microsoft.com/office/drawing/2014/main" val="618446083"/>
+                  </a:ext>
+                </a:extLst>
+              </a:tr>
+              <a:tr h="887174">
+                <a:tc>
+                  <a:txBody>
+                    <a:bodyPr/>
+                    <a:lstStyle/>
+                    <a:p>
+                      <a:pPr marL="0" marR="0" lvl="0" indent="0" algn="ctr" defTabSz="914400" rtl="0" eaLnBrk="1" fontAlgn="auto" latinLnBrk="0" hangingPunct="1">
+                        <a:lnSpc>
+                          <a:spcPct val="100000"/>
+                        </a:lnSpc>
+                        <a:spcBef>
+                          <a:spcPts val="0"/>
+                        </a:spcBef>
+                        <a:spcAft>
+                          <a:spcPts val="0"/>
+                        </a:spcAft>
+                        <a:buClrTx/>
+                        <a:buSzTx/>
+                        <a:buFontTx/>
+                        <a:buNone/>
+                        <a:tabLst/>
+                        <a:defRPr/>
+                      </a:pPr>
+                      <a:r>
+                        <a:rPr lang="en-US" dirty="0" err="1"/>
+                        <a:t>Alexnet_loss</a:t>
+                      </a:r>
+                      <a:endParaRPr lang="en-US" dirty="0"/>
+                    </a:p>
+                    <a:p>
+                      <a:pPr algn="ctr"/>
+                      <a:endParaRPr lang="en-US" dirty="0"/>
+                    </a:p>
+                  </a:txBody>
+                  <a:tcPr anchor="ctr"/>
+                </a:tc>
+                <a:tc>
+                  <a:txBody>
+                    <a:bodyPr/>
+                    <a:lstStyle/>
+                    <a:p>
+                      <a:pPr algn="ctr"/>
+                      <a:r>
+                        <a:rPr lang="en-US" dirty="0"/>
+                        <a:t>0.698</a:t>
+                      </a:r>
+                    </a:p>
+                  </a:txBody>
+                  <a:tcPr anchor="ctr"/>
+                </a:tc>
+                <a:tc>
+                  <a:txBody>
+                    <a:bodyPr/>
+                    <a:lstStyle/>
+                    <a:p>
+                      <a:pPr algn="ctr"/>
+                      <a:r>
+                        <a:rPr lang="en-US" dirty="0"/>
+                        <a:t>0.779</a:t>
+                      </a:r>
+                    </a:p>
+                  </a:txBody>
+                  <a:tcPr anchor="ctr"/>
+                </a:tc>
+                <a:tc>
+                  <a:txBody>
+                    <a:bodyPr/>
+                    <a:lstStyle/>
+                    <a:p>
+                      <a:pPr algn="ctr"/>
+                      <a:r>
+                        <a:rPr lang="en-US" dirty="0"/>
+                        <a:t>0.405</a:t>
+                      </a:r>
+                    </a:p>
+                  </a:txBody>
+                  <a:tcPr anchor="ctr"/>
+                </a:tc>
+                <a:tc>
+                  <a:txBody>
+                    <a:bodyPr/>
+                    <a:lstStyle/>
+                    <a:p>
+                      <a:pPr algn="ctr"/>
+                      <a:r>
+                        <a:rPr lang="en-US" dirty="0"/>
+                        <a:t>0.915</a:t>
+                      </a:r>
+                    </a:p>
+                  </a:txBody>
+                  <a:tcPr anchor="ctr"/>
+                </a:tc>
+                <a:tc>
+                  <a:txBody>
+                    <a:bodyPr/>
+                    <a:lstStyle/>
+                    <a:p>
+                      <a:pPr algn="ctr"/>
+                      <a:r>
+                        <a:rPr lang="en-US" dirty="0"/>
+                        <a:t>0.533</a:t>
+                      </a:r>
+                    </a:p>
+                  </a:txBody>
+                  <a:tcPr anchor="ctr"/>
+                </a:tc>
+                <a:tc>
+                  <a:txBody>
+                    <a:bodyPr/>
+                    <a:lstStyle/>
+                    <a:p>
+                      <a:pPr algn="ctr"/>
+                      <a:r>
+                        <a:rPr lang="en-US" dirty="0"/>
+                        <a:t>0.5894</a:t>
+                      </a:r>
+                    </a:p>
+                  </a:txBody>
+                  <a:tcPr anchor="ctr"/>
+                </a:tc>
+                <a:extLst>
+                  <a:ext uri="{0D108BD9-81ED-4DB2-BD59-A6C34878D82A}">
+                    <a16:rowId xmlns:a16="http://schemas.microsoft.com/office/drawing/2014/main" val="872347479"/>
+                  </a:ext>
+                </a:extLst>
+              </a:tr>
+            </a:tbl>
+          </a:graphicData>
+        </a:graphic>
+      </p:graphicFrame>
+    </p:spTree>
+    <p:extLst>
+      <p:ext uri="{BB962C8B-B14F-4D97-AF65-F5344CB8AC3E}">
+        <p14:creationId xmlns:p14="http://schemas.microsoft.com/office/powerpoint/2010/main" val="6940886"/>
+      </p:ext>
+    </p:extLst>
+  </p:cSld>
+  <p:clrMapOvr>
+    <a:masterClrMapping/>
+  </p:clrMapOvr>
+</p:sld>
+</file>
+
+<file path=ppt/slides/slide86.xml><?xml version="1.0" encoding="utf-8"?>
+<p:sld xmlns:a="http://schemas.openxmlformats.org/drawingml/2006/main" xmlns:r="http://schemas.openxmlformats.org/officeDocument/2006/relationships" xmlns:p="http://schemas.openxmlformats.org/presentationml/2006/main">
+  <p:cSld>
+    <p:spTree>
+      <p:nvGrpSpPr>
+        <p:cNvPr id="1" name=""/>
+        <p:cNvGrpSpPr/>
+        <p:nvPr/>
+      </p:nvGrpSpPr>
+      <p:grpSpPr>
+        <a:xfrm>
+          <a:off x="0" y="0"/>
+          <a:ext cx="0" cy="0"/>
+          <a:chOff x="0" y="0"/>
+          <a:chExt cx="0" cy="0"/>
+        </a:xfrm>
+      </p:grpSpPr>
+      <p:graphicFrame>
+        <p:nvGraphicFramePr>
+          <p:cNvPr id="4" name="Table 3">
+            <a:extLst>
+              <a:ext uri="{FF2B5EF4-FFF2-40B4-BE49-F238E27FC236}">
+                <a16:creationId xmlns:a16="http://schemas.microsoft.com/office/drawing/2014/main" id="{F3634E9B-F616-E548-A703-16000F2DD0FF}"/>
+              </a:ext>
+            </a:extLst>
+          </p:cNvPr>
+          <p:cNvGraphicFramePr>
+            <a:graphicFrameLocks noGrp="1"/>
+          </p:cNvGraphicFramePr>
+          <p:nvPr>
+            <p:extLst/>
+          </p:nvPr>
+        </p:nvGraphicFramePr>
+        <p:xfrm>
+          <a:off x="674557" y="929527"/>
+          <a:ext cx="10942820" cy="4976599"/>
+        </p:xfrm>
+        <a:graphic>
+          <a:graphicData uri="http://schemas.openxmlformats.org/drawingml/2006/table">
+            <a:tbl>
+              <a:tblPr firstRow="1" bandRow="1">
+                <a:tableStyleId>{5C22544A-7EE6-4342-B048-85BDC9FD1C3A}</a:tableStyleId>
+              </a:tblPr>
+              <a:tblGrid>
+                <a:gridCol w="1563260">
+                  <a:extLst>
+                    <a:ext uri="{9D8B030D-6E8A-4147-A177-3AD203B41FA5}">
+                      <a16:colId xmlns:a16="http://schemas.microsoft.com/office/drawing/2014/main" val="2272368709"/>
+                    </a:ext>
+                  </a:extLst>
+                </a:gridCol>
+                <a:gridCol w="1563260">
+                  <a:extLst>
+                    <a:ext uri="{9D8B030D-6E8A-4147-A177-3AD203B41FA5}">
+                      <a16:colId xmlns:a16="http://schemas.microsoft.com/office/drawing/2014/main" val="2235686462"/>
+                    </a:ext>
+                  </a:extLst>
+                </a:gridCol>
+                <a:gridCol w="1563260">
+                  <a:extLst>
+                    <a:ext uri="{9D8B030D-6E8A-4147-A177-3AD203B41FA5}">
+                      <a16:colId xmlns:a16="http://schemas.microsoft.com/office/drawing/2014/main" val="1061232007"/>
+                    </a:ext>
+                  </a:extLst>
+                </a:gridCol>
+                <a:gridCol w="1563260">
+                  <a:extLst>
+                    <a:ext uri="{9D8B030D-6E8A-4147-A177-3AD203B41FA5}">
+                      <a16:colId xmlns:a16="http://schemas.microsoft.com/office/drawing/2014/main" val="464967916"/>
+                    </a:ext>
+                  </a:extLst>
+                </a:gridCol>
+                <a:gridCol w="1563260">
+                  <a:extLst>
+                    <a:ext uri="{9D8B030D-6E8A-4147-A177-3AD203B41FA5}">
+                      <a16:colId xmlns:a16="http://schemas.microsoft.com/office/drawing/2014/main" val="3929012556"/>
+                    </a:ext>
+                  </a:extLst>
+                </a:gridCol>
+                <a:gridCol w="1563260">
+                  <a:extLst>
+                    <a:ext uri="{9D8B030D-6E8A-4147-A177-3AD203B41FA5}">
+                      <a16:colId xmlns:a16="http://schemas.microsoft.com/office/drawing/2014/main" val="3303028153"/>
+                    </a:ext>
+                  </a:extLst>
+                </a:gridCol>
+                <a:gridCol w="1563260">
+                  <a:extLst>
+                    <a:ext uri="{9D8B030D-6E8A-4147-A177-3AD203B41FA5}">
+                      <a16:colId xmlns:a16="http://schemas.microsoft.com/office/drawing/2014/main" val="4108006114"/>
+                    </a:ext>
+                  </a:extLst>
+                </a:gridCol>
+              </a:tblGrid>
+              <a:tr h="523804">
+                <a:tc>
+                  <a:txBody>
+                    <a:bodyPr/>
+                    <a:lstStyle/>
+                    <a:p>
+                      <a:pPr algn="ctr"/>
+                      <a:r>
+                        <a:rPr lang="en-US" dirty="0"/>
+                        <a:t>Gap</a:t>
+                      </a:r>
+                    </a:p>
+                  </a:txBody>
+                  <a:tcPr anchor="ctr"/>
+                </a:tc>
+                <a:tc>
+                  <a:txBody>
+                    <a:bodyPr/>
+                    <a:lstStyle/>
+                    <a:p>
+                      <a:pPr algn="ctr"/>
+                      <a:r>
+                        <a:rPr lang="en-US" dirty="0"/>
+                        <a:t>Accuracy</a:t>
+                      </a:r>
+                    </a:p>
+                  </a:txBody>
+                  <a:tcPr anchor="ctr"/>
+                </a:tc>
+                <a:tc>
+                  <a:txBody>
+                    <a:bodyPr/>
+                    <a:lstStyle/>
+                    <a:p>
+                      <a:pPr algn="ctr"/>
+                      <a:r>
+                        <a:rPr lang="en-US" dirty="0"/>
+                        <a:t>precision</a:t>
+                      </a:r>
+                    </a:p>
+                  </a:txBody>
+                  <a:tcPr anchor="ctr"/>
+                </a:tc>
+                <a:tc>
+                  <a:txBody>
+                    <a:bodyPr/>
+                    <a:lstStyle/>
+                    <a:p>
+                      <a:pPr algn="ctr"/>
+                      <a:r>
+                        <a:rPr lang="en-US" dirty="0"/>
+                        <a:t>recall</a:t>
+                      </a:r>
+                    </a:p>
+                  </a:txBody>
+                  <a:tcPr anchor="ctr"/>
+                </a:tc>
+                <a:tc>
+                  <a:txBody>
+                    <a:bodyPr/>
+                    <a:lstStyle/>
+                    <a:p>
+                      <a:pPr algn="ctr"/>
+                      <a:r>
+                        <a:rPr lang="en-US" dirty="0"/>
+                        <a:t>specificity</a:t>
+                      </a:r>
+                    </a:p>
+                  </a:txBody>
+                  <a:tcPr anchor="ctr"/>
+                </a:tc>
+                <a:tc>
+                  <a:txBody>
+                    <a:bodyPr/>
+                    <a:lstStyle/>
+                    <a:p>
+                      <a:pPr algn="ctr"/>
+                      <a:r>
+                        <a:rPr lang="en-US" dirty="0"/>
+                        <a:t>F1</a:t>
+                      </a:r>
+                    </a:p>
+                  </a:txBody>
+                  <a:tcPr anchor="ctr"/>
+                </a:tc>
+                <a:tc>
+                  <a:txBody>
+                    <a:bodyPr/>
+                    <a:lstStyle/>
+                    <a:p>
+                      <a:pPr algn="ctr"/>
+                      <a:r>
+                        <a:rPr lang="en-US" dirty="0"/>
+                        <a:t>loss</a:t>
+                      </a:r>
+                    </a:p>
+                  </a:txBody>
+                  <a:tcPr anchor="ctr"/>
+                </a:tc>
+                <a:extLst>
+                  <a:ext uri="{0D108BD9-81ED-4DB2-BD59-A6C34878D82A}">
+                    <a16:rowId xmlns:a16="http://schemas.microsoft.com/office/drawing/2014/main" val="2384826745"/>
+                  </a:ext>
+                </a:extLst>
+              </a:tr>
+              <a:tr h="904099">
+                <a:tc>
+                  <a:txBody>
+                    <a:bodyPr/>
+                    <a:lstStyle/>
+                    <a:p>
+                      <a:pPr algn="ctr"/>
+                      <a:r>
+                        <a:rPr lang="en-US" dirty="0" err="1"/>
+                        <a:t>Alexnet_accuracy</a:t>
+                      </a:r>
+                      <a:endParaRPr lang="en-US" dirty="0"/>
+                    </a:p>
+                  </a:txBody>
+                  <a:tcPr anchor="ctr"/>
+                </a:tc>
+                <a:tc>
+                  <a:txBody>
+                    <a:bodyPr/>
+                    <a:lstStyle/>
+                    <a:p>
+                      <a:pPr algn="ctr"/>
+                      <a:endParaRPr lang="en-US" dirty="0"/>
+                    </a:p>
+                  </a:txBody>
+                  <a:tcPr anchor="ctr"/>
+                </a:tc>
+                <a:tc>
+                  <a:txBody>
+                    <a:bodyPr/>
+                    <a:lstStyle/>
+                    <a:p>
+                      <a:pPr algn="ctr"/>
+                      <a:endParaRPr lang="en-US" dirty="0"/>
+                    </a:p>
+                  </a:txBody>
+                  <a:tcPr anchor="ctr"/>
+                </a:tc>
+                <a:tc>
+                  <a:txBody>
+                    <a:bodyPr/>
+                    <a:lstStyle/>
+                    <a:p>
+                      <a:pPr algn="ctr"/>
+                      <a:endParaRPr lang="en-US" dirty="0"/>
+                    </a:p>
+                  </a:txBody>
+                  <a:tcPr anchor="ctr"/>
+                </a:tc>
+                <a:tc>
+                  <a:txBody>
+                    <a:bodyPr/>
+                    <a:lstStyle/>
+                    <a:p>
+                      <a:pPr algn="ctr"/>
+                      <a:endParaRPr lang="en-US" dirty="0"/>
+                    </a:p>
+                  </a:txBody>
+                  <a:tcPr anchor="ctr"/>
+                </a:tc>
+                <a:tc>
+                  <a:txBody>
+                    <a:bodyPr/>
+                    <a:lstStyle/>
+                    <a:p>
+                      <a:pPr algn="ctr"/>
+                      <a:endParaRPr lang="en-US" dirty="0"/>
+                    </a:p>
+                  </a:txBody>
+                  <a:tcPr anchor="ctr"/>
+                </a:tc>
+                <a:tc>
+                  <a:txBody>
+                    <a:bodyPr/>
+                    <a:lstStyle/>
+                    <a:p>
+                      <a:pPr algn="ctr"/>
+                      <a:endParaRPr lang="en-US" dirty="0"/>
+                    </a:p>
+                  </a:txBody>
+                  <a:tcPr anchor="ctr"/>
+                </a:tc>
+                <a:extLst>
+                  <a:ext uri="{0D108BD9-81ED-4DB2-BD59-A6C34878D82A}">
+                    <a16:rowId xmlns:a16="http://schemas.microsoft.com/office/drawing/2014/main" val="1449166203"/>
+                  </a:ext>
+                </a:extLst>
+              </a:tr>
+              <a:tr h="887174">
+                <a:tc>
+                  <a:txBody>
+                    <a:bodyPr/>
+                    <a:lstStyle/>
+                    <a:p>
+                      <a:pPr algn="ctr"/>
+                      <a:r>
+                        <a:rPr lang="en-US" dirty="0" err="1"/>
+                        <a:t>Alexnet_precision</a:t>
+                      </a:r>
+                      <a:endParaRPr lang="en-US" dirty="0"/>
+                    </a:p>
+                  </a:txBody>
+                  <a:tcPr anchor="ctr"/>
+                </a:tc>
+                <a:tc>
+                  <a:txBody>
+                    <a:bodyPr/>
+                    <a:lstStyle/>
+                    <a:p>
+                      <a:pPr algn="ctr"/>
+                      <a:endParaRPr lang="en-US" dirty="0"/>
+                    </a:p>
+                  </a:txBody>
+                  <a:tcPr anchor="ctr"/>
+                </a:tc>
+                <a:tc>
+                  <a:txBody>
+                    <a:bodyPr/>
+                    <a:lstStyle/>
+                    <a:p>
+                      <a:pPr algn="ctr"/>
+                      <a:endParaRPr lang="en-US" dirty="0"/>
+                    </a:p>
+                  </a:txBody>
+                  <a:tcPr anchor="ctr"/>
+                </a:tc>
+                <a:tc>
+                  <a:txBody>
+                    <a:bodyPr/>
+                    <a:lstStyle/>
+                    <a:p>
+                      <a:pPr algn="ctr"/>
+                      <a:endParaRPr lang="en-US" dirty="0"/>
+                    </a:p>
+                  </a:txBody>
+                  <a:tcPr anchor="ctr"/>
+                </a:tc>
+                <a:tc>
+                  <a:txBody>
+                    <a:bodyPr/>
+                    <a:lstStyle/>
+                    <a:p>
+                      <a:pPr algn="ctr"/>
+                      <a:endParaRPr lang="en-US" dirty="0"/>
+                    </a:p>
+                  </a:txBody>
+                  <a:tcPr anchor="ctr"/>
+                </a:tc>
+                <a:tc>
+                  <a:txBody>
+                    <a:bodyPr/>
+                    <a:lstStyle/>
+                    <a:p>
+                      <a:pPr algn="ctr"/>
+                      <a:endParaRPr lang="en-US" dirty="0"/>
+                    </a:p>
+                  </a:txBody>
+                  <a:tcPr anchor="ctr"/>
+                </a:tc>
+                <a:tc>
+                  <a:txBody>
+                    <a:bodyPr/>
+                    <a:lstStyle/>
+                    <a:p>
+                      <a:pPr algn="ctr"/>
+                      <a:endParaRPr lang="en-US" dirty="0"/>
+                    </a:p>
+                  </a:txBody>
+                  <a:tcPr anchor="ctr"/>
+                </a:tc>
+                <a:extLst>
+                  <a:ext uri="{0D108BD9-81ED-4DB2-BD59-A6C34878D82A}">
+                    <a16:rowId xmlns:a16="http://schemas.microsoft.com/office/drawing/2014/main" val="4164655960"/>
+                  </a:ext>
+                </a:extLst>
+              </a:tr>
+              <a:tr h="887174">
+                <a:tc>
+                  <a:txBody>
+                    <a:bodyPr/>
+                    <a:lstStyle/>
+                    <a:p>
+                      <a:pPr algn="ctr"/>
+                      <a:r>
+                        <a:rPr lang="en-US" dirty="0" err="1"/>
+                        <a:t>Alexnet</a:t>
+                      </a:r>
+                      <a:r>
+                        <a:rPr lang="en-US" dirty="0" err="1">
+                          <a:solidFill>
+                            <a:srgbClr val="FF0000"/>
+                          </a:solidFill>
+                        </a:rPr>
+                        <a:t>_recall</a:t>
+                      </a:r>
+                      <a:endParaRPr lang="en-US" dirty="0">
+                        <a:solidFill>
+                          <a:srgbClr val="FF0000"/>
+                        </a:solidFill>
+                      </a:endParaRPr>
+                    </a:p>
+                  </a:txBody>
+                  <a:tcPr anchor="ctr"/>
+                </a:tc>
+                <a:tc>
+                  <a:txBody>
+                    <a:bodyPr/>
+                    <a:lstStyle/>
+                    <a:p>
+                      <a:pPr algn="ctr"/>
+                      <a:endParaRPr lang="en-US" dirty="0">
+                        <a:solidFill>
+                          <a:srgbClr val="FF0000"/>
+                        </a:solidFill>
+                      </a:endParaRPr>
+                    </a:p>
+                  </a:txBody>
+                  <a:tcPr anchor="ctr"/>
+                </a:tc>
+                <a:tc>
+                  <a:txBody>
+                    <a:bodyPr/>
+                    <a:lstStyle/>
+                    <a:p>
+                      <a:pPr algn="ctr"/>
+                      <a:endParaRPr lang="en-US" dirty="0">
+                        <a:solidFill>
+                          <a:srgbClr val="FF0000"/>
+                        </a:solidFill>
+                      </a:endParaRPr>
+                    </a:p>
+                  </a:txBody>
+                  <a:tcPr anchor="ctr"/>
+                </a:tc>
+                <a:tc>
+                  <a:txBody>
+                    <a:bodyPr/>
+                    <a:lstStyle/>
+                    <a:p>
+                      <a:pPr algn="ctr"/>
+                      <a:endParaRPr lang="en-US" dirty="0">
+                        <a:solidFill>
+                          <a:srgbClr val="FF0000"/>
+                        </a:solidFill>
+                      </a:endParaRPr>
+                    </a:p>
+                  </a:txBody>
+                  <a:tcPr anchor="ctr"/>
+                </a:tc>
+                <a:tc>
+                  <a:txBody>
+                    <a:bodyPr/>
+                    <a:lstStyle/>
+                    <a:p>
+                      <a:pPr algn="ctr"/>
+                      <a:endParaRPr lang="en-US" dirty="0">
+                        <a:solidFill>
+                          <a:srgbClr val="FF0000"/>
+                        </a:solidFill>
+                      </a:endParaRPr>
+                    </a:p>
+                  </a:txBody>
+                  <a:tcPr anchor="ctr"/>
+                </a:tc>
+                <a:tc>
+                  <a:txBody>
+                    <a:bodyPr/>
+                    <a:lstStyle/>
+                    <a:p>
+                      <a:pPr algn="ctr"/>
+                      <a:endParaRPr lang="en-US" dirty="0">
+                        <a:solidFill>
+                          <a:srgbClr val="FF0000"/>
+                        </a:solidFill>
+                      </a:endParaRPr>
+                    </a:p>
+                  </a:txBody>
+                  <a:tcPr anchor="ctr"/>
+                </a:tc>
+                <a:tc>
+                  <a:txBody>
+                    <a:bodyPr/>
+                    <a:lstStyle/>
+                    <a:p>
+                      <a:pPr algn="ctr"/>
+                      <a:endParaRPr lang="en-US" dirty="0">
+                        <a:solidFill>
+                          <a:srgbClr val="FF0000"/>
+                        </a:solidFill>
+                      </a:endParaRPr>
+                    </a:p>
+                  </a:txBody>
+                  <a:tcPr anchor="ctr"/>
+                </a:tc>
+                <a:extLst>
+                  <a:ext uri="{0D108BD9-81ED-4DB2-BD59-A6C34878D82A}">
+                    <a16:rowId xmlns:a16="http://schemas.microsoft.com/office/drawing/2014/main" val="2775775737"/>
+                  </a:ext>
+                </a:extLst>
+              </a:tr>
+              <a:tr h="887174">
+                <a:tc>
+                  <a:txBody>
+                    <a:bodyPr/>
+                    <a:lstStyle/>
+                    <a:p>
+                      <a:pPr algn="ctr"/>
+                      <a:r>
+                        <a:rPr lang="en-US" dirty="0"/>
+                        <a:t>Alexnet_F1</a:t>
+                      </a:r>
+                    </a:p>
+                  </a:txBody>
+                  <a:tcPr anchor="ctr"/>
+                </a:tc>
+                <a:tc>
+                  <a:txBody>
+                    <a:bodyPr/>
+                    <a:lstStyle/>
+                    <a:p>
+                      <a:pPr algn="ctr"/>
+                      <a:endParaRPr lang="en-US" dirty="0"/>
+                    </a:p>
+                  </a:txBody>
+                  <a:tcPr anchor="ctr"/>
+                </a:tc>
+                <a:tc>
+                  <a:txBody>
+                    <a:bodyPr/>
+                    <a:lstStyle/>
+                    <a:p>
+                      <a:pPr algn="ctr"/>
+                      <a:endParaRPr lang="en-US" dirty="0"/>
+                    </a:p>
+                  </a:txBody>
+                  <a:tcPr anchor="ctr"/>
+                </a:tc>
+                <a:tc>
+                  <a:txBody>
+                    <a:bodyPr/>
+                    <a:lstStyle/>
+                    <a:p>
+                      <a:pPr algn="ctr"/>
+                      <a:endParaRPr lang="en-US" dirty="0"/>
+                    </a:p>
+                  </a:txBody>
+                  <a:tcPr anchor="ctr"/>
+                </a:tc>
+                <a:tc>
+                  <a:txBody>
+                    <a:bodyPr/>
+                    <a:lstStyle/>
+                    <a:p>
+                      <a:pPr algn="ctr"/>
+                      <a:endParaRPr lang="en-US" dirty="0"/>
+                    </a:p>
+                  </a:txBody>
+                  <a:tcPr anchor="ctr"/>
+                </a:tc>
+                <a:tc>
+                  <a:txBody>
+                    <a:bodyPr/>
+                    <a:lstStyle/>
+                    <a:p>
+                      <a:pPr algn="ctr"/>
+                      <a:endParaRPr lang="en-US" dirty="0"/>
+                    </a:p>
+                  </a:txBody>
+                  <a:tcPr anchor="ctr"/>
+                </a:tc>
+                <a:tc>
+                  <a:txBody>
+                    <a:bodyPr/>
+                    <a:lstStyle/>
+                    <a:p>
+                      <a:pPr algn="ctr"/>
+                      <a:endParaRPr lang="en-US" dirty="0"/>
+                    </a:p>
+                  </a:txBody>
+                  <a:tcPr anchor="ctr"/>
+                </a:tc>
+                <a:extLst>
+                  <a:ext uri="{0D108BD9-81ED-4DB2-BD59-A6C34878D82A}">
+                    <a16:rowId xmlns:a16="http://schemas.microsoft.com/office/drawing/2014/main" val="618446083"/>
+                  </a:ext>
+                </a:extLst>
+              </a:tr>
+              <a:tr h="887174">
+                <a:tc>
+                  <a:txBody>
+                    <a:bodyPr/>
+                    <a:lstStyle/>
+                    <a:p>
+                      <a:pPr marL="0" marR="0" lvl="0" indent="0" algn="ctr" defTabSz="914400" rtl="0" eaLnBrk="1" fontAlgn="auto" latinLnBrk="0" hangingPunct="1">
+                        <a:lnSpc>
+                          <a:spcPct val="100000"/>
+                        </a:lnSpc>
+                        <a:spcBef>
+                          <a:spcPts val="0"/>
+                        </a:spcBef>
+                        <a:spcAft>
+                          <a:spcPts val="0"/>
+                        </a:spcAft>
+                        <a:buClrTx/>
+                        <a:buSzTx/>
+                        <a:buFontTx/>
+                        <a:buNone/>
+                        <a:tabLst/>
+                        <a:defRPr/>
+                      </a:pPr>
+                      <a:r>
+                        <a:rPr lang="en-US" dirty="0" err="1"/>
+                        <a:t>Alexnet_loss</a:t>
+                      </a:r>
+                      <a:endParaRPr lang="en-US" dirty="0"/>
+                    </a:p>
+                    <a:p>
+                      <a:pPr algn="ctr"/>
+                      <a:endParaRPr lang="en-US" dirty="0"/>
+                    </a:p>
+                  </a:txBody>
+                  <a:tcPr anchor="ctr"/>
+                </a:tc>
+                <a:tc>
+                  <a:txBody>
+                    <a:bodyPr/>
+                    <a:lstStyle/>
+                    <a:p>
+                      <a:pPr algn="ctr"/>
+                      <a:endParaRPr lang="en-US" dirty="0"/>
+                    </a:p>
+                  </a:txBody>
+                  <a:tcPr anchor="ctr"/>
+                </a:tc>
+                <a:tc>
+                  <a:txBody>
+                    <a:bodyPr/>
+                    <a:lstStyle/>
+                    <a:p>
+                      <a:pPr algn="ctr"/>
+                      <a:endParaRPr lang="en-US" dirty="0"/>
+                    </a:p>
+                  </a:txBody>
+                  <a:tcPr anchor="ctr"/>
+                </a:tc>
+                <a:tc>
+                  <a:txBody>
+                    <a:bodyPr/>
+                    <a:lstStyle/>
+                    <a:p>
+                      <a:pPr algn="ctr"/>
+                      <a:endParaRPr lang="en-US" dirty="0"/>
+                    </a:p>
+                  </a:txBody>
+                  <a:tcPr anchor="ctr"/>
+                </a:tc>
+                <a:tc>
+                  <a:txBody>
+                    <a:bodyPr/>
+                    <a:lstStyle/>
+                    <a:p>
+                      <a:pPr algn="ctr"/>
+                      <a:endParaRPr lang="en-US" dirty="0"/>
+                    </a:p>
+                  </a:txBody>
+                  <a:tcPr anchor="ctr"/>
+                </a:tc>
+                <a:tc>
+                  <a:txBody>
+                    <a:bodyPr/>
+                    <a:lstStyle/>
+                    <a:p>
+                      <a:pPr algn="ctr"/>
+                      <a:endParaRPr lang="en-US" dirty="0"/>
+                    </a:p>
+                  </a:txBody>
+                  <a:tcPr anchor="ctr"/>
+                </a:tc>
+                <a:tc>
+                  <a:txBody>
+                    <a:bodyPr/>
+                    <a:lstStyle/>
+                    <a:p>
+                      <a:pPr algn="ctr"/>
+                      <a:endParaRPr lang="en-US" dirty="0"/>
+                    </a:p>
+                  </a:txBody>
+                  <a:tcPr anchor="ctr"/>
+                </a:tc>
+                <a:extLst>
+                  <a:ext uri="{0D108BD9-81ED-4DB2-BD59-A6C34878D82A}">
+                    <a16:rowId xmlns:a16="http://schemas.microsoft.com/office/drawing/2014/main" val="872347479"/>
+                  </a:ext>
+                </a:extLst>
+              </a:tr>
+            </a:tbl>
+          </a:graphicData>
+        </a:graphic>
+      </p:graphicFrame>
+      <p:sp>
+        <p:nvSpPr>
+          <p:cNvPr id="2" name="TextBox 1">
+            <a:extLst>
+              <a:ext uri="{FF2B5EF4-FFF2-40B4-BE49-F238E27FC236}">
+                <a16:creationId xmlns:a16="http://schemas.microsoft.com/office/drawing/2014/main" id="{C7726F56-D796-0843-81DD-C863AE83205C}"/>
+              </a:ext>
+            </a:extLst>
+          </p:cNvPr>
+          <p:cNvSpPr txBox="1"/>
+          <p:nvPr/>
+        </p:nvSpPr>
+        <p:spPr>
+          <a:xfrm>
+            <a:off x="4137285" y="209862"/>
+            <a:ext cx="4482059" cy="369332"/>
+          </a:xfrm>
+          <a:prstGeom prst="rect">
+            <a:avLst/>
+          </a:prstGeom>
+          <a:noFill/>
+        </p:spPr>
+        <p:txBody>
+          <a:bodyPr wrap="square" rtlCol="0">
+            <a:spAutoFit/>
+          </a:bodyPr>
+          <a:lstStyle/>
+          <a:p>
+            <a:pPr algn="ctr"/>
+            <a:r>
+              <a:rPr lang="en-US" dirty="0"/>
+              <a:t>Hudson River</a:t>
+            </a:r>
+          </a:p>
+        </p:txBody>
+      </p:sp>
+    </p:spTree>
+    <p:extLst>
+      <p:ext uri="{BB962C8B-B14F-4D97-AF65-F5344CB8AC3E}">
+        <p14:creationId xmlns:p14="http://schemas.microsoft.com/office/powerpoint/2010/main" val="2436159314"/>
       </p:ext>
     </p:extLst>
   </p:cSld>

--- a/BSD_Figures.pptx
+++ b/BSD_Figures.pptx
@@ -41239,10 +41239,9 @@
           <a:p>
             <a:pPr algn="ctr"/>
             <a:r>
-              <a:rPr lang="en-US"/>
+              <a:rPr lang="en-US" dirty="0"/>
               <a:t>Union Square</a:t>
             </a:r>
-            <a:endParaRPr lang="en-US" dirty="0"/>
           </a:p>
         </p:txBody>
       </p:sp>
@@ -41289,7 +41288,11 @@
             <a:graphicFrameLocks noGrp="1"/>
           </p:cNvGraphicFramePr>
           <p:nvPr>
-            <p:extLst/>
+            <p:extLst>
+              <p:ext uri="{D42A27DB-BD31-4B8C-83A1-F6EECF244321}">
+                <p14:modId xmlns:p14="http://schemas.microsoft.com/office/powerpoint/2010/main" val="665719351"/>
+              </p:ext>
+            </p:extLst>
           </p:nvPr>
         </p:nvGraphicFramePr>
         <p:xfrm>
@@ -41482,77 +41485,77 @@
                       <a:pPr algn="ctr"/>
                       <a:r>
                         <a:rPr lang="en-US" dirty="0"/>
-                        <a:t>0.716</a:t>
-                      </a:r>
-                    </a:p>
-                  </a:txBody>
-                  <a:tcPr anchor="ctr"/>
-                </a:tc>
-                <a:tc>
-                  <a:txBody>
-                    <a:bodyPr/>
-                    <a:lstStyle/>
-                    <a:p>
-                      <a:pPr algn="ctr"/>
-                      <a:r>
-                        <a:rPr lang="en-US" dirty="0"/>
-                        <a:t>0.781</a:t>
-                      </a:r>
-                    </a:p>
-                  </a:txBody>
-                  <a:tcPr anchor="ctr"/>
-                </a:tc>
-                <a:tc>
-                  <a:txBody>
-                    <a:bodyPr/>
-                    <a:lstStyle/>
-                    <a:p>
-                      <a:pPr algn="ctr"/>
-                      <a:r>
-                        <a:rPr lang="en-US" dirty="0"/>
-                        <a:t>0.465</a:t>
-                      </a:r>
-                    </a:p>
-                  </a:txBody>
-                  <a:tcPr anchor="ctr"/>
-                </a:tc>
-                <a:tc>
-                  <a:txBody>
-                    <a:bodyPr/>
-                    <a:lstStyle/>
-                    <a:p>
-                      <a:pPr algn="ctr"/>
-                      <a:r>
-                        <a:rPr lang="en-US" dirty="0"/>
-                        <a:t>0.903</a:t>
-                      </a:r>
-                    </a:p>
-                  </a:txBody>
-                  <a:tcPr anchor="ctr"/>
-                </a:tc>
-                <a:tc>
-                  <a:txBody>
-                    <a:bodyPr/>
-                    <a:lstStyle/>
-                    <a:p>
-                      <a:pPr algn="ctr"/>
-                      <a:r>
-                        <a:rPr lang="en-US" dirty="0"/>
-                        <a:t>0.583</a:t>
-                      </a:r>
-                    </a:p>
-                  </a:txBody>
-                  <a:tcPr anchor="ctr"/>
-                </a:tc>
-                <a:tc>
-                  <a:txBody>
-                    <a:bodyPr/>
-                    <a:lstStyle/>
-                    <a:p>
-                      <a:pPr algn="ctr"/>
-                      <a:r>
-                        <a:rPr lang="en-US" dirty="0"/>
-                        <a:t>0.5634</a:t>
+                        <a:t>0.836</a:t>
+                      </a:r>
+                    </a:p>
+                  </a:txBody>
+                  <a:tcPr anchor="ctr"/>
+                </a:tc>
+                <a:tc>
+                  <a:txBody>
+                    <a:bodyPr/>
+                    <a:lstStyle/>
+                    <a:p>
+                      <a:pPr algn="ctr"/>
+                      <a:r>
+                        <a:rPr lang="en-US" dirty="0"/>
+                        <a:t>0.800</a:t>
+                      </a:r>
+                    </a:p>
+                  </a:txBody>
+                  <a:tcPr anchor="ctr"/>
+                </a:tc>
+                <a:tc>
+                  <a:txBody>
+                    <a:bodyPr/>
+                    <a:lstStyle/>
+                    <a:p>
+                      <a:pPr algn="ctr"/>
+                      <a:r>
+                        <a:rPr lang="en-US" dirty="0"/>
+                        <a:t>0.642</a:t>
+                      </a:r>
+                    </a:p>
+                  </a:txBody>
+                  <a:tcPr anchor="ctr"/>
+                </a:tc>
+                <a:tc>
+                  <a:txBody>
+                    <a:bodyPr/>
+                    <a:lstStyle/>
+                    <a:p>
+                      <a:pPr algn="ctr"/>
+                      <a:r>
+                        <a:rPr lang="en-US" dirty="0"/>
+                        <a:t>0.926</a:t>
+                      </a:r>
+                    </a:p>
+                  </a:txBody>
+                  <a:tcPr anchor="ctr"/>
+                </a:tc>
+                <a:tc>
+                  <a:txBody>
+                    <a:bodyPr/>
+                    <a:lstStyle/>
+                    <a:p>
+                      <a:pPr algn="ctr"/>
+                      <a:r>
+                        <a:rPr lang="en-US" dirty="0"/>
+                        <a:t>0.712</a:t>
+                      </a:r>
+                    </a:p>
+                  </a:txBody>
+                  <a:tcPr anchor="ctr"/>
+                </a:tc>
+                <a:tc>
+                  <a:txBody>
+                    <a:bodyPr/>
+                    <a:lstStyle/>
+                    <a:p>
+                      <a:pPr algn="ctr"/>
+                      <a:r>
+                        <a:rPr lang="en-US" dirty="0"/>
+                        <a:t>0.3978</a:t>
                       </a:r>
                     </a:p>
                   </a:txBody>
@@ -41588,77 +41591,77 @@
                       <a:pPr algn="ctr"/>
                       <a:r>
                         <a:rPr lang="en-US" dirty="0"/>
-                        <a:t>0.670</a:t>
-                      </a:r>
-                    </a:p>
-                  </a:txBody>
-                  <a:tcPr anchor="ctr"/>
-                </a:tc>
-                <a:tc>
-                  <a:txBody>
-                    <a:bodyPr/>
-                    <a:lstStyle/>
-                    <a:p>
-                      <a:pPr algn="ctr"/>
-                      <a:r>
-                        <a:rPr lang="en-US" dirty="0"/>
-                        <a:t>0.809</a:t>
-                      </a:r>
-                    </a:p>
-                  </a:txBody>
-                  <a:tcPr anchor="ctr"/>
-                </a:tc>
-                <a:tc>
-                  <a:txBody>
-                    <a:bodyPr/>
-                    <a:lstStyle/>
-                    <a:p>
-                      <a:pPr algn="ctr"/>
-                      <a:r>
-                        <a:rPr lang="en-US" dirty="0"/>
-                        <a:t>0.294</a:t>
-                      </a:r>
-                    </a:p>
-                  </a:txBody>
-                  <a:tcPr anchor="ctr"/>
-                </a:tc>
-                <a:tc>
-                  <a:txBody>
-                    <a:bodyPr/>
-                    <a:lstStyle/>
-                    <a:p>
-                      <a:pPr algn="ctr"/>
-                      <a:r>
-                        <a:rPr lang="en-US" dirty="0"/>
-                        <a:t>0.948</a:t>
-                      </a:r>
-                    </a:p>
-                  </a:txBody>
-                  <a:tcPr anchor="ctr"/>
-                </a:tc>
-                <a:tc>
-                  <a:txBody>
-                    <a:bodyPr/>
-                    <a:lstStyle/>
-                    <a:p>
-                      <a:pPr algn="ctr"/>
-                      <a:r>
-                        <a:rPr lang="en-US" dirty="0"/>
-                        <a:t>0.432</a:t>
-                      </a:r>
-                    </a:p>
-                  </a:txBody>
-                  <a:tcPr anchor="ctr"/>
-                </a:tc>
-                <a:tc>
-                  <a:txBody>
-                    <a:bodyPr/>
-                    <a:lstStyle/>
-                    <a:p>
-                      <a:pPr algn="ctr"/>
-                      <a:r>
-                        <a:rPr lang="en-US" dirty="0"/>
-                        <a:t>0.6087</a:t>
+                        <a:t>0.786</a:t>
+                      </a:r>
+                    </a:p>
+                  </a:txBody>
+                  <a:tcPr anchor="ctr"/>
+                </a:tc>
+                <a:tc>
+                  <a:txBody>
+                    <a:bodyPr/>
+                    <a:lstStyle/>
+                    <a:p>
+                      <a:pPr algn="ctr"/>
+                      <a:r>
+                        <a:rPr lang="en-US" dirty="0"/>
+                        <a:t>0.795</a:t>
+                      </a:r>
+                    </a:p>
+                  </a:txBody>
+                  <a:tcPr anchor="ctr"/>
+                </a:tc>
+                <a:tc>
+                  <a:txBody>
+                    <a:bodyPr/>
+                    <a:lstStyle/>
+                    <a:p>
+                      <a:pPr algn="ctr"/>
+                      <a:r>
+                        <a:rPr lang="en-US" dirty="0"/>
+                        <a:t>0.433</a:t>
+                      </a:r>
+                    </a:p>
+                  </a:txBody>
+                  <a:tcPr anchor="ctr"/>
+                </a:tc>
+                <a:tc>
+                  <a:txBody>
+                    <a:bodyPr/>
+                    <a:lstStyle/>
+                    <a:p>
+                      <a:pPr algn="ctr"/>
+                      <a:r>
+                        <a:rPr lang="en-US" dirty="0"/>
+                        <a:t>0.949</a:t>
+                      </a:r>
+                    </a:p>
+                  </a:txBody>
+                  <a:tcPr anchor="ctr"/>
+                </a:tc>
+                <a:tc>
+                  <a:txBody>
+                    <a:bodyPr/>
+                    <a:lstStyle/>
+                    <a:p>
+                      <a:pPr algn="ctr"/>
+                      <a:r>
+                        <a:rPr lang="en-US" dirty="0"/>
+                        <a:t>0.561</a:t>
+                      </a:r>
+                    </a:p>
+                  </a:txBody>
+                  <a:tcPr anchor="ctr"/>
+                </a:tc>
+                <a:tc>
+                  <a:txBody>
+                    <a:bodyPr/>
+                    <a:lstStyle/>
+                    <a:p>
+                      <a:pPr algn="ctr"/>
+                      <a:r>
+                        <a:rPr lang="en-US" dirty="0"/>
+                        <a:t>0.5008</a:t>
                       </a:r>
                     </a:p>
                   </a:txBody>
@@ -41710,7 +41713,7 @@
                             <a:srgbClr val="FF0000"/>
                           </a:solidFill>
                         </a:rPr>
-                        <a:t>0.687</a:t>
+                        <a:t>0.795</a:t>
                       </a:r>
                     </a:p>
                   </a:txBody>
@@ -41728,7 +41731,7 @@
                             <a:srgbClr val="FF0000"/>
                           </a:solidFill>
                         </a:rPr>
-                        <a:t>0.633</a:t>
+                        <a:t>0.655</a:t>
                       </a:r>
                     </a:p>
                   </a:txBody>
@@ -41746,7 +41749,7 @@
                             <a:srgbClr val="FF0000"/>
                           </a:solidFill>
                         </a:rPr>
-                        <a:t>0.628</a:t>
+                        <a:t>0.743</a:t>
                       </a:r>
                     </a:p>
                   </a:txBody>
@@ -41764,7 +41767,7 @@
                             <a:srgbClr val="FF0000"/>
                           </a:solidFill>
                         </a:rPr>
-                        <a:t>0.730</a:t>
+                        <a:t>0.819</a:t>
                       </a:r>
                     </a:p>
                   </a:txBody>
@@ -41782,7 +41785,7 @@
                             <a:srgbClr val="FF0000"/>
                           </a:solidFill>
                         </a:rPr>
-                        <a:t>0.631</a:t>
+                        <a:t>0.696</a:t>
                       </a:r>
                     </a:p>
                   </a:txBody>
@@ -41800,7 +41803,7 @@
                             <a:srgbClr val="FF0000"/>
                           </a:solidFill>
                         </a:rPr>
-                        <a:t>0.5961</a:t>
+                        <a:t>0.4601</a:t>
                       </a:r>
                     </a:p>
                   </a:txBody>
@@ -41835,6 +41838,62 @@
                       <a:pPr algn="ctr"/>
                       <a:r>
                         <a:rPr lang="en-US" dirty="0"/>
+                        <a:t>0.830</a:t>
+                      </a:r>
+                    </a:p>
+                  </a:txBody>
+                  <a:tcPr anchor="ctr"/>
+                </a:tc>
+                <a:tc>
+                  <a:txBody>
+                    <a:bodyPr/>
+                    <a:lstStyle/>
+                    <a:p>
+                      <a:pPr algn="ctr"/>
+                      <a:r>
+                        <a:rPr lang="en-US" dirty="0"/>
+                        <a:t>0.770</a:t>
+                      </a:r>
+                    </a:p>
+                  </a:txBody>
+                  <a:tcPr anchor="ctr"/>
+                </a:tc>
+                <a:tc>
+                  <a:txBody>
+                    <a:bodyPr/>
+                    <a:lstStyle/>
+                    <a:p>
+                      <a:pPr algn="ctr"/>
+                      <a:r>
+                        <a:rPr lang="en-US" dirty="0"/>
+                        <a:t>0.658</a:t>
+                      </a:r>
+                    </a:p>
+                  </a:txBody>
+                  <a:tcPr anchor="ctr"/>
+                </a:tc>
+                <a:tc>
+                  <a:txBody>
+                    <a:bodyPr/>
+                    <a:lstStyle/>
+                    <a:p>
+                      <a:pPr algn="ctr"/>
+                      <a:r>
+                        <a:rPr lang="en-US" dirty="0"/>
+                        <a:t>0.909</a:t>
+                      </a:r>
+                    </a:p>
+                  </a:txBody>
+                  <a:tcPr anchor="ctr"/>
+                </a:tc>
+                <a:tc>
+                  <a:txBody>
+                    <a:bodyPr/>
+                    <a:lstStyle/>
+                    <a:p>
+                      <a:pPr algn="ctr"/>
+                      <a:r>
+                        <a:rPr lang="en-US" dirty="0"/>
                         <a:t>0.710</a:t>
                       </a:r>
                     </a:p>
@@ -41849,63 +41908,7 @@
                       <a:pPr algn="ctr"/>
                       <a:r>
                         <a:rPr lang="en-US" dirty="0"/>
-                        <a:t>0.759</a:t>
-                      </a:r>
-                    </a:p>
-                  </a:txBody>
-                  <a:tcPr anchor="ctr"/>
-                </a:tc>
-                <a:tc>
-                  <a:txBody>
-                    <a:bodyPr/>
-                    <a:lstStyle/>
-                    <a:p>
-                      <a:pPr algn="ctr"/>
-                      <a:r>
-                        <a:rPr lang="en-US" dirty="0"/>
-                        <a:t>0.469</a:t>
-                      </a:r>
-                    </a:p>
-                  </a:txBody>
-                  <a:tcPr anchor="ctr"/>
-                </a:tc>
-                <a:tc>
-                  <a:txBody>
-                    <a:bodyPr/>
-                    <a:lstStyle/>
-                    <a:p>
-                      <a:pPr algn="ctr"/>
-                      <a:r>
-                        <a:rPr lang="en-US" dirty="0"/>
-                        <a:t>0.890</a:t>
-                      </a:r>
-                    </a:p>
-                  </a:txBody>
-                  <a:tcPr anchor="ctr"/>
-                </a:tc>
-                <a:tc>
-                  <a:txBody>
-                    <a:bodyPr/>
-                    <a:lstStyle/>
-                    <a:p>
-                      <a:pPr algn="ctr"/>
-                      <a:r>
-                        <a:rPr lang="en-US" dirty="0"/>
-                        <a:t>0.580</a:t>
-                      </a:r>
-                    </a:p>
-                  </a:txBody>
-                  <a:tcPr anchor="ctr"/>
-                </a:tc>
-                <a:tc>
-                  <a:txBody>
-                    <a:bodyPr/>
-                    <a:lstStyle/>
-                    <a:p>
-                      <a:pPr algn="ctr"/>
-                      <a:r>
-                        <a:rPr lang="en-US" dirty="0"/>
-                        <a:t>0.5622</a:t>
+                        <a:t>0.4212</a:t>
                       </a:r>
                     </a:p>
                   </a:txBody>
@@ -41961,77 +41964,78 @@
                       <a:pPr algn="ctr"/>
                       <a:r>
                         <a:rPr lang="en-US" dirty="0"/>
-                        <a:t>0.698</a:t>
-                      </a:r>
-                    </a:p>
-                  </a:txBody>
-                  <a:tcPr anchor="ctr"/>
-                </a:tc>
-                <a:tc>
-                  <a:txBody>
-                    <a:bodyPr/>
-                    <a:lstStyle/>
-                    <a:p>
-                      <a:pPr algn="ctr"/>
-                      <a:r>
-                        <a:rPr lang="en-US" dirty="0"/>
-                        <a:t>0.779</a:t>
-                      </a:r>
-                    </a:p>
-                  </a:txBody>
-                  <a:tcPr anchor="ctr"/>
-                </a:tc>
-                <a:tc>
-                  <a:txBody>
-                    <a:bodyPr/>
-                    <a:lstStyle/>
-                    <a:p>
-                      <a:pPr algn="ctr"/>
-                      <a:r>
-                        <a:rPr lang="en-US" dirty="0"/>
-                        <a:t>0.405</a:t>
-                      </a:r>
-                    </a:p>
-                  </a:txBody>
-                  <a:tcPr anchor="ctr"/>
-                </a:tc>
-                <a:tc>
-                  <a:txBody>
-                    <a:bodyPr/>
-                    <a:lstStyle/>
-                    <a:p>
-                      <a:pPr algn="ctr"/>
-                      <a:r>
-                        <a:rPr lang="en-US" dirty="0"/>
-                        <a:t>0.915</a:t>
-                      </a:r>
-                    </a:p>
-                  </a:txBody>
-                  <a:tcPr anchor="ctr"/>
-                </a:tc>
-                <a:tc>
-                  <a:txBody>
-                    <a:bodyPr/>
-                    <a:lstStyle/>
-                    <a:p>
-                      <a:pPr algn="ctr"/>
-                      <a:r>
-                        <a:rPr lang="en-US" dirty="0"/>
-                        <a:t>0.533</a:t>
-                      </a:r>
-                    </a:p>
-                  </a:txBody>
-                  <a:tcPr anchor="ctr"/>
-                </a:tc>
-                <a:tc>
-                  <a:txBody>
-                    <a:bodyPr/>
-                    <a:lstStyle/>
-                    <a:p>
-                      <a:pPr algn="ctr"/>
-                      <a:r>
-                        <a:rPr lang="en-US" dirty="0"/>
-                        <a:t>0.5894</a:t>
+                        <a:t>0.824</a:t>
+                      </a:r>
+                    </a:p>
+                  </a:txBody>
+                  <a:tcPr anchor="ctr"/>
+                </a:tc>
+                <a:tc>
+                  <a:txBody>
+                    <a:bodyPr/>
+                    <a:lstStyle/>
+                    <a:p>
+                      <a:pPr algn="ctr"/>
+                      <a:r>
+                        <a:rPr lang="en-US" dirty="0"/>
+                        <a:t>0.802</a:t>
+                      </a:r>
+                    </a:p>
+                  </a:txBody>
+                  <a:tcPr anchor="ctr"/>
+                </a:tc>
+                <a:tc>
+                  <a:txBody>
+                    <a:bodyPr/>
+                    <a:lstStyle/>
+                    <a:p>
+                      <a:pPr algn="ctr"/>
+                      <a:r>
+                        <a:rPr lang="en-US" dirty="0"/>
+                        <a:t>0.588</a:t>
+                      </a:r>
+                    </a:p>
+                  </a:txBody>
+                  <a:tcPr anchor="ctr"/>
+                </a:tc>
+                <a:tc>
+                  <a:txBody>
+                    <a:bodyPr/>
+                    <a:lstStyle/>
+                    <a:p>
+                      <a:pPr algn="ctr"/>
+                      <a:r>
+                        <a:rPr lang="en-US"/>
+                        <a:t>0.933</a:t>
+                      </a:r>
+                      <a:endParaRPr lang="en-US" dirty="0"/>
+                    </a:p>
+                  </a:txBody>
+                  <a:tcPr anchor="ctr"/>
+                </a:tc>
+                <a:tc>
+                  <a:txBody>
+                    <a:bodyPr/>
+                    <a:lstStyle/>
+                    <a:p>
+                      <a:pPr algn="ctr"/>
+                      <a:r>
+                        <a:rPr lang="en-US" dirty="0"/>
+                        <a:t>0.679</a:t>
+                      </a:r>
+                    </a:p>
+                  </a:txBody>
+                  <a:tcPr anchor="ctr"/>
+                </a:tc>
+                <a:tc>
+                  <a:txBody>
+                    <a:bodyPr/>
+                    <a:lstStyle/>
+                    <a:p>
+                      <a:pPr algn="ctr"/>
+                      <a:r>
+                        <a:rPr lang="en-US" dirty="0"/>
+                        <a:t>0.4071</a:t>
                       </a:r>
                     </a:p>
                   </a:txBody>

--- a/BSD_Figures.pptx
+++ b/BSD_Figures.pptx
@@ -40477,7 +40477,11 @@
             <a:graphicFrameLocks noGrp="1"/>
           </p:cNvGraphicFramePr>
           <p:nvPr>
-            <p:extLst/>
+            <p:extLst>
+              <p:ext uri="{D42A27DB-BD31-4B8C-83A1-F6EECF244321}">
+                <p14:modId xmlns:p14="http://schemas.microsoft.com/office/powerpoint/2010/main" val="4183067734"/>
+              </p:ext>
+            </p:extLst>
           </p:nvPr>
         </p:nvGraphicFramePr>
         <p:xfrm>
@@ -40668,62 +40672,80 @@
                     <a:lstStyle/>
                     <a:p>
                       <a:pPr algn="ctr"/>
-                      <a:endParaRPr lang="en-US" dirty="0"/>
-                    </a:p>
-                  </a:txBody>
-                  <a:tcPr anchor="ctr"/>
-                </a:tc>
-                <a:tc>
-                  <a:txBody>
-                    <a:bodyPr/>
-                    <a:lstStyle/>
-                    <a:p>
-                      <a:pPr algn="ctr"/>
-                      <a:endParaRPr lang="en-US" dirty="0"/>
-                    </a:p>
-                  </a:txBody>
-                  <a:tcPr anchor="ctr"/>
-                </a:tc>
-                <a:tc>
-                  <a:txBody>
-                    <a:bodyPr/>
-                    <a:lstStyle/>
-                    <a:p>
-                      <a:pPr algn="ctr"/>
-                      <a:endParaRPr lang="en-US" dirty="0"/>
-                    </a:p>
-                  </a:txBody>
-                  <a:tcPr anchor="ctr"/>
-                </a:tc>
-                <a:tc>
-                  <a:txBody>
-                    <a:bodyPr/>
-                    <a:lstStyle/>
-                    <a:p>
-                      <a:pPr algn="ctr"/>
-                      <a:endParaRPr lang="en-US" dirty="0"/>
-                    </a:p>
-                  </a:txBody>
-                  <a:tcPr anchor="ctr"/>
-                </a:tc>
-                <a:tc>
-                  <a:txBody>
-                    <a:bodyPr/>
-                    <a:lstStyle/>
-                    <a:p>
-                      <a:pPr algn="ctr"/>
-                      <a:endParaRPr lang="en-US" dirty="0"/>
-                    </a:p>
-                  </a:txBody>
-                  <a:tcPr anchor="ctr"/>
-                </a:tc>
-                <a:tc>
-                  <a:txBody>
-                    <a:bodyPr/>
-                    <a:lstStyle/>
-                    <a:p>
-                      <a:pPr algn="ctr"/>
-                      <a:endParaRPr lang="en-US" dirty="0"/>
+                      <a:r>
+                        <a:rPr lang="en-US" dirty="0"/>
+                        <a:t>0.753</a:t>
+                      </a:r>
+                    </a:p>
+                  </a:txBody>
+                  <a:tcPr anchor="ctr"/>
+                </a:tc>
+                <a:tc>
+                  <a:txBody>
+                    <a:bodyPr/>
+                    <a:lstStyle/>
+                    <a:p>
+                      <a:pPr algn="ctr"/>
+                      <a:r>
+                        <a:rPr lang="en-US" dirty="0"/>
+                        <a:t>0.729</a:t>
+                      </a:r>
+                    </a:p>
+                  </a:txBody>
+                  <a:tcPr anchor="ctr"/>
+                </a:tc>
+                <a:tc>
+                  <a:txBody>
+                    <a:bodyPr/>
+                    <a:lstStyle/>
+                    <a:p>
+                      <a:pPr algn="ctr"/>
+                      <a:r>
+                        <a:rPr lang="en-US" dirty="0"/>
+                        <a:t>0.617</a:t>
+                      </a:r>
+                    </a:p>
+                  </a:txBody>
+                  <a:tcPr anchor="ctr"/>
+                </a:tc>
+                <a:tc>
+                  <a:txBody>
+                    <a:bodyPr/>
+                    <a:lstStyle/>
+                    <a:p>
+                      <a:pPr algn="ctr"/>
+                      <a:r>
+                        <a:rPr lang="en-US" dirty="0"/>
+                        <a:t>0.845</a:t>
+                      </a:r>
+                    </a:p>
+                  </a:txBody>
+                  <a:tcPr anchor="ctr"/>
+                </a:tc>
+                <a:tc>
+                  <a:txBody>
+                    <a:bodyPr/>
+                    <a:lstStyle/>
+                    <a:p>
+                      <a:pPr algn="ctr"/>
+                      <a:r>
+                        <a:rPr lang="en-US" dirty="0"/>
+                        <a:t>0.668</a:t>
+                      </a:r>
+                    </a:p>
+                  </a:txBody>
+                  <a:tcPr anchor="ctr"/>
+                </a:tc>
+                <a:tc>
+                  <a:txBody>
+                    <a:bodyPr/>
+                    <a:lstStyle/>
+                    <a:p>
+                      <a:pPr algn="ctr"/>
+                      <a:r>
+                        <a:rPr lang="en-US" dirty="0"/>
+                        <a:t>0.5339</a:t>
+                      </a:r>
                     </a:p>
                   </a:txBody>
                   <a:tcPr anchor="ctr"/>
@@ -40756,62 +40778,80 @@
                     <a:lstStyle/>
                     <a:p>
                       <a:pPr algn="ctr"/>
-                      <a:endParaRPr lang="en-US" dirty="0"/>
-                    </a:p>
-                  </a:txBody>
-                  <a:tcPr anchor="ctr"/>
-                </a:tc>
-                <a:tc>
-                  <a:txBody>
-                    <a:bodyPr/>
-                    <a:lstStyle/>
-                    <a:p>
-                      <a:pPr algn="ctr"/>
-                      <a:endParaRPr lang="en-US" dirty="0"/>
-                    </a:p>
-                  </a:txBody>
-                  <a:tcPr anchor="ctr"/>
-                </a:tc>
-                <a:tc>
-                  <a:txBody>
-                    <a:bodyPr/>
-                    <a:lstStyle/>
-                    <a:p>
-                      <a:pPr algn="ctr"/>
-                      <a:endParaRPr lang="en-US" dirty="0"/>
-                    </a:p>
-                  </a:txBody>
-                  <a:tcPr anchor="ctr"/>
-                </a:tc>
-                <a:tc>
-                  <a:txBody>
-                    <a:bodyPr/>
-                    <a:lstStyle/>
-                    <a:p>
-                      <a:pPr algn="ctr"/>
-                      <a:endParaRPr lang="en-US" dirty="0"/>
-                    </a:p>
-                  </a:txBody>
-                  <a:tcPr anchor="ctr"/>
-                </a:tc>
-                <a:tc>
-                  <a:txBody>
-                    <a:bodyPr/>
-                    <a:lstStyle/>
-                    <a:p>
-                      <a:pPr algn="ctr"/>
-                      <a:endParaRPr lang="en-US" dirty="0"/>
-                    </a:p>
-                  </a:txBody>
-                  <a:tcPr anchor="ctr"/>
-                </a:tc>
-                <a:tc>
-                  <a:txBody>
-                    <a:bodyPr/>
-                    <a:lstStyle/>
-                    <a:p>
-                      <a:pPr algn="ctr"/>
-                      <a:endParaRPr lang="en-US" dirty="0"/>
+                      <a:r>
+                        <a:rPr lang="en-US" dirty="0"/>
+                        <a:t>0.742</a:t>
+                      </a:r>
+                    </a:p>
+                  </a:txBody>
+                  <a:tcPr anchor="ctr"/>
+                </a:tc>
+                <a:tc>
+                  <a:txBody>
+                    <a:bodyPr/>
+                    <a:lstStyle/>
+                    <a:p>
+                      <a:pPr algn="ctr"/>
+                      <a:r>
+                        <a:rPr lang="en-US" dirty="0"/>
+                        <a:t>0.779</a:t>
+                      </a:r>
+                    </a:p>
+                  </a:txBody>
+                  <a:tcPr anchor="ctr"/>
+                </a:tc>
+                <a:tc>
+                  <a:txBody>
+                    <a:bodyPr/>
+                    <a:lstStyle/>
+                    <a:p>
+                      <a:pPr algn="ctr"/>
+                      <a:r>
+                        <a:rPr lang="en-US" dirty="0"/>
+                        <a:t>0.502</a:t>
+                      </a:r>
+                    </a:p>
+                  </a:txBody>
+                  <a:tcPr anchor="ctr"/>
+                </a:tc>
+                <a:tc>
+                  <a:txBody>
+                    <a:bodyPr/>
+                    <a:lstStyle/>
+                    <a:p>
+                      <a:pPr algn="ctr"/>
+                      <a:r>
+                        <a:rPr lang="en-US" dirty="0"/>
+                        <a:t>0.904</a:t>
+                      </a:r>
+                    </a:p>
+                  </a:txBody>
+                  <a:tcPr anchor="ctr"/>
+                </a:tc>
+                <a:tc>
+                  <a:txBody>
+                    <a:bodyPr/>
+                    <a:lstStyle/>
+                    <a:p>
+                      <a:pPr algn="ctr"/>
+                      <a:r>
+                        <a:rPr lang="en-US" dirty="0"/>
+                        <a:t>0.610</a:t>
+                      </a:r>
+                    </a:p>
+                  </a:txBody>
+                  <a:tcPr anchor="ctr"/>
+                </a:tc>
+                <a:tc>
+                  <a:txBody>
+                    <a:bodyPr/>
+                    <a:lstStyle/>
+                    <a:p>
+                      <a:pPr algn="ctr"/>
+                      <a:r>
+                        <a:rPr lang="en-US" dirty="0"/>
+                        <a:t>0.5527</a:t>
+                      </a:r>
                     </a:p>
                   </a:txBody>
                   <a:tcPr anchor="ctr"/>
@@ -40856,86 +40896,104 @@
                     <a:lstStyle/>
                     <a:p>
                       <a:pPr algn="ctr"/>
-                      <a:endParaRPr lang="en-US" dirty="0">
-                        <a:solidFill>
-                          <a:srgbClr val="FF0000"/>
-                        </a:solidFill>
-                      </a:endParaRPr>
-                    </a:p>
-                  </a:txBody>
-                  <a:tcPr anchor="ctr"/>
-                </a:tc>
-                <a:tc>
-                  <a:txBody>
-                    <a:bodyPr/>
-                    <a:lstStyle/>
-                    <a:p>
-                      <a:pPr algn="ctr"/>
-                      <a:endParaRPr lang="en-US" dirty="0">
-                        <a:solidFill>
-                          <a:srgbClr val="FF0000"/>
-                        </a:solidFill>
-                      </a:endParaRPr>
-                    </a:p>
-                  </a:txBody>
-                  <a:tcPr anchor="ctr"/>
-                </a:tc>
-                <a:tc>
-                  <a:txBody>
-                    <a:bodyPr/>
-                    <a:lstStyle/>
-                    <a:p>
-                      <a:pPr algn="ctr"/>
-                      <a:endParaRPr lang="en-US" dirty="0">
-                        <a:solidFill>
-                          <a:srgbClr val="FF0000"/>
-                        </a:solidFill>
-                      </a:endParaRPr>
-                    </a:p>
-                  </a:txBody>
-                  <a:tcPr anchor="ctr"/>
-                </a:tc>
-                <a:tc>
-                  <a:txBody>
-                    <a:bodyPr/>
-                    <a:lstStyle/>
-                    <a:p>
-                      <a:pPr algn="ctr"/>
-                      <a:endParaRPr lang="en-US" dirty="0">
-                        <a:solidFill>
-                          <a:srgbClr val="FF0000"/>
-                        </a:solidFill>
-                      </a:endParaRPr>
-                    </a:p>
-                  </a:txBody>
-                  <a:tcPr anchor="ctr"/>
-                </a:tc>
-                <a:tc>
-                  <a:txBody>
-                    <a:bodyPr/>
-                    <a:lstStyle/>
-                    <a:p>
-                      <a:pPr algn="ctr"/>
-                      <a:endParaRPr lang="en-US" dirty="0">
-                        <a:solidFill>
-                          <a:srgbClr val="FF0000"/>
-                        </a:solidFill>
-                      </a:endParaRPr>
-                    </a:p>
-                  </a:txBody>
-                  <a:tcPr anchor="ctr"/>
-                </a:tc>
-                <a:tc>
-                  <a:txBody>
-                    <a:bodyPr/>
-                    <a:lstStyle/>
-                    <a:p>
-                      <a:pPr algn="ctr"/>
-                      <a:endParaRPr lang="en-US" dirty="0">
-                        <a:solidFill>
-                          <a:srgbClr val="FF0000"/>
-                        </a:solidFill>
-                      </a:endParaRPr>
+                      <a:r>
+                        <a:rPr lang="en-US" dirty="0">
+                          <a:solidFill>
+                            <a:srgbClr val="FF0000"/>
+                          </a:solidFill>
+                        </a:rPr>
+                        <a:t>0.402</a:t>
+                      </a:r>
+                    </a:p>
+                  </a:txBody>
+                  <a:tcPr anchor="ctr"/>
+                </a:tc>
+                <a:tc>
+                  <a:txBody>
+                    <a:bodyPr/>
+                    <a:lstStyle/>
+                    <a:p>
+                      <a:pPr algn="ctr"/>
+                      <a:r>
+                        <a:rPr lang="en-US" dirty="0">
+                          <a:solidFill>
+                            <a:srgbClr val="FF0000"/>
+                          </a:solidFill>
+                        </a:rPr>
+                        <a:t>0.402</a:t>
+                      </a:r>
+                    </a:p>
+                  </a:txBody>
+                  <a:tcPr anchor="ctr"/>
+                </a:tc>
+                <a:tc>
+                  <a:txBody>
+                    <a:bodyPr/>
+                    <a:lstStyle/>
+                    <a:p>
+                      <a:pPr algn="ctr"/>
+                      <a:r>
+                        <a:rPr lang="en-US" dirty="0">
+                          <a:solidFill>
+                            <a:srgbClr val="FF0000"/>
+                          </a:solidFill>
+                        </a:rPr>
+                        <a:t>1.000</a:t>
+                      </a:r>
+                    </a:p>
+                  </a:txBody>
+                  <a:tcPr anchor="ctr"/>
+                </a:tc>
+                <a:tc>
+                  <a:txBody>
+                    <a:bodyPr/>
+                    <a:lstStyle/>
+                    <a:p>
+                      <a:pPr algn="ctr"/>
+                      <a:r>
+                        <a:rPr lang="en-US" dirty="0">
+                          <a:solidFill>
+                            <a:srgbClr val="FF0000"/>
+                          </a:solidFill>
+                        </a:rPr>
+                        <a:t>0.000</a:t>
+                      </a:r>
+                    </a:p>
+                  </a:txBody>
+                  <a:tcPr anchor="ctr"/>
+                </a:tc>
+                <a:tc>
+                  <a:txBody>
+                    <a:bodyPr/>
+                    <a:lstStyle/>
+                    <a:p>
+                      <a:pPr algn="ctr"/>
+                      <a:r>
+                        <a:rPr lang="en-US" dirty="0">
+                          <a:solidFill>
+                            <a:srgbClr val="FF0000"/>
+                          </a:solidFill>
+                        </a:rPr>
+                        <a:t>0.574</a:t>
+                      </a:r>
+                    </a:p>
+                  </a:txBody>
+                  <a:tcPr anchor="ctr"/>
+                </a:tc>
+                <a:tc>
+                  <a:txBody>
+                    <a:bodyPr/>
+                    <a:lstStyle/>
+                    <a:p>
+                      <a:pPr algn="ctr"/>
+                      <a:r>
+                        <a:rPr lang="en-US" dirty="0">
+                          <a:solidFill>
+                            <a:srgbClr val="FF0000"/>
+                          </a:solidFill>
+                        </a:rPr>
+                        <a:t>0.7015</a:t>
+                      </a:r>
                     </a:p>
                   </a:txBody>
                   <a:tcPr anchor="ctr"/>
@@ -40967,62 +41025,80 @@
                     <a:lstStyle/>
                     <a:p>
                       <a:pPr algn="ctr"/>
-                      <a:endParaRPr lang="en-US" dirty="0"/>
-                    </a:p>
-                  </a:txBody>
-                  <a:tcPr anchor="ctr"/>
-                </a:tc>
-                <a:tc>
-                  <a:txBody>
-                    <a:bodyPr/>
-                    <a:lstStyle/>
-                    <a:p>
-                      <a:pPr algn="ctr"/>
-                      <a:endParaRPr lang="en-US" dirty="0"/>
-                    </a:p>
-                  </a:txBody>
-                  <a:tcPr anchor="ctr"/>
-                </a:tc>
-                <a:tc>
-                  <a:txBody>
-                    <a:bodyPr/>
-                    <a:lstStyle/>
-                    <a:p>
-                      <a:pPr algn="ctr"/>
-                      <a:endParaRPr lang="en-US" dirty="0"/>
-                    </a:p>
-                  </a:txBody>
-                  <a:tcPr anchor="ctr"/>
-                </a:tc>
-                <a:tc>
-                  <a:txBody>
-                    <a:bodyPr/>
-                    <a:lstStyle/>
-                    <a:p>
-                      <a:pPr algn="ctr"/>
-                      <a:endParaRPr lang="en-US" dirty="0"/>
-                    </a:p>
-                  </a:txBody>
-                  <a:tcPr anchor="ctr"/>
-                </a:tc>
-                <a:tc>
-                  <a:txBody>
-                    <a:bodyPr/>
-                    <a:lstStyle/>
-                    <a:p>
-                      <a:pPr algn="ctr"/>
-                      <a:endParaRPr lang="en-US" dirty="0"/>
-                    </a:p>
-                  </a:txBody>
-                  <a:tcPr anchor="ctr"/>
-                </a:tc>
-                <a:tc>
-                  <a:txBody>
-                    <a:bodyPr/>
-                    <a:lstStyle/>
-                    <a:p>
-                      <a:pPr algn="ctr"/>
-                      <a:endParaRPr lang="en-US" dirty="0"/>
+                      <a:r>
+                        <a:rPr lang="en-US" dirty="0"/>
+                        <a:t>0.755</a:t>
+                      </a:r>
+                    </a:p>
+                  </a:txBody>
+                  <a:tcPr anchor="ctr"/>
+                </a:tc>
+                <a:tc>
+                  <a:txBody>
+                    <a:bodyPr/>
+                    <a:lstStyle/>
+                    <a:p>
+                      <a:pPr algn="ctr"/>
+                      <a:r>
+                        <a:rPr lang="en-US" dirty="0"/>
+                        <a:t>0.5633</a:t>
+                      </a:r>
+                    </a:p>
+                  </a:txBody>
+                  <a:tcPr anchor="ctr"/>
+                </a:tc>
+                <a:tc>
+                  <a:txBody>
+                    <a:bodyPr/>
+                    <a:lstStyle/>
+                    <a:p>
+                      <a:pPr algn="ctr"/>
+                      <a:r>
+                        <a:rPr lang="en-US" dirty="0"/>
+                        <a:t>0.720</a:t>
+                      </a:r>
+                    </a:p>
+                  </a:txBody>
+                  <a:tcPr anchor="ctr"/>
+                </a:tc>
+                <a:tc>
+                  <a:txBody>
+                    <a:bodyPr/>
+                    <a:lstStyle/>
+                    <a:p>
+                      <a:pPr algn="ctr"/>
+                      <a:r>
+                        <a:rPr lang="en-US" dirty="0"/>
+                        <a:t>0.642</a:t>
+                      </a:r>
+                    </a:p>
+                  </a:txBody>
+                  <a:tcPr anchor="ctr"/>
+                </a:tc>
+                <a:tc>
+                  <a:txBody>
+                    <a:bodyPr/>
+                    <a:lstStyle/>
+                    <a:p>
+                      <a:pPr algn="ctr"/>
+                      <a:r>
+                        <a:rPr lang="en-US" dirty="0"/>
+                        <a:t>0.679</a:t>
+                      </a:r>
+                    </a:p>
+                  </a:txBody>
+                  <a:tcPr anchor="ctr"/>
+                </a:tc>
+                <a:tc>
+                  <a:txBody>
+                    <a:bodyPr/>
+                    <a:lstStyle/>
+                    <a:p>
+                      <a:pPr algn="ctr"/>
+                      <a:r>
+                        <a:rPr lang="en-US" dirty="0"/>
+                        <a:t>0.832</a:t>
+                      </a:r>
                     </a:p>
                   </a:txBody>
                   <a:tcPr anchor="ctr"/>
@@ -41075,62 +41151,80 @@
                     <a:lstStyle/>
                     <a:p>
                       <a:pPr algn="ctr"/>
-                      <a:endParaRPr lang="en-US" dirty="0"/>
-                    </a:p>
-                  </a:txBody>
-                  <a:tcPr anchor="ctr"/>
-                </a:tc>
-                <a:tc>
-                  <a:txBody>
-                    <a:bodyPr/>
-                    <a:lstStyle/>
-                    <a:p>
-                      <a:pPr algn="ctr"/>
-                      <a:endParaRPr lang="en-US" dirty="0"/>
-                    </a:p>
-                  </a:txBody>
-                  <a:tcPr anchor="ctr"/>
-                </a:tc>
-                <a:tc>
-                  <a:txBody>
-                    <a:bodyPr/>
-                    <a:lstStyle/>
-                    <a:p>
-                      <a:pPr algn="ctr"/>
-                      <a:endParaRPr lang="en-US" dirty="0"/>
-                    </a:p>
-                  </a:txBody>
-                  <a:tcPr anchor="ctr"/>
-                </a:tc>
-                <a:tc>
-                  <a:txBody>
-                    <a:bodyPr/>
-                    <a:lstStyle/>
-                    <a:p>
-                      <a:pPr algn="ctr"/>
-                      <a:endParaRPr lang="en-US" dirty="0"/>
-                    </a:p>
-                  </a:txBody>
-                  <a:tcPr anchor="ctr"/>
-                </a:tc>
-                <a:tc>
-                  <a:txBody>
-                    <a:bodyPr/>
-                    <a:lstStyle/>
-                    <a:p>
-                      <a:pPr algn="ctr"/>
-                      <a:endParaRPr lang="en-US" dirty="0"/>
-                    </a:p>
-                  </a:txBody>
-                  <a:tcPr anchor="ctr"/>
-                </a:tc>
-                <a:tc>
-                  <a:txBody>
-                    <a:bodyPr/>
-                    <a:lstStyle/>
-                    <a:p>
-                      <a:pPr algn="ctr"/>
-                      <a:endParaRPr lang="en-US" dirty="0"/>
+                      <a:r>
+                        <a:rPr lang="en-US" dirty="0"/>
+                        <a:t>0.753</a:t>
+                      </a:r>
+                    </a:p>
+                  </a:txBody>
+                  <a:tcPr anchor="ctr"/>
+                </a:tc>
+                <a:tc>
+                  <a:txBody>
+                    <a:bodyPr/>
+                    <a:lstStyle/>
+                    <a:p>
+                      <a:pPr algn="ctr"/>
+                      <a:r>
+                        <a:rPr lang="en-US" dirty="0"/>
+                        <a:t>0.5339</a:t>
+                      </a:r>
+                    </a:p>
+                  </a:txBody>
+                  <a:tcPr anchor="ctr"/>
+                </a:tc>
+                <a:tc>
+                  <a:txBody>
+                    <a:bodyPr/>
+                    <a:lstStyle/>
+                    <a:p>
+                      <a:pPr algn="ctr"/>
+                      <a:r>
+                        <a:rPr lang="en-US" dirty="0"/>
+                        <a:t>0.729</a:t>
+                      </a:r>
+                    </a:p>
+                  </a:txBody>
+                  <a:tcPr anchor="ctr"/>
+                </a:tc>
+                <a:tc>
+                  <a:txBody>
+                    <a:bodyPr/>
+                    <a:lstStyle/>
+                    <a:p>
+                      <a:pPr algn="ctr"/>
+                      <a:r>
+                        <a:rPr lang="en-US" dirty="0"/>
+                        <a:t>0.617</a:t>
+                      </a:r>
+                    </a:p>
+                  </a:txBody>
+                  <a:tcPr anchor="ctr"/>
+                </a:tc>
+                <a:tc>
+                  <a:txBody>
+                    <a:bodyPr/>
+                    <a:lstStyle/>
+                    <a:p>
+                      <a:pPr algn="ctr"/>
+                      <a:r>
+                        <a:rPr lang="en-US" dirty="0"/>
+                        <a:t>0.668</a:t>
+                      </a:r>
+                    </a:p>
+                  </a:txBody>
+                  <a:tcPr anchor="ctr"/>
+                </a:tc>
+                <a:tc>
+                  <a:txBody>
+                    <a:bodyPr/>
+                    <a:lstStyle/>
+                    <a:p>
+                      <a:pPr algn="ctr"/>
+                      <a:r>
+                        <a:rPr lang="en-US" dirty="0"/>
+                        <a:t>0.845</a:t>
+                      </a:r>
                     </a:p>
                   </a:txBody>
                   <a:tcPr anchor="ctr"/>
@@ -41145,42 +41239,6 @@
           </a:graphicData>
         </a:graphic>
       </p:graphicFrame>
-      <p:sp>
-        <p:nvSpPr>
-          <p:cNvPr id="2" name="TextBox 1">
-            <a:extLst>
-              <a:ext uri="{FF2B5EF4-FFF2-40B4-BE49-F238E27FC236}">
-                <a16:creationId xmlns:a16="http://schemas.microsoft.com/office/drawing/2014/main" id="{C7726F56-D796-0843-81DD-C863AE83205C}"/>
-              </a:ext>
-            </a:extLst>
-          </p:cNvPr>
-          <p:cNvSpPr txBox="1"/>
-          <p:nvPr/>
-        </p:nvSpPr>
-        <p:spPr>
-          <a:xfrm>
-            <a:off x="4137285" y="209862"/>
-            <a:ext cx="4482059" cy="369332"/>
-          </a:xfrm>
-          <a:prstGeom prst="rect">
-            <a:avLst/>
-          </a:prstGeom>
-          <a:noFill/>
-        </p:spPr>
-        <p:txBody>
-          <a:bodyPr wrap="square" rtlCol="0">
-            <a:spAutoFit/>
-          </a:bodyPr>
-          <a:lstStyle/>
-          <a:p>
-            <a:pPr algn="ctr"/>
-            <a:r>
-              <a:rPr lang="en-US" dirty="0"/>
-              <a:t>Hudson River</a:t>
-            </a:r>
-          </a:p>
-        </p:txBody>
-      </p:sp>
     </p:spTree>
     <p:extLst>
       <p:ext uri="{BB962C8B-B14F-4D97-AF65-F5344CB8AC3E}">
@@ -42005,10 +42063,9 @@
                     <a:p>
                       <a:pPr algn="ctr"/>
                       <a:r>
-                        <a:rPr lang="en-US"/>
+                        <a:rPr lang="en-US" dirty="0"/>
                         <a:t>0.933</a:t>
                       </a:r>
-                      <a:endParaRPr lang="en-US" dirty="0"/>
                     </a:p>
                   </a:txBody>
                   <a:tcPr anchor="ctr"/>
@@ -42094,7 +42151,11 @@
             <a:graphicFrameLocks noGrp="1"/>
           </p:cNvGraphicFramePr>
           <p:nvPr>
-            <p:extLst/>
+            <p:extLst>
+              <p:ext uri="{D42A27DB-BD31-4B8C-83A1-F6EECF244321}">
+                <p14:modId xmlns:p14="http://schemas.microsoft.com/office/powerpoint/2010/main" val="1318737643"/>
+              </p:ext>
+            </p:extLst>
           </p:nvPr>
         </p:nvGraphicFramePr>
         <p:xfrm>
@@ -42285,62 +42346,80 @@
                     <a:lstStyle/>
                     <a:p>
                       <a:pPr algn="ctr"/>
-                      <a:endParaRPr lang="en-US" dirty="0"/>
-                    </a:p>
-                  </a:txBody>
-                  <a:tcPr anchor="ctr"/>
-                </a:tc>
-                <a:tc>
-                  <a:txBody>
-                    <a:bodyPr/>
-                    <a:lstStyle/>
-                    <a:p>
-                      <a:pPr algn="ctr"/>
-                      <a:endParaRPr lang="en-US" dirty="0"/>
-                    </a:p>
-                  </a:txBody>
-                  <a:tcPr anchor="ctr"/>
-                </a:tc>
-                <a:tc>
-                  <a:txBody>
-                    <a:bodyPr/>
-                    <a:lstStyle/>
-                    <a:p>
-                      <a:pPr algn="ctr"/>
-                      <a:endParaRPr lang="en-US" dirty="0"/>
-                    </a:p>
-                  </a:txBody>
-                  <a:tcPr anchor="ctr"/>
-                </a:tc>
-                <a:tc>
-                  <a:txBody>
-                    <a:bodyPr/>
-                    <a:lstStyle/>
-                    <a:p>
-                      <a:pPr algn="ctr"/>
-                      <a:endParaRPr lang="en-US" dirty="0"/>
-                    </a:p>
-                  </a:txBody>
-                  <a:tcPr anchor="ctr"/>
-                </a:tc>
-                <a:tc>
-                  <a:txBody>
-                    <a:bodyPr/>
-                    <a:lstStyle/>
-                    <a:p>
-                      <a:pPr algn="ctr"/>
-                      <a:endParaRPr lang="en-US" dirty="0"/>
-                    </a:p>
-                  </a:txBody>
-                  <a:tcPr anchor="ctr"/>
-                </a:tc>
-                <a:tc>
-                  <a:txBody>
-                    <a:bodyPr/>
-                    <a:lstStyle/>
-                    <a:p>
-                      <a:pPr algn="ctr"/>
-                      <a:endParaRPr lang="en-US" dirty="0"/>
+                      <a:r>
+                        <a:rPr lang="en-US" dirty="0"/>
+                        <a:t>0.842</a:t>
+                      </a:r>
+                    </a:p>
+                  </a:txBody>
+                  <a:tcPr anchor="ctr"/>
+                </a:tc>
+                <a:tc>
+                  <a:txBody>
+                    <a:bodyPr/>
+                    <a:lstStyle/>
+                    <a:p>
+                      <a:pPr algn="ctr"/>
+                      <a:r>
+                        <a:rPr lang="en-US" dirty="0"/>
+                        <a:t>0.870</a:t>
+                      </a:r>
+                    </a:p>
+                  </a:txBody>
+                  <a:tcPr anchor="ctr"/>
+                </a:tc>
+                <a:tc>
+                  <a:txBody>
+                    <a:bodyPr/>
+                    <a:lstStyle/>
+                    <a:p>
+                      <a:pPr algn="ctr"/>
+                      <a:r>
+                        <a:rPr lang="en-US" dirty="0"/>
+                        <a:t>0.744</a:t>
+                      </a:r>
+                    </a:p>
+                  </a:txBody>
+                  <a:tcPr anchor="ctr"/>
+                </a:tc>
+                <a:tc>
+                  <a:txBody>
+                    <a:bodyPr/>
+                    <a:lstStyle/>
+                    <a:p>
+                      <a:pPr algn="ctr"/>
+                      <a:r>
+                        <a:rPr lang="en-US" dirty="0"/>
+                        <a:t>0.916</a:t>
+                      </a:r>
+                    </a:p>
+                  </a:txBody>
+                  <a:tcPr anchor="ctr"/>
+                </a:tc>
+                <a:tc>
+                  <a:txBody>
+                    <a:bodyPr/>
+                    <a:lstStyle/>
+                    <a:p>
+                      <a:pPr algn="ctr"/>
+                      <a:r>
+                        <a:rPr lang="en-US" dirty="0"/>
+                        <a:t>0.802</a:t>
+                      </a:r>
+                    </a:p>
+                  </a:txBody>
+                  <a:tcPr anchor="ctr"/>
+                </a:tc>
+                <a:tc>
+                  <a:txBody>
+                    <a:bodyPr/>
+                    <a:lstStyle/>
+                    <a:p>
+                      <a:pPr algn="ctr"/>
+                      <a:r>
+                        <a:rPr lang="en-US" dirty="0"/>
+                        <a:t>0.3901</a:t>
+                      </a:r>
                     </a:p>
                   </a:txBody>
                   <a:tcPr anchor="ctr"/>
@@ -42373,62 +42452,80 @@
                     <a:lstStyle/>
                     <a:p>
                       <a:pPr algn="ctr"/>
-                      <a:endParaRPr lang="en-US" dirty="0"/>
-                    </a:p>
-                  </a:txBody>
-                  <a:tcPr anchor="ctr"/>
-                </a:tc>
-                <a:tc>
-                  <a:txBody>
-                    <a:bodyPr/>
-                    <a:lstStyle/>
-                    <a:p>
-                      <a:pPr algn="ctr"/>
-                      <a:endParaRPr lang="en-US" dirty="0"/>
-                    </a:p>
-                  </a:txBody>
-                  <a:tcPr anchor="ctr"/>
-                </a:tc>
-                <a:tc>
-                  <a:txBody>
-                    <a:bodyPr/>
-                    <a:lstStyle/>
-                    <a:p>
-                      <a:pPr algn="ctr"/>
-                      <a:endParaRPr lang="en-US" dirty="0"/>
-                    </a:p>
-                  </a:txBody>
-                  <a:tcPr anchor="ctr"/>
-                </a:tc>
-                <a:tc>
-                  <a:txBody>
-                    <a:bodyPr/>
-                    <a:lstStyle/>
-                    <a:p>
-                      <a:pPr algn="ctr"/>
-                      <a:endParaRPr lang="en-US" dirty="0"/>
-                    </a:p>
-                  </a:txBody>
-                  <a:tcPr anchor="ctr"/>
-                </a:tc>
-                <a:tc>
-                  <a:txBody>
-                    <a:bodyPr/>
-                    <a:lstStyle/>
-                    <a:p>
-                      <a:pPr algn="ctr"/>
-                      <a:endParaRPr lang="en-US" dirty="0"/>
-                    </a:p>
-                  </a:txBody>
-                  <a:tcPr anchor="ctr"/>
-                </a:tc>
-                <a:tc>
-                  <a:txBody>
-                    <a:bodyPr/>
-                    <a:lstStyle/>
-                    <a:p>
-                      <a:pPr algn="ctr"/>
-                      <a:endParaRPr lang="en-US" dirty="0"/>
+                      <a:r>
+                        <a:rPr lang="en-US" dirty="0"/>
+                        <a:t>0.825</a:t>
+                      </a:r>
+                    </a:p>
+                  </a:txBody>
+                  <a:tcPr anchor="ctr"/>
+                </a:tc>
+                <a:tc>
+                  <a:txBody>
+                    <a:bodyPr/>
+                    <a:lstStyle/>
+                    <a:p>
+                      <a:pPr algn="ctr"/>
+                      <a:r>
+                        <a:rPr lang="en-US" dirty="0"/>
+                        <a:t>0.891</a:t>
+                      </a:r>
+                    </a:p>
+                  </a:txBody>
+                  <a:tcPr anchor="ctr"/>
+                </a:tc>
+                <a:tc>
+                  <a:txBody>
+                    <a:bodyPr/>
+                    <a:lstStyle/>
+                    <a:p>
+                      <a:pPr algn="ctr"/>
+                      <a:r>
+                        <a:rPr lang="en-US" dirty="0"/>
+                        <a:t>0.674</a:t>
+                      </a:r>
+                    </a:p>
+                  </a:txBody>
+                  <a:tcPr anchor="ctr"/>
+                </a:tc>
+                <a:tc>
+                  <a:txBody>
+                    <a:bodyPr/>
+                    <a:lstStyle/>
+                    <a:p>
+                      <a:pPr algn="ctr"/>
+                      <a:r>
+                        <a:rPr lang="en-US" dirty="0"/>
+                        <a:t>0.938</a:t>
+                      </a:r>
+                    </a:p>
+                  </a:txBody>
+                  <a:tcPr anchor="ctr"/>
+                </a:tc>
+                <a:tc>
+                  <a:txBody>
+                    <a:bodyPr/>
+                    <a:lstStyle/>
+                    <a:p>
+                      <a:pPr algn="ctr"/>
+                      <a:r>
+                        <a:rPr lang="en-US" dirty="0"/>
+                        <a:t>0.768</a:t>
+                      </a:r>
+                    </a:p>
+                  </a:txBody>
+                  <a:tcPr anchor="ctr"/>
+                </a:tc>
+                <a:tc>
+                  <a:txBody>
+                    <a:bodyPr/>
+                    <a:lstStyle/>
+                    <a:p>
+                      <a:pPr algn="ctr"/>
+                      <a:r>
+                        <a:rPr lang="en-US" dirty="0"/>
+                        <a:t>0.4023</a:t>
+                      </a:r>
                     </a:p>
                   </a:txBody>
                   <a:tcPr anchor="ctr"/>
@@ -42473,86 +42570,104 @@
                     <a:lstStyle/>
                     <a:p>
                       <a:pPr algn="ctr"/>
-                      <a:endParaRPr lang="en-US" dirty="0">
-                        <a:solidFill>
-                          <a:srgbClr val="FF0000"/>
-                        </a:solidFill>
-                      </a:endParaRPr>
-                    </a:p>
-                  </a:txBody>
-                  <a:tcPr anchor="ctr"/>
-                </a:tc>
-                <a:tc>
-                  <a:txBody>
-                    <a:bodyPr/>
-                    <a:lstStyle/>
-                    <a:p>
-                      <a:pPr algn="ctr"/>
-                      <a:endParaRPr lang="en-US" dirty="0">
-                        <a:solidFill>
-                          <a:srgbClr val="FF0000"/>
-                        </a:solidFill>
-                      </a:endParaRPr>
-                    </a:p>
-                  </a:txBody>
-                  <a:tcPr anchor="ctr"/>
-                </a:tc>
-                <a:tc>
-                  <a:txBody>
-                    <a:bodyPr/>
-                    <a:lstStyle/>
-                    <a:p>
-                      <a:pPr algn="ctr"/>
-                      <a:endParaRPr lang="en-US" dirty="0">
-                        <a:solidFill>
-                          <a:srgbClr val="FF0000"/>
-                        </a:solidFill>
-                      </a:endParaRPr>
-                    </a:p>
-                  </a:txBody>
-                  <a:tcPr anchor="ctr"/>
-                </a:tc>
-                <a:tc>
-                  <a:txBody>
-                    <a:bodyPr/>
-                    <a:lstStyle/>
-                    <a:p>
-                      <a:pPr algn="ctr"/>
-                      <a:endParaRPr lang="en-US" dirty="0">
-                        <a:solidFill>
-                          <a:srgbClr val="FF0000"/>
-                        </a:solidFill>
-                      </a:endParaRPr>
-                    </a:p>
-                  </a:txBody>
-                  <a:tcPr anchor="ctr"/>
-                </a:tc>
-                <a:tc>
-                  <a:txBody>
-                    <a:bodyPr/>
-                    <a:lstStyle/>
-                    <a:p>
-                      <a:pPr algn="ctr"/>
-                      <a:endParaRPr lang="en-US" dirty="0">
-                        <a:solidFill>
-                          <a:srgbClr val="FF0000"/>
-                        </a:solidFill>
-                      </a:endParaRPr>
-                    </a:p>
-                  </a:txBody>
-                  <a:tcPr anchor="ctr"/>
-                </a:tc>
-                <a:tc>
-                  <a:txBody>
-                    <a:bodyPr/>
-                    <a:lstStyle/>
-                    <a:p>
-                      <a:pPr algn="ctr"/>
-                      <a:endParaRPr lang="en-US" dirty="0">
-                        <a:solidFill>
-                          <a:srgbClr val="FF0000"/>
-                        </a:solidFill>
-                      </a:endParaRPr>
+                      <a:r>
+                        <a:rPr lang="en-US" dirty="0">
+                          <a:solidFill>
+                            <a:srgbClr val="FF0000"/>
+                          </a:solidFill>
+                        </a:rPr>
+                        <a:t>0.430</a:t>
+                      </a:r>
+                    </a:p>
+                  </a:txBody>
+                  <a:tcPr anchor="ctr"/>
+                </a:tc>
+                <a:tc>
+                  <a:txBody>
+                    <a:bodyPr/>
+                    <a:lstStyle/>
+                    <a:p>
+                      <a:pPr algn="ctr"/>
+                      <a:r>
+                        <a:rPr lang="en-US" dirty="0">
+                          <a:solidFill>
+                            <a:srgbClr val="FF0000"/>
+                          </a:solidFill>
+                        </a:rPr>
+                        <a:t>0.430</a:t>
+                      </a:r>
+                    </a:p>
+                  </a:txBody>
+                  <a:tcPr anchor="ctr"/>
+                </a:tc>
+                <a:tc>
+                  <a:txBody>
+                    <a:bodyPr/>
+                    <a:lstStyle/>
+                    <a:p>
+                      <a:pPr algn="ctr"/>
+                      <a:r>
+                        <a:rPr lang="en-US" dirty="0">
+                          <a:solidFill>
+                            <a:srgbClr val="FF0000"/>
+                          </a:solidFill>
+                        </a:rPr>
+                        <a:t>1.000</a:t>
+                      </a:r>
+                    </a:p>
+                  </a:txBody>
+                  <a:tcPr anchor="ctr"/>
+                </a:tc>
+                <a:tc>
+                  <a:txBody>
+                    <a:bodyPr/>
+                    <a:lstStyle/>
+                    <a:p>
+                      <a:pPr algn="ctr"/>
+                      <a:r>
+                        <a:rPr lang="en-US" dirty="0">
+                          <a:solidFill>
+                            <a:srgbClr val="FF0000"/>
+                          </a:solidFill>
+                        </a:rPr>
+                        <a:t>0.000</a:t>
+                      </a:r>
+                    </a:p>
+                  </a:txBody>
+                  <a:tcPr anchor="ctr"/>
+                </a:tc>
+                <a:tc>
+                  <a:txBody>
+                    <a:bodyPr/>
+                    <a:lstStyle/>
+                    <a:p>
+                      <a:pPr algn="ctr"/>
+                      <a:r>
+                        <a:rPr lang="en-US" dirty="0">
+                          <a:solidFill>
+                            <a:srgbClr val="FF0000"/>
+                          </a:solidFill>
+                        </a:rPr>
+                        <a:t>0.601</a:t>
+                      </a:r>
+                    </a:p>
+                  </a:txBody>
+                  <a:tcPr anchor="ctr"/>
+                </a:tc>
+                <a:tc>
+                  <a:txBody>
+                    <a:bodyPr/>
+                    <a:lstStyle/>
+                    <a:p>
+                      <a:pPr algn="ctr"/>
+                      <a:r>
+                        <a:rPr lang="en-US" dirty="0">
+                          <a:solidFill>
+                            <a:srgbClr val="FF0000"/>
+                          </a:solidFill>
+                        </a:rPr>
+                        <a:t>0.6991</a:t>
+                      </a:r>
                     </a:p>
                   </a:txBody>
                   <a:tcPr anchor="ctr"/>
@@ -42584,62 +42699,80 @@
                     <a:lstStyle/>
                     <a:p>
                       <a:pPr algn="ctr"/>
-                      <a:endParaRPr lang="en-US" dirty="0"/>
-                    </a:p>
-                  </a:txBody>
-                  <a:tcPr anchor="ctr"/>
-                </a:tc>
-                <a:tc>
-                  <a:txBody>
-                    <a:bodyPr/>
-                    <a:lstStyle/>
-                    <a:p>
-                      <a:pPr algn="ctr"/>
-                      <a:endParaRPr lang="en-US" dirty="0"/>
-                    </a:p>
-                  </a:txBody>
-                  <a:tcPr anchor="ctr"/>
-                </a:tc>
-                <a:tc>
-                  <a:txBody>
-                    <a:bodyPr/>
-                    <a:lstStyle/>
-                    <a:p>
-                      <a:pPr algn="ctr"/>
-                      <a:endParaRPr lang="en-US" dirty="0"/>
-                    </a:p>
-                  </a:txBody>
-                  <a:tcPr anchor="ctr"/>
-                </a:tc>
-                <a:tc>
-                  <a:txBody>
-                    <a:bodyPr/>
-                    <a:lstStyle/>
-                    <a:p>
-                      <a:pPr algn="ctr"/>
-                      <a:endParaRPr lang="en-US" dirty="0"/>
-                    </a:p>
-                  </a:txBody>
-                  <a:tcPr anchor="ctr"/>
-                </a:tc>
-                <a:tc>
-                  <a:txBody>
-                    <a:bodyPr/>
-                    <a:lstStyle/>
-                    <a:p>
-                      <a:pPr algn="ctr"/>
-                      <a:endParaRPr lang="en-US" dirty="0"/>
-                    </a:p>
-                  </a:txBody>
-                  <a:tcPr anchor="ctr"/>
-                </a:tc>
-                <a:tc>
-                  <a:txBody>
-                    <a:bodyPr/>
-                    <a:lstStyle/>
-                    <a:p>
-                      <a:pPr algn="ctr"/>
-                      <a:endParaRPr lang="en-US" dirty="0"/>
+                      <a:r>
+                        <a:rPr lang="en-US" dirty="0"/>
+                        <a:t>0.842</a:t>
+                      </a:r>
+                    </a:p>
+                  </a:txBody>
+                  <a:tcPr anchor="ctr"/>
+                </a:tc>
+                <a:tc>
+                  <a:txBody>
+                    <a:bodyPr/>
+                    <a:lstStyle/>
+                    <a:p>
+                      <a:pPr algn="ctr"/>
+                      <a:r>
+                        <a:rPr lang="en-US" dirty="0"/>
+                        <a:t>0.848</a:t>
+                      </a:r>
+                    </a:p>
+                  </a:txBody>
+                  <a:tcPr anchor="ctr"/>
+                </a:tc>
+                <a:tc>
+                  <a:txBody>
+                    <a:bodyPr/>
+                    <a:lstStyle/>
+                    <a:p>
+                      <a:pPr algn="ctr"/>
+                      <a:r>
+                        <a:rPr lang="en-US" dirty="0"/>
+                        <a:t>0.771</a:t>
+                      </a:r>
+                    </a:p>
+                  </a:txBody>
+                  <a:tcPr anchor="ctr"/>
+                </a:tc>
+                <a:tc>
+                  <a:txBody>
+                    <a:bodyPr/>
+                    <a:lstStyle/>
+                    <a:p>
+                      <a:pPr algn="ctr"/>
+                      <a:r>
+                        <a:rPr lang="en-US" dirty="0"/>
+                        <a:t>0.896</a:t>
+                      </a:r>
+                    </a:p>
+                  </a:txBody>
+                  <a:tcPr anchor="ctr"/>
+                </a:tc>
+                <a:tc>
+                  <a:txBody>
+                    <a:bodyPr/>
+                    <a:lstStyle/>
+                    <a:p>
+                      <a:pPr algn="ctr"/>
+                      <a:r>
+                        <a:rPr lang="en-US" dirty="0"/>
+                        <a:t>0.808</a:t>
+                      </a:r>
+                    </a:p>
+                  </a:txBody>
+                  <a:tcPr anchor="ctr"/>
+                </a:tc>
+                <a:tc>
+                  <a:txBody>
+                    <a:bodyPr/>
+                    <a:lstStyle/>
+                    <a:p>
+                      <a:pPr algn="ctr"/>
+                      <a:r>
+                        <a:rPr lang="en-US" dirty="0"/>
+                        <a:t>0.3852</a:t>
+                      </a:r>
                     </a:p>
                   </a:txBody>
                   <a:tcPr anchor="ctr"/>
@@ -42692,62 +42825,80 @@
                     <a:lstStyle/>
                     <a:p>
                       <a:pPr algn="ctr"/>
-                      <a:endParaRPr lang="en-US" dirty="0"/>
-                    </a:p>
-                  </a:txBody>
-                  <a:tcPr anchor="ctr"/>
-                </a:tc>
-                <a:tc>
-                  <a:txBody>
-                    <a:bodyPr/>
-                    <a:lstStyle/>
-                    <a:p>
-                      <a:pPr algn="ctr"/>
-                      <a:endParaRPr lang="en-US" dirty="0"/>
-                    </a:p>
-                  </a:txBody>
-                  <a:tcPr anchor="ctr"/>
-                </a:tc>
-                <a:tc>
-                  <a:txBody>
-                    <a:bodyPr/>
-                    <a:lstStyle/>
-                    <a:p>
-                      <a:pPr algn="ctr"/>
-                      <a:endParaRPr lang="en-US" dirty="0"/>
-                    </a:p>
-                  </a:txBody>
-                  <a:tcPr anchor="ctr"/>
-                </a:tc>
-                <a:tc>
-                  <a:txBody>
-                    <a:bodyPr/>
-                    <a:lstStyle/>
-                    <a:p>
-                      <a:pPr algn="ctr"/>
-                      <a:endParaRPr lang="en-US" dirty="0"/>
-                    </a:p>
-                  </a:txBody>
-                  <a:tcPr anchor="ctr"/>
-                </a:tc>
-                <a:tc>
-                  <a:txBody>
-                    <a:bodyPr/>
-                    <a:lstStyle/>
-                    <a:p>
-                      <a:pPr algn="ctr"/>
-                      <a:endParaRPr lang="en-US" dirty="0"/>
-                    </a:p>
-                  </a:txBody>
-                  <a:tcPr anchor="ctr"/>
-                </a:tc>
-                <a:tc>
-                  <a:txBody>
-                    <a:bodyPr/>
-                    <a:lstStyle/>
-                    <a:p>
-                      <a:pPr algn="ctr"/>
-                      <a:endParaRPr lang="en-US" dirty="0"/>
+                      <a:r>
+                        <a:rPr lang="en-US" dirty="0"/>
+                        <a:t>0.842</a:t>
+                      </a:r>
+                    </a:p>
+                  </a:txBody>
+                  <a:tcPr anchor="ctr"/>
+                </a:tc>
+                <a:tc>
+                  <a:txBody>
+                    <a:bodyPr/>
+                    <a:lstStyle/>
+                    <a:p>
+                      <a:pPr algn="ctr"/>
+                      <a:r>
+                        <a:rPr lang="en-US" dirty="0"/>
+                        <a:t>0.870</a:t>
+                      </a:r>
+                    </a:p>
+                  </a:txBody>
+                  <a:tcPr anchor="ctr"/>
+                </a:tc>
+                <a:tc>
+                  <a:txBody>
+                    <a:bodyPr/>
+                    <a:lstStyle/>
+                    <a:p>
+                      <a:pPr algn="ctr"/>
+                      <a:r>
+                        <a:rPr lang="en-US" dirty="0"/>
+                        <a:t>0.744</a:t>
+                      </a:r>
+                    </a:p>
+                  </a:txBody>
+                  <a:tcPr anchor="ctr"/>
+                </a:tc>
+                <a:tc>
+                  <a:txBody>
+                    <a:bodyPr/>
+                    <a:lstStyle/>
+                    <a:p>
+                      <a:pPr algn="ctr"/>
+                      <a:r>
+                        <a:rPr lang="en-US" dirty="0"/>
+                        <a:t>0.916</a:t>
+                      </a:r>
+                    </a:p>
+                  </a:txBody>
+                  <a:tcPr anchor="ctr"/>
+                </a:tc>
+                <a:tc>
+                  <a:txBody>
+                    <a:bodyPr/>
+                    <a:lstStyle/>
+                    <a:p>
+                      <a:pPr algn="ctr"/>
+                      <a:r>
+                        <a:rPr lang="en-US" dirty="0"/>
+                        <a:t>0.802</a:t>
+                      </a:r>
+                    </a:p>
+                  </a:txBody>
+                  <a:tcPr anchor="ctr"/>
+                </a:tc>
+                <a:tc>
+                  <a:txBody>
+                    <a:bodyPr/>
+                    <a:lstStyle/>
+                    <a:p>
+                      <a:pPr algn="ctr"/>
+                      <a:r>
+                        <a:rPr lang="en-US" dirty="0"/>
+                        <a:t>0.3901</a:t>
+                      </a:r>
                     </a:p>
                   </a:txBody>
                   <a:tcPr anchor="ctr"/>
@@ -42762,42 +42913,6 @@
           </a:graphicData>
         </a:graphic>
       </p:graphicFrame>
-      <p:sp>
-        <p:nvSpPr>
-          <p:cNvPr id="2" name="TextBox 1">
-            <a:extLst>
-              <a:ext uri="{FF2B5EF4-FFF2-40B4-BE49-F238E27FC236}">
-                <a16:creationId xmlns:a16="http://schemas.microsoft.com/office/drawing/2014/main" id="{C7726F56-D796-0843-81DD-C863AE83205C}"/>
-              </a:ext>
-            </a:extLst>
-          </p:cNvPr>
-          <p:cNvSpPr txBox="1"/>
-          <p:nvPr/>
-        </p:nvSpPr>
-        <p:spPr>
-          <a:xfrm>
-            <a:off x="4137285" y="209862"/>
-            <a:ext cx="4482059" cy="369332"/>
-          </a:xfrm>
-          <a:prstGeom prst="rect">
-            <a:avLst/>
-          </a:prstGeom>
-          <a:noFill/>
-        </p:spPr>
-        <p:txBody>
-          <a:bodyPr wrap="square" rtlCol="0">
-            <a:spAutoFit/>
-          </a:bodyPr>
-          <a:lstStyle/>
-          <a:p>
-            <a:pPr algn="ctr"/>
-            <a:r>
-              <a:rPr lang="en-US" dirty="0"/>
-              <a:t>Hudson River</a:t>
-            </a:r>
-          </a:p>
-        </p:txBody>
-      </p:sp>
     </p:spTree>
     <p:extLst>
       <p:ext uri="{BB962C8B-B14F-4D97-AF65-F5344CB8AC3E}">

--- a/BSD_Figures.pptx
+++ b/BSD_Figures.pptx
@@ -36567,7 +36567,7 @@
           <p:nvPr>
             <p:extLst>
               <p:ext uri="{D42A27DB-BD31-4B8C-83A1-F6EECF244321}">
-                <p14:modId xmlns:p14="http://schemas.microsoft.com/office/powerpoint/2010/main" val="3534844657"/>
+                <p14:modId xmlns:p14="http://schemas.microsoft.com/office/powerpoint/2010/main" val="2720438785"/>
               </p:ext>
             </p:extLst>
           </p:nvPr>
@@ -36746,76 +36746,126 @@
                     <a:p>
                       <a:pPr algn="ctr"/>
                       <a:r>
-                        <a:rPr lang="en-US" dirty="0" err="1"/>
+                        <a:rPr lang="en-US" dirty="0" err="1">
+                          <a:solidFill>
+                            <a:srgbClr val="FF0000"/>
+                          </a:solidFill>
+                        </a:rPr>
                         <a:t>Alexnet_accuracy</a:t>
                       </a:r>
-                      <a:endParaRPr lang="en-US" dirty="0"/>
-                    </a:p>
-                  </a:txBody>
-                  <a:tcPr anchor="ctr"/>
-                </a:tc>
-                <a:tc>
-                  <a:txBody>
-                    <a:bodyPr/>
-                    <a:lstStyle/>
-                    <a:p>
-                      <a:pPr algn="ctr"/>
-                      <a:endParaRPr lang="en-US" dirty="0"/>
-                    </a:p>
-                  </a:txBody>
-                  <a:tcPr anchor="ctr"/>
-                </a:tc>
-                <a:tc>
-                  <a:txBody>
-                    <a:bodyPr/>
-                    <a:lstStyle/>
-                    <a:p>
-                      <a:pPr algn="ctr"/>
-                      <a:endParaRPr lang="en-US" dirty="0"/>
-                    </a:p>
-                  </a:txBody>
-                  <a:tcPr anchor="ctr"/>
-                </a:tc>
-                <a:tc>
-                  <a:txBody>
-                    <a:bodyPr/>
-                    <a:lstStyle/>
-                    <a:p>
-                      <a:pPr algn="ctr"/>
-                      <a:endParaRPr lang="en-US" dirty="0"/>
-                    </a:p>
-                  </a:txBody>
-                  <a:tcPr anchor="ctr"/>
-                </a:tc>
-                <a:tc>
-                  <a:txBody>
-                    <a:bodyPr/>
-                    <a:lstStyle/>
-                    <a:p>
-                      <a:pPr algn="ctr"/>
-                      <a:endParaRPr lang="en-US" dirty="0"/>
-                    </a:p>
-                  </a:txBody>
-                  <a:tcPr anchor="ctr"/>
-                </a:tc>
-                <a:tc>
-                  <a:txBody>
-                    <a:bodyPr/>
-                    <a:lstStyle/>
-                    <a:p>
-                      <a:pPr algn="ctr"/>
-                      <a:endParaRPr lang="en-US" dirty="0"/>
-                    </a:p>
-                  </a:txBody>
-                  <a:tcPr anchor="ctr"/>
-                </a:tc>
-                <a:tc>
-                  <a:txBody>
-                    <a:bodyPr/>
-                    <a:lstStyle/>
-                    <a:p>
-                      <a:pPr algn="ctr"/>
-                      <a:endParaRPr lang="en-US" dirty="0"/>
+                      <a:endParaRPr lang="en-US" dirty="0">
+                        <a:solidFill>
+                          <a:srgbClr val="FF0000"/>
+                        </a:solidFill>
+                      </a:endParaRPr>
+                    </a:p>
+                  </a:txBody>
+                  <a:tcPr anchor="ctr"/>
+                </a:tc>
+                <a:tc>
+                  <a:txBody>
+                    <a:bodyPr/>
+                    <a:lstStyle/>
+                    <a:p>
+                      <a:pPr algn="ctr"/>
+                      <a:r>
+                        <a:rPr lang="en-US" dirty="0">
+                          <a:solidFill>
+                            <a:srgbClr val="FF0000"/>
+                          </a:solidFill>
+                        </a:rPr>
+                        <a:t>0.826</a:t>
+                      </a:r>
+                    </a:p>
+                  </a:txBody>
+                  <a:tcPr anchor="ctr"/>
+                </a:tc>
+                <a:tc>
+                  <a:txBody>
+                    <a:bodyPr/>
+                    <a:lstStyle/>
+                    <a:p>
+                      <a:pPr algn="ctr"/>
+                      <a:r>
+                        <a:rPr lang="en-US" dirty="0">
+                          <a:solidFill>
+                            <a:srgbClr val="FF0000"/>
+                          </a:solidFill>
+                        </a:rPr>
+                        <a:t>0.773</a:t>
+                      </a:r>
+                    </a:p>
+                  </a:txBody>
+                  <a:tcPr anchor="ctr"/>
+                </a:tc>
+                <a:tc>
+                  <a:txBody>
+                    <a:bodyPr/>
+                    <a:lstStyle/>
+                    <a:p>
+                      <a:pPr algn="ctr"/>
+                      <a:r>
+                        <a:rPr lang="en-US" dirty="0">
+                          <a:solidFill>
+                            <a:srgbClr val="FF0000"/>
+                          </a:solidFill>
+                        </a:rPr>
+                        <a:t>0.683</a:t>
+                      </a:r>
+                    </a:p>
+                  </a:txBody>
+                  <a:tcPr anchor="ctr"/>
+                </a:tc>
+                <a:tc>
+                  <a:txBody>
+                    <a:bodyPr/>
+                    <a:lstStyle/>
+                    <a:p>
+                      <a:pPr algn="ctr"/>
+                      <a:r>
+                        <a:rPr lang="en-US" dirty="0">
+                          <a:solidFill>
+                            <a:srgbClr val="FF0000"/>
+                          </a:solidFill>
+                        </a:rPr>
+                        <a:t>0.898</a:t>
+                      </a:r>
+                    </a:p>
+                  </a:txBody>
+                  <a:tcPr anchor="ctr"/>
+                </a:tc>
+                <a:tc>
+                  <a:txBody>
+                    <a:bodyPr/>
+                    <a:lstStyle/>
+                    <a:p>
+                      <a:pPr algn="ctr"/>
+                      <a:r>
+                        <a:rPr lang="en-US" dirty="0">
+                          <a:solidFill>
+                            <a:srgbClr val="FF0000"/>
+                          </a:solidFill>
+                        </a:rPr>
+                        <a:t>0.725</a:t>
+                      </a:r>
+                    </a:p>
+                  </a:txBody>
+                  <a:tcPr anchor="ctr"/>
+                </a:tc>
+                <a:tc>
+                  <a:txBody>
+                    <a:bodyPr/>
+                    <a:lstStyle/>
+                    <a:p>
+                      <a:pPr algn="ctr"/>
+                      <a:r>
+                        <a:rPr lang="en-US" dirty="0">
+                          <a:solidFill>
+                            <a:srgbClr val="FF0000"/>
+                          </a:solidFill>
+                        </a:rPr>
+                        <a:t>0.4196</a:t>
+                      </a:r>
                     </a:p>
                   </a:txBody>
                   <a:tcPr anchor="ctr"/>
@@ -36848,62 +36898,80 @@
                     <a:lstStyle/>
                     <a:p>
                       <a:pPr algn="ctr"/>
-                      <a:endParaRPr lang="en-US" dirty="0"/>
-                    </a:p>
-                  </a:txBody>
-                  <a:tcPr anchor="ctr"/>
-                </a:tc>
-                <a:tc>
-                  <a:txBody>
-                    <a:bodyPr/>
-                    <a:lstStyle/>
-                    <a:p>
-                      <a:pPr algn="ctr"/>
-                      <a:endParaRPr lang="en-US" dirty="0"/>
-                    </a:p>
-                  </a:txBody>
-                  <a:tcPr anchor="ctr"/>
-                </a:tc>
-                <a:tc>
-                  <a:txBody>
-                    <a:bodyPr/>
-                    <a:lstStyle/>
-                    <a:p>
-                      <a:pPr algn="ctr"/>
-                      <a:endParaRPr lang="en-US" dirty="0"/>
-                    </a:p>
-                  </a:txBody>
-                  <a:tcPr anchor="ctr"/>
-                </a:tc>
-                <a:tc>
-                  <a:txBody>
-                    <a:bodyPr/>
-                    <a:lstStyle/>
-                    <a:p>
-                      <a:pPr algn="ctr"/>
-                      <a:endParaRPr lang="en-US" dirty="0"/>
-                    </a:p>
-                  </a:txBody>
-                  <a:tcPr anchor="ctr"/>
-                </a:tc>
-                <a:tc>
-                  <a:txBody>
-                    <a:bodyPr/>
-                    <a:lstStyle/>
-                    <a:p>
-                      <a:pPr algn="ctr"/>
-                      <a:endParaRPr lang="en-US" dirty="0"/>
-                    </a:p>
-                  </a:txBody>
-                  <a:tcPr anchor="ctr"/>
-                </a:tc>
-                <a:tc>
-                  <a:txBody>
-                    <a:bodyPr/>
-                    <a:lstStyle/>
-                    <a:p>
-                      <a:pPr algn="ctr"/>
-                      <a:endParaRPr lang="en-US" dirty="0"/>
+                      <a:r>
+                        <a:rPr lang="en-US" dirty="0"/>
+                        <a:t>0.808</a:t>
+                      </a:r>
+                    </a:p>
+                  </a:txBody>
+                  <a:tcPr anchor="ctr"/>
+                </a:tc>
+                <a:tc>
+                  <a:txBody>
+                    <a:bodyPr/>
+                    <a:lstStyle/>
+                    <a:p>
+                      <a:pPr algn="ctr"/>
+                      <a:r>
+                        <a:rPr lang="en-US" dirty="0"/>
+                        <a:t>0.797</a:t>
+                      </a:r>
+                    </a:p>
+                  </a:txBody>
+                  <a:tcPr anchor="ctr"/>
+                </a:tc>
+                <a:tc>
+                  <a:txBody>
+                    <a:bodyPr/>
+                    <a:lstStyle/>
+                    <a:p>
+                      <a:pPr algn="ctr"/>
+                      <a:r>
+                        <a:rPr lang="en-US" dirty="0"/>
+                        <a:t>0.577</a:t>
+                      </a:r>
+                    </a:p>
+                  </a:txBody>
+                  <a:tcPr anchor="ctr"/>
+                </a:tc>
+                <a:tc>
+                  <a:txBody>
+                    <a:bodyPr/>
+                    <a:lstStyle/>
+                    <a:p>
+                      <a:pPr algn="ctr"/>
+                      <a:r>
+                        <a:rPr lang="en-US" dirty="0"/>
+                        <a:t>0.925</a:t>
+                      </a:r>
+                    </a:p>
+                  </a:txBody>
+                  <a:tcPr anchor="ctr"/>
+                </a:tc>
+                <a:tc>
+                  <a:txBody>
+                    <a:bodyPr/>
+                    <a:lstStyle/>
+                    <a:p>
+                      <a:pPr algn="ctr"/>
+                      <a:r>
+                        <a:rPr lang="en-US" dirty="0"/>
+                        <a:t>0.670</a:t>
+                      </a:r>
+                    </a:p>
+                  </a:txBody>
+                  <a:tcPr anchor="ctr"/>
+                </a:tc>
+                <a:tc>
+                  <a:txBody>
+                    <a:bodyPr/>
+                    <a:lstStyle/>
+                    <a:p>
+                      <a:pPr algn="ctr"/>
+                      <a:r>
+                        <a:rPr lang="en-US" dirty="0"/>
+                        <a:t>0.4401</a:t>
+                      </a:r>
                     </a:p>
                   </a:txBody>
                   <a:tcPr anchor="ctr"/>
@@ -36922,20 +36990,16 @@
                     <a:p>
                       <a:pPr algn="ctr"/>
                       <a:r>
-                        <a:rPr lang="en-US" dirty="0" err="1"/>
-                        <a:t>Alexnet</a:t>
-                      </a:r>
-                      <a:r>
                         <a:rPr lang="en-US" dirty="0" err="1">
                           <a:solidFill>
-                            <a:srgbClr val="FF0000"/>
+                            <a:schemeClr val="tx1"/>
                           </a:solidFill>
                         </a:rPr>
-                        <a:t>_recall</a:t>
+                        <a:t>Alexnet_recall</a:t>
                       </a:r>
                       <a:endParaRPr lang="en-US" dirty="0">
                         <a:solidFill>
-                          <a:srgbClr val="FF0000"/>
+                          <a:schemeClr val="tx1"/>
                         </a:solidFill>
                       </a:endParaRPr>
                     </a:p>
@@ -36948,86 +37012,104 @@
                     <a:lstStyle/>
                     <a:p>
                       <a:pPr algn="ctr"/>
-                      <a:endParaRPr lang="en-US" dirty="0">
-                        <a:solidFill>
-                          <a:srgbClr val="FF0000"/>
-                        </a:solidFill>
-                      </a:endParaRPr>
-                    </a:p>
-                  </a:txBody>
-                  <a:tcPr anchor="ctr"/>
-                </a:tc>
-                <a:tc>
-                  <a:txBody>
-                    <a:bodyPr/>
-                    <a:lstStyle/>
-                    <a:p>
-                      <a:pPr algn="ctr"/>
-                      <a:endParaRPr lang="en-US" dirty="0">
-                        <a:solidFill>
-                          <a:srgbClr val="FF0000"/>
-                        </a:solidFill>
-                      </a:endParaRPr>
-                    </a:p>
-                  </a:txBody>
-                  <a:tcPr anchor="ctr"/>
-                </a:tc>
-                <a:tc>
-                  <a:txBody>
-                    <a:bodyPr/>
-                    <a:lstStyle/>
-                    <a:p>
-                      <a:pPr algn="ctr"/>
-                      <a:endParaRPr lang="en-US" dirty="0">
-                        <a:solidFill>
-                          <a:srgbClr val="FF0000"/>
-                        </a:solidFill>
-                      </a:endParaRPr>
-                    </a:p>
-                  </a:txBody>
-                  <a:tcPr anchor="ctr"/>
-                </a:tc>
-                <a:tc>
-                  <a:txBody>
-                    <a:bodyPr/>
-                    <a:lstStyle/>
-                    <a:p>
-                      <a:pPr algn="ctr"/>
-                      <a:endParaRPr lang="en-US" dirty="0">
-                        <a:solidFill>
-                          <a:srgbClr val="FF0000"/>
-                        </a:solidFill>
-                      </a:endParaRPr>
-                    </a:p>
-                  </a:txBody>
-                  <a:tcPr anchor="ctr"/>
-                </a:tc>
-                <a:tc>
-                  <a:txBody>
-                    <a:bodyPr/>
-                    <a:lstStyle/>
-                    <a:p>
-                      <a:pPr algn="ctr"/>
-                      <a:endParaRPr lang="en-US" dirty="0">
-                        <a:solidFill>
-                          <a:srgbClr val="FF0000"/>
-                        </a:solidFill>
-                      </a:endParaRPr>
-                    </a:p>
-                  </a:txBody>
-                  <a:tcPr anchor="ctr"/>
-                </a:tc>
-                <a:tc>
-                  <a:txBody>
-                    <a:bodyPr/>
-                    <a:lstStyle/>
-                    <a:p>
-                      <a:pPr algn="ctr"/>
-                      <a:endParaRPr lang="en-US" dirty="0">
-                        <a:solidFill>
-                          <a:srgbClr val="FF0000"/>
-                        </a:solidFill>
-                      </a:endParaRPr>
+                      <a:r>
+                        <a:rPr lang="en-US" dirty="0">
+                          <a:solidFill>
+                            <a:schemeClr val="tx1"/>
+                          </a:solidFill>
+                        </a:rPr>
+                        <a:t>0.337</a:t>
+                      </a:r>
+                    </a:p>
+                  </a:txBody>
+                  <a:tcPr anchor="ctr"/>
+                </a:tc>
+                <a:tc>
+                  <a:txBody>
+                    <a:bodyPr/>
+                    <a:lstStyle/>
+                    <a:p>
+                      <a:pPr algn="ctr"/>
+                      <a:r>
+                        <a:rPr lang="en-US" dirty="0">
+                          <a:solidFill>
+                            <a:schemeClr val="tx1"/>
+                          </a:solidFill>
+                        </a:rPr>
+                        <a:t>0.337</a:t>
+                      </a:r>
+                    </a:p>
+                  </a:txBody>
+                  <a:tcPr anchor="ctr"/>
+                </a:tc>
+                <a:tc>
+                  <a:txBody>
+                    <a:bodyPr/>
+                    <a:lstStyle/>
+                    <a:p>
+                      <a:pPr algn="ctr"/>
+                      <a:r>
+                        <a:rPr lang="en-US" dirty="0">
+                          <a:solidFill>
+                            <a:schemeClr val="tx1"/>
+                          </a:solidFill>
+                        </a:rPr>
+                        <a:t>1.000</a:t>
+                      </a:r>
+                    </a:p>
+                  </a:txBody>
+                  <a:tcPr anchor="ctr"/>
+                </a:tc>
+                <a:tc>
+                  <a:txBody>
+                    <a:bodyPr/>
+                    <a:lstStyle/>
+                    <a:p>
+                      <a:pPr algn="ctr"/>
+                      <a:r>
+                        <a:rPr lang="en-US" dirty="0">
+                          <a:solidFill>
+                            <a:schemeClr val="tx1"/>
+                          </a:solidFill>
+                        </a:rPr>
+                        <a:t>0.000</a:t>
+                      </a:r>
+                    </a:p>
+                  </a:txBody>
+                  <a:tcPr anchor="ctr"/>
+                </a:tc>
+                <a:tc>
+                  <a:txBody>
+                    <a:bodyPr/>
+                    <a:lstStyle/>
+                    <a:p>
+                      <a:pPr algn="ctr"/>
+                      <a:r>
+                        <a:rPr lang="en-US" dirty="0">
+                          <a:solidFill>
+                            <a:schemeClr val="tx1"/>
+                          </a:solidFill>
+                        </a:rPr>
+                        <a:t>0.504</a:t>
+                      </a:r>
+                    </a:p>
+                  </a:txBody>
+                  <a:tcPr anchor="ctr"/>
+                </a:tc>
+                <a:tc>
+                  <a:txBody>
+                    <a:bodyPr/>
+                    <a:lstStyle/>
+                    <a:p>
+                      <a:pPr algn="ctr"/>
+                      <a:r>
+                        <a:rPr lang="en-US" dirty="0">
+                          <a:solidFill>
+                            <a:schemeClr val="tx1"/>
+                          </a:solidFill>
+                        </a:rPr>
+                        <a:t>0.7061</a:t>
+                      </a:r>
                     </a:p>
                   </a:txBody>
                   <a:tcPr anchor="ctr"/>
@@ -37059,62 +37141,80 @@
                     <a:lstStyle/>
                     <a:p>
                       <a:pPr algn="ctr"/>
-                      <a:endParaRPr lang="en-US" dirty="0"/>
-                    </a:p>
-                  </a:txBody>
-                  <a:tcPr anchor="ctr"/>
-                </a:tc>
-                <a:tc>
-                  <a:txBody>
-                    <a:bodyPr/>
-                    <a:lstStyle/>
-                    <a:p>
-                      <a:pPr algn="ctr"/>
-                      <a:endParaRPr lang="en-US" dirty="0"/>
-                    </a:p>
-                  </a:txBody>
-                  <a:tcPr anchor="ctr"/>
-                </a:tc>
-                <a:tc>
-                  <a:txBody>
-                    <a:bodyPr/>
-                    <a:lstStyle/>
-                    <a:p>
-                      <a:pPr algn="ctr"/>
-                      <a:endParaRPr lang="en-US" dirty="0"/>
-                    </a:p>
-                  </a:txBody>
-                  <a:tcPr anchor="ctr"/>
-                </a:tc>
-                <a:tc>
-                  <a:txBody>
-                    <a:bodyPr/>
-                    <a:lstStyle/>
-                    <a:p>
-                      <a:pPr algn="ctr"/>
-                      <a:endParaRPr lang="en-US" dirty="0"/>
-                    </a:p>
-                  </a:txBody>
-                  <a:tcPr anchor="ctr"/>
-                </a:tc>
-                <a:tc>
-                  <a:txBody>
-                    <a:bodyPr/>
-                    <a:lstStyle/>
-                    <a:p>
-                      <a:pPr algn="ctr"/>
-                      <a:endParaRPr lang="en-US" dirty="0"/>
-                    </a:p>
-                  </a:txBody>
-                  <a:tcPr anchor="ctr"/>
-                </a:tc>
-                <a:tc>
-                  <a:txBody>
-                    <a:bodyPr/>
-                    <a:lstStyle/>
-                    <a:p>
-                      <a:pPr algn="ctr"/>
-                      <a:endParaRPr lang="en-US" dirty="0"/>
+                      <a:r>
+                        <a:rPr lang="en-US" dirty="0"/>
+                        <a:t>0.823</a:t>
+                      </a:r>
+                    </a:p>
+                  </a:txBody>
+                  <a:tcPr anchor="ctr"/>
+                </a:tc>
+                <a:tc>
+                  <a:txBody>
+                    <a:bodyPr/>
+                    <a:lstStyle/>
+                    <a:p>
+                      <a:pPr algn="ctr"/>
+                      <a:r>
+                        <a:rPr lang="en-US" dirty="0"/>
+                        <a:t>0.760</a:t>
+                      </a:r>
+                    </a:p>
+                  </a:txBody>
+                  <a:tcPr anchor="ctr"/>
+                </a:tc>
+                <a:tc>
+                  <a:txBody>
+                    <a:bodyPr/>
+                    <a:lstStyle/>
+                    <a:p>
+                      <a:pPr algn="ctr"/>
+                      <a:r>
+                        <a:rPr lang="en-US" dirty="0"/>
+                        <a:t>0.695</a:t>
+                      </a:r>
+                    </a:p>
+                  </a:txBody>
+                  <a:tcPr anchor="ctr"/>
+                </a:tc>
+                <a:tc>
+                  <a:txBody>
+                    <a:bodyPr/>
+                    <a:lstStyle/>
+                    <a:p>
+                      <a:pPr algn="ctr"/>
+                      <a:r>
+                        <a:rPr lang="en-US" dirty="0"/>
+                        <a:t>0.889</a:t>
+                      </a:r>
+                    </a:p>
+                  </a:txBody>
+                  <a:tcPr anchor="ctr"/>
+                </a:tc>
+                <a:tc>
+                  <a:txBody>
+                    <a:bodyPr/>
+                    <a:lstStyle/>
+                    <a:p>
+                      <a:pPr algn="ctr"/>
+                      <a:r>
+                        <a:rPr lang="en-US" dirty="0"/>
+                        <a:t>0.726</a:t>
+                      </a:r>
+                    </a:p>
+                  </a:txBody>
+                  <a:tcPr anchor="ctr"/>
+                </a:tc>
+                <a:tc>
+                  <a:txBody>
+                    <a:bodyPr/>
+                    <a:lstStyle/>
+                    <a:p>
+                      <a:pPr algn="ctr"/>
+                      <a:r>
+                        <a:rPr lang="en-US" dirty="0"/>
+                        <a:t>0.4435</a:t>
+                      </a:r>
                     </a:p>
                   </a:txBody>
                   <a:tcPr anchor="ctr"/>
@@ -37167,62 +37267,80 @@
                     <a:lstStyle/>
                     <a:p>
                       <a:pPr algn="ctr"/>
-                      <a:endParaRPr lang="en-US" dirty="0"/>
-                    </a:p>
-                  </a:txBody>
-                  <a:tcPr anchor="ctr"/>
-                </a:tc>
-                <a:tc>
-                  <a:txBody>
-                    <a:bodyPr/>
-                    <a:lstStyle/>
-                    <a:p>
-                      <a:pPr algn="ctr"/>
-                      <a:endParaRPr lang="en-US" dirty="0"/>
-                    </a:p>
-                  </a:txBody>
-                  <a:tcPr anchor="ctr"/>
-                </a:tc>
-                <a:tc>
-                  <a:txBody>
-                    <a:bodyPr/>
-                    <a:lstStyle/>
-                    <a:p>
-                      <a:pPr algn="ctr"/>
-                      <a:endParaRPr lang="en-US" dirty="0"/>
-                    </a:p>
-                  </a:txBody>
-                  <a:tcPr anchor="ctr"/>
-                </a:tc>
-                <a:tc>
-                  <a:txBody>
-                    <a:bodyPr/>
-                    <a:lstStyle/>
-                    <a:p>
-                      <a:pPr algn="ctr"/>
-                      <a:endParaRPr lang="en-US" dirty="0"/>
-                    </a:p>
-                  </a:txBody>
-                  <a:tcPr anchor="ctr"/>
-                </a:tc>
-                <a:tc>
-                  <a:txBody>
-                    <a:bodyPr/>
-                    <a:lstStyle/>
-                    <a:p>
-                      <a:pPr algn="ctr"/>
-                      <a:endParaRPr lang="en-US" dirty="0"/>
-                    </a:p>
-                  </a:txBody>
-                  <a:tcPr anchor="ctr"/>
-                </a:tc>
-                <a:tc>
-                  <a:txBody>
-                    <a:bodyPr/>
-                    <a:lstStyle/>
-                    <a:p>
-                      <a:pPr algn="ctr"/>
-                      <a:endParaRPr lang="en-US" dirty="0"/>
+                      <a:r>
+                        <a:rPr lang="en-US" dirty="0"/>
+                        <a:t>0.826</a:t>
+                      </a:r>
+                    </a:p>
+                  </a:txBody>
+                  <a:tcPr anchor="ctr"/>
+                </a:tc>
+                <a:tc>
+                  <a:txBody>
+                    <a:bodyPr/>
+                    <a:lstStyle/>
+                    <a:p>
+                      <a:pPr algn="ctr"/>
+                      <a:r>
+                        <a:rPr lang="en-US" dirty="0"/>
+                        <a:t>0.773</a:t>
+                      </a:r>
+                    </a:p>
+                  </a:txBody>
+                  <a:tcPr anchor="ctr"/>
+                </a:tc>
+                <a:tc>
+                  <a:txBody>
+                    <a:bodyPr/>
+                    <a:lstStyle/>
+                    <a:p>
+                      <a:pPr algn="ctr"/>
+                      <a:r>
+                        <a:rPr lang="en-US" dirty="0"/>
+                        <a:t>0.683</a:t>
+                      </a:r>
+                    </a:p>
+                  </a:txBody>
+                  <a:tcPr anchor="ctr"/>
+                </a:tc>
+                <a:tc>
+                  <a:txBody>
+                    <a:bodyPr/>
+                    <a:lstStyle/>
+                    <a:p>
+                      <a:pPr algn="ctr"/>
+                      <a:r>
+                        <a:rPr lang="en-US" dirty="0"/>
+                        <a:t>0.898</a:t>
+                      </a:r>
+                    </a:p>
+                  </a:txBody>
+                  <a:tcPr anchor="ctr"/>
+                </a:tc>
+                <a:tc>
+                  <a:txBody>
+                    <a:bodyPr/>
+                    <a:lstStyle/>
+                    <a:p>
+                      <a:pPr algn="ctr"/>
+                      <a:r>
+                        <a:rPr lang="en-US" dirty="0"/>
+                        <a:t>0.725</a:t>
+                      </a:r>
+                    </a:p>
+                  </a:txBody>
+                  <a:tcPr anchor="ctr"/>
+                </a:tc>
+                <a:tc>
+                  <a:txBody>
+                    <a:bodyPr/>
+                    <a:lstStyle/>
+                    <a:p>
+                      <a:pPr algn="ctr"/>
+                      <a:r>
+                        <a:rPr lang="en-US" dirty="0"/>
+                        <a:t>0.4196</a:t>
+                      </a:r>
                     </a:p>
                   </a:txBody>
                   <a:tcPr anchor="ctr"/>

--- a/BSD_Figures.pptx
+++ b/BSD_Figures.pptx
@@ -5,7 +5,7 @@
     <p:sldMasterId id="2147483648" r:id="rId1"/>
   </p:sldMasterIdLst>
   <p:notesMasterIdLst>
-    <p:notesMasterId r:id="rId88"/>
+    <p:notesMasterId r:id="rId89"/>
   </p:notesMasterIdLst>
   <p:sldIdLst>
     <p:sldId id="276" r:id="rId2"/>
@@ -86,14 +86,15 @@
     <p:sldId id="342" r:id="rId77"/>
     <p:sldId id="346" r:id="rId78"/>
     <p:sldId id="343" r:id="rId79"/>
-    <p:sldId id="344" r:id="rId80"/>
-    <p:sldId id="345" r:id="rId81"/>
-    <p:sldId id="350" r:id="rId82"/>
-    <p:sldId id="351" r:id="rId83"/>
-    <p:sldId id="352" r:id="rId84"/>
-    <p:sldId id="353" r:id="rId85"/>
-    <p:sldId id="354" r:id="rId86"/>
-    <p:sldId id="355" r:id="rId87"/>
+    <p:sldId id="356" r:id="rId80"/>
+    <p:sldId id="344" r:id="rId81"/>
+    <p:sldId id="345" r:id="rId82"/>
+    <p:sldId id="350" r:id="rId83"/>
+    <p:sldId id="351" r:id="rId84"/>
+    <p:sldId id="352" r:id="rId85"/>
+    <p:sldId id="353" r:id="rId86"/>
+    <p:sldId id="354" r:id="rId87"/>
+    <p:sldId id="355" r:id="rId88"/>
   </p:sldIdLst>
   <p:sldSz cx="12192000" cy="6858000"/>
   <p:notesSz cx="6858000" cy="9144000"/>
@@ -6622,7 +6623,7 @@
           <a:p>
             <a:fld id="{96F659EB-4D8A-254E-A6E4-E7898AF261B2}" type="datetimeFigureOut">
               <a:rPr lang="en-US" smtClean="0"/>
-              <a:t>5/10/20</a:t>
+              <a:t>5/12/20</a:t>
             </a:fld>
             <a:endParaRPr lang="en-US"/>
           </a:p>
@@ -7120,7 +7121,7 @@
           <a:p>
             <a:fld id="{7170159B-58A5-B047-8735-1AFBA8D9403D}" type="datetimeFigureOut">
               <a:rPr lang="en-US" smtClean="0"/>
-              <a:t>5/10/20</a:t>
+              <a:t>5/12/20</a:t>
             </a:fld>
             <a:endParaRPr lang="en-US"/>
           </a:p>
@@ -7318,7 +7319,7 @@
           <a:p>
             <a:fld id="{7170159B-58A5-B047-8735-1AFBA8D9403D}" type="datetimeFigureOut">
               <a:rPr lang="en-US" smtClean="0"/>
-              <a:t>5/10/20</a:t>
+              <a:t>5/12/20</a:t>
             </a:fld>
             <a:endParaRPr lang="en-US"/>
           </a:p>
@@ -7526,7 +7527,7 @@
           <a:p>
             <a:fld id="{7170159B-58A5-B047-8735-1AFBA8D9403D}" type="datetimeFigureOut">
               <a:rPr lang="en-US" smtClean="0"/>
-              <a:t>5/10/20</a:t>
+              <a:t>5/12/20</a:t>
             </a:fld>
             <a:endParaRPr lang="en-US"/>
           </a:p>
@@ -7724,7 +7725,7 @@
           <a:p>
             <a:fld id="{7170159B-58A5-B047-8735-1AFBA8D9403D}" type="datetimeFigureOut">
               <a:rPr lang="en-US" smtClean="0"/>
-              <a:t>5/10/20</a:t>
+              <a:t>5/12/20</a:t>
             </a:fld>
             <a:endParaRPr lang="en-US"/>
           </a:p>
@@ -7999,7 +8000,7 @@
           <a:p>
             <a:fld id="{7170159B-58A5-B047-8735-1AFBA8D9403D}" type="datetimeFigureOut">
               <a:rPr lang="en-US" smtClean="0"/>
-              <a:t>5/10/20</a:t>
+              <a:t>5/12/20</a:t>
             </a:fld>
             <a:endParaRPr lang="en-US"/>
           </a:p>
@@ -8264,7 +8265,7 @@
           <a:p>
             <a:fld id="{7170159B-58A5-B047-8735-1AFBA8D9403D}" type="datetimeFigureOut">
               <a:rPr lang="en-US" smtClean="0"/>
-              <a:t>5/10/20</a:t>
+              <a:t>5/12/20</a:t>
             </a:fld>
             <a:endParaRPr lang="en-US"/>
           </a:p>
@@ -8676,7 +8677,7 @@
           <a:p>
             <a:fld id="{7170159B-58A5-B047-8735-1AFBA8D9403D}" type="datetimeFigureOut">
               <a:rPr lang="en-US" smtClean="0"/>
-              <a:t>5/10/20</a:t>
+              <a:t>5/12/20</a:t>
             </a:fld>
             <a:endParaRPr lang="en-US"/>
           </a:p>
@@ -8817,7 +8818,7 @@
           <a:p>
             <a:fld id="{7170159B-58A5-B047-8735-1AFBA8D9403D}" type="datetimeFigureOut">
               <a:rPr lang="en-US" smtClean="0"/>
-              <a:t>5/10/20</a:t>
+              <a:t>5/12/20</a:t>
             </a:fld>
             <a:endParaRPr lang="en-US"/>
           </a:p>
@@ -8930,7 +8931,7 @@
           <a:p>
             <a:fld id="{7170159B-58A5-B047-8735-1AFBA8D9403D}" type="datetimeFigureOut">
               <a:rPr lang="en-US" smtClean="0"/>
-              <a:t>5/10/20</a:t>
+              <a:t>5/12/20</a:t>
             </a:fld>
             <a:endParaRPr lang="en-US"/>
           </a:p>
@@ -9241,7 +9242,7 @@
           <a:p>
             <a:fld id="{7170159B-58A5-B047-8735-1AFBA8D9403D}" type="datetimeFigureOut">
               <a:rPr lang="en-US" smtClean="0"/>
-              <a:t>5/10/20</a:t>
+              <a:t>5/12/20</a:t>
             </a:fld>
             <a:endParaRPr lang="en-US"/>
           </a:p>
@@ -9529,7 +9530,7 @@
           <a:p>
             <a:fld id="{7170159B-58A5-B047-8735-1AFBA8D9403D}" type="datetimeFigureOut">
               <a:rPr lang="en-US" smtClean="0"/>
-              <a:t>5/10/20</a:t>
+              <a:t>5/12/20</a:t>
             </a:fld>
             <a:endParaRPr lang="en-US"/>
           </a:p>
@@ -9770,7 +9771,7 @@
           <a:p>
             <a:fld id="{7170159B-58A5-B047-8735-1AFBA8D9403D}" type="datetimeFigureOut">
               <a:rPr lang="en-US" smtClean="0"/>
-              <a:t>5/10/20</a:t>
+              <a:t>5/12/20</a:t>
             </a:fld>
             <a:endParaRPr lang="en-US"/>
           </a:p>
@@ -38104,7 +38105,7 @@
           <p:nvPr>
             <p:extLst>
               <p:ext uri="{D42A27DB-BD31-4B8C-83A1-F6EECF244321}">
-                <p14:modId xmlns:p14="http://schemas.microsoft.com/office/powerpoint/2010/main" val="3280370847"/>
+                <p14:modId xmlns:p14="http://schemas.microsoft.com/office/powerpoint/2010/main" val="1499550018"/>
               </p:ext>
             </p:extLst>
           </p:nvPr>
@@ -38117,7 +38118,7 @@
           <a:graphicData uri="http://schemas.openxmlformats.org/drawingml/2006/table">
             <a:tbl>
               <a:tblPr firstRow="1" bandRow="1">
-                <a:tableStyleId>{93296810-A885-4BE3-A3E7-6D5BEEA58F35}</a:tableStyleId>
+                <a:tableStyleId>{00A15C55-8517-42AA-B614-E9B94910E393}</a:tableStyleId>
               </a:tblPr>
               <a:tblGrid>
                 <a:gridCol w="1563260">
@@ -38178,9 +38179,10 @@
                     <a:p>
                       <a:pPr algn="ctr"/>
                       <a:r>
-                        <a:rPr lang="en-US" dirty="0"/>
-                        <a:t>Junction</a:t>
-                      </a:r>
+                        <a:rPr lang="en-US"/>
+                        <a:t>Gap</a:t>
+                      </a:r>
+                      <a:endParaRPr lang="en-US" dirty="0"/>
                     </a:p>
                   </a:txBody>
                   <a:tcPr anchor="ctr"/>
@@ -38283,10 +38285,9 @@
                     <a:p>
                       <a:pPr algn="ctr"/>
                       <a:r>
-                        <a:rPr lang="en-US" dirty="0" err="1"/>
-                        <a:t>vgg_accuracy</a:t>
-                      </a:r>
-                      <a:endParaRPr lang="en-US" dirty="0"/>
+                        <a:rPr lang="en-US" dirty="0"/>
+                        <a:t>resnet50_accuracy</a:t>
+                      </a:r>
                     </a:p>
                   </a:txBody>
                   <a:tcPr anchor="ctr"/>
@@ -38371,10 +38372,9 @@
                     <a:p>
                       <a:pPr algn="ctr"/>
                       <a:r>
-                        <a:rPr lang="en-US" dirty="0" err="1"/>
-                        <a:t>vgg_precision</a:t>
-                      </a:r>
-                      <a:endParaRPr lang="en-US" dirty="0"/>
+                        <a:rPr lang="en-US" dirty="0"/>
+                        <a:t>resnet50_precision</a:t>
+                      </a:r>
                     </a:p>
                   </a:txBody>
                   <a:tcPr anchor="ctr"/>
@@ -38459,8 +38459,8 @@
                     <a:p>
                       <a:pPr algn="ctr"/>
                       <a:r>
-                        <a:rPr lang="en-US" dirty="0" err="1"/>
-                        <a:t>vgg_recall</a:t>
+                        <a:rPr lang="en-US" dirty="0"/>
+                        <a:t>resnet50_recall</a:t>
                       </a:r>
                       <a:endParaRPr lang="en-US" dirty="0">
                         <a:solidFill>
@@ -38576,7 +38576,7 @@
                       <a:pPr algn="ctr"/>
                       <a:r>
                         <a:rPr lang="en-US" dirty="0"/>
-                        <a:t>vgg_F1</a:t>
+                        <a:t>resnet50_F1</a:t>
                       </a:r>
                     </a:p>
                   </a:txBody>
@@ -38678,10 +38678,9 @@
                         <a:defRPr/>
                       </a:pPr>
                       <a:r>
-                        <a:rPr lang="en-US" dirty="0" err="1"/>
-                        <a:t>vgg_loss</a:t>
-                      </a:r>
-                      <a:endParaRPr lang="en-US" dirty="0"/>
+                        <a:rPr lang="en-US" dirty="0"/>
+                        <a:t>resnet50_loss</a:t>
+                      </a:r>
                     </a:p>
                     <a:p>
                       <a:pPr algn="ctr"/>
@@ -38769,7 +38768,7 @@
     </p:spTree>
     <p:extLst>
       <p:ext uri="{BB962C8B-B14F-4D97-AF65-F5344CB8AC3E}">
-        <p14:creationId xmlns:p14="http://schemas.microsoft.com/office/powerpoint/2010/main" val="1793990162"/>
+        <p14:creationId xmlns:p14="http://schemas.microsoft.com/office/powerpoint/2010/main" val="3409965340"/>
       </p:ext>
     </p:extLst>
   </p:cSld>
@@ -39021,6 +39020,713 @@
           <p:nvPr>
             <p:extLst>
               <p:ext uri="{D42A27DB-BD31-4B8C-83A1-F6EECF244321}">
+                <p14:modId xmlns:p14="http://schemas.microsoft.com/office/powerpoint/2010/main" val="3280370847"/>
+              </p:ext>
+            </p:extLst>
+          </p:nvPr>
+        </p:nvGraphicFramePr>
+        <p:xfrm>
+          <a:off x="674557" y="929527"/>
+          <a:ext cx="10942820" cy="4976599"/>
+        </p:xfrm>
+        <a:graphic>
+          <a:graphicData uri="http://schemas.openxmlformats.org/drawingml/2006/table">
+            <a:tbl>
+              <a:tblPr firstRow="1" bandRow="1">
+                <a:tableStyleId>{93296810-A885-4BE3-A3E7-6D5BEEA58F35}</a:tableStyleId>
+              </a:tblPr>
+              <a:tblGrid>
+                <a:gridCol w="1563260">
+                  <a:extLst>
+                    <a:ext uri="{9D8B030D-6E8A-4147-A177-3AD203B41FA5}">
+                      <a16:colId xmlns:a16="http://schemas.microsoft.com/office/drawing/2014/main" val="2272368709"/>
+                    </a:ext>
+                  </a:extLst>
+                </a:gridCol>
+                <a:gridCol w="1563260">
+                  <a:extLst>
+                    <a:ext uri="{9D8B030D-6E8A-4147-A177-3AD203B41FA5}">
+                      <a16:colId xmlns:a16="http://schemas.microsoft.com/office/drawing/2014/main" val="2235686462"/>
+                    </a:ext>
+                  </a:extLst>
+                </a:gridCol>
+                <a:gridCol w="1563260">
+                  <a:extLst>
+                    <a:ext uri="{9D8B030D-6E8A-4147-A177-3AD203B41FA5}">
+                      <a16:colId xmlns:a16="http://schemas.microsoft.com/office/drawing/2014/main" val="1061232007"/>
+                    </a:ext>
+                  </a:extLst>
+                </a:gridCol>
+                <a:gridCol w="1563260">
+                  <a:extLst>
+                    <a:ext uri="{9D8B030D-6E8A-4147-A177-3AD203B41FA5}">
+                      <a16:colId xmlns:a16="http://schemas.microsoft.com/office/drawing/2014/main" val="464967916"/>
+                    </a:ext>
+                  </a:extLst>
+                </a:gridCol>
+                <a:gridCol w="1563260">
+                  <a:extLst>
+                    <a:ext uri="{9D8B030D-6E8A-4147-A177-3AD203B41FA5}">
+                      <a16:colId xmlns:a16="http://schemas.microsoft.com/office/drawing/2014/main" val="3929012556"/>
+                    </a:ext>
+                  </a:extLst>
+                </a:gridCol>
+                <a:gridCol w="1563260">
+                  <a:extLst>
+                    <a:ext uri="{9D8B030D-6E8A-4147-A177-3AD203B41FA5}">
+                      <a16:colId xmlns:a16="http://schemas.microsoft.com/office/drawing/2014/main" val="3303028153"/>
+                    </a:ext>
+                  </a:extLst>
+                </a:gridCol>
+                <a:gridCol w="1563260">
+                  <a:extLst>
+                    <a:ext uri="{9D8B030D-6E8A-4147-A177-3AD203B41FA5}">
+                      <a16:colId xmlns:a16="http://schemas.microsoft.com/office/drawing/2014/main" val="4108006114"/>
+                    </a:ext>
+                  </a:extLst>
+                </a:gridCol>
+              </a:tblGrid>
+              <a:tr h="523804">
+                <a:tc>
+                  <a:txBody>
+                    <a:bodyPr/>
+                    <a:lstStyle/>
+                    <a:p>
+                      <a:pPr algn="ctr"/>
+                      <a:r>
+                        <a:rPr lang="en-US" dirty="0"/>
+                        <a:t>Junction</a:t>
+                      </a:r>
+                    </a:p>
+                  </a:txBody>
+                  <a:tcPr anchor="ctr"/>
+                </a:tc>
+                <a:tc>
+                  <a:txBody>
+                    <a:bodyPr/>
+                    <a:lstStyle/>
+                    <a:p>
+                      <a:pPr algn="ctr"/>
+                      <a:r>
+                        <a:rPr lang="en-US" dirty="0"/>
+                        <a:t>Accuracy</a:t>
+                      </a:r>
+                    </a:p>
+                  </a:txBody>
+                  <a:tcPr anchor="ctr"/>
+                </a:tc>
+                <a:tc>
+                  <a:txBody>
+                    <a:bodyPr/>
+                    <a:lstStyle/>
+                    <a:p>
+                      <a:pPr algn="ctr"/>
+                      <a:r>
+                        <a:rPr lang="en-US" dirty="0"/>
+                        <a:t>precision</a:t>
+                      </a:r>
+                    </a:p>
+                  </a:txBody>
+                  <a:tcPr anchor="ctr"/>
+                </a:tc>
+                <a:tc>
+                  <a:txBody>
+                    <a:bodyPr/>
+                    <a:lstStyle/>
+                    <a:p>
+                      <a:pPr algn="ctr"/>
+                      <a:r>
+                        <a:rPr lang="en-US" dirty="0"/>
+                        <a:t>recall</a:t>
+                      </a:r>
+                    </a:p>
+                  </a:txBody>
+                  <a:tcPr anchor="ctr"/>
+                </a:tc>
+                <a:tc>
+                  <a:txBody>
+                    <a:bodyPr/>
+                    <a:lstStyle/>
+                    <a:p>
+                      <a:pPr algn="ctr"/>
+                      <a:r>
+                        <a:rPr lang="en-US" dirty="0"/>
+                        <a:t>specificity</a:t>
+                      </a:r>
+                    </a:p>
+                  </a:txBody>
+                  <a:tcPr anchor="ctr"/>
+                </a:tc>
+                <a:tc>
+                  <a:txBody>
+                    <a:bodyPr/>
+                    <a:lstStyle/>
+                    <a:p>
+                      <a:pPr algn="ctr"/>
+                      <a:r>
+                        <a:rPr lang="en-US" dirty="0"/>
+                        <a:t>F1</a:t>
+                      </a:r>
+                    </a:p>
+                  </a:txBody>
+                  <a:tcPr anchor="ctr"/>
+                </a:tc>
+                <a:tc>
+                  <a:txBody>
+                    <a:bodyPr/>
+                    <a:lstStyle/>
+                    <a:p>
+                      <a:pPr algn="ctr"/>
+                      <a:r>
+                        <a:rPr lang="en-US" dirty="0"/>
+                        <a:t>loss</a:t>
+                      </a:r>
+                    </a:p>
+                  </a:txBody>
+                  <a:tcPr anchor="ctr"/>
+                </a:tc>
+                <a:extLst>
+                  <a:ext uri="{0D108BD9-81ED-4DB2-BD59-A6C34878D82A}">
+                    <a16:rowId xmlns:a16="http://schemas.microsoft.com/office/drawing/2014/main" val="2384826745"/>
+                  </a:ext>
+                </a:extLst>
+              </a:tr>
+              <a:tr h="904099">
+                <a:tc>
+                  <a:txBody>
+                    <a:bodyPr/>
+                    <a:lstStyle/>
+                    <a:p>
+                      <a:pPr algn="ctr"/>
+                      <a:r>
+                        <a:rPr lang="en-US" dirty="0" err="1"/>
+                        <a:t>vgg_accuracy</a:t>
+                      </a:r>
+                      <a:endParaRPr lang="en-US" dirty="0"/>
+                    </a:p>
+                  </a:txBody>
+                  <a:tcPr anchor="ctr"/>
+                </a:tc>
+                <a:tc>
+                  <a:txBody>
+                    <a:bodyPr/>
+                    <a:lstStyle/>
+                    <a:p>
+                      <a:pPr algn="ctr"/>
+                      <a:endParaRPr lang="en-US" dirty="0"/>
+                    </a:p>
+                  </a:txBody>
+                  <a:tcPr anchor="ctr"/>
+                </a:tc>
+                <a:tc>
+                  <a:txBody>
+                    <a:bodyPr/>
+                    <a:lstStyle/>
+                    <a:p>
+                      <a:pPr algn="ctr"/>
+                      <a:endParaRPr lang="en-US" dirty="0"/>
+                    </a:p>
+                  </a:txBody>
+                  <a:tcPr anchor="ctr"/>
+                </a:tc>
+                <a:tc>
+                  <a:txBody>
+                    <a:bodyPr/>
+                    <a:lstStyle/>
+                    <a:p>
+                      <a:pPr algn="ctr"/>
+                      <a:endParaRPr lang="en-US" dirty="0"/>
+                    </a:p>
+                  </a:txBody>
+                  <a:tcPr anchor="ctr"/>
+                </a:tc>
+                <a:tc>
+                  <a:txBody>
+                    <a:bodyPr/>
+                    <a:lstStyle/>
+                    <a:p>
+                      <a:pPr algn="ctr"/>
+                      <a:endParaRPr lang="en-US" dirty="0"/>
+                    </a:p>
+                  </a:txBody>
+                  <a:tcPr anchor="ctr"/>
+                </a:tc>
+                <a:tc>
+                  <a:txBody>
+                    <a:bodyPr/>
+                    <a:lstStyle/>
+                    <a:p>
+                      <a:pPr algn="ctr"/>
+                      <a:endParaRPr lang="en-US" dirty="0"/>
+                    </a:p>
+                  </a:txBody>
+                  <a:tcPr anchor="ctr"/>
+                </a:tc>
+                <a:tc>
+                  <a:txBody>
+                    <a:bodyPr/>
+                    <a:lstStyle/>
+                    <a:p>
+                      <a:pPr algn="ctr"/>
+                      <a:endParaRPr lang="en-US" dirty="0"/>
+                    </a:p>
+                  </a:txBody>
+                  <a:tcPr anchor="ctr"/>
+                </a:tc>
+                <a:extLst>
+                  <a:ext uri="{0D108BD9-81ED-4DB2-BD59-A6C34878D82A}">
+                    <a16:rowId xmlns:a16="http://schemas.microsoft.com/office/drawing/2014/main" val="1449166203"/>
+                  </a:ext>
+                </a:extLst>
+              </a:tr>
+              <a:tr h="887174">
+                <a:tc>
+                  <a:txBody>
+                    <a:bodyPr/>
+                    <a:lstStyle/>
+                    <a:p>
+                      <a:pPr algn="ctr"/>
+                      <a:r>
+                        <a:rPr lang="en-US" dirty="0" err="1"/>
+                        <a:t>vgg_precision</a:t>
+                      </a:r>
+                      <a:endParaRPr lang="en-US" dirty="0"/>
+                    </a:p>
+                  </a:txBody>
+                  <a:tcPr anchor="ctr"/>
+                </a:tc>
+                <a:tc>
+                  <a:txBody>
+                    <a:bodyPr/>
+                    <a:lstStyle/>
+                    <a:p>
+                      <a:pPr algn="ctr"/>
+                      <a:endParaRPr lang="en-US" dirty="0"/>
+                    </a:p>
+                  </a:txBody>
+                  <a:tcPr anchor="ctr"/>
+                </a:tc>
+                <a:tc>
+                  <a:txBody>
+                    <a:bodyPr/>
+                    <a:lstStyle/>
+                    <a:p>
+                      <a:pPr algn="ctr"/>
+                      <a:endParaRPr lang="en-US" dirty="0"/>
+                    </a:p>
+                  </a:txBody>
+                  <a:tcPr anchor="ctr"/>
+                </a:tc>
+                <a:tc>
+                  <a:txBody>
+                    <a:bodyPr/>
+                    <a:lstStyle/>
+                    <a:p>
+                      <a:pPr algn="ctr"/>
+                      <a:endParaRPr lang="en-US" dirty="0"/>
+                    </a:p>
+                  </a:txBody>
+                  <a:tcPr anchor="ctr"/>
+                </a:tc>
+                <a:tc>
+                  <a:txBody>
+                    <a:bodyPr/>
+                    <a:lstStyle/>
+                    <a:p>
+                      <a:pPr algn="ctr"/>
+                      <a:endParaRPr lang="en-US" dirty="0"/>
+                    </a:p>
+                  </a:txBody>
+                  <a:tcPr anchor="ctr"/>
+                </a:tc>
+                <a:tc>
+                  <a:txBody>
+                    <a:bodyPr/>
+                    <a:lstStyle/>
+                    <a:p>
+                      <a:pPr algn="ctr"/>
+                      <a:endParaRPr lang="en-US" dirty="0"/>
+                    </a:p>
+                  </a:txBody>
+                  <a:tcPr anchor="ctr"/>
+                </a:tc>
+                <a:tc>
+                  <a:txBody>
+                    <a:bodyPr/>
+                    <a:lstStyle/>
+                    <a:p>
+                      <a:pPr algn="ctr"/>
+                      <a:endParaRPr lang="en-US" dirty="0"/>
+                    </a:p>
+                  </a:txBody>
+                  <a:tcPr anchor="ctr"/>
+                </a:tc>
+                <a:extLst>
+                  <a:ext uri="{0D108BD9-81ED-4DB2-BD59-A6C34878D82A}">
+                    <a16:rowId xmlns:a16="http://schemas.microsoft.com/office/drawing/2014/main" val="4164655960"/>
+                  </a:ext>
+                </a:extLst>
+              </a:tr>
+              <a:tr h="887174">
+                <a:tc>
+                  <a:txBody>
+                    <a:bodyPr/>
+                    <a:lstStyle/>
+                    <a:p>
+                      <a:pPr algn="ctr"/>
+                      <a:r>
+                        <a:rPr lang="en-US" dirty="0" err="1"/>
+                        <a:t>vgg_recall</a:t>
+                      </a:r>
+                      <a:endParaRPr lang="en-US" dirty="0">
+                        <a:solidFill>
+                          <a:srgbClr val="FF0000"/>
+                        </a:solidFill>
+                      </a:endParaRPr>
+                    </a:p>
+                  </a:txBody>
+                  <a:tcPr anchor="ctr"/>
+                </a:tc>
+                <a:tc>
+                  <a:txBody>
+                    <a:bodyPr/>
+                    <a:lstStyle/>
+                    <a:p>
+                      <a:pPr algn="ctr"/>
+                      <a:endParaRPr lang="en-US" dirty="0">
+                        <a:solidFill>
+                          <a:srgbClr val="FF0000"/>
+                        </a:solidFill>
+                      </a:endParaRPr>
+                    </a:p>
+                  </a:txBody>
+                  <a:tcPr anchor="ctr"/>
+                </a:tc>
+                <a:tc>
+                  <a:txBody>
+                    <a:bodyPr/>
+                    <a:lstStyle/>
+                    <a:p>
+                      <a:pPr algn="ctr"/>
+                      <a:endParaRPr lang="en-US" dirty="0">
+                        <a:solidFill>
+                          <a:srgbClr val="FF0000"/>
+                        </a:solidFill>
+                      </a:endParaRPr>
+                    </a:p>
+                  </a:txBody>
+                  <a:tcPr anchor="ctr"/>
+                </a:tc>
+                <a:tc>
+                  <a:txBody>
+                    <a:bodyPr/>
+                    <a:lstStyle/>
+                    <a:p>
+                      <a:pPr algn="ctr"/>
+                      <a:endParaRPr lang="en-US" dirty="0">
+                        <a:solidFill>
+                          <a:srgbClr val="FF0000"/>
+                        </a:solidFill>
+                      </a:endParaRPr>
+                    </a:p>
+                  </a:txBody>
+                  <a:tcPr anchor="ctr"/>
+                </a:tc>
+                <a:tc>
+                  <a:txBody>
+                    <a:bodyPr/>
+                    <a:lstStyle/>
+                    <a:p>
+                      <a:pPr algn="ctr"/>
+                      <a:endParaRPr lang="en-US" dirty="0">
+                        <a:solidFill>
+                          <a:srgbClr val="FF0000"/>
+                        </a:solidFill>
+                      </a:endParaRPr>
+                    </a:p>
+                  </a:txBody>
+                  <a:tcPr anchor="ctr"/>
+                </a:tc>
+                <a:tc>
+                  <a:txBody>
+                    <a:bodyPr/>
+                    <a:lstStyle/>
+                    <a:p>
+                      <a:pPr algn="ctr"/>
+                      <a:endParaRPr lang="en-US" dirty="0">
+                        <a:solidFill>
+                          <a:srgbClr val="FF0000"/>
+                        </a:solidFill>
+                      </a:endParaRPr>
+                    </a:p>
+                  </a:txBody>
+                  <a:tcPr anchor="ctr"/>
+                </a:tc>
+                <a:tc>
+                  <a:txBody>
+                    <a:bodyPr/>
+                    <a:lstStyle/>
+                    <a:p>
+                      <a:pPr algn="ctr"/>
+                      <a:endParaRPr lang="en-US" dirty="0">
+                        <a:solidFill>
+                          <a:srgbClr val="FF0000"/>
+                        </a:solidFill>
+                      </a:endParaRPr>
+                    </a:p>
+                  </a:txBody>
+                  <a:tcPr anchor="ctr"/>
+                </a:tc>
+                <a:extLst>
+                  <a:ext uri="{0D108BD9-81ED-4DB2-BD59-A6C34878D82A}">
+                    <a16:rowId xmlns:a16="http://schemas.microsoft.com/office/drawing/2014/main" val="2775775737"/>
+                  </a:ext>
+                </a:extLst>
+              </a:tr>
+              <a:tr h="887174">
+                <a:tc>
+                  <a:txBody>
+                    <a:bodyPr/>
+                    <a:lstStyle/>
+                    <a:p>
+                      <a:pPr algn="ctr"/>
+                      <a:r>
+                        <a:rPr lang="en-US" dirty="0"/>
+                        <a:t>vgg_F1</a:t>
+                      </a:r>
+                    </a:p>
+                  </a:txBody>
+                  <a:tcPr anchor="ctr"/>
+                </a:tc>
+                <a:tc>
+                  <a:txBody>
+                    <a:bodyPr/>
+                    <a:lstStyle/>
+                    <a:p>
+                      <a:pPr algn="ctr"/>
+                      <a:endParaRPr lang="en-US" dirty="0"/>
+                    </a:p>
+                  </a:txBody>
+                  <a:tcPr anchor="ctr"/>
+                </a:tc>
+                <a:tc>
+                  <a:txBody>
+                    <a:bodyPr/>
+                    <a:lstStyle/>
+                    <a:p>
+                      <a:pPr algn="ctr"/>
+                      <a:endParaRPr lang="en-US" dirty="0"/>
+                    </a:p>
+                  </a:txBody>
+                  <a:tcPr anchor="ctr"/>
+                </a:tc>
+                <a:tc>
+                  <a:txBody>
+                    <a:bodyPr/>
+                    <a:lstStyle/>
+                    <a:p>
+                      <a:pPr algn="ctr"/>
+                      <a:endParaRPr lang="en-US" dirty="0"/>
+                    </a:p>
+                  </a:txBody>
+                  <a:tcPr anchor="ctr"/>
+                </a:tc>
+                <a:tc>
+                  <a:txBody>
+                    <a:bodyPr/>
+                    <a:lstStyle/>
+                    <a:p>
+                      <a:pPr algn="ctr"/>
+                      <a:endParaRPr lang="en-US" dirty="0"/>
+                    </a:p>
+                  </a:txBody>
+                  <a:tcPr anchor="ctr"/>
+                </a:tc>
+                <a:tc>
+                  <a:txBody>
+                    <a:bodyPr/>
+                    <a:lstStyle/>
+                    <a:p>
+                      <a:pPr algn="ctr"/>
+                      <a:endParaRPr lang="en-US" dirty="0"/>
+                    </a:p>
+                  </a:txBody>
+                  <a:tcPr anchor="ctr"/>
+                </a:tc>
+                <a:tc>
+                  <a:txBody>
+                    <a:bodyPr/>
+                    <a:lstStyle/>
+                    <a:p>
+                      <a:pPr algn="ctr"/>
+                      <a:endParaRPr lang="en-US" dirty="0"/>
+                    </a:p>
+                  </a:txBody>
+                  <a:tcPr anchor="ctr"/>
+                </a:tc>
+                <a:extLst>
+                  <a:ext uri="{0D108BD9-81ED-4DB2-BD59-A6C34878D82A}">
+                    <a16:rowId xmlns:a16="http://schemas.microsoft.com/office/drawing/2014/main" val="618446083"/>
+                  </a:ext>
+                </a:extLst>
+              </a:tr>
+              <a:tr h="887174">
+                <a:tc>
+                  <a:txBody>
+                    <a:bodyPr/>
+                    <a:lstStyle/>
+                    <a:p>
+                      <a:pPr marL="0" marR="0" lvl="0" indent="0" algn="ctr" defTabSz="914400" rtl="0" eaLnBrk="1" fontAlgn="auto" latinLnBrk="0" hangingPunct="1">
+                        <a:lnSpc>
+                          <a:spcPct val="100000"/>
+                        </a:lnSpc>
+                        <a:spcBef>
+                          <a:spcPts val="0"/>
+                        </a:spcBef>
+                        <a:spcAft>
+                          <a:spcPts val="0"/>
+                        </a:spcAft>
+                        <a:buClrTx/>
+                        <a:buSzTx/>
+                        <a:buFontTx/>
+                        <a:buNone/>
+                        <a:tabLst/>
+                        <a:defRPr/>
+                      </a:pPr>
+                      <a:r>
+                        <a:rPr lang="en-US" dirty="0" err="1"/>
+                        <a:t>vgg_loss</a:t>
+                      </a:r>
+                      <a:endParaRPr lang="en-US" dirty="0"/>
+                    </a:p>
+                    <a:p>
+                      <a:pPr algn="ctr"/>
+                      <a:endParaRPr lang="en-US" dirty="0"/>
+                    </a:p>
+                  </a:txBody>
+                  <a:tcPr anchor="ctr"/>
+                </a:tc>
+                <a:tc>
+                  <a:txBody>
+                    <a:bodyPr/>
+                    <a:lstStyle/>
+                    <a:p>
+                      <a:pPr algn="ctr"/>
+                      <a:endParaRPr lang="en-US" dirty="0"/>
+                    </a:p>
+                  </a:txBody>
+                  <a:tcPr anchor="ctr"/>
+                </a:tc>
+                <a:tc>
+                  <a:txBody>
+                    <a:bodyPr/>
+                    <a:lstStyle/>
+                    <a:p>
+                      <a:pPr algn="ctr"/>
+                      <a:endParaRPr lang="en-US" dirty="0"/>
+                    </a:p>
+                  </a:txBody>
+                  <a:tcPr anchor="ctr"/>
+                </a:tc>
+                <a:tc>
+                  <a:txBody>
+                    <a:bodyPr/>
+                    <a:lstStyle/>
+                    <a:p>
+                      <a:pPr algn="ctr"/>
+                      <a:endParaRPr lang="en-US" dirty="0"/>
+                    </a:p>
+                  </a:txBody>
+                  <a:tcPr anchor="ctr"/>
+                </a:tc>
+                <a:tc>
+                  <a:txBody>
+                    <a:bodyPr/>
+                    <a:lstStyle/>
+                    <a:p>
+                      <a:pPr algn="ctr"/>
+                      <a:endParaRPr lang="en-US" dirty="0"/>
+                    </a:p>
+                  </a:txBody>
+                  <a:tcPr anchor="ctr"/>
+                </a:tc>
+                <a:tc>
+                  <a:txBody>
+                    <a:bodyPr/>
+                    <a:lstStyle/>
+                    <a:p>
+                      <a:pPr algn="ctr"/>
+                      <a:endParaRPr lang="en-US" dirty="0"/>
+                    </a:p>
+                  </a:txBody>
+                  <a:tcPr anchor="ctr"/>
+                </a:tc>
+                <a:tc>
+                  <a:txBody>
+                    <a:bodyPr/>
+                    <a:lstStyle/>
+                    <a:p>
+                      <a:pPr algn="ctr"/>
+                      <a:endParaRPr lang="en-US" dirty="0"/>
+                    </a:p>
+                  </a:txBody>
+                  <a:tcPr anchor="ctr"/>
+                </a:tc>
+                <a:extLst>
+                  <a:ext uri="{0D108BD9-81ED-4DB2-BD59-A6C34878D82A}">
+                    <a16:rowId xmlns:a16="http://schemas.microsoft.com/office/drawing/2014/main" val="872347479"/>
+                  </a:ext>
+                </a:extLst>
+              </a:tr>
+            </a:tbl>
+          </a:graphicData>
+        </a:graphic>
+      </p:graphicFrame>
+    </p:spTree>
+    <p:extLst>
+      <p:ext uri="{BB962C8B-B14F-4D97-AF65-F5344CB8AC3E}">
+        <p14:creationId xmlns:p14="http://schemas.microsoft.com/office/powerpoint/2010/main" val="1793990162"/>
+      </p:ext>
+    </p:extLst>
+  </p:cSld>
+  <p:clrMapOvr>
+    <a:masterClrMapping/>
+  </p:clrMapOvr>
+</p:sld>
+</file>
+
+<file path=ppt/slides/slide81.xml><?xml version="1.0" encoding="utf-8"?>
+<p:sld xmlns:a="http://schemas.openxmlformats.org/drawingml/2006/main" xmlns:r="http://schemas.openxmlformats.org/officeDocument/2006/relationships" xmlns:p="http://schemas.openxmlformats.org/presentationml/2006/main">
+  <p:cSld>
+    <p:spTree>
+      <p:nvGrpSpPr>
+        <p:cNvPr id="1" name=""/>
+        <p:cNvGrpSpPr/>
+        <p:nvPr/>
+      </p:nvGrpSpPr>
+      <p:grpSpPr>
+        <a:xfrm>
+          <a:off x="0" y="0"/>
+          <a:ext cx="0" cy="0"/>
+          <a:chOff x="0" y="0"/>
+          <a:chExt cx="0" cy="0"/>
+        </a:xfrm>
+      </p:grpSpPr>
+      <p:graphicFrame>
+        <p:nvGraphicFramePr>
+          <p:cNvPr id="4" name="Table 3">
+            <a:extLst>
+              <a:ext uri="{FF2B5EF4-FFF2-40B4-BE49-F238E27FC236}">
+                <a16:creationId xmlns:a16="http://schemas.microsoft.com/office/drawing/2014/main" id="{F3634E9B-F616-E548-A703-16000F2DD0FF}"/>
+              </a:ext>
+            </a:extLst>
+          </p:cNvPr>
+          <p:cNvGraphicFramePr>
+            <a:graphicFrameLocks noGrp="1"/>
+          </p:cNvGraphicFramePr>
+          <p:nvPr>
+            <p:extLst>
+              <p:ext uri="{D42A27DB-BD31-4B8C-83A1-F6EECF244321}">
                 <p14:modId xmlns:p14="http://schemas.microsoft.com/office/powerpoint/2010/main" val="402224737"/>
               </p:ext>
             </p:extLst>
@@ -39696,7 +40402,7 @@
 </p:sld>
 </file>
 
-<file path=ppt/slides/slide81.xml><?xml version="1.0" encoding="utf-8"?>
+<file path=ppt/slides/slide82.xml><?xml version="1.0" encoding="utf-8"?>
 <p:sld xmlns:a="http://schemas.openxmlformats.org/drawingml/2006/main" xmlns:r="http://schemas.openxmlformats.org/officeDocument/2006/relationships" xmlns:p="http://schemas.openxmlformats.org/presentationml/2006/main">
   <p:cSld>
     <p:spTree>
@@ -39760,7 +40466,7 @@
 </p:sld>
 </file>
 
-<file path=ppt/slides/slide82.xml><?xml version="1.0" encoding="utf-8"?>
+<file path=ppt/slides/slide83.xml><?xml version="1.0" encoding="utf-8"?>
 <p:sld xmlns:a="http://schemas.openxmlformats.org/drawingml/2006/main" xmlns:r="http://schemas.openxmlformats.org/officeDocument/2006/relationships" xmlns:p="http://schemas.openxmlformats.org/presentationml/2006/main">
   <p:cSld>
     <p:spTree>
@@ -40565,7 +41271,7 @@
 </p:sld>
 </file>
 
-<file path=ppt/slides/slide83.xml><?xml version="1.0" encoding="utf-8"?>
+<file path=ppt/slides/slide84.xml><?xml version="1.0" encoding="utf-8"?>
 <p:sld xmlns:a="http://schemas.openxmlformats.org/drawingml/2006/main" xmlns:r="http://schemas.openxmlformats.org/officeDocument/2006/relationships" xmlns:p="http://schemas.openxmlformats.org/presentationml/2006/main">
   <p:cSld>
     <p:spTree>
@@ -41370,7 +42076,7 @@
 </p:sld>
 </file>
 
-<file path=ppt/slides/slide84.xml><?xml version="1.0" encoding="utf-8"?>
+<file path=ppt/slides/slide85.xml><?xml version="1.0" encoding="utf-8"?>
 <p:sld xmlns:a="http://schemas.openxmlformats.org/drawingml/2006/main" xmlns:r="http://schemas.openxmlformats.org/officeDocument/2006/relationships" xmlns:p="http://schemas.openxmlformats.org/presentationml/2006/main">
   <p:cSld>
     <p:spTree>
@@ -41434,7 +42140,7 @@
 </p:sld>
 </file>
 
-<file path=ppt/slides/slide85.xml><?xml version="1.0" encoding="utf-8"?>
+<file path=ppt/slides/slide86.xml><?xml version="1.0" encoding="utf-8"?>
 <p:sld xmlns:a="http://schemas.openxmlformats.org/drawingml/2006/main" xmlns:r="http://schemas.openxmlformats.org/officeDocument/2006/relationships" xmlns:p="http://schemas.openxmlformats.org/presentationml/2006/main">
   <p:cSld>
     <p:spTree>
@@ -42239,7 +42945,7 @@
 </p:sld>
 </file>
 
-<file path=ppt/slides/slide86.xml><?xml version="1.0" encoding="utf-8"?>
+<file path=ppt/slides/slide87.xml><?xml version="1.0" encoding="utf-8"?>
 <p:sld xmlns:a="http://schemas.openxmlformats.org/drawingml/2006/main" xmlns:r="http://schemas.openxmlformats.org/officeDocument/2006/relationships" xmlns:p="http://schemas.openxmlformats.org/presentationml/2006/main">
   <p:cSld>
     <p:spTree>

--- a/BSD_Figures.pptx
+++ b/BSD_Figures.pptx
@@ -37401,7 +37401,7 @@
           <p:nvPr>
             <p:extLst>
               <p:ext uri="{D42A27DB-BD31-4B8C-83A1-F6EECF244321}">
-                <p14:modId xmlns:p14="http://schemas.microsoft.com/office/powerpoint/2010/main" val="2297835321"/>
+                <p14:modId xmlns:p14="http://schemas.microsoft.com/office/powerpoint/2010/main" val="4162391889"/>
               </p:ext>
             </p:extLst>
           </p:nvPr>
@@ -37593,62 +37593,80 @@
                     <a:lstStyle/>
                     <a:p>
                       <a:pPr algn="ctr"/>
-                      <a:endParaRPr lang="en-US" dirty="0"/>
-                    </a:p>
-                  </a:txBody>
-                  <a:tcPr anchor="ctr"/>
-                </a:tc>
-                <a:tc>
-                  <a:txBody>
-                    <a:bodyPr/>
-                    <a:lstStyle/>
-                    <a:p>
-                      <a:pPr algn="ctr"/>
-                      <a:endParaRPr lang="en-US" dirty="0"/>
-                    </a:p>
-                  </a:txBody>
-                  <a:tcPr anchor="ctr"/>
-                </a:tc>
-                <a:tc>
-                  <a:txBody>
-                    <a:bodyPr/>
-                    <a:lstStyle/>
-                    <a:p>
-                      <a:pPr algn="ctr"/>
-                      <a:endParaRPr lang="en-US" dirty="0"/>
-                    </a:p>
-                  </a:txBody>
-                  <a:tcPr anchor="ctr"/>
-                </a:tc>
-                <a:tc>
-                  <a:txBody>
-                    <a:bodyPr/>
-                    <a:lstStyle/>
-                    <a:p>
-                      <a:pPr algn="ctr"/>
-                      <a:endParaRPr lang="en-US" dirty="0"/>
-                    </a:p>
-                  </a:txBody>
-                  <a:tcPr anchor="ctr"/>
-                </a:tc>
-                <a:tc>
-                  <a:txBody>
-                    <a:bodyPr/>
-                    <a:lstStyle/>
-                    <a:p>
-                      <a:pPr algn="ctr"/>
-                      <a:endParaRPr lang="en-US" dirty="0"/>
-                    </a:p>
-                  </a:txBody>
-                  <a:tcPr anchor="ctr"/>
-                </a:tc>
-                <a:tc>
-                  <a:txBody>
-                    <a:bodyPr/>
-                    <a:lstStyle/>
-                    <a:p>
-                      <a:pPr algn="ctr"/>
-                      <a:endParaRPr lang="en-US" dirty="0"/>
+                      <a:r>
+                        <a:rPr lang="en-US" dirty="0"/>
+                        <a:t>0.832</a:t>
+                      </a:r>
+                    </a:p>
+                  </a:txBody>
+                  <a:tcPr anchor="ctr"/>
+                </a:tc>
+                <a:tc>
+                  <a:txBody>
+                    <a:bodyPr/>
+                    <a:lstStyle/>
+                    <a:p>
+                      <a:pPr algn="ctr"/>
+                      <a:r>
+                        <a:rPr lang="en-US" dirty="0"/>
+                        <a:t>0.764</a:t>
+                      </a:r>
+                    </a:p>
+                  </a:txBody>
+                  <a:tcPr anchor="ctr"/>
+                </a:tc>
+                <a:tc>
+                  <a:txBody>
+                    <a:bodyPr/>
+                    <a:lstStyle/>
+                    <a:p>
+                      <a:pPr algn="ctr"/>
+                      <a:r>
+                        <a:rPr lang="en-US" dirty="0"/>
+                        <a:t>0.633</a:t>
+                      </a:r>
+                    </a:p>
+                  </a:txBody>
+                  <a:tcPr anchor="ctr"/>
+                </a:tc>
+                <a:tc>
+                  <a:txBody>
+                    <a:bodyPr/>
+                    <a:lstStyle/>
+                    <a:p>
+                      <a:pPr algn="ctr"/>
+                      <a:r>
+                        <a:rPr lang="en-US" dirty="0"/>
+                        <a:t>0.917</a:t>
+                      </a:r>
+                    </a:p>
+                  </a:txBody>
+                  <a:tcPr anchor="ctr"/>
+                </a:tc>
+                <a:tc>
+                  <a:txBody>
+                    <a:bodyPr/>
+                    <a:lstStyle/>
+                    <a:p>
+                      <a:pPr algn="ctr"/>
+                      <a:r>
+                        <a:rPr lang="en-US" dirty="0"/>
+                        <a:t>0.692</a:t>
+                      </a:r>
+                    </a:p>
+                  </a:txBody>
+                  <a:tcPr anchor="ctr"/>
+                </a:tc>
+                <a:tc>
+                  <a:txBody>
+                    <a:bodyPr/>
+                    <a:lstStyle/>
+                    <a:p>
+                      <a:pPr algn="ctr"/>
+                      <a:r>
+                        <a:rPr lang="en-US" dirty="0"/>
+                        <a:t>0.4048</a:t>
+                      </a:r>
                     </a:p>
                   </a:txBody>
                   <a:tcPr anchor="ctr"/>
@@ -37680,62 +37698,80 @@
                     <a:lstStyle/>
                     <a:p>
                       <a:pPr algn="ctr"/>
-                      <a:endParaRPr lang="en-US" dirty="0"/>
-                    </a:p>
-                  </a:txBody>
-                  <a:tcPr anchor="ctr"/>
-                </a:tc>
-                <a:tc>
-                  <a:txBody>
-                    <a:bodyPr/>
-                    <a:lstStyle/>
-                    <a:p>
-                      <a:pPr algn="ctr"/>
-                      <a:endParaRPr lang="en-US" dirty="0"/>
-                    </a:p>
-                  </a:txBody>
-                  <a:tcPr anchor="ctr"/>
-                </a:tc>
-                <a:tc>
-                  <a:txBody>
-                    <a:bodyPr/>
-                    <a:lstStyle/>
-                    <a:p>
-                      <a:pPr algn="ctr"/>
-                      <a:endParaRPr lang="en-US" dirty="0"/>
-                    </a:p>
-                  </a:txBody>
-                  <a:tcPr anchor="ctr"/>
-                </a:tc>
-                <a:tc>
-                  <a:txBody>
-                    <a:bodyPr/>
-                    <a:lstStyle/>
-                    <a:p>
-                      <a:pPr algn="ctr"/>
-                      <a:endParaRPr lang="en-US" dirty="0"/>
-                    </a:p>
-                  </a:txBody>
-                  <a:tcPr anchor="ctr"/>
-                </a:tc>
-                <a:tc>
-                  <a:txBody>
-                    <a:bodyPr/>
-                    <a:lstStyle/>
-                    <a:p>
-                      <a:pPr algn="ctr"/>
-                      <a:endParaRPr lang="en-US" dirty="0"/>
-                    </a:p>
-                  </a:txBody>
-                  <a:tcPr anchor="ctr"/>
-                </a:tc>
-                <a:tc>
-                  <a:txBody>
-                    <a:bodyPr/>
-                    <a:lstStyle/>
-                    <a:p>
-                      <a:pPr algn="ctr"/>
-                      <a:endParaRPr lang="en-US" dirty="0"/>
+                      <a:r>
+                        <a:rPr lang="en-US" dirty="0"/>
+                        <a:t>0.826</a:t>
+                      </a:r>
+                    </a:p>
+                  </a:txBody>
+                  <a:tcPr anchor="ctr"/>
+                </a:tc>
+                <a:tc>
+                  <a:txBody>
+                    <a:bodyPr/>
+                    <a:lstStyle/>
+                    <a:p>
+                      <a:pPr algn="ctr"/>
+                      <a:r>
+                        <a:rPr lang="en-US" dirty="0"/>
+                        <a:t>0.808</a:t>
+                      </a:r>
+                    </a:p>
+                  </a:txBody>
+                  <a:tcPr anchor="ctr"/>
+                </a:tc>
+                <a:tc>
+                  <a:txBody>
+                    <a:bodyPr/>
+                    <a:lstStyle/>
+                    <a:p>
+                      <a:pPr algn="ctr"/>
+                      <a:r>
+                        <a:rPr lang="en-US" dirty="0"/>
+                        <a:t>0.548</a:t>
+                      </a:r>
+                    </a:p>
+                  </a:txBody>
+                  <a:tcPr anchor="ctr"/>
+                </a:tc>
+                <a:tc>
+                  <a:txBody>
+                    <a:bodyPr/>
+                    <a:lstStyle/>
+                    <a:p>
+                      <a:pPr algn="ctr"/>
+                      <a:r>
+                        <a:rPr lang="en-US" dirty="0"/>
+                        <a:t>0.944</a:t>
+                      </a:r>
+                    </a:p>
+                  </a:txBody>
+                  <a:tcPr anchor="ctr"/>
+                </a:tc>
+                <a:tc>
+                  <a:txBody>
+                    <a:bodyPr/>
+                    <a:lstStyle/>
+                    <a:p>
+                      <a:pPr algn="ctr"/>
+                      <a:r>
+                        <a:rPr lang="en-US" dirty="0"/>
+                        <a:t>0.653</a:t>
+                      </a:r>
+                    </a:p>
+                  </a:txBody>
+                  <a:tcPr anchor="ctr"/>
+                </a:tc>
+                <a:tc>
+                  <a:txBody>
+                    <a:bodyPr/>
+                    <a:lstStyle/>
+                    <a:p>
+                      <a:pPr algn="ctr"/>
+                      <a:r>
+                        <a:rPr lang="en-US" dirty="0"/>
+                        <a:t>0.4004</a:t>
+                      </a:r>
                     </a:p>
                   </a:txBody>
                   <a:tcPr anchor="ctr"/>
@@ -37772,86 +37808,104 @@
                     <a:lstStyle/>
                     <a:p>
                       <a:pPr algn="ctr"/>
-                      <a:endParaRPr lang="en-US" dirty="0">
-                        <a:solidFill>
-                          <a:srgbClr val="FF0000"/>
-                        </a:solidFill>
-                      </a:endParaRPr>
-                    </a:p>
-                  </a:txBody>
-                  <a:tcPr anchor="ctr"/>
-                </a:tc>
-                <a:tc>
-                  <a:txBody>
-                    <a:bodyPr/>
-                    <a:lstStyle/>
-                    <a:p>
-                      <a:pPr algn="ctr"/>
-                      <a:endParaRPr lang="en-US" dirty="0">
-                        <a:solidFill>
-                          <a:srgbClr val="FF0000"/>
-                        </a:solidFill>
-                      </a:endParaRPr>
-                    </a:p>
-                  </a:txBody>
-                  <a:tcPr anchor="ctr"/>
-                </a:tc>
-                <a:tc>
-                  <a:txBody>
-                    <a:bodyPr/>
-                    <a:lstStyle/>
-                    <a:p>
-                      <a:pPr algn="ctr"/>
-                      <a:endParaRPr lang="en-US" dirty="0">
-                        <a:solidFill>
-                          <a:srgbClr val="FF0000"/>
-                        </a:solidFill>
-                      </a:endParaRPr>
-                    </a:p>
-                  </a:txBody>
-                  <a:tcPr anchor="ctr"/>
-                </a:tc>
-                <a:tc>
-                  <a:txBody>
-                    <a:bodyPr/>
-                    <a:lstStyle/>
-                    <a:p>
-                      <a:pPr algn="ctr"/>
-                      <a:endParaRPr lang="en-US" dirty="0">
-                        <a:solidFill>
-                          <a:srgbClr val="FF0000"/>
-                        </a:solidFill>
-                      </a:endParaRPr>
-                    </a:p>
-                  </a:txBody>
-                  <a:tcPr anchor="ctr"/>
-                </a:tc>
-                <a:tc>
-                  <a:txBody>
-                    <a:bodyPr/>
-                    <a:lstStyle/>
-                    <a:p>
-                      <a:pPr algn="ctr"/>
-                      <a:endParaRPr lang="en-US" dirty="0">
-                        <a:solidFill>
-                          <a:srgbClr val="FF0000"/>
-                        </a:solidFill>
-                      </a:endParaRPr>
-                    </a:p>
-                  </a:txBody>
-                  <a:tcPr anchor="ctr"/>
-                </a:tc>
-                <a:tc>
-                  <a:txBody>
-                    <a:bodyPr/>
-                    <a:lstStyle/>
-                    <a:p>
-                      <a:pPr algn="ctr"/>
-                      <a:endParaRPr lang="en-US" dirty="0">
-                        <a:solidFill>
-                          <a:srgbClr val="FF0000"/>
-                        </a:solidFill>
-                      </a:endParaRPr>
+                      <a:r>
+                        <a:rPr lang="en-US" dirty="0">
+                          <a:solidFill>
+                            <a:srgbClr val="FF0000"/>
+                          </a:solidFill>
+                        </a:rPr>
+                        <a:t>0.746</a:t>
+                      </a:r>
+                    </a:p>
+                  </a:txBody>
+                  <a:tcPr anchor="ctr"/>
+                </a:tc>
+                <a:tc>
+                  <a:txBody>
+                    <a:bodyPr/>
+                    <a:lstStyle/>
+                    <a:p>
+                      <a:pPr algn="ctr"/>
+                      <a:r>
+                        <a:rPr lang="en-US" dirty="0">
+                          <a:solidFill>
+                            <a:srgbClr val="FF0000"/>
+                          </a:solidFill>
+                        </a:rPr>
+                        <a:t>0.552</a:t>
+                      </a:r>
+                    </a:p>
+                  </a:txBody>
+                  <a:tcPr anchor="ctr"/>
+                </a:tc>
+                <a:tc>
+                  <a:txBody>
+                    <a:bodyPr/>
+                    <a:lstStyle/>
+                    <a:p>
+                      <a:pPr algn="ctr"/>
+                      <a:r>
+                        <a:rPr lang="en-US" dirty="0">
+                          <a:solidFill>
+                            <a:srgbClr val="FF0000"/>
+                          </a:solidFill>
+                        </a:rPr>
+                        <a:t>0.799</a:t>
+                      </a:r>
+                    </a:p>
+                  </a:txBody>
+                  <a:tcPr anchor="ctr"/>
+                </a:tc>
+                <a:tc>
+                  <a:txBody>
+                    <a:bodyPr/>
+                    <a:lstStyle/>
+                    <a:p>
+                      <a:pPr algn="ctr"/>
+                      <a:r>
+                        <a:rPr lang="en-US" dirty="0">
+                          <a:solidFill>
+                            <a:srgbClr val="FF0000"/>
+                          </a:solidFill>
+                        </a:rPr>
+                        <a:t>0.723</a:t>
+                      </a:r>
+                    </a:p>
+                  </a:txBody>
+                  <a:tcPr anchor="ctr"/>
+                </a:tc>
+                <a:tc>
+                  <a:txBody>
+                    <a:bodyPr/>
+                    <a:lstStyle/>
+                    <a:p>
+                      <a:pPr algn="ctr"/>
+                      <a:r>
+                        <a:rPr lang="en-US" dirty="0">
+                          <a:solidFill>
+                            <a:srgbClr val="FF0000"/>
+                          </a:solidFill>
+                        </a:rPr>
+                        <a:t>0.653</a:t>
+                      </a:r>
+                    </a:p>
+                  </a:txBody>
+                  <a:tcPr anchor="ctr"/>
+                </a:tc>
+                <a:tc>
+                  <a:txBody>
+                    <a:bodyPr/>
+                    <a:lstStyle/>
+                    <a:p>
+                      <a:pPr algn="ctr"/>
+                      <a:r>
+                        <a:rPr lang="en-US" dirty="0">
+                          <a:solidFill>
+                            <a:srgbClr val="FF0000"/>
+                          </a:solidFill>
+                        </a:rPr>
+                        <a:t>1.1484</a:t>
+                      </a:r>
                     </a:p>
                   </a:txBody>
                   <a:tcPr anchor="ctr"/>
@@ -37883,62 +37937,80 @@
                     <a:lstStyle/>
                     <a:p>
                       <a:pPr algn="ctr"/>
-                      <a:endParaRPr lang="en-US" dirty="0"/>
-                    </a:p>
-                  </a:txBody>
-                  <a:tcPr anchor="ctr"/>
-                </a:tc>
-                <a:tc>
-                  <a:txBody>
-                    <a:bodyPr/>
-                    <a:lstStyle/>
-                    <a:p>
-                      <a:pPr algn="ctr"/>
-                      <a:endParaRPr lang="en-US" dirty="0"/>
-                    </a:p>
-                  </a:txBody>
-                  <a:tcPr anchor="ctr"/>
-                </a:tc>
-                <a:tc>
-                  <a:txBody>
-                    <a:bodyPr/>
-                    <a:lstStyle/>
-                    <a:p>
-                      <a:pPr algn="ctr"/>
-                      <a:endParaRPr lang="en-US" dirty="0"/>
-                    </a:p>
-                  </a:txBody>
-                  <a:tcPr anchor="ctr"/>
-                </a:tc>
-                <a:tc>
-                  <a:txBody>
-                    <a:bodyPr/>
-                    <a:lstStyle/>
-                    <a:p>
-                      <a:pPr algn="ctr"/>
-                      <a:endParaRPr lang="en-US" dirty="0"/>
-                    </a:p>
-                  </a:txBody>
-                  <a:tcPr anchor="ctr"/>
-                </a:tc>
-                <a:tc>
-                  <a:txBody>
-                    <a:bodyPr/>
-                    <a:lstStyle/>
-                    <a:p>
-                      <a:pPr algn="ctr"/>
-                      <a:endParaRPr lang="en-US" dirty="0"/>
-                    </a:p>
-                  </a:txBody>
-                  <a:tcPr anchor="ctr"/>
-                </a:tc>
-                <a:tc>
-                  <a:txBody>
-                    <a:bodyPr/>
-                    <a:lstStyle/>
-                    <a:p>
-                      <a:pPr algn="ctr"/>
-                      <a:endParaRPr lang="en-US" dirty="0"/>
+                      <a:r>
+                        <a:rPr lang="en-US" dirty="0"/>
+                        <a:t>0.825</a:t>
+                      </a:r>
+                    </a:p>
+                  </a:txBody>
+                  <a:tcPr anchor="ctr"/>
+                </a:tc>
+                <a:tc>
+                  <a:txBody>
+                    <a:bodyPr/>
+                    <a:lstStyle/>
+                    <a:p>
+                      <a:pPr algn="ctr"/>
+                      <a:r>
+                        <a:rPr lang="en-US" dirty="0"/>
+                        <a:t>0.700</a:t>
+                      </a:r>
+                    </a:p>
+                  </a:txBody>
+                  <a:tcPr anchor="ctr"/>
+                </a:tc>
+                <a:tc>
+                  <a:txBody>
+                    <a:bodyPr/>
+                    <a:lstStyle/>
+                    <a:p>
+                      <a:pPr algn="ctr"/>
+                      <a:r>
+                        <a:rPr lang="en-US" dirty="0"/>
+                        <a:t>0.725</a:t>
+                      </a:r>
+                    </a:p>
+                  </a:txBody>
+                  <a:tcPr anchor="ctr"/>
+                </a:tc>
+                <a:tc>
+                  <a:txBody>
+                    <a:bodyPr/>
+                    <a:lstStyle/>
+                    <a:p>
+                      <a:pPr algn="ctr"/>
+                      <a:r>
+                        <a:rPr lang="en-US" dirty="0"/>
+                        <a:t>0.867</a:t>
+                      </a:r>
+                    </a:p>
+                  </a:txBody>
+                  <a:tcPr anchor="ctr"/>
+                </a:tc>
+                <a:tc>
+                  <a:txBody>
+                    <a:bodyPr/>
+                    <a:lstStyle/>
+                    <a:p>
+                      <a:pPr algn="ctr"/>
+                      <a:r>
+                        <a:rPr lang="en-US" dirty="0"/>
+                        <a:t>0.712</a:t>
+                      </a:r>
+                    </a:p>
+                  </a:txBody>
+                  <a:tcPr anchor="ctr"/>
+                </a:tc>
+                <a:tc>
+                  <a:txBody>
+                    <a:bodyPr/>
+                    <a:lstStyle/>
+                    <a:p>
+                      <a:pPr algn="ctr"/>
+                      <a:r>
+                        <a:rPr lang="en-US" dirty="0"/>
+                        <a:t>0.4099</a:t>
+                      </a:r>
                     </a:p>
                   </a:txBody>
                   <a:tcPr anchor="ctr"/>
@@ -37990,6 +38062,52 @@
                     <a:lstStyle/>
                     <a:p>
                       <a:pPr algn="ctr"/>
+                      <a:r>
+                        <a:rPr lang="en-US" dirty="0"/>
+                        <a:t>0.826</a:t>
+                      </a:r>
+                    </a:p>
+                  </a:txBody>
+                  <a:tcPr anchor="ctr"/>
+                </a:tc>
+                <a:tc>
+                  <a:txBody>
+                    <a:bodyPr/>
+                    <a:lstStyle/>
+                    <a:p>
+                      <a:pPr algn="ctr"/>
+                      <a:r>
+                        <a:rPr lang="en-US" dirty="0"/>
+                        <a:t>0.808</a:t>
+                      </a:r>
+                    </a:p>
+                  </a:txBody>
+                  <a:tcPr anchor="ctr"/>
+                </a:tc>
+                <a:tc>
+                  <a:txBody>
+                    <a:bodyPr/>
+                    <a:lstStyle/>
+                    <a:p>
+                      <a:pPr algn="ctr"/>
+                      <a:r>
+                        <a:rPr lang="en-US" dirty="0"/>
+                        <a:t>0.548</a:t>
+                      </a:r>
+                    </a:p>
+                  </a:txBody>
+                  <a:tcPr anchor="ctr"/>
+                </a:tc>
+                <a:tc>
+                  <a:txBody>
+                    <a:bodyPr/>
+                    <a:lstStyle/>
+                    <a:p>
+                      <a:pPr algn="ctr"/>
+                      <a:r>
+                        <a:rPr lang="en-US"/>
+                        <a:t>0.944</a:t>
+                      </a:r>
                       <a:endParaRPr lang="en-US" dirty="0"/>
                     </a:p>
                   </a:txBody>
@@ -38001,51 +38119,24 @@
                     <a:lstStyle/>
                     <a:p>
                       <a:pPr algn="ctr"/>
-                      <a:endParaRPr lang="en-US" dirty="0"/>
-                    </a:p>
-                  </a:txBody>
-                  <a:tcPr anchor="ctr"/>
-                </a:tc>
-                <a:tc>
-                  <a:txBody>
-                    <a:bodyPr/>
-                    <a:lstStyle/>
-                    <a:p>
-                      <a:pPr algn="ctr"/>
-                      <a:endParaRPr lang="en-US" dirty="0"/>
-                    </a:p>
-                  </a:txBody>
-                  <a:tcPr anchor="ctr"/>
-                </a:tc>
-                <a:tc>
-                  <a:txBody>
-                    <a:bodyPr/>
-                    <a:lstStyle/>
-                    <a:p>
-                      <a:pPr algn="ctr"/>
-                      <a:endParaRPr lang="en-US" dirty="0"/>
-                    </a:p>
-                  </a:txBody>
-                  <a:tcPr anchor="ctr"/>
-                </a:tc>
-                <a:tc>
-                  <a:txBody>
-                    <a:bodyPr/>
-                    <a:lstStyle/>
-                    <a:p>
-                      <a:pPr algn="ctr"/>
-                      <a:endParaRPr lang="en-US" dirty="0"/>
-                    </a:p>
-                  </a:txBody>
-                  <a:tcPr anchor="ctr"/>
-                </a:tc>
-                <a:tc>
-                  <a:txBody>
-                    <a:bodyPr/>
-                    <a:lstStyle/>
-                    <a:p>
-                      <a:pPr algn="ctr"/>
-                      <a:endParaRPr lang="en-US" dirty="0"/>
+                      <a:r>
+                        <a:rPr lang="en-US" dirty="0"/>
+                        <a:t>0.653</a:t>
+                      </a:r>
+                    </a:p>
+                  </a:txBody>
+                  <a:tcPr anchor="ctr"/>
+                </a:tc>
+                <a:tc>
+                  <a:txBody>
+                    <a:bodyPr/>
+                    <a:lstStyle/>
+                    <a:p>
+                      <a:pPr algn="ctr"/>
+                      <a:r>
+                        <a:rPr lang="en-US" dirty="0"/>
+                        <a:t>0.4004</a:t>
+                      </a:r>
                     </a:p>
                   </a:txBody>
                   <a:tcPr anchor="ctr"/>
@@ -38179,10 +38270,9 @@
                     <a:p>
                       <a:pPr algn="ctr"/>
                       <a:r>
-                        <a:rPr lang="en-US"/>
+                        <a:rPr lang="en-US" dirty="0"/>
                         <a:t>Gap</a:t>
                       </a:r>
-                      <a:endParaRPr lang="en-US" dirty="0"/>
                     </a:p>
                   </a:txBody>
                   <a:tcPr anchor="ctr"/>

--- a/BSD_Figures.pptx
+++ b/BSD_Figures.pptx
@@ -5,7 +5,7 @@
     <p:sldMasterId id="2147483648" r:id="rId1"/>
   </p:sldMasterIdLst>
   <p:notesMasterIdLst>
-    <p:notesMasterId r:id="rId89"/>
+    <p:notesMasterId r:id="rId93"/>
   </p:notesMasterIdLst>
   <p:sldIdLst>
     <p:sldId id="276" r:id="rId2"/>
@@ -92,9 +92,13 @@
     <p:sldId id="350" r:id="rId83"/>
     <p:sldId id="351" r:id="rId84"/>
     <p:sldId id="352" r:id="rId85"/>
-    <p:sldId id="353" r:id="rId86"/>
-    <p:sldId id="354" r:id="rId87"/>
-    <p:sldId id="355" r:id="rId88"/>
+    <p:sldId id="357" r:id="rId86"/>
+    <p:sldId id="358" r:id="rId87"/>
+    <p:sldId id="353" r:id="rId88"/>
+    <p:sldId id="354" r:id="rId89"/>
+    <p:sldId id="355" r:id="rId90"/>
+    <p:sldId id="359" r:id="rId91"/>
+    <p:sldId id="360" r:id="rId92"/>
   </p:sldIdLst>
   <p:sldSz cx="12192000" cy="6858000"/>
   <p:notesSz cx="6858000" cy="9144000"/>
@@ -38105,10 +38109,9 @@
                     <a:p>
                       <a:pPr algn="ctr"/>
                       <a:r>
-                        <a:rPr lang="en-US"/>
+                        <a:rPr lang="en-US" dirty="0"/>
                         <a:t>0.944</a:t>
                       </a:r>
-                      <a:endParaRPr lang="en-US" dirty="0"/>
                     </a:p>
                   </a:txBody>
                   <a:tcPr anchor="ctr"/>
@@ -42183,6 +42186,1500 @@
           <a:chExt cx="0" cy="0"/>
         </a:xfrm>
       </p:grpSpPr>
+      <p:graphicFrame>
+        <p:nvGraphicFramePr>
+          <p:cNvPr id="4" name="Table 3">
+            <a:extLst>
+              <a:ext uri="{FF2B5EF4-FFF2-40B4-BE49-F238E27FC236}">
+                <a16:creationId xmlns:a16="http://schemas.microsoft.com/office/drawing/2014/main" id="{F3634E9B-F616-E548-A703-16000F2DD0FF}"/>
+              </a:ext>
+            </a:extLst>
+          </p:cNvPr>
+          <p:cNvGraphicFramePr>
+            <a:graphicFrameLocks noGrp="1"/>
+          </p:cNvGraphicFramePr>
+          <p:nvPr>
+            <p:extLst>
+              <p:ext uri="{D42A27DB-BD31-4B8C-83A1-F6EECF244321}">
+                <p14:modId xmlns:p14="http://schemas.microsoft.com/office/powerpoint/2010/main" val="490210662"/>
+              </p:ext>
+            </p:extLst>
+          </p:nvPr>
+        </p:nvGraphicFramePr>
+        <p:xfrm>
+          <a:off x="674557" y="929527"/>
+          <a:ext cx="10942820" cy="4976599"/>
+        </p:xfrm>
+        <a:graphic>
+          <a:graphicData uri="http://schemas.openxmlformats.org/drawingml/2006/table">
+            <a:tbl>
+              <a:tblPr firstRow="1" bandRow="1">
+                <a:tableStyleId>{00A15C55-8517-42AA-B614-E9B94910E393}</a:tableStyleId>
+              </a:tblPr>
+              <a:tblGrid>
+                <a:gridCol w="1563260">
+                  <a:extLst>
+                    <a:ext uri="{9D8B030D-6E8A-4147-A177-3AD203B41FA5}">
+                      <a16:colId xmlns:a16="http://schemas.microsoft.com/office/drawing/2014/main" val="2272368709"/>
+                    </a:ext>
+                  </a:extLst>
+                </a:gridCol>
+                <a:gridCol w="1563260">
+                  <a:extLst>
+                    <a:ext uri="{9D8B030D-6E8A-4147-A177-3AD203B41FA5}">
+                      <a16:colId xmlns:a16="http://schemas.microsoft.com/office/drawing/2014/main" val="2235686462"/>
+                    </a:ext>
+                  </a:extLst>
+                </a:gridCol>
+                <a:gridCol w="1563260">
+                  <a:extLst>
+                    <a:ext uri="{9D8B030D-6E8A-4147-A177-3AD203B41FA5}">
+                      <a16:colId xmlns:a16="http://schemas.microsoft.com/office/drawing/2014/main" val="1061232007"/>
+                    </a:ext>
+                  </a:extLst>
+                </a:gridCol>
+                <a:gridCol w="1563260">
+                  <a:extLst>
+                    <a:ext uri="{9D8B030D-6E8A-4147-A177-3AD203B41FA5}">
+                      <a16:colId xmlns:a16="http://schemas.microsoft.com/office/drawing/2014/main" val="464967916"/>
+                    </a:ext>
+                  </a:extLst>
+                </a:gridCol>
+                <a:gridCol w="1563260">
+                  <a:extLst>
+                    <a:ext uri="{9D8B030D-6E8A-4147-A177-3AD203B41FA5}">
+                      <a16:colId xmlns:a16="http://schemas.microsoft.com/office/drawing/2014/main" val="3929012556"/>
+                    </a:ext>
+                  </a:extLst>
+                </a:gridCol>
+                <a:gridCol w="1563260">
+                  <a:extLst>
+                    <a:ext uri="{9D8B030D-6E8A-4147-A177-3AD203B41FA5}">
+                      <a16:colId xmlns:a16="http://schemas.microsoft.com/office/drawing/2014/main" val="3303028153"/>
+                    </a:ext>
+                  </a:extLst>
+                </a:gridCol>
+                <a:gridCol w="1563260">
+                  <a:extLst>
+                    <a:ext uri="{9D8B030D-6E8A-4147-A177-3AD203B41FA5}">
+                      <a16:colId xmlns:a16="http://schemas.microsoft.com/office/drawing/2014/main" val="4108006114"/>
+                    </a:ext>
+                  </a:extLst>
+                </a:gridCol>
+              </a:tblGrid>
+              <a:tr h="523804">
+                <a:tc>
+                  <a:txBody>
+                    <a:bodyPr/>
+                    <a:lstStyle/>
+                    <a:p>
+                      <a:pPr algn="ctr"/>
+                      <a:r>
+                        <a:rPr lang="en-US" dirty="0"/>
+                        <a:t>Junction</a:t>
+                      </a:r>
+                    </a:p>
+                  </a:txBody>
+                  <a:tcPr anchor="ctr"/>
+                </a:tc>
+                <a:tc>
+                  <a:txBody>
+                    <a:bodyPr/>
+                    <a:lstStyle/>
+                    <a:p>
+                      <a:pPr algn="ctr"/>
+                      <a:r>
+                        <a:rPr lang="en-US" dirty="0"/>
+                        <a:t>Accuracy</a:t>
+                      </a:r>
+                    </a:p>
+                  </a:txBody>
+                  <a:tcPr anchor="ctr"/>
+                </a:tc>
+                <a:tc>
+                  <a:txBody>
+                    <a:bodyPr/>
+                    <a:lstStyle/>
+                    <a:p>
+                      <a:pPr algn="ctr"/>
+                      <a:r>
+                        <a:rPr lang="en-US" dirty="0"/>
+                        <a:t>precision</a:t>
+                      </a:r>
+                    </a:p>
+                  </a:txBody>
+                  <a:tcPr anchor="ctr"/>
+                </a:tc>
+                <a:tc>
+                  <a:txBody>
+                    <a:bodyPr/>
+                    <a:lstStyle/>
+                    <a:p>
+                      <a:pPr algn="ctr"/>
+                      <a:r>
+                        <a:rPr lang="en-US" dirty="0"/>
+                        <a:t>recall</a:t>
+                      </a:r>
+                    </a:p>
+                  </a:txBody>
+                  <a:tcPr anchor="ctr"/>
+                </a:tc>
+                <a:tc>
+                  <a:txBody>
+                    <a:bodyPr/>
+                    <a:lstStyle/>
+                    <a:p>
+                      <a:pPr algn="ctr"/>
+                      <a:r>
+                        <a:rPr lang="en-US" dirty="0"/>
+                        <a:t>specificity</a:t>
+                      </a:r>
+                    </a:p>
+                  </a:txBody>
+                  <a:tcPr anchor="ctr"/>
+                </a:tc>
+                <a:tc>
+                  <a:txBody>
+                    <a:bodyPr/>
+                    <a:lstStyle/>
+                    <a:p>
+                      <a:pPr algn="ctr"/>
+                      <a:r>
+                        <a:rPr lang="en-US" dirty="0"/>
+                        <a:t>F1</a:t>
+                      </a:r>
+                    </a:p>
+                  </a:txBody>
+                  <a:tcPr anchor="ctr"/>
+                </a:tc>
+                <a:tc>
+                  <a:txBody>
+                    <a:bodyPr/>
+                    <a:lstStyle/>
+                    <a:p>
+                      <a:pPr algn="ctr"/>
+                      <a:r>
+                        <a:rPr lang="en-US" dirty="0"/>
+                        <a:t>loss</a:t>
+                      </a:r>
+                    </a:p>
+                  </a:txBody>
+                  <a:tcPr anchor="ctr"/>
+                </a:tc>
+                <a:extLst>
+                  <a:ext uri="{0D108BD9-81ED-4DB2-BD59-A6C34878D82A}">
+                    <a16:rowId xmlns:a16="http://schemas.microsoft.com/office/drawing/2014/main" val="2384826745"/>
+                  </a:ext>
+                </a:extLst>
+              </a:tr>
+              <a:tr h="904099">
+                <a:tc>
+                  <a:txBody>
+                    <a:bodyPr/>
+                    <a:lstStyle/>
+                    <a:p>
+                      <a:pPr algn="ctr"/>
+                      <a:r>
+                        <a:rPr lang="en-US" dirty="0"/>
+                        <a:t>resnet50_accuracy</a:t>
+                      </a:r>
+                    </a:p>
+                  </a:txBody>
+                  <a:tcPr anchor="ctr"/>
+                </a:tc>
+                <a:tc>
+                  <a:txBody>
+                    <a:bodyPr/>
+                    <a:lstStyle/>
+                    <a:p>
+                      <a:pPr algn="ctr"/>
+                      <a:r>
+                        <a:rPr lang="en-US" dirty="0"/>
+                        <a:t>0.738</a:t>
+                      </a:r>
+                    </a:p>
+                  </a:txBody>
+                  <a:tcPr anchor="ctr"/>
+                </a:tc>
+                <a:tc>
+                  <a:txBody>
+                    <a:bodyPr/>
+                    <a:lstStyle/>
+                    <a:p>
+                      <a:pPr algn="ctr"/>
+                      <a:r>
+                        <a:rPr lang="en-US" dirty="0"/>
+                        <a:t>0.826</a:t>
+                      </a:r>
+                    </a:p>
+                  </a:txBody>
+                  <a:tcPr anchor="ctr"/>
+                </a:tc>
+                <a:tc>
+                  <a:txBody>
+                    <a:bodyPr/>
+                    <a:lstStyle/>
+                    <a:p>
+                      <a:pPr algn="ctr"/>
+                      <a:r>
+                        <a:rPr lang="en-US" dirty="0"/>
+                        <a:t>0.487</a:t>
+                      </a:r>
+                    </a:p>
+                  </a:txBody>
+                  <a:tcPr anchor="ctr"/>
+                </a:tc>
+                <a:tc>
+                  <a:txBody>
+                    <a:bodyPr/>
+                    <a:lstStyle/>
+                    <a:p>
+                      <a:pPr algn="ctr"/>
+                      <a:r>
+                        <a:rPr lang="en-US" dirty="0"/>
+                        <a:t>0.924</a:t>
+                      </a:r>
+                    </a:p>
+                  </a:txBody>
+                  <a:tcPr anchor="ctr"/>
+                </a:tc>
+                <a:tc>
+                  <a:txBody>
+                    <a:bodyPr/>
+                    <a:lstStyle/>
+                    <a:p>
+                      <a:pPr algn="ctr"/>
+                      <a:r>
+                        <a:rPr lang="en-US" dirty="0"/>
+                        <a:t>0.613</a:t>
+                      </a:r>
+                    </a:p>
+                  </a:txBody>
+                  <a:tcPr anchor="ctr"/>
+                </a:tc>
+                <a:tc>
+                  <a:txBody>
+                    <a:bodyPr/>
+                    <a:lstStyle/>
+                    <a:p>
+                      <a:pPr algn="ctr"/>
+                      <a:r>
+                        <a:rPr lang="en-US" dirty="0"/>
+                        <a:t>0.5908</a:t>
+                      </a:r>
+                    </a:p>
+                  </a:txBody>
+                  <a:tcPr anchor="ctr"/>
+                </a:tc>
+                <a:extLst>
+                  <a:ext uri="{0D108BD9-81ED-4DB2-BD59-A6C34878D82A}">
+                    <a16:rowId xmlns:a16="http://schemas.microsoft.com/office/drawing/2014/main" val="1449166203"/>
+                  </a:ext>
+                </a:extLst>
+              </a:tr>
+              <a:tr h="887174">
+                <a:tc>
+                  <a:txBody>
+                    <a:bodyPr/>
+                    <a:lstStyle/>
+                    <a:p>
+                      <a:pPr algn="ctr"/>
+                      <a:r>
+                        <a:rPr lang="en-US" dirty="0"/>
+                        <a:t>resnet50_precision</a:t>
+                      </a:r>
+                    </a:p>
+                  </a:txBody>
+                  <a:tcPr anchor="ctr"/>
+                </a:tc>
+                <a:tc>
+                  <a:txBody>
+                    <a:bodyPr/>
+                    <a:lstStyle/>
+                    <a:p>
+                      <a:pPr algn="ctr"/>
+                      <a:r>
+                        <a:rPr lang="en-US" dirty="0"/>
+                        <a:t>0.717</a:t>
+                      </a:r>
+                    </a:p>
+                  </a:txBody>
+                  <a:tcPr anchor="ctr"/>
+                </a:tc>
+                <a:tc>
+                  <a:txBody>
+                    <a:bodyPr/>
+                    <a:lstStyle/>
+                    <a:p>
+                      <a:pPr algn="ctr"/>
+                      <a:r>
+                        <a:rPr lang="en-US" dirty="0"/>
+                        <a:t>0.873</a:t>
+                      </a:r>
+                    </a:p>
+                  </a:txBody>
+                  <a:tcPr anchor="ctr"/>
+                </a:tc>
+                <a:tc>
+                  <a:txBody>
+                    <a:bodyPr/>
+                    <a:lstStyle/>
+                    <a:p>
+                      <a:pPr algn="ctr"/>
+                      <a:r>
+                        <a:rPr lang="en-US" dirty="0"/>
+                        <a:t>0.392</a:t>
+                      </a:r>
+                    </a:p>
+                  </a:txBody>
+                  <a:tcPr anchor="ctr"/>
+                </a:tc>
+                <a:tc>
+                  <a:txBody>
+                    <a:bodyPr/>
+                    <a:lstStyle/>
+                    <a:p>
+                      <a:pPr algn="ctr"/>
+                      <a:r>
+                        <a:rPr lang="en-US" dirty="0"/>
+                        <a:t>0.958</a:t>
+                      </a:r>
+                    </a:p>
+                  </a:txBody>
+                  <a:tcPr anchor="ctr"/>
+                </a:tc>
+                <a:tc>
+                  <a:txBody>
+                    <a:bodyPr/>
+                    <a:lstStyle/>
+                    <a:p>
+                      <a:pPr algn="ctr"/>
+                      <a:r>
+                        <a:rPr lang="en-US" dirty="0"/>
+                        <a:t>0.541</a:t>
+                      </a:r>
+                    </a:p>
+                  </a:txBody>
+                  <a:tcPr anchor="ctr"/>
+                </a:tc>
+                <a:tc>
+                  <a:txBody>
+                    <a:bodyPr/>
+                    <a:lstStyle/>
+                    <a:p>
+                      <a:pPr algn="ctr"/>
+                      <a:r>
+                        <a:rPr lang="en-US" dirty="0"/>
+                        <a:t>0.5967</a:t>
+                      </a:r>
+                    </a:p>
+                  </a:txBody>
+                  <a:tcPr anchor="ctr"/>
+                </a:tc>
+                <a:extLst>
+                  <a:ext uri="{0D108BD9-81ED-4DB2-BD59-A6C34878D82A}">
+                    <a16:rowId xmlns:a16="http://schemas.microsoft.com/office/drawing/2014/main" val="4164655960"/>
+                  </a:ext>
+                </a:extLst>
+              </a:tr>
+              <a:tr h="887174">
+                <a:tc>
+                  <a:txBody>
+                    <a:bodyPr/>
+                    <a:lstStyle/>
+                    <a:p>
+                      <a:pPr algn="ctr"/>
+                      <a:r>
+                        <a:rPr lang="en-US" dirty="0"/>
+                        <a:t>resnet50_recall</a:t>
+                      </a:r>
+                      <a:endParaRPr lang="en-US" dirty="0">
+                        <a:solidFill>
+                          <a:srgbClr val="FF0000"/>
+                        </a:solidFill>
+                      </a:endParaRPr>
+                    </a:p>
+                  </a:txBody>
+                  <a:tcPr anchor="ctr"/>
+                </a:tc>
+                <a:tc>
+                  <a:txBody>
+                    <a:bodyPr/>
+                    <a:lstStyle/>
+                    <a:p>
+                      <a:pPr algn="ctr"/>
+                      <a:r>
+                        <a:rPr lang="en-US" dirty="0">
+                          <a:solidFill>
+                            <a:srgbClr val="FF0000"/>
+                          </a:solidFill>
+                        </a:rPr>
+                        <a:t>0.694</a:t>
+                      </a:r>
+                    </a:p>
+                  </a:txBody>
+                  <a:tcPr anchor="ctr"/>
+                </a:tc>
+                <a:tc>
+                  <a:txBody>
+                    <a:bodyPr/>
+                    <a:lstStyle/>
+                    <a:p>
+                      <a:pPr algn="ctr"/>
+                      <a:r>
+                        <a:rPr lang="en-US" dirty="0">
+                          <a:solidFill>
+                            <a:srgbClr val="FF0000"/>
+                          </a:solidFill>
+                        </a:rPr>
+                        <a:t>0.621</a:t>
+                      </a:r>
+                    </a:p>
+                  </a:txBody>
+                  <a:tcPr anchor="ctr"/>
+                </a:tc>
+                <a:tc>
+                  <a:txBody>
+                    <a:bodyPr/>
+                    <a:lstStyle/>
+                    <a:p>
+                      <a:pPr algn="ctr"/>
+                      <a:r>
+                        <a:rPr lang="en-US" dirty="0">
+                          <a:solidFill>
+                            <a:srgbClr val="FF0000"/>
+                          </a:solidFill>
+                        </a:rPr>
+                        <a:t>0.721</a:t>
+                      </a:r>
+                    </a:p>
+                  </a:txBody>
+                  <a:tcPr anchor="ctr"/>
+                </a:tc>
+                <a:tc>
+                  <a:txBody>
+                    <a:bodyPr/>
+                    <a:lstStyle/>
+                    <a:p>
+                      <a:pPr algn="ctr"/>
+                      <a:r>
+                        <a:rPr lang="en-US" dirty="0">
+                          <a:solidFill>
+                            <a:srgbClr val="FF0000"/>
+                          </a:solidFill>
+                        </a:rPr>
+                        <a:t>0.673</a:t>
+                      </a:r>
+                    </a:p>
+                  </a:txBody>
+                  <a:tcPr anchor="ctr"/>
+                </a:tc>
+                <a:tc>
+                  <a:txBody>
+                    <a:bodyPr/>
+                    <a:lstStyle/>
+                    <a:p>
+                      <a:pPr algn="ctr"/>
+                      <a:r>
+                        <a:rPr lang="en-US" dirty="0">
+                          <a:solidFill>
+                            <a:srgbClr val="FF0000"/>
+                          </a:solidFill>
+                        </a:rPr>
+                        <a:t>0.667</a:t>
+                      </a:r>
+                    </a:p>
+                  </a:txBody>
+                  <a:tcPr anchor="ctr"/>
+                </a:tc>
+                <a:tc>
+                  <a:txBody>
+                    <a:bodyPr/>
+                    <a:lstStyle/>
+                    <a:p>
+                      <a:pPr algn="ctr"/>
+                      <a:r>
+                        <a:rPr lang="en-US" dirty="0">
+                          <a:solidFill>
+                            <a:srgbClr val="FF0000"/>
+                          </a:solidFill>
+                        </a:rPr>
+                        <a:t>1.2624</a:t>
+                      </a:r>
+                    </a:p>
+                  </a:txBody>
+                  <a:tcPr anchor="ctr"/>
+                </a:tc>
+                <a:extLst>
+                  <a:ext uri="{0D108BD9-81ED-4DB2-BD59-A6C34878D82A}">
+                    <a16:rowId xmlns:a16="http://schemas.microsoft.com/office/drawing/2014/main" val="2775775737"/>
+                  </a:ext>
+                </a:extLst>
+              </a:tr>
+              <a:tr h="887174">
+                <a:tc>
+                  <a:txBody>
+                    <a:bodyPr/>
+                    <a:lstStyle/>
+                    <a:p>
+                      <a:pPr algn="ctr"/>
+                      <a:r>
+                        <a:rPr lang="en-US" dirty="0"/>
+                        <a:t>resnet50_F1</a:t>
+                      </a:r>
+                    </a:p>
+                  </a:txBody>
+                  <a:tcPr anchor="ctr"/>
+                </a:tc>
+                <a:tc>
+                  <a:txBody>
+                    <a:bodyPr/>
+                    <a:lstStyle/>
+                    <a:p>
+                      <a:pPr algn="ctr"/>
+                      <a:r>
+                        <a:rPr lang="en-US" dirty="0"/>
+                        <a:t>0.741</a:t>
+                      </a:r>
+                    </a:p>
+                  </a:txBody>
+                  <a:tcPr anchor="ctr"/>
+                </a:tc>
+                <a:tc>
+                  <a:txBody>
+                    <a:bodyPr/>
+                    <a:lstStyle/>
+                    <a:p>
+                      <a:pPr algn="ctr"/>
+                      <a:r>
+                        <a:rPr lang="en-US" dirty="0"/>
+                        <a:t>0.773</a:t>
+                      </a:r>
+                    </a:p>
+                  </a:txBody>
+                  <a:tcPr anchor="ctr"/>
+                </a:tc>
+                <a:tc>
+                  <a:txBody>
+                    <a:bodyPr/>
+                    <a:lstStyle/>
+                    <a:p>
+                      <a:pPr algn="ctr"/>
+                      <a:r>
+                        <a:rPr lang="en-US" dirty="0"/>
+                        <a:t>0.554</a:t>
+                      </a:r>
+                    </a:p>
+                  </a:txBody>
+                  <a:tcPr anchor="ctr"/>
+                </a:tc>
+                <a:tc>
+                  <a:txBody>
+                    <a:bodyPr/>
+                    <a:lstStyle/>
+                    <a:p>
+                      <a:pPr algn="ctr"/>
+                      <a:r>
+                        <a:rPr lang="en-US" dirty="0"/>
+                        <a:t>0.879</a:t>
+                      </a:r>
+                    </a:p>
+                  </a:txBody>
+                  <a:tcPr anchor="ctr"/>
+                </a:tc>
+                <a:tc>
+                  <a:txBody>
+                    <a:bodyPr/>
+                    <a:lstStyle/>
+                    <a:p>
+                      <a:pPr algn="ctr"/>
+                      <a:r>
+                        <a:rPr lang="en-US" dirty="0"/>
+                        <a:t>0.646</a:t>
+                      </a:r>
+                    </a:p>
+                  </a:txBody>
+                  <a:tcPr anchor="ctr"/>
+                </a:tc>
+                <a:tc>
+                  <a:txBody>
+                    <a:bodyPr/>
+                    <a:lstStyle/>
+                    <a:p>
+                      <a:pPr algn="ctr"/>
+                      <a:r>
+                        <a:rPr lang="en-US" dirty="0"/>
+                        <a:t>0.5312</a:t>
+                      </a:r>
+                    </a:p>
+                  </a:txBody>
+                  <a:tcPr anchor="ctr"/>
+                </a:tc>
+                <a:extLst>
+                  <a:ext uri="{0D108BD9-81ED-4DB2-BD59-A6C34878D82A}">
+                    <a16:rowId xmlns:a16="http://schemas.microsoft.com/office/drawing/2014/main" val="618446083"/>
+                  </a:ext>
+                </a:extLst>
+              </a:tr>
+              <a:tr h="887174">
+                <a:tc>
+                  <a:txBody>
+                    <a:bodyPr/>
+                    <a:lstStyle/>
+                    <a:p>
+                      <a:pPr marL="0" marR="0" lvl="0" indent="0" algn="ctr" defTabSz="914400" rtl="0" eaLnBrk="1" fontAlgn="auto" latinLnBrk="0" hangingPunct="1">
+                        <a:lnSpc>
+                          <a:spcPct val="100000"/>
+                        </a:lnSpc>
+                        <a:spcBef>
+                          <a:spcPts val="0"/>
+                        </a:spcBef>
+                        <a:spcAft>
+                          <a:spcPts val="0"/>
+                        </a:spcAft>
+                        <a:buClrTx/>
+                        <a:buSzTx/>
+                        <a:buFontTx/>
+                        <a:buNone/>
+                        <a:tabLst/>
+                        <a:defRPr/>
+                      </a:pPr>
+                      <a:r>
+                        <a:rPr lang="en-US" dirty="0"/>
+                        <a:t>resnet50_loss</a:t>
+                      </a:r>
+                    </a:p>
+                    <a:p>
+                      <a:pPr algn="ctr"/>
+                      <a:endParaRPr lang="en-US" dirty="0"/>
+                    </a:p>
+                  </a:txBody>
+                  <a:tcPr anchor="ctr"/>
+                </a:tc>
+                <a:tc>
+                  <a:txBody>
+                    <a:bodyPr/>
+                    <a:lstStyle/>
+                    <a:p>
+                      <a:pPr algn="ctr"/>
+                      <a:r>
+                        <a:rPr lang="en-US" dirty="0"/>
+                        <a:t>0.717</a:t>
+                      </a:r>
+                    </a:p>
+                  </a:txBody>
+                  <a:tcPr anchor="ctr"/>
+                </a:tc>
+                <a:tc>
+                  <a:txBody>
+                    <a:bodyPr/>
+                    <a:lstStyle/>
+                    <a:p>
+                      <a:pPr algn="ctr"/>
+                      <a:r>
+                        <a:rPr lang="en-US" dirty="0"/>
+                        <a:t>0.873</a:t>
+                      </a:r>
+                    </a:p>
+                  </a:txBody>
+                  <a:tcPr anchor="ctr"/>
+                </a:tc>
+                <a:tc>
+                  <a:txBody>
+                    <a:bodyPr/>
+                    <a:lstStyle/>
+                    <a:p>
+                      <a:pPr algn="ctr"/>
+                      <a:r>
+                        <a:rPr lang="en-US" dirty="0"/>
+                        <a:t>0.392</a:t>
+                      </a:r>
+                    </a:p>
+                  </a:txBody>
+                  <a:tcPr anchor="ctr"/>
+                </a:tc>
+                <a:tc>
+                  <a:txBody>
+                    <a:bodyPr/>
+                    <a:lstStyle/>
+                    <a:p>
+                      <a:pPr algn="ctr"/>
+                      <a:r>
+                        <a:rPr lang="en-US" dirty="0"/>
+                        <a:t>0.958</a:t>
+                      </a:r>
+                    </a:p>
+                  </a:txBody>
+                  <a:tcPr anchor="ctr"/>
+                </a:tc>
+                <a:tc>
+                  <a:txBody>
+                    <a:bodyPr/>
+                    <a:lstStyle/>
+                    <a:p>
+                      <a:pPr algn="ctr"/>
+                      <a:r>
+                        <a:rPr lang="en-US" dirty="0"/>
+                        <a:t>0.541</a:t>
+                      </a:r>
+                    </a:p>
+                  </a:txBody>
+                  <a:tcPr anchor="ctr"/>
+                </a:tc>
+                <a:tc>
+                  <a:txBody>
+                    <a:bodyPr/>
+                    <a:lstStyle/>
+                    <a:p>
+                      <a:pPr algn="ctr"/>
+                      <a:r>
+                        <a:rPr lang="en-US" dirty="0"/>
+                        <a:t>0.5967</a:t>
+                      </a:r>
+                    </a:p>
+                  </a:txBody>
+                  <a:tcPr anchor="ctr"/>
+                </a:tc>
+                <a:extLst>
+                  <a:ext uri="{0D108BD9-81ED-4DB2-BD59-A6C34878D82A}">
+                    <a16:rowId xmlns:a16="http://schemas.microsoft.com/office/drawing/2014/main" val="872347479"/>
+                  </a:ext>
+                </a:extLst>
+              </a:tr>
+            </a:tbl>
+          </a:graphicData>
+        </a:graphic>
+      </p:graphicFrame>
+    </p:spTree>
+    <p:extLst>
+      <p:ext uri="{BB962C8B-B14F-4D97-AF65-F5344CB8AC3E}">
+        <p14:creationId xmlns:p14="http://schemas.microsoft.com/office/powerpoint/2010/main" val="545480831"/>
+      </p:ext>
+    </p:extLst>
+  </p:cSld>
+  <p:clrMapOvr>
+    <a:masterClrMapping/>
+  </p:clrMapOvr>
+</p:sld>
+</file>
+
+<file path=ppt/slides/slide86.xml><?xml version="1.0" encoding="utf-8"?>
+<p:sld xmlns:a="http://schemas.openxmlformats.org/drawingml/2006/main" xmlns:r="http://schemas.openxmlformats.org/officeDocument/2006/relationships" xmlns:p="http://schemas.openxmlformats.org/presentationml/2006/main">
+  <p:cSld>
+    <p:spTree>
+      <p:nvGrpSpPr>
+        <p:cNvPr id="1" name=""/>
+        <p:cNvGrpSpPr/>
+        <p:nvPr/>
+      </p:nvGrpSpPr>
+      <p:grpSpPr>
+        <a:xfrm>
+          <a:off x="0" y="0"/>
+          <a:ext cx="0" cy="0"/>
+          <a:chOff x="0" y="0"/>
+          <a:chExt cx="0" cy="0"/>
+        </a:xfrm>
+      </p:grpSpPr>
+      <p:graphicFrame>
+        <p:nvGraphicFramePr>
+          <p:cNvPr id="4" name="Table 3">
+            <a:extLst>
+              <a:ext uri="{FF2B5EF4-FFF2-40B4-BE49-F238E27FC236}">
+                <a16:creationId xmlns:a16="http://schemas.microsoft.com/office/drawing/2014/main" id="{F3634E9B-F616-E548-A703-16000F2DD0FF}"/>
+              </a:ext>
+            </a:extLst>
+          </p:cNvPr>
+          <p:cNvGraphicFramePr>
+            <a:graphicFrameLocks noGrp="1"/>
+          </p:cNvGraphicFramePr>
+          <p:nvPr>
+            <p:extLst/>
+          </p:nvPr>
+        </p:nvGraphicFramePr>
+        <p:xfrm>
+          <a:off x="674557" y="929527"/>
+          <a:ext cx="10942820" cy="4976599"/>
+        </p:xfrm>
+        <a:graphic>
+          <a:graphicData uri="http://schemas.openxmlformats.org/drawingml/2006/table">
+            <a:tbl>
+              <a:tblPr firstRow="1" bandRow="1">
+                <a:tableStyleId>{00A15C55-8517-42AA-B614-E9B94910E393}</a:tableStyleId>
+              </a:tblPr>
+              <a:tblGrid>
+                <a:gridCol w="1563260">
+                  <a:extLst>
+                    <a:ext uri="{9D8B030D-6E8A-4147-A177-3AD203B41FA5}">
+                      <a16:colId xmlns:a16="http://schemas.microsoft.com/office/drawing/2014/main" val="2272368709"/>
+                    </a:ext>
+                  </a:extLst>
+                </a:gridCol>
+                <a:gridCol w="1563260">
+                  <a:extLst>
+                    <a:ext uri="{9D8B030D-6E8A-4147-A177-3AD203B41FA5}">
+                      <a16:colId xmlns:a16="http://schemas.microsoft.com/office/drawing/2014/main" val="2235686462"/>
+                    </a:ext>
+                  </a:extLst>
+                </a:gridCol>
+                <a:gridCol w="1563260">
+                  <a:extLst>
+                    <a:ext uri="{9D8B030D-6E8A-4147-A177-3AD203B41FA5}">
+                      <a16:colId xmlns:a16="http://schemas.microsoft.com/office/drawing/2014/main" val="1061232007"/>
+                    </a:ext>
+                  </a:extLst>
+                </a:gridCol>
+                <a:gridCol w="1563260">
+                  <a:extLst>
+                    <a:ext uri="{9D8B030D-6E8A-4147-A177-3AD203B41FA5}">
+                      <a16:colId xmlns:a16="http://schemas.microsoft.com/office/drawing/2014/main" val="464967916"/>
+                    </a:ext>
+                  </a:extLst>
+                </a:gridCol>
+                <a:gridCol w="1563260">
+                  <a:extLst>
+                    <a:ext uri="{9D8B030D-6E8A-4147-A177-3AD203B41FA5}">
+                      <a16:colId xmlns:a16="http://schemas.microsoft.com/office/drawing/2014/main" val="3929012556"/>
+                    </a:ext>
+                  </a:extLst>
+                </a:gridCol>
+                <a:gridCol w="1563260">
+                  <a:extLst>
+                    <a:ext uri="{9D8B030D-6E8A-4147-A177-3AD203B41FA5}">
+                      <a16:colId xmlns:a16="http://schemas.microsoft.com/office/drawing/2014/main" val="3303028153"/>
+                    </a:ext>
+                  </a:extLst>
+                </a:gridCol>
+                <a:gridCol w="1563260">
+                  <a:extLst>
+                    <a:ext uri="{9D8B030D-6E8A-4147-A177-3AD203B41FA5}">
+                      <a16:colId xmlns:a16="http://schemas.microsoft.com/office/drawing/2014/main" val="4108006114"/>
+                    </a:ext>
+                  </a:extLst>
+                </a:gridCol>
+              </a:tblGrid>
+              <a:tr h="523804">
+                <a:tc>
+                  <a:txBody>
+                    <a:bodyPr/>
+                    <a:lstStyle/>
+                    <a:p>
+                      <a:pPr algn="ctr"/>
+                      <a:r>
+                        <a:rPr lang="en-US" dirty="0"/>
+                        <a:t>Gap</a:t>
+                      </a:r>
+                    </a:p>
+                  </a:txBody>
+                  <a:tcPr anchor="ctr"/>
+                </a:tc>
+                <a:tc>
+                  <a:txBody>
+                    <a:bodyPr/>
+                    <a:lstStyle/>
+                    <a:p>
+                      <a:pPr algn="ctr"/>
+                      <a:r>
+                        <a:rPr lang="en-US" dirty="0"/>
+                        <a:t>Accuracy</a:t>
+                      </a:r>
+                    </a:p>
+                  </a:txBody>
+                  <a:tcPr anchor="ctr"/>
+                </a:tc>
+                <a:tc>
+                  <a:txBody>
+                    <a:bodyPr/>
+                    <a:lstStyle/>
+                    <a:p>
+                      <a:pPr algn="ctr"/>
+                      <a:r>
+                        <a:rPr lang="en-US" dirty="0"/>
+                        <a:t>precision</a:t>
+                      </a:r>
+                    </a:p>
+                  </a:txBody>
+                  <a:tcPr anchor="ctr"/>
+                </a:tc>
+                <a:tc>
+                  <a:txBody>
+                    <a:bodyPr/>
+                    <a:lstStyle/>
+                    <a:p>
+                      <a:pPr algn="ctr"/>
+                      <a:r>
+                        <a:rPr lang="en-US" dirty="0"/>
+                        <a:t>recall</a:t>
+                      </a:r>
+                    </a:p>
+                  </a:txBody>
+                  <a:tcPr anchor="ctr"/>
+                </a:tc>
+                <a:tc>
+                  <a:txBody>
+                    <a:bodyPr/>
+                    <a:lstStyle/>
+                    <a:p>
+                      <a:pPr algn="ctr"/>
+                      <a:r>
+                        <a:rPr lang="en-US" dirty="0"/>
+                        <a:t>specificity</a:t>
+                      </a:r>
+                    </a:p>
+                  </a:txBody>
+                  <a:tcPr anchor="ctr"/>
+                </a:tc>
+                <a:tc>
+                  <a:txBody>
+                    <a:bodyPr/>
+                    <a:lstStyle/>
+                    <a:p>
+                      <a:pPr algn="ctr"/>
+                      <a:r>
+                        <a:rPr lang="en-US" dirty="0"/>
+                        <a:t>F1</a:t>
+                      </a:r>
+                    </a:p>
+                  </a:txBody>
+                  <a:tcPr anchor="ctr"/>
+                </a:tc>
+                <a:tc>
+                  <a:txBody>
+                    <a:bodyPr/>
+                    <a:lstStyle/>
+                    <a:p>
+                      <a:pPr algn="ctr"/>
+                      <a:r>
+                        <a:rPr lang="en-US" dirty="0"/>
+                        <a:t>loss</a:t>
+                      </a:r>
+                    </a:p>
+                  </a:txBody>
+                  <a:tcPr anchor="ctr"/>
+                </a:tc>
+                <a:extLst>
+                  <a:ext uri="{0D108BD9-81ED-4DB2-BD59-A6C34878D82A}">
+                    <a16:rowId xmlns:a16="http://schemas.microsoft.com/office/drawing/2014/main" val="2384826745"/>
+                  </a:ext>
+                </a:extLst>
+              </a:tr>
+              <a:tr h="904099">
+                <a:tc>
+                  <a:txBody>
+                    <a:bodyPr/>
+                    <a:lstStyle/>
+                    <a:p>
+                      <a:pPr algn="ctr"/>
+                      <a:r>
+                        <a:rPr lang="en-US" dirty="0"/>
+                        <a:t>resnet50_accuracy</a:t>
+                      </a:r>
+                    </a:p>
+                  </a:txBody>
+                  <a:tcPr anchor="ctr"/>
+                </a:tc>
+                <a:tc>
+                  <a:txBody>
+                    <a:bodyPr/>
+                    <a:lstStyle/>
+                    <a:p>
+                      <a:pPr algn="ctr"/>
+                      <a:endParaRPr lang="en-US" dirty="0"/>
+                    </a:p>
+                  </a:txBody>
+                  <a:tcPr anchor="ctr"/>
+                </a:tc>
+                <a:tc>
+                  <a:txBody>
+                    <a:bodyPr/>
+                    <a:lstStyle/>
+                    <a:p>
+                      <a:pPr algn="ctr"/>
+                      <a:endParaRPr lang="en-US" dirty="0"/>
+                    </a:p>
+                  </a:txBody>
+                  <a:tcPr anchor="ctr"/>
+                </a:tc>
+                <a:tc>
+                  <a:txBody>
+                    <a:bodyPr/>
+                    <a:lstStyle/>
+                    <a:p>
+                      <a:pPr algn="ctr"/>
+                      <a:endParaRPr lang="en-US" dirty="0"/>
+                    </a:p>
+                  </a:txBody>
+                  <a:tcPr anchor="ctr"/>
+                </a:tc>
+                <a:tc>
+                  <a:txBody>
+                    <a:bodyPr/>
+                    <a:lstStyle/>
+                    <a:p>
+                      <a:pPr algn="ctr"/>
+                      <a:endParaRPr lang="en-US" dirty="0"/>
+                    </a:p>
+                  </a:txBody>
+                  <a:tcPr anchor="ctr"/>
+                </a:tc>
+                <a:tc>
+                  <a:txBody>
+                    <a:bodyPr/>
+                    <a:lstStyle/>
+                    <a:p>
+                      <a:pPr algn="ctr"/>
+                      <a:endParaRPr lang="en-US" dirty="0"/>
+                    </a:p>
+                  </a:txBody>
+                  <a:tcPr anchor="ctr"/>
+                </a:tc>
+                <a:tc>
+                  <a:txBody>
+                    <a:bodyPr/>
+                    <a:lstStyle/>
+                    <a:p>
+                      <a:pPr algn="ctr"/>
+                      <a:endParaRPr lang="en-US" dirty="0"/>
+                    </a:p>
+                  </a:txBody>
+                  <a:tcPr anchor="ctr"/>
+                </a:tc>
+                <a:extLst>
+                  <a:ext uri="{0D108BD9-81ED-4DB2-BD59-A6C34878D82A}">
+                    <a16:rowId xmlns:a16="http://schemas.microsoft.com/office/drawing/2014/main" val="1449166203"/>
+                  </a:ext>
+                </a:extLst>
+              </a:tr>
+              <a:tr h="887174">
+                <a:tc>
+                  <a:txBody>
+                    <a:bodyPr/>
+                    <a:lstStyle/>
+                    <a:p>
+                      <a:pPr algn="ctr"/>
+                      <a:r>
+                        <a:rPr lang="en-US" dirty="0"/>
+                        <a:t>resnet50_precision</a:t>
+                      </a:r>
+                    </a:p>
+                  </a:txBody>
+                  <a:tcPr anchor="ctr"/>
+                </a:tc>
+                <a:tc>
+                  <a:txBody>
+                    <a:bodyPr/>
+                    <a:lstStyle/>
+                    <a:p>
+                      <a:pPr algn="ctr"/>
+                      <a:endParaRPr lang="en-US" dirty="0"/>
+                    </a:p>
+                  </a:txBody>
+                  <a:tcPr anchor="ctr"/>
+                </a:tc>
+                <a:tc>
+                  <a:txBody>
+                    <a:bodyPr/>
+                    <a:lstStyle/>
+                    <a:p>
+                      <a:pPr algn="ctr"/>
+                      <a:endParaRPr lang="en-US" dirty="0"/>
+                    </a:p>
+                  </a:txBody>
+                  <a:tcPr anchor="ctr"/>
+                </a:tc>
+                <a:tc>
+                  <a:txBody>
+                    <a:bodyPr/>
+                    <a:lstStyle/>
+                    <a:p>
+                      <a:pPr algn="ctr"/>
+                      <a:endParaRPr lang="en-US" dirty="0"/>
+                    </a:p>
+                  </a:txBody>
+                  <a:tcPr anchor="ctr"/>
+                </a:tc>
+                <a:tc>
+                  <a:txBody>
+                    <a:bodyPr/>
+                    <a:lstStyle/>
+                    <a:p>
+                      <a:pPr algn="ctr"/>
+                      <a:endParaRPr lang="en-US" dirty="0"/>
+                    </a:p>
+                  </a:txBody>
+                  <a:tcPr anchor="ctr"/>
+                </a:tc>
+                <a:tc>
+                  <a:txBody>
+                    <a:bodyPr/>
+                    <a:lstStyle/>
+                    <a:p>
+                      <a:pPr algn="ctr"/>
+                      <a:endParaRPr lang="en-US" dirty="0"/>
+                    </a:p>
+                  </a:txBody>
+                  <a:tcPr anchor="ctr"/>
+                </a:tc>
+                <a:tc>
+                  <a:txBody>
+                    <a:bodyPr/>
+                    <a:lstStyle/>
+                    <a:p>
+                      <a:pPr algn="ctr"/>
+                      <a:endParaRPr lang="en-US" dirty="0"/>
+                    </a:p>
+                  </a:txBody>
+                  <a:tcPr anchor="ctr"/>
+                </a:tc>
+                <a:extLst>
+                  <a:ext uri="{0D108BD9-81ED-4DB2-BD59-A6C34878D82A}">
+                    <a16:rowId xmlns:a16="http://schemas.microsoft.com/office/drawing/2014/main" val="4164655960"/>
+                  </a:ext>
+                </a:extLst>
+              </a:tr>
+              <a:tr h="887174">
+                <a:tc>
+                  <a:txBody>
+                    <a:bodyPr/>
+                    <a:lstStyle/>
+                    <a:p>
+                      <a:pPr algn="ctr"/>
+                      <a:r>
+                        <a:rPr lang="en-US" dirty="0"/>
+                        <a:t>resnet50_recall</a:t>
+                      </a:r>
+                      <a:endParaRPr lang="en-US" dirty="0">
+                        <a:solidFill>
+                          <a:srgbClr val="FF0000"/>
+                        </a:solidFill>
+                      </a:endParaRPr>
+                    </a:p>
+                  </a:txBody>
+                  <a:tcPr anchor="ctr"/>
+                </a:tc>
+                <a:tc>
+                  <a:txBody>
+                    <a:bodyPr/>
+                    <a:lstStyle/>
+                    <a:p>
+                      <a:pPr algn="ctr"/>
+                      <a:endParaRPr lang="en-US" dirty="0">
+                        <a:solidFill>
+                          <a:srgbClr val="FF0000"/>
+                        </a:solidFill>
+                      </a:endParaRPr>
+                    </a:p>
+                  </a:txBody>
+                  <a:tcPr anchor="ctr"/>
+                </a:tc>
+                <a:tc>
+                  <a:txBody>
+                    <a:bodyPr/>
+                    <a:lstStyle/>
+                    <a:p>
+                      <a:pPr algn="ctr"/>
+                      <a:endParaRPr lang="en-US" dirty="0">
+                        <a:solidFill>
+                          <a:srgbClr val="FF0000"/>
+                        </a:solidFill>
+                      </a:endParaRPr>
+                    </a:p>
+                  </a:txBody>
+                  <a:tcPr anchor="ctr"/>
+                </a:tc>
+                <a:tc>
+                  <a:txBody>
+                    <a:bodyPr/>
+                    <a:lstStyle/>
+                    <a:p>
+                      <a:pPr algn="ctr"/>
+                      <a:endParaRPr lang="en-US" dirty="0">
+                        <a:solidFill>
+                          <a:srgbClr val="FF0000"/>
+                        </a:solidFill>
+                      </a:endParaRPr>
+                    </a:p>
+                  </a:txBody>
+                  <a:tcPr anchor="ctr"/>
+                </a:tc>
+                <a:tc>
+                  <a:txBody>
+                    <a:bodyPr/>
+                    <a:lstStyle/>
+                    <a:p>
+                      <a:pPr algn="ctr"/>
+                      <a:endParaRPr lang="en-US" dirty="0">
+                        <a:solidFill>
+                          <a:srgbClr val="FF0000"/>
+                        </a:solidFill>
+                      </a:endParaRPr>
+                    </a:p>
+                  </a:txBody>
+                  <a:tcPr anchor="ctr"/>
+                </a:tc>
+                <a:tc>
+                  <a:txBody>
+                    <a:bodyPr/>
+                    <a:lstStyle/>
+                    <a:p>
+                      <a:pPr algn="ctr"/>
+                      <a:endParaRPr lang="en-US" dirty="0">
+                        <a:solidFill>
+                          <a:srgbClr val="FF0000"/>
+                        </a:solidFill>
+                      </a:endParaRPr>
+                    </a:p>
+                  </a:txBody>
+                  <a:tcPr anchor="ctr"/>
+                </a:tc>
+                <a:tc>
+                  <a:txBody>
+                    <a:bodyPr/>
+                    <a:lstStyle/>
+                    <a:p>
+                      <a:pPr algn="ctr"/>
+                      <a:endParaRPr lang="en-US" dirty="0">
+                        <a:solidFill>
+                          <a:srgbClr val="FF0000"/>
+                        </a:solidFill>
+                      </a:endParaRPr>
+                    </a:p>
+                  </a:txBody>
+                  <a:tcPr anchor="ctr"/>
+                </a:tc>
+                <a:extLst>
+                  <a:ext uri="{0D108BD9-81ED-4DB2-BD59-A6C34878D82A}">
+                    <a16:rowId xmlns:a16="http://schemas.microsoft.com/office/drawing/2014/main" val="2775775737"/>
+                  </a:ext>
+                </a:extLst>
+              </a:tr>
+              <a:tr h="887174">
+                <a:tc>
+                  <a:txBody>
+                    <a:bodyPr/>
+                    <a:lstStyle/>
+                    <a:p>
+                      <a:pPr algn="ctr"/>
+                      <a:r>
+                        <a:rPr lang="en-US" dirty="0"/>
+                        <a:t>resnet50_F1</a:t>
+                      </a:r>
+                    </a:p>
+                  </a:txBody>
+                  <a:tcPr anchor="ctr"/>
+                </a:tc>
+                <a:tc>
+                  <a:txBody>
+                    <a:bodyPr/>
+                    <a:lstStyle/>
+                    <a:p>
+                      <a:pPr algn="ctr"/>
+                      <a:endParaRPr lang="en-US" dirty="0"/>
+                    </a:p>
+                  </a:txBody>
+                  <a:tcPr anchor="ctr"/>
+                </a:tc>
+                <a:tc>
+                  <a:txBody>
+                    <a:bodyPr/>
+                    <a:lstStyle/>
+                    <a:p>
+                      <a:pPr algn="ctr"/>
+                      <a:endParaRPr lang="en-US" dirty="0"/>
+                    </a:p>
+                  </a:txBody>
+                  <a:tcPr anchor="ctr"/>
+                </a:tc>
+                <a:tc>
+                  <a:txBody>
+                    <a:bodyPr/>
+                    <a:lstStyle/>
+                    <a:p>
+                      <a:pPr algn="ctr"/>
+                      <a:endParaRPr lang="en-US" dirty="0"/>
+                    </a:p>
+                  </a:txBody>
+                  <a:tcPr anchor="ctr"/>
+                </a:tc>
+                <a:tc>
+                  <a:txBody>
+                    <a:bodyPr/>
+                    <a:lstStyle/>
+                    <a:p>
+                      <a:pPr algn="ctr"/>
+                      <a:endParaRPr lang="en-US" dirty="0"/>
+                    </a:p>
+                  </a:txBody>
+                  <a:tcPr anchor="ctr"/>
+                </a:tc>
+                <a:tc>
+                  <a:txBody>
+                    <a:bodyPr/>
+                    <a:lstStyle/>
+                    <a:p>
+                      <a:pPr algn="ctr"/>
+                      <a:endParaRPr lang="en-US" dirty="0"/>
+                    </a:p>
+                  </a:txBody>
+                  <a:tcPr anchor="ctr"/>
+                </a:tc>
+                <a:tc>
+                  <a:txBody>
+                    <a:bodyPr/>
+                    <a:lstStyle/>
+                    <a:p>
+                      <a:pPr algn="ctr"/>
+                      <a:endParaRPr lang="en-US" dirty="0"/>
+                    </a:p>
+                  </a:txBody>
+                  <a:tcPr anchor="ctr"/>
+                </a:tc>
+                <a:extLst>
+                  <a:ext uri="{0D108BD9-81ED-4DB2-BD59-A6C34878D82A}">
+                    <a16:rowId xmlns:a16="http://schemas.microsoft.com/office/drawing/2014/main" val="618446083"/>
+                  </a:ext>
+                </a:extLst>
+              </a:tr>
+              <a:tr h="887174">
+                <a:tc>
+                  <a:txBody>
+                    <a:bodyPr/>
+                    <a:lstStyle/>
+                    <a:p>
+                      <a:pPr marL="0" marR="0" lvl="0" indent="0" algn="ctr" defTabSz="914400" rtl="0" eaLnBrk="1" fontAlgn="auto" latinLnBrk="0" hangingPunct="1">
+                        <a:lnSpc>
+                          <a:spcPct val="100000"/>
+                        </a:lnSpc>
+                        <a:spcBef>
+                          <a:spcPts val="0"/>
+                        </a:spcBef>
+                        <a:spcAft>
+                          <a:spcPts val="0"/>
+                        </a:spcAft>
+                        <a:buClrTx/>
+                        <a:buSzTx/>
+                        <a:buFontTx/>
+                        <a:buNone/>
+                        <a:tabLst/>
+                        <a:defRPr/>
+                      </a:pPr>
+                      <a:r>
+                        <a:rPr lang="en-US" dirty="0"/>
+                        <a:t>resnet50_loss</a:t>
+                      </a:r>
+                    </a:p>
+                    <a:p>
+                      <a:pPr algn="ctr"/>
+                      <a:endParaRPr lang="en-US" dirty="0"/>
+                    </a:p>
+                  </a:txBody>
+                  <a:tcPr anchor="ctr"/>
+                </a:tc>
+                <a:tc>
+                  <a:txBody>
+                    <a:bodyPr/>
+                    <a:lstStyle/>
+                    <a:p>
+                      <a:pPr algn="ctr"/>
+                      <a:endParaRPr lang="en-US" dirty="0"/>
+                    </a:p>
+                  </a:txBody>
+                  <a:tcPr anchor="ctr"/>
+                </a:tc>
+                <a:tc>
+                  <a:txBody>
+                    <a:bodyPr/>
+                    <a:lstStyle/>
+                    <a:p>
+                      <a:pPr algn="ctr"/>
+                      <a:endParaRPr lang="en-US" dirty="0"/>
+                    </a:p>
+                  </a:txBody>
+                  <a:tcPr anchor="ctr"/>
+                </a:tc>
+                <a:tc>
+                  <a:txBody>
+                    <a:bodyPr/>
+                    <a:lstStyle/>
+                    <a:p>
+                      <a:pPr algn="ctr"/>
+                      <a:endParaRPr lang="en-US" dirty="0"/>
+                    </a:p>
+                  </a:txBody>
+                  <a:tcPr anchor="ctr"/>
+                </a:tc>
+                <a:tc>
+                  <a:txBody>
+                    <a:bodyPr/>
+                    <a:lstStyle/>
+                    <a:p>
+                      <a:pPr algn="ctr"/>
+                      <a:endParaRPr lang="en-US" dirty="0"/>
+                    </a:p>
+                  </a:txBody>
+                  <a:tcPr anchor="ctr"/>
+                </a:tc>
+                <a:tc>
+                  <a:txBody>
+                    <a:bodyPr/>
+                    <a:lstStyle/>
+                    <a:p>
+                      <a:pPr algn="ctr"/>
+                      <a:endParaRPr lang="en-US" dirty="0"/>
+                    </a:p>
+                  </a:txBody>
+                  <a:tcPr anchor="ctr"/>
+                </a:tc>
+                <a:tc>
+                  <a:txBody>
+                    <a:bodyPr/>
+                    <a:lstStyle/>
+                    <a:p>
+                      <a:pPr algn="ctr"/>
+                      <a:endParaRPr lang="en-US" dirty="0"/>
+                    </a:p>
+                  </a:txBody>
+                  <a:tcPr anchor="ctr"/>
+                </a:tc>
+                <a:extLst>
+                  <a:ext uri="{0D108BD9-81ED-4DB2-BD59-A6C34878D82A}">
+                    <a16:rowId xmlns:a16="http://schemas.microsoft.com/office/drawing/2014/main" val="872347479"/>
+                  </a:ext>
+                </a:extLst>
+              </a:tr>
+            </a:tbl>
+          </a:graphicData>
+        </a:graphic>
+      </p:graphicFrame>
+    </p:spTree>
+    <p:extLst>
+      <p:ext uri="{BB962C8B-B14F-4D97-AF65-F5344CB8AC3E}">
+        <p14:creationId xmlns:p14="http://schemas.microsoft.com/office/powerpoint/2010/main" val="3986539779"/>
+      </p:ext>
+    </p:extLst>
+  </p:cSld>
+  <p:clrMapOvr>
+    <a:masterClrMapping/>
+  </p:clrMapOvr>
+</p:sld>
+</file>
+
+<file path=ppt/slides/slide87.xml><?xml version="1.0" encoding="utf-8"?>
+<p:sld xmlns:a="http://schemas.openxmlformats.org/drawingml/2006/main" xmlns:r="http://schemas.openxmlformats.org/officeDocument/2006/relationships" xmlns:p="http://schemas.openxmlformats.org/presentationml/2006/main">
+  <p:cSld>
+    <p:spTree>
+      <p:nvGrpSpPr>
+        <p:cNvPr id="1" name=""/>
+        <p:cNvGrpSpPr/>
+        <p:nvPr/>
+      </p:nvGrpSpPr>
+      <p:grpSpPr>
+        <a:xfrm>
+          <a:off x="0" y="0"/>
+          <a:ext cx="0" cy="0"/>
+          <a:chOff x="0" y="0"/>
+          <a:chExt cx="0" cy="0"/>
+        </a:xfrm>
+      </p:grpSpPr>
       <p:sp>
         <p:nvSpPr>
           <p:cNvPr id="2" name="Title 1">
@@ -42230,7 +43727,7 @@
 </p:sld>
 </file>
 
-<file path=ppt/slides/slide86.xml><?xml version="1.0" encoding="utf-8"?>
+<file path=ppt/slides/slide88.xml><?xml version="1.0" encoding="utf-8"?>
 <p:sld xmlns:a="http://schemas.openxmlformats.org/drawingml/2006/main" xmlns:r="http://schemas.openxmlformats.org/officeDocument/2006/relationships" xmlns:p="http://schemas.openxmlformats.org/presentationml/2006/main">
   <p:cSld>
     <p:spTree>
@@ -43035,7 +44532,7 @@
 </p:sld>
 </file>
 
-<file path=ppt/slides/slide87.xml><?xml version="1.0" encoding="utf-8"?>
+<file path=ppt/slides/slide89.xml><?xml version="1.0" encoding="utf-8"?>
 <p:sld xmlns:a="http://schemas.openxmlformats.org/drawingml/2006/main" xmlns:r="http://schemas.openxmlformats.org/officeDocument/2006/relationships" xmlns:p="http://schemas.openxmlformats.org/presentationml/2006/main">
   <p:cSld>
     <p:spTree>
@@ -43895,6 +45392,1410 @@
     <p:extLst>
       <p:ext uri="{BB962C8B-B14F-4D97-AF65-F5344CB8AC3E}">
         <p14:creationId xmlns:p14="http://schemas.microsoft.com/office/powerpoint/2010/main" val="2733563065"/>
+      </p:ext>
+    </p:extLst>
+  </p:cSld>
+  <p:clrMapOvr>
+    <a:masterClrMapping/>
+  </p:clrMapOvr>
+</p:sld>
+</file>
+
+<file path=ppt/slides/slide90.xml><?xml version="1.0" encoding="utf-8"?>
+<p:sld xmlns:a="http://schemas.openxmlformats.org/drawingml/2006/main" xmlns:r="http://schemas.openxmlformats.org/officeDocument/2006/relationships" xmlns:p="http://schemas.openxmlformats.org/presentationml/2006/main">
+  <p:cSld>
+    <p:spTree>
+      <p:nvGrpSpPr>
+        <p:cNvPr id="1" name=""/>
+        <p:cNvGrpSpPr/>
+        <p:nvPr/>
+      </p:nvGrpSpPr>
+      <p:grpSpPr>
+        <a:xfrm>
+          <a:off x="0" y="0"/>
+          <a:ext cx="0" cy="0"/>
+          <a:chOff x="0" y="0"/>
+          <a:chExt cx="0" cy="0"/>
+        </a:xfrm>
+      </p:grpSpPr>
+      <p:graphicFrame>
+        <p:nvGraphicFramePr>
+          <p:cNvPr id="4" name="Table 3">
+            <a:extLst>
+              <a:ext uri="{FF2B5EF4-FFF2-40B4-BE49-F238E27FC236}">
+                <a16:creationId xmlns:a16="http://schemas.microsoft.com/office/drawing/2014/main" id="{F3634E9B-F616-E548-A703-16000F2DD0FF}"/>
+              </a:ext>
+            </a:extLst>
+          </p:cNvPr>
+          <p:cNvGraphicFramePr>
+            <a:graphicFrameLocks noGrp="1"/>
+          </p:cNvGraphicFramePr>
+          <p:nvPr>
+            <p:extLst>
+              <p:ext uri="{D42A27DB-BD31-4B8C-83A1-F6EECF244321}">
+                <p14:modId xmlns:p14="http://schemas.microsoft.com/office/powerpoint/2010/main" val="3879044131"/>
+              </p:ext>
+            </p:extLst>
+          </p:nvPr>
+        </p:nvGraphicFramePr>
+        <p:xfrm>
+          <a:off x="674557" y="929527"/>
+          <a:ext cx="10942820" cy="4976599"/>
+        </p:xfrm>
+        <a:graphic>
+          <a:graphicData uri="http://schemas.openxmlformats.org/drawingml/2006/table">
+            <a:tbl>
+              <a:tblPr firstRow="1" bandRow="1">
+                <a:tableStyleId>{00A15C55-8517-42AA-B614-E9B94910E393}</a:tableStyleId>
+              </a:tblPr>
+              <a:tblGrid>
+                <a:gridCol w="1563260">
+                  <a:extLst>
+                    <a:ext uri="{9D8B030D-6E8A-4147-A177-3AD203B41FA5}">
+                      <a16:colId xmlns:a16="http://schemas.microsoft.com/office/drawing/2014/main" val="2272368709"/>
+                    </a:ext>
+                  </a:extLst>
+                </a:gridCol>
+                <a:gridCol w="1563260">
+                  <a:extLst>
+                    <a:ext uri="{9D8B030D-6E8A-4147-A177-3AD203B41FA5}">
+                      <a16:colId xmlns:a16="http://schemas.microsoft.com/office/drawing/2014/main" val="2235686462"/>
+                    </a:ext>
+                  </a:extLst>
+                </a:gridCol>
+                <a:gridCol w="1563260">
+                  <a:extLst>
+                    <a:ext uri="{9D8B030D-6E8A-4147-A177-3AD203B41FA5}">
+                      <a16:colId xmlns:a16="http://schemas.microsoft.com/office/drawing/2014/main" val="1061232007"/>
+                    </a:ext>
+                  </a:extLst>
+                </a:gridCol>
+                <a:gridCol w="1563260">
+                  <a:extLst>
+                    <a:ext uri="{9D8B030D-6E8A-4147-A177-3AD203B41FA5}">
+                      <a16:colId xmlns:a16="http://schemas.microsoft.com/office/drawing/2014/main" val="464967916"/>
+                    </a:ext>
+                  </a:extLst>
+                </a:gridCol>
+                <a:gridCol w="1563260">
+                  <a:extLst>
+                    <a:ext uri="{9D8B030D-6E8A-4147-A177-3AD203B41FA5}">
+                      <a16:colId xmlns:a16="http://schemas.microsoft.com/office/drawing/2014/main" val="3929012556"/>
+                    </a:ext>
+                  </a:extLst>
+                </a:gridCol>
+                <a:gridCol w="1563260">
+                  <a:extLst>
+                    <a:ext uri="{9D8B030D-6E8A-4147-A177-3AD203B41FA5}">
+                      <a16:colId xmlns:a16="http://schemas.microsoft.com/office/drawing/2014/main" val="3303028153"/>
+                    </a:ext>
+                  </a:extLst>
+                </a:gridCol>
+                <a:gridCol w="1563260">
+                  <a:extLst>
+                    <a:ext uri="{9D8B030D-6E8A-4147-A177-3AD203B41FA5}">
+                      <a16:colId xmlns:a16="http://schemas.microsoft.com/office/drawing/2014/main" val="4108006114"/>
+                    </a:ext>
+                  </a:extLst>
+                </a:gridCol>
+              </a:tblGrid>
+              <a:tr h="523804">
+                <a:tc>
+                  <a:txBody>
+                    <a:bodyPr/>
+                    <a:lstStyle/>
+                    <a:p>
+                      <a:pPr algn="ctr"/>
+                      <a:r>
+                        <a:rPr lang="en-US" dirty="0"/>
+                        <a:t>Junction</a:t>
+                      </a:r>
+                    </a:p>
+                  </a:txBody>
+                  <a:tcPr anchor="ctr"/>
+                </a:tc>
+                <a:tc>
+                  <a:txBody>
+                    <a:bodyPr/>
+                    <a:lstStyle/>
+                    <a:p>
+                      <a:pPr algn="ctr"/>
+                      <a:r>
+                        <a:rPr lang="en-US" dirty="0"/>
+                        <a:t>Accuracy</a:t>
+                      </a:r>
+                    </a:p>
+                  </a:txBody>
+                  <a:tcPr anchor="ctr"/>
+                </a:tc>
+                <a:tc>
+                  <a:txBody>
+                    <a:bodyPr/>
+                    <a:lstStyle/>
+                    <a:p>
+                      <a:pPr algn="ctr"/>
+                      <a:r>
+                        <a:rPr lang="en-US" dirty="0"/>
+                        <a:t>precision</a:t>
+                      </a:r>
+                    </a:p>
+                  </a:txBody>
+                  <a:tcPr anchor="ctr"/>
+                </a:tc>
+                <a:tc>
+                  <a:txBody>
+                    <a:bodyPr/>
+                    <a:lstStyle/>
+                    <a:p>
+                      <a:pPr algn="ctr"/>
+                      <a:r>
+                        <a:rPr lang="en-US" dirty="0"/>
+                        <a:t>recall</a:t>
+                      </a:r>
+                    </a:p>
+                  </a:txBody>
+                  <a:tcPr anchor="ctr"/>
+                </a:tc>
+                <a:tc>
+                  <a:txBody>
+                    <a:bodyPr/>
+                    <a:lstStyle/>
+                    <a:p>
+                      <a:pPr algn="ctr"/>
+                      <a:r>
+                        <a:rPr lang="en-US" dirty="0"/>
+                        <a:t>specificity</a:t>
+                      </a:r>
+                    </a:p>
+                  </a:txBody>
+                  <a:tcPr anchor="ctr"/>
+                </a:tc>
+                <a:tc>
+                  <a:txBody>
+                    <a:bodyPr/>
+                    <a:lstStyle/>
+                    <a:p>
+                      <a:pPr algn="ctr"/>
+                      <a:r>
+                        <a:rPr lang="en-US" dirty="0"/>
+                        <a:t>F1</a:t>
+                      </a:r>
+                    </a:p>
+                  </a:txBody>
+                  <a:tcPr anchor="ctr"/>
+                </a:tc>
+                <a:tc>
+                  <a:txBody>
+                    <a:bodyPr/>
+                    <a:lstStyle/>
+                    <a:p>
+                      <a:pPr algn="ctr"/>
+                      <a:r>
+                        <a:rPr lang="en-US" dirty="0"/>
+                        <a:t>loss</a:t>
+                      </a:r>
+                    </a:p>
+                  </a:txBody>
+                  <a:tcPr anchor="ctr"/>
+                </a:tc>
+                <a:extLst>
+                  <a:ext uri="{0D108BD9-81ED-4DB2-BD59-A6C34878D82A}">
+                    <a16:rowId xmlns:a16="http://schemas.microsoft.com/office/drawing/2014/main" val="2384826745"/>
+                  </a:ext>
+                </a:extLst>
+              </a:tr>
+              <a:tr h="904099">
+                <a:tc>
+                  <a:txBody>
+                    <a:bodyPr/>
+                    <a:lstStyle/>
+                    <a:p>
+                      <a:pPr algn="ctr"/>
+                      <a:r>
+                        <a:rPr lang="en-US" dirty="0"/>
+                        <a:t>resnet50_accuracy</a:t>
+                      </a:r>
+                    </a:p>
+                  </a:txBody>
+                  <a:tcPr anchor="ctr"/>
+                </a:tc>
+                <a:tc>
+                  <a:txBody>
+                    <a:bodyPr/>
+                    <a:lstStyle/>
+                    <a:p>
+                      <a:pPr algn="ctr"/>
+                      <a:endParaRPr lang="en-US" dirty="0"/>
+                    </a:p>
+                  </a:txBody>
+                  <a:tcPr anchor="ctr"/>
+                </a:tc>
+                <a:tc>
+                  <a:txBody>
+                    <a:bodyPr/>
+                    <a:lstStyle/>
+                    <a:p>
+                      <a:pPr algn="ctr"/>
+                      <a:endParaRPr lang="en-US" dirty="0"/>
+                    </a:p>
+                  </a:txBody>
+                  <a:tcPr anchor="ctr"/>
+                </a:tc>
+                <a:tc>
+                  <a:txBody>
+                    <a:bodyPr/>
+                    <a:lstStyle/>
+                    <a:p>
+                      <a:pPr algn="ctr"/>
+                      <a:endParaRPr lang="en-US" dirty="0"/>
+                    </a:p>
+                  </a:txBody>
+                  <a:tcPr anchor="ctr"/>
+                </a:tc>
+                <a:tc>
+                  <a:txBody>
+                    <a:bodyPr/>
+                    <a:lstStyle/>
+                    <a:p>
+                      <a:pPr algn="ctr"/>
+                      <a:endParaRPr lang="en-US" dirty="0"/>
+                    </a:p>
+                  </a:txBody>
+                  <a:tcPr anchor="ctr"/>
+                </a:tc>
+                <a:tc>
+                  <a:txBody>
+                    <a:bodyPr/>
+                    <a:lstStyle/>
+                    <a:p>
+                      <a:pPr algn="ctr"/>
+                      <a:endParaRPr lang="en-US" dirty="0"/>
+                    </a:p>
+                  </a:txBody>
+                  <a:tcPr anchor="ctr"/>
+                </a:tc>
+                <a:tc>
+                  <a:txBody>
+                    <a:bodyPr/>
+                    <a:lstStyle/>
+                    <a:p>
+                      <a:pPr algn="ctr"/>
+                      <a:endParaRPr lang="en-US" dirty="0"/>
+                    </a:p>
+                  </a:txBody>
+                  <a:tcPr anchor="ctr"/>
+                </a:tc>
+                <a:extLst>
+                  <a:ext uri="{0D108BD9-81ED-4DB2-BD59-A6C34878D82A}">
+                    <a16:rowId xmlns:a16="http://schemas.microsoft.com/office/drawing/2014/main" val="1449166203"/>
+                  </a:ext>
+                </a:extLst>
+              </a:tr>
+              <a:tr h="887174">
+                <a:tc>
+                  <a:txBody>
+                    <a:bodyPr/>
+                    <a:lstStyle/>
+                    <a:p>
+                      <a:pPr algn="ctr"/>
+                      <a:r>
+                        <a:rPr lang="en-US" dirty="0"/>
+                        <a:t>resnet50_precision</a:t>
+                      </a:r>
+                    </a:p>
+                  </a:txBody>
+                  <a:tcPr anchor="ctr"/>
+                </a:tc>
+                <a:tc>
+                  <a:txBody>
+                    <a:bodyPr/>
+                    <a:lstStyle/>
+                    <a:p>
+                      <a:pPr algn="ctr"/>
+                      <a:endParaRPr lang="en-US" dirty="0"/>
+                    </a:p>
+                  </a:txBody>
+                  <a:tcPr anchor="ctr"/>
+                </a:tc>
+                <a:tc>
+                  <a:txBody>
+                    <a:bodyPr/>
+                    <a:lstStyle/>
+                    <a:p>
+                      <a:pPr algn="ctr"/>
+                      <a:endParaRPr lang="en-US" dirty="0"/>
+                    </a:p>
+                  </a:txBody>
+                  <a:tcPr anchor="ctr"/>
+                </a:tc>
+                <a:tc>
+                  <a:txBody>
+                    <a:bodyPr/>
+                    <a:lstStyle/>
+                    <a:p>
+                      <a:pPr algn="ctr"/>
+                      <a:endParaRPr lang="en-US" dirty="0"/>
+                    </a:p>
+                  </a:txBody>
+                  <a:tcPr anchor="ctr"/>
+                </a:tc>
+                <a:tc>
+                  <a:txBody>
+                    <a:bodyPr/>
+                    <a:lstStyle/>
+                    <a:p>
+                      <a:pPr algn="ctr"/>
+                      <a:endParaRPr lang="en-US" dirty="0"/>
+                    </a:p>
+                  </a:txBody>
+                  <a:tcPr anchor="ctr"/>
+                </a:tc>
+                <a:tc>
+                  <a:txBody>
+                    <a:bodyPr/>
+                    <a:lstStyle/>
+                    <a:p>
+                      <a:pPr algn="ctr"/>
+                      <a:endParaRPr lang="en-US" dirty="0"/>
+                    </a:p>
+                  </a:txBody>
+                  <a:tcPr anchor="ctr"/>
+                </a:tc>
+                <a:tc>
+                  <a:txBody>
+                    <a:bodyPr/>
+                    <a:lstStyle/>
+                    <a:p>
+                      <a:pPr algn="ctr"/>
+                      <a:endParaRPr lang="en-US" dirty="0"/>
+                    </a:p>
+                  </a:txBody>
+                  <a:tcPr anchor="ctr"/>
+                </a:tc>
+                <a:extLst>
+                  <a:ext uri="{0D108BD9-81ED-4DB2-BD59-A6C34878D82A}">
+                    <a16:rowId xmlns:a16="http://schemas.microsoft.com/office/drawing/2014/main" val="4164655960"/>
+                  </a:ext>
+                </a:extLst>
+              </a:tr>
+              <a:tr h="887174">
+                <a:tc>
+                  <a:txBody>
+                    <a:bodyPr/>
+                    <a:lstStyle/>
+                    <a:p>
+                      <a:pPr algn="ctr"/>
+                      <a:r>
+                        <a:rPr lang="en-US" dirty="0"/>
+                        <a:t>resnet50_recall</a:t>
+                      </a:r>
+                      <a:endParaRPr lang="en-US" dirty="0">
+                        <a:solidFill>
+                          <a:srgbClr val="FF0000"/>
+                        </a:solidFill>
+                      </a:endParaRPr>
+                    </a:p>
+                  </a:txBody>
+                  <a:tcPr anchor="ctr"/>
+                </a:tc>
+                <a:tc>
+                  <a:txBody>
+                    <a:bodyPr/>
+                    <a:lstStyle/>
+                    <a:p>
+                      <a:pPr algn="ctr"/>
+                      <a:endParaRPr lang="en-US" dirty="0">
+                        <a:solidFill>
+                          <a:srgbClr val="FF0000"/>
+                        </a:solidFill>
+                      </a:endParaRPr>
+                    </a:p>
+                  </a:txBody>
+                  <a:tcPr anchor="ctr"/>
+                </a:tc>
+                <a:tc>
+                  <a:txBody>
+                    <a:bodyPr/>
+                    <a:lstStyle/>
+                    <a:p>
+                      <a:pPr algn="ctr"/>
+                      <a:endParaRPr lang="en-US" dirty="0">
+                        <a:solidFill>
+                          <a:srgbClr val="FF0000"/>
+                        </a:solidFill>
+                      </a:endParaRPr>
+                    </a:p>
+                  </a:txBody>
+                  <a:tcPr anchor="ctr"/>
+                </a:tc>
+                <a:tc>
+                  <a:txBody>
+                    <a:bodyPr/>
+                    <a:lstStyle/>
+                    <a:p>
+                      <a:pPr algn="ctr"/>
+                      <a:endParaRPr lang="en-US" dirty="0">
+                        <a:solidFill>
+                          <a:srgbClr val="FF0000"/>
+                        </a:solidFill>
+                      </a:endParaRPr>
+                    </a:p>
+                  </a:txBody>
+                  <a:tcPr anchor="ctr"/>
+                </a:tc>
+                <a:tc>
+                  <a:txBody>
+                    <a:bodyPr/>
+                    <a:lstStyle/>
+                    <a:p>
+                      <a:pPr algn="ctr"/>
+                      <a:endParaRPr lang="en-US" dirty="0">
+                        <a:solidFill>
+                          <a:srgbClr val="FF0000"/>
+                        </a:solidFill>
+                      </a:endParaRPr>
+                    </a:p>
+                  </a:txBody>
+                  <a:tcPr anchor="ctr"/>
+                </a:tc>
+                <a:tc>
+                  <a:txBody>
+                    <a:bodyPr/>
+                    <a:lstStyle/>
+                    <a:p>
+                      <a:pPr algn="ctr"/>
+                      <a:endParaRPr lang="en-US" dirty="0">
+                        <a:solidFill>
+                          <a:srgbClr val="FF0000"/>
+                        </a:solidFill>
+                      </a:endParaRPr>
+                    </a:p>
+                  </a:txBody>
+                  <a:tcPr anchor="ctr"/>
+                </a:tc>
+                <a:tc>
+                  <a:txBody>
+                    <a:bodyPr/>
+                    <a:lstStyle/>
+                    <a:p>
+                      <a:pPr algn="ctr"/>
+                      <a:endParaRPr lang="en-US" dirty="0">
+                        <a:solidFill>
+                          <a:srgbClr val="FF0000"/>
+                        </a:solidFill>
+                      </a:endParaRPr>
+                    </a:p>
+                  </a:txBody>
+                  <a:tcPr anchor="ctr"/>
+                </a:tc>
+                <a:extLst>
+                  <a:ext uri="{0D108BD9-81ED-4DB2-BD59-A6C34878D82A}">
+                    <a16:rowId xmlns:a16="http://schemas.microsoft.com/office/drawing/2014/main" val="2775775737"/>
+                  </a:ext>
+                </a:extLst>
+              </a:tr>
+              <a:tr h="887174">
+                <a:tc>
+                  <a:txBody>
+                    <a:bodyPr/>
+                    <a:lstStyle/>
+                    <a:p>
+                      <a:pPr algn="ctr"/>
+                      <a:r>
+                        <a:rPr lang="en-US" dirty="0"/>
+                        <a:t>resnet50_F1</a:t>
+                      </a:r>
+                    </a:p>
+                  </a:txBody>
+                  <a:tcPr anchor="ctr"/>
+                </a:tc>
+                <a:tc>
+                  <a:txBody>
+                    <a:bodyPr/>
+                    <a:lstStyle/>
+                    <a:p>
+                      <a:pPr algn="ctr"/>
+                      <a:endParaRPr lang="en-US" dirty="0"/>
+                    </a:p>
+                  </a:txBody>
+                  <a:tcPr anchor="ctr"/>
+                </a:tc>
+                <a:tc>
+                  <a:txBody>
+                    <a:bodyPr/>
+                    <a:lstStyle/>
+                    <a:p>
+                      <a:pPr algn="ctr"/>
+                      <a:endParaRPr lang="en-US" dirty="0"/>
+                    </a:p>
+                  </a:txBody>
+                  <a:tcPr anchor="ctr"/>
+                </a:tc>
+                <a:tc>
+                  <a:txBody>
+                    <a:bodyPr/>
+                    <a:lstStyle/>
+                    <a:p>
+                      <a:pPr algn="ctr"/>
+                      <a:endParaRPr lang="en-US" dirty="0"/>
+                    </a:p>
+                  </a:txBody>
+                  <a:tcPr anchor="ctr"/>
+                </a:tc>
+                <a:tc>
+                  <a:txBody>
+                    <a:bodyPr/>
+                    <a:lstStyle/>
+                    <a:p>
+                      <a:pPr algn="ctr"/>
+                      <a:endParaRPr lang="en-US" dirty="0"/>
+                    </a:p>
+                  </a:txBody>
+                  <a:tcPr anchor="ctr"/>
+                </a:tc>
+                <a:tc>
+                  <a:txBody>
+                    <a:bodyPr/>
+                    <a:lstStyle/>
+                    <a:p>
+                      <a:pPr algn="ctr"/>
+                      <a:endParaRPr lang="en-US" dirty="0"/>
+                    </a:p>
+                  </a:txBody>
+                  <a:tcPr anchor="ctr"/>
+                </a:tc>
+                <a:tc>
+                  <a:txBody>
+                    <a:bodyPr/>
+                    <a:lstStyle/>
+                    <a:p>
+                      <a:pPr algn="ctr"/>
+                      <a:endParaRPr lang="en-US" dirty="0"/>
+                    </a:p>
+                  </a:txBody>
+                  <a:tcPr anchor="ctr"/>
+                </a:tc>
+                <a:extLst>
+                  <a:ext uri="{0D108BD9-81ED-4DB2-BD59-A6C34878D82A}">
+                    <a16:rowId xmlns:a16="http://schemas.microsoft.com/office/drawing/2014/main" val="618446083"/>
+                  </a:ext>
+                </a:extLst>
+              </a:tr>
+              <a:tr h="887174">
+                <a:tc>
+                  <a:txBody>
+                    <a:bodyPr/>
+                    <a:lstStyle/>
+                    <a:p>
+                      <a:pPr marL="0" marR="0" lvl="0" indent="0" algn="ctr" defTabSz="914400" rtl="0" eaLnBrk="1" fontAlgn="auto" latinLnBrk="0" hangingPunct="1">
+                        <a:lnSpc>
+                          <a:spcPct val="100000"/>
+                        </a:lnSpc>
+                        <a:spcBef>
+                          <a:spcPts val="0"/>
+                        </a:spcBef>
+                        <a:spcAft>
+                          <a:spcPts val="0"/>
+                        </a:spcAft>
+                        <a:buClrTx/>
+                        <a:buSzTx/>
+                        <a:buFontTx/>
+                        <a:buNone/>
+                        <a:tabLst/>
+                        <a:defRPr/>
+                      </a:pPr>
+                      <a:r>
+                        <a:rPr lang="en-US" dirty="0"/>
+                        <a:t>resnet50_loss</a:t>
+                      </a:r>
+                    </a:p>
+                    <a:p>
+                      <a:pPr algn="ctr"/>
+                      <a:endParaRPr lang="en-US" dirty="0"/>
+                    </a:p>
+                  </a:txBody>
+                  <a:tcPr anchor="ctr"/>
+                </a:tc>
+                <a:tc>
+                  <a:txBody>
+                    <a:bodyPr/>
+                    <a:lstStyle/>
+                    <a:p>
+                      <a:pPr algn="ctr"/>
+                      <a:endParaRPr lang="en-US" dirty="0"/>
+                    </a:p>
+                  </a:txBody>
+                  <a:tcPr anchor="ctr"/>
+                </a:tc>
+                <a:tc>
+                  <a:txBody>
+                    <a:bodyPr/>
+                    <a:lstStyle/>
+                    <a:p>
+                      <a:pPr algn="ctr"/>
+                      <a:endParaRPr lang="en-US" dirty="0"/>
+                    </a:p>
+                  </a:txBody>
+                  <a:tcPr anchor="ctr"/>
+                </a:tc>
+                <a:tc>
+                  <a:txBody>
+                    <a:bodyPr/>
+                    <a:lstStyle/>
+                    <a:p>
+                      <a:pPr algn="ctr"/>
+                      <a:endParaRPr lang="en-US" dirty="0"/>
+                    </a:p>
+                  </a:txBody>
+                  <a:tcPr anchor="ctr"/>
+                </a:tc>
+                <a:tc>
+                  <a:txBody>
+                    <a:bodyPr/>
+                    <a:lstStyle/>
+                    <a:p>
+                      <a:pPr algn="ctr"/>
+                      <a:endParaRPr lang="en-US" dirty="0"/>
+                    </a:p>
+                  </a:txBody>
+                  <a:tcPr anchor="ctr"/>
+                </a:tc>
+                <a:tc>
+                  <a:txBody>
+                    <a:bodyPr/>
+                    <a:lstStyle/>
+                    <a:p>
+                      <a:pPr algn="ctr"/>
+                      <a:endParaRPr lang="en-US" dirty="0"/>
+                    </a:p>
+                  </a:txBody>
+                  <a:tcPr anchor="ctr"/>
+                </a:tc>
+                <a:tc>
+                  <a:txBody>
+                    <a:bodyPr/>
+                    <a:lstStyle/>
+                    <a:p>
+                      <a:pPr algn="ctr"/>
+                      <a:endParaRPr lang="en-US" dirty="0"/>
+                    </a:p>
+                  </a:txBody>
+                  <a:tcPr anchor="ctr"/>
+                </a:tc>
+                <a:extLst>
+                  <a:ext uri="{0D108BD9-81ED-4DB2-BD59-A6C34878D82A}">
+                    <a16:rowId xmlns:a16="http://schemas.microsoft.com/office/drawing/2014/main" val="872347479"/>
+                  </a:ext>
+                </a:extLst>
+              </a:tr>
+            </a:tbl>
+          </a:graphicData>
+        </a:graphic>
+      </p:graphicFrame>
+    </p:spTree>
+    <p:extLst>
+      <p:ext uri="{BB962C8B-B14F-4D97-AF65-F5344CB8AC3E}">
+        <p14:creationId xmlns:p14="http://schemas.microsoft.com/office/powerpoint/2010/main" val="2970884000"/>
+      </p:ext>
+    </p:extLst>
+  </p:cSld>
+  <p:clrMapOvr>
+    <a:masterClrMapping/>
+  </p:clrMapOvr>
+</p:sld>
+</file>
+
+<file path=ppt/slides/slide91.xml><?xml version="1.0" encoding="utf-8"?>
+<p:sld xmlns:a="http://schemas.openxmlformats.org/drawingml/2006/main" xmlns:r="http://schemas.openxmlformats.org/officeDocument/2006/relationships" xmlns:p="http://schemas.openxmlformats.org/presentationml/2006/main">
+  <p:cSld>
+    <p:spTree>
+      <p:nvGrpSpPr>
+        <p:cNvPr id="1" name=""/>
+        <p:cNvGrpSpPr/>
+        <p:nvPr/>
+      </p:nvGrpSpPr>
+      <p:grpSpPr>
+        <a:xfrm>
+          <a:off x="0" y="0"/>
+          <a:ext cx="0" cy="0"/>
+          <a:chOff x="0" y="0"/>
+          <a:chExt cx="0" cy="0"/>
+        </a:xfrm>
+      </p:grpSpPr>
+      <p:graphicFrame>
+        <p:nvGraphicFramePr>
+          <p:cNvPr id="4" name="Table 3">
+            <a:extLst>
+              <a:ext uri="{FF2B5EF4-FFF2-40B4-BE49-F238E27FC236}">
+                <a16:creationId xmlns:a16="http://schemas.microsoft.com/office/drawing/2014/main" id="{F3634E9B-F616-E548-A703-16000F2DD0FF}"/>
+              </a:ext>
+            </a:extLst>
+          </p:cNvPr>
+          <p:cNvGraphicFramePr>
+            <a:graphicFrameLocks noGrp="1"/>
+          </p:cNvGraphicFramePr>
+          <p:nvPr>
+            <p:extLst/>
+          </p:nvPr>
+        </p:nvGraphicFramePr>
+        <p:xfrm>
+          <a:off x="674557" y="929527"/>
+          <a:ext cx="10942820" cy="4976599"/>
+        </p:xfrm>
+        <a:graphic>
+          <a:graphicData uri="http://schemas.openxmlformats.org/drawingml/2006/table">
+            <a:tbl>
+              <a:tblPr firstRow="1" bandRow="1">
+                <a:tableStyleId>{00A15C55-8517-42AA-B614-E9B94910E393}</a:tableStyleId>
+              </a:tblPr>
+              <a:tblGrid>
+                <a:gridCol w="1563260">
+                  <a:extLst>
+                    <a:ext uri="{9D8B030D-6E8A-4147-A177-3AD203B41FA5}">
+                      <a16:colId xmlns:a16="http://schemas.microsoft.com/office/drawing/2014/main" val="2272368709"/>
+                    </a:ext>
+                  </a:extLst>
+                </a:gridCol>
+                <a:gridCol w="1563260">
+                  <a:extLst>
+                    <a:ext uri="{9D8B030D-6E8A-4147-A177-3AD203B41FA5}">
+                      <a16:colId xmlns:a16="http://schemas.microsoft.com/office/drawing/2014/main" val="2235686462"/>
+                    </a:ext>
+                  </a:extLst>
+                </a:gridCol>
+                <a:gridCol w="1563260">
+                  <a:extLst>
+                    <a:ext uri="{9D8B030D-6E8A-4147-A177-3AD203B41FA5}">
+                      <a16:colId xmlns:a16="http://schemas.microsoft.com/office/drawing/2014/main" val="1061232007"/>
+                    </a:ext>
+                  </a:extLst>
+                </a:gridCol>
+                <a:gridCol w="1563260">
+                  <a:extLst>
+                    <a:ext uri="{9D8B030D-6E8A-4147-A177-3AD203B41FA5}">
+                      <a16:colId xmlns:a16="http://schemas.microsoft.com/office/drawing/2014/main" val="464967916"/>
+                    </a:ext>
+                  </a:extLst>
+                </a:gridCol>
+                <a:gridCol w="1563260">
+                  <a:extLst>
+                    <a:ext uri="{9D8B030D-6E8A-4147-A177-3AD203B41FA5}">
+                      <a16:colId xmlns:a16="http://schemas.microsoft.com/office/drawing/2014/main" val="3929012556"/>
+                    </a:ext>
+                  </a:extLst>
+                </a:gridCol>
+                <a:gridCol w="1563260">
+                  <a:extLst>
+                    <a:ext uri="{9D8B030D-6E8A-4147-A177-3AD203B41FA5}">
+                      <a16:colId xmlns:a16="http://schemas.microsoft.com/office/drawing/2014/main" val="3303028153"/>
+                    </a:ext>
+                  </a:extLst>
+                </a:gridCol>
+                <a:gridCol w="1563260">
+                  <a:extLst>
+                    <a:ext uri="{9D8B030D-6E8A-4147-A177-3AD203B41FA5}">
+                      <a16:colId xmlns:a16="http://schemas.microsoft.com/office/drawing/2014/main" val="4108006114"/>
+                    </a:ext>
+                  </a:extLst>
+                </a:gridCol>
+              </a:tblGrid>
+              <a:tr h="523804">
+                <a:tc>
+                  <a:txBody>
+                    <a:bodyPr/>
+                    <a:lstStyle/>
+                    <a:p>
+                      <a:pPr algn="ctr"/>
+                      <a:r>
+                        <a:rPr lang="en-US" dirty="0"/>
+                        <a:t>Gap</a:t>
+                      </a:r>
+                    </a:p>
+                  </a:txBody>
+                  <a:tcPr anchor="ctr"/>
+                </a:tc>
+                <a:tc>
+                  <a:txBody>
+                    <a:bodyPr/>
+                    <a:lstStyle/>
+                    <a:p>
+                      <a:pPr algn="ctr"/>
+                      <a:r>
+                        <a:rPr lang="en-US" dirty="0"/>
+                        <a:t>Accuracy</a:t>
+                      </a:r>
+                    </a:p>
+                  </a:txBody>
+                  <a:tcPr anchor="ctr"/>
+                </a:tc>
+                <a:tc>
+                  <a:txBody>
+                    <a:bodyPr/>
+                    <a:lstStyle/>
+                    <a:p>
+                      <a:pPr algn="ctr"/>
+                      <a:r>
+                        <a:rPr lang="en-US" dirty="0"/>
+                        <a:t>precision</a:t>
+                      </a:r>
+                    </a:p>
+                  </a:txBody>
+                  <a:tcPr anchor="ctr"/>
+                </a:tc>
+                <a:tc>
+                  <a:txBody>
+                    <a:bodyPr/>
+                    <a:lstStyle/>
+                    <a:p>
+                      <a:pPr algn="ctr"/>
+                      <a:r>
+                        <a:rPr lang="en-US" dirty="0"/>
+                        <a:t>recall</a:t>
+                      </a:r>
+                    </a:p>
+                  </a:txBody>
+                  <a:tcPr anchor="ctr"/>
+                </a:tc>
+                <a:tc>
+                  <a:txBody>
+                    <a:bodyPr/>
+                    <a:lstStyle/>
+                    <a:p>
+                      <a:pPr algn="ctr"/>
+                      <a:r>
+                        <a:rPr lang="en-US" dirty="0"/>
+                        <a:t>specificity</a:t>
+                      </a:r>
+                    </a:p>
+                  </a:txBody>
+                  <a:tcPr anchor="ctr"/>
+                </a:tc>
+                <a:tc>
+                  <a:txBody>
+                    <a:bodyPr/>
+                    <a:lstStyle/>
+                    <a:p>
+                      <a:pPr algn="ctr"/>
+                      <a:r>
+                        <a:rPr lang="en-US" dirty="0"/>
+                        <a:t>F1</a:t>
+                      </a:r>
+                    </a:p>
+                  </a:txBody>
+                  <a:tcPr anchor="ctr"/>
+                </a:tc>
+                <a:tc>
+                  <a:txBody>
+                    <a:bodyPr/>
+                    <a:lstStyle/>
+                    <a:p>
+                      <a:pPr algn="ctr"/>
+                      <a:r>
+                        <a:rPr lang="en-US" dirty="0"/>
+                        <a:t>loss</a:t>
+                      </a:r>
+                    </a:p>
+                  </a:txBody>
+                  <a:tcPr anchor="ctr"/>
+                </a:tc>
+                <a:extLst>
+                  <a:ext uri="{0D108BD9-81ED-4DB2-BD59-A6C34878D82A}">
+                    <a16:rowId xmlns:a16="http://schemas.microsoft.com/office/drawing/2014/main" val="2384826745"/>
+                  </a:ext>
+                </a:extLst>
+              </a:tr>
+              <a:tr h="904099">
+                <a:tc>
+                  <a:txBody>
+                    <a:bodyPr/>
+                    <a:lstStyle/>
+                    <a:p>
+                      <a:pPr algn="ctr"/>
+                      <a:r>
+                        <a:rPr lang="en-US" dirty="0"/>
+                        <a:t>resnet50_accuracy</a:t>
+                      </a:r>
+                    </a:p>
+                  </a:txBody>
+                  <a:tcPr anchor="ctr"/>
+                </a:tc>
+                <a:tc>
+                  <a:txBody>
+                    <a:bodyPr/>
+                    <a:lstStyle/>
+                    <a:p>
+                      <a:pPr algn="ctr"/>
+                      <a:endParaRPr lang="en-US" dirty="0"/>
+                    </a:p>
+                  </a:txBody>
+                  <a:tcPr anchor="ctr"/>
+                </a:tc>
+                <a:tc>
+                  <a:txBody>
+                    <a:bodyPr/>
+                    <a:lstStyle/>
+                    <a:p>
+                      <a:pPr algn="ctr"/>
+                      <a:endParaRPr lang="en-US" dirty="0"/>
+                    </a:p>
+                  </a:txBody>
+                  <a:tcPr anchor="ctr"/>
+                </a:tc>
+                <a:tc>
+                  <a:txBody>
+                    <a:bodyPr/>
+                    <a:lstStyle/>
+                    <a:p>
+                      <a:pPr algn="ctr"/>
+                      <a:endParaRPr lang="en-US" dirty="0"/>
+                    </a:p>
+                  </a:txBody>
+                  <a:tcPr anchor="ctr"/>
+                </a:tc>
+                <a:tc>
+                  <a:txBody>
+                    <a:bodyPr/>
+                    <a:lstStyle/>
+                    <a:p>
+                      <a:pPr algn="ctr"/>
+                      <a:endParaRPr lang="en-US" dirty="0"/>
+                    </a:p>
+                  </a:txBody>
+                  <a:tcPr anchor="ctr"/>
+                </a:tc>
+                <a:tc>
+                  <a:txBody>
+                    <a:bodyPr/>
+                    <a:lstStyle/>
+                    <a:p>
+                      <a:pPr algn="ctr"/>
+                      <a:endParaRPr lang="en-US" dirty="0"/>
+                    </a:p>
+                  </a:txBody>
+                  <a:tcPr anchor="ctr"/>
+                </a:tc>
+                <a:tc>
+                  <a:txBody>
+                    <a:bodyPr/>
+                    <a:lstStyle/>
+                    <a:p>
+                      <a:pPr algn="ctr"/>
+                      <a:endParaRPr lang="en-US" dirty="0"/>
+                    </a:p>
+                  </a:txBody>
+                  <a:tcPr anchor="ctr"/>
+                </a:tc>
+                <a:extLst>
+                  <a:ext uri="{0D108BD9-81ED-4DB2-BD59-A6C34878D82A}">
+                    <a16:rowId xmlns:a16="http://schemas.microsoft.com/office/drawing/2014/main" val="1449166203"/>
+                  </a:ext>
+                </a:extLst>
+              </a:tr>
+              <a:tr h="887174">
+                <a:tc>
+                  <a:txBody>
+                    <a:bodyPr/>
+                    <a:lstStyle/>
+                    <a:p>
+                      <a:pPr algn="ctr"/>
+                      <a:r>
+                        <a:rPr lang="en-US" dirty="0"/>
+                        <a:t>resnet50_precision</a:t>
+                      </a:r>
+                    </a:p>
+                  </a:txBody>
+                  <a:tcPr anchor="ctr"/>
+                </a:tc>
+                <a:tc>
+                  <a:txBody>
+                    <a:bodyPr/>
+                    <a:lstStyle/>
+                    <a:p>
+                      <a:pPr algn="ctr"/>
+                      <a:endParaRPr lang="en-US" dirty="0"/>
+                    </a:p>
+                  </a:txBody>
+                  <a:tcPr anchor="ctr"/>
+                </a:tc>
+                <a:tc>
+                  <a:txBody>
+                    <a:bodyPr/>
+                    <a:lstStyle/>
+                    <a:p>
+                      <a:pPr algn="ctr"/>
+                      <a:endParaRPr lang="en-US" dirty="0"/>
+                    </a:p>
+                  </a:txBody>
+                  <a:tcPr anchor="ctr"/>
+                </a:tc>
+                <a:tc>
+                  <a:txBody>
+                    <a:bodyPr/>
+                    <a:lstStyle/>
+                    <a:p>
+                      <a:pPr algn="ctr"/>
+                      <a:endParaRPr lang="en-US" dirty="0"/>
+                    </a:p>
+                  </a:txBody>
+                  <a:tcPr anchor="ctr"/>
+                </a:tc>
+                <a:tc>
+                  <a:txBody>
+                    <a:bodyPr/>
+                    <a:lstStyle/>
+                    <a:p>
+                      <a:pPr algn="ctr"/>
+                      <a:endParaRPr lang="en-US" dirty="0"/>
+                    </a:p>
+                  </a:txBody>
+                  <a:tcPr anchor="ctr"/>
+                </a:tc>
+                <a:tc>
+                  <a:txBody>
+                    <a:bodyPr/>
+                    <a:lstStyle/>
+                    <a:p>
+                      <a:pPr algn="ctr"/>
+                      <a:endParaRPr lang="en-US" dirty="0"/>
+                    </a:p>
+                  </a:txBody>
+                  <a:tcPr anchor="ctr"/>
+                </a:tc>
+                <a:tc>
+                  <a:txBody>
+                    <a:bodyPr/>
+                    <a:lstStyle/>
+                    <a:p>
+                      <a:pPr algn="ctr"/>
+                      <a:endParaRPr lang="en-US" dirty="0"/>
+                    </a:p>
+                  </a:txBody>
+                  <a:tcPr anchor="ctr"/>
+                </a:tc>
+                <a:extLst>
+                  <a:ext uri="{0D108BD9-81ED-4DB2-BD59-A6C34878D82A}">
+                    <a16:rowId xmlns:a16="http://schemas.microsoft.com/office/drawing/2014/main" val="4164655960"/>
+                  </a:ext>
+                </a:extLst>
+              </a:tr>
+              <a:tr h="887174">
+                <a:tc>
+                  <a:txBody>
+                    <a:bodyPr/>
+                    <a:lstStyle/>
+                    <a:p>
+                      <a:pPr algn="ctr"/>
+                      <a:r>
+                        <a:rPr lang="en-US" dirty="0"/>
+                        <a:t>resnet50_recall</a:t>
+                      </a:r>
+                      <a:endParaRPr lang="en-US" dirty="0">
+                        <a:solidFill>
+                          <a:srgbClr val="FF0000"/>
+                        </a:solidFill>
+                      </a:endParaRPr>
+                    </a:p>
+                  </a:txBody>
+                  <a:tcPr anchor="ctr"/>
+                </a:tc>
+                <a:tc>
+                  <a:txBody>
+                    <a:bodyPr/>
+                    <a:lstStyle/>
+                    <a:p>
+                      <a:pPr algn="ctr"/>
+                      <a:endParaRPr lang="en-US" dirty="0">
+                        <a:solidFill>
+                          <a:srgbClr val="FF0000"/>
+                        </a:solidFill>
+                      </a:endParaRPr>
+                    </a:p>
+                  </a:txBody>
+                  <a:tcPr anchor="ctr"/>
+                </a:tc>
+                <a:tc>
+                  <a:txBody>
+                    <a:bodyPr/>
+                    <a:lstStyle/>
+                    <a:p>
+                      <a:pPr algn="ctr"/>
+                      <a:endParaRPr lang="en-US" dirty="0">
+                        <a:solidFill>
+                          <a:srgbClr val="FF0000"/>
+                        </a:solidFill>
+                      </a:endParaRPr>
+                    </a:p>
+                  </a:txBody>
+                  <a:tcPr anchor="ctr"/>
+                </a:tc>
+                <a:tc>
+                  <a:txBody>
+                    <a:bodyPr/>
+                    <a:lstStyle/>
+                    <a:p>
+                      <a:pPr algn="ctr"/>
+                      <a:endParaRPr lang="en-US" dirty="0">
+                        <a:solidFill>
+                          <a:srgbClr val="FF0000"/>
+                        </a:solidFill>
+                      </a:endParaRPr>
+                    </a:p>
+                  </a:txBody>
+                  <a:tcPr anchor="ctr"/>
+                </a:tc>
+                <a:tc>
+                  <a:txBody>
+                    <a:bodyPr/>
+                    <a:lstStyle/>
+                    <a:p>
+                      <a:pPr algn="ctr"/>
+                      <a:endParaRPr lang="en-US" dirty="0">
+                        <a:solidFill>
+                          <a:srgbClr val="FF0000"/>
+                        </a:solidFill>
+                      </a:endParaRPr>
+                    </a:p>
+                  </a:txBody>
+                  <a:tcPr anchor="ctr"/>
+                </a:tc>
+                <a:tc>
+                  <a:txBody>
+                    <a:bodyPr/>
+                    <a:lstStyle/>
+                    <a:p>
+                      <a:pPr algn="ctr"/>
+                      <a:endParaRPr lang="en-US" dirty="0">
+                        <a:solidFill>
+                          <a:srgbClr val="FF0000"/>
+                        </a:solidFill>
+                      </a:endParaRPr>
+                    </a:p>
+                  </a:txBody>
+                  <a:tcPr anchor="ctr"/>
+                </a:tc>
+                <a:tc>
+                  <a:txBody>
+                    <a:bodyPr/>
+                    <a:lstStyle/>
+                    <a:p>
+                      <a:pPr algn="ctr"/>
+                      <a:endParaRPr lang="en-US" dirty="0">
+                        <a:solidFill>
+                          <a:srgbClr val="FF0000"/>
+                        </a:solidFill>
+                      </a:endParaRPr>
+                    </a:p>
+                  </a:txBody>
+                  <a:tcPr anchor="ctr"/>
+                </a:tc>
+                <a:extLst>
+                  <a:ext uri="{0D108BD9-81ED-4DB2-BD59-A6C34878D82A}">
+                    <a16:rowId xmlns:a16="http://schemas.microsoft.com/office/drawing/2014/main" val="2775775737"/>
+                  </a:ext>
+                </a:extLst>
+              </a:tr>
+              <a:tr h="887174">
+                <a:tc>
+                  <a:txBody>
+                    <a:bodyPr/>
+                    <a:lstStyle/>
+                    <a:p>
+                      <a:pPr algn="ctr"/>
+                      <a:r>
+                        <a:rPr lang="en-US" dirty="0"/>
+                        <a:t>resnet50_F1</a:t>
+                      </a:r>
+                    </a:p>
+                  </a:txBody>
+                  <a:tcPr anchor="ctr"/>
+                </a:tc>
+                <a:tc>
+                  <a:txBody>
+                    <a:bodyPr/>
+                    <a:lstStyle/>
+                    <a:p>
+                      <a:pPr algn="ctr"/>
+                      <a:endParaRPr lang="en-US" dirty="0"/>
+                    </a:p>
+                  </a:txBody>
+                  <a:tcPr anchor="ctr"/>
+                </a:tc>
+                <a:tc>
+                  <a:txBody>
+                    <a:bodyPr/>
+                    <a:lstStyle/>
+                    <a:p>
+                      <a:pPr algn="ctr"/>
+                      <a:endParaRPr lang="en-US" dirty="0"/>
+                    </a:p>
+                  </a:txBody>
+                  <a:tcPr anchor="ctr"/>
+                </a:tc>
+                <a:tc>
+                  <a:txBody>
+                    <a:bodyPr/>
+                    <a:lstStyle/>
+                    <a:p>
+                      <a:pPr algn="ctr"/>
+                      <a:endParaRPr lang="en-US" dirty="0"/>
+                    </a:p>
+                  </a:txBody>
+                  <a:tcPr anchor="ctr"/>
+                </a:tc>
+                <a:tc>
+                  <a:txBody>
+                    <a:bodyPr/>
+                    <a:lstStyle/>
+                    <a:p>
+                      <a:pPr algn="ctr"/>
+                      <a:endParaRPr lang="en-US" dirty="0"/>
+                    </a:p>
+                  </a:txBody>
+                  <a:tcPr anchor="ctr"/>
+                </a:tc>
+                <a:tc>
+                  <a:txBody>
+                    <a:bodyPr/>
+                    <a:lstStyle/>
+                    <a:p>
+                      <a:pPr algn="ctr"/>
+                      <a:endParaRPr lang="en-US" dirty="0"/>
+                    </a:p>
+                  </a:txBody>
+                  <a:tcPr anchor="ctr"/>
+                </a:tc>
+                <a:tc>
+                  <a:txBody>
+                    <a:bodyPr/>
+                    <a:lstStyle/>
+                    <a:p>
+                      <a:pPr algn="ctr"/>
+                      <a:endParaRPr lang="en-US" dirty="0"/>
+                    </a:p>
+                  </a:txBody>
+                  <a:tcPr anchor="ctr"/>
+                </a:tc>
+                <a:extLst>
+                  <a:ext uri="{0D108BD9-81ED-4DB2-BD59-A6C34878D82A}">
+                    <a16:rowId xmlns:a16="http://schemas.microsoft.com/office/drawing/2014/main" val="618446083"/>
+                  </a:ext>
+                </a:extLst>
+              </a:tr>
+              <a:tr h="887174">
+                <a:tc>
+                  <a:txBody>
+                    <a:bodyPr/>
+                    <a:lstStyle/>
+                    <a:p>
+                      <a:pPr marL="0" marR="0" lvl="0" indent="0" algn="ctr" defTabSz="914400" rtl="0" eaLnBrk="1" fontAlgn="auto" latinLnBrk="0" hangingPunct="1">
+                        <a:lnSpc>
+                          <a:spcPct val="100000"/>
+                        </a:lnSpc>
+                        <a:spcBef>
+                          <a:spcPts val="0"/>
+                        </a:spcBef>
+                        <a:spcAft>
+                          <a:spcPts val="0"/>
+                        </a:spcAft>
+                        <a:buClrTx/>
+                        <a:buSzTx/>
+                        <a:buFontTx/>
+                        <a:buNone/>
+                        <a:tabLst/>
+                        <a:defRPr/>
+                      </a:pPr>
+                      <a:r>
+                        <a:rPr lang="en-US" dirty="0"/>
+                        <a:t>resnet50_loss</a:t>
+                      </a:r>
+                    </a:p>
+                    <a:p>
+                      <a:pPr algn="ctr"/>
+                      <a:endParaRPr lang="en-US" dirty="0"/>
+                    </a:p>
+                  </a:txBody>
+                  <a:tcPr anchor="ctr"/>
+                </a:tc>
+                <a:tc>
+                  <a:txBody>
+                    <a:bodyPr/>
+                    <a:lstStyle/>
+                    <a:p>
+                      <a:pPr algn="ctr"/>
+                      <a:endParaRPr lang="en-US" dirty="0"/>
+                    </a:p>
+                  </a:txBody>
+                  <a:tcPr anchor="ctr"/>
+                </a:tc>
+                <a:tc>
+                  <a:txBody>
+                    <a:bodyPr/>
+                    <a:lstStyle/>
+                    <a:p>
+                      <a:pPr algn="ctr"/>
+                      <a:endParaRPr lang="en-US" dirty="0"/>
+                    </a:p>
+                  </a:txBody>
+                  <a:tcPr anchor="ctr"/>
+                </a:tc>
+                <a:tc>
+                  <a:txBody>
+                    <a:bodyPr/>
+                    <a:lstStyle/>
+                    <a:p>
+                      <a:pPr algn="ctr"/>
+                      <a:endParaRPr lang="en-US" dirty="0"/>
+                    </a:p>
+                  </a:txBody>
+                  <a:tcPr anchor="ctr"/>
+                </a:tc>
+                <a:tc>
+                  <a:txBody>
+                    <a:bodyPr/>
+                    <a:lstStyle/>
+                    <a:p>
+                      <a:pPr algn="ctr"/>
+                      <a:endParaRPr lang="en-US" dirty="0"/>
+                    </a:p>
+                  </a:txBody>
+                  <a:tcPr anchor="ctr"/>
+                </a:tc>
+                <a:tc>
+                  <a:txBody>
+                    <a:bodyPr/>
+                    <a:lstStyle/>
+                    <a:p>
+                      <a:pPr algn="ctr"/>
+                      <a:endParaRPr lang="en-US" dirty="0"/>
+                    </a:p>
+                  </a:txBody>
+                  <a:tcPr anchor="ctr"/>
+                </a:tc>
+                <a:tc>
+                  <a:txBody>
+                    <a:bodyPr/>
+                    <a:lstStyle/>
+                    <a:p>
+                      <a:pPr algn="ctr"/>
+                      <a:endParaRPr lang="en-US" dirty="0"/>
+                    </a:p>
+                  </a:txBody>
+                  <a:tcPr anchor="ctr"/>
+                </a:tc>
+                <a:extLst>
+                  <a:ext uri="{0D108BD9-81ED-4DB2-BD59-A6C34878D82A}">
+                    <a16:rowId xmlns:a16="http://schemas.microsoft.com/office/drawing/2014/main" val="872347479"/>
+                  </a:ext>
+                </a:extLst>
+              </a:tr>
+            </a:tbl>
+          </a:graphicData>
+        </a:graphic>
+      </p:graphicFrame>
+    </p:spTree>
+    <p:extLst>
+      <p:ext uri="{BB962C8B-B14F-4D97-AF65-F5344CB8AC3E}">
+        <p14:creationId xmlns:p14="http://schemas.microsoft.com/office/powerpoint/2010/main" val="1142585771"/>
       </p:ext>
     </p:extLst>
   </p:cSld>

--- a/BSD_Figures.pptx
+++ b/BSD_Figures.pptx
@@ -45433,7 +45433,7 @@
           <p:nvPr>
             <p:extLst>
               <p:ext uri="{D42A27DB-BD31-4B8C-83A1-F6EECF244321}">
-                <p14:modId xmlns:p14="http://schemas.microsoft.com/office/powerpoint/2010/main" val="3879044131"/>
+                <p14:modId xmlns:p14="http://schemas.microsoft.com/office/powerpoint/2010/main" val="3536361398"/>
               </p:ext>
             </p:extLst>
           </p:nvPr>
@@ -45625,62 +45625,80 @@
                     <a:lstStyle/>
                     <a:p>
                       <a:pPr algn="ctr"/>
-                      <a:endParaRPr lang="en-US" dirty="0"/>
-                    </a:p>
-                  </a:txBody>
-                  <a:tcPr anchor="ctr"/>
-                </a:tc>
-                <a:tc>
-                  <a:txBody>
-                    <a:bodyPr/>
-                    <a:lstStyle/>
-                    <a:p>
-                      <a:pPr algn="ctr"/>
-                      <a:endParaRPr lang="en-US" dirty="0"/>
-                    </a:p>
-                  </a:txBody>
-                  <a:tcPr anchor="ctr"/>
-                </a:tc>
-                <a:tc>
-                  <a:txBody>
-                    <a:bodyPr/>
-                    <a:lstStyle/>
-                    <a:p>
-                      <a:pPr algn="ctr"/>
-                      <a:endParaRPr lang="en-US" dirty="0"/>
-                    </a:p>
-                  </a:txBody>
-                  <a:tcPr anchor="ctr"/>
-                </a:tc>
-                <a:tc>
-                  <a:txBody>
-                    <a:bodyPr/>
-                    <a:lstStyle/>
-                    <a:p>
-                      <a:pPr algn="ctr"/>
-                      <a:endParaRPr lang="en-US" dirty="0"/>
-                    </a:p>
-                  </a:txBody>
-                  <a:tcPr anchor="ctr"/>
-                </a:tc>
-                <a:tc>
-                  <a:txBody>
-                    <a:bodyPr/>
-                    <a:lstStyle/>
-                    <a:p>
-                      <a:pPr algn="ctr"/>
-                      <a:endParaRPr lang="en-US" dirty="0"/>
-                    </a:p>
-                  </a:txBody>
-                  <a:tcPr anchor="ctr"/>
-                </a:tc>
-                <a:tc>
-                  <a:txBody>
-                    <a:bodyPr/>
-                    <a:lstStyle/>
-                    <a:p>
-                      <a:pPr algn="ctr"/>
-                      <a:endParaRPr lang="en-US" dirty="0"/>
+                      <a:r>
+                        <a:rPr lang="en-US" dirty="0"/>
+                        <a:t>0.854</a:t>
+                      </a:r>
+                    </a:p>
+                  </a:txBody>
+                  <a:tcPr anchor="ctr"/>
+                </a:tc>
+                <a:tc>
+                  <a:txBody>
+                    <a:bodyPr/>
+                    <a:lstStyle/>
+                    <a:p>
+                      <a:pPr algn="ctr"/>
+                      <a:r>
+                        <a:rPr lang="en-US" dirty="0"/>
+                        <a:t>0.811</a:t>
+                      </a:r>
+                    </a:p>
+                  </a:txBody>
+                  <a:tcPr anchor="ctr"/>
+                </a:tc>
+                <a:tc>
+                  <a:txBody>
+                    <a:bodyPr/>
+                    <a:lstStyle/>
+                    <a:p>
+                      <a:pPr algn="ctr"/>
+                      <a:r>
+                        <a:rPr lang="en-US" dirty="0"/>
+                        <a:t>0.699</a:t>
+                      </a:r>
+                    </a:p>
+                  </a:txBody>
+                  <a:tcPr anchor="ctr"/>
+                </a:tc>
+                <a:tc>
+                  <a:txBody>
+                    <a:bodyPr/>
+                    <a:lstStyle/>
+                    <a:p>
+                      <a:pPr algn="ctr"/>
+                      <a:r>
+                        <a:rPr lang="en-US" dirty="0"/>
+                        <a:t>0.925</a:t>
+                      </a:r>
+                    </a:p>
+                  </a:txBody>
+                  <a:tcPr anchor="ctr"/>
+                </a:tc>
+                <a:tc>
+                  <a:txBody>
+                    <a:bodyPr/>
+                    <a:lstStyle/>
+                    <a:p>
+                      <a:pPr algn="ctr"/>
+                      <a:r>
+                        <a:rPr lang="en-US" dirty="0"/>
+                        <a:t>0.751</a:t>
+                      </a:r>
+                    </a:p>
+                  </a:txBody>
+                  <a:tcPr anchor="ctr"/>
+                </a:tc>
+                <a:tc>
+                  <a:txBody>
+                    <a:bodyPr/>
+                    <a:lstStyle/>
+                    <a:p>
+                      <a:pPr algn="ctr"/>
+                      <a:r>
+                        <a:rPr lang="en-US" dirty="0"/>
+                        <a:t>0.3687</a:t>
+                      </a:r>
                     </a:p>
                   </a:txBody>
                   <a:tcPr anchor="ctr"/>
@@ -45712,62 +45730,80 @@
                     <a:lstStyle/>
                     <a:p>
                       <a:pPr algn="ctr"/>
-                      <a:endParaRPr lang="en-US" dirty="0"/>
-                    </a:p>
-                  </a:txBody>
-                  <a:tcPr anchor="ctr"/>
-                </a:tc>
-                <a:tc>
-                  <a:txBody>
-                    <a:bodyPr/>
-                    <a:lstStyle/>
-                    <a:p>
-                      <a:pPr algn="ctr"/>
-                      <a:endParaRPr lang="en-US" dirty="0"/>
-                    </a:p>
-                  </a:txBody>
-                  <a:tcPr anchor="ctr"/>
-                </a:tc>
-                <a:tc>
-                  <a:txBody>
-                    <a:bodyPr/>
-                    <a:lstStyle/>
-                    <a:p>
-                      <a:pPr algn="ctr"/>
-                      <a:endParaRPr lang="en-US" dirty="0"/>
-                    </a:p>
-                  </a:txBody>
-                  <a:tcPr anchor="ctr"/>
-                </a:tc>
-                <a:tc>
-                  <a:txBody>
-                    <a:bodyPr/>
-                    <a:lstStyle/>
-                    <a:p>
-                      <a:pPr algn="ctr"/>
-                      <a:endParaRPr lang="en-US" dirty="0"/>
-                    </a:p>
-                  </a:txBody>
-                  <a:tcPr anchor="ctr"/>
-                </a:tc>
-                <a:tc>
-                  <a:txBody>
-                    <a:bodyPr/>
-                    <a:lstStyle/>
-                    <a:p>
-                      <a:pPr algn="ctr"/>
-                      <a:endParaRPr lang="en-US" dirty="0"/>
-                    </a:p>
-                  </a:txBody>
-                  <a:tcPr anchor="ctr"/>
-                </a:tc>
-                <a:tc>
-                  <a:txBody>
-                    <a:bodyPr/>
-                    <a:lstStyle/>
-                    <a:p>
-                      <a:pPr algn="ctr"/>
-                      <a:endParaRPr lang="en-US" dirty="0"/>
+                      <a:r>
+                        <a:rPr lang="en-US" dirty="0"/>
+                        <a:t>0.848</a:t>
+                      </a:r>
+                    </a:p>
+                  </a:txBody>
+                  <a:tcPr anchor="ctr"/>
+                </a:tc>
+                <a:tc>
+                  <a:txBody>
+                    <a:bodyPr/>
+                    <a:lstStyle/>
+                    <a:p>
+                      <a:pPr algn="ctr"/>
+                      <a:r>
+                        <a:rPr lang="en-US" dirty="0"/>
+                        <a:t>0.871</a:t>
+                      </a:r>
+                    </a:p>
+                  </a:txBody>
+                  <a:tcPr anchor="ctr"/>
+                </a:tc>
+                <a:tc>
+                  <a:txBody>
+                    <a:bodyPr/>
+                    <a:lstStyle/>
+                    <a:p>
+                      <a:pPr algn="ctr"/>
+                      <a:r>
+                        <a:rPr lang="en-US" dirty="0"/>
+                        <a:t>0.607</a:t>
+                      </a:r>
+                    </a:p>
+                  </a:txBody>
+                  <a:tcPr anchor="ctr"/>
+                </a:tc>
+                <a:tc>
+                  <a:txBody>
+                    <a:bodyPr/>
+                    <a:lstStyle/>
+                    <a:p>
+                      <a:pPr algn="ctr"/>
+                      <a:r>
+                        <a:rPr lang="en-US" dirty="0"/>
+                        <a:t>0.959</a:t>
+                      </a:r>
+                    </a:p>
+                  </a:txBody>
+                  <a:tcPr anchor="ctr"/>
+                </a:tc>
+                <a:tc>
+                  <a:txBody>
+                    <a:bodyPr/>
+                    <a:lstStyle/>
+                    <a:p>
+                      <a:pPr algn="ctr"/>
+                      <a:r>
+                        <a:rPr lang="en-US" dirty="0"/>
+                        <a:t>0.716</a:t>
+                      </a:r>
+                    </a:p>
+                  </a:txBody>
+                  <a:tcPr anchor="ctr"/>
+                </a:tc>
+                <a:tc>
+                  <a:txBody>
+                    <a:bodyPr/>
+                    <a:lstStyle/>
+                    <a:p>
+                      <a:pPr algn="ctr"/>
+                      <a:r>
+                        <a:rPr lang="en-US" dirty="0"/>
+                        <a:t>0.3666</a:t>
+                      </a:r>
                     </a:p>
                   </a:txBody>
                   <a:tcPr anchor="ctr"/>
@@ -45804,86 +45840,104 @@
                     <a:lstStyle/>
                     <a:p>
                       <a:pPr algn="ctr"/>
-                      <a:endParaRPr lang="en-US" dirty="0">
-                        <a:solidFill>
-                          <a:srgbClr val="FF0000"/>
-                        </a:solidFill>
-                      </a:endParaRPr>
-                    </a:p>
-                  </a:txBody>
-                  <a:tcPr anchor="ctr"/>
-                </a:tc>
-                <a:tc>
-                  <a:txBody>
-                    <a:bodyPr/>
-                    <a:lstStyle/>
-                    <a:p>
-                      <a:pPr algn="ctr"/>
-                      <a:endParaRPr lang="en-US" dirty="0">
-                        <a:solidFill>
-                          <a:srgbClr val="FF0000"/>
-                        </a:solidFill>
-                      </a:endParaRPr>
-                    </a:p>
-                  </a:txBody>
-                  <a:tcPr anchor="ctr"/>
-                </a:tc>
-                <a:tc>
-                  <a:txBody>
-                    <a:bodyPr/>
-                    <a:lstStyle/>
-                    <a:p>
-                      <a:pPr algn="ctr"/>
-                      <a:endParaRPr lang="en-US" dirty="0">
-                        <a:solidFill>
-                          <a:srgbClr val="FF0000"/>
-                        </a:solidFill>
-                      </a:endParaRPr>
-                    </a:p>
-                  </a:txBody>
-                  <a:tcPr anchor="ctr"/>
-                </a:tc>
-                <a:tc>
-                  <a:txBody>
-                    <a:bodyPr/>
-                    <a:lstStyle/>
-                    <a:p>
-                      <a:pPr algn="ctr"/>
-                      <a:endParaRPr lang="en-US" dirty="0">
-                        <a:solidFill>
-                          <a:srgbClr val="FF0000"/>
-                        </a:solidFill>
-                      </a:endParaRPr>
-                    </a:p>
-                  </a:txBody>
-                  <a:tcPr anchor="ctr"/>
-                </a:tc>
-                <a:tc>
-                  <a:txBody>
-                    <a:bodyPr/>
-                    <a:lstStyle/>
-                    <a:p>
-                      <a:pPr algn="ctr"/>
-                      <a:endParaRPr lang="en-US" dirty="0">
-                        <a:solidFill>
-                          <a:srgbClr val="FF0000"/>
-                        </a:solidFill>
-                      </a:endParaRPr>
-                    </a:p>
-                  </a:txBody>
-                  <a:tcPr anchor="ctr"/>
-                </a:tc>
-                <a:tc>
-                  <a:txBody>
-                    <a:bodyPr/>
-                    <a:lstStyle/>
-                    <a:p>
-                      <a:pPr algn="ctr"/>
-                      <a:endParaRPr lang="en-US" dirty="0">
-                        <a:solidFill>
-                          <a:srgbClr val="FF0000"/>
-                        </a:solidFill>
-                      </a:endParaRPr>
+                      <a:r>
+                        <a:rPr lang="en-US" dirty="0">
+                          <a:solidFill>
+                            <a:srgbClr val="FF0000"/>
+                          </a:solidFill>
+                        </a:rPr>
+                        <a:t>0.806</a:t>
+                      </a:r>
+                    </a:p>
+                  </a:txBody>
+                  <a:tcPr anchor="ctr"/>
+                </a:tc>
+                <a:tc>
+                  <a:txBody>
+                    <a:bodyPr/>
+                    <a:lstStyle/>
+                    <a:p>
+                      <a:pPr algn="ctr"/>
+                      <a:r>
+                        <a:rPr lang="en-US" dirty="0">
+                          <a:solidFill>
+                            <a:srgbClr val="FF0000"/>
+                          </a:solidFill>
+                        </a:rPr>
+                        <a:t>0.655</a:t>
+                      </a:r>
+                    </a:p>
+                  </a:txBody>
+                  <a:tcPr anchor="ctr"/>
+                </a:tc>
+                <a:tc>
+                  <a:txBody>
+                    <a:bodyPr/>
+                    <a:lstStyle/>
+                    <a:p>
+                      <a:pPr algn="ctr"/>
+                      <a:r>
+                        <a:rPr lang="en-US" dirty="0">
+                          <a:solidFill>
+                            <a:srgbClr val="FF0000"/>
+                          </a:solidFill>
+                        </a:rPr>
+                        <a:t>0.814</a:t>
+                      </a:r>
+                    </a:p>
+                  </a:txBody>
+                  <a:tcPr anchor="ctr"/>
+                </a:tc>
+                <a:tc>
+                  <a:txBody>
+                    <a:bodyPr/>
+                    <a:lstStyle/>
+                    <a:p>
+                      <a:pPr algn="ctr"/>
+                      <a:r>
+                        <a:rPr lang="en-US" dirty="0">
+                          <a:solidFill>
+                            <a:srgbClr val="FF0000"/>
+                          </a:solidFill>
+                        </a:rPr>
+                        <a:t>0.802</a:t>
+                      </a:r>
+                    </a:p>
+                  </a:txBody>
+                  <a:tcPr anchor="ctr"/>
+                </a:tc>
+                <a:tc>
+                  <a:txBody>
+                    <a:bodyPr/>
+                    <a:lstStyle/>
+                    <a:p>
+                      <a:pPr algn="ctr"/>
+                      <a:r>
+                        <a:rPr lang="en-US" dirty="0">
+                          <a:solidFill>
+                            <a:srgbClr val="FF0000"/>
+                          </a:solidFill>
+                        </a:rPr>
+                        <a:t>0.726</a:t>
+                      </a:r>
+                    </a:p>
+                  </a:txBody>
+                  <a:tcPr anchor="ctr"/>
+                </a:tc>
+                <a:tc>
+                  <a:txBody>
+                    <a:bodyPr/>
+                    <a:lstStyle/>
+                    <a:p>
+                      <a:pPr algn="ctr"/>
+                      <a:r>
+                        <a:rPr lang="en-US" dirty="0">
+                          <a:solidFill>
+                            <a:srgbClr val="FF0000"/>
+                          </a:solidFill>
+                        </a:rPr>
+                        <a:t>0.9444</a:t>
+                      </a:r>
                     </a:p>
                   </a:txBody>
                   <a:tcPr anchor="ctr"/>
@@ -45915,62 +45969,80 @@
                     <a:lstStyle/>
                     <a:p>
                       <a:pPr algn="ctr"/>
-                      <a:endParaRPr lang="en-US" dirty="0"/>
-                    </a:p>
-                  </a:txBody>
-                  <a:tcPr anchor="ctr"/>
-                </a:tc>
-                <a:tc>
-                  <a:txBody>
-                    <a:bodyPr/>
-                    <a:lstStyle/>
-                    <a:p>
-                      <a:pPr algn="ctr"/>
-                      <a:endParaRPr lang="en-US" dirty="0"/>
-                    </a:p>
-                  </a:txBody>
-                  <a:tcPr anchor="ctr"/>
-                </a:tc>
-                <a:tc>
-                  <a:txBody>
-                    <a:bodyPr/>
-                    <a:lstStyle/>
-                    <a:p>
-                      <a:pPr algn="ctr"/>
-                      <a:endParaRPr lang="en-US" dirty="0"/>
-                    </a:p>
-                  </a:txBody>
-                  <a:tcPr anchor="ctr"/>
-                </a:tc>
-                <a:tc>
-                  <a:txBody>
-                    <a:bodyPr/>
-                    <a:lstStyle/>
-                    <a:p>
-                      <a:pPr algn="ctr"/>
-                      <a:endParaRPr lang="en-US" dirty="0"/>
-                    </a:p>
-                  </a:txBody>
-                  <a:tcPr anchor="ctr"/>
-                </a:tc>
-                <a:tc>
-                  <a:txBody>
-                    <a:bodyPr/>
-                    <a:lstStyle/>
-                    <a:p>
-                      <a:pPr algn="ctr"/>
-                      <a:endParaRPr lang="en-US" dirty="0"/>
-                    </a:p>
-                  </a:txBody>
-                  <a:tcPr anchor="ctr"/>
-                </a:tc>
-                <a:tc>
-                  <a:txBody>
-                    <a:bodyPr/>
-                    <a:lstStyle/>
-                    <a:p>
-                      <a:pPr algn="ctr"/>
-                      <a:endParaRPr lang="en-US" dirty="0"/>
+                      <a:r>
+                        <a:rPr lang="en-US" dirty="0"/>
+                        <a:t>0.852</a:t>
+                      </a:r>
+                    </a:p>
+                  </a:txBody>
+                  <a:tcPr anchor="ctr"/>
+                </a:tc>
+                <a:tc>
+                  <a:txBody>
+                    <a:bodyPr/>
+                    <a:lstStyle/>
+                    <a:p>
+                      <a:pPr algn="ctr"/>
+                      <a:r>
+                        <a:rPr lang="en-US" dirty="0"/>
+                        <a:t>0.791</a:t>
+                      </a:r>
+                    </a:p>
+                  </a:txBody>
+                  <a:tcPr anchor="ctr"/>
+                </a:tc>
+                <a:tc>
+                  <a:txBody>
+                    <a:bodyPr/>
+                    <a:lstStyle/>
+                    <a:p>
+                      <a:pPr algn="ctr"/>
+                      <a:r>
+                        <a:rPr lang="en-US" dirty="0"/>
+                        <a:t>0.723</a:t>
+                      </a:r>
+                    </a:p>
+                  </a:txBody>
+                  <a:tcPr anchor="ctr"/>
+                </a:tc>
+                <a:tc>
+                  <a:txBody>
+                    <a:bodyPr/>
+                    <a:lstStyle/>
+                    <a:p>
+                      <a:pPr algn="ctr"/>
+                      <a:r>
+                        <a:rPr lang="en-US" dirty="0"/>
+                        <a:t>0.912</a:t>
+                      </a:r>
+                    </a:p>
+                  </a:txBody>
+                  <a:tcPr anchor="ctr"/>
+                </a:tc>
+                <a:tc>
+                  <a:txBody>
+                    <a:bodyPr/>
+                    <a:lstStyle/>
+                    <a:p>
+                      <a:pPr algn="ctr"/>
+                      <a:r>
+                        <a:rPr lang="en-US" dirty="0"/>
+                        <a:t>0.756</a:t>
+                      </a:r>
+                    </a:p>
+                  </a:txBody>
+                  <a:tcPr anchor="ctr"/>
+                </a:tc>
+                <a:tc>
+                  <a:txBody>
+                    <a:bodyPr/>
+                    <a:lstStyle/>
+                    <a:p>
+                      <a:pPr algn="ctr"/>
+                      <a:r>
+                        <a:rPr lang="en-US" dirty="0"/>
+                        <a:t>0.3535</a:t>
+                      </a:r>
                     </a:p>
                   </a:txBody>
                   <a:tcPr anchor="ctr"/>
@@ -46022,6 +46094,52 @@
                     <a:lstStyle/>
                     <a:p>
                       <a:pPr algn="ctr"/>
+                      <a:r>
+                        <a:rPr lang="en-US" dirty="0"/>
+                        <a:t>0.848</a:t>
+                      </a:r>
+                    </a:p>
+                  </a:txBody>
+                  <a:tcPr anchor="ctr"/>
+                </a:tc>
+                <a:tc>
+                  <a:txBody>
+                    <a:bodyPr/>
+                    <a:lstStyle/>
+                    <a:p>
+                      <a:pPr algn="ctr"/>
+                      <a:r>
+                        <a:rPr lang="en-US" dirty="0"/>
+                        <a:t>0.871</a:t>
+                      </a:r>
+                    </a:p>
+                  </a:txBody>
+                  <a:tcPr anchor="ctr"/>
+                </a:tc>
+                <a:tc>
+                  <a:txBody>
+                    <a:bodyPr/>
+                    <a:lstStyle/>
+                    <a:p>
+                      <a:pPr algn="ctr"/>
+                      <a:r>
+                        <a:rPr lang="en-US" dirty="0"/>
+                        <a:t>0.607</a:t>
+                      </a:r>
+                    </a:p>
+                  </a:txBody>
+                  <a:tcPr anchor="ctr"/>
+                </a:tc>
+                <a:tc>
+                  <a:txBody>
+                    <a:bodyPr/>
+                    <a:lstStyle/>
+                    <a:p>
+                      <a:pPr algn="ctr"/>
+                      <a:r>
+                        <a:rPr lang="en-US"/>
+                        <a:t>0.959</a:t>
+                      </a:r>
                       <a:endParaRPr lang="en-US" dirty="0"/>
                     </a:p>
                   </a:txBody>
@@ -46033,51 +46151,24 @@
                     <a:lstStyle/>
                     <a:p>
                       <a:pPr algn="ctr"/>
-                      <a:endParaRPr lang="en-US" dirty="0"/>
-                    </a:p>
-                  </a:txBody>
-                  <a:tcPr anchor="ctr"/>
-                </a:tc>
-                <a:tc>
-                  <a:txBody>
-                    <a:bodyPr/>
-                    <a:lstStyle/>
-                    <a:p>
-                      <a:pPr algn="ctr"/>
-                      <a:endParaRPr lang="en-US" dirty="0"/>
-                    </a:p>
-                  </a:txBody>
-                  <a:tcPr anchor="ctr"/>
-                </a:tc>
-                <a:tc>
-                  <a:txBody>
-                    <a:bodyPr/>
-                    <a:lstStyle/>
-                    <a:p>
-                      <a:pPr algn="ctr"/>
-                      <a:endParaRPr lang="en-US" dirty="0"/>
-                    </a:p>
-                  </a:txBody>
-                  <a:tcPr anchor="ctr"/>
-                </a:tc>
-                <a:tc>
-                  <a:txBody>
-                    <a:bodyPr/>
-                    <a:lstStyle/>
-                    <a:p>
-                      <a:pPr algn="ctr"/>
-                      <a:endParaRPr lang="en-US" dirty="0"/>
-                    </a:p>
-                  </a:txBody>
-                  <a:tcPr anchor="ctr"/>
-                </a:tc>
-                <a:tc>
-                  <a:txBody>
-                    <a:bodyPr/>
-                    <a:lstStyle/>
-                    <a:p>
-                      <a:pPr algn="ctr"/>
-                      <a:endParaRPr lang="en-US" dirty="0"/>
+                      <a:r>
+                        <a:rPr lang="en-US" dirty="0"/>
+                        <a:t>0.716</a:t>
+                      </a:r>
+                    </a:p>
+                  </a:txBody>
+                  <a:tcPr anchor="ctr"/>
+                </a:tc>
+                <a:tc>
+                  <a:txBody>
+                    <a:bodyPr/>
+                    <a:lstStyle/>
+                    <a:p>
+                      <a:pPr algn="ctr"/>
+                      <a:r>
+                        <a:rPr lang="en-US" dirty="0"/>
+                        <a:t>0.3666</a:t>
+                      </a:r>
                     </a:p>
                   </a:txBody>
                   <a:tcPr anchor="ctr"/>

--- a/BSD_Figures.pptx
+++ b/BSD_Figures.pptx
@@ -46137,10 +46137,9 @@
                     <a:p>
                       <a:pPr algn="ctr"/>
                       <a:r>
-                        <a:rPr lang="en-US"/>
+                        <a:rPr lang="en-US" dirty="0"/>
                         <a:t>0.959</a:t>
                       </a:r>
-                      <a:endParaRPr lang="en-US" dirty="0"/>
                     </a:p>
                   </a:txBody>
                   <a:tcPr anchor="ctr"/>
@@ -46226,7 +46225,11 @@
             <a:graphicFrameLocks noGrp="1"/>
           </p:cNvGraphicFramePr>
           <p:nvPr>
-            <p:extLst/>
+            <p:extLst>
+              <p:ext uri="{D42A27DB-BD31-4B8C-83A1-F6EECF244321}">
+                <p14:modId xmlns:p14="http://schemas.microsoft.com/office/powerpoint/2010/main" val="3420436362"/>
+              </p:ext>
+            </p:extLst>
           </p:nvPr>
         </p:nvGraphicFramePr>
         <p:xfrm>
@@ -46416,62 +46419,80 @@
                     <a:lstStyle/>
                     <a:p>
                       <a:pPr algn="ctr"/>
-                      <a:endParaRPr lang="en-US" dirty="0"/>
-                    </a:p>
-                  </a:txBody>
-                  <a:tcPr anchor="ctr"/>
-                </a:tc>
-                <a:tc>
-                  <a:txBody>
-                    <a:bodyPr/>
-                    <a:lstStyle/>
-                    <a:p>
-                      <a:pPr algn="ctr"/>
-                      <a:endParaRPr lang="en-US" dirty="0"/>
-                    </a:p>
-                  </a:txBody>
-                  <a:tcPr anchor="ctr"/>
-                </a:tc>
-                <a:tc>
-                  <a:txBody>
-                    <a:bodyPr/>
-                    <a:lstStyle/>
-                    <a:p>
-                      <a:pPr algn="ctr"/>
-                      <a:endParaRPr lang="en-US" dirty="0"/>
-                    </a:p>
-                  </a:txBody>
-                  <a:tcPr anchor="ctr"/>
-                </a:tc>
-                <a:tc>
-                  <a:txBody>
-                    <a:bodyPr/>
-                    <a:lstStyle/>
-                    <a:p>
-                      <a:pPr algn="ctr"/>
-                      <a:endParaRPr lang="en-US" dirty="0"/>
-                    </a:p>
-                  </a:txBody>
-                  <a:tcPr anchor="ctr"/>
-                </a:tc>
-                <a:tc>
-                  <a:txBody>
-                    <a:bodyPr/>
-                    <a:lstStyle/>
-                    <a:p>
-                      <a:pPr algn="ctr"/>
-                      <a:endParaRPr lang="en-US" dirty="0"/>
-                    </a:p>
-                  </a:txBody>
-                  <a:tcPr anchor="ctr"/>
-                </a:tc>
-                <a:tc>
-                  <a:txBody>
-                    <a:bodyPr/>
-                    <a:lstStyle/>
-                    <a:p>
-                      <a:pPr algn="ctr"/>
-                      <a:endParaRPr lang="en-US" dirty="0"/>
+                      <a:r>
+                        <a:rPr lang="en-US" dirty="0"/>
+                        <a:t>0.860</a:t>
+                      </a:r>
+                    </a:p>
+                  </a:txBody>
+                  <a:tcPr anchor="ctr"/>
+                </a:tc>
+                <a:tc>
+                  <a:txBody>
+                    <a:bodyPr/>
+                    <a:lstStyle/>
+                    <a:p>
+                      <a:pPr algn="ctr"/>
+                      <a:r>
+                        <a:rPr lang="en-US" dirty="0"/>
+                        <a:t>0.863</a:t>
+                      </a:r>
+                    </a:p>
+                  </a:txBody>
+                  <a:tcPr anchor="ctr"/>
+                </a:tc>
+                <a:tc>
+                  <a:txBody>
+                    <a:bodyPr/>
+                    <a:lstStyle/>
+                    <a:p>
+                      <a:pPr algn="ctr"/>
+                      <a:r>
+                        <a:rPr lang="en-US" dirty="0"/>
+                        <a:t>0.801</a:t>
+                      </a:r>
+                    </a:p>
+                  </a:txBody>
+                  <a:tcPr anchor="ctr"/>
+                </a:tc>
+                <a:tc>
+                  <a:txBody>
+                    <a:bodyPr/>
+                    <a:lstStyle/>
+                    <a:p>
+                      <a:pPr algn="ctr"/>
+                      <a:r>
+                        <a:rPr lang="en-US" dirty="0"/>
+                        <a:t>0.905</a:t>
+                      </a:r>
+                    </a:p>
+                  </a:txBody>
+                  <a:tcPr anchor="ctr"/>
+                </a:tc>
+                <a:tc>
+                  <a:txBody>
+                    <a:bodyPr/>
+                    <a:lstStyle/>
+                    <a:p>
+                      <a:pPr algn="ctr"/>
+                      <a:r>
+                        <a:rPr lang="en-US" dirty="0"/>
+                        <a:t>0.831</a:t>
+                      </a:r>
+                    </a:p>
+                  </a:txBody>
+                  <a:tcPr anchor="ctr"/>
+                </a:tc>
+                <a:tc>
+                  <a:txBody>
+                    <a:bodyPr/>
+                    <a:lstStyle/>
+                    <a:p>
+                      <a:pPr algn="ctr"/>
+                      <a:r>
+                        <a:rPr lang="en-US" dirty="0"/>
+                        <a:t>0.3473</a:t>
+                      </a:r>
                     </a:p>
                   </a:txBody>
                   <a:tcPr anchor="ctr"/>
@@ -46503,62 +46524,80 @@
                     <a:lstStyle/>
                     <a:p>
                       <a:pPr algn="ctr"/>
-                      <a:endParaRPr lang="en-US" dirty="0"/>
-                    </a:p>
-                  </a:txBody>
-                  <a:tcPr anchor="ctr"/>
-                </a:tc>
-                <a:tc>
-                  <a:txBody>
-                    <a:bodyPr/>
-                    <a:lstStyle/>
-                    <a:p>
-                      <a:pPr algn="ctr"/>
-                      <a:endParaRPr lang="en-US" dirty="0"/>
-                    </a:p>
-                  </a:txBody>
-                  <a:tcPr anchor="ctr"/>
-                </a:tc>
-                <a:tc>
-                  <a:txBody>
-                    <a:bodyPr/>
-                    <a:lstStyle/>
-                    <a:p>
-                      <a:pPr algn="ctr"/>
-                      <a:endParaRPr lang="en-US" dirty="0"/>
-                    </a:p>
-                  </a:txBody>
-                  <a:tcPr anchor="ctr"/>
-                </a:tc>
-                <a:tc>
-                  <a:txBody>
-                    <a:bodyPr/>
-                    <a:lstStyle/>
-                    <a:p>
-                      <a:pPr algn="ctr"/>
-                      <a:endParaRPr lang="en-US" dirty="0"/>
-                    </a:p>
-                  </a:txBody>
-                  <a:tcPr anchor="ctr"/>
-                </a:tc>
-                <a:tc>
-                  <a:txBody>
-                    <a:bodyPr/>
-                    <a:lstStyle/>
-                    <a:p>
-                      <a:pPr algn="ctr"/>
-                      <a:endParaRPr lang="en-US" dirty="0"/>
-                    </a:p>
-                  </a:txBody>
-                  <a:tcPr anchor="ctr"/>
-                </a:tc>
-                <a:tc>
-                  <a:txBody>
-                    <a:bodyPr/>
-                    <a:lstStyle/>
-                    <a:p>
-                      <a:pPr algn="ctr"/>
-                      <a:endParaRPr lang="en-US" dirty="0"/>
+                      <a:r>
+                        <a:rPr lang="en-US" dirty="0"/>
+                        <a:t>0.857</a:t>
+                      </a:r>
+                    </a:p>
+                  </a:txBody>
+                  <a:tcPr anchor="ctr"/>
+                </a:tc>
+                <a:tc>
+                  <a:txBody>
+                    <a:bodyPr/>
+                    <a:lstStyle/>
+                    <a:p>
+                      <a:pPr algn="ctr"/>
+                      <a:r>
+                        <a:rPr lang="en-US" dirty="0"/>
+                        <a:t>0.878</a:t>
+                      </a:r>
+                    </a:p>
+                  </a:txBody>
+                  <a:tcPr anchor="ctr"/>
+                </a:tc>
+                <a:tc>
+                  <a:txBody>
+                    <a:bodyPr/>
+                    <a:lstStyle/>
+                    <a:p>
+                      <a:pPr algn="ctr"/>
+                      <a:r>
+                        <a:rPr lang="en-US" dirty="0"/>
+                        <a:t>0.774</a:t>
+                      </a:r>
+                    </a:p>
+                  </a:txBody>
+                  <a:tcPr anchor="ctr"/>
+                </a:tc>
+                <a:tc>
+                  <a:txBody>
+                    <a:bodyPr/>
+                    <a:lstStyle/>
+                    <a:p>
+                      <a:pPr algn="ctr"/>
+                      <a:r>
+                        <a:rPr lang="en-US" dirty="0"/>
+                        <a:t>0.919</a:t>
+                      </a:r>
+                    </a:p>
+                  </a:txBody>
+                  <a:tcPr anchor="ctr"/>
+                </a:tc>
+                <a:tc>
+                  <a:txBody>
+                    <a:bodyPr/>
+                    <a:lstStyle/>
+                    <a:p>
+                      <a:pPr algn="ctr"/>
+                      <a:r>
+                        <a:rPr lang="en-US" dirty="0"/>
+                        <a:t>0.823</a:t>
+                      </a:r>
+                    </a:p>
+                  </a:txBody>
+                  <a:tcPr anchor="ctr"/>
+                </a:tc>
+                <a:tc>
+                  <a:txBody>
+                    <a:bodyPr/>
+                    <a:lstStyle/>
+                    <a:p>
+                      <a:pPr algn="ctr"/>
+                      <a:r>
+                        <a:rPr lang="en-US" dirty="0"/>
+                        <a:t>0.3545</a:t>
+                      </a:r>
                     </a:p>
                   </a:txBody>
                   <a:tcPr anchor="ctr"/>
@@ -46595,86 +46634,104 @@
                     <a:lstStyle/>
                     <a:p>
                       <a:pPr algn="ctr"/>
-                      <a:endParaRPr lang="en-US" dirty="0">
-                        <a:solidFill>
-                          <a:srgbClr val="FF0000"/>
-                        </a:solidFill>
-                      </a:endParaRPr>
-                    </a:p>
-                  </a:txBody>
-                  <a:tcPr anchor="ctr"/>
-                </a:tc>
-                <a:tc>
-                  <a:txBody>
-                    <a:bodyPr/>
-                    <a:lstStyle/>
-                    <a:p>
-                      <a:pPr algn="ctr"/>
-                      <a:endParaRPr lang="en-US" dirty="0">
-                        <a:solidFill>
-                          <a:srgbClr val="FF0000"/>
-                        </a:solidFill>
-                      </a:endParaRPr>
-                    </a:p>
-                  </a:txBody>
-                  <a:tcPr anchor="ctr"/>
-                </a:tc>
-                <a:tc>
-                  <a:txBody>
-                    <a:bodyPr/>
-                    <a:lstStyle/>
-                    <a:p>
-                      <a:pPr algn="ctr"/>
-                      <a:endParaRPr lang="en-US" dirty="0">
-                        <a:solidFill>
-                          <a:srgbClr val="FF0000"/>
-                        </a:solidFill>
-                      </a:endParaRPr>
-                    </a:p>
-                  </a:txBody>
-                  <a:tcPr anchor="ctr"/>
-                </a:tc>
-                <a:tc>
-                  <a:txBody>
-                    <a:bodyPr/>
-                    <a:lstStyle/>
-                    <a:p>
-                      <a:pPr algn="ctr"/>
-                      <a:endParaRPr lang="en-US" dirty="0">
-                        <a:solidFill>
-                          <a:srgbClr val="FF0000"/>
-                        </a:solidFill>
-                      </a:endParaRPr>
-                    </a:p>
-                  </a:txBody>
-                  <a:tcPr anchor="ctr"/>
-                </a:tc>
-                <a:tc>
-                  <a:txBody>
-                    <a:bodyPr/>
-                    <a:lstStyle/>
-                    <a:p>
-                      <a:pPr algn="ctr"/>
-                      <a:endParaRPr lang="en-US" dirty="0">
-                        <a:solidFill>
-                          <a:srgbClr val="FF0000"/>
-                        </a:solidFill>
-                      </a:endParaRPr>
-                    </a:p>
-                  </a:txBody>
-                  <a:tcPr anchor="ctr"/>
-                </a:tc>
-                <a:tc>
-                  <a:txBody>
-                    <a:bodyPr/>
-                    <a:lstStyle/>
-                    <a:p>
-                      <a:pPr algn="ctr"/>
-                      <a:endParaRPr lang="en-US" dirty="0">
-                        <a:solidFill>
-                          <a:srgbClr val="FF0000"/>
-                        </a:solidFill>
-                      </a:endParaRPr>
+                      <a:r>
+                        <a:rPr lang="en-US" dirty="0">
+                          <a:solidFill>
+                            <a:srgbClr val="FF0000"/>
+                          </a:solidFill>
+                        </a:rPr>
+                        <a:t>0.851</a:t>
+                      </a:r>
+                    </a:p>
+                  </a:txBody>
+                  <a:tcPr anchor="ctr"/>
+                </a:tc>
+                <a:tc>
+                  <a:txBody>
+                    <a:bodyPr/>
+                    <a:lstStyle/>
+                    <a:p>
+                      <a:pPr algn="ctr"/>
+                      <a:r>
+                        <a:rPr lang="en-US" dirty="0">
+                          <a:solidFill>
+                            <a:srgbClr val="FF0000"/>
+                          </a:solidFill>
+                        </a:rPr>
+                        <a:t>0.799</a:t>
+                      </a:r>
+                    </a:p>
+                  </a:txBody>
+                  <a:tcPr anchor="ctr"/>
+                </a:tc>
+                <a:tc>
+                  <a:txBody>
+                    <a:bodyPr/>
+                    <a:lstStyle/>
+                    <a:p>
+                      <a:pPr algn="ctr"/>
+                      <a:r>
+                        <a:rPr lang="en-US" dirty="0">
+                          <a:solidFill>
+                            <a:srgbClr val="FF0000"/>
+                          </a:solidFill>
+                        </a:rPr>
+                        <a:t>0.872</a:t>
+                      </a:r>
+                    </a:p>
+                  </a:txBody>
+                  <a:tcPr anchor="ctr"/>
+                </a:tc>
+                <a:tc>
+                  <a:txBody>
+                    <a:bodyPr/>
+                    <a:lstStyle/>
+                    <a:p>
+                      <a:pPr algn="ctr"/>
+                      <a:r>
+                        <a:rPr lang="en-US" dirty="0">
+                          <a:solidFill>
+                            <a:srgbClr val="FF0000"/>
+                          </a:solidFill>
+                        </a:rPr>
+                        <a:t>0.835</a:t>
+                      </a:r>
+                    </a:p>
+                  </a:txBody>
+                  <a:tcPr anchor="ctr"/>
+                </a:tc>
+                <a:tc>
+                  <a:txBody>
+                    <a:bodyPr/>
+                    <a:lstStyle/>
+                    <a:p>
+                      <a:pPr algn="ctr"/>
+                      <a:r>
+                        <a:rPr lang="en-US" dirty="0">
+                          <a:solidFill>
+                            <a:srgbClr val="FF0000"/>
+                          </a:solidFill>
+                        </a:rPr>
+                        <a:t>0.834</a:t>
+                      </a:r>
+                    </a:p>
+                  </a:txBody>
+                  <a:tcPr anchor="ctr"/>
+                </a:tc>
+                <a:tc>
+                  <a:txBody>
+                    <a:bodyPr/>
+                    <a:lstStyle/>
+                    <a:p>
+                      <a:pPr algn="ctr"/>
+                      <a:r>
+                        <a:rPr lang="en-US" dirty="0">
+                          <a:solidFill>
+                            <a:srgbClr val="FF0000"/>
+                          </a:solidFill>
+                        </a:rPr>
+                        <a:t>0.4189</a:t>
+                      </a:r>
                     </a:p>
                   </a:txBody>
                   <a:tcPr anchor="ctr"/>
@@ -46706,62 +46763,80 @@
                     <a:lstStyle/>
                     <a:p>
                       <a:pPr algn="ctr"/>
-                      <a:endParaRPr lang="en-US" dirty="0"/>
-                    </a:p>
-                  </a:txBody>
-                  <a:tcPr anchor="ctr"/>
-                </a:tc>
-                <a:tc>
-                  <a:txBody>
-                    <a:bodyPr/>
-                    <a:lstStyle/>
-                    <a:p>
-                      <a:pPr algn="ctr"/>
-                      <a:endParaRPr lang="en-US" dirty="0"/>
-                    </a:p>
-                  </a:txBody>
-                  <a:tcPr anchor="ctr"/>
-                </a:tc>
-                <a:tc>
-                  <a:txBody>
-                    <a:bodyPr/>
-                    <a:lstStyle/>
-                    <a:p>
-                      <a:pPr algn="ctr"/>
-                      <a:endParaRPr lang="en-US" dirty="0"/>
-                    </a:p>
-                  </a:txBody>
-                  <a:tcPr anchor="ctr"/>
-                </a:tc>
-                <a:tc>
-                  <a:txBody>
-                    <a:bodyPr/>
-                    <a:lstStyle/>
-                    <a:p>
-                      <a:pPr algn="ctr"/>
-                      <a:endParaRPr lang="en-US" dirty="0"/>
-                    </a:p>
-                  </a:txBody>
-                  <a:tcPr anchor="ctr"/>
-                </a:tc>
-                <a:tc>
-                  <a:txBody>
-                    <a:bodyPr/>
-                    <a:lstStyle/>
-                    <a:p>
-                      <a:pPr algn="ctr"/>
-                      <a:endParaRPr lang="en-US" dirty="0"/>
-                    </a:p>
-                  </a:txBody>
-                  <a:tcPr anchor="ctr"/>
-                </a:tc>
-                <a:tc>
-                  <a:txBody>
-                    <a:bodyPr/>
-                    <a:lstStyle/>
-                    <a:p>
-                      <a:pPr algn="ctr"/>
-                      <a:endParaRPr lang="en-US" dirty="0"/>
+                      <a:r>
+                        <a:rPr lang="en-US" dirty="0"/>
+                        <a:t>0.866</a:t>
+                      </a:r>
+                    </a:p>
+                  </a:txBody>
+                  <a:tcPr anchor="ctr"/>
+                </a:tc>
+                <a:tc>
+                  <a:txBody>
+                    <a:bodyPr/>
+                    <a:lstStyle/>
+                    <a:p>
+                      <a:pPr algn="ctr"/>
+                      <a:r>
+                        <a:rPr lang="en-US" dirty="0"/>
+                        <a:t>0.846</a:t>
+                      </a:r>
+                    </a:p>
+                  </a:txBody>
+                  <a:tcPr anchor="ctr"/>
+                </a:tc>
+                <a:tc>
+                  <a:txBody>
+                    <a:bodyPr/>
+                    <a:lstStyle/>
+                    <a:p>
+                      <a:pPr algn="ctr"/>
+                      <a:r>
+                        <a:rPr lang="en-US" dirty="0"/>
+                        <a:t>0.840</a:t>
+                      </a:r>
+                    </a:p>
+                  </a:txBody>
+                  <a:tcPr anchor="ctr"/>
+                </a:tc>
+                <a:tc>
+                  <a:txBody>
+                    <a:bodyPr/>
+                    <a:lstStyle/>
+                    <a:p>
+                      <a:pPr algn="ctr"/>
+                      <a:r>
+                        <a:rPr lang="en-US" dirty="0"/>
+                        <a:t>0.885</a:t>
+                      </a:r>
+                    </a:p>
+                  </a:txBody>
+                  <a:tcPr anchor="ctr"/>
+                </a:tc>
+                <a:tc>
+                  <a:txBody>
+                    <a:bodyPr/>
+                    <a:lstStyle/>
+                    <a:p>
+                      <a:pPr algn="ctr"/>
+                      <a:r>
+                        <a:rPr lang="en-US" dirty="0"/>
+                        <a:t>0.843</a:t>
+                      </a:r>
+                    </a:p>
+                  </a:txBody>
+                  <a:tcPr anchor="ctr"/>
+                </a:tc>
+                <a:tc>
+                  <a:txBody>
+                    <a:bodyPr/>
+                    <a:lstStyle/>
+                    <a:p>
+                      <a:pPr algn="ctr"/>
+                      <a:r>
+                        <a:rPr lang="en-US" dirty="0"/>
+                        <a:t>0.3408</a:t>
+                      </a:r>
                     </a:p>
                   </a:txBody>
                   <a:tcPr anchor="ctr"/>
@@ -46813,6 +46888,66 @@
                     <a:lstStyle/>
                     <a:p>
                       <a:pPr algn="ctr"/>
+                      <a:r>
+                        <a:rPr lang="en-US" dirty="0"/>
+                        <a:t>0.860</a:t>
+                      </a:r>
+                    </a:p>
+                  </a:txBody>
+                  <a:tcPr anchor="ctr"/>
+                </a:tc>
+                <a:tc>
+                  <a:txBody>
+                    <a:bodyPr/>
+                    <a:lstStyle/>
+                    <a:p>
+                      <a:pPr algn="ctr"/>
+                      <a:r>
+                        <a:rPr lang="en-US" dirty="0"/>
+                        <a:t>0.863</a:t>
+                      </a:r>
+                    </a:p>
+                  </a:txBody>
+                  <a:tcPr anchor="ctr"/>
+                </a:tc>
+                <a:tc>
+                  <a:txBody>
+                    <a:bodyPr/>
+                    <a:lstStyle/>
+                    <a:p>
+                      <a:pPr algn="ctr"/>
+                      <a:r>
+                        <a:rPr lang="en-US" dirty="0"/>
+                        <a:t>0.801</a:t>
+                      </a:r>
+                    </a:p>
+                  </a:txBody>
+                  <a:tcPr anchor="ctr"/>
+                </a:tc>
+                <a:tc>
+                  <a:txBody>
+                    <a:bodyPr/>
+                    <a:lstStyle/>
+                    <a:p>
+                      <a:pPr algn="ctr"/>
+                      <a:r>
+                        <a:rPr lang="en-US" dirty="0"/>
+                        <a:t>0.831</a:t>
+                      </a:r>
+                    </a:p>
+                  </a:txBody>
+                  <a:tcPr anchor="ctr"/>
+                </a:tc>
+                <a:tc>
+                  <a:txBody>
+                    <a:bodyPr/>
+                    <a:lstStyle/>
+                    <a:p>
+                      <a:pPr algn="ctr"/>
+                      <a:r>
+                        <a:rPr lang="en-US"/>
+                        <a:t>0.905</a:t>
+                      </a:r>
                       <a:endParaRPr lang="en-US" dirty="0"/>
                     </a:p>
                   </a:txBody>
@@ -46824,51 +46959,10 @@
                     <a:lstStyle/>
                     <a:p>
                       <a:pPr algn="ctr"/>
-                      <a:endParaRPr lang="en-US" dirty="0"/>
-                    </a:p>
-                  </a:txBody>
-                  <a:tcPr anchor="ctr"/>
-                </a:tc>
-                <a:tc>
-                  <a:txBody>
-                    <a:bodyPr/>
-                    <a:lstStyle/>
-                    <a:p>
-                      <a:pPr algn="ctr"/>
-                      <a:endParaRPr lang="en-US" dirty="0"/>
-                    </a:p>
-                  </a:txBody>
-                  <a:tcPr anchor="ctr"/>
-                </a:tc>
-                <a:tc>
-                  <a:txBody>
-                    <a:bodyPr/>
-                    <a:lstStyle/>
-                    <a:p>
-                      <a:pPr algn="ctr"/>
-                      <a:endParaRPr lang="en-US" dirty="0"/>
-                    </a:p>
-                  </a:txBody>
-                  <a:tcPr anchor="ctr"/>
-                </a:tc>
-                <a:tc>
-                  <a:txBody>
-                    <a:bodyPr/>
-                    <a:lstStyle/>
-                    <a:p>
-                      <a:pPr algn="ctr"/>
-                      <a:endParaRPr lang="en-US" dirty="0"/>
-                    </a:p>
-                  </a:txBody>
-                  <a:tcPr anchor="ctr"/>
-                </a:tc>
-                <a:tc>
-                  <a:txBody>
-                    <a:bodyPr/>
-                    <a:lstStyle/>
-                    <a:p>
-                      <a:pPr algn="ctr"/>
-                      <a:endParaRPr lang="en-US" dirty="0"/>
+                      <a:r>
+                        <a:rPr lang="en-US" dirty="0"/>
+                        <a:t>0.3473</a:t>
+                      </a:r>
                     </a:p>
                   </a:txBody>
                   <a:tcPr anchor="ctr"/>

--- a/BSD_Figures.pptx
+++ b/BSD_Figures.pptx
@@ -38199,7 +38199,7 @@
           <p:nvPr>
             <p:extLst>
               <p:ext uri="{D42A27DB-BD31-4B8C-83A1-F6EECF244321}">
-                <p14:modId xmlns:p14="http://schemas.microsoft.com/office/powerpoint/2010/main" val="1499550018"/>
+                <p14:modId xmlns:p14="http://schemas.microsoft.com/office/powerpoint/2010/main" val="2618594633"/>
               </p:ext>
             </p:extLst>
           </p:nvPr>
@@ -38391,62 +38391,80 @@
                     <a:lstStyle/>
                     <a:p>
                       <a:pPr algn="ctr"/>
-                      <a:endParaRPr lang="en-US" dirty="0"/>
-                    </a:p>
-                  </a:txBody>
-                  <a:tcPr anchor="ctr"/>
-                </a:tc>
-                <a:tc>
-                  <a:txBody>
-                    <a:bodyPr/>
-                    <a:lstStyle/>
-                    <a:p>
-                      <a:pPr algn="ctr"/>
-                      <a:endParaRPr lang="en-US" dirty="0"/>
-                    </a:p>
-                  </a:txBody>
-                  <a:tcPr anchor="ctr"/>
-                </a:tc>
-                <a:tc>
-                  <a:txBody>
-                    <a:bodyPr/>
-                    <a:lstStyle/>
-                    <a:p>
-                      <a:pPr algn="ctr"/>
-                      <a:endParaRPr lang="en-US" dirty="0"/>
-                    </a:p>
-                  </a:txBody>
-                  <a:tcPr anchor="ctr"/>
-                </a:tc>
-                <a:tc>
-                  <a:txBody>
-                    <a:bodyPr/>
-                    <a:lstStyle/>
-                    <a:p>
-                      <a:pPr algn="ctr"/>
-                      <a:endParaRPr lang="en-US" dirty="0"/>
-                    </a:p>
-                  </a:txBody>
-                  <a:tcPr anchor="ctr"/>
-                </a:tc>
-                <a:tc>
-                  <a:txBody>
-                    <a:bodyPr/>
-                    <a:lstStyle/>
-                    <a:p>
-                      <a:pPr algn="ctr"/>
-                      <a:endParaRPr lang="en-US" dirty="0"/>
-                    </a:p>
-                  </a:txBody>
-                  <a:tcPr anchor="ctr"/>
-                </a:tc>
-                <a:tc>
-                  <a:txBody>
-                    <a:bodyPr/>
-                    <a:lstStyle/>
-                    <a:p>
-                      <a:pPr algn="ctr"/>
-                      <a:endParaRPr lang="en-US" dirty="0"/>
+                      <a:r>
+                        <a:rPr lang="en-US" dirty="0"/>
+                        <a:t>0.852</a:t>
+                      </a:r>
+                    </a:p>
+                  </a:txBody>
+                  <a:tcPr anchor="ctr"/>
+                </a:tc>
+                <a:tc>
+                  <a:txBody>
+                    <a:bodyPr/>
+                    <a:lstStyle/>
+                    <a:p>
+                      <a:pPr algn="ctr"/>
+                      <a:r>
+                        <a:rPr lang="en-US" dirty="0"/>
+                        <a:t>0.835</a:t>
+                      </a:r>
+                    </a:p>
+                  </a:txBody>
+                  <a:tcPr anchor="ctr"/>
+                </a:tc>
+                <a:tc>
+                  <a:txBody>
+                    <a:bodyPr/>
+                    <a:lstStyle/>
+                    <a:p>
+                      <a:pPr algn="ctr"/>
+                      <a:r>
+                        <a:rPr lang="en-US" dirty="0"/>
+                        <a:t>0.700</a:t>
+                      </a:r>
+                    </a:p>
+                  </a:txBody>
+                  <a:tcPr anchor="ctr"/>
+                </a:tc>
+                <a:tc>
+                  <a:txBody>
+                    <a:bodyPr/>
+                    <a:lstStyle/>
+                    <a:p>
+                      <a:pPr algn="ctr"/>
+                      <a:r>
+                        <a:rPr lang="en-US" dirty="0"/>
+                        <a:t>0.930</a:t>
+                      </a:r>
+                    </a:p>
+                  </a:txBody>
+                  <a:tcPr anchor="ctr"/>
+                </a:tc>
+                <a:tc>
+                  <a:txBody>
+                    <a:bodyPr/>
+                    <a:lstStyle/>
+                    <a:p>
+                      <a:pPr algn="ctr"/>
+                      <a:r>
+                        <a:rPr lang="en-US" dirty="0"/>
+                        <a:t>0.761</a:t>
+                      </a:r>
+                    </a:p>
+                  </a:txBody>
+                  <a:tcPr anchor="ctr"/>
+                </a:tc>
+                <a:tc>
+                  <a:txBody>
+                    <a:bodyPr/>
+                    <a:lstStyle/>
+                    <a:p>
+                      <a:pPr algn="ctr"/>
+                      <a:r>
+                        <a:rPr lang="en-US" dirty="0"/>
+                        <a:t>0.3591</a:t>
+                      </a:r>
                     </a:p>
                   </a:txBody>
                   <a:tcPr anchor="ctr"/>
@@ -38478,62 +38496,80 @@
                     <a:lstStyle/>
                     <a:p>
                       <a:pPr algn="ctr"/>
-                      <a:endParaRPr lang="en-US" dirty="0"/>
-                    </a:p>
-                  </a:txBody>
-                  <a:tcPr anchor="ctr"/>
-                </a:tc>
-                <a:tc>
-                  <a:txBody>
-                    <a:bodyPr/>
-                    <a:lstStyle/>
-                    <a:p>
-                      <a:pPr algn="ctr"/>
-                      <a:endParaRPr lang="en-US" dirty="0"/>
-                    </a:p>
-                  </a:txBody>
-                  <a:tcPr anchor="ctr"/>
-                </a:tc>
-                <a:tc>
-                  <a:txBody>
-                    <a:bodyPr/>
-                    <a:lstStyle/>
-                    <a:p>
-                      <a:pPr algn="ctr"/>
-                      <a:endParaRPr lang="en-US" dirty="0"/>
-                    </a:p>
-                  </a:txBody>
-                  <a:tcPr anchor="ctr"/>
-                </a:tc>
-                <a:tc>
-                  <a:txBody>
-                    <a:bodyPr/>
-                    <a:lstStyle/>
-                    <a:p>
-                      <a:pPr algn="ctr"/>
-                      <a:endParaRPr lang="en-US" dirty="0"/>
-                    </a:p>
-                  </a:txBody>
-                  <a:tcPr anchor="ctr"/>
-                </a:tc>
-                <a:tc>
-                  <a:txBody>
-                    <a:bodyPr/>
-                    <a:lstStyle/>
-                    <a:p>
-                      <a:pPr algn="ctr"/>
-                      <a:endParaRPr lang="en-US" dirty="0"/>
-                    </a:p>
-                  </a:txBody>
-                  <a:tcPr anchor="ctr"/>
-                </a:tc>
-                <a:tc>
-                  <a:txBody>
-                    <a:bodyPr/>
-                    <a:lstStyle/>
-                    <a:p>
-                      <a:pPr algn="ctr"/>
-                      <a:endParaRPr lang="en-US" dirty="0"/>
+                      <a:r>
+                        <a:rPr lang="en-US" dirty="0"/>
+                        <a:t>0.843</a:t>
+                      </a:r>
+                    </a:p>
+                  </a:txBody>
+                  <a:tcPr anchor="ctr"/>
+                </a:tc>
+                <a:tc>
+                  <a:txBody>
+                    <a:bodyPr/>
+                    <a:lstStyle/>
+                    <a:p>
+                      <a:pPr algn="ctr"/>
+                      <a:r>
+                        <a:rPr lang="en-US" dirty="0"/>
+                        <a:t>0.853</a:t>
+                      </a:r>
+                    </a:p>
+                  </a:txBody>
+                  <a:tcPr anchor="ctr"/>
+                </a:tc>
+                <a:tc>
+                  <a:txBody>
+                    <a:bodyPr/>
+                    <a:lstStyle/>
+                    <a:p>
+                      <a:pPr algn="ctr"/>
+                      <a:r>
+                        <a:rPr lang="en-US" dirty="0"/>
+                        <a:t>0.647</a:t>
+                      </a:r>
+                    </a:p>
+                  </a:txBody>
+                  <a:tcPr anchor="ctr"/>
+                </a:tc>
+                <a:tc>
+                  <a:txBody>
+                    <a:bodyPr/>
+                    <a:lstStyle/>
+                    <a:p>
+                      <a:pPr algn="ctr"/>
+                      <a:r>
+                        <a:rPr lang="en-US" dirty="0"/>
+                        <a:t>0.943</a:t>
+                      </a:r>
+                    </a:p>
+                  </a:txBody>
+                  <a:tcPr anchor="ctr"/>
+                </a:tc>
+                <a:tc>
+                  <a:txBody>
+                    <a:bodyPr/>
+                    <a:lstStyle/>
+                    <a:p>
+                      <a:pPr algn="ctr"/>
+                      <a:r>
+                        <a:rPr lang="en-US" dirty="0"/>
+                        <a:t>0.736</a:t>
+                      </a:r>
+                    </a:p>
+                  </a:txBody>
+                  <a:tcPr anchor="ctr"/>
+                </a:tc>
+                <a:tc>
+                  <a:txBody>
+                    <a:bodyPr/>
+                    <a:lstStyle/>
+                    <a:p>
+                      <a:pPr algn="ctr"/>
+                      <a:r>
+                        <a:rPr lang="en-US" dirty="0"/>
+                        <a:t>0.3769</a:t>
+                      </a:r>
                     </a:p>
                   </a:txBody>
                   <a:tcPr anchor="ctr"/>
@@ -38570,86 +38606,104 @@
                     <a:lstStyle/>
                     <a:p>
                       <a:pPr algn="ctr"/>
-                      <a:endParaRPr lang="en-US" dirty="0">
-                        <a:solidFill>
-                          <a:srgbClr val="FF0000"/>
-                        </a:solidFill>
-                      </a:endParaRPr>
-                    </a:p>
-                  </a:txBody>
-                  <a:tcPr anchor="ctr"/>
-                </a:tc>
-                <a:tc>
-                  <a:txBody>
-                    <a:bodyPr/>
-                    <a:lstStyle/>
-                    <a:p>
-                      <a:pPr algn="ctr"/>
-                      <a:endParaRPr lang="en-US" dirty="0">
-                        <a:solidFill>
-                          <a:srgbClr val="FF0000"/>
-                        </a:solidFill>
-                      </a:endParaRPr>
-                    </a:p>
-                  </a:txBody>
-                  <a:tcPr anchor="ctr"/>
-                </a:tc>
-                <a:tc>
-                  <a:txBody>
-                    <a:bodyPr/>
-                    <a:lstStyle/>
-                    <a:p>
-                      <a:pPr algn="ctr"/>
-                      <a:endParaRPr lang="en-US" dirty="0">
-                        <a:solidFill>
-                          <a:srgbClr val="FF0000"/>
-                        </a:solidFill>
-                      </a:endParaRPr>
-                    </a:p>
-                  </a:txBody>
-                  <a:tcPr anchor="ctr"/>
-                </a:tc>
-                <a:tc>
-                  <a:txBody>
-                    <a:bodyPr/>
-                    <a:lstStyle/>
-                    <a:p>
-                      <a:pPr algn="ctr"/>
-                      <a:endParaRPr lang="en-US" dirty="0">
-                        <a:solidFill>
-                          <a:srgbClr val="FF0000"/>
-                        </a:solidFill>
-                      </a:endParaRPr>
-                    </a:p>
-                  </a:txBody>
-                  <a:tcPr anchor="ctr"/>
-                </a:tc>
-                <a:tc>
-                  <a:txBody>
-                    <a:bodyPr/>
-                    <a:lstStyle/>
-                    <a:p>
-                      <a:pPr algn="ctr"/>
-                      <a:endParaRPr lang="en-US" dirty="0">
-                        <a:solidFill>
-                          <a:srgbClr val="FF0000"/>
-                        </a:solidFill>
-                      </a:endParaRPr>
-                    </a:p>
-                  </a:txBody>
-                  <a:tcPr anchor="ctr"/>
-                </a:tc>
-                <a:tc>
-                  <a:txBody>
-                    <a:bodyPr/>
-                    <a:lstStyle/>
-                    <a:p>
-                      <a:pPr algn="ctr"/>
-                      <a:endParaRPr lang="en-US" dirty="0">
-                        <a:solidFill>
-                          <a:srgbClr val="FF0000"/>
-                        </a:solidFill>
-                      </a:endParaRPr>
+                      <a:r>
+                        <a:rPr lang="en-US" dirty="0">
+                          <a:solidFill>
+                            <a:srgbClr val="FF0000"/>
+                          </a:solidFill>
+                        </a:rPr>
+                        <a:t>0.819</a:t>
+                      </a:r>
+                    </a:p>
+                  </a:txBody>
+                  <a:tcPr anchor="ctr"/>
+                </a:tc>
+                <a:tc>
+                  <a:txBody>
+                    <a:bodyPr/>
+                    <a:lstStyle/>
+                    <a:p>
+                      <a:pPr algn="ctr"/>
+                      <a:r>
+                        <a:rPr lang="en-US" dirty="0">
+                          <a:solidFill>
+                            <a:srgbClr val="FF0000"/>
+                          </a:solidFill>
+                        </a:rPr>
+                        <a:t>0.697</a:t>
+                      </a:r>
+                    </a:p>
+                  </a:txBody>
+                  <a:tcPr anchor="ctr"/>
+                </a:tc>
+                <a:tc>
+                  <a:txBody>
+                    <a:bodyPr/>
+                    <a:lstStyle/>
+                    <a:p>
+                      <a:pPr algn="ctr"/>
+                      <a:r>
+                        <a:rPr lang="en-US" dirty="0">
+                          <a:solidFill>
+                            <a:srgbClr val="FF0000"/>
+                          </a:solidFill>
+                        </a:rPr>
+                        <a:t>0.822</a:t>
+                      </a:r>
+                    </a:p>
+                  </a:txBody>
+                  <a:tcPr anchor="ctr"/>
+                </a:tc>
+                <a:tc>
+                  <a:txBody>
+                    <a:bodyPr/>
+                    <a:lstStyle/>
+                    <a:p>
+                      <a:pPr algn="ctr"/>
+                      <a:r>
+                        <a:rPr lang="en-US" dirty="0">
+                          <a:solidFill>
+                            <a:srgbClr val="FF0000"/>
+                          </a:solidFill>
+                        </a:rPr>
+                        <a:t>0.818</a:t>
+                      </a:r>
+                    </a:p>
+                  </a:txBody>
+                  <a:tcPr anchor="ctr"/>
+                </a:tc>
+                <a:tc>
+                  <a:txBody>
+                    <a:bodyPr/>
+                    <a:lstStyle/>
+                    <a:p>
+                      <a:pPr algn="ctr"/>
+                      <a:r>
+                        <a:rPr lang="en-US" dirty="0">
+                          <a:solidFill>
+                            <a:srgbClr val="FF0000"/>
+                          </a:solidFill>
+                        </a:rPr>
+                        <a:t>0.754</a:t>
+                      </a:r>
+                    </a:p>
+                  </a:txBody>
+                  <a:tcPr anchor="ctr"/>
+                </a:tc>
+                <a:tc>
+                  <a:txBody>
+                    <a:bodyPr/>
+                    <a:lstStyle/>
+                    <a:p>
+                      <a:pPr algn="ctr"/>
+                      <a:r>
+                        <a:rPr lang="en-US" dirty="0">
+                          <a:solidFill>
+                            <a:srgbClr val="FF0000"/>
+                          </a:solidFill>
+                        </a:rPr>
+                        <a:t>0.5043</a:t>
+                      </a:r>
                     </a:p>
                   </a:txBody>
                   <a:tcPr anchor="ctr"/>
@@ -38681,62 +38735,80 @@
                     <a:lstStyle/>
                     <a:p>
                       <a:pPr algn="ctr"/>
-                      <a:endParaRPr lang="en-US" dirty="0"/>
-                    </a:p>
-                  </a:txBody>
-                  <a:tcPr anchor="ctr"/>
-                </a:tc>
-                <a:tc>
-                  <a:txBody>
-                    <a:bodyPr/>
-                    <a:lstStyle/>
-                    <a:p>
-                      <a:pPr algn="ctr"/>
-                      <a:endParaRPr lang="en-US" dirty="0"/>
-                    </a:p>
-                  </a:txBody>
-                  <a:tcPr anchor="ctr"/>
-                </a:tc>
-                <a:tc>
-                  <a:txBody>
-                    <a:bodyPr/>
-                    <a:lstStyle/>
-                    <a:p>
-                      <a:pPr algn="ctr"/>
-                      <a:endParaRPr lang="en-US" dirty="0"/>
-                    </a:p>
-                  </a:txBody>
-                  <a:tcPr anchor="ctr"/>
-                </a:tc>
-                <a:tc>
-                  <a:txBody>
-                    <a:bodyPr/>
-                    <a:lstStyle/>
-                    <a:p>
-                      <a:pPr algn="ctr"/>
-                      <a:endParaRPr lang="en-US" dirty="0"/>
-                    </a:p>
-                  </a:txBody>
-                  <a:tcPr anchor="ctr"/>
-                </a:tc>
-                <a:tc>
-                  <a:txBody>
-                    <a:bodyPr/>
-                    <a:lstStyle/>
-                    <a:p>
-                      <a:pPr algn="ctr"/>
-                      <a:endParaRPr lang="en-US" dirty="0"/>
-                    </a:p>
-                  </a:txBody>
-                  <a:tcPr anchor="ctr"/>
-                </a:tc>
-                <a:tc>
-                  <a:txBody>
-                    <a:bodyPr/>
-                    <a:lstStyle/>
-                    <a:p>
-                      <a:pPr algn="ctr"/>
-                      <a:endParaRPr lang="en-US" dirty="0"/>
+                      <a:r>
+                        <a:rPr lang="en-US" dirty="0"/>
+                        <a:t>0.848</a:t>
+                      </a:r>
+                    </a:p>
+                  </a:txBody>
+                  <a:tcPr anchor="ctr"/>
+                </a:tc>
+                <a:tc>
+                  <a:txBody>
+                    <a:bodyPr/>
+                    <a:lstStyle/>
+                    <a:p>
+                      <a:pPr algn="ctr"/>
+                      <a:r>
+                        <a:rPr lang="en-US" dirty="0"/>
+                        <a:t>0.781</a:t>
+                      </a:r>
+                    </a:p>
+                  </a:txBody>
+                  <a:tcPr anchor="ctr"/>
+                </a:tc>
+                <a:tc>
+                  <a:txBody>
+                    <a:bodyPr/>
+                    <a:lstStyle/>
+                    <a:p>
+                      <a:pPr algn="ctr"/>
+                      <a:r>
+                        <a:rPr lang="en-US" dirty="0"/>
+                        <a:t>0.765</a:t>
+                      </a:r>
+                    </a:p>
+                  </a:txBody>
+                  <a:tcPr anchor="ctr"/>
+                </a:tc>
+                <a:tc>
+                  <a:txBody>
+                    <a:bodyPr/>
+                    <a:lstStyle/>
+                    <a:p>
+                      <a:pPr algn="ctr"/>
+                      <a:r>
+                        <a:rPr lang="en-US" dirty="0"/>
+                        <a:t>0.891</a:t>
+                      </a:r>
+                    </a:p>
+                  </a:txBody>
+                  <a:tcPr anchor="ctr"/>
+                </a:tc>
+                <a:tc>
+                  <a:txBody>
+                    <a:bodyPr/>
+                    <a:lstStyle/>
+                    <a:p>
+                      <a:pPr algn="ctr"/>
+                      <a:r>
+                        <a:rPr lang="en-US" dirty="0"/>
+                        <a:t>0.773</a:t>
+                      </a:r>
+                    </a:p>
+                  </a:txBody>
+                  <a:tcPr anchor="ctr"/>
+                </a:tc>
+                <a:tc>
+                  <a:txBody>
+                    <a:bodyPr/>
+                    <a:lstStyle/>
+                    <a:p>
+                      <a:pPr algn="ctr"/>
+                      <a:r>
+                        <a:rPr lang="en-US" dirty="0"/>
+                        <a:t>0.3773</a:t>
+                      </a:r>
                     </a:p>
                   </a:txBody>
                   <a:tcPr anchor="ctr"/>
@@ -38788,62 +38860,80 @@
                     <a:lstStyle/>
                     <a:p>
                       <a:pPr algn="ctr"/>
-                      <a:endParaRPr lang="en-US" dirty="0"/>
-                    </a:p>
-                  </a:txBody>
-                  <a:tcPr anchor="ctr"/>
-                </a:tc>
-                <a:tc>
-                  <a:txBody>
-                    <a:bodyPr/>
-                    <a:lstStyle/>
-                    <a:p>
-                      <a:pPr algn="ctr"/>
-                      <a:endParaRPr lang="en-US" dirty="0"/>
-                    </a:p>
-                  </a:txBody>
-                  <a:tcPr anchor="ctr"/>
-                </a:tc>
-                <a:tc>
-                  <a:txBody>
-                    <a:bodyPr/>
-                    <a:lstStyle/>
-                    <a:p>
-                      <a:pPr algn="ctr"/>
-                      <a:endParaRPr lang="en-US" dirty="0"/>
-                    </a:p>
-                  </a:txBody>
-                  <a:tcPr anchor="ctr"/>
-                </a:tc>
-                <a:tc>
-                  <a:txBody>
-                    <a:bodyPr/>
-                    <a:lstStyle/>
-                    <a:p>
-                      <a:pPr algn="ctr"/>
-                      <a:endParaRPr lang="en-US" dirty="0"/>
-                    </a:p>
-                  </a:txBody>
-                  <a:tcPr anchor="ctr"/>
-                </a:tc>
-                <a:tc>
-                  <a:txBody>
-                    <a:bodyPr/>
-                    <a:lstStyle/>
-                    <a:p>
-                      <a:pPr algn="ctr"/>
-                      <a:endParaRPr lang="en-US" dirty="0"/>
-                    </a:p>
-                  </a:txBody>
-                  <a:tcPr anchor="ctr"/>
-                </a:tc>
-                <a:tc>
-                  <a:txBody>
-                    <a:bodyPr/>
-                    <a:lstStyle/>
-                    <a:p>
-                      <a:pPr algn="ctr"/>
-                      <a:endParaRPr lang="en-US" dirty="0"/>
+                      <a:r>
+                        <a:rPr lang="en-US" dirty="0"/>
+                        <a:t>0.852</a:t>
+                      </a:r>
+                    </a:p>
+                  </a:txBody>
+                  <a:tcPr anchor="ctr"/>
+                </a:tc>
+                <a:tc>
+                  <a:txBody>
+                    <a:bodyPr/>
+                    <a:lstStyle/>
+                    <a:p>
+                      <a:pPr algn="ctr"/>
+                      <a:r>
+                        <a:rPr lang="en-US" dirty="0"/>
+                        <a:t>0.835</a:t>
+                      </a:r>
+                    </a:p>
+                  </a:txBody>
+                  <a:tcPr anchor="ctr"/>
+                </a:tc>
+                <a:tc>
+                  <a:txBody>
+                    <a:bodyPr/>
+                    <a:lstStyle/>
+                    <a:p>
+                      <a:pPr algn="ctr"/>
+                      <a:r>
+                        <a:rPr lang="en-US" dirty="0"/>
+                        <a:t>0.700</a:t>
+                      </a:r>
+                    </a:p>
+                  </a:txBody>
+                  <a:tcPr anchor="ctr"/>
+                </a:tc>
+                <a:tc>
+                  <a:txBody>
+                    <a:bodyPr/>
+                    <a:lstStyle/>
+                    <a:p>
+                      <a:pPr algn="ctr"/>
+                      <a:r>
+                        <a:rPr lang="en-US" dirty="0"/>
+                        <a:t>0.930</a:t>
+                      </a:r>
+                    </a:p>
+                  </a:txBody>
+                  <a:tcPr anchor="ctr"/>
+                </a:tc>
+                <a:tc>
+                  <a:txBody>
+                    <a:bodyPr/>
+                    <a:lstStyle/>
+                    <a:p>
+                      <a:pPr algn="ctr"/>
+                      <a:r>
+                        <a:rPr lang="en-US" dirty="0"/>
+                        <a:t>0.761</a:t>
+                      </a:r>
+                    </a:p>
+                  </a:txBody>
+                  <a:tcPr anchor="ctr"/>
+                </a:tc>
+                <a:tc>
+                  <a:txBody>
+                    <a:bodyPr/>
+                    <a:lstStyle/>
+                    <a:p>
+                      <a:pPr algn="ctr"/>
+                      <a:r>
+                        <a:rPr lang="en-US" dirty="0"/>
+                        <a:t>0.3591</a:t>
+                      </a:r>
                     </a:p>
                   </a:txBody>
                   <a:tcPr anchor="ctr"/>
@@ -42993,7 +43083,11 @@
             <a:graphicFrameLocks noGrp="1"/>
           </p:cNvGraphicFramePr>
           <p:nvPr>
-            <p:extLst/>
+            <p:extLst>
+              <p:ext uri="{D42A27DB-BD31-4B8C-83A1-F6EECF244321}">
+                <p14:modId xmlns:p14="http://schemas.microsoft.com/office/powerpoint/2010/main" val="2325153822"/>
+              </p:ext>
+            </p:extLst>
           </p:nvPr>
         </p:nvGraphicFramePr>
         <p:xfrm>
@@ -43183,62 +43277,80 @@
                     <a:lstStyle/>
                     <a:p>
                       <a:pPr algn="ctr"/>
-                      <a:endParaRPr lang="en-US" dirty="0"/>
-                    </a:p>
-                  </a:txBody>
-                  <a:tcPr anchor="ctr"/>
-                </a:tc>
-                <a:tc>
-                  <a:txBody>
-                    <a:bodyPr/>
-                    <a:lstStyle/>
-                    <a:p>
-                      <a:pPr algn="ctr"/>
-                      <a:endParaRPr lang="en-US" dirty="0"/>
-                    </a:p>
-                  </a:txBody>
-                  <a:tcPr anchor="ctr"/>
-                </a:tc>
-                <a:tc>
-                  <a:txBody>
-                    <a:bodyPr/>
-                    <a:lstStyle/>
-                    <a:p>
-                      <a:pPr algn="ctr"/>
-                      <a:endParaRPr lang="en-US" dirty="0"/>
-                    </a:p>
-                  </a:txBody>
-                  <a:tcPr anchor="ctr"/>
-                </a:tc>
-                <a:tc>
-                  <a:txBody>
-                    <a:bodyPr/>
-                    <a:lstStyle/>
-                    <a:p>
-                      <a:pPr algn="ctr"/>
-                      <a:endParaRPr lang="en-US" dirty="0"/>
-                    </a:p>
-                  </a:txBody>
-                  <a:tcPr anchor="ctr"/>
-                </a:tc>
-                <a:tc>
-                  <a:txBody>
-                    <a:bodyPr/>
-                    <a:lstStyle/>
-                    <a:p>
-                      <a:pPr algn="ctr"/>
-                      <a:endParaRPr lang="en-US" dirty="0"/>
-                    </a:p>
-                  </a:txBody>
-                  <a:tcPr anchor="ctr"/>
-                </a:tc>
-                <a:tc>
-                  <a:txBody>
-                    <a:bodyPr/>
-                    <a:lstStyle/>
-                    <a:p>
-                      <a:pPr algn="ctr"/>
-                      <a:endParaRPr lang="en-US" dirty="0"/>
+                      <a:r>
+                        <a:rPr lang="en-US" dirty="0"/>
+                        <a:t>0.814</a:t>
+                      </a:r>
+                    </a:p>
+                  </a:txBody>
+                  <a:tcPr anchor="ctr"/>
+                </a:tc>
+                <a:tc>
+                  <a:txBody>
+                    <a:bodyPr/>
+                    <a:lstStyle/>
+                    <a:p>
+                      <a:pPr algn="ctr"/>
+                      <a:r>
+                        <a:rPr lang="en-US" dirty="0"/>
+                        <a:t>0.843</a:t>
+                      </a:r>
+                    </a:p>
+                  </a:txBody>
+                  <a:tcPr anchor="ctr"/>
+                </a:tc>
+                <a:tc>
+                  <a:txBody>
+                    <a:bodyPr/>
+                    <a:lstStyle/>
+                    <a:p>
+                      <a:pPr algn="ctr"/>
+                      <a:r>
+                        <a:rPr lang="en-US" dirty="0"/>
+                        <a:t>0.661</a:t>
+                      </a:r>
+                    </a:p>
+                  </a:txBody>
+                  <a:tcPr anchor="ctr"/>
+                </a:tc>
+                <a:tc>
+                  <a:txBody>
+                    <a:bodyPr/>
+                    <a:lstStyle/>
+                    <a:p>
+                      <a:pPr algn="ctr"/>
+                      <a:r>
+                        <a:rPr lang="en-US" dirty="0"/>
+                        <a:t>0.917</a:t>
+                      </a:r>
+                    </a:p>
+                  </a:txBody>
+                  <a:tcPr anchor="ctr"/>
+                </a:tc>
+                <a:tc>
+                  <a:txBody>
+                    <a:bodyPr/>
+                    <a:lstStyle/>
+                    <a:p>
+                      <a:pPr algn="ctr"/>
+                      <a:r>
+                        <a:rPr lang="en-US" dirty="0"/>
+                        <a:t>0.741</a:t>
+                      </a:r>
+                    </a:p>
+                  </a:txBody>
+                  <a:tcPr anchor="ctr"/>
+                </a:tc>
+                <a:tc>
+                  <a:txBody>
+                    <a:bodyPr/>
+                    <a:lstStyle/>
+                    <a:p>
+                      <a:pPr algn="ctr"/>
+                      <a:r>
+                        <a:rPr lang="en-US" dirty="0"/>
+                        <a:t>0.4384</a:t>
+                      </a:r>
                     </a:p>
                   </a:txBody>
                   <a:tcPr anchor="ctr"/>
@@ -43270,62 +43382,80 @@
                     <a:lstStyle/>
                     <a:p>
                       <a:pPr algn="ctr"/>
-                      <a:endParaRPr lang="en-US" dirty="0"/>
-                    </a:p>
-                  </a:txBody>
-                  <a:tcPr anchor="ctr"/>
-                </a:tc>
-                <a:tc>
-                  <a:txBody>
-                    <a:bodyPr/>
-                    <a:lstStyle/>
-                    <a:p>
-                      <a:pPr algn="ctr"/>
-                      <a:endParaRPr lang="en-US" dirty="0"/>
-                    </a:p>
-                  </a:txBody>
-                  <a:tcPr anchor="ctr"/>
-                </a:tc>
-                <a:tc>
-                  <a:txBody>
-                    <a:bodyPr/>
-                    <a:lstStyle/>
-                    <a:p>
-                      <a:pPr algn="ctr"/>
-                      <a:endParaRPr lang="en-US" dirty="0"/>
-                    </a:p>
-                  </a:txBody>
-                  <a:tcPr anchor="ctr"/>
-                </a:tc>
-                <a:tc>
-                  <a:txBody>
-                    <a:bodyPr/>
-                    <a:lstStyle/>
-                    <a:p>
-                      <a:pPr algn="ctr"/>
-                      <a:endParaRPr lang="en-US" dirty="0"/>
-                    </a:p>
-                  </a:txBody>
-                  <a:tcPr anchor="ctr"/>
-                </a:tc>
-                <a:tc>
-                  <a:txBody>
-                    <a:bodyPr/>
-                    <a:lstStyle/>
-                    <a:p>
-                      <a:pPr algn="ctr"/>
-                      <a:endParaRPr lang="en-US" dirty="0"/>
-                    </a:p>
-                  </a:txBody>
-                  <a:tcPr anchor="ctr"/>
-                </a:tc>
-                <a:tc>
-                  <a:txBody>
-                    <a:bodyPr/>
-                    <a:lstStyle/>
-                    <a:p>
-                      <a:pPr algn="ctr"/>
-                      <a:endParaRPr lang="en-US" dirty="0"/>
+                      <a:r>
+                        <a:rPr lang="en-US" dirty="0"/>
+                        <a:t>0.793</a:t>
+                      </a:r>
+                    </a:p>
+                  </a:txBody>
+                  <a:tcPr anchor="ctr"/>
+                </a:tc>
+                <a:tc>
+                  <a:txBody>
+                    <a:bodyPr/>
+                    <a:lstStyle/>
+                    <a:p>
+                      <a:pPr algn="ctr"/>
+                      <a:r>
+                        <a:rPr lang="en-US" dirty="0"/>
+                        <a:t>0.828</a:t>
+                      </a:r>
+                    </a:p>
+                  </a:txBody>
+                  <a:tcPr anchor="ctr"/>
+                </a:tc>
+                <a:tc>
+                  <a:txBody>
+                    <a:bodyPr/>
+                    <a:lstStyle/>
+                    <a:p>
+                      <a:pPr algn="ctr"/>
+                      <a:r>
+                        <a:rPr lang="en-US" dirty="0"/>
+                        <a:t>0.612</a:t>
+                      </a:r>
+                    </a:p>
+                  </a:txBody>
+                  <a:tcPr anchor="ctr"/>
+                </a:tc>
+                <a:tc>
+                  <a:txBody>
+                    <a:bodyPr/>
+                    <a:lstStyle/>
+                    <a:p>
+                      <a:pPr algn="ctr"/>
+                      <a:r>
+                        <a:rPr lang="en-US" dirty="0"/>
+                        <a:t>0.914</a:t>
+                      </a:r>
+                    </a:p>
+                  </a:txBody>
+                  <a:tcPr anchor="ctr"/>
+                </a:tc>
+                <a:tc>
+                  <a:txBody>
+                    <a:bodyPr/>
+                    <a:lstStyle/>
+                    <a:p>
+                      <a:pPr algn="ctr"/>
+                      <a:r>
+                        <a:rPr lang="en-US" dirty="0"/>
+                        <a:t>0.704</a:t>
+                      </a:r>
+                    </a:p>
+                  </a:txBody>
+                  <a:tcPr anchor="ctr"/>
+                </a:tc>
+                <a:tc>
+                  <a:txBody>
+                    <a:bodyPr/>
+                    <a:lstStyle/>
+                    <a:p>
+                      <a:pPr algn="ctr"/>
+                      <a:r>
+                        <a:rPr lang="en-US" dirty="0"/>
+                        <a:t>0.4541</a:t>
+                      </a:r>
                     </a:p>
                   </a:txBody>
                   <a:tcPr anchor="ctr"/>
@@ -43362,86 +43492,104 @@
                     <a:lstStyle/>
                     <a:p>
                       <a:pPr algn="ctr"/>
-                      <a:endParaRPr lang="en-US" dirty="0">
-                        <a:solidFill>
-                          <a:srgbClr val="FF0000"/>
-                        </a:solidFill>
-                      </a:endParaRPr>
-                    </a:p>
-                  </a:txBody>
-                  <a:tcPr anchor="ctr"/>
-                </a:tc>
-                <a:tc>
-                  <a:txBody>
-                    <a:bodyPr/>
-                    <a:lstStyle/>
-                    <a:p>
-                      <a:pPr algn="ctr"/>
-                      <a:endParaRPr lang="en-US" dirty="0">
-                        <a:solidFill>
-                          <a:srgbClr val="FF0000"/>
-                        </a:solidFill>
-                      </a:endParaRPr>
-                    </a:p>
-                  </a:txBody>
-                  <a:tcPr anchor="ctr"/>
-                </a:tc>
-                <a:tc>
-                  <a:txBody>
-                    <a:bodyPr/>
-                    <a:lstStyle/>
-                    <a:p>
-                      <a:pPr algn="ctr"/>
-                      <a:endParaRPr lang="en-US" dirty="0">
-                        <a:solidFill>
-                          <a:srgbClr val="FF0000"/>
-                        </a:solidFill>
-                      </a:endParaRPr>
-                    </a:p>
-                  </a:txBody>
-                  <a:tcPr anchor="ctr"/>
-                </a:tc>
-                <a:tc>
-                  <a:txBody>
-                    <a:bodyPr/>
-                    <a:lstStyle/>
-                    <a:p>
-                      <a:pPr algn="ctr"/>
-                      <a:endParaRPr lang="en-US" dirty="0">
-                        <a:solidFill>
-                          <a:srgbClr val="FF0000"/>
-                        </a:solidFill>
-                      </a:endParaRPr>
-                    </a:p>
-                  </a:txBody>
-                  <a:tcPr anchor="ctr"/>
-                </a:tc>
-                <a:tc>
-                  <a:txBody>
-                    <a:bodyPr/>
-                    <a:lstStyle/>
-                    <a:p>
-                      <a:pPr algn="ctr"/>
-                      <a:endParaRPr lang="en-US" dirty="0">
-                        <a:solidFill>
-                          <a:srgbClr val="FF0000"/>
-                        </a:solidFill>
-                      </a:endParaRPr>
-                    </a:p>
-                  </a:txBody>
-                  <a:tcPr anchor="ctr"/>
-                </a:tc>
-                <a:tc>
-                  <a:txBody>
-                    <a:bodyPr/>
-                    <a:lstStyle/>
-                    <a:p>
-                      <a:pPr algn="ctr"/>
-                      <a:endParaRPr lang="en-US" dirty="0">
-                        <a:solidFill>
-                          <a:srgbClr val="FF0000"/>
-                        </a:solidFill>
-                      </a:endParaRPr>
+                      <a:r>
+                        <a:rPr lang="en-US" dirty="0">
+                          <a:solidFill>
+                            <a:srgbClr val="FF0000"/>
+                          </a:solidFill>
+                        </a:rPr>
+                        <a:t>0.778</a:t>
+                      </a:r>
+                    </a:p>
+                  </a:txBody>
+                  <a:tcPr anchor="ctr"/>
+                </a:tc>
+                <a:tc>
+                  <a:txBody>
+                    <a:bodyPr/>
+                    <a:lstStyle/>
+                    <a:p>
+                      <a:pPr algn="ctr"/>
+                      <a:r>
+                        <a:rPr lang="en-US" dirty="0">
+                          <a:solidFill>
+                            <a:srgbClr val="FF0000"/>
+                          </a:solidFill>
+                        </a:rPr>
+                        <a:t>0.697</a:t>
+                      </a:r>
+                    </a:p>
+                  </a:txBody>
+                  <a:tcPr anchor="ctr"/>
+                </a:tc>
+                <a:tc>
+                  <a:txBody>
+                    <a:bodyPr/>
+                    <a:lstStyle/>
+                    <a:p>
+                      <a:pPr algn="ctr"/>
+                      <a:r>
+                        <a:rPr lang="en-US" dirty="0">
+                          <a:solidFill>
+                            <a:srgbClr val="FF0000"/>
+                          </a:solidFill>
+                        </a:rPr>
+                        <a:t>0.795</a:t>
+                      </a:r>
+                    </a:p>
+                  </a:txBody>
+                  <a:tcPr anchor="ctr"/>
+                </a:tc>
+                <a:tc>
+                  <a:txBody>
+                    <a:bodyPr/>
+                    <a:lstStyle/>
+                    <a:p>
+                      <a:pPr algn="ctr"/>
+                      <a:r>
+                        <a:rPr lang="en-US" dirty="0">
+                          <a:solidFill>
+                            <a:srgbClr val="FF0000"/>
+                          </a:solidFill>
+                        </a:rPr>
+                        <a:t>0.767</a:t>
+                      </a:r>
+                    </a:p>
+                  </a:txBody>
+                  <a:tcPr anchor="ctr"/>
+                </a:tc>
+                <a:tc>
+                  <a:txBody>
+                    <a:bodyPr/>
+                    <a:lstStyle/>
+                    <a:p>
+                      <a:pPr algn="ctr"/>
+                      <a:r>
+                        <a:rPr lang="en-US" dirty="0">
+                          <a:solidFill>
+                            <a:srgbClr val="FF0000"/>
+                          </a:solidFill>
+                        </a:rPr>
+                        <a:t>0.743</a:t>
+                      </a:r>
+                    </a:p>
+                  </a:txBody>
+                  <a:tcPr anchor="ctr"/>
+                </a:tc>
+                <a:tc>
+                  <a:txBody>
+                    <a:bodyPr/>
+                    <a:lstStyle/>
+                    <a:p>
+                      <a:pPr algn="ctr"/>
+                      <a:r>
+                        <a:rPr lang="en-US" dirty="0">
+                          <a:solidFill>
+                            <a:srgbClr val="FF0000"/>
+                          </a:solidFill>
+                        </a:rPr>
+                        <a:t>0.5829</a:t>
+                      </a:r>
                     </a:p>
                   </a:txBody>
                   <a:tcPr anchor="ctr"/>
@@ -43473,62 +43621,80 @@
                     <a:lstStyle/>
                     <a:p>
                       <a:pPr algn="ctr"/>
-                      <a:endParaRPr lang="en-US" dirty="0"/>
-                    </a:p>
-                  </a:txBody>
-                  <a:tcPr anchor="ctr"/>
-                </a:tc>
-                <a:tc>
-                  <a:txBody>
-                    <a:bodyPr/>
-                    <a:lstStyle/>
-                    <a:p>
-                      <a:pPr algn="ctr"/>
-                      <a:endParaRPr lang="en-US" dirty="0"/>
-                    </a:p>
-                  </a:txBody>
-                  <a:tcPr anchor="ctr"/>
-                </a:tc>
-                <a:tc>
-                  <a:txBody>
-                    <a:bodyPr/>
-                    <a:lstStyle/>
-                    <a:p>
-                      <a:pPr algn="ctr"/>
-                      <a:endParaRPr lang="en-US" dirty="0"/>
-                    </a:p>
-                  </a:txBody>
-                  <a:tcPr anchor="ctr"/>
-                </a:tc>
-                <a:tc>
-                  <a:txBody>
-                    <a:bodyPr/>
-                    <a:lstStyle/>
-                    <a:p>
-                      <a:pPr algn="ctr"/>
-                      <a:endParaRPr lang="en-US" dirty="0"/>
-                    </a:p>
-                  </a:txBody>
-                  <a:tcPr anchor="ctr"/>
-                </a:tc>
-                <a:tc>
-                  <a:txBody>
-                    <a:bodyPr/>
-                    <a:lstStyle/>
-                    <a:p>
-                      <a:pPr algn="ctr"/>
-                      <a:endParaRPr lang="en-US" dirty="0"/>
-                    </a:p>
-                  </a:txBody>
-                  <a:tcPr anchor="ctr"/>
-                </a:tc>
-                <a:tc>
-                  <a:txBody>
-                    <a:bodyPr/>
-                    <a:lstStyle/>
-                    <a:p>
-                      <a:pPr algn="ctr"/>
-                      <a:endParaRPr lang="en-US" dirty="0"/>
+                      <a:r>
+                        <a:rPr lang="en-US" dirty="0"/>
+                        <a:t>0.798</a:t>
+                      </a:r>
+                    </a:p>
+                  </a:txBody>
+                  <a:tcPr anchor="ctr"/>
+                </a:tc>
+                <a:tc>
+                  <a:txBody>
+                    <a:bodyPr/>
+                    <a:lstStyle/>
+                    <a:p>
+                      <a:pPr algn="ctr"/>
+                      <a:r>
+                        <a:rPr lang="en-US" dirty="0"/>
+                        <a:t>0.748</a:t>
+                      </a:r>
+                    </a:p>
+                  </a:txBody>
+                  <a:tcPr anchor="ctr"/>
+                </a:tc>
+                <a:tc>
+                  <a:txBody>
+                    <a:bodyPr/>
+                    <a:lstStyle/>
+                    <a:p>
+                      <a:pPr algn="ctr"/>
+                      <a:r>
+                        <a:rPr lang="en-US" dirty="0"/>
+                        <a:t>0.752</a:t>
+                      </a:r>
+                    </a:p>
+                  </a:txBody>
+                  <a:tcPr anchor="ctr"/>
+                </a:tc>
+                <a:tc>
+                  <a:txBody>
+                    <a:bodyPr/>
+                    <a:lstStyle/>
+                    <a:p>
+                      <a:pPr algn="ctr"/>
+                      <a:r>
+                        <a:rPr lang="en-US" dirty="0"/>
+                        <a:t>0.829</a:t>
+                      </a:r>
+                    </a:p>
+                  </a:txBody>
+                  <a:tcPr anchor="ctr"/>
+                </a:tc>
+                <a:tc>
+                  <a:txBody>
+                    <a:bodyPr/>
+                    <a:lstStyle/>
+                    <a:p>
+                      <a:pPr algn="ctr"/>
+                      <a:r>
+                        <a:rPr lang="en-US" dirty="0"/>
+                        <a:t>0.750</a:t>
+                      </a:r>
+                    </a:p>
+                  </a:txBody>
+                  <a:tcPr anchor="ctr"/>
+                </a:tc>
+                <a:tc>
+                  <a:txBody>
+                    <a:bodyPr/>
+                    <a:lstStyle/>
+                    <a:p>
+                      <a:pPr algn="ctr"/>
+                      <a:r>
+                        <a:rPr lang="en-US" dirty="0"/>
+                        <a:t>0.4616</a:t>
+                      </a:r>
                     </a:p>
                   </a:txBody>
                   <a:tcPr anchor="ctr"/>
@@ -43580,62 +43746,80 @@
                     <a:lstStyle/>
                     <a:p>
                       <a:pPr algn="ctr"/>
-                      <a:endParaRPr lang="en-US" dirty="0"/>
-                    </a:p>
-                  </a:txBody>
-                  <a:tcPr anchor="ctr"/>
-                </a:tc>
-                <a:tc>
-                  <a:txBody>
-                    <a:bodyPr/>
-                    <a:lstStyle/>
-                    <a:p>
-                      <a:pPr algn="ctr"/>
-                      <a:endParaRPr lang="en-US" dirty="0"/>
-                    </a:p>
-                  </a:txBody>
-                  <a:tcPr anchor="ctr"/>
-                </a:tc>
-                <a:tc>
-                  <a:txBody>
-                    <a:bodyPr/>
-                    <a:lstStyle/>
-                    <a:p>
-                      <a:pPr algn="ctr"/>
-                      <a:endParaRPr lang="en-US" dirty="0"/>
-                    </a:p>
-                  </a:txBody>
-                  <a:tcPr anchor="ctr"/>
-                </a:tc>
-                <a:tc>
-                  <a:txBody>
-                    <a:bodyPr/>
-                    <a:lstStyle/>
-                    <a:p>
-                      <a:pPr algn="ctr"/>
-                      <a:endParaRPr lang="en-US" dirty="0"/>
-                    </a:p>
-                  </a:txBody>
-                  <a:tcPr anchor="ctr"/>
-                </a:tc>
-                <a:tc>
-                  <a:txBody>
-                    <a:bodyPr/>
-                    <a:lstStyle/>
-                    <a:p>
-                      <a:pPr algn="ctr"/>
-                      <a:endParaRPr lang="en-US" dirty="0"/>
-                    </a:p>
-                  </a:txBody>
-                  <a:tcPr anchor="ctr"/>
-                </a:tc>
-                <a:tc>
-                  <a:txBody>
-                    <a:bodyPr/>
-                    <a:lstStyle/>
-                    <a:p>
-                      <a:pPr algn="ctr"/>
-                      <a:endParaRPr lang="en-US" dirty="0"/>
+                      <a:r>
+                        <a:rPr lang="en-US" dirty="0"/>
+                        <a:t>0.814</a:t>
+                      </a:r>
+                    </a:p>
+                  </a:txBody>
+                  <a:tcPr anchor="ctr"/>
+                </a:tc>
+                <a:tc>
+                  <a:txBody>
+                    <a:bodyPr/>
+                    <a:lstStyle/>
+                    <a:p>
+                      <a:pPr algn="ctr"/>
+                      <a:r>
+                        <a:rPr lang="en-US" dirty="0"/>
+                        <a:t>0.843</a:t>
+                      </a:r>
+                    </a:p>
+                  </a:txBody>
+                  <a:tcPr anchor="ctr"/>
+                </a:tc>
+                <a:tc>
+                  <a:txBody>
+                    <a:bodyPr/>
+                    <a:lstStyle/>
+                    <a:p>
+                      <a:pPr algn="ctr"/>
+                      <a:r>
+                        <a:rPr lang="en-US" dirty="0"/>
+                        <a:t>0.661</a:t>
+                      </a:r>
+                    </a:p>
+                  </a:txBody>
+                  <a:tcPr anchor="ctr"/>
+                </a:tc>
+                <a:tc>
+                  <a:txBody>
+                    <a:bodyPr/>
+                    <a:lstStyle/>
+                    <a:p>
+                      <a:pPr algn="ctr"/>
+                      <a:r>
+                        <a:rPr lang="en-US" dirty="0"/>
+                        <a:t>0.917</a:t>
+                      </a:r>
+                    </a:p>
+                  </a:txBody>
+                  <a:tcPr anchor="ctr"/>
+                </a:tc>
+                <a:tc>
+                  <a:txBody>
+                    <a:bodyPr/>
+                    <a:lstStyle/>
+                    <a:p>
+                      <a:pPr algn="ctr"/>
+                      <a:r>
+                        <a:rPr lang="en-US" dirty="0"/>
+                        <a:t>0.741</a:t>
+                      </a:r>
+                    </a:p>
+                  </a:txBody>
+                  <a:tcPr anchor="ctr"/>
+                </a:tc>
+                <a:tc>
+                  <a:txBody>
+                    <a:bodyPr/>
+                    <a:lstStyle/>
+                    <a:p>
+                      <a:pPr algn="ctr"/>
+                      <a:r>
+                        <a:rPr lang="en-US" dirty="0"/>
+                        <a:t>0.4384</a:t>
+                      </a:r>
                     </a:p>
                   </a:txBody>
                   <a:tcPr anchor="ctr"/>
@@ -46945,10 +47129,9 @@
                     <a:p>
                       <a:pPr algn="ctr"/>
                       <a:r>
-                        <a:rPr lang="en-US"/>
+                        <a:rPr lang="en-US" dirty="0"/>
                         <a:t>0.905</a:t>
                       </a:r>
-                      <a:endParaRPr lang="en-US" dirty="0"/>
                     </a:p>
                   </a:txBody>
                   <a:tcPr anchor="ctr"/>

--- a/BSD_Figures.pptx
+++ b/BSD_Figures.pptx
@@ -5,7 +5,7 @@
     <p:sldMasterId id="2147483648" r:id="rId1"/>
   </p:sldMasterIdLst>
   <p:notesMasterIdLst>
-    <p:notesMasterId r:id="rId93"/>
+    <p:notesMasterId r:id="rId94"/>
   </p:notesMasterIdLst>
   <p:sldIdLst>
     <p:sldId id="276" r:id="rId2"/>
@@ -89,16 +89,17 @@
     <p:sldId id="356" r:id="rId80"/>
     <p:sldId id="344" r:id="rId81"/>
     <p:sldId id="345" r:id="rId82"/>
-    <p:sldId id="350" r:id="rId83"/>
-    <p:sldId id="351" r:id="rId84"/>
-    <p:sldId id="352" r:id="rId85"/>
-    <p:sldId id="357" r:id="rId86"/>
-    <p:sldId id="358" r:id="rId87"/>
-    <p:sldId id="353" r:id="rId88"/>
-    <p:sldId id="354" r:id="rId89"/>
-    <p:sldId id="355" r:id="rId90"/>
-    <p:sldId id="359" r:id="rId91"/>
-    <p:sldId id="360" r:id="rId92"/>
+    <p:sldId id="361" r:id="rId83"/>
+    <p:sldId id="350" r:id="rId84"/>
+    <p:sldId id="351" r:id="rId85"/>
+    <p:sldId id="352" r:id="rId86"/>
+    <p:sldId id="357" r:id="rId87"/>
+    <p:sldId id="358" r:id="rId88"/>
+    <p:sldId id="353" r:id="rId89"/>
+    <p:sldId id="354" r:id="rId90"/>
+    <p:sldId id="355" r:id="rId91"/>
+    <p:sldId id="359" r:id="rId92"/>
+    <p:sldId id="360" r:id="rId93"/>
   </p:sldIdLst>
   <p:sldSz cx="12192000" cy="6858000"/>
   <p:notesSz cx="6858000" cy="9144000"/>
@@ -6627,7 +6628,7 @@
           <a:p>
             <a:fld id="{96F659EB-4D8A-254E-A6E4-E7898AF261B2}" type="datetimeFigureOut">
               <a:rPr lang="en-US" smtClean="0"/>
-              <a:t>5/12/20</a:t>
+              <a:t>5/15/20</a:t>
             </a:fld>
             <a:endParaRPr lang="en-US"/>
           </a:p>
@@ -7125,7 +7126,7 @@
           <a:p>
             <a:fld id="{7170159B-58A5-B047-8735-1AFBA8D9403D}" type="datetimeFigureOut">
               <a:rPr lang="en-US" smtClean="0"/>
-              <a:t>5/12/20</a:t>
+              <a:t>5/15/20</a:t>
             </a:fld>
             <a:endParaRPr lang="en-US"/>
           </a:p>
@@ -7323,7 +7324,7 @@
           <a:p>
             <a:fld id="{7170159B-58A5-B047-8735-1AFBA8D9403D}" type="datetimeFigureOut">
               <a:rPr lang="en-US" smtClean="0"/>
-              <a:t>5/12/20</a:t>
+              <a:t>5/15/20</a:t>
             </a:fld>
             <a:endParaRPr lang="en-US"/>
           </a:p>
@@ -7531,7 +7532,7 @@
           <a:p>
             <a:fld id="{7170159B-58A5-B047-8735-1AFBA8D9403D}" type="datetimeFigureOut">
               <a:rPr lang="en-US" smtClean="0"/>
-              <a:t>5/12/20</a:t>
+              <a:t>5/15/20</a:t>
             </a:fld>
             <a:endParaRPr lang="en-US"/>
           </a:p>
@@ -7729,7 +7730,7 @@
           <a:p>
             <a:fld id="{7170159B-58A5-B047-8735-1AFBA8D9403D}" type="datetimeFigureOut">
               <a:rPr lang="en-US" smtClean="0"/>
-              <a:t>5/12/20</a:t>
+              <a:t>5/15/20</a:t>
             </a:fld>
             <a:endParaRPr lang="en-US"/>
           </a:p>
@@ -8004,7 +8005,7 @@
           <a:p>
             <a:fld id="{7170159B-58A5-B047-8735-1AFBA8D9403D}" type="datetimeFigureOut">
               <a:rPr lang="en-US" smtClean="0"/>
-              <a:t>5/12/20</a:t>
+              <a:t>5/15/20</a:t>
             </a:fld>
             <a:endParaRPr lang="en-US"/>
           </a:p>
@@ -8269,7 +8270,7 @@
           <a:p>
             <a:fld id="{7170159B-58A5-B047-8735-1AFBA8D9403D}" type="datetimeFigureOut">
               <a:rPr lang="en-US" smtClean="0"/>
-              <a:t>5/12/20</a:t>
+              <a:t>5/15/20</a:t>
             </a:fld>
             <a:endParaRPr lang="en-US"/>
           </a:p>
@@ -8681,7 +8682,7 @@
           <a:p>
             <a:fld id="{7170159B-58A5-B047-8735-1AFBA8D9403D}" type="datetimeFigureOut">
               <a:rPr lang="en-US" smtClean="0"/>
-              <a:t>5/12/20</a:t>
+              <a:t>5/15/20</a:t>
             </a:fld>
             <a:endParaRPr lang="en-US"/>
           </a:p>
@@ -8822,7 +8823,7 @@
           <a:p>
             <a:fld id="{7170159B-58A5-B047-8735-1AFBA8D9403D}" type="datetimeFigureOut">
               <a:rPr lang="en-US" smtClean="0"/>
-              <a:t>5/12/20</a:t>
+              <a:t>5/15/20</a:t>
             </a:fld>
             <a:endParaRPr lang="en-US"/>
           </a:p>
@@ -8935,7 +8936,7 @@
           <a:p>
             <a:fld id="{7170159B-58A5-B047-8735-1AFBA8D9403D}" type="datetimeFigureOut">
               <a:rPr lang="en-US" smtClean="0"/>
-              <a:t>5/12/20</a:t>
+              <a:t>5/15/20</a:t>
             </a:fld>
             <a:endParaRPr lang="en-US"/>
           </a:p>
@@ -9246,7 +9247,7 @@
           <a:p>
             <a:fld id="{7170159B-58A5-B047-8735-1AFBA8D9403D}" type="datetimeFigureOut">
               <a:rPr lang="en-US" smtClean="0"/>
-              <a:t>5/12/20</a:t>
+              <a:t>5/15/20</a:t>
             </a:fld>
             <a:endParaRPr lang="en-US"/>
           </a:p>
@@ -9534,7 +9535,7 @@
           <a:p>
             <a:fld id="{7170159B-58A5-B047-8735-1AFBA8D9403D}" type="datetimeFigureOut">
               <a:rPr lang="en-US" smtClean="0"/>
-              <a:t>5/12/20</a:t>
+              <a:t>5/15/20</a:t>
             </a:fld>
             <a:endParaRPr lang="en-US"/>
           </a:p>
@@ -9775,7 +9776,7 @@
           <a:p>
             <a:fld id="{7170159B-58A5-B047-8735-1AFBA8D9403D}" type="datetimeFigureOut">
               <a:rPr lang="en-US" smtClean="0"/>
-              <a:t>5/12/20</a:t>
+              <a:t>5/15/20</a:t>
             </a:fld>
             <a:endParaRPr lang="en-US"/>
           </a:p>
@@ -40602,6 +40603,714 @@
           <a:chExt cx="0" cy="0"/>
         </a:xfrm>
       </p:grpSpPr>
+      <p:graphicFrame>
+        <p:nvGraphicFramePr>
+          <p:cNvPr id="4" name="Table 3">
+            <a:extLst>
+              <a:ext uri="{FF2B5EF4-FFF2-40B4-BE49-F238E27FC236}">
+                <a16:creationId xmlns:a16="http://schemas.microsoft.com/office/drawing/2014/main" id="{F3634E9B-F616-E548-A703-16000F2DD0FF}"/>
+              </a:ext>
+            </a:extLst>
+          </p:cNvPr>
+          <p:cNvGraphicFramePr>
+            <a:graphicFrameLocks noGrp="1"/>
+          </p:cNvGraphicFramePr>
+          <p:nvPr>
+            <p:extLst>
+              <p:ext uri="{D42A27DB-BD31-4B8C-83A1-F6EECF244321}">
+                <p14:modId xmlns:p14="http://schemas.microsoft.com/office/powerpoint/2010/main" val="4242364870"/>
+              </p:ext>
+            </p:extLst>
+          </p:nvPr>
+        </p:nvGraphicFramePr>
+        <p:xfrm>
+          <a:off x="674557" y="929527"/>
+          <a:ext cx="10942820" cy="5003825"/>
+        </p:xfrm>
+        <a:graphic>
+          <a:graphicData uri="http://schemas.openxmlformats.org/drawingml/2006/table">
+            <a:tbl>
+              <a:tblPr firstRow="1" bandRow="1">
+                <a:tableStyleId>{073A0DAA-6AF3-43AB-8588-CEC1D06C72B9}</a:tableStyleId>
+              </a:tblPr>
+              <a:tblGrid>
+                <a:gridCol w="1563260">
+                  <a:extLst>
+                    <a:ext uri="{9D8B030D-6E8A-4147-A177-3AD203B41FA5}">
+                      <a16:colId xmlns:a16="http://schemas.microsoft.com/office/drawing/2014/main" val="2272368709"/>
+                    </a:ext>
+                  </a:extLst>
+                </a:gridCol>
+                <a:gridCol w="1563260">
+                  <a:extLst>
+                    <a:ext uri="{9D8B030D-6E8A-4147-A177-3AD203B41FA5}">
+                      <a16:colId xmlns:a16="http://schemas.microsoft.com/office/drawing/2014/main" val="2235686462"/>
+                    </a:ext>
+                  </a:extLst>
+                </a:gridCol>
+                <a:gridCol w="1563260">
+                  <a:extLst>
+                    <a:ext uri="{9D8B030D-6E8A-4147-A177-3AD203B41FA5}">
+                      <a16:colId xmlns:a16="http://schemas.microsoft.com/office/drawing/2014/main" val="1061232007"/>
+                    </a:ext>
+                  </a:extLst>
+                </a:gridCol>
+                <a:gridCol w="1563260">
+                  <a:extLst>
+                    <a:ext uri="{9D8B030D-6E8A-4147-A177-3AD203B41FA5}">
+                      <a16:colId xmlns:a16="http://schemas.microsoft.com/office/drawing/2014/main" val="464967916"/>
+                    </a:ext>
+                  </a:extLst>
+                </a:gridCol>
+                <a:gridCol w="1563260">
+                  <a:extLst>
+                    <a:ext uri="{9D8B030D-6E8A-4147-A177-3AD203B41FA5}">
+                      <a16:colId xmlns:a16="http://schemas.microsoft.com/office/drawing/2014/main" val="3929012556"/>
+                    </a:ext>
+                  </a:extLst>
+                </a:gridCol>
+                <a:gridCol w="1563260">
+                  <a:extLst>
+                    <a:ext uri="{9D8B030D-6E8A-4147-A177-3AD203B41FA5}">
+                      <a16:colId xmlns:a16="http://schemas.microsoft.com/office/drawing/2014/main" val="3303028153"/>
+                    </a:ext>
+                  </a:extLst>
+                </a:gridCol>
+                <a:gridCol w="1563260">
+                  <a:extLst>
+                    <a:ext uri="{9D8B030D-6E8A-4147-A177-3AD203B41FA5}">
+                      <a16:colId xmlns:a16="http://schemas.microsoft.com/office/drawing/2014/main" val="4108006114"/>
+                    </a:ext>
+                  </a:extLst>
+                </a:gridCol>
+              </a:tblGrid>
+              <a:tr h="523804">
+                <a:tc>
+                  <a:txBody>
+                    <a:bodyPr/>
+                    <a:lstStyle/>
+                    <a:p>
+                      <a:pPr algn="ctr"/>
+                      <a:r>
+                        <a:rPr lang="en-US"/>
+                        <a:t>Gap</a:t>
+                      </a:r>
+                      <a:endParaRPr lang="en-US" dirty="0"/>
+                    </a:p>
+                  </a:txBody>
+                  <a:tcPr anchor="ctr"/>
+                </a:tc>
+                <a:tc>
+                  <a:txBody>
+                    <a:bodyPr/>
+                    <a:lstStyle/>
+                    <a:p>
+                      <a:pPr algn="ctr"/>
+                      <a:r>
+                        <a:rPr lang="en-US" dirty="0"/>
+                        <a:t>Accuracy</a:t>
+                      </a:r>
+                    </a:p>
+                  </a:txBody>
+                  <a:tcPr anchor="ctr"/>
+                </a:tc>
+                <a:tc>
+                  <a:txBody>
+                    <a:bodyPr/>
+                    <a:lstStyle/>
+                    <a:p>
+                      <a:pPr algn="ctr"/>
+                      <a:r>
+                        <a:rPr lang="en-US" dirty="0"/>
+                        <a:t>precision</a:t>
+                      </a:r>
+                    </a:p>
+                  </a:txBody>
+                  <a:tcPr anchor="ctr"/>
+                </a:tc>
+                <a:tc>
+                  <a:txBody>
+                    <a:bodyPr/>
+                    <a:lstStyle/>
+                    <a:p>
+                      <a:pPr algn="ctr"/>
+                      <a:r>
+                        <a:rPr lang="en-US" dirty="0"/>
+                        <a:t>recall</a:t>
+                      </a:r>
+                    </a:p>
+                  </a:txBody>
+                  <a:tcPr anchor="ctr"/>
+                </a:tc>
+                <a:tc>
+                  <a:txBody>
+                    <a:bodyPr/>
+                    <a:lstStyle/>
+                    <a:p>
+                      <a:pPr algn="ctr"/>
+                      <a:r>
+                        <a:rPr lang="en-US" dirty="0"/>
+                        <a:t>specificity</a:t>
+                      </a:r>
+                    </a:p>
+                  </a:txBody>
+                  <a:tcPr anchor="ctr"/>
+                </a:tc>
+                <a:tc>
+                  <a:txBody>
+                    <a:bodyPr/>
+                    <a:lstStyle/>
+                    <a:p>
+                      <a:pPr algn="ctr"/>
+                      <a:r>
+                        <a:rPr lang="en-US" dirty="0"/>
+                        <a:t>F1</a:t>
+                      </a:r>
+                    </a:p>
+                  </a:txBody>
+                  <a:tcPr anchor="ctr"/>
+                </a:tc>
+                <a:tc>
+                  <a:txBody>
+                    <a:bodyPr/>
+                    <a:lstStyle/>
+                    <a:p>
+                      <a:pPr algn="ctr"/>
+                      <a:r>
+                        <a:rPr lang="en-US" dirty="0"/>
+                        <a:t>loss</a:t>
+                      </a:r>
+                    </a:p>
+                  </a:txBody>
+                  <a:tcPr anchor="ctr"/>
+                </a:tc>
+                <a:extLst>
+                  <a:ext uri="{0D108BD9-81ED-4DB2-BD59-A6C34878D82A}">
+                    <a16:rowId xmlns:a16="http://schemas.microsoft.com/office/drawing/2014/main" val="2384826745"/>
+                  </a:ext>
+                </a:extLst>
+              </a:tr>
+              <a:tr h="904099">
+                <a:tc>
+                  <a:txBody>
+                    <a:bodyPr/>
+                    <a:lstStyle/>
+                    <a:p>
+                      <a:pPr algn="ctr"/>
+                      <a:r>
+                        <a:rPr lang="en-US" dirty="0" err="1"/>
+                        <a:t>googlenet_accuracy</a:t>
+                      </a:r>
+                      <a:endParaRPr lang="en-US" dirty="0"/>
+                    </a:p>
+                  </a:txBody>
+                  <a:tcPr anchor="ctr"/>
+                </a:tc>
+                <a:tc>
+                  <a:txBody>
+                    <a:bodyPr/>
+                    <a:lstStyle/>
+                    <a:p>
+                      <a:pPr algn="ctr"/>
+                      <a:endParaRPr lang="en-US" dirty="0"/>
+                    </a:p>
+                  </a:txBody>
+                  <a:tcPr anchor="ctr"/>
+                </a:tc>
+                <a:tc>
+                  <a:txBody>
+                    <a:bodyPr/>
+                    <a:lstStyle/>
+                    <a:p>
+                      <a:pPr algn="ctr"/>
+                      <a:endParaRPr lang="en-US" dirty="0"/>
+                    </a:p>
+                  </a:txBody>
+                  <a:tcPr anchor="ctr"/>
+                </a:tc>
+                <a:tc>
+                  <a:txBody>
+                    <a:bodyPr/>
+                    <a:lstStyle/>
+                    <a:p>
+                      <a:pPr algn="ctr"/>
+                      <a:endParaRPr lang="en-US" dirty="0"/>
+                    </a:p>
+                  </a:txBody>
+                  <a:tcPr anchor="ctr"/>
+                </a:tc>
+                <a:tc>
+                  <a:txBody>
+                    <a:bodyPr/>
+                    <a:lstStyle/>
+                    <a:p>
+                      <a:pPr algn="ctr"/>
+                      <a:endParaRPr lang="en-US" dirty="0"/>
+                    </a:p>
+                  </a:txBody>
+                  <a:tcPr anchor="ctr"/>
+                </a:tc>
+                <a:tc>
+                  <a:txBody>
+                    <a:bodyPr/>
+                    <a:lstStyle/>
+                    <a:p>
+                      <a:pPr algn="ctr"/>
+                      <a:endParaRPr lang="en-US" dirty="0"/>
+                    </a:p>
+                  </a:txBody>
+                  <a:tcPr anchor="ctr"/>
+                </a:tc>
+                <a:tc>
+                  <a:txBody>
+                    <a:bodyPr/>
+                    <a:lstStyle/>
+                    <a:p>
+                      <a:pPr algn="ctr"/>
+                      <a:endParaRPr lang="en-US" dirty="0"/>
+                    </a:p>
+                  </a:txBody>
+                  <a:tcPr anchor="ctr"/>
+                </a:tc>
+                <a:extLst>
+                  <a:ext uri="{0D108BD9-81ED-4DB2-BD59-A6C34878D82A}">
+                    <a16:rowId xmlns:a16="http://schemas.microsoft.com/office/drawing/2014/main" val="1449166203"/>
+                  </a:ext>
+                </a:extLst>
+              </a:tr>
+              <a:tr h="887174">
+                <a:tc>
+                  <a:txBody>
+                    <a:bodyPr/>
+                    <a:lstStyle/>
+                    <a:p>
+                      <a:pPr algn="ctr"/>
+                      <a:r>
+                        <a:rPr lang="en-US" dirty="0" err="1"/>
+                        <a:t>googlenet_precision</a:t>
+                      </a:r>
+                      <a:endParaRPr lang="en-US" dirty="0"/>
+                    </a:p>
+                  </a:txBody>
+                  <a:tcPr anchor="ctr"/>
+                </a:tc>
+                <a:tc>
+                  <a:txBody>
+                    <a:bodyPr/>
+                    <a:lstStyle/>
+                    <a:p>
+                      <a:pPr algn="ctr"/>
+                      <a:endParaRPr lang="en-US" dirty="0"/>
+                    </a:p>
+                  </a:txBody>
+                  <a:tcPr anchor="ctr"/>
+                </a:tc>
+                <a:tc>
+                  <a:txBody>
+                    <a:bodyPr/>
+                    <a:lstStyle/>
+                    <a:p>
+                      <a:pPr algn="ctr"/>
+                      <a:endParaRPr lang="en-US" dirty="0"/>
+                    </a:p>
+                  </a:txBody>
+                  <a:tcPr anchor="ctr"/>
+                </a:tc>
+                <a:tc>
+                  <a:txBody>
+                    <a:bodyPr/>
+                    <a:lstStyle/>
+                    <a:p>
+                      <a:pPr algn="ctr"/>
+                      <a:endParaRPr lang="en-US" dirty="0"/>
+                    </a:p>
+                  </a:txBody>
+                  <a:tcPr anchor="ctr"/>
+                </a:tc>
+                <a:tc>
+                  <a:txBody>
+                    <a:bodyPr/>
+                    <a:lstStyle/>
+                    <a:p>
+                      <a:pPr algn="ctr"/>
+                      <a:endParaRPr lang="en-US" dirty="0"/>
+                    </a:p>
+                  </a:txBody>
+                  <a:tcPr anchor="ctr"/>
+                </a:tc>
+                <a:tc>
+                  <a:txBody>
+                    <a:bodyPr/>
+                    <a:lstStyle/>
+                    <a:p>
+                      <a:pPr algn="ctr"/>
+                      <a:endParaRPr lang="en-US" dirty="0"/>
+                    </a:p>
+                  </a:txBody>
+                  <a:tcPr anchor="ctr"/>
+                </a:tc>
+                <a:tc>
+                  <a:txBody>
+                    <a:bodyPr/>
+                    <a:lstStyle/>
+                    <a:p>
+                      <a:pPr algn="ctr"/>
+                      <a:endParaRPr lang="en-US" dirty="0"/>
+                    </a:p>
+                  </a:txBody>
+                  <a:tcPr anchor="ctr"/>
+                </a:tc>
+                <a:extLst>
+                  <a:ext uri="{0D108BD9-81ED-4DB2-BD59-A6C34878D82A}">
+                    <a16:rowId xmlns:a16="http://schemas.microsoft.com/office/drawing/2014/main" val="4164655960"/>
+                  </a:ext>
+                </a:extLst>
+              </a:tr>
+              <a:tr h="887174">
+                <a:tc>
+                  <a:txBody>
+                    <a:bodyPr/>
+                    <a:lstStyle/>
+                    <a:p>
+                      <a:pPr algn="ctr"/>
+                      <a:r>
+                        <a:rPr lang="en-US" dirty="0" err="1"/>
+                        <a:t>googlenet_recall</a:t>
+                      </a:r>
+                      <a:endParaRPr lang="en-US" dirty="0">
+                        <a:solidFill>
+                          <a:srgbClr val="FF0000"/>
+                        </a:solidFill>
+                      </a:endParaRPr>
+                    </a:p>
+                  </a:txBody>
+                  <a:tcPr anchor="ctr"/>
+                </a:tc>
+                <a:tc>
+                  <a:txBody>
+                    <a:bodyPr/>
+                    <a:lstStyle/>
+                    <a:p>
+                      <a:pPr algn="ctr"/>
+                      <a:endParaRPr lang="en-US" dirty="0">
+                        <a:solidFill>
+                          <a:srgbClr val="FF0000"/>
+                        </a:solidFill>
+                      </a:endParaRPr>
+                    </a:p>
+                  </a:txBody>
+                  <a:tcPr anchor="ctr"/>
+                </a:tc>
+                <a:tc>
+                  <a:txBody>
+                    <a:bodyPr/>
+                    <a:lstStyle/>
+                    <a:p>
+                      <a:pPr algn="ctr"/>
+                      <a:endParaRPr lang="en-US" dirty="0">
+                        <a:solidFill>
+                          <a:srgbClr val="FF0000"/>
+                        </a:solidFill>
+                      </a:endParaRPr>
+                    </a:p>
+                  </a:txBody>
+                  <a:tcPr anchor="ctr"/>
+                </a:tc>
+                <a:tc>
+                  <a:txBody>
+                    <a:bodyPr/>
+                    <a:lstStyle/>
+                    <a:p>
+                      <a:pPr algn="ctr"/>
+                      <a:endParaRPr lang="en-US" dirty="0">
+                        <a:solidFill>
+                          <a:srgbClr val="FF0000"/>
+                        </a:solidFill>
+                      </a:endParaRPr>
+                    </a:p>
+                  </a:txBody>
+                  <a:tcPr anchor="ctr"/>
+                </a:tc>
+                <a:tc>
+                  <a:txBody>
+                    <a:bodyPr/>
+                    <a:lstStyle/>
+                    <a:p>
+                      <a:pPr algn="ctr"/>
+                      <a:endParaRPr lang="en-US" dirty="0">
+                        <a:solidFill>
+                          <a:srgbClr val="FF0000"/>
+                        </a:solidFill>
+                      </a:endParaRPr>
+                    </a:p>
+                  </a:txBody>
+                  <a:tcPr anchor="ctr"/>
+                </a:tc>
+                <a:tc>
+                  <a:txBody>
+                    <a:bodyPr/>
+                    <a:lstStyle/>
+                    <a:p>
+                      <a:pPr algn="ctr"/>
+                      <a:endParaRPr lang="en-US" dirty="0">
+                        <a:solidFill>
+                          <a:srgbClr val="FF0000"/>
+                        </a:solidFill>
+                      </a:endParaRPr>
+                    </a:p>
+                  </a:txBody>
+                  <a:tcPr anchor="ctr"/>
+                </a:tc>
+                <a:tc>
+                  <a:txBody>
+                    <a:bodyPr/>
+                    <a:lstStyle/>
+                    <a:p>
+                      <a:pPr algn="ctr"/>
+                      <a:endParaRPr lang="en-US" dirty="0">
+                        <a:solidFill>
+                          <a:srgbClr val="FF0000"/>
+                        </a:solidFill>
+                      </a:endParaRPr>
+                    </a:p>
+                  </a:txBody>
+                  <a:tcPr anchor="ctr"/>
+                </a:tc>
+                <a:extLst>
+                  <a:ext uri="{0D108BD9-81ED-4DB2-BD59-A6C34878D82A}">
+                    <a16:rowId xmlns:a16="http://schemas.microsoft.com/office/drawing/2014/main" val="2775775737"/>
+                  </a:ext>
+                </a:extLst>
+              </a:tr>
+              <a:tr h="887174">
+                <a:tc>
+                  <a:txBody>
+                    <a:bodyPr/>
+                    <a:lstStyle/>
+                    <a:p>
+                      <a:pPr algn="ctr"/>
+                      <a:r>
+                        <a:rPr lang="en-US" dirty="0"/>
+                        <a:t>googlenet_F1</a:t>
+                      </a:r>
+                    </a:p>
+                  </a:txBody>
+                  <a:tcPr anchor="ctr"/>
+                </a:tc>
+                <a:tc>
+                  <a:txBody>
+                    <a:bodyPr/>
+                    <a:lstStyle/>
+                    <a:p>
+                      <a:pPr algn="ctr"/>
+                      <a:endParaRPr lang="en-US" dirty="0"/>
+                    </a:p>
+                  </a:txBody>
+                  <a:tcPr anchor="ctr"/>
+                </a:tc>
+                <a:tc>
+                  <a:txBody>
+                    <a:bodyPr/>
+                    <a:lstStyle/>
+                    <a:p>
+                      <a:pPr algn="ctr"/>
+                      <a:endParaRPr lang="en-US" dirty="0"/>
+                    </a:p>
+                  </a:txBody>
+                  <a:tcPr anchor="ctr"/>
+                </a:tc>
+                <a:tc>
+                  <a:txBody>
+                    <a:bodyPr/>
+                    <a:lstStyle/>
+                    <a:p>
+                      <a:pPr algn="ctr"/>
+                      <a:endParaRPr lang="en-US" dirty="0"/>
+                    </a:p>
+                  </a:txBody>
+                  <a:tcPr anchor="ctr"/>
+                </a:tc>
+                <a:tc>
+                  <a:txBody>
+                    <a:bodyPr/>
+                    <a:lstStyle/>
+                    <a:p>
+                      <a:pPr algn="ctr"/>
+                      <a:endParaRPr lang="en-US" dirty="0"/>
+                    </a:p>
+                  </a:txBody>
+                  <a:tcPr anchor="ctr"/>
+                </a:tc>
+                <a:tc>
+                  <a:txBody>
+                    <a:bodyPr/>
+                    <a:lstStyle/>
+                    <a:p>
+                      <a:pPr algn="ctr"/>
+                      <a:endParaRPr lang="en-US" dirty="0"/>
+                    </a:p>
+                  </a:txBody>
+                  <a:tcPr anchor="ctr"/>
+                </a:tc>
+                <a:tc>
+                  <a:txBody>
+                    <a:bodyPr/>
+                    <a:lstStyle/>
+                    <a:p>
+                      <a:pPr algn="ctr"/>
+                      <a:endParaRPr lang="en-US" dirty="0"/>
+                    </a:p>
+                  </a:txBody>
+                  <a:tcPr anchor="ctr"/>
+                </a:tc>
+                <a:extLst>
+                  <a:ext uri="{0D108BD9-81ED-4DB2-BD59-A6C34878D82A}">
+                    <a16:rowId xmlns:a16="http://schemas.microsoft.com/office/drawing/2014/main" val="618446083"/>
+                  </a:ext>
+                </a:extLst>
+              </a:tr>
+              <a:tr h="887174">
+                <a:tc>
+                  <a:txBody>
+                    <a:bodyPr/>
+                    <a:lstStyle/>
+                    <a:p>
+                      <a:pPr marL="0" marR="0" lvl="0" indent="0" algn="ctr" defTabSz="914400" rtl="0" eaLnBrk="1" fontAlgn="auto" latinLnBrk="0" hangingPunct="1">
+                        <a:lnSpc>
+                          <a:spcPct val="100000"/>
+                        </a:lnSpc>
+                        <a:spcBef>
+                          <a:spcPts val="0"/>
+                        </a:spcBef>
+                        <a:spcAft>
+                          <a:spcPts val="0"/>
+                        </a:spcAft>
+                        <a:buClrTx/>
+                        <a:buSzTx/>
+                        <a:buFontTx/>
+                        <a:buNone/>
+                        <a:tabLst/>
+                        <a:defRPr/>
+                      </a:pPr>
+                      <a:r>
+                        <a:rPr lang="en-US" dirty="0" err="1"/>
+                        <a:t>googlenet_loss</a:t>
+                      </a:r>
+                      <a:endParaRPr lang="en-US" dirty="0"/>
+                    </a:p>
+                    <a:p>
+                      <a:pPr algn="ctr"/>
+                      <a:endParaRPr lang="en-US" dirty="0"/>
+                    </a:p>
+                  </a:txBody>
+                  <a:tcPr anchor="ctr"/>
+                </a:tc>
+                <a:tc>
+                  <a:txBody>
+                    <a:bodyPr/>
+                    <a:lstStyle/>
+                    <a:p>
+                      <a:pPr algn="ctr"/>
+                      <a:endParaRPr lang="en-US" dirty="0"/>
+                    </a:p>
+                  </a:txBody>
+                  <a:tcPr anchor="ctr"/>
+                </a:tc>
+                <a:tc>
+                  <a:txBody>
+                    <a:bodyPr/>
+                    <a:lstStyle/>
+                    <a:p>
+                      <a:pPr algn="ctr"/>
+                      <a:endParaRPr lang="en-US" dirty="0"/>
+                    </a:p>
+                  </a:txBody>
+                  <a:tcPr anchor="ctr"/>
+                </a:tc>
+                <a:tc>
+                  <a:txBody>
+                    <a:bodyPr/>
+                    <a:lstStyle/>
+                    <a:p>
+                      <a:pPr algn="ctr"/>
+                      <a:endParaRPr lang="en-US" dirty="0"/>
+                    </a:p>
+                  </a:txBody>
+                  <a:tcPr anchor="ctr"/>
+                </a:tc>
+                <a:tc>
+                  <a:txBody>
+                    <a:bodyPr/>
+                    <a:lstStyle/>
+                    <a:p>
+                      <a:pPr algn="ctr"/>
+                      <a:endParaRPr lang="en-US" dirty="0"/>
+                    </a:p>
+                  </a:txBody>
+                  <a:tcPr anchor="ctr"/>
+                </a:tc>
+                <a:tc>
+                  <a:txBody>
+                    <a:bodyPr/>
+                    <a:lstStyle/>
+                    <a:p>
+                      <a:pPr algn="ctr"/>
+                      <a:endParaRPr lang="en-US" dirty="0"/>
+                    </a:p>
+                  </a:txBody>
+                  <a:tcPr anchor="ctr"/>
+                </a:tc>
+                <a:tc>
+                  <a:txBody>
+                    <a:bodyPr/>
+                    <a:lstStyle/>
+                    <a:p>
+                      <a:pPr algn="ctr"/>
+                      <a:endParaRPr lang="en-US" dirty="0"/>
+                    </a:p>
+                  </a:txBody>
+                  <a:tcPr anchor="ctr"/>
+                </a:tc>
+                <a:extLst>
+                  <a:ext uri="{0D108BD9-81ED-4DB2-BD59-A6C34878D82A}">
+                    <a16:rowId xmlns:a16="http://schemas.microsoft.com/office/drawing/2014/main" val="872347479"/>
+                  </a:ext>
+                </a:extLst>
+              </a:tr>
+            </a:tbl>
+          </a:graphicData>
+        </a:graphic>
+      </p:graphicFrame>
+    </p:spTree>
+    <p:extLst>
+      <p:ext uri="{BB962C8B-B14F-4D97-AF65-F5344CB8AC3E}">
+        <p14:creationId xmlns:p14="http://schemas.microsoft.com/office/powerpoint/2010/main" val="568164142"/>
+      </p:ext>
+    </p:extLst>
+  </p:cSld>
+  <p:clrMapOvr>
+    <a:masterClrMapping/>
+  </p:clrMapOvr>
+</p:sld>
+</file>
+
+<file path=ppt/slides/slide83.xml><?xml version="1.0" encoding="utf-8"?>
+<p:sld xmlns:a="http://schemas.openxmlformats.org/drawingml/2006/main" xmlns:r="http://schemas.openxmlformats.org/officeDocument/2006/relationships" xmlns:p="http://schemas.openxmlformats.org/presentationml/2006/main">
+  <p:cSld>
+    <p:spTree>
+      <p:nvGrpSpPr>
+        <p:cNvPr id="1" name=""/>
+        <p:cNvGrpSpPr/>
+        <p:nvPr/>
+      </p:nvGrpSpPr>
+      <p:grpSpPr>
+        <a:xfrm>
+          <a:off x="0" y="0"/>
+          <a:ext cx="0" cy="0"/>
+          <a:chOff x="0" y="0"/>
+          <a:chExt cx="0" cy="0"/>
+        </a:xfrm>
+      </p:grpSpPr>
       <p:sp>
         <p:nvSpPr>
           <p:cNvPr id="2" name="Title 1">
@@ -40649,7 +41358,7 @@
 </p:sld>
 </file>
 
-<file path=ppt/slides/slide83.xml><?xml version="1.0" encoding="utf-8"?>
+<file path=ppt/slides/slide84.xml><?xml version="1.0" encoding="utf-8"?>
 <p:sld xmlns:a="http://schemas.openxmlformats.org/drawingml/2006/main" xmlns:r="http://schemas.openxmlformats.org/officeDocument/2006/relationships" xmlns:p="http://schemas.openxmlformats.org/presentationml/2006/main">
   <p:cSld>
     <p:spTree>
@@ -41454,7 +42163,7 @@
 </p:sld>
 </file>
 
-<file path=ppt/slides/slide84.xml><?xml version="1.0" encoding="utf-8"?>
+<file path=ppt/slides/slide85.xml><?xml version="1.0" encoding="utf-8"?>
 <p:sld xmlns:a="http://schemas.openxmlformats.org/drawingml/2006/main" xmlns:r="http://schemas.openxmlformats.org/officeDocument/2006/relationships" xmlns:p="http://schemas.openxmlformats.org/presentationml/2006/main">
   <p:cSld>
     <p:spTree>
@@ -42259,7 +42968,7 @@
 </p:sld>
 </file>
 
-<file path=ppt/slides/slide85.xml><?xml version="1.0" encoding="utf-8"?>
+<file path=ppt/slides/slide86.xml><?xml version="1.0" encoding="utf-8"?>
 <p:sld xmlns:a="http://schemas.openxmlformats.org/drawingml/2006/main" xmlns:r="http://schemas.openxmlformats.org/officeDocument/2006/relationships" xmlns:p="http://schemas.openxmlformats.org/presentationml/2006/main">
   <p:cSld>
     <p:spTree>
@@ -43053,7 +43762,7 @@
 </p:sld>
 </file>
 
-<file path=ppt/slides/slide86.xml><?xml version="1.0" encoding="utf-8"?>
+<file path=ppt/slides/slide87.xml><?xml version="1.0" encoding="utf-8"?>
 <p:sld xmlns:a="http://schemas.openxmlformats.org/drawingml/2006/main" xmlns:r="http://schemas.openxmlformats.org/officeDocument/2006/relationships" xmlns:p="http://schemas.openxmlformats.org/presentationml/2006/main">
   <p:cSld>
     <p:spTree>
@@ -43847,7 +44556,7 @@
 </p:sld>
 </file>
 
-<file path=ppt/slides/slide87.xml><?xml version="1.0" encoding="utf-8"?>
+<file path=ppt/slides/slide88.xml><?xml version="1.0" encoding="utf-8"?>
 <p:sld xmlns:a="http://schemas.openxmlformats.org/drawingml/2006/main" xmlns:r="http://schemas.openxmlformats.org/officeDocument/2006/relationships" xmlns:p="http://schemas.openxmlformats.org/presentationml/2006/main">
   <p:cSld>
     <p:spTree>
@@ -43911,7 +44620,7 @@
 </p:sld>
 </file>
 
-<file path=ppt/slides/slide88.xml><?xml version="1.0" encoding="utf-8"?>
+<file path=ppt/slides/slide89.xml><?xml version="1.0" encoding="utf-8"?>
 <p:sld xmlns:a="http://schemas.openxmlformats.org/drawingml/2006/main" xmlns:r="http://schemas.openxmlformats.org/officeDocument/2006/relationships" xmlns:p="http://schemas.openxmlformats.org/presentationml/2006/main">
   <p:cSld>
     <p:spTree>
@@ -44707,811 +45416,6 @@
     <p:extLst>
       <p:ext uri="{BB962C8B-B14F-4D97-AF65-F5344CB8AC3E}">
         <p14:creationId xmlns:p14="http://schemas.microsoft.com/office/powerpoint/2010/main" val="6940886"/>
-      </p:ext>
-    </p:extLst>
-  </p:cSld>
-  <p:clrMapOvr>
-    <a:masterClrMapping/>
-  </p:clrMapOvr>
-</p:sld>
-</file>
-
-<file path=ppt/slides/slide89.xml><?xml version="1.0" encoding="utf-8"?>
-<p:sld xmlns:a="http://schemas.openxmlformats.org/drawingml/2006/main" xmlns:r="http://schemas.openxmlformats.org/officeDocument/2006/relationships" xmlns:p="http://schemas.openxmlformats.org/presentationml/2006/main">
-  <p:cSld>
-    <p:spTree>
-      <p:nvGrpSpPr>
-        <p:cNvPr id="1" name=""/>
-        <p:cNvGrpSpPr/>
-        <p:nvPr/>
-      </p:nvGrpSpPr>
-      <p:grpSpPr>
-        <a:xfrm>
-          <a:off x="0" y="0"/>
-          <a:ext cx="0" cy="0"/>
-          <a:chOff x="0" y="0"/>
-          <a:chExt cx="0" cy="0"/>
-        </a:xfrm>
-      </p:grpSpPr>
-      <p:graphicFrame>
-        <p:nvGraphicFramePr>
-          <p:cNvPr id="4" name="Table 3">
-            <a:extLst>
-              <a:ext uri="{FF2B5EF4-FFF2-40B4-BE49-F238E27FC236}">
-                <a16:creationId xmlns:a16="http://schemas.microsoft.com/office/drawing/2014/main" id="{F3634E9B-F616-E548-A703-16000F2DD0FF}"/>
-              </a:ext>
-            </a:extLst>
-          </p:cNvPr>
-          <p:cNvGraphicFramePr>
-            <a:graphicFrameLocks noGrp="1"/>
-          </p:cNvGraphicFramePr>
-          <p:nvPr>
-            <p:extLst>
-              <p:ext uri="{D42A27DB-BD31-4B8C-83A1-F6EECF244321}">
-                <p14:modId xmlns:p14="http://schemas.microsoft.com/office/powerpoint/2010/main" val="1318737643"/>
-              </p:ext>
-            </p:extLst>
-          </p:nvPr>
-        </p:nvGraphicFramePr>
-        <p:xfrm>
-          <a:off x="674557" y="929527"/>
-          <a:ext cx="10942820" cy="4976599"/>
-        </p:xfrm>
-        <a:graphic>
-          <a:graphicData uri="http://schemas.openxmlformats.org/drawingml/2006/table">
-            <a:tbl>
-              <a:tblPr firstRow="1" bandRow="1">
-                <a:tableStyleId>{5C22544A-7EE6-4342-B048-85BDC9FD1C3A}</a:tableStyleId>
-              </a:tblPr>
-              <a:tblGrid>
-                <a:gridCol w="1563260">
-                  <a:extLst>
-                    <a:ext uri="{9D8B030D-6E8A-4147-A177-3AD203B41FA5}">
-                      <a16:colId xmlns:a16="http://schemas.microsoft.com/office/drawing/2014/main" val="2272368709"/>
-                    </a:ext>
-                  </a:extLst>
-                </a:gridCol>
-                <a:gridCol w="1563260">
-                  <a:extLst>
-                    <a:ext uri="{9D8B030D-6E8A-4147-A177-3AD203B41FA5}">
-                      <a16:colId xmlns:a16="http://schemas.microsoft.com/office/drawing/2014/main" val="2235686462"/>
-                    </a:ext>
-                  </a:extLst>
-                </a:gridCol>
-                <a:gridCol w="1563260">
-                  <a:extLst>
-                    <a:ext uri="{9D8B030D-6E8A-4147-A177-3AD203B41FA5}">
-                      <a16:colId xmlns:a16="http://schemas.microsoft.com/office/drawing/2014/main" val="1061232007"/>
-                    </a:ext>
-                  </a:extLst>
-                </a:gridCol>
-                <a:gridCol w="1563260">
-                  <a:extLst>
-                    <a:ext uri="{9D8B030D-6E8A-4147-A177-3AD203B41FA5}">
-                      <a16:colId xmlns:a16="http://schemas.microsoft.com/office/drawing/2014/main" val="464967916"/>
-                    </a:ext>
-                  </a:extLst>
-                </a:gridCol>
-                <a:gridCol w="1563260">
-                  <a:extLst>
-                    <a:ext uri="{9D8B030D-6E8A-4147-A177-3AD203B41FA5}">
-                      <a16:colId xmlns:a16="http://schemas.microsoft.com/office/drawing/2014/main" val="3929012556"/>
-                    </a:ext>
-                  </a:extLst>
-                </a:gridCol>
-                <a:gridCol w="1563260">
-                  <a:extLst>
-                    <a:ext uri="{9D8B030D-6E8A-4147-A177-3AD203B41FA5}">
-                      <a16:colId xmlns:a16="http://schemas.microsoft.com/office/drawing/2014/main" val="3303028153"/>
-                    </a:ext>
-                  </a:extLst>
-                </a:gridCol>
-                <a:gridCol w="1563260">
-                  <a:extLst>
-                    <a:ext uri="{9D8B030D-6E8A-4147-A177-3AD203B41FA5}">
-                      <a16:colId xmlns:a16="http://schemas.microsoft.com/office/drawing/2014/main" val="4108006114"/>
-                    </a:ext>
-                  </a:extLst>
-                </a:gridCol>
-              </a:tblGrid>
-              <a:tr h="523804">
-                <a:tc>
-                  <a:txBody>
-                    <a:bodyPr/>
-                    <a:lstStyle/>
-                    <a:p>
-                      <a:pPr algn="ctr"/>
-                      <a:r>
-                        <a:rPr lang="en-US" dirty="0"/>
-                        <a:t>Gap</a:t>
-                      </a:r>
-                    </a:p>
-                  </a:txBody>
-                  <a:tcPr anchor="ctr"/>
-                </a:tc>
-                <a:tc>
-                  <a:txBody>
-                    <a:bodyPr/>
-                    <a:lstStyle/>
-                    <a:p>
-                      <a:pPr algn="ctr"/>
-                      <a:r>
-                        <a:rPr lang="en-US" dirty="0"/>
-                        <a:t>Accuracy</a:t>
-                      </a:r>
-                    </a:p>
-                  </a:txBody>
-                  <a:tcPr anchor="ctr"/>
-                </a:tc>
-                <a:tc>
-                  <a:txBody>
-                    <a:bodyPr/>
-                    <a:lstStyle/>
-                    <a:p>
-                      <a:pPr algn="ctr"/>
-                      <a:r>
-                        <a:rPr lang="en-US" dirty="0"/>
-                        <a:t>precision</a:t>
-                      </a:r>
-                    </a:p>
-                  </a:txBody>
-                  <a:tcPr anchor="ctr"/>
-                </a:tc>
-                <a:tc>
-                  <a:txBody>
-                    <a:bodyPr/>
-                    <a:lstStyle/>
-                    <a:p>
-                      <a:pPr algn="ctr"/>
-                      <a:r>
-                        <a:rPr lang="en-US" dirty="0"/>
-                        <a:t>recall</a:t>
-                      </a:r>
-                    </a:p>
-                  </a:txBody>
-                  <a:tcPr anchor="ctr"/>
-                </a:tc>
-                <a:tc>
-                  <a:txBody>
-                    <a:bodyPr/>
-                    <a:lstStyle/>
-                    <a:p>
-                      <a:pPr algn="ctr"/>
-                      <a:r>
-                        <a:rPr lang="en-US" dirty="0"/>
-                        <a:t>specificity</a:t>
-                      </a:r>
-                    </a:p>
-                  </a:txBody>
-                  <a:tcPr anchor="ctr"/>
-                </a:tc>
-                <a:tc>
-                  <a:txBody>
-                    <a:bodyPr/>
-                    <a:lstStyle/>
-                    <a:p>
-                      <a:pPr algn="ctr"/>
-                      <a:r>
-                        <a:rPr lang="en-US" dirty="0"/>
-                        <a:t>F1</a:t>
-                      </a:r>
-                    </a:p>
-                  </a:txBody>
-                  <a:tcPr anchor="ctr"/>
-                </a:tc>
-                <a:tc>
-                  <a:txBody>
-                    <a:bodyPr/>
-                    <a:lstStyle/>
-                    <a:p>
-                      <a:pPr algn="ctr"/>
-                      <a:r>
-                        <a:rPr lang="en-US" dirty="0"/>
-                        <a:t>loss</a:t>
-                      </a:r>
-                    </a:p>
-                  </a:txBody>
-                  <a:tcPr anchor="ctr"/>
-                </a:tc>
-                <a:extLst>
-                  <a:ext uri="{0D108BD9-81ED-4DB2-BD59-A6C34878D82A}">
-                    <a16:rowId xmlns:a16="http://schemas.microsoft.com/office/drawing/2014/main" val="2384826745"/>
-                  </a:ext>
-                </a:extLst>
-              </a:tr>
-              <a:tr h="904099">
-                <a:tc>
-                  <a:txBody>
-                    <a:bodyPr/>
-                    <a:lstStyle/>
-                    <a:p>
-                      <a:pPr algn="ctr"/>
-                      <a:r>
-                        <a:rPr lang="en-US" dirty="0" err="1"/>
-                        <a:t>Alexnet_accuracy</a:t>
-                      </a:r>
-                      <a:endParaRPr lang="en-US" dirty="0"/>
-                    </a:p>
-                  </a:txBody>
-                  <a:tcPr anchor="ctr"/>
-                </a:tc>
-                <a:tc>
-                  <a:txBody>
-                    <a:bodyPr/>
-                    <a:lstStyle/>
-                    <a:p>
-                      <a:pPr algn="ctr"/>
-                      <a:r>
-                        <a:rPr lang="en-US" dirty="0"/>
-                        <a:t>0.842</a:t>
-                      </a:r>
-                    </a:p>
-                  </a:txBody>
-                  <a:tcPr anchor="ctr"/>
-                </a:tc>
-                <a:tc>
-                  <a:txBody>
-                    <a:bodyPr/>
-                    <a:lstStyle/>
-                    <a:p>
-                      <a:pPr algn="ctr"/>
-                      <a:r>
-                        <a:rPr lang="en-US" dirty="0"/>
-                        <a:t>0.870</a:t>
-                      </a:r>
-                    </a:p>
-                  </a:txBody>
-                  <a:tcPr anchor="ctr"/>
-                </a:tc>
-                <a:tc>
-                  <a:txBody>
-                    <a:bodyPr/>
-                    <a:lstStyle/>
-                    <a:p>
-                      <a:pPr algn="ctr"/>
-                      <a:r>
-                        <a:rPr lang="en-US" dirty="0"/>
-                        <a:t>0.744</a:t>
-                      </a:r>
-                    </a:p>
-                  </a:txBody>
-                  <a:tcPr anchor="ctr"/>
-                </a:tc>
-                <a:tc>
-                  <a:txBody>
-                    <a:bodyPr/>
-                    <a:lstStyle/>
-                    <a:p>
-                      <a:pPr algn="ctr"/>
-                      <a:r>
-                        <a:rPr lang="en-US" dirty="0"/>
-                        <a:t>0.916</a:t>
-                      </a:r>
-                    </a:p>
-                  </a:txBody>
-                  <a:tcPr anchor="ctr"/>
-                </a:tc>
-                <a:tc>
-                  <a:txBody>
-                    <a:bodyPr/>
-                    <a:lstStyle/>
-                    <a:p>
-                      <a:pPr algn="ctr"/>
-                      <a:r>
-                        <a:rPr lang="en-US" dirty="0"/>
-                        <a:t>0.802</a:t>
-                      </a:r>
-                    </a:p>
-                  </a:txBody>
-                  <a:tcPr anchor="ctr"/>
-                </a:tc>
-                <a:tc>
-                  <a:txBody>
-                    <a:bodyPr/>
-                    <a:lstStyle/>
-                    <a:p>
-                      <a:pPr algn="ctr"/>
-                      <a:r>
-                        <a:rPr lang="en-US" dirty="0"/>
-                        <a:t>0.3901</a:t>
-                      </a:r>
-                    </a:p>
-                  </a:txBody>
-                  <a:tcPr anchor="ctr"/>
-                </a:tc>
-                <a:extLst>
-                  <a:ext uri="{0D108BD9-81ED-4DB2-BD59-A6C34878D82A}">
-                    <a16:rowId xmlns:a16="http://schemas.microsoft.com/office/drawing/2014/main" val="1449166203"/>
-                  </a:ext>
-                </a:extLst>
-              </a:tr>
-              <a:tr h="887174">
-                <a:tc>
-                  <a:txBody>
-                    <a:bodyPr/>
-                    <a:lstStyle/>
-                    <a:p>
-                      <a:pPr algn="ctr"/>
-                      <a:r>
-                        <a:rPr lang="en-US" dirty="0" err="1"/>
-                        <a:t>Alexnet_precision</a:t>
-                      </a:r>
-                      <a:endParaRPr lang="en-US" dirty="0"/>
-                    </a:p>
-                  </a:txBody>
-                  <a:tcPr anchor="ctr"/>
-                </a:tc>
-                <a:tc>
-                  <a:txBody>
-                    <a:bodyPr/>
-                    <a:lstStyle/>
-                    <a:p>
-                      <a:pPr algn="ctr"/>
-                      <a:r>
-                        <a:rPr lang="en-US" dirty="0"/>
-                        <a:t>0.825</a:t>
-                      </a:r>
-                    </a:p>
-                  </a:txBody>
-                  <a:tcPr anchor="ctr"/>
-                </a:tc>
-                <a:tc>
-                  <a:txBody>
-                    <a:bodyPr/>
-                    <a:lstStyle/>
-                    <a:p>
-                      <a:pPr algn="ctr"/>
-                      <a:r>
-                        <a:rPr lang="en-US" dirty="0"/>
-                        <a:t>0.891</a:t>
-                      </a:r>
-                    </a:p>
-                  </a:txBody>
-                  <a:tcPr anchor="ctr"/>
-                </a:tc>
-                <a:tc>
-                  <a:txBody>
-                    <a:bodyPr/>
-                    <a:lstStyle/>
-                    <a:p>
-                      <a:pPr algn="ctr"/>
-                      <a:r>
-                        <a:rPr lang="en-US" dirty="0"/>
-                        <a:t>0.674</a:t>
-                      </a:r>
-                    </a:p>
-                  </a:txBody>
-                  <a:tcPr anchor="ctr"/>
-                </a:tc>
-                <a:tc>
-                  <a:txBody>
-                    <a:bodyPr/>
-                    <a:lstStyle/>
-                    <a:p>
-                      <a:pPr algn="ctr"/>
-                      <a:r>
-                        <a:rPr lang="en-US" dirty="0"/>
-                        <a:t>0.938</a:t>
-                      </a:r>
-                    </a:p>
-                  </a:txBody>
-                  <a:tcPr anchor="ctr"/>
-                </a:tc>
-                <a:tc>
-                  <a:txBody>
-                    <a:bodyPr/>
-                    <a:lstStyle/>
-                    <a:p>
-                      <a:pPr algn="ctr"/>
-                      <a:r>
-                        <a:rPr lang="en-US" dirty="0"/>
-                        <a:t>0.768</a:t>
-                      </a:r>
-                    </a:p>
-                  </a:txBody>
-                  <a:tcPr anchor="ctr"/>
-                </a:tc>
-                <a:tc>
-                  <a:txBody>
-                    <a:bodyPr/>
-                    <a:lstStyle/>
-                    <a:p>
-                      <a:pPr algn="ctr"/>
-                      <a:r>
-                        <a:rPr lang="en-US" dirty="0"/>
-                        <a:t>0.4023</a:t>
-                      </a:r>
-                    </a:p>
-                  </a:txBody>
-                  <a:tcPr anchor="ctr"/>
-                </a:tc>
-                <a:extLst>
-                  <a:ext uri="{0D108BD9-81ED-4DB2-BD59-A6C34878D82A}">
-                    <a16:rowId xmlns:a16="http://schemas.microsoft.com/office/drawing/2014/main" val="4164655960"/>
-                  </a:ext>
-                </a:extLst>
-              </a:tr>
-              <a:tr h="887174">
-                <a:tc>
-                  <a:txBody>
-                    <a:bodyPr/>
-                    <a:lstStyle/>
-                    <a:p>
-                      <a:pPr algn="ctr"/>
-                      <a:r>
-                        <a:rPr lang="en-US" dirty="0" err="1"/>
-                        <a:t>Alexnet</a:t>
-                      </a:r>
-                      <a:r>
-                        <a:rPr lang="en-US" dirty="0" err="1">
-                          <a:solidFill>
-                            <a:srgbClr val="FF0000"/>
-                          </a:solidFill>
-                        </a:rPr>
-                        <a:t>_recall</a:t>
-                      </a:r>
-                      <a:endParaRPr lang="en-US" dirty="0">
-                        <a:solidFill>
-                          <a:srgbClr val="FF0000"/>
-                        </a:solidFill>
-                      </a:endParaRPr>
-                    </a:p>
-                  </a:txBody>
-                  <a:tcPr anchor="ctr"/>
-                </a:tc>
-                <a:tc>
-                  <a:txBody>
-                    <a:bodyPr/>
-                    <a:lstStyle/>
-                    <a:p>
-                      <a:pPr algn="ctr"/>
-                      <a:r>
-                        <a:rPr lang="en-US" dirty="0">
-                          <a:solidFill>
-                            <a:srgbClr val="FF0000"/>
-                          </a:solidFill>
-                        </a:rPr>
-                        <a:t>0.430</a:t>
-                      </a:r>
-                    </a:p>
-                  </a:txBody>
-                  <a:tcPr anchor="ctr"/>
-                </a:tc>
-                <a:tc>
-                  <a:txBody>
-                    <a:bodyPr/>
-                    <a:lstStyle/>
-                    <a:p>
-                      <a:pPr algn="ctr"/>
-                      <a:r>
-                        <a:rPr lang="en-US" dirty="0">
-                          <a:solidFill>
-                            <a:srgbClr val="FF0000"/>
-                          </a:solidFill>
-                        </a:rPr>
-                        <a:t>0.430</a:t>
-                      </a:r>
-                    </a:p>
-                  </a:txBody>
-                  <a:tcPr anchor="ctr"/>
-                </a:tc>
-                <a:tc>
-                  <a:txBody>
-                    <a:bodyPr/>
-                    <a:lstStyle/>
-                    <a:p>
-                      <a:pPr algn="ctr"/>
-                      <a:r>
-                        <a:rPr lang="en-US" dirty="0">
-                          <a:solidFill>
-                            <a:srgbClr val="FF0000"/>
-                          </a:solidFill>
-                        </a:rPr>
-                        <a:t>1.000</a:t>
-                      </a:r>
-                    </a:p>
-                  </a:txBody>
-                  <a:tcPr anchor="ctr"/>
-                </a:tc>
-                <a:tc>
-                  <a:txBody>
-                    <a:bodyPr/>
-                    <a:lstStyle/>
-                    <a:p>
-                      <a:pPr algn="ctr"/>
-                      <a:r>
-                        <a:rPr lang="en-US" dirty="0">
-                          <a:solidFill>
-                            <a:srgbClr val="FF0000"/>
-                          </a:solidFill>
-                        </a:rPr>
-                        <a:t>0.000</a:t>
-                      </a:r>
-                    </a:p>
-                  </a:txBody>
-                  <a:tcPr anchor="ctr"/>
-                </a:tc>
-                <a:tc>
-                  <a:txBody>
-                    <a:bodyPr/>
-                    <a:lstStyle/>
-                    <a:p>
-                      <a:pPr algn="ctr"/>
-                      <a:r>
-                        <a:rPr lang="en-US" dirty="0">
-                          <a:solidFill>
-                            <a:srgbClr val="FF0000"/>
-                          </a:solidFill>
-                        </a:rPr>
-                        <a:t>0.601</a:t>
-                      </a:r>
-                    </a:p>
-                  </a:txBody>
-                  <a:tcPr anchor="ctr"/>
-                </a:tc>
-                <a:tc>
-                  <a:txBody>
-                    <a:bodyPr/>
-                    <a:lstStyle/>
-                    <a:p>
-                      <a:pPr algn="ctr"/>
-                      <a:r>
-                        <a:rPr lang="en-US" dirty="0">
-                          <a:solidFill>
-                            <a:srgbClr val="FF0000"/>
-                          </a:solidFill>
-                        </a:rPr>
-                        <a:t>0.6991</a:t>
-                      </a:r>
-                    </a:p>
-                  </a:txBody>
-                  <a:tcPr anchor="ctr"/>
-                </a:tc>
-                <a:extLst>
-                  <a:ext uri="{0D108BD9-81ED-4DB2-BD59-A6C34878D82A}">
-                    <a16:rowId xmlns:a16="http://schemas.microsoft.com/office/drawing/2014/main" val="2775775737"/>
-                  </a:ext>
-                </a:extLst>
-              </a:tr>
-              <a:tr h="887174">
-                <a:tc>
-                  <a:txBody>
-                    <a:bodyPr/>
-                    <a:lstStyle/>
-                    <a:p>
-                      <a:pPr algn="ctr"/>
-                      <a:r>
-                        <a:rPr lang="en-US" dirty="0"/>
-                        <a:t>Alexnet_F1</a:t>
-                      </a:r>
-                    </a:p>
-                  </a:txBody>
-                  <a:tcPr anchor="ctr"/>
-                </a:tc>
-                <a:tc>
-                  <a:txBody>
-                    <a:bodyPr/>
-                    <a:lstStyle/>
-                    <a:p>
-                      <a:pPr algn="ctr"/>
-                      <a:r>
-                        <a:rPr lang="en-US" dirty="0"/>
-                        <a:t>0.842</a:t>
-                      </a:r>
-                    </a:p>
-                  </a:txBody>
-                  <a:tcPr anchor="ctr"/>
-                </a:tc>
-                <a:tc>
-                  <a:txBody>
-                    <a:bodyPr/>
-                    <a:lstStyle/>
-                    <a:p>
-                      <a:pPr algn="ctr"/>
-                      <a:r>
-                        <a:rPr lang="en-US" dirty="0"/>
-                        <a:t>0.848</a:t>
-                      </a:r>
-                    </a:p>
-                  </a:txBody>
-                  <a:tcPr anchor="ctr"/>
-                </a:tc>
-                <a:tc>
-                  <a:txBody>
-                    <a:bodyPr/>
-                    <a:lstStyle/>
-                    <a:p>
-                      <a:pPr algn="ctr"/>
-                      <a:r>
-                        <a:rPr lang="en-US" dirty="0"/>
-                        <a:t>0.771</a:t>
-                      </a:r>
-                    </a:p>
-                  </a:txBody>
-                  <a:tcPr anchor="ctr"/>
-                </a:tc>
-                <a:tc>
-                  <a:txBody>
-                    <a:bodyPr/>
-                    <a:lstStyle/>
-                    <a:p>
-                      <a:pPr algn="ctr"/>
-                      <a:r>
-                        <a:rPr lang="en-US" dirty="0"/>
-                        <a:t>0.896</a:t>
-                      </a:r>
-                    </a:p>
-                  </a:txBody>
-                  <a:tcPr anchor="ctr"/>
-                </a:tc>
-                <a:tc>
-                  <a:txBody>
-                    <a:bodyPr/>
-                    <a:lstStyle/>
-                    <a:p>
-                      <a:pPr algn="ctr"/>
-                      <a:r>
-                        <a:rPr lang="en-US" dirty="0"/>
-                        <a:t>0.808</a:t>
-                      </a:r>
-                    </a:p>
-                  </a:txBody>
-                  <a:tcPr anchor="ctr"/>
-                </a:tc>
-                <a:tc>
-                  <a:txBody>
-                    <a:bodyPr/>
-                    <a:lstStyle/>
-                    <a:p>
-                      <a:pPr algn="ctr"/>
-                      <a:r>
-                        <a:rPr lang="en-US" dirty="0"/>
-                        <a:t>0.3852</a:t>
-                      </a:r>
-                    </a:p>
-                  </a:txBody>
-                  <a:tcPr anchor="ctr"/>
-                </a:tc>
-                <a:extLst>
-                  <a:ext uri="{0D108BD9-81ED-4DB2-BD59-A6C34878D82A}">
-                    <a16:rowId xmlns:a16="http://schemas.microsoft.com/office/drawing/2014/main" val="618446083"/>
-                  </a:ext>
-                </a:extLst>
-              </a:tr>
-              <a:tr h="887174">
-                <a:tc>
-                  <a:txBody>
-                    <a:bodyPr/>
-                    <a:lstStyle/>
-                    <a:p>
-                      <a:pPr marL="0" marR="0" lvl="0" indent="0" algn="ctr" defTabSz="914400" rtl="0" eaLnBrk="1" fontAlgn="auto" latinLnBrk="0" hangingPunct="1">
-                        <a:lnSpc>
-                          <a:spcPct val="100000"/>
-                        </a:lnSpc>
-                        <a:spcBef>
-                          <a:spcPts val="0"/>
-                        </a:spcBef>
-                        <a:spcAft>
-                          <a:spcPts val="0"/>
-                        </a:spcAft>
-                        <a:buClrTx/>
-                        <a:buSzTx/>
-                        <a:buFontTx/>
-                        <a:buNone/>
-                        <a:tabLst/>
-                        <a:defRPr/>
-                      </a:pPr>
-                      <a:r>
-                        <a:rPr lang="en-US" dirty="0" err="1"/>
-                        <a:t>Alexnet_loss</a:t>
-                      </a:r>
-                      <a:endParaRPr lang="en-US" dirty="0"/>
-                    </a:p>
-                    <a:p>
-                      <a:pPr algn="ctr"/>
-                      <a:endParaRPr lang="en-US" dirty="0"/>
-                    </a:p>
-                  </a:txBody>
-                  <a:tcPr anchor="ctr"/>
-                </a:tc>
-                <a:tc>
-                  <a:txBody>
-                    <a:bodyPr/>
-                    <a:lstStyle/>
-                    <a:p>
-                      <a:pPr algn="ctr"/>
-                      <a:r>
-                        <a:rPr lang="en-US" dirty="0"/>
-                        <a:t>0.842</a:t>
-                      </a:r>
-                    </a:p>
-                  </a:txBody>
-                  <a:tcPr anchor="ctr"/>
-                </a:tc>
-                <a:tc>
-                  <a:txBody>
-                    <a:bodyPr/>
-                    <a:lstStyle/>
-                    <a:p>
-                      <a:pPr algn="ctr"/>
-                      <a:r>
-                        <a:rPr lang="en-US" dirty="0"/>
-                        <a:t>0.870</a:t>
-                      </a:r>
-                    </a:p>
-                  </a:txBody>
-                  <a:tcPr anchor="ctr"/>
-                </a:tc>
-                <a:tc>
-                  <a:txBody>
-                    <a:bodyPr/>
-                    <a:lstStyle/>
-                    <a:p>
-                      <a:pPr algn="ctr"/>
-                      <a:r>
-                        <a:rPr lang="en-US" dirty="0"/>
-                        <a:t>0.744</a:t>
-                      </a:r>
-                    </a:p>
-                  </a:txBody>
-                  <a:tcPr anchor="ctr"/>
-                </a:tc>
-                <a:tc>
-                  <a:txBody>
-                    <a:bodyPr/>
-                    <a:lstStyle/>
-                    <a:p>
-                      <a:pPr algn="ctr"/>
-                      <a:r>
-                        <a:rPr lang="en-US" dirty="0"/>
-                        <a:t>0.916</a:t>
-                      </a:r>
-                    </a:p>
-                  </a:txBody>
-                  <a:tcPr anchor="ctr"/>
-                </a:tc>
-                <a:tc>
-                  <a:txBody>
-                    <a:bodyPr/>
-                    <a:lstStyle/>
-                    <a:p>
-                      <a:pPr algn="ctr"/>
-                      <a:r>
-                        <a:rPr lang="en-US" dirty="0"/>
-                        <a:t>0.802</a:t>
-                      </a:r>
-                    </a:p>
-                  </a:txBody>
-                  <a:tcPr anchor="ctr"/>
-                </a:tc>
-                <a:tc>
-                  <a:txBody>
-                    <a:bodyPr/>
-                    <a:lstStyle/>
-                    <a:p>
-                      <a:pPr algn="ctr"/>
-                      <a:r>
-                        <a:rPr lang="en-US" dirty="0"/>
-                        <a:t>0.3901</a:t>
-                      </a:r>
-                    </a:p>
-                  </a:txBody>
-                  <a:tcPr anchor="ctr"/>
-                </a:tc>
-                <a:extLst>
-                  <a:ext uri="{0D108BD9-81ED-4DB2-BD59-A6C34878D82A}">
-                    <a16:rowId xmlns:a16="http://schemas.microsoft.com/office/drawing/2014/main" val="872347479"/>
-                  </a:ext>
-                </a:extLst>
-              </a:tr>
-            </a:tbl>
-          </a:graphicData>
-        </a:graphic>
-      </p:graphicFrame>
-    </p:spTree>
-    <p:extLst>
-      <p:ext uri="{BB962C8B-B14F-4D97-AF65-F5344CB8AC3E}">
-        <p14:creationId xmlns:p14="http://schemas.microsoft.com/office/powerpoint/2010/main" val="2436159314"/>
       </p:ext>
     </p:extLst>
   </p:cSld>
@@ -45617,6 +45521,811 @@
           <p:nvPr>
             <p:extLst>
               <p:ext uri="{D42A27DB-BD31-4B8C-83A1-F6EECF244321}">
+                <p14:modId xmlns:p14="http://schemas.microsoft.com/office/powerpoint/2010/main" val="1318737643"/>
+              </p:ext>
+            </p:extLst>
+          </p:nvPr>
+        </p:nvGraphicFramePr>
+        <p:xfrm>
+          <a:off x="674557" y="929527"/>
+          <a:ext cx="10942820" cy="4976599"/>
+        </p:xfrm>
+        <a:graphic>
+          <a:graphicData uri="http://schemas.openxmlformats.org/drawingml/2006/table">
+            <a:tbl>
+              <a:tblPr firstRow="1" bandRow="1">
+                <a:tableStyleId>{5C22544A-7EE6-4342-B048-85BDC9FD1C3A}</a:tableStyleId>
+              </a:tblPr>
+              <a:tblGrid>
+                <a:gridCol w="1563260">
+                  <a:extLst>
+                    <a:ext uri="{9D8B030D-6E8A-4147-A177-3AD203B41FA5}">
+                      <a16:colId xmlns:a16="http://schemas.microsoft.com/office/drawing/2014/main" val="2272368709"/>
+                    </a:ext>
+                  </a:extLst>
+                </a:gridCol>
+                <a:gridCol w="1563260">
+                  <a:extLst>
+                    <a:ext uri="{9D8B030D-6E8A-4147-A177-3AD203B41FA5}">
+                      <a16:colId xmlns:a16="http://schemas.microsoft.com/office/drawing/2014/main" val="2235686462"/>
+                    </a:ext>
+                  </a:extLst>
+                </a:gridCol>
+                <a:gridCol w="1563260">
+                  <a:extLst>
+                    <a:ext uri="{9D8B030D-6E8A-4147-A177-3AD203B41FA5}">
+                      <a16:colId xmlns:a16="http://schemas.microsoft.com/office/drawing/2014/main" val="1061232007"/>
+                    </a:ext>
+                  </a:extLst>
+                </a:gridCol>
+                <a:gridCol w="1563260">
+                  <a:extLst>
+                    <a:ext uri="{9D8B030D-6E8A-4147-A177-3AD203B41FA5}">
+                      <a16:colId xmlns:a16="http://schemas.microsoft.com/office/drawing/2014/main" val="464967916"/>
+                    </a:ext>
+                  </a:extLst>
+                </a:gridCol>
+                <a:gridCol w="1563260">
+                  <a:extLst>
+                    <a:ext uri="{9D8B030D-6E8A-4147-A177-3AD203B41FA5}">
+                      <a16:colId xmlns:a16="http://schemas.microsoft.com/office/drawing/2014/main" val="3929012556"/>
+                    </a:ext>
+                  </a:extLst>
+                </a:gridCol>
+                <a:gridCol w="1563260">
+                  <a:extLst>
+                    <a:ext uri="{9D8B030D-6E8A-4147-A177-3AD203B41FA5}">
+                      <a16:colId xmlns:a16="http://schemas.microsoft.com/office/drawing/2014/main" val="3303028153"/>
+                    </a:ext>
+                  </a:extLst>
+                </a:gridCol>
+                <a:gridCol w="1563260">
+                  <a:extLst>
+                    <a:ext uri="{9D8B030D-6E8A-4147-A177-3AD203B41FA5}">
+                      <a16:colId xmlns:a16="http://schemas.microsoft.com/office/drawing/2014/main" val="4108006114"/>
+                    </a:ext>
+                  </a:extLst>
+                </a:gridCol>
+              </a:tblGrid>
+              <a:tr h="523804">
+                <a:tc>
+                  <a:txBody>
+                    <a:bodyPr/>
+                    <a:lstStyle/>
+                    <a:p>
+                      <a:pPr algn="ctr"/>
+                      <a:r>
+                        <a:rPr lang="en-US" dirty="0"/>
+                        <a:t>Gap</a:t>
+                      </a:r>
+                    </a:p>
+                  </a:txBody>
+                  <a:tcPr anchor="ctr"/>
+                </a:tc>
+                <a:tc>
+                  <a:txBody>
+                    <a:bodyPr/>
+                    <a:lstStyle/>
+                    <a:p>
+                      <a:pPr algn="ctr"/>
+                      <a:r>
+                        <a:rPr lang="en-US" dirty="0"/>
+                        <a:t>Accuracy</a:t>
+                      </a:r>
+                    </a:p>
+                  </a:txBody>
+                  <a:tcPr anchor="ctr"/>
+                </a:tc>
+                <a:tc>
+                  <a:txBody>
+                    <a:bodyPr/>
+                    <a:lstStyle/>
+                    <a:p>
+                      <a:pPr algn="ctr"/>
+                      <a:r>
+                        <a:rPr lang="en-US" dirty="0"/>
+                        <a:t>precision</a:t>
+                      </a:r>
+                    </a:p>
+                  </a:txBody>
+                  <a:tcPr anchor="ctr"/>
+                </a:tc>
+                <a:tc>
+                  <a:txBody>
+                    <a:bodyPr/>
+                    <a:lstStyle/>
+                    <a:p>
+                      <a:pPr algn="ctr"/>
+                      <a:r>
+                        <a:rPr lang="en-US" dirty="0"/>
+                        <a:t>recall</a:t>
+                      </a:r>
+                    </a:p>
+                  </a:txBody>
+                  <a:tcPr anchor="ctr"/>
+                </a:tc>
+                <a:tc>
+                  <a:txBody>
+                    <a:bodyPr/>
+                    <a:lstStyle/>
+                    <a:p>
+                      <a:pPr algn="ctr"/>
+                      <a:r>
+                        <a:rPr lang="en-US" dirty="0"/>
+                        <a:t>specificity</a:t>
+                      </a:r>
+                    </a:p>
+                  </a:txBody>
+                  <a:tcPr anchor="ctr"/>
+                </a:tc>
+                <a:tc>
+                  <a:txBody>
+                    <a:bodyPr/>
+                    <a:lstStyle/>
+                    <a:p>
+                      <a:pPr algn="ctr"/>
+                      <a:r>
+                        <a:rPr lang="en-US" dirty="0"/>
+                        <a:t>F1</a:t>
+                      </a:r>
+                    </a:p>
+                  </a:txBody>
+                  <a:tcPr anchor="ctr"/>
+                </a:tc>
+                <a:tc>
+                  <a:txBody>
+                    <a:bodyPr/>
+                    <a:lstStyle/>
+                    <a:p>
+                      <a:pPr algn="ctr"/>
+                      <a:r>
+                        <a:rPr lang="en-US" dirty="0"/>
+                        <a:t>loss</a:t>
+                      </a:r>
+                    </a:p>
+                  </a:txBody>
+                  <a:tcPr anchor="ctr"/>
+                </a:tc>
+                <a:extLst>
+                  <a:ext uri="{0D108BD9-81ED-4DB2-BD59-A6C34878D82A}">
+                    <a16:rowId xmlns:a16="http://schemas.microsoft.com/office/drawing/2014/main" val="2384826745"/>
+                  </a:ext>
+                </a:extLst>
+              </a:tr>
+              <a:tr h="904099">
+                <a:tc>
+                  <a:txBody>
+                    <a:bodyPr/>
+                    <a:lstStyle/>
+                    <a:p>
+                      <a:pPr algn="ctr"/>
+                      <a:r>
+                        <a:rPr lang="en-US" dirty="0" err="1"/>
+                        <a:t>Alexnet_accuracy</a:t>
+                      </a:r>
+                      <a:endParaRPr lang="en-US" dirty="0"/>
+                    </a:p>
+                  </a:txBody>
+                  <a:tcPr anchor="ctr"/>
+                </a:tc>
+                <a:tc>
+                  <a:txBody>
+                    <a:bodyPr/>
+                    <a:lstStyle/>
+                    <a:p>
+                      <a:pPr algn="ctr"/>
+                      <a:r>
+                        <a:rPr lang="en-US" dirty="0"/>
+                        <a:t>0.842</a:t>
+                      </a:r>
+                    </a:p>
+                  </a:txBody>
+                  <a:tcPr anchor="ctr"/>
+                </a:tc>
+                <a:tc>
+                  <a:txBody>
+                    <a:bodyPr/>
+                    <a:lstStyle/>
+                    <a:p>
+                      <a:pPr algn="ctr"/>
+                      <a:r>
+                        <a:rPr lang="en-US" dirty="0"/>
+                        <a:t>0.870</a:t>
+                      </a:r>
+                    </a:p>
+                  </a:txBody>
+                  <a:tcPr anchor="ctr"/>
+                </a:tc>
+                <a:tc>
+                  <a:txBody>
+                    <a:bodyPr/>
+                    <a:lstStyle/>
+                    <a:p>
+                      <a:pPr algn="ctr"/>
+                      <a:r>
+                        <a:rPr lang="en-US" dirty="0"/>
+                        <a:t>0.744</a:t>
+                      </a:r>
+                    </a:p>
+                  </a:txBody>
+                  <a:tcPr anchor="ctr"/>
+                </a:tc>
+                <a:tc>
+                  <a:txBody>
+                    <a:bodyPr/>
+                    <a:lstStyle/>
+                    <a:p>
+                      <a:pPr algn="ctr"/>
+                      <a:r>
+                        <a:rPr lang="en-US" dirty="0"/>
+                        <a:t>0.916</a:t>
+                      </a:r>
+                    </a:p>
+                  </a:txBody>
+                  <a:tcPr anchor="ctr"/>
+                </a:tc>
+                <a:tc>
+                  <a:txBody>
+                    <a:bodyPr/>
+                    <a:lstStyle/>
+                    <a:p>
+                      <a:pPr algn="ctr"/>
+                      <a:r>
+                        <a:rPr lang="en-US" dirty="0"/>
+                        <a:t>0.802</a:t>
+                      </a:r>
+                    </a:p>
+                  </a:txBody>
+                  <a:tcPr anchor="ctr"/>
+                </a:tc>
+                <a:tc>
+                  <a:txBody>
+                    <a:bodyPr/>
+                    <a:lstStyle/>
+                    <a:p>
+                      <a:pPr algn="ctr"/>
+                      <a:r>
+                        <a:rPr lang="en-US" dirty="0"/>
+                        <a:t>0.3901</a:t>
+                      </a:r>
+                    </a:p>
+                  </a:txBody>
+                  <a:tcPr anchor="ctr"/>
+                </a:tc>
+                <a:extLst>
+                  <a:ext uri="{0D108BD9-81ED-4DB2-BD59-A6C34878D82A}">
+                    <a16:rowId xmlns:a16="http://schemas.microsoft.com/office/drawing/2014/main" val="1449166203"/>
+                  </a:ext>
+                </a:extLst>
+              </a:tr>
+              <a:tr h="887174">
+                <a:tc>
+                  <a:txBody>
+                    <a:bodyPr/>
+                    <a:lstStyle/>
+                    <a:p>
+                      <a:pPr algn="ctr"/>
+                      <a:r>
+                        <a:rPr lang="en-US" dirty="0" err="1"/>
+                        <a:t>Alexnet_precision</a:t>
+                      </a:r>
+                      <a:endParaRPr lang="en-US" dirty="0"/>
+                    </a:p>
+                  </a:txBody>
+                  <a:tcPr anchor="ctr"/>
+                </a:tc>
+                <a:tc>
+                  <a:txBody>
+                    <a:bodyPr/>
+                    <a:lstStyle/>
+                    <a:p>
+                      <a:pPr algn="ctr"/>
+                      <a:r>
+                        <a:rPr lang="en-US" dirty="0"/>
+                        <a:t>0.825</a:t>
+                      </a:r>
+                    </a:p>
+                  </a:txBody>
+                  <a:tcPr anchor="ctr"/>
+                </a:tc>
+                <a:tc>
+                  <a:txBody>
+                    <a:bodyPr/>
+                    <a:lstStyle/>
+                    <a:p>
+                      <a:pPr algn="ctr"/>
+                      <a:r>
+                        <a:rPr lang="en-US" dirty="0"/>
+                        <a:t>0.891</a:t>
+                      </a:r>
+                    </a:p>
+                  </a:txBody>
+                  <a:tcPr anchor="ctr"/>
+                </a:tc>
+                <a:tc>
+                  <a:txBody>
+                    <a:bodyPr/>
+                    <a:lstStyle/>
+                    <a:p>
+                      <a:pPr algn="ctr"/>
+                      <a:r>
+                        <a:rPr lang="en-US" dirty="0"/>
+                        <a:t>0.674</a:t>
+                      </a:r>
+                    </a:p>
+                  </a:txBody>
+                  <a:tcPr anchor="ctr"/>
+                </a:tc>
+                <a:tc>
+                  <a:txBody>
+                    <a:bodyPr/>
+                    <a:lstStyle/>
+                    <a:p>
+                      <a:pPr algn="ctr"/>
+                      <a:r>
+                        <a:rPr lang="en-US" dirty="0"/>
+                        <a:t>0.938</a:t>
+                      </a:r>
+                    </a:p>
+                  </a:txBody>
+                  <a:tcPr anchor="ctr"/>
+                </a:tc>
+                <a:tc>
+                  <a:txBody>
+                    <a:bodyPr/>
+                    <a:lstStyle/>
+                    <a:p>
+                      <a:pPr algn="ctr"/>
+                      <a:r>
+                        <a:rPr lang="en-US" dirty="0"/>
+                        <a:t>0.768</a:t>
+                      </a:r>
+                    </a:p>
+                  </a:txBody>
+                  <a:tcPr anchor="ctr"/>
+                </a:tc>
+                <a:tc>
+                  <a:txBody>
+                    <a:bodyPr/>
+                    <a:lstStyle/>
+                    <a:p>
+                      <a:pPr algn="ctr"/>
+                      <a:r>
+                        <a:rPr lang="en-US" dirty="0"/>
+                        <a:t>0.4023</a:t>
+                      </a:r>
+                    </a:p>
+                  </a:txBody>
+                  <a:tcPr anchor="ctr"/>
+                </a:tc>
+                <a:extLst>
+                  <a:ext uri="{0D108BD9-81ED-4DB2-BD59-A6C34878D82A}">
+                    <a16:rowId xmlns:a16="http://schemas.microsoft.com/office/drawing/2014/main" val="4164655960"/>
+                  </a:ext>
+                </a:extLst>
+              </a:tr>
+              <a:tr h="887174">
+                <a:tc>
+                  <a:txBody>
+                    <a:bodyPr/>
+                    <a:lstStyle/>
+                    <a:p>
+                      <a:pPr algn="ctr"/>
+                      <a:r>
+                        <a:rPr lang="en-US" dirty="0" err="1"/>
+                        <a:t>Alexnet</a:t>
+                      </a:r>
+                      <a:r>
+                        <a:rPr lang="en-US" dirty="0" err="1">
+                          <a:solidFill>
+                            <a:srgbClr val="FF0000"/>
+                          </a:solidFill>
+                        </a:rPr>
+                        <a:t>_recall</a:t>
+                      </a:r>
+                      <a:endParaRPr lang="en-US" dirty="0">
+                        <a:solidFill>
+                          <a:srgbClr val="FF0000"/>
+                        </a:solidFill>
+                      </a:endParaRPr>
+                    </a:p>
+                  </a:txBody>
+                  <a:tcPr anchor="ctr"/>
+                </a:tc>
+                <a:tc>
+                  <a:txBody>
+                    <a:bodyPr/>
+                    <a:lstStyle/>
+                    <a:p>
+                      <a:pPr algn="ctr"/>
+                      <a:r>
+                        <a:rPr lang="en-US" dirty="0">
+                          <a:solidFill>
+                            <a:srgbClr val="FF0000"/>
+                          </a:solidFill>
+                        </a:rPr>
+                        <a:t>0.430</a:t>
+                      </a:r>
+                    </a:p>
+                  </a:txBody>
+                  <a:tcPr anchor="ctr"/>
+                </a:tc>
+                <a:tc>
+                  <a:txBody>
+                    <a:bodyPr/>
+                    <a:lstStyle/>
+                    <a:p>
+                      <a:pPr algn="ctr"/>
+                      <a:r>
+                        <a:rPr lang="en-US" dirty="0">
+                          <a:solidFill>
+                            <a:srgbClr val="FF0000"/>
+                          </a:solidFill>
+                        </a:rPr>
+                        <a:t>0.430</a:t>
+                      </a:r>
+                    </a:p>
+                  </a:txBody>
+                  <a:tcPr anchor="ctr"/>
+                </a:tc>
+                <a:tc>
+                  <a:txBody>
+                    <a:bodyPr/>
+                    <a:lstStyle/>
+                    <a:p>
+                      <a:pPr algn="ctr"/>
+                      <a:r>
+                        <a:rPr lang="en-US" dirty="0">
+                          <a:solidFill>
+                            <a:srgbClr val="FF0000"/>
+                          </a:solidFill>
+                        </a:rPr>
+                        <a:t>1.000</a:t>
+                      </a:r>
+                    </a:p>
+                  </a:txBody>
+                  <a:tcPr anchor="ctr"/>
+                </a:tc>
+                <a:tc>
+                  <a:txBody>
+                    <a:bodyPr/>
+                    <a:lstStyle/>
+                    <a:p>
+                      <a:pPr algn="ctr"/>
+                      <a:r>
+                        <a:rPr lang="en-US" dirty="0">
+                          <a:solidFill>
+                            <a:srgbClr val="FF0000"/>
+                          </a:solidFill>
+                        </a:rPr>
+                        <a:t>0.000</a:t>
+                      </a:r>
+                    </a:p>
+                  </a:txBody>
+                  <a:tcPr anchor="ctr"/>
+                </a:tc>
+                <a:tc>
+                  <a:txBody>
+                    <a:bodyPr/>
+                    <a:lstStyle/>
+                    <a:p>
+                      <a:pPr algn="ctr"/>
+                      <a:r>
+                        <a:rPr lang="en-US" dirty="0">
+                          <a:solidFill>
+                            <a:srgbClr val="FF0000"/>
+                          </a:solidFill>
+                        </a:rPr>
+                        <a:t>0.601</a:t>
+                      </a:r>
+                    </a:p>
+                  </a:txBody>
+                  <a:tcPr anchor="ctr"/>
+                </a:tc>
+                <a:tc>
+                  <a:txBody>
+                    <a:bodyPr/>
+                    <a:lstStyle/>
+                    <a:p>
+                      <a:pPr algn="ctr"/>
+                      <a:r>
+                        <a:rPr lang="en-US" dirty="0">
+                          <a:solidFill>
+                            <a:srgbClr val="FF0000"/>
+                          </a:solidFill>
+                        </a:rPr>
+                        <a:t>0.6991</a:t>
+                      </a:r>
+                    </a:p>
+                  </a:txBody>
+                  <a:tcPr anchor="ctr"/>
+                </a:tc>
+                <a:extLst>
+                  <a:ext uri="{0D108BD9-81ED-4DB2-BD59-A6C34878D82A}">
+                    <a16:rowId xmlns:a16="http://schemas.microsoft.com/office/drawing/2014/main" val="2775775737"/>
+                  </a:ext>
+                </a:extLst>
+              </a:tr>
+              <a:tr h="887174">
+                <a:tc>
+                  <a:txBody>
+                    <a:bodyPr/>
+                    <a:lstStyle/>
+                    <a:p>
+                      <a:pPr algn="ctr"/>
+                      <a:r>
+                        <a:rPr lang="en-US" dirty="0"/>
+                        <a:t>Alexnet_F1</a:t>
+                      </a:r>
+                    </a:p>
+                  </a:txBody>
+                  <a:tcPr anchor="ctr"/>
+                </a:tc>
+                <a:tc>
+                  <a:txBody>
+                    <a:bodyPr/>
+                    <a:lstStyle/>
+                    <a:p>
+                      <a:pPr algn="ctr"/>
+                      <a:r>
+                        <a:rPr lang="en-US" dirty="0"/>
+                        <a:t>0.842</a:t>
+                      </a:r>
+                    </a:p>
+                  </a:txBody>
+                  <a:tcPr anchor="ctr"/>
+                </a:tc>
+                <a:tc>
+                  <a:txBody>
+                    <a:bodyPr/>
+                    <a:lstStyle/>
+                    <a:p>
+                      <a:pPr algn="ctr"/>
+                      <a:r>
+                        <a:rPr lang="en-US" dirty="0"/>
+                        <a:t>0.848</a:t>
+                      </a:r>
+                    </a:p>
+                  </a:txBody>
+                  <a:tcPr anchor="ctr"/>
+                </a:tc>
+                <a:tc>
+                  <a:txBody>
+                    <a:bodyPr/>
+                    <a:lstStyle/>
+                    <a:p>
+                      <a:pPr algn="ctr"/>
+                      <a:r>
+                        <a:rPr lang="en-US" dirty="0"/>
+                        <a:t>0.771</a:t>
+                      </a:r>
+                    </a:p>
+                  </a:txBody>
+                  <a:tcPr anchor="ctr"/>
+                </a:tc>
+                <a:tc>
+                  <a:txBody>
+                    <a:bodyPr/>
+                    <a:lstStyle/>
+                    <a:p>
+                      <a:pPr algn="ctr"/>
+                      <a:r>
+                        <a:rPr lang="en-US" dirty="0"/>
+                        <a:t>0.896</a:t>
+                      </a:r>
+                    </a:p>
+                  </a:txBody>
+                  <a:tcPr anchor="ctr"/>
+                </a:tc>
+                <a:tc>
+                  <a:txBody>
+                    <a:bodyPr/>
+                    <a:lstStyle/>
+                    <a:p>
+                      <a:pPr algn="ctr"/>
+                      <a:r>
+                        <a:rPr lang="en-US" dirty="0"/>
+                        <a:t>0.808</a:t>
+                      </a:r>
+                    </a:p>
+                  </a:txBody>
+                  <a:tcPr anchor="ctr"/>
+                </a:tc>
+                <a:tc>
+                  <a:txBody>
+                    <a:bodyPr/>
+                    <a:lstStyle/>
+                    <a:p>
+                      <a:pPr algn="ctr"/>
+                      <a:r>
+                        <a:rPr lang="en-US" dirty="0"/>
+                        <a:t>0.3852</a:t>
+                      </a:r>
+                    </a:p>
+                  </a:txBody>
+                  <a:tcPr anchor="ctr"/>
+                </a:tc>
+                <a:extLst>
+                  <a:ext uri="{0D108BD9-81ED-4DB2-BD59-A6C34878D82A}">
+                    <a16:rowId xmlns:a16="http://schemas.microsoft.com/office/drawing/2014/main" val="618446083"/>
+                  </a:ext>
+                </a:extLst>
+              </a:tr>
+              <a:tr h="887174">
+                <a:tc>
+                  <a:txBody>
+                    <a:bodyPr/>
+                    <a:lstStyle/>
+                    <a:p>
+                      <a:pPr marL="0" marR="0" lvl="0" indent="0" algn="ctr" defTabSz="914400" rtl="0" eaLnBrk="1" fontAlgn="auto" latinLnBrk="0" hangingPunct="1">
+                        <a:lnSpc>
+                          <a:spcPct val="100000"/>
+                        </a:lnSpc>
+                        <a:spcBef>
+                          <a:spcPts val="0"/>
+                        </a:spcBef>
+                        <a:spcAft>
+                          <a:spcPts val="0"/>
+                        </a:spcAft>
+                        <a:buClrTx/>
+                        <a:buSzTx/>
+                        <a:buFontTx/>
+                        <a:buNone/>
+                        <a:tabLst/>
+                        <a:defRPr/>
+                      </a:pPr>
+                      <a:r>
+                        <a:rPr lang="en-US" dirty="0" err="1"/>
+                        <a:t>Alexnet_loss</a:t>
+                      </a:r>
+                      <a:endParaRPr lang="en-US" dirty="0"/>
+                    </a:p>
+                    <a:p>
+                      <a:pPr algn="ctr"/>
+                      <a:endParaRPr lang="en-US" dirty="0"/>
+                    </a:p>
+                  </a:txBody>
+                  <a:tcPr anchor="ctr"/>
+                </a:tc>
+                <a:tc>
+                  <a:txBody>
+                    <a:bodyPr/>
+                    <a:lstStyle/>
+                    <a:p>
+                      <a:pPr algn="ctr"/>
+                      <a:r>
+                        <a:rPr lang="en-US" dirty="0"/>
+                        <a:t>0.842</a:t>
+                      </a:r>
+                    </a:p>
+                  </a:txBody>
+                  <a:tcPr anchor="ctr"/>
+                </a:tc>
+                <a:tc>
+                  <a:txBody>
+                    <a:bodyPr/>
+                    <a:lstStyle/>
+                    <a:p>
+                      <a:pPr algn="ctr"/>
+                      <a:r>
+                        <a:rPr lang="en-US" dirty="0"/>
+                        <a:t>0.870</a:t>
+                      </a:r>
+                    </a:p>
+                  </a:txBody>
+                  <a:tcPr anchor="ctr"/>
+                </a:tc>
+                <a:tc>
+                  <a:txBody>
+                    <a:bodyPr/>
+                    <a:lstStyle/>
+                    <a:p>
+                      <a:pPr algn="ctr"/>
+                      <a:r>
+                        <a:rPr lang="en-US" dirty="0"/>
+                        <a:t>0.744</a:t>
+                      </a:r>
+                    </a:p>
+                  </a:txBody>
+                  <a:tcPr anchor="ctr"/>
+                </a:tc>
+                <a:tc>
+                  <a:txBody>
+                    <a:bodyPr/>
+                    <a:lstStyle/>
+                    <a:p>
+                      <a:pPr algn="ctr"/>
+                      <a:r>
+                        <a:rPr lang="en-US" dirty="0"/>
+                        <a:t>0.916</a:t>
+                      </a:r>
+                    </a:p>
+                  </a:txBody>
+                  <a:tcPr anchor="ctr"/>
+                </a:tc>
+                <a:tc>
+                  <a:txBody>
+                    <a:bodyPr/>
+                    <a:lstStyle/>
+                    <a:p>
+                      <a:pPr algn="ctr"/>
+                      <a:r>
+                        <a:rPr lang="en-US" dirty="0"/>
+                        <a:t>0.802</a:t>
+                      </a:r>
+                    </a:p>
+                  </a:txBody>
+                  <a:tcPr anchor="ctr"/>
+                </a:tc>
+                <a:tc>
+                  <a:txBody>
+                    <a:bodyPr/>
+                    <a:lstStyle/>
+                    <a:p>
+                      <a:pPr algn="ctr"/>
+                      <a:r>
+                        <a:rPr lang="en-US" dirty="0"/>
+                        <a:t>0.3901</a:t>
+                      </a:r>
+                    </a:p>
+                  </a:txBody>
+                  <a:tcPr anchor="ctr"/>
+                </a:tc>
+                <a:extLst>
+                  <a:ext uri="{0D108BD9-81ED-4DB2-BD59-A6C34878D82A}">
+                    <a16:rowId xmlns:a16="http://schemas.microsoft.com/office/drawing/2014/main" val="872347479"/>
+                  </a:ext>
+                </a:extLst>
+              </a:tr>
+            </a:tbl>
+          </a:graphicData>
+        </a:graphic>
+      </p:graphicFrame>
+    </p:spTree>
+    <p:extLst>
+      <p:ext uri="{BB962C8B-B14F-4D97-AF65-F5344CB8AC3E}">
+        <p14:creationId xmlns:p14="http://schemas.microsoft.com/office/powerpoint/2010/main" val="2436159314"/>
+      </p:ext>
+    </p:extLst>
+  </p:cSld>
+  <p:clrMapOvr>
+    <a:masterClrMapping/>
+  </p:clrMapOvr>
+</p:sld>
+</file>
+
+<file path=ppt/slides/slide91.xml><?xml version="1.0" encoding="utf-8"?>
+<p:sld xmlns:a="http://schemas.openxmlformats.org/drawingml/2006/main" xmlns:r="http://schemas.openxmlformats.org/officeDocument/2006/relationships" xmlns:p="http://schemas.openxmlformats.org/presentationml/2006/main">
+  <p:cSld>
+    <p:spTree>
+      <p:nvGrpSpPr>
+        <p:cNvPr id="1" name=""/>
+        <p:cNvGrpSpPr/>
+        <p:nvPr/>
+      </p:nvGrpSpPr>
+      <p:grpSpPr>
+        <a:xfrm>
+          <a:off x="0" y="0"/>
+          <a:ext cx="0" cy="0"/>
+          <a:chOff x="0" y="0"/>
+          <a:chExt cx="0" cy="0"/>
+        </a:xfrm>
+      </p:grpSpPr>
+      <p:graphicFrame>
+        <p:nvGraphicFramePr>
+          <p:cNvPr id="4" name="Table 3">
+            <a:extLst>
+              <a:ext uri="{FF2B5EF4-FFF2-40B4-BE49-F238E27FC236}">
+                <a16:creationId xmlns:a16="http://schemas.microsoft.com/office/drawing/2014/main" id="{F3634E9B-F616-E548-A703-16000F2DD0FF}"/>
+              </a:ext>
+            </a:extLst>
+          </p:cNvPr>
+          <p:cNvGraphicFramePr>
+            <a:graphicFrameLocks noGrp="1"/>
+          </p:cNvGraphicFramePr>
+          <p:nvPr>
+            <p:extLst>
+              <p:ext uri="{D42A27DB-BD31-4B8C-83A1-F6EECF244321}">
                 <p14:modId xmlns:p14="http://schemas.microsoft.com/office/powerpoint/2010/main" val="3536361398"/>
               </p:ext>
             </p:extLst>
@@ -46379,7 +47088,7 @@
 </p:sld>
 </file>
 
-<file path=ppt/slides/slide91.xml><?xml version="1.0" encoding="utf-8"?>
+<file path=ppt/slides/slide92.xml><?xml version="1.0" encoding="utf-8"?>
 <p:sld xmlns:a="http://schemas.openxmlformats.org/drawingml/2006/main" xmlns:r="http://schemas.openxmlformats.org/officeDocument/2006/relationships" xmlns:p="http://schemas.openxmlformats.org/presentationml/2006/main">
   <p:cSld>
     <p:spTree>

--- a/BSD_Figures.pptx
+++ b/BSD_Figures.pptx
@@ -39911,7 +39911,7 @@
           <p:nvPr>
             <p:extLst>
               <p:ext uri="{D42A27DB-BD31-4B8C-83A1-F6EECF244321}">
-                <p14:modId xmlns:p14="http://schemas.microsoft.com/office/powerpoint/2010/main" val="402224737"/>
+                <p14:modId xmlns:p14="http://schemas.microsoft.com/office/powerpoint/2010/main" val="4109763795"/>
               </p:ext>
             </p:extLst>
           </p:nvPr>
@@ -40104,6 +40104,52 @@
                     <a:lstStyle/>
                     <a:p>
                       <a:pPr algn="ctr"/>
+                      <a:r>
+                        <a:rPr lang="en-US" dirty="0"/>
+                        <a:t>0.837</a:t>
+                      </a:r>
+                    </a:p>
+                  </a:txBody>
+                  <a:tcPr anchor="ctr"/>
+                </a:tc>
+                <a:tc>
+                  <a:txBody>
+                    <a:bodyPr/>
+                    <a:lstStyle/>
+                    <a:p>
+                      <a:pPr algn="ctr"/>
+                      <a:r>
+                        <a:rPr lang="en-US" dirty="0"/>
+                        <a:t>0.755</a:t>
+                      </a:r>
+                    </a:p>
+                  </a:txBody>
+                  <a:tcPr anchor="ctr"/>
+                </a:tc>
+                <a:tc>
+                  <a:txBody>
+                    <a:bodyPr/>
+                    <a:lstStyle/>
+                    <a:p>
+                      <a:pPr algn="ctr"/>
+                      <a:r>
+                        <a:rPr lang="en-US" dirty="0"/>
+                        <a:t>0.673</a:t>
+                      </a:r>
+                    </a:p>
+                  </a:txBody>
+                  <a:tcPr anchor="ctr"/>
+                </a:tc>
+                <a:tc>
+                  <a:txBody>
+                    <a:bodyPr/>
+                    <a:lstStyle/>
+                    <a:p>
+                      <a:pPr algn="ctr"/>
+                      <a:r>
+                        <a:rPr lang="en-US"/>
+                        <a:t>0.907</a:t>
+                      </a:r>
                       <a:endParaRPr lang="en-US" dirty="0"/>
                     </a:p>
                   </a:txBody>
@@ -40115,51 +40161,24 @@
                     <a:lstStyle/>
                     <a:p>
                       <a:pPr algn="ctr"/>
-                      <a:endParaRPr lang="en-US" dirty="0"/>
-                    </a:p>
-                  </a:txBody>
-                  <a:tcPr anchor="ctr"/>
-                </a:tc>
-                <a:tc>
-                  <a:txBody>
-                    <a:bodyPr/>
-                    <a:lstStyle/>
-                    <a:p>
-                      <a:pPr algn="ctr"/>
-                      <a:endParaRPr lang="en-US" dirty="0"/>
-                    </a:p>
-                  </a:txBody>
-                  <a:tcPr anchor="ctr"/>
-                </a:tc>
-                <a:tc>
-                  <a:txBody>
-                    <a:bodyPr/>
-                    <a:lstStyle/>
-                    <a:p>
-                      <a:pPr algn="ctr"/>
-                      <a:endParaRPr lang="en-US" dirty="0"/>
-                    </a:p>
-                  </a:txBody>
-                  <a:tcPr anchor="ctr"/>
-                </a:tc>
-                <a:tc>
-                  <a:txBody>
-                    <a:bodyPr/>
-                    <a:lstStyle/>
-                    <a:p>
-                      <a:pPr algn="ctr"/>
-                      <a:endParaRPr lang="en-US" dirty="0"/>
-                    </a:p>
-                  </a:txBody>
-                  <a:tcPr anchor="ctr"/>
-                </a:tc>
-                <a:tc>
-                  <a:txBody>
-                    <a:bodyPr/>
-                    <a:lstStyle/>
-                    <a:p>
-                      <a:pPr algn="ctr"/>
-                      <a:endParaRPr lang="en-US" dirty="0"/>
+                      <a:r>
+                        <a:rPr lang="en-US" dirty="0"/>
+                        <a:t>0.712</a:t>
+                      </a:r>
+                    </a:p>
+                  </a:txBody>
+                  <a:tcPr anchor="ctr"/>
+                </a:tc>
+                <a:tc>
+                  <a:txBody>
+                    <a:bodyPr/>
+                    <a:lstStyle/>
+                    <a:p>
+                      <a:pPr algn="ctr"/>
+                      <a:r>
+                        <a:rPr lang="en-US" dirty="0"/>
+                        <a:t>0.3867</a:t>
+                      </a:r>
                     </a:p>
                   </a:txBody>
                   <a:tcPr anchor="ctr"/>
@@ -40692,10 +40711,9 @@
                     <a:p>
                       <a:pPr algn="ctr"/>
                       <a:r>
-                        <a:rPr lang="en-US"/>
+                        <a:rPr lang="en-US" dirty="0"/>
                         <a:t>Gap</a:t>
                       </a:r>
-                      <a:endParaRPr lang="en-US" dirty="0"/>
                     </a:p>
                   </a:txBody>
                   <a:tcPr anchor="ctr"/>

--- a/BSD_Figures.pptx
+++ b/BSD_Figures.pptx
@@ -39911,7 +39911,7 @@
           <p:nvPr>
             <p:extLst>
               <p:ext uri="{D42A27DB-BD31-4B8C-83A1-F6EECF244321}">
-                <p14:modId xmlns:p14="http://schemas.microsoft.com/office/powerpoint/2010/main" val="4109763795"/>
+                <p14:modId xmlns:p14="http://schemas.microsoft.com/office/powerpoint/2010/main" val="2314427751"/>
               </p:ext>
             </p:extLst>
           </p:nvPr>
@@ -40147,10 +40147,9 @@
                     <a:p>
                       <a:pPr algn="ctr"/>
                       <a:r>
-                        <a:rPr lang="en-US"/>
+                        <a:rPr lang="en-US" dirty="0"/>
                         <a:t>0.907</a:t>
                       </a:r>
-                      <a:endParaRPr lang="en-US" dirty="0"/>
                     </a:p>
                   </a:txBody>
                   <a:tcPr anchor="ctr"/>
@@ -40211,62 +40210,80 @@
                     <a:lstStyle/>
                     <a:p>
                       <a:pPr algn="ctr"/>
-                      <a:endParaRPr lang="en-US" dirty="0"/>
-                    </a:p>
-                  </a:txBody>
-                  <a:tcPr anchor="ctr"/>
-                </a:tc>
-                <a:tc>
-                  <a:txBody>
-                    <a:bodyPr/>
-                    <a:lstStyle/>
-                    <a:p>
-                      <a:pPr algn="ctr"/>
-                      <a:endParaRPr lang="en-US" dirty="0"/>
-                    </a:p>
-                  </a:txBody>
-                  <a:tcPr anchor="ctr"/>
-                </a:tc>
-                <a:tc>
-                  <a:txBody>
-                    <a:bodyPr/>
-                    <a:lstStyle/>
-                    <a:p>
-                      <a:pPr algn="ctr"/>
-                      <a:endParaRPr lang="en-US" dirty="0"/>
-                    </a:p>
-                  </a:txBody>
-                  <a:tcPr anchor="ctr"/>
-                </a:tc>
-                <a:tc>
-                  <a:txBody>
-                    <a:bodyPr/>
-                    <a:lstStyle/>
-                    <a:p>
-                      <a:pPr algn="ctr"/>
-                      <a:endParaRPr lang="en-US" dirty="0"/>
-                    </a:p>
-                  </a:txBody>
-                  <a:tcPr anchor="ctr"/>
-                </a:tc>
-                <a:tc>
-                  <a:txBody>
-                    <a:bodyPr/>
-                    <a:lstStyle/>
-                    <a:p>
-                      <a:pPr algn="ctr"/>
-                      <a:endParaRPr lang="en-US" dirty="0"/>
-                    </a:p>
-                  </a:txBody>
-                  <a:tcPr anchor="ctr"/>
-                </a:tc>
-                <a:tc>
-                  <a:txBody>
-                    <a:bodyPr/>
-                    <a:lstStyle/>
-                    <a:p>
-                      <a:pPr algn="ctr"/>
-                      <a:endParaRPr lang="en-US" dirty="0"/>
+                      <a:r>
+                        <a:rPr lang="en-US" dirty="0"/>
+                        <a:t>0.837</a:t>
+                      </a:r>
+                    </a:p>
+                  </a:txBody>
+                  <a:tcPr anchor="ctr"/>
+                </a:tc>
+                <a:tc>
+                  <a:txBody>
+                    <a:bodyPr/>
+                    <a:lstStyle/>
+                    <a:p>
+                      <a:pPr algn="ctr"/>
+                      <a:r>
+                        <a:rPr lang="en-US" dirty="0"/>
+                        <a:t>0.755</a:t>
+                      </a:r>
+                    </a:p>
+                  </a:txBody>
+                  <a:tcPr anchor="ctr"/>
+                </a:tc>
+                <a:tc>
+                  <a:txBody>
+                    <a:bodyPr/>
+                    <a:lstStyle/>
+                    <a:p>
+                      <a:pPr algn="ctr"/>
+                      <a:r>
+                        <a:rPr lang="en-US" dirty="0"/>
+                        <a:t>0.673</a:t>
+                      </a:r>
+                    </a:p>
+                  </a:txBody>
+                  <a:tcPr anchor="ctr"/>
+                </a:tc>
+                <a:tc>
+                  <a:txBody>
+                    <a:bodyPr/>
+                    <a:lstStyle/>
+                    <a:p>
+                      <a:pPr algn="ctr"/>
+                      <a:r>
+                        <a:rPr lang="en-US" dirty="0"/>
+                        <a:t>0.907</a:t>
+                      </a:r>
+                    </a:p>
+                  </a:txBody>
+                  <a:tcPr anchor="ctr"/>
+                </a:tc>
+                <a:tc>
+                  <a:txBody>
+                    <a:bodyPr/>
+                    <a:lstStyle/>
+                    <a:p>
+                      <a:pPr algn="ctr"/>
+                      <a:r>
+                        <a:rPr lang="en-US" dirty="0"/>
+                        <a:t>0.712</a:t>
+                      </a:r>
+                    </a:p>
+                  </a:txBody>
+                  <a:tcPr anchor="ctr"/>
+                </a:tc>
+                <a:tc>
+                  <a:txBody>
+                    <a:bodyPr/>
+                    <a:lstStyle/>
+                    <a:p>
+                      <a:pPr algn="ctr"/>
+                      <a:r>
+                        <a:rPr lang="en-US" dirty="0"/>
+                        <a:t>0.3867</a:t>
+                      </a:r>
                     </a:p>
                   </a:txBody>
                   <a:tcPr anchor="ctr"/>
@@ -40303,6 +40320,68 @@
                     <a:lstStyle/>
                     <a:p>
                       <a:pPr algn="ctr"/>
+                      <a:r>
+                        <a:rPr lang="en-US" dirty="0">
+                          <a:solidFill>
+                            <a:srgbClr val="FF0000"/>
+                          </a:solidFill>
+                        </a:rPr>
+                        <a:t>0.759</a:t>
+                      </a:r>
+                    </a:p>
+                  </a:txBody>
+                  <a:tcPr anchor="ctr"/>
+                </a:tc>
+                <a:tc>
+                  <a:txBody>
+                    <a:bodyPr/>
+                    <a:lstStyle/>
+                    <a:p>
+                      <a:pPr algn="ctr"/>
+                      <a:r>
+                        <a:rPr lang="en-US" dirty="0">
+                          <a:solidFill>
+                            <a:srgbClr val="FF0000"/>
+                          </a:solidFill>
+                        </a:rPr>
+                        <a:t>0.572</a:t>
+                      </a:r>
+                    </a:p>
+                  </a:txBody>
+                  <a:tcPr anchor="ctr"/>
+                </a:tc>
+                <a:tc>
+                  <a:txBody>
+                    <a:bodyPr/>
+                    <a:lstStyle/>
+                    <a:p>
+                      <a:pPr algn="ctr"/>
+                      <a:r>
+                        <a:rPr lang="en-US" dirty="0">
+                          <a:solidFill>
+                            <a:srgbClr val="FF0000"/>
+                          </a:solidFill>
+                        </a:rPr>
+                        <a:t>0.771</a:t>
+                      </a:r>
+                    </a:p>
+                  </a:txBody>
+                  <a:tcPr anchor="ctr"/>
+                </a:tc>
+                <a:tc>
+                  <a:txBody>
+                    <a:bodyPr/>
+                    <a:lstStyle/>
+                    <a:p>
+                      <a:pPr algn="ctr"/>
+                      <a:r>
+                        <a:rPr lang="en-US">
+                          <a:solidFill>
+                            <a:srgbClr val="FF0000"/>
+                          </a:solidFill>
+                        </a:rPr>
+                        <a:t>0.754</a:t>
+                      </a:r>
                       <a:endParaRPr lang="en-US" dirty="0">
                         <a:solidFill>
                           <a:srgbClr val="FF0000"/>
@@ -40318,71 +40397,32 @@
                     <a:lstStyle/>
                     <a:p>
                       <a:pPr algn="ctr"/>
-                      <a:endParaRPr lang="en-US" dirty="0">
-                        <a:solidFill>
-                          <a:srgbClr val="FF0000"/>
-                        </a:solidFill>
-                      </a:endParaRPr>
-                    </a:p>
-                  </a:txBody>
-                  <a:tcPr anchor="ctr"/>
-                </a:tc>
-                <a:tc>
-                  <a:txBody>
-                    <a:bodyPr/>
-                    <a:lstStyle/>
-                    <a:p>
-                      <a:pPr algn="ctr"/>
-                      <a:endParaRPr lang="en-US" dirty="0">
-                        <a:solidFill>
-                          <a:srgbClr val="FF0000"/>
-                        </a:solidFill>
-                      </a:endParaRPr>
-                    </a:p>
-                  </a:txBody>
-                  <a:tcPr anchor="ctr"/>
-                </a:tc>
-                <a:tc>
-                  <a:txBody>
-                    <a:bodyPr/>
-                    <a:lstStyle/>
-                    <a:p>
-                      <a:pPr algn="ctr"/>
-                      <a:endParaRPr lang="en-US" dirty="0">
-                        <a:solidFill>
-                          <a:srgbClr val="FF0000"/>
-                        </a:solidFill>
-                      </a:endParaRPr>
-                    </a:p>
-                  </a:txBody>
-                  <a:tcPr anchor="ctr"/>
-                </a:tc>
-                <a:tc>
-                  <a:txBody>
-                    <a:bodyPr/>
-                    <a:lstStyle/>
-                    <a:p>
-                      <a:pPr algn="ctr"/>
-                      <a:endParaRPr lang="en-US" dirty="0">
-                        <a:solidFill>
-                          <a:srgbClr val="FF0000"/>
-                        </a:solidFill>
-                      </a:endParaRPr>
-                    </a:p>
-                  </a:txBody>
-                  <a:tcPr anchor="ctr"/>
-                </a:tc>
-                <a:tc>
-                  <a:txBody>
-                    <a:bodyPr/>
-                    <a:lstStyle/>
-                    <a:p>
-                      <a:pPr algn="ctr"/>
-                      <a:endParaRPr lang="en-US" dirty="0">
-                        <a:solidFill>
-                          <a:srgbClr val="FF0000"/>
-                        </a:solidFill>
-                      </a:endParaRPr>
+                      <a:r>
+                        <a:rPr lang="en-US" dirty="0">
+                          <a:solidFill>
+                            <a:srgbClr val="FF0000"/>
+                          </a:solidFill>
+                        </a:rPr>
+                        <a:t>0.657</a:t>
+                      </a:r>
+                    </a:p>
+                  </a:txBody>
+                  <a:tcPr anchor="ctr"/>
+                </a:tc>
+                <a:tc>
+                  <a:txBody>
+                    <a:bodyPr/>
+                    <a:lstStyle/>
+                    <a:p>
+                      <a:pPr algn="ctr"/>
+                      <a:r>
+                        <a:rPr lang="en-US" dirty="0">
+                          <a:solidFill>
+                            <a:srgbClr val="FF0000"/>
+                          </a:solidFill>
+                        </a:rPr>
+                        <a:t>1.4077</a:t>
+                      </a:r>
                     </a:p>
                   </a:txBody>
                   <a:tcPr anchor="ctr"/>
@@ -40414,62 +40454,80 @@
                     <a:lstStyle/>
                     <a:p>
                       <a:pPr algn="ctr"/>
-                      <a:endParaRPr lang="en-US" dirty="0"/>
-                    </a:p>
-                  </a:txBody>
-                  <a:tcPr anchor="ctr"/>
-                </a:tc>
-                <a:tc>
-                  <a:txBody>
-                    <a:bodyPr/>
-                    <a:lstStyle/>
-                    <a:p>
-                      <a:pPr algn="ctr"/>
-                      <a:endParaRPr lang="en-US" dirty="0"/>
-                    </a:p>
-                  </a:txBody>
-                  <a:tcPr anchor="ctr"/>
-                </a:tc>
-                <a:tc>
-                  <a:txBody>
-                    <a:bodyPr/>
-                    <a:lstStyle/>
-                    <a:p>
-                      <a:pPr algn="ctr"/>
-                      <a:endParaRPr lang="en-US" dirty="0"/>
-                    </a:p>
-                  </a:txBody>
-                  <a:tcPr anchor="ctr"/>
-                </a:tc>
-                <a:tc>
-                  <a:txBody>
-                    <a:bodyPr/>
-                    <a:lstStyle/>
-                    <a:p>
-                      <a:pPr algn="ctr"/>
-                      <a:endParaRPr lang="en-US" dirty="0"/>
-                    </a:p>
-                  </a:txBody>
-                  <a:tcPr anchor="ctr"/>
-                </a:tc>
-                <a:tc>
-                  <a:txBody>
-                    <a:bodyPr/>
-                    <a:lstStyle/>
-                    <a:p>
-                      <a:pPr algn="ctr"/>
-                      <a:endParaRPr lang="en-US" dirty="0"/>
-                    </a:p>
-                  </a:txBody>
-                  <a:tcPr anchor="ctr"/>
-                </a:tc>
-                <a:tc>
-                  <a:txBody>
-                    <a:bodyPr/>
-                    <a:lstStyle/>
-                    <a:p>
-                      <a:pPr algn="ctr"/>
-                      <a:endParaRPr lang="en-US" dirty="0"/>
+                      <a:r>
+                        <a:rPr lang="en-US" dirty="0"/>
+                        <a:t>0.837</a:t>
+                      </a:r>
+                    </a:p>
+                  </a:txBody>
+                  <a:tcPr anchor="ctr"/>
+                </a:tc>
+                <a:tc>
+                  <a:txBody>
+                    <a:bodyPr/>
+                    <a:lstStyle/>
+                    <a:p>
+                      <a:pPr algn="ctr"/>
+                      <a:r>
+                        <a:rPr lang="en-US" dirty="0"/>
+                        <a:t>0.755</a:t>
+                      </a:r>
+                    </a:p>
+                  </a:txBody>
+                  <a:tcPr anchor="ctr"/>
+                </a:tc>
+                <a:tc>
+                  <a:txBody>
+                    <a:bodyPr/>
+                    <a:lstStyle/>
+                    <a:p>
+                      <a:pPr algn="ctr"/>
+                      <a:r>
+                        <a:rPr lang="en-US" dirty="0"/>
+                        <a:t>0.673</a:t>
+                      </a:r>
+                    </a:p>
+                  </a:txBody>
+                  <a:tcPr anchor="ctr"/>
+                </a:tc>
+                <a:tc>
+                  <a:txBody>
+                    <a:bodyPr/>
+                    <a:lstStyle/>
+                    <a:p>
+                      <a:pPr algn="ctr"/>
+                      <a:r>
+                        <a:rPr lang="en-US" dirty="0"/>
+                        <a:t>0.907</a:t>
+                      </a:r>
+                    </a:p>
+                  </a:txBody>
+                  <a:tcPr anchor="ctr"/>
+                </a:tc>
+                <a:tc>
+                  <a:txBody>
+                    <a:bodyPr/>
+                    <a:lstStyle/>
+                    <a:p>
+                      <a:pPr algn="ctr"/>
+                      <a:r>
+                        <a:rPr lang="en-US" dirty="0"/>
+                        <a:t>0.712</a:t>
+                      </a:r>
+                    </a:p>
+                  </a:txBody>
+                  <a:tcPr anchor="ctr"/>
+                </a:tc>
+                <a:tc>
+                  <a:txBody>
+                    <a:bodyPr/>
+                    <a:lstStyle/>
+                    <a:p>
+                      <a:pPr algn="ctr"/>
+                      <a:r>
+                        <a:rPr lang="en-US" dirty="0"/>
+                        <a:t>0.3867</a:t>
+                      </a:r>
                     </a:p>
                   </a:txBody>
                   <a:tcPr anchor="ctr"/>
@@ -40522,62 +40580,80 @@
                     <a:lstStyle/>
                     <a:p>
                       <a:pPr algn="ctr"/>
-                      <a:endParaRPr lang="en-US" dirty="0"/>
-                    </a:p>
-                  </a:txBody>
-                  <a:tcPr anchor="ctr"/>
-                </a:tc>
-                <a:tc>
-                  <a:txBody>
-                    <a:bodyPr/>
-                    <a:lstStyle/>
-                    <a:p>
-                      <a:pPr algn="ctr"/>
-                      <a:endParaRPr lang="en-US" dirty="0"/>
-                    </a:p>
-                  </a:txBody>
-                  <a:tcPr anchor="ctr"/>
-                </a:tc>
-                <a:tc>
-                  <a:txBody>
-                    <a:bodyPr/>
-                    <a:lstStyle/>
-                    <a:p>
-                      <a:pPr algn="ctr"/>
-                      <a:endParaRPr lang="en-US" dirty="0"/>
-                    </a:p>
-                  </a:txBody>
-                  <a:tcPr anchor="ctr"/>
-                </a:tc>
-                <a:tc>
-                  <a:txBody>
-                    <a:bodyPr/>
-                    <a:lstStyle/>
-                    <a:p>
-                      <a:pPr algn="ctr"/>
-                      <a:endParaRPr lang="en-US" dirty="0"/>
-                    </a:p>
-                  </a:txBody>
-                  <a:tcPr anchor="ctr"/>
-                </a:tc>
-                <a:tc>
-                  <a:txBody>
-                    <a:bodyPr/>
-                    <a:lstStyle/>
-                    <a:p>
-                      <a:pPr algn="ctr"/>
-                      <a:endParaRPr lang="en-US" dirty="0"/>
-                    </a:p>
-                  </a:txBody>
-                  <a:tcPr anchor="ctr"/>
-                </a:tc>
-                <a:tc>
-                  <a:txBody>
-                    <a:bodyPr/>
-                    <a:lstStyle/>
-                    <a:p>
-                      <a:pPr algn="ctr"/>
-                      <a:endParaRPr lang="en-US" dirty="0"/>
+                      <a:r>
+                        <a:rPr lang="en-US" dirty="0"/>
+                        <a:t>0.837</a:t>
+                      </a:r>
+                    </a:p>
+                  </a:txBody>
+                  <a:tcPr anchor="ctr"/>
+                </a:tc>
+                <a:tc>
+                  <a:txBody>
+                    <a:bodyPr/>
+                    <a:lstStyle/>
+                    <a:p>
+                      <a:pPr algn="ctr"/>
+                      <a:r>
+                        <a:rPr lang="en-US" dirty="0"/>
+                        <a:t>0.755</a:t>
+                      </a:r>
+                    </a:p>
+                  </a:txBody>
+                  <a:tcPr anchor="ctr"/>
+                </a:tc>
+                <a:tc>
+                  <a:txBody>
+                    <a:bodyPr/>
+                    <a:lstStyle/>
+                    <a:p>
+                      <a:pPr algn="ctr"/>
+                      <a:r>
+                        <a:rPr lang="en-US" dirty="0"/>
+                        <a:t>0.673</a:t>
+                      </a:r>
+                    </a:p>
+                  </a:txBody>
+                  <a:tcPr anchor="ctr"/>
+                </a:tc>
+                <a:tc>
+                  <a:txBody>
+                    <a:bodyPr/>
+                    <a:lstStyle/>
+                    <a:p>
+                      <a:pPr algn="ctr"/>
+                      <a:r>
+                        <a:rPr lang="en-US" dirty="0"/>
+                        <a:t>0.907</a:t>
+                      </a:r>
+                    </a:p>
+                  </a:txBody>
+                  <a:tcPr anchor="ctr"/>
+                </a:tc>
+                <a:tc>
+                  <a:txBody>
+                    <a:bodyPr/>
+                    <a:lstStyle/>
+                    <a:p>
+                      <a:pPr algn="ctr"/>
+                      <a:r>
+                        <a:rPr lang="en-US" dirty="0"/>
+                        <a:t>0.712</a:t>
+                      </a:r>
+                    </a:p>
+                  </a:txBody>
+                  <a:tcPr anchor="ctr"/>
+                </a:tc>
+                <a:tc>
+                  <a:txBody>
+                    <a:bodyPr/>
+                    <a:lstStyle/>
+                    <a:p>
+                      <a:pPr algn="ctr"/>
+                      <a:r>
+                        <a:rPr lang="en-US" dirty="0"/>
+                        <a:t>0.3867</a:t>
+                      </a:r>
                     </a:p>
                   </a:txBody>
                   <a:tcPr anchor="ctr"/>

--- a/BSD_Figures.pptx
+++ b/BSD_Figures.pptx
@@ -5,7 +5,7 @@
     <p:sldMasterId id="2147483648" r:id="rId1"/>
   </p:sldMasterIdLst>
   <p:notesMasterIdLst>
-    <p:notesMasterId r:id="rId94"/>
+    <p:notesMasterId r:id="rId96"/>
   </p:notesMasterIdLst>
   <p:sldIdLst>
     <p:sldId id="276" r:id="rId2"/>
@@ -95,11 +95,13 @@
     <p:sldId id="352" r:id="rId86"/>
     <p:sldId id="357" r:id="rId87"/>
     <p:sldId id="358" r:id="rId88"/>
-    <p:sldId id="353" r:id="rId89"/>
-    <p:sldId id="354" r:id="rId90"/>
-    <p:sldId id="355" r:id="rId91"/>
-    <p:sldId id="359" r:id="rId92"/>
-    <p:sldId id="360" r:id="rId93"/>
+    <p:sldId id="362" r:id="rId89"/>
+    <p:sldId id="363" r:id="rId90"/>
+    <p:sldId id="353" r:id="rId91"/>
+    <p:sldId id="354" r:id="rId92"/>
+    <p:sldId id="355" r:id="rId93"/>
+    <p:sldId id="359" r:id="rId94"/>
+    <p:sldId id="360" r:id="rId95"/>
   </p:sldIdLst>
   <p:sldSz cx="12192000" cy="6858000"/>
   <p:notesSz cx="6858000" cy="9144000"/>
@@ -40375,18 +40377,13 @@
                     <a:p>
                       <a:pPr algn="ctr"/>
                       <a:r>
-                        <a:rPr lang="en-US">
+                        <a:rPr lang="en-US" dirty="0">
                           <a:solidFill>
                             <a:srgbClr val="FF0000"/>
                           </a:solidFill>
                         </a:rPr>
                         <a:t>0.754</a:t>
                       </a:r>
-                      <a:endParaRPr lang="en-US" dirty="0">
-                        <a:solidFill>
-                          <a:srgbClr val="FF0000"/>
-                        </a:solidFill>
-                      </a:endParaRPr>
                     </a:p>
                   </a:txBody>
                   <a:tcPr anchor="ctr"/>
@@ -40713,7 +40710,7 @@
           <p:nvPr>
             <p:extLst>
               <p:ext uri="{D42A27DB-BD31-4B8C-83A1-F6EECF244321}">
-                <p14:modId xmlns:p14="http://schemas.microsoft.com/office/powerpoint/2010/main" val="4242364870"/>
+                <p14:modId xmlns:p14="http://schemas.microsoft.com/office/powerpoint/2010/main" val="117139876"/>
               </p:ext>
             </p:extLst>
           </p:nvPr>
@@ -44667,6 +44664,1569 @@
           <a:chExt cx="0" cy="0"/>
         </a:xfrm>
       </p:grpSpPr>
+      <p:graphicFrame>
+        <p:nvGraphicFramePr>
+          <p:cNvPr id="4" name="Table 3">
+            <a:extLst>
+              <a:ext uri="{FF2B5EF4-FFF2-40B4-BE49-F238E27FC236}">
+                <a16:creationId xmlns:a16="http://schemas.microsoft.com/office/drawing/2014/main" id="{F3634E9B-F616-E548-A703-16000F2DD0FF}"/>
+              </a:ext>
+            </a:extLst>
+          </p:cNvPr>
+          <p:cNvGraphicFramePr>
+            <a:graphicFrameLocks noGrp="1"/>
+          </p:cNvGraphicFramePr>
+          <p:nvPr>
+            <p:extLst>
+              <p:ext uri="{D42A27DB-BD31-4B8C-83A1-F6EECF244321}">
+                <p14:modId xmlns:p14="http://schemas.microsoft.com/office/powerpoint/2010/main" val="241887581"/>
+              </p:ext>
+            </p:extLst>
+          </p:nvPr>
+        </p:nvGraphicFramePr>
+        <p:xfrm>
+          <a:off x="674557" y="929527"/>
+          <a:ext cx="10942820" cy="5003825"/>
+        </p:xfrm>
+        <a:graphic>
+          <a:graphicData uri="http://schemas.openxmlformats.org/drawingml/2006/table">
+            <a:tbl>
+              <a:tblPr firstRow="1" bandRow="1">
+                <a:tableStyleId>{073A0DAA-6AF3-43AB-8588-CEC1D06C72B9}</a:tableStyleId>
+              </a:tblPr>
+              <a:tblGrid>
+                <a:gridCol w="1563260">
+                  <a:extLst>
+                    <a:ext uri="{9D8B030D-6E8A-4147-A177-3AD203B41FA5}">
+                      <a16:colId xmlns:a16="http://schemas.microsoft.com/office/drawing/2014/main" val="2272368709"/>
+                    </a:ext>
+                  </a:extLst>
+                </a:gridCol>
+                <a:gridCol w="1563260">
+                  <a:extLst>
+                    <a:ext uri="{9D8B030D-6E8A-4147-A177-3AD203B41FA5}">
+                      <a16:colId xmlns:a16="http://schemas.microsoft.com/office/drawing/2014/main" val="2235686462"/>
+                    </a:ext>
+                  </a:extLst>
+                </a:gridCol>
+                <a:gridCol w="1563260">
+                  <a:extLst>
+                    <a:ext uri="{9D8B030D-6E8A-4147-A177-3AD203B41FA5}">
+                      <a16:colId xmlns:a16="http://schemas.microsoft.com/office/drawing/2014/main" val="1061232007"/>
+                    </a:ext>
+                  </a:extLst>
+                </a:gridCol>
+                <a:gridCol w="1563260">
+                  <a:extLst>
+                    <a:ext uri="{9D8B030D-6E8A-4147-A177-3AD203B41FA5}">
+                      <a16:colId xmlns:a16="http://schemas.microsoft.com/office/drawing/2014/main" val="464967916"/>
+                    </a:ext>
+                  </a:extLst>
+                </a:gridCol>
+                <a:gridCol w="1563260">
+                  <a:extLst>
+                    <a:ext uri="{9D8B030D-6E8A-4147-A177-3AD203B41FA5}">
+                      <a16:colId xmlns:a16="http://schemas.microsoft.com/office/drawing/2014/main" val="3929012556"/>
+                    </a:ext>
+                  </a:extLst>
+                </a:gridCol>
+                <a:gridCol w="1563260">
+                  <a:extLst>
+                    <a:ext uri="{9D8B030D-6E8A-4147-A177-3AD203B41FA5}">
+                      <a16:colId xmlns:a16="http://schemas.microsoft.com/office/drawing/2014/main" val="3303028153"/>
+                    </a:ext>
+                  </a:extLst>
+                </a:gridCol>
+                <a:gridCol w="1563260">
+                  <a:extLst>
+                    <a:ext uri="{9D8B030D-6E8A-4147-A177-3AD203B41FA5}">
+                      <a16:colId xmlns:a16="http://schemas.microsoft.com/office/drawing/2014/main" val="4108006114"/>
+                    </a:ext>
+                  </a:extLst>
+                </a:gridCol>
+              </a:tblGrid>
+              <a:tr h="523804">
+                <a:tc>
+                  <a:txBody>
+                    <a:bodyPr/>
+                    <a:lstStyle/>
+                    <a:p>
+                      <a:pPr algn="ctr"/>
+                      <a:r>
+                        <a:rPr lang="en-US" dirty="0"/>
+                        <a:t>Junction</a:t>
+                      </a:r>
+                    </a:p>
+                  </a:txBody>
+                  <a:tcPr anchor="ctr"/>
+                </a:tc>
+                <a:tc>
+                  <a:txBody>
+                    <a:bodyPr/>
+                    <a:lstStyle/>
+                    <a:p>
+                      <a:pPr algn="ctr"/>
+                      <a:r>
+                        <a:rPr lang="en-US" dirty="0"/>
+                        <a:t>Accuracy</a:t>
+                      </a:r>
+                    </a:p>
+                  </a:txBody>
+                  <a:tcPr anchor="ctr"/>
+                </a:tc>
+                <a:tc>
+                  <a:txBody>
+                    <a:bodyPr/>
+                    <a:lstStyle/>
+                    <a:p>
+                      <a:pPr algn="ctr"/>
+                      <a:r>
+                        <a:rPr lang="en-US" dirty="0"/>
+                        <a:t>precision</a:t>
+                      </a:r>
+                    </a:p>
+                  </a:txBody>
+                  <a:tcPr anchor="ctr"/>
+                </a:tc>
+                <a:tc>
+                  <a:txBody>
+                    <a:bodyPr/>
+                    <a:lstStyle/>
+                    <a:p>
+                      <a:pPr algn="ctr"/>
+                      <a:r>
+                        <a:rPr lang="en-US" dirty="0"/>
+                        <a:t>recall</a:t>
+                      </a:r>
+                    </a:p>
+                  </a:txBody>
+                  <a:tcPr anchor="ctr"/>
+                </a:tc>
+                <a:tc>
+                  <a:txBody>
+                    <a:bodyPr/>
+                    <a:lstStyle/>
+                    <a:p>
+                      <a:pPr algn="ctr"/>
+                      <a:r>
+                        <a:rPr lang="en-US" dirty="0"/>
+                        <a:t>specificity</a:t>
+                      </a:r>
+                    </a:p>
+                  </a:txBody>
+                  <a:tcPr anchor="ctr"/>
+                </a:tc>
+                <a:tc>
+                  <a:txBody>
+                    <a:bodyPr/>
+                    <a:lstStyle/>
+                    <a:p>
+                      <a:pPr algn="ctr"/>
+                      <a:r>
+                        <a:rPr lang="en-US" dirty="0"/>
+                        <a:t>F1</a:t>
+                      </a:r>
+                    </a:p>
+                  </a:txBody>
+                  <a:tcPr anchor="ctr"/>
+                </a:tc>
+                <a:tc>
+                  <a:txBody>
+                    <a:bodyPr/>
+                    <a:lstStyle/>
+                    <a:p>
+                      <a:pPr algn="ctr"/>
+                      <a:r>
+                        <a:rPr lang="en-US" dirty="0"/>
+                        <a:t>loss</a:t>
+                      </a:r>
+                    </a:p>
+                  </a:txBody>
+                  <a:tcPr anchor="ctr"/>
+                </a:tc>
+                <a:extLst>
+                  <a:ext uri="{0D108BD9-81ED-4DB2-BD59-A6C34878D82A}">
+                    <a16:rowId xmlns:a16="http://schemas.microsoft.com/office/drawing/2014/main" val="2384826745"/>
+                  </a:ext>
+                </a:extLst>
+              </a:tr>
+              <a:tr h="904099">
+                <a:tc>
+                  <a:txBody>
+                    <a:bodyPr/>
+                    <a:lstStyle/>
+                    <a:p>
+                      <a:pPr algn="ctr"/>
+                      <a:r>
+                        <a:rPr lang="en-US" dirty="0" err="1"/>
+                        <a:t>googlenet_accuracy</a:t>
+                      </a:r>
+                      <a:endParaRPr lang="en-US" dirty="0"/>
+                    </a:p>
+                  </a:txBody>
+                  <a:tcPr anchor="ctr"/>
+                </a:tc>
+                <a:tc>
+                  <a:txBody>
+                    <a:bodyPr/>
+                    <a:lstStyle/>
+                    <a:p>
+                      <a:pPr algn="ctr"/>
+                      <a:r>
+                        <a:rPr lang="en-US" dirty="0"/>
+                        <a:t>0.745</a:t>
+                      </a:r>
+                    </a:p>
+                  </a:txBody>
+                  <a:tcPr anchor="ctr"/>
+                </a:tc>
+                <a:tc>
+                  <a:txBody>
+                    <a:bodyPr/>
+                    <a:lstStyle/>
+                    <a:p>
+                      <a:pPr algn="ctr"/>
+                      <a:r>
+                        <a:rPr lang="en-US" dirty="0"/>
+                        <a:t>0.805</a:t>
+                      </a:r>
+                    </a:p>
+                  </a:txBody>
+                  <a:tcPr anchor="ctr"/>
+                </a:tc>
+                <a:tc>
+                  <a:txBody>
+                    <a:bodyPr/>
+                    <a:lstStyle/>
+                    <a:p>
+                      <a:pPr algn="ctr"/>
+                      <a:r>
+                        <a:rPr lang="en-US" dirty="0"/>
+                        <a:t>0.528</a:t>
+                      </a:r>
+                    </a:p>
+                  </a:txBody>
+                  <a:tcPr anchor="ctr"/>
+                </a:tc>
+                <a:tc>
+                  <a:txBody>
+                    <a:bodyPr/>
+                    <a:lstStyle/>
+                    <a:p>
+                      <a:pPr algn="ctr"/>
+                      <a:r>
+                        <a:rPr lang="en-US" dirty="0"/>
+                        <a:t>0.905</a:t>
+                      </a:r>
+                    </a:p>
+                  </a:txBody>
+                  <a:tcPr anchor="ctr"/>
+                </a:tc>
+                <a:tc>
+                  <a:txBody>
+                    <a:bodyPr/>
+                    <a:lstStyle/>
+                    <a:p>
+                      <a:pPr algn="ctr"/>
+                      <a:r>
+                        <a:rPr lang="en-US" dirty="0"/>
+                        <a:t>0.638</a:t>
+                      </a:r>
+                    </a:p>
+                  </a:txBody>
+                  <a:tcPr anchor="ctr"/>
+                </a:tc>
+                <a:tc>
+                  <a:txBody>
+                    <a:bodyPr/>
+                    <a:lstStyle/>
+                    <a:p>
+                      <a:pPr algn="ctr"/>
+                      <a:r>
+                        <a:rPr lang="en-US" dirty="0"/>
+                        <a:t>0.5208</a:t>
+                      </a:r>
+                    </a:p>
+                  </a:txBody>
+                  <a:tcPr anchor="ctr"/>
+                </a:tc>
+                <a:extLst>
+                  <a:ext uri="{0D108BD9-81ED-4DB2-BD59-A6C34878D82A}">
+                    <a16:rowId xmlns:a16="http://schemas.microsoft.com/office/drawing/2014/main" val="1449166203"/>
+                  </a:ext>
+                </a:extLst>
+              </a:tr>
+              <a:tr h="887174">
+                <a:tc>
+                  <a:txBody>
+                    <a:bodyPr/>
+                    <a:lstStyle/>
+                    <a:p>
+                      <a:pPr algn="ctr"/>
+                      <a:r>
+                        <a:rPr lang="en-US" dirty="0" err="1"/>
+                        <a:t>googlenet_precision</a:t>
+                      </a:r>
+                      <a:endParaRPr lang="en-US" dirty="0"/>
+                    </a:p>
+                  </a:txBody>
+                  <a:tcPr anchor="ctr"/>
+                </a:tc>
+                <a:tc>
+                  <a:txBody>
+                    <a:bodyPr/>
+                    <a:lstStyle/>
+                    <a:p>
+                      <a:pPr algn="ctr"/>
+                      <a:r>
+                        <a:rPr lang="en-US" dirty="0"/>
+                        <a:t>0.745</a:t>
+                      </a:r>
+                    </a:p>
+                  </a:txBody>
+                  <a:tcPr anchor="ctr"/>
+                </a:tc>
+                <a:tc>
+                  <a:txBody>
+                    <a:bodyPr/>
+                    <a:lstStyle/>
+                    <a:p>
+                      <a:pPr algn="ctr"/>
+                      <a:r>
+                        <a:rPr lang="en-US" dirty="0"/>
+                        <a:t>0.805</a:t>
+                      </a:r>
+                    </a:p>
+                  </a:txBody>
+                  <a:tcPr anchor="ctr"/>
+                </a:tc>
+                <a:tc>
+                  <a:txBody>
+                    <a:bodyPr/>
+                    <a:lstStyle/>
+                    <a:p>
+                      <a:pPr algn="ctr"/>
+                      <a:r>
+                        <a:rPr lang="en-US" dirty="0"/>
+                        <a:t>0.528</a:t>
+                      </a:r>
+                    </a:p>
+                  </a:txBody>
+                  <a:tcPr anchor="ctr"/>
+                </a:tc>
+                <a:tc>
+                  <a:txBody>
+                    <a:bodyPr/>
+                    <a:lstStyle/>
+                    <a:p>
+                      <a:pPr algn="ctr"/>
+                      <a:r>
+                        <a:rPr lang="en-US" dirty="0"/>
+                        <a:t>0.905</a:t>
+                      </a:r>
+                    </a:p>
+                  </a:txBody>
+                  <a:tcPr anchor="ctr"/>
+                </a:tc>
+                <a:tc>
+                  <a:txBody>
+                    <a:bodyPr/>
+                    <a:lstStyle/>
+                    <a:p>
+                      <a:pPr algn="ctr"/>
+                      <a:r>
+                        <a:rPr lang="en-US" dirty="0"/>
+                        <a:t>0.638</a:t>
+                      </a:r>
+                    </a:p>
+                  </a:txBody>
+                  <a:tcPr anchor="ctr"/>
+                </a:tc>
+                <a:tc>
+                  <a:txBody>
+                    <a:bodyPr/>
+                    <a:lstStyle/>
+                    <a:p>
+                      <a:pPr algn="ctr"/>
+                      <a:r>
+                        <a:rPr lang="en-US" dirty="0"/>
+                        <a:t>0.5208</a:t>
+                      </a:r>
+                    </a:p>
+                  </a:txBody>
+                  <a:tcPr anchor="ctr"/>
+                </a:tc>
+                <a:extLst>
+                  <a:ext uri="{0D108BD9-81ED-4DB2-BD59-A6C34878D82A}">
+                    <a16:rowId xmlns:a16="http://schemas.microsoft.com/office/drawing/2014/main" val="4164655960"/>
+                  </a:ext>
+                </a:extLst>
+              </a:tr>
+              <a:tr h="887174">
+                <a:tc>
+                  <a:txBody>
+                    <a:bodyPr/>
+                    <a:lstStyle/>
+                    <a:p>
+                      <a:pPr algn="ctr"/>
+                      <a:r>
+                        <a:rPr lang="en-US" dirty="0" err="1"/>
+                        <a:t>googlenet_recall</a:t>
+                      </a:r>
+                      <a:endParaRPr lang="en-US" dirty="0">
+                        <a:solidFill>
+                          <a:srgbClr val="FF0000"/>
+                        </a:solidFill>
+                      </a:endParaRPr>
+                    </a:p>
+                  </a:txBody>
+                  <a:tcPr anchor="ctr"/>
+                </a:tc>
+                <a:tc>
+                  <a:txBody>
+                    <a:bodyPr/>
+                    <a:lstStyle/>
+                    <a:p>
+                      <a:pPr algn="ctr"/>
+                      <a:r>
+                        <a:rPr lang="en-US" dirty="0">
+                          <a:solidFill>
+                            <a:srgbClr val="FF0000"/>
+                          </a:solidFill>
+                        </a:rPr>
+                        <a:t>0.703</a:t>
+                      </a:r>
+                    </a:p>
+                  </a:txBody>
+                  <a:tcPr anchor="ctr"/>
+                </a:tc>
+                <a:tc>
+                  <a:txBody>
+                    <a:bodyPr/>
+                    <a:lstStyle/>
+                    <a:p>
+                      <a:pPr algn="ctr"/>
+                      <a:r>
+                        <a:rPr lang="en-US" dirty="0">
+                          <a:solidFill>
+                            <a:srgbClr val="FF0000"/>
+                          </a:solidFill>
+                        </a:rPr>
+                        <a:t>0.636</a:t>
+                      </a:r>
+                    </a:p>
+                  </a:txBody>
+                  <a:tcPr anchor="ctr"/>
+                </a:tc>
+                <a:tc>
+                  <a:txBody>
+                    <a:bodyPr/>
+                    <a:lstStyle/>
+                    <a:p>
+                      <a:pPr algn="ctr"/>
+                      <a:r>
+                        <a:rPr lang="en-US" dirty="0">
+                          <a:solidFill>
+                            <a:srgbClr val="FF0000"/>
+                          </a:solidFill>
+                        </a:rPr>
+                        <a:t>0.709</a:t>
+                      </a:r>
+                    </a:p>
+                  </a:txBody>
+                  <a:tcPr anchor="ctr"/>
+                </a:tc>
+                <a:tc>
+                  <a:txBody>
+                    <a:bodyPr/>
+                    <a:lstStyle/>
+                    <a:p>
+                      <a:pPr algn="ctr"/>
+                      <a:r>
+                        <a:rPr lang="en-US" dirty="0">
+                          <a:solidFill>
+                            <a:srgbClr val="FF0000"/>
+                          </a:solidFill>
+                        </a:rPr>
+                        <a:t>0.699</a:t>
+                      </a:r>
+                    </a:p>
+                  </a:txBody>
+                  <a:tcPr anchor="ctr"/>
+                </a:tc>
+                <a:tc>
+                  <a:txBody>
+                    <a:bodyPr/>
+                    <a:lstStyle/>
+                    <a:p>
+                      <a:pPr algn="ctr"/>
+                      <a:r>
+                        <a:rPr lang="en-US" dirty="0">
+                          <a:solidFill>
+                            <a:srgbClr val="FF0000"/>
+                          </a:solidFill>
+                        </a:rPr>
+                        <a:t>0.670</a:t>
+                      </a:r>
+                    </a:p>
+                  </a:txBody>
+                  <a:tcPr anchor="ctr"/>
+                </a:tc>
+                <a:tc>
+                  <a:txBody>
+                    <a:bodyPr/>
+                    <a:lstStyle/>
+                    <a:p>
+                      <a:pPr algn="ctr"/>
+                      <a:r>
+                        <a:rPr lang="en-US" dirty="0">
+                          <a:solidFill>
+                            <a:srgbClr val="FF0000"/>
+                          </a:solidFill>
+                        </a:rPr>
+                        <a:t>1.6266</a:t>
+                      </a:r>
+                    </a:p>
+                  </a:txBody>
+                  <a:tcPr anchor="ctr"/>
+                </a:tc>
+                <a:extLst>
+                  <a:ext uri="{0D108BD9-81ED-4DB2-BD59-A6C34878D82A}">
+                    <a16:rowId xmlns:a16="http://schemas.microsoft.com/office/drawing/2014/main" val="2775775737"/>
+                  </a:ext>
+                </a:extLst>
+              </a:tr>
+              <a:tr h="887174">
+                <a:tc>
+                  <a:txBody>
+                    <a:bodyPr/>
+                    <a:lstStyle/>
+                    <a:p>
+                      <a:pPr algn="ctr"/>
+                      <a:r>
+                        <a:rPr lang="en-US" dirty="0"/>
+                        <a:t>googlenet_F1</a:t>
+                      </a:r>
+                    </a:p>
+                  </a:txBody>
+                  <a:tcPr anchor="ctr"/>
+                </a:tc>
+                <a:tc>
+                  <a:txBody>
+                    <a:bodyPr/>
+                    <a:lstStyle/>
+                    <a:p>
+                      <a:pPr algn="ctr"/>
+                      <a:r>
+                        <a:rPr lang="en-US" dirty="0"/>
+                        <a:t>0.745</a:t>
+                      </a:r>
+                    </a:p>
+                  </a:txBody>
+                  <a:tcPr anchor="ctr"/>
+                </a:tc>
+                <a:tc>
+                  <a:txBody>
+                    <a:bodyPr/>
+                    <a:lstStyle/>
+                    <a:p>
+                      <a:pPr algn="ctr"/>
+                      <a:r>
+                        <a:rPr lang="en-US" dirty="0"/>
+                        <a:t>0.805</a:t>
+                      </a:r>
+                    </a:p>
+                  </a:txBody>
+                  <a:tcPr anchor="ctr"/>
+                </a:tc>
+                <a:tc>
+                  <a:txBody>
+                    <a:bodyPr/>
+                    <a:lstStyle/>
+                    <a:p>
+                      <a:pPr algn="ctr"/>
+                      <a:r>
+                        <a:rPr lang="en-US" dirty="0"/>
+                        <a:t>0.528</a:t>
+                      </a:r>
+                    </a:p>
+                  </a:txBody>
+                  <a:tcPr anchor="ctr"/>
+                </a:tc>
+                <a:tc>
+                  <a:txBody>
+                    <a:bodyPr/>
+                    <a:lstStyle/>
+                    <a:p>
+                      <a:pPr algn="ctr"/>
+                      <a:r>
+                        <a:rPr lang="en-US" dirty="0"/>
+                        <a:t>0.905</a:t>
+                      </a:r>
+                    </a:p>
+                  </a:txBody>
+                  <a:tcPr anchor="ctr"/>
+                </a:tc>
+                <a:tc>
+                  <a:txBody>
+                    <a:bodyPr/>
+                    <a:lstStyle/>
+                    <a:p>
+                      <a:pPr algn="ctr"/>
+                      <a:r>
+                        <a:rPr lang="en-US" dirty="0"/>
+                        <a:t>0.638</a:t>
+                      </a:r>
+                    </a:p>
+                  </a:txBody>
+                  <a:tcPr anchor="ctr"/>
+                </a:tc>
+                <a:tc>
+                  <a:txBody>
+                    <a:bodyPr/>
+                    <a:lstStyle/>
+                    <a:p>
+                      <a:pPr algn="ctr"/>
+                      <a:r>
+                        <a:rPr lang="en-US" dirty="0"/>
+                        <a:t>0.5208</a:t>
+                      </a:r>
+                    </a:p>
+                  </a:txBody>
+                  <a:tcPr anchor="ctr"/>
+                </a:tc>
+                <a:extLst>
+                  <a:ext uri="{0D108BD9-81ED-4DB2-BD59-A6C34878D82A}">
+                    <a16:rowId xmlns:a16="http://schemas.microsoft.com/office/drawing/2014/main" val="618446083"/>
+                  </a:ext>
+                </a:extLst>
+              </a:tr>
+              <a:tr h="887174">
+                <a:tc>
+                  <a:txBody>
+                    <a:bodyPr/>
+                    <a:lstStyle/>
+                    <a:p>
+                      <a:pPr marL="0" marR="0" lvl="0" indent="0" algn="ctr" defTabSz="914400" rtl="0" eaLnBrk="1" fontAlgn="auto" latinLnBrk="0" hangingPunct="1">
+                        <a:lnSpc>
+                          <a:spcPct val="100000"/>
+                        </a:lnSpc>
+                        <a:spcBef>
+                          <a:spcPts val="0"/>
+                        </a:spcBef>
+                        <a:spcAft>
+                          <a:spcPts val="0"/>
+                        </a:spcAft>
+                        <a:buClrTx/>
+                        <a:buSzTx/>
+                        <a:buFontTx/>
+                        <a:buNone/>
+                        <a:tabLst/>
+                        <a:defRPr/>
+                      </a:pPr>
+                      <a:r>
+                        <a:rPr lang="en-US" dirty="0" err="1"/>
+                        <a:t>googlenet_loss</a:t>
+                      </a:r>
+                      <a:endParaRPr lang="en-US" dirty="0"/>
+                    </a:p>
+                    <a:p>
+                      <a:pPr algn="ctr"/>
+                      <a:endParaRPr lang="en-US" dirty="0"/>
+                    </a:p>
+                  </a:txBody>
+                  <a:tcPr anchor="ctr"/>
+                </a:tc>
+                <a:tc>
+                  <a:txBody>
+                    <a:bodyPr/>
+                    <a:lstStyle/>
+                    <a:p>
+                      <a:pPr algn="ctr"/>
+                      <a:r>
+                        <a:rPr lang="en-US" dirty="0"/>
+                        <a:t>0.745</a:t>
+                      </a:r>
+                    </a:p>
+                  </a:txBody>
+                  <a:tcPr anchor="ctr"/>
+                </a:tc>
+                <a:tc>
+                  <a:txBody>
+                    <a:bodyPr/>
+                    <a:lstStyle/>
+                    <a:p>
+                      <a:pPr algn="ctr"/>
+                      <a:r>
+                        <a:rPr lang="en-US" dirty="0"/>
+                        <a:t>0.805</a:t>
+                      </a:r>
+                    </a:p>
+                  </a:txBody>
+                  <a:tcPr anchor="ctr"/>
+                </a:tc>
+                <a:tc>
+                  <a:txBody>
+                    <a:bodyPr/>
+                    <a:lstStyle/>
+                    <a:p>
+                      <a:pPr algn="ctr"/>
+                      <a:r>
+                        <a:rPr lang="en-US" dirty="0"/>
+                        <a:t>0.528</a:t>
+                      </a:r>
+                    </a:p>
+                  </a:txBody>
+                  <a:tcPr anchor="ctr"/>
+                </a:tc>
+                <a:tc>
+                  <a:txBody>
+                    <a:bodyPr/>
+                    <a:lstStyle/>
+                    <a:p>
+                      <a:pPr algn="ctr"/>
+                      <a:r>
+                        <a:rPr lang="en-US"/>
+                        <a:t>0.905</a:t>
+                      </a:r>
+                      <a:endParaRPr lang="en-US" dirty="0"/>
+                    </a:p>
+                  </a:txBody>
+                  <a:tcPr anchor="ctr"/>
+                </a:tc>
+                <a:tc>
+                  <a:txBody>
+                    <a:bodyPr/>
+                    <a:lstStyle/>
+                    <a:p>
+                      <a:pPr algn="ctr"/>
+                      <a:r>
+                        <a:rPr lang="en-US" dirty="0"/>
+                        <a:t>0.638</a:t>
+                      </a:r>
+                    </a:p>
+                  </a:txBody>
+                  <a:tcPr anchor="ctr"/>
+                </a:tc>
+                <a:tc>
+                  <a:txBody>
+                    <a:bodyPr/>
+                    <a:lstStyle/>
+                    <a:p>
+                      <a:pPr algn="ctr"/>
+                      <a:r>
+                        <a:rPr lang="en-US" dirty="0"/>
+                        <a:t>0.5208</a:t>
+                      </a:r>
+                    </a:p>
+                  </a:txBody>
+                  <a:tcPr anchor="ctr"/>
+                </a:tc>
+                <a:extLst>
+                  <a:ext uri="{0D108BD9-81ED-4DB2-BD59-A6C34878D82A}">
+                    <a16:rowId xmlns:a16="http://schemas.microsoft.com/office/drawing/2014/main" val="872347479"/>
+                  </a:ext>
+                </a:extLst>
+              </a:tr>
+            </a:tbl>
+          </a:graphicData>
+        </a:graphic>
+      </p:graphicFrame>
+    </p:spTree>
+    <p:extLst>
+      <p:ext uri="{BB962C8B-B14F-4D97-AF65-F5344CB8AC3E}">
+        <p14:creationId xmlns:p14="http://schemas.microsoft.com/office/powerpoint/2010/main" val="2443554249"/>
+      </p:ext>
+    </p:extLst>
+  </p:cSld>
+  <p:clrMapOvr>
+    <a:masterClrMapping/>
+  </p:clrMapOvr>
+</p:sld>
+</file>
+
+<file path=ppt/slides/slide89.xml><?xml version="1.0" encoding="utf-8"?>
+<p:sld xmlns:a="http://schemas.openxmlformats.org/drawingml/2006/main" xmlns:r="http://schemas.openxmlformats.org/officeDocument/2006/relationships" xmlns:p="http://schemas.openxmlformats.org/presentationml/2006/main">
+  <p:cSld>
+    <p:spTree>
+      <p:nvGrpSpPr>
+        <p:cNvPr id="1" name=""/>
+        <p:cNvGrpSpPr/>
+        <p:nvPr/>
+      </p:nvGrpSpPr>
+      <p:grpSpPr>
+        <a:xfrm>
+          <a:off x="0" y="0"/>
+          <a:ext cx="0" cy="0"/>
+          <a:chOff x="0" y="0"/>
+          <a:chExt cx="0" cy="0"/>
+        </a:xfrm>
+      </p:grpSpPr>
+      <p:graphicFrame>
+        <p:nvGraphicFramePr>
+          <p:cNvPr id="4" name="Table 3">
+            <a:extLst>
+              <a:ext uri="{FF2B5EF4-FFF2-40B4-BE49-F238E27FC236}">
+                <a16:creationId xmlns:a16="http://schemas.microsoft.com/office/drawing/2014/main" id="{F3634E9B-F616-E548-A703-16000F2DD0FF}"/>
+              </a:ext>
+            </a:extLst>
+          </p:cNvPr>
+          <p:cNvGraphicFramePr>
+            <a:graphicFrameLocks noGrp="1"/>
+          </p:cNvGraphicFramePr>
+          <p:nvPr>
+            <p:extLst>
+              <p:ext uri="{D42A27DB-BD31-4B8C-83A1-F6EECF244321}">
+                <p14:modId xmlns:p14="http://schemas.microsoft.com/office/powerpoint/2010/main" val="1641913330"/>
+              </p:ext>
+            </p:extLst>
+          </p:nvPr>
+        </p:nvGraphicFramePr>
+        <p:xfrm>
+          <a:off x="674557" y="929527"/>
+          <a:ext cx="10942820" cy="5003825"/>
+        </p:xfrm>
+        <a:graphic>
+          <a:graphicData uri="http://schemas.openxmlformats.org/drawingml/2006/table">
+            <a:tbl>
+              <a:tblPr firstRow="1" bandRow="1">
+                <a:tableStyleId>{073A0DAA-6AF3-43AB-8588-CEC1D06C72B9}</a:tableStyleId>
+              </a:tblPr>
+              <a:tblGrid>
+                <a:gridCol w="1563260">
+                  <a:extLst>
+                    <a:ext uri="{9D8B030D-6E8A-4147-A177-3AD203B41FA5}">
+                      <a16:colId xmlns:a16="http://schemas.microsoft.com/office/drawing/2014/main" val="2272368709"/>
+                    </a:ext>
+                  </a:extLst>
+                </a:gridCol>
+                <a:gridCol w="1563260">
+                  <a:extLst>
+                    <a:ext uri="{9D8B030D-6E8A-4147-A177-3AD203B41FA5}">
+                      <a16:colId xmlns:a16="http://schemas.microsoft.com/office/drawing/2014/main" val="2235686462"/>
+                    </a:ext>
+                  </a:extLst>
+                </a:gridCol>
+                <a:gridCol w="1563260">
+                  <a:extLst>
+                    <a:ext uri="{9D8B030D-6E8A-4147-A177-3AD203B41FA5}">
+                      <a16:colId xmlns:a16="http://schemas.microsoft.com/office/drawing/2014/main" val="1061232007"/>
+                    </a:ext>
+                  </a:extLst>
+                </a:gridCol>
+                <a:gridCol w="1563260">
+                  <a:extLst>
+                    <a:ext uri="{9D8B030D-6E8A-4147-A177-3AD203B41FA5}">
+                      <a16:colId xmlns:a16="http://schemas.microsoft.com/office/drawing/2014/main" val="464967916"/>
+                    </a:ext>
+                  </a:extLst>
+                </a:gridCol>
+                <a:gridCol w="1563260">
+                  <a:extLst>
+                    <a:ext uri="{9D8B030D-6E8A-4147-A177-3AD203B41FA5}">
+                      <a16:colId xmlns:a16="http://schemas.microsoft.com/office/drawing/2014/main" val="3929012556"/>
+                    </a:ext>
+                  </a:extLst>
+                </a:gridCol>
+                <a:gridCol w="1563260">
+                  <a:extLst>
+                    <a:ext uri="{9D8B030D-6E8A-4147-A177-3AD203B41FA5}">
+                      <a16:colId xmlns:a16="http://schemas.microsoft.com/office/drawing/2014/main" val="3303028153"/>
+                    </a:ext>
+                  </a:extLst>
+                </a:gridCol>
+                <a:gridCol w="1563260">
+                  <a:extLst>
+                    <a:ext uri="{9D8B030D-6E8A-4147-A177-3AD203B41FA5}">
+                      <a16:colId xmlns:a16="http://schemas.microsoft.com/office/drawing/2014/main" val="4108006114"/>
+                    </a:ext>
+                  </a:extLst>
+                </a:gridCol>
+              </a:tblGrid>
+              <a:tr h="523804">
+                <a:tc>
+                  <a:txBody>
+                    <a:bodyPr/>
+                    <a:lstStyle/>
+                    <a:p>
+                      <a:pPr algn="ctr"/>
+                      <a:r>
+                        <a:rPr lang="en-US" dirty="0"/>
+                        <a:t>Gap</a:t>
+                      </a:r>
+                    </a:p>
+                  </a:txBody>
+                  <a:tcPr anchor="ctr"/>
+                </a:tc>
+                <a:tc>
+                  <a:txBody>
+                    <a:bodyPr/>
+                    <a:lstStyle/>
+                    <a:p>
+                      <a:pPr algn="ctr"/>
+                      <a:r>
+                        <a:rPr lang="en-US" dirty="0"/>
+                        <a:t>Accuracy</a:t>
+                      </a:r>
+                    </a:p>
+                  </a:txBody>
+                  <a:tcPr anchor="ctr"/>
+                </a:tc>
+                <a:tc>
+                  <a:txBody>
+                    <a:bodyPr/>
+                    <a:lstStyle/>
+                    <a:p>
+                      <a:pPr algn="ctr"/>
+                      <a:r>
+                        <a:rPr lang="en-US" dirty="0"/>
+                        <a:t>precision</a:t>
+                      </a:r>
+                    </a:p>
+                  </a:txBody>
+                  <a:tcPr anchor="ctr"/>
+                </a:tc>
+                <a:tc>
+                  <a:txBody>
+                    <a:bodyPr/>
+                    <a:lstStyle/>
+                    <a:p>
+                      <a:pPr algn="ctr"/>
+                      <a:r>
+                        <a:rPr lang="en-US" dirty="0"/>
+                        <a:t>recall</a:t>
+                      </a:r>
+                    </a:p>
+                  </a:txBody>
+                  <a:tcPr anchor="ctr"/>
+                </a:tc>
+                <a:tc>
+                  <a:txBody>
+                    <a:bodyPr/>
+                    <a:lstStyle/>
+                    <a:p>
+                      <a:pPr algn="ctr"/>
+                      <a:r>
+                        <a:rPr lang="en-US" dirty="0"/>
+                        <a:t>specificity</a:t>
+                      </a:r>
+                    </a:p>
+                  </a:txBody>
+                  <a:tcPr anchor="ctr"/>
+                </a:tc>
+                <a:tc>
+                  <a:txBody>
+                    <a:bodyPr/>
+                    <a:lstStyle/>
+                    <a:p>
+                      <a:pPr algn="ctr"/>
+                      <a:r>
+                        <a:rPr lang="en-US" dirty="0"/>
+                        <a:t>F1</a:t>
+                      </a:r>
+                    </a:p>
+                  </a:txBody>
+                  <a:tcPr anchor="ctr"/>
+                </a:tc>
+                <a:tc>
+                  <a:txBody>
+                    <a:bodyPr/>
+                    <a:lstStyle/>
+                    <a:p>
+                      <a:pPr algn="ctr"/>
+                      <a:r>
+                        <a:rPr lang="en-US" dirty="0"/>
+                        <a:t>loss</a:t>
+                      </a:r>
+                    </a:p>
+                  </a:txBody>
+                  <a:tcPr anchor="ctr"/>
+                </a:tc>
+                <a:extLst>
+                  <a:ext uri="{0D108BD9-81ED-4DB2-BD59-A6C34878D82A}">
+                    <a16:rowId xmlns:a16="http://schemas.microsoft.com/office/drawing/2014/main" val="2384826745"/>
+                  </a:ext>
+                </a:extLst>
+              </a:tr>
+              <a:tr h="904099">
+                <a:tc>
+                  <a:txBody>
+                    <a:bodyPr/>
+                    <a:lstStyle/>
+                    <a:p>
+                      <a:pPr algn="ctr"/>
+                      <a:r>
+                        <a:rPr lang="en-US" dirty="0" err="1"/>
+                        <a:t>googlenet_accuracy</a:t>
+                      </a:r>
+                      <a:endParaRPr lang="en-US" dirty="0"/>
+                    </a:p>
+                  </a:txBody>
+                  <a:tcPr anchor="ctr"/>
+                </a:tc>
+                <a:tc>
+                  <a:txBody>
+                    <a:bodyPr/>
+                    <a:lstStyle/>
+                    <a:p>
+                      <a:endParaRPr lang="en-US"/>
+                    </a:p>
+                  </a:txBody>
+                  <a:tcPr anchor="ctr"/>
+                </a:tc>
+                <a:tc>
+                  <a:txBody>
+                    <a:bodyPr/>
+                    <a:lstStyle/>
+                    <a:p>
+                      <a:endParaRPr lang="en-US"/>
+                    </a:p>
+                  </a:txBody>
+                  <a:tcPr anchor="ctr"/>
+                </a:tc>
+                <a:tc>
+                  <a:txBody>
+                    <a:bodyPr/>
+                    <a:lstStyle/>
+                    <a:p>
+                      <a:endParaRPr lang="en-US"/>
+                    </a:p>
+                  </a:txBody>
+                  <a:tcPr anchor="ctr"/>
+                </a:tc>
+                <a:tc>
+                  <a:txBody>
+                    <a:bodyPr/>
+                    <a:lstStyle/>
+                    <a:p>
+                      <a:endParaRPr lang="en-US"/>
+                    </a:p>
+                  </a:txBody>
+                  <a:tcPr anchor="ctr"/>
+                </a:tc>
+                <a:tc>
+                  <a:txBody>
+                    <a:bodyPr/>
+                    <a:lstStyle/>
+                    <a:p>
+                      <a:endParaRPr lang="en-US"/>
+                    </a:p>
+                  </a:txBody>
+                  <a:tcPr anchor="ctr"/>
+                </a:tc>
+                <a:tc>
+                  <a:txBody>
+                    <a:bodyPr/>
+                    <a:lstStyle/>
+                    <a:p>
+                      <a:endParaRPr lang="en-US" dirty="0"/>
+                    </a:p>
+                  </a:txBody>
+                  <a:tcPr anchor="ctr"/>
+                </a:tc>
+                <a:extLst>
+                  <a:ext uri="{0D108BD9-81ED-4DB2-BD59-A6C34878D82A}">
+                    <a16:rowId xmlns:a16="http://schemas.microsoft.com/office/drawing/2014/main" val="1449166203"/>
+                  </a:ext>
+                </a:extLst>
+              </a:tr>
+              <a:tr h="887174">
+                <a:tc>
+                  <a:txBody>
+                    <a:bodyPr/>
+                    <a:lstStyle/>
+                    <a:p>
+                      <a:pPr algn="ctr"/>
+                      <a:r>
+                        <a:rPr lang="en-US" dirty="0" err="1"/>
+                        <a:t>googlenet_precision</a:t>
+                      </a:r>
+                      <a:endParaRPr lang="en-US" dirty="0"/>
+                    </a:p>
+                  </a:txBody>
+                  <a:tcPr anchor="ctr"/>
+                </a:tc>
+                <a:tc>
+                  <a:txBody>
+                    <a:bodyPr/>
+                    <a:lstStyle/>
+                    <a:p>
+                      <a:pPr algn="ctr"/>
+                      <a:endParaRPr lang="en-US" dirty="0"/>
+                    </a:p>
+                  </a:txBody>
+                  <a:tcPr anchor="ctr"/>
+                </a:tc>
+                <a:tc>
+                  <a:txBody>
+                    <a:bodyPr/>
+                    <a:lstStyle/>
+                    <a:p>
+                      <a:pPr algn="ctr"/>
+                      <a:endParaRPr lang="en-US" dirty="0"/>
+                    </a:p>
+                  </a:txBody>
+                  <a:tcPr anchor="ctr"/>
+                </a:tc>
+                <a:tc>
+                  <a:txBody>
+                    <a:bodyPr/>
+                    <a:lstStyle/>
+                    <a:p>
+                      <a:pPr algn="ctr"/>
+                      <a:endParaRPr lang="en-US" dirty="0"/>
+                    </a:p>
+                  </a:txBody>
+                  <a:tcPr anchor="ctr"/>
+                </a:tc>
+                <a:tc>
+                  <a:txBody>
+                    <a:bodyPr/>
+                    <a:lstStyle/>
+                    <a:p>
+                      <a:pPr algn="ctr"/>
+                      <a:endParaRPr lang="en-US" dirty="0"/>
+                    </a:p>
+                  </a:txBody>
+                  <a:tcPr anchor="ctr"/>
+                </a:tc>
+                <a:tc>
+                  <a:txBody>
+                    <a:bodyPr/>
+                    <a:lstStyle/>
+                    <a:p>
+                      <a:pPr algn="ctr"/>
+                      <a:endParaRPr lang="en-US" dirty="0"/>
+                    </a:p>
+                  </a:txBody>
+                  <a:tcPr anchor="ctr"/>
+                </a:tc>
+                <a:tc>
+                  <a:txBody>
+                    <a:bodyPr/>
+                    <a:lstStyle/>
+                    <a:p>
+                      <a:pPr algn="ctr"/>
+                      <a:endParaRPr lang="en-US" dirty="0"/>
+                    </a:p>
+                  </a:txBody>
+                  <a:tcPr anchor="ctr"/>
+                </a:tc>
+                <a:extLst>
+                  <a:ext uri="{0D108BD9-81ED-4DB2-BD59-A6C34878D82A}">
+                    <a16:rowId xmlns:a16="http://schemas.microsoft.com/office/drawing/2014/main" val="4164655960"/>
+                  </a:ext>
+                </a:extLst>
+              </a:tr>
+              <a:tr h="887174">
+                <a:tc>
+                  <a:txBody>
+                    <a:bodyPr/>
+                    <a:lstStyle/>
+                    <a:p>
+                      <a:pPr algn="ctr"/>
+                      <a:r>
+                        <a:rPr lang="en-US" dirty="0" err="1"/>
+                        <a:t>googlenet_recall</a:t>
+                      </a:r>
+                      <a:endParaRPr lang="en-US" dirty="0">
+                        <a:solidFill>
+                          <a:srgbClr val="FF0000"/>
+                        </a:solidFill>
+                      </a:endParaRPr>
+                    </a:p>
+                  </a:txBody>
+                  <a:tcPr anchor="ctr"/>
+                </a:tc>
+                <a:tc>
+                  <a:txBody>
+                    <a:bodyPr/>
+                    <a:lstStyle/>
+                    <a:p>
+                      <a:pPr algn="ctr"/>
+                      <a:endParaRPr lang="en-US" dirty="0">
+                        <a:solidFill>
+                          <a:srgbClr val="FF0000"/>
+                        </a:solidFill>
+                      </a:endParaRPr>
+                    </a:p>
+                  </a:txBody>
+                  <a:tcPr anchor="ctr"/>
+                </a:tc>
+                <a:tc>
+                  <a:txBody>
+                    <a:bodyPr/>
+                    <a:lstStyle/>
+                    <a:p>
+                      <a:pPr algn="ctr"/>
+                      <a:endParaRPr lang="en-US" dirty="0">
+                        <a:solidFill>
+                          <a:srgbClr val="FF0000"/>
+                        </a:solidFill>
+                      </a:endParaRPr>
+                    </a:p>
+                  </a:txBody>
+                  <a:tcPr anchor="ctr"/>
+                </a:tc>
+                <a:tc>
+                  <a:txBody>
+                    <a:bodyPr/>
+                    <a:lstStyle/>
+                    <a:p>
+                      <a:pPr algn="ctr"/>
+                      <a:endParaRPr lang="en-US" dirty="0">
+                        <a:solidFill>
+                          <a:srgbClr val="FF0000"/>
+                        </a:solidFill>
+                      </a:endParaRPr>
+                    </a:p>
+                  </a:txBody>
+                  <a:tcPr anchor="ctr"/>
+                </a:tc>
+                <a:tc>
+                  <a:txBody>
+                    <a:bodyPr/>
+                    <a:lstStyle/>
+                    <a:p>
+                      <a:pPr algn="ctr"/>
+                      <a:endParaRPr lang="en-US" dirty="0">
+                        <a:solidFill>
+                          <a:srgbClr val="FF0000"/>
+                        </a:solidFill>
+                      </a:endParaRPr>
+                    </a:p>
+                  </a:txBody>
+                  <a:tcPr anchor="ctr"/>
+                </a:tc>
+                <a:tc>
+                  <a:txBody>
+                    <a:bodyPr/>
+                    <a:lstStyle/>
+                    <a:p>
+                      <a:pPr algn="ctr"/>
+                      <a:endParaRPr lang="en-US" dirty="0">
+                        <a:solidFill>
+                          <a:srgbClr val="FF0000"/>
+                        </a:solidFill>
+                      </a:endParaRPr>
+                    </a:p>
+                  </a:txBody>
+                  <a:tcPr anchor="ctr"/>
+                </a:tc>
+                <a:tc>
+                  <a:txBody>
+                    <a:bodyPr/>
+                    <a:lstStyle/>
+                    <a:p>
+                      <a:pPr algn="ctr"/>
+                      <a:endParaRPr lang="en-US" dirty="0">
+                        <a:solidFill>
+                          <a:srgbClr val="FF0000"/>
+                        </a:solidFill>
+                      </a:endParaRPr>
+                    </a:p>
+                  </a:txBody>
+                  <a:tcPr anchor="ctr"/>
+                </a:tc>
+                <a:extLst>
+                  <a:ext uri="{0D108BD9-81ED-4DB2-BD59-A6C34878D82A}">
+                    <a16:rowId xmlns:a16="http://schemas.microsoft.com/office/drawing/2014/main" val="2775775737"/>
+                  </a:ext>
+                </a:extLst>
+              </a:tr>
+              <a:tr h="887174">
+                <a:tc>
+                  <a:txBody>
+                    <a:bodyPr/>
+                    <a:lstStyle/>
+                    <a:p>
+                      <a:pPr algn="ctr"/>
+                      <a:r>
+                        <a:rPr lang="en-US" dirty="0"/>
+                        <a:t>googlenet_F1</a:t>
+                      </a:r>
+                    </a:p>
+                  </a:txBody>
+                  <a:tcPr anchor="ctr"/>
+                </a:tc>
+                <a:tc>
+                  <a:txBody>
+                    <a:bodyPr/>
+                    <a:lstStyle/>
+                    <a:p>
+                      <a:pPr algn="ctr"/>
+                      <a:endParaRPr lang="en-US" dirty="0"/>
+                    </a:p>
+                  </a:txBody>
+                  <a:tcPr anchor="ctr"/>
+                </a:tc>
+                <a:tc>
+                  <a:txBody>
+                    <a:bodyPr/>
+                    <a:lstStyle/>
+                    <a:p>
+                      <a:pPr algn="ctr"/>
+                      <a:endParaRPr lang="en-US" dirty="0"/>
+                    </a:p>
+                  </a:txBody>
+                  <a:tcPr anchor="ctr"/>
+                </a:tc>
+                <a:tc>
+                  <a:txBody>
+                    <a:bodyPr/>
+                    <a:lstStyle/>
+                    <a:p>
+                      <a:pPr algn="ctr"/>
+                      <a:endParaRPr lang="en-US" dirty="0"/>
+                    </a:p>
+                  </a:txBody>
+                  <a:tcPr anchor="ctr"/>
+                </a:tc>
+                <a:tc>
+                  <a:txBody>
+                    <a:bodyPr/>
+                    <a:lstStyle/>
+                    <a:p>
+                      <a:pPr algn="ctr"/>
+                      <a:endParaRPr lang="en-US" dirty="0"/>
+                    </a:p>
+                  </a:txBody>
+                  <a:tcPr anchor="ctr"/>
+                </a:tc>
+                <a:tc>
+                  <a:txBody>
+                    <a:bodyPr/>
+                    <a:lstStyle/>
+                    <a:p>
+                      <a:pPr algn="ctr"/>
+                      <a:endParaRPr lang="en-US" dirty="0"/>
+                    </a:p>
+                  </a:txBody>
+                  <a:tcPr anchor="ctr"/>
+                </a:tc>
+                <a:tc>
+                  <a:txBody>
+                    <a:bodyPr/>
+                    <a:lstStyle/>
+                    <a:p>
+                      <a:pPr algn="ctr"/>
+                      <a:endParaRPr lang="en-US" dirty="0"/>
+                    </a:p>
+                  </a:txBody>
+                  <a:tcPr anchor="ctr"/>
+                </a:tc>
+                <a:extLst>
+                  <a:ext uri="{0D108BD9-81ED-4DB2-BD59-A6C34878D82A}">
+                    <a16:rowId xmlns:a16="http://schemas.microsoft.com/office/drawing/2014/main" val="618446083"/>
+                  </a:ext>
+                </a:extLst>
+              </a:tr>
+              <a:tr h="887174">
+                <a:tc>
+                  <a:txBody>
+                    <a:bodyPr/>
+                    <a:lstStyle/>
+                    <a:p>
+                      <a:pPr marL="0" marR="0" lvl="0" indent="0" algn="ctr" defTabSz="914400" rtl="0" eaLnBrk="1" fontAlgn="auto" latinLnBrk="0" hangingPunct="1">
+                        <a:lnSpc>
+                          <a:spcPct val="100000"/>
+                        </a:lnSpc>
+                        <a:spcBef>
+                          <a:spcPts val="0"/>
+                        </a:spcBef>
+                        <a:spcAft>
+                          <a:spcPts val="0"/>
+                        </a:spcAft>
+                        <a:buClrTx/>
+                        <a:buSzTx/>
+                        <a:buFontTx/>
+                        <a:buNone/>
+                        <a:tabLst/>
+                        <a:defRPr/>
+                      </a:pPr>
+                      <a:r>
+                        <a:rPr lang="en-US" dirty="0" err="1"/>
+                        <a:t>googlenet_loss</a:t>
+                      </a:r>
+                      <a:endParaRPr lang="en-US" dirty="0"/>
+                    </a:p>
+                    <a:p>
+                      <a:pPr algn="ctr"/>
+                      <a:endParaRPr lang="en-US" dirty="0"/>
+                    </a:p>
+                  </a:txBody>
+                  <a:tcPr anchor="ctr"/>
+                </a:tc>
+                <a:tc>
+                  <a:txBody>
+                    <a:bodyPr/>
+                    <a:lstStyle/>
+                    <a:p>
+                      <a:pPr algn="ctr"/>
+                      <a:endParaRPr lang="en-US" dirty="0"/>
+                    </a:p>
+                  </a:txBody>
+                  <a:tcPr anchor="ctr"/>
+                </a:tc>
+                <a:tc>
+                  <a:txBody>
+                    <a:bodyPr/>
+                    <a:lstStyle/>
+                    <a:p>
+                      <a:pPr algn="ctr"/>
+                      <a:endParaRPr lang="en-US" dirty="0"/>
+                    </a:p>
+                  </a:txBody>
+                  <a:tcPr anchor="ctr"/>
+                </a:tc>
+                <a:tc>
+                  <a:txBody>
+                    <a:bodyPr/>
+                    <a:lstStyle/>
+                    <a:p>
+                      <a:pPr algn="ctr"/>
+                      <a:endParaRPr lang="en-US" dirty="0"/>
+                    </a:p>
+                  </a:txBody>
+                  <a:tcPr anchor="ctr"/>
+                </a:tc>
+                <a:tc>
+                  <a:txBody>
+                    <a:bodyPr/>
+                    <a:lstStyle/>
+                    <a:p>
+                      <a:pPr algn="ctr"/>
+                      <a:endParaRPr lang="en-US" dirty="0"/>
+                    </a:p>
+                  </a:txBody>
+                  <a:tcPr anchor="ctr"/>
+                </a:tc>
+                <a:tc>
+                  <a:txBody>
+                    <a:bodyPr/>
+                    <a:lstStyle/>
+                    <a:p>
+                      <a:pPr algn="ctr"/>
+                      <a:endParaRPr lang="en-US" dirty="0"/>
+                    </a:p>
+                  </a:txBody>
+                  <a:tcPr anchor="ctr"/>
+                </a:tc>
+                <a:tc>
+                  <a:txBody>
+                    <a:bodyPr/>
+                    <a:lstStyle/>
+                    <a:p>
+                      <a:pPr algn="ctr"/>
+                      <a:endParaRPr lang="en-US" dirty="0"/>
+                    </a:p>
+                  </a:txBody>
+                  <a:tcPr anchor="ctr"/>
+                </a:tc>
+                <a:extLst>
+                  <a:ext uri="{0D108BD9-81ED-4DB2-BD59-A6C34878D82A}">
+                    <a16:rowId xmlns:a16="http://schemas.microsoft.com/office/drawing/2014/main" val="872347479"/>
+                  </a:ext>
+                </a:extLst>
+              </a:tr>
+            </a:tbl>
+          </a:graphicData>
+        </a:graphic>
+      </p:graphicFrame>
+    </p:spTree>
+    <p:extLst>
+      <p:ext uri="{BB962C8B-B14F-4D97-AF65-F5344CB8AC3E}">
+        <p14:creationId xmlns:p14="http://schemas.microsoft.com/office/powerpoint/2010/main" val="39737140"/>
+      </p:ext>
+    </p:extLst>
+  </p:cSld>
+  <p:clrMapOvr>
+    <a:masterClrMapping/>
+  </p:clrMapOvr>
+</p:sld>
+</file>
+
+<file path=ppt/slides/slide9.xml><?xml version="1.0" encoding="utf-8"?>
+<p:sld xmlns:a="http://schemas.openxmlformats.org/drawingml/2006/main" xmlns:r="http://schemas.openxmlformats.org/officeDocument/2006/relationships" xmlns:p="http://schemas.openxmlformats.org/presentationml/2006/main">
+  <p:cSld>
+    <p:spTree>
+      <p:nvGrpSpPr>
+        <p:cNvPr id="1" name=""/>
+        <p:cNvGrpSpPr/>
+        <p:nvPr/>
+      </p:nvGrpSpPr>
+      <p:grpSpPr>
+        <a:xfrm>
+          <a:off x="0" y="0"/>
+          <a:ext cx="0" cy="0"/>
+          <a:chOff x="0" y="0"/>
+          <a:chExt cx="0" cy="0"/>
+        </a:xfrm>
+      </p:grpSpPr>
+      <p:sp>
+        <p:nvSpPr>
+          <p:cNvPr id="2" name="Title 1">
+            <a:extLst>
+              <a:ext uri="{FF2B5EF4-FFF2-40B4-BE49-F238E27FC236}">
+                <a16:creationId xmlns:a16="http://schemas.microsoft.com/office/drawing/2014/main" id="{56532D06-E3DD-8743-A24B-5D0E4F6AA76A}"/>
+              </a:ext>
+            </a:extLst>
+          </p:cNvPr>
+          <p:cNvSpPr>
+            <a:spLocks noGrp="1"/>
+          </p:cNvSpPr>
+          <p:nvPr>
+            <p:ph type="title"/>
+          </p:nvPr>
+        </p:nvSpPr>
+        <p:spPr>
+          <a:xfrm>
+            <a:off x="943131" y="2718581"/>
+            <a:ext cx="10515600" cy="1325563"/>
+          </a:xfrm>
+        </p:spPr>
+        <p:txBody>
+          <a:bodyPr/>
+          <a:lstStyle/>
+          <a:p>
+            <a:pPr algn="ctr"/>
+            <a:r>
+              <a:rPr lang="en-US" dirty="0"/>
+              <a:t>BSD Distribution for Different Areas</a:t>
+            </a:r>
+          </a:p>
+        </p:txBody>
+      </p:sp>
+    </p:spTree>
+    <p:extLst>
+      <p:ext uri="{BB962C8B-B14F-4D97-AF65-F5344CB8AC3E}">
+        <p14:creationId xmlns:p14="http://schemas.microsoft.com/office/powerpoint/2010/main" val="2733563065"/>
+      </p:ext>
+    </p:extLst>
+  </p:cSld>
+  <p:clrMapOvr>
+    <a:masterClrMapping/>
+  </p:clrMapOvr>
+</p:sld>
+</file>
+
+<file path=ppt/slides/slide90.xml><?xml version="1.0" encoding="utf-8"?>
+<p:sld xmlns:a="http://schemas.openxmlformats.org/drawingml/2006/main" xmlns:r="http://schemas.openxmlformats.org/officeDocument/2006/relationships" xmlns:p="http://schemas.openxmlformats.org/presentationml/2006/main">
+  <p:cSld>
+    <p:spTree>
+      <p:nvGrpSpPr>
+        <p:cNvPr id="1" name=""/>
+        <p:cNvGrpSpPr/>
+        <p:nvPr/>
+      </p:nvGrpSpPr>
+      <p:grpSpPr>
+        <a:xfrm>
+          <a:off x="0" y="0"/>
+          <a:ext cx="0" cy="0"/>
+          <a:chOff x="0" y="0"/>
+          <a:chExt cx="0" cy="0"/>
+        </a:xfrm>
+      </p:grpSpPr>
       <p:sp>
         <p:nvSpPr>
           <p:cNvPr id="2" name="Title 1">
@@ -44714,7 +46274,7 @@
 </p:sld>
 </file>
 
-<file path=ppt/slides/slide89.xml><?xml version="1.0" encoding="utf-8"?>
+<file path=ppt/slides/slide91.xml><?xml version="1.0" encoding="utf-8"?>
 <p:sld xmlns:a="http://schemas.openxmlformats.org/drawingml/2006/main" xmlns:r="http://schemas.openxmlformats.org/officeDocument/2006/relationships" xmlns:p="http://schemas.openxmlformats.org/presentationml/2006/main">
   <p:cSld>
     <p:spTree>
@@ -45519,71 +47079,7 @@
 </p:sld>
 </file>
 
-<file path=ppt/slides/slide9.xml><?xml version="1.0" encoding="utf-8"?>
-<p:sld xmlns:a="http://schemas.openxmlformats.org/drawingml/2006/main" xmlns:r="http://schemas.openxmlformats.org/officeDocument/2006/relationships" xmlns:p="http://schemas.openxmlformats.org/presentationml/2006/main">
-  <p:cSld>
-    <p:spTree>
-      <p:nvGrpSpPr>
-        <p:cNvPr id="1" name=""/>
-        <p:cNvGrpSpPr/>
-        <p:nvPr/>
-      </p:nvGrpSpPr>
-      <p:grpSpPr>
-        <a:xfrm>
-          <a:off x="0" y="0"/>
-          <a:ext cx="0" cy="0"/>
-          <a:chOff x="0" y="0"/>
-          <a:chExt cx="0" cy="0"/>
-        </a:xfrm>
-      </p:grpSpPr>
-      <p:sp>
-        <p:nvSpPr>
-          <p:cNvPr id="2" name="Title 1">
-            <a:extLst>
-              <a:ext uri="{FF2B5EF4-FFF2-40B4-BE49-F238E27FC236}">
-                <a16:creationId xmlns:a16="http://schemas.microsoft.com/office/drawing/2014/main" id="{56532D06-E3DD-8743-A24B-5D0E4F6AA76A}"/>
-              </a:ext>
-            </a:extLst>
-          </p:cNvPr>
-          <p:cNvSpPr>
-            <a:spLocks noGrp="1"/>
-          </p:cNvSpPr>
-          <p:nvPr>
-            <p:ph type="title"/>
-          </p:nvPr>
-        </p:nvSpPr>
-        <p:spPr>
-          <a:xfrm>
-            <a:off x="943131" y="2718581"/>
-            <a:ext cx="10515600" cy="1325563"/>
-          </a:xfrm>
-        </p:spPr>
-        <p:txBody>
-          <a:bodyPr/>
-          <a:lstStyle/>
-          <a:p>
-            <a:pPr algn="ctr"/>
-            <a:r>
-              <a:rPr lang="en-US" dirty="0"/>
-              <a:t>BSD Distribution for Different Areas</a:t>
-            </a:r>
-          </a:p>
-        </p:txBody>
-      </p:sp>
-    </p:spTree>
-    <p:extLst>
-      <p:ext uri="{BB962C8B-B14F-4D97-AF65-F5344CB8AC3E}">
-        <p14:creationId xmlns:p14="http://schemas.microsoft.com/office/powerpoint/2010/main" val="2733563065"/>
-      </p:ext>
-    </p:extLst>
-  </p:cSld>
-  <p:clrMapOvr>
-    <a:masterClrMapping/>
-  </p:clrMapOvr>
-</p:sld>
-</file>
-
-<file path=ppt/slides/slide90.xml><?xml version="1.0" encoding="utf-8"?>
+<file path=ppt/slides/slide92.xml><?xml version="1.0" encoding="utf-8"?>
 <p:sld xmlns:a="http://schemas.openxmlformats.org/drawingml/2006/main" xmlns:r="http://schemas.openxmlformats.org/officeDocument/2006/relationships" xmlns:p="http://schemas.openxmlformats.org/presentationml/2006/main">
   <p:cSld>
     <p:spTree>
@@ -46388,7 +47884,7 @@
 </p:sld>
 </file>
 
-<file path=ppt/slides/slide91.xml><?xml version="1.0" encoding="utf-8"?>
+<file path=ppt/slides/slide93.xml><?xml version="1.0" encoding="utf-8"?>
 <p:sld xmlns:a="http://schemas.openxmlformats.org/drawingml/2006/main" xmlns:r="http://schemas.openxmlformats.org/officeDocument/2006/relationships" xmlns:p="http://schemas.openxmlformats.org/presentationml/2006/main">
   <p:cSld>
     <p:spTree>
@@ -47182,7 +48678,7 @@
 </p:sld>
 </file>
 
-<file path=ppt/slides/slide92.xml><?xml version="1.0" encoding="utf-8"?>
+<file path=ppt/slides/slide94.xml><?xml version="1.0" encoding="utf-8"?>
 <p:sld xmlns:a="http://schemas.openxmlformats.org/drawingml/2006/main" xmlns:r="http://schemas.openxmlformats.org/officeDocument/2006/relationships" xmlns:p="http://schemas.openxmlformats.org/presentationml/2006/main">
   <p:cSld>
     <p:spTree>

--- a/BSD_Figures.pptx
+++ b/BSD_Figures.pptx
@@ -5,7 +5,7 @@
     <p:sldMasterId id="2147483648" r:id="rId1"/>
   </p:sldMasterIdLst>
   <p:notesMasterIdLst>
-    <p:notesMasterId r:id="rId96"/>
+    <p:notesMasterId r:id="rId98"/>
   </p:notesMasterIdLst>
   <p:sldIdLst>
     <p:sldId id="276" r:id="rId2"/>
@@ -102,6 +102,8 @@
     <p:sldId id="355" r:id="rId93"/>
     <p:sldId id="359" r:id="rId94"/>
     <p:sldId id="360" r:id="rId95"/>
+    <p:sldId id="364" r:id="rId96"/>
+    <p:sldId id="365" r:id="rId97"/>
   </p:sldIdLst>
   <p:sldSz cx="12192000" cy="6858000"/>
   <p:notesSz cx="6858000" cy="9144000"/>
@@ -45386,10 +45388,9 @@
                     <a:p>
                       <a:pPr algn="ctr"/>
                       <a:r>
-                        <a:rPr lang="en-US"/>
+                        <a:rPr lang="en-US" dirty="0"/>
                         <a:t>0.905</a:t>
                       </a:r>
-                      <a:endParaRPr lang="en-US" dirty="0"/>
                     </a:p>
                   </a:txBody>
                   <a:tcPr anchor="ctr"/>
@@ -49463,6 +49464,1506 @@
     <p:extLst>
       <p:ext uri="{BB962C8B-B14F-4D97-AF65-F5344CB8AC3E}">
         <p14:creationId xmlns:p14="http://schemas.microsoft.com/office/powerpoint/2010/main" val="1142585771"/>
+      </p:ext>
+    </p:extLst>
+  </p:cSld>
+  <p:clrMapOvr>
+    <a:masterClrMapping/>
+  </p:clrMapOvr>
+</p:sld>
+</file>
+
+<file path=ppt/slides/slide95.xml><?xml version="1.0" encoding="utf-8"?>
+<p:sld xmlns:a="http://schemas.openxmlformats.org/drawingml/2006/main" xmlns:r="http://schemas.openxmlformats.org/officeDocument/2006/relationships" xmlns:p="http://schemas.openxmlformats.org/presentationml/2006/main">
+  <p:cSld>
+    <p:spTree>
+      <p:nvGrpSpPr>
+        <p:cNvPr id="1" name=""/>
+        <p:cNvGrpSpPr/>
+        <p:nvPr/>
+      </p:nvGrpSpPr>
+      <p:grpSpPr>
+        <a:xfrm>
+          <a:off x="0" y="0"/>
+          <a:ext cx="0" cy="0"/>
+          <a:chOff x="0" y="0"/>
+          <a:chExt cx="0" cy="0"/>
+        </a:xfrm>
+      </p:grpSpPr>
+      <p:graphicFrame>
+        <p:nvGraphicFramePr>
+          <p:cNvPr id="4" name="Table 3">
+            <a:extLst>
+              <a:ext uri="{FF2B5EF4-FFF2-40B4-BE49-F238E27FC236}">
+                <a16:creationId xmlns:a16="http://schemas.microsoft.com/office/drawing/2014/main" id="{F3634E9B-F616-E548-A703-16000F2DD0FF}"/>
+              </a:ext>
+            </a:extLst>
+          </p:cNvPr>
+          <p:cNvGraphicFramePr>
+            <a:graphicFrameLocks noGrp="1"/>
+          </p:cNvGraphicFramePr>
+          <p:nvPr>
+            <p:extLst>
+              <p:ext uri="{D42A27DB-BD31-4B8C-83A1-F6EECF244321}">
+                <p14:modId xmlns:p14="http://schemas.microsoft.com/office/powerpoint/2010/main" val="1546476895"/>
+              </p:ext>
+            </p:extLst>
+          </p:nvPr>
+        </p:nvGraphicFramePr>
+        <p:xfrm>
+          <a:off x="674557" y="929527"/>
+          <a:ext cx="10942820" cy="5003825"/>
+        </p:xfrm>
+        <a:graphic>
+          <a:graphicData uri="http://schemas.openxmlformats.org/drawingml/2006/table">
+            <a:tbl>
+              <a:tblPr firstRow="1" bandRow="1">
+                <a:tableStyleId>{073A0DAA-6AF3-43AB-8588-CEC1D06C72B9}</a:tableStyleId>
+              </a:tblPr>
+              <a:tblGrid>
+                <a:gridCol w="1563260">
+                  <a:extLst>
+                    <a:ext uri="{9D8B030D-6E8A-4147-A177-3AD203B41FA5}">
+                      <a16:colId xmlns:a16="http://schemas.microsoft.com/office/drawing/2014/main" val="2272368709"/>
+                    </a:ext>
+                  </a:extLst>
+                </a:gridCol>
+                <a:gridCol w="1563260">
+                  <a:extLst>
+                    <a:ext uri="{9D8B030D-6E8A-4147-A177-3AD203B41FA5}">
+                      <a16:colId xmlns:a16="http://schemas.microsoft.com/office/drawing/2014/main" val="2235686462"/>
+                    </a:ext>
+                  </a:extLst>
+                </a:gridCol>
+                <a:gridCol w="1563260">
+                  <a:extLst>
+                    <a:ext uri="{9D8B030D-6E8A-4147-A177-3AD203B41FA5}">
+                      <a16:colId xmlns:a16="http://schemas.microsoft.com/office/drawing/2014/main" val="1061232007"/>
+                    </a:ext>
+                  </a:extLst>
+                </a:gridCol>
+                <a:gridCol w="1563260">
+                  <a:extLst>
+                    <a:ext uri="{9D8B030D-6E8A-4147-A177-3AD203B41FA5}">
+                      <a16:colId xmlns:a16="http://schemas.microsoft.com/office/drawing/2014/main" val="464967916"/>
+                    </a:ext>
+                  </a:extLst>
+                </a:gridCol>
+                <a:gridCol w="1563260">
+                  <a:extLst>
+                    <a:ext uri="{9D8B030D-6E8A-4147-A177-3AD203B41FA5}">
+                      <a16:colId xmlns:a16="http://schemas.microsoft.com/office/drawing/2014/main" val="3929012556"/>
+                    </a:ext>
+                  </a:extLst>
+                </a:gridCol>
+                <a:gridCol w="1563260">
+                  <a:extLst>
+                    <a:ext uri="{9D8B030D-6E8A-4147-A177-3AD203B41FA5}">
+                      <a16:colId xmlns:a16="http://schemas.microsoft.com/office/drawing/2014/main" val="3303028153"/>
+                    </a:ext>
+                  </a:extLst>
+                </a:gridCol>
+                <a:gridCol w="1563260">
+                  <a:extLst>
+                    <a:ext uri="{9D8B030D-6E8A-4147-A177-3AD203B41FA5}">
+                      <a16:colId xmlns:a16="http://schemas.microsoft.com/office/drawing/2014/main" val="4108006114"/>
+                    </a:ext>
+                  </a:extLst>
+                </a:gridCol>
+              </a:tblGrid>
+              <a:tr h="523804">
+                <a:tc>
+                  <a:txBody>
+                    <a:bodyPr/>
+                    <a:lstStyle/>
+                    <a:p>
+                      <a:pPr algn="ctr"/>
+                      <a:r>
+                        <a:rPr lang="en-US" dirty="0"/>
+                        <a:t>Junction</a:t>
+                      </a:r>
+                    </a:p>
+                  </a:txBody>
+                  <a:tcPr anchor="ctr"/>
+                </a:tc>
+                <a:tc>
+                  <a:txBody>
+                    <a:bodyPr/>
+                    <a:lstStyle/>
+                    <a:p>
+                      <a:pPr algn="ctr"/>
+                      <a:r>
+                        <a:rPr lang="en-US" dirty="0"/>
+                        <a:t>Accuracy</a:t>
+                      </a:r>
+                    </a:p>
+                  </a:txBody>
+                  <a:tcPr anchor="ctr"/>
+                </a:tc>
+                <a:tc>
+                  <a:txBody>
+                    <a:bodyPr/>
+                    <a:lstStyle/>
+                    <a:p>
+                      <a:pPr algn="ctr"/>
+                      <a:r>
+                        <a:rPr lang="en-US" dirty="0"/>
+                        <a:t>precision</a:t>
+                      </a:r>
+                    </a:p>
+                  </a:txBody>
+                  <a:tcPr anchor="ctr"/>
+                </a:tc>
+                <a:tc>
+                  <a:txBody>
+                    <a:bodyPr/>
+                    <a:lstStyle/>
+                    <a:p>
+                      <a:pPr algn="ctr"/>
+                      <a:r>
+                        <a:rPr lang="en-US" dirty="0"/>
+                        <a:t>recall</a:t>
+                      </a:r>
+                    </a:p>
+                  </a:txBody>
+                  <a:tcPr anchor="ctr"/>
+                </a:tc>
+                <a:tc>
+                  <a:txBody>
+                    <a:bodyPr/>
+                    <a:lstStyle/>
+                    <a:p>
+                      <a:pPr algn="ctr"/>
+                      <a:r>
+                        <a:rPr lang="en-US" dirty="0"/>
+                        <a:t>specificity</a:t>
+                      </a:r>
+                    </a:p>
+                  </a:txBody>
+                  <a:tcPr anchor="ctr"/>
+                </a:tc>
+                <a:tc>
+                  <a:txBody>
+                    <a:bodyPr/>
+                    <a:lstStyle/>
+                    <a:p>
+                      <a:pPr algn="ctr"/>
+                      <a:r>
+                        <a:rPr lang="en-US" dirty="0"/>
+                        <a:t>F1</a:t>
+                      </a:r>
+                    </a:p>
+                  </a:txBody>
+                  <a:tcPr anchor="ctr"/>
+                </a:tc>
+                <a:tc>
+                  <a:txBody>
+                    <a:bodyPr/>
+                    <a:lstStyle/>
+                    <a:p>
+                      <a:pPr algn="ctr"/>
+                      <a:r>
+                        <a:rPr lang="en-US" dirty="0"/>
+                        <a:t>loss</a:t>
+                      </a:r>
+                    </a:p>
+                  </a:txBody>
+                  <a:tcPr anchor="ctr"/>
+                </a:tc>
+                <a:extLst>
+                  <a:ext uri="{0D108BD9-81ED-4DB2-BD59-A6C34878D82A}">
+                    <a16:rowId xmlns:a16="http://schemas.microsoft.com/office/drawing/2014/main" val="2384826745"/>
+                  </a:ext>
+                </a:extLst>
+              </a:tr>
+              <a:tr h="904099">
+                <a:tc>
+                  <a:txBody>
+                    <a:bodyPr/>
+                    <a:lstStyle/>
+                    <a:p>
+                      <a:pPr algn="ctr"/>
+                      <a:r>
+                        <a:rPr lang="en-US" dirty="0" err="1"/>
+                        <a:t>googlenet_accuracy</a:t>
+                      </a:r>
+                      <a:endParaRPr lang="en-US" dirty="0"/>
+                    </a:p>
+                  </a:txBody>
+                  <a:tcPr anchor="ctr"/>
+                </a:tc>
+                <a:tc>
+                  <a:txBody>
+                    <a:bodyPr/>
+                    <a:lstStyle/>
+                    <a:p>
+                      <a:pPr algn="ctr"/>
+                      <a:r>
+                        <a:rPr lang="en-US" dirty="0"/>
+                        <a:t>0.859</a:t>
+                      </a:r>
+                    </a:p>
+                  </a:txBody>
+                  <a:tcPr anchor="ctr"/>
+                </a:tc>
+                <a:tc>
+                  <a:txBody>
+                    <a:bodyPr/>
+                    <a:lstStyle/>
+                    <a:p>
+                      <a:pPr algn="ctr"/>
+                      <a:r>
+                        <a:rPr lang="en-US" dirty="0"/>
+                        <a:t>0.817</a:t>
+                      </a:r>
+                    </a:p>
+                  </a:txBody>
+                  <a:tcPr anchor="ctr"/>
+                </a:tc>
+                <a:tc>
+                  <a:txBody>
+                    <a:bodyPr/>
+                    <a:lstStyle/>
+                    <a:p>
+                      <a:pPr algn="ctr"/>
+                      <a:r>
+                        <a:rPr lang="en-US" dirty="0"/>
+                        <a:t>0.713</a:t>
+                      </a:r>
+                    </a:p>
+                  </a:txBody>
+                  <a:tcPr anchor="ctr"/>
+                </a:tc>
+                <a:tc>
+                  <a:txBody>
+                    <a:bodyPr/>
+                    <a:lstStyle/>
+                    <a:p>
+                      <a:pPr algn="ctr"/>
+                      <a:r>
+                        <a:rPr lang="en-US" dirty="0"/>
+                        <a:t>0.926</a:t>
+                      </a:r>
+                    </a:p>
+                  </a:txBody>
+                  <a:tcPr anchor="ctr"/>
+                </a:tc>
+                <a:tc>
+                  <a:txBody>
+                    <a:bodyPr/>
+                    <a:lstStyle/>
+                    <a:p>
+                      <a:pPr algn="ctr"/>
+                      <a:r>
+                        <a:rPr lang="en-US" dirty="0"/>
+                        <a:t>0.762</a:t>
+                      </a:r>
+                    </a:p>
+                  </a:txBody>
+                  <a:tcPr anchor="ctr"/>
+                </a:tc>
+                <a:tc>
+                  <a:txBody>
+                    <a:bodyPr/>
+                    <a:lstStyle/>
+                    <a:p>
+                      <a:pPr algn="ctr"/>
+                      <a:r>
+                        <a:rPr lang="en-US" dirty="0"/>
+                        <a:t>0.3374</a:t>
+                      </a:r>
+                    </a:p>
+                  </a:txBody>
+                  <a:tcPr anchor="ctr"/>
+                </a:tc>
+                <a:extLst>
+                  <a:ext uri="{0D108BD9-81ED-4DB2-BD59-A6C34878D82A}">
+                    <a16:rowId xmlns:a16="http://schemas.microsoft.com/office/drawing/2014/main" val="1449166203"/>
+                  </a:ext>
+                </a:extLst>
+              </a:tr>
+              <a:tr h="887174">
+                <a:tc>
+                  <a:txBody>
+                    <a:bodyPr/>
+                    <a:lstStyle/>
+                    <a:p>
+                      <a:pPr algn="ctr"/>
+                      <a:r>
+                        <a:rPr lang="en-US" dirty="0" err="1"/>
+                        <a:t>googlenet_precision</a:t>
+                      </a:r>
+                      <a:endParaRPr lang="en-US" dirty="0"/>
+                    </a:p>
+                  </a:txBody>
+                  <a:tcPr anchor="ctr"/>
+                </a:tc>
+                <a:tc>
+                  <a:txBody>
+                    <a:bodyPr/>
+                    <a:lstStyle/>
+                    <a:p>
+                      <a:pPr algn="ctr"/>
+                      <a:r>
+                        <a:rPr lang="en-US" dirty="0"/>
+                        <a:t>0.859</a:t>
+                      </a:r>
+                    </a:p>
+                  </a:txBody>
+                  <a:tcPr anchor="ctr"/>
+                </a:tc>
+                <a:tc>
+                  <a:txBody>
+                    <a:bodyPr/>
+                    <a:lstStyle/>
+                    <a:p>
+                      <a:pPr algn="ctr"/>
+                      <a:r>
+                        <a:rPr lang="en-US" dirty="0"/>
+                        <a:t>0.817</a:t>
+                      </a:r>
+                    </a:p>
+                  </a:txBody>
+                  <a:tcPr anchor="ctr"/>
+                </a:tc>
+                <a:tc>
+                  <a:txBody>
+                    <a:bodyPr/>
+                    <a:lstStyle/>
+                    <a:p>
+                      <a:pPr algn="ctr"/>
+                      <a:r>
+                        <a:rPr lang="en-US" dirty="0"/>
+                        <a:t>0.713</a:t>
+                      </a:r>
+                    </a:p>
+                  </a:txBody>
+                  <a:tcPr anchor="ctr"/>
+                </a:tc>
+                <a:tc>
+                  <a:txBody>
+                    <a:bodyPr/>
+                    <a:lstStyle/>
+                    <a:p>
+                      <a:pPr algn="ctr"/>
+                      <a:r>
+                        <a:rPr lang="en-US" dirty="0"/>
+                        <a:t>0.926</a:t>
+                      </a:r>
+                    </a:p>
+                  </a:txBody>
+                  <a:tcPr anchor="ctr"/>
+                </a:tc>
+                <a:tc>
+                  <a:txBody>
+                    <a:bodyPr/>
+                    <a:lstStyle/>
+                    <a:p>
+                      <a:pPr algn="ctr"/>
+                      <a:r>
+                        <a:rPr lang="en-US" dirty="0"/>
+                        <a:t>0.762</a:t>
+                      </a:r>
+                    </a:p>
+                  </a:txBody>
+                  <a:tcPr anchor="ctr"/>
+                </a:tc>
+                <a:tc>
+                  <a:txBody>
+                    <a:bodyPr/>
+                    <a:lstStyle/>
+                    <a:p>
+                      <a:pPr algn="ctr"/>
+                      <a:r>
+                        <a:rPr lang="en-US" dirty="0"/>
+                        <a:t>0.3374</a:t>
+                      </a:r>
+                    </a:p>
+                  </a:txBody>
+                  <a:tcPr anchor="ctr"/>
+                </a:tc>
+                <a:extLst>
+                  <a:ext uri="{0D108BD9-81ED-4DB2-BD59-A6C34878D82A}">
+                    <a16:rowId xmlns:a16="http://schemas.microsoft.com/office/drawing/2014/main" val="4164655960"/>
+                  </a:ext>
+                </a:extLst>
+              </a:tr>
+              <a:tr h="887174">
+                <a:tc>
+                  <a:txBody>
+                    <a:bodyPr/>
+                    <a:lstStyle/>
+                    <a:p>
+                      <a:pPr algn="ctr"/>
+                      <a:r>
+                        <a:rPr lang="en-US" dirty="0" err="1"/>
+                        <a:t>googlenet_recall</a:t>
+                      </a:r>
+                      <a:endParaRPr lang="en-US" dirty="0">
+                        <a:solidFill>
+                          <a:srgbClr val="FF0000"/>
+                        </a:solidFill>
+                      </a:endParaRPr>
+                    </a:p>
+                  </a:txBody>
+                  <a:tcPr anchor="ctr"/>
+                </a:tc>
+                <a:tc>
+                  <a:txBody>
+                    <a:bodyPr/>
+                    <a:lstStyle/>
+                    <a:p>
+                      <a:pPr algn="ctr"/>
+                      <a:r>
+                        <a:rPr lang="en-US" dirty="0">
+                          <a:solidFill>
+                            <a:srgbClr val="FF0000"/>
+                          </a:solidFill>
+                        </a:rPr>
+                        <a:t>0.809</a:t>
+                      </a:r>
+                    </a:p>
+                  </a:txBody>
+                  <a:tcPr anchor="ctr"/>
+                </a:tc>
+                <a:tc>
+                  <a:txBody>
+                    <a:bodyPr/>
+                    <a:lstStyle/>
+                    <a:p>
+                      <a:pPr algn="ctr"/>
+                      <a:r>
+                        <a:rPr lang="en-US" dirty="0">
+                          <a:solidFill>
+                            <a:srgbClr val="FF0000"/>
+                          </a:solidFill>
+                        </a:rPr>
+                        <a:t>0.663</a:t>
+                      </a:r>
+                    </a:p>
+                  </a:txBody>
+                  <a:tcPr anchor="ctr"/>
+                </a:tc>
+                <a:tc>
+                  <a:txBody>
+                    <a:bodyPr/>
+                    <a:lstStyle/>
+                    <a:p>
+                      <a:pPr algn="ctr"/>
+                      <a:r>
+                        <a:rPr lang="en-US" dirty="0">
+                          <a:solidFill>
+                            <a:srgbClr val="FF0000"/>
+                          </a:solidFill>
+                        </a:rPr>
+                        <a:t>0.803</a:t>
+                      </a:r>
+                    </a:p>
+                  </a:txBody>
+                  <a:tcPr anchor="ctr"/>
+                </a:tc>
+                <a:tc>
+                  <a:txBody>
+                    <a:bodyPr/>
+                    <a:lstStyle/>
+                    <a:p>
+                      <a:pPr algn="ctr"/>
+                      <a:r>
+                        <a:rPr lang="en-US" dirty="0">
+                          <a:solidFill>
+                            <a:srgbClr val="FF0000"/>
+                          </a:solidFill>
+                        </a:rPr>
+                        <a:t>0.812</a:t>
+                      </a:r>
+                    </a:p>
+                  </a:txBody>
+                  <a:tcPr anchor="ctr"/>
+                </a:tc>
+                <a:tc>
+                  <a:txBody>
+                    <a:bodyPr/>
+                    <a:lstStyle/>
+                    <a:p>
+                      <a:pPr algn="ctr"/>
+                      <a:r>
+                        <a:rPr lang="en-US" dirty="0">
+                          <a:solidFill>
+                            <a:srgbClr val="FF0000"/>
+                          </a:solidFill>
+                        </a:rPr>
+                        <a:t>0.726</a:t>
+                      </a:r>
+                    </a:p>
+                  </a:txBody>
+                  <a:tcPr anchor="ctr"/>
+                </a:tc>
+                <a:tc>
+                  <a:txBody>
+                    <a:bodyPr/>
+                    <a:lstStyle/>
+                    <a:p>
+                      <a:pPr algn="ctr"/>
+                      <a:r>
+                        <a:rPr lang="en-US" dirty="0">
+                          <a:solidFill>
+                            <a:srgbClr val="FF0000"/>
+                          </a:solidFill>
+                        </a:rPr>
+                        <a:t>1.1526</a:t>
+                      </a:r>
+                    </a:p>
+                  </a:txBody>
+                  <a:tcPr anchor="ctr"/>
+                </a:tc>
+                <a:extLst>
+                  <a:ext uri="{0D108BD9-81ED-4DB2-BD59-A6C34878D82A}">
+                    <a16:rowId xmlns:a16="http://schemas.microsoft.com/office/drawing/2014/main" val="2775775737"/>
+                  </a:ext>
+                </a:extLst>
+              </a:tr>
+              <a:tr h="887174">
+                <a:tc>
+                  <a:txBody>
+                    <a:bodyPr/>
+                    <a:lstStyle/>
+                    <a:p>
+                      <a:pPr algn="ctr"/>
+                      <a:r>
+                        <a:rPr lang="en-US" dirty="0"/>
+                        <a:t>googlenet_F1</a:t>
+                      </a:r>
+                    </a:p>
+                  </a:txBody>
+                  <a:tcPr anchor="ctr"/>
+                </a:tc>
+                <a:tc>
+                  <a:txBody>
+                    <a:bodyPr/>
+                    <a:lstStyle/>
+                    <a:p>
+                      <a:pPr algn="ctr"/>
+                      <a:r>
+                        <a:rPr lang="en-US" dirty="0"/>
+                        <a:t>0.859</a:t>
+                      </a:r>
+                    </a:p>
+                  </a:txBody>
+                  <a:tcPr anchor="ctr"/>
+                </a:tc>
+                <a:tc>
+                  <a:txBody>
+                    <a:bodyPr/>
+                    <a:lstStyle/>
+                    <a:p>
+                      <a:pPr algn="ctr"/>
+                      <a:r>
+                        <a:rPr lang="en-US" dirty="0"/>
+                        <a:t>0.817</a:t>
+                      </a:r>
+                    </a:p>
+                  </a:txBody>
+                  <a:tcPr anchor="ctr"/>
+                </a:tc>
+                <a:tc>
+                  <a:txBody>
+                    <a:bodyPr/>
+                    <a:lstStyle/>
+                    <a:p>
+                      <a:pPr algn="ctr"/>
+                      <a:r>
+                        <a:rPr lang="en-US" dirty="0"/>
+                        <a:t>0.713</a:t>
+                      </a:r>
+                    </a:p>
+                  </a:txBody>
+                  <a:tcPr anchor="ctr"/>
+                </a:tc>
+                <a:tc>
+                  <a:txBody>
+                    <a:bodyPr/>
+                    <a:lstStyle/>
+                    <a:p>
+                      <a:pPr algn="ctr"/>
+                      <a:r>
+                        <a:rPr lang="en-US" dirty="0"/>
+                        <a:t>0.926</a:t>
+                      </a:r>
+                    </a:p>
+                  </a:txBody>
+                  <a:tcPr anchor="ctr"/>
+                </a:tc>
+                <a:tc>
+                  <a:txBody>
+                    <a:bodyPr/>
+                    <a:lstStyle/>
+                    <a:p>
+                      <a:pPr algn="ctr"/>
+                      <a:r>
+                        <a:rPr lang="en-US" dirty="0"/>
+                        <a:t>0.762</a:t>
+                      </a:r>
+                    </a:p>
+                  </a:txBody>
+                  <a:tcPr anchor="ctr"/>
+                </a:tc>
+                <a:tc>
+                  <a:txBody>
+                    <a:bodyPr/>
+                    <a:lstStyle/>
+                    <a:p>
+                      <a:pPr algn="ctr"/>
+                      <a:r>
+                        <a:rPr lang="en-US" dirty="0"/>
+                        <a:t>0.3374</a:t>
+                      </a:r>
+                    </a:p>
+                  </a:txBody>
+                  <a:tcPr anchor="ctr"/>
+                </a:tc>
+                <a:extLst>
+                  <a:ext uri="{0D108BD9-81ED-4DB2-BD59-A6C34878D82A}">
+                    <a16:rowId xmlns:a16="http://schemas.microsoft.com/office/drawing/2014/main" val="618446083"/>
+                  </a:ext>
+                </a:extLst>
+              </a:tr>
+              <a:tr h="887174">
+                <a:tc>
+                  <a:txBody>
+                    <a:bodyPr/>
+                    <a:lstStyle/>
+                    <a:p>
+                      <a:pPr marL="0" marR="0" lvl="0" indent="0" algn="ctr" defTabSz="914400" rtl="0" eaLnBrk="1" fontAlgn="auto" latinLnBrk="0" hangingPunct="1">
+                        <a:lnSpc>
+                          <a:spcPct val="100000"/>
+                        </a:lnSpc>
+                        <a:spcBef>
+                          <a:spcPts val="0"/>
+                        </a:spcBef>
+                        <a:spcAft>
+                          <a:spcPts val="0"/>
+                        </a:spcAft>
+                        <a:buClrTx/>
+                        <a:buSzTx/>
+                        <a:buFontTx/>
+                        <a:buNone/>
+                        <a:tabLst/>
+                        <a:defRPr/>
+                      </a:pPr>
+                      <a:r>
+                        <a:rPr lang="en-US" dirty="0" err="1"/>
+                        <a:t>googlenet_loss</a:t>
+                      </a:r>
+                      <a:endParaRPr lang="en-US" dirty="0"/>
+                    </a:p>
+                    <a:p>
+                      <a:pPr algn="ctr"/>
+                      <a:endParaRPr lang="en-US" dirty="0"/>
+                    </a:p>
+                  </a:txBody>
+                  <a:tcPr anchor="ctr"/>
+                </a:tc>
+                <a:tc>
+                  <a:txBody>
+                    <a:bodyPr/>
+                    <a:lstStyle/>
+                    <a:p>
+                      <a:pPr algn="ctr"/>
+                      <a:r>
+                        <a:rPr lang="en-US" dirty="0"/>
+                        <a:t>0.859</a:t>
+                      </a:r>
+                    </a:p>
+                  </a:txBody>
+                  <a:tcPr anchor="ctr"/>
+                </a:tc>
+                <a:tc>
+                  <a:txBody>
+                    <a:bodyPr/>
+                    <a:lstStyle/>
+                    <a:p>
+                      <a:pPr algn="ctr"/>
+                      <a:r>
+                        <a:rPr lang="en-US" dirty="0"/>
+                        <a:t>0.817</a:t>
+                      </a:r>
+                    </a:p>
+                  </a:txBody>
+                  <a:tcPr anchor="ctr"/>
+                </a:tc>
+                <a:tc>
+                  <a:txBody>
+                    <a:bodyPr/>
+                    <a:lstStyle/>
+                    <a:p>
+                      <a:pPr algn="ctr"/>
+                      <a:r>
+                        <a:rPr lang="en-US" dirty="0"/>
+                        <a:t>0.713</a:t>
+                      </a:r>
+                    </a:p>
+                  </a:txBody>
+                  <a:tcPr anchor="ctr"/>
+                </a:tc>
+                <a:tc>
+                  <a:txBody>
+                    <a:bodyPr/>
+                    <a:lstStyle/>
+                    <a:p>
+                      <a:pPr algn="ctr"/>
+                      <a:r>
+                        <a:rPr lang="en-US" dirty="0"/>
+                        <a:t>0.926</a:t>
+                      </a:r>
+                    </a:p>
+                  </a:txBody>
+                  <a:tcPr anchor="ctr"/>
+                </a:tc>
+                <a:tc>
+                  <a:txBody>
+                    <a:bodyPr/>
+                    <a:lstStyle/>
+                    <a:p>
+                      <a:pPr algn="ctr"/>
+                      <a:r>
+                        <a:rPr lang="en-US" dirty="0"/>
+                        <a:t>0.762</a:t>
+                      </a:r>
+                    </a:p>
+                  </a:txBody>
+                  <a:tcPr anchor="ctr"/>
+                </a:tc>
+                <a:tc>
+                  <a:txBody>
+                    <a:bodyPr/>
+                    <a:lstStyle/>
+                    <a:p>
+                      <a:pPr algn="ctr"/>
+                      <a:r>
+                        <a:rPr lang="en-US" dirty="0"/>
+                        <a:t>0.3374</a:t>
+                      </a:r>
+                    </a:p>
+                  </a:txBody>
+                  <a:tcPr anchor="ctr"/>
+                </a:tc>
+                <a:extLst>
+                  <a:ext uri="{0D108BD9-81ED-4DB2-BD59-A6C34878D82A}">
+                    <a16:rowId xmlns:a16="http://schemas.microsoft.com/office/drawing/2014/main" val="872347479"/>
+                  </a:ext>
+                </a:extLst>
+              </a:tr>
+            </a:tbl>
+          </a:graphicData>
+        </a:graphic>
+      </p:graphicFrame>
+    </p:spTree>
+    <p:extLst>
+      <p:ext uri="{BB962C8B-B14F-4D97-AF65-F5344CB8AC3E}">
+        <p14:creationId xmlns:p14="http://schemas.microsoft.com/office/powerpoint/2010/main" val="1752667060"/>
+      </p:ext>
+    </p:extLst>
+  </p:cSld>
+  <p:clrMapOvr>
+    <a:masterClrMapping/>
+  </p:clrMapOvr>
+</p:sld>
+</file>
+
+<file path=ppt/slides/slide96.xml><?xml version="1.0" encoding="utf-8"?>
+<p:sld xmlns:a="http://schemas.openxmlformats.org/drawingml/2006/main" xmlns:r="http://schemas.openxmlformats.org/officeDocument/2006/relationships" xmlns:p="http://schemas.openxmlformats.org/presentationml/2006/main">
+  <p:cSld>
+    <p:spTree>
+      <p:nvGrpSpPr>
+        <p:cNvPr id="1" name=""/>
+        <p:cNvGrpSpPr/>
+        <p:nvPr/>
+      </p:nvGrpSpPr>
+      <p:grpSpPr>
+        <a:xfrm>
+          <a:off x="0" y="0"/>
+          <a:ext cx="0" cy="0"/>
+          <a:chOff x="0" y="0"/>
+          <a:chExt cx="0" cy="0"/>
+        </a:xfrm>
+      </p:grpSpPr>
+      <p:graphicFrame>
+        <p:nvGraphicFramePr>
+          <p:cNvPr id="4" name="Table 3">
+            <a:extLst>
+              <a:ext uri="{FF2B5EF4-FFF2-40B4-BE49-F238E27FC236}">
+                <a16:creationId xmlns:a16="http://schemas.microsoft.com/office/drawing/2014/main" id="{F3634E9B-F616-E548-A703-16000F2DD0FF}"/>
+              </a:ext>
+            </a:extLst>
+          </p:cNvPr>
+          <p:cNvGraphicFramePr>
+            <a:graphicFrameLocks noGrp="1"/>
+          </p:cNvGraphicFramePr>
+          <p:nvPr>
+            <p:extLst/>
+          </p:nvPr>
+        </p:nvGraphicFramePr>
+        <p:xfrm>
+          <a:off x="674557" y="929527"/>
+          <a:ext cx="10942820" cy="5003825"/>
+        </p:xfrm>
+        <a:graphic>
+          <a:graphicData uri="http://schemas.openxmlformats.org/drawingml/2006/table">
+            <a:tbl>
+              <a:tblPr firstRow="1" bandRow="1">
+                <a:tableStyleId>{073A0DAA-6AF3-43AB-8588-CEC1D06C72B9}</a:tableStyleId>
+              </a:tblPr>
+              <a:tblGrid>
+                <a:gridCol w="1563260">
+                  <a:extLst>
+                    <a:ext uri="{9D8B030D-6E8A-4147-A177-3AD203B41FA5}">
+                      <a16:colId xmlns:a16="http://schemas.microsoft.com/office/drawing/2014/main" val="2272368709"/>
+                    </a:ext>
+                  </a:extLst>
+                </a:gridCol>
+                <a:gridCol w="1563260">
+                  <a:extLst>
+                    <a:ext uri="{9D8B030D-6E8A-4147-A177-3AD203B41FA5}">
+                      <a16:colId xmlns:a16="http://schemas.microsoft.com/office/drawing/2014/main" val="2235686462"/>
+                    </a:ext>
+                  </a:extLst>
+                </a:gridCol>
+                <a:gridCol w="1563260">
+                  <a:extLst>
+                    <a:ext uri="{9D8B030D-6E8A-4147-A177-3AD203B41FA5}">
+                      <a16:colId xmlns:a16="http://schemas.microsoft.com/office/drawing/2014/main" val="1061232007"/>
+                    </a:ext>
+                  </a:extLst>
+                </a:gridCol>
+                <a:gridCol w="1563260">
+                  <a:extLst>
+                    <a:ext uri="{9D8B030D-6E8A-4147-A177-3AD203B41FA5}">
+                      <a16:colId xmlns:a16="http://schemas.microsoft.com/office/drawing/2014/main" val="464967916"/>
+                    </a:ext>
+                  </a:extLst>
+                </a:gridCol>
+                <a:gridCol w="1563260">
+                  <a:extLst>
+                    <a:ext uri="{9D8B030D-6E8A-4147-A177-3AD203B41FA5}">
+                      <a16:colId xmlns:a16="http://schemas.microsoft.com/office/drawing/2014/main" val="3929012556"/>
+                    </a:ext>
+                  </a:extLst>
+                </a:gridCol>
+                <a:gridCol w="1563260">
+                  <a:extLst>
+                    <a:ext uri="{9D8B030D-6E8A-4147-A177-3AD203B41FA5}">
+                      <a16:colId xmlns:a16="http://schemas.microsoft.com/office/drawing/2014/main" val="3303028153"/>
+                    </a:ext>
+                  </a:extLst>
+                </a:gridCol>
+                <a:gridCol w="1563260">
+                  <a:extLst>
+                    <a:ext uri="{9D8B030D-6E8A-4147-A177-3AD203B41FA5}">
+                      <a16:colId xmlns:a16="http://schemas.microsoft.com/office/drawing/2014/main" val="4108006114"/>
+                    </a:ext>
+                  </a:extLst>
+                </a:gridCol>
+              </a:tblGrid>
+              <a:tr h="523804">
+                <a:tc>
+                  <a:txBody>
+                    <a:bodyPr/>
+                    <a:lstStyle/>
+                    <a:p>
+                      <a:pPr algn="ctr"/>
+                      <a:r>
+                        <a:rPr lang="en-US" dirty="0"/>
+                        <a:t>Gap</a:t>
+                      </a:r>
+                    </a:p>
+                  </a:txBody>
+                  <a:tcPr anchor="ctr"/>
+                </a:tc>
+                <a:tc>
+                  <a:txBody>
+                    <a:bodyPr/>
+                    <a:lstStyle/>
+                    <a:p>
+                      <a:pPr algn="ctr"/>
+                      <a:r>
+                        <a:rPr lang="en-US" dirty="0"/>
+                        <a:t>Accuracy</a:t>
+                      </a:r>
+                    </a:p>
+                  </a:txBody>
+                  <a:tcPr anchor="ctr"/>
+                </a:tc>
+                <a:tc>
+                  <a:txBody>
+                    <a:bodyPr/>
+                    <a:lstStyle/>
+                    <a:p>
+                      <a:pPr algn="ctr"/>
+                      <a:r>
+                        <a:rPr lang="en-US" dirty="0"/>
+                        <a:t>precision</a:t>
+                      </a:r>
+                    </a:p>
+                  </a:txBody>
+                  <a:tcPr anchor="ctr"/>
+                </a:tc>
+                <a:tc>
+                  <a:txBody>
+                    <a:bodyPr/>
+                    <a:lstStyle/>
+                    <a:p>
+                      <a:pPr algn="ctr"/>
+                      <a:r>
+                        <a:rPr lang="en-US" dirty="0"/>
+                        <a:t>recall</a:t>
+                      </a:r>
+                    </a:p>
+                  </a:txBody>
+                  <a:tcPr anchor="ctr"/>
+                </a:tc>
+                <a:tc>
+                  <a:txBody>
+                    <a:bodyPr/>
+                    <a:lstStyle/>
+                    <a:p>
+                      <a:pPr algn="ctr"/>
+                      <a:r>
+                        <a:rPr lang="en-US" dirty="0"/>
+                        <a:t>specificity</a:t>
+                      </a:r>
+                    </a:p>
+                  </a:txBody>
+                  <a:tcPr anchor="ctr"/>
+                </a:tc>
+                <a:tc>
+                  <a:txBody>
+                    <a:bodyPr/>
+                    <a:lstStyle/>
+                    <a:p>
+                      <a:pPr algn="ctr"/>
+                      <a:r>
+                        <a:rPr lang="en-US" dirty="0"/>
+                        <a:t>F1</a:t>
+                      </a:r>
+                    </a:p>
+                  </a:txBody>
+                  <a:tcPr anchor="ctr"/>
+                </a:tc>
+                <a:tc>
+                  <a:txBody>
+                    <a:bodyPr/>
+                    <a:lstStyle/>
+                    <a:p>
+                      <a:pPr algn="ctr"/>
+                      <a:r>
+                        <a:rPr lang="en-US" dirty="0"/>
+                        <a:t>loss</a:t>
+                      </a:r>
+                    </a:p>
+                  </a:txBody>
+                  <a:tcPr anchor="ctr"/>
+                </a:tc>
+                <a:extLst>
+                  <a:ext uri="{0D108BD9-81ED-4DB2-BD59-A6C34878D82A}">
+                    <a16:rowId xmlns:a16="http://schemas.microsoft.com/office/drawing/2014/main" val="2384826745"/>
+                  </a:ext>
+                </a:extLst>
+              </a:tr>
+              <a:tr h="904099">
+                <a:tc>
+                  <a:txBody>
+                    <a:bodyPr/>
+                    <a:lstStyle/>
+                    <a:p>
+                      <a:pPr algn="ctr"/>
+                      <a:r>
+                        <a:rPr lang="en-US" dirty="0" err="1"/>
+                        <a:t>googlenet_accuracy</a:t>
+                      </a:r>
+                      <a:endParaRPr lang="en-US" dirty="0"/>
+                    </a:p>
+                  </a:txBody>
+                  <a:tcPr anchor="ctr"/>
+                </a:tc>
+                <a:tc>
+                  <a:txBody>
+                    <a:bodyPr/>
+                    <a:lstStyle/>
+                    <a:p>
+                      <a:pPr algn="ctr"/>
+                      <a:endParaRPr lang="en-US" dirty="0"/>
+                    </a:p>
+                  </a:txBody>
+                  <a:tcPr anchor="ctr"/>
+                </a:tc>
+                <a:tc>
+                  <a:txBody>
+                    <a:bodyPr/>
+                    <a:lstStyle/>
+                    <a:p>
+                      <a:pPr algn="ctr"/>
+                      <a:endParaRPr lang="en-US" dirty="0"/>
+                    </a:p>
+                  </a:txBody>
+                  <a:tcPr anchor="ctr"/>
+                </a:tc>
+                <a:tc>
+                  <a:txBody>
+                    <a:bodyPr/>
+                    <a:lstStyle/>
+                    <a:p>
+                      <a:pPr algn="ctr"/>
+                      <a:endParaRPr lang="en-US" dirty="0"/>
+                    </a:p>
+                  </a:txBody>
+                  <a:tcPr anchor="ctr"/>
+                </a:tc>
+                <a:tc>
+                  <a:txBody>
+                    <a:bodyPr/>
+                    <a:lstStyle/>
+                    <a:p>
+                      <a:pPr algn="ctr"/>
+                      <a:endParaRPr lang="en-US" dirty="0"/>
+                    </a:p>
+                  </a:txBody>
+                  <a:tcPr anchor="ctr"/>
+                </a:tc>
+                <a:tc>
+                  <a:txBody>
+                    <a:bodyPr/>
+                    <a:lstStyle/>
+                    <a:p>
+                      <a:pPr algn="ctr"/>
+                      <a:endParaRPr lang="en-US" dirty="0"/>
+                    </a:p>
+                  </a:txBody>
+                  <a:tcPr anchor="ctr"/>
+                </a:tc>
+                <a:tc>
+                  <a:txBody>
+                    <a:bodyPr/>
+                    <a:lstStyle/>
+                    <a:p>
+                      <a:pPr algn="ctr"/>
+                      <a:endParaRPr lang="en-US" dirty="0"/>
+                    </a:p>
+                  </a:txBody>
+                  <a:tcPr anchor="ctr"/>
+                </a:tc>
+                <a:extLst>
+                  <a:ext uri="{0D108BD9-81ED-4DB2-BD59-A6C34878D82A}">
+                    <a16:rowId xmlns:a16="http://schemas.microsoft.com/office/drawing/2014/main" val="1449166203"/>
+                  </a:ext>
+                </a:extLst>
+              </a:tr>
+              <a:tr h="887174">
+                <a:tc>
+                  <a:txBody>
+                    <a:bodyPr/>
+                    <a:lstStyle/>
+                    <a:p>
+                      <a:pPr algn="ctr"/>
+                      <a:r>
+                        <a:rPr lang="en-US" dirty="0" err="1"/>
+                        <a:t>googlenet_precision</a:t>
+                      </a:r>
+                      <a:endParaRPr lang="en-US" dirty="0"/>
+                    </a:p>
+                  </a:txBody>
+                  <a:tcPr anchor="ctr"/>
+                </a:tc>
+                <a:tc>
+                  <a:txBody>
+                    <a:bodyPr/>
+                    <a:lstStyle/>
+                    <a:p>
+                      <a:pPr algn="ctr"/>
+                      <a:endParaRPr lang="en-US" dirty="0"/>
+                    </a:p>
+                  </a:txBody>
+                  <a:tcPr anchor="ctr"/>
+                </a:tc>
+                <a:tc>
+                  <a:txBody>
+                    <a:bodyPr/>
+                    <a:lstStyle/>
+                    <a:p>
+                      <a:pPr algn="ctr"/>
+                      <a:endParaRPr lang="en-US" dirty="0"/>
+                    </a:p>
+                  </a:txBody>
+                  <a:tcPr anchor="ctr"/>
+                </a:tc>
+                <a:tc>
+                  <a:txBody>
+                    <a:bodyPr/>
+                    <a:lstStyle/>
+                    <a:p>
+                      <a:pPr algn="ctr"/>
+                      <a:endParaRPr lang="en-US" dirty="0"/>
+                    </a:p>
+                  </a:txBody>
+                  <a:tcPr anchor="ctr"/>
+                </a:tc>
+                <a:tc>
+                  <a:txBody>
+                    <a:bodyPr/>
+                    <a:lstStyle/>
+                    <a:p>
+                      <a:pPr algn="ctr"/>
+                      <a:endParaRPr lang="en-US" dirty="0"/>
+                    </a:p>
+                  </a:txBody>
+                  <a:tcPr anchor="ctr"/>
+                </a:tc>
+                <a:tc>
+                  <a:txBody>
+                    <a:bodyPr/>
+                    <a:lstStyle/>
+                    <a:p>
+                      <a:pPr algn="ctr"/>
+                      <a:endParaRPr lang="en-US" dirty="0"/>
+                    </a:p>
+                  </a:txBody>
+                  <a:tcPr anchor="ctr"/>
+                </a:tc>
+                <a:tc>
+                  <a:txBody>
+                    <a:bodyPr/>
+                    <a:lstStyle/>
+                    <a:p>
+                      <a:pPr algn="ctr"/>
+                      <a:endParaRPr lang="en-US" dirty="0"/>
+                    </a:p>
+                  </a:txBody>
+                  <a:tcPr anchor="ctr"/>
+                </a:tc>
+                <a:extLst>
+                  <a:ext uri="{0D108BD9-81ED-4DB2-BD59-A6C34878D82A}">
+                    <a16:rowId xmlns:a16="http://schemas.microsoft.com/office/drawing/2014/main" val="4164655960"/>
+                  </a:ext>
+                </a:extLst>
+              </a:tr>
+              <a:tr h="887174">
+                <a:tc>
+                  <a:txBody>
+                    <a:bodyPr/>
+                    <a:lstStyle/>
+                    <a:p>
+                      <a:pPr algn="ctr"/>
+                      <a:r>
+                        <a:rPr lang="en-US" dirty="0" err="1"/>
+                        <a:t>googlenet_recall</a:t>
+                      </a:r>
+                      <a:endParaRPr lang="en-US" dirty="0">
+                        <a:solidFill>
+                          <a:srgbClr val="FF0000"/>
+                        </a:solidFill>
+                      </a:endParaRPr>
+                    </a:p>
+                  </a:txBody>
+                  <a:tcPr anchor="ctr"/>
+                </a:tc>
+                <a:tc>
+                  <a:txBody>
+                    <a:bodyPr/>
+                    <a:lstStyle/>
+                    <a:p>
+                      <a:pPr algn="ctr"/>
+                      <a:endParaRPr lang="en-US" dirty="0">
+                        <a:solidFill>
+                          <a:srgbClr val="FF0000"/>
+                        </a:solidFill>
+                      </a:endParaRPr>
+                    </a:p>
+                  </a:txBody>
+                  <a:tcPr anchor="ctr"/>
+                </a:tc>
+                <a:tc>
+                  <a:txBody>
+                    <a:bodyPr/>
+                    <a:lstStyle/>
+                    <a:p>
+                      <a:pPr algn="ctr"/>
+                      <a:endParaRPr lang="en-US" dirty="0">
+                        <a:solidFill>
+                          <a:srgbClr val="FF0000"/>
+                        </a:solidFill>
+                      </a:endParaRPr>
+                    </a:p>
+                  </a:txBody>
+                  <a:tcPr anchor="ctr"/>
+                </a:tc>
+                <a:tc>
+                  <a:txBody>
+                    <a:bodyPr/>
+                    <a:lstStyle/>
+                    <a:p>
+                      <a:pPr algn="ctr"/>
+                      <a:endParaRPr lang="en-US" dirty="0">
+                        <a:solidFill>
+                          <a:srgbClr val="FF0000"/>
+                        </a:solidFill>
+                      </a:endParaRPr>
+                    </a:p>
+                  </a:txBody>
+                  <a:tcPr anchor="ctr"/>
+                </a:tc>
+                <a:tc>
+                  <a:txBody>
+                    <a:bodyPr/>
+                    <a:lstStyle/>
+                    <a:p>
+                      <a:pPr algn="ctr"/>
+                      <a:endParaRPr lang="en-US" dirty="0">
+                        <a:solidFill>
+                          <a:srgbClr val="FF0000"/>
+                        </a:solidFill>
+                      </a:endParaRPr>
+                    </a:p>
+                  </a:txBody>
+                  <a:tcPr anchor="ctr"/>
+                </a:tc>
+                <a:tc>
+                  <a:txBody>
+                    <a:bodyPr/>
+                    <a:lstStyle/>
+                    <a:p>
+                      <a:pPr algn="ctr"/>
+                      <a:endParaRPr lang="en-US" dirty="0">
+                        <a:solidFill>
+                          <a:srgbClr val="FF0000"/>
+                        </a:solidFill>
+                      </a:endParaRPr>
+                    </a:p>
+                  </a:txBody>
+                  <a:tcPr anchor="ctr"/>
+                </a:tc>
+                <a:tc>
+                  <a:txBody>
+                    <a:bodyPr/>
+                    <a:lstStyle/>
+                    <a:p>
+                      <a:pPr algn="ctr"/>
+                      <a:endParaRPr lang="en-US" dirty="0">
+                        <a:solidFill>
+                          <a:srgbClr val="FF0000"/>
+                        </a:solidFill>
+                      </a:endParaRPr>
+                    </a:p>
+                  </a:txBody>
+                  <a:tcPr anchor="ctr"/>
+                </a:tc>
+                <a:extLst>
+                  <a:ext uri="{0D108BD9-81ED-4DB2-BD59-A6C34878D82A}">
+                    <a16:rowId xmlns:a16="http://schemas.microsoft.com/office/drawing/2014/main" val="2775775737"/>
+                  </a:ext>
+                </a:extLst>
+              </a:tr>
+              <a:tr h="887174">
+                <a:tc>
+                  <a:txBody>
+                    <a:bodyPr/>
+                    <a:lstStyle/>
+                    <a:p>
+                      <a:pPr algn="ctr"/>
+                      <a:r>
+                        <a:rPr lang="en-US" dirty="0"/>
+                        <a:t>googlenet_F1</a:t>
+                      </a:r>
+                    </a:p>
+                  </a:txBody>
+                  <a:tcPr anchor="ctr"/>
+                </a:tc>
+                <a:tc>
+                  <a:txBody>
+                    <a:bodyPr/>
+                    <a:lstStyle/>
+                    <a:p>
+                      <a:pPr algn="ctr"/>
+                      <a:endParaRPr lang="en-US" dirty="0"/>
+                    </a:p>
+                  </a:txBody>
+                  <a:tcPr anchor="ctr"/>
+                </a:tc>
+                <a:tc>
+                  <a:txBody>
+                    <a:bodyPr/>
+                    <a:lstStyle/>
+                    <a:p>
+                      <a:pPr algn="ctr"/>
+                      <a:endParaRPr lang="en-US" dirty="0"/>
+                    </a:p>
+                  </a:txBody>
+                  <a:tcPr anchor="ctr"/>
+                </a:tc>
+                <a:tc>
+                  <a:txBody>
+                    <a:bodyPr/>
+                    <a:lstStyle/>
+                    <a:p>
+                      <a:pPr algn="ctr"/>
+                      <a:endParaRPr lang="en-US" dirty="0"/>
+                    </a:p>
+                  </a:txBody>
+                  <a:tcPr anchor="ctr"/>
+                </a:tc>
+                <a:tc>
+                  <a:txBody>
+                    <a:bodyPr/>
+                    <a:lstStyle/>
+                    <a:p>
+                      <a:pPr algn="ctr"/>
+                      <a:endParaRPr lang="en-US" dirty="0"/>
+                    </a:p>
+                  </a:txBody>
+                  <a:tcPr anchor="ctr"/>
+                </a:tc>
+                <a:tc>
+                  <a:txBody>
+                    <a:bodyPr/>
+                    <a:lstStyle/>
+                    <a:p>
+                      <a:pPr algn="ctr"/>
+                      <a:endParaRPr lang="en-US" dirty="0"/>
+                    </a:p>
+                  </a:txBody>
+                  <a:tcPr anchor="ctr"/>
+                </a:tc>
+                <a:tc>
+                  <a:txBody>
+                    <a:bodyPr/>
+                    <a:lstStyle/>
+                    <a:p>
+                      <a:pPr algn="ctr"/>
+                      <a:endParaRPr lang="en-US" dirty="0"/>
+                    </a:p>
+                  </a:txBody>
+                  <a:tcPr anchor="ctr"/>
+                </a:tc>
+                <a:extLst>
+                  <a:ext uri="{0D108BD9-81ED-4DB2-BD59-A6C34878D82A}">
+                    <a16:rowId xmlns:a16="http://schemas.microsoft.com/office/drawing/2014/main" val="618446083"/>
+                  </a:ext>
+                </a:extLst>
+              </a:tr>
+              <a:tr h="887174">
+                <a:tc>
+                  <a:txBody>
+                    <a:bodyPr/>
+                    <a:lstStyle/>
+                    <a:p>
+                      <a:pPr marL="0" marR="0" lvl="0" indent="0" algn="ctr" defTabSz="914400" rtl="0" eaLnBrk="1" fontAlgn="auto" latinLnBrk="0" hangingPunct="1">
+                        <a:lnSpc>
+                          <a:spcPct val="100000"/>
+                        </a:lnSpc>
+                        <a:spcBef>
+                          <a:spcPts val="0"/>
+                        </a:spcBef>
+                        <a:spcAft>
+                          <a:spcPts val="0"/>
+                        </a:spcAft>
+                        <a:buClrTx/>
+                        <a:buSzTx/>
+                        <a:buFontTx/>
+                        <a:buNone/>
+                        <a:tabLst/>
+                        <a:defRPr/>
+                      </a:pPr>
+                      <a:r>
+                        <a:rPr lang="en-US" dirty="0" err="1"/>
+                        <a:t>googlenet_loss</a:t>
+                      </a:r>
+                      <a:endParaRPr lang="en-US" dirty="0"/>
+                    </a:p>
+                    <a:p>
+                      <a:pPr algn="ctr"/>
+                      <a:endParaRPr lang="en-US" dirty="0"/>
+                    </a:p>
+                  </a:txBody>
+                  <a:tcPr anchor="ctr"/>
+                </a:tc>
+                <a:tc>
+                  <a:txBody>
+                    <a:bodyPr/>
+                    <a:lstStyle/>
+                    <a:p>
+                      <a:pPr algn="ctr"/>
+                      <a:endParaRPr lang="en-US" dirty="0"/>
+                    </a:p>
+                  </a:txBody>
+                  <a:tcPr anchor="ctr"/>
+                </a:tc>
+                <a:tc>
+                  <a:txBody>
+                    <a:bodyPr/>
+                    <a:lstStyle/>
+                    <a:p>
+                      <a:pPr algn="ctr"/>
+                      <a:endParaRPr lang="en-US" dirty="0"/>
+                    </a:p>
+                  </a:txBody>
+                  <a:tcPr anchor="ctr"/>
+                </a:tc>
+                <a:tc>
+                  <a:txBody>
+                    <a:bodyPr/>
+                    <a:lstStyle/>
+                    <a:p>
+                      <a:pPr algn="ctr"/>
+                      <a:endParaRPr lang="en-US" dirty="0"/>
+                    </a:p>
+                  </a:txBody>
+                  <a:tcPr anchor="ctr"/>
+                </a:tc>
+                <a:tc>
+                  <a:txBody>
+                    <a:bodyPr/>
+                    <a:lstStyle/>
+                    <a:p>
+                      <a:pPr algn="ctr"/>
+                      <a:endParaRPr lang="en-US" dirty="0"/>
+                    </a:p>
+                  </a:txBody>
+                  <a:tcPr anchor="ctr"/>
+                </a:tc>
+                <a:tc>
+                  <a:txBody>
+                    <a:bodyPr/>
+                    <a:lstStyle/>
+                    <a:p>
+                      <a:pPr algn="ctr"/>
+                      <a:endParaRPr lang="en-US" dirty="0"/>
+                    </a:p>
+                  </a:txBody>
+                  <a:tcPr anchor="ctr"/>
+                </a:tc>
+                <a:tc>
+                  <a:txBody>
+                    <a:bodyPr/>
+                    <a:lstStyle/>
+                    <a:p>
+                      <a:pPr algn="ctr"/>
+                      <a:endParaRPr lang="en-US" dirty="0"/>
+                    </a:p>
+                  </a:txBody>
+                  <a:tcPr anchor="ctr"/>
+                </a:tc>
+                <a:extLst>
+                  <a:ext uri="{0D108BD9-81ED-4DB2-BD59-A6C34878D82A}">
+                    <a16:rowId xmlns:a16="http://schemas.microsoft.com/office/drawing/2014/main" val="872347479"/>
+                  </a:ext>
+                </a:extLst>
+              </a:tr>
+            </a:tbl>
+          </a:graphicData>
+        </a:graphic>
+      </p:graphicFrame>
+    </p:spTree>
+    <p:extLst>
+      <p:ext uri="{BB962C8B-B14F-4D97-AF65-F5344CB8AC3E}">
+        <p14:creationId xmlns:p14="http://schemas.microsoft.com/office/powerpoint/2010/main" val="650153555"/>
       </p:ext>
     </p:extLst>
   </p:cSld>

--- a/BSD_Figures.pptx
+++ b/BSD_Figures.pptx
@@ -39915,7 +39915,7 @@
           <p:nvPr>
             <p:extLst>
               <p:ext uri="{D42A27DB-BD31-4B8C-83A1-F6EECF244321}">
-                <p14:modId xmlns:p14="http://schemas.microsoft.com/office/powerpoint/2010/main" val="2314427751"/>
+                <p14:modId xmlns:p14="http://schemas.microsoft.com/office/powerpoint/2010/main" val="430048143"/>
               </p:ext>
             </p:extLst>
           </p:nvPr>
@@ -40306,7 +40306,11 @@
                     <a:p>
                       <a:pPr algn="ctr"/>
                       <a:r>
-                        <a:rPr lang="en-US" dirty="0" err="1"/>
+                        <a:rPr lang="en-US" dirty="0" err="1">
+                          <a:solidFill>
+                            <a:srgbClr val="FF0000"/>
+                          </a:solidFill>
+                        </a:rPr>
                         <a:t>googlenet_recall</a:t>
                       </a:r>
                       <a:endParaRPr lang="en-US" dirty="0">
@@ -40712,7 +40716,7 @@
           <p:nvPr>
             <p:extLst>
               <p:ext uri="{D42A27DB-BD31-4B8C-83A1-F6EECF244321}">
-                <p14:modId xmlns:p14="http://schemas.microsoft.com/office/powerpoint/2010/main" val="117139876"/>
+                <p14:modId xmlns:p14="http://schemas.microsoft.com/office/powerpoint/2010/main" val="1907637377"/>
               </p:ext>
             </p:extLst>
           </p:nvPr>
@@ -40905,62 +40909,80 @@
                     <a:lstStyle/>
                     <a:p>
                       <a:pPr algn="ctr"/>
-                      <a:endParaRPr lang="en-US" dirty="0"/>
-                    </a:p>
-                  </a:txBody>
-                  <a:tcPr anchor="ctr"/>
-                </a:tc>
-                <a:tc>
-                  <a:txBody>
-                    <a:bodyPr/>
-                    <a:lstStyle/>
-                    <a:p>
-                      <a:pPr algn="ctr"/>
-                      <a:endParaRPr lang="en-US" dirty="0"/>
-                    </a:p>
-                  </a:txBody>
-                  <a:tcPr anchor="ctr"/>
-                </a:tc>
-                <a:tc>
-                  <a:txBody>
-                    <a:bodyPr/>
-                    <a:lstStyle/>
-                    <a:p>
-                      <a:pPr algn="ctr"/>
-                      <a:endParaRPr lang="en-US" dirty="0"/>
-                    </a:p>
-                  </a:txBody>
-                  <a:tcPr anchor="ctr"/>
-                </a:tc>
-                <a:tc>
-                  <a:txBody>
-                    <a:bodyPr/>
-                    <a:lstStyle/>
-                    <a:p>
-                      <a:pPr algn="ctr"/>
-                      <a:endParaRPr lang="en-US" dirty="0"/>
-                    </a:p>
-                  </a:txBody>
-                  <a:tcPr anchor="ctr"/>
-                </a:tc>
-                <a:tc>
-                  <a:txBody>
-                    <a:bodyPr/>
-                    <a:lstStyle/>
-                    <a:p>
-                      <a:pPr algn="ctr"/>
-                      <a:endParaRPr lang="en-US" dirty="0"/>
-                    </a:p>
-                  </a:txBody>
-                  <a:tcPr anchor="ctr"/>
-                </a:tc>
-                <a:tc>
-                  <a:txBody>
-                    <a:bodyPr/>
-                    <a:lstStyle/>
-                    <a:p>
-                      <a:pPr algn="ctr"/>
-                      <a:endParaRPr lang="en-US" dirty="0"/>
+                      <a:r>
+                        <a:rPr lang="en-US" dirty="0"/>
+                        <a:t>0.853</a:t>
+                      </a:r>
+                    </a:p>
+                  </a:txBody>
+                  <a:tcPr anchor="ctr"/>
+                </a:tc>
+                <a:tc>
+                  <a:txBody>
+                    <a:bodyPr/>
+                    <a:lstStyle/>
+                    <a:p>
+                      <a:pPr algn="ctr"/>
+                      <a:r>
+                        <a:rPr lang="en-US" dirty="0"/>
+                        <a:t>0.790</a:t>
+                      </a:r>
+                    </a:p>
+                  </a:txBody>
+                  <a:tcPr anchor="ctr"/>
+                </a:tc>
+                <a:tc>
+                  <a:txBody>
+                    <a:bodyPr/>
+                    <a:lstStyle/>
+                    <a:p>
+                      <a:pPr algn="ctr"/>
+                      <a:r>
+                        <a:rPr lang="en-US" dirty="0"/>
+                        <a:t>0.767</a:t>
+                      </a:r>
+                    </a:p>
+                  </a:txBody>
+                  <a:tcPr anchor="ctr"/>
+                </a:tc>
+                <a:tc>
+                  <a:txBody>
+                    <a:bodyPr/>
+                    <a:lstStyle/>
+                    <a:p>
+                      <a:pPr algn="ctr"/>
+                      <a:r>
+                        <a:rPr lang="en-US" dirty="0"/>
+                        <a:t>0.896</a:t>
+                      </a:r>
+                    </a:p>
+                  </a:txBody>
+                  <a:tcPr anchor="ctr"/>
+                </a:tc>
+                <a:tc>
+                  <a:txBody>
+                    <a:bodyPr/>
+                    <a:lstStyle/>
+                    <a:p>
+                      <a:pPr algn="ctr"/>
+                      <a:r>
+                        <a:rPr lang="en-US" dirty="0"/>
+                        <a:t>0.779</a:t>
+                      </a:r>
+                    </a:p>
+                  </a:txBody>
+                  <a:tcPr anchor="ctr"/>
+                </a:tc>
+                <a:tc>
+                  <a:txBody>
+                    <a:bodyPr/>
+                    <a:lstStyle/>
+                    <a:p>
+                      <a:pPr algn="ctr"/>
+                      <a:r>
+                        <a:rPr lang="en-US" dirty="0"/>
+                        <a:t>0.3744</a:t>
+                      </a:r>
                     </a:p>
                   </a:txBody>
                   <a:tcPr anchor="ctr"/>
@@ -40993,62 +41015,80 @@
                     <a:lstStyle/>
                     <a:p>
                       <a:pPr algn="ctr"/>
-                      <a:endParaRPr lang="en-US" dirty="0"/>
-                    </a:p>
-                  </a:txBody>
-                  <a:tcPr anchor="ctr"/>
-                </a:tc>
-                <a:tc>
-                  <a:txBody>
-                    <a:bodyPr/>
-                    <a:lstStyle/>
-                    <a:p>
-                      <a:pPr algn="ctr"/>
-                      <a:endParaRPr lang="en-US" dirty="0"/>
-                    </a:p>
-                  </a:txBody>
-                  <a:tcPr anchor="ctr"/>
-                </a:tc>
-                <a:tc>
-                  <a:txBody>
-                    <a:bodyPr/>
-                    <a:lstStyle/>
-                    <a:p>
-                      <a:pPr algn="ctr"/>
-                      <a:endParaRPr lang="en-US" dirty="0"/>
-                    </a:p>
-                  </a:txBody>
-                  <a:tcPr anchor="ctr"/>
-                </a:tc>
-                <a:tc>
-                  <a:txBody>
-                    <a:bodyPr/>
-                    <a:lstStyle/>
-                    <a:p>
-                      <a:pPr algn="ctr"/>
-                      <a:endParaRPr lang="en-US" dirty="0"/>
-                    </a:p>
-                  </a:txBody>
-                  <a:tcPr anchor="ctr"/>
-                </a:tc>
-                <a:tc>
-                  <a:txBody>
-                    <a:bodyPr/>
-                    <a:lstStyle/>
-                    <a:p>
-                      <a:pPr algn="ctr"/>
-                      <a:endParaRPr lang="en-US" dirty="0"/>
-                    </a:p>
-                  </a:txBody>
-                  <a:tcPr anchor="ctr"/>
-                </a:tc>
-                <a:tc>
-                  <a:txBody>
-                    <a:bodyPr/>
-                    <a:lstStyle/>
-                    <a:p>
-                      <a:pPr algn="ctr"/>
-                      <a:endParaRPr lang="en-US" dirty="0"/>
+                      <a:r>
+                        <a:rPr lang="en-US" dirty="0"/>
+                        <a:t>0.847</a:t>
+                      </a:r>
+                    </a:p>
+                  </a:txBody>
+                  <a:tcPr anchor="ctr"/>
+                </a:tc>
+                <a:tc>
+                  <a:txBody>
+                    <a:bodyPr/>
+                    <a:lstStyle/>
+                    <a:p>
+                      <a:pPr algn="ctr"/>
+                      <a:r>
+                        <a:rPr lang="en-US" dirty="0"/>
+                        <a:t>0.839</a:t>
+                      </a:r>
+                    </a:p>
+                  </a:txBody>
+                  <a:tcPr anchor="ctr"/>
+                </a:tc>
+                <a:tc>
+                  <a:txBody>
+                    <a:bodyPr/>
+                    <a:lstStyle/>
+                    <a:p>
+                      <a:pPr algn="ctr"/>
+                      <a:r>
+                        <a:rPr lang="en-US" dirty="0"/>
+                        <a:t>0.677</a:t>
+                      </a:r>
+                    </a:p>
+                  </a:txBody>
+                  <a:tcPr anchor="ctr"/>
+                </a:tc>
+                <a:tc>
+                  <a:txBody>
+                    <a:bodyPr/>
+                    <a:lstStyle/>
+                    <a:p>
+                      <a:pPr algn="ctr"/>
+                      <a:r>
+                        <a:rPr lang="en-US" dirty="0"/>
+                        <a:t>0.934</a:t>
+                      </a:r>
+                    </a:p>
+                  </a:txBody>
+                  <a:tcPr anchor="ctr"/>
+                </a:tc>
+                <a:tc>
+                  <a:txBody>
+                    <a:bodyPr/>
+                    <a:lstStyle/>
+                    <a:p>
+                      <a:pPr algn="ctr"/>
+                      <a:r>
+                        <a:rPr lang="en-US" dirty="0"/>
+                        <a:t>0.749</a:t>
+                      </a:r>
+                    </a:p>
+                  </a:txBody>
+                  <a:tcPr anchor="ctr"/>
+                </a:tc>
+                <a:tc>
+                  <a:txBody>
+                    <a:bodyPr/>
+                    <a:lstStyle/>
+                    <a:p>
+                      <a:pPr algn="ctr"/>
+                      <a:r>
+                        <a:rPr lang="en-US" dirty="0"/>
+                        <a:t>0.3744</a:t>
+                      </a:r>
                     </a:p>
                   </a:txBody>
                   <a:tcPr anchor="ctr"/>
@@ -41067,7 +41107,11 @@
                     <a:p>
                       <a:pPr algn="ctr"/>
                       <a:r>
-                        <a:rPr lang="en-US" dirty="0" err="1"/>
+                        <a:rPr lang="en-US" dirty="0" err="1">
+                          <a:solidFill>
+                            <a:srgbClr val="FF0000"/>
+                          </a:solidFill>
+                        </a:rPr>
                         <a:t>googlenet_recall</a:t>
                       </a:r>
                       <a:endParaRPr lang="en-US" dirty="0">
@@ -41085,86 +41129,104 @@
                     <a:lstStyle/>
                     <a:p>
                       <a:pPr algn="ctr"/>
-                      <a:endParaRPr lang="en-US" dirty="0">
-                        <a:solidFill>
-                          <a:srgbClr val="FF0000"/>
-                        </a:solidFill>
-                      </a:endParaRPr>
-                    </a:p>
-                  </a:txBody>
-                  <a:tcPr anchor="ctr"/>
-                </a:tc>
-                <a:tc>
-                  <a:txBody>
-                    <a:bodyPr/>
-                    <a:lstStyle/>
-                    <a:p>
-                      <a:pPr algn="ctr"/>
-                      <a:endParaRPr lang="en-US" dirty="0">
-                        <a:solidFill>
-                          <a:srgbClr val="FF0000"/>
-                        </a:solidFill>
-                      </a:endParaRPr>
-                    </a:p>
-                  </a:txBody>
-                  <a:tcPr anchor="ctr"/>
-                </a:tc>
-                <a:tc>
-                  <a:txBody>
-                    <a:bodyPr/>
-                    <a:lstStyle/>
-                    <a:p>
-                      <a:pPr algn="ctr"/>
-                      <a:endParaRPr lang="en-US" dirty="0">
-                        <a:solidFill>
-                          <a:srgbClr val="FF0000"/>
-                        </a:solidFill>
-                      </a:endParaRPr>
-                    </a:p>
-                  </a:txBody>
-                  <a:tcPr anchor="ctr"/>
-                </a:tc>
-                <a:tc>
-                  <a:txBody>
-                    <a:bodyPr/>
-                    <a:lstStyle/>
-                    <a:p>
-                      <a:pPr algn="ctr"/>
-                      <a:endParaRPr lang="en-US" dirty="0">
-                        <a:solidFill>
-                          <a:srgbClr val="FF0000"/>
-                        </a:solidFill>
-                      </a:endParaRPr>
-                    </a:p>
-                  </a:txBody>
-                  <a:tcPr anchor="ctr"/>
-                </a:tc>
-                <a:tc>
-                  <a:txBody>
-                    <a:bodyPr/>
-                    <a:lstStyle/>
-                    <a:p>
-                      <a:pPr algn="ctr"/>
-                      <a:endParaRPr lang="en-US" dirty="0">
-                        <a:solidFill>
-                          <a:srgbClr val="FF0000"/>
-                        </a:solidFill>
-                      </a:endParaRPr>
-                    </a:p>
-                  </a:txBody>
-                  <a:tcPr anchor="ctr"/>
-                </a:tc>
-                <a:tc>
-                  <a:txBody>
-                    <a:bodyPr/>
-                    <a:lstStyle/>
-                    <a:p>
-                      <a:pPr algn="ctr"/>
-                      <a:endParaRPr lang="en-US" dirty="0">
-                        <a:solidFill>
-                          <a:srgbClr val="FF0000"/>
-                        </a:solidFill>
-                      </a:endParaRPr>
+                      <a:r>
+                        <a:rPr lang="en-US" dirty="0">
+                          <a:solidFill>
+                            <a:srgbClr val="FF0000"/>
+                          </a:solidFill>
+                        </a:rPr>
+                        <a:t>0.819</a:t>
+                      </a:r>
+                    </a:p>
+                  </a:txBody>
+                  <a:tcPr anchor="ctr"/>
+                </a:tc>
+                <a:tc>
+                  <a:txBody>
+                    <a:bodyPr/>
+                    <a:lstStyle/>
+                    <a:p>
+                      <a:pPr algn="ctr"/>
+                      <a:r>
+                        <a:rPr lang="en-US" dirty="0">
+                          <a:solidFill>
+                            <a:srgbClr val="FF0000"/>
+                          </a:solidFill>
+                        </a:rPr>
+                        <a:t>0.697</a:t>
+                      </a:r>
+                    </a:p>
+                  </a:txBody>
+                  <a:tcPr anchor="ctr"/>
+                </a:tc>
+                <a:tc>
+                  <a:txBody>
+                    <a:bodyPr/>
+                    <a:lstStyle/>
+                    <a:p>
+                      <a:pPr algn="ctr"/>
+                      <a:r>
+                        <a:rPr lang="en-US" dirty="0">
+                          <a:solidFill>
+                            <a:srgbClr val="FF0000"/>
+                          </a:solidFill>
+                        </a:rPr>
+                        <a:t>0.816</a:t>
+                      </a:r>
+                    </a:p>
+                  </a:txBody>
+                  <a:tcPr anchor="ctr"/>
+                </a:tc>
+                <a:tc>
+                  <a:txBody>
+                    <a:bodyPr/>
+                    <a:lstStyle/>
+                    <a:p>
+                      <a:pPr algn="ctr"/>
+                      <a:r>
+                        <a:rPr lang="en-US" dirty="0">
+                          <a:solidFill>
+                            <a:srgbClr val="FF0000"/>
+                          </a:solidFill>
+                        </a:rPr>
+                        <a:t>0.820</a:t>
+                      </a:r>
+                    </a:p>
+                  </a:txBody>
+                  <a:tcPr anchor="ctr"/>
+                </a:tc>
+                <a:tc>
+                  <a:txBody>
+                    <a:bodyPr/>
+                    <a:lstStyle/>
+                    <a:p>
+                      <a:pPr algn="ctr"/>
+                      <a:r>
+                        <a:rPr lang="en-US" dirty="0">
+                          <a:solidFill>
+                            <a:srgbClr val="FF0000"/>
+                          </a:solidFill>
+                        </a:rPr>
+                        <a:t>0.752</a:t>
+                      </a:r>
+                    </a:p>
+                  </a:txBody>
+                  <a:tcPr anchor="ctr"/>
+                </a:tc>
+                <a:tc>
+                  <a:txBody>
+                    <a:bodyPr/>
+                    <a:lstStyle/>
+                    <a:p>
+                      <a:pPr algn="ctr"/>
+                      <a:r>
+                        <a:rPr lang="en-US" dirty="0">
+                          <a:solidFill>
+                            <a:srgbClr val="FF0000"/>
+                          </a:solidFill>
+                        </a:rPr>
+                        <a:t>0.9594</a:t>
+                      </a:r>
                     </a:p>
                   </a:txBody>
                   <a:tcPr anchor="ctr"/>
@@ -41196,62 +41258,80 @@
                     <a:lstStyle/>
                     <a:p>
                       <a:pPr algn="ctr"/>
-                      <a:endParaRPr lang="en-US" dirty="0"/>
-                    </a:p>
-                  </a:txBody>
-                  <a:tcPr anchor="ctr"/>
-                </a:tc>
-                <a:tc>
-                  <a:txBody>
-                    <a:bodyPr/>
-                    <a:lstStyle/>
-                    <a:p>
-                      <a:pPr algn="ctr"/>
-                      <a:endParaRPr lang="en-US" dirty="0"/>
-                    </a:p>
-                  </a:txBody>
-                  <a:tcPr anchor="ctr"/>
-                </a:tc>
-                <a:tc>
-                  <a:txBody>
-                    <a:bodyPr/>
-                    <a:lstStyle/>
-                    <a:p>
-                      <a:pPr algn="ctr"/>
-                      <a:endParaRPr lang="en-US" dirty="0"/>
-                    </a:p>
-                  </a:txBody>
-                  <a:tcPr anchor="ctr"/>
-                </a:tc>
-                <a:tc>
-                  <a:txBody>
-                    <a:bodyPr/>
-                    <a:lstStyle/>
-                    <a:p>
-                      <a:pPr algn="ctr"/>
-                      <a:endParaRPr lang="en-US" dirty="0"/>
-                    </a:p>
-                  </a:txBody>
-                  <a:tcPr anchor="ctr"/>
-                </a:tc>
-                <a:tc>
-                  <a:txBody>
-                    <a:bodyPr/>
-                    <a:lstStyle/>
-                    <a:p>
-                      <a:pPr algn="ctr"/>
-                      <a:endParaRPr lang="en-US" dirty="0"/>
-                    </a:p>
-                  </a:txBody>
-                  <a:tcPr anchor="ctr"/>
-                </a:tc>
-                <a:tc>
-                  <a:txBody>
-                    <a:bodyPr/>
-                    <a:lstStyle/>
-                    <a:p>
-                      <a:pPr algn="ctr"/>
-                      <a:endParaRPr lang="en-US" dirty="0"/>
+                      <a:r>
+                        <a:rPr lang="en-US" dirty="0"/>
+                        <a:t>0.853</a:t>
+                      </a:r>
+                    </a:p>
+                  </a:txBody>
+                  <a:tcPr anchor="ctr"/>
+                </a:tc>
+                <a:tc>
+                  <a:txBody>
+                    <a:bodyPr/>
+                    <a:lstStyle/>
+                    <a:p>
+                      <a:pPr algn="ctr"/>
+                      <a:r>
+                        <a:rPr lang="en-US" dirty="0"/>
+                        <a:t>0.790</a:t>
+                      </a:r>
+                    </a:p>
+                  </a:txBody>
+                  <a:tcPr anchor="ctr"/>
+                </a:tc>
+                <a:tc>
+                  <a:txBody>
+                    <a:bodyPr/>
+                    <a:lstStyle/>
+                    <a:p>
+                      <a:pPr algn="ctr"/>
+                      <a:r>
+                        <a:rPr lang="en-US" dirty="0"/>
+                        <a:t>0.767</a:t>
+                      </a:r>
+                    </a:p>
+                  </a:txBody>
+                  <a:tcPr anchor="ctr"/>
+                </a:tc>
+                <a:tc>
+                  <a:txBody>
+                    <a:bodyPr/>
+                    <a:lstStyle/>
+                    <a:p>
+                      <a:pPr algn="ctr"/>
+                      <a:r>
+                        <a:rPr lang="en-US" dirty="0"/>
+                        <a:t>0.896</a:t>
+                      </a:r>
+                    </a:p>
+                  </a:txBody>
+                  <a:tcPr anchor="ctr"/>
+                </a:tc>
+                <a:tc>
+                  <a:txBody>
+                    <a:bodyPr/>
+                    <a:lstStyle/>
+                    <a:p>
+                      <a:pPr algn="ctr"/>
+                      <a:r>
+                        <a:rPr lang="en-US" dirty="0"/>
+                        <a:t>0.779</a:t>
+                      </a:r>
+                    </a:p>
+                  </a:txBody>
+                  <a:tcPr anchor="ctr"/>
+                </a:tc>
+                <a:tc>
+                  <a:txBody>
+                    <a:bodyPr/>
+                    <a:lstStyle/>
+                    <a:p>
+                      <a:pPr algn="ctr"/>
+                      <a:r>
+                        <a:rPr lang="en-US" dirty="0"/>
+                        <a:t>0.3744</a:t>
+                      </a:r>
                     </a:p>
                   </a:txBody>
                   <a:tcPr anchor="ctr"/>
@@ -41304,62 +41384,80 @@
                     <a:lstStyle/>
                     <a:p>
                       <a:pPr algn="ctr"/>
-                      <a:endParaRPr lang="en-US" dirty="0"/>
-                    </a:p>
-                  </a:txBody>
-                  <a:tcPr anchor="ctr"/>
-                </a:tc>
-                <a:tc>
-                  <a:txBody>
-                    <a:bodyPr/>
-                    <a:lstStyle/>
-                    <a:p>
-                      <a:pPr algn="ctr"/>
-                      <a:endParaRPr lang="en-US" dirty="0"/>
-                    </a:p>
-                  </a:txBody>
-                  <a:tcPr anchor="ctr"/>
-                </a:tc>
-                <a:tc>
-                  <a:txBody>
-                    <a:bodyPr/>
-                    <a:lstStyle/>
-                    <a:p>
-                      <a:pPr algn="ctr"/>
-                      <a:endParaRPr lang="en-US" dirty="0"/>
-                    </a:p>
-                  </a:txBody>
-                  <a:tcPr anchor="ctr"/>
-                </a:tc>
-                <a:tc>
-                  <a:txBody>
-                    <a:bodyPr/>
-                    <a:lstStyle/>
-                    <a:p>
-                      <a:pPr algn="ctr"/>
-                      <a:endParaRPr lang="en-US" dirty="0"/>
-                    </a:p>
-                  </a:txBody>
-                  <a:tcPr anchor="ctr"/>
-                </a:tc>
-                <a:tc>
-                  <a:txBody>
-                    <a:bodyPr/>
-                    <a:lstStyle/>
-                    <a:p>
-                      <a:pPr algn="ctr"/>
-                      <a:endParaRPr lang="en-US" dirty="0"/>
-                    </a:p>
-                  </a:txBody>
-                  <a:tcPr anchor="ctr"/>
-                </a:tc>
-                <a:tc>
-                  <a:txBody>
-                    <a:bodyPr/>
-                    <a:lstStyle/>
-                    <a:p>
-                      <a:pPr algn="ctr"/>
-                      <a:endParaRPr lang="en-US" dirty="0"/>
+                      <a:r>
+                        <a:rPr lang="en-US" dirty="0"/>
+                        <a:t>0.849</a:t>
+                      </a:r>
+                    </a:p>
+                  </a:txBody>
+                  <a:tcPr anchor="ctr"/>
+                </a:tc>
+                <a:tc>
+                  <a:txBody>
+                    <a:bodyPr/>
+                    <a:lstStyle/>
+                    <a:p>
+                      <a:pPr algn="ctr"/>
+                      <a:r>
+                        <a:rPr lang="en-US" dirty="0"/>
+                        <a:t>0.804</a:t>
+                      </a:r>
+                    </a:p>
+                  </a:txBody>
+                  <a:tcPr anchor="ctr"/>
+                </a:tc>
+                <a:tc>
+                  <a:txBody>
+                    <a:bodyPr/>
+                    <a:lstStyle/>
+                    <a:p>
+                      <a:pPr algn="ctr"/>
+                      <a:r>
+                        <a:rPr lang="en-US" dirty="0"/>
+                        <a:t>0.732</a:t>
+                      </a:r>
+                    </a:p>
+                  </a:txBody>
+                  <a:tcPr anchor="ctr"/>
+                </a:tc>
+                <a:tc>
+                  <a:txBody>
+                    <a:bodyPr/>
+                    <a:lstStyle/>
+                    <a:p>
+                      <a:pPr algn="ctr"/>
+                      <a:r>
+                        <a:rPr lang="en-US" dirty="0"/>
+                        <a:t>0.909</a:t>
+                      </a:r>
+                    </a:p>
+                  </a:txBody>
+                  <a:tcPr anchor="ctr"/>
+                </a:tc>
+                <a:tc>
+                  <a:txBody>
+                    <a:bodyPr/>
+                    <a:lstStyle/>
+                    <a:p>
+                      <a:pPr algn="ctr"/>
+                      <a:r>
+                        <a:rPr lang="en-US" dirty="0"/>
+                        <a:t>0.766</a:t>
+                      </a:r>
+                    </a:p>
+                  </a:txBody>
+                  <a:tcPr anchor="ctr"/>
+                </a:tc>
+                <a:tc>
+                  <a:txBody>
+                    <a:bodyPr/>
+                    <a:lstStyle/>
+                    <a:p>
+                      <a:pPr algn="ctr"/>
+                      <a:r>
+                        <a:rPr lang="en-US" dirty="0"/>
+                        <a:t>0.3541</a:t>
+                      </a:r>
                     </a:p>
                   </a:txBody>
                   <a:tcPr anchor="ctr"/>
@@ -45478,7 +45576,7 @@
           <p:nvPr>
             <p:extLst>
               <p:ext uri="{D42A27DB-BD31-4B8C-83A1-F6EECF244321}">
-                <p14:modId xmlns:p14="http://schemas.microsoft.com/office/powerpoint/2010/main" val="1641913330"/>
+                <p14:modId xmlns:p14="http://schemas.microsoft.com/office/powerpoint/2010/main" val="112163471"/>
               </p:ext>
             </p:extLst>
           </p:nvPr>
@@ -45670,57 +45768,81 @@
                     <a:bodyPr/>
                     <a:lstStyle/>
                     <a:p>
-                      <a:endParaRPr lang="en-US"/>
-                    </a:p>
-                  </a:txBody>
-                  <a:tcPr anchor="ctr"/>
-                </a:tc>
-                <a:tc>
-                  <a:txBody>
-                    <a:bodyPr/>
-                    <a:lstStyle/>
-                    <a:p>
-                      <a:endParaRPr lang="en-US"/>
-                    </a:p>
-                  </a:txBody>
-                  <a:tcPr anchor="ctr"/>
-                </a:tc>
-                <a:tc>
-                  <a:txBody>
-                    <a:bodyPr/>
-                    <a:lstStyle/>
-                    <a:p>
-                      <a:endParaRPr lang="en-US"/>
-                    </a:p>
-                  </a:txBody>
-                  <a:tcPr anchor="ctr"/>
-                </a:tc>
-                <a:tc>
-                  <a:txBody>
-                    <a:bodyPr/>
-                    <a:lstStyle/>
-                    <a:p>
-                      <a:endParaRPr lang="en-US"/>
-                    </a:p>
-                  </a:txBody>
-                  <a:tcPr anchor="ctr"/>
-                </a:tc>
-                <a:tc>
-                  <a:txBody>
-                    <a:bodyPr/>
-                    <a:lstStyle/>
-                    <a:p>
-                      <a:endParaRPr lang="en-US"/>
-                    </a:p>
-                  </a:txBody>
-                  <a:tcPr anchor="ctr"/>
-                </a:tc>
-                <a:tc>
-                  <a:txBody>
-                    <a:bodyPr/>
-                    <a:lstStyle/>
-                    <a:p>
-                      <a:endParaRPr lang="en-US" dirty="0"/>
+                      <a:pPr algn="ctr"/>
+                      <a:r>
+                        <a:rPr lang="en-US" dirty="0"/>
+                        <a:t>0.804</a:t>
+                      </a:r>
+                    </a:p>
+                  </a:txBody>
+                  <a:tcPr anchor="ctr"/>
+                </a:tc>
+                <a:tc>
+                  <a:txBody>
+                    <a:bodyPr/>
+                    <a:lstStyle/>
+                    <a:p>
+                      <a:pPr algn="ctr"/>
+                      <a:r>
+                        <a:rPr lang="en-US" dirty="0"/>
+                        <a:t>0.759</a:t>
+                      </a:r>
+                    </a:p>
+                  </a:txBody>
+                  <a:tcPr anchor="ctr"/>
+                </a:tc>
+                <a:tc>
+                  <a:txBody>
+                    <a:bodyPr/>
+                    <a:lstStyle/>
+                    <a:p>
+                      <a:pPr algn="ctr"/>
+                      <a:r>
+                        <a:rPr lang="en-US" dirty="0"/>
+                        <a:t>0.754</a:t>
+                      </a:r>
+                    </a:p>
+                  </a:txBody>
+                  <a:tcPr anchor="ctr"/>
+                </a:tc>
+                <a:tc>
+                  <a:txBody>
+                    <a:bodyPr/>
+                    <a:lstStyle/>
+                    <a:p>
+                      <a:pPr algn="ctr"/>
+                      <a:r>
+                        <a:rPr lang="en-US" dirty="0"/>
+                        <a:t>0.839</a:t>
+                      </a:r>
+                    </a:p>
+                  </a:txBody>
+                  <a:tcPr anchor="ctr"/>
+                </a:tc>
+                <a:tc>
+                  <a:txBody>
+                    <a:bodyPr/>
+                    <a:lstStyle/>
+                    <a:p>
+                      <a:pPr algn="ctr"/>
+                      <a:r>
+                        <a:rPr lang="en-US" dirty="0"/>
+                        <a:t>0.756</a:t>
+                      </a:r>
+                    </a:p>
+                  </a:txBody>
+                  <a:tcPr anchor="ctr"/>
+                </a:tc>
+                <a:tc>
+                  <a:txBody>
+                    <a:bodyPr/>
+                    <a:lstStyle/>
+                    <a:p>
+                      <a:pPr algn="ctr"/>
+                      <a:r>
+                        <a:rPr lang="en-US" dirty="0"/>
+                        <a:t>0.4504</a:t>
+                      </a:r>
                     </a:p>
                   </a:txBody>
                   <a:tcPr anchor="ctr"/>
@@ -45753,62 +45875,80 @@
                     <a:lstStyle/>
                     <a:p>
                       <a:pPr algn="ctr"/>
-                      <a:endParaRPr lang="en-US" dirty="0"/>
-                    </a:p>
-                  </a:txBody>
-                  <a:tcPr anchor="ctr"/>
-                </a:tc>
-                <a:tc>
-                  <a:txBody>
-                    <a:bodyPr/>
-                    <a:lstStyle/>
-                    <a:p>
-                      <a:pPr algn="ctr"/>
-                      <a:endParaRPr lang="en-US" dirty="0"/>
-                    </a:p>
-                  </a:txBody>
-                  <a:tcPr anchor="ctr"/>
-                </a:tc>
-                <a:tc>
-                  <a:txBody>
-                    <a:bodyPr/>
-                    <a:lstStyle/>
-                    <a:p>
-                      <a:pPr algn="ctr"/>
-                      <a:endParaRPr lang="en-US" dirty="0"/>
-                    </a:p>
-                  </a:txBody>
-                  <a:tcPr anchor="ctr"/>
-                </a:tc>
-                <a:tc>
-                  <a:txBody>
-                    <a:bodyPr/>
-                    <a:lstStyle/>
-                    <a:p>
-                      <a:pPr algn="ctr"/>
-                      <a:endParaRPr lang="en-US" dirty="0"/>
-                    </a:p>
-                  </a:txBody>
-                  <a:tcPr anchor="ctr"/>
-                </a:tc>
-                <a:tc>
-                  <a:txBody>
-                    <a:bodyPr/>
-                    <a:lstStyle/>
-                    <a:p>
-                      <a:pPr algn="ctr"/>
-                      <a:endParaRPr lang="en-US" dirty="0"/>
-                    </a:p>
-                  </a:txBody>
-                  <a:tcPr anchor="ctr"/>
-                </a:tc>
-                <a:tc>
-                  <a:txBody>
-                    <a:bodyPr/>
-                    <a:lstStyle/>
-                    <a:p>
-                      <a:pPr algn="ctr"/>
-                      <a:endParaRPr lang="en-US" dirty="0"/>
+                      <a:r>
+                        <a:rPr lang="en-US" dirty="0"/>
+                        <a:t>0.799</a:t>
+                      </a:r>
+                    </a:p>
+                  </a:txBody>
+                  <a:tcPr anchor="ctr"/>
+                </a:tc>
+                <a:tc>
+                  <a:txBody>
+                    <a:bodyPr/>
+                    <a:lstStyle/>
+                    <a:p>
+                      <a:pPr algn="ctr"/>
+                      <a:r>
+                        <a:rPr lang="en-US" dirty="0"/>
+                        <a:t>0.808</a:t>
+                      </a:r>
+                    </a:p>
+                  </a:txBody>
+                  <a:tcPr anchor="ctr"/>
+                </a:tc>
+                <a:tc>
+                  <a:txBody>
+                    <a:bodyPr/>
+                    <a:lstStyle/>
+                    <a:p>
+                      <a:pPr algn="ctr"/>
+                      <a:r>
+                        <a:rPr lang="en-US" dirty="0"/>
+                        <a:t>0.656</a:t>
+                      </a:r>
+                    </a:p>
+                  </a:txBody>
+                  <a:tcPr anchor="ctr"/>
+                </a:tc>
+                <a:tc>
+                  <a:txBody>
+                    <a:bodyPr/>
+                    <a:lstStyle/>
+                    <a:p>
+                      <a:pPr algn="ctr"/>
+                      <a:r>
+                        <a:rPr lang="en-US" dirty="0"/>
+                        <a:t>0.895</a:t>
+                      </a:r>
+                    </a:p>
+                  </a:txBody>
+                  <a:tcPr anchor="ctr"/>
+                </a:tc>
+                <a:tc>
+                  <a:txBody>
+                    <a:bodyPr/>
+                    <a:lstStyle/>
+                    <a:p>
+                      <a:pPr algn="ctr"/>
+                      <a:r>
+                        <a:rPr lang="en-US" dirty="0"/>
+                        <a:t>0.724</a:t>
+                      </a:r>
+                    </a:p>
+                  </a:txBody>
+                  <a:tcPr anchor="ctr"/>
+                </a:tc>
+                <a:tc>
+                  <a:txBody>
+                    <a:bodyPr/>
+                    <a:lstStyle/>
+                    <a:p>
+                      <a:pPr algn="ctr"/>
+                      <a:r>
+                        <a:rPr lang="en-US" dirty="0"/>
+                        <a:t>0.4493</a:t>
+                      </a:r>
                     </a:p>
                   </a:txBody>
                   <a:tcPr anchor="ctr"/>
@@ -45845,86 +45985,100 @@
                     <a:lstStyle/>
                     <a:p>
                       <a:pPr algn="ctr"/>
-                      <a:endParaRPr lang="en-US" dirty="0">
-                        <a:solidFill>
-                          <a:srgbClr val="FF0000"/>
-                        </a:solidFill>
-                      </a:endParaRPr>
-                    </a:p>
-                  </a:txBody>
-                  <a:tcPr anchor="ctr"/>
-                </a:tc>
-                <a:tc>
-                  <a:txBody>
-                    <a:bodyPr/>
-                    <a:lstStyle/>
-                    <a:p>
-                      <a:pPr algn="ctr"/>
-                      <a:endParaRPr lang="en-US" dirty="0">
-                        <a:solidFill>
-                          <a:srgbClr val="FF0000"/>
-                        </a:solidFill>
-                      </a:endParaRPr>
-                    </a:p>
-                  </a:txBody>
-                  <a:tcPr anchor="ctr"/>
-                </a:tc>
-                <a:tc>
-                  <a:txBody>
-                    <a:bodyPr/>
-                    <a:lstStyle/>
-                    <a:p>
-                      <a:pPr algn="ctr"/>
-                      <a:endParaRPr lang="en-US" dirty="0">
-                        <a:solidFill>
-                          <a:srgbClr val="FF0000"/>
-                        </a:solidFill>
-                      </a:endParaRPr>
-                    </a:p>
-                  </a:txBody>
-                  <a:tcPr anchor="ctr"/>
-                </a:tc>
-                <a:tc>
-                  <a:txBody>
-                    <a:bodyPr/>
-                    <a:lstStyle/>
-                    <a:p>
-                      <a:pPr algn="ctr"/>
-                      <a:endParaRPr lang="en-US" dirty="0">
-                        <a:solidFill>
-                          <a:srgbClr val="FF0000"/>
-                        </a:solidFill>
-                      </a:endParaRPr>
-                    </a:p>
-                  </a:txBody>
-                  <a:tcPr anchor="ctr"/>
-                </a:tc>
-                <a:tc>
-                  <a:txBody>
-                    <a:bodyPr/>
-                    <a:lstStyle/>
-                    <a:p>
-                      <a:pPr algn="ctr"/>
-                      <a:endParaRPr lang="en-US" dirty="0">
-                        <a:solidFill>
-                          <a:srgbClr val="FF0000"/>
-                        </a:solidFill>
-                      </a:endParaRPr>
-                    </a:p>
-                  </a:txBody>
-                  <a:tcPr anchor="ctr"/>
-                </a:tc>
-                <a:tc>
-                  <a:txBody>
-                    <a:bodyPr/>
-                    <a:lstStyle/>
-                    <a:p>
-                      <a:pPr algn="ctr"/>
-                      <a:endParaRPr lang="en-US" dirty="0">
-                        <a:solidFill>
-                          <a:srgbClr val="FF0000"/>
-                        </a:solidFill>
-                      </a:endParaRPr>
+                      <a:r>
+                        <a:rPr lang="en-US" dirty="0">
+                          <a:solidFill>
+                            <a:srgbClr val="FF0000"/>
+                          </a:solidFill>
+                        </a:rPr>
+                        <a:t>0.777</a:t>
+                      </a:r>
+                    </a:p>
+                  </a:txBody>
+                  <a:tcPr anchor="ctr"/>
+                </a:tc>
+                <a:tc>
+                  <a:txBody>
+                    <a:bodyPr/>
+                    <a:lstStyle/>
+                    <a:p>
+                      <a:pPr algn="ctr"/>
+                      <a:r>
+                        <a:rPr lang="en-US" dirty="0">
+                          <a:solidFill>
+                            <a:srgbClr val="FF0000"/>
+                          </a:solidFill>
+                        </a:rPr>
+                        <a:t>0.701</a:t>
+                      </a:r>
+                    </a:p>
+                  </a:txBody>
+                  <a:tcPr anchor="ctr"/>
+                </a:tc>
+                <a:tc>
+                  <a:txBody>
+                    <a:bodyPr/>
+                    <a:lstStyle/>
+                    <a:p>
+                      <a:pPr algn="ctr"/>
+                      <a:r>
+                        <a:rPr lang="en-US" dirty="0"/>
+                        <a:t>0.777</a:t>
+                      </a:r>
+                    </a:p>
+                  </a:txBody>
+                  <a:tcPr anchor="ctr"/>
+                </a:tc>
+                <a:tc>
+                  <a:txBody>
+                    <a:bodyPr/>
+                    <a:lstStyle/>
+                    <a:p>
+                      <a:pPr algn="ctr"/>
+                      <a:r>
+                        <a:rPr lang="en-US" dirty="0">
+                          <a:solidFill>
+                            <a:srgbClr val="FF0000"/>
+                          </a:solidFill>
+                        </a:rPr>
+                        <a:t>0.777</a:t>
+                      </a:r>
+                    </a:p>
+                  </a:txBody>
+                  <a:tcPr anchor="ctr"/>
+                </a:tc>
+                <a:tc>
+                  <a:txBody>
+                    <a:bodyPr/>
+                    <a:lstStyle/>
+                    <a:p>
+                      <a:pPr algn="ctr"/>
+                      <a:r>
+                        <a:rPr lang="en-US" dirty="0">
+                          <a:solidFill>
+                            <a:srgbClr val="FF0000"/>
+                          </a:solidFill>
+                        </a:rPr>
+                        <a:t>0.737</a:t>
+                      </a:r>
+                    </a:p>
+                  </a:txBody>
+                  <a:tcPr anchor="ctr"/>
+                </a:tc>
+                <a:tc>
+                  <a:txBody>
+                    <a:bodyPr/>
+                    <a:lstStyle/>
+                    <a:p>
+                      <a:pPr algn="ctr"/>
+                      <a:r>
+                        <a:rPr lang="en-US" dirty="0">
+                          <a:solidFill>
+                            <a:srgbClr val="FF0000"/>
+                          </a:solidFill>
+                        </a:rPr>
+                        <a:t>1.0550</a:t>
+                      </a:r>
                     </a:p>
                   </a:txBody>
                   <a:tcPr anchor="ctr"/>
@@ -45956,62 +46110,80 @@
                     <a:lstStyle/>
                     <a:p>
                       <a:pPr algn="ctr"/>
-                      <a:endParaRPr lang="en-US" dirty="0"/>
-                    </a:p>
-                  </a:txBody>
-                  <a:tcPr anchor="ctr"/>
-                </a:tc>
-                <a:tc>
-                  <a:txBody>
-                    <a:bodyPr/>
-                    <a:lstStyle/>
-                    <a:p>
-                      <a:pPr algn="ctr"/>
-                      <a:endParaRPr lang="en-US" dirty="0"/>
-                    </a:p>
-                  </a:txBody>
-                  <a:tcPr anchor="ctr"/>
-                </a:tc>
-                <a:tc>
-                  <a:txBody>
-                    <a:bodyPr/>
-                    <a:lstStyle/>
-                    <a:p>
-                      <a:pPr algn="ctr"/>
-                      <a:endParaRPr lang="en-US" dirty="0"/>
-                    </a:p>
-                  </a:txBody>
-                  <a:tcPr anchor="ctr"/>
-                </a:tc>
-                <a:tc>
-                  <a:txBody>
-                    <a:bodyPr/>
-                    <a:lstStyle/>
-                    <a:p>
-                      <a:pPr algn="ctr"/>
-                      <a:endParaRPr lang="en-US" dirty="0"/>
-                    </a:p>
-                  </a:txBody>
-                  <a:tcPr anchor="ctr"/>
-                </a:tc>
-                <a:tc>
-                  <a:txBody>
-                    <a:bodyPr/>
-                    <a:lstStyle/>
-                    <a:p>
-                      <a:pPr algn="ctr"/>
-                      <a:endParaRPr lang="en-US" dirty="0"/>
-                    </a:p>
-                  </a:txBody>
-                  <a:tcPr anchor="ctr"/>
-                </a:tc>
-                <a:tc>
-                  <a:txBody>
-                    <a:bodyPr/>
-                    <a:lstStyle/>
-                    <a:p>
-                      <a:pPr algn="ctr"/>
-                      <a:endParaRPr lang="en-US" dirty="0"/>
+                      <a:r>
+                        <a:rPr lang="en-US" dirty="0"/>
+                        <a:t>0.804</a:t>
+                      </a:r>
+                    </a:p>
+                  </a:txBody>
+                  <a:tcPr anchor="ctr"/>
+                </a:tc>
+                <a:tc>
+                  <a:txBody>
+                    <a:bodyPr/>
+                    <a:lstStyle/>
+                    <a:p>
+                      <a:pPr algn="ctr"/>
+                      <a:r>
+                        <a:rPr lang="en-US" dirty="0"/>
+                        <a:t>0.759</a:t>
+                      </a:r>
+                    </a:p>
+                  </a:txBody>
+                  <a:tcPr anchor="ctr"/>
+                </a:tc>
+                <a:tc>
+                  <a:txBody>
+                    <a:bodyPr/>
+                    <a:lstStyle/>
+                    <a:p>
+                      <a:pPr algn="ctr"/>
+                      <a:r>
+                        <a:rPr lang="en-US" dirty="0"/>
+                        <a:t>0.754</a:t>
+                      </a:r>
+                    </a:p>
+                  </a:txBody>
+                  <a:tcPr anchor="ctr"/>
+                </a:tc>
+                <a:tc>
+                  <a:txBody>
+                    <a:bodyPr/>
+                    <a:lstStyle/>
+                    <a:p>
+                      <a:pPr algn="ctr"/>
+                      <a:r>
+                        <a:rPr lang="en-US" dirty="0"/>
+                        <a:t>0.839</a:t>
+                      </a:r>
+                    </a:p>
+                  </a:txBody>
+                  <a:tcPr anchor="ctr"/>
+                </a:tc>
+                <a:tc>
+                  <a:txBody>
+                    <a:bodyPr/>
+                    <a:lstStyle/>
+                    <a:p>
+                      <a:pPr algn="ctr"/>
+                      <a:r>
+                        <a:rPr lang="en-US" dirty="0"/>
+                        <a:t>0.756</a:t>
+                      </a:r>
+                    </a:p>
+                  </a:txBody>
+                  <a:tcPr anchor="ctr"/>
+                </a:tc>
+                <a:tc>
+                  <a:txBody>
+                    <a:bodyPr/>
+                    <a:lstStyle/>
+                    <a:p>
+                      <a:pPr algn="ctr"/>
+                      <a:r>
+                        <a:rPr lang="en-US" dirty="0"/>
+                        <a:t>0.4504</a:t>
+                      </a:r>
                     </a:p>
                   </a:txBody>
                   <a:tcPr anchor="ctr"/>
@@ -46064,62 +46236,80 @@
                     <a:lstStyle/>
                     <a:p>
                       <a:pPr algn="ctr"/>
-                      <a:endParaRPr lang="en-US" dirty="0"/>
-                    </a:p>
-                  </a:txBody>
-                  <a:tcPr anchor="ctr"/>
-                </a:tc>
-                <a:tc>
-                  <a:txBody>
-                    <a:bodyPr/>
-                    <a:lstStyle/>
-                    <a:p>
-                      <a:pPr algn="ctr"/>
-                      <a:endParaRPr lang="en-US" dirty="0"/>
-                    </a:p>
-                  </a:txBody>
-                  <a:tcPr anchor="ctr"/>
-                </a:tc>
-                <a:tc>
-                  <a:txBody>
-                    <a:bodyPr/>
-                    <a:lstStyle/>
-                    <a:p>
-                      <a:pPr algn="ctr"/>
-                      <a:endParaRPr lang="en-US" dirty="0"/>
-                    </a:p>
-                  </a:txBody>
-                  <a:tcPr anchor="ctr"/>
-                </a:tc>
-                <a:tc>
-                  <a:txBody>
-                    <a:bodyPr/>
-                    <a:lstStyle/>
-                    <a:p>
-                      <a:pPr algn="ctr"/>
-                      <a:endParaRPr lang="en-US" dirty="0"/>
-                    </a:p>
-                  </a:txBody>
-                  <a:tcPr anchor="ctr"/>
-                </a:tc>
-                <a:tc>
-                  <a:txBody>
-                    <a:bodyPr/>
-                    <a:lstStyle/>
-                    <a:p>
-                      <a:pPr algn="ctr"/>
-                      <a:endParaRPr lang="en-US" dirty="0"/>
-                    </a:p>
-                  </a:txBody>
-                  <a:tcPr anchor="ctr"/>
-                </a:tc>
-                <a:tc>
-                  <a:txBody>
-                    <a:bodyPr/>
-                    <a:lstStyle/>
-                    <a:p>
-                      <a:pPr algn="ctr"/>
-                      <a:endParaRPr lang="en-US" dirty="0"/>
+                      <a:r>
+                        <a:rPr lang="en-US" dirty="0"/>
+                        <a:t>0.803</a:t>
+                      </a:r>
+                    </a:p>
+                  </a:txBody>
+                  <a:tcPr anchor="ctr"/>
+                </a:tc>
+                <a:tc>
+                  <a:txBody>
+                    <a:bodyPr/>
+                    <a:lstStyle/>
+                    <a:p>
+                      <a:pPr algn="ctr"/>
+                      <a:r>
+                        <a:rPr lang="en-US" dirty="0"/>
+                        <a:t>0.785</a:t>
+                      </a:r>
+                    </a:p>
+                  </a:txBody>
+                  <a:tcPr anchor="ctr"/>
+                </a:tc>
+                <a:tc>
+                  <a:txBody>
+                    <a:bodyPr/>
+                    <a:lstStyle/>
+                    <a:p>
+                      <a:pPr algn="ctr"/>
+                      <a:r>
+                        <a:rPr lang="en-US" dirty="0"/>
+                        <a:t>0.702</a:t>
+                      </a:r>
+                    </a:p>
+                  </a:txBody>
+                  <a:tcPr anchor="ctr"/>
+                </a:tc>
+                <a:tc>
+                  <a:txBody>
+                    <a:bodyPr/>
+                    <a:lstStyle/>
+                    <a:p>
+                      <a:pPr algn="ctr"/>
+                      <a:r>
+                        <a:rPr lang="en-US" dirty="0"/>
+                        <a:t>0.871</a:t>
+                      </a:r>
+                    </a:p>
+                  </a:txBody>
+                  <a:tcPr anchor="ctr"/>
+                </a:tc>
+                <a:tc>
+                  <a:txBody>
+                    <a:bodyPr/>
+                    <a:lstStyle/>
+                    <a:p>
+                      <a:pPr algn="ctr"/>
+                      <a:r>
+                        <a:rPr lang="en-US" dirty="0"/>
+                        <a:t>0.741</a:t>
+                      </a:r>
+                    </a:p>
+                  </a:txBody>
+                  <a:tcPr anchor="ctr"/>
+                </a:tc>
+                <a:tc>
+                  <a:txBody>
+                    <a:bodyPr/>
+                    <a:lstStyle/>
+                    <a:p>
+                      <a:pPr algn="ctr"/>
+                      <a:r>
+                        <a:rPr lang="en-US" dirty="0"/>
+                        <a:t>0.4566</a:t>
+                      </a:r>
                     </a:p>
                   </a:txBody>
                   <a:tcPr anchor="ctr"/>
@@ -50300,7 +50490,11 @@
             <a:graphicFrameLocks noGrp="1"/>
           </p:cNvGraphicFramePr>
           <p:nvPr>
-            <p:extLst/>
+            <p:extLst>
+              <p:ext uri="{D42A27DB-BD31-4B8C-83A1-F6EECF244321}">
+                <p14:modId xmlns:p14="http://schemas.microsoft.com/office/powerpoint/2010/main" val="2971206323"/>
+              </p:ext>
+            </p:extLst>
           </p:nvPr>
         </p:nvGraphicFramePr>
         <p:xfrm>
@@ -50491,62 +50685,80 @@
                     <a:lstStyle/>
                     <a:p>
                       <a:pPr algn="ctr"/>
-                      <a:endParaRPr lang="en-US" dirty="0"/>
-                    </a:p>
-                  </a:txBody>
-                  <a:tcPr anchor="ctr"/>
-                </a:tc>
-                <a:tc>
-                  <a:txBody>
-                    <a:bodyPr/>
-                    <a:lstStyle/>
-                    <a:p>
-                      <a:pPr algn="ctr"/>
-                      <a:endParaRPr lang="en-US" dirty="0"/>
-                    </a:p>
-                  </a:txBody>
-                  <a:tcPr anchor="ctr"/>
-                </a:tc>
-                <a:tc>
-                  <a:txBody>
-                    <a:bodyPr/>
-                    <a:lstStyle/>
-                    <a:p>
-                      <a:pPr algn="ctr"/>
-                      <a:endParaRPr lang="en-US" dirty="0"/>
-                    </a:p>
-                  </a:txBody>
-                  <a:tcPr anchor="ctr"/>
-                </a:tc>
-                <a:tc>
-                  <a:txBody>
-                    <a:bodyPr/>
-                    <a:lstStyle/>
-                    <a:p>
-                      <a:pPr algn="ctr"/>
-                      <a:endParaRPr lang="en-US" dirty="0"/>
-                    </a:p>
-                  </a:txBody>
-                  <a:tcPr anchor="ctr"/>
-                </a:tc>
-                <a:tc>
-                  <a:txBody>
-                    <a:bodyPr/>
-                    <a:lstStyle/>
-                    <a:p>
-                      <a:pPr algn="ctr"/>
-                      <a:endParaRPr lang="en-US" dirty="0"/>
-                    </a:p>
-                  </a:txBody>
-                  <a:tcPr anchor="ctr"/>
-                </a:tc>
-                <a:tc>
-                  <a:txBody>
-                    <a:bodyPr/>
-                    <a:lstStyle/>
-                    <a:p>
-                      <a:pPr algn="ctr"/>
-                      <a:endParaRPr lang="en-US" dirty="0"/>
+                      <a:r>
+                        <a:rPr lang="en-US" dirty="0"/>
+                        <a:t>0.869</a:t>
+                      </a:r>
+                    </a:p>
+                  </a:txBody>
+                  <a:tcPr anchor="ctr"/>
+                </a:tc>
+                <a:tc>
+                  <a:txBody>
+                    <a:bodyPr/>
+                    <a:lstStyle/>
+                    <a:p>
+                      <a:pPr algn="ctr"/>
+                      <a:r>
+                        <a:rPr lang="en-US" dirty="0"/>
+                        <a:t>0.858</a:t>
+                      </a:r>
+                    </a:p>
+                  </a:txBody>
+                  <a:tcPr anchor="ctr"/>
+                </a:tc>
+                <a:tc>
+                  <a:txBody>
+                    <a:bodyPr/>
+                    <a:lstStyle/>
+                    <a:p>
+                      <a:pPr algn="ctr"/>
+                      <a:r>
+                        <a:rPr lang="en-US" dirty="0"/>
+                        <a:t>0.834</a:t>
+                      </a:r>
+                    </a:p>
+                  </a:txBody>
+                  <a:tcPr anchor="ctr"/>
+                </a:tc>
+                <a:tc>
+                  <a:txBody>
+                    <a:bodyPr/>
+                    <a:lstStyle/>
+                    <a:p>
+                      <a:pPr algn="ctr"/>
+                      <a:r>
+                        <a:rPr lang="en-US" dirty="0"/>
+                        <a:t>0.896</a:t>
+                      </a:r>
+                    </a:p>
+                  </a:txBody>
+                  <a:tcPr anchor="ctr"/>
+                </a:tc>
+                <a:tc>
+                  <a:txBody>
+                    <a:bodyPr/>
+                    <a:lstStyle/>
+                    <a:p>
+                      <a:pPr algn="ctr"/>
+                      <a:r>
+                        <a:rPr lang="en-US" dirty="0"/>
+                        <a:t>0.846</a:t>
+                      </a:r>
+                    </a:p>
+                  </a:txBody>
+                  <a:tcPr anchor="ctr"/>
+                </a:tc>
+                <a:tc>
+                  <a:txBody>
+                    <a:bodyPr/>
+                    <a:lstStyle/>
+                    <a:p>
+                      <a:pPr algn="ctr"/>
+                      <a:r>
+                        <a:rPr lang="en-US" dirty="0"/>
+                        <a:t>0.3363</a:t>
+                      </a:r>
                     </a:p>
                   </a:txBody>
                   <a:tcPr anchor="ctr"/>
@@ -50579,62 +50791,80 @@
                     <a:lstStyle/>
                     <a:p>
                       <a:pPr algn="ctr"/>
-                      <a:endParaRPr lang="en-US" dirty="0"/>
-                    </a:p>
-                  </a:txBody>
-                  <a:tcPr anchor="ctr"/>
-                </a:tc>
-                <a:tc>
-                  <a:txBody>
-                    <a:bodyPr/>
-                    <a:lstStyle/>
-                    <a:p>
-                      <a:pPr algn="ctr"/>
-                      <a:endParaRPr lang="en-US" dirty="0"/>
-                    </a:p>
-                  </a:txBody>
-                  <a:tcPr anchor="ctr"/>
-                </a:tc>
-                <a:tc>
-                  <a:txBody>
-                    <a:bodyPr/>
-                    <a:lstStyle/>
-                    <a:p>
-                      <a:pPr algn="ctr"/>
-                      <a:endParaRPr lang="en-US" dirty="0"/>
-                    </a:p>
-                  </a:txBody>
-                  <a:tcPr anchor="ctr"/>
-                </a:tc>
-                <a:tc>
-                  <a:txBody>
-                    <a:bodyPr/>
-                    <a:lstStyle/>
-                    <a:p>
-                      <a:pPr algn="ctr"/>
-                      <a:endParaRPr lang="en-US" dirty="0"/>
-                    </a:p>
-                  </a:txBody>
-                  <a:tcPr anchor="ctr"/>
-                </a:tc>
-                <a:tc>
-                  <a:txBody>
-                    <a:bodyPr/>
-                    <a:lstStyle/>
-                    <a:p>
-                      <a:pPr algn="ctr"/>
-                      <a:endParaRPr lang="en-US" dirty="0"/>
-                    </a:p>
-                  </a:txBody>
-                  <a:tcPr anchor="ctr"/>
-                </a:tc>
-                <a:tc>
-                  <a:txBody>
-                    <a:bodyPr/>
-                    <a:lstStyle/>
-                    <a:p>
-                      <a:pPr algn="ctr"/>
-                      <a:endParaRPr lang="en-US" dirty="0"/>
+                      <a:r>
+                        <a:rPr lang="en-US" dirty="0"/>
+                        <a:t>0.868</a:t>
+                      </a:r>
+                    </a:p>
+                  </a:txBody>
+                  <a:tcPr anchor="ctr"/>
+                </a:tc>
+                <a:tc>
+                  <a:txBody>
+                    <a:bodyPr/>
+                    <a:lstStyle/>
+                    <a:p>
+                      <a:pPr algn="ctr"/>
+                      <a:r>
+                        <a:rPr lang="en-US" dirty="0"/>
+                        <a:t>0.901</a:t>
+                      </a:r>
+                    </a:p>
+                  </a:txBody>
+                  <a:tcPr anchor="ctr"/>
+                </a:tc>
+                <a:tc>
+                  <a:txBody>
+                    <a:bodyPr/>
+                    <a:lstStyle/>
+                    <a:p>
+                      <a:pPr algn="ctr"/>
+                      <a:r>
+                        <a:rPr lang="en-US" dirty="0"/>
+                        <a:t>0.779</a:t>
+                      </a:r>
+                    </a:p>
+                  </a:txBody>
+                  <a:tcPr anchor="ctr"/>
+                </a:tc>
+                <a:tc>
+                  <a:txBody>
+                    <a:bodyPr/>
+                    <a:lstStyle/>
+                    <a:p>
+                      <a:pPr algn="ctr"/>
+                      <a:r>
+                        <a:rPr lang="en-US" dirty="0"/>
+                        <a:t>0.935</a:t>
+                      </a:r>
+                    </a:p>
+                  </a:txBody>
+                  <a:tcPr anchor="ctr"/>
+                </a:tc>
+                <a:tc>
+                  <a:txBody>
+                    <a:bodyPr/>
+                    <a:lstStyle/>
+                    <a:p>
+                      <a:pPr algn="ctr"/>
+                      <a:r>
+                        <a:rPr lang="en-US" dirty="0"/>
+                        <a:t>0.835</a:t>
+                      </a:r>
+                    </a:p>
+                  </a:txBody>
+                  <a:tcPr anchor="ctr"/>
+                </a:tc>
+                <a:tc>
+                  <a:txBody>
+                    <a:bodyPr/>
+                    <a:lstStyle/>
+                    <a:p>
+                      <a:pPr algn="ctr"/>
+                      <a:r>
+                        <a:rPr lang="en-US" dirty="0"/>
+                        <a:t>0.3289</a:t>
+                      </a:r>
                     </a:p>
                   </a:txBody>
                   <a:tcPr anchor="ctr"/>
@@ -50671,86 +50901,104 @@
                     <a:lstStyle/>
                     <a:p>
                       <a:pPr algn="ctr"/>
-                      <a:endParaRPr lang="en-US" dirty="0">
-                        <a:solidFill>
-                          <a:srgbClr val="FF0000"/>
-                        </a:solidFill>
-                      </a:endParaRPr>
-                    </a:p>
-                  </a:txBody>
-                  <a:tcPr anchor="ctr"/>
-                </a:tc>
-                <a:tc>
-                  <a:txBody>
-                    <a:bodyPr/>
-                    <a:lstStyle/>
-                    <a:p>
-                      <a:pPr algn="ctr"/>
-                      <a:endParaRPr lang="en-US" dirty="0">
-                        <a:solidFill>
-                          <a:srgbClr val="FF0000"/>
-                        </a:solidFill>
-                      </a:endParaRPr>
-                    </a:p>
-                  </a:txBody>
-                  <a:tcPr anchor="ctr"/>
-                </a:tc>
-                <a:tc>
-                  <a:txBody>
-                    <a:bodyPr/>
-                    <a:lstStyle/>
-                    <a:p>
-                      <a:pPr algn="ctr"/>
-                      <a:endParaRPr lang="en-US" dirty="0">
-                        <a:solidFill>
-                          <a:srgbClr val="FF0000"/>
-                        </a:solidFill>
-                      </a:endParaRPr>
-                    </a:p>
-                  </a:txBody>
-                  <a:tcPr anchor="ctr"/>
-                </a:tc>
-                <a:tc>
-                  <a:txBody>
-                    <a:bodyPr/>
-                    <a:lstStyle/>
-                    <a:p>
-                      <a:pPr algn="ctr"/>
-                      <a:endParaRPr lang="en-US" dirty="0">
-                        <a:solidFill>
-                          <a:srgbClr val="FF0000"/>
-                        </a:solidFill>
-                      </a:endParaRPr>
-                    </a:p>
-                  </a:txBody>
-                  <a:tcPr anchor="ctr"/>
-                </a:tc>
-                <a:tc>
-                  <a:txBody>
-                    <a:bodyPr/>
-                    <a:lstStyle/>
-                    <a:p>
-                      <a:pPr algn="ctr"/>
-                      <a:endParaRPr lang="en-US" dirty="0">
-                        <a:solidFill>
-                          <a:srgbClr val="FF0000"/>
-                        </a:solidFill>
-                      </a:endParaRPr>
-                    </a:p>
-                  </a:txBody>
-                  <a:tcPr anchor="ctr"/>
-                </a:tc>
-                <a:tc>
-                  <a:txBody>
-                    <a:bodyPr/>
-                    <a:lstStyle/>
-                    <a:p>
-                      <a:pPr algn="ctr"/>
-                      <a:endParaRPr lang="en-US" dirty="0">
-                        <a:solidFill>
-                          <a:srgbClr val="FF0000"/>
-                        </a:solidFill>
-                      </a:endParaRPr>
+                      <a:r>
+                        <a:rPr lang="en-US" dirty="0">
+                          <a:solidFill>
+                            <a:srgbClr val="FF0000"/>
+                          </a:solidFill>
+                        </a:rPr>
+                        <a:t>0.838</a:t>
+                      </a:r>
+                    </a:p>
+                  </a:txBody>
+                  <a:tcPr anchor="ctr"/>
+                </a:tc>
+                <a:tc>
+                  <a:txBody>
+                    <a:bodyPr/>
+                    <a:lstStyle/>
+                    <a:p>
+                      <a:pPr algn="ctr"/>
+                      <a:r>
+                        <a:rPr lang="en-US" dirty="0">
+                          <a:solidFill>
+                            <a:srgbClr val="FF0000"/>
+                          </a:solidFill>
+                        </a:rPr>
+                        <a:t>0.780</a:t>
+                      </a:r>
+                    </a:p>
+                  </a:txBody>
+                  <a:tcPr anchor="ctr"/>
+                </a:tc>
+                <a:tc>
+                  <a:txBody>
+                    <a:bodyPr/>
+                    <a:lstStyle/>
+                    <a:p>
+                      <a:pPr algn="ctr"/>
+                      <a:r>
+                        <a:rPr lang="en-US" dirty="0">
+                          <a:solidFill>
+                            <a:srgbClr val="FF0000"/>
+                          </a:solidFill>
+                        </a:rPr>
+                        <a:t>0.866</a:t>
+                      </a:r>
+                    </a:p>
+                  </a:txBody>
+                  <a:tcPr anchor="ctr"/>
+                </a:tc>
+                <a:tc>
+                  <a:txBody>
+                    <a:bodyPr/>
+                    <a:lstStyle/>
+                    <a:p>
+                      <a:pPr algn="ctr"/>
+                      <a:r>
+                        <a:rPr lang="en-US" dirty="0">
+                          <a:solidFill>
+                            <a:srgbClr val="FF0000"/>
+                          </a:solidFill>
+                        </a:rPr>
+                        <a:t>0.816</a:t>
+                      </a:r>
+                    </a:p>
+                  </a:txBody>
+                  <a:tcPr anchor="ctr"/>
+                </a:tc>
+                <a:tc>
+                  <a:txBody>
+                    <a:bodyPr/>
+                    <a:lstStyle/>
+                    <a:p>
+                      <a:pPr algn="ctr"/>
+                      <a:r>
+                        <a:rPr lang="en-US" dirty="0">
+                          <a:solidFill>
+                            <a:srgbClr val="FF0000"/>
+                          </a:solidFill>
+                        </a:rPr>
+                        <a:t>0.821</a:t>
+                      </a:r>
+                    </a:p>
+                  </a:txBody>
+                  <a:tcPr anchor="ctr"/>
+                </a:tc>
+                <a:tc>
+                  <a:txBody>
+                    <a:bodyPr/>
+                    <a:lstStyle/>
+                    <a:p>
+                      <a:pPr algn="ctr"/>
+                      <a:r>
+                        <a:rPr lang="en-US" dirty="0">
+                          <a:solidFill>
+                            <a:srgbClr val="FF0000"/>
+                          </a:solidFill>
+                        </a:rPr>
+                        <a:t>0.8072</a:t>
+                      </a:r>
                     </a:p>
                   </a:txBody>
                   <a:tcPr anchor="ctr"/>
@@ -50782,62 +51030,80 @@
                     <a:lstStyle/>
                     <a:p>
                       <a:pPr algn="ctr"/>
-                      <a:endParaRPr lang="en-US" dirty="0"/>
-                    </a:p>
-                  </a:txBody>
-                  <a:tcPr anchor="ctr"/>
-                </a:tc>
-                <a:tc>
-                  <a:txBody>
-                    <a:bodyPr/>
-                    <a:lstStyle/>
-                    <a:p>
-                      <a:pPr algn="ctr"/>
-                      <a:endParaRPr lang="en-US" dirty="0"/>
-                    </a:p>
-                  </a:txBody>
-                  <a:tcPr anchor="ctr"/>
-                </a:tc>
-                <a:tc>
-                  <a:txBody>
-                    <a:bodyPr/>
-                    <a:lstStyle/>
-                    <a:p>
-                      <a:pPr algn="ctr"/>
-                      <a:endParaRPr lang="en-US" dirty="0"/>
-                    </a:p>
-                  </a:txBody>
-                  <a:tcPr anchor="ctr"/>
-                </a:tc>
-                <a:tc>
-                  <a:txBody>
-                    <a:bodyPr/>
-                    <a:lstStyle/>
-                    <a:p>
-                      <a:pPr algn="ctr"/>
-                      <a:endParaRPr lang="en-US" dirty="0"/>
-                    </a:p>
-                  </a:txBody>
-                  <a:tcPr anchor="ctr"/>
-                </a:tc>
-                <a:tc>
-                  <a:txBody>
-                    <a:bodyPr/>
-                    <a:lstStyle/>
-                    <a:p>
-                      <a:pPr algn="ctr"/>
-                      <a:endParaRPr lang="en-US" dirty="0"/>
-                    </a:p>
-                  </a:txBody>
-                  <a:tcPr anchor="ctr"/>
-                </a:tc>
-                <a:tc>
-                  <a:txBody>
-                    <a:bodyPr/>
-                    <a:lstStyle/>
-                    <a:p>
-                      <a:pPr algn="ctr"/>
-                      <a:endParaRPr lang="en-US" dirty="0"/>
+                      <a:r>
+                        <a:rPr lang="en-US" dirty="0"/>
+                        <a:t>0.869</a:t>
+                      </a:r>
+                    </a:p>
+                  </a:txBody>
+                  <a:tcPr anchor="ctr"/>
+                </a:tc>
+                <a:tc>
+                  <a:txBody>
+                    <a:bodyPr/>
+                    <a:lstStyle/>
+                    <a:p>
+                      <a:pPr algn="ctr"/>
+                      <a:r>
+                        <a:rPr lang="en-US" dirty="0"/>
+                        <a:t>0.858</a:t>
+                      </a:r>
+                    </a:p>
+                  </a:txBody>
+                  <a:tcPr anchor="ctr"/>
+                </a:tc>
+                <a:tc>
+                  <a:txBody>
+                    <a:bodyPr/>
+                    <a:lstStyle/>
+                    <a:p>
+                      <a:pPr algn="ctr"/>
+                      <a:r>
+                        <a:rPr lang="en-US" dirty="0"/>
+                        <a:t>0.834</a:t>
+                      </a:r>
+                    </a:p>
+                  </a:txBody>
+                  <a:tcPr anchor="ctr"/>
+                </a:tc>
+                <a:tc>
+                  <a:txBody>
+                    <a:bodyPr/>
+                    <a:lstStyle/>
+                    <a:p>
+                      <a:pPr algn="ctr"/>
+                      <a:r>
+                        <a:rPr lang="en-US" dirty="0"/>
+                        <a:t>0.896</a:t>
+                      </a:r>
+                    </a:p>
+                  </a:txBody>
+                  <a:tcPr anchor="ctr"/>
+                </a:tc>
+                <a:tc>
+                  <a:txBody>
+                    <a:bodyPr/>
+                    <a:lstStyle/>
+                    <a:p>
+                      <a:pPr algn="ctr"/>
+                      <a:r>
+                        <a:rPr lang="en-US" dirty="0"/>
+                        <a:t>0.846</a:t>
+                      </a:r>
+                    </a:p>
+                  </a:txBody>
+                  <a:tcPr anchor="ctr"/>
+                </a:tc>
+                <a:tc>
+                  <a:txBody>
+                    <a:bodyPr/>
+                    <a:lstStyle/>
+                    <a:p>
+                      <a:pPr algn="ctr"/>
+                      <a:r>
+                        <a:rPr lang="en-US" dirty="0"/>
+                        <a:t>0.3363</a:t>
+                      </a:r>
                     </a:p>
                   </a:txBody>
                   <a:tcPr anchor="ctr"/>
@@ -50890,62 +51156,80 @@
                     <a:lstStyle/>
                     <a:p>
                       <a:pPr algn="ctr"/>
-                      <a:endParaRPr lang="en-US" dirty="0"/>
-                    </a:p>
-                  </a:txBody>
-                  <a:tcPr anchor="ctr"/>
-                </a:tc>
-                <a:tc>
-                  <a:txBody>
-                    <a:bodyPr/>
-                    <a:lstStyle/>
-                    <a:p>
-                      <a:pPr algn="ctr"/>
-                      <a:endParaRPr lang="en-US" dirty="0"/>
-                    </a:p>
-                  </a:txBody>
-                  <a:tcPr anchor="ctr"/>
-                </a:tc>
-                <a:tc>
-                  <a:txBody>
-                    <a:bodyPr/>
-                    <a:lstStyle/>
-                    <a:p>
-                      <a:pPr algn="ctr"/>
-                      <a:endParaRPr lang="en-US" dirty="0"/>
-                    </a:p>
-                  </a:txBody>
-                  <a:tcPr anchor="ctr"/>
-                </a:tc>
-                <a:tc>
-                  <a:txBody>
-                    <a:bodyPr/>
-                    <a:lstStyle/>
-                    <a:p>
-                      <a:pPr algn="ctr"/>
-                      <a:endParaRPr lang="en-US" dirty="0"/>
-                    </a:p>
-                  </a:txBody>
-                  <a:tcPr anchor="ctr"/>
-                </a:tc>
-                <a:tc>
-                  <a:txBody>
-                    <a:bodyPr/>
-                    <a:lstStyle/>
-                    <a:p>
-                      <a:pPr algn="ctr"/>
-                      <a:endParaRPr lang="en-US" dirty="0"/>
-                    </a:p>
-                  </a:txBody>
-                  <a:tcPr anchor="ctr"/>
-                </a:tc>
-                <a:tc>
-                  <a:txBody>
-                    <a:bodyPr/>
-                    <a:lstStyle/>
-                    <a:p>
-                      <a:pPr algn="ctr"/>
-                      <a:endParaRPr lang="en-US" dirty="0"/>
+                      <a:r>
+                        <a:rPr lang="en-US" dirty="0"/>
+                        <a:t>0.867</a:t>
+                      </a:r>
+                    </a:p>
+                  </a:txBody>
+                  <a:tcPr anchor="ctr"/>
+                </a:tc>
+                <a:tc>
+                  <a:txBody>
+                    <a:bodyPr/>
+                    <a:lstStyle/>
+                    <a:p>
+                      <a:pPr algn="ctr"/>
+                      <a:r>
+                        <a:rPr lang="en-US" dirty="0"/>
+                        <a:t>0.875</a:t>
+                      </a:r>
+                    </a:p>
+                  </a:txBody>
+                  <a:tcPr anchor="ctr"/>
+                </a:tc>
+                <a:tc>
+                  <a:txBody>
+                    <a:bodyPr/>
+                    <a:lstStyle/>
+                    <a:p>
+                      <a:pPr algn="ctr"/>
+                      <a:r>
+                        <a:rPr lang="en-US" dirty="0"/>
+                        <a:t>0.806</a:t>
+                      </a:r>
+                    </a:p>
+                  </a:txBody>
+                  <a:tcPr anchor="ctr"/>
+                </a:tc>
+                <a:tc>
+                  <a:txBody>
+                    <a:bodyPr/>
+                    <a:lstStyle/>
+                    <a:p>
+                      <a:pPr algn="ctr"/>
+                      <a:r>
+                        <a:rPr lang="en-US" dirty="0"/>
+                        <a:t>0.913</a:t>
+                      </a:r>
+                    </a:p>
+                  </a:txBody>
+                  <a:tcPr anchor="ctr"/>
+                </a:tc>
+                <a:tc>
+                  <a:txBody>
+                    <a:bodyPr/>
+                    <a:lstStyle/>
+                    <a:p>
+                      <a:pPr algn="ctr"/>
+                      <a:r>
+                        <a:rPr lang="en-US" dirty="0"/>
+                        <a:t>0.839</a:t>
+                      </a:r>
+                    </a:p>
+                  </a:txBody>
+                  <a:tcPr anchor="ctr"/>
+                </a:tc>
+                <a:tc>
+                  <a:txBody>
+                    <a:bodyPr/>
+                    <a:lstStyle/>
+                    <a:p>
+                      <a:pPr algn="ctr"/>
+                      <a:r>
+                        <a:rPr lang="en-US" dirty="0"/>
+                        <a:t>0.3305</a:t>
+                      </a:r>
                     </a:p>
                   </a:txBody>
                   <a:tcPr anchor="ctr"/>

--- a/BSD_Figures.pptx
+++ b/BSD_Figures.pptx
@@ -5,7 +5,7 @@
     <p:sldMasterId id="2147483648" r:id="rId1"/>
   </p:sldMasterIdLst>
   <p:notesMasterIdLst>
-    <p:notesMasterId r:id="rId98"/>
+    <p:notesMasterId r:id="rId103"/>
   </p:notesMasterIdLst>
   <p:sldIdLst>
     <p:sldId id="276" r:id="rId2"/>
@@ -88,22 +88,27 @@
     <p:sldId id="343" r:id="rId79"/>
     <p:sldId id="356" r:id="rId80"/>
     <p:sldId id="344" r:id="rId81"/>
-    <p:sldId id="345" r:id="rId82"/>
-    <p:sldId id="361" r:id="rId83"/>
-    <p:sldId id="350" r:id="rId84"/>
-    <p:sldId id="351" r:id="rId85"/>
-    <p:sldId id="352" r:id="rId86"/>
-    <p:sldId id="357" r:id="rId87"/>
-    <p:sldId id="358" r:id="rId88"/>
-    <p:sldId id="362" r:id="rId89"/>
-    <p:sldId id="363" r:id="rId90"/>
-    <p:sldId id="353" r:id="rId91"/>
-    <p:sldId id="354" r:id="rId92"/>
-    <p:sldId id="355" r:id="rId93"/>
-    <p:sldId id="359" r:id="rId94"/>
-    <p:sldId id="360" r:id="rId95"/>
-    <p:sldId id="364" r:id="rId96"/>
-    <p:sldId id="365" r:id="rId97"/>
+    <p:sldId id="366" r:id="rId82"/>
+    <p:sldId id="345" r:id="rId83"/>
+    <p:sldId id="361" r:id="rId84"/>
+    <p:sldId id="350" r:id="rId85"/>
+    <p:sldId id="351" r:id="rId86"/>
+    <p:sldId id="352" r:id="rId87"/>
+    <p:sldId id="357" r:id="rId88"/>
+    <p:sldId id="358" r:id="rId89"/>
+    <p:sldId id="362" r:id="rId90"/>
+    <p:sldId id="363" r:id="rId91"/>
+    <p:sldId id="367" r:id="rId92"/>
+    <p:sldId id="368" r:id="rId93"/>
+    <p:sldId id="353" r:id="rId94"/>
+    <p:sldId id="354" r:id="rId95"/>
+    <p:sldId id="355" r:id="rId96"/>
+    <p:sldId id="359" r:id="rId97"/>
+    <p:sldId id="360" r:id="rId98"/>
+    <p:sldId id="364" r:id="rId99"/>
+    <p:sldId id="365" r:id="rId100"/>
+    <p:sldId id="369" r:id="rId101"/>
+    <p:sldId id="370" r:id="rId102"/>
   </p:sldIdLst>
   <p:sldSz cx="12192000" cy="6858000"/>
   <p:notesSz cx="6858000" cy="9144000"/>
@@ -6632,7 +6637,7 @@
           <a:p>
             <a:fld id="{96F659EB-4D8A-254E-A6E4-E7898AF261B2}" type="datetimeFigureOut">
               <a:rPr lang="en-US" smtClean="0"/>
-              <a:t>5/15/20</a:t>
+              <a:t>5/17/20</a:t>
             </a:fld>
             <a:endParaRPr lang="en-US"/>
           </a:p>
@@ -7130,7 +7135,7 @@
           <a:p>
             <a:fld id="{7170159B-58A5-B047-8735-1AFBA8D9403D}" type="datetimeFigureOut">
               <a:rPr lang="en-US" smtClean="0"/>
-              <a:t>5/15/20</a:t>
+              <a:t>5/17/20</a:t>
             </a:fld>
             <a:endParaRPr lang="en-US"/>
           </a:p>
@@ -7328,7 +7333,7 @@
           <a:p>
             <a:fld id="{7170159B-58A5-B047-8735-1AFBA8D9403D}" type="datetimeFigureOut">
               <a:rPr lang="en-US" smtClean="0"/>
-              <a:t>5/15/20</a:t>
+              <a:t>5/17/20</a:t>
             </a:fld>
             <a:endParaRPr lang="en-US"/>
           </a:p>
@@ -7536,7 +7541,7 @@
           <a:p>
             <a:fld id="{7170159B-58A5-B047-8735-1AFBA8D9403D}" type="datetimeFigureOut">
               <a:rPr lang="en-US" smtClean="0"/>
-              <a:t>5/15/20</a:t>
+              <a:t>5/17/20</a:t>
             </a:fld>
             <a:endParaRPr lang="en-US"/>
           </a:p>
@@ -7734,7 +7739,7 @@
           <a:p>
             <a:fld id="{7170159B-58A5-B047-8735-1AFBA8D9403D}" type="datetimeFigureOut">
               <a:rPr lang="en-US" smtClean="0"/>
-              <a:t>5/15/20</a:t>
+              <a:t>5/17/20</a:t>
             </a:fld>
             <a:endParaRPr lang="en-US"/>
           </a:p>
@@ -8009,7 +8014,7 @@
           <a:p>
             <a:fld id="{7170159B-58A5-B047-8735-1AFBA8D9403D}" type="datetimeFigureOut">
               <a:rPr lang="en-US" smtClean="0"/>
-              <a:t>5/15/20</a:t>
+              <a:t>5/17/20</a:t>
             </a:fld>
             <a:endParaRPr lang="en-US"/>
           </a:p>
@@ -8274,7 +8279,7 @@
           <a:p>
             <a:fld id="{7170159B-58A5-B047-8735-1AFBA8D9403D}" type="datetimeFigureOut">
               <a:rPr lang="en-US" smtClean="0"/>
-              <a:t>5/15/20</a:t>
+              <a:t>5/17/20</a:t>
             </a:fld>
             <a:endParaRPr lang="en-US"/>
           </a:p>
@@ -8686,7 +8691,7 @@
           <a:p>
             <a:fld id="{7170159B-58A5-B047-8735-1AFBA8D9403D}" type="datetimeFigureOut">
               <a:rPr lang="en-US" smtClean="0"/>
-              <a:t>5/15/20</a:t>
+              <a:t>5/17/20</a:t>
             </a:fld>
             <a:endParaRPr lang="en-US"/>
           </a:p>
@@ -8827,7 +8832,7 @@
           <a:p>
             <a:fld id="{7170159B-58A5-B047-8735-1AFBA8D9403D}" type="datetimeFigureOut">
               <a:rPr lang="en-US" smtClean="0"/>
-              <a:t>5/15/20</a:t>
+              <a:t>5/17/20</a:t>
             </a:fld>
             <a:endParaRPr lang="en-US"/>
           </a:p>
@@ -8940,7 +8945,7 @@
           <a:p>
             <a:fld id="{7170159B-58A5-B047-8735-1AFBA8D9403D}" type="datetimeFigureOut">
               <a:rPr lang="en-US" smtClean="0"/>
-              <a:t>5/15/20</a:t>
+              <a:t>5/17/20</a:t>
             </a:fld>
             <a:endParaRPr lang="en-US"/>
           </a:p>
@@ -9251,7 +9256,7 @@
           <a:p>
             <a:fld id="{7170159B-58A5-B047-8735-1AFBA8D9403D}" type="datetimeFigureOut">
               <a:rPr lang="en-US" smtClean="0"/>
-              <a:t>5/15/20</a:t>
+              <a:t>5/17/20</a:t>
             </a:fld>
             <a:endParaRPr lang="en-US"/>
           </a:p>
@@ -9539,7 +9544,7 @@
           <a:p>
             <a:fld id="{7170159B-58A5-B047-8735-1AFBA8D9403D}" type="datetimeFigureOut">
               <a:rPr lang="en-US" smtClean="0"/>
-              <a:t>5/15/20</a:t>
+              <a:t>5/17/20</a:t>
             </a:fld>
             <a:endParaRPr lang="en-US"/>
           </a:p>
@@ -9780,7 +9785,7 @@
           <a:p>
             <a:fld id="{7170159B-58A5-B047-8735-1AFBA8D9403D}" type="datetimeFigureOut">
               <a:rPr lang="en-US" smtClean="0"/>
-              <a:t>5/15/20</a:t>
+              <a:t>5/17/20</a:t>
             </a:fld>
             <a:endParaRPr lang="en-US"/>
           </a:p>
@@ -10433,6 +10438,1604 @@
     <p:extLst>
       <p:ext uri="{BB962C8B-B14F-4D97-AF65-F5344CB8AC3E}">
         <p14:creationId xmlns:p14="http://schemas.microsoft.com/office/powerpoint/2010/main" val="655090807"/>
+      </p:ext>
+    </p:extLst>
+  </p:cSld>
+  <p:clrMapOvr>
+    <a:masterClrMapping/>
+  </p:clrMapOvr>
+</p:sld>
+</file>
+
+<file path=ppt/slides/slide100.xml><?xml version="1.0" encoding="utf-8"?>
+<p:sld xmlns:a="http://schemas.openxmlformats.org/drawingml/2006/main" xmlns:r="http://schemas.openxmlformats.org/officeDocument/2006/relationships" xmlns:p="http://schemas.openxmlformats.org/presentationml/2006/main">
+  <p:cSld>
+    <p:spTree>
+      <p:nvGrpSpPr>
+        <p:cNvPr id="1" name=""/>
+        <p:cNvGrpSpPr/>
+        <p:nvPr/>
+      </p:nvGrpSpPr>
+      <p:grpSpPr>
+        <a:xfrm>
+          <a:off x="0" y="0"/>
+          <a:ext cx="0" cy="0"/>
+          <a:chOff x="0" y="0"/>
+          <a:chExt cx="0" cy="0"/>
+        </a:xfrm>
+      </p:grpSpPr>
+      <p:graphicFrame>
+        <p:nvGraphicFramePr>
+          <p:cNvPr id="4" name="Table 3">
+            <a:extLst>
+              <a:ext uri="{FF2B5EF4-FFF2-40B4-BE49-F238E27FC236}">
+                <a16:creationId xmlns:a16="http://schemas.microsoft.com/office/drawing/2014/main" id="{F3634E9B-F616-E548-A703-16000F2DD0FF}"/>
+              </a:ext>
+            </a:extLst>
+          </p:cNvPr>
+          <p:cNvGraphicFramePr>
+            <a:graphicFrameLocks noGrp="1"/>
+          </p:cNvGraphicFramePr>
+          <p:nvPr>
+            <p:extLst>
+              <p:ext uri="{D42A27DB-BD31-4B8C-83A1-F6EECF244321}">
+                <p14:modId xmlns:p14="http://schemas.microsoft.com/office/powerpoint/2010/main" val="2024784295"/>
+              </p:ext>
+            </p:extLst>
+          </p:nvPr>
+        </p:nvGraphicFramePr>
+        <p:xfrm>
+          <a:off x="674557" y="929527"/>
+          <a:ext cx="10942820" cy="4976599"/>
+        </p:xfrm>
+        <a:graphic>
+          <a:graphicData uri="http://schemas.openxmlformats.org/drawingml/2006/table">
+            <a:tbl>
+              <a:tblPr firstRow="1" bandRow="1">
+                <a:tableStyleId>{93296810-A885-4BE3-A3E7-6D5BEEA58F35}</a:tableStyleId>
+              </a:tblPr>
+              <a:tblGrid>
+                <a:gridCol w="1563260">
+                  <a:extLst>
+                    <a:ext uri="{9D8B030D-6E8A-4147-A177-3AD203B41FA5}">
+                      <a16:colId xmlns:a16="http://schemas.microsoft.com/office/drawing/2014/main" val="2272368709"/>
+                    </a:ext>
+                  </a:extLst>
+                </a:gridCol>
+                <a:gridCol w="1563260">
+                  <a:extLst>
+                    <a:ext uri="{9D8B030D-6E8A-4147-A177-3AD203B41FA5}">
+                      <a16:colId xmlns:a16="http://schemas.microsoft.com/office/drawing/2014/main" val="2235686462"/>
+                    </a:ext>
+                  </a:extLst>
+                </a:gridCol>
+                <a:gridCol w="1563260">
+                  <a:extLst>
+                    <a:ext uri="{9D8B030D-6E8A-4147-A177-3AD203B41FA5}">
+                      <a16:colId xmlns:a16="http://schemas.microsoft.com/office/drawing/2014/main" val="1061232007"/>
+                    </a:ext>
+                  </a:extLst>
+                </a:gridCol>
+                <a:gridCol w="1563260">
+                  <a:extLst>
+                    <a:ext uri="{9D8B030D-6E8A-4147-A177-3AD203B41FA5}">
+                      <a16:colId xmlns:a16="http://schemas.microsoft.com/office/drawing/2014/main" val="464967916"/>
+                    </a:ext>
+                  </a:extLst>
+                </a:gridCol>
+                <a:gridCol w="1563260">
+                  <a:extLst>
+                    <a:ext uri="{9D8B030D-6E8A-4147-A177-3AD203B41FA5}">
+                      <a16:colId xmlns:a16="http://schemas.microsoft.com/office/drawing/2014/main" val="3929012556"/>
+                    </a:ext>
+                  </a:extLst>
+                </a:gridCol>
+                <a:gridCol w="1563260">
+                  <a:extLst>
+                    <a:ext uri="{9D8B030D-6E8A-4147-A177-3AD203B41FA5}">
+                      <a16:colId xmlns:a16="http://schemas.microsoft.com/office/drawing/2014/main" val="3303028153"/>
+                    </a:ext>
+                  </a:extLst>
+                </a:gridCol>
+                <a:gridCol w="1563260">
+                  <a:extLst>
+                    <a:ext uri="{9D8B030D-6E8A-4147-A177-3AD203B41FA5}">
+                      <a16:colId xmlns:a16="http://schemas.microsoft.com/office/drawing/2014/main" val="4108006114"/>
+                    </a:ext>
+                  </a:extLst>
+                </a:gridCol>
+              </a:tblGrid>
+              <a:tr h="523804">
+                <a:tc>
+                  <a:txBody>
+                    <a:bodyPr/>
+                    <a:lstStyle/>
+                    <a:p>
+                      <a:pPr algn="ctr"/>
+                      <a:r>
+                        <a:rPr lang="en-US" dirty="0"/>
+                        <a:t>Junction</a:t>
+                      </a:r>
+                    </a:p>
+                  </a:txBody>
+                  <a:tcPr anchor="ctr"/>
+                </a:tc>
+                <a:tc>
+                  <a:txBody>
+                    <a:bodyPr/>
+                    <a:lstStyle/>
+                    <a:p>
+                      <a:pPr algn="ctr"/>
+                      <a:r>
+                        <a:rPr lang="en-US" dirty="0"/>
+                        <a:t>Accuracy</a:t>
+                      </a:r>
+                    </a:p>
+                  </a:txBody>
+                  <a:tcPr anchor="ctr"/>
+                </a:tc>
+                <a:tc>
+                  <a:txBody>
+                    <a:bodyPr/>
+                    <a:lstStyle/>
+                    <a:p>
+                      <a:pPr algn="ctr"/>
+                      <a:r>
+                        <a:rPr lang="en-US" dirty="0"/>
+                        <a:t>precision</a:t>
+                      </a:r>
+                    </a:p>
+                  </a:txBody>
+                  <a:tcPr anchor="ctr"/>
+                </a:tc>
+                <a:tc>
+                  <a:txBody>
+                    <a:bodyPr/>
+                    <a:lstStyle/>
+                    <a:p>
+                      <a:pPr algn="ctr"/>
+                      <a:r>
+                        <a:rPr lang="en-US" dirty="0"/>
+                        <a:t>recall</a:t>
+                      </a:r>
+                    </a:p>
+                  </a:txBody>
+                  <a:tcPr anchor="ctr"/>
+                </a:tc>
+                <a:tc>
+                  <a:txBody>
+                    <a:bodyPr/>
+                    <a:lstStyle/>
+                    <a:p>
+                      <a:pPr algn="ctr"/>
+                      <a:r>
+                        <a:rPr lang="en-US" dirty="0"/>
+                        <a:t>specificity</a:t>
+                      </a:r>
+                    </a:p>
+                  </a:txBody>
+                  <a:tcPr anchor="ctr"/>
+                </a:tc>
+                <a:tc>
+                  <a:txBody>
+                    <a:bodyPr/>
+                    <a:lstStyle/>
+                    <a:p>
+                      <a:pPr algn="ctr"/>
+                      <a:r>
+                        <a:rPr lang="en-US" dirty="0"/>
+                        <a:t>F1</a:t>
+                      </a:r>
+                    </a:p>
+                  </a:txBody>
+                  <a:tcPr anchor="ctr"/>
+                </a:tc>
+                <a:tc>
+                  <a:txBody>
+                    <a:bodyPr/>
+                    <a:lstStyle/>
+                    <a:p>
+                      <a:pPr algn="ctr"/>
+                      <a:r>
+                        <a:rPr lang="en-US" dirty="0"/>
+                        <a:t>loss</a:t>
+                      </a:r>
+                    </a:p>
+                  </a:txBody>
+                  <a:tcPr anchor="ctr"/>
+                </a:tc>
+                <a:extLst>
+                  <a:ext uri="{0D108BD9-81ED-4DB2-BD59-A6C34878D82A}">
+                    <a16:rowId xmlns:a16="http://schemas.microsoft.com/office/drawing/2014/main" val="2384826745"/>
+                  </a:ext>
+                </a:extLst>
+              </a:tr>
+              <a:tr h="904099">
+                <a:tc>
+                  <a:txBody>
+                    <a:bodyPr/>
+                    <a:lstStyle/>
+                    <a:p>
+                      <a:pPr algn="ctr"/>
+                      <a:r>
+                        <a:rPr lang="en-US" dirty="0" err="1"/>
+                        <a:t>vgg_accuracy</a:t>
+                      </a:r>
+                      <a:endParaRPr lang="en-US" dirty="0"/>
+                    </a:p>
+                  </a:txBody>
+                  <a:tcPr anchor="ctr"/>
+                </a:tc>
+                <a:tc>
+                  <a:txBody>
+                    <a:bodyPr/>
+                    <a:lstStyle/>
+                    <a:p>
+                      <a:pPr algn="ctr"/>
+                      <a:r>
+                        <a:rPr lang="en-US" dirty="0"/>
+                        <a:t>0.856</a:t>
+                      </a:r>
+                    </a:p>
+                  </a:txBody>
+                  <a:tcPr anchor="ctr"/>
+                </a:tc>
+                <a:tc>
+                  <a:txBody>
+                    <a:bodyPr/>
+                    <a:lstStyle/>
+                    <a:p>
+                      <a:pPr algn="ctr"/>
+                      <a:r>
+                        <a:rPr lang="en-US" dirty="0"/>
+                        <a:t>0.825</a:t>
+                      </a:r>
+                    </a:p>
+                  </a:txBody>
+                  <a:tcPr anchor="ctr"/>
+                </a:tc>
+                <a:tc>
+                  <a:txBody>
+                    <a:bodyPr/>
+                    <a:lstStyle/>
+                    <a:p>
+                      <a:pPr algn="ctr"/>
+                      <a:r>
+                        <a:rPr lang="en-US" dirty="0"/>
+                        <a:t>0.689</a:t>
+                      </a:r>
+                    </a:p>
+                  </a:txBody>
+                  <a:tcPr anchor="ctr"/>
+                </a:tc>
+                <a:tc>
+                  <a:txBody>
+                    <a:bodyPr/>
+                    <a:lstStyle/>
+                    <a:p>
+                      <a:pPr algn="ctr"/>
+                      <a:r>
+                        <a:rPr lang="en-US" dirty="0"/>
+                        <a:t>0.932</a:t>
+                      </a:r>
+                    </a:p>
+                  </a:txBody>
+                  <a:tcPr anchor="ctr"/>
+                </a:tc>
+                <a:tc>
+                  <a:txBody>
+                    <a:bodyPr/>
+                    <a:lstStyle/>
+                    <a:p>
+                      <a:pPr algn="ctr"/>
+                      <a:r>
+                        <a:rPr lang="en-US" dirty="0"/>
+                        <a:t>0.751</a:t>
+                      </a:r>
+                    </a:p>
+                  </a:txBody>
+                  <a:tcPr anchor="ctr"/>
+                </a:tc>
+                <a:tc>
+                  <a:txBody>
+                    <a:bodyPr/>
+                    <a:lstStyle/>
+                    <a:p>
+                      <a:pPr algn="ctr"/>
+                      <a:r>
+                        <a:rPr lang="en-US" dirty="0"/>
+                        <a:t>0.3391</a:t>
+                      </a:r>
+                    </a:p>
+                  </a:txBody>
+                  <a:tcPr anchor="ctr"/>
+                </a:tc>
+                <a:extLst>
+                  <a:ext uri="{0D108BD9-81ED-4DB2-BD59-A6C34878D82A}">
+                    <a16:rowId xmlns:a16="http://schemas.microsoft.com/office/drawing/2014/main" val="1449166203"/>
+                  </a:ext>
+                </a:extLst>
+              </a:tr>
+              <a:tr h="887174">
+                <a:tc>
+                  <a:txBody>
+                    <a:bodyPr/>
+                    <a:lstStyle/>
+                    <a:p>
+                      <a:pPr algn="ctr"/>
+                      <a:r>
+                        <a:rPr lang="en-US" dirty="0" err="1"/>
+                        <a:t>vgg_precision</a:t>
+                      </a:r>
+                      <a:endParaRPr lang="en-US" dirty="0"/>
+                    </a:p>
+                  </a:txBody>
+                  <a:tcPr anchor="ctr"/>
+                </a:tc>
+                <a:tc>
+                  <a:txBody>
+                    <a:bodyPr/>
+                    <a:lstStyle/>
+                    <a:p>
+                      <a:pPr algn="ctr"/>
+                      <a:r>
+                        <a:rPr lang="en-US" dirty="0"/>
+                        <a:t>0.852</a:t>
+                      </a:r>
+                    </a:p>
+                  </a:txBody>
+                  <a:tcPr anchor="ctr"/>
+                </a:tc>
+                <a:tc>
+                  <a:txBody>
+                    <a:bodyPr/>
+                    <a:lstStyle/>
+                    <a:p>
+                      <a:pPr algn="ctr"/>
+                      <a:r>
+                        <a:rPr lang="en-US" dirty="0"/>
+                        <a:t>0.854</a:t>
+                      </a:r>
+                    </a:p>
+                  </a:txBody>
+                  <a:tcPr anchor="ctr"/>
+                </a:tc>
+                <a:tc>
+                  <a:txBody>
+                    <a:bodyPr/>
+                    <a:lstStyle/>
+                    <a:p>
+                      <a:pPr algn="ctr"/>
+                      <a:r>
+                        <a:rPr lang="en-US" dirty="0"/>
+                        <a:t>0.639</a:t>
+                      </a:r>
+                    </a:p>
+                  </a:txBody>
+                  <a:tcPr anchor="ctr"/>
+                </a:tc>
+                <a:tc>
+                  <a:txBody>
+                    <a:bodyPr/>
+                    <a:lstStyle/>
+                    <a:p>
+                      <a:pPr algn="ctr"/>
+                      <a:r>
+                        <a:rPr lang="en-US" dirty="0"/>
+                        <a:t>0.950</a:t>
+                      </a:r>
+                    </a:p>
+                  </a:txBody>
+                  <a:tcPr anchor="ctr"/>
+                </a:tc>
+                <a:tc>
+                  <a:txBody>
+                    <a:bodyPr/>
+                    <a:lstStyle/>
+                    <a:p>
+                      <a:pPr algn="ctr"/>
+                      <a:r>
+                        <a:rPr lang="en-US" dirty="0"/>
+                        <a:t>0.731</a:t>
+                      </a:r>
+                    </a:p>
+                  </a:txBody>
+                  <a:tcPr anchor="ctr"/>
+                </a:tc>
+                <a:tc>
+                  <a:txBody>
+                    <a:bodyPr/>
+                    <a:lstStyle/>
+                    <a:p>
+                      <a:pPr algn="ctr"/>
+                      <a:r>
+                        <a:rPr lang="en-US" dirty="0"/>
+                        <a:t>0.3583</a:t>
+                      </a:r>
+                    </a:p>
+                  </a:txBody>
+                  <a:tcPr anchor="ctr"/>
+                </a:tc>
+                <a:extLst>
+                  <a:ext uri="{0D108BD9-81ED-4DB2-BD59-A6C34878D82A}">
+                    <a16:rowId xmlns:a16="http://schemas.microsoft.com/office/drawing/2014/main" val="4164655960"/>
+                  </a:ext>
+                </a:extLst>
+              </a:tr>
+              <a:tr h="887174">
+                <a:tc>
+                  <a:txBody>
+                    <a:bodyPr/>
+                    <a:lstStyle/>
+                    <a:p>
+                      <a:pPr algn="ctr"/>
+                      <a:r>
+                        <a:rPr lang="en-US" dirty="0" err="1"/>
+                        <a:t>vgg_recall</a:t>
+                      </a:r>
+                      <a:endParaRPr lang="en-US" dirty="0">
+                        <a:solidFill>
+                          <a:srgbClr val="FF0000"/>
+                        </a:solidFill>
+                      </a:endParaRPr>
+                    </a:p>
+                  </a:txBody>
+                  <a:tcPr anchor="ctr"/>
+                </a:tc>
+                <a:tc>
+                  <a:txBody>
+                    <a:bodyPr/>
+                    <a:lstStyle/>
+                    <a:p>
+                      <a:pPr algn="ctr"/>
+                      <a:r>
+                        <a:rPr lang="en-US" dirty="0">
+                          <a:solidFill>
+                            <a:srgbClr val="FF0000"/>
+                          </a:solidFill>
+                        </a:rPr>
+                        <a:t>0.806</a:t>
+                      </a:r>
+                    </a:p>
+                  </a:txBody>
+                  <a:tcPr anchor="ctr"/>
+                </a:tc>
+                <a:tc>
+                  <a:txBody>
+                    <a:bodyPr/>
+                    <a:lstStyle/>
+                    <a:p>
+                      <a:pPr algn="ctr"/>
+                      <a:r>
+                        <a:rPr lang="en-US" dirty="0">
+                          <a:solidFill>
+                            <a:srgbClr val="FF0000"/>
+                          </a:solidFill>
+                        </a:rPr>
+                        <a:t>0.645</a:t>
+                      </a:r>
+                    </a:p>
+                  </a:txBody>
+                  <a:tcPr anchor="ctr"/>
+                </a:tc>
+                <a:tc>
+                  <a:txBody>
+                    <a:bodyPr/>
+                    <a:lstStyle/>
+                    <a:p>
+                      <a:pPr algn="ctr"/>
+                      <a:r>
+                        <a:rPr lang="en-US" dirty="0">
+                          <a:solidFill>
+                            <a:srgbClr val="FF0000"/>
+                          </a:solidFill>
+                        </a:rPr>
+                        <a:t>0.859</a:t>
+                      </a:r>
+                    </a:p>
+                  </a:txBody>
+                  <a:tcPr anchor="ctr"/>
+                </a:tc>
+                <a:tc>
+                  <a:txBody>
+                    <a:bodyPr/>
+                    <a:lstStyle/>
+                    <a:p>
+                      <a:pPr algn="ctr"/>
+                      <a:r>
+                        <a:rPr lang="en-US" dirty="0">
+                          <a:solidFill>
+                            <a:srgbClr val="FF0000"/>
+                          </a:solidFill>
+                        </a:rPr>
+                        <a:t>0.782</a:t>
+                      </a:r>
+                    </a:p>
+                  </a:txBody>
+                  <a:tcPr anchor="ctr"/>
+                </a:tc>
+                <a:tc>
+                  <a:txBody>
+                    <a:bodyPr/>
+                    <a:lstStyle/>
+                    <a:p>
+                      <a:pPr algn="ctr"/>
+                      <a:r>
+                        <a:rPr lang="en-US" dirty="0">
+                          <a:solidFill>
+                            <a:srgbClr val="FF0000"/>
+                          </a:solidFill>
+                        </a:rPr>
+                        <a:t>0.737</a:t>
+                      </a:r>
+                    </a:p>
+                  </a:txBody>
+                  <a:tcPr anchor="ctr"/>
+                </a:tc>
+                <a:tc>
+                  <a:txBody>
+                    <a:bodyPr/>
+                    <a:lstStyle/>
+                    <a:p>
+                      <a:pPr algn="ctr"/>
+                      <a:r>
+                        <a:rPr lang="en-US" dirty="0">
+                          <a:solidFill>
+                            <a:srgbClr val="FF0000"/>
+                          </a:solidFill>
+                        </a:rPr>
+                        <a:t>0.4399</a:t>
+                      </a:r>
+                    </a:p>
+                  </a:txBody>
+                  <a:tcPr anchor="ctr"/>
+                </a:tc>
+                <a:extLst>
+                  <a:ext uri="{0D108BD9-81ED-4DB2-BD59-A6C34878D82A}">
+                    <a16:rowId xmlns:a16="http://schemas.microsoft.com/office/drawing/2014/main" val="2775775737"/>
+                  </a:ext>
+                </a:extLst>
+              </a:tr>
+              <a:tr h="887174">
+                <a:tc>
+                  <a:txBody>
+                    <a:bodyPr/>
+                    <a:lstStyle/>
+                    <a:p>
+                      <a:pPr algn="ctr"/>
+                      <a:r>
+                        <a:rPr lang="en-US" dirty="0"/>
+                        <a:t>vgg_F1</a:t>
+                      </a:r>
+                    </a:p>
+                  </a:txBody>
+                  <a:tcPr anchor="ctr"/>
+                </a:tc>
+                <a:tc>
+                  <a:txBody>
+                    <a:bodyPr/>
+                    <a:lstStyle/>
+                    <a:p>
+                      <a:pPr algn="ctr"/>
+                      <a:r>
+                        <a:rPr lang="en-US" dirty="0"/>
+                        <a:t>0.860</a:t>
+                      </a:r>
+                    </a:p>
+                  </a:txBody>
+                  <a:tcPr anchor="ctr"/>
+                </a:tc>
+                <a:tc>
+                  <a:txBody>
+                    <a:bodyPr/>
+                    <a:lstStyle/>
+                    <a:p>
+                      <a:pPr algn="ctr"/>
+                      <a:r>
+                        <a:rPr lang="en-US" dirty="0"/>
+                        <a:t>0.794</a:t>
+                      </a:r>
+                    </a:p>
+                  </a:txBody>
+                  <a:tcPr anchor="ctr"/>
+                </a:tc>
+                <a:tc>
+                  <a:txBody>
+                    <a:bodyPr/>
+                    <a:lstStyle/>
+                    <a:p>
+                      <a:pPr algn="ctr"/>
+                      <a:r>
+                        <a:rPr lang="en-US" dirty="0"/>
+                        <a:t>0.753</a:t>
+                      </a:r>
+                    </a:p>
+                  </a:txBody>
+                  <a:tcPr anchor="ctr"/>
+                </a:tc>
+                <a:tc>
+                  <a:txBody>
+                    <a:bodyPr/>
+                    <a:lstStyle/>
+                    <a:p>
+                      <a:pPr algn="ctr"/>
+                      <a:r>
+                        <a:rPr lang="en-US" dirty="0"/>
+                        <a:t>0.910</a:t>
+                      </a:r>
+                    </a:p>
+                  </a:txBody>
+                  <a:tcPr anchor="ctr"/>
+                </a:tc>
+                <a:tc>
+                  <a:txBody>
+                    <a:bodyPr/>
+                    <a:lstStyle/>
+                    <a:p>
+                      <a:pPr algn="ctr"/>
+                      <a:r>
+                        <a:rPr lang="en-US" dirty="0"/>
+                        <a:t>0.772</a:t>
+                      </a:r>
+                    </a:p>
+                  </a:txBody>
+                  <a:tcPr anchor="ctr"/>
+                </a:tc>
+                <a:tc>
+                  <a:txBody>
+                    <a:bodyPr/>
+                    <a:lstStyle/>
+                    <a:p>
+                      <a:pPr algn="ctr"/>
+                      <a:r>
+                        <a:rPr lang="en-US" dirty="0"/>
+                        <a:t>0.3415</a:t>
+                      </a:r>
+                    </a:p>
+                  </a:txBody>
+                  <a:tcPr anchor="ctr"/>
+                </a:tc>
+                <a:extLst>
+                  <a:ext uri="{0D108BD9-81ED-4DB2-BD59-A6C34878D82A}">
+                    <a16:rowId xmlns:a16="http://schemas.microsoft.com/office/drawing/2014/main" val="618446083"/>
+                  </a:ext>
+                </a:extLst>
+              </a:tr>
+              <a:tr h="887174">
+                <a:tc>
+                  <a:txBody>
+                    <a:bodyPr/>
+                    <a:lstStyle/>
+                    <a:p>
+                      <a:pPr marL="0" marR="0" lvl="0" indent="0" algn="ctr" defTabSz="914400" rtl="0" eaLnBrk="1" fontAlgn="auto" latinLnBrk="0" hangingPunct="1">
+                        <a:lnSpc>
+                          <a:spcPct val="100000"/>
+                        </a:lnSpc>
+                        <a:spcBef>
+                          <a:spcPts val="0"/>
+                        </a:spcBef>
+                        <a:spcAft>
+                          <a:spcPts val="0"/>
+                        </a:spcAft>
+                        <a:buClrTx/>
+                        <a:buSzTx/>
+                        <a:buFontTx/>
+                        <a:buNone/>
+                        <a:tabLst/>
+                        <a:defRPr/>
+                      </a:pPr>
+                      <a:r>
+                        <a:rPr lang="en-US" dirty="0" err="1"/>
+                        <a:t>vgg_loss</a:t>
+                      </a:r>
+                      <a:endParaRPr lang="en-US" dirty="0"/>
+                    </a:p>
+                    <a:p>
+                      <a:pPr algn="ctr"/>
+                      <a:endParaRPr lang="en-US" dirty="0"/>
+                    </a:p>
+                  </a:txBody>
+                  <a:tcPr anchor="ctr"/>
+                </a:tc>
+                <a:tc>
+                  <a:txBody>
+                    <a:bodyPr/>
+                    <a:lstStyle/>
+                    <a:p>
+                      <a:pPr algn="ctr"/>
+                      <a:r>
+                        <a:rPr lang="en-US" dirty="0"/>
+                        <a:t>0.856</a:t>
+                      </a:r>
+                    </a:p>
+                  </a:txBody>
+                  <a:tcPr anchor="ctr"/>
+                </a:tc>
+                <a:tc>
+                  <a:txBody>
+                    <a:bodyPr/>
+                    <a:lstStyle/>
+                    <a:p>
+                      <a:pPr algn="ctr"/>
+                      <a:r>
+                        <a:rPr lang="en-US" dirty="0"/>
+                        <a:t>0.825</a:t>
+                      </a:r>
+                    </a:p>
+                  </a:txBody>
+                  <a:tcPr anchor="ctr"/>
+                </a:tc>
+                <a:tc>
+                  <a:txBody>
+                    <a:bodyPr/>
+                    <a:lstStyle/>
+                    <a:p>
+                      <a:pPr algn="ctr"/>
+                      <a:r>
+                        <a:rPr lang="en-US" dirty="0"/>
+                        <a:t>0.689</a:t>
+                      </a:r>
+                    </a:p>
+                  </a:txBody>
+                  <a:tcPr anchor="ctr"/>
+                </a:tc>
+                <a:tc>
+                  <a:txBody>
+                    <a:bodyPr/>
+                    <a:lstStyle/>
+                    <a:p>
+                      <a:pPr algn="ctr"/>
+                      <a:r>
+                        <a:rPr lang="en-US" dirty="0"/>
+                        <a:t>0.932</a:t>
+                      </a:r>
+                    </a:p>
+                  </a:txBody>
+                  <a:tcPr anchor="ctr"/>
+                </a:tc>
+                <a:tc>
+                  <a:txBody>
+                    <a:bodyPr/>
+                    <a:lstStyle/>
+                    <a:p>
+                      <a:pPr algn="ctr"/>
+                      <a:r>
+                        <a:rPr lang="en-US" dirty="0"/>
+                        <a:t>0.751</a:t>
+                      </a:r>
+                    </a:p>
+                  </a:txBody>
+                  <a:tcPr anchor="ctr"/>
+                </a:tc>
+                <a:tc>
+                  <a:txBody>
+                    <a:bodyPr/>
+                    <a:lstStyle/>
+                    <a:p>
+                      <a:pPr algn="ctr"/>
+                      <a:r>
+                        <a:rPr lang="en-US" dirty="0"/>
+                        <a:t>0.3391</a:t>
+                      </a:r>
+                    </a:p>
+                  </a:txBody>
+                  <a:tcPr anchor="ctr"/>
+                </a:tc>
+                <a:extLst>
+                  <a:ext uri="{0D108BD9-81ED-4DB2-BD59-A6C34878D82A}">
+                    <a16:rowId xmlns:a16="http://schemas.microsoft.com/office/drawing/2014/main" val="872347479"/>
+                  </a:ext>
+                </a:extLst>
+              </a:tr>
+            </a:tbl>
+          </a:graphicData>
+        </a:graphic>
+      </p:graphicFrame>
+    </p:spTree>
+    <p:extLst>
+      <p:ext uri="{BB962C8B-B14F-4D97-AF65-F5344CB8AC3E}">
+        <p14:creationId xmlns:p14="http://schemas.microsoft.com/office/powerpoint/2010/main" val="3196043235"/>
+      </p:ext>
+    </p:extLst>
+  </p:cSld>
+  <p:clrMapOvr>
+    <a:masterClrMapping/>
+  </p:clrMapOvr>
+</p:sld>
+</file>
+
+<file path=ppt/slides/slide101.xml><?xml version="1.0" encoding="utf-8"?>
+<p:sld xmlns:a="http://schemas.openxmlformats.org/drawingml/2006/main" xmlns:r="http://schemas.openxmlformats.org/officeDocument/2006/relationships" xmlns:p="http://schemas.openxmlformats.org/presentationml/2006/main">
+  <p:cSld>
+    <p:spTree>
+      <p:nvGrpSpPr>
+        <p:cNvPr id="1" name=""/>
+        <p:cNvGrpSpPr/>
+        <p:nvPr/>
+      </p:nvGrpSpPr>
+      <p:grpSpPr>
+        <a:xfrm>
+          <a:off x="0" y="0"/>
+          <a:ext cx="0" cy="0"/>
+          <a:chOff x="0" y="0"/>
+          <a:chExt cx="0" cy="0"/>
+        </a:xfrm>
+      </p:grpSpPr>
+      <p:graphicFrame>
+        <p:nvGraphicFramePr>
+          <p:cNvPr id="4" name="Table 3">
+            <a:extLst>
+              <a:ext uri="{FF2B5EF4-FFF2-40B4-BE49-F238E27FC236}">
+                <a16:creationId xmlns:a16="http://schemas.microsoft.com/office/drawing/2014/main" id="{F3634E9B-F616-E548-A703-16000F2DD0FF}"/>
+              </a:ext>
+            </a:extLst>
+          </p:cNvPr>
+          <p:cNvGraphicFramePr>
+            <a:graphicFrameLocks noGrp="1"/>
+          </p:cNvGraphicFramePr>
+          <p:nvPr>
+            <p:extLst>
+              <p:ext uri="{D42A27DB-BD31-4B8C-83A1-F6EECF244321}">
+                <p14:modId xmlns:p14="http://schemas.microsoft.com/office/powerpoint/2010/main" val="3491149230"/>
+              </p:ext>
+            </p:extLst>
+          </p:nvPr>
+        </p:nvGraphicFramePr>
+        <p:xfrm>
+          <a:off x="674557" y="929527"/>
+          <a:ext cx="10942820" cy="4976599"/>
+        </p:xfrm>
+        <a:graphic>
+          <a:graphicData uri="http://schemas.openxmlformats.org/drawingml/2006/table">
+            <a:tbl>
+              <a:tblPr firstRow="1" bandRow="1">
+                <a:tableStyleId>{93296810-A885-4BE3-A3E7-6D5BEEA58F35}</a:tableStyleId>
+              </a:tblPr>
+              <a:tblGrid>
+                <a:gridCol w="1563260">
+                  <a:extLst>
+                    <a:ext uri="{9D8B030D-6E8A-4147-A177-3AD203B41FA5}">
+                      <a16:colId xmlns:a16="http://schemas.microsoft.com/office/drawing/2014/main" val="2272368709"/>
+                    </a:ext>
+                  </a:extLst>
+                </a:gridCol>
+                <a:gridCol w="1563260">
+                  <a:extLst>
+                    <a:ext uri="{9D8B030D-6E8A-4147-A177-3AD203B41FA5}">
+                      <a16:colId xmlns:a16="http://schemas.microsoft.com/office/drawing/2014/main" val="2235686462"/>
+                    </a:ext>
+                  </a:extLst>
+                </a:gridCol>
+                <a:gridCol w="1563260">
+                  <a:extLst>
+                    <a:ext uri="{9D8B030D-6E8A-4147-A177-3AD203B41FA5}">
+                      <a16:colId xmlns:a16="http://schemas.microsoft.com/office/drawing/2014/main" val="1061232007"/>
+                    </a:ext>
+                  </a:extLst>
+                </a:gridCol>
+                <a:gridCol w="1563260">
+                  <a:extLst>
+                    <a:ext uri="{9D8B030D-6E8A-4147-A177-3AD203B41FA5}">
+                      <a16:colId xmlns:a16="http://schemas.microsoft.com/office/drawing/2014/main" val="464967916"/>
+                    </a:ext>
+                  </a:extLst>
+                </a:gridCol>
+                <a:gridCol w="1563260">
+                  <a:extLst>
+                    <a:ext uri="{9D8B030D-6E8A-4147-A177-3AD203B41FA5}">
+                      <a16:colId xmlns:a16="http://schemas.microsoft.com/office/drawing/2014/main" val="3929012556"/>
+                    </a:ext>
+                  </a:extLst>
+                </a:gridCol>
+                <a:gridCol w="1563260">
+                  <a:extLst>
+                    <a:ext uri="{9D8B030D-6E8A-4147-A177-3AD203B41FA5}">
+                      <a16:colId xmlns:a16="http://schemas.microsoft.com/office/drawing/2014/main" val="3303028153"/>
+                    </a:ext>
+                  </a:extLst>
+                </a:gridCol>
+                <a:gridCol w="1563260">
+                  <a:extLst>
+                    <a:ext uri="{9D8B030D-6E8A-4147-A177-3AD203B41FA5}">
+                      <a16:colId xmlns:a16="http://schemas.microsoft.com/office/drawing/2014/main" val="4108006114"/>
+                    </a:ext>
+                  </a:extLst>
+                </a:gridCol>
+              </a:tblGrid>
+              <a:tr h="523804">
+                <a:tc>
+                  <a:txBody>
+                    <a:bodyPr/>
+                    <a:lstStyle/>
+                    <a:p>
+                      <a:pPr algn="ctr"/>
+                      <a:r>
+                        <a:rPr lang="en-US" dirty="0"/>
+                        <a:t>Gap</a:t>
+                      </a:r>
+                    </a:p>
+                  </a:txBody>
+                  <a:tcPr anchor="ctr"/>
+                </a:tc>
+                <a:tc>
+                  <a:txBody>
+                    <a:bodyPr/>
+                    <a:lstStyle/>
+                    <a:p>
+                      <a:pPr algn="ctr"/>
+                      <a:r>
+                        <a:rPr lang="en-US" dirty="0"/>
+                        <a:t>Accuracy</a:t>
+                      </a:r>
+                    </a:p>
+                  </a:txBody>
+                  <a:tcPr anchor="ctr"/>
+                </a:tc>
+                <a:tc>
+                  <a:txBody>
+                    <a:bodyPr/>
+                    <a:lstStyle/>
+                    <a:p>
+                      <a:pPr algn="ctr"/>
+                      <a:r>
+                        <a:rPr lang="en-US" dirty="0"/>
+                        <a:t>precision</a:t>
+                      </a:r>
+                    </a:p>
+                  </a:txBody>
+                  <a:tcPr anchor="ctr"/>
+                </a:tc>
+                <a:tc>
+                  <a:txBody>
+                    <a:bodyPr/>
+                    <a:lstStyle/>
+                    <a:p>
+                      <a:pPr algn="ctr"/>
+                      <a:r>
+                        <a:rPr lang="en-US" dirty="0"/>
+                        <a:t>recall</a:t>
+                      </a:r>
+                    </a:p>
+                  </a:txBody>
+                  <a:tcPr anchor="ctr"/>
+                </a:tc>
+                <a:tc>
+                  <a:txBody>
+                    <a:bodyPr/>
+                    <a:lstStyle/>
+                    <a:p>
+                      <a:pPr algn="ctr"/>
+                      <a:r>
+                        <a:rPr lang="en-US" dirty="0"/>
+                        <a:t>specificity</a:t>
+                      </a:r>
+                    </a:p>
+                  </a:txBody>
+                  <a:tcPr anchor="ctr"/>
+                </a:tc>
+                <a:tc>
+                  <a:txBody>
+                    <a:bodyPr/>
+                    <a:lstStyle/>
+                    <a:p>
+                      <a:pPr algn="ctr"/>
+                      <a:r>
+                        <a:rPr lang="en-US" dirty="0"/>
+                        <a:t>F1</a:t>
+                      </a:r>
+                    </a:p>
+                  </a:txBody>
+                  <a:tcPr anchor="ctr"/>
+                </a:tc>
+                <a:tc>
+                  <a:txBody>
+                    <a:bodyPr/>
+                    <a:lstStyle/>
+                    <a:p>
+                      <a:pPr algn="ctr"/>
+                      <a:r>
+                        <a:rPr lang="en-US" dirty="0"/>
+                        <a:t>loss</a:t>
+                      </a:r>
+                    </a:p>
+                  </a:txBody>
+                  <a:tcPr anchor="ctr"/>
+                </a:tc>
+                <a:extLst>
+                  <a:ext uri="{0D108BD9-81ED-4DB2-BD59-A6C34878D82A}">
+                    <a16:rowId xmlns:a16="http://schemas.microsoft.com/office/drawing/2014/main" val="2384826745"/>
+                  </a:ext>
+                </a:extLst>
+              </a:tr>
+              <a:tr h="904099">
+                <a:tc>
+                  <a:txBody>
+                    <a:bodyPr/>
+                    <a:lstStyle/>
+                    <a:p>
+                      <a:pPr algn="ctr"/>
+                      <a:r>
+                        <a:rPr lang="en-US" dirty="0" err="1"/>
+                        <a:t>vgg_accuracy</a:t>
+                      </a:r>
+                      <a:endParaRPr lang="en-US" dirty="0"/>
+                    </a:p>
+                  </a:txBody>
+                  <a:tcPr anchor="ctr"/>
+                </a:tc>
+                <a:tc>
+                  <a:txBody>
+                    <a:bodyPr/>
+                    <a:lstStyle/>
+                    <a:p>
+                      <a:pPr algn="ctr"/>
+                      <a:r>
+                        <a:rPr lang="en-US" dirty="0"/>
+                        <a:t>0.860</a:t>
+                      </a:r>
+                    </a:p>
+                  </a:txBody>
+                  <a:tcPr anchor="ctr"/>
+                </a:tc>
+                <a:tc>
+                  <a:txBody>
+                    <a:bodyPr/>
+                    <a:lstStyle/>
+                    <a:p>
+                      <a:pPr algn="ctr"/>
+                      <a:r>
+                        <a:rPr lang="en-US" dirty="0"/>
+                        <a:t>0.827</a:t>
+                      </a:r>
+                    </a:p>
+                  </a:txBody>
+                  <a:tcPr anchor="ctr"/>
+                </a:tc>
+                <a:tc>
+                  <a:txBody>
+                    <a:bodyPr/>
+                    <a:lstStyle/>
+                    <a:p>
+                      <a:pPr algn="ctr"/>
+                      <a:r>
+                        <a:rPr lang="en-US" dirty="0"/>
+                        <a:t>0.854</a:t>
+                      </a:r>
+                    </a:p>
+                  </a:txBody>
+                  <a:tcPr anchor="ctr"/>
+                </a:tc>
+                <a:tc>
+                  <a:txBody>
+                    <a:bodyPr/>
+                    <a:lstStyle/>
+                    <a:p>
+                      <a:pPr algn="ctr"/>
+                      <a:r>
+                        <a:rPr lang="en-US" dirty="0"/>
+                        <a:t>0.865</a:t>
+                      </a:r>
+                    </a:p>
+                  </a:txBody>
+                  <a:tcPr anchor="ctr"/>
+                </a:tc>
+                <a:tc>
+                  <a:txBody>
+                    <a:bodyPr/>
+                    <a:lstStyle/>
+                    <a:p>
+                      <a:pPr algn="ctr"/>
+                      <a:r>
+                        <a:rPr lang="en-US" dirty="0"/>
+                        <a:t>0.840</a:t>
+                      </a:r>
+                    </a:p>
+                  </a:txBody>
+                  <a:tcPr anchor="ctr"/>
+                </a:tc>
+                <a:tc>
+                  <a:txBody>
+                    <a:bodyPr/>
+                    <a:lstStyle/>
+                    <a:p>
+                      <a:pPr algn="ctr"/>
+                      <a:r>
+                        <a:rPr lang="en-US" dirty="0"/>
+                        <a:t>0.3755</a:t>
+                      </a:r>
+                    </a:p>
+                  </a:txBody>
+                  <a:tcPr anchor="ctr"/>
+                </a:tc>
+                <a:extLst>
+                  <a:ext uri="{0D108BD9-81ED-4DB2-BD59-A6C34878D82A}">
+                    <a16:rowId xmlns:a16="http://schemas.microsoft.com/office/drawing/2014/main" val="1449166203"/>
+                  </a:ext>
+                </a:extLst>
+              </a:tr>
+              <a:tr h="887174">
+                <a:tc>
+                  <a:txBody>
+                    <a:bodyPr/>
+                    <a:lstStyle/>
+                    <a:p>
+                      <a:pPr algn="ctr"/>
+                      <a:r>
+                        <a:rPr lang="en-US" dirty="0" err="1"/>
+                        <a:t>vgg_precision</a:t>
+                      </a:r>
+                      <a:endParaRPr lang="en-US" dirty="0"/>
+                    </a:p>
+                  </a:txBody>
+                  <a:tcPr anchor="ctr"/>
+                </a:tc>
+                <a:tc>
+                  <a:txBody>
+                    <a:bodyPr/>
+                    <a:lstStyle/>
+                    <a:p>
+                      <a:pPr algn="ctr"/>
+                      <a:r>
+                        <a:rPr lang="en-US" dirty="0"/>
+                        <a:t>0.840</a:t>
+                      </a:r>
+                    </a:p>
+                  </a:txBody>
+                  <a:tcPr anchor="ctr"/>
+                </a:tc>
+                <a:tc>
+                  <a:txBody>
+                    <a:bodyPr/>
+                    <a:lstStyle/>
+                    <a:p>
+                      <a:pPr algn="ctr"/>
+                      <a:r>
+                        <a:rPr lang="en-US" dirty="0"/>
+                        <a:t>0.916</a:t>
+                      </a:r>
+                    </a:p>
+                  </a:txBody>
+                  <a:tcPr anchor="ctr"/>
+                </a:tc>
+                <a:tc>
+                  <a:txBody>
+                    <a:bodyPr/>
+                    <a:lstStyle/>
+                    <a:p>
+                      <a:pPr algn="ctr"/>
+                      <a:r>
+                        <a:rPr lang="en-US" dirty="0"/>
+                        <a:t>0.690</a:t>
+                      </a:r>
+                    </a:p>
+                  </a:txBody>
+                  <a:tcPr anchor="ctr"/>
+                </a:tc>
+                <a:tc>
+                  <a:txBody>
+                    <a:bodyPr/>
+                    <a:lstStyle/>
+                    <a:p>
+                      <a:pPr algn="ctr"/>
+                      <a:r>
+                        <a:rPr lang="en-US" dirty="0"/>
+                        <a:t>0.953</a:t>
+                      </a:r>
+                    </a:p>
+                  </a:txBody>
+                  <a:tcPr anchor="ctr"/>
+                </a:tc>
+                <a:tc>
+                  <a:txBody>
+                    <a:bodyPr/>
+                    <a:lstStyle/>
+                    <a:p>
+                      <a:pPr algn="ctr"/>
+                      <a:r>
+                        <a:rPr lang="en-US" dirty="0"/>
+                        <a:t>0.787</a:t>
+                      </a:r>
+                    </a:p>
+                  </a:txBody>
+                  <a:tcPr anchor="ctr"/>
+                </a:tc>
+                <a:tc>
+                  <a:txBody>
+                    <a:bodyPr/>
+                    <a:lstStyle/>
+                    <a:p>
+                      <a:pPr algn="ctr"/>
+                      <a:r>
+                        <a:rPr lang="en-US" dirty="0"/>
+                        <a:t>0.3845</a:t>
+                      </a:r>
+                    </a:p>
+                  </a:txBody>
+                  <a:tcPr anchor="ctr"/>
+                </a:tc>
+                <a:extLst>
+                  <a:ext uri="{0D108BD9-81ED-4DB2-BD59-A6C34878D82A}">
+                    <a16:rowId xmlns:a16="http://schemas.microsoft.com/office/drawing/2014/main" val="4164655960"/>
+                  </a:ext>
+                </a:extLst>
+              </a:tr>
+              <a:tr h="887174">
+                <a:tc>
+                  <a:txBody>
+                    <a:bodyPr/>
+                    <a:lstStyle/>
+                    <a:p>
+                      <a:pPr algn="ctr"/>
+                      <a:r>
+                        <a:rPr lang="en-US" dirty="0" err="1">
+                          <a:solidFill>
+                            <a:srgbClr val="FF0000"/>
+                          </a:solidFill>
+                        </a:rPr>
+                        <a:t>vgg_recall</a:t>
+                      </a:r>
+                      <a:endParaRPr lang="en-US" dirty="0">
+                        <a:solidFill>
+                          <a:srgbClr val="FF0000"/>
+                        </a:solidFill>
+                      </a:endParaRPr>
+                    </a:p>
+                  </a:txBody>
+                  <a:tcPr anchor="ctr"/>
+                </a:tc>
+                <a:tc>
+                  <a:txBody>
+                    <a:bodyPr/>
+                    <a:lstStyle/>
+                    <a:p>
+                      <a:pPr algn="ctr"/>
+                      <a:r>
+                        <a:rPr lang="en-US" dirty="0">
+                          <a:solidFill>
+                            <a:srgbClr val="FF0000"/>
+                          </a:solidFill>
+                        </a:rPr>
+                        <a:t>0.857</a:t>
+                      </a:r>
+                    </a:p>
+                  </a:txBody>
+                  <a:tcPr anchor="ctr"/>
+                </a:tc>
+                <a:tc>
+                  <a:txBody>
+                    <a:bodyPr/>
+                    <a:lstStyle/>
+                    <a:p>
+                      <a:pPr algn="ctr"/>
+                      <a:r>
+                        <a:rPr lang="en-US" dirty="0">
+                          <a:solidFill>
+                            <a:srgbClr val="FF0000"/>
+                          </a:solidFill>
+                        </a:rPr>
+                        <a:t>0.814</a:t>
+                      </a:r>
+                    </a:p>
+                  </a:txBody>
+                  <a:tcPr anchor="ctr"/>
+                </a:tc>
+                <a:tc>
+                  <a:txBody>
+                    <a:bodyPr/>
+                    <a:lstStyle/>
+                    <a:p>
+                      <a:pPr algn="ctr"/>
+                      <a:r>
+                        <a:rPr lang="en-US" dirty="0">
+                          <a:solidFill>
+                            <a:srgbClr val="FF0000"/>
+                          </a:solidFill>
+                        </a:rPr>
+                        <a:t>0.863</a:t>
+                      </a:r>
+                    </a:p>
+                  </a:txBody>
+                  <a:tcPr anchor="ctr"/>
+                </a:tc>
+                <a:tc>
+                  <a:txBody>
+                    <a:bodyPr/>
+                    <a:lstStyle/>
+                    <a:p>
+                      <a:pPr algn="ctr"/>
+                      <a:r>
+                        <a:rPr lang="en-US" dirty="0">
+                          <a:solidFill>
+                            <a:srgbClr val="FF0000"/>
+                          </a:solidFill>
+                        </a:rPr>
+                        <a:t>0.852</a:t>
+                      </a:r>
+                    </a:p>
+                  </a:txBody>
+                  <a:tcPr anchor="ctr"/>
+                </a:tc>
+                <a:tc>
+                  <a:txBody>
+                    <a:bodyPr/>
+                    <a:lstStyle/>
+                    <a:p>
+                      <a:pPr algn="ctr"/>
+                      <a:r>
+                        <a:rPr lang="en-US" dirty="0">
+                          <a:solidFill>
+                            <a:srgbClr val="FF0000"/>
+                          </a:solidFill>
+                        </a:rPr>
+                        <a:t>0.838</a:t>
+                      </a:r>
+                    </a:p>
+                  </a:txBody>
+                  <a:tcPr anchor="ctr"/>
+                </a:tc>
+                <a:tc>
+                  <a:txBody>
+                    <a:bodyPr/>
+                    <a:lstStyle/>
+                    <a:p>
+                      <a:pPr algn="ctr"/>
+                      <a:r>
+                        <a:rPr lang="en-US" dirty="0">
+                          <a:solidFill>
+                            <a:srgbClr val="FF0000"/>
+                          </a:solidFill>
+                        </a:rPr>
+                        <a:t>0.3560</a:t>
+                      </a:r>
+                    </a:p>
+                  </a:txBody>
+                  <a:tcPr anchor="ctr"/>
+                </a:tc>
+                <a:extLst>
+                  <a:ext uri="{0D108BD9-81ED-4DB2-BD59-A6C34878D82A}">
+                    <a16:rowId xmlns:a16="http://schemas.microsoft.com/office/drawing/2014/main" val="2775775737"/>
+                  </a:ext>
+                </a:extLst>
+              </a:tr>
+              <a:tr h="887174">
+                <a:tc>
+                  <a:txBody>
+                    <a:bodyPr/>
+                    <a:lstStyle/>
+                    <a:p>
+                      <a:pPr algn="ctr"/>
+                      <a:r>
+                        <a:rPr lang="en-US" dirty="0"/>
+                        <a:t>vgg_F1</a:t>
+                      </a:r>
+                    </a:p>
+                  </a:txBody>
+                  <a:tcPr anchor="ctr"/>
+                </a:tc>
+                <a:tc>
+                  <a:txBody>
+                    <a:bodyPr/>
+                    <a:lstStyle/>
+                    <a:p>
+                      <a:pPr algn="ctr"/>
+                      <a:r>
+                        <a:rPr lang="en-US" dirty="0"/>
+                        <a:t>0.860</a:t>
+                      </a:r>
+                    </a:p>
+                  </a:txBody>
+                  <a:tcPr anchor="ctr"/>
+                </a:tc>
+                <a:tc>
+                  <a:txBody>
+                    <a:bodyPr/>
+                    <a:lstStyle/>
+                    <a:p>
+                      <a:pPr algn="ctr"/>
+                      <a:r>
+                        <a:rPr lang="en-US" dirty="0"/>
+                        <a:t>0.827</a:t>
+                      </a:r>
+                    </a:p>
+                  </a:txBody>
+                  <a:tcPr anchor="ctr"/>
+                </a:tc>
+                <a:tc>
+                  <a:txBody>
+                    <a:bodyPr/>
+                    <a:lstStyle/>
+                    <a:p>
+                      <a:pPr algn="ctr"/>
+                      <a:r>
+                        <a:rPr lang="en-US" dirty="0"/>
+                        <a:t>0.854</a:t>
+                      </a:r>
+                    </a:p>
+                  </a:txBody>
+                  <a:tcPr anchor="ctr"/>
+                </a:tc>
+                <a:tc>
+                  <a:txBody>
+                    <a:bodyPr/>
+                    <a:lstStyle/>
+                    <a:p>
+                      <a:pPr algn="ctr"/>
+                      <a:r>
+                        <a:rPr lang="en-US" dirty="0"/>
+                        <a:t>0.865</a:t>
+                      </a:r>
+                    </a:p>
+                  </a:txBody>
+                  <a:tcPr anchor="ctr"/>
+                </a:tc>
+                <a:tc>
+                  <a:txBody>
+                    <a:bodyPr/>
+                    <a:lstStyle/>
+                    <a:p>
+                      <a:pPr algn="ctr"/>
+                      <a:r>
+                        <a:rPr lang="en-US" dirty="0"/>
+                        <a:t>0.840</a:t>
+                      </a:r>
+                    </a:p>
+                  </a:txBody>
+                  <a:tcPr anchor="ctr"/>
+                </a:tc>
+                <a:tc>
+                  <a:txBody>
+                    <a:bodyPr/>
+                    <a:lstStyle/>
+                    <a:p>
+                      <a:pPr algn="ctr"/>
+                      <a:r>
+                        <a:rPr lang="en-US" dirty="0"/>
+                        <a:t>0.3755</a:t>
+                      </a:r>
+                    </a:p>
+                  </a:txBody>
+                  <a:tcPr anchor="ctr"/>
+                </a:tc>
+                <a:extLst>
+                  <a:ext uri="{0D108BD9-81ED-4DB2-BD59-A6C34878D82A}">
+                    <a16:rowId xmlns:a16="http://schemas.microsoft.com/office/drawing/2014/main" val="618446083"/>
+                  </a:ext>
+                </a:extLst>
+              </a:tr>
+              <a:tr h="887174">
+                <a:tc>
+                  <a:txBody>
+                    <a:bodyPr/>
+                    <a:lstStyle/>
+                    <a:p>
+                      <a:pPr marL="0" marR="0" lvl="0" indent="0" algn="ctr" defTabSz="914400" rtl="0" eaLnBrk="1" fontAlgn="auto" latinLnBrk="0" hangingPunct="1">
+                        <a:lnSpc>
+                          <a:spcPct val="100000"/>
+                        </a:lnSpc>
+                        <a:spcBef>
+                          <a:spcPts val="0"/>
+                        </a:spcBef>
+                        <a:spcAft>
+                          <a:spcPts val="0"/>
+                        </a:spcAft>
+                        <a:buClrTx/>
+                        <a:buSzTx/>
+                        <a:buFontTx/>
+                        <a:buNone/>
+                        <a:tabLst/>
+                        <a:defRPr/>
+                      </a:pPr>
+                      <a:r>
+                        <a:rPr lang="en-US" dirty="0" err="1"/>
+                        <a:t>vgg_loss</a:t>
+                      </a:r>
+                      <a:endParaRPr lang="en-US" dirty="0"/>
+                    </a:p>
+                    <a:p>
+                      <a:pPr algn="ctr"/>
+                      <a:endParaRPr lang="en-US" dirty="0"/>
+                    </a:p>
+                  </a:txBody>
+                  <a:tcPr anchor="ctr"/>
+                </a:tc>
+                <a:tc>
+                  <a:txBody>
+                    <a:bodyPr/>
+                    <a:lstStyle/>
+                    <a:p>
+                      <a:pPr algn="ctr"/>
+                      <a:r>
+                        <a:rPr lang="en-US" dirty="0"/>
+                        <a:t>0.867</a:t>
+                      </a:r>
+                    </a:p>
+                  </a:txBody>
+                  <a:tcPr anchor="ctr"/>
+                </a:tc>
+                <a:tc>
+                  <a:txBody>
+                    <a:bodyPr/>
+                    <a:lstStyle/>
+                    <a:p>
+                      <a:pPr algn="ctr"/>
+                      <a:r>
+                        <a:rPr lang="en-US" dirty="0"/>
+                        <a:t>0.866</a:t>
+                      </a:r>
+                    </a:p>
+                  </a:txBody>
+                  <a:tcPr anchor="ctr"/>
+                </a:tc>
+                <a:tc>
+                  <a:txBody>
+                    <a:bodyPr/>
+                    <a:lstStyle/>
+                    <a:p>
+                      <a:pPr algn="ctr"/>
+                      <a:r>
+                        <a:rPr lang="en-US" dirty="0"/>
+                        <a:t>0.817</a:t>
+                      </a:r>
+                    </a:p>
+                  </a:txBody>
+                  <a:tcPr anchor="ctr"/>
+                </a:tc>
+                <a:tc>
+                  <a:txBody>
+                    <a:bodyPr/>
+                    <a:lstStyle/>
+                    <a:p>
+                      <a:pPr algn="ctr"/>
+                      <a:r>
+                        <a:rPr lang="en-US" dirty="0"/>
+                        <a:t>0.905</a:t>
+                      </a:r>
+                    </a:p>
+                  </a:txBody>
+                  <a:tcPr anchor="ctr"/>
+                </a:tc>
+                <a:tc>
+                  <a:txBody>
+                    <a:bodyPr/>
+                    <a:lstStyle/>
+                    <a:p>
+                      <a:pPr algn="ctr"/>
+                      <a:r>
+                        <a:rPr lang="en-US" dirty="0"/>
+                        <a:t>0.840</a:t>
+                      </a:r>
+                    </a:p>
+                  </a:txBody>
+                  <a:tcPr anchor="ctr"/>
+                </a:tc>
+                <a:tc>
+                  <a:txBody>
+                    <a:bodyPr/>
+                    <a:lstStyle/>
+                    <a:p>
+                      <a:pPr algn="ctr"/>
+                      <a:r>
+                        <a:rPr lang="en-US" dirty="0"/>
+                        <a:t>0.3456</a:t>
+                      </a:r>
+                    </a:p>
+                  </a:txBody>
+                  <a:tcPr anchor="ctr"/>
+                </a:tc>
+                <a:extLst>
+                  <a:ext uri="{0D108BD9-81ED-4DB2-BD59-A6C34878D82A}">
+                    <a16:rowId xmlns:a16="http://schemas.microsoft.com/office/drawing/2014/main" val="872347479"/>
+                  </a:ext>
+                </a:extLst>
+              </a:tr>
+            </a:tbl>
+          </a:graphicData>
+        </a:graphic>
+      </p:graphicFrame>
+    </p:spTree>
+    <p:extLst>
+      <p:ext uri="{BB962C8B-B14F-4D97-AF65-F5344CB8AC3E}">
+        <p14:creationId xmlns:p14="http://schemas.microsoft.com/office/powerpoint/2010/main" val="1444122630"/>
       </p:ext>
     </p:extLst>
   </p:cSld>
@@ -39915,6 +41518,807 @@
           <p:nvPr>
             <p:extLst>
               <p:ext uri="{D42A27DB-BD31-4B8C-83A1-F6EECF244321}">
+                <p14:modId xmlns:p14="http://schemas.microsoft.com/office/powerpoint/2010/main" val="1383858346"/>
+              </p:ext>
+            </p:extLst>
+          </p:nvPr>
+        </p:nvGraphicFramePr>
+        <p:xfrm>
+          <a:off x="674557" y="929527"/>
+          <a:ext cx="10942820" cy="4976599"/>
+        </p:xfrm>
+        <a:graphic>
+          <a:graphicData uri="http://schemas.openxmlformats.org/drawingml/2006/table">
+            <a:tbl>
+              <a:tblPr firstRow="1" bandRow="1">
+                <a:tableStyleId>{93296810-A885-4BE3-A3E7-6D5BEEA58F35}</a:tableStyleId>
+              </a:tblPr>
+              <a:tblGrid>
+                <a:gridCol w="1563260">
+                  <a:extLst>
+                    <a:ext uri="{9D8B030D-6E8A-4147-A177-3AD203B41FA5}">
+                      <a16:colId xmlns:a16="http://schemas.microsoft.com/office/drawing/2014/main" val="2272368709"/>
+                    </a:ext>
+                  </a:extLst>
+                </a:gridCol>
+                <a:gridCol w="1563260">
+                  <a:extLst>
+                    <a:ext uri="{9D8B030D-6E8A-4147-A177-3AD203B41FA5}">
+                      <a16:colId xmlns:a16="http://schemas.microsoft.com/office/drawing/2014/main" val="2235686462"/>
+                    </a:ext>
+                  </a:extLst>
+                </a:gridCol>
+                <a:gridCol w="1563260">
+                  <a:extLst>
+                    <a:ext uri="{9D8B030D-6E8A-4147-A177-3AD203B41FA5}">
+                      <a16:colId xmlns:a16="http://schemas.microsoft.com/office/drawing/2014/main" val="1061232007"/>
+                    </a:ext>
+                  </a:extLst>
+                </a:gridCol>
+                <a:gridCol w="1563260">
+                  <a:extLst>
+                    <a:ext uri="{9D8B030D-6E8A-4147-A177-3AD203B41FA5}">
+                      <a16:colId xmlns:a16="http://schemas.microsoft.com/office/drawing/2014/main" val="464967916"/>
+                    </a:ext>
+                  </a:extLst>
+                </a:gridCol>
+                <a:gridCol w="1563260">
+                  <a:extLst>
+                    <a:ext uri="{9D8B030D-6E8A-4147-A177-3AD203B41FA5}">
+                      <a16:colId xmlns:a16="http://schemas.microsoft.com/office/drawing/2014/main" val="3929012556"/>
+                    </a:ext>
+                  </a:extLst>
+                </a:gridCol>
+                <a:gridCol w="1563260">
+                  <a:extLst>
+                    <a:ext uri="{9D8B030D-6E8A-4147-A177-3AD203B41FA5}">
+                      <a16:colId xmlns:a16="http://schemas.microsoft.com/office/drawing/2014/main" val="3303028153"/>
+                    </a:ext>
+                  </a:extLst>
+                </a:gridCol>
+                <a:gridCol w="1563260">
+                  <a:extLst>
+                    <a:ext uri="{9D8B030D-6E8A-4147-A177-3AD203B41FA5}">
+                      <a16:colId xmlns:a16="http://schemas.microsoft.com/office/drawing/2014/main" val="4108006114"/>
+                    </a:ext>
+                  </a:extLst>
+                </a:gridCol>
+              </a:tblGrid>
+              <a:tr h="523804">
+                <a:tc>
+                  <a:txBody>
+                    <a:bodyPr/>
+                    <a:lstStyle/>
+                    <a:p>
+                      <a:pPr algn="ctr"/>
+                      <a:r>
+                        <a:rPr lang="en-US" dirty="0"/>
+                        <a:t>Gap</a:t>
+                      </a:r>
+                    </a:p>
+                  </a:txBody>
+                  <a:tcPr anchor="ctr"/>
+                </a:tc>
+                <a:tc>
+                  <a:txBody>
+                    <a:bodyPr/>
+                    <a:lstStyle/>
+                    <a:p>
+                      <a:pPr algn="ctr"/>
+                      <a:r>
+                        <a:rPr lang="en-US" dirty="0"/>
+                        <a:t>Accuracy</a:t>
+                      </a:r>
+                    </a:p>
+                  </a:txBody>
+                  <a:tcPr anchor="ctr"/>
+                </a:tc>
+                <a:tc>
+                  <a:txBody>
+                    <a:bodyPr/>
+                    <a:lstStyle/>
+                    <a:p>
+                      <a:pPr algn="ctr"/>
+                      <a:r>
+                        <a:rPr lang="en-US" dirty="0"/>
+                        <a:t>precision</a:t>
+                      </a:r>
+                    </a:p>
+                  </a:txBody>
+                  <a:tcPr anchor="ctr"/>
+                </a:tc>
+                <a:tc>
+                  <a:txBody>
+                    <a:bodyPr/>
+                    <a:lstStyle/>
+                    <a:p>
+                      <a:pPr algn="ctr"/>
+                      <a:r>
+                        <a:rPr lang="en-US" dirty="0"/>
+                        <a:t>recall</a:t>
+                      </a:r>
+                    </a:p>
+                  </a:txBody>
+                  <a:tcPr anchor="ctr"/>
+                </a:tc>
+                <a:tc>
+                  <a:txBody>
+                    <a:bodyPr/>
+                    <a:lstStyle/>
+                    <a:p>
+                      <a:pPr algn="ctr"/>
+                      <a:r>
+                        <a:rPr lang="en-US" dirty="0"/>
+                        <a:t>specificity</a:t>
+                      </a:r>
+                    </a:p>
+                  </a:txBody>
+                  <a:tcPr anchor="ctr"/>
+                </a:tc>
+                <a:tc>
+                  <a:txBody>
+                    <a:bodyPr/>
+                    <a:lstStyle/>
+                    <a:p>
+                      <a:pPr algn="ctr"/>
+                      <a:r>
+                        <a:rPr lang="en-US" dirty="0"/>
+                        <a:t>F1</a:t>
+                      </a:r>
+                    </a:p>
+                  </a:txBody>
+                  <a:tcPr anchor="ctr"/>
+                </a:tc>
+                <a:tc>
+                  <a:txBody>
+                    <a:bodyPr/>
+                    <a:lstStyle/>
+                    <a:p>
+                      <a:pPr algn="ctr"/>
+                      <a:r>
+                        <a:rPr lang="en-US" dirty="0"/>
+                        <a:t>loss</a:t>
+                      </a:r>
+                    </a:p>
+                  </a:txBody>
+                  <a:tcPr anchor="ctr"/>
+                </a:tc>
+                <a:extLst>
+                  <a:ext uri="{0D108BD9-81ED-4DB2-BD59-A6C34878D82A}">
+                    <a16:rowId xmlns:a16="http://schemas.microsoft.com/office/drawing/2014/main" val="2384826745"/>
+                  </a:ext>
+                </a:extLst>
+              </a:tr>
+              <a:tr h="904099">
+                <a:tc>
+                  <a:txBody>
+                    <a:bodyPr/>
+                    <a:lstStyle/>
+                    <a:p>
+                      <a:pPr algn="ctr"/>
+                      <a:r>
+                        <a:rPr lang="en-US" dirty="0" err="1"/>
+                        <a:t>vgg_accuracy</a:t>
+                      </a:r>
+                      <a:endParaRPr lang="en-US" dirty="0"/>
+                    </a:p>
+                  </a:txBody>
+                  <a:tcPr anchor="ctr"/>
+                </a:tc>
+                <a:tc>
+                  <a:txBody>
+                    <a:bodyPr/>
+                    <a:lstStyle/>
+                    <a:p>
+                      <a:pPr algn="ctr"/>
+                      <a:r>
+                        <a:rPr lang="en-US" dirty="0"/>
+                        <a:t>0.853</a:t>
+                      </a:r>
+                    </a:p>
+                  </a:txBody>
+                  <a:tcPr anchor="ctr"/>
+                </a:tc>
+                <a:tc>
+                  <a:txBody>
+                    <a:bodyPr/>
+                    <a:lstStyle/>
+                    <a:p>
+                      <a:pPr algn="ctr"/>
+                      <a:r>
+                        <a:rPr lang="en-US" dirty="0"/>
+                        <a:t>0.786</a:t>
+                      </a:r>
+                    </a:p>
+                  </a:txBody>
+                  <a:tcPr anchor="ctr"/>
+                </a:tc>
+                <a:tc>
+                  <a:txBody>
+                    <a:bodyPr/>
+                    <a:lstStyle/>
+                    <a:p>
+                      <a:pPr algn="ctr"/>
+                      <a:r>
+                        <a:rPr lang="en-US" dirty="0"/>
+                        <a:t>0.774</a:t>
+                      </a:r>
+                    </a:p>
+                  </a:txBody>
+                  <a:tcPr anchor="ctr"/>
+                </a:tc>
+                <a:tc>
+                  <a:txBody>
+                    <a:bodyPr/>
+                    <a:lstStyle/>
+                    <a:p>
+                      <a:pPr algn="ctr"/>
+                      <a:r>
+                        <a:rPr lang="en-US" dirty="0"/>
+                        <a:t>0.893</a:t>
+                      </a:r>
+                    </a:p>
+                  </a:txBody>
+                  <a:tcPr anchor="ctr"/>
+                </a:tc>
+                <a:tc>
+                  <a:txBody>
+                    <a:bodyPr/>
+                    <a:lstStyle/>
+                    <a:p>
+                      <a:pPr algn="ctr"/>
+                      <a:r>
+                        <a:rPr lang="en-US" dirty="0"/>
+                        <a:t>0.780</a:t>
+                      </a:r>
+                    </a:p>
+                  </a:txBody>
+                  <a:tcPr anchor="ctr"/>
+                </a:tc>
+                <a:tc>
+                  <a:txBody>
+                    <a:bodyPr/>
+                    <a:lstStyle/>
+                    <a:p>
+                      <a:pPr algn="ctr"/>
+                      <a:r>
+                        <a:rPr lang="en-US" dirty="0"/>
+                        <a:t>0.4101</a:t>
+                      </a:r>
+                    </a:p>
+                  </a:txBody>
+                  <a:tcPr anchor="ctr"/>
+                </a:tc>
+                <a:extLst>
+                  <a:ext uri="{0D108BD9-81ED-4DB2-BD59-A6C34878D82A}">
+                    <a16:rowId xmlns:a16="http://schemas.microsoft.com/office/drawing/2014/main" val="1449166203"/>
+                  </a:ext>
+                </a:extLst>
+              </a:tr>
+              <a:tr h="887174">
+                <a:tc>
+                  <a:txBody>
+                    <a:bodyPr/>
+                    <a:lstStyle/>
+                    <a:p>
+                      <a:pPr algn="ctr"/>
+                      <a:r>
+                        <a:rPr lang="en-US" dirty="0" err="1"/>
+                        <a:t>vgg_precision</a:t>
+                      </a:r>
+                      <a:endParaRPr lang="en-US" dirty="0"/>
+                    </a:p>
+                  </a:txBody>
+                  <a:tcPr anchor="ctr"/>
+                </a:tc>
+                <a:tc>
+                  <a:txBody>
+                    <a:bodyPr/>
+                    <a:lstStyle/>
+                    <a:p>
+                      <a:pPr algn="ctr"/>
+                      <a:r>
+                        <a:rPr lang="en-US" dirty="0"/>
+                        <a:t>0.826</a:t>
+                      </a:r>
+                    </a:p>
+                  </a:txBody>
+                  <a:tcPr anchor="ctr"/>
+                </a:tc>
+                <a:tc>
+                  <a:txBody>
+                    <a:bodyPr/>
+                    <a:lstStyle/>
+                    <a:p>
+                      <a:pPr algn="ctr"/>
+                      <a:r>
+                        <a:rPr lang="en-US" dirty="0"/>
+                        <a:t>0.856</a:t>
+                      </a:r>
+                    </a:p>
+                  </a:txBody>
+                  <a:tcPr anchor="ctr"/>
+                </a:tc>
+                <a:tc>
+                  <a:txBody>
+                    <a:bodyPr/>
+                    <a:lstStyle/>
+                    <a:p>
+                      <a:pPr algn="ctr"/>
+                      <a:r>
+                        <a:rPr lang="en-US" dirty="0"/>
+                        <a:t>0.580</a:t>
+                      </a:r>
+                    </a:p>
+                  </a:txBody>
+                  <a:tcPr anchor="ctr"/>
+                </a:tc>
+                <a:tc>
+                  <a:txBody>
+                    <a:bodyPr/>
+                    <a:lstStyle/>
+                    <a:p>
+                      <a:pPr algn="ctr"/>
+                      <a:r>
+                        <a:rPr lang="en-US" dirty="0"/>
+                        <a:t>0.950</a:t>
+                      </a:r>
+                    </a:p>
+                  </a:txBody>
+                  <a:tcPr anchor="ctr"/>
+                </a:tc>
+                <a:tc>
+                  <a:txBody>
+                    <a:bodyPr/>
+                    <a:lstStyle/>
+                    <a:p>
+                      <a:pPr algn="ctr"/>
+                      <a:r>
+                        <a:rPr lang="en-US" dirty="0"/>
+                        <a:t>0.692</a:t>
+                      </a:r>
+                    </a:p>
+                  </a:txBody>
+                  <a:tcPr anchor="ctr"/>
+                </a:tc>
+                <a:tc>
+                  <a:txBody>
+                    <a:bodyPr/>
+                    <a:lstStyle/>
+                    <a:p>
+                      <a:pPr algn="ctr"/>
+                      <a:r>
+                        <a:rPr lang="en-US" dirty="0"/>
+                        <a:t>0.4142</a:t>
+                      </a:r>
+                    </a:p>
+                  </a:txBody>
+                  <a:tcPr anchor="ctr"/>
+                </a:tc>
+                <a:extLst>
+                  <a:ext uri="{0D108BD9-81ED-4DB2-BD59-A6C34878D82A}">
+                    <a16:rowId xmlns:a16="http://schemas.microsoft.com/office/drawing/2014/main" val="4164655960"/>
+                  </a:ext>
+                </a:extLst>
+              </a:tr>
+              <a:tr h="887174">
+                <a:tc>
+                  <a:txBody>
+                    <a:bodyPr/>
+                    <a:lstStyle/>
+                    <a:p>
+                      <a:pPr algn="ctr"/>
+                      <a:r>
+                        <a:rPr lang="en-US" dirty="0" err="1">
+                          <a:solidFill>
+                            <a:srgbClr val="FF0000"/>
+                          </a:solidFill>
+                        </a:rPr>
+                        <a:t>vgg_recall</a:t>
+                      </a:r>
+                      <a:endParaRPr lang="en-US" dirty="0">
+                        <a:solidFill>
+                          <a:srgbClr val="FF0000"/>
+                        </a:solidFill>
+                      </a:endParaRPr>
+                    </a:p>
+                  </a:txBody>
+                  <a:tcPr anchor="ctr"/>
+                </a:tc>
+                <a:tc>
+                  <a:txBody>
+                    <a:bodyPr/>
+                    <a:lstStyle/>
+                    <a:p>
+                      <a:pPr algn="ctr"/>
+                      <a:r>
+                        <a:rPr lang="en-US" dirty="0">
+                          <a:solidFill>
+                            <a:srgbClr val="FF0000"/>
+                          </a:solidFill>
+                        </a:rPr>
+                        <a:t>0.833</a:t>
+                      </a:r>
+                    </a:p>
+                  </a:txBody>
+                  <a:tcPr anchor="ctr"/>
+                </a:tc>
+                <a:tc>
+                  <a:txBody>
+                    <a:bodyPr/>
+                    <a:lstStyle/>
+                    <a:p>
+                      <a:pPr algn="ctr"/>
+                      <a:r>
+                        <a:rPr lang="en-US" dirty="0">
+                          <a:solidFill>
+                            <a:srgbClr val="FF0000"/>
+                          </a:solidFill>
+                        </a:rPr>
+                        <a:t>0.724</a:t>
+                      </a:r>
+                    </a:p>
+                  </a:txBody>
+                  <a:tcPr anchor="ctr"/>
+                </a:tc>
+                <a:tc>
+                  <a:txBody>
+                    <a:bodyPr/>
+                    <a:lstStyle/>
+                    <a:p>
+                      <a:pPr algn="ctr"/>
+                      <a:r>
+                        <a:rPr lang="en-US" dirty="0">
+                          <a:solidFill>
+                            <a:srgbClr val="FF0000"/>
+                          </a:solidFill>
+                        </a:rPr>
+                        <a:t>0.815</a:t>
+                      </a:r>
+                    </a:p>
+                  </a:txBody>
+                  <a:tcPr anchor="ctr"/>
+                </a:tc>
+                <a:tc>
+                  <a:txBody>
+                    <a:bodyPr/>
+                    <a:lstStyle/>
+                    <a:p>
+                      <a:pPr algn="ctr"/>
+                      <a:r>
+                        <a:rPr lang="en-US" dirty="0">
+                          <a:solidFill>
+                            <a:srgbClr val="FF0000"/>
+                          </a:solidFill>
+                        </a:rPr>
+                        <a:t>0.842</a:t>
+                      </a:r>
+                    </a:p>
+                  </a:txBody>
+                  <a:tcPr anchor="ctr"/>
+                </a:tc>
+                <a:tc>
+                  <a:txBody>
+                    <a:bodyPr/>
+                    <a:lstStyle/>
+                    <a:p>
+                      <a:pPr algn="ctr"/>
+                      <a:r>
+                        <a:rPr lang="en-US" dirty="0">
+                          <a:solidFill>
+                            <a:srgbClr val="FF0000"/>
+                          </a:solidFill>
+                        </a:rPr>
+                        <a:t>0.766</a:t>
+                      </a:r>
+                    </a:p>
+                  </a:txBody>
+                  <a:tcPr anchor="ctr"/>
+                </a:tc>
+                <a:tc>
+                  <a:txBody>
+                    <a:bodyPr/>
+                    <a:lstStyle/>
+                    <a:p>
+                      <a:pPr algn="ctr"/>
+                      <a:r>
+                        <a:rPr lang="en-US" dirty="0">
+                          <a:solidFill>
+                            <a:srgbClr val="FF0000"/>
+                          </a:solidFill>
+                        </a:rPr>
+                        <a:t>0.4144</a:t>
+                      </a:r>
+                    </a:p>
+                  </a:txBody>
+                  <a:tcPr anchor="ctr"/>
+                </a:tc>
+                <a:extLst>
+                  <a:ext uri="{0D108BD9-81ED-4DB2-BD59-A6C34878D82A}">
+                    <a16:rowId xmlns:a16="http://schemas.microsoft.com/office/drawing/2014/main" val="2775775737"/>
+                  </a:ext>
+                </a:extLst>
+              </a:tr>
+              <a:tr h="887174">
+                <a:tc>
+                  <a:txBody>
+                    <a:bodyPr/>
+                    <a:lstStyle/>
+                    <a:p>
+                      <a:pPr algn="ctr"/>
+                      <a:r>
+                        <a:rPr lang="en-US" dirty="0"/>
+                        <a:t>vgg_F1</a:t>
+                      </a:r>
+                    </a:p>
+                  </a:txBody>
+                  <a:tcPr anchor="ctr"/>
+                </a:tc>
+                <a:tc>
+                  <a:txBody>
+                    <a:bodyPr/>
+                    <a:lstStyle/>
+                    <a:p>
+                      <a:pPr algn="ctr"/>
+                      <a:r>
+                        <a:rPr lang="en-US" dirty="0"/>
+                        <a:t>0.853</a:t>
+                      </a:r>
+                    </a:p>
+                  </a:txBody>
+                  <a:tcPr anchor="ctr"/>
+                </a:tc>
+                <a:tc>
+                  <a:txBody>
+                    <a:bodyPr/>
+                    <a:lstStyle/>
+                    <a:p>
+                      <a:pPr algn="ctr"/>
+                      <a:r>
+                        <a:rPr lang="en-US" dirty="0"/>
+                        <a:t>0.786</a:t>
+                      </a:r>
+                    </a:p>
+                  </a:txBody>
+                  <a:tcPr anchor="ctr"/>
+                </a:tc>
+                <a:tc>
+                  <a:txBody>
+                    <a:bodyPr/>
+                    <a:lstStyle/>
+                    <a:p>
+                      <a:pPr algn="ctr"/>
+                      <a:r>
+                        <a:rPr lang="en-US" dirty="0"/>
+                        <a:t>0.774</a:t>
+                      </a:r>
+                    </a:p>
+                  </a:txBody>
+                  <a:tcPr anchor="ctr"/>
+                </a:tc>
+                <a:tc>
+                  <a:txBody>
+                    <a:bodyPr/>
+                    <a:lstStyle/>
+                    <a:p>
+                      <a:pPr algn="ctr"/>
+                      <a:r>
+                        <a:rPr lang="en-US" dirty="0"/>
+                        <a:t>0.893</a:t>
+                      </a:r>
+                    </a:p>
+                  </a:txBody>
+                  <a:tcPr anchor="ctr"/>
+                </a:tc>
+                <a:tc>
+                  <a:txBody>
+                    <a:bodyPr/>
+                    <a:lstStyle/>
+                    <a:p>
+                      <a:pPr algn="ctr"/>
+                      <a:r>
+                        <a:rPr lang="en-US" dirty="0"/>
+                        <a:t>0.780</a:t>
+                      </a:r>
+                    </a:p>
+                  </a:txBody>
+                  <a:tcPr anchor="ctr"/>
+                </a:tc>
+                <a:tc>
+                  <a:txBody>
+                    <a:bodyPr/>
+                    <a:lstStyle/>
+                    <a:p>
+                      <a:pPr algn="ctr"/>
+                      <a:r>
+                        <a:rPr lang="en-US" dirty="0"/>
+                        <a:t>0.4101</a:t>
+                      </a:r>
+                    </a:p>
+                  </a:txBody>
+                  <a:tcPr anchor="ctr"/>
+                </a:tc>
+                <a:extLst>
+                  <a:ext uri="{0D108BD9-81ED-4DB2-BD59-A6C34878D82A}">
+                    <a16:rowId xmlns:a16="http://schemas.microsoft.com/office/drawing/2014/main" val="618446083"/>
+                  </a:ext>
+                </a:extLst>
+              </a:tr>
+              <a:tr h="887174">
+                <a:tc>
+                  <a:txBody>
+                    <a:bodyPr/>
+                    <a:lstStyle/>
+                    <a:p>
+                      <a:pPr marL="0" marR="0" lvl="0" indent="0" algn="ctr" defTabSz="914400" rtl="0" eaLnBrk="1" fontAlgn="auto" latinLnBrk="0" hangingPunct="1">
+                        <a:lnSpc>
+                          <a:spcPct val="100000"/>
+                        </a:lnSpc>
+                        <a:spcBef>
+                          <a:spcPts val="0"/>
+                        </a:spcBef>
+                        <a:spcAft>
+                          <a:spcPts val="0"/>
+                        </a:spcAft>
+                        <a:buClrTx/>
+                        <a:buSzTx/>
+                        <a:buFontTx/>
+                        <a:buNone/>
+                        <a:tabLst/>
+                        <a:defRPr/>
+                      </a:pPr>
+                      <a:r>
+                        <a:rPr lang="en-US" dirty="0" err="1"/>
+                        <a:t>vgg_loss</a:t>
+                      </a:r>
+                      <a:endParaRPr lang="en-US" dirty="0"/>
+                    </a:p>
+                    <a:p>
+                      <a:pPr algn="ctr"/>
+                      <a:endParaRPr lang="en-US" dirty="0"/>
+                    </a:p>
+                  </a:txBody>
+                  <a:tcPr anchor="ctr"/>
+                </a:tc>
+                <a:tc>
+                  <a:txBody>
+                    <a:bodyPr/>
+                    <a:lstStyle/>
+                    <a:p>
+                      <a:pPr algn="ctr"/>
+                      <a:r>
+                        <a:rPr lang="en-US" dirty="0"/>
+                        <a:t>0.843</a:t>
+                      </a:r>
+                    </a:p>
+                  </a:txBody>
+                  <a:tcPr anchor="ctr"/>
+                </a:tc>
+                <a:tc>
+                  <a:txBody>
+                    <a:bodyPr/>
+                    <a:lstStyle/>
+                    <a:p>
+                      <a:pPr algn="ctr"/>
+                      <a:r>
+                        <a:rPr lang="en-US" dirty="0"/>
+                        <a:t>0.776</a:t>
+                      </a:r>
+                    </a:p>
+                  </a:txBody>
+                  <a:tcPr anchor="ctr"/>
+                </a:tc>
+                <a:tc>
+                  <a:txBody>
+                    <a:bodyPr/>
+                    <a:lstStyle/>
+                    <a:p>
+                      <a:pPr algn="ctr"/>
+                      <a:r>
+                        <a:rPr lang="en-US" dirty="0"/>
+                        <a:t>0.751</a:t>
+                      </a:r>
+                    </a:p>
+                  </a:txBody>
+                  <a:tcPr anchor="ctr"/>
+                </a:tc>
+                <a:tc>
+                  <a:txBody>
+                    <a:bodyPr/>
+                    <a:lstStyle/>
+                    <a:p>
+                      <a:pPr algn="ctr"/>
+                      <a:r>
+                        <a:rPr lang="en-US" dirty="0"/>
+                        <a:t>0.890</a:t>
+                      </a:r>
+                    </a:p>
+                  </a:txBody>
+                  <a:tcPr anchor="ctr"/>
+                </a:tc>
+                <a:tc>
+                  <a:txBody>
+                    <a:bodyPr/>
+                    <a:lstStyle/>
+                    <a:p>
+                      <a:pPr algn="ctr"/>
+                      <a:r>
+                        <a:rPr lang="en-US" dirty="0"/>
+                        <a:t>0.763</a:t>
+                      </a:r>
+                    </a:p>
+                  </a:txBody>
+                  <a:tcPr anchor="ctr"/>
+                </a:tc>
+                <a:tc>
+                  <a:txBody>
+                    <a:bodyPr/>
+                    <a:lstStyle/>
+                    <a:p>
+                      <a:pPr algn="ctr"/>
+                      <a:r>
+                        <a:rPr lang="en-US" dirty="0"/>
+                        <a:t>0.3945</a:t>
+                      </a:r>
+                    </a:p>
+                  </a:txBody>
+                  <a:tcPr anchor="ctr"/>
+                </a:tc>
+                <a:extLst>
+                  <a:ext uri="{0D108BD9-81ED-4DB2-BD59-A6C34878D82A}">
+                    <a16:rowId xmlns:a16="http://schemas.microsoft.com/office/drawing/2014/main" val="872347479"/>
+                  </a:ext>
+                </a:extLst>
+              </a:tr>
+            </a:tbl>
+          </a:graphicData>
+        </a:graphic>
+      </p:graphicFrame>
+    </p:spTree>
+    <p:extLst>
+      <p:ext uri="{BB962C8B-B14F-4D97-AF65-F5344CB8AC3E}">
+        <p14:creationId xmlns:p14="http://schemas.microsoft.com/office/powerpoint/2010/main" val="2527428824"/>
+      </p:ext>
+    </p:extLst>
+  </p:cSld>
+  <p:clrMapOvr>
+    <a:masterClrMapping/>
+  </p:clrMapOvr>
+</p:sld>
+</file>
+
+<file path=ppt/slides/slide82.xml><?xml version="1.0" encoding="utf-8"?>
+<p:sld xmlns:a="http://schemas.openxmlformats.org/drawingml/2006/main" xmlns:r="http://schemas.openxmlformats.org/officeDocument/2006/relationships" xmlns:p="http://schemas.openxmlformats.org/presentationml/2006/main">
+  <p:cSld>
+    <p:spTree>
+      <p:nvGrpSpPr>
+        <p:cNvPr id="1" name=""/>
+        <p:cNvGrpSpPr/>
+        <p:nvPr/>
+      </p:nvGrpSpPr>
+      <p:grpSpPr>
+        <a:xfrm>
+          <a:off x="0" y="0"/>
+          <a:ext cx="0" cy="0"/>
+          <a:chOff x="0" y="0"/>
+          <a:chExt cx="0" cy="0"/>
+        </a:xfrm>
+      </p:grpSpPr>
+      <p:graphicFrame>
+        <p:nvGraphicFramePr>
+          <p:cNvPr id="4" name="Table 3">
+            <a:extLst>
+              <a:ext uri="{FF2B5EF4-FFF2-40B4-BE49-F238E27FC236}">
+                <a16:creationId xmlns:a16="http://schemas.microsoft.com/office/drawing/2014/main" id="{F3634E9B-F616-E548-A703-16000F2DD0FF}"/>
+              </a:ext>
+            </a:extLst>
+          </p:cNvPr>
+          <p:cNvGraphicFramePr>
+            <a:graphicFrameLocks noGrp="1"/>
+          </p:cNvGraphicFramePr>
+          <p:nvPr>
+            <p:extLst>
+              <p:ext uri="{D42A27DB-BD31-4B8C-83A1-F6EECF244321}">
                 <p14:modId xmlns:p14="http://schemas.microsoft.com/office/powerpoint/2010/main" val="430048143"/>
               </p:ext>
             </p:extLst>
@@ -40684,7 +43088,7 @@
 </p:sld>
 </file>
 
-<file path=ppt/slides/slide82.xml><?xml version="1.0" encoding="utf-8"?>
+<file path=ppt/slides/slide83.xml><?xml version="1.0" encoding="utf-8"?>
 <p:sld xmlns:a="http://schemas.openxmlformats.org/drawingml/2006/main" xmlns:r="http://schemas.openxmlformats.org/officeDocument/2006/relationships" xmlns:p="http://schemas.openxmlformats.org/presentationml/2006/main">
   <p:cSld>
     <p:spTree>
@@ -41485,7 +43889,7 @@
 </p:sld>
 </file>
 
-<file path=ppt/slides/slide83.xml><?xml version="1.0" encoding="utf-8"?>
+<file path=ppt/slides/slide84.xml><?xml version="1.0" encoding="utf-8"?>
 <p:sld xmlns:a="http://schemas.openxmlformats.org/drawingml/2006/main" xmlns:r="http://schemas.openxmlformats.org/officeDocument/2006/relationships" xmlns:p="http://schemas.openxmlformats.org/presentationml/2006/main">
   <p:cSld>
     <p:spTree>
@@ -41549,7 +43953,7 @@
 </p:sld>
 </file>
 
-<file path=ppt/slides/slide84.xml><?xml version="1.0" encoding="utf-8"?>
+<file path=ppt/slides/slide85.xml><?xml version="1.0" encoding="utf-8"?>
 <p:sld xmlns:a="http://schemas.openxmlformats.org/drawingml/2006/main" xmlns:r="http://schemas.openxmlformats.org/officeDocument/2006/relationships" xmlns:p="http://schemas.openxmlformats.org/presentationml/2006/main">
   <p:cSld>
     <p:spTree>
@@ -42354,7 +44758,7 @@
 </p:sld>
 </file>
 
-<file path=ppt/slides/slide85.xml><?xml version="1.0" encoding="utf-8"?>
+<file path=ppt/slides/slide86.xml><?xml version="1.0" encoding="utf-8"?>
 <p:sld xmlns:a="http://schemas.openxmlformats.org/drawingml/2006/main" xmlns:r="http://schemas.openxmlformats.org/officeDocument/2006/relationships" xmlns:p="http://schemas.openxmlformats.org/presentationml/2006/main">
   <p:cSld>
     <p:spTree>
@@ -43159,7 +45563,7 @@
 </p:sld>
 </file>
 
-<file path=ppt/slides/slide86.xml><?xml version="1.0" encoding="utf-8"?>
+<file path=ppt/slides/slide87.xml><?xml version="1.0" encoding="utf-8"?>
 <p:sld xmlns:a="http://schemas.openxmlformats.org/drawingml/2006/main" xmlns:r="http://schemas.openxmlformats.org/officeDocument/2006/relationships" xmlns:p="http://schemas.openxmlformats.org/presentationml/2006/main">
   <p:cSld>
     <p:spTree>
@@ -43953,7 +46357,7 @@
 </p:sld>
 </file>
 
-<file path=ppt/slides/slide87.xml><?xml version="1.0" encoding="utf-8"?>
+<file path=ppt/slides/slide88.xml><?xml version="1.0" encoding="utf-8"?>
 <p:sld xmlns:a="http://schemas.openxmlformats.org/drawingml/2006/main" xmlns:r="http://schemas.openxmlformats.org/officeDocument/2006/relationships" xmlns:p="http://schemas.openxmlformats.org/presentationml/2006/main">
   <p:cSld>
     <p:spTree>
@@ -44747,7 +47151,7 @@
 </p:sld>
 </file>
 
-<file path=ppt/slides/slide88.xml><?xml version="1.0" encoding="utf-8"?>
+<file path=ppt/slides/slide89.xml><?xml version="1.0" encoding="utf-8"?>
 <p:sld xmlns:a="http://schemas.openxmlformats.org/drawingml/2006/main" xmlns:r="http://schemas.openxmlformats.org/officeDocument/2006/relationships" xmlns:p="http://schemas.openxmlformats.org/presentationml/2006/main">
   <p:cSld>
     <p:spTree>
@@ -45544,7 +47948,71 @@
 </p:sld>
 </file>
 
-<file path=ppt/slides/slide89.xml><?xml version="1.0" encoding="utf-8"?>
+<file path=ppt/slides/slide9.xml><?xml version="1.0" encoding="utf-8"?>
+<p:sld xmlns:a="http://schemas.openxmlformats.org/drawingml/2006/main" xmlns:r="http://schemas.openxmlformats.org/officeDocument/2006/relationships" xmlns:p="http://schemas.openxmlformats.org/presentationml/2006/main">
+  <p:cSld>
+    <p:spTree>
+      <p:nvGrpSpPr>
+        <p:cNvPr id="1" name=""/>
+        <p:cNvGrpSpPr/>
+        <p:nvPr/>
+      </p:nvGrpSpPr>
+      <p:grpSpPr>
+        <a:xfrm>
+          <a:off x="0" y="0"/>
+          <a:ext cx="0" cy="0"/>
+          <a:chOff x="0" y="0"/>
+          <a:chExt cx="0" cy="0"/>
+        </a:xfrm>
+      </p:grpSpPr>
+      <p:sp>
+        <p:nvSpPr>
+          <p:cNvPr id="2" name="Title 1">
+            <a:extLst>
+              <a:ext uri="{FF2B5EF4-FFF2-40B4-BE49-F238E27FC236}">
+                <a16:creationId xmlns:a16="http://schemas.microsoft.com/office/drawing/2014/main" id="{56532D06-E3DD-8743-A24B-5D0E4F6AA76A}"/>
+              </a:ext>
+            </a:extLst>
+          </p:cNvPr>
+          <p:cNvSpPr>
+            <a:spLocks noGrp="1"/>
+          </p:cNvSpPr>
+          <p:nvPr>
+            <p:ph type="title"/>
+          </p:nvPr>
+        </p:nvSpPr>
+        <p:spPr>
+          <a:xfrm>
+            <a:off x="943131" y="2718581"/>
+            <a:ext cx="10515600" cy="1325563"/>
+          </a:xfrm>
+        </p:spPr>
+        <p:txBody>
+          <a:bodyPr/>
+          <a:lstStyle/>
+          <a:p>
+            <a:pPr algn="ctr"/>
+            <a:r>
+              <a:rPr lang="en-US" dirty="0"/>
+              <a:t>BSD Distribution for Different Areas</a:t>
+            </a:r>
+          </a:p>
+        </p:txBody>
+      </p:sp>
+    </p:spTree>
+    <p:extLst>
+      <p:ext uri="{BB962C8B-B14F-4D97-AF65-F5344CB8AC3E}">
+        <p14:creationId xmlns:p14="http://schemas.microsoft.com/office/powerpoint/2010/main" val="2733563065"/>
+      </p:ext>
+    </p:extLst>
+  </p:cSld>
+  <p:clrMapOvr>
+    <a:masterClrMapping/>
+  </p:clrMapOvr>
+</p:sld>
+</file>
+
+<file path=ppt/slides/slide90.xml><?xml version="1.0" encoding="utf-8"?>
 <p:sld xmlns:a="http://schemas.openxmlformats.org/drawingml/2006/main" xmlns:r="http://schemas.openxmlformats.org/officeDocument/2006/relationships" xmlns:p="http://schemas.openxmlformats.org/presentationml/2006/main">
   <p:cSld>
     <p:spTree>
@@ -46337,7 +48805,7 @@
 </p:sld>
 </file>
 
-<file path=ppt/slides/slide9.xml><?xml version="1.0" encoding="utf-8"?>
+<file path=ppt/slides/slide91.xml><?xml version="1.0" encoding="utf-8"?>
 <p:sld xmlns:a="http://schemas.openxmlformats.org/drawingml/2006/main" xmlns:r="http://schemas.openxmlformats.org/officeDocument/2006/relationships" xmlns:p="http://schemas.openxmlformats.org/presentationml/2006/main">
   <p:cSld>
     <p:spTree>
@@ -46354,44 +48822,683 @@
           <a:chExt cx="0" cy="0"/>
         </a:xfrm>
       </p:grpSpPr>
-      <p:sp>
-        <p:nvSpPr>
-          <p:cNvPr id="2" name="Title 1">
+      <p:graphicFrame>
+        <p:nvGraphicFramePr>
+          <p:cNvPr id="4" name="Table 3">
             <a:extLst>
               <a:ext uri="{FF2B5EF4-FFF2-40B4-BE49-F238E27FC236}">
-                <a16:creationId xmlns:a16="http://schemas.microsoft.com/office/drawing/2014/main" id="{56532D06-E3DD-8743-A24B-5D0E4F6AA76A}"/>
+                <a16:creationId xmlns:a16="http://schemas.microsoft.com/office/drawing/2014/main" id="{F3634E9B-F616-E548-A703-16000F2DD0FF}"/>
               </a:ext>
             </a:extLst>
           </p:cNvPr>
-          <p:cNvSpPr>
-            <a:spLocks noGrp="1"/>
-          </p:cNvSpPr>
+          <p:cNvGraphicFramePr>
+            <a:graphicFrameLocks noGrp="1"/>
+          </p:cNvGraphicFramePr>
           <p:nvPr>
-            <p:ph type="title"/>
+            <p:extLst/>
           </p:nvPr>
-        </p:nvSpPr>
-        <p:spPr>
-          <a:xfrm>
-            <a:off x="943131" y="2718581"/>
-            <a:ext cx="10515600" cy="1325563"/>
-          </a:xfrm>
-        </p:spPr>
-        <p:txBody>
-          <a:bodyPr/>
-          <a:lstStyle/>
-          <a:p>
-            <a:pPr algn="ctr"/>
-            <a:r>
-              <a:rPr lang="en-US" dirty="0"/>
-              <a:t>BSD Distribution for Different Areas</a:t>
-            </a:r>
-          </a:p>
-        </p:txBody>
-      </p:sp>
+        </p:nvGraphicFramePr>
+        <p:xfrm>
+          <a:off x="674557" y="929527"/>
+          <a:ext cx="10942820" cy="4976599"/>
+        </p:xfrm>
+        <a:graphic>
+          <a:graphicData uri="http://schemas.openxmlformats.org/drawingml/2006/table">
+            <a:tbl>
+              <a:tblPr firstRow="1" bandRow="1">
+                <a:tableStyleId>{93296810-A885-4BE3-A3E7-6D5BEEA58F35}</a:tableStyleId>
+              </a:tblPr>
+              <a:tblGrid>
+                <a:gridCol w="1563260">
+                  <a:extLst>
+                    <a:ext uri="{9D8B030D-6E8A-4147-A177-3AD203B41FA5}">
+                      <a16:colId xmlns:a16="http://schemas.microsoft.com/office/drawing/2014/main" val="2272368709"/>
+                    </a:ext>
+                  </a:extLst>
+                </a:gridCol>
+                <a:gridCol w="1563260">
+                  <a:extLst>
+                    <a:ext uri="{9D8B030D-6E8A-4147-A177-3AD203B41FA5}">
+                      <a16:colId xmlns:a16="http://schemas.microsoft.com/office/drawing/2014/main" val="2235686462"/>
+                    </a:ext>
+                  </a:extLst>
+                </a:gridCol>
+                <a:gridCol w="1563260">
+                  <a:extLst>
+                    <a:ext uri="{9D8B030D-6E8A-4147-A177-3AD203B41FA5}">
+                      <a16:colId xmlns:a16="http://schemas.microsoft.com/office/drawing/2014/main" val="1061232007"/>
+                    </a:ext>
+                  </a:extLst>
+                </a:gridCol>
+                <a:gridCol w="1563260">
+                  <a:extLst>
+                    <a:ext uri="{9D8B030D-6E8A-4147-A177-3AD203B41FA5}">
+                      <a16:colId xmlns:a16="http://schemas.microsoft.com/office/drawing/2014/main" val="464967916"/>
+                    </a:ext>
+                  </a:extLst>
+                </a:gridCol>
+                <a:gridCol w="1563260">
+                  <a:extLst>
+                    <a:ext uri="{9D8B030D-6E8A-4147-A177-3AD203B41FA5}">
+                      <a16:colId xmlns:a16="http://schemas.microsoft.com/office/drawing/2014/main" val="3929012556"/>
+                    </a:ext>
+                  </a:extLst>
+                </a:gridCol>
+                <a:gridCol w="1563260">
+                  <a:extLst>
+                    <a:ext uri="{9D8B030D-6E8A-4147-A177-3AD203B41FA5}">
+                      <a16:colId xmlns:a16="http://schemas.microsoft.com/office/drawing/2014/main" val="3303028153"/>
+                    </a:ext>
+                  </a:extLst>
+                </a:gridCol>
+                <a:gridCol w="1563260">
+                  <a:extLst>
+                    <a:ext uri="{9D8B030D-6E8A-4147-A177-3AD203B41FA5}">
+                      <a16:colId xmlns:a16="http://schemas.microsoft.com/office/drawing/2014/main" val="4108006114"/>
+                    </a:ext>
+                  </a:extLst>
+                </a:gridCol>
+              </a:tblGrid>
+              <a:tr h="523804">
+                <a:tc>
+                  <a:txBody>
+                    <a:bodyPr/>
+                    <a:lstStyle/>
+                    <a:p>
+                      <a:pPr algn="ctr"/>
+                      <a:r>
+                        <a:rPr lang="en-US" dirty="0"/>
+                        <a:t>Junction</a:t>
+                      </a:r>
+                    </a:p>
+                  </a:txBody>
+                  <a:tcPr anchor="ctr"/>
+                </a:tc>
+                <a:tc>
+                  <a:txBody>
+                    <a:bodyPr/>
+                    <a:lstStyle/>
+                    <a:p>
+                      <a:pPr algn="ctr"/>
+                      <a:r>
+                        <a:rPr lang="en-US" dirty="0"/>
+                        <a:t>Accuracy</a:t>
+                      </a:r>
+                    </a:p>
+                  </a:txBody>
+                  <a:tcPr anchor="ctr"/>
+                </a:tc>
+                <a:tc>
+                  <a:txBody>
+                    <a:bodyPr/>
+                    <a:lstStyle/>
+                    <a:p>
+                      <a:pPr algn="ctr"/>
+                      <a:r>
+                        <a:rPr lang="en-US" dirty="0"/>
+                        <a:t>precision</a:t>
+                      </a:r>
+                    </a:p>
+                  </a:txBody>
+                  <a:tcPr anchor="ctr"/>
+                </a:tc>
+                <a:tc>
+                  <a:txBody>
+                    <a:bodyPr/>
+                    <a:lstStyle/>
+                    <a:p>
+                      <a:pPr algn="ctr"/>
+                      <a:r>
+                        <a:rPr lang="en-US" dirty="0"/>
+                        <a:t>recall</a:t>
+                      </a:r>
+                    </a:p>
+                  </a:txBody>
+                  <a:tcPr anchor="ctr"/>
+                </a:tc>
+                <a:tc>
+                  <a:txBody>
+                    <a:bodyPr/>
+                    <a:lstStyle/>
+                    <a:p>
+                      <a:pPr algn="ctr"/>
+                      <a:r>
+                        <a:rPr lang="en-US" dirty="0"/>
+                        <a:t>specificity</a:t>
+                      </a:r>
+                    </a:p>
+                  </a:txBody>
+                  <a:tcPr anchor="ctr"/>
+                </a:tc>
+                <a:tc>
+                  <a:txBody>
+                    <a:bodyPr/>
+                    <a:lstStyle/>
+                    <a:p>
+                      <a:pPr algn="ctr"/>
+                      <a:r>
+                        <a:rPr lang="en-US" dirty="0"/>
+                        <a:t>F1</a:t>
+                      </a:r>
+                    </a:p>
+                  </a:txBody>
+                  <a:tcPr anchor="ctr"/>
+                </a:tc>
+                <a:tc>
+                  <a:txBody>
+                    <a:bodyPr/>
+                    <a:lstStyle/>
+                    <a:p>
+                      <a:pPr algn="ctr"/>
+                      <a:r>
+                        <a:rPr lang="en-US" dirty="0"/>
+                        <a:t>loss</a:t>
+                      </a:r>
+                    </a:p>
+                  </a:txBody>
+                  <a:tcPr anchor="ctr"/>
+                </a:tc>
+                <a:extLst>
+                  <a:ext uri="{0D108BD9-81ED-4DB2-BD59-A6C34878D82A}">
+                    <a16:rowId xmlns:a16="http://schemas.microsoft.com/office/drawing/2014/main" val="2384826745"/>
+                  </a:ext>
+                </a:extLst>
+              </a:tr>
+              <a:tr h="904099">
+                <a:tc>
+                  <a:txBody>
+                    <a:bodyPr/>
+                    <a:lstStyle/>
+                    <a:p>
+                      <a:pPr algn="ctr"/>
+                      <a:r>
+                        <a:rPr lang="en-US" dirty="0" err="1"/>
+                        <a:t>vgg_accuracy</a:t>
+                      </a:r>
+                      <a:endParaRPr lang="en-US" dirty="0"/>
+                    </a:p>
+                  </a:txBody>
+                  <a:tcPr anchor="ctr"/>
+                </a:tc>
+                <a:tc>
+                  <a:txBody>
+                    <a:bodyPr/>
+                    <a:lstStyle/>
+                    <a:p>
+                      <a:pPr algn="ctr"/>
+                      <a:endParaRPr lang="en-US" dirty="0"/>
+                    </a:p>
+                  </a:txBody>
+                  <a:tcPr anchor="ctr"/>
+                </a:tc>
+                <a:tc>
+                  <a:txBody>
+                    <a:bodyPr/>
+                    <a:lstStyle/>
+                    <a:p>
+                      <a:pPr algn="ctr"/>
+                      <a:endParaRPr lang="en-US" dirty="0"/>
+                    </a:p>
+                  </a:txBody>
+                  <a:tcPr anchor="ctr"/>
+                </a:tc>
+                <a:tc>
+                  <a:txBody>
+                    <a:bodyPr/>
+                    <a:lstStyle/>
+                    <a:p>
+                      <a:pPr algn="ctr"/>
+                      <a:endParaRPr lang="en-US" dirty="0"/>
+                    </a:p>
+                  </a:txBody>
+                  <a:tcPr anchor="ctr"/>
+                </a:tc>
+                <a:tc>
+                  <a:txBody>
+                    <a:bodyPr/>
+                    <a:lstStyle/>
+                    <a:p>
+                      <a:pPr algn="ctr"/>
+                      <a:endParaRPr lang="en-US" dirty="0"/>
+                    </a:p>
+                  </a:txBody>
+                  <a:tcPr anchor="ctr"/>
+                </a:tc>
+                <a:tc>
+                  <a:txBody>
+                    <a:bodyPr/>
+                    <a:lstStyle/>
+                    <a:p>
+                      <a:pPr algn="ctr"/>
+                      <a:endParaRPr lang="en-US" dirty="0"/>
+                    </a:p>
+                  </a:txBody>
+                  <a:tcPr anchor="ctr"/>
+                </a:tc>
+                <a:tc>
+                  <a:txBody>
+                    <a:bodyPr/>
+                    <a:lstStyle/>
+                    <a:p>
+                      <a:pPr algn="ctr"/>
+                      <a:endParaRPr lang="en-US" dirty="0"/>
+                    </a:p>
+                  </a:txBody>
+                  <a:tcPr anchor="ctr"/>
+                </a:tc>
+                <a:extLst>
+                  <a:ext uri="{0D108BD9-81ED-4DB2-BD59-A6C34878D82A}">
+                    <a16:rowId xmlns:a16="http://schemas.microsoft.com/office/drawing/2014/main" val="1449166203"/>
+                  </a:ext>
+                </a:extLst>
+              </a:tr>
+              <a:tr h="887174">
+                <a:tc>
+                  <a:txBody>
+                    <a:bodyPr/>
+                    <a:lstStyle/>
+                    <a:p>
+                      <a:pPr algn="ctr"/>
+                      <a:r>
+                        <a:rPr lang="en-US" dirty="0" err="1"/>
+                        <a:t>vgg_precision</a:t>
+                      </a:r>
+                      <a:endParaRPr lang="en-US" dirty="0"/>
+                    </a:p>
+                  </a:txBody>
+                  <a:tcPr anchor="ctr"/>
+                </a:tc>
+                <a:tc>
+                  <a:txBody>
+                    <a:bodyPr/>
+                    <a:lstStyle/>
+                    <a:p>
+                      <a:pPr algn="ctr"/>
+                      <a:endParaRPr lang="en-US" dirty="0"/>
+                    </a:p>
+                  </a:txBody>
+                  <a:tcPr anchor="ctr"/>
+                </a:tc>
+                <a:tc>
+                  <a:txBody>
+                    <a:bodyPr/>
+                    <a:lstStyle/>
+                    <a:p>
+                      <a:pPr algn="ctr"/>
+                      <a:endParaRPr lang="en-US" dirty="0"/>
+                    </a:p>
+                  </a:txBody>
+                  <a:tcPr anchor="ctr"/>
+                </a:tc>
+                <a:tc>
+                  <a:txBody>
+                    <a:bodyPr/>
+                    <a:lstStyle/>
+                    <a:p>
+                      <a:pPr algn="ctr"/>
+                      <a:endParaRPr lang="en-US" dirty="0"/>
+                    </a:p>
+                  </a:txBody>
+                  <a:tcPr anchor="ctr"/>
+                </a:tc>
+                <a:tc>
+                  <a:txBody>
+                    <a:bodyPr/>
+                    <a:lstStyle/>
+                    <a:p>
+                      <a:pPr algn="ctr"/>
+                      <a:endParaRPr lang="en-US" dirty="0"/>
+                    </a:p>
+                  </a:txBody>
+                  <a:tcPr anchor="ctr"/>
+                </a:tc>
+                <a:tc>
+                  <a:txBody>
+                    <a:bodyPr/>
+                    <a:lstStyle/>
+                    <a:p>
+                      <a:pPr algn="ctr"/>
+                      <a:endParaRPr lang="en-US" dirty="0"/>
+                    </a:p>
+                  </a:txBody>
+                  <a:tcPr anchor="ctr"/>
+                </a:tc>
+                <a:tc>
+                  <a:txBody>
+                    <a:bodyPr/>
+                    <a:lstStyle/>
+                    <a:p>
+                      <a:pPr algn="ctr"/>
+                      <a:endParaRPr lang="en-US" dirty="0"/>
+                    </a:p>
+                  </a:txBody>
+                  <a:tcPr anchor="ctr"/>
+                </a:tc>
+                <a:extLst>
+                  <a:ext uri="{0D108BD9-81ED-4DB2-BD59-A6C34878D82A}">
+                    <a16:rowId xmlns:a16="http://schemas.microsoft.com/office/drawing/2014/main" val="4164655960"/>
+                  </a:ext>
+                </a:extLst>
+              </a:tr>
+              <a:tr h="887174">
+                <a:tc>
+                  <a:txBody>
+                    <a:bodyPr/>
+                    <a:lstStyle/>
+                    <a:p>
+                      <a:pPr algn="ctr"/>
+                      <a:r>
+                        <a:rPr lang="en-US" dirty="0" err="1"/>
+                        <a:t>vgg_recall</a:t>
+                      </a:r>
+                      <a:endParaRPr lang="en-US" dirty="0">
+                        <a:solidFill>
+                          <a:srgbClr val="FF0000"/>
+                        </a:solidFill>
+                      </a:endParaRPr>
+                    </a:p>
+                  </a:txBody>
+                  <a:tcPr anchor="ctr"/>
+                </a:tc>
+                <a:tc>
+                  <a:txBody>
+                    <a:bodyPr/>
+                    <a:lstStyle/>
+                    <a:p>
+                      <a:pPr algn="ctr"/>
+                      <a:endParaRPr lang="en-US" dirty="0">
+                        <a:solidFill>
+                          <a:srgbClr val="FF0000"/>
+                        </a:solidFill>
+                      </a:endParaRPr>
+                    </a:p>
+                  </a:txBody>
+                  <a:tcPr anchor="ctr"/>
+                </a:tc>
+                <a:tc>
+                  <a:txBody>
+                    <a:bodyPr/>
+                    <a:lstStyle/>
+                    <a:p>
+                      <a:pPr algn="ctr"/>
+                      <a:endParaRPr lang="en-US" dirty="0">
+                        <a:solidFill>
+                          <a:srgbClr val="FF0000"/>
+                        </a:solidFill>
+                      </a:endParaRPr>
+                    </a:p>
+                  </a:txBody>
+                  <a:tcPr anchor="ctr"/>
+                </a:tc>
+                <a:tc>
+                  <a:txBody>
+                    <a:bodyPr/>
+                    <a:lstStyle/>
+                    <a:p>
+                      <a:pPr algn="ctr"/>
+                      <a:endParaRPr lang="en-US" dirty="0">
+                        <a:solidFill>
+                          <a:srgbClr val="FF0000"/>
+                        </a:solidFill>
+                      </a:endParaRPr>
+                    </a:p>
+                  </a:txBody>
+                  <a:tcPr anchor="ctr"/>
+                </a:tc>
+                <a:tc>
+                  <a:txBody>
+                    <a:bodyPr/>
+                    <a:lstStyle/>
+                    <a:p>
+                      <a:pPr algn="ctr"/>
+                      <a:endParaRPr lang="en-US" dirty="0">
+                        <a:solidFill>
+                          <a:srgbClr val="FF0000"/>
+                        </a:solidFill>
+                      </a:endParaRPr>
+                    </a:p>
+                  </a:txBody>
+                  <a:tcPr anchor="ctr"/>
+                </a:tc>
+                <a:tc>
+                  <a:txBody>
+                    <a:bodyPr/>
+                    <a:lstStyle/>
+                    <a:p>
+                      <a:pPr algn="ctr"/>
+                      <a:endParaRPr lang="en-US" dirty="0">
+                        <a:solidFill>
+                          <a:srgbClr val="FF0000"/>
+                        </a:solidFill>
+                      </a:endParaRPr>
+                    </a:p>
+                  </a:txBody>
+                  <a:tcPr anchor="ctr"/>
+                </a:tc>
+                <a:tc>
+                  <a:txBody>
+                    <a:bodyPr/>
+                    <a:lstStyle/>
+                    <a:p>
+                      <a:pPr algn="ctr"/>
+                      <a:endParaRPr lang="en-US" dirty="0">
+                        <a:solidFill>
+                          <a:srgbClr val="FF0000"/>
+                        </a:solidFill>
+                      </a:endParaRPr>
+                    </a:p>
+                  </a:txBody>
+                  <a:tcPr anchor="ctr"/>
+                </a:tc>
+                <a:extLst>
+                  <a:ext uri="{0D108BD9-81ED-4DB2-BD59-A6C34878D82A}">
+                    <a16:rowId xmlns:a16="http://schemas.microsoft.com/office/drawing/2014/main" val="2775775737"/>
+                  </a:ext>
+                </a:extLst>
+              </a:tr>
+              <a:tr h="887174">
+                <a:tc>
+                  <a:txBody>
+                    <a:bodyPr/>
+                    <a:lstStyle/>
+                    <a:p>
+                      <a:pPr algn="ctr"/>
+                      <a:r>
+                        <a:rPr lang="en-US" dirty="0"/>
+                        <a:t>vgg_F1</a:t>
+                      </a:r>
+                    </a:p>
+                  </a:txBody>
+                  <a:tcPr anchor="ctr"/>
+                </a:tc>
+                <a:tc>
+                  <a:txBody>
+                    <a:bodyPr/>
+                    <a:lstStyle/>
+                    <a:p>
+                      <a:pPr algn="ctr"/>
+                      <a:endParaRPr lang="en-US" dirty="0"/>
+                    </a:p>
+                  </a:txBody>
+                  <a:tcPr anchor="ctr"/>
+                </a:tc>
+                <a:tc>
+                  <a:txBody>
+                    <a:bodyPr/>
+                    <a:lstStyle/>
+                    <a:p>
+                      <a:pPr algn="ctr"/>
+                      <a:endParaRPr lang="en-US" dirty="0"/>
+                    </a:p>
+                  </a:txBody>
+                  <a:tcPr anchor="ctr"/>
+                </a:tc>
+                <a:tc>
+                  <a:txBody>
+                    <a:bodyPr/>
+                    <a:lstStyle/>
+                    <a:p>
+                      <a:pPr algn="ctr"/>
+                      <a:endParaRPr lang="en-US" dirty="0"/>
+                    </a:p>
+                  </a:txBody>
+                  <a:tcPr anchor="ctr"/>
+                </a:tc>
+                <a:tc>
+                  <a:txBody>
+                    <a:bodyPr/>
+                    <a:lstStyle/>
+                    <a:p>
+                      <a:pPr algn="ctr"/>
+                      <a:endParaRPr lang="en-US" dirty="0"/>
+                    </a:p>
+                  </a:txBody>
+                  <a:tcPr anchor="ctr"/>
+                </a:tc>
+                <a:tc>
+                  <a:txBody>
+                    <a:bodyPr/>
+                    <a:lstStyle/>
+                    <a:p>
+                      <a:pPr algn="ctr"/>
+                      <a:endParaRPr lang="en-US" dirty="0"/>
+                    </a:p>
+                  </a:txBody>
+                  <a:tcPr anchor="ctr"/>
+                </a:tc>
+                <a:tc>
+                  <a:txBody>
+                    <a:bodyPr/>
+                    <a:lstStyle/>
+                    <a:p>
+                      <a:pPr algn="ctr"/>
+                      <a:endParaRPr lang="en-US" dirty="0"/>
+                    </a:p>
+                  </a:txBody>
+                  <a:tcPr anchor="ctr"/>
+                </a:tc>
+                <a:extLst>
+                  <a:ext uri="{0D108BD9-81ED-4DB2-BD59-A6C34878D82A}">
+                    <a16:rowId xmlns:a16="http://schemas.microsoft.com/office/drawing/2014/main" val="618446083"/>
+                  </a:ext>
+                </a:extLst>
+              </a:tr>
+              <a:tr h="887174">
+                <a:tc>
+                  <a:txBody>
+                    <a:bodyPr/>
+                    <a:lstStyle/>
+                    <a:p>
+                      <a:pPr marL="0" marR="0" lvl="0" indent="0" algn="ctr" defTabSz="914400" rtl="0" eaLnBrk="1" fontAlgn="auto" latinLnBrk="0" hangingPunct="1">
+                        <a:lnSpc>
+                          <a:spcPct val="100000"/>
+                        </a:lnSpc>
+                        <a:spcBef>
+                          <a:spcPts val="0"/>
+                        </a:spcBef>
+                        <a:spcAft>
+                          <a:spcPts val="0"/>
+                        </a:spcAft>
+                        <a:buClrTx/>
+                        <a:buSzTx/>
+                        <a:buFontTx/>
+                        <a:buNone/>
+                        <a:tabLst/>
+                        <a:defRPr/>
+                      </a:pPr>
+                      <a:r>
+                        <a:rPr lang="en-US" dirty="0" err="1"/>
+                        <a:t>vgg_loss</a:t>
+                      </a:r>
+                      <a:endParaRPr lang="en-US" dirty="0"/>
+                    </a:p>
+                    <a:p>
+                      <a:pPr algn="ctr"/>
+                      <a:endParaRPr lang="en-US" dirty="0"/>
+                    </a:p>
+                  </a:txBody>
+                  <a:tcPr anchor="ctr"/>
+                </a:tc>
+                <a:tc>
+                  <a:txBody>
+                    <a:bodyPr/>
+                    <a:lstStyle/>
+                    <a:p>
+                      <a:pPr algn="ctr"/>
+                      <a:endParaRPr lang="en-US" dirty="0"/>
+                    </a:p>
+                  </a:txBody>
+                  <a:tcPr anchor="ctr"/>
+                </a:tc>
+                <a:tc>
+                  <a:txBody>
+                    <a:bodyPr/>
+                    <a:lstStyle/>
+                    <a:p>
+                      <a:pPr algn="ctr"/>
+                      <a:endParaRPr lang="en-US" dirty="0"/>
+                    </a:p>
+                  </a:txBody>
+                  <a:tcPr anchor="ctr"/>
+                </a:tc>
+                <a:tc>
+                  <a:txBody>
+                    <a:bodyPr/>
+                    <a:lstStyle/>
+                    <a:p>
+                      <a:pPr algn="ctr"/>
+                      <a:endParaRPr lang="en-US" dirty="0"/>
+                    </a:p>
+                  </a:txBody>
+                  <a:tcPr anchor="ctr"/>
+                </a:tc>
+                <a:tc>
+                  <a:txBody>
+                    <a:bodyPr/>
+                    <a:lstStyle/>
+                    <a:p>
+                      <a:pPr algn="ctr"/>
+                      <a:endParaRPr lang="en-US" dirty="0"/>
+                    </a:p>
+                  </a:txBody>
+                  <a:tcPr anchor="ctr"/>
+                </a:tc>
+                <a:tc>
+                  <a:txBody>
+                    <a:bodyPr/>
+                    <a:lstStyle/>
+                    <a:p>
+                      <a:pPr algn="ctr"/>
+                      <a:endParaRPr lang="en-US" dirty="0"/>
+                    </a:p>
+                  </a:txBody>
+                  <a:tcPr anchor="ctr"/>
+                </a:tc>
+                <a:tc>
+                  <a:txBody>
+                    <a:bodyPr/>
+                    <a:lstStyle/>
+                    <a:p>
+                      <a:pPr algn="ctr"/>
+                      <a:endParaRPr lang="en-US" dirty="0"/>
+                    </a:p>
+                  </a:txBody>
+                  <a:tcPr anchor="ctr"/>
+                </a:tc>
+                <a:extLst>
+                  <a:ext uri="{0D108BD9-81ED-4DB2-BD59-A6C34878D82A}">
+                    <a16:rowId xmlns:a16="http://schemas.microsoft.com/office/drawing/2014/main" val="872347479"/>
+                  </a:ext>
+                </a:extLst>
+              </a:tr>
+            </a:tbl>
+          </a:graphicData>
+        </a:graphic>
+      </p:graphicFrame>
     </p:spTree>
     <p:extLst>
       <p:ext uri="{BB962C8B-B14F-4D97-AF65-F5344CB8AC3E}">
-        <p14:creationId xmlns:p14="http://schemas.microsoft.com/office/powerpoint/2010/main" val="2733563065"/>
+        <p14:creationId xmlns:p14="http://schemas.microsoft.com/office/powerpoint/2010/main" val="529611612"/>
       </p:ext>
     </p:extLst>
   </p:cSld>
@@ -46401,7 +49508,808 @@
 </p:sld>
 </file>
 
-<file path=ppt/slides/slide90.xml><?xml version="1.0" encoding="utf-8"?>
+<file path=ppt/slides/slide92.xml><?xml version="1.0" encoding="utf-8"?>
+<p:sld xmlns:a="http://schemas.openxmlformats.org/drawingml/2006/main" xmlns:r="http://schemas.openxmlformats.org/officeDocument/2006/relationships" xmlns:p="http://schemas.openxmlformats.org/presentationml/2006/main">
+  <p:cSld>
+    <p:spTree>
+      <p:nvGrpSpPr>
+        <p:cNvPr id="1" name=""/>
+        <p:cNvGrpSpPr/>
+        <p:nvPr/>
+      </p:nvGrpSpPr>
+      <p:grpSpPr>
+        <a:xfrm>
+          <a:off x="0" y="0"/>
+          <a:ext cx="0" cy="0"/>
+          <a:chOff x="0" y="0"/>
+          <a:chExt cx="0" cy="0"/>
+        </a:xfrm>
+      </p:grpSpPr>
+      <p:graphicFrame>
+        <p:nvGraphicFramePr>
+          <p:cNvPr id="4" name="Table 3">
+            <a:extLst>
+              <a:ext uri="{FF2B5EF4-FFF2-40B4-BE49-F238E27FC236}">
+                <a16:creationId xmlns:a16="http://schemas.microsoft.com/office/drawing/2014/main" id="{F3634E9B-F616-E548-A703-16000F2DD0FF}"/>
+              </a:ext>
+            </a:extLst>
+          </p:cNvPr>
+          <p:cNvGraphicFramePr>
+            <a:graphicFrameLocks noGrp="1"/>
+          </p:cNvGraphicFramePr>
+          <p:nvPr>
+            <p:extLst>
+              <p:ext uri="{D42A27DB-BD31-4B8C-83A1-F6EECF244321}">
+                <p14:modId xmlns:p14="http://schemas.microsoft.com/office/powerpoint/2010/main" val="2884824632"/>
+              </p:ext>
+            </p:extLst>
+          </p:nvPr>
+        </p:nvGraphicFramePr>
+        <p:xfrm>
+          <a:off x="674557" y="929527"/>
+          <a:ext cx="10942820" cy="4976599"/>
+        </p:xfrm>
+        <a:graphic>
+          <a:graphicData uri="http://schemas.openxmlformats.org/drawingml/2006/table">
+            <a:tbl>
+              <a:tblPr firstRow="1" bandRow="1">
+                <a:tableStyleId>{93296810-A885-4BE3-A3E7-6D5BEEA58F35}</a:tableStyleId>
+              </a:tblPr>
+              <a:tblGrid>
+                <a:gridCol w="1563260">
+                  <a:extLst>
+                    <a:ext uri="{9D8B030D-6E8A-4147-A177-3AD203B41FA5}">
+                      <a16:colId xmlns:a16="http://schemas.microsoft.com/office/drawing/2014/main" val="2272368709"/>
+                    </a:ext>
+                  </a:extLst>
+                </a:gridCol>
+                <a:gridCol w="1563260">
+                  <a:extLst>
+                    <a:ext uri="{9D8B030D-6E8A-4147-A177-3AD203B41FA5}">
+                      <a16:colId xmlns:a16="http://schemas.microsoft.com/office/drawing/2014/main" val="2235686462"/>
+                    </a:ext>
+                  </a:extLst>
+                </a:gridCol>
+                <a:gridCol w="1563260">
+                  <a:extLst>
+                    <a:ext uri="{9D8B030D-6E8A-4147-A177-3AD203B41FA5}">
+                      <a16:colId xmlns:a16="http://schemas.microsoft.com/office/drawing/2014/main" val="1061232007"/>
+                    </a:ext>
+                  </a:extLst>
+                </a:gridCol>
+                <a:gridCol w="1563260">
+                  <a:extLst>
+                    <a:ext uri="{9D8B030D-6E8A-4147-A177-3AD203B41FA5}">
+                      <a16:colId xmlns:a16="http://schemas.microsoft.com/office/drawing/2014/main" val="464967916"/>
+                    </a:ext>
+                  </a:extLst>
+                </a:gridCol>
+                <a:gridCol w="1563260">
+                  <a:extLst>
+                    <a:ext uri="{9D8B030D-6E8A-4147-A177-3AD203B41FA5}">
+                      <a16:colId xmlns:a16="http://schemas.microsoft.com/office/drawing/2014/main" val="3929012556"/>
+                    </a:ext>
+                  </a:extLst>
+                </a:gridCol>
+                <a:gridCol w="1563260">
+                  <a:extLst>
+                    <a:ext uri="{9D8B030D-6E8A-4147-A177-3AD203B41FA5}">
+                      <a16:colId xmlns:a16="http://schemas.microsoft.com/office/drawing/2014/main" val="3303028153"/>
+                    </a:ext>
+                  </a:extLst>
+                </a:gridCol>
+                <a:gridCol w="1563260">
+                  <a:extLst>
+                    <a:ext uri="{9D8B030D-6E8A-4147-A177-3AD203B41FA5}">
+                      <a16:colId xmlns:a16="http://schemas.microsoft.com/office/drawing/2014/main" val="4108006114"/>
+                    </a:ext>
+                  </a:extLst>
+                </a:gridCol>
+              </a:tblGrid>
+              <a:tr h="523804">
+                <a:tc>
+                  <a:txBody>
+                    <a:bodyPr/>
+                    <a:lstStyle/>
+                    <a:p>
+                      <a:pPr algn="ctr"/>
+                      <a:r>
+                        <a:rPr lang="en-US" dirty="0"/>
+                        <a:t>Gap</a:t>
+                      </a:r>
+                    </a:p>
+                  </a:txBody>
+                  <a:tcPr anchor="ctr"/>
+                </a:tc>
+                <a:tc>
+                  <a:txBody>
+                    <a:bodyPr/>
+                    <a:lstStyle/>
+                    <a:p>
+                      <a:pPr algn="ctr"/>
+                      <a:r>
+                        <a:rPr lang="en-US" dirty="0"/>
+                        <a:t>Accuracy</a:t>
+                      </a:r>
+                    </a:p>
+                  </a:txBody>
+                  <a:tcPr anchor="ctr"/>
+                </a:tc>
+                <a:tc>
+                  <a:txBody>
+                    <a:bodyPr/>
+                    <a:lstStyle/>
+                    <a:p>
+                      <a:pPr algn="ctr"/>
+                      <a:r>
+                        <a:rPr lang="en-US" dirty="0"/>
+                        <a:t>precision</a:t>
+                      </a:r>
+                    </a:p>
+                  </a:txBody>
+                  <a:tcPr anchor="ctr"/>
+                </a:tc>
+                <a:tc>
+                  <a:txBody>
+                    <a:bodyPr/>
+                    <a:lstStyle/>
+                    <a:p>
+                      <a:pPr algn="ctr"/>
+                      <a:r>
+                        <a:rPr lang="en-US" dirty="0"/>
+                        <a:t>recall</a:t>
+                      </a:r>
+                    </a:p>
+                  </a:txBody>
+                  <a:tcPr anchor="ctr"/>
+                </a:tc>
+                <a:tc>
+                  <a:txBody>
+                    <a:bodyPr/>
+                    <a:lstStyle/>
+                    <a:p>
+                      <a:pPr algn="ctr"/>
+                      <a:r>
+                        <a:rPr lang="en-US" dirty="0"/>
+                        <a:t>specificity</a:t>
+                      </a:r>
+                    </a:p>
+                  </a:txBody>
+                  <a:tcPr anchor="ctr"/>
+                </a:tc>
+                <a:tc>
+                  <a:txBody>
+                    <a:bodyPr/>
+                    <a:lstStyle/>
+                    <a:p>
+                      <a:pPr algn="ctr"/>
+                      <a:r>
+                        <a:rPr lang="en-US" dirty="0"/>
+                        <a:t>F1</a:t>
+                      </a:r>
+                    </a:p>
+                  </a:txBody>
+                  <a:tcPr anchor="ctr"/>
+                </a:tc>
+                <a:tc>
+                  <a:txBody>
+                    <a:bodyPr/>
+                    <a:lstStyle/>
+                    <a:p>
+                      <a:pPr algn="ctr"/>
+                      <a:r>
+                        <a:rPr lang="en-US" dirty="0"/>
+                        <a:t>loss</a:t>
+                      </a:r>
+                    </a:p>
+                  </a:txBody>
+                  <a:tcPr anchor="ctr"/>
+                </a:tc>
+                <a:extLst>
+                  <a:ext uri="{0D108BD9-81ED-4DB2-BD59-A6C34878D82A}">
+                    <a16:rowId xmlns:a16="http://schemas.microsoft.com/office/drawing/2014/main" val="2384826745"/>
+                  </a:ext>
+                </a:extLst>
+              </a:tr>
+              <a:tr h="904099">
+                <a:tc>
+                  <a:txBody>
+                    <a:bodyPr/>
+                    <a:lstStyle/>
+                    <a:p>
+                      <a:pPr algn="ctr"/>
+                      <a:r>
+                        <a:rPr lang="en-US" dirty="0" err="1"/>
+                        <a:t>vgg_accuracy</a:t>
+                      </a:r>
+                      <a:endParaRPr lang="en-US" dirty="0"/>
+                    </a:p>
+                  </a:txBody>
+                  <a:tcPr anchor="ctr"/>
+                </a:tc>
+                <a:tc>
+                  <a:txBody>
+                    <a:bodyPr/>
+                    <a:lstStyle/>
+                    <a:p>
+                      <a:pPr algn="ctr"/>
+                      <a:r>
+                        <a:rPr lang="en-US" dirty="0"/>
+                        <a:t>0.806</a:t>
+                      </a:r>
+                    </a:p>
+                  </a:txBody>
+                  <a:tcPr anchor="ctr"/>
+                </a:tc>
+                <a:tc>
+                  <a:txBody>
+                    <a:bodyPr/>
+                    <a:lstStyle/>
+                    <a:p>
+                      <a:pPr algn="ctr"/>
+                      <a:r>
+                        <a:rPr lang="en-US" dirty="0"/>
+                        <a:t>0.760</a:t>
+                      </a:r>
+                    </a:p>
+                  </a:txBody>
+                  <a:tcPr anchor="ctr"/>
+                </a:tc>
+                <a:tc>
+                  <a:txBody>
+                    <a:bodyPr/>
+                    <a:lstStyle/>
+                    <a:p>
+                      <a:pPr algn="ctr"/>
+                      <a:r>
+                        <a:rPr lang="en-US" dirty="0"/>
+                        <a:t>0.758</a:t>
+                      </a:r>
+                    </a:p>
+                  </a:txBody>
+                  <a:tcPr anchor="ctr"/>
+                </a:tc>
+                <a:tc>
+                  <a:txBody>
+                    <a:bodyPr/>
+                    <a:lstStyle/>
+                    <a:p>
+                      <a:pPr algn="ctr"/>
+                      <a:r>
+                        <a:rPr lang="en-US" dirty="0"/>
+                        <a:t>0.839</a:t>
+                      </a:r>
+                    </a:p>
+                  </a:txBody>
+                  <a:tcPr anchor="ctr"/>
+                </a:tc>
+                <a:tc>
+                  <a:txBody>
+                    <a:bodyPr/>
+                    <a:lstStyle/>
+                    <a:p>
+                      <a:pPr algn="ctr"/>
+                      <a:r>
+                        <a:rPr lang="en-US" dirty="0"/>
+                        <a:t>0.759</a:t>
+                      </a:r>
+                    </a:p>
+                  </a:txBody>
+                  <a:tcPr anchor="ctr"/>
+                </a:tc>
+                <a:tc>
+                  <a:txBody>
+                    <a:bodyPr/>
+                    <a:lstStyle/>
+                    <a:p>
+                      <a:pPr algn="ctr"/>
+                      <a:r>
+                        <a:rPr lang="en-US" dirty="0"/>
+                        <a:t>0.4755</a:t>
+                      </a:r>
+                    </a:p>
+                  </a:txBody>
+                  <a:tcPr anchor="ctr"/>
+                </a:tc>
+                <a:extLst>
+                  <a:ext uri="{0D108BD9-81ED-4DB2-BD59-A6C34878D82A}">
+                    <a16:rowId xmlns:a16="http://schemas.microsoft.com/office/drawing/2014/main" val="1449166203"/>
+                  </a:ext>
+                </a:extLst>
+              </a:tr>
+              <a:tr h="887174">
+                <a:tc>
+                  <a:txBody>
+                    <a:bodyPr/>
+                    <a:lstStyle/>
+                    <a:p>
+                      <a:pPr algn="ctr"/>
+                      <a:r>
+                        <a:rPr lang="en-US" dirty="0" err="1"/>
+                        <a:t>vgg_precision</a:t>
+                      </a:r>
+                      <a:endParaRPr lang="en-US" dirty="0"/>
+                    </a:p>
+                  </a:txBody>
+                  <a:tcPr anchor="ctr"/>
+                </a:tc>
+                <a:tc>
+                  <a:txBody>
+                    <a:bodyPr/>
+                    <a:lstStyle/>
+                    <a:p>
+                      <a:pPr algn="ctr"/>
+                      <a:r>
+                        <a:rPr lang="en-US" dirty="0"/>
+                        <a:t>0.768</a:t>
+                      </a:r>
+                    </a:p>
+                  </a:txBody>
+                  <a:tcPr anchor="ctr"/>
+                </a:tc>
+                <a:tc>
+                  <a:txBody>
+                    <a:bodyPr/>
+                    <a:lstStyle/>
+                    <a:p>
+                      <a:pPr algn="ctr"/>
+                      <a:r>
+                        <a:rPr lang="en-US" dirty="0"/>
+                        <a:t>0.820</a:t>
+                      </a:r>
+                    </a:p>
+                  </a:txBody>
+                  <a:tcPr anchor="ctr"/>
+                </a:tc>
+                <a:tc>
+                  <a:txBody>
+                    <a:bodyPr/>
+                    <a:lstStyle/>
+                    <a:p>
+                      <a:pPr algn="ctr"/>
+                      <a:r>
+                        <a:rPr lang="en-US" dirty="0"/>
+                        <a:t>0.543</a:t>
+                      </a:r>
+                    </a:p>
+                  </a:txBody>
+                  <a:tcPr anchor="ctr"/>
+                </a:tc>
+                <a:tc>
+                  <a:txBody>
+                    <a:bodyPr/>
+                    <a:lstStyle/>
+                    <a:p>
+                      <a:pPr algn="ctr"/>
+                      <a:r>
+                        <a:rPr lang="en-US" dirty="0"/>
+                        <a:t>0.920</a:t>
+                      </a:r>
+                    </a:p>
+                  </a:txBody>
+                  <a:tcPr anchor="ctr"/>
+                </a:tc>
+                <a:tc>
+                  <a:txBody>
+                    <a:bodyPr/>
+                    <a:lstStyle/>
+                    <a:p>
+                      <a:pPr algn="ctr"/>
+                      <a:r>
+                        <a:rPr lang="en-US" dirty="0"/>
+                        <a:t>0.654</a:t>
+                      </a:r>
+                    </a:p>
+                  </a:txBody>
+                  <a:tcPr anchor="ctr"/>
+                </a:tc>
+                <a:tc>
+                  <a:txBody>
+                    <a:bodyPr/>
+                    <a:lstStyle/>
+                    <a:p>
+                      <a:pPr algn="ctr"/>
+                      <a:r>
+                        <a:rPr lang="en-US" dirty="0"/>
+                        <a:t>0.5010</a:t>
+                      </a:r>
+                    </a:p>
+                  </a:txBody>
+                  <a:tcPr anchor="ctr"/>
+                </a:tc>
+                <a:extLst>
+                  <a:ext uri="{0D108BD9-81ED-4DB2-BD59-A6C34878D82A}">
+                    <a16:rowId xmlns:a16="http://schemas.microsoft.com/office/drawing/2014/main" val="4164655960"/>
+                  </a:ext>
+                </a:extLst>
+              </a:tr>
+              <a:tr h="887174">
+                <a:tc>
+                  <a:txBody>
+                    <a:bodyPr/>
+                    <a:lstStyle/>
+                    <a:p>
+                      <a:pPr algn="ctr"/>
+                      <a:r>
+                        <a:rPr lang="en-US" dirty="0" err="1">
+                          <a:solidFill>
+                            <a:srgbClr val="FF0000"/>
+                          </a:solidFill>
+                        </a:rPr>
+                        <a:t>vgg_recall</a:t>
+                      </a:r>
+                      <a:endParaRPr lang="en-US" dirty="0">
+                        <a:solidFill>
+                          <a:srgbClr val="FF0000"/>
+                        </a:solidFill>
+                      </a:endParaRPr>
+                    </a:p>
+                  </a:txBody>
+                  <a:tcPr anchor="ctr"/>
+                </a:tc>
+                <a:tc>
+                  <a:txBody>
+                    <a:bodyPr/>
+                    <a:lstStyle/>
+                    <a:p>
+                      <a:pPr algn="ctr"/>
+                      <a:r>
+                        <a:rPr lang="en-US" dirty="0">
+                          <a:solidFill>
+                            <a:srgbClr val="FF0000"/>
+                          </a:solidFill>
+                        </a:rPr>
+                        <a:t>0.782</a:t>
+                      </a:r>
+                    </a:p>
+                  </a:txBody>
+                  <a:tcPr anchor="ctr"/>
+                </a:tc>
+                <a:tc>
+                  <a:txBody>
+                    <a:bodyPr/>
+                    <a:lstStyle/>
+                    <a:p>
+                      <a:pPr algn="ctr"/>
+                      <a:r>
+                        <a:rPr lang="en-US" dirty="0">
+                          <a:solidFill>
+                            <a:srgbClr val="FF0000"/>
+                          </a:solidFill>
+                        </a:rPr>
+                        <a:t>0.706</a:t>
+                      </a:r>
+                    </a:p>
+                  </a:txBody>
+                  <a:tcPr anchor="ctr"/>
+                </a:tc>
+                <a:tc>
+                  <a:txBody>
+                    <a:bodyPr/>
+                    <a:lstStyle/>
+                    <a:p>
+                      <a:pPr algn="ctr"/>
+                      <a:r>
+                        <a:rPr lang="en-US" dirty="0">
+                          <a:solidFill>
+                            <a:srgbClr val="FF0000"/>
+                          </a:solidFill>
+                        </a:rPr>
+                        <a:t>0.785</a:t>
+                      </a:r>
+                    </a:p>
+                  </a:txBody>
+                  <a:tcPr anchor="ctr"/>
+                </a:tc>
+                <a:tc>
+                  <a:txBody>
+                    <a:bodyPr/>
+                    <a:lstStyle/>
+                    <a:p>
+                      <a:pPr algn="ctr"/>
+                      <a:r>
+                        <a:rPr lang="en-US" dirty="0">
+                          <a:solidFill>
+                            <a:srgbClr val="FF0000"/>
+                          </a:solidFill>
+                        </a:rPr>
+                        <a:t>0.780</a:t>
+                      </a:r>
+                    </a:p>
+                  </a:txBody>
+                  <a:tcPr anchor="ctr"/>
+                </a:tc>
+                <a:tc>
+                  <a:txBody>
+                    <a:bodyPr/>
+                    <a:lstStyle/>
+                    <a:p>
+                      <a:pPr algn="ctr"/>
+                      <a:r>
+                        <a:rPr lang="en-US" dirty="0">
+                          <a:solidFill>
+                            <a:srgbClr val="FF0000"/>
+                          </a:solidFill>
+                        </a:rPr>
+                        <a:t>0.743</a:t>
+                      </a:r>
+                    </a:p>
+                  </a:txBody>
+                  <a:tcPr anchor="ctr"/>
+                </a:tc>
+                <a:tc>
+                  <a:txBody>
+                    <a:bodyPr/>
+                    <a:lstStyle/>
+                    <a:p>
+                      <a:pPr algn="ctr"/>
+                      <a:r>
+                        <a:rPr lang="en-US" dirty="0">
+                          <a:solidFill>
+                            <a:srgbClr val="FF0000"/>
+                          </a:solidFill>
+                        </a:rPr>
+                        <a:t>0.4916</a:t>
+                      </a:r>
+                    </a:p>
+                  </a:txBody>
+                  <a:tcPr anchor="ctr"/>
+                </a:tc>
+                <a:extLst>
+                  <a:ext uri="{0D108BD9-81ED-4DB2-BD59-A6C34878D82A}">
+                    <a16:rowId xmlns:a16="http://schemas.microsoft.com/office/drawing/2014/main" val="2775775737"/>
+                  </a:ext>
+                </a:extLst>
+              </a:tr>
+              <a:tr h="887174">
+                <a:tc>
+                  <a:txBody>
+                    <a:bodyPr/>
+                    <a:lstStyle/>
+                    <a:p>
+                      <a:pPr algn="ctr"/>
+                      <a:r>
+                        <a:rPr lang="en-US" dirty="0"/>
+                        <a:t>vgg_F1</a:t>
+                      </a:r>
+                    </a:p>
+                  </a:txBody>
+                  <a:tcPr anchor="ctr"/>
+                </a:tc>
+                <a:tc>
+                  <a:txBody>
+                    <a:bodyPr/>
+                    <a:lstStyle/>
+                    <a:p>
+                      <a:pPr algn="ctr"/>
+                      <a:r>
+                        <a:rPr lang="en-US" dirty="0"/>
+                        <a:t>0.806</a:t>
+                      </a:r>
+                    </a:p>
+                  </a:txBody>
+                  <a:tcPr anchor="ctr"/>
+                </a:tc>
+                <a:tc>
+                  <a:txBody>
+                    <a:bodyPr/>
+                    <a:lstStyle/>
+                    <a:p>
+                      <a:pPr algn="ctr"/>
+                      <a:r>
+                        <a:rPr lang="en-US" dirty="0"/>
+                        <a:t>0.760</a:t>
+                      </a:r>
+                    </a:p>
+                  </a:txBody>
+                  <a:tcPr anchor="ctr"/>
+                </a:tc>
+                <a:tc>
+                  <a:txBody>
+                    <a:bodyPr/>
+                    <a:lstStyle/>
+                    <a:p>
+                      <a:pPr algn="ctr"/>
+                      <a:r>
+                        <a:rPr lang="en-US" dirty="0"/>
+                        <a:t>0.758</a:t>
+                      </a:r>
+                    </a:p>
+                  </a:txBody>
+                  <a:tcPr anchor="ctr"/>
+                </a:tc>
+                <a:tc>
+                  <a:txBody>
+                    <a:bodyPr/>
+                    <a:lstStyle/>
+                    <a:p>
+                      <a:pPr algn="ctr"/>
+                      <a:r>
+                        <a:rPr lang="en-US" dirty="0"/>
+                        <a:t>0.839</a:t>
+                      </a:r>
+                    </a:p>
+                  </a:txBody>
+                  <a:tcPr anchor="ctr"/>
+                </a:tc>
+                <a:tc>
+                  <a:txBody>
+                    <a:bodyPr/>
+                    <a:lstStyle/>
+                    <a:p>
+                      <a:pPr algn="ctr"/>
+                      <a:r>
+                        <a:rPr lang="en-US" dirty="0"/>
+                        <a:t>0.759</a:t>
+                      </a:r>
+                    </a:p>
+                  </a:txBody>
+                  <a:tcPr anchor="ctr"/>
+                </a:tc>
+                <a:tc>
+                  <a:txBody>
+                    <a:bodyPr/>
+                    <a:lstStyle/>
+                    <a:p>
+                      <a:pPr algn="ctr"/>
+                      <a:r>
+                        <a:rPr lang="en-US" dirty="0"/>
+                        <a:t>0.4755</a:t>
+                      </a:r>
+                    </a:p>
+                  </a:txBody>
+                  <a:tcPr anchor="ctr"/>
+                </a:tc>
+                <a:extLst>
+                  <a:ext uri="{0D108BD9-81ED-4DB2-BD59-A6C34878D82A}">
+                    <a16:rowId xmlns:a16="http://schemas.microsoft.com/office/drawing/2014/main" val="618446083"/>
+                  </a:ext>
+                </a:extLst>
+              </a:tr>
+              <a:tr h="887174">
+                <a:tc>
+                  <a:txBody>
+                    <a:bodyPr/>
+                    <a:lstStyle/>
+                    <a:p>
+                      <a:pPr marL="0" marR="0" lvl="0" indent="0" algn="ctr" defTabSz="914400" rtl="0" eaLnBrk="1" fontAlgn="auto" latinLnBrk="0" hangingPunct="1">
+                        <a:lnSpc>
+                          <a:spcPct val="100000"/>
+                        </a:lnSpc>
+                        <a:spcBef>
+                          <a:spcPts val="0"/>
+                        </a:spcBef>
+                        <a:spcAft>
+                          <a:spcPts val="0"/>
+                        </a:spcAft>
+                        <a:buClrTx/>
+                        <a:buSzTx/>
+                        <a:buFontTx/>
+                        <a:buNone/>
+                        <a:tabLst/>
+                        <a:defRPr/>
+                      </a:pPr>
+                      <a:r>
+                        <a:rPr lang="en-US" dirty="0" err="1"/>
+                        <a:t>vgg_loss</a:t>
+                      </a:r>
+                      <a:endParaRPr lang="en-US" dirty="0"/>
+                    </a:p>
+                    <a:p>
+                      <a:pPr algn="ctr"/>
+                      <a:endParaRPr lang="en-US" dirty="0"/>
+                    </a:p>
+                  </a:txBody>
+                  <a:tcPr anchor="ctr"/>
+                </a:tc>
+                <a:tc>
+                  <a:txBody>
+                    <a:bodyPr/>
+                    <a:lstStyle/>
+                    <a:p>
+                      <a:pPr algn="ctr"/>
+                      <a:r>
+                        <a:rPr lang="en-US" dirty="0"/>
+                        <a:t>0.788</a:t>
+                      </a:r>
+                    </a:p>
+                  </a:txBody>
+                  <a:tcPr anchor="ctr"/>
+                </a:tc>
+                <a:tc>
+                  <a:txBody>
+                    <a:bodyPr/>
+                    <a:lstStyle/>
+                    <a:p>
+                      <a:pPr algn="ctr"/>
+                      <a:r>
+                        <a:rPr lang="en-US" dirty="0"/>
+                        <a:t>0.753</a:t>
+                      </a:r>
+                    </a:p>
+                  </a:txBody>
+                  <a:tcPr anchor="ctr"/>
+                </a:tc>
+                <a:tc>
+                  <a:txBody>
+                    <a:bodyPr/>
+                    <a:lstStyle/>
+                    <a:p>
+                      <a:pPr algn="ctr"/>
+                      <a:r>
+                        <a:rPr lang="en-US" dirty="0"/>
+                        <a:t>0.705</a:t>
+                      </a:r>
+                    </a:p>
+                  </a:txBody>
+                  <a:tcPr anchor="ctr"/>
+                </a:tc>
+                <a:tc>
+                  <a:txBody>
+                    <a:bodyPr/>
+                    <a:lstStyle/>
+                    <a:p>
+                      <a:pPr algn="ctr"/>
+                      <a:r>
+                        <a:rPr lang="en-US" dirty="0"/>
+                        <a:t>0.844</a:t>
+                      </a:r>
+                    </a:p>
+                  </a:txBody>
+                  <a:tcPr anchor="ctr"/>
+                </a:tc>
+                <a:tc>
+                  <a:txBody>
+                    <a:bodyPr/>
+                    <a:lstStyle/>
+                    <a:p>
+                      <a:pPr algn="ctr"/>
+                      <a:r>
+                        <a:rPr lang="en-US" dirty="0"/>
+                        <a:t>0.729</a:t>
+                      </a:r>
+                    </a:p>
+                  </a:txBody>
+                  <a:tcPr anchor="ctr"/>
+                </a:tc>
+                <a:tc>
+                  <a:txBody>
+                    <a:bodyPr/>
+                    <a:lstStyle/>
+                    <a:p>
+                      <a:pPr algn="ctr"/>
+                      <a:r>
+                        <a:rPr lang="en-US" dirty="0"/>
+                        <a:t>0.4869</a:t>
+                      </a:r>
+                    </a:p>
+                  </a:txBody>
+                  <a:tcPr anchor="ctr"/>
+                </a:tc>
+                <a:extLst>
+                  <a:ext uri="{0D108BD9-81ED-4DB2-BD59-A6C34878D82A}">
+                    <a16:rowId xmlns:a16="http://schemas.microsoft.com/office/drawing/2014/main" val="872347479"/>
+                  </a:ext>
+                </a:extLst>
+              </a:tr>
+            </a:tbl>
+          </a:graphicData>
+        </a:graphic>
+      </p:graphicFrame>
+    </p:spTree>
+    <p:extLst>
+      <p:ext uri="{BB962C8B-B14F-4D97-AF65-F5344CB8AC3E}">
+        <p14:creationId xmlns:p14="http://schemas.microsoft.com/office/powerpoint/2010/main" val="2310332564"/>
+      </p:ext>
+    </p:extLst>
+  </p:cSld>
+  <p:clrMapOvr>
+    <a:masterClrMapping/>
+  </p:clrMapOvr>
+</p:sld>
+</file>
+
+<file path=ppt/slides/slide93.xml><?xml version="1.0" encoding="utf-8"?>
 <p:sld xmlns:a="http://schemas.openxmlformats.org/drawingml/2006/main" xmlns:r="http://schemas.openxmlformats.org/officeDocument/2006/relationships" xmlns:p="http://schemas.openxmlformats.org/presentationml/2006/main">
   <p:cSld>
     <p:spTree>
@@ -46465,7 +50373,7 @@
 </p:sld>
 </file>
 
-<file path=ppt/slides/slide91.xml><?xml version="1.0" encoding="utf-8"?>
+<file path=ppt/slides/slide94.xml><?xml version="1.0" encoding="utf-8"?>
 <p:sld xmlns:a="http://schemas.openxmlformats.org/drawingml/2006/main" xmlns:r="http://schemas.openxmlformats.org/officeDocument/2006/relationships" xmlns:p="http://schemas.openxmlformats.org/presentationml/2006/main">
   <p:cSld>
     <p:spTree>
@@ -47270,7 +51178,7 @@
 </p:sld>
 </file>
 
-<file path=ppt/slides/slide92.xml><?xml version="1.0" encoding="utf-8"?>
+<file path=ppt/slides/slide95.xml><?xml version="1.0" encoding="utf-8"?>
 <p:sld xmlns:a="http://schemas.openxmlformats.org/drawingml/2006/main" xmlns:r="http://schemas.openxmlformats.org/officeDocument/2006/relationships" xmlns:p="http://schemas.openxmlformats.org/presentationml/2006/main">
   <p:cSld>
     <p:spTree>
@@ -48075,7 +51983,7 @@
 </p:sld>
 </file>
 
-<file path=ppt/slides/slide93.xml><?xml version="1.0" encoding="utf-8"?>
+<file path=ppt/slides/slide96.xml><?xml version="1.0" encoding="utf-8"?>
 <p:sld xmlns:a="http://schemas.openxmlformats.org/drawingml/2006/main" xmlns:r="http://schemas.openxmlformats.org/officeDocument/2006/relationships" xmlns:p="http://schemas.openxmlformats.org/presentationml/2006/main">
   <p:cSld>
     <p:spTree>
@@ -48869,7 +52777,7 @@
 </p:sld>
 </file>
 
-<file path=ppt/slides/slide94.xml><?xml version="1.0" encoding="utf-8"?>
+<file path=ppt/slides/slide97.xml><?xml version="1.0" encoding="utf-8"?>
 <p:sld xmlns:a="http://schemas.openxmlformats.org/drawingml/2006/main" xmlns:r="http://schemas.openxmlformats.org/officeDocument/2006/relationships" xmlns:p="http://schemas.openxmlformats.org/presentationml/2006/main">
   <p:cSld>
     <p:spTree>
@@ -49663,7 +53571,7 @@
 </p:sld>
 </file>
 
-<file path=ppt/slides/slide95.xml><?xml version="1.0" encoding="utf-8"?>
+<file path=ppt/slides/slide98.xml><?xml version="1.0" encoding="utf-8"?>
 <p:sld xmlns:a="http://schemas.openxmlformats.org/drawingml/2006/main" xmlns:r="http://schemas.openxmlformats.org/officeDocument/2006/relationships" xmlns:p="http://schemas.openxmlformats.org/presentationml/2006/main">
   <p:cSld>
     <p:spTree>
@@ -50460,7 +54368,7 @@
 </p:sld>
 </file>
 
-<file path=ppt/slides/slide96.xml><?xml version="1.0" encoding="utf-8"?>
+<file path=ppt/slides/slide99.xml><?xml version="1.0" encoding="utf-8"?>
 <p:sld xmlns:a="http://schemas.openxmlformats.org/drawingml/2006/main" xmlns:r="http://schemas.openxmlformats.org/officeDocument/2006/relationships" xmlns:p="http://schemas.openxmlformats.org/presentationml/2006/main">
   <p:cSld>
     <p:spTree>

--- a/BSD_Figures.pptx
+++ b/BSD_Figures.pptx
@@ -48835,7 +48835,11 @@
             <a:graphicFrameLocks noGrp="1"/>
           </p:cNvGraphicFramePr>
           <p:nvPr>
-            <p:extLst/>
+            <p:extLst>
+              <p:ext uri="{D42A27DB-BD31-4B8C-83A1-F6EECF244321}">
+                <p14:modId xmlns:p14="http://schemas.microsoft.com/office/powerpoint/2010/main" val="1281955993"/>
+              </p:ext>
+            </p:extLst>
           </p:nvPr>
         </p:nvGraphicFramePr>
         <p:xfrm>
@@ -49026,62 +49030,80 @@
                     <a:lstStyle/>
                     <a:p>
                       <a:pPr algn="ctr"/>
-                      <a:endParaRPr lang="en-US" dirty="0"/>
-                    </a:p>
-                  </a:txBody>
-                  <a:tcPr anchor="ctr"/>
-                </a:tc>
-                <a:tc>
-                  <a:txBody>
-                    <a:bodyPr/>
-                    <a:lstStyle/>
-                    <a:p>
-                      <a:pPr algn="ctr"/>
-                      <a:endParaRPr lang="en-US" dirty="0"/>
-                    </a:p>
-                  </a:txBody>
-                  <a:tcPr anchor="ctr"/>
-                </a:tc>
-                <a:tc>
-                  <a:txBody>
-                    <a:bodyPr/>
-                    <a:lstStyle/>
-                    <a:p>
-                      <a:pPr algn="ctr"/>
-                      <a:endParaRPr lang="en-US" dirty="0"/>
-                    </a:p>
-                  </a:txBody>
-                  <a:tcPr anchor="ctr"/>
-                </a:tc>
-                <a:tc>
-                  <a:txBody>
-                    <a:bodyPr/>
-                    <a:lstStyle/>
-                    <a:p>
-                      <a:pPr algn="ctr"/>
-                      <a:endParaRPr lang="en-US" dirty="0"/>
-                    </a:p>
-                  </a:txBody>
-                  <a:tcPr anchor="ctr"/>
-                </a:tc>
-                <a:tc>
-                  <a:txBody>
-                    <a:bodyPr/>
-                    <a:lstStyle/>
-                    <a:p>
-                      <a:pPr algn="ctr"/>
-                      <a:endParaRPr lang="en-US" dirty="0"/>
-                    </a:p>
-                  </a:txBody>
-                  <a:tcPr anchor="ctr"/>
-                </a:tc>
-                <a:tc>
-                  <a:txBody>
-                    <a:bodyPr/>
-                    <a:lstStyle/>
-                    <a:p>
-                      <a:pPr algn="ctr"/>
-                      <a:endParaRPr lang="en-US" dirty="0"/>
+                      <a:r>
+                        <a:rPr lang="en-US" dirty="0"/>
+                        <a:t>0.746</a:t>
+                      </a:r>
+                    </a:p>
+                  </a:txBody>
+                  <a:tcPr anchor="ctr"/>
+                </a:tc>
+                <a:tc>
+                  <a:txBody>
+                    <a:bodyPr/>
+                    <a:lstStyle/>
+                    <a:p>
+                      <a:pPr algn="ctr"/>
+                      <a:r>
+                        <a:rPr lang="en-US" dirty="0"/>
+                        <a:t>0.833</a:t>
+                      </a:r>
+                    </a:p>
+                  </a:txBody>
+                  <a:tcPr anchor="ctr"/>
+                </a:tc>
+                <a:tc>
+                  <a:txBody>
+                    <a:bodyPr/>
+                    <a:lstStyle/>
+                    <a:p>
+                      <a:pPr algn="ctr"/>
+                      <a:r>
+                        <a:rPr lang="en-US" dirty="0"/>
+                        <a:t>0.504</a:t>
+                      </a:r>
+                    </a:p>
+                  </a:txBody>
+                  <a:tcPr anchor="ctr"/>
+                </a:tc>
+                <a:tc>
+                  <a:txBody>
+                    <a:bodyPr/>
+                    <a:lstStyle/>
+                    <a:p>
+                      <a:pPr algn="ctr"/>
+                      <a:r>
+                        <a:rPr lang="en-US" dirty="0"/>
+                        <a:t>0.925</a:t>
+                      </a:r>
+                    </a:p>
+                  </a:txBody>
+                  <a:tcPr anchor="ctr"/>
+                </a:tc>
+                <a:tc>
+                  <a:txBody>
+                    <a:bodyPr/>
+                    <a:lstStyle/>
+                    <a:p>
+                      <a:pPr algn="ctr"/>
+                      <a:r>
+                        <a:rPr lang="en-US" dirty="0"/>
+                        <a:t>0.628</a:t>
+                      </a:r>
+                    </a:p>
+                  </a:txBody>
+                  <a:tcPr anchor="ctr"/>
+                </a:tc>
+                <a:tc>
+                  <a:txBody>
+                    <a:bodyPr/>
+                    <a:lstStyle/>
+                    <a:p>
+                      <a:pPr algn="ctr"/>
+                      <a:r>
+                        <a:rPr lang="en-US" dirty="0"/>
+                        <a:t>0.5254</a:t>
+                      </a:r>
                     </a:p>
                   </a:txBody>
                   <a:tcPr anchor="ctr"/>
@@ -49114,62 +49136,80 @@
                     <a:lstStyle/>
                     <a:p>
                       <a:pPr algn="ctr"/>
-                      <a:endParaRPr lang="en-US" dirty="0"/>
-                    </a:p>
-                  </a:txBody>
-                  <a:tcPr anchor="ctr"/>
-                </a:tc>
-                <a:tc>
-                  <a:txBody>
-                    <a:bodyPr/>
-                    <a:lstStyle/>
-                    <a:p>
-                      <a:pPr algn="ctr"/>
-                      <a:endParaRPr lang="en-US" dirty="0"/>
-                    </a:p>
-                  </a:txBody>
-                  <a:tcPr anchor="ctr"/>
-                </a:tc>
-                <a:tc>
-                  <a:txBody>
-                    <a:bodyPr/>
-                    <a:lstStyle/>
-                    <a:p>
-                      <a:pPr algn="ctr"/>
-                      <a:endParaRPr lang="en-US" dirty="0"/>
-                    </a:p>
-                  </a:txBody>
-                  <a:tcPr anchor="ctr"/>
-                </a:tc>
-                <a:tc>
-                  <a:txBody>
-                    <a:bodyPr/>
-                    <a:lstStyle/>
-                    <a:p>
-                      <a:pPr algn="ctr"/>
-                      <a:endParaRPr lang="en-US" dirty="0"/>
-                    </a:p>
-                  </a:txBody>
-                  <a:tcPr anchor="ctr"/>
-                </a:tc>
-                <a:tc>
-                  <a:txBody>
-                    <a:bodyPr/>
-                    <a:lstStyle/>
-                    <a:p>
-                      <a:pPr algn="ctr"/>
-                      <a:endParaRPr lang="en-US" dirty="0"/>
-                    </a:p>
-                  </a:txBody>
-                  <a:tcPr anchor="ctr"/>
-                </a:tc>
-                <a:tc>
-                  <a:txBody>
-                    <a:bodyPr/>
-                    <a:lstStyle/>
-                    <a:p>
-                      <a:pPr algn="ctr"/>
-                      <a:endParaRPr lang="en-US" dirty="0"/>
+                      <a:r>
+                        <a:rPr lang="en-US" dirty="0"/>
+                        <a:t>0.728</a:t>
+                      </a:r>
+                    </a:p>
+                  </a:txBody>
+                  <a:tcPr anchor="ctr"/>
+                </a:tc>
+                <a:tc>
+                  <a:txBody>
+                    <a:bodyPr/>
+                    <a:lstStyle/>
+                    <a:p>
+                      <a:pPr algn="ctr"/>
+                      <a:r>
+                        <a:rPr lang="en-US" dirty="0"/>
+                        <a:t>0.868</a:t>
+                      </a:r>
+                    </a:p>
+                  </a:txBody>
+                  <a:tcPr anchor="ctr"/>
+                </a:tc>
+                <a:tc>
+                  <a:txBody>
+                    <a:bodyPr/>
+                    <a:lstStyle/>
+                    <a:p>
+                      <a:pPr algn="ctr"/>
+                      <a:r>
+                        <a:rPr lang="en-US" dirty="0"/>
+                        <a:t>0.427</a:t>
+                      </a:r>
+                    </a:p>
+                  </a:txBody>
+                  <a:tcPr anchor="ctr"/>
+                </a:tc>
+                <a:tc>
+                  <a:txBody>
+                    <a:bodyPr/>
+                    <a:lstStyle/>
+                    <a:p>
+                      <a:pPr algn="ctr"/>
+                      <a:r>
+                        <a:rPr lang="en-US" dirty="0"/>
+                        <a:t>0.952</a:t>
+                      </a:r>
+                    </a:p>
+                  </a:txBody>
+                  <a:tcPr anchor="ctr"/>
+                </a:tc>
+                <a:tc>
+                  <a:txBody>
+                    <a:bodyPr/>
+                    <a:lstStyle/>
+                    <a:p>
+                      <a:pPr algn="ctr"/>
+                      <a:r>
+                        <a:rPr lang="en-US" dirty="0"/>
+                        <a:t>0.572</a:t>
+                      </a:r>
+                    </a:p>
+                  </a:txBody>
+                  <a:tcPr anchor="ctr"/>
+                </a:tc>
+                <a:tc>
+                  <a:txBody>
+                    <a:bodyPr/>
+                    <a:lstStyle/>
+                    <a:p>
+                      <a:pPr algn="ctr"/>
+                      <a:r>
+                        <a:rPr lang="en-US" dirty="0"/>
+                        <a:t>0.5608</a:t>
+                      </a:r>
                     </a:p>
                   </a:txBody>
                   <a:tcPr anchor="ctr"/>
@@ -49206,86 +49246,104 @@
                     <a:lstStyle/>
                     <a:p>
                       <a:pPr algn="ctr"/>
-                      <a:endParaRPr lang="en-US" dirty="0">
-                        <a:solidFill>
-                          <a:srgbClr val="FF0000"/>
-                        </a:solidFill>
-                      </a:endParaRPr>
-                    </a:p>
-                  </a:txBody>
-                  <a:tcPr anchor="ctr"/>
-                </a:tc>
-                <a:tc>
-                  <a:txBody>
-                    <a:bodyPr/>
-                    <a:lstStyle/>
-                    <a:p>
-                      <a:pPr algn="ctr"/>
-                      <a:endParaRPr lang="en-US" dirty="0">
-                        <a:solidFill>
-                          <a:srgbClr val="FF0000"/>
-                        </a:solidFill>
-                      </a:endParaRPr>
-                    </a:p>
-                  </a:txBody>
-                  <a:tcPr anchor="ctr"/>
-                </a:tc>
-                <a:tc>
-                  <a:txBody>
-                    <a:bodyPr/>
-                    <a:lstStyle/>
-                    <a:p>
-                      <a:pPr algn="ctr"/>
-                      <a:endParaRPr lang="en-US" dirty="0">
-                        <a:solidFill>
-                          <a:srgbClr val="FF0000"/>
-                        </a:solidFill>
-                      </a:endParaRPr>
-                    </a:p>
-                  </a:txBody>
-                  <a:tcPr anchor="ctr"/>
-                </a:tc>
-                <a:tc>
-                  <a:txBody>
-                    <a:bodyPr/>
-                    <a:lstStyle/>
-                    <a:p>
-                      <a:pPr algn="ctr"/>
-                      <a:endParaRPr lang="en-US" dirty="0">
-                        <a:solidFill>
-                          <a:srgbClr val="FF0000"/>
-                        </a:solidFill>
-                      </a:endParaRPr>
-                    </a:p>
-                  </a:txBody>
-                  <a:tcPr anchor="ctr"/>
-                </a:tc>
-                <a:tc>
-                  <a:txBody>
-                    <a:bodyPr/>
-                    <a:lstStyle/>
-                    <a:p>
-                      <a:pPr algn="ctr"/>
-                      <a:endParaRPr lang="en-US" dirty="0">
-                        <a:solidFill>
-                          <a:srgbClr val="FF0000"/>
-                        </a:solidFill>
-                      </a:endParaRPr>
-                    </a:p>
-                  </a:txBody>
-                  <a:tcPr anchor="ctr"/>
-                </a:tc>
-                <a:tc>
-                  <a:txBody>
-                    <a:bodyPr/>
-                    <a:lstStyle/>
-                    <a:p>
-                      <a:pPr algn="ctr"/>
-                      <a:endParaRPr lang="en-US" dirty="0">
-                        <a:solidFill>
-                          <a:srgbClr val="FF0000"/>
-                        </a:solidFill>
-                      </a:endParaRPr>
+                      <a:r>
+                        <a:rPr lang="en-US" dirty="0">
+                          <a:solidFill>
+                            <a:srgbClr val="FF0000"/>
+                          </a:solidFill>
+                  